--- a/机器学习入门.pptx
+++ b/机器学习入门.pptx
@@ -5,10 +5,10 @@
     <p:sldMasterId id="2147483660" r:id="rId1"/>
   </p:sldMasterIdLst>
   <p:notesMasterIdLst>
-    <p:notesMasterId r:id="rId20"/>
+    <p:notesMasterId r:id="rId22"/>
   </p:notesMasterIdLst>
   <p:handoutMasterIdLst>
-    <p:handoutMasterId r:id="rId21"/>
+    <p:handoutMasterId r:id="rId23"/>
   </p:handoutMasterIdLst>
   <p:sldIdLst>
     <p:sldId id="256" r:id="rId2"/>
@@ -29,6 +29,8 @@
     <p:sldId id="356" r:id="rId17"/>
     <p:sldId id="353" r:id="rId18"/>
     <p:sldId id="358" r:id="rId19"/>
+    <p:sldId id="359" r:id="rId20"/>
+    <p:sldId id="360" r:id="rId21"/>
   </p:sldIdLst>
   <p:sldSz cx="12192000" cy="6858000"/>
   <p:notesSz cx="6858000" cy="9144000"/>
@@ -231,7 +233,7 @@
           <a:p>
             <a:fld id="{4F008DF1-FEBF-0B42-BAEF-80253477F2CD}" type="datetimeFigureOut">
               <a:rPr kumimoji="1" lang="zh-CN" altLang="en-US" smtClean="0"/>
-              <a:t>2018/4/12</a:t>
+              <a:t>2018/4/20</a:t>
             </a:fld>
             <a:endParaRPr kumimoji="1" lang="zh-CN" altLang="en-US"/>
           </a:p>
@@ -397,7 +399,7 @@
           <a:p>
             <a:fld id="{4EC381E9-91C5-4038-AA82-DA62C619497A}" type="datetimeFigureOut">
               <a:rPr lang="zh-CN" altLang="en-US" smtClean="0"/>
-              <a:t>2018/4/12</a:t>
+              <a:t>2018/4/20</a:t>
             </a:fld>
             <a:endParaRPr lang="zh-CN" altLang="en-US"/>
           </a:p>
@@ -1297,7 +1299,7 @@
             <a:fld id="{BBB03C1E-6B36-441B-9FFE-D377CAF69C91}" type="datetime2">
               <a:rPr lang="zh-CN" altLang="en-US" sz="2100" smtClean="0"/>
               <a:pPr/>
-              <a:t>2018年4月12日</a:t>
+              <a:t>2018年4月20日</a:t>
             </a:fld>
             <a:endParaRPr lang="en-US" altLang="zh-CN" sz="2100" dirty="0"/>
           </a:p>
@@ -1383,7 +1385,7 @@
             </a:pPr>
             <a:fld id="{66FC0A0C-D2BF-F54B-AC69-85D92687E128}" type="datetime2">
               <a:rPr lang="zh-CN" altLang="en-US" smtClean="0"/>
-              <a:t>2018年4月12日</a:t>
+              <a:t>2018年4月20日</a:t>
             </a:fld>
             <a:endParaRPr lang="en-US" altLang="zh-CN" dirty="0"/>
           </a:p>
@@ -1576,7 +1578,7 @@
             </a:pPr>
             <a:fld id="{2F149BC0-8F7C-AD4E-A5EF-723D6509022B}" type="datetime2">
               <a:rPr lang="zh-CN" altLang="en-US" smtClean="0"/>
-              <a:t>2018年4月12日</a:t>
+              <a:t>2018年4月20日</a:t>
             </a:fld>
             <a:endParaRPr lang="en-US" altLang="zh-CN"/>
           </a:p>
@@ -1788,7 +1790,7 @@
             </a:pPr>
             <a:fld id="{E49C4954-FBA6-004C-9F64-B5906C493530}" type="datetime2">
               <a:rPr lang="zh-CN" altLang="en-US" smtClean="0"/>
-              <a:t>2018年4月12日</a:t>
+              <a:t>2018年4月20日</a:t>
             </a:fld>
             <a:endParaRPr lang="en-US" altLang="zh-CN"/>
           </a:p>
@@ -2056,7 +2058,7 @@
             </a:pPr>
             <a:fld id="{7AEC5EC9-DAF2-2246-B1A8-BF50D3A94F16}" type="datetime2">
               <a:rPr lang="zh-CN" altLang="en-US" smtClean="0"/>
-              <a:t>2018年4月12日</a:t>
+              <a:t>2018年4月20日</a:t>
             </a:fld>
             <a:endParaRPr lang="en-US" altLang="zh-CN"/>
           </a:p>
@@ -2241,7 +2243,7 @@
             </a:pPr>
             <a:fld id="{E94BCBA9-A64B-4A40-8440-30FE5787C8B2}" type="datetime2">
               <a:rPr lang="zh-CN" altLang="en-US" smtClean="0"/>
-              <a:t>2018年4月12日</a:t>
+              <a:t>2018年4月20日</a:t>
             </a:fld>
             <a:endParaRPr lang="en-US" altLang="zh-CN"/>
           </a:p>
@@ -2446,7 +2448,7 @@
             </a:pPr>
             <a:fld id="{95A2A19B-170D-1043-AE33-7A36DFB7BCDC}" type="datetime2">
               <a:rPr lang="zh-CN" altLang="en-US" smtClean="0"/>
-              <a:t>2018年4月12日</a:t>
+              <a:t>2018年4月20日</a:t>
             </a:fld>
             <a:endParaRPr lang="en-US" altLang="zh-CN"/>
           </a:p>
@@ -2665,7 +2667,7 @@
             </a:pPr>
             <a:fld id="{841F93BA-D9BF-BC4B-BA86-175867B95F50}" type="datetime2">
               <a:rPr lang="zh-CN" altLang="en-US" smtClean="0"/>
-              <a:t>2018年4月12日</a:t>
+              <a:t>2018年4月20日</a:t>
             </a:fld>
             <a:endParaRPr lang="en-US" altLang="zh-CN"/>
           </a:p>
@@ -2924,7 +2926,7 @@
             </a:pPr>
             <a:fld id="{4E97A401-5AD9-944A-97D0-B7D938414F8F}" type="datetime2">
               <a:rPr lang="zh-CN" altLang="en-US" smtClean="0"/>
-              <a:t>2018年4月12日</a:t>
+              <a:t>2018年4月20日</a:t>
             </a:fld>
             <a:endParaRPr lang="en-US" altLang="zh-CN"/>
           </a:p>
@@ -3322,7 +3324,7 @@
             </a:pPr>
             <a:fld id="{2DFD3F11-29DF-7F43-BDD3-524D0F58A418}" type="datetime2">
               <a:rPr lang="zh-CN" altLang="en-US" smtClean="0"/>
-              <a:t>2018年4月12日</a:t>
+              <a:t>2018年4月20日</a:t>
             </a:fld>
             <a:endParaRPr lang="en-US" altLang="zh-CN"/>
           </a:p>
@@ -3473,7 +3475,7 @@
             </a:pPr>
             <a:fld id="{0E714152-BEE6-8740-8BC2-BEA8A9605BAA}" type="datetime2">
               <a:rPr lang="zh-CN" altLang="en-US" smtClean="0"/>
-              <a:t>2018年4月12日</a:t>
+              <a:t>2018年4月20日</a:t>
             </a:fld>
             <a:endParaRPr lang="en-US" altLang="zh-CN"/>
           </a:p>
@@ -3602,7 +3604,7 @@
             </a:pPr>
             <a:fld id="{94C1308E-237D-9F4E-8509-7AA24F98750C}" type="datetime2">
               <a:rPr lang="zh-CN" altLang="en-US" smtClean="0"/>
-              <a:t>2018年4月12日</a:t>
+              <a:t>2018年4月20日</a:t>
             </a:fld>
             <a:endParaRPr lang="en-US" altLang="zh-CN"/>
           </a:p>
@@ -3911,7 +3913,7 @@
             </a:pPr>
             <a:fld id="{B049DA4E-5C6F-FB47-BC01-AAA2D0AD43C8}" type="datetime2">
               <a:rPr lang="zh-CN" altLang="en-US" smtClean="0"/>
-              <a:t>2018年4月12日</a:t>
+              <a:t>2018年4月20日</a:t>
             </a:fld>
             <a:endParaRPr lang="en-US" altLang="zh-CN"/>
           </a:p>
@@ -4198,7 +4200,7 @@
             </a:pPr>
             <a:fld id="{2DB90F44-F846-E443-858D-216A0A768584}" type="datetime2">
               <a:rPr lang="zh-CN" altLang="en-US" smtClean="0"/>
-              <a:t>2018年4月12日</a:t>
+              <a:t>2018年4月20日</a:t>
             </a:fld>
             <a:endParaRPr lang="en-US" altLang="zh-CN"/>
           </a:p>
@@ -4704,7 +4706,7 @@
             </a:pPr>
             <a:fld id="{7BCF5363-C0A9-D348-A026-116C987FE407}" type="datetime2">
               <a:rPr lang="zh-CN" altLang="en-US" smtClean="0"/>
-              <a:t>2018年4月12日</a:t>
+              <a:t>2018年4月20日</a:t>
             </a:fld>
             <a:endParaRPr lang="en-US" altLang="zh-CN" dirty="0"/>
           </a:p>
@@ -5458,7 +5460,7 @@
             </a:pPr>
             <a:fld id="{95A2A19B-170D-1043-AE33-7A36DFB7BCDC}" type="datetime2">
               <a:rPr lang="zh-CN" altLang="en-US" smtClean="0"/>
-              <a:t>2018年4月12日</a:t>
+              <a:t>2018年4月20日</a:t>
             </a:fld>
             <a:endParaRPr lang="en-US" altLang="zh-CN"/>
           </a:p>
@@ -5576,8 +5578,16 @@
           <a:p>
             <a:pPr algn="ctr"/>
             <a:r>
-              <a:rPr lang="en-US" altLang="zh-TW" sz="2400" dirty="0"/>
-              <a:t>A set of function</a:t>
+              <a:rPr lang="zh-CN" altLang="en-US" sz="2400" dirty="0"/>
+              <a:t>一系列</a:t>
+            </a:r>
+            <a:endParaRPr lang="en-US" altLang="zh-CN" sz="2400" dirty="0"/>
+          </a:p>
+          <a:p>
+            <a:pPr algn="ctr"/>
+            <a:r>
+              <a:rPr lang="zh-CN" altLang="en-US" sz="2400" dirty="0"/>
+              <a:t>函数</a:t>
             </a:r>
             <a:endParaRPr lang="zh-TW" altLang="en-US" sz="2400" dirty="0"/>
           </a:p>
@@ -5611,7 +5621,7 @@
           <a:graphicData uri="http://schemas.openxmlformats.org/presentationml/2006/ole">
             <mc:AlternateContent xmlns:mc="http://schemas.openxmlformats.org/markup-compatibility/2006">
               <mc:Choice xmlns:v="urn:schemas-microsoft-com:vml" Requires="v">
-                <p:oleObj spid="_x0000_s3118" name="方程式" r:id="rId4" imgW="520560" imgH="215640" progId="Equation.3">
+                <p:oleObj spid="_x0000_s3130" name="方程式" r:id="rId4" imgW="520560" imgH="215640" progId="Equation.3">
                   <p:embed/>
                 </p:oleObj>
               </mc:Choice>
@@ -5695,7 +5705,7 @@
             <a:graphicData uri="http://schemas.openxmlformats.org/presentationml/2006/ole">
               <mc:AlternateContent xmlns:mc="http://schemas.openxmlformats.org/markup-compatibility/2006">
                 <mc:Choice xmlns:v="urn:schemas-microsoft-com:vml" Requires="v">
-                  <p:oleObj spid="_x0000_s3119" name="方程式" r:id="rId6" imgW="990360" imgH="215640" progId="Equation.3">
+                  <p:oleObj spid="_x0000_s3131" name="方程式" r:id="rId6" imgW="990360" imgH="215640" progId="Equation.3">
                     <p:embed/>
                   </p:oleObj>
                 </mc:Choice>
@@ -5911,8 +5921,8 @@
           <a:p>
             <a:pPr algn="ctr"/>
             <a:r>
-              <a:rPr lang="en-US" altLang="zh-TW" sz="2800" dirty="0"/>
-              <a:t>Model</a:t>
+              <a:rPr lang="zh-CN" altLang="en-US" sz="2800" dirty="0"/>
+              <a:t>模型</a:t>
             </a:r>
             <a:endParaRPr lang="zh-TW" altLang="en-US" sz="2800" dirty="0"/>
           </a:p>
@@ -5959,15 +5969,8 @@
           <a:p>
             <a:pPr algn="ctr"/>
             <a:r>
-              <a:rPr lang="en-US" altLang="zh-TW" sz="2400" dirty="0"/>
-              <a:t>Training</a:t>
-            </a:r>
-          </a:p>
-          <a:p>
-            <a:pPr algn="ctr"/>
-            <a:r>
-              <a:rPr lang="en-US" altLang="zh-TW" sz="2400" dirty="0"/>
-              <a:t>Data</a:t>
+              <a:rPr lang="zh-CN" altLang="en-US" sz="2400" dirty="0"/>
+              <a:t>训练集</a:t>
             </a:r>
             <a:endParaRPr lang="zh-TW" altLang="en-US" sz="2400" dirty="0"/>
           </a:p>
@@ -6014,8 +6017,24 @@
           <a:p>
             <a:pPr algn="ctr"/>
             <a:r>
-              <a:rPr lang="en-US" altLang="zh-TW" sz="2400" dirty="0"/>
-              <a:t>Goodness of function f</a:t>
+              <a:rPr lang="zh-CN" altLang="en-US" sz="2400" dirty="0"/>
+              <a:t>函数</a:t>
+            </a:r>
+            <a:r>
+              <a:rPr lang="en-US" altLang="zh-CN" sz="2400" dirty="0"/>
+              <a:t>f</a:t>
+            </a:r>
+            <a:r>
+              <a:rPr lang="zh-CN" altLang="en-US" sz="2400" dirty="0"/>
+              <a:t>的</a:t>
+            </a:r>
+            <a:endParaRPr lang="en-US" altLang="zh-CN" sz="2400" dirty="0"/>
+          </a:p>
+          <a:p>
+            <a:pPr algn="ctr"/>
+            <a:r>
+              <a:rPr lang="zh-CN" altLang="en-US" sz="2400" dirty="0"/>
+              <a:t>表现</a:t>
             </a:r>
             <a:endParaRPr lang="en-US" altLang="zh-TW" sz="2400" baseline="30000" dirty="0"/>
           </a:p>
@@ -6145,8 +6164,12 @@
           <a:p>
             <a:pPr algn="ctr"/>
             <a:r>
+              <a:rPr lang="zh-CN" altLang="en-US" sz="2400" dirty="0"/>
+              <a:t>更好</a:t>
+            </a:r>
+            <a:r>
               <a:rPr lang="en-US" altLang="zh-TW" sz="2400" dirty="0"/>
-              <a:t>Better!</a:t>
+              <a:t>!</a:t>
             </a:r>
             <a:endParaRPr lang="zh-TW" altLang="en-US" sz="2400" dirty="0"/>
           </a:p>
@@ -7246,7 +7269,7 @@
             </a:pPr>
             <a:fld id="{95A2A19B-170D-1043-AE33-7A36DFB7BCDC}" type="datetime2">
               <a:rPr lang="zh-CN" altLang="en-US" smtClean="0"/>
-              <a:t>2018年4月12日</a:t>
+              <a:t>2018年4月20日</a:t>
             </a:fld>
             <a:endParaRPr lang="en-US" altLang="zh-CN"/>
           </a:p>
@@ -7395,7 +7418,7 @@
           <a:graphicData uri="http://schemas.openxmlformats.org/presentationml/2006/ole">
             <mc:AlternateContent xmlns:mc="http://schemas.openxmlformats.org/markup-compatibility/2006">
               <mc:Choice xmlns:v="urn:schemas-microsoft-com:vml" Requires="v">
-                <p:oleObj spid="_x0000_s4158" name="方程式" r:id="rId3" imgW="520560" imgH="215640" progId="Equation.3">
+                <p:oleObj spid="_x0000_s4173" name="方程式" r:id="rId3" imgW="520560" imgH="215640" progId="Equation.3">
                   <p:embed/>
                 </p:oleObj>
               </mc:Choice>
@@ -7899,7 +7922,7 @@
           <a:graphicData uri="http://schemas.openxmlformats.org/presentationml/2006/ole">
             <mc:AlternateContent xmlns:mc="http://schemas.openxmlformats.org/markup-compatibility/2006">
               <mc:Choice xmlns:v="urn:schemas-microsoft-com:vml" Requires="v">
-                <p:oleObj spid="_x0000_s4159" name="方程式" r:id="rId8" imgW="203040" imgH="228600" progId="Equation.3">
+                <p:oleObj spid="_x0000_s4174" name="方程式" r:id="rId8" imgW="203040" imgH="228600" progId="Equation.3">
                   <p:embed/>
                 </p:oleObj>
               </mc:Choice>
@@ -8169,7 +8192,7 @@
           <a:graphicData uri="http://schemas.openxmlformats.org/presentationml/2006/ole">
             <mc:AlternateContent xmlns:mc="http://schemas.openxmlformats.org/markup-compatibility/2006">
               <mc:Choice xmlns:v="urn:schemas-microsoft-com:vml" Requires="v">
-                <p:oleObj spid="_x0000_s4160" name="方程式" r:id="rId10" imgW="203040" imgH="228600" progId="Equation.3">
+                <p:oleObj spid="_x0000_s4175" name="方程式" r:id="rId10" imgW="203040" imgH="228600" progId="Equation.3">
                   <p:embed/>
                 </p:oleObj>
               </mc:Choice>
@@ -9801,7 +9824,7 @@
             </a:pPr>
             <a:fld id="{95A2A19B-170D-1043-AE33-7A36DFB7BCDC}" type="datetime2">
               <a:rPr lang="zh-CN" altLang="en-US" smtClean="0"/>
-              <a:t>2018年4月12日</a:t>
+              <a:t>2018年4月20日</a:t>
             </a:fld>
             <a:endParaRPr lang="en-US" altLang="zh-CN" dirty="0"/>
           </a:p>
@@ -10057,7 +10080,7 @@
             </a:pPr>
             <a:fld id="{95A2A19B-170D-1043-AE33-7A36DFB7BCDC}" type="datetime2">
               <a:rPr lang="zh-CN" altLang="en-US" smtClean="0"/>
-              <a:t>2018年4月12日</a:t>
+              <a:t>2018年4月20日</a:t>
             </a:fld>
             <a:endParaRPr lang="en-US" altLang="zh-CN"/>
           </a:p>
@@ -11466,7 +11489,7 @@
             </a:pPr>
             <a:fld id="{0E714152-BEE6-8740-8BC2-BEA8A9605BAA}" type="datetime2">
               <a:rPr lang="zh-CN" altLang="en-US" smtClean="0"/>
-              <a:t>2018年4月12日</a:t>
+              <a:t>2018年4月20日</a:t>
             </a:fld>
             <a:endParaRPr lang="en-US" altLang="zh-CN"/>
           </a:p>
@@ -11766,7 +11789,7 @@
             </a:pPr>
             <a:fld id="{95A2A19B-170D-1043-AE33-7A36DFB7BCDC}" type="datetime2">
               <a:rPr lang="zh-CN" altLang="en-US" smtClean="0"/>
-              <a:t>2018年4月12日</a:t>
+              <a:t>2018年4月20日</a:t>
             </a:fld>
             <a:endParaRPr lang="en-US" altLang="zh-CN"/>
           </a:p>
@@ -12014,7 +12037,7 @@
             </a:pPr>
             <a:fld id="{95A2A19B-170D-1043-AE33-7A36DFB7BCDC}" type="datetime2">
               <a:rPr lang="zh-CN" altLang="en-US" smtClean="0"/>
-              <a:t>2018年4月12日</a:t>
+              <a:t>2018年4月20日</a:t>
             </a:fld>
             <a:endParaRPr lang="en-US" altLang="zh-CN"/>
           </a:p>
@@ -12204,31 +12227,381 @@
           </a:p>
         </p:txBody>
       </p:sp>
-      <p:sp>
-        <p:nvSpPr>
-          <p:cNvPr id="3" name="内容占位符 2">
+      <mc:AlternateContent xmlns:mc="http://schemas.openxmlformats.org/markup-compatibility/2006" xmlns:a14="http://schemas.microsoft.com/office/drawing/2010/main">
+        <mc:Choice Requires="a14">
+          <p:sp>
+            <p:nvSpPr>
+              <p:cNvPr id="12" name="内容占位符 11">
+                <a:extLst>
+                  <a:ext uri="{FF2B5EF4-FFF2-40B4-BE49-F238E27FC236}">
+                    <a16:creationId xmlns:a16="http://schemas.microsoft.com/office/drawing/2014/main" id="{9A636946-A956-43FD-9D29-8526A6B369D5}"/>
+                  </a:ext>
+                </a:extLst>
+              </p:cNvPr>
+              <p:cNvSpPr>
+                <a:spLocks noGrp="1"/>
+              </p:cNvSpPr>
+              <p:nvPr>
+                <p:ph sz="half" idx="1"/>
+              </p:nvPr>
+            </p:nvSpPr>
+            <p:spPr>
+              <a:xfrm>
+                <a:off x="755651" y="1052516"/>
+                <a:ext cx="6520638" cy="5086477"/>
+              </a:xfrm>
+            </p:spPr>
+            <p:txBody>
+              <a:bodyPr anchor="ctr"/>
+              <a:lstStyle/>
+              <a:p>
+                <a:r>
+                  <a:rPr lang="zh-CN" altLang="en-US" dirty="0"/>
+                  <a:t>监督学习：</a:t>
+                </a:r>
+                <a:endParaRPr lang="en-US" altLang="zh-CN" dirty="0"/>
+              </a:p>
+              <a:p>
+                <a:pPr lvl="1"/>
+                <a:r>
+                  <a:rPr lang="zh-CN" altLang="en-US" dirty="0"/>
+                  <a:t>已知的数据有</a:t>
+                </a:r>
+                <a:r>
+                  <a:rPr lang="zh-CN" altLang="en-US" b="1" dirty="0"/>
+                  <a:t>正确结果</a:t>
+                </a:r>
+                <a:endParaRPr lang="en-US" altLang="zh-CN" b="1" dirty="0"/>
+              </a:p>
+              <a:p>
+                <a:pPr lvl="1"/>
+                <a:endParaRPr lang="en-US" altLang="zh-CN" dirty="0"/>
+              </a:p>
+              <a:p>
+                <a:r>
+                  <a:rPr lang="zh-CN" altLang="en-US" dirty="0"/>
+                  <a:t>回归：</a:t>
+                </a:r>
+                <a:endParaRPr lang="en-US" altLang="zh-CN" dirty="0"/>
+              </a:p>
+              <a:p>
+                <a:pPr lvl="1"/>
+                <a:r>
+                  <a:rPr lang="zh-CN" altLang="en-US" dirty="0"/>
+                  <a:t>预测的输出是</a:t>
+                </a:r>
+                <a:r>
+                  <a:rPr lang="zh-CN" altLang="en-US" b="1" dirty="0"/>
+                  <a:t>连续值</a:t>
+                </a:r>
+                <a:endParaRPr lang="en-US" altLang="zh-CN" b="1" dirty="0"/>
+              </a:p>
+              <a:p>
+                <a:pPr lvl="1"/>
+                <a:endParaRPr lang="en-US" altLang="zh-CN" b="1" dirty="0"/>
+              </a:p>
+              <a:p>
+                <a:r>
+                  <a:rPr lang="zh-CN" altLang="en-US" dirty="0"/>
+                  <a:t>符号表示：</a:t>
+                </a:r>
+                <a:endParaRPr lang="en-US" altLang="zh-CN" dirty="0"/>
+              </a:p>
+              <a:p>
+                <a:pPr lvl="1"/>
+                <a:r>
+                  <a:rPr lang="en-US" altLang="zh-CN" b="1" i="1" dirty="0">
+                    <a:latin typeface="Times New Roman" panose="02020603050405020304" pitchFamily="18" charset="0"/>
+                    <a:cs typeface="Times New Roman" panose="02020603050405020304" pitchFamily="18" charset="0"/>
+                  </a:rPr>
+                  <a:t>x</a:t>
+                </a:r>
+                <a:r>
+                  <a:rPr lang="en-US" altLang="zh-CN" dirty="0"/>
+                  <a:t>: </a:t>
+                </a:r>
+                <a:r>
+                  <a:rPr lang="zh-CN" altLang="en-US" dirty="0"/>
+                  <a:t>输入值</a:t>
+                </a:r>
+                <a:r>
+                  <a:rPr lang="en-US" altLang="zh-CN" dirty="0"/>
+                  <a:t>/</a:t>
+                </a:r>
+                <a:r>
+                  <a:rPr lang="zh-CN" altLang="en-US" dirty="0"/>
+                  <a:t>特征</a:t>
+                </a:r>
+                <a:r>
+                  <a:rPr lang="en-US" altLang="zh-CN" dirty="0"/>
+                  <a:t>(feature)</a:t>
+                </a:r>
+              </a:p>
+              <a:p>
+                <a:pPr lvl="1"/>
+                <a:r>
+                  <a:rPr lang="en-US" altLang="zh-CN" b="1" i="1" dirty="0">
+                    <a:latin typeface="Times New Roman" panose="02020603050405020304" pitchFamily="18" charset="0"/>
+                    <a:cs typeface="Times New Roman" panose="02020603050405020304" pitchFamily="18" charset="0"/>
+                  </a:rPr>
+                  <a:t>y</a:t>
+                </a:r>
+                <a:r>
+                  <a:rPr lang="en-US" altLang="zh-CN" dirty="0"/>
+                  <a:t>: </a:t>
+                </a:r>
+                <a:r>
+                  <a:rPr lang="zh-CN" altLang="en-US" dirty="0"/>
+                  <a:t>输出值</a:t>
+                </a:r>
+                <a:r>
+                  <a:rPr lang="en-US" altLang="zh-CN" dirty="0"/>
+                  <a:t>/</a:t>
+                </a:r>
+                <a:r>
+                  <a:rPr lang="zh-CN" altLang="en-US" dirty="0"/>
+                  <a:t>目标</a:t>
+                </a:r>
+                <a:r>
+                  <a:rPr lang="en-US" altLang="zh-CN" dirty="0"/>
+                  <a:t>(target)</a:t>
+                </a:r>
+              </a:p>
+              <a:p>
+                <a:pPr lvl="1"/>
+                <a14:m>
+                  <m:oMath xmlns:m="http://schemas.openxmlformats.org/officeDocument/2006/math">
+                    <m:r>
+                      <a:rPr lang="en-US" altLang="zh-CN" b="0" i="1" smtClean="0">
+                        <a:latin typeface="Cambria Math" panose="02040503050406030204" pitchFamily="18" charset="0"/>
+                      </a:rPr>
+                      <m:t>(</m:t>
+                    </m:r>
+                    <m:sSup>
+                      <m:sSupPr>
+                        <m:ctrlPr>
+                          <a:rPr lang="en-US" altLang="zh-CN" b="0" i="1" smtClean="0">
+                            <a:latin typeface="Cambria Math" panose="02040503050406030204" pitchFamily="18" charset="0"/>
+                          </a:rPr>
+                        </m:ctrlPr>
+                      </m:sSupPr>
+                      <m:e>
+                        <m:r>
+                          <a:rPr lang="en-US" altLang="zh-CN" b="0" i="1" smtClean="0">
+                            <a:latin typeface="Cambria Math" panose="02040503050406030204" pitchFamily="18" charset="0"/>
+                          </a:rPr>
+                          <m:t>𝑥</m:t>
+                        </m:r>
+                      </m:e>
+                      <m:sup>
+                        <m:d>
+                          <m:dPr>
+                            <m:ctrlPr>
+                              <a:rPr lang="en-US" altLang="zh-CN" b="0" i="1" smtClean="0">
+                                <a:latin typeface="Cambria Math" panose="02040503050406030204" pitchFamily="18" charset="0"/>
+                              </a:rPr>
+                            </m:ctrlPr>
+                          </m:dPr>
+                          <m:e>
+                            <m:r>
+                              <a:rPr lang="en-US" altLang="zh-CN" b="0" i="1" smtClean="0">
+                                <a:latin typeface="Cambria Math" panose="02040503050406030204" pitchFamily="18" charset="0"/>
+                              </a:rPr>
+                              <m:t>𝑖</m:t>
+                            </m:r>
+                          </m:e>
+                        </m:d>
+                      </m:sup>
+                    </m:sSup>
+                    <m:r>
+                      <a:rPr lang="en-US" altLang="zh-CN" b="0" i="1" smtClean="0">
+                        <a:latin typeface="Cambria Math" panose="02040503050406030204" pitchFamily="18" charset="0"/>
+                      </a:rPr>
+                      <m:t>,</m:t>
+                    </m:r>
+                    <m:sSup>
+                      <m:sSupPr>
+                        <m:ctrlPr>
+                          <a:rPr lang="en-US" altLang="zh-CN" b="0" i="1" smtClean="0">
+                            <a:latin typeface="Cambria Math" panose="02040503050406030204" pitchFamily="18" charset="0"/>
+                          </a:rPr>
+                        </m:ctrlPr>
+                      </m:sSupPr>
+                      <m:e>
+                        <m:r>
+                          <a:rPr lang="en-US" altLang="zh-CN" b="0" i="1" smtClean="0">
+                            <a:latin typeface="Cambria Math" panose="02040503050406030204" pitchFamily="18" charset="0"/>
+                          </a:rPr>
+                          <m:t>𝑦</m:t>
+                        </m:r>
+                      </m:e>
+                      <m:sup>
+                        <m:r>
+                          <a:rPr lang="en-US" altLang="zh-CN" b="0" i="1" smtClean="0">
+                            <a:latin typeface="Cambria Math" panose="02040503050406030204" pitchFamily="18" charset="0"/>
+                          </a:rPr>
+                          <m:t>(</m:t>
+                        </m:r>
+                        <m:r>
+                          <a:rPr lang="en-US" altLang="zh-CN" b="0" i="1" smtClean="0">
+                            <a:latin typeface="Cambria Math" panose="02040503050406030204" pitchFamily="18" charset="0"/>
+                          </a:rPr>
+                          <m:t>𝑖</m:t>
+                        </m:r>
+                        <m:r>
+                          <a:rPr lang="en-US" altLang="zh-CN" b="0" i="1" smtClean="0">
+                            <a:latin typeface="Cambria Math" panose="02040503050406030204" pitchFamily="18" charset="0"/>
+                          </a:rPr>
+                          <m:t>)</m:t>
+                        </m:r>
+                      </m:sup>
+                    </m:sSup>
+                    <m:r>
+                      <a:rPr lang="en-US" altLang="zh-CN" b="0" i="1" smtClean="0">
+                        <a:latin typeface="Cambria Math" panose="02040503050406030204" pitchFamily="18" charset="0"/>
+                      </a:rPr>
+                      <m:t>)</m:t>
+                    </m:r>
+                  </m:oMath>
+                </a14:m>
+                <a:r>
+                  <a:rPr lang="en-US" altLang="zh-CN" dirty="0"/>
+                  <a:t>: </a:t>
+                </a:r>
+                <a:r>
+                  <a:rPr lang="zh-CN" altLang="en-US" dirty="0"/>
+                  <a:t>表示第</a:t>
+                </a:r>
+                <a:r>
+                  <a:rPr lang="en-US" altLang="zh-CN" i="1" dirty="0" err="1"/>
+                  <a:t>i</a:t>
+                </a:r>
+                <a:r>
+                  <a:rPr lang="zh-CN" altLang="en-US" dirty="0"/>
+                  <a:t>个训练实例</a:t>
+                </a:r>
+                <a:r>
+                  <a:rPr lang="en-US" altLang="zh-CN" dirty="0"/>
+                  <a:t>(training example)</a:t>
+                </a:r>
+              </a:p>
+              <a:p>
+                <a:pPr lvl="1"/>
+                <a:r>
+                  <a:rPr lang="en-US" altLang="zh-CN" b="1" i="1" dirty="0">
+                    <a:latin typeface="Times New Roman" panose="02020603050405020304" pitchFamily="18" charset="0"/>
+                    <a:cs typeface="Times New Roman" panose="02020603050405020304" pitchFamily="18" charset="0"/>
+                  </a:rPr>
+                  <a:t>x</a:t>
+                </a:r>
+                <a:r>
+                  <a:rPr lang="zh-CN" altLang="en-US" dirty="0">
+                    <a:latin typeface="Times New Roman" panose="02020603050405020304" pitchFamily="18" charset="0"/>
+                    <a:cs typeface="Times New Roman" panose="02020603050405020304" pitchFamily="18" charset="0"/>
+                  </a:rPr>
+                  <a:t>和</a:t>
+                </a:r>
+                <a:r>
+                  <a:rPr lang="en-US" altLang="zh-CN" b="1" i="1" dirty="0">
+                    <a:latin typeface="Times New Roman" panose="02020603050405020304" pitchFamily="18" charset="0"/>
+                    <a:cs typeface="Times New Roman" panose="02020603050405020304" pitchFamily="18" charset="0"/>
+                  </a:rPr>
+                  <a:t>y</a:t>
+                </a:r>
+                <a:r>
+                  <a:rPr lang="zh-CN" altLang="en-US" dirty="0">
+                    <a:latin typeface="Times New Roman" panose="02020603050405020304" pitchFamily="18" charset="0"/>
+                    <a:cs typeface="Times New Roman" panose="02020603050405020304" pitchFamily="18" charset="0"/>
+                  </a:rPr>
+                  <a:t>可</a:t>
+                </a:r>
+                <a:r>
+                  <a:rPr lang="zh-CN" altLang="en-US" dirty="0"/>
+                  <a:t>表示为向量</a:t>
+                </a:r>
+              </a:p>
+            </p:txBody>
+          </p:sp>
+        </mc:Choice>
+        <mc:Fallback xmlns="">
+          <p:sp>
+            <p:nvSpPr>
+              <p:cNvPr id="12" name="内容占位符 11">
+                <a:extLst>
+                  <a:ext uri="{FF2B5EF4-FFF2-40B4-BE49-F238E27FC236}">
+                    <a16:creationId xmlns:a16="http://schemas.microsoft.com/office/drawing/2014/main" id="{9A636946-A956-43FD-9D29-8526A6B369D5}"/>
+                  </a:ext>
+                </a:extLst>
+              </p:cNvPr>
+              <p:cNvSpPr>
+                <a:spLocks noGrp="1" noRot="1" noChangeAspect="1" noMove="1" noResize="1" noEditPoints="1" noAdjustHandles="1" noChangeArrowheads="1" noChangeShapeType="1" noTextEdit="1"/>
+              </p:cNvSpPr>
+              <p:nvPr>
+                <p:ph sz="half" idx="1"/>
+              </p:nvPr>
+            </p:nvSpPr>
+            <p:spPr>
+              <a:xfrm>
+                <a:off x="755651" y="1052516"/>
+                <a:ext cx="6520638" cy="5086477"/>
+              </a:xfrm>
+              <a:blipFill>
+                <a:blip r:embed="rId2"/>
+                <a:stretch>
+                  <a:fillRect l="-1121" r="-654"/>
+                </a:stretch>
+              </a:blipFill>
+            </p:spPr>
+            <p:txBody>
+              <a:bodyPr/>
+              <a:lstStyle/>
+              <a:p>
+                <a:r>
+                  <a:rPr lang="zh-CN" altLang="en-US">
+                    <a:noFill/>
+                  </a:rPr>
+                  <a:t> </a:t>
+                </a:r>
+              </a:p>
+            </p:txBody>
+          </p:sp>
+        </mc:Fallback>
+      </mc:AlternateContent>
+      <p:pic>
+        <p:nvPicPr>
+          <p:cNvPr id="15" name="内容占位符 14">
             <a:extLst>
               <a:ext uri="{FF2B5EF4-FFF2-40B4-BE49-F238E27FC236}">
-                <a16:creationId xmlns:a16="http://schemas.microsoft.com/office/drawing/2014/main" id="{77005CE9-1E65-4C42-A601-F55892194B0F}"/>
+                <a16:creationId xmlns:a16="http://schemas.microsoft.com/office/drawing/2014/main" id="{3522E053-E523-498D-8B06-C20AB220B3B0}"/>
               </a:ext>
             </a:extLst>
           </p:cNvPr>
-          <p:cNvSpPr>
-            <a:spLocks noGrp="1"/>
-          </p:cNvSpPr>
+          <p:cNvPicPr>
+            <a:picLocks noGrp="1" noChangeAspect="1"/>
+          </p:cNvPicPr>
           <p:nvPr>
-            <p:ph idx="1"/>
+            <p:ph sz="half" idx="2"/>
           </p:nvPr>
-        </p:nvSpPr>
-        <p:spPr/>
-        <p:txBody>
-          <a:bodyPr/>
-          <a:lstStyle/>
-          <a:p>
-            <a:endParaRPr lang="zh-CN" altLang="en-US" dirty="0"/>
-          </a:p>
-        </p:txBody>
-      </p:sp>
+        </p:nvPicPr>
+        <p:blipFill>
+          <a:blip r:embed="rId3">
+            <a:extLst>
+              <a:ext uri="{28A0092B-C50C-407E-A947-70E740481C1C}">
+                <a14:useLocalDpi xmlns:a14="http://schemas.microsoft.com/office/drawing/2010/main" val="0"/>
+              </a:ext>
+            </a:extLst>
+          </a:blip>
+          <a:stretch>
+            <a:fillRect/>
+          </a:stretch>
+        </p:blipFill>
+        <p:spPr>
+          <a:xfrm>
+            <a:off x="7276289" y="1198635"/>
+            <a:ext cx="4157944" cy="2771962"/>
+          </a:xfrm>
+        </p:spPr>
+      </p:pic>
       <p:sp>
         <p:nvSpPr>
           <p:cNvPr id="4" name="日期占位符 3">
@@ -12255,7 +12628,7 @@
             </a:pPr>
             <a:fld id="{95A2A19B-170D-1043-AE33-7A36DFB7BCDC}" type="datetime2">
               <a:rPr lang="zh-CN" altLang="en-US" smtClean="0"/>
-              <a:t>2018年4月12日</a:t>
+              <a:t>2018年4月20日</a:t>
             </a:fld>
             <a:endParaRPr lang="en-US" altLang="zh-CN"/>
           </a:p>
@@ -12328,6 +12701,249 @@
           </a:p>
         </p:txBody>
       </p:sp>
+      <p:graphicFrame>
+        <p:nvGraphicFramePr>
+          <p:cNvPr id="16" name="内容占位符 6">
+            <a:extLst>
+              <a:ext uri="{FF2B5EF4-FFF2-40B4-BE49-F238E27FC236}">
+                <a16:creationId xmlns:a16="http://schemas.microsoft.com/office/drawing/2014/main" id="{EB980026-D29F-4C6E-9BFC-18210325D87E}"/>
+              </a:ext>
+            </a:extLst>
+          </p:cNvPr>
+          <p:cNvGraphicFramePr>
+            <a:graphicFrameLocks/>
+          </p:cNvGraphicFramePr>
+          <p:nvPr>
+            <p:extLst>
+              <p:ext uri="{D42A27DB-BD31-4B8C-83A1-F6EECF244321}">
+                <p14:modId xmlns:p14="http://schemas.microsoft.com/office/powerpoint/2010/main" val="1393343242"/>
+              </p:ext>
+            </p:extLst>
+          </p:nvPr>
+        </p:nvGraphicFramePr>
+        <p:xfrm>
+          <a:off x="8224646" y="4284794"/>
+          <a:ext cx="2425566" cy="1854200"/>
+        </p:xfrm>
+        <a:graphic>
+          <a:graphicData uri="http://schemas.openxmlformats.org/drawingml/2006/table">
+            <a:tbl>
+              <a:tblPr firstRow="1" bandRow="1">
+                <a:tableStyleId>{073A0DAA-6AF3-43AB-8588-CEC1D06C72B9}</a:tableStyleId>
+              </a:tblPr>
+              <a:tblGrid>
+                <a:gridCol w="1212783">
+                  <a:extLst>
+                    <a:ext uri="{9D8B030D-6E8A-4147-A177-3AD203B41FA5}">
+                      <a16:colId xmlns:a16="http://schemas.microsoft.com/office/drawing/2014/main" val="849694925"/>
+                    </a:ext>
+                  </a:extLst>
+                </a:gridCol>
+                <a:gridCol w="1212783">
+                  <a:extLst>
+                    <a:ext uri="{9D8B030D-6E8A-4147-A177-3AD203B41FA5}">
+                      <a16:colId xmlns:a16="http://schemas.microsoft.com/office/drawing/2014/main" val="2032597962"/>
+                    </a:ext>
+                  </a:extLst>
+                </a:gridCol>
+              </a:tblGrid>
+              <a:tr h="370840">
+                <a:tc>
+                  <a:txBody>
+                    <a:bodyPr/>
+                    <a:lstStyle/>
+                    <a:p>
+                      <a:pPr algn="ctr"/>
+                      <a:r>
+                        <a:rPr lang="zh-CN" altLang="en-US" dirty="0"/>
+                        <a:t>面积 </a:t>
+                      </a:r>
+                      <a:r>
+                        <a:rPr lang="en-US" altLang="zh-CN" dirty="0"/>
+                        <a:t>(x)</a:t>
+                      </a:r>
+                      <a:endParaRPr lang="zh-CN" altLang="en-US" dirty="0"/>
+                    </a:p>
+                  </a:txBody>
+                  <a:tcPr/>
+                </a:tc>
+                <a:tc>
+                  <a:txBody>
+                    <a:bodyPr/>
+                    <a:lstStyle/>
+                    <a:p>
+                      <a:pPr algn="ctr"/>
+                      <a:r>
+                        <a:rPr lang="zh-CN" altLang="en-US" dirty="0"/>
+                        <a:t>房价 </a:t>
+                      </a:r>
+                      <a:r>
+                        <a:rPr lang="en-US" altLang="zh-CN" dirty="0"/>
+                        <a:t>(y)</a:t>
+                      </a:r>
+                      <a:endParaRPr lang="zh-CN" altLang="en-US" dirty="0"/>
+                    </a:p>
+                  </a:txBody>
+                  <a:tcPr/>
+                </a:tc>
+                <a:extLst>
+                  <a:ext uri="{0D108BD9-81ED-4DB2-BD59-A6C34878D82A}">
+                    <a16:rowId xmlns:a16="http://schemas.microsoft.com/office/drawing/2014/main" val="246005499"/>
+                  </a:ext>
+                </a:extLst>
+              </a:tr>
+              <a:tr h="370840">
+                <a:tc>
+                  <a:txBody>
+                    <a:bodyPr/>
+                    <a:lstStyle/>
+                    <a:p>
+                      <a:pPr algn="ctr"/>
+                      <a:r>
+                        <a:rPr lang="en-US" altLang="zh-CN" dirty="0"/>
+                        <a:t>110</a:t>
+                      </a:r>
+                      <a:endParaRPr lang="zh-CN" altLang="en-US" dirty="0"/>
+                    </a:p>
+                  </a:txBody>
+                  <a:tcPr/>
+                </a:tc>
+                <a:tc>
+                  <a:txBody>
+                    <a:bodyPr/>
+                    <a:lstStyle/>
+                    <a:p>
+                      <a:pPr algn="ctr"/>
+                      <a:r>
+                        <a:rPr lang="en-US" altLang="zh-CN" dirty="0"/>
+                        <a:t>435</a:t>
+                      </a:r>
+                      <a:endParaRPr lang="zh-CN" altLang="en-US" dirty="0"/>
+                    </a:p>
+                  </a:txBody>
+                  <a:tcPr/>
+                </a:tc>
+                <a:extLst>
+                  <a:ext uri="{0D108BD9-81ED-4DB2-BD59-A6C34878D82A}">
+                    <a16:rowId xmlns:a16="http://schemas.microsoft.com/office/drawing/2014/main" val="1967244540"/>
+                  </a:ext>
+                </a:extLst>
+              </a:tr>
+              <a:tr h="370840">
+                <a:tc>
+                  <a:txBody>
+                    <a:bodyPr/>
+                    <a:lstStyle/>
+                    <a:p>
+                      <a:pPr algn="ctr"/>
+                      <a:r>
+                        <a:rPr lang="en-US" altLang="zh-CN" dirty="0"/>
+                        <a:t>130</a:t>
+                      </a:r>
+                      <a:endParaRPr lang="zh-CN" altLang="en-US" dirty="0"/>
+                    </a:p>
+                  </a:txBody>
+                  <a:tcPr/>
+                </a:tc>
+                <a:tc>
+                  <a:txBody>
+                    <a:bodyPr/>
+                    <a:lstStyle/>
+                    <a:p>
+                      <a:pPr algn="ctr"/>
+                      <a:r>
+                        <a:rPr lang="en-US" altLang="zh-CN" dirty="0"/>
+                        <a:t>502</a:t>
+                      </a:r>
+                      <a:endParaRPr lang="zh-CN" altLang="en-US" dirty="0"/>
+                    </a:p>
+                  </a:txBody>
+                  <a:tcPr/>
+                </a:tc>
+                <a:extLst>
+                  <a:ext uri="{0D108BD9-81ED-4DB2-BD59-A6C34878D82A}">
+                    <a16:rowId xmlns:a16="http://schemas.microsoft.com/office/drawing/2014/main" val="1823030155"/>
+                  </a:ext>
+                </a:extLst>
+              </a:tr>
+              <a:tr h="370840">
+                <a:tc>
+                  <a:txBody>
+                    <a:bodyPr/>
+                    <a:lstStyle/>
+                    <a:p>
+                      <a:pPr algn="ctr"/>
+                      <a:r>
+                        <a:rPr lang="en-US" altLang="zh-CN" dirty="0"/>
+                        <a:t>80</a:t>
+                      </a:r>
+                      <a:endParaRPr lang="zh-CN" altLang="en-US" dirty="0"/>
+                    </a:p>
+                  </a:txBody>
+                  <a:tcPr/>
+                </a:tc>
+                <a:tc>
+                  <a:txBody>
+                    <a:bodyPr/>
+                    <a:lstStyle/>
+                    <a:p>
+                      <a:pPr algn="ctr"/>
+                      <a:r>
+                        <a:rPr lang="en-US" altLang="zh-CN" dirty="0"/>
+                        <a:t>327</a:t>
+                      </a:r>
+                      <a:endParaRPr lang="zh-CN" altLang="en-US" dirty="0"/>
+                    </a:p>
+                  </a:txBody>
+                  <a:tcPr/>
+                </a:tc>
+                <a:extLst>
+                  <a:ext uri="{0D108BD9-81ED-4DB2-BD59-A6C34878D82A}">
+                    <a16:rowId xmlns:a16="http://schemas.microsoft.com/office/drawing/2014/main" val="1815547532"/>
+                  </a:ext>
+                </a:extLst>
+              </a:tr>
+              <a:tr h="370840">
+                <a:tc>
+                  <a:txBody>
+                    <a:bodyPr/>
+                    <a:lstStyle/>
+                    <a:p>
+                      <a:pPr algn="ctr"/>
+                      <a:r>
+                        <a:rPr lang="en-US" altLang="zh-CN" dirty="0"/>
+                        <a:t>……</a:t>
+                      </a:r>
+                      <a:endParaRPr lang="zh-CN" altLang="en-US" dirty="0"/>
+                    </a:p>
+                  </a:txBody>
+                  <a:tcPr/>
+                </a:tc>
+                <a:tc>
+                  <a:txBody>
+                    <a:bodyPr/>
+                    <a:lstStyle/>
+                    <a:p>
+                      <a:pPr algn="ctr"/>
+                      <a:r>
+                        <a:rPr lang="en-US" altLang="zh-CN" dirty="0"/>
+                        <a:t>……</a:t>
+                      </a:r>
+                      <a:endParaRPr lang="zh-CN" altLang="en-US" dirty="0"/>
+                    </a:p>
+                  </a:txBody>
+                  <a:tcPr/>
+                </a:tc>
+                <a:extLst>
+                  <a:ext uri="{0D108BD9-81ED-4DB2-BD59-A6C34878D82A}">
+                    <a16:rowId xmlns:a16="http://schemas.microsoft.com/office/drawing/2014/main" val="168178639"/>
+                  </a:ext>
+                </a:extLst>
+              </a:tr>
+            </a:tbl>
+          </a:graphicData>
+        </a:graphic>
+      </p:graphicFrame>
     </p:spTree>
     <p:extLst>
       <p:ext uri="{BB962C8B-B14F-4D97-AF65-F5344CB8AC3E}">
@@ -12338,6 +12954,698 @@
   <p:clrMapOvr>
     <a:masterClrMapping/>
   </p:clrMapOvr>
+</p:sld>
+</file>
+
+<file path=ppt/slides/slide19.xml><?xml version="1.0" encoding="utf-8"?>
+<p:sld xmlns:a="http://schemas.openxmlformats.org/drawingml/2006/main" xmlns:r="http://schemas.openxmlformats.org/officeDocument/2006/relationships" xmlns:p="http://schemas.openxmlformats.org/presentationml/2006/main">
+  <p:cSld>
+    <p:spTree>
+      <p:nvGrpSpPr>
+        <p:cNvPr id="1" name=""/>
+        <p:cNvGrpSpPr/>
+        <p:nvPr/>
+      </p:nvGrpSpPr>
+      <p:grpSpPr>
+        <a:xfrm>
+          <a:off x="0" y="0"/>
+          <a:ext cx="0" cy="0"/>
+          <a:chOff x="0" y="0"/>
+          <a:chExt cx="0" cy="0"/>
+        </a:xfrm>
+      </p:grpSpPr>
+      <p:sp>
+        <p:nvSpPr>
+          <p:cNvPr id="2" name="标题 1">
+            <a:extLst>
+              <a:ext uri="{FF2B5EF4-FFF2-40B4-BE49-F238E27FC236}">
+                <a16:creationId xmlns:a16="http://schemas.microsoft.com/office/drawing/2014/main" id="{2EF6CFFB-B21D-4816-8B60-4F694DE205A3}"/>
+              </a:ext>
+            </a:extLst>
+          </p:cNvPr>
+          <p:cNvSpPr>
+            <a:spLocks noGrp="1"/>
+          </p:cNvSpPr>
+          <p:nvPr>
+            <p:ph type="title"/>
+          </p:nvPr>
+        </p:nvSpPr>
+        <p:spPr/>
+        <p:txBody>
+          <a:bodyPr/>
+          <a:lstStyle/>
+          <a:p>
+            <a:r>
+              <a:rPr lang="zh-CN" altLang="en-US" dirty="0"/>
+              <a:t>一元线性回归：模型选择</a:t>
+            </a:r>
+          </a:p>
+        </p:txBody>
+      </p:sp>
+      <p:sp>
+        <p:nvSpPr>
+          <p:cNvPr id="4" name="日期占位符 3">
+            <a:extLst>
+              <a:ext uri="{FF2B5EF4-FFF2-40B4-BE49-F238E27FC236}">
+                <a16:creationId xmlns:a16="http://schemas.microsoft.com/office/drawing/2014/main" id="{C85B2897-6538-42C2-ACB0-1A31F8468D6E}"/>
+              </a:ext>
+            </a:extLst>
+          </p:cNvPr>
+          <p:cNvSpPr>
+            <a:spLocks noGrp="1"/>
+          </p:cNvSpPr>
+          <p:nvPr>
+            <p:ph type="dt" sz="half" idx="10"/>
+          </p:nvPr>
+        </p:nvSpPr>
+        <p:spPr/>
+        <p:txBody>
+          <a:bodyPr/>
+          <a:lstStyle/>
+          <a:p>
+            <a:pPr>
+              <a:defRPr/>
+            </a:pPr>
+            <a:fld id="{95A2A19B-170D-1043-AE33-7A36DFB7BCDC}" type="datetime2">
+              <a:rPr lang="zh-CN" altLang="en-US" smtClean="0"/>
+              <a:t>2018年4月20日</a:t>
+            </a:fld>
+            <a:endParaRPr lang="en-US" altLang="zh-CN"/>
+          </a:p>
+        </p:txBody>
+      </p:sp>
+      <p:sp>
+        <p:nvSpPr>
+          <p:cNvPr id="5" name="页脚占位符 4">
+            <a:extLst>
+              <a:ext uri="{FF2B5EF4-FFF2-40B4-BE49-F238E27FC236}">
+                <a16:creationId xmlns:a16="http://schemas.microsoft.com/office/drawing/2014/main" id="{F14B425A-3171-4E97-89FA-80AFA74855FB}"/>
+              </a:ext>
+            </a:extLst>
+          </p:cNvPr>
+          <p:cNvSpPr>
+            <a:spLocks noGrp="1"/>
+          </p:cNvSpPr>
+          <p:nvPr>
+            <p:ph type="ftr" sz="quarter" idx="11"/>
+          </p:nvPr>
+        </p:nvSpPr>
+        <p:spPr/>
+        <p:txBody>
+          <a:bodyPr/>
+          <a:lstStyle/>
+          <a:p>
+            <a:pPr>
+              <a:defRPr/>
+            </a:pPr>
+            <a:r>
+              <a:rPr lang="zh-CN" altLang="en-US"/>
+              <a:t>机器学习入门</a:t>
+            </a:r>
+            <a:endParaRPr lang="en-US" altLang="zh-CN" dirty="0"/>
+          </a:p>
+        </p:txBody>
+      </p:sp>
+      <p:sp>
+        <p:nvSpPr>
+          <p:cNvPr id="6" name="灯片编号占位符 5">
+            <a:extLst>
+              <a:ext uri="{FF2B5EF4-FFF2-40B4-BE49-F238E27FC236}">
+                <a16:creationId xmlns:a16="http://schemas.microsoft.com/office/drawing/2014/main" id="{F15C4534-974F-4C9E-B28B-699F862B6BC7}"/>
+              </a:ext>
+            </a:extLst>
+          </p:cNvPr>
+          <p:cNvSpPr>
+            <a:spLocks noGrp="1"/>
+          </p:cNvSpPr>
+          <p:nvPr>
+            <p:ph type="sldNum" sz="quarter" idx="12"/>
+          </p:nvPr>
+        </p:nvSpPr>
+        <p:spPr/>
+        <p:txBody>
+          <a:bodyPr/>
+          <a:lstStyle/>
+          <a:p>
+            <a:pPr>
+              <a:defRPr/>
+            </a:pPr>
+            <a:fld id="{64C9EB70-B654-4058-838F-8806615D92E5}" type="slidenum">
+              <a:rPr lang="en-US" altLang="zh-CN" smtClean="0"/>
+              <a:pPr>
+                <a:defRPr/>
+              </a:pPr>
+              <a:t>19</a:t>
+            </a:fld>
+            <a:endParaRPr lang="en-US" altLang="zh-CN"/>
+          </a:p>
+        </p:txBody>
+      </p:sp>
+      <mc:AlternateContent xmlns:mc="http://schemas.openxmlformats.org/markup-compatibility/2006">
+        <mc:Choice xmlns:a14="http://schemas.microsoft.com/office/drawing/2010/main" Requires="a14">
+          <p:sp>
+            <p:nvSpPr>
+              <p:cNvPr id="10" name="内容占位符 9">
+                <a:extLst>
+                  <a:ext uri="{FF2B5EF4-FFF2-40B4-BE49-F238E27FC236}">
+                    <a16:creationId xmlns:a16="http://schemas.microsoft.com/office/drawing/2014/main" id="{BD0E0E32-A568-44E3-89AF-900661C8FDC1}"/>
+                  </a:ext>
+                </a:extLst>
+              </p:cNvPr>
+              <p:cNvSpPr>
+                <a:spLocks noGrp="1"/>
+              </p:cNvSpPr>
+              <p:nvPr>
+                <p:ph idx="1"/>
+              </p:nvPr>
+            </p:nvSpPr>
+            <p:spPr>
+              <a:xfrm>
+                <a:off x="755651" y="1052516"/>
+                <a:ext cx="10668000" cy="4967287"/>
+              </a:xfrm>
+            </p:spPr>
+            <p:txBody>
+              <a:bodyPr/>
+              <a:lstStyle/>
+              <a:p>
+                <a:r>
+                  <a:rPr lang="zh-CN" altLang="en-US" dirty="0"/>
+                  <a:t>假设：输出与输入之间的关系是线性的</a:t>
+                </a:r>
+                <a:endParaRPr lang="en-US" altLang="zh-CN" dirty="0"/>
+              </a:p>
+              <a:p>
+                <a:endParaRPr lang="en-US" altLang="zh-CN" dirty="0"/>
+              </a:p>
+              <a:p>
+                <a:r>
+                  <a:rPr lang="zh-CN" altLang="en-US" b="0" dirty="0"/>
+                  <a:t>模型：</a:t>
+                </a:r>
+                <a14:m>
+                  <m:oMath xmlns:m="http://schemas.openxmlformats.org/officeDocument/2006/math">
+                    <m:r>
+                      <a:rPr lang="en-US" altLang="zh-CN" i="1" dirty="0" smtClean="0">
+                        <a:latin typeface="Cambria Math" panose="02040503050406030204" pitchFamily="18" charset="0"/>
+                      </a:rPr>
+                      <m:t>𝑓</m:t>
+                    </m:r>
+                    <m:d>
+                      <m:dPr>
+                        <m:ctrlPr>
+                          <a:rPr lang="en-US" altLang="zh-CN" b="0" i="1" smtClean="0">
+                            <a:latin typeface="Cambria Math" panose="02040503050406030204" pitchFamily="18" charset="0"/>
+                          </a:rPr>
+                        </m:ctrlPr>
+                      </m:dPr>
+                      <m:e>
+                        <m:r>
+                          <a:rPr lang="en-US" altLang="zh-CN" b="0" i="1" smtClean="0">
+                            <a:latin typeface="Cambria Math" panose="02040503050406030204" pitchFamily="18" charset="0"/>
+                          </a:rPr>
+                          <m:t>𝑥</m:t>
+                        </m:r>
+                      </m:e>
+                    </m:d>
+                    <m:r>
+                      <a:rPr lang="en-US" altLang="zh-CN" b="0" i="1" smtClean="0">
+                        <a:latin typeface="Cambria Math" panose="02040503050406030204" pitchFamily="18" charset="0"/>
+                      </a:rPr>
+                      <m:t>=</m:t>
+                    </m:r>
+                    <m:r>
+                      <a:rPr lang="en-US" altLang="zh-CN" b="0" i="1" smtClean="0">
+                        <a:latin typeface="Cambria Math" panose="02040503050406030204" pitchFamily="18" charset="0"/>
+                      </a:rPr>
+                      <m:t>𝑤𝑥</m:t>
+                    </m:r>
+                    <m:r>
+                      <a:rPr lang="en-US" altLang="zh-CN" b="0" i="1" smtClean="0">
+                        <a:latin typeface="Cambria Math" panose="02040503050406030204" pitchFamily="18" charset="0"/>
+                      </a:rPr>
+                      <m:t>+</m:t>
+                    </m:r>
+                    <m:r>
+                      <a:rPr lang="en-US" altLang="zh-CN" b="0" i="1" smtClean="0">
+                        <a:latin typeface="Cambria Math" panose="02040503050406030204" pitchFamily="18" charset="0"/>
+                      </a:rPr>
+                      <m:t>𝑏</m:t>
+                    </m:r>
+                  </m:oMath>
+                </a14:m>
+                <a:endParaRPr lang="en-US" altLang="zh-CN" dirty="0"/>
+              </a:p>
+              <a:p>
+                <a:pPr lvl="1"/>
+                <a14:m>
+                  <m:oMath xmlns:m="http://schemas.openxmlformats.org/officeDocument/2006/math">
+                    <m:r>
+                      <a:rPr lang="en-US" altLang="zh-CN" b="0" i="1" smtClean="0">
+                        <a:latin typeface="Cambria Math" panose="02040503050406030204" pitchFamily="18" charset="0"/>
+                      </a:rPr>
+                      <m:t>𝑤</m:t>
+                    </m:r>
+                    <m:r>
+                      <a:rPr lang="zh-CN" altLang="en-US" i="1">
+                        <a:latin typeface="Cambria Math" panose="02040503050406030204" pitchFamily="18" charset="0"/>
+                      </a:rPr>
+                      <m:t>和</m:t>
+                    </m:r>
+                    <m:r>
+                      <a:rPr lang="en-US" altLang="zh-CN" b="0" i="1" smtClean="0">
+                        <a:latin typeface="Cambria Math" panose="02040503050406030204" pitchFamily="18" charset="0"/>
+                      </a:rPr>
+                      <m:t>𝑏</m:t>
+                    </m:r>
+                  </m:oMath>
+                </a14:m>
+                <a:r>
+                  <a:rPr lang="zh-CN" altLang="en-US" b="1" dirty="0"/>
+                  <a:t>是参数</a:t>
+                </a:r>
+                <a:endParaRPr lang="en-US" altLang="zh-CN" b="1" dirty="0"/>
+              </a:p>
+              <a:p>
+                <a:endParaRPr lang="en-US" altLang="zh-CN" dirty="0"/>
+              </a:p>
+              <a:p>
+                <a:r>
+                  <a:rPr lang="zh-CN" altLang="en-US" dirty="0"/>
+                  <a:t>模型选择：</a:t>
+                </a:r>
+                <a:endParaRPr lang="en-US" altLang="zh-CN" dirty="0"/>
+              </a:p>
+              <a:p>
+                <a:pPr lvl="1"/>
+                <a:r>
+                  <a:rPr lang="zh-CN" altLang="en-US" dirty="0"/>
+                  <a:t>参数选取不同值时，对应不同函数。</a:t>
+                </a:r>
+                <a:endParaRPr lang="en-US" altLang="zh-CN" dirty="0"/>
+              </a:p>
+              <a:p>
+                <a:pPr lvl="1"/>
+                <a:r>
+                  <a:rPr lang="zh-CN" altLang="en-US" dirty="0"/>
+                  <a:t>哪个函数的表现最好？</a:t>
+                </a:r>
+                <a:endParaRPr lang="en-US" altLang="zh-CN" dirty="0"/>
+              </a:p>
+              <a:p>
+                <a:pPr lvl="1"/>
+                <a:r>
+                  <a:rPr lang="zh-CN" altLang="en-US" dirty="0"/>
+                  <a:t>如何选择出最好的函数？</a:t>
+                </a:r>
+                <a:endParaRPr lang="en-US" altLang="zh-CN" dirty="0"/>
+              </a:p>
+              <a:p>
+                <a:endParaRPr lang="zh-CN" altLang="en-US" dirty="0"/>
+              </a:p>
+            </p:txBody>
+          </p:sp>
+        </mc:Choice>
+        <mc:Fallback>
+          <p:sp>
+            <p:nvSpPr>
+              <p:cNvPr id="10" name="内容占位符 9">
+                <a:extLst>
+                  <a:ext uri="{FF2B5EF4-FFF2-40B4-BE49-F238E27FC236}">
+                    <a16:creationId xmlns:a16="http://schemas.microsoft.com/office/drawing/2014/main" id="{BD0E0E32-A568-44E3-89AF-900661C8FDC1}"/>
+                  </a:ext>
+                </a:extLst>
+              </p:cNvPr>
+              <p:cNvSpPr>
+                <a:spLocks noGrp="1" noRot="1" noChangeAspect="1" noMove="1" noResize="1" noEditPoints="1" noAdjustHandles="1" noChangeArrowheads="1" noChangeShapeType="1" noTextEdit="1"/>
+              </p:cNvSpPr>
+              <p:nvPr>
+                <p:ph idx="1"/>
+              </p:nvPr>
+            </p:nvSpPr>
+            <p:spPr>
+              <a:xfrm>
+                <a:off x="755651" y="1052516"/>
+                <a:ext cx="10668000" cy="4967287"/>
+              </a:xfrm>
+              <a:blipFill>
+                <a:blip r:embed="rId2"/>
+                <a:stretch>
+                  <a:fillRect l="-686" t="-982"/>
+                </a:stretch>
+              </a:blipFill>
+            </p:spPr>
+            <p:txBody>
+              <a:bodyPr/>
+              <a:lstStyle/>
+              <a:p>
+                <a:r>
+                  <a:rPr lang="zh-CN" altLang="en-US">
+                    <a:noFill/>
+                  </a:rPr>
+                  <a:t> </a:t>
+                </a:r>
+              </a:p>
+            </p:txBody>
+          </p:sp>
+        </mc:Fallback>
+      </mc:AlternateContent>
+      <p:pic>
+        <p:nvPicPr>
+          <p:cNvPr id="8" name="内容占位符 14">
+            <a:extLst>
+              <a:ext uri="{FF2B5EF4-FFF2-40B4-BE49-F238E27FC236}">
+                <a16:creationId xmlns:a16="http://schemas.microsoft.com/office/drawing/2014/main" id="{CA915622-2D59-44FD-B4E4-7AD11D279975}"/>
+              </a:ext>
+            </a:extLst>
+          </p:cNvPr>
+          <p:cNvPicPr>
+            <a:picLocks noChangeAspect="1"/>
+          </p:cNvPicPr>
+          <p:nvPr/>
+        </p:nvPicPr>
+        <p:blipFill>
+          <a:blip r:embed="rId3">
+            <a:extLst>
+              <a:ext uri="{28A0092B-C50C-407E-A947-70E740481C1C}">
+                <a14:useLocalDpi xmlns:a14="http://schemas.microsoft.com/office/drawing/2010/main" val="0"/>
+              </a:ext>
+            </a:extLst>
+          </a:blip>
+          <a:stretch>
+            <a:fillRect/>
+          </a:stretch>
+        </p:blipFill>
+        <p:spPr>
+          <a:xfrm>
+            <a:off x="7276289" y="1198635"/>
+            <a:ext cx="4157944" cy="2771962"/>
+          </a:xfrm>
+          <a:prstGeom prst="rect">
+            <a:avLst/>
+          </a:prstGeom>
+        </p:spPr>
+      </p:pic>
+      <p:cxnSp>
+        <p:nvCxnSpPr>
+          <p:cNvPr id="9" name="直接连接符 8">
+            <a:extLst>
+              <a:ext uri="{FF2B5EF4-FFF2-40B4-BE49-F238E27FC236}">
+                <a16:creationId xmlns:a16="http://schemas.microsoft.com/office/drawing/2014/main" id="{B8EA0638-0410-4EC6-84F4-1A23C7402721}"/>
+              </a:ext>
+            </a:extLst>
+          </p:cNvPr>
+          <p:cNvCxnSpPr>
+            <a:cxnSpLocks/>
+          </p:cNvCxnSpPr>
+          <p:nvPr/>
+        </p:nvCxnSpPr>
+        <p:spPr>
+          <a:xfrm flipV="1">
+            <a:off x="7905749" y="1685926"/>
+            <a:ext cx="2952000" cy="1838324"/>
+          </a:xfrm>
+          <a:prstGeom prst="line">
+            <a:avLst/>
+          </a:prstGeom>
+          <a:ln w="28575"/>
+        </p:spPr>
+        <p:style>
+          <a:lnRef idx="2">
+            <a:schemeClr val="accent4"/>
+          </a:lnRef>
+          <a:fillRef idx="0">
+            <a:schemeClr val="accent4"/>
+          </a:fillRef>
+          <a:effectRef idx="1">
+            <a:schemeClr val="accent4"/>
+          </a:effectRef>
+          <a:fontRef idx="minor">
+            <a:schemeClr val="tx1"/>
+          </a:fontRef>
+        </p:style>
+      </p:cxnSp>
+      <p:cxnSp>
+        <p:nvCxnSpPr>
+          <p:cNvPr id="12" name="直接连接符 11">
+            <a:extLst>
+              <a:ext uri="{FF2B5EF4-FFF2-40B4-BE49-F238E27FC236}">
+                <a16:creationId xmlns:a16="http://schemas.microsoft.com/office/drawing/2014/main" id="{9667FD76-2C8E-4BD3-B647-AA153E470261}"/>
+              </a:ext>
+            </a:extLst>
+          </p:cNvPr>
+          <p:cNvCxnSpPr>
+            <a:cxnSpLocks/>
+          </p:cNvCxnSpPr>
+          <p:nvPr/>
+        </p:nvCxnSpPr>
+        <p:spPr>
+          <a:xfrm flipV="1">
+            <a:off x="7905749" y="2724150"/>
+            <a:ext cx="2952000" cy="476250"/>
+          </a:xfrm>
+          <a:prstGeom prst="line">
+            <a:avLst/>
+          </a:prstGeom>
+          <a:ln w="28575">
+            <a:solidFill>
+              <a:srgbClr val="C00000"/>
+            </a:solidFill>
+          </a:ln>
+        </p:spPr>
+        <p:style>
+          <a:lnRef idx="2">
+            <a:schemeClr val="accent4"/>
+          </a:lnRef>
+          <a:fillRef idx="0">
+            <a:schemeClr val="accent4"/>
+          </a:fillRef>
+          <a:effectRef idx="1">
+            <a:schemeClr val="accent4"/>
+          </a:effectRef>
+          <a:fontRef idx="minor">
+            <a:schemeClr val="tx1"/>
+          </a:fontRef>
+        </p:style>
+      </p:cxnSp>
+      <p:cxnSp>
+        <p:nvCxnSpPr>
+          <p:cNvPr id="15" name="直接连接符 14">
+            <a:extLst>
+              <a:ext uri="{FF2B5EF4-FFF2-40B4-BE49-F238E27FC236}">
+                <a16:creationId xmlns:a16="http://schemas.microsoft.com/office/drawing/2014/main" id="{430E730C-2EF6-476D-B193-EB414A1C87EE}"/>
+              </a:ext>
+            </a:extLst>
+          </p:cNvPr>
+          <p:cNvCxnSpPr>
+            <a:cxnSpLocks/>
+          </p:cNvCxnSpPr>
+          <p:nvPr/>
+        </p:nvCxnSpPr>
+        <p:spPr>
+          <a:xfrm>
+            <a:off x="7905749" y="2257426"/>
+            <a:ext cx="2952000" cy="1095374"/>
+          </a:xfrm>
+          <a:prstGeom prst="line">
+            <a:avLst/>
+          </a:prstGeom>
+          <a:ln w="28575">
+            <a:solidFill>
+              <a:srgbClr val="FFFF00"/>
+            </a:solidFill>
+          </a:ln>
+        </p:spPr>
+        <p:style>
+          <a:lnRef idx="2">
+            <a:schemeClr val="accent4"/>
+          </a:lnRef>
+          <a:fillRef idx="0">
+            <a:schemeClr val="accent4"/>
+          </a:fillRef>
+          <a:effectRef idx="1">
+            <a:schemeClr val="accent4"/>
+          </a:effectRef>
+          <a:fontRef idx="minor">
+            <a:schemeClr val="tx1"/>
+          </a:fontRef>
+        </p:style>
+      </p:cxnSp>
+    </p:spTree>
+    <p:extLst>
+      <p:ext uri="{BB962C8B-B14F-4D97-AF65-F5344CB8AC3E}">
+        <p14:creationId xmlns:p14="http://schemas.microsoft.com/office/powerpoint/2010/main" val="3920809236"/>
+      </p:ext>
+    </p:extLst>
+  </p:cSld>
+  <p:clrMapOvr>
+    <a:masterClrMapping/>
+  </p:clrMapOvr>
+  <p:timing>
+    <p:tnLst>
+      <p:par>
+        <p:cTn id="1" dur="indefinite" restart="never" nodeType="tmRoot">
+          <p:childTnLst>
+            <p:seq concurrent="1" nextAc="seek">
+              <p:cTn id="2" dur="indefinite" nodeType="mainSeq">
+                <p:childTnLst>
+                  <p:par>
+                    <p:cTn id="3" fill="hold">
+                      <p:stCondLst>
+                        <p:cond delay="indefinite"/>
+                      </p:stCondLst>
+                      <p:childTnLst>
+                        <p:par>
+                          <p:cTn id="4" fill="hold">
+                            <p:stCondLst>
+                              <p:cond delay="0"/>
+                            </p:stCondLst>
+                            <p:childTnLst>
+                              <p:par>
+                                <p:cTn id="5" presetID="1" presetClass="entr" presetSubtype="0" fill="hold" nodeType="clickEffect">
+                                  <p:stCondLst>
+                                    <p:cond delay="0"/>
+                                  </p:stCondLst>
+                                  <p:childTnLst>
+                                    <p:set>
+                                      <p:cBhvr>
+                                        <p:cTn id="6" dur="1" fill="hold">
+                                          <p:stCondLst>
+                                            <p:cond delay="0"/>
+                                          </p:stCondLst>
+                                        </p:cTn>
+                                        <p:tgtEl>
+                                          <p:spTgt spid="9"/>
+                                        </p:tgtEl>
+                                        <p:attrNameLst>
+                                          <p:attrName>style.visibility</p:attrName>
+                                        </p:attrNameLst>
+                                      </p:cBhvr>
+                                      <p:to>
+                                        <p:strVal val="visible"/>
+                                      </p:to>
+                                    </p:set>
+                                  </p:childTnLst>
+                                </p:cTn>
+                              </p:par>
+                            </p:childTnLst>
+                          </p:cTn>
+                        </p:par>
+                      </p:childTnLst>
+                    </p:cTn>
+                  </p:par>
+                  <p:par>
+                    <p:cTn id="7" fill="hold">
+                      <p:stCondLst>
+                        <p:cond delay="indefinite"/>
+                      </p:stCondLst>
+                      <p:childTnLst>
+                        <p:par>
+                          <p:cTn id="8" fill="hold">
+                            <p:stCondLst>
+                              <p:cond delay="0"/>
+                            </p:stCondLst>
+                            <p:childTnLst>
+                              <p:par>
+                                <p:cTn id="9" presetID="1" presetClass="entr" presetSubtype="0" fill="hold" nodeType="clickEffect">
+                                  <p:stCondLst>
+                                    <p:cond delay="0"/>
+                                  </p:stCondLst>
+                                  <p:childTnLst>
+                                    <p:set>
+                                      <p:cBhvr>
+                                        <p:cTn id="10" dur="1" fill="hold">
+                                          <p:stCondLst>
+                                            <p:cond delay="0"/>
+                                          </p:stCondLst>
+                                        </p:cTn>
+                                        <p:tgtEl>
+                                          <p:spTgt spid="15"/>
+                                        </p:tgtEl>
+                                        <p:attrNameLst>
+                                          <p:attrName>style.visibility</p:attrName>
+                                        </p:attrNameLst>
+                                      </p:cBhvr>
+                                      <p:to>
+                                        <p:strVal val="visible"/>
+                                      </p:to>
+                                    </p:set>
+                                  </p:childTnLst>
+                                </p:cTn>
+                              </p:par>
+                            </p:childTnLst>
+                          </p:cTn>
+                        </p:par>
+                      </p:childTnLst>
+                    </p:cTn>
+                  </p:par>
+                  <p:par>
+                    <p:cTn id="11" fill="hold">
+                      <p:stCondLst>
+                        <p:cond delay="indefinite"/>
+                      </p:stCondLst>
+                      <p:childTnLst>
+                        <p:par>
+                          <p:cTn id="12" fill="hold">
+                            <p:stCondLst>
+                              <p:cond delay="0"/>
+                            </p:stCondLst>
+                            <p:childTnLst>
+                              <p:par>
+                                <p:cTn id="13" presetID="1" presetClass="entr" presetSubtype="0" fill="hold" nodeType="clickEffect">
+                                  <p:stCondLst>
+                                    <p:cond delay="0"/>
+                                  </p:stCondLst>
+                                  <p:childTnLst>
+                                    <p:set>
+                                      <p:cBhvr>
+                                        <p:cTn id="14" dur="1" fill="hold">
+                                          <p:stCondLst>
+                                            <p:cond delay="0"/>
+                                          </p:stCondLst>
+                                        </p:cTn>
+                                        <p:tgtEl>
+                                          <p:spTgt spid="12"/>
+                                        </p:tgtEl>
+                                        <p:attrNameLst>
+                                          <p:attrName>style.visibility</p:attrName>
+                                        </p:attrNameLst>
+                                      </p:cBhvr>
+                                      <p:to>
+                                        <p:strVal val="visible"/>
+                                      </p:to>
+                                    </p:set>
+                                  </p:childTnLst>
+                                </p:cTn>
+                              </p:par>
+                            </p:childTnLst>
+                          </p:cTn>
+                        </p:par>
+                      </p:childTnLst>
+                    </p:cTn>
+                  </p:par>
+                </p:childTnLst>
+              </p:cTn>
+              <p:prevCondLst>
+                <p:cond evt="onPrev" delay="0">
+                  <p:tgtEl>
+                    <p:sldTgt/>
+                  </p:tgtEl>
+                </p:cond>
+              </p:prevCondLst>
+              <p:nextCondLst>
+                <p:cond evt="onNext" delay="0">
+                  <p:tgtEl>
+                    <p:sldTgt/>
+                  </p:tgtEl>
+                </p:cond>
+              </p:nextCondLst>
+            </p:seq>
+          </p:childTnLst>
+        </p:cTn>
+      </p:par>
+    </p:tnLst>
+  </p:timing>
 </p:sld>
 </file>
 
@@ -12386,6 +13694,912 @@
     <p:extLst>
       <p:ext uri="{BB962C8B-B14F-4D97-AF65-F5344CB8AC3E}">
         <p14:creationId xmlns:p14="http://schemas.microsoft.com/office/powerpoint/2010/main" val="891164325"/>
+      </p:ext>
+    </p:extLst>
+  </p:cSld>
+  <p:clrMapOvr>
+    <a:masterClrMapping/>
+  </p:clrMapOvr>
+</p:sld>
+</file>
+
+<file path=ppt/slides/slide20.xml><?xml version="1.0" encoding="utf-8"?>
+<p:sld xmlns:a="http://schemas.openxmlformats.org/drawingml/2006/main" xmlns:r="http://schemas.openxmlformats.org/officeDocument/2006/relationships" xmlns:p="http://schemas.openxmlformats.org/presentationml/2006/main">
+  <p:cSld>
+    <p:spTree>
+      <p:nvGrpSpPr>
+        <p:cNvPr id="1" name=""/>
+        <p:cNvGrpSpPr/>
+        <p:nvPr/>
+      </p:nvGrpSpPr>
+      <p:grpSpPr>
+        <a:xfrm>
+          <a:off x="0" y="0"/>
+          <a:ext cx="0" cy="0"/>
+          <a:chOff x="0" y="0"/>
+          <a:chExt cx="0" cy="0"/>
+        </a:xfrm>
+      </p:grpSpPr>
+      <p:sp>
+        <p:nvSpPr>
+          <p:cNvPr id="2" name="标题 1">
+            <a:extLst>
+              <a:ext uri="{FF2B5EF4-FFF2-40B4-BE49-F238E27FC236}">
+                <a16:creationId xmlns:a16="http://schemas.microsoft.com/office/drawing/2014/main" id="{C720F6F0-C510-4BBE-89E6-A8C9A8A57415}"/>
+              </a:ext>
+            </a:extLst>
+          </p:cNvPr>
+          <p:cNvSpPr>
+            <a:spLocks noGrp="1"/>
+          </p:cNvSpPr>
+          <p:nvPr>
+            <p:ph type="title"/>
+          </p:nvPr>
+        </p:nvSpPr>
+        <p:spPr/>
+        <p:txBody>
+          <a:bodyPr/>
+          <a:lstStyle/>
+          <a:p>
+            <a:r>
+              <a:rPr lang="zh-CN" altLang="en-US" dirty="0"/>
+              <a:t>一元线性回归：损失函数</a:t>
+            </a:r>
+          </a:p>
+        </p:txBody>
+      </p:sp>
+      <mc:AlternateContent xmlns:mc="http://schemas.openxmlformats.org/markup-compatibility/2006">
+        <mc:Choice xmlns:a14="http://schemas.microsoft.com/office/drawing/2010/main" Requires="a14">
+          <p:sp>
+            <p:nvSpPr>
+              <p:cNvPr id="3" name="内容占位符 2">
+                <a:extLst>
+                  <a:ext uri="{FF2B5EF4-FFF2-40B4-BE49-F238E27FC236}">
+                    <a16:creationId xmlns:a16="http://schemas.microsoft.com/office/drawing/2014/main" id="{A68605A4-A425-4CD5-8D59-3ADEED6DE32A}"/>
+                  </a:ext>
+                </a:extLst>
+              </p:cNvPr>
+              <p:cNvSpPr>
+                <a:spLocks noGrp="1"/>
+              </p:cNvSpPr>
+              <p:nvPr>
+                <p:ph idx="1"/>
+              </p:nvPr>
+            </p:nvSpPr>
+            <p:spPr>
+              <a:xfrm>
+                <a:off x="755651" y="1052516"/>
+                <a:ext cx="10668000" cy="4967287"/>
+              </a:xfrm>
+            </p:spPr>
+            <p:txBody>
+              <a:bodyPr/>
+              <a:lstStyle/>
+              <a:p>
+                <a:r>
+                  <a:rPr lang="zh-CN" altLang="en-US" dirty="0"/>
+                  <a:t>如何选择参数</a:t>
+                </a:r>
+                <a14:m>
+                  <m:oMath xmlns:m="http://schemas.openxmlformats.org/officeDocument/2006/math">
+                    <m:r>
+                      <a:rPr lang="en-US" altLang="zh-CN" i="1" dirty="0" smtClean="0">
+                        <a:latin typeface="Cambria Math" panose="02040503050406030204" pitchFamily="18" charset="0"/>
+                      </a:rPr>
+                      <m:t>𝑤</m:t>
+                    </m:r>
+                    <m:r>
+                      <a:rPr lang="en-US" altLang="zh-CN" b="0" i="1" smtClean="0">
+                        <a:latin typeface="Cambria Math" panose="02040503050406030204" pitchFamily="18" charset="0"/>
+                      </a:rPr>
+                      <m:t>,</m:t>
+                    </m:r>
+                    <m:r>
+                      <a:rPr lang="en-US" altLang="zh-CN" b="0" i="1" smtClean="0">
+                        <a:latin typeface="Cambria Math" panose="02040503050406030204" pitchFamily="18" charset="0"/>
+                      </a:rPr>
+                      <m:t>𝑏</m:t>
+                    </m:r>
+                  </m:oMath>
+                </a14:m>
+                <a:r>
+                  <a:rPr lang="en-US" altLang="zh-CN" dirty="0"/>
+                  <a:t>?</a:t>
+                </a:r>
+              </a:p>
+              <a:p>
+                <a:pPr lvl="1"/>
+                <a:r>
+                  <a:rPr lang="zh-CN" altLang="en-US" dirty="0"/>
+                  <a:t>对于训练数据</a:t>
+                </a:r>
+                <a14:m>
+                  <m:oMath xmlns:m="http://schemas.openxmlformats.org/officeDocument/2006/math">
+                    <m:r>
+                      <a:rPr lang="en-US" altLang="zh-CN" b="0" i="1" smtClean="0">
+                        <a:latin typeface="Cambria Math" panose="02040503050406030204" pitchFamily="18" charset="0"/>
+                      </a:rPr>
+                      <m:t>(</m:t>
+                    </m:r>
+                    <m:r>
+                      <a:rPr lang="en-US" altLang="zh-CN" b="0" i="1" smtClean="0">
+                        <a:latin typeface="Cambria Math" panose="02040503050406030204" pitchFamily="18" charset="0"/>
+                      </a:rPr>
+                      <m:t>𝑥</m:t>
+                    </m:r>
+                    <m:r>
+                      <a:rPr lang="en-US" altLang="zh-CN" b="0" i="1" smtClean="0">
+                        <a:latin typeface="Cambria Math" panose="02040503050406030204" pitchFamily="18" charset="0"/>
+                      </a:rPr>
+                      <m:t>,</m:t>
+                    </m:r>
+                    <m:r>
+                      <a:rPr lang="en-US" altLang="zh-CN" b="0" i="1" smtClean="0">
+                        <a:latin typeface="Cambria Math" panose="02040503050406030204" pitchFamily="18" charset="0"/>
+                      </a:rPr>
+                      <m:t>𝑦</m:t>
+                    </m:r>
+                    <m:r>
+                      <a:rPr lang="en-US" altLang="zh-CN" b="0" i="1" smtClean="0">
+                        <a:latin typeface="Cambria Math" panose="02040503050406030204" pitchFamily="18" charset="0"/>
+                      </a:rPr>
+                      <m:t>)</m:t>
+                    </m:r>
+                  </m:oMath>
+                </a14:m>
+                <a:r>
+                  <a:rPr lang="zh-CN" altLang="en-US" dirty="0"/>
+                  <a:t>，使</a:t>
+                </a:r>
+                <a14:m>
+                  <m:oMath xmlns:m="http://schemas.openxmlformats.org/officeDocument/2006/math">
+                    <m:r>
+                      <a:rPr lang="en-US" altLang="zh-CN" b="0" i="1" smtClean="0">
+                        <a:latin typeface="Cambria Math" panose="02040503050406030204" pitchFamily="18" charset="0"/>
+                      </a:rPr>
+                      <m:t>𝑓</m:t>
+                    </m:r>
+                    <m:r>
+                      <a:rPr lang="en-US" altLang="zh-CN" b="0" i="1" smtClean="0">
+                        <a:latin typeface="Cambria Math" panose="02040503050406030204" pitchFamily="18" charset="0"/>
+                      </a:rPr>
+                      <m:t>(</m:t>
+                    </m:r>
+                    <m:r>
+                      <a:rPr lang="en-US" altLang="zh-CN" b="0" i="1" smtClean="0">
+                        <a:latin typeface="Cambria Math" panose="02040503050406030204" pitchFamily="18" charset="0"/>
+                      </a:rPr>
+                      <m:t>𝑥</m:t>
+                    </m:r>
+                    <m:r>
+                      <a:rPr lang="en-US" altLang="zh-CN" b="0" i="1" smtClean="0">
+                        <a:latin typeface="Cambria Math" panose="02040503050406030204" pitchFamily="18" charset="0"/>
+                      </a:rPr>
+                      <m:t>)</m:t>
+                    </m:r>
+                  </m:oMath>
+                </a14:m>
+                <a:r>
+                  <a:rPr lang="zh-CN" altLang="en-US" dirty="0"/>
+                  <a:t>与</a:t>
+                </a:r>
+                <a14:m>
+                  <m:oMath xmlns:m="http://schemas.openxmlformats.org/officeDocument/2006/math">
+                    <m:r>
+                      <a:rPr lang="en-US" altLang="zh-CN" b="0" i="1" dirty="0" smtClean="0">
+                        <a:latin typeface="Cambria Math" panose="02040503050406030204" pitchFamily="18" charset="0"/>
+                      </a:rPr>
+                      <m:t>𝑦</m:t>
+                    </m:r>
+                  </m:oMath>
+                </a14:m>
+                <a:r>
+                  <a:rPr lang="zh-CN" altLang="en-US" dirty="0"/>
+                  <a:t>尽可能接近。</a:t>
+                </a:r>
+                <a:endParaRPr lang="en-US" altLang="zh-CN" dirty="0"/>
+              </a:p>
+              <a:p>
+                <a:pPr lvl="1"/>
+                <a:r>
+                  <a:rPr lang="zh-CN" altLang="en-US" b="1" dirty="0"/>
+                  <a:t>残差</a:t>
+                </a:r>
+                <a:r>
+                  <a:rPr lang="zh-CN" altLang="en-US" dirty="0"/>
+                  <a:t>：预测值</a:t>
+                </a:r>
+                <a14:m>
+                  <m:oMath xmlns:m="http://schemas.openxmlformats.org/officeDocument/2006/math">
+                    <m:r>
+                      <a:rPr lang="en-US" altLang="zh-CN" i="1">
+                        <a:latin typeface="Cambria Math" panose="02040503050406030204" pitchFamily="18" charset="0"/>
+                      </a:rPr>
+                      <m:t>𝑓</m:t>
+                    </m:r>
+                    <m:r>
+                      <a:rPr lang="en-US" altLang="zh-CN" i="1">
+                        <a:latin typeface="Cambria Math" panose="02040503050406030204" pitchFamily="18" charset="0"/>
+                      </a:rPr>
+                      <m:t>(</m:t>
+                    </m:r>
+                    <m:r>
+                      <a:rPr lang="en-US" altLang="zh-CN" i="1">
+                        <a:latin typeface="Cambria Math" panose="02040503050406030204" pitchFamily="18" charset="0"/>
+                      </a:rPr>
+                      <m:t>𝑥</m:t>
+                    </m:r>
+                    <m:r>
+                      <a:rPr lang="en-US" altLang="zh-CN" i="1">
+                        <a:latin typeface="Cambria Math" panose="02040503050406030204" pitchFamily="18" charset="0"/>
+                      </a:rPr>
+                      <m:t>)</m:t>
+                    </m:r>
+                  </m:oMath>
+                </a14:m>
+                <a:r>
+                  <a:rPr lang="zh-CN" altLang="en-US" dirty="0"/>
+                  <a:t>与真实值</a:t>
+                </a:r>
+                <a14:m>
+                  <m:oMath xmlns:m="http://schemas.openxmlformats.org/officeDocument/2006/math">
+                    <m:r>
+                      <a:rPr lang="en-US" altLang="zh-CN" i="1" dirty="0">
+                        <a:latin typeface="Cambria Math" panose="02040503050406030204" pitchFamily="18" charset="0"/>
+                      </a:rPr>
+                      <m:t>𝑦</m:t>
+                    </m:r>
+                  </m:oMath>
+                </a14:m>
+                <a:r>
+                  <a:rPr lang="zh-CN" altLang="en-US" dirty="0"/>
+                  <a:t>的差。</a:t>
+                </a:r>
+                <a:endParaRPr lang="en-US" altLang="zh-CN" dirty="0"/>
+              </a:p>
+              <a:p>
+                <a:pPr lvl="1"/>
+                <a:endParaRPr lang="en-US" altLang="zh-CN" dirty="0"/>
+              </a:p>
+              <a:p>
+                <a:r>
+                  <a:rPr lang="zh-CN" altLang="en-US" dirty="0"/>
+                  <a:t>最小二乘法：使所有残差的平方和最小</a:t>
+                </a:r>
+                <a:endParaRPr lang="en-US" altLang="zh-CN" dirty="0"/>
+              </a:p>
+              <a:p>
+                <a:endParaRPr lang="en-US" altLang="zh-CN" dirty="0"/>
+              </a:p>
+              <a:p>
+                <a:r>
+                  <a:rPr lang="zh-CN" altLang="en-US" dirty="0"/>
+                  <a:t>损失函数：</a:t>
+                </a:r>
+                <a:endParaRPr lang="en-US" altLang="zh-CN" dirty="0"/>
+              </a:p>
+              <a:p>
+                <a:endParaRPr lang="en-US" altLang="zh-CN" dirty="0"/>
+              </a:p>
+              <a:p>
+                <a:endParaRPr lang="en-US" altLang="zh-CN" dirty="0"/>
+              </a:p>
+              <a:p>
+                <a:pPr lvl="1"/>
+                <a:endParaRPr lang="en-US" altLang="zh-CN" dirty="0"/>
+              </a:p>
+              <a:p>
+                <a:pPr lvl="1"/>
+                <a:r>
+                  <a:rPr lang="zh-CN" altLang="en-US"/>
+                  <a:t>使损失函数最小的参数值即为最好的参数选择，这一过程就是模型的训练过程。</a:t>
+                </a:r>
+                <a:endParaRPr lang="en-US" altLang="zh-CN" dirty="0"/>
+              </a:p>
+            </p:txBody>
+          </p:sp>
+        </mc:Choice>
+        <mc:Fallback>
+          <p:sp>
+            <p:nvSpPr>
+              <p:cNvPr id="3" name="内容占位符 2">
+                <a:extLst>
+                  <a:ext uri="{FF2B5EF4-FFF2-40B4-BE49-F238E27FC236}">
+                    <a16:creationId xmlns:a16="http://schemas.microsoft.com/office/drawing/2014/main" id="{A68605A4-A425-4CD5-8D59-3ADEED6DE32A}"/>
+                  </a:ext>
+                </a:extLst>
+              </p:cNvPr>
+              <p:cNvSpPr>
+                <a:spLocks noGrp="1" noRot="1" noChangeAspect="1" noMove="1" noResize="1" noEditPoints="1" noAdjustHandles="1" noChangeArrowheads="1" noChangeShapeType="1" noTextEdit="1"/>
+              </p:cNvSpPr>
+              <p:nvPr>
+                <p:ph idx="1"/>
+              </p:nvPr>
+            </p:nvSpPr>
+            <p:spPr>
+              <a:xfrm>
+                <a:off x="755651" y="1052516"/>
+                <a:ext cx="10668000" cy="4967287"/>
+              </a:xfrm>
+              <a:blipFill>
+                <a:blip r:embed="rId2"/>
+                <a:stretch>
+                  <a:fillRect l="-686" t="-1104"/>
+                </a:stretch>
+              </a:blipFill>
+            </p:spPr>
+            <p:txBody>
+              <a:bodyPr/>
+              <a:lstStyle/>
+              <a:p>
+                <a:r>
+                  <a:rPr lang="zh-CN" altLang="en-US">
+                    <a:noFill/>
+                  </a:rPr>
+                  <a:t> </a:t>
+                </a:r>
+              </a:p>
+            </p:txBody>
+          </p:sp>
+        </mc:Fallback>
+      </mc:AlternateContent>
+      <p:sp>
+        <p:nvSpPr>
+          <p:cNvPr id="4" name="日期占位符 3">
+            <a:extLst>
+              <a:ext uri="{FF2B5EF4-FFF2-40B4-BE49-F238E27FC236}">
+                <a16:creationId xmlns:a16="http://schemas.microsoft.com/office/drawing/2014/main" id="{97913FA6-F7A2-4197-B8DA-F29481A0F82B}"/>
+              </a:ext>
+            </a:extLst>
+          </p:cNvPr>
+          <p:cNvSpPr>
+            <a:spLocks noGrp="1"/>
+          </p:cNvSpPr>
+          <p:nvPr>
+            <p:ph type="dt" sz="half" idx="10"/>
+          </p:nvPr>
+        </p:nvSpPr>
+        <p:spPr/>
+        <p:txBody>
+          <a:bodyPr/>
+          <a:lstStyle/>
+          <a:p>
+            <a:pPr>
+              <a:defRPr/>
+            </a:pPr>
+            <a:fld id="{95A2A19B-170D-1043-AE33-7A36DFB7BCDC}" type="datetime2">
+              <a:rPr lang="zh-CN" altLang="en-US" smtClean="0"/>
+              <a:t>2018年4月20日</a:t>
+            </a:fld>
+            <a:endParaRPr lang="en-US" altLang="zh-CN"/>
+          </a:p>
+        </p:txBody>
+      </p:sp>
+      <p:sp>
+        <p:nvSpPr>
+          <p:cNvPr id="5" name="页脚占位符 4">
+            <a:extLst>
+              <a:ext uri="{FF2B5EF4-FFF2-40B4-BE49-F238E27FC236}">
+                <a16:creationId xmlns:a16="http://schemas.microsoft.com/office/drawing/2014/main" id="{E5823841-CED2-4B9C-8F0A-FE5DBE628BCB}"/>
+              </a:ext>
+            </a:extLst>
+          </p:cNvPr>
+          <p:cNvSpPr>
+            <a:spLocks noGrp="1"/>
+          </p:cNvSpPr>
+          <p:nvPr>
+            <p:ph type="ftr" sz="quarter" idx="11"/>
+          </p:nvPr>
+        </p:nvSpPr>
+        <p:spPr/>
+        <p:txBody>
+          <a:bodyPr/>
+          <a:lstStyle/>
+          <a:p>
+            <a:pPr>
+              <a:defRPr/>
+            </a:pPr>
+            <a:r>
+              <a:rPr lang="zh-CN" altLang="en-US"/>
+              <a:t>机器学习入门</a:t>
+            </a:r>
+            <a:endParaRPr lang="en-US" altLang="zh-CN" dirty="0"/>
+          </a:p>
+        </p:txBody>
+      </p:sp>
+      <p:sp>
+        <p:nvSpPr>
+          <p:cNvPr id="6" name="灯片编号占位符 5">
+            <a:extLst>
+              <a:ext uri="{FF2B5EF4-FFF2-40B4-BE49-F238E27FC236}">
+                <a16:creationId xmlns:a16="http://schemas.microsoft.com/office/drawing/2014/main" id="{730AF170-3554-43A2-BA79-E5FF54F2C147}"/>
+              </a:ext>
+            </a:extLst>
+          </p:cNvPr>
+          <p:cNvSpPr>
+            <a:spLocks noGrp="1"/>
+          </p:cNvSpPr>
+          <p:nvPr>
+            <p:ph type="sldNum" sz="quarter" idx="12"/>
+          </p:nvPr>
+        </p:nvSpPr>
+        <p:spPr/>
+        <p:txBody>
+          <a:bodyPr/>
+          <a:lstStyle/>
+          <a:p>
+            <a:pPr>
+              <a:defRPr/>
+            </a:pPr>
+            <a:fld id="{64C9EB70-B654-4058-838F-8806615D92E5}" type="slidenum">
+              <a:rPr lang="en-US" altLang="zh-CN" smtClean="0"/>
+              <a:pPr>
+                <a:defRPr/>
+              </a:pPr>
+              <a:t>20</a:t>
+            </a:fld>
+            <a:endParaRPr lang="en-US" altLang="zh-CN"/>
+          </a:p>
+        </p:txBody>
+      </p:sp>
+      <p:pic>
+        <p:nvPicPr>
+          <p:cNvPr id="7" name="内容占位符 14">
+            <a:extLst>
+              <a:ext uri="{FF2B5EF4-FFF2-40B4-BE49-F238E27FC236}">
+                <a16:creationId xmlns:a16="http://schemas.microsoft.com/office/drawing/2014/main" id="{9AFCF1CC-4784-410E-B4A4-0CEA25C2A6C6}"/>
+              </a:ext>
+            </a:extLst>
+          </p:cNvPr>
+          <p:cNvPicPr>
+            <a:picLocks noChangeAspect="1"/>
+          </p:cNvPicPr>
+          <p:nvPr/>
+        </p:nvPicPr>
+        <p:blipFill>
+          <a:blip r:embed="rId3">
+            <a:extLst>
+              <a:ext uri="{28A0092B-C50C-407E-A947-70E740481C1C}">
+                <a14:useLocalDpi xmlns:a14="http://schemas.microsoft.com/office/drawing/2010/main" val="0"/>
+              </a:ext>
+            </a:extLst>
+          </a:blip>
+          <a:stretch>
+            <a:fillRect/>
+          </a:stretch>
+        </p:blipFill>
+        <p:spPr>
+          <a:xfrm>
+            <a:off x="7276289" y="1198635"/>
+            <a:ext cx="4157944" cy="2771962"/>
+          </a:xfrm>
+          <a:prstGeom prst="rect">
+            <a:avLst/>
+          </a:prstGeom>
+        </p:spPr>
+      </p:pic>
+      <p:cxnSp>
+        <p:nvCxnSpPr>
+          <p:cNvPr id="8" name="直接连接符 7">
+            <a:extLst>
+              <a:ext uri="{FF2B5EF4-FFF2-40B4-BE49-F238E27FC236}">
+                <a16:creationId xmlns:a16="http://schemas.microsoft.com/office/drawing/2014/main" id="{993906AA-D657-4AAA-8F8D-DC8087721264}"/>
+              </a:ext>
+            </a:extLst>
+          </p:cNvPr>
+          <p:cNvCxnSpPr>
+            <a:cxnSpLocks/>
+          </p:cNvCxnSpPr>
+          <p:nvPr/>
+        </p:nvCxnSpPr>
+        <p:spPr>
+          <a:xfrm flipV="1">
+            <a:off x="7905749" y="1685926"/>
+            <a:ext cx="2952000" cy="1838324"/>
+          </a:xfrm>
+          <a:prstGeom prst="line">
+            <a:avLst/>
+          </a:prstGeom>
+          <a:ln w="28575"/>
+        </p:spPr>
+        <p:style>
+          <a:lnRef idx="2">
+            <a:schemeClr val="accent4"/>
+          </a:lnRef>
+          <a:fillRef idx="0">
+            <a:schemeClr val="accent4"/>
+          </a:fillRef>
+          <a:effectRef idx="1">
+            <a:schemeClr val="accent4"/>
+          </a:effectRef>
+          <a:fontRef idx="minor">
+            <a:schemeClr val="tx1"/>
+          </a:fontRef>
+        </p:style>
+      </p:cxnSp>
+      <p:cxnSp>
+        <p:nvCxnSpPr>
+          <p:cNvPr id="9" name="直接连接符 8">
+            <a:extLst>
+              <a:ext uri="{FF2B5EF4-FFF2-40B4-BE49-F238E27FC236}">
+                <a16:creationId xmlns:a16="http://schemas.microsoft.com/office/drawing/2014/main" id="{5B6D09FB-D13D-47E9-A513-50281374E973}"/>
+              </a:ext>
+            </a:extLst>
+          </p:cNvPr>
+          <p:cNvCxnSpPr>
+            <a:cxnSpLocks/>
+          </p:cNvCxnSpPr>
+          <p:nvPr/>
+        </p:nvCxnSpPr>
+        <p:spPr>
+          <a:xfrm flipV="1">
+            <a:off x="7905749" y="2724150"/>
+            <a:ext cx="2952000" cy="476250"/>
+          </a:xfrm>
+          <a:prstGeom prst="line">
+            <a:avLst/>
+          </a:prstGeom>
+          <a:ln w="28575">
+            <a:solidFill>
+              <a:srgbClr val="C00000"/>
+            </a:solidFill>
+          </a:ln>
+        </p:spPr>
+        <p:style>
+          <a:lnRef idx="2">
+            <a:schemeClr val="accent4"/>
+          </a:lnRef>
+          <a:fillRef idx="0">
+            <a:schemeClr val="accent4"/>
+          </a:fillRef>
+          <a:effectRef idx="1">
+            <a:schemeClr val="accent4"/>
+          </a:effectRef>
+          <a:fontRef idx="minor">
+            <a:schemeClr val="tx1"/>
+          </a:fontRef>
+        </p:style>
+      </p:cxnSp>
+      <p:cxnSp>
+        <p:nvCxnSpPr>
+          <p:cNvPr id="10" name="直接连接符 9">
+            <a:extLst>
+              <a:ext uri="{FF2B5EF4-FFF2-40B4-BE49-F238E27FC236}">
+                <a16:creationId xmlns:a16="http://schemas.microsoft.com/office/drawing/2014/main" id="{D823F8C7-6F36-48A0-A850-97D4586184C8}"/>
+              </a:ext>
+            </a:extLst>
+          </p:cNvPr>
+          <p:cNvCxnSpPr>
+            <a:cxnSpLocks/>
+          </p:cNvCxnSpPr>
+          <p:nvPr/>
+        </p:nvCxnSpPr>
+        <p:spPr>
+          <a:xfrm>
+            <a:off x="7905749" y="2257426"/>
+            <a:ext cx="2952000" cy="1095374"/>
+          </a:xfrm>
+          <a:prstGeom prst="line">
+            <a:avLst/>
+          </a:prstGeom>
+          <a:ln w="28575">
+            <a:solidFill>
+              <a:srgbClr val="FFFF00"/>
+            </a:solidFill>
+          </a:ln>
+        </p:spPr>
+        <p:style>
+          <a:lnRef idx="2">
+            <a:schemeClr val="accent4"/>
+          </a:lnRef>
+          <a:fillRef idx="0">
+            <a:schemeClr val="accent4"/>
+          </a:fillRef>
+          <a:effectRef idx="1">
+            <a:schemeClr val="accent4"/>
+          </a:effectRef>
+          <a:fontRef idx="minor">
+            <a:schemeClr val="tx1"/>
+          </a:fontRef>
+        </p:style>
+      </p:cxnSp>
+      <mc:AlternateContent xmlns:mc="http://schemas.openxmlformats.org/markup-compatibility/2006">
+        <mc:Choice xmlns:a14="http://schemas.microsoft.com/office/drawing/2010/main" Requires="a14">
+          <p:sp>
+            <p:nvSpPr>
+              <p:cNvPr id="11" name="矩形 10">
+                <a:extLst>
+                  <a:ext uri="{FF2B5EF4-FFF2-40B4-BE49-F238E27FC236}">
+                    <a16:creationId xmlns:a16="http://schemas.microsoft.com/office/drawing/2014/main" id="{25CFE4FA-4ADB-4B82-B875-AA5178D80394}"/>
+                  </a:ext>
+                </a:extLst>
+              </p:cNvPr>
+              <p:cNvSpPr/>
+              <p:nvPr/>
+            </p:nvSpPr>
+            <p:spPr>
+              <a:xfrm>
+                <a:off x="1296516" y="3748227"/>
+                <a:ext cx="3619196" cy="957826"/>
+              </a:xfrm>
+              <a:prstGeom prst="rect">
+                <a:avLst/>
+              </a:prstGeom>
+            </p:spPr>
+            <p:txBody>
+              <a:bodyPr wrap="none">
+                <a:spAutoFit/>
+              </a:bodyPr>
+              <a:lstStyle/>
+              <a:p>
+                <a14:m>
+                  <m:oMathPara xmlns:m="http://schemas.openxmlformats.org/officeDocument/2006/math">
+                    <m:oMathParaPr>
+                      <m:jc m:val="centerGroup"/>
+                    </m:oMathParaPr>
+                    <m:oMath xmlns:m="http://schemas.openxmlformats.org/officeDocument/2006/math">
+                      <m:r>
+                        <a:rPr lang="en-US" altLang="zh-CN" sz="2000" i="1">
+                          <a:latin typeface="Cambria Math" panose="02040503050406030204" pitchFamily="18" charset="0"/>
+                        </a:rPr>
+                        <m:t>𝐿</m:t>
+                      </m:r>
+                      <m:d>
+                        <m:dPr>
+                          <m:ctrlPr>
+                            <a:rPr lang="en-US" altLang="zh-CN" sz="2000" i="1">
+                              <a:latin typeface="Cambria Math" panose="02040503050406030204" pitchFamily="18" charset="0"/>
+                            </a:rPr>
+                          </m:ctrlPr>
+                        </m:dPr>
+                        <m:e>
+                          <m:r>
+                            <a:rPr lang="en-US" altLang="zh-CN" sz="2000" i="1">
+                              <a:latin typeface="Cambria Math" panose="02040503050406030204" pitchFamily="18" charset="0"/>
+                            </a:rPr>
+                            <m:t>𝑤</m:t>
+                          </m:r>
+                          <m:r>
+                            <a:rPr lang="en-US" altLang="zh-CN" sz="2000" i="1">
+                              <a:latin typeface="Cambria Math" panose="02040503050406030204" pitchFamily="18" charset="0"/>
+                            </a:rPr>
+                            <m:t>,</m:t>
+                          </m:r>
+                          <m:r>
+                            <a:rPr lang="en-US" altLang="zh-CN" sz="2000" i="1">
+                              <a:latin typeface="Cambria Math" panose="02040503050406030204" pitchFamily="18" charset="0"/>
+                            </a:rPr>
+                            <m:t>𝑏</m:t>
+                          </m:r>
+                        </m:e>
+                      </m:d>
+                      <m:r>
+                        <a:rPr lang="en-US" altLang="zh-CN" sz="2000" i="1">
+                          <a:latin typeface="Cambria Math" panose="02040503050406030204" pitchFamily="18" charset="0"/>
+                        </a:rPr>
+                        <m:t>=</m:t>
+                      </m:r>
+                      <m:nary>
+                        <m:naryPr>
+                          <m:chr m:val="∑"/>
+                          <m:ctrlPr>
+                            <a:rPr lang="en-US" altLang="zh-CN" sz="2000" i="1">
+                              <a:latin typeface="Cambria Math" panose="02040503050406030204" pitchFamily="18" charset="0"/>
+                            </a:rPr>
+                          </m:ctrlPr>
+                        </m:naryPr>
+                        <m:sub>
+                          <m:r>
+                            <m:rPr>
+                              <m:brk m:alnAt="23"/>
+                            </m:rPr>
+                            <a:rPr lang="en-US" altLang="zh-CN" sz="2000" i="1">
+                              <a:latin typeface="Cambria Math" panose="02040503050406030204" pitchFamily="18" charset="0"/>
+                            </a:rPr>
+                            <m:t>𝑖</m:t>
+                          </m:r>
+                          <m:r>
+                            <a:rPr lang="en-US" altLang="zh-CN" sz="2000" i="1">
+                              <a:latin typeface="Cambria Math" panose="02040503050406030204" pitchFamily="18" charset="0"/>
+                            </a:rPr>
+                            <m:t>=1</m:t>
+                          </m:r>
+                        </m:sub>
+                        <m:sup>
+                          <m:r>
+                            <a:rPr lang="en-US" altLang="zh-CN" sz="2000" i="1">
+                              <a:latin typeface="Cambria Math" panose="02040503050406030204" pitchFamily="18" charset="0"/>
+                            </a:rPr>
+                            <m:t>𝑁</m:t>
+                          </m:r>
+                        </m:sup>
+                        <m:e>
+                          <m:sSup>
+                            <m:sSupPr>
+                              <m:ctrlPr>
+                                <a:rPr lang="en-US" altLang="zh-CN" sz="2000" i="1">
+                                  <a:latin typeface="Cambria Math" panose="02040503050406030204" pitchFamily="18" charset="0"/>
+                                </a:rPr>
+                              </m:ctrlPr>
+                            </m:sSupPr>
+                            <m:e>
+                              <m:d>
+                                <m:dPr>
+                                  <m:ctrlPr>
+                                    <a:rPr lang="en-US" altLang="zh-CN" sz="2000" i="1">
+                                      <a:latin typeface="Cambria Math" panose="02040503050406030204" pitchFamily="18" charset="0"/>
+                                    </a:rPr>
+                                  </m:ctrlPr>
+                                </m:dPr>
+                                <m:e>
+                                  <m:sSup>
+                                    <m:sSupPr>
+                                      <m:ctrlPr>
+                                        <a:rPr lang="en-US" altLang="zh-CN" sz="2000" i="1">
+                                          <a:latin typeface="Cambria Math" panose="02040503050406030204" pitchFamily="18" charset="0"/>
+                                        </a:rPr>
+                                      </m:ctrlPr>
+                                    </m:sSupPr>
+                                    <m:e>
+                                      <m:r>
+                                        <a:rPr lang="en-US" altLang="zh-CN" sz="2000" i="1">
+                                          <a:latin typeface="Cambria Math" panose="02040503050406030204" pitchFamily="18" charset="0"/>
+                                        </a:rPr>
+                                        <m:t>𝑦</m:t>
+                                      </m:r>
+                                    </m:e>
+                                    <m:sup>
+                                      <m:r>
+                                        <a:rPr lang="en-US" altLang="zh-CN" sz="2000" i="1">
+                                          <a:latin typeface="Cambria Math" panose="02040503050406030204" pitchFamily="18" charset="0"/>
+                                        </a:rPr>
+                                        <m:t>(</m:t>
+                                      </m:r>
+                                      <m:r>
+                                        <a:rPr lang="en-US" altLang="zh-CN" sz="2000" i="1">
+                                          <a:latin typeface="Cambria Math" panose="02040503050406030204" pitchFamily="18" charset="0"/>
+                                        </a:rPr>
+                                        <m:t>𝑖</m:t>
+                                      </m:r>
+                                      <m:r>
+                                        <a:rPr lang="en-US" altLang="zh-CN" sz="2000" i="1">
+                                          <a:latin typeface="Cambria Math" panose="02040503050406030204" pitchFamily="18" charset="0"/>
+                                        </a:rPr>
+                                        <m:t>)</m:t>
+                                      </m:r>
+                                    </m:sup>
+                                  </m:sSup>
+                                  <m:r>
+                                    <a:rPr lang="en-US" altLang="zh-CN" sz="2000" i="1">
+                                      <a:latin typeface="Cambria Math" panose="02040503050406030204" pitchFamily="18" charset="0"/>
+                                    </a:rPr>
+                                    <m:t>−</m:t>
+                                  </m:r>
+                                  <m:r>
+                                    <a:rPr lang="en-US" altLang="zh-CN" sz="2000" i="1">
+                                      <a:latin typeface="Cambria Math" panose="02040503050406030204" pitchFamily="18" charset="0"/>
+                                    </a:rPr>
+                                    <m:t>𝑓</m:t>
+                                  </m:r>
+                                  <m:d>
+                                    <m:dPr>
+                                      <m:ctrlPr>
+                                        <a:rPr lang="en-US" altLang="zh-CN" sz="2000" i="1">
+                                          <a:latin typeface="Cambria Math" panose="02040503050406030204" pitchFamily="18" charset="0"/>
+                                        </a:rPr>
+                                      </m:ctrlPr>
+                                    </m:dPr>
+                                    <m:e>
+                                      <m:sSup>
+                                        <m:sSupPr>
+                                          <m:ctrlPr>
+                                            <a:rPr lang="en-US" altLang="zh-CN" sz="2000" i="1">
+                                              <a:latin typeface="Cambria Math" panose="02040503050406030204" pitchFamily="18" charset="0"/>
+                                            </a:rPr>
+                                          </m:ctrlPr>
+                                        </m:sSupPr>
+                                        <m:e>
+                                          <m:r>
+                                            <a:rPr lang="en-US" altLang="zh-CN" sz="2000" i="1">
+                                              <a:latin typeface="Cambria Math" panose="02040503050406030204" pitchFamily="18" charset="0"/>
+                                            </a:rPr>
+                                            <m:t>𝑥</m:t>
+                                          </m:r>
+                                        </m:e>
+                                        <m:sup>
+                                          <m:r>
+                                            <a:rPr lang="en-US" altLang="zh-CN" sz="2000" i="1">
+                                              <a:latin typeface="Cambria Math" panose="02040503050406030204" pitchFamily="18" charset="0"/>
+                                            </a:rPr>
+                                            <m:t>(</m:t>
+                                          </m:r>
+                                          <m:r>
+                                            <a:rPr lang="en-US" altLang="zh-CN" sz="2000" i="1">
+                                              <a:latin typeface="Cambria Math" panose="02040503050406030204" pitchFamily="18" charset="0"/>
+                                            </a:rPr>
+                                            <m:t>𝑖</m:t>
+                                          </m:r>
+                                          <m:r>
+                                            <a:rPr lang="en-US" altLang="zh-CN" sz="2000" i="1">
+                                              <a:latin typeface="Cambria Math" panose="02040503050406030204" pitchFamily="18" charset="0"/>
+                                            </a:rPr>
+                                            <m:t>)</m:t>
+                                          </m:r>
+                                        </m:sup>
+                                      </m:sSup>
+                                    </m:e>
+                                  </m:d>
+                                </m:e>
+                              </m:d>
+                            </m:e>
+                            <m:sup>
+                              <m:r>
+                                <a:rPr lang="en-US" altLang="zh-CN" sz="2000" i="1">
+                                  <a:latin typeface="Cambria Math" panose="02040503050406030204" pitchFamily="18" charset="0"/>
+                                </a:rPr>
+                                <m:t>2</m:t>
+                              </m:r>
+                            </m:sup>
+                          </m:sSup>
+                        </m:e>
+                      </m:nary>
+                    </m:oMath>
+                  </m:oMathPara>
+                </a14:m>
+                <a:endParaRPr lang="zh-CN" altLang="en-US" dirty="0"/>
+              </a:p>
+            </p:txBody>
+          </p:sp>
+        </mc:Choice>
+        <mc:Fallback>
+          <p:sp>
+            <p:nvSpPr>
+              <p:cNvPr id="11" name="矩形 10">
+                <a:extLst>
+                  <a:ext uri="{FF2B5EF4-FFF2-40B4-BE49-F238E27FC236}">
+                    <a16:creationId xmlns:a16="http://schemas.microsoft.com/office/drawing/2014/main" id="{25CFE4FA-4ADB-4B82-B875-AA5178D80394}"/>
+                  </a:ext>
+                </a:extLst>
+              </p:cNvPr>
+              <p:cNvSpPr>
+                <a:spLocks noRot="1" noChangeAspect="1" noMove="1" noResize="1" noEditPoints="1" noAdjustHandles="1" noChangeArrowheads="1" noChangeShapeType="1" noTextEdit="1"/>
+              </p:cNvSpPr>
+              <p:nvPr/>
+            </p:nvSpPr>
+            <p:spPr>
+              <a:xfrm>
+                <a:off x="1296516" y="3748227"/>
+                <a:ext cx="3619196" cy="957826"/>
+              </a:xfrm>
+              <a:prstGeom prst="rect">
+                <a:avLst/>
+              </a:prstGeom>
+              <a:blipFill>
+                <a:blip r:embed="rId4"/>
+                <a:stretch>
+                  <a:fillRect/>
+                </a:stretch>
+              </a:blipFill>
+            </p:spPr>
+            <p:txBody>
+              <a:bodyPr/>
+              <a:lstStyle/>
+              <a:p>
+                <a:r>
+                  <a:rPr lang="zh-CN" altLang="en-US">
+                    <a:noFill/>
+                  </a:rPr>
+                  <a:t> </a:t>
+                </a:r>
+              </a:p>
+            </p:txBody>
+          </p:sp>
+        </mc:Fallback>
+      </mc:AlternateContent>
+    </p:spTree>
+    <p:extLst>
+      <p:ext uri="{BB962C8B-B14F-4D97-AF65-F5344CB8AC3E}">
+        <p14:creationId xmlns:p14="http://schemas.microsoft.com/office/powerpoint/2010/main" val="2651202588"/>
       </p:ext>
     </p:extLst>
   </p:cSld>
@@ -12491,7 +14705,7 @@
             </a:pPr>
             <a:fld id="{95A2A19B-170D-1043-AE33-7A36DFB7BCDC}" type="datetime2">
               <a:rPr lang="zh-CN" altLang="en-US" smtClean="0"/>
-              <a:t>2018年4月12日</a:t>
+              <a:t>2018年4月20日</a:t>
             </a:fld>
             <a:endParaRPr lang="en-US" altLang="zh-CN"/>
           </a:p>
@@ -12720,7 +14934,7 @@
             </a:pPr>
             <a:fld id="{95A2A19B-170D-1043-AE33-7A36DFB7BCDC}" type="datetime2">
               <a:rPr lang="zh-CN" altLang="en-US" smtClean="0"/>
-              <a:t>2018年4月12日</a:t>
+              <a:t>2018年4月20日</a:t>
             </a:fld>
             <a:endParaRPr lang="en-US" altLang="zh-CN"/>
           </a:p>
@@ -12983,7 +15197,7 @@
             </a:pPr>
             <a:fld id="{95A2A19B-170D-1043-AE33-7A36DFB7BCDC}" type="datetime2">
               <a:rPr lang="zh-CN" altLang="en-US" smtClean="0"/>
-              <a:t>2018年4月12日</a:t>
+              <a:t>2018年4月20日</a:t>
             </a:fld>
             <a:endParaRPr lang="en-US" altLang="zh-CN"/>
           </a:p>
@@ -13285,7 +15499,7 @@
             </a:pPr>
             <a:fld id="{95A2A19B-170D-1043-AE33-7A36DFB7BCDC}" type="datetime2">
               <a:rPr lang="zh-CN" altLang="en-US" smtClean="0"/>
-              <a:t>2018年4月12日</a:t>
+              <a:t>2018年4月20日</a:t>
             </a:fld>
             <a:endParaRPr lang="en-US" altLang="zh-CN"/>
           </a:p>
@@ -13579,7 +15793,7 @@
             </a:pPr>
             <a:fld id="{95A2A19B-170D-1043-AE33-7A36DFB7BCDC}" type="datetime2">
               <a:rPr lang="zh-CN" altLang="en-US" smtClean="0"/>
-              <a:t>2018年4月12日</a:t>
+              <a:t>2018年4月20日</a:t>
             </a:fld>
             <a:endParaRPr lang="en-US" altLang="zh-CN"/>
           </a:p>
@@ -14193,7 +16407,7 @@
             </a:pPr>
             <a:fld id="{95A2A19B-170D-1043-AE33-7A36DFB7BCDC}" type="datetime2">
               <a:rPr lang="zh-CN" altLang="en-US" smtClean="0"/>
-              <a:t>2018年4月12日</a:t>
+              <a:t>2018年4月20日</a:t>
             </a:fld>
             <a:endParaRPr lang="en-US" altLang="zh-CN"/>
           </a:p>
@@ -15545,7 +17759,7 @@
             </a:pPr>
             <a:fld id="{95A2A19B-170D-1043-AE33-7A36DFB7BCDC}" type="datetime2">
               <a:rPr lang="zh-CN" altLang="en-US" smtClean="0"/>
-              <a:t>2018年4月12日</a:t>
+              <a:t>2018年4月20日</a:t>
             </a:fld>
             <a:endParaRPr lang="en-US" altLang="zh-CN"/>
           </a:p>
@@ -15642,7 +17856,7 @@
           <a:graphicData uri="http://schemas.openxmlformats.org/presentationml/2006/ole">
             <mc:AlternateContent xmlns:mc="http://schemas.openxmlformats.org/markup-compatibility/2006">
               <mc:Choice xmlns:v="urn:schemas-microsoft-com:vml" Requires="v">
-                <p:oleObj spid="_x0000_s2122" name="方程式" r:id="rId3" imgW="1790640" imgH="215640" progId="Equation.3">
+                <p:oleObj spid="_x0000_s2137" name="方程式" r:id="rId3" imgW="1790640" imgH="215640" progId="Equation.3">
                   <p:embed/>
                 </p:oleObj>
               </mc:Choice>
@@ -15790,7 +18004,7 @@
           <a:graphicData uri="http://schemas.openxmlformats.org/presentationml/2006/ole">
             <mc:AlternateContent xmlns:mc="http://schemas.openxmlformats.org/markup-compatibility/2006">
               <mc:Choice xmlns:v="urn:schemas-microsoft-com:vml" Requires="v">
-                <p:oleObj spid="_x0000_s2123" name="方程式" r:id="rId6" imgW="1790640" imgH="215640" progId="Equation.3">
+                <p:oleObj spid="_x0000_s2138" name="方程式" r:id="rId6" imgW="1790640" imgH="215640" progId="Equation.3">
                   <p:embed/>
                 </p:oleObj>
               </mc:Choice>
@@ -15949,7 +18163,7 @@
           <a:graphicData uri="http://schemas.openxmlformats.org/presentationml/2006/ole">
             <mc:AlternateContent xmlns:mc="http://schemas.openxmlformats.org/markup-compatibility/2006">
               <mc:Choice xmlns:v="urn:schemas-microsoft-com:vml" Requires="v">
-                <p:oleObj spid="_x0000_s2124" name="方程式" r:id="rId8" imgW="1790640" imgH="215640" progId="Equation.3">
+                <p:oleObj spid="_x0000_s2139" name="方程式" r:id="rId8" imgW="1790640" imgH="215640" progId="Equation.3">
                   <p:embed/>
                 </p:oleObj>
               </mc:Choice>

--- a/机器学习入门.pptx
+++ b/机器学习入门.pptx
@@ -5,10 +5,10 @@
     <p:sldMasterId id="2147483660" r:id="rId1"/>
   </p:sldMasterIdLst>
   <p:notesMasterIdLst>
-    <p:notesMasterId r:id="rId22"/>
+    <p:notesMasterId r:id="rId29"/>
   </p:notesMasterIdLst>
   <p:handoutMasterIdLst>
-    <p:handoutMasterId r:id="rId23"/>
+    <p:handoutMasterId r:id="rId30"/>
   </p:handoutMasterIdLst>
   <p:sldIdLst>
     <p:sldId id="256" r:id="rId2"/>
@@ -31,6 +31,13 @@
     <p:sldId id="358" r:id="rId19"/>
     <p:sldId id="359" r:id="rId20"/>
     <p:sldId id="360" r:id="rId21"/>
+    <p:sldId id="362" r:id="rId22"/>
+    <p:sldId id="361" r:id="rId23"/>
+    <p:sldId id="363" r:id="rId24"/>
+    <p:sldId id="364" r:id="rId25"/>
+    <p:sldId id="365" r:id="rId26"/>
+    <p:sldId id="367" r:id="rId27"/>
+    <p:sldId id="366" r:id="rId28"/>
   </p:sldIdLst>
   <p:sldSz cx="12192000" cy="6858000"/>
   <p:notesSz cx="6858000" cy="9144000"/>
@@ -233,7 +240,7 @@
           <a:p>
             <a:fld id="{4F008DF1-FEBF-0B42-BAEF-80253477F2CD}" type="datetimeFigureOut">
               <a:rPr kumimoji="1" lang="zh-CN" altLang="en-US" smtClean="0"/>
-              <a:t>2018/4/20</a:t>
+              <a:t>2018/7/5</a:t>
             </a:fld>
             <a:endParaRPr kumimoji="1" lang="zh-CN" altLang="en-US"/>
           </a:p>
@@ -399,7 +406,7 @@
           <a:p>
             <a:fld id="{4EC381E9-91C5-4038-AA82-DA62C619497A}" type="datetimeFigureOut">
               <a:rPr lang="zh-CN" altLang="en-US" smtClean="0"/>
-              <a:t>2018/4/20</a:t>
+              <a:t>2018/7/5</a:t>
             </a:fld>
             <a:endParaRPr lang="zh-CN" altLang="en-US"/>
           </a:p>
@@ -1299,7 +1306,7 @@
             <a:fld id="{BBB03C1E-6B36-441B-9FFE-D377CAF69C91}" type="datetime2">
               <a:rPr lang="zh-CN" altLang="en-US" sz="2100" smtClean="0"/>
               <a:pPr/>
-              <a:t>2018年4月20日</a:t>
+              <a:t>2018年7月5日</a:t>
             </a:fld>
             <a:endParaRPr lang="en-US" altLang="zh-CN" sz="2100" dirty="0"/>
           </a:p>
@@ -1385,7 +1392,7 @@
             </a:pPr>
             <a:fld id="{66FC0A0C-D2BF-F54B-AC69-85D92687E128}" type="datetime2">
               <a:rPr lang="zh-CN" altLang="en-US" smtClean="0"/>
-              <a:t>2018年4月20日</a:t>
+              <a:t>2018年7月5日</a:t>
             </a:fld>
             <a:endParaRPr lang="en-US" altLang="zh-CN" dirty="0"/>
           </a:p>
@@ -1578,7 +1585,7 @@
             </a:pPr>
             <a:fld id="{2F149BC0-8F7C-AD4E-A5EF-723D6509022B}" type="datetime2">
               <a:rPr lang="zh-CN" altLang="en-US" smtClean="0"/>
-              <a:t>2018年4月20日</a:t>
+              <a:t>2018年7月5日</a:t>
             </a:fld>
             <a:endParaRPr lang="en-US" altLang="zh-CN"/>
           </a:p>
@@ -1790,7 +1797,7 @@
             </a:pPr>
             <a:fld id="{E49C4954-FBA6-004C-9F64-B5906C493530}" type="datetime2">
               <a:rPr lang="zh-CN" altLang="en-US" smtClean="0"/>
-              <a:t>2018年4月20日</a:t>
+              <a:t>2018年7月5日</a:t>
             </a:fld>
             <a:endParaRPr lang="en-US" altLang="zh-CN"/>
           </a:p>
@@ -2058,7 +2065,7 @@
             </a:pPr>
             <a:fld id="{7AEC5EC9-DAF2-2246-B1A8-BF50D3A94F16}" type="datetime2">
               <a:rPr lang="zh-CN" altLang="en-US" smtClean="0"/>
-              <a:t>2018年4月20日</a:t>
+              <a:t>2018年7月5日</a:t>
             </a:fld>
             <a:endParaRPr lang="en-US" altLang="zh-CN"/>
           </a:p>
@@ -2243,7 +2250,7 @@
             </a:pPr>
             <a:fld id="{E94BCBA9-A64B-4A40-8440-30FE5787C8B2}" type="datetime2">
               <a:rPr lang="zh-CN" altLang="en-US" smtClean="0"/>
-              <a:t>2018年4月20日</a:t>
+              <a:t>2018年7月5日</a:t>
             </a:fld>
             <a:endParaRPr lang="en-US" altLang="zh-CN"/>
           </a:p>
@@ -2448,7 +2455,7 @@
             </a:pPr>
             <a:fld id="{95A2A19B-170D-1043-AE33-7A36DFB7BCDC}" type="datetime2">
               <a:rPr lang="zh-CN" altLang="en-US" smtClean="0"/>
-              <a:t>2018年4月20日</a:t>
+              <a:t>2018年7月5日</a:t>
             </a:fld>
             <a:endParaRPr lang="en-US" altLang="zh-CN"/>
           </a:p>
@@ -2667,7 +2674,7 @@
             </a:pPr>
             <a:fld id="{841F93BA-D9BF-BC4B-BA86-175867B95F50}" type="datetime2">
               <a:rPr lang="zh-CN" altLang="en-US" smtClean="0"/>
-              <a:t>2018年4月20日</a:t>
+              <a:t>2018年7月5日</a:t>
             </a:fld>
             <a:endParaRPr lang="en-US" altLang="zh-CN"/>
           </a:p>
@@ -2926,7 +2933,7 @@
             </a:pPr>
             <a:fld id="{4E97A401-5AD9-944A-97D0-B7D938414F8F}" type="datetime2">
               <a:rPr lang="zh-CN" altLang="en-US" smtClean="0"/>
-              <a:t>2018年4月20日</a:t>
+              <a:t>2018年7月5日</a:t>
             </a:fld>
             <a:endParaRPr lang="en-US" altLang="zh-CN"/>
           </a:p>
@@ -3324,7 +3331,7 @@
             </a:pPr>
             <a:fld id="{2DFD3F11-29DF-7F43-BDD3-524D0F58A418}" type="datetime2">
               <a:rPr lang="zh-CN" altLang="en-US" smtClean="0"/>
-              <a:t>2018年4月20日</a:t>
+              <a:t>2018年7月5日</a:t>
             </a:fld>
             <a:endParaRPr lang="en-US" altLang="zh-CN"/>
           </a:p>
@@ -3475,7 +3482,7 @@
             </a:pPr>
             <a:fld id="{0E714152-BEE6-8740-8BC2-BEA8A9605BAA}" type="datetime2">
               <a:rPr lang="zh-CN" altLang="en-US" smtClean="0"/>
-              <a:t>2018年4月20日</a:t>
+              <a:t>2018年7月5日</a:t>
             </a:fld>
             <a:endParaRPr lang="en-US" altLang="zh-CN"/>
           </a:p>
@@ -3604,7 +3611,7 @@
             </a:pPr>
             <a:fld id="{94C1308E-237D-9F4E-8509-7AA24F98750C}" type="datetime2">
               <a:rPr lang="zh-CN" altLang="en-US" smtClean="0"/>
-              <a:t>2018年4月20日</a:t>
+              <a:t>2018年7月5日</a:t>
             </a:fld>
             <a:endParaRPr lang="en-US" altLang="zh-CN"/>
           </a:p>
@@ -3913,7 +3920,7 @@
             </a:pPr>
             <a:fld id="{B049DA4E-5C6F-FB47-BC01-AAA2D0AD43C8}" type="datetime2">
               <a:rPr lang="zh-CN" altLang="en-US" smtClean="0"/>
-              <a:t>2018年4月20日</a:t>
+              <a:t>2018年7月5日</a:t>
             </a:fld>
             <a:endParaRPr lang="en-US" altLang="zh-CN"/>
           </a:p>
@@ -4200,7 +4207,7 @@
             </a:pPr>
             <a:fld id="{2DB90F44-F846-E443-858D-216A0A768584}" type="datetime2">
               <a:rPr lang="zh-CN" altLang="en-US" smtClean="0"/>
-              <a:t>2018年4月20日</a:t>
+              <a:t>2018年7月5日</a:t>
             </a:fld>
             <a:endParaRPr lang="en-US" altLang="zh-CN"/>
           </a:p>
@@ -4706,7 +4713,7 @@
             </a:pPr>
             <a:fld id="{7BCF5363-C0A9-D348-A026-116C987FE407}" type="datetime2">
               <a:rPr lang="zh-CN" altLang="en-US" smtClean="0"/>
-              <a:t>2018年4月20日</a:t>
+              <a:t>2018年7月5日</a:t>
             </a:fld>
             <a:endParaRPr lang="en-US" altLang="zh-CN" dirty="0"/>
           </a:p>
@@ -5411,7 +5418,7 @@
           <p:cNvPr id="2" name="标题 1">
             <a:extLst>
               <a:ext uri="{FF2B5EF4-FFF2-40B4-BE49-F238E27FC236}">
-                <a16:creationId xmlns:a16="http://schemas.microsoft.com/office/drawing/2014/main" id="{C779F269-BE5F-4251-8EE3-D3B207D7A66F}"/>
+                <a16:creationId xmlns:a16="http://schemas.microsoft.com/office/drawing/2014/main" xmlns="" id="{C779F269-BE5F-4251-8EE3-D3B207D7A66F}"/>
               </a:ext>
             </a:extLst>
           </p:cNvPr>
@@ -5439,7 +5446,7 @@
           <p:cNvPr id="4" name="日期占位符 3">
             <a:extLst>
               <a:ext uri="{FF2B5EF4-FFF2-40B4-BE49-F238E27FC236}">
-                <a16:creationId xmlns:a16="http://schemas.microsoft.com/office/drawing/2014/main" id="{CC2DEE5A-D5C1-4B57-B7EE-61483325413D}"/>
+                <a16:creationId xmlns:a16="http://schemas.microsoft.com/office/drawing/2014/main" xmlns="" id="{CC2DEE5A-D5C1-4B57-B7EE-61483325413D}"/>
               </a:ext>
             </a:extLst>
           </p:cNvPr>
@@ -5460,7 +5467,7 @@
             </a:pPr>
             <a:fld id="{95A2A19B-170D-1043-AE33-7A36DFB7BCDC}" type="datetime2">
               <a:rPr lang="zh-CN" altLang="en-US" smtClean="0"/>
-              <a:t>2018年4月20日</a:t>
+              <a:t>2018年7月5日</a:t>
             </a:fld>
             <a:endParaRPr lang="en-US" altLang="zh-CN"/>
           </a:p>
@@ -5471,7 +5478,7 @@
           <p:cNvPr id="6" name="灯片编号占位符 5">
             <a:extLst>
               <a:ext uri="{FF2B5EF4-FFF2-40B4-BE49-F238E27FC236}">
-                <a16:creationId xmlns:a16="http://schemas.microsoft.com/office/drawing/2014/main" id="{89059747-7DCE-498E-9C00-87842F1DF7A5}"/>
+                <a16:creationId xmlns:a16="http://schemas.microsoft.com/office/drawing/2014/main" xmlns="" id="{89059747-7DCE-498E-9C00-87842F1DF7A5}"/>
               </a:ext>
             </a:extLst>
           </p:cNvPr>
@@ -5506,7 +5513,7 @@
           <p:cNvPr id="7" name="圖片 4">
             <a:extLst>
               <a:ext uri="{FF2B5EF4-FFF2-40B4-BE49-F238E27FC236}">
-                <a16:creationId xmlns:a16="http://schemas.microsoft.com/office/drawing/2014/main" id="{AD60FF85-BB82-48C3-A8D5-F3FE31FEEE25}"/>
+                <a16:creationId xmlns:a16="http://schemas.microsoft.com/office/drawing/2014/main" xmlns="" id="{AD60FF85-BB82-48C3-A8D5-F3FE31FEEE25}"/>
               </a:ext>
             </a:extLst>
           </p:cNvPr>
@@ -5542,7 +5549,7 @@
           <p:cNvPr id="8" name="圓柱 5">
             <a:extLst>
               <a:ext uri="{FF2B5EF4-FFF2-40B4-BE49-F238E27FC236}">
-                <a16:creationId xmlns:a16="http://schemas.microsoft.com/office/drawing/2014/main" id="{A4910C58-B916-4377-8A20-3433B9850A89}"/>
+                <a16:creationId xmlns:a16="http://schemas.microsoft.com/office/drawing/2014/main" xmlns="" id="{A4910C58-B916-4377-8A20-3433B9850A89}"/>
               </a:ext>
             </a:extLst>
           </p:cNvPr>
@@ -5598,7 +5605,7 @@
           <p:cNvPr id="9" name="Object 12">
             <a:extLst>
               <a:ext uri="{FF2B5EF4-FFF2-40B4-BE49-F238E27FC236}">
-                <a16:creationId xmlns:a16="http://schemas.microsoft.com/office/drawing/2014/main" id="{DB4A9ABD-5112-4CDC-A5E0-E36AF7F715CB}"/>
+                <a16:creationId xmlns:a16="http://schemas.microsoft.com/office/drawing/2014/main" xmlns="" id="{DB4A9ABD-5112-4CDC-A5E0-E36AF7F715CB}"/>
               </a:ext>
             </a:extLst>
           </p:cNvPr>
@@ -5621,7 +5628,7 @@
           <a:graphicData uri="http://schemas.openxmlformats.org/presentationml/2006/ole">
             <mc:AlternateContent xmlns:mc="http://schemas.openxmlformats.org/markup-compatibility/2006">
               <mc:Choice xmlns:v="urn:schemas-microsoft-com:vml" Requires="v">
-                <p:oleObj spid="_x0000_s3130" name="方程式" r:id="rId4" imgW="520560" imgH="215640" progId="Equation.3">
+                <p:oleObj spid="_x0000_s3165" name="方程式" r:id="rId4" imgW="520560" imgH="215640" progId="Equation.3">
                   <p:embed/>
                 </p:oleObj>
               </mc:Choice>
@@ -5666,7 +5673,7 @@
           <p:cNvPr id="10" name="群組 8">
             <a:extLst>
               <a:ext uri="{FF2B5EF4-FFF2-40B4-BE49-F238E27FC236}">
-                <a16:creationId xmlns:a16="http://schemas.microsoft.com/office/drawing/2014/main" id="{86701675-F63F-493D-9E34-74AA169451B4}"/>
+                <a16:creationId xmlns:a16="http://schemas.microsoft.com/office/drawing/2014/main" xmlns="" id="{86701675-F63F-493D-9E34-74AA169451B4}"/>
               </a:ext>
             </a:extLst>
           </p:cNvPr>
@@ -5686,7 +5693,7 @@
             <p:cNvPr id="11" name="Object 12">
               <a:extLst>
                 <a:ext uri="{FF2B5EF4-FFF2-40B4-BE49-F238E27FC236}">
-                  <a16:creationId xmlns:a16="http://schemas.microsoft.com/office/drawing/2014/main" id="{040F69FC-3664-4FA8-B1DA-31B1C77DBB75}"/>
+                  <a16:creationId xmlns:a16="http://schemas.microsoft.com/office/drawing/2014/main" xmlns="" id="{040F69FC-3664-4FA8-B1DA-31B1C77DBB75}"/>
                 </a:ext>
               </a:extLst>
             </p:cNvPr>
@@ -5705,7 +5712,7 @@
             <a:graphicData uri="http://schemas.openxmlformats.org/presentationml/2006/ole">
               <mc:AlternateContent xmlns:mc="http://schemas.openxmlformats.org/markup-compatibility/2006">
                 <mc:Choice xmlns:v="urn:schemas-microsoft-com:vml" Requires="v">
-                  <p:oleObj spid="_x0000_s3131" name="方程式" r:id="rId6" imgW="990360" imgH="215640" progId="Equation.3">
+                  <p:oleObj spid="_x0000_s3166" name="方程式" r:id="rId6" imgW="990360" imgH="215640" progId="Equation.3">
                     <p:embed/>
                   </p:oleObj>
                 </mc:Choice>
@@ -5758,7 +5765,7 @@
             <p:cNvPr id="12" name="文字方塊 75">
               <a:extLst>
                 <a:ext uri="{FF2B5EF4-FFF2-40B4-BE49-F238E27FC236}">
-                  <a16:creationId xmlns:a16="http://schemas.microsoft.com/office/drawing/2014/main" id="{670B65FB-1B58-460A-A2C7-9B516017E47F}"/>
+                  <a16:creationId xmlns:a16="http://schemas.microsoft.com/office/drawing/2014/main" xmlns="" id="{670B65FB-1B58-460A-A2C7-9B516017E47F}"/>
                 </a:ext>
               </a:extLst>
             </p:cNvPr>
@@ -5795,7 +5802,7 @@
             <p:cNvPr id="13" name="Picture 12" descr="https://encrypted-tbn1.gstatic.com/images?q=tbn:ANd9GcRcwlRKAlSIaCI4W5PRYVbuBQQXifF-56bFqAjh9DMe-_3Lh8_YKw">
               <a:extLst>
                 <a:ext uri="{FF2B5EF4-FFF2-40B4-BE49-F238E27FC236}">
-                  <a16:creationId xmlns:a16="http://schemas.microsoft.com/office/drawing/2014/main" id="{8C80662D-B3B1-445B-954A-759D044D7310}"/>
+                  <a16:creationId xmlns:a16="http://schemas.microsoft.com/office/drawing/2014/main" xmlns="" id="{8C80662D-B3B1-445B-954A-759D044D7310}"/>
                 </a:ext>
               </a:extLst>
             </p:cNvPr>
@@ -5843,7 +5850,7 @@
           <p:cNvPr id="14" name="文字方塊 11">
             <a:extLst>
               <a:ext uri="{FF2B5EF4-FFF2-40B4-BE49-F238E27FC236}">
-                <a16:creationId xmlns:a16="http://schemas.microsoft.com/office/drawing/2014/main" id="{B6644981-91B8-4F8D-ADBA-C049EED9F47D}"/>
+                <a16:creationId xmlns:a16="http://schemas.microsoft.com/office/drawing/2014/main" xmlns="" id="{B6644981-91B8-4F8D-ADBA-C049EED9F47D}"/>
               </a:ext>
             </a:extLst>
           </p:cNvPr>
@@ -5883,7 +5890,7 @@
           <p:cNvPr id="15" name="文字方塊 17">
             <a:extLst>
               <a:ext uri="{FF2B5EF4-FFF2-40B4-BE49-F238E27FC236}">
-                <a16:creationId xmlns:a16="http://schemas.microsoft.com/office/drawing/2014/main" id="{CD148FFE-0C1A-43A6-BF00-843E46F6C4A9}"/>
+                <a16:creationId xmlns:a16="http://schemas.microsoft.com/office/drawing/2014/main" xmlns="" id="{CD148FFE-0C1A-43A6-BF00-843E46F6C4A9}"/>
               </a:ext>
             </a:extLst>
           </p:cNvPr>
@@ -5933,7 +5940,7 @@
           <p:cNvPr id="16" name="圓柱 22">
             <a:extLst>
               <a:ext uri="{FF2B5EF4-FFF2-40B4-BE49-F238E27FC236}">
-                <a16:creationId xmlns:a16="http://schemas.microsoft.com/office/drawing/2014/main" id="{C2AC9E2D-2713-4B72-979B-D486E2F2639C}"/>
+                <a16:creationId xmlns:a16="http://schemas.microsoft.com/office/drawing/2014/main" xmlns="" id="{C2AC9E2D-2713-4B72-979B-D486E2F2639C}"/>
               </a:ext>
             </a:extLst>
           </p:cNvPr>
@@ -5981,7 +5988,7 @@
           <p:cNvPr id="17" name="圓角矩形 26">
             <a:extLst>
               <a:ext uri="{FF2B5EF4-FFF2-40B4-BE49-F238E27FC236}">
-                <a16:creationId xmlns:a16="http://schemas.microsoft.com/office/drawing/2014/main" id="{BA910896-9C8A-4898-8A5B-12C3717695B2}"/>
+                <a16:creationId xmlns:a16="http://schemas.microsoft.com/office/drawing/2014/main" xmlns="" id="{BA910896-9C8A-4898-8A5B-12C3717695B2}"/>
               </a:ext>
             </a:extLst>
           </p:cNvPr>
@@ -6045,7 +6052,7 @@
           <p:cNvPr id="18" name="直線單箭頭接點 27">
             <a:extLst>
               <a:ext uri="{FF2B5EF4-FFF2-40B4-BE49-F238E27FC236}">
-                <a16:creationId xmlns:a16="http://schemas.microsoft.com/office/drawing/2014/main" id="{46B85095-3D68-40D1-8931-E74F8BFC4A97}"/>
+                <a16:creationId xmlns:a16="http://schemas.microsoft.com/office/drawing/2014/main" xmlns="" id="{46B85095-3D68-40D1-8931-E74F8BFC4A97}"/>
               </a:ext>
             </a:extLst>
           </p:cNvPr>
@@ -6084,7 +6091,7 @@
           <p:cNvPr id="19" name="直線單箭頭接點 28">
             <a:extLst>
               <a:ext uri="{FF2B5EF4-FFF2-40B4-BE49-F238E27FC236}">
-                <a16:creationId xmlns:a16="http://schemas.microsoft.com/office/drawing/2014/main" id="{A206D4A2-B23E-47CB-8E7C-FB5098DFC78F}"/>
+                <a16:creationId xmlns:a16="http://schemas.microsoft.com/office/drawing/2014/main" xmlns="" id="{A206D4A2-B23E-47CB-8E7C-FB5098DFC78F}"/>
               </a:ext>
             </a:extLst>
           </p:cNvPr>
@@ -6123,7 +6130,7 @@
           <p:cNvPr id="20" name="文字方塊 35">
             <a:extLst>
               <a:ext uri="{FF2B5EF4-FFF2-40B4-BE49-F238E27FC236}">
-                <a16:creationId xmlns:a16="http://schemas.microsoft.com/office/drawing/2014/main" id="{0A08F64A-9EC0-49B2-84C0-50B4665A68B2}"/>
+                <a16:creationId xmlns:a16="http://schemas.microsoft.com/office/drawing/2014/main" xmlns="" id="{0A08F64A-9EC0-49B2-84C0-50B4665A68B2}"/>
               </a:ext>
             </a:extLst>
           </p:cNvPr>
@@ -6180,7 +6187,7 @@
           <p:cNvPr id="21" name="矩形 20">
             <a:extLst>
               <a:ext uri="{FF2B5EF4-FFF2-40B4-BE49-F238E27FC236}">
-                <a16:creationId xmlns:a16="http://schemas.microsoft.com/office/drawing/2014/main" id="{45F11FF2-B145-4B42-B084-B85010584F4B}"/>
+                <a16:creationId xmlns:a16="http://schemas.microsoft.com/office/drawing/2014/main" xmlns="" id="{45F11FF2-B145-4B42-B084-B85010584F4B}"/>
               </a:ext>
             </a:extLst>
           </p:cNvPr>
@@ -6221,7 +6228,7 @@
           <p:cNvPr id="22" name="圖片 37">
             <a:extLst>
               <a:ext uri="{FF2B5EF4-FFF2-40B4-BE49-F238E27FC236}">
-                <a16:creationId xmlns:a16="http://schemas.microsoft.com/office/drawing/2014/main" id="{27F61E55-40D2-48CA-B2A4-3CCAE158D295}"/>
+                <a16:creationId xmlns:a16="http://schemas.microsoft.com/office/drawing/2014/main" xmlns="" id="{27F61E55-40D2-48CA-B2A4-3CCAE158D295}"/>
               </a:ext>
             </a:extLst>
           </p:cNvPr>
@@ -6251,7 +6258,7 @@
           <p:cNvPr id="23" name="圖片 38">
             <a:extLst>
               <a:ext uri="{FF2B5EF4-FFF2-40B4-BE49-F238E27FC236}">
-                <a16:creationId xmlns:a16="http://schemas.microsoft.com/office/drawing/2014/main" id="{F6E24B6C-ACFB-4945-9215-71CF20EB2D2B}"/>
+                <a16:creationId xmlns:a16="http://schemas.microsoft.com/office/drawing/2014/main" xmlns="" id="{F6E24B6C-ACFB-4945-9215-71CF20EB2D2B}"/>
               </a:ext>
             </a:extLst>
           </p:cNvPr>
@@ -6281,7 +6288,7 @@
           <p:cNvPr id="24" name="文字方塊 39">
             <a:extLst>
               <a:ext uri="{FF2B5EF4-FFF2-40B4-BE49-F238E27FC236}">
-                <a16:creationId xmlns:a16="http://schemas.microsoft.com/office/drawing/2014/main" id="{2077EC58-688B-45DA-9585-8B5EFF747C21}"/>
+                <a16:creationId xmlns:a16="http://schemas.microsoft.com/office/drawing/2014/main" xmlns="" id="{2077EC58-688B-45DA-9585-8B5EFF747C21}"/>
               </a:ext>
             </a:extLst>
           </p:cNvPr>
@@ -6318,7 +6325,7 @@
           <p:cNvPr id="25" name="文字方塊 40">
             <a:extLst>
               <a:ext uri="{FF2B5EF4-FFF2-40B4-BE49-F238E27FC236}">
-                <a16:creationId xmlns:a16="http://schemas.microsoft.com/office/drawing/2014/main" id="{9B562F25-BDA7-4165-AFD0-755F0492DDD4}"/>
+                <a16:creationId xmlns:a16="http://schemas.microsoft.com/office/drawing/2014/main" xmlns="" id="{9B562F25-BDA7-4165-AFD0-755F0492DDD4}"/>
               </a:ext>
             </a:extLst>
           </p:cNvPr>
@@ -6355,7 +6362,7 @@
           <p:cNvPr id="26" name="圖片 41">
             <a:extLst>
               <a:ext uri="{FF2B5EF4-FFF2-40B4-BE49-F238E27FC236}">
-                <a16:creationId xmlns:a16="http://schemas.microsoft.com/office/drawing/2014/main" id="{553DEC0C-4B49-4913-BCEC-5D63BB85CC3E}"/>
+                <a16:creationId xmlns:a16="http://schemas.microsoft.com/office/drawing/2014/main" xmlns="" id="{553DEC0C-4B49-4913-BCEC-5D63BB85CC3E}"/>
               </a:ext>
             </a:extLst>
           </p:cNvPr>
@@ -6385,7 +6392,7 @@
           <p:cNvPr id="27" name="矩形 26">
             <a:extLst>
               <a:ext uri="{FF2B5EF4-FFF2-40B4-BE49-F238E27FC236}">
-                <a16:creationId xmlns:a16="http://schemas.microsoft.com/office/drawing/2014/main" id="{93BD42B8-3326-4826-B0D6-BDA00A58F35C}"/>
+                <a16:creationId xmlns:a16="http://schemas.microsoft.com/office/drawing/2014/main" xmlns="" id="{93BD42B8-3326-4826-B0D6-BDA00A58F35C}"/>
               </a:ext>
             </a:extLst>
           </p:cNvPr>
@@ -6425,7 +6432,7 @@
           <p:cNvPr id="28" name="矩形 27">
             <a:extLst>
               <a:ext uri="{FF2B5EF4-FFF2-40B4-BE49-F238E27FC236}">
-                <a16:creationId xmlns:a16="http://schemas.microsoft.com/office/drawing/2014/main" id="{2344BEC7-2CBA-49D3-A79C-080951F115D9}"/>
+                <a16:creationId xmlns:a16="http://schemas.microsoft.com/office/drawing/2014/main" xmlns="" id="{2344BEC7-2CBA-49D3-A79C-080951F115D9}"/>
               </a:ext>
             </a:extLst>
           </p:cNvPr>
@@ -6466,7 +6473,7 @@
           <p:cNvPr id="29" name="矩形 28">
             <a:extLst>
               <a:ext uri="{FF2B5EF4-FFF2-40B4-BE49-F238E27FC236}">
-                <a16:creationId xmlns:a16="http://schemas.microsoft.com/office/drawing/2014/main" id="{F10278E6-750A-4352-9346-FBC6383426E2}"/>
+                <a16:creationId xmlns:a16="http://schemas.microsoft.com/office/drawing/2014/main" xmlns="" id="{F10278E6-750A-4352-9346-FBC6383426E2}"/>
               </a:ext>
             </a:extLst>
           </p:cNvPr>
@@ -6518,7 +6525,7 @@
           <p:cNvPr id="30" name="页脚占位符 4">
             <a:extLst>
               <a:ext uri="{FF2B5EF4-FFF2-40B4-BE49-F238E27FC236}">
-                <a16:creationId xmlns:a16="http://schemas.microsoft.com/office/drawing/2014/main" id="{695CF0EE-630A-4A8F-A959-CFD222411CE2}"/>
+                <a16:creationId xmlns:a16="http://schemas.microsoft.com/office/drawing/2014/main" xmlns="" id="{695CF0EE-630A-4A8F-A959-CFD222411CE2}"/>
               </a:ext>
             </a:extLst>
           </p:cNvPr>
@@ -7220,7 +7227,7 @@
           <p:cNvPr id="2" name="标题 1">
             <a:extLst>
               <a:ext uri="{FF2B5EF4-FFF2-40B4-BE49-F238E27FC236}">
-                <a16:creationId xmlns:a16="http://schemas.microsoft.com/office/drawing/2014/main" id="{2F21F3B5-A64D-4DCA-9CCC-7F0B3E5C58E4}"/>
+                <a16:creationId xmlns:a16="http://schemas.microsoft.com/office/drawing/2014/main" xmlns="" id="{2F21F3B5-A64D-4DCA-9CCC-7F0B3E5C58E4}"/>
               </a:ext>
             </a:extLst>
           </p:cNvPr>
@@ -7248,7 +7255,7 @@
           <p:cNvPr id="4" name="日期占位符 3">
             <a:extLst>
               <a:ext uri="{FF2B5EF4-FFF2-40B4-BE49-F238E27FC236}">
-                <a16:creationId xmlns:a16="http://schemas.microsoft.com/office/drawing/2014/main" id="{C5C07CC5-4A08-4769-88D9-A1F0705AF6CD}"/>
+                <a16:creationId xmlns:a16="http://schemas.microsoft.com/office/drawing/2014/main" xmlns="" id="{C5C07CC5-4A08-4769-88D9-A1F0705AF6CD}"/>
               </a:ext>
             </a:extLst>
           </p:cNvPr>
@@ -7269,7 +7276,7 @@
             </a:pPr>
             <a:fld id="{95A2A19B-170D-1043-AE33-7A36DFB7BCDC}" type="datetime2">
               <a:rPr lang="zh-CN" altLang="en-US" smtClean="0"/>
-              <a:t>2018年4月20日</a:t>
+              <a:t>2018年7月5日</a:t>
             </a:fld>
             <a:endParaRPr lang="en-US" altLang="zh-CN"/>
           </a:p>
@@ -7280,7 +7287,7 @@
           <p:cNvPr id="5" name="页脚占位符 4">
             <a:extLst>
               <a:ext uri="{FF2B5EF4-FFF2-40B4-BE49-F238E27FC236}">
-                <a16:creationId xmlns:a16="http://schemas.microsoft.com/office/drawing/2014/main" id="{0ECF1510-3F67-489C-A753-6C05543F5D8E}"/>
+                <a16:creationId xmlns:a16="http://schemas.microsoft.com/office/drawing/2014/main" xmlns="" id="{0ECF1510-3F67-489C-A753-6C05543F5D8E}"/>
               </a:ext>
             </a:extLst>
           </p:cNvPr>
@@ -7312,7 +7319,7 @@
           <p:cNvPr id="6" name="灯片编号占位符 5">
             <a:extLst>
               <a:ext uri="{FF2B5EF4-FFF2-40B4-BE49-F238E27FC236}">
-                <a16:creationId xmlns:a16="http://schemas.microsoft.com/office/drawing/2014/main" id="{CEEF7477-5D18-493B-A5F8-5A256123DB22}"/>
+                <a16:creationId xmlns:a16="http://schemas.microsoft.com/office/drawing/2014/main" xmlns="" id="{CEEF7477-5D18-493B-A5F8-5A256123DB22}"/>
               </a:ext>
             </a:extLst>
           </p:cNvPr>
@@ -7347,7 +7354,7 @@
           <p:cNvPr id="7" name="圓柱 5">
             <a:extLst>
               <a:ext uri="{FF2B5EF4-FFF2-40B4-BE49-F238E27FC236}">
-                <a16:creationId xmlns:a16="http://schemas.microsoft.com/office/drawing/2014/main" id="{13C5A888-600E-40BA-B575-C62CA28FAFBB}"/>
+                <a16:creationId xmlns:a16="http://schemas.microsoft.com/office/drawing/2014/main" xmlns="" id="{13C5A888-600E-40BA-B575-C62CA28FAFBB}"/>
               </a:ext>
             </a:extLst>
           </p:cNvPr>
@@ -7383,8 +7390,8 @@
           <a:p>
             <a:pPr algn="ctr"/>
             <a:r>
-              <a:rPr lang="en-US" altLang="zh-TW" sz="2400" dirty="0"/>
-              <a:t>A set of function</a:t>
+              <a:rPr lang="zh-CN" altLang="en-US" sz="2400" dirty="0" smtClean="0"/>
+              <a:t>一系列函数</a:t>
             </a:r>
             <a:endParaRPr lang="zh-TW" altLang="en-US" sz="2400" dirty="0"/>
           </a:p>
@@ -7395,7 +7402,7 @@
           <p:cNvPr id="8" name="Object 12">
             <a:extLst>
               <a:ext uri="{FF2B5EF4-FFF2-40B4-BE49-F238E27FC236}">
-                <a16:creationId xmlns:a16="http://schemas.microsoft.com/office/drawing/2014/main" id="{B342BC5F-B650-4540-9688-EFCEDE2DCAA4}"/>
+                <a16:creationId xmlns:a16="http://schemas.microsoft.com/office/drawing/2014/main" xmlns="" id="{B342BC5F-B650-4540-9688-EFCEDE2DCAA4}"/>
               </a:ext>
             </a:extLst>
           </p:cNvPr>
@@ -7418,7 +7425,7 @@
           <a:graphicData uri="http://schemas.openxmlformats.org/presentationml/2006/ole">
             <mc:AlternateContent xmlns:mc="http://schemas.openxmlformats.org/markup-compatibility/2006">
               <mc:Choice xmlns:v="urn:schemas-microsoft-com:vml" Requires="v">
-                <p:oleObj spid="_x0000_s4173" name="方程式" r:id="rId3" imgW="520560" imgH="215640" progId="Equation.3">
+                <p:oleObj spid="_x0000_s4228" name="方程式" r:id="rId3" imgW="520560" imgH="215640" progId="Equation.3">
                   <p:embed/>
                 </p:oleObj>
               </mc:Choice>
@@ -7463,7 +7470,7 @@
           <p:cNvPr id="9" name="文字方塊 17">
             <a:extLst>
               <a:ext uri="{FF2B5EF4-FFF2-40B4-BE49-F238E27FC236}">
-                <a16:creationId xmlns:a16="http://schemas.microsoft.com/office/drawing/2014/main" id="{2CAA0C11-3A8B-40A7-A982-7BB53CDC819F}"/>
+                <a16:creationId xmlns:a16="http://schemas.microsoft.com/office/drawing/2014/main" xmlns="" id="{2CAA0C11-3A8B-40A7-A982-7BB53CDC819F}"/>
               </a:ext>
             </a:extLst>
           </p:cNvPr>
@@ -7501,8 +7508,8 @@
           <a:p>
             <a:pPr algn="ctr"/>
             <a:r>
-              <a:rPr lang="en-US" altLang="zh-TW" sz="2800" dirty="0"/>
-              <a:t>Model</a:t>
+              <a:rPr lang="zh-CN" altLang="en-US" sz="2800" dirty="0" smtClean="0"/>
+              <a:t>模型</a:t>
             </a:r>
             <a:endParaRPr lang="zh-TW" altLang="en-US" sz="2800" dirty="0"/>
           </a:p>
@@ -7513,7 +7520,7 @@
           <p:cNvPr id="10" name="圓柱 22">
             <a:extLst>
               <a:ext uri="{FF2B5EF4-FFF2-40B4-BE49-F238E27FC236}">
-                <a16:creationId xmlns:a16="http://schemas.microsoft.com/office/drawing/2014/main" id="{4689B7FC-28CB-4E77-AA46-F3899D14A7C7}"/>
+                <a16:creationId xmlns:a16="http://schemas.microsoft.com/office/drawing/2014/main" xmlns="" id="{4689B7FC-28CB-4E77-AA46-F3899D14A7C7}"/>
               </a:ext>
             </a:extLst>
           </p:cNvPr>
@@ -7549,15 +7556,8 @@
           <a:p>
             <a:pPr algn="ctr"/>
             <a:r>
-              <a:rPr lang="en-US" altLang="zh-TW" sz="2400" dirty="0"/>
-              <a:t>Training</a:t>
-            </a:r>
-          </a:p>
-          <a:p>
-            <a:pPr algn="ctr"/>
-            <a:r>
-              <a:rPr lang="en-US" altLang="zh-TW" sz="2400" dirty="0"/>
-              <a:t>Data</a:t>
+              <a:rPr lang="zh-CN" altLang="en-US" sz="2400" dirty="0" smtClean="0"/>
+              <a:t>训练集</a:t>
             </a:r>
             <a:endParaRPr lang="zh-TW" altLang="en-US" sz="2400" dirty="0"/>
           </a:p>
@@ -7568,7 +7568,7 @@
           <p:cNvPr id="11" name="圓角矩形 26">
             <a:extLst>
               <a:ext uri="{FF2B5EF4-FFF2-40B4-BE49-F238E27FC236}">
-                <a16:creationId xmlns:a16="http://schemas.microsoft.com/office/drawing/2014/main" id="{9DD17BD5-9907-471E-A83F-29D943BAD1CF}"/>
+                <a16:creationId xmlns:a16="http://schemas.microsoft.com/office/drawing/2014/main" xmlns="" id="{9DD17BD5-9907-471E-A83F-29D943BAD1CF}"/>
               </a:ext>
             </a:extLst>
           </p:cNvPr>
@@ -7604,8 +7604,8 @@
           <a:p>
             <a:pPr algn="ctr"/>
             <a:r>
-              <a:rPr lang="en-US" altLang="zh-TW" sz="2400" dirty="0"/>
-              <a:t>Goodness of function f</a:t>
+              <a:rPr lang="zh-CN" altLang="en-US" sz="2400" dirty="0" smtClean="0"/>
+              <a:t>函数的表现</a:t>
             </a:r>
             <a:endParaRPr lang="en-US" altLang="zh-TW" sz="2400" baseline="30000" dirty="0"/>
           </a:p>
@@ -7616,7 +7616,7 @@
           <p:cNvPr id="12" name="直線單箭頭接點 27">
             <a:extLst>
               <a:ext uri="{FF2B5EF4-FFF2-40B4-BE49-F238E27FC236}">
-                <a16:creationId xmlns:a16="http://schemas.microsoft.com/office/drawing/2014/main" id="{FA22C4C8-C34F-4BC3-87E1-C118C0554106}"/>
+                <a16:creationId xmlns:a16="http://schemas.microsoft.com/office/drawing/2014/main" xmlns="" id="{FA22C4C8-C34F-4BC3-87E1-C118C0554106}"/>
               </a:ext>
             </a:extLst>
           </p:cNvPr>
@@ -7655,7 +7655,7 @@
           <p:cNvPr id="13" name="直線單箭頭接點 28">
             <a:extLst>
               <a:ext uri="{FF2B5EF4-FFF2-40B4-BE49-F238E27FC236}">
-                <a16:creationId xmlns:a16="http://schemas.microsoft.com/office/drawing/2014/main" id="{B17D1325-CC48-4623-97BF-443E5683FC4B}"/>
+                <a16:creationId xmlns:a16="http://schemas.microsoft.com/office/drawing/2014/main" xmlns="" id="{B17D1325-CC48-4623-97BF-443E5683FC4B}"/>
               </a:ext>
             </a:extLst>
           </p:cNvPr>
@@ -7694,7 +7694,7 @@
           <p:cNvPr id="14" name="矩形 13">
             <a:extLst>
               <a:ext uri="{FF2B5EF4-FFF2-40B4-BE49-F238E27FC236}">
-                <a16:creationId xmlns:a16="http://schemas.microsoft.com/office/drawing/2014/main" id="{52221F9C-A2E1-455E-86C1-FC74E2207922}"/>
+                <a16:creationId xmlns:a16="http://schemas.microsoft.com/office/drawing/2014/main" xmlns="" id="{52221F9C-A2E1-455E-86C1-FC74E2207922}"/>
               </a:ext>
             </a:extLst>
           </p:cNvPr>
@@ -7735,7 +7735,7 @@
           <p:cNvPr id="15" name="圖片 30">
             <a:extLst>
               <a:ext uri="{FF2B5EF4-FFF2-40B4-BE49-F238E27FC236}">
-                <a16:creationId xmlns:a16="http://schemas.microsoft.com/office/drawing/2014/main" id="{B25A19E1-0BB5-4C02-82BC-71B53B7C2AEC}"/>
+                <a16:creationId xmlns:a16="http://schemas.microsoft.com/office/drawing/2014/main" xmlns="" id="{B25A19E1-0BB5-4C02-82BC-71B53B7C2AEC}"/>
               </a:ext>
             </a:extLst>
           </p:cNvPr>
@@ -7765,7 +7765,7 @@
           <p:cNvPr id="16" name="圖片 31">
             <a:extLst>
               <a:ext uri="{FF2B5EF4-FFF2-40B4-BE49-F238E27FC236}">
-                <a16:creationId xmlns:a16="http://schemas.microsoft.com/office/drawing/2014/main" id="{528BF1DC-96E5-432E-930C-E42789F93C50}"/>
+                <a16:creationId xmlns:a16="http://schemas.microsoft.com/office/drawing/2014/main" xmlns="" id="{528BF1DC-96E5-432E-930C-E42789F93C50}"/>
               </a:ext>
             </a:extLst>
           </p:cNvPr>
@@ -7795,7 +7795,7 @@
           <p:cNvPr id="17" name="文字方塊 32">
             <a:extLst>
               <a:ext uri="{FF2B5EF4-FFF2-40B4-BE49-F238E27FC236}">
-                <a16:creationId xmlns:a16="http://schemas.microsoft.com/office/drawing/2014/main" id="{C11864DB-A316-4618-AC61-927E470CCE7C}"/>
+                <a16:creationId xmlns:a16="http://schemas.microsoft.com/office/drawing/2014/main" xmlns="" id="{C11864DB-A316-4618-AC61-927E470CCE7C}"/>
               </a:ext>
             </a:extLst>
           </p:cNvPr>
@@ -7832,7 +7832,7 @@
           <p:cNvPr id="18" name="文字方塊 33">
             <a:extLst>
               <a:ext uri="{FF2B5EF4-FFF2-40B4-BE49-F238E27FC236}">
-                <a16:creationId xmlns:a16="http://schemas.microsoft.com/office/drawing/2014/main" id="{A9C145A0-8904-479A-95AC-D2AC4E35ACC6}"/>
+                <a16:creationId xmlns:a16="http://schemas.microsoft.com/office/drawing/2014/main" xmlns="" id="{A9C145A0-8904-479A-95AC-D2AC4E35ACC6}"/>
               </a:ext>
             </a:extLst>
           </p:cNvPr>
@@ -7869,7 +7869,7 @@
           <p:cNvPr id="19" name="圖片 34">
             <a:extLst>
               <a:ext uri="{FF2B5EF4-FFF2-40B4-BE49-F238E27FC236}">
-                <a16:creationId xmlns:a16="http://schemas.microsoft.com/office/drawing/2014/main" id="{A038C83F-7859-4E23-AC82-58985F09E8A1}"/>
+                <a16:creationId xmlns:a16="http://schemas.microsoft.com/office/drawing/2014/main" xmlns="" id="{A038C83F-7859-4E23-AC82-58985F09E8A1}"/>
               </a:ext>
             </a:extLst>
           </p:cNvPr>
@@ -7899,7 +7899,7 @@
           <p:cNvPr id="20" name="Object 12">
             <a:extLst>
               <a:ext uri="{FF2B5EF4-FFF2-40B4-BE49-F238E27FC236}">
-                <a16:creationId xmlns:a16="http://schemas.microsoft.com/office/drawing/2014/main" id="{96426069-D24E-4BD7-82BB-1B73EFEF1148}"/>
+                <a16:creationId xmlns:a16="http://schemas.microsoft.com/office/drawing/2014/main" xmlns="" id="{96426069-D24E-4BD7-82BB-1B73EFEF1148}"/>
               </a:ext>
             </a:extLst>
           </p:cNvPr>
@@ -7922,7 +7922,7 @@
           <a:graphicData uri="http://schemas.openxmlformats.org/presentationml/2006/ole">
             <mc:AlternateContent xmlns:mc="http://schemas.openxmlformats.org/markup-compatibility/2006">
               <mc:Choice xmlns:v="urn:schemas-microsoft-com:vml" Requires="v">
-                <p:oleObj spid="_x0000_s4174" name="方程式" r:id="rId8" imgW="203040" imgH="228600" progId="Equation.3">
+                <p:oleObj spid="_x0000_s4229" name="方程式" r:id="rId8" imgW="203040" imgH="228600" progId="Equation.3">
                   <p:embed/>
                 </p:oleObj>
               </mc:Choice>
@@ -7967,7 +7967,7 @@
           <p:cNvPr id="21" name="文字方塊 24">
             <a:extLst>
               <a:ext uri="{FF2B5EF4-FFF2-40B4-BE49-F238E27FC236}">
-                <a16:creationId xmlns:a16="http://schemas.microsoft.com/office/drawing/2014/main" id="{3E25C831-FB74-41F0-AA84-D84356E0AF3F}"/>
+                <a16:creationId xmlns:a16="http://schemas.microsoft.com/office/drawing/2014/main" xmlns="" id="{3E25C831-FB74-41F0-AA84-D84356E0AF3F}"/>
               </a:ext>
             </a:extLst>
           </p:cNvPr>
@@ -7992,8 +7992,8 @@
           <a:p>
             <a:pPr algn="ctr"/>
             <a:r>
-              <a:rPr lang="en-US" altLang="zh-TW" sz="2000" dirty="0"/>
-              <a:t>Pick the “Best” Function</a:t>
+              <a:rPr lang="zh-CN" altLang="en-US" sz="2000" dirty="0" smtClean="0"/>
+              <a:t>选择表现最好的函数</a:t>
             </a:r>
             <a:endParaRPr lang="zh-TW" altLang="en-US" sz="2000" dirty="0"/>
           </a:p>
@@ -8004,7 +8004,7 @@
           <p:cNvPr id="22" name="直線單箭頭接點 25">
             <a:extLst>
               <a:ext uri="{FF2B5EF4-FFF2-40B4-BE49-F238E27FC236}">
-                <a16:creationId xmlns:a16="http://schemas.microsoft.com/office/drawing/2014/main" id="{53A5D98D-FBCD-45B4-B8B8-4A768E39354F}"/>
+                <a16:creationId xmlns:a16="http://schemas.microsoft.com/office/drawing/2014/main" xmlns="" id="{53A5D98D-FBCD-45B4-B8B8-4A768E39354F}"/>
               </a:ext>
             </a:extLst>
           </p:cNvPr>
@@ -8045,7 +8045,7 @@
           <p:cNvPr id="23" name="圓角矩形 37">
             <a:extLst>
               <a:ext uri="{FF2B5EF4-FFF2-40B4-BE49-F238E27FC236}">
-                <a16:creationId xmlns:a16="http://schemas.microsoft.com/office/drawing/2014/main" id="{F4E281F4-8ADF-4B41-A0A7-3C8616D02E03}"/>
+                <a16:creationId xmlns:a16="http://schemas.microsoft.com/office/drawing/2014/main" xmlns="" id="{F4E281F4-8ADF-4B41-A0A7-3C8616D02E03}"/>
               </a:ext>
             </a:extLst>
           </p:cNvPr>
@@ -8081,8 +8081,13 @@
           <a:p>
             <a:r>
               <a:rPr lang="en-US" altLang="zh-TW" sz="2400" dirty="0"/>
-              <a:t>  Using</a:t>
-            </a:r>
+              <a:t>  </a:t>
+            </a:r>
+            <a:r>
+              <a:rPr lang="zh-CN" altLang="en-US" sz="2400" dirty="0" smtClean="0"/>
+              <a:t>  使用</a:t>
+            </a:r>
+            <a:endParaRPr lang="en-US" altLang="zh-TW" sz="2400" dirty="0"/>
           </a:p>
         </p:txBody>
       </p:sp>
@@ -8091,7 +8096,7 @@
           <p:cNvPr id="24" name="直線單箭頭接點 40">
             <a:extLst>
               <a:ext uri="{FF2B5EF4-FFF2-40B4-BE49-F238E27FC236}">
-                <a16:creationId xmlns:a16="http://schemas.microsoft.com/office/drawing/2014/main" id="{EED9F2A7-BB3D-4DB0-A5FE-4D6726DB5890}"/>
+                <a16:creationId xmlns:a16="http://schemas.microsoft.com/office/drawing/2014/main" xmlns="" id="{EED9F2A7-BB3D-4DB0-A5FE-4D6726DB5890}"/>
               </a:ext>
             </a:extLst>
           </p:cNvPr>
@@ -8130,7 +8135,7 @@
           <p:cNvPr id="25" name="直線單箭頭接點 41">
             <a:extLst>
               <a:ext uri="{FF2B5EF4-FFF2-40B4-BE49-F238E27FC236}">
-                <a16:creationId xmlns:a16="http://schemas.microsoft.com/office/drawing/2014/main" id="{3647F264-2339-4D70-BBD8-3C898E77A058}"/>
+                <a16:creationId xmlns:a16="http://schemas.microsoft.com/office/drawing/2014/main" xmlns="" id="{3647F264-2339-4D70-BBD8-3C898E77A058}"/>
               </a:ext>
             </a:extLst>
           </p:cNvPr>
@@ -8169,7 +8174,7 @@
           <p:cNvPr id="26" name="Object 12">
             <a:extLst>
               <a:ext uri="{FF2B5EF4-FFF2-40B4-BE49-F238E27FC236}">
-                <a16:creationId xmlns:a16="http://schemas.microsoft.com/office/drawing/2014/main" id="{A0956AA3-74B0-4839-9A31-5A2A28950B1E}"/>
+                <a16:creationId xmlns:a16="http://schemas.microsoft.com/office/drawing/2014/main" xmlns="" id="{A0956AA3-74B0-4839-9A31-5A2A28950B1E}"/>
               </a:ext>
             </a:extLst>
           </p:cNvPr>
@@ -8192,7 +8197,7 @@
           <a:graphicData uri="http://schemas.openxmlformats.org/presentationml/2006/ole">
             <mc:AlternateContent xmlns:mc="http://schemas.openxmlformats.org/markup-compatibility/2006">
               <mc:Choice xmlns:v="urn:schemas-microsoft-com:vml" Requires="v">
-                <p:oleObj spid="_x0000_s4175" name="方程式" r:id="rId10" imgW="203040" imgH="228600" progId="Equation.3">
+                <p:oleObj spid="_x0000_s4230" name="方程式" r:id="rId10" imgW="203040" imgH="228600" progId="Equation.3">
                   <p:embed/>
                 </p:oleObj>
               </mc:Choice>
@@ -8237,7 +8242,7 @@
           <p:cNvPr id="27" name="Picture 12" descr="https://encrypted-tbn1.gstatic.com/images?q=tbn:ANd9GcRcwlRKAlSIaCI4W5PRYVbuBQQXifF-56bFqAjh9DMe-_3Lh8_YKw">
             <a:extLst>
               <a:ext uri="{FF2B5EF4-FFF2-40B4-BE49-F238E27FC236}">
-                <a16:creationId xmlns:a16="http://schemas.microsoft.com/office/drawing/2014/main" id="{4D67006C-9A71-4B9D-A460-CE8C4DA6324E}"/>
+                <a16:creationId xmlns:a16="http://schemas.microsoft.com/office/drawing/2014/main" xmlns="" id="{4D67006C-9A71-4B9D-A460-CE8C4DA6324E}"/>
               </a:ext>
             </a:extLst>
           </p:cNvPr>
@@ -8284,7 +8289,7 @@
           <p:cNvPr id="28" name="文字方塊 45">
             <a:extLst>
               <a:ext uri="{FF2B5EF4-FFF2-40B4-BE49-F238E27FC236}">
-                <a16:creationId xmlns:a16="http://schemas.microsoft.com/office/drawing/2014/main" id="{00C6E81C-A033-4C81-A001-D621CD84248E}"/>
+                <a16:creationId xmlns:a16="http://schemas.microsoft.com/office/drawing/2014/main" xmlns="" id="{00C6E81C-A033-4C81-A001-D621CD84248E}"/>
               </a:ext>
             </a:extLst>
           </p:cNvPr>
@@ -8321,7 +8326,7 @@
           <p:cNvPr id="29" name="矩形 28">
             <a:extLst>
               <a:ext uri="{FF2B5EF4-FFF2-40B4-BE49-F238E27FC236}">
-                <a16:creationId xmlns:a16="http://schemas.microsoft.com/office/drawing/2014/main" id="{E1AC2FDE-73E1-49AA-9B98-6BFAC871FAFD}"/>
+                <a16:creationId xmlns:a16="http://schemas.microsoft.com/office/drawing/2014/main" xmlns="" id="{E1AC2FDE-73E1-49AA-9B98-6BFAC871FAFD}"/>
               </a:ext>
             </a:extLst>
           </p:cNvPr>
@@ -8373,7 +8378,7 @@
           <p:cNvPr id="30" name="矩形 29">
             <a:extLst>
               <a:ext uri="{FF2B5EF4-FFF2-40B4-BE49-F238E27FC236}">
-                <a16:creationId xmlns:a16="http://schemas.microsoft.com/office/drawing/2014/main" id="{E074733E-FA25-4E88-AB42-320E3CA89A14}"/>
+                <a16:creationId xmlns:a16="http://schemas.microsoft.com/office/drawing/2014/main" xmlns="" id="{E074733E-FA25-4E88-AB42-320E3CA89A14}"/>
               </a:ext>
             </a:extLst>
           </p:cNvPr>
@@ -8425,7 +8430,7 @@
           <p:cNvPr id="31" name="文字方塊 47">
             <a:extLst>
               <a:ext uri="{FF2B5EF4-FFF2-40B4-BE49-F238E27FC236}">
-                <a16:creationId xmlns:a16="http://schemas.microsoft.com/office/drawing/2014/main" id="{017A0524-DF83-490A-BF4B-E426793D8FD8}"/>
+                <a16:creationId xmlns:a16="http://schemas.microsoft.com/office/drawing/2014/main" xmlns="" id="{017A0524-DF83-490A-BF4B-E426793D8FD8}"/>
               </a:ext>
             </a:extLst>
           </p:cNvPr>
@@ -8463,8 +8468,8 @@
           <a:p>
             <a:pPr algn="ctr"/>
             <a:r>
-              <a:rPr lang="en-US" altLang="zh-TW" sz="2400" dirty="0"/>
-              <a:t>Training </a:t>
+              <a:rPr lang="zh-CN" altLang="en-US" sz="2400" dirty="0" smtClean="0"/>
+              <a:t>训练</a:t>
             </a:r>
             <a:endParaRPr lang="zh-TW" altLang="en-US" sz="2400" dirty="0"/>
           </a:p>
@@ -8475,7 +8480,7 @@
           <p:cNvPr id="32" name="文字方塊 48">
             <a:extLst>
               <a:ext uri="{FF2B5EF4-FFF2-40B4-BE49-F238E27FC236}">
-                <a16:creationId xmlns:a16="http://schemas.microsoft.com/office/drawing/2014/main" id="{2D346CE1-A373-4747-87DC-E08EDA429EBC}"/>
+                <a16:creationId xmlns:a16="http://schemas.microsoft.com/office/drawing/2014/main" xmlns="" id="{2D346CE1-A373-4747-87DC-E08EDA429EBC}"/>
               </a:ext>
             </a:extLst>
           </p:cNvPr>
@@ -8513,8 +8518,8 @@
           <a:p>
             <a:pPr algn="ctr"/>
             <a:r>
-              <a:rPr lang="en-US" altLang="zh-TW" sz="2400" dirty="0"/>
-              <a:t>Testing</a:t>
+              <a:rPr lang="zh-CN" altLang="en-US" sz="2400" dirty="0" smtClean="0"/>
+              <a:t>测试</a:t>
             </a:r>
             <a:endParaRPr lang="zh-TW" altLang="en-US" sz="2400" dirty="0"/>
           </a:p>
@@ -8525,7 +8530,7 @@
           <p:cNvPr id="33" name="矩形 32">
             <a:extLst>
               <a:ext uri="{FF2B5EF4-FFF2-40B4-BE49-F238E27FC236}">
-                <a16:creationId xmlns:a16="http://schemas.microsoft.com/office/drawing/2014/main" id="{EB1CF628-4430-4B3F-AE2F-E19A55CCEFBD}"/>
+                <a16:creationId xmlns:a16="http://schemas.microsoft.com/office/drawing/2014/main" xmlns="" id="{EB1CF628-4430-4B3F-AE2F-E19A55CCEFBD}"/>
               </a:ext>
             </a:extLst>
           </p:cNvPr>
@@ -8577,7 +8582,7 @@
           <p:cNvPr id="34" name="矩形 33">
             <a:extLst>
               <a:ext uri="{FF2B5EF4-FFF2-40B4-BE49-F238E27FC236}">
-                <a16:creationId xmlns:a16="http://schemas.microsoft.com/office/drawing/2014/main" id="{80F3F945-585E-4A1F-94B5-CF3A08FD50C3}"/>
+                <a16:creationId xmlns:a16="http://schemas.microsoft.com/office/drawing/2014/main" xmlns="" id="{80F3F945-585E-4A1F-94B5-CF3A08FD50C3}"/>
               </a:ext>
             </a:extLst>
           </p:cNvPr>
@@ -8629,7 +8634,7 @@
           <p:cNvPr id="35" name="矩形 34">
             <a:extLst>
               <a:ext uri="{FF2B5EF4-FFF2-40B4-BE49-F238E27FC236}">
-                <a16:creationId xmlns:a16="http://schemas.microsoft.com/office/drawing/2014/main" id="{916AB394-5659-480E-BABE-2331F31E0EC6}"/>
+                <a16:creationId xmlns:a16="http://schemas.microsoft.com/office/drawing/2014/main" xmlns="" id="{916AB394-5659-480E-BABE-2331F31E0EC6}"/>
               </a:ext>
             </a:extLst>
           </p:cNvPr>
@@ -8681,7 +8686,7 @@
           <p:cNvPr id="36" name="文字方塊 52">
             <a:extLst>
               <a:ext uri="{FF2B5EF4-FFF2-40B4-BE49-F238E27FC236}">
-                <a16:creationId xmlns:a16="http://schemas.microsoft.com/office/drawing/2014/main" id="{6D4B55D2-7DFD-4ABB-B5C8-39E4081FF0C7}"/>
+                <a16:creationId xmlns:a16="http://schemas.microsoft.com/office/drawing/2014/main" xmlns="" id="{6D4B55D2-7DFD-4ABB-B5C8-39E4081FF0C7}"/>
               </a:ext>
             </a:extLst>
           </p:cNvPr>
@@ -8731,7 +8736,7 @@
           <p:cNvPr id="37" name="文字方塊 53">
             <a:extLst>
               <a:ext uri="{FF2B5EF4-FFF2-40B4-BE49-F238E27FC236}">
-                <a16:creationId xmlns:a16="http://schemas.microsoft.com/office/drawing/2014/main" id="{50E29081-D45A-4F28-9EFF-5460C6A952AA}"/>
+                <a16:creationId xmlns:a16="http://schemas.microsoft.com/office/drawing/2014/main" xmlns="" id="{50E29081-D45A-4F28-9EFF-5460C6A952AA}"/>
               </a:ext>
             </a:extLst>
           </p:cNvPr>
@@ -8781,7 +8786,7 @@
           <p:cNvPr id="38" name="文字方塊 54">
             <a:extLst>
               <a:ext uri="{FF2B5EF4-FFF2-40B4-BE49-F238E27FC236}">
-                <a16:creationId xmlns:a16="http://schemas.microsoft.com/office/drawing/2014/main" id="{ACB38E13-E3DD-4362-8BF2-C842A6C48388}"/>
+                <a16:creationId xmlns:a16="http://schemas.microsoft.com/office/drawing/2014/main" xmlns="" id="{ACB38E13-E3DD-4362-8BF2-C842A6C48388}"/>
               </a:ext>
             </a:extLst>
           </p:cNvPr>
@@ -9581,7 +9586,7 @@
           <p:cNvPr id="2" name="标题 1">
             <a:extLst>
               <a:ext uri="{FF2B5EF4-FFF2-40B4-BE49-F238E27FC236}">
-                <a16:creationId xmlns:a16="http://schemas.microsoft.com/office/drawing/2014/main" id="{9442FABF-4FB1-4F36-9513-8945F183E53F}"/>
+                <a16:creationId xmlns:a16="http://schemas.microsoft.com/office/drawing/2014/main" xmlns="" id="{9442FABF-4FB1-4F36-9513-8945F183E53F}"/>
               </a:ext>
             </a:extLst>
           </p:cNvPr>
@@ -9609,7 +9614,7 @@
           <p:cNvPr id="3" name="内容占位符 2">
             <a:extLst>
               <a:ext uri="{FF2B5EF4-FFF2-40B4-BE49-F238E27FC236}">
-                <a16:creationId xmlns:a16="http://schemas.microsoft.com/office/drawing/2014/main" id="{261CD801-DECC-4617-8BD3-2A35547A5650}"/>
+                <a16:creationId xmlns:a16="http://schemas.microsoft.com/office/drawing/2014/main" xmlns="" id="{261CD801-DECC-4617-8BD3-2A35547A5650}"/>
               </a:ext>
             </a:extLst>
           </p:cNvPr>
@@ -9803,7 +9808,7 @@
           <p:cNvPr id="4" name="日期占位符 3">
             <a:extLst>
               <a:ext uri="{FF2B5EF4-FFF2-40B4-BE49-F238E27FC236}">
-                <a16:creationId xmlns:a16="http://schemas.microsoft.com/office/drawing/2014/main" id="{C868FBBD-1904-43DF-87E5-827E773A483F}"/>
+                <a16:creationId xmlns:a16="http://schemas.microsoft.com/office/drawing/2014/main" xmlns="" id="{C868FBBD-1904-43DF-87E5-827E773A483F}"/>
               </a:ext>
             </a:extLst>
           </p:cNvPr>
@@ -9824,7 +9829,7 @@
             </a:pPr>
             <a:fld id="{95A2A19B-170D-1043-AE33-7A36DFB7BCDC}" type="datetime2">
               <a:rPr lang="zh-CN" altLang="en-US" smtClean="0"/>
-              <a:t>2018年4月20日</a:t>
+              <a:t>2018年7月5日</a:t>
             </a:fld>
             <a:endParaRPr lang="en-US" altLang="zh-CN" dirty="0"/>
           </a:p>
@@ -9835,7 +9840,7 @@
           <p:cNvPr id="5" name="页脚占位符 4">
             <a:extLst>
               <a:ext uri="{FF2B5EF4-FFF2-40B4-BE49-F238E27FC236}">
-                <a16:creationId xmlns:a16="http://schemas.microsoft.com/office/drawing/2014/main" id="{88D48CA5-9EF4-4AA9-AC2E-8CA93B352A63}"/>
+                <a16:creationId xmlns:a16="http://schemas.microsoft.com/office/drawing/2014/main" xmlns="" id="{88D48CA5-9EF4-4AA9-AC2E-8CA93B352A63}"/>
               </a:ext>
             </a:extLst>
           </p:cNvPr>
@@ -9867,7 +9872,7 @@
           <p:cNvPr id="6" name="灯片编号占位符 5">
             <a:extLst>
               <a:ext uri="{FF2B5EF4-FFF2-40B4-BE49-F238E27FC236}">
-                <a16:creationId xmlns:a16="http://schemas.microsoft.com/office/drawing/2014/main" id="{17EE97E5-38B6-483C-A03E-1007DD19B573}"/>
+                <a16:creationId xmlns:a16="http://schemas.microsoft.com/office/drawing/2014/main" xmlns="" id="{17EE97E5-38B6-483C-A03E-1007DD19B573}"/>
               </a:ext>
             </a:extLst>
           </p:cNvPr>
@@ -9932,7 +9937,7 @@
           <p:cNvPr id="2" name="标题 1">
             <a:extLst>
               <a:ext uri="{FF2B5EF4-FFF2-40B4-BE49-F238E27FC236}">
-                <a16:creationId xmlns:a16="http://schemas.microsoft.com/office/drawing/2014/main" id="{05BAECAB-F1F5-4970-9B27-3664D47E9FCE}"/>
+                <a16:creationId xmlns:a16="http://schemas.microsoft.com/office/drawing/2014/main" xmlns="" id="{05BAECAB-F1F5-4970-9B27-3664D47E9FCE}"/>
               </a:ext>
             </a:extLst>
           </p:cNvPr>
@@ -9960,7 +9965,7 @@
           <p:cNvPr id="3" name="内容占位符 2">
             <a:extLst>
               <a:ext uri="{FF2B5EF4-FFF2-40B4-BE49-F238E27FC236}">
-                <a16:creationId xmlns:a16="http://schemas.microsoft.com/office/drawing/2014/main" id="{9D054DA1-D7B2-4E6F-B664-AB3C21CAFD41}"/>
+                <a16:creationId xmlns:a16="http://schemas.microsoft.com/office/drawing/2014/main" xmlns="" id="{9D054DA1-D7B2-4E6F-B664-AB3C21CAFD41}"/>
               </a:ext>
             </a:extLst>
           </p:cNvPr>
@@ -10059,7 +10064,7 @@
           <p:cNvPr id="4" name="日期占位符 3">
             <a:extLst>
               <a:ext uri="{FF2B5EF4-FFF2-40B4-BE49-F238E27FC236}">
-                <a16:creationId xmlns:a16="http://schemas.microsoft.com/office/drawing/2014/main" id="{6A1B7D36-9DAA-4A61-8ACF-9B9A2C235FAB}"/>
+                <a16:creationId xmlns:a16="http://schemas.microsoft.com/office/drawing/2014/main" xmlns="" id="{6A1B7D36-9DAA-4A61-8ACF-9B9A2C235FAB}"/>
               </a:ext>
             </a:extLst>
           </p:cNvPr>
@@ -10080,7 +10085,7 @@
             </a:pPr>
             <a:fld id="{95A2A19B-170D-1043-AE33-7A36DFB7BCDC}" type="datetime2">
               <a:rPr lang="zh-CN" altLang="en-US" smtClean="0"/>
-              <a:t>2018年4月20日</a:t>
+              <a:t>2018年7月5日</a:t>
             </a:fld>
             <a:endParaRPr lang="en-US" altLang="zh-CN"/>
           </a:p>
@@ -10091,7 +10096,7 @@
           <p:cNvPr id="5" name="页脚占位符 4">
             <a:extLst>
               <a:ext uri="{FF2B5EF4-FFF2-40B4-BE49-F238E27FC236}">
-                <a16:creationId xmlns:a16="http://schemas.microsoft.com/office/drawing/2014/main" id="{81421D9D-CF75-401C-89BE-6BA073E750AE}"/>
+                <a16:creationId xmlns:a16="http://schemas.microsoft.com/office/drawing/2014/main" xmlns="" id="{81421D9D-CF75-401C-89BE-6BA073E750AE}"/>
               </a:ext>
             </a:extLst>
           </p:cNvPr>
@@ -10123,7 +10128,7 @@
           <p:cNvPr id="6" name="灯片编号占位符 5">
             <a:extLst>
               <a:ext uri="{FF2B5EF4-FFF2-40B4-BE49-F238E27FC236}">
-                <a16:creationId xmlns:a16="http://schemas.microsoft.com/office/drawing/2014/main" id="{963E6159-A365-4D20-920B-6A048CB7DC4C}"/>
+                <a16:creationId xmlns:a16="http://schemas.microsoft.com/office/drawing/2014/main" xmlns="" id="{963E6159-A365-4D20-920B-6A048CB7DC4C}"/>
               </a:ext>
             </a:extLst>
           </p:cNvPr>
@@ -10158,7 +10163,7 @@
           <p:cNvPr id="5126" name="Picture 6" descr="“猫”的图片搜索结果">
             <a:extLst>
               <a:ext uri="{FF2B5EF4-FFF2-40B4-BE49-F238E27FC236}">
-                <a16:creationId xmlns:a16="http://schemas.microsoft.com/office/drawing/2014/main" id="{AD96913F-3195-4EC9-9C8D-BEAA34839E94}"/>
+                <a16:creationId xmlns:a16="http://schemas.microsoft.com/office/drawing/2014/main" xmlns="" id="{AD96913F-3195-4EC9-9C8D-BEAA34839E94}"/>
               </a:ext>
             </a:extLst>
           </p:cNvPr>
@@ -10205,7 +10210,7 @@
           <p:cNvPr id="5128" name="Picture 8" descr="“猫”的图片搜索结果">
             <a:extLst>
               <a:ext uri="{FF2B5EF4-FFF2-40B4-BE49-F238E27FC236}">
-                <a16:creationId xmlns:a16="http://schemas.microsoft.com/office/drawing/2014/main" id="{9B70B574-4A67-4543-BECA-5BF688E3F16A}"/>
+                <a16:creationId xmlns:a16="http://schemas.microsoft.com/office/drawing/2014/main" xmlns="" id="{9B70B574-4A67-4543-BECA-5BF688E3F16A}"/>
               </a:ext>
             </a:extLst>
           </p:cNvPr>
@@ -10252,7 +10257,7 @@
           <p:cNvPr id="13" name="图片 12">
             <a:extLst>
               <a:ext uri="{FF2B5EF4-FFF2-40B4-BE49-F238E27FC236}">
-                <a16:creationId xmlns:a16="http://schemas.microsoft.com/office/drawing/2014/main" id="{A0EA8E6D-30C6-4A9A-BF0D-A02659CFA73C}"/>
+                <a16:creationId xmlns:a16="http://schemas.microsoft.com/office/drawing/2014/main" xmlns="" id="{A0EA8E6D-30C6-4A9A-BF0D-A02659CFA73C}"/>
               </a:ext>
             </a:extLst>
           </p:cNvPr>
@@ -10282,7 +10287,7 @@
           <p:cNvPr id="15" name="图片 14">
             <a:extLst>
               <a:ext uri="{FF2B5EF4-FFF2-40B4-BE49-F238E27FC236}">
-                <a16:creationId xmlns:a16="http://schemas.microsoft.com/office/drawing/2014/main" id="{DE25F0F6-8098-4048-A5A5-7F7BD283417A}"/>
+                <a16:creationId xmlns:a16="http://schemas.microsoft.com/office/drawing/2014/main" xmlns="" id="{DE25F0F6-8098-4048-A5A5-7F7BD283417A}"/>
               </a:ext>
             </a:extLst>
           </p:cNvPr>
@@ -10312,7 +10317,7 @@
           <p:cNvPr id="18" name="文字方塊 39">
             <a:extLst>
               <a:ext uri="{FF2B5EF4-FFF2-40B4-BE49-F238E27FC236}">
-                <a16:creationId xmlns:a16="http://schemas.microsoft.com/office/drawing/2014/main" id="{EB4A6560-0B3B-406B-9BAC-690FE129F6F1}"/>
+                <a16:creationId xmlns:a16="http://schemas.microsoft.com/office/drawing/2014/main" xmlns="" id="{EB4A6560-0B3B-406B-9BAC-690FE129F6F1}"/>
               </a:ext>
             </a:extLst>
           </p:cNvPr>
@@ -10349,7 +10354,7 @@
           <p:cNvPr id="19" name="文字方塊 40">
             <a:extLst>
               <a:ext uri="{FF2B5EF4-FFF2-40B4-BE49-F238E27FC236}">
-                <a16:creationId xmlns:a16="http://schemas.microsoft.com/office/drawing/2014/main" id="{9540D4D3-1AA7-44D0-A5E3-25A9A600B5D9}"/>
+                <a16:creationId xmlns:a16="http://schemas.microsoft.com/office/drawing/2014/main" xmlns="" id="{9540D4D3-1AA7-44D0-A5E3-25A9A600B5D9}"/>
               </a:ext>
             </a:extLst>
           </p:cNvPr>
@@ -10386,7 +10391,7 @@
           <p:cNvPr id="20" name="文字方塊 39">
             <a:extLst>
               <a:ext uri="{FF2B5EF4-FFF2-40B4-BE49-F238E27FC236}">
-                <a16:creationId xmlns:a16="http://schemas.microsoft.com/office/drawing/2014/main" id="{504A2DF6-0B7F-409F-816F-977F634B204C}"/>
+                <a16:creationId xmlns:a16="http://schemas.microsoft.com/office/drawing/2014/main" xmlns="" id="{504A2DF6-0B7F-409F-816F-977F634B204C}"/>
               </a:ext>
             </a:extLst>
           </p:cNvPr>
@@ -10423,7 +10428,7 @@
           <p:cNvPr id="21" name="文字方塊 40">
             <a:extLst>
               <a:ext uri="{FF2B5EF4-FFF2-40B4-BE49-F238E27FC236}">
-                <a16:creationId xmlns:a16="http://schemas.microsoft.com/office/drawing/2014/main" id="{FCD63D29-D9B3-474F-9918-78F5EFE30854}"/>
+                <a16:creationId xmlns:a16="http://schemas.microsoft.com/office/drawing/2014/main" xmlns="" id="{FCD63D29-D9B3-474F-9918-78F5EFE30854}"/>
               </a:ext>
             </a:extLst>
           </p:cNvPr>
@@ -10460,7 +10465,7 @@
           <p:cNvPr id="22" name="Picture 6" descr="“猫”的图片搜索结果">
             <a:extLst>
               <a:ext uri="{FF2B5EF4-FFF2-40B4-BE49-F238E27FC236}">
-                <a16:creationId xmlns:a16="http://schemas.microsoft.com/office/drawing/2014/main" id="{81283274-5CEE-4E37-B3EB-85E1B0CA88B9}"/>
+                <a16:creationId xmlns:a16="http://schemas.microsoft.com/office/drawing/2014/main" xmlns="" id="{81283274-5CEE-4E37-B3EB-85E1B0CA88B9}"/>
               </a:ext>
             </a:extLst>
           </p:cNvPr>
@@ -10507,7 +10512,7 @@
           <p:cNvPr id="23" name="Picture 8" descr="“猫”的图片搜索结果">
             <a:extLst>
               <a:ext uri="{FF2B5EF4-FFF2-40B4-BE49-F238E27FC236}">
-                <a16:creationId xmlns:a16="http://schemas.microsoft.com/office/drawing/2014/main" id="{826D2D49-1218-46F6-BF25-A8E10E8E2277}"/>
+                <a16:creationId xmlns:a16="http://schemas.microsoft.com/office/drawing/2014/main" xmlns="" id="{826D2D49-1218-46F6-BF25-A8E10E8E2277}"/>
               </a:ext>
             </a:extLst>
           </p:cNvPr>
@@ -10554,7 +10559,7 @@
           <p:cNvPr id="24" name="图片 23">
             <a:extLst>
               <a:ext uri="{FF2B5EF4-FFF2-40B4-BE49-F238E27FC236}">
-                <a16:creationId xmlns:a16="http://schemas.microsoft.com/office/drawing/2014/main" id="{17D0E1AF-65A6-437F-9560-FFB32371F846}"/>
+                <a16:creationId xmlns:a16="http://schemas.microsoft.com/office/drawing/2014/main" xmlns="" id="{17D0E1AF-65A6-437F-9560-FFB32371F846}"/>
               </a:ext>
             </a:extLst>
           </p:cNvPr>
@@ -10584,7 +10589,7 @@
           <p:cNvPr id="25" name="图片 24">
             <a:extLst>
               <a:ext uri="{FF2B5EF4-FFF2-40B4-BE49-F238E27FC236}">
-                <a16:creationId xmlns:a16="http://schemas.microsoft.com/office/drawing/2014/main" id="{D80C2078-7BF3-4F2F-B186-F7A054360DD7}"/>
+                <a16:creationId xmlns:a16="http://schemas.microsoft.com/office/drawing/2014/main" xmlns="" id="{D80C2078-7BF3-4F2F-B186-F7A054360DD7}"/>
               </a:ext>
             </a:extLst>
           </p:cNvPr>
@@ -10614,7 +10619,7 @@
           <p:cNvPr id="26" name="Picture 6" descr="“猫”的图片搜索结果">
             <a:extLst>
               <a:ext uri="{FF2B5EF4-FFF2-40B4-BE49-F238E27FC236}">
-                <a16:creationId xmlns:a16="http://schemas.microsoft.com/office/drawing/2014/main" id="{3AC3A9E7-2D87-4D61-AA5F-C3DDCF0CE545}"/>
+                <a16:creationId xmlns:a16="http://schemas.microsoft.com/office/drawing/2014/main" xmlns="" id="{3AC3A9E7-2D87-4D61-AA5F-C3DDCF0CE545}"/>
               </a:ext>
             </a:extLst>
           </p:cNvPr>
@@ -10661,7 +10666,7 @@
           <p:cNvPr id="27" name="Picture 8" descr="“猫”的图片搜索结果">
             <a:extLst>
               <a:ext uri="{FF2B5EF4-FFF2-40B4-BE49-F238E27FC236}">
-                <a16:creationId xmlns:a16="http://schemas.microsoft.com/office/drawing/2014/main" id="{0DE14F62-FC23-437D-B2E0-DBF75E44A246}"/>
+                <a16:creationId xmlns:a16="http://schemas.microsoft.com/office/drawing/2014/main" xmlns="" id="{0DE14F62-FC23-437D-B2E0-DBF75E44A246}"/>
               </a:ext>
             </a:extLst>
           </p:cNvPr>
@@ -10708,7 +10713,7 @@
           <p:cNvPr id="28" name="图片 27">
             <a:extLst>
               <a:ext uri="{FF2B5EF4-FFF2-40B4-BE49-F238E27FC236}">
-                <a16:creationId xmlns:a16="http://schemas.microsoft.com/office/drawing/2014/main" id="{DCC9CCA1-5408-431F-89C1-18FB5670714A}"/>
+                <a16:creationId xmlns:a16="http://schemas.microsoft.com/office/drawing/2014/main" xmlns="" id="{DCC9CCA1-5408-431F-89C1-18FB5670714A}"/>
               </a:ext>
             </a:extLst>
           </p:cNvPr>
@@ -10738,7 +10743,7 @@
           <p:cNvPr id="29" name="图片 28">
             <a:extLst>
               <a:ext uri="{FF2B5EF4-FFF2-40B4-BE49-F238E27FC236}">
-                <a16:creationId xmlns:a16="http://schemas.microsoft.com/office/drawing/2014/main" id="{052A63B6-E239-4BD0-A6C3-92AECE82A0AC}"/>
+                <a16:creationId xmlns:a16="http://schemas.microsoft.com/office/drawing/2014/main" xmlns="" id="{052A63B6-E239-4BD0-A6C3-92AECE82A0AC}"/>
               </a:ext>
             </a:extLst>
           </p:cNvPr>
@@ -10768,7 +10773,7 @@
           <p:cNvPr id="30" name="文字方塊 39">
             <a:extLst>
               <a:ext uri="{FF2B5EF4-FFF2-40B4-BE49-F238E27FC236}">
-                <a16:creationId xmlns:a16="http://schemas.microsoft.com/office/drawing/2014/main" id="{CDA6D0C3-39AB-45AC-AA29-BC02221852A3}"/>
+                <a16:creationId xmlns:a16="http://schemas.microsoft.com/office/drawing/2014/main" xmlns="" id="{CDA6D0C3-39AB-45AC-AA29-BC02221852A3}"/>
               </a:ext>
             </a:extLst>
           </p:cNvPr>
@@ -10805,7 +10810,7 @@
           <p:cNvPr id="31" name="文字方塊 40">
             <a:extLst>
               <a:ext uri="{FF2B5EF4-FFF2-40B4-BE49-F238E27FC236}">
-                <a16:creationId xmlns:a16="http://schemas.microsoft.com/office/drawing/2014/main" id="{BDB7D785-9EB9-4E68-BFBA-5B193E8D861D}"/>
+                <a16:creationId xmlns:a16="http://schemas.microsoft.com/office/drawing/2014/main" xmlns="" id="{BDB7D785-9EB9-4E68-BFBA-5B193E8D861D}"/>
               </a:ext>
             </a:extLst>
           </p:cNvPr>
@@ -10842,7 +10847,7 @@
           <p:cNvPr id="32" name="文字方塊 39">
             <a:extLst>
               <a:ext uri="{FF2B5EF4-FFF2-40B4-BE49-F238E27FC236}">
-                <a16:creationId xmlns:a16="http://schemas.microsoft.com/office/drawing/2014/main" id="{555EFD52-BD58-4994-8DAE-E5A42C97A922}"/>
+                <a16:creationId xmlns:a16="http://schemas.microsoft.com/office/drawing/2014/main" xmlns="" id="{555EFD52-BD58-4994-8DAE-E5A42C97A922}"/>
               </a:ext>
             </a:extLst>
           </p:cNvPr>
@@ -10879,7 +10884,7 @@
           <p:cNvPr id="33" name="文字方塊 40">
             <a:extLst>
               <a:ext uri="{FF2B5EF4-FFF2-40B4-BE49-F238E27FC236}">
-                <a16:creationId xmlns:a16="http://schemas.microsoft.com/office/drawing/2014/main" id="{8D19BE08-18F2-4AEF-BC15-8A09DD7C705B}"/>
+                <a16:creationId xmlns:a16="http://schemas.microsoft.com/office/drawing/2014/main" xmlns="" id="{8D19BE08-18F2-4AEF-BC15-8A09DD7C705B}"/>
               </a:ext>
             </a:extLst>
           </p:cNvPr>
@@ -10916,7 +10921,7 @@
           <p:cNvPr id="5140" name="Picture 20" descr="“狗”的图片搜索结果">
             <a:extLst>
               <a:ext uri="{FF2B5EF4-FFF2-40B4-BE49-F238E27FC236}">
-                <a16:creationId xmlns:a16="http://schemas.microsoft.com/office/drawing/2014/main" id="{9ACC94B5-726A-42EE-894C-BA7BE8CD7186}"/>
+                <a16:creationId xmlns:a16="http://schemas.microsoft.com/office/drawing/2014/main" xmlns="" id="{9ACC94B5-726A-42EE-894C-BA7BE8CD7186}"/>
               </a:ext>
             </a:extLst>
           </p:cNvPr>
@@ -10963,7 +10968,7 @@
           <p:cNvPr id="5142" name="Picture 22" descr="“猫”的图片搜索结果">
             <a:extLst>
               <a:ext uri="{FF2B5EF4-FFF2-40B4-BE49-F238E27FC236}">
-                <a16:creationId xmlns:a16="http://schemas.microsoft.com/office/drawing/2014/main" id="{3D4A4F16-59C7-43C1-9C67-3082E881E1D0}"/>
+                <a16:creationId xmlns:a16="http://schemas.microsoft.com/office/drawing/2014/main" xmlns="" id="{3D4A4F16-59C7-43C1-9C67-3082E881E1D0}"/>
               </a:ext>
             </a:extLst>
           </p:cNvPr>
@@ -11440,7 +11445,7 @@
           <p:cNvPr id="2" name="标题 1">
             <a:extLst>
               <a:ext uri="{FF2B5EF4-FFF2-40B4-BE49-F238E27FC236}">
-                <a16:creationId xmlns:a16="http://schemas.microsoft.com/office/drawing/2014/main" id="{DDE33977-990F-48BD-8B10-3350156C1301}"/>
+                <a16:creationId xmlns:a16="http://schemas.microsoft.com/office/drawing/2014/main" xmlns="" id="{DDE33977-990F-48BD-8B10-3350156C1301}"/>
               </a:ext>
             </a:extLst>
           </p:cNvPr>
@@ -11468,7 +11473,7 @@
           <p:cNvPr id="3" name="日期占位符 2">
             <a:extLst>
               <a:ext uri="{FF2B5EF4-FFF2-40B4-BE49-F238E27FC236}">
-                <a16:creationId xmlns:a16="http://schemas.microsoft.com/office/drawing/2014/main" id="{3233B34B-D0CD-41D2-803C-8D192544BC60}"/>
+                <a16:creationId xmlns:a16="http://schemas.microsoft.com/office/drawing/2014/main" xmlns="" id="{3233B34B-D0CD-41D2-803C-8D192544BC60}"/>
               </a:ext>
             </a:extLst>
           </p:cNvPr>
@@ -11489,7 +11494,7 @@
             </a:pPr>
             <a:fld id="{0E714152-BEE6-8740-8BC2-BEA8A9605BAA}" type="datetime2">
               <a:rPr lang="zh-CN" altLang="en-US" smtClean="0"/>
-              <a:t>2018年4月20日</a:t>
+              <a:t>2018年7月5日</a:t>
             </a:fld>
             <a:endParaRPr lang="en-US" altLang="zh-CN"/>
           </a:p>
@@ -11500,7 +11505,7 @@
           <p:cNvPr id="4" name="页脚占位符 3">
             <a:extLst>
               <a:ext uri="{FF2B5EF4-FFF2-40B4-BE49-F238E27FC236}">
-                <a16:creationId xmlns:a16="http://schemas.microsoft.com/office/drawing/2014/main" id="{A2ECB6E5-3012-43ED-96E1-F8AF9262160C}"/>
+                <a16:creationId xmlns:a16="http://schemas.microsoft.com/office/drawing/2014/main" xmlns="" id="{A2ECB6E5-3012-43ED-96E1-F8AF9262160C}"/>
               </a:ext>
             </a:extLst>
           </p:cNvPr>
@@ -11532,7 +11537,7 @@
           <p:cNvPr id="5" name="灯片编号占位符 4">
             <a:extLst>
               <a:ext uri="{FF2B5EF4-FFF2-40B4-BE49-F238E27FC236}">
-                <a16:creationId xmlns:a16="http://schemas.microsoft.com/office/drawing/2014/main" id="{D8640F76-883C-40EF-9AD3-8C5834A1C1F0}"/>
+                <a16:creationId xmlns:a16="http://schemas.microsoft.com/office/drawing/2014/main" xmlns="" id="{D8640F76-883C-40EF-9AD3-8C5834A1C1F0}"/>
               </a:ext>
             </a:extLst>
           </p:cNvPr>
@@ -11567,7 +11572,7 @@
           <p:cNvPr id="6" name="Picture 2" descr="ai head">
             <a:extLst>
               <a:ext uri="{FF2B5EF4-FFF2-40B4-BE49-F238E27FC236}">
-                <a16:creationId xmlns:a16="http://schemas.microsoft.com/office/drawing/2014/main" id="{ACAC611B-6E57-4817-B16F-009B1A018FB9}"/>
+                <a16:creationId xmlns:a16="http://schemas.microsoft.com/office/drawing/2014/main" xmlns="" id="{ACAC611B-6E57-4817-B16F-009B1A018FB9}"/>
               </a:ext>
             </a:extLst>
           </p:cNvPr>
@@ -11642,7 +11647,7 @@
           <p:cNvPr id="2" name="标题 1">
             <a:extLst>
               <a:ext uri="{FF2B5EF4-FFF2-40B4-BE49-F238E27FC236}">
-                <a16:creationId xmlns:a16="http://schemas.microsoft.com/office/drawing/2014/main" id="{DD03AD3E-BE9E-42C6-B249-B76CE569CD4E}"/>
+                <a16:creationId xmlns:a16="http://schemas.microsoft.com/office/drawing/2014/main" xmlns="" id="{DD03AD3E-BE9E-42C6-B249-B76CE569CD4E}"/>
               </a:ext>
             </a:extLst>
           </p:cNvPr>
@@ -11670,7 +11675,7 @@
           <p:cNvPr id="3" name="内容占位符 2">
             <a:extLst>
               <a:ext uri="{FF2B5EF4-FFF2-40B4-BE49-F238E27FC236}">
-                <a16:creationId xmlns:a16="http://schemas.microsoft.com/office/drawing/2014/main" id="{0D759A90-3F96-4C2A-9877-9F19781C0BC8}"/>
+                <a16:creationId xmlns:a16="http://schemas.microsoft.com/office/drawing/2014/main" xmlns="" id="{0D759A90-3F96-4C2A-9877-9F19781C0BC8}"/>
               </a:ext>
             </a:extLst>
           </p:cNvPr>
@@ -11768,7 +11773,7 @@
           <p:cNvPr id="4" name="日期占位符 3">
             <a:extLst>
               <a:ext uri="{FF2B5EF4-FFF2-40B4-BE49-F238E27FC236}">
-                <a16:creationId xmlns:a16="http://schemas.microsoft.com/office/drawing/2014/main" id="{4E3825FE-4341-4CF0-941C-B4BABC1B3DC7}"/>
+                <a16:creationId xmlns:a16="http://schemas.microsoft.com/office/drawing/2014/main" xmlns="" id="{4E3825FE-4341-4CF0-941C-B4BABC1B3DC7}"/>
               </a:ext>
             </a:extLst>
           </p:cNvPr>
@@ -11789,7 +11794,7 @@
             </a:pPr>
             <a:fld id="{95A2A19B-170D-1043-AE33-7A36DFB7BCDC}" type="datetime2">
               <a:rPr lang="zh-CN" altLang="en-US" smtClean="0"/>
-              <a:t>2018年4月20日</a:t>
+              <a:t>2018年7月5日</a:t>
             </a:fld>
             <a:endParaRPr lang="en-US" altLang="zh-CN"/>
           </a:p>
@@ -11800,7 +11805,7 @@
           <p:cNvPr id="5" name="页脚占位符 4">
             <a:extLst>
               <a:ext uri="{FF2B5EF4-FFF2-40B4-BE49-F238E27FC236}">
-                <a16:creationId xmlns:a16="http://schemas.microsoft.com/office/drawing/2014/main" id="{E75B2C1F-3E29-4D40-AE04-8AE261587309}"/>
+                <a16:creationId xmlns:a16="http://schemas.microsoft.com/office/drawing/2014/main" xmlns="" id="{E75B2C1F-3E29-4D40-AE04-8AE261587309}"/>
               </a:ext>
             </a:extLst>
           </p:cNvPr>
@@ -11832,7 +11837,7 @@
           <p:cNvPr id="6" name="灯片编号占位符 5">
             <a:extLst>
               <a:ext uri="{FF2B5EF4-FFF2-40B4-BE49-F238E27FC236}">
-                <a16:creationId xmlns:a16="http://schemas.microsoft.com/office/drawing/2014/main" id="{EA694379-8134-4263-994B-7087BE0D7718}"/>
+                <a16:creationId xmlns:a16="http://schemas.microsoft.com/office/drawing/2014/main" xmlns="" id="{EA694379-8134-4263-994B-7087BE0D7718}"/>
               </a:ext>
             </a:extLst>
           </p:cNvPr>
@@ -11897,7 +11902,7 @@
           <p:cNvPr id="2" name="标题 1">
             <a:extLst>
               <a:ext uri="{FF2B5EF4-FFF2-40B4-BE49-F238E27FC236}">
-                <a16:creationId xmlns:a16="http://schemas.microsoft.com/office/drawing/2014/main" id="{A84C90B4-A40A-46C1-B377-D17BA45AF7D8}"/>
+                <a16:creationId xmlns:a16="http://schemas.microsoft.com/office/drawing/2014/main" xmlns="" id="{A84C90B4-A40A-46C1-B377-D17BA45AF7D8}"/>
               </a:ext>
             </a:extLst>
           </p:cNvPr>
@@ -11925,7 +11930,7 @@
           <p:cNvPr id="3" name="内容占位符 2">
             <a:extLst>
               <a:ext uri="{FF2B5EF4-FFF2-40B4-BE49-F238E27FC236}">
-                <a16:creationId xmlns:a16="http://schemas.microsoft.com/office/drawing/2014/main" id="{A6AD590F-BDB6-4099-BAE5-F5750586A12E}"/>
+                <a16:creationId xmlns:a16="http://schemas.microsoft.com/office/drawing/2014/main" xmlns="" id="{A6AD590F-BDB6-4099-BAE5-F5750586A12E}"/>
               </a:ext>
             </a:extLst>
           </p:cNvPr>
@@ -12016,7 +12021,7 @@
           <p:cNvPr id="4" name="日期占位符 3">
             <a:extLst>
               <a:ext uri="{FF2B5EF4-FFF2-40B4-BE49-F238E27FC236}">
-                <a16:creationId xmlns:a16="http://schemas.microsoft.com/office/drawing/2014/main" id="{38AF9A90-79CD-46C9-A82B-361D2E396C78}"/>
+                <a16:creationId xmlns:a16="http://schemas.microsoft.com/office/drawing/2014/main" xmlns="" id="{38AF9A90-79CD-46C9-A82B-361D2E396C78}"/>
               </a:ext>
             </a:extLst>
           </p:cNvPr>
@@ -12037,7 +12042,7 @@
             </a:pPr>
             <a:fld id="{95A2A19B-170D-1043-AE33-7A36DFB7BCDC}" type="datetime2">
               <a:rPr lang="zh-CN" altLang="en-US" smtClean="0"/>
-              <a:t>2018年4月20日</a:t>
+              <a:t>2018年7月5日</a:t>
             </a:fld>
             <a:endParaRPr lang="en-US" altLang="zh-CN"/>
           </a:p>
@@ -12048,7 +12053,7 @@
           <p:cNvPr id="5" name="页脚占位符 4">
             <a:extLst>
               <a:ext uri="{FF2B5EF4-FFF2-40B4-BE49-F238E27FC236}">
-                <a16:creationId xmlns:a16="http://schemas.microsoft.com/office/drawing/2014/main" id="{5F590F6D-696D-4411-BC80-2EBFBBD029CD}"/>
+                <a16:creationId xmlns:a16="http://schemas.microsoft.com/office/drawing/2014/main" xmlns="" id="{5F590F6D-696D-4411-BC80-2EBFBBD029CD}"/>
               </a:ext>
             </a:extLst>
           </p:cNvPr>
@@ -12080,7 +12085,7 @@
           <p:cNvPr id="6" name="灯片编号占位符 5">
             <a:extLst>
               <a:ext uri="{FF2B5EF4-FFF2-40B4-BE49-F238E27FC236}">
-                <a16:creationId xmlns:a16="http://schemas.microsoft.com/office/drawing/2014/main" id="{2DAF391A-119B-4975-904F-29D16D2F9F54}"/>
+                <a16:creationId xmlns:a16="http://schemas.microsoft.com/office/drawing/2014/main" xmlns="" id="{2DAF391A-119B-4975-904F-29D16D2F9F54}"/>
               </a:ext>
             </a:extLst>
           </p:cNvPr>
@@ -12204,7 +12209,7 @@
           <p:cNvPr id="2" name="标题 1">
             <a:extLst>
               <a:ext uri="{FF2B5EF4-FFF2-40B4-BE49-F238E27FC236}">
-                <a16:creationId xmlns:a16="http://schemas.microsoft.com/office/drawing/2014/main" id="{54D5A80D-18D6-42E1-BD49-64E886178140}"/>
+                <a16:creationId xmlns:a16="http://schemas.microsoft.com/office/drawing/2014/main" xmlns="" id="{54D5A80D-18D6-42E1-BD49-64E886178140}"/>
               </a:ext>
             </a:extLst>
           </p:cNvPr>
@@ -12234,7 +12239,7 @@
               <p:cNvPr id="12" name="内容占位符 11">
                 <a:extLst>
                   <a:ext uri="{FF2B5EF4-FFF2-40B4-BE49-F238E27FC236}">
-                    <a16:creationId xmlns:a16="http://schemas.microsoft.com/office/drawing/2014/main" id="{9A636946-A956-43FD-9D29-8526A6B369D5}"/>
+                    <a16:creationId xmlns:a16="http://schemas.microsoft.com/office/drawing/2014/main" xmlns="" id="{9A636946-A956-43FD-9D29-8526A6B369D5}"/>
                   </a:ext>
                 </a:extLst>
               </p:cNvPr>
@@ -12381,7 +12386,7 @@
                       <m:sSupPr>
                         <m:ctrlPr>
                           <a:rPr lang="en-US" altLang="zh-CN" b="0" i="1" smtClean="0">
-                            <a:latin typeface="Cambria Math" panose="02040503050406030204" pitchFamily="18" charset="0"/>
+                            <a:latin typeface="Cambria Math" charset="0"/>
                           </a:rPr>
                         </m:ctrlPr>
                       </m:sSupPr>
@@ -12398,7 +12403,7 @@
                           <m:dPr>
                             <m:ctrlPr>
                               <a:rPr lang="en-US" altLang="zh-CN" b="0" i="1" smtClean="0">
-                                <a:latin typeface="Cambria Math" panose="02040503050406030204" pitchFamily="18" charset="0"/>
+                                <a:latin typeface="Cambria Math" charset="0"/>
                               </a:rPr>
                             </m:ctrlPr>
                           </m:dPr>
@@ -12423,7 +12428,7 @@
                       <m:sSupPr>
                         <m:ctrlPr>
                           <a:rPr lang="en-US" altLang="zh-CN" b="0" i="1" smtClean="0">
-                            <a:latin typeface="Cambria Math" panose="02040503050406030204" pitchFamily="18" charset="0"/>
+                            <a:latin typeface="Cambria Math" charset="0"/>
                           </a:rPr>
                         </m:ctrlPr>
                       </m:sSupPr>
@@ -12572,7 +12577,7 @@
           <p:cNvPr id="15" name="内容占位符 14">
             <a:extLst>
               <a:ext uri="{FF2B5EF4-FFF2-40B4-BE49-F238E27FC236}">
-                <a16:creationId xmlns:a16="http://schemas.microsoft.com/office/drawing/2014/main" id="{3522E053-E523-498D-8B06-C20AB220B3B0}"/>
+                <a16:creationId xmlns:a16="http://schemas.microsoft.com/office/drawing/2014/main" xmlns="" id="{3522E053-E523-498D-8B06-C20AB220B3B0}"/>
               </a:ext>
             </a:extLst>
           </p:cNvPr>
@@ -12607,7 +12612,7 @@
           <p:cNvPr id="4" name="日期占位符 3">
             <a:extLst>
               <a:ext uri="{FF2B5EF4-FFF2-40B4-BE49-F238E27FC236}">
-                <a16:creationId xmlns:a16="http://schemas.microsoft.com/office/drawing/2014/main" id="{6EFABF30-1F8F-4FD4-9AFB-3A8776AB1508}"/>
+                <a16:creationId xmlns:a16="http://schemas.microsoft.com/office/drawing/2014/main" xmlns="" id="{6EFABF30-1F8F-4FD4-9AFB-3A8776AB1508}"/>
               </a:ext>
             </a:extLst>
           </p:cNvPr>
@@ -12628,7 +12633,7 @@
             </a:pPr>
             <a:fld id="{95A2A19B-170D-1043-AE33-7A36DFB7BCDC}" type="datetime2">
               <a:rPr lang="zh-CN" altLang="en-US" smtClean="0"/>
-              <a:t>2018年4月20日</a:t>
+              <a:t>2018年7月5日</a:t>
             </a:fld>
             <a:endParaRPr lang="en-US" altLang="zh-CN"/>
           </a:p>
@@ -12639,7 +12644,7 @@
           <p:cNvPr id="5" name="页脚占位符 4">
             <a:extLst>
               <a:ext uri="{FF2B5EF4-FFF2-40B4-BE49-F238E27FC236}">
-                <a16:creationId xmlns:a16="http://schemas.microsoft.com/office/drawing/2014/main" id="{85411ADB-4940-4F5F-8822-F66BFD15EE2B}"/>
+                <a16:creationId xmlns:a16="http://schemas.microsoft.com/office/drawing/2014/main" xmlns="" id="{85411ADB-4940-4F5F-8822-F66BFD15EE2B}"/>
               </a:ext>
             </a:extLst>
           </p:cNvPr>
@@ -12671,7 +12676,7 @@
           <p:cNvPr id="6" name="灯片编号占位符 5">
             <a:extLst>
               <a:ext uri="{FF2B5EF4-FFF2-40B4-BE49-F238E27FC236}">
-                <a16:creationId xmlns:a16="http://schemas.microsoft.com/office/drawing/2014/main" id="{40957E66-7741-4638-BFCE-C6BE6F7BB196}"/>
+                <a16:creationId xmlns:a16="http://schemas.microsoft.com/office/drawing/2014/main" xmlns="" id="{40957E66-7741-4638-BFCE-C6BE6F7BB196}"/>
               </a:ext>
             </a:extLst>
           </p:cNvPr>
@@ -12706,7 +12711,7 @@
           <p:cNvPr id="16" name="内容占位符 6">
             <a:extLst>
               <a:ext uri="{FF2B5EF4-FFF2-40B4-BE49-F238E27FC236}">
-                <a16:creationId xmlns:a16="http://schemas.microsoft.com/office/drawing/2014/main" id="{EB980026-D29F-4C6E-9BFC-18210325D87E}"/>
+                <a16:creationId xmlns:a16="http://schemas.microsoft.com/office/drawing/2014/main" xmlns="" id="{EB980026-D29F-4C6E-9BFC-18210325D87E}"/>
               </a:ext>
             </a:extLst>
           </p:cNvPr>
@@ -12735,14 +12740,14 @@
                 <a:gridCol w="1212783">
                   <a:extLst>
                     <a:ext uri="{9D8B030D-6E8A-4147-A177-3AD203B41FA5}">
-                      <a16:colId xmlns:a16="http://schemas.microsoft.com/office/drawing/2014/main" val="849694925"/>
+                      <a16:colId xmlns:a16="http://schemas.microsoft.com/office/drawing/2014/main" xmlns="" val="849694925"/>
                     </a:ext>
                   </a:extLst>
                 </a:gridCol>
                 <a:gridCol w="1212783">
                   <a:extLst>
                     <a:ext uri="{9D8B030D-6E8A-4147-A177-3AD203B41FA5}">
-                      <a16:colId xmlns:a16="http://schemas.microsoft.com/office/drawing/2014/main" val="2032597962"/>
+                      <a16:colId xmlns:a16="http://schemas.microsoft.com/office/drawing/2014/main" xmlns="" val="2032597962"/>
                     </a:ext>
                   </a:extLst>
                 </a:gridCol>
@@ -12788,7 +12793,7 @@
                 </a:tc>
                 <a:extLst>
                   <a:ext uri="{0D108BD9-81ED-4DB2-BD59-A6C34878D82A}">
-                    <a16:rowId xmlns:a16="http://schemas.microsoft.com/office/drawing/2014/main" val="246005499"/>
+                    <a16:rowId xmlns:a16="http://schemas.microsoft.com/office/drawing/2014/main" xmlns="" val="246005499"/>
                   </a:ext>
                 </a:extLst>
               </a:tr>
@@ -12825,7 +12830,7 @@
                 </a:tc>
                 <a:extLst>
                   <a:ext uri="{0D108BD9-81ED-4DB2-BD59-A6C34878D82A}">
-                    <a16:rowId xmlns:a16="http://schemas.microsoft.com/office/drawing/2014/main" val="1967244540"/>
+                    <a16:rowId xmlns:a16="http://schemas.microsoft.com/office/drawing/2014/main" xmlns="" val="1967244540"/>
                   </a:ext>
                 </a:extLst>
               </a:tr>
@@ -12862,7 +12867,7 @@
                 </a:tc>
                 <a:extLst>
                   <a:ext uri="{0D108BD9-81ED-4DB2-BD59-A6C34878D82A}">
-                    <a16:rowId xmlns:a16="http://schemas.microsoft.com/office/drawing/2014/main" val="1823030155"/>
+                    <a16:rowId xmlns:a16="http://schemas.microsoft.com/office/drawing/2014/main" xmlns="" val="1823030155"/>
                   </a:ext>
                 </a:extLst>
               </a:tr>
@@ -12899,7 +12904,7 @@
                 </a:tc>
                 <a:extLst>
                   <a:ext uri="{0D108BD9-81ED-4DB2-BD59-A6C34878D82A}">
-                    <a16:rowId xmlns:a16="http://schemas.microsoft.com/office/drawing/2014/main" val="1815547532"/>
+                    <a16:rowId xmlns:a16="http://schemas.microsoft.com/office/drawing/2014/main" xmlns="" val="1815547532"/>
                   </a:ext>
                 </a:extLst>
               </a:tr>
@@ -12936,7 +12941,7 @@
                 </a:tc>
                 <a:extLst>
                   <a:ext uri="{0D108BD9-81ED-4DB2-BD59-A6C34878D82A}">
-                    <a16:rowId xmlns:a16="http://schemas.microsoft.com/office/drawing/2014/main" val="168178639"/>
+                    <a16:rowId xmlns:a16="http://schemas.microsoft.com/office/drawing/2014/main" xmlns="" val="168178639"/>
                   </a:ext>
                 </a:extLst>
               </a:tr>
@@ -12979,7 +12984,7 @@
           <p:cNvPr id="2" name="标题 1">
             <a:extLst>
               <a:ext uri="{FF2B5EF4-FFF2-40B4-BE49-F238E27FC236}">
-                <a16:creationId xmlns:a16="http://schemas.microsoft.com/office/drawing/2014/main" id="{2EF6CFFB-B21D-4816-8B60-4F694DE205A3}"/>
+                <a16:creationId xmlns:a16="http://schemas.microsoft.com/office/drawing/2014/main" xmlns="" id="{2EF6CFFB-B21D-4816-8B60-4F694DE205A3}"/>
               </a:ext>
             </a:extLst>
           </p:cNvPr>
@@ -13007,7 +13012,7 @@
           <p:cNvPr id="4" name="日期占位符 3">
             <a:extLst>
               <a:ext uri="{FF2B5EF4-FFF2-40B4-BE49-F238E27FC236}">
-                <a16:creationId xmlns:a16="http://schemas.microsoft.com/office/drawing/2014/main" id="{C85B2897-6538-42C2-ACB0-1A31F8468D6E}"/>
+                <a16:creationId xmlns:a16="http://schemas.microsoft.com/office/drawing/2014/main" xmlns="" id="{C85B2897-6538-42C2-ACB0-1A31F8468D6E}"/>
               </a:ext>
             </a:extLst>
           </p:cNvPr>
@@ -13028,7 +13033,7 @@
             </a:pPr>
             <a:fld id="{95A2A19B-170D-1043-AE33-7A36DFB7BCDC}" type="datetime2">
               <a:rPr lang="zh-CN" altLang="en-US" smtClean="0"/>
-              <a:t>2018年4月20日</a:t>
+              <a:t>2018年7月5日</a:t>
             </a:fld>
             <a:endParaRPr lang="en-US" altLang="zh-CN"/>
           </a:p>
@@ -13039,7 +13044,7 @@
           <p:cNvPr id="5" name="页脚占位符 4">
             <a:extLst>
               <a:ext uri="{FF2B5EF4-FFF2-40B4-BE49-F238E27FC236}">
-                <a16:creationId xmlns:a16="http://schemas.microsoft.com/office/drawing/2014/main" id="{F14B425A-3171-4E97-89FA-80AFA74855FB}"/>
+                <a16:creationId xmlns:a16="http://schemas.microsoft.com/office/drawing/2014/main" xmlns="" id="{F14B425A-3171-4E97-89FA-80AFA74855FB}"/>
               </a:ext>
             </a:extLst>
           </p:cNvPr>
@@ -13071,7 +13076,7 @@
           <p:cNvPr id="6" name="灯片编号占位符 5">
             <a:extLst>
               <a:ext uri="{FF2B5EF4-FFF2-40B4-BE49-F238E27FC236}">
-                <a16:creationId xmlns:a16="http://schemas.microsoft.com/office/drawing/2014/main" id="{F15C4534-974F-4C9E-B28B-699F862B6BC7}"/>
+                <a16:creationId xmlns:a16="http://schemas.microsoft.com/office/drawing/2014/main" xmlns="" id="{F15C4534-974F-4C9E-B28B-699F862B6BC7}"/>
               </a:ext>
             </a:extLst>
           </p:cNvPr>
@@ -13108,7 +13113,7 @@
               <p:cNvPr id="10" name="内容占位符 9">
                 <a:extLst>
                   <a:ext uri="{FF2B5EF4-FFF2-40B4-BE49-F238E27FC236}">
-                    <a16:creationId xmlns:a16="http://schemas.microsoft.com/office/drawing/2014/main" id="{BD0E0E32-A568-44E3-89AF-900661C8FDC1}"/>
+                    <a16:creationId xmlns:a16="http://schemas.microsoft.com/office/drawing/2014/main" xmlns="" id="{BD0E0E32-A568-44E3-89AF-900661C8FDC1}"/>
                   </a:ext>
                 </a:extLst>
               </p:cNvPr>
@@ -13130,7 +13135,7 @@
               <a:lstStyle/>
               <a:p>
                 <a:r>
-                  <a:rPr lang="zh-CN" altLang="en-US" dirty="0"/>
+                  <a:rPr lang="zh-CN" altLang="en-US" dirty="0" smtClean="0"/>
                   <a:t>假设：输出与输入之间的关系是线性的</a:t>
                 </a:r>
                 <a:endParaRPr lang="en-US" altLang="zh-CN" dirty="0"/>
@@ -13141,21 +13146,25 @@
               <a:p>
                 <a:r>
                   <a:rPr lang="zh-CN" altLang="en-US" b="0" dirty="0"/>
-                  <a:t>模型：</a:t>
+                  <a:t>模型</a:t>
+                </a:r>
+                <a:r>
+                  <a:rPr lang="zh-CN" altLang="en-US" b="0" dirty="0" smtClean="0"/>
+                  <a:t>：</a:t>
                 </a:r>
                 <a14:m>
                   <m:oMath xmlns:m="http://schemas.openxmlformats.org/officeDocument/2006/math">
                     <m:r>
-                      <a:rPr lang="en-US" altLang="zh-CN" i="1" dirty="0" smtClean="0">
-                        <a:latin typeface="Cambria Math" panose="02040503050406030204" pitchFamily="18" charset="0"/>
+                      <a:rPr lang="en-US" altLang="zh-CN" b="0" i="1" smtClean="0">
+                        <a:latin typeface="Cambria Math" charset="0"/>
                       </a:rPr>
-                      <m:t>𝑓</m:t>
+                      <m:t>h</m:t>
                     </m:r>
                     <m:d>
                       <m:dPr>
                         <m:ctrlPr>
                           <a:rPr lang="en-US" altLang="zh-CN" b="0" i="1" smtClean="0">
-                            <a:latin typeface="Cambria Math" panose="02040503050406030204" pitchFamily="18" charset="0"/>
+                            <a:latin typeface="Cambria Math" charset="0"/>
                           </a:rPr>
                         </m:ctrlPr>
                       </m:dPr>
@@ -13272,7 +13281,7 @@
               <p:cNvPr id="10" name="内容占位符 9">
                 <a:extLst>
                   <a:ext uri="{FF2B5EF4-FFF2-40B4-BE49-F238E27FC236}">
-                    <a16:creationId xmlns:a16="http://schemas.microsoft.com/office/drawing/2014/main" id="{BD0E0E32-A568-44E3-89AF-900661C8FDC1}"/>
+                    <a16:creationId xmlns:a16="http://schemas.microsoft.com/office/drawing/2014/main" xmlns:a14="http://schemas.microsoft.com/office/drawing/2010/main" xmlns="" id="{BD0E0E32-A568-44E3-89AF-900661C8FDC1}"/>
                   </a:ext>
                 </a:extLst>
               </p:cNvPr>
@@ -13288,7 +13297,7 @@
                 <a:off x="755651" y="1052516"/>
                 <a:ext cx="10668000" cy="4967287"/>
               </a:xfrm>
-              <a:blipFill>
+              <a:blipFill rotWithShape="0">
                 <a:blip r:embed="rId2"/>
                 <a:stretch>
                   <a:fillRect l="-686" t="-982"/>
@@ -13315,7 +13324,7 @@
           <p:cNvPr id="8" name="内容占位符 14">
             <a:extLst>
               <a:ext uri="{FF2B5EF4-FFF2-40B4-BE49-F238E27FC236}">
-                <a16:creationId xmlns:a16="http://schemas.microsoft.com/office/drawing/2014/main" id="{CA915622-2D59-44FD-B4E4-7AD11D279975}"/>
+                <a16:creationId xmlns:a16="http://schemas.microsoft.com/office/drawing/2014/main" xmlns="" id="{CA915622-2D59-44FD-B4E4-7AD11D279975}"/>
               </a:ext>
             </a:extLst>
           </p:cNvPr>
@@ -13351,7 +13360,7 @@
           <p:cNvPr id="9" name="直接连接符 8">
             <a:extLst>
               <a:ext uri="{FF2B5EF4-FFF2-40B4-BE49-F238E27FC236}">
-                <a16:creationId xmlns:a16="http://schemas.microsoft.com/office/drawing/2014/main" id="{B8EA0638-0410-4EC6-84F4-1A23C7402721}"/>
+                <a16:creationId xmlns:a16="http://schemas.microsoft.com/office/drawing/2014/main" xmlns="" id="{B8EA0638-0410-4EC6-84F4-1A23C7402721}"/>
               </a:ext>
             </a:extLst>
           </p:cNvPr>
@@ -13390,7 +13399,7 @@
           <p:cNvPr id="12" name="直接连接符 11">
             <a:extLst>
               <a:ext uri="{FF2B5EF4-FFF2-40B4-BE49-F238E27FC236}">
-                <a16:creationId xmlns:a16="http://schemas.microsoft.com/office/drawing/2014/main" id="{9667FD76-2C8E-4BD3-B647-AA153E470261}"/>
+                <a16:creationId xmlns:a16="http://schemas.microsoft.com/office/drawing/2014/main" xmlns="" id="{9667FD76-2C8E-4BD3-B647-AA153E470261}"/>
               </a:ext>
             </a:extLst>
           </p:cNvPr>
@@ -13433,7 +13442,7 @@
           <p:cNvPr id="15" name="直接连接符 14">
             <a:extLst>
               <a:ext uri="{FF2B5EF4-FFF2-40B4-BE49-F238E27FC236}">
-                <a16:creationId xmlns:a16="http://schemas.microsoft.com/office/drawing/2014/main" id="{430E730C-2EF6-476D-B193-EB414A1C87EE}"/>
+                <a16:creationId xmlns:a16="http://schemas.microsoft.com/office/drawing/2014/main" xmlns="" id="{430E730C-2EF6-476D-B193-EB414A1C87EE}"/>
               </a:ext>
             </a:extLst>
           </p:cNvPr>
@@ -13725,7 +13734,7 @@
           <p:cNvPr id="2" name="标题 1">
             <a:extLst>
               <a:ext uri="{FF2B5EF4-FFF2-40B4-BE49-F238E27FC236}">
-                <a16:creationId xmlns:a16="http://schemas.microsoft.com/office/drawing/2014/main" id="{C720F6F0-C510-4BBE-89E6-A8C9A8A57415}"/>
+                <a16:creationId xmlns:a16="http://schemas.microsoft.com/office/drawing/2014/main" xmlns="" id="{C720F6F0-C510-4BBE-89E6-A8C9A8A57415}"/>
               </a:ext>
             </a:extLst>
           </p:cNvPr>
@@ -13755,7 +13764,7 @@
               <p:cNvPr id="3" name="内容占位符 2">
                 <a:extLst>
                   <a:ext uri="{FF2B5EF4-FFF2-40B4-BE49-F238E27FC236}">
-                    <a16:creationId xmlns:a16="http://schemas.microsoft.com/office/drawing/2014/main" id="{A68605A4-A425-4CD5-8D59-3ADEED6DE32A}"/>
+                    <a16:creationId xmlns:a16="http://schemas.microsoft.com/office/drawing/2014/main" xmlns="" id="{A68605A4-A425-4CD5-8D59-3ADEED6DE32A}"/>
                   </a:ext>
                 </a:extLst>
               </p:cNvPr>
@@ -13991,8 +14000,32 @@
               <a:p>
                 <a:pPr lvl="1"/>
                 <a:r>
-                  <a:rPr lang="zh-CN" altLang="en-US"/>
-                  <a:t>使损失函数最小的参数值即为最好的参数选择，这一过程就是模型的训练过程。</a:t>
+                  <a:rPr lang="zh-CN" altLang="en-US" dirty="0"/>
+                  <a:t>使损失函数最小的参数值即为最好的参数选择，这一过程就是模型的</a:t>
+                </a:r>
+                <a:r>
+                  <a:rPr lang="zh-CN" altLang="en-US" dirty="0">
+                    <a:solidFill>
+                      <a:srgbClr val="FF0000"/>
+                    </a:solidFill>
+                  </a:rPr>
+                  <a:t>训练</a:t>
+                </a:r>
+                <a:r>
+                  <a:rPr lang="zh-CN" altLang="en-US" dirty="0"/>
+                  <a:t>过程</a:t>
+                </a:r>
+                <a:r>
+                  <a:rPr lang="zh-CN" altLang="en-US" dirty="0" smtClean="0"/>
+                  <a:t>。</a:t>
+                </a:r>
+                <a:endParaRPr lang="en-US" altLang="zh-CN" dirty="0" smtClean="0"/>
+              </a:p>
+              <a:p>
+                <a:pPr lvl="1"/>
+                <a:r>
+                  <a:rPr lang="zh-CN" altLang="en-US" dirty="0" smtClean="0"/>
+                  <a:t>线性回归就是根据损失函数的定义来学习出最佳的参数。</a:t>
                 </a:r>
                 <a:endParaRPr lang="en-US" altLang="zh-CN" dirty="0"/>
               </a:p>
@@ -14005,7 +14038,7 @@
               <p:cNvPr id="3" name="内容占位符 2">
                 <a:extLst>
                   <a:ext uri="{FF2B5EF4-FFF2-40B4-BE49-F238E27FC236}">
-                    <a16:creationId xmlns:a16="http://schemas.microsoft.com/office/drawing/2014/main" id="{A68605A4-A425-4CD5-8D59-3ADEED6DE32A}"/>
+                    <a16:creationId xmlns:a16="http://schemas.microsoft.com/office/drawing/2014/main" xmlns:a14="http://schemas.microsoft.com/office/drawing/2010/main" xmlns="" id="{A68605A4-A425-4CD5-8D59-3ADEED6DE32A}"/>
                   </a:ext>
                 </a:extLst>
               </p:cNvPr>
@@ -14021,7 +14054,7 @@
                 <a:off x="755651" y="1052516"/>
                 <a:ext cx="10668000" cy="4967287"/>
               </a:xfrm>
-              <a:blipFill>
+              <a:blipFill rotWithShape="0">
                 <a:blip r:embed="rId2"/>
                 <a:stretch>
                   <a:fillRect l="-686" t="-1104"/>
@@ -14048,7 +14081,7 @@
           <p:cNvPr id="4" name="日期占位符 3">
             <a:extLst>
               <a:ext uri="{FF2B5EF4-FFF2-40B4-BE49-F238E27FC236}">
-                <a16:creationId xmlns:a16="http://schemas.microsoft.com/office/drawing/2014/main" id="{97913FA6-F7A2-4197-B8DA-F29481A0F82B}"/>
+                <a16:creationId xmlns:a16="http://schemas.microsoft.com/office/drawing/2014/main" xmlns="" id="{97913FA6-F7A2-4197-B8DA-F29481A0F82B}"/>
               </a:ext>
             </a:extLst>
           </p:cNvPr>
@@ -14069,7 +14102,7 @@
             </a:pPr>
             <a:fld id="{95A2A19B-170D-1043-AE33-7A36DFB7BCDC}" type="datetime2">
               <a:rPr lang="zh-CN" altLang="en-US" smtClean="0"/>
-              <a:t>2018年4月20日</a:t>
+              <a:t>2018年7月5日</a:t>
             </a:fld>
             <a:endParaRPr lang="en-US" altLang="zh-CN"/>
           </a:p>
@@ -14080,7 +14113,7 @@
           <p:cNvPr id="5" name="页脚占位符 4">
             <a:extLst>
               <a:ext uri="{FF2B5EF4-FFF2-40B4-BE49-F238E27FC236}">
-                <a16:creationId xmlns:a16="http://schemas.microsoft.com/office/drawing/2014/main" id="{E5823841-CED2-4B9C-8F0A-FE5DBE628BCB}"/>
+                <a16:creationId xmlns:a16="http://schemas.microsoft.com/office/drawing/2014/main" xmlns="" id="{E5823841-CED2-4B9C-8F0A-FE5DBE628BCB}"/>
               </a:ext>
             </a:extLst>
           </p:cNvPr>
@@ -14112,7 +14145,7 @@
           <p:cNvPr id="6" name="灯片编号占位符 5">
             <a:extLst>
               <a:ext uri="{FF2B5EF4-FFF2-40B4-BE49-F238E27FC236}">
-                <a16:creationId xmlns:a16="http://schemas.microsoft.com/office/drawing/2014/main" id="{730AF170-3554-43A2-BA79-E5FF54F2C147}"/>
+                <a16:creationId xmlns:a16="http://schemas.microsoft.com/office/drawing/2014/main" xmlns="" id="{730AF170-3554-43A2-BA79-E5FF54F2C147}"/>
               </a:ext>
             </a:extLst>
           </p:cNvPr>
@@ -14147,7 +14180,7 @@
           <p:cNvPr id="7" name="内容占位符 14">
             <a:extLst>
               <a:ext uri="{FF2B5EF4-FFF2-40B4-BE49-F238E27FC236}">
-                <a16:creationId xmlns:a16="http://schemas.microsoft.com/office/drawing/2014/main" id="{9AFCF1CC-4784-410E-B4A4-0CEA25C2A6C6}"/>
+                <a16:creationId xmlns:a16="http://schemas.microsoft.com/office/drawing/2014/main" xmlns="" id="{9AFCF1CC-4784-410E-B4A4-0CEA25C2A6C6}"/>
               </a:ext>
             </a:extLst>
           </p:cNvPr>
@@ -14183,7 +14216,7 @@
           <p:cNvPr id="8" name="直接连接符 7">
             <a:extLst>
               <a:ext uri="{FF2B5EF4-FFF2-40B4-BE49-F238E27FC236}">
-                <a16:creationId xmlns:a16="http://schemas.microsoft.com/office/drawing/2014/main" id="{993906AA-D657-4AAA-8F8D-DC8087721264}"/>
+                <a16:creationId xmlns:a16="http://schemas.microsoft.com/office/drawing/2014/main" xmlns="" id="{993906AA-D657-4AAA-8F8D-DC8087721264}"/>
               </a:ext>
             </a:extLst>
           </p:cNvPr>
@@ -14222,7 +14255,7 @@
           <p:cNvPr id="9" name="直接连接符 8">
             <a:extLst>
               <a:ext uri="{FF2B5EF4-FFF2-40B4-BE49-F238E27FC236}">
-                <a16:creationId xmlns:a16="http://schemas.microsoft.com/office/drawing/2014/main" id="{5B6D09FB-D13D-47E9-A513-50281374E973}"/>
+                <a16:creationId xmlns:a16="http://schemas.microsoft.com/office/drawing/2014/main" xmlns="" id="{5B6D09FB-D13D-47E9-A513-50281374E973}"/>
               </a:ext>
             </a:extLst>
           </p:cNvPr>
@@ -14265,7 +14298,7 @@
           <p:cNvPr id="10" name="直接连接符 9">
             <a:extLst>
               <a:ext uri="{FF2B5EF4-FFF2-40B4-BE49-F238E27FC236}">
-                <a16:creationId xmlns:a16="http://schemas.microsoft.com/office/drawing/2014/main" id="{D823F8C7-6F36-48A0-A850-97D4586184C8}"/>
+                <a16:creationId xmlns:a16="http://schemas.microsoft.com/office/drawing/2014/main" xmlns="" id="{D823F8C7-6F36-48A0-A850-97D4586184C8}"/>
               </a:ext>
             </a:extLst>
           </p:cNvPr>
@@ -14310,7 +14343,7 @@
               <p:cNvPr id="11" name="矩形 10">
                 <a:extLst>
                   <a:ext uri="{FF2B5EF4-FFF2-40B4-BE49-F238E27FC236}">
-                    <a16:creationId xmlns:a16="http://schemas.microsoft.com/office/drawing/2014/main" id="{25CFE4FA-4ADB-4B82-B875-AA5178D80394}"/>
+                    <a16:creationId xmlns:a16="http://schemas.microsoft.com/office/drawing/2014/main" xmlns="" id="{25CFE4FA-4ADB-4B82-B875-AA5178D80394}"/>
                   </a:ext>
                 </a:extLst>
               </p:cNvPr>
@@ -14320,7 +14353,7 @@
             <p:spPr>
               <a:xfrm>
                 <a:off x="1296516" y="3748227"/>
-                <a:ext cx="3619196" cy="957826"/>
+                <a:ext cx="3617657" cy="957826"/>
               </a:xfrm>
               <a:prstGeom prst="rect">
                 <a:avLst/>
@@ -14332,6 +14365,7 @@
               </a:bodyPr>
               <a:lstStyle/>
               <a:p>
+                <a:pPr/>
                 <a14:m>
                   <m:oMathPara xmlns:m="http://schemas.openxmlformats.org/officeDocument/2006/math">
                     <m:oMathParaPr>
@@ -14339,7 +14373,7 @@
                     </m:oMathParaPr>
                     <m:oMath xmlns:m="http://schemas.openxmlformats.org/officeDocument/2006/math">
                       <m:r>
-                        <a:rPr lang="en-US" altLang="zh-CN" sz="2000" i="1">
+                        <a:rPr lang="en-US" altLang="zh-CN" sz="2000" i="1" smtClean="0">
                           <a:latin typeface="Cambria Math" panose="02040503050406030204" pitchFamily="18" charset="0"/>
                         </a:rPr>
                         <m:t>𝐿</m:t>
@@ -14348,7 +14382,7 @@
                         <m:dPr>
                           <m:ctrlPr>
                             <a:rPr lang="en-US" altLang="zh-CN" sz="2000" i="1">
-                              <a:latin typeface="Cambria Math" panose="02040503050406030204" pitchFamily="18" charset="0"/>
+                              <a:latin typeface="Cambria Math" charset="0"/>
                             </a:rPr>
                           </m:ctrlPr>
                         </m:dPr>
@@ -14384,7 +14418,7 @@
                           <m:chr m:val="∑"/>
                           <m:ctrlPr>
                             <a:rPr lang="en-US" altLang="zh-CN" sz="2000" i="1">
-                              <a:latin typeface="Cambria Math" panose="02040503050406030204" pitchFamily="18" charset="0"/>
+                              <a:latin typeface="Cambria Math" charset="0"/>
                             </a:rPr>
                           </m:ctrlPr>
                         </m:naryPr>
@@ -14418,7 +14452,7 @@
                             <m:sSupPr>
                               <m:ctrlPr>
                                 <a:rPr lang="en-US" altLang="zh-CN" sz="2000" i="1">
-                                  <a:latin typeface="Cambria Math" panose="02040503050406030204" pitchFamily="18" charset="0"/>
+                                  <a:latin typeface="Cambria Math" charset="0"/>
                                 </a:rPr>
                               </m:ctrlPr>
                             </m:sSupPr>
@@ -14427,7 +14461,7 @@
                                 <m:dPr>
                                   <m:ctrlPr>
                                     <a:rPr lang="en-US" altLang="zh-CN" sz="2000" i="1">
-                                      <a:latin typeface="Cambria Math" panose="02040503050406030204" pitchFamily="18" charset="0"/>
+                                      <a:latin typeface="Cambria Math" charset="0"/>
                                     </a:rPr>
                                   </m:ctrlPr>
                                 </m:dPr>
@@ -14436,7 +14470,7 @@
                                     <m:sSupPr>
                                       <m:ctrlPr>
                                         <a:rPr lang="en-US" altLang="zh-CN" sz="2000" i="1">
-                                          <a:latin typeface="Cambria Math" panose="02040503050406030204" pitchFamily="18" charset="0"/>
+                                          <a:latin typeface="Cambria Math" charset="0"/>
                                         </a:rPr>
                                       </m:ctrlPr>
                                     </m:sSupPr>
@@ -14476,16 +14510,16 @@
                                     <m:t>−</m:t>
                                   </m:r>
                                   <m:r>
-                                    <a:rPr lang="en-US" altLang="zh-CN" sz="2000" i="1">
-                                      <a:latin typeface="Cambria Math" panose="02040503050406030204" pitchFamily="18" charset="0"/>
+                                    <a:rPr lang="en-US" altLang="zh-CN" sz="2000" b="0" i="1" smtClean="0">
+                                      <a:latin typeface="Cambria Math" charset="0"/>
                                     </a:rPr>
-                                    <m:t>𝑓</m:t>
+                                    <m:t>h</m:t>
                                   </m:r>
                                   <m:d>
                                     <m:dPr>
                                       <m:ctrlPr>
                                         <a:rPr lang="en-US" altLang="zh-CN" sz="2000" i="1">
-                                          <a:latin typeface="Cambria Math" panose="02040503050406030204" pitchFamily="18" charset="0"/>
+                                          <a:latin typeface="Cambria Math" charset="0"/>
                                         </a:rPr>
                                       </m:ctrlPr>
                                     </m:dPr>
@@ -14494,7 +14528,7 @@
                                         <m:sSupPr>
                                           <m:ctrlPr>
                                             <a:rPr lang="en-US" altLang="zh-CN" sz="2000" i="1">
-                                              <a:latin typeface="Cambria Math" panose="02040503050406030204" pitchFamily="18" charset="0"/>
+                                              <a:latin typeface="Cambria Math" charset="0"/>
                                             </a:rPr>
                                           </m:ctrlPr>
                                         </m:sSupPr>
@@ -14557,7 +14591,7 @@
               <p:cNvPr id="11" name="矩形 10">
                 <a:extLst>
                   <a:ext uri="{FF2B5EF4-FFF2-40B4-BE49-F238E27FC236}">
-                    <a16:creationId xmlns:a16="http://schemas.microsoft.com/office/drawing/2014/main" id="{25CFE4FA-4ADB-4B82-B875-AA5178D80394}"/>
+                    <a16:creationId xmlns:a16="http://schemas.microsoft.com/office/drawing/2014/main" xmlns:a14="http://schemas.microsoft.com/office/drawing/2010/main" xmlns="" id="{25CFE4FA-4ADB-4B82-B875-AA5178D80394}"/>
                   </a:ext>
                 </a:extLst>
               </p:cNvPr>
@@ -14569,12 +14603,12 @@
             <p:spPr>
               <a:xfrm>
                 <a:off x="1296516" y="3748227"/>
-                <a:ext cx="3619196" cy="957826"/>
+                <a:ext cx="3617657" cy="957826"/>
               </a:xfrm>
               <a:prstGeom prst="rect">
                 <a:avLst/>
               </a:prstGeom>
-              <a:blipFill>
+              <a:blipFill rotWithShape="0">
                 <a:blip r:embed="rId4"/>
                 <a:stretch>
                   <a:fillRect/>
@@ -14609,6 +14643,5022 @@
 </p:sld>
 </file>
 
+<file path=ppt/slides/slide21.xml><?xml version="1.0" encoding="utf-8"?>
+<p:sld xmlns:a="http://schemas.openxmlformats.org/drawingml/2006/main" xmlns:r="http://schemas.openxmlformats.org/officeDocument/2006/relationships" xmlns:p="http://schemas.openxmlformats.org/presentationml/2006/main">
+  <p:cSld>
+    <p:spTree>
+      <p:nvGrpSpPr>
+        <p:cNvPr id="1" name=""/>
+        <p:cNvGrpSpPr/>
+        <p:nvPr/>
+      </p:nvGrpSpPr>
+      <p:grpSpPr>
+        <a:xfrm>
+          <a:off x="0" y="0"/>
+          <a:ext cx="0" cy="0"/>
+          <a:chOff x="0" y="0"/>
+          <a:chExt cx="0" cy="0"/>
+        </a:xfrm>
+      </p:grpSpPr>
+      <p:sp>
+        <p:nvSpPr>
+          <p:cNvPr id="2" name="标题 1"/>
+          <p:cNvSpPr>
+            <a:spLocks noGrp="1"/>
+          </p:cNvSpPr>
+          <p:nvPr>
+            <p:ph type="title"/>
+          </p:nvPr>
+        </p:nvSpPr>
+        <p:spPr/>
+        <p:txBody>
+          <a:bodyPr/>
+          <a:lstStyle/>
+          <a:p>
+            <a:r>
+              <a:rPr kumimoji="1" lang="zh-CN" altLang="en-US" dirty="0" smtClean="0"/>
+              <a:t>一元线性回归：小结</a:t>
+            </a:r>
+            <a:endParaRPr kumimoji="1" lang="zh-CN" altLang="en-US" dirty="0"/>
+          </a:p>
+        </p:txBody>
+      </p:sp>
+      <mc:AlternateContent xmlns:mc="http://schemas.openxmlformats.org/markup-compatibility/2006">
+        <mc:Choice xmlns:a14="http://schemas.microsoft.com/office/drawing/2010/main" Requires="a14">
+          <p:sp>
+            <p:nvSpPr>
+              <p:cNvPr id="3" name="内容占位符 2"/>
+              <p:cNvSpPr>
+                <a:spLocks noGrp="1"/>
+              </p:cNvSpPr>
+              <p:nvPr>
+                <p:ph idx="1"/>
+              </p:nvPr>
+            </p:nvSpPr>
+            <p:spPr/>
+            <p:txBody>
+              <a:bodyPr/>
+              <a:lstStyle/>
+              <a:p>
+                <a:endParaRPr kumimoji="1" lang="en-US" altLang="zh-CN" dirty="0" smtClean="0"/>
+              </a:p>
+              <a:p>
+                <a:r>
+                  <a:rPr kumimoji="1" lang="zh-CN" altLang="en-US" sz="2800" dirty="0" smtClean="0"/>
+                  <a:t>假设：</a:t>
+                </a:r>
+                <a14:m>
+                  <m:oMath xmlns:m="http://schemas.openxmlformats.org/officeDocument/2006/math">
+                    <m:r>
+                      <a:rPr kumimoji="1" lang="en-US" altLang="zh-CN" sz="2800" b="0" i="1" dirty="0" smtClean="0">
+                        <a:latin typeface="Cambria Math" charset="0"/>
+                      </a:rPr>
+                      <m:t>h</m:t>
+                    </m:r>
+                    <m:d>
+                      <m:dPr>
+                        <m:ctrlPr>
+                          <a:rPr kumimoji="1" lang="en-US" altLang="zh-CN" sz="2800" b="0" i="1" dirty="0" smtClean="0">
+                            <a:latin typeface="Cambria Math" charset="0"/>
+                          </a:rPr>
+                        </m:ctrlPr>
+                      </m:dPr>
+                      <m:e>
+                        <m:r>
+                          <a:rPr kumimoji="1" lang="en-US" altLang="zh-CN" sz="2800" b="0" i="1" dirty="0" smtClean="0">
+                            <a:latin typeface="Cambria Math" charset="0"/>
+                          </a:rPr>
+                          <m:t>𝑥</m:t>
+                        </m:r>
+                      </m:e>
+                    </m:d>
+                    <m:r>
+                      <a:rPr kumimoji="1" lang="en-US" altLang="zh-CN" sz="2800" b="0" i="1" dirty="0" smtClean="0">
+                        <a:latin typeface="Cambria Math" charset="0"/>
+                      </a:rPr>
+                      <m:t>=</m:t>
+                    </m:r>
+                    <m:r>
+                      <a:rPr kumimoji="1" lang="en-US" altLang="zh-CN" sz="2800" b="0" i="1" dirty="0" smtClean="0">
+                        <a:latin typeface="Cambria Math" charset="0"/>
+                      </a:rPr>
+                      <m:t>𝑤𝑥</m:t>
+                    </m:r>
+                    <m:r>
+                      <a:rPr kumimoji="1" lang="en-US" altLang="zh-CN" sz="2800" b="0" i="1" dirty="0" smtClean="0">
+                        <a:latin typeface="Cambria Math" charset="0"/>
+                      </a:rPr>
+                      <m:t>+</m:t>
+                    </m:r>
+                    <m:r>
+                      <a:rPr kumimoji="1" lang="en-US" altLang="zh-CN" sz="2800" b="0" i="1" dirty="0" smtClean="0">
+                        <a:latin typeface="Cambria Math" charset="0"/>
+                      </a:rPr>
+                      <m:t>𝑏</m:t>
+                    </m:r>
+                  </m:oMath>
+                </a14:m>
+                <a:endParaRPr kumimoji="1" lang="en-US" altLang="zh-CN" sz="2800" dirty="0" smtClean="0"/>
+              </a:p>
+              <a:p>
+                <a:endParaRPr kumimoji="1" lang="en-US" altLang="zh-CN" sz="2800" dirty="0"/>
+              </a:p>
+              <a:p>
+                <a:r>
+                  <a:rPr kumimoji="1" lang="zh-CN" altLang="en-US" sz="2800" dirty="0" smtClean="0"/>
+                  <a:t>参数：</a:t>
+                </a:r>
+                <a14:m>
+                  <m:oMath xmlns:m="http://schemas.openxmlformats.org/officeDocument/2006/math">
+                    <m:r>
+                      <a:rPr kumimoji="1" lang="en-US" altLang="zh-CN" sz="2800" b="0" i="1" smtClean="0">
+                        <a:latin typeface="Cambria Math" charset="0"/>
+                      </a:rPr>
+                      <m:t>𝑤</m:t>
+                    </m:r>
+                    <m:r>
+                      <a:rPr kumimoji="1" lang="en-US" altLang="zh-CN" sz="2800" b="0" i="1" smtClean="0">
+                        <a:latin typeface="Cambria Math" charset="0"/>
+                      </a:rPr>
+                      <m:t>,</m:t>
+                    </m:r>
+                    <m:r>
+                      <a:rPr kumimoji="1" lang="en-US" altLang="zh-CN" sz="2800" b="0" i="1" smtClean="0">
+                        <a:latin typeface="Cambria Math" charset="0"/>
+                      </a:rPr>
+                      <m:t>𝑏</m:t>
+                    </m:r>
+                  </m:oMath>
+                </a14:m>
+                <a:endParaRPr kumimoji="1" lang="en-US" altLang="zh-CN" sz="2800" dirty="0" smtClean="0"/>
+              </a:p>
+              <a:p>
+                <a:endParaRPr kumimoji="1" lang="en-US" altLang="zh-CN" sz="2800" dirty="0"/>
+              </a:p>
+              <a:p>
+                <a:r>
+                  <a:rPr kumimoji="1" lang="zh-CN" altLang="en-US" sz="2800" dirty="0" smtClean="0"/>
+                  <a:t>损失函数：</a:t>
+                </a:r>
+                <a14:m>
+                  <m:oMath xmlns:m="http://schemas.openxmlformats.org/officeDocument/2006/math">
+                    <m:r>
+                      <a:rPr lang="en-US" altLang="zh-CN" sz="3200" i="1">
+                        <a:latin typeface="Cambria Math" panose="02040503050406030204" pitchFamily="18" charset="0"/>
+                      </a:rPr>
+                      <m:t>𝐿</m:t>
+                    </m:r>
+                    <m:d>
+                      <m:dPr>
+                        <m:ctrlPr>
+                          <a:rPr lang="en-US" altLang="zh-CN" sz="3200" i="1">
+                            <a:latin typeface="Cambria Math" charset="0"/>
+                          </a:rPr>
+                        </m:ctrlPr>
+                      </m:dPr>
+                      <m:e>
+                        <m:r>
+                          <a:rPr lang="en-US" altLang="zh-CN" sz="3200" i="1">
+                            <a:latin typeface="Cambria Math" panose="02040503050406030204" pitchFamily="18" charset="0"/>
+                          </a:rPr>
+                          <m:t>𝑤</m:t>
+                        </m:r>
+                        <m:r>
+                          <a:rPr lang="en-US" altLang="zh-CN" sz="3200" i="1">
+                            <a:latin typeface="Cambria Math" panose="02040503050406030204" pitchFamily="18" charset="0"/>
+                          </a:rPr>
+                          <m:t>,</m:t>
+                        </m:r>
+                        <m:r>
+                          <a:rPr lang="en-US" altLang="zh-CN" sz="3200" i="1">
+                            <a:latin typeface="Cambria Math" panose="02040503050406030204" pitchFamily="18" charset="0"/>
+                          </a:rPr>
+                          <m:t>𝑏</m:t>
+                        </m:r>
+                      </m:e>
+                    </m:d>
+                    <m:r>
+                      <a:rPr lang="en-US" altLang="zh-CN" sz="3200" i="1">
+                        <a:latin typeface="Cambria Math" panose="02040503050406030204" pitchFamily="18" charset="0"/>
+                      </a:rPr>
+                      <m:t>=</m:t>
+                    </m:r>
+                    <m:nary>
+                      <m:naryPr>
+                        <m:chr m:val="∑"/>
+                        <m:ctrlPr>
+                          <a:rPr lang="en-US" altLang="zh-CN" sz="3200" i="1">
+                            <a:latin typeface="Cambria Math" charset="0"/>
+                          </a:rPr>
+                        </m:ctrlPr>
+                      </m:naryPr>
+                      <m:sub>
+                        <m:r>
+                          <m:rPr>
+                            <m:brk m:alnAt="23"/>
+                          </m:rPr>
+                          <a:rPr lang="en-US" altLang="zh-CN" sz="3200" i="1">
+                            <a:latin typeface="Cambria Math" panose="02040503050406030204" pitchFamily="18" charset="0"/>
+                          </a:rPr>
+                          <m:t>𝑖</m:t>
+                        </m:r>
+                        <m:r>
+                          <a:rPr lang="en-US" altLang="zh-CN" sz="3200" i="1">
+                            <a:latin typeface="Cambria Math" panose="02040503050406030204" pitchFamily="18" charset="0"/>
+                          </a:rPr>
+                          <m:t>=1</m:t>
+                        </m:r>
+                      </m:sub>
+                      <m:sup>
+                        <m:r>
+                          <a:rPr lang="en-US" altLang="zh-CN" sz="3200" i="1">
+                            <a:latin typeface="Cambria Math" panose="02040503050406030204" pitchFamily="18" charset="0"/>
+                          </a:rPr>
+                          <m:t>𝑁</m:t>
+                        </m:r>
+                      </m:sup>
+                      <m:e>
+                        <m:sSup>
+                          <m:sSupPr>
+                            <m:ctrlPr>
+                              <a:rPr lang="en-US" altLang="zh-CN" sz="3200" i="1">
+                                <a:latin typeface="Cambria Math" charset="0"/>
+                              </a:rPr>
+                            </m:ctrlPr>
+                          </m:sSupPr>
+                          <m:e>
+                            <m:d>
+                              <m:dPr>
+                                <m:ctrlPr>
+                                  <a:rPr lang="en-US" altLang="zh-CN" sz="3200" i="1">
+                                    <a:latin typeface="Cambria Math" charset="0"/>
+                                  </a:rPr>
+                                </m:ctrlPr>
+                              </m:dPr>
+                              <m:e>
+                                <m:sSup>
+                                  <m:sSupPr>
+                                    <m:ctrlPr>
+                                      <a:rPr lang="en-US" altLang="zh-CN" sz="3200" i="1">
+                                        <a:latin typeface="Cambria Math" charset="0"/>
+                                      </a:rPr>
+                                    </m:ctrlPr>
+                                  </m:sSupPr>
+                                  <m:e>
+                                    <m:r>
+                                      <a:rPr lang="en-US" altLang="zh-CN" sz="3200" i="1">
+                                        <a:latin typeface="Cambria Math" panose="02040503050406030204" pitchFamily="18" charset="0"/>
+                                      </a:rPr>
+                                      <m:t>𝑦</m:t>
+                                    </m:r>
+                                  </m:e>
+                                  <m:sup>
+                                    <m:r>
+                                      <a:rPr lang="en-US" altLang="zh-CN" sz="3200" i="1">
+                                        <a:latin typeface="Cambria Math" panose="02040503050406030204" pitchFamily="18" charset="0"/>
+                                      </a:rPr>
+                                      <m:t>(</m:t>
+                                    </m:r>
+                                    <m:r>
+                                      <a:rPr lang="en-US" altLang="zh-CN" sz="3200" i="1">
+                                        <a:latin typeface="Cambria Math" panose="02040503050406030204" pitchFamily="18" charset="0"/>
+                                      </a:rPr>
+                                      <m:t>𝑖</m:t>
+                                    </m:r>
+                                    <m:r>
+                                      <a:rPr lang="en-US" altLang="zh-CN" sz="3200" i="1">
+                                        <a:latin typeface="Cambria Math" panose="02040503050406030204" pitchFamily="18" charset="0"/>
+                                      </a:rPr>
+                                      <m:t>)</m:t>
+                                    </m:r>
+                                  </m:sup>
+                                </m:sSup>
+                                <m:r>
+                                  <a:rPr lang="en-US" altLang="zh-CN" sz="3200" i="1">
+                                    <a:latin typeface="Cambria Math" panose="02040503050406030204" pitchFamily="18" charset="0"/>
+                                  </a:rPr>
+                                  <m:t>−</m:t>
+                                </m:r>
+                                <m:r>
+                                  <a:rPr lang="en-US" altLang="zh-CN" sz="3200" i="1">
+                                    <a:latin typeface="Cambria Math" charset="0"/>
+                                  </a:rPr>
+                                  <m:t>h</m:t>
+                                </m:r>
+                                <m:d>
+                                  <m:dPr>
+                                    <m:ctrlPr>
+                                      <a:rPr lang="en-US" altLang="zh-CN" sz="3200" i="1">
+                                        <a:latin typeface="Cambria Math" charset="0"/>
+                                      </a:rPr>
+                                    </m:ctrlPr>
+                                  </m:dPr>
+                                  <m:e>
+                                    <m:sSup>
+                                      <m:sSupPr>
+                                        <m:ctrlPr>
+                                          <a:rPr lang="en-US" altLang="zh-CN" sz="3200" i="1">
+                                            <a:latin typeface="Cambria Math" charset="0"/>
+                                          </a:rPr>
+                                        </m:ctrlPr>
+                                      </m:sSupPr>
+                                      <m:e>
+                                        <m:r>
+                                          <a:rPr lang="en-US" altLang="zh-CN" sz="3200" i="1">
+                                            <a:latin typeface="Cambria Math" panose="02040503050406030204" pitchFamily="18" charset="0"/>
+                                          </a:rPr>
+                                          <m:t>𝑥</m:t>
+                                        </m:r>
+                                      </m:e>
+                                      <m:sup>
+                                        <m:r>
+                                          <a:rPr lang="en-US" altLang="zh-CN" sz="3200" i="1">
+                                            <a:latin typeface="Cambria Math" panose="02040503050406030204" pitchFamily="18" charset="0"/>
+                                          </a:rPr>
+                                          <m:t>(</m:t>
+                                        </m:r>
+                                        <m:r>
+                                          <a:rPr lang="en-US" altLang="zh-CN" sz="3200" i="1">
+                                            <a:latin typeface="Cambria Math" panose="02040503050406030204" pitchFamily="18" charset="0"/>
+                                          </a:rPr>
+                                          <m:t>𝑖</m:t>
+                                        </m:r>
+                                        <m:r>
+                                          <a:rPr lang="en-US" altLang="zh-CN" sz="3200" i="1">
+                                            <a:latin typeface="Cambria Math" panose="02040503050406030204" pitchFamily="18" charset="0"/>
+                                          </a:rPr>
+                                          <m:t>)</m:t>
+                                        </m:r>
+                                      </m:sup>
+                                    </m:sSup>
+                                  </m:e>
+                                </m:d>
+                              </m:e>
+                            </m:d>
+                          </m:e>
+                          <m:sup>
+                            <m:r>
+                              <a:rPr lang="en-US" altLang="zh-CN" sz="3200" i="1">
+                                <a:latin typeface="Cambria Math" panose="02040503050406030204" pitchFamily="18" charset="0"/>
+                              </a:rPr>
+                              <m:t>2</m:t>
+                            </m:r>
+                          </m:sup>
+                        </m:sSup>
+                      </m:e>
+                    </m:nary>
+                  </m:oMath>
+                </a14:m>
+                <a:endParaRPr kumimoji="1" lang="en-US" altLang="zh-CN" sz="2800" dirty="0" smtClean="0"/>
+              </a:p>
+              <a:p>
+                <a:endParaRPr kumimoji="1" lang="en-US" altLang="zh-CN" sz="2800" dirty="0"/>
+              </a:p>
+              <a:p>
+                <a:r>
+                  <a:rPr kumimoji="1" lang="zh-CN" altLang="en-US" sz="2800" dirty="0" smtClean="0"/>
+                  <a:t>目标：</a:t>
+                </a:r>
+                <a14:m>
+                  <m:oMath xmlns:m="http://schemas.openxmlformats.org/officeDocument/2006/math">
+                    <m:func>
+                      <m:funcPr>
+                        <m:ctrlPr>
+                          <a:rPr kumimoji="1" lang="zh-CN" altLang="en-US" sz="2800" b="0" i="1" smtClean="0">
+                            <a:latin typeface="Cambria Math" charset="0"/>
+                          </a:rPr>
+                        </m:ctrlPr>
+                      </m:funcPr>
+                      <m:fName>
+                        <m:sSub>
+                          <m:sSubPr>
+                            <m:ctrlPr>
+                              <a:rPr kumimoji="1" lang="en-US" altLang="zh-CN" sz="2800" b="0" i="1" smtClean="0">
+                                <a:latin typeface="Cambria Math" charset="0"/>
+                              </a:rPr>
+                            </m:ctrlPr>
+                          </m:sSubPr>
+                          <m:e>
+                            <m:r>
+                              <m:rPr>
+                                <m:sty m:val="p"/>
+                              </m:rPr>
+                              <a:rPr kumimoji="1" lang="en-US" altLang="zh-CN" sz="2800" b="0" i="0" smtClean="0">
+                                <a:latin typeface="Cambria Math" charset="0"/>
+                              </a:rPr>
+                              <m:t>arg</m:t>
+                            </m:r>
+                          </m:e>
+                          <m:sub>
+                            <m:r>
+                              <a:rPr kumimoji="1" lang="en-US" altLang="zh-CN" sz="2800" b="0" i="1" smtClean="0">
+                                <a:latin typeface="Cambria Math" charset="0"/>
+                              </a:rPr>
+                              <m:t>𝑤</m:t>
+                            </m:r>
+                            <m:r>
+                              <a:rPr kumimoji="1" lang="en-US" altLang="zh-CN" sz="2800" b="0" i="1" smtClean="0">
+                                <a:latin typeface="Cambria Math" charset="0"/>
+                              </a:rPr>
+                              <m:t>,</m:t>
+                            </m:r>
+                            <m:r>
+                              <a:rPr kumimoji="1" lang="en-US" altLang="zh-CN" sz="2800" b="0" i="1" smtClean="0">
+                                <a:latin typeface="Cambria Math" charset="0"/>
+                              </a:rPr>
+                              <m:t>𝑏</m:t>
+                            </m:r>
+                          </m:sub>
+                        </m:sSub>
+                      </m:fName>
+                      <m:e>
+                        <m:func>
+                          <m:funcPr>
+                            <m:ctrlPr>
+                              <a:rPr kumimoji="1" lang="zh-CN" altLang="en-US" sz="2800" b="0" i="1" smtClean="0">
+                                <a:latin typeface="Cambria Math" charset="0"/>
+                              </a:rPr>
+                            </m:ctrlPr>
+                          </m:funcPr>
+                          <m:fName>
+                            <m:r>
+                              <m:rPr>
+                                <m:sty m:val="p"/>
+                              </m:rPr>
+                              <a:rPr kumimoji="1" lang="en-US" altLang="zh-CN" sz="2800" b="0" i="0" smtClean="0">
+                                <a:latin typeface="Cambria Math" charset="0"/>
+                              </a:rPr>
+                              <m:t>min</m:t>
+                            </m:r>
+                          </m:fName>
+                          <m:e>
+                            <m:r>
+                              <a:rPr kumimoji="1" lang="en-US" altLang="zh-CN" sz="2800" b="0" i="1" smtClean="0">
+                                <a:latin typeface="Cambria Math" charset="0"/>
+                              </a:rPr>
+                              <m:t>𝐿</m:t>
+                            </m:r>
+                            <m:r>
+                              <a:rPr kumimoji="1" lang="en-US" altLang="zh-CN" sz="2800" b="0" i="1" smtClean="0">
+                                <a:latin typeface="Cambria Math" charset="0"/>
+                              </a:rPr>
+                              <m:t>(</m:t>
+                            </m:r>
+                            <m:r>
+                              <a:rPr kumimoji="1" lang="en-US" altLang="zh-CN" sz="2800" b="0" i="1" smtClean="0">
+                                <a:latin typeface="Cambria Math" charset="0"/>
+                              </a:rPr>
+                              <m:t>𝑤</m:t>
+                            </m:r>
+                            <m:r>
+                              <a:rPr kumimoji="1" lang="en-US" altLang="zh-CN" sz="2800" b="0" i="1" smtClean="0">
+                                <a:latin typeface="Cambria Math" charset="0"/>
+                              </a:rPr>
+                              <m:t>,</m:t>
+                            </m:r>
+                            <m:r>
+                              <a:rPr kumimoji="1" lang="en-US" altLang="zh-CN" sz="2800" b="0" i="1" smtClean="0">
+                                <a:latin typeface="Cambria Math" charset="0"/>
+                              </a:rPr>
+                              <m:t>𝑏</m:t>
+                            </m:r>
+                            <m:r>
+                              <a:rPr kumimoji="1" lang="en-US" altLang="zh-CN" sz="2800" b="0" i="1" smtClean="0">
+                                <a:latin typeface="Cambria Math" charset="0"/>
+                              </a:rPr>
+                              <m:t>)</m:t>
+                            </m:r>
+                          </m:e>
+                        </m:func>
+                      </m:e>
+                    </m:func>
+                  </m:oMath>
+                </a14:m>
+                <a:endParaRPr kumimoji="1" lang="zh-CN" altLang="en-US" dirty="0"/>
+              </a:p>
+            </p:txBody>
+          </p:sp>
+        </mc:Choice>
+        <mc:Fallback>
+          <p:sp>
+            <p:nvSpPr>
+              <p:cNvPr id="3" name="内容占位符 2"/>
+              <p:cNvSpPr>
+                <a:spLocks noGrp="1" noRot="1" noChangeAspect="1" noMove="1" noResize="1" noEditPoints="1" noAdjustHandles="1" noChangeArrowheads="1" noChangeShapeType="1" noTextEdit="1"/>
+              </p:cNvSpPr>
+              <p:nvPr>
+                <p:ph idx="1"/>
+              </p:nvPr>
+            </p:nvSpPr>
+            <p:spPr>
+              <a:blipFill rotWithShape="0">
+                <a:blip r:embed="rId2"/>
+                <a:stretch>
+                  <a:fillRect l="-1029"/>
+                </a:stretch>
+              </a:blipFill>
+            </p:spPr>
+            <p:txBody>
+              <a:bodyPr/>
+              <a:lstStyle/>
+              <a:p>
+                <a:r>
+                  <a:rPr lang="zh-CN" altLang="en-US">
+                    <a:noFill/>
+                  </a:rPr>
+                  <a:t> </a:t>
+                </a:r>
+              </a:p>
+            </p:txBody>
+          </p:sp>
+        </mc:Fallback>
+      </mc:AlternateContent>
+      <p:sp>
+        <p:nvSpPr>
+          <p:cNvPr id="4" name="日期占位符 3"/>
+          <p:cNvSpPr>
+            <a:spLocks noGrp="1"/>
+          </p:cNvSpPr>
+          <p:nvPr>
+            <p:ph type="dt" sz="half" idx="10"/>
+          </p:nvPr>
+        </p:nvSpPr>
+        <p:spPr/>
+        <p:txBody>
+          <a:bodyPr/>
+          <a:lstStyle/>
+          <a:p>
+            <a:pPr>
+              <a:defRPr/>
+            </a:pPr>
+            <a:fld id="{95A2A19B-170D-1043-AE33-7A36DFB7BCDC}" type="datetime2">
+              <a:rPr lang="zh-CN" altLang="en-US" smtClean="0"/>
+              <a:t>2018年7月5日</a:t>
+            </a:fld>
+            <a:endParaRPr lang="en-US" altLang="zh-CN"/>
+          </a:p>
+        </p:txBody>
+      </p:sp>
+      <p:sp>
+        <p:nvSpPr>
+          <p:cNvPr id="5" name="页脚占位符 4"/>
+          <p:cNvSpPr>
+            <a:spLocks noGrp="1"/>
+          </p:cNvSpPr>
+          <p:nvPr>
+            <p:ph type="ftr" sz="quarter" idx="11"/>
+          </p:nvPr>
+        </p:nvSpPr>
+        <p:spPr/>
+        <p:txBody>
+          <a:bodyPr/>
+          <a:lstStyle/>
+          <a:p>
+            <a:pPr>
+              <a:defRPr/>
+            </a:pPr>
+            <a:r>
+              <a:rPr lang="zh-CN" altLang="en-US" smtClean="0"/>
+              <a:t>机器学习入门</a:t>
+            </a:r>
+            <a:endParaRPr lang="en-US" altLang="zh-CN" dirty="0"/>
+          </a:p>
+        </p:txBody>
+      </p:sp>
+      <p:sp>
+        <p:nvSpPr>
+          <p:cNvPr id="6" name="幻灯片编号占位符 5"/>
+          <p:cNvSpPr>
+            <a:spLocks noGrp="1"/>
+          </p:cNvSpPr>
+          <p:nvPr>
+            <p:ph type="sldNum" sz="quarter" idx="12"/>
+          </p:nvPr>
+        </p:nvSpPr>
+        <p:spPr/>
+        <p:txBody>
+          <a:bodyPr/>
+          <a:lstStyle/>
+          <a:p>
+            <a:pPr>
+              <a:defRPr/>
+            </a:pPr>
+            <a:fld id="{64C9EB70-B654-4058-838F-8806615D92E5}" type="slidenum">
+              <a:rPr lang="en-US" altLang="zh-CN" smtClean="0"/>
+              <a:pPr>
+                <a:defRPr/>
+              </a:pPr>
+              <a:t>21</a:t>
+            </a:fld>
+            <a:endParaRPr lang="en-US" altLang="zh-CN"/>
+          </a:p>
+        </p:txBody>
+      </p:sp>
+    </p:spTree>
+    <p:extLst>
+      <p:ext uri="{BB962C8B-B14F-4D97-AF65-F5344CB8AC3E}">
+        <p14:creationId xmlns:p14="http://schemas.microsoft.com/office/powerpoint/2010/main" val="402704696"/>
+      </p:ext>
+    </p:extLst>
+  </p:cSld>
+  <p:clrMapOvr>
+    <a:masterClrMapping/>
+  </p:clrMapOvr>
+</p:sld>
+</file>
+
+<file path=ppt/slides/slide22.xml><?xml version="1.0" encoding="utf-8"?>
+<p:sld xmlns:a="http://schemas.openxmlformats.org/drawingml/2006/main" xmlns:r="http://schemas.openxmlformats.org/officeDocument/2006/relationships" xmlns:p="http://schemas.openxmlformats.org/presentationml/2006/main">
+  <p:cSld>
+    <p:spTree>
+      <p:nvGrpSpPr>
+        <p:cNvPr id="1" name=""/>
+        <p:cNvGrpSpPr/>
+        <p:nvPr/>
+      </p:nvGrpSpPr>
+      <p:grpSpPr>
+        <a:xfrm>
+          <a:off x="0" y="0"/>
+          <a:ext cx="0" cy="0"/>
+          <a:chOff x="0" y="0"/>
+          <a:chExt cx="0" cy="0"/>
+        </a:xfrm>
+      </p:grpSpPr>
+      <p:sp>
+        <p:nvSpPr>
+          <p:cNvPr id="2" name="标题 1"/>
+          <p:cNvSpPr>
+            <a:spLocks noGrp="1"/>
+          </p:cNvSpPr>
+          <p:nvPr>
+            <p:ph type="title"/>
+          </p:nvPr>
+        </p:nvSpPr>
+        <p:spPr/>
+        <p:txBody>
+          <a:bodyPr/>
+          <a:lstStyle/>
+          <a:p>
+            <a:r>
+              <a:rPr kumimoji="1" lang="zh-CN" altLang="en-US" dirty="0" smtClean="0"/>
+              <a:t>一元线性回归：如何学习出合适的参数</a:t>
+            </a:r>
+            <a:endParaRPr kumimoji="1" lang="zh-CN" altLang="en-US" dirty="0"/>
+          </a:p>
+        </p:txBody>
+      </p:sp>
+      <p:sp>
+        <p:nvSpPr>
+          <p:cNvPr id="4" name="日期占位符 3"/>
+          <p:cNvSpPr>
+            <a:spLocks noGrp="1"/>
+          </p:cNvSpPr>
+          <p:nvPr>
+            <p:ph type="dt" sz="half" idx="10"/>
+          </p:nvPr>
+        </p:nvSpPr>
+        <p:spPr/>
+        <p:txBody>
+          <a:bodyPr/>
+          <a:lstStyle/>
+          <a:p>
+            <a:pPr>
+              <a:defRPr/>
+            </a:pPr>
+            <a:fld id="{95A2A19B-170D-1043-AE33-7A36DFB7BCDC}" type="datetime2">
+              <a:rPr lang="zh-CN" altLang="en-US" smtClean="0"/>
+              <a:t>2018年7月5日</a:t>
+            </a:fld>
+            <a:endParaRPr lang="en-US" altLang="zh-CN"/>
+          </a:p>
+        </p:txBody>
+      </p:sp>
+      <p:sp>
+        <p:nvSpPr>
+          <p:cNvPr id="5" name="页脚占位符 4"/>
+          <p:cNvSpPr>
+            <a:spLocks noGrp="1"/>
+          </p:cNvSpPr>
+          <p:nvPr>
+            <p:ph type="ftr" sz="quarter" idx="11"/>
+          </p:nvPr>
+        </p:nvSpPr>
+        <p:spPr/>
+        <p:txBody>
+          <a:bodyPr/>
+          <a:lstStyle/>
+          <a:p>
+            <a:pPr>
+              <a:defRPr/>
+            </a:pPr>
+            <a:r>
+              <a:rPr lang="zh-CN" altLang="en-US" smtClean="0"/>
+              <a:t>机器学习入门</a:t>
+            </a:r>
+            <a:endParaRPr lang="en-US" altLang="zh-CN" dirty="0"/>
+          </a:p>
+        </p:txBody>
+      </p:sp>
+      <p:sp>
+        <p:nvSpPr>
+          <p:cNvPr id="6" name="幻灯片编号占位符 5"/>
+          <p:cNvSpPr>
+            <a:spLocks noGrp="1"/>
+          </p:cNvSpPr>
+          <p:nvPr>
+            <p:ph type="sldNum" sz="quarter" idx="12"/>
+          </p:nvPr>
+        </p:nvSpPr>
+        <p:spPr/>
+        <p:txBody>
+          <a:bodyPr/>
+          <a:lstStyle/>
+          <a:p>
+            <a:pPr>
+              <a:defRPr/>
+            </a:pPr>
+            <a:fld id="{64C9EB70-B654-4058-838F-8806615D92E5}" type="slidenum">
+              <a:rPr lang="en-US" altLang="zh-CN" smtClean="0"/>
+              <a:pPr>
+                <a:defRPr/>
+              </a:pPr>
+              <a:t>22</a:t>
+            </a:fld>
+            <a:endParaRPr lang="en-US" altLang="zh-CN"/>
+          </a:p>
+        </p:txBody>
+      </p:sp>
+      <p:pic>
+        <p:nvPicPr>
+          <p:cNvPr id="8" name="图片 7"/>
+          <p:cNvPicPr>
+            <a:picLocks noChangeAspect="1"/>
+          </p:cNvPicPr>
+          <p:nvPr/>
+        </p:nvPicPr>
+        <p:blipFill>
+          <a:blip r:embed="rId2">
+            <a:extLst>
+              <a:ext uri="{28A0092B-C50C-407E-A947-70E740481C1C}">
+                <a14:useLocalDpi xmlns:a14="http://schemas.microsoft.com/office/drawing/2010/main" val="0"/>
+              </a:ext>
+            </a:extLst>
+          </a:blip>
+          <a:stretch>
+            <a:fillRect/>
+          </a:stretch>
+        </p:blipFill>
+        <p:spPr>
+          <a:xfrm>
+            <a:off x="6404314" y="1225628"/>
+            <a:ext cx="5029919" cy="3353279"/>
+          </a:xfrm>
+          <a:prstGeom prst="rect">
+            <a:avLst/>
+          </a:prstGeom>
+        </p:spPr>
+      </p:pic>
+      <mc:AlternateContent xmlns:mc="http://schemas.openxmlformats.org/markup-compatibility/2006">
+        <mc:Choice xmlns:a14="http://schemas.microsoft.com/office/drawing/2010/main" Requires="a14">
+          <p:sp>
+            <p:nvSpPr>
+              <p:cNvPr id="10" name="内容占位符 9"/>
+              <p:cNvSpPr>
+                <a:spLocks noGrp="1"/>
+              </p:cNvSpPr>
+              <p:nvPr>
+                <p:ph idx="1"/>
+              </p:nvPr>
+            </p:nvSpPr>
+            <p:spPr>
+              <a:xfrm>
+                <a:off x="755651" y="1052516"/>
+                <a:ext cx="5648663" cy="4967287"/>
+              </a:xfrm>
+            </p:spPr>
+            <p:txBody>
+              <a:bodyPr/>
+              <a:lstStyle/>
+              <a:p>
+                <a:r>
+                  <a:rPr kumimoji="1" lang="zh-CN" altLang="en-US" dirty="0" smtClean="0"/>
+                  <a:t>想象你站在一个山谷的某个位置，你的目的是走到谷底，应该怎么走？</a:t>
+                </a:r>
+                <a:endParaRPr kumimoji="1" lang="en-US" altLang="zh-CN" dirty="0"/>
+              </a:p>
+              <a:p>
+                <a:r>
+                  <a:rPr kumimoji="1" lang="zh-CN" altLang="en-US" dirty="0" smtClean="0"/>
+                  <a:t>类似地，损失函数就像山谷，初始时随机选取参数</a:t>
+                </a:r>
+                <a14:m>
+                  <m:oMath xmlns:m="http://schemas.openxmlformats.org/officeDocument/2006/math">
+                    <m:r>
+                      <a:rPr kumimoji="1" lang="en-US" altLang="zh-CN" i="1" dirty="0" smtClean="0">
+                        <a:latin typeface="Cambria Math" charset="0"/>
+                      </a:rPr>
+                      <m:t>(</m:t>
+                    </m:r>
+                    <m:r>
+                      <a:rPr kumimoji="1" lang="en-US" altLang="zh-CN" i="1" dirty="0" smtClean="0">
+                        <a:latin typeface="Cambria Math" charset="0"/>
+                      </a:rPr>
+                      <m:t>𝑤</m:t>
+                    </m:r>
+                    <m:r>
+                      <a:rPr kumimoji="1" lang="en-US" altLang="zh-CN" i="1" dirty="0" smtClean="0">
+                        <a:latin typeface="Cambria Math" charset="0"/>
+                      </a:rPr>
+                      <m:t>, </m:t>
+                    </m:r>
+                    <m:r>
+                      <a:rPr kumimoji="1" lang="en-US" altLang="zh-CN" i="1" dirty="0" smtClean="0">
+                        <a:latin typeface="Cambria Math" charset="0"/>
+                      </a:rPr>
+                      <m:t>𝑏</m:t>
+                    </m:r>
+                    <m:r>
+                      <a:rPr kumimoji="1" lang="en-US" altLang="zh-CN" i="1" dirty="0" smtClean="0">
+                        <a:latin typeface="Cambria Math" charset="0"/>
+                      </a:rPr>
+                      <m:t>)</m:t>
+                    </m:r>
+                  </m:oMath>
+                </a14:m>
+                <a:r>
+                  <a:rPr kumimoji="1" lang="zh-CN" altLang="en-US" dirty="0" smtClean="0"/>
+                  <a:t>就像你在山谷中的初始位置，最终要得到的使损失函数最小的参数取值就像山谷的谷底。</a:t>
+                </a:r>
+                <a:endParaRPr kumimoji="1" lang="en-US" altLang="zh-CN" dirty="0" smtClean="0"/>
+              </a:p>
+              <a:p>
+                <a:endParaRPr kumimoji="1" lang="en-US" altLang="zh-CN" dirty="0"/>
+              </a:p>
+              <a:p>
+                <a:r>
+                  <a:rPr kumimoji="1" lang="zh-CN" altLang="en-US" dirty="0" smtClean="0"/>
+                  <a:t>梯度下降：</a:t>
+                </a:r>
+                <a:endParaRPr kumimoji="1" lang="en-US" altLang="zh-CN" dirty="0" smtClean="0"/>
+              </a:p>
+              <a:p>
+                <a:pPr lvl="1"/>
+                <a:r>
+                  <a:rPr kumimoji="1" lang="zh-CN" altLang="en-US" dirty="0" smtClean="0"/>
+                  <a:t>梯度：</a:t>
+                </a:r>
+                <a14:m>
+                  <m:oMath xmlns:m="http://schemas.openxmlformats.org/officeDocument/2006/math">
+                    <m:r>
+                      <a:rPr kumimoji="1" lang="zh-CN" altLang="en-US" i="1" smtClean="0">
+                        <a:latin typeface="Cambria Math" charset="0"/>
+                        <a:ea typeface="Cambria Math" charset="0"/>
+                        <a:cs typeface="Cambria Math" charset="0"/>
+                      </a:rPr>
+                      <m:t>∇</m:t>
+                    </m:r>
+                    <m:r>
+                      <a:rPr kumimoji="1" lang="en-US" altLang="zh-CN" b="0" i="1" smtClean="0">
+                        <a:latin typeface="Cambria Math" charset="0"/>
+                        <a:ea typeface="Cambria Math" charset="0"/>
+                        <a:cs typeface="Cambria Math" charset="0"/>
+                      </a:rPr>
+                      <m:t>𝐿</m:t>
+                    </m:r>
+                    <m:r>
+                      <a:rPr kumimoji="1" lang="en-US" altLang="zh-CN" b="0" i="1" smtClean="0">
+                        <a:latin typeface="Cambria Math" charset="0"/>
+                        <a:ea typeface="Cambria Math" charset="0"/>
+                        <a:cs typeface="Cambria Math" charset="0"/>
+                      </a:rPr>
+                      <m:t>=</m:t>
+                    </m:r>
+                    <m:d>
+                      <m:dPr>
+                        <m:ctrlPr>
+                          <a:rPr kumimoji="1" lang="mr-IN" altLang="zh-CN" b="0" i="1" smtClean="0">
+                            <a:latin typeface="Cambria Math" charset="0"/>
+                            <a:ea typeface="Cambria Math" charset="0"/>
+                            <a:cs typeface="Cambria Math" charset="0"/>
+                          </a:rPr>
+                        </m:ctrlPr>
+                      </m:dPr>
+                      <m:e>
+                        <m:f>
+                          <m:fPr>
+                            <m:ctrlPr>
+                              <a:rPr kumimoji="1" lang="mr-IN" altLang="zh-CN" b="0" i="1" smtClean="0">
+                                <a:latin typeface="Cambria Math" charset="0"/>
+                                <a:ea typeface="Cambria Math" charset="0"/>
+                                <a:cs typeface="Cambria Math" charset="0"/>
+                              </a:rPr>
+                            </m:ctrlPr>
+                          </m:fPr>
+                          <m:num>
+                            <m:r>
+                              <a:rPr kumimoji="1" lang="en-US" altLang="zh-CN" b="0" i="1" smtClean="0">
+                                <a:latin typeface="Cambria Math" charset="0"/>
+                                <a:ea typeface="Cambria Math" charset="0"/>
+                                <a:cs typeface="Cambria Math" charset="0"/>
+                              </a:rPr>
+                              <m:t>𝜕</m:t>
+                            </m:r>
+                            <m:r>
+                              <a:rPr kumimoji="1" lang="en-US" altLang="zh-CN" b="0" i="1" smtClean="0">
+                                <a:latin typeface="Cambria Math" charset="0"/>
+                                <a:ea typeface="Cambria Math" charset="0"/>
+                                <a:cs typeface="Cambria Math" charset="0"/>
+                              </a:rPr>
+                              <m:t>𝐿</m:t>
+                            </m:r>
+                          </m:num>
+                          <m:den>
+                            <m:r>
+                              <a:rPr kumimoji="1" lang="en-US" altLang="zh-CN" b="0" i="1" smtClean="0">
+                                <a:latin typeface="Cambria Math" charset="0"/>
+                                <a:ea typeface="Cambria Math" charset="0"/>
+                                <a:cs typeface="Cambria Math" charset="0"/>
+                              </a:rPr>
+                              <m:t>𝜕</m:t>
+                            </m:r>
+                            <m:r>
+                              <a:rPr kumimoji="1" lang="en-US" altLang="zh-CN" b="0" i="1" smtClean="0">
+                                <a:latin typeface="Cambria Math" charset="0"/>
+                                <a:ea typeface="Cambria Math" charset="0"/>
+                                <a:cs typeface="Cambria Math" charset="0"/>
+                              </a:rPr>
+                              <m:t>𝑤</m:t>
+                            </m:r>
+                          </m:den>
+                        </m:f>
+                        <m:r>
+                          <a:rPr kumimoji="1" lang="en-US" altLang="zh-CN" b="0" i="1" smtClean="0">
+                            <a:latin typeface="Cambria Math" charset="0"/>
+                            <a:ea typeface="Cambria Math" charset="0"/>
+                            <a:cs typeface="Cambria Math" charset="0"/>
+                          </a:rPr>
+                          <m:t>,</m:t>
+                        </m:r>
+                        <m:r>
+                          <a:rPr kumimoji="1" lang="zh-CN" altLang="en-US" b="0" i="1" smtClean="0">
+                            <a:latin typeface="Cambria Math" charset="0"/>
+                            <a:ea typeface="Cambria Math" charset="0"/>
+                            <a:cs typeface="Cambria Math" charset="0"/>
+                          </a:rPr>
+                          <m:t> </m:t>
+                        </m:r>
+                        <m:f>
+                          <m:fPr>
+                            <m:ctrlPr>
+                              <a:rPr kumimoji="1" lang="mr-IN" altLang="zh-CN" b="0" i="1" smtClean="0">
+                                <a:latin typeface="Cambria Math" charset="0"/>
+                                <a:ea typeface="Cambria Math" charset="0"/>
+                                <a:cs typeface="Cambria Math" charset="0"/>
+                              </a:rPr>
+                            </m:ctrlPr>
+                          </m:fPr>
+                          <m:num>
+                            <m:r>
+                              <a:rPr kumimoji="1" lang="en-US" altLang="zh-CN" b="0" i="1" smtClean="0">
+                                <a:latin typeface="Cambria Math" charset="0"/>
+                                <a:ea typeface="Cambria Math" charset="0"/>
+                                <a:cs typeface="Cambria Math" charset="0"/>
+                              </a:rPr>
+                              <m:t>𝜕</m:t>
+                            </m:r>
+                            <m:r>
+                              <a:rPr kumimoji="1" lang="en-US" altLang="zh-CN" b="0" i="1" smtClean="0">
+                                <a:latin typeface="Cambria Math" charset="0"/>
+                                <a:ea typeface="Cambria Math" charset="0"/>
+                                <a:cs typeface="Cambria Math" charset="0"/>
+                              </a:rPr>
+                              <m:t>𝐿</m:t>
+                            </m:r>
+                          </m:num>
+                          <m:den>
+                            <m:r>
+                              <a:rPr kumimoji="1" lang="en-US" altLang="zh-CN" b="0" i="1" smtClean="0">
+                                <a:latin typeface="Cambria Math" charset="0"/>
+                                <a:ea typeface="Cambria Math" charset="0"/>
+                                <a:cs typeface="Cambria Math" charset="0"/>
+                              </a:rPr>
+                              <m:t>𝜕</m:t>
+                            </m:r>
+                            <m:r>
+                              <a:rPr kumimoji="1" lang="en-US" altLang="zh-CN" b="0" i="1" smtClean="0">
+                                <a:latin typeface="Cambria Math" charset="0"/>
+                                <a:ea typeface="Cambria Math" charset="0"/>
+                                <a:cs typeface="Cambria Math" charset="0"/>
+                              </a:rPr>
+                              <m:t>𝑏</m:t>
+                            </m:r>
+                          </m:den>
+                        </m:f>
+                      </m:e>
+                    </m:d>
+                  </m:oMath>
+                </a14:m>
+                <a:r>
+                  <a:rPr lang="zh-CN" altLang="en-US" dirty="0" smtClean="0"/>
+                  <a:t>，表示函数</a:t>
+                </a:r>
+                <a:r>
+                  <a:rPr lang="zh-CN" altLang="en-US" dirty="0"/>
+                  <a:t>在该点处沿着该</a:t>
+                </a:r>
+                <a:r>
+                  <a:rPr lang="zh-CN" altLang="en-US" dirty="0" smtClean="0"/>
+                  <a:t>方向变化</a:t>
+                </a:r>
+                <a:r>
+                  <a:rPr lang="zh-CN" altLang="en-US" dirty="0"/>
+                  <a:t>最快，变化率最</a:t>
+                </a:r>
+                <a:r>
+                  <a:rPr lang="zh-CN" altLang="en-US" dirty="0" smtClean="0"/>
+                  <a:t>大。</a:t>
+                </a:r>
+                <a:endParaRPr lang="en-US" altLang="zh-CN" dirty="0" smtClean="0"/>
+              </a:p>
+              <a:p>
+                <a:pPr lvl="1"/>
+                <a:r>
+                  <a:rPr kumimoji="1" lang="zh-CN" altLang="en-US" dirty="0" smtClean="0"/>
+                  <a:t>想象把一个小球放到一个山谷中的位置，该小球滚动的方向的相反方向就是该点的梯度。</a:t>
+                </a:r>
+                <a:endParaRPr kumimoji="1" lang="zh-CN" altLang="en-US" dirty="0"/>
+              </a:p>
+            </p:txBody>
+          </p:sp>
+        </mc:Choice>
+        <mc:Fallback>
+          <p:sp>
+            <p:nvSpPr>
+              <p:cNvPr id="10" name="内容占位符 9"/>
+              <p:cNvSpPr>
+                <a:spLocks noGrp="1" noRot="1" noChangeAspect="1" noMove="1" noResize="1" noEditPoints="1" noAdjustHandles="1" noChangeArrowheads="1" noChangeShapeType="1" noTextEdit="1"/>
+              </p:cNvSpPr>
+              <p:nvPr>
+                <p:ph idx="1"/>
+              </p:nvPr>
+            </p:nvSpPr>
+            <p:spPr>
+              <a:xfrm>
+                <a:off x="755651" y="1052516"/>
+                <a:ext cx="5648663" cy="4967287"/>
+              </a:xfrm>
+              <a:blipFill rotWithShape="0">
+                <a:blip r:embed="rId3"/>
+                <a:stretch>
+                  <a:fillRect l="-1294" t="-859"/>
+                </a:stretch>
+              </a:blipFill>
+            </p:spPr>
+            <p:txBody>
+              <a:bodyPr/>
+              <a:lstStyle/>
+              <a:p>
+                <a:r>
+                  <a:rPr lang="zh-CN" altLang="en-US">
+                    <a:noFill/>
+                  </a:rPr>
+                  <a:t> </a:t>
+                </a:r>
+              </a:p>
+            </p:txBody>
+          </p:sp>
+        </mc:Fallback>
+      </mc:AlternateContent>
+      <mc:AlternateContent xmlns:mc="http://schemas.openxmlformats.org/markup-compatibility/2006">
+        <mc:Choice xmlns:a14="http://schemas.microsoft.com/office/drawing/2010/main" Requires="a14">
+          <p:sp>
+            <p:nvSpPr>
+              <p:cNvPr id="11" name="矩形 10">
+                <a:extLst>
+                  <a:ext uri="{FF2B5EF4-FFF2-40B4-BE49-F238E27FC236}">
+                    <a16:creationId xmlns:a16="http://schemas.microsoft.com/office/drawing/2014/main" xmlns="" id="{25CFE4FA-4ADB-4B82-B875-AA5178D80394}"/>
+                  </a:ext>
+                </a:extLst>
+              </p:cNvPr>
+              <p:cNvSpPr/>
+              <p:nvPr/>
+            </p:nvSpPr>
+            <p:spPr>
+              <a:xfrm>
+                <a:off x="7240116" y="4896485"/>
+                <a:ext cx="3617657" cy="957826"/>
+              </a:xfrm>
+              <a:prstGeom prst="rect">
+                <a:avLst/>
+              </a:prstGeom>
+            </p:spPr>
+            <p:txBody>
+              <a:bodyPr wrap="none">
+                <a:spAutoFit/>
+              </a:bodyPr>
+              <a:lstStyle/>
+              <a:p>
+                <a:pPr/>
+                <a14:m>
+                  <m:oMathPara xmlns:m="http://schemas.openxmlformats.org/officeDocument/2006/math">
+                    <m:oMathParaPr>
+                      <m:jc m:val="centerGroup"/>
+                    </m:oMathParaPr>
+                    <m:oMath xmlns:m="http://schemas.openxmlformats.org/officeDocument/2006/math">
+                      <m:r>
+                        <a:rPr lang="en-US" altLang="zh-CN" sz="2000" i="1" smtClean="0">
+                          <a:latin typeface="Cambria Math" panose="02040503050406030204" pitchFamily="18" charset="0"/>
+                        </a:rPr>
+                        <m:t>𝐿</m:t>
+                      </m:r>
+                      <m:d>
+                        <m:dPr>
+                          <m:ctrlPr>
+                            <a:rPr lang="en-US" altLang="zh-CN" sz="2000" i="1">
+                              <a:latin typeface="Cambria Math" charset="0"/>
+                            </a:rPr>
+                          </m:ctrlPr>
+                        </m:dPr>
+                        <m:e>
+                          <m:r>
+                            <a:rPr lang="en-US" altLang="zh-CN" sz="2000" i="1">
+                              <a:latin typeface="Cambria Math" panose="02040503050406030204" pitchFamily="18" charset="0"/>
+                            </a:rPr>
+                            <m:t>𝑤</m:t>
+                          </m:r>
+                          <m:r>
+                            <a:rPr lang="en-US" altLang="zh-CN" sz="2000" i="1">
+                              <a:latin typeface="Cambria Math" panose="02040503050406030204" pitchFamily="18" charset="0"/>
+                            </a:rPr>
+                            <m:t>,</m:t>
+                          </m:r>
+                          <m:r>
+                            <a:rPr lang="en-US" altLang="zh-CN" sz="2000" i="1">
+                              <a:latin typeface="Cambria Math" panose="02040503050406030204" pitchFamily="18" charset="0"/>
+                            </a:rPr>
+                            <m:t>𝑏</m:t>
+                          </m:r>
+                        </m:e>
+                      </m:d>
+                      <m:r>
+                        <a:rPr lang="en-US" altLang="zh-CN" sz="2000" i="1">
+                          <a:latin typeface="Cambria Math" panose="02040503050406030204" pitchFamily="18" charset="0"/>
+                        </a:rPr>
+                        <m:t>=</m:t>
+                      </m:r>
+                      <m:nary>
+                        <m:naryPr>
+                          <m:chr m:val="∑"/>
+                          <m:ctrlPr>
+                            <a:rPr lang="en-US" altLang="zh-CN" sz="2000" i="1">
+                              <a:latin typeface="Cambria Math" charset="0"/>
+                            </a:rPr>
+                          </m:ctrlPr>
+                        </m:naryPr>
+                        <m:sub>
+                          <m:r>
+                            <m:rPr>
+                              <m:brk m:alnAt="23"/>
+                            </m:rPr>
+                            <a:rPr lang="en-US" altLang="zh-CN" sz="2000" i="1">
+                              <a:latin typeface="Cambria Math" panose="02040503050406030204" pitchFamily="18" charset="0"/>
+                            </a:rPr>
+                            <m:t>𝑖</m:t>
+                          </m:r>
+                          <m:r>
+                            <a:rPr lang="en-US" altLang="zh-CN" sz="2000" i="1">
+                              <a:latin typeface="Cambria Math" panose="02040503050406030204" pitchFamily="18" charset="0"/>
+                            </a:rPr>
+                            <m:t>=1</m:t>
+                          </m:r>
+                        </m:sub>
+                        <m:sup>
+                          <m:r>
+                            <a:rPr lang="en-US" altLang="zh-CN" sz="2000" i="1">
+                              <a:latin typeface="Cambria Math" panose="02040503050406030204" pitchFamily="18" charset="0"/>
+                            </a:rPr>
+                            <m:t>𝑁</m:t>
+                          </m:r>
+                        </m:sup>
+                        <m:e>
+                          <m:sSup>
+                            <m:sSupPr>
+                              <m:ctrlPr>
+                                <a:rPr lang="en-US" altLang="zh-CN" sz="2000" i="1">
+                                  <a:latin typeface="Cambria Math" charset="0"/>
+                                </a:rPr>
+                              </m:ctrlPr>
+                            </m:sSupPr>
+                            <m:e>
+                              <m:d>
+                                <m:dPr>
+                                  <m:ctrlPr>
+                                    <a:rPr lang="en-US" altLang="zh-CN" sz="2000" i="1">
+                                      <a:latin typeface="Cambria Math" charset="0"/>
+                                    </a:rPr>
+                                  </m:ctrlPr>
+                                </m:dPr>
+                                <m:e>
+                                  <m:sSup>
+                                    <m:sSupPr>
+                                      <m:ctrlPr>
+                                        <a:rPr lang="en-US" altLang="zh-CN" sz="2000" i="1">
+                                          <a:latin typeface="Cambria Math" charset="0"/>
+                                        </a:rPr>
+                                      </m:ctrlPr>
+                                    </m:sSupPr>
+                                    <m:e>
+                                      <m:r>
+                                        <a:rPr lang="en-US" altLang="zh-CN" sz="2000" i="1">
+                                          <a:latin typeface="Cambria Math" panose="02040503050406030204" pitchFamily="18" charset="0"/>
+                                        </a:rPr>
+                                        <m:t>𝑦</m:t>
+                                      </m:r>
+                                    </m:e>
+                                    <m:sup>
+                                      <m:r>
+                                        <a:rPr lang="en-US" altLang="zh-CN" sz="2000" i="1">
+                                          <a:latin typeface="Cambria Math" panose="02040503050406030204" pitchFamily="18" charset="0"/>
+                                        </a:rPr>
+                                        <m:t>(</m:t>
+                                      </m:r>
+                                      <m:r>
+                                        <a:rPr lang="en-US" altLang="zh-CN" sz="2000" i="1">
+                                          <a:latin typeface="Cambria Math" panose="02040503050406030204" pitchFamily="18" charset="0"/>
+                                        </a:rPr>
+                                        <m:t>𝑖</m:t>
+                                      </m:r>
+                                      <m:r>
+                                        <a:rPr lang="en-US" altLang="zh-CN" sz="2000" i="1">
+                                          <a:latin typeface="Cambria Math" panose="02040503050406030204" pitchFamily="18" charset="0"/>
+                                        </a:rPr>
+                                        <m:t>)</m:t>
+                                      </m:r>
+                                    </m:sup>
+                                  </m:sSup>
+                                  <m:r>
+                                    <a:rPr lang="en-US" altLang="zh-CN" sz="2000" i="1">
+                                      <a:latin typeface="Cambria Math" panose="02040503050406030204" pitchFamily="18" charset="0"/>
+                                    </a:rPr>
+                                    <m:t>−</m:t>
+                                  </m:r>
+                                  <m:r>
+                                    <a:rPr lang="en-US" altLang="zh-CN" sz="2000" b="0" i="1" smtClean="0">
+                                      <a:latin typeface="Cambria Math" charset="0"/>
+                                    </a:rPr>
+                                    <m:t>h</m:t>
+                                  </m:r>
+                                  <m:d>
+                                    <m:dPr>
+                                      <m:ctrlPr>
+                                        <a:rPr lang="en-US" altLang="zh-CN" sz="2000" i="1">
+                                          <a:latin typeface="Cambria Math" charset="0"/>
+                                        </a:rPr>
+                                      </m:ctrlPr>
+                                    </m:dPr>
+                                    <m:e>
+                                      <m:sSup>
+                                        <m:sSupPr>
+                                          <m:ctrlPr>
+                                            <a:rPr lang="en-US" altLang="zh-CN" sz="2000" i="1">
+                                              <a:latin typeface="Cambria Math" charset="0"/>
+                                            </a:rPr>
+                                          </m:ctrlPr>
+                                        </m:sSupPr>
+                                        <m:e>
+                                          <m:r>
+                                            <a:rPr lang="en-US" altLang="zh-CN" sz="2000" i="1">
+                                              <a:latin typeface="Cambria Math" panose="02040503050406030204" pitchFamily="18" charset="0"/>
+                                            </a:rPr>
+                                            <m:t>𝑥</m:t>
+                                          </m:r>
+                                        </m:e>
+                                        <m:sup>
+                                          <m:r>
+                                            <a:rPr lang="en-US" altLang="zh-CN" sz="2000" i="1">
+                                              <a:latin typeface="Cambria Math" panose="02040503050406030204" pitchFamily="18" charset="0"/>
+                                            </a:rPr>
+                                            <m:t>(</m:t>
+                                          </m:r>
+                                          <m:r>
+                                            <a:rPr lang="en-US" altLang="zh-CN" sz="2000" i="1">
+                                              <a:latin typeface="Cambria Math" panose="02040503050406030204" pitchFamily="18" charset="0"/>
+                                            </a:rPr>
+                                            <m:t>𝑖</m:t>
+                                          </m:r>
+                                          <m:r>
+                                            <a:rPr lang="en-US" altLang="zh-CN" sz="2000" i="1">
+                                              <a:latin typeface="Cambria Math" panose="02040503050406030204" pitchFamily="18" charset="0"/>
+                                            </a:rPr>
+                                            <m:t>)</m:t>
+                                          </m:r>
+                                        </m:sup>
+                                      </m:sSup>
+                                    </m:e>
+                                  </m:d>
+                                </m:e>
+                              </m:d>
+                            </m:e>
+                            <m:sup>
+                              <m:r>
+                                <a:rPr lang="en-US" altLang="zh-CN" sz="2000" i="1">
+                                  <a:latin typeface="Cambria Math" panose="02040503050406030204" pitchFamily="18" charset="0"/>
+                                </a:rPr>
+                                <m:t>2</m:t>
+                              </m:r>
+                            </m:sup>
+                          </m:sSup>
+                        </m:e>
+                      </m:nary>
+                    </m:oMath>
+                  </m:oMathPara>
+                </a14:m>
+                <a:endParaRPr lang="zh-CN" altLang="en-US" dirty="0"/>
+              </a:p>
+            </p:txBody>
+          </p:sp>
+        </mc:Choice>
+        <mc:Fallback>
+          <p:sp>
+            <p:nvSpPr>
+              <p:cNvPr id="11" name="矩形 10">
+                <a:extLst>
+                  <a:ext uri="{FF2B5EF4-FFF2-40B4-BE49-F238E27FC236}">
+                    <a16:creationId xmlns:a16="http://schemas.microsoft.com/office/drawing/2014/main" xmlns:a14="http://schemas.microsoft.com/office/drawing/2010/main" xmlns="" id="{25CFE4FA-4ADB-4B82-B875-AA5178D80394}"/>
+                  </a:ext>
+                </a:extLst>
+              </p:cNvPr>
+              <p:cNvSpPr>
+                <a:spLocks noRot="1" noChangeAspect="1" noMove="1" noResize="1" noEditPoints="1" noAdjustHandles="1" noChangeArrowheads="1" noChangeShapeType="1" noTextEdit="1"/>
+              </p:cNvSpPr>
+              <p:nvPr/>
+            </p:nvSpPr>
+            <p:spPr>
+              <a:xfrm>
+                <a:off x="7240116" y="4896485"/>
+                <a:ext cx="3617657" cy="957826"/>
+              </a:xfrm>
+              <a:prstGeom prst="rect">
+                <a:avLst/>
+              </a:prstGeom>
+              <a:blipFill rotWithShape="0">
+                <a:blip r:embed="rId4"/>
+                <a:stretch>
+                  <a:fillRect/>
+                </a:stretch>
+              </a:blipFill>
+            </p:spPr>
+            <p:txBody>
+              <a:bodyPr/>
+              <a:lstStyle/>
+              <a:p>
+                <a:r>
+                  <a:rPr lang="zh-CN" altLang="en-US">
+                    <a:noFill/>
+                  </a:rPr>
+                  <a:t> </a:t>
+                </a:r>
+              </a:p>
+            </p:txBody>
+          </p:sp>
+        </mc:Fallback>
+      </mc:AlternateContent>
+    </p:spTree>
+    <p:extLst>
+      <p:ext uri="{BB962C8B-B14F-4D97-AF65-F5344CB8AC3E}">
+        <p14:creationId xmlns:p14="http://schemas.microsoft.com/office/powerpoint/2010/main" val="110214117"/>
+      </p:ext>
+    </p:extLst>
+  </p:cSld>
+  <p:clrMapOvr>
+    <a:masterClrMapping/>
+  </p:clrMapOvr>
+</p:sld>
+</file>
+
+<file path=ppt/slides/slide23.xml><?xml version="1.0" encoding="utf-8"?>
+<p:sld xmlns:a="http://schemas.openxmlformats.org/drawingml/2006/main" xmlns:r="http://schemas.openxmlformats.org/officeDocument/2006/relationships" xmlns:p="http://schemas.openxmlformats.org/presentationml/2006/main">
+  <p:cSld>
+    <p:spTree>
+      <p:nvGrpSpPr>
+        <p:cNvPr id="1" name=""/>
+        <p:cNvGrpSpPr/>
+        <p:nvPr/>
+      </p:nvGrpSpPr>
+      <p:grpSpPr>
+        <a:xfrm>
+          <a:off x="0" y="0"/>
+          <a:ext cx="0" cy="0"/>
+          <a:chOff x="0" y="0"/>
+          <a:chExt cx="0" cy="0"/>
+        </a:xfrm>
+      </p:grpSpPr>
+      <p:sp>
+        <p:nvSpPr>
+          <p:cNvPr id="2" name="标题 1"/>
+          <p:cNvSpPr>
+            <a:spLocks noGrp="1"/>
+          </p:cNvSpPr>
+          <p:nvPr>
+            <p:ph type="title"/>
+          </p:nvPr>
+        </p:nvSpPr>
+        <p:spPr/>
+        <p:txBody>
+          <a:bodyPr/>
+          <a:lstStyle/>
+          <a:p>
+            <a:r>
+              <a:rPr kumimoji="1" lang="zh-CN" altLang="en-US" dirty="0" smtClean="0"/>
+              <a:t>一元线性回归：梯度下降</a:t>
+            </a:r>
+            <a:endParaRPr kumimoji="1" lang="zh-CN" altLang="en-US" dirty="0"/>
+          </a:p>
+        </p:txBody>
+      </p:sp>
+      <p:sp>
+        <p:nvSpPr>
+          <p:cNvPr id="4" name="日期占位符 3"/>
+          <p:cNvSpPr>
+            <a:spLocks noGrp="1"/>
+          </p:cNvSpPr>
+          <p:nvPr>
+            <p:ph type="dt" sz="half" idx="10"/>
+          </p:nvPr>
+        </p:nvSpPr>
+        <p:spPr/>
+        <p:txBody>
+          <a:bodyPr/>
+          <a:lstStyle/>
+          <a:p>
+            <a:pPr>
+              <a:defRPr/>
+            </a:pPr>
+            <a:fld id="{95A2A19B-170D-1043-AE33-7A36DFB7BCDC}" type="datetime2">
+              <a:rPr lang="zh-CN" altLang="en-US" smtClean="0"/>
+              <a:t>2018年7月5日</a:t>
+            </a:fld>
+            <a:endParaRPr lang="en-US" altLang="zh-CN"/>
+          </a:p>
+        </p:txBody>
+      </p:sp>
+      <p:sp>
+        <p:nvSpPr>
+          <p:cNvPr id="5" name="页脚占位符 4"/>
+          <p:cNvSpPr>
+            <a:spLocks noGrp="1"/>
+          </p:cNvSpPr>
+          <p:nvPr>
+            <p:ph type="ftr" sz="quarter" idx="11"/>
+          </p:nvPr>
+        </p:nvSpPr>
+        <p:spPr/>
+        <p:txBody>
+          <a:bodyPr/>
+          <a:lstStyle/>
+          <a:p>
+            <a:pPr>
+              <a:defRPr/>
+            </a:pPr>
+            <a:r>
+              <a:rPr lang="zh-CN" altLang="en-US" smtClean="0"/>
+              <a:t>机器学习入门</a:t>
+            </a:r>
+            <a:endParaRPr lang="en-US" altLang="zh-CN" dirty="0"/>
+          </a:p>
+        </p:txBody>
+      </p:sp>
+      <p:sp>
+        <p:nvSpPr>
+          <p:cNvPr id="6" name="幻灯片编号占位符 5"/>
+          <p:cNvSpPr>
+            <a:spLocks noGrp="1"/>
+          </p:cNvSpPr>
+          <p:nvPr>
+            <p:ph type="sldNum" sz="quarter" idx="12"/>
+          </p:nvPr>
+        </p:nvSpPr>
+        <p:spPr/>
+        <p:txBody>
+          <a:bodyPr/>
+          <a:lstStyle/>
+          <a:p>
+            <a:pPr>
+              <a:defRPr/>
+            </a:pPr>
+            <a:fld id="{64C9EB70-B654-4058-838F-8806615D92E5}" type="slidenum">
+              <a:rPr lang="en-US" altLang="zh-CN" smtClean="0"/>
+              <a:pPr>
+                <a:defRPr/>
+              </a:pPr>
+              <a:t>23</a:t>
+            </a:fld>
+            <a:endParaRPr lang="en-US" altLang="zh-CN"/>
+          </a:p>
+        </p:txBody>
+      </p:sp>
+      <p:pic>
+        <p:nvPicPr>
+          <p:cNvPr id="8" name="图片 7"/>
+          <p:cNvPicPr>
+            <a:picLocks noChangeAspect="1"/>
+          </p:cNvPicPr>
+          <p:nvPr/>
+        </p:nvPicPr>
+        <p:blipFill>
+          <a:blip r:embed="rId2">
+            <a:extLst>
+              <a:ext uri="{28A0092B-C50C-407E-A947-70E740481C1C}">
+                <a14:useLocalDpi xmlns:a14="http://schemas.microsoft.com/office/drawing/2010/main" val="0"/>
+              </a:ext>
+            </a:extLst>
+          </a:blip>
+          <a:stretch>
+            <a:fillRect/>
+          </a:stretch>
+        </p:blipFill>
+        <p:spPr>
+          <a:xfrm>
+            <a:off x="6404314" y="1225628"/>
+            <a:ext cx="5029919" cy="3353279"/>
+          </a:xfrm>
+          <a:prstGeom prst="rect">
+            <a:avLst/>
+          </a:prstGeom>
+        </p:spPr>
+      </p:pic>
+      <mc:AlternateContent xmlns:mc="http://schemas.openxmlformats.org/markup-compatibility/2006">
+        <mc:Choice xmlns:a14="http://schemas.microsoft.com/office/drawing/2010/main" Requires="a14">
+          <p:sp>
+            <p:nvSpPr>
+              <p:cNvPr id="10" name="内容占位符 9"/>
+              <p:cNvSpPr>
+                <a:spLocks noGrp="1"/>
+              </p:cNvSpPr>
+              <p:nvPr>
+                <p:ph idx="1"/>
+              </p:nvPr>
+            </p:nvSpPr>
+            <p:spPr>
+              <a:xfrm>
+                <a:off x="755651" y="1052516"/>
+                <a:ext cx="5648663" cy="4967287"/>
+              </a:xfrm>
+            </p:spPr>
+            <p:txBody>
+              <a:bodyPr/>
+              <a:lstStyle/>
+              <a:p>
+                <a:r>
+                  <a:rPr kumimoji="1" lang="zh-CN" altLang="en-US" dirty="0" smtClean="0"/>
+                  <a:t>梯度下降算法：</a:t>
+                </a:r>
+                <a:endParaRPr kumimoji="1" lang="en-US" altLang="zh-CN" dirty="0" smtClean="0"/>
+              </a:p>
+              <a:p>
+                <a:pPr lvl="1"/>
+                <a:r>
+                  <a:rPr kumimoji="1" lang="zh-CN" altLang="en-US" dirty="0" smtClean="0"/>
+                  <a:t>初始时随机参数取值</a:t>
+                </a:r>
+                <a14:m>
+                  <m:oMath xmlns:m="http://schemas.openxmlformats.org/officeDocument/2006/math">
+                    <m:r>
+                      <a:rPr kumimoji="1" lang="en-US" altLang="zh-CN" b="0" i="0" dirty="0" smtClean="0">
+                        <a:latin typeface="Cambria Math" charset="0"/>
+                      </a:rPr>
+                      <m:t>(</m:t>
+                    </m:r>
+                    <m:r>
+                      <a:rPr kumimoji="1" lang="en-US" altLang="zh-CN" b="0" i="1" dirty="0" smtClean="0">
+                        <a:latin typeface="Cambria Math" charset="0"/>
+                      </a:rPr>
+                      <m:t>𝑤</m:t>
+                    </m:r>
+                    <m:r>
+                      <a:rPr kumimoji="1" lang="en-US" altLang="zh-CN" b="0" i="1" dirty="0" smtClean="0">
+                        <a:latin typeface="Cambria Math" charset="0"/>
+                      </a:rPr>
+                      <m:t>, </m:t>
+                    </m:r>
+                    <m:r>
+                      <a:rPr kumimoji="1" lang="en-US" altLang="zh-CN" b="0" i="1" dirty="0" smtClean="0">
+                        <a:latin typeface="Cambria Math" charset="0"/>
+                      </a:rPr>
+                      <m:t>𝑏</m:t>
+                    </m:r>
+                    <m:r>
+                      <a:rPr kumimoji="1" lang="en-US" altLang="zh-CN" b="0" i="1" dirty="0" smtClean="0">
+                        <a:latin typeface="Cambria Math" charset="0"/>
+                      </a:rPr>
+                      <m:t>)</m:t>
+                    </m:r>
+                  </m:oMath>
+                </a14:m>
+                <a:endParaRPr kumimoji="1" lang="en-US" altLang="zh-CN" dirty="0" smtClean="0"/>
+              </a:p>
+              <a:p>
+                <a:pPr lvl="1"/>
+                <a:r>
+                  <a:rPr kumimoji="1" lang="zh-CN" altLang="en-US" dirty="0" smtClean="0"/>
+                  <a:t>循环：每次迭代沿负梯度方向“迈一小步”，更新参数值，使得损失函数</a:t>
+                </a:r>
+                <a14:m>
+                  <m:oMath xmlns:m="http://schemas.openxmlformats.org/officeDocument/2006/math">
+                    <m:r>
+                      <a:rPr kumimoji="1" lang="en-US" altLang="zh-CN" b="0" i="1" smtClean="0">
+                        <a:latin typeface="Cambria Math" charset="0"/>
+                      </a:rPr>
+                      <m:t>𝐿</m:t>
+                    </m:r>
+                    <m:r>
+                      <a:rPr kumimoji="1" lang="en-US" altLang="zh-CN" b="0" i="1" smtClean="0">
+                        <a:latin typeface="Cambria Math" charset="0"/>
+                      </a:rPr>
+                      <m:t>(</m:t>
+                    </m:r>
+                    <m:r>
+                      <a:rPr kumimoji="1" lang="en-US" altLang="zh-CN" b="0" i="1" smtClean="0">
+                        <a:latin typeface="Cambria Math" charset="0"/>
+                      </a:rPr>
+                      <m:t>𝑤</m:t>
+                    </m:r>
+                    <m:r>
+                      <a:rPr kumimoji="1" lang="en-US" altLang="zh-CN" b="0" i="1" smtClean="0">
+                        <a:latin typeface="Cambria Math" charset="0"/>
+                      </a:rPr>
+                      <m:t>,</m:t>
+                    </m:r>
+                    <m:r>
+                      <a:rPr kumimoji="1" lang="en-US" altLang="zh-CN" b="0" i="1" smtClean="0">
+                        <a:latin typeface="Cambria Math" charset="0"/>
+                      </a:rPr>
+                      <m:t>𝑏</m:t>
+                    </m:r>
+                    <m:r>
+                      <a:rPr kumimoji="1" lang="en-US" altLang="zh-CN" b="0" i="1" smtClean="0">
+                        <a:latin typeface="Cambria Math" charset="0"/>
+                      </a:rPr>
+                      <m:t>)</m:t>
+                    </m:r>
+                  </m:oMath>
+                </a14:m>
+                <a:r>
+                  <a:rPr kumimoji="1" lang="zh-CN" altLang="en-US" dirty="0" smtClean="0"/>
+                  <a:t>的值下降</a:t>
+                </a:r>
+                <a:r>
+                  <a:rPr kumimoji="1" lang="zh-CN" altLang="en-US" dirty="0"/>
+                  <a:t>：</a:t>
+                </a:r>
+                <a14:m>
+                  <m:oMath xmlns:m="http://schemas.openxmlformats.org/officeDocument/2006/math">
+                    <m:d>
+                      <m:dPr>
+                        <m:ctrlPr>
+                          <a:rPr kumimoji="1" lang="en-US" altLang="zh-CN" b="0" i="0" dirty="0" smtClean="0">
+                            <a:latin typeface="Cambria Math" charset="0"/>
+                            <a:sym typeface="Wingdings"/>
+                          </a:rPr>
+                        </m:ctrlPr>
+                      </m:dPr>
+                      <m:e>
+                        <m:r>
+                          <a:rPr kumimoji="1" lang="en-US" altLang="zh-CN" b="0" i="1" dirty="0" smtClean="0">
+                            <a:latin typeface="Cambria Math" charset="0"/>
+                            <a:sym typeface="Wingdings"/>
+                          </a:rPr>
+                          <m:t>𝑤</m:t>
+                        </m:r>
+                        <m:r>
+                          <a:rPr kumimoji="1" lang="en-US" altLang="zh-CN" b="0" i="1" dirty="0" smtClean="0">
+                            <a:latin typeface="Cambria Math" charset="0"/>
+                            <a:sym typeface="Wingdings"/>
+                          </a:rPr>
+                          <m:t>,</m:t>
+                        </m:r>
+                        <m:r>
+                          <a:rPr kumimoji="1" lang="en-US" altLang="zh-CN" b="0" i="1" dirty="0" smtClean="0">
+                            <a:latin typeface="Cambria Math" charset="0"/>
+                            <a:sym typeface="Wingdings"/>
+                          </a:rPr>
+                          <m:t>𝑏</m:t>
+                        </m:r>
+                      </m:e>
+                    </m:d>
+                    <m:r>
+                      <a:rPr kumimoji="1" lang="en-US" altLang="zh-CN" b="0" i="1" dirty="0" smtClean="0">
+                        <a:latin typeface="Cambria Math" charset="0"/>
+                        <a:sym typeface="Wingdings"/>
+                      </a:rPr>
+                      <m:t>=</m:t>
+                    </m:r>
+                    <m:d>
+                      <m:dPr>
+                        <m:ctrlPr>
+                          <a:rPr kumimoji="1" lang="en-US" altLang="zh-CN" b="0" i="1" dirty="0" smtClean="0">
+                            <a:latin typeface="Cambria Math" charset="0"/>
+                            <a:sym typeface="Wingdings"/>
+                          </a:rPr>
+                        </m:ctrlPr>
+                      </m:dPr>
+                      <m:e>
+                        <m:r>
+                          <a:rPr kumimoji="1" lang="en-US" altLang="zh-CN" b="0" i="1" dirty="0" smtClean="0">
+                            <a:latin typeface="Cambria Math" charset="0"/>
+                            <a:sym typeface="Wingdings"/>
+                          </a:rPr>
+                          <m:t>𝑤</m:t>
+                        </m:r>
+                        <m:r>
+                          <a:rPr kumimoji="1" lang="en-US" altLang="zh-CN" b="0" i="1" dirty="0" smtClean="0">
+                            <a:latin typeface="Cambria Math" charset="0"/>
+                            <a:sym typeface="Wingdings"/>
+                          </a:rPr>
+                          <m:t>,</m:t>
+                        </m:r>
+                        <m:r>
+                          <a:rPr kumimoji="1" lang="en-US" altLang="zh-CN" b="0" i="1" dirty="0" smtClean="0">
+                            <a:latin typeface="Cambria Math" charset="0"/>
+                            <a:sym typeface="Wingdings"/>
+                          </a:rPr>
+                          <m:t>𝑏</m:t>
+                        </m:r>
+                      </m:e>
+                    </m:d>
+                    <m:r>
+                      <a:rPr kumimoji="1" lang="en-US" altLang="zh-CN" b="0" i="1" dirty="0" smtClean="0">
+                        <a:latin typeface="Cambria Math" charset="0"/>
+                        <a:sym typeface="Wingdings"/>
+                      </a:rPr>
+                      <m:t>−</m:t>
+                    </m:r>
+                    <m:r>
+                      <a:rPr kumimoji="1" lang="en-US" altLang="zh-CN" b="0" i="1" dirty="0" smtClean="0">
+                        <a:latin typeface="Cambria Math" charset="0"/>
+                        <a:sym typeface="Wingdings"/>
+                      </a:rPr>
+                      <m:t>𝛼</m:t>
+                    </m:r>
+                    <m:r>
+                      <a:rPr kumimoji="1" lang="en-US" altLang="zh-CN" b="0" i="1" dirty="0" smtClean="0">
+                        <a:latin typeface="Cambria Math" charset="0"/>
+                        <a:sym typeface="Wingdings"/>
+                      </a:rPr>
+                      <m:t>⋅∇</m:t>
+                    </m:r>
+                    <m:r>
+                      <a:rPr kumimoji="1" lang="en-US" altLang="zh-CN" b="0" i="1" dirty="0" smtClean="0">
+                        <a:latin typeface="Cambria Math" charset="0"/>
+                        <a:ea typeface="Cambria Math" charset="0"/>
+                        <a:cs typeface="Cambria Math" charset="0"/>
+                        <a:sym typeface="Wingdings"/>
+                      </a:rPr>
+                      <m:t>𝐿</m:t>
+                    </m:r>
+                  </m:oMath>
+                </a14:m>
+                <a:r>
+                  <a:rPr kumimoji="1" lang="zh-CN" altLang="en-US" dirty="0" smtClean="0"/>
+                  <a:t>。（⍺被称为学习率）</a:t>
+                </a:r>
+                <a:endParaRPr kumimoji="1" lang="en-US" altLang="zh-CN" dirty="0" smtClean="0"/>
+              </a:p>
+              <a:p>
+                <a:pPr lvl="1"/>
+                <a:r>
+                  <a:rPr kumimoji="1" lang="zh-CN" altLang="en-US" dirty="0" smtClean="0"/>
+                  <a:t>当损失函数达到最小值的时候（两次迭代的损失函数的差小于一定的阈值），结束算法，输出参数值</a:t>
+                </a:r>
+                <a14:m>
+                  <m:oMath xmlns:m="http://schemas.openxmlformats.org/officeDocument/2006/math">
+                    <m:r>
+                      <a:rPr kumimoji="1" lang="en-US" altLang="zh-CN" dirty="0">
+                        <a:latin typeface="Cambria Math" charset="0"/>
+                      </a:rPr>
+                      <m:t>(</m:t>
+                    </m:r>
+                    <m:r>
+                      <a:rPr kumimoji="1" lang="en-US" altLang="zh-CN" i="1" dirty="0">
+                        <a:latin typeface="Cambria Math" charset="0"/>
+                      </a:rPr>
+                      <m:t>𝑤</m:t>
+                    </m:r>
+                    <m:r>
+                      <a:rPr kumimoji="1" lang="en-US" altLang="zh-CN" i="1" dirty="0">
+                        <a:latin typeface="Cambria Math" charset="0"/>
+                      </a:rPr>
+                      <m:t>, </m:t>
+                    </m:r>
+                    <m:r>
+                      <a:rPr kumimoji="1" lang="en-US" altLang="zh-CN" i="1" dirty="0">
+                        <a:latin typeface="Cambria Math" charset="0"/>
+                      </a:rPr>
+                      <m:t>𝑏</m:t>
+                    </m:r>
+                    <m:r>
+                      <a:rPr kumimoji="1" lang="en-US" altLang="zh-CN" i="1" dirty="0">
+                        <a:latin typeface="Cambria Math" charset="0"/>
+                      </a:rPr>
+                      <m:t>)</m:t>
+                    </m:r>
+                  </m:oMath>
+                </a14:m>
+                <a:r>
+                  <a:rPr kumimoji="1" lang="zh-CN" altLang="en-US" dirty="0" smtClean="0"/>
+                  <a:t>。</a:t>
+                </a:r>
+                <a:endParaRPr kumimoji="1" lang="en-US" altLang="zh-CN" dirty="0" smtClean="0"/>
+              </a:p>
+              <a:p>
+                <a:pPr lvl="1"/>
+                <a:endParaRPr kumimoji="1" lang="en-US" altLang="zh-CN" dirty="0"/>
+              </a:p>
+              <a:p>
+                <a:r>
+                  <a:rPr kumimoji="1" lang="zh-CN" altLang="en-US" dirty="0" smtClean="0"/>
+                  <a:t>思考：梯度下降一定能得到使损失函数最小的参数值吗？</a:t>
+                </a:r>
+                <a:endParaRPr kumimoji="1" lang="en-US" altLang="zh-CN" dirty="0"/>
+              </a:p>
+              <a:p>
+                <a:pPr lvl="1"/>
+                <a:endParaRPr kumimoji="1" lang="zh-CN" altLang="en-US" dirty="0"/>
+              </a:p>
+            </p:txBody>
+          </p:sp>
+        </mc:Choice>
+        <mc:Fallback>
+          <p:sp>
+            <p:nvSpPr>
+              <p:cNvPr id="10" name="内容占位符 9"/>
+              <p:cNvSpPr>
+                <a:spLocks noGrp="1" noRot="1" noChangeAspect="1" noMove="1" noResize="1" noEditPoints="1" noAdjustHandles="1" noChangeArrowheads="1" noChangeShapeType="1" noTextEdit="1"/>
+              </p:cNvSpPr>
+              <p:nvPr>
+                <p:ph idx="1"/>
+              </p:nvPr>
+            </p:nvSpPr>
+            <p:spPr>
+              <a:xfrm>
+                <a:off x="755651" y="1052516"/>
+                <a:ext cx="5648663" cy="4967287"/>
+              </a:xfrm>
+              <a:blipFill rotWithShape="0">
+                <a:blip r:embed="rId3"/>
+                <a:stretch>
+                  <a:fillRect l="-1294" t="-982" r="-324"/>
+                </a:stretch>
+              </a:blipFill>
+            </p:spPr>
+            <p:txBody>
+              <a:bodyPr/>
+              <a:lstStyle/>
+              <a:p>
+                <a:r>
+                  <a:rPr lang="zh-CN" altLang="en-US">
+                    <a:noFill/>
+                  </a:rPr>
+                  <a:t> </a:t>
+                </a:r>
+              </a:p>
+            </p:txBody>
+          </p:sp>
+        </mc:Fallback>
+      </mc:AlternateContent>
+      <mc:AlternateContent xmlns:mc="http://schemas.openxmlformats.org/markup-compatibility/2006">
+        <mc:Choice xmlns:a14="http://schemas.microsoft.com/office/drawing/2010/main" Requires="a14">
+          <p:sp>
+            <p:nvSpPr>
+              <p:cNvPr id="11" name="矩形 10">
+                <a:extLst>
+                  <a:ext uri="{FF2B5EF4-FFF2-40B4-BE49-F238E27FC236}">
+                    <a16:creationId xmlns:a16="http://schemas.microsoft.com/office/drawing/2014/main" xmlns="" id="{25CFE4FA-4ADB-4B82-B875-AA5178D80394}"/>
+                  </a:ext>
+                </a:extLst>
+              </p:cNvPr>
+              <p:cNvSpPr/>
+              <p:nvPr/>
+            </p:nvSpPr>
+            <p:spPr>
+              <a:xfrm>
+                <a:off x="7240116" y="4896485"/>
+                <a:ext cx="3617657" cy="957826"/>
+              </a:xfrm>
+              <a:prstGeom prst="rect">
+                <a:avLst/>
+              </a:prstGeom>
+            </p:spPr>
+            <p:txBody>
+              <a:bodyPr wrap="none">
+                <a:spAutoFit/>
+              </a:bodyPr>
+              <a:lstStyle/>
+              <a:p>
+                <a:pPr/>
+                <a14:m>
+                  <m:oMathPara xmlns:m="http://schemas.openxmlformats.org/officeDocument/2006/math">
+                    <m:oMathParaPr>
+                      <m:jc m:val="centerGroup"/>
+                    </m:oMathParaPr>
+                    <m:oMath xmlns:m="http://schemas.openxmlformats.org/officeDocument/2006/math">
+                      <m:r>
+                        <a:rPr lang="en-US" altLang="zh-CN" sz="2000" i="1" smtClean="0">
+                          <a:latin typeface="Cambria Math" panose="02040503050406030204" pitchFamily="18" charset="0"/>
+                        </a:rPr>
+                        <m:t>𝐿</m:t>
+                      </m:r>
+                      <m:d>
+                        <m:dPr>
+                          <m:ctrlPr>
+                            <a:rPr lang="en-US" altLang="zh-CN" sz="2000" i="1">
+                              <a:latin typeface="Cambria Math" charset="0"/>
+                            </a:rPr>
+                          </m:ctrlPr>
+                        </m:dPr>
+                        <m:e>
+                          <m:r>
+                            <a:rPr lang="en-US" altLang="zh-CN" sz="2000" i="1">
+                              <a:latin typeface="Cambria Math" panose="02040503050406030204" pitchFamily="18" charset="0"/>
+                            </a:rPr>
+                            <m:t>𝑤</m:t>
+                          </m:r>
+                          <m:r>
+                            <a:rPr lang="en-US" altLang="zh-CN" sz="2000" i="1">
+                              <a:latin typeface="Cambria Math" panose="02040503050406030204" pitchFamily="18" charset="0"/>
+                            </a:rPr>
+                            <m:t>,</m:t>
+                          </m:r>
+                          <m:r>
+                            <a:rPr lang="en-US" altLang="zh-CN" sz="2000" i="1">
+                              <a:latin typeface="Cambria Math" panose="02040503050406030204" pitchFamily="18" charset="0"/>
+                            </a:rPr>
+                            <m:t>𝑏</m:t>
+                          </m:r>
+                        </m:e>
+                      </m:d>
+                      <m:r>
+                        <a:rPr lang="en-US" altLang="zh-CN" sz="2000" i="1">
+                          <a:latin typeface="Cambria Math" panose="02040503050406030204" pitchFamily="18" charset="0"/>
+                        </a:rPr>
+                        <m:t>=</m:t>
+                      </m:r>
+                      <m:nary>
+                        <m:naryPr>
+                          <m:chr m:val="∑"/>
+                          <m:ctrlPr>
+                            <a:rPr lang="en-US" altLang="zh-CN" sz="2000" i="1">
+                              <a:latin typeface="Cambria Math" charset="0"/>
+                            </a:rPr>
+                          </m:ctrlPr>
+                        </m:naryPr>
+                        <m:sub>
+                          <m:r>
+                            <m:rPr>
+                              <m:brk m:alnAt="23"/>
+                            </m:rPr>
+                            <a:rPr lang="en-US" altLang="zh-CN" sz="2000" i="1">
+                              <a:latin typeface="Cambria Math" panose="02040503050406030204" pitchFamily="18" charset="0"/>
+                            </a:rPr>
+                            <m:t>𝑖</m:t>
+                          </m:r>
+                          <m:r>
+                            <a:rPr lang="en-US" altLang="zh-CN" sz="2000" i="1">
+                              <a:latin typeface="Cambria Math" panose="02040503050406030204" pitchFamily="18" charset="0"/>
+                            </a:rPr>
+                            <m:t>=1</m:t>
+                          </m:r>
+                        </m:sub>
+                        <m:sup>
+                          <m:r>
+                            <a:rPr lang="en-US" altLang="zh-CN" sz="2000" i="1">
+                              <a:latin typeface="Cambria Math" panose="02040503050406030204" pitchFamily="18" charset="0"/>
+                            </a:rPr>
+                            <m:t>𝑁</m:t>
+                          </m:r>
+                        </m:sup>
+                        <m:e>
+                          <m:sSup>
+                            <m:sSupPr>
+                              <m:ctrlPr>
+                                <a:rPr lang="en-US" altLang="zh-CN" sz="2000" i="1">
+                                  <a:latin typeface="Cambria Math" charset="0"/>
+                                </a:rPr>
+                              </m:ctrlPr>
+                            </m:sSupPr>
+                            <m:e>
+                              <m:d>
+                                <m:dPr>
+                                  <m:ctrlPr>
+                                    <a:rPr lang="en-US" altLang="zh-CN" sz="2000" i="1">
+                                      <a:latin typeface="Cambria Math" charset="0"/>
+                                    </a:rPr>
+                                  </m:ctrlPr>
+                                </m:dPr>
+                                <m:e>
+                                  <m:sSup>
+                                    <m:sSupPr>
+                                      <m:ctrlPr>
+                                        <a:rPr lang="en-US" altLang="zh-CN" sz="2000" i="1">
+                                          <a:latin typeface="Cambria Math" charset="0"/>
+                                        </a:rPr>
+                                      </m:ctrlPr>
+                                    </m:sSupPr>
+                                    <m:e>
+                                      <m:r>
+                                        <a:rPr lang="en-US" altLang="zh-CN" sz="2000" i="1">
+                                          <a:latin typeface="Cambria Math" panose="02040503050406030204" pitchFamily="18" charset="0"/>
+                                        </a:rPr>
+                                        <m:t>𝑦</m:t>
+                                      </m:r>
+                                    </m:e>
+                                    <m:sup>
+                                      <m:r>
+                                        <a:rPr lang="en-US" altLang="zh-CN" sz="2000" i="1">
+                                          <a:latin typeface="Cambria Math" panose="02040503050406030204" pitchFamily="18" charset="0"/>
+                                        </a:rPr>
+                                        <m:t>(</m:t>
+                                      </m:r>
+                                      <m:r>
+                                        <a:rPr lang="en-US" altLang="zh-CN" sz="2000" i="1">
+                                          <a:latin typeface="Cambria Math" panose="02040503050406030204" pitchFamily="18" charset="0"/>
+                                        </a:rPr>
+                                        <m:t>𝑖</m:t>
+                                      </m:r>
+                                      <m:r>
+                                        <a:rPr lang="en-US" altLang="zh-CN" sz="2000" i="1">
+                                          <a:latin typeface="Cambria Math" panose="02040503050406030204" pitchFamily="18" charset="0"/>
+                                        </a:rPr>
+                                        <m:t>)</m:t>
+                                      </m:r>
+                                    </m:sup>
+                                  </m:sSup>
+                                  <m:r>
+                                    <a:rPr lang="en-US" altLang="zh-CN" sz="2000" i="1">
+                                      <a:latin typeface="Cambria Math" panose="02040503050406030204" pitchFamily="18" charset="0"/>
+                                    </a:rPr>
+                                    <m:t>−</m:t>
+                                  </m:r>
+                                  <m:r>
+                                    <a:rPr lang="en-US" altLang="zh-CN" sz="2000" b="0" i="1" smtClean="0">
+                                      <a:latin typeface="Cambria Math" charset="0"/>
+                                    </a:rPr>
+                                    <m:t>h</m:t>
+                                  </m:r>
+                                  <m:d>
+                                    <m:dPr>
+                                      <m:ctrlPr>
+                                        <a:rPr lang="en-US" altLang="zh-CN" sz="2000" i="1">
+                                          <a:latin typeface="Cambria Math" charset="0"/>
+                                        </a:rPr>
+                                      </m:ctrlPr>
+                                    </m:dPr>
+                                    <m:e>
+                                      <m:sSup>
+                                        <m:sSupPr>
+                                          <m:ctrlPr>
+                                            <a:rPr lang="en-US" altLang="zh-CN" sz="2000" i="1">
+                                              <a:latin typeface="Cambria Math" charset="0"/>
+                                            </a:rPr>
+                                          </m:ctrlPr>
+                                        </m:sSupPr>
+                                        <m:e>
+                                          <m:r>
+                                            <a:rPr lang="en-US" altLang="zh-CN" sz="2000" i="1">
+                                              <a:latin typeface="Cambria Math" panose="02040503050406030204" pitchFamily="18" charset="0"/>
+                                            </a:rPr>
+                                            <m:t>𝑥</m:t>
+                                          </m:r>
+                                        </m:e>
+                                        <m:sup>
+                                          <m:r>
+                                            <a:rPr lang="en-US" altLang="zh-CN" sz="2000" i="1">
+                                              <a:latin typeface="Cambria Math" panose="02040503050406030204" pitchFamily="18" charset="0"/>
+                                            </a:rPr>
+                                            <m:t>(</m:t>
+                                          </m:r>
+                                          <m:r>
+                                            <a:rPr lang="en-US" altLang="zh-CN" sz="2000" i="1">
+                                              <a:latin typeface="Cambria Math" panose="02040503050406030204" pitchFamily="18" charset="0"/>
+                                            </a:rPr>
+                                            <m:t>𝑖</m:t>
+                                          </m:r>
+                                          <m:r>
+                                            <a:rPr lang="en-US" altLang="zh-CN" sz="2000" i="1">
+                                              <a:latin typeface="Cambria Math" panose="02040503050406030204" pitchFamily="18" charset="0"/>
+                                            </a:rPr>
+                                            <m:t>)</m:t>
+                                          </m:r>
+                                        </m:sup>
+                                      </m:sSup>
+                                    </m:e>
+                                  </m:d>
+                                </m:e>
+                              </m:d>
+                            </m:e>
+                            <m:sup>
+                              <m:r>
+                                <a:rPr lang="en-US" altLang="zh-CN" sz="2000" i="1">
+                                  <a:latin typeface="Cambria Math" panose="02040503050406030204" pitchFamily="18" charset="0"/>
+                                </a:rPr>
+                                <m:t>2</m:t>
+                              </m:r>
+                            </m:sup>
+                          </m:sSup>
+                        </m:e>
+                      </m:nary>
+                    </m:oMath>
+                  </m:oMathPara>
+                </a14:m>
+                <a:endParaRPr lang="zh-CN" altLang="en-US" dirty="0"/>
+              </a:p>
+            </p:txBody>
+          </p:sp>
+        </mc:Choice>
+        <mc:Fallback>
+          <p:sp>
+            <p:nvSpPr>
+              <p:cNvPr id="11" name="矩形 10">
+                <a:extLst>
+                  <a:ext uri="{FF2B5EF4-FFF2-40B4-BE49-F238E27FC236}">
+                    <a16:creationId xmlns:a16="http://schemas.microsoft.com/office/drawing/2014/main" xmlns:a14="http://schemas.microsoft.com/office/drawing/2010/main" xmlns="" id="{25CFE4FA-4ADB-4B82-B875-AA5178D80394}"/>
+                  </a:ext>
+                </a:extLst>
+              </p:cNvPr>
+              <p:cNvSpPr>
+                <a:spLocks noRot="1" noChangeAspect="1" noMove="1" noResize="1" noEditPoints="1" noAdjustHandles="1" noChangeArrowheads="1" noChangeShapeType="1" noTextEdit="1"/>
+              </p:cNvSpPr>
+              <p:nvPr/>
+            </p:nvSpPr>
+            <p:spPr>
+              <a:xfrm>
+                <a:off x="7240116" y="4896485"/>
+                <a:ext cx="3617657" cy="957826"/>
+              </a:xfrm>
+              <a:prstGeom prst="rect">
+                <a:avLst/>
+              </a:prstGeom>
+              <a:blipFill rotWithShape="0">
+                <a:blip r:embed="rId4"/>
+                <a:stretch>
+                  <a:fillRect/>
+                </a:stretch>
+              </a:blipFill>
+            </p:spPr>
+            <p:txBody>
+              <a:bodyPr/>
+              <a:lstStyle/>
+              <a:p>
+                <a:r>
+                  <a:rPr lang="zh-CN" altLang="en-US">
+                    <a:noFill/>
+                  </a:rPr>
+                  <a:t> </a:t>
+                </a:r>
+              </a:p>
+            </p:txBody>
+          </p:sp>
+        </mc:Fallback>
+      </mc:AlternateContent>
+    </p:spTree>
+    <p:extLst>
+      <p:ext uri="{BB962C8B-B14F-4D97-AF65-F5344CB8AC3E}">
+        <p14:creationId xmlns:p14="http://schemas.microsoft.com/office/powerpoint/2010/main" val="1636231442"/>
+      </p:ext>
+    </p:extLst>
+  </p:cSld>
+  <p:clrMapOvr>
+    <a:masterClrMapping/>
+  </p:clrMapOvr>
+</p:sld>
+</file>
+
+<file path=ppt/slides/slide24.xml><?xml version="1.0" encoding="utf-8"?>
+<p:sld xmlns:a="http://schemas.openxmlformats.org/drawingml/2006/main" xmlns:r="http://schemas.openxmlformats.org/officeDocument/2006/relationships" xmlns:p="http://schemas.openxmlformats.org/presentationml/2006/main">
+  <p:cSld>
+    <p:spTree>
+      <p:nvGrpSpPr>
+        <p:cNvPr id="1" name=""/>
+        <p:cNvGrpSpPr/>
+        <p:nvPr/>
+      </p:nvGrpSpPr>
+      <p:grpSpPr>
+        <a:xfrm>
+          <a:off x="0" y="0"/>
+          <a:ext cx="0" cy="0"/>
+          <a:chOff x="0" y="0"/>
+          <a:chExt cx="0" cy="0"/>
+        </a:xfrm>
+      </p:grpSpPr>
+      <p:sp>
+        <p:nvSpPr>
+          <p:cNvPr id="2" name="标题 1"/>
+          <p:cNvSpPr>
+            <a:spLocks noGrp="1"/>
+          </p:cNvSpPr>
+          <p:nvPr>
+            <p:ph type="title"/>
+          </p:nvPr>
+        </p:nvSpPr>
+        <p:spPr/>
+        <p:txBody>
+          <a:bodyPr/>
+          <a:lstStyle/>
+          <a:p>
+            <a:r>
+              <a:rPr kumimoji="1" lang="zh-CN" altLang="en-US" dirty="0" smtClean="0"/>
+              <a:t>一元线性回归：梯度下降</a:t>
+            </a:r>
+            <a:endParaRPr kumimoji="1" lang="zh-CN" altLang="en-US" dirty="0"/>
+          </a:p>
+        </p:txBody>
+      </p:sp>
+      <p:sp>
+        <p:nvSpPr>
+          <p:cNvPr id="3" name="内容占位符 2"/>
+          <p:cNvSpPr>
+            <a:spLocks noGrp="1"/>
+          </p:cNvSpPr>
+          <p:nvPr>
+            <p:ph idx="1"/>
+          </p:nvPr>
+        </p:nvSpPr>
+        <p:spPr>
+          <a:xfrm>
+            <a:off x="3778513" y="4225196"/>
+            <a:ext cx="5107821" cy="1803699"/>
+          </a:xfrm>
+        </p:spPr>
+        <p:txBody>
+          <a:bodyPr/>
+          <a:lstStyle/>
+          <a:p>
+            <a:r>
+              <a:rPr kumimoji="1" lang="zh-CN" altLang="en-US" dirty="0" smtClean="0"/>
+              <a:t>如果损失函数是单峰函数，则梯度下降可以收敛到</a:t>
+            </a:r>
+            <a:r>
+              <a:rPr kumimoji="1" lang="zh-CN" altLang="en-US" b="1" dirty="0" smtClean="0"/>
+              <a:t>全局最小值</a:t>
+            </a:r>
+            <a:r>
+              <a:rPr kumimoji="1" lang="zh-CN" altLang="en-US" dirty="0" smtClean="0"/>
+              <a:t>；</a:t>
+            </a:r>
+            <a:endParaRPr kumimoji="1" lang="en-US" altLang="zh-CN" dirty="0" smtClean="0"/>
+          </a:p>
+          <a:p>
+            <a:r>
+              <a:rPr kumimoji="1" lang="zh-CN" altLang="en-US" dirty="0" smtClean="0"/>
+              <a:t>如果损失函数不保证单峰，则梯度下降只能保证收敛到</a:t>
+            </a:r>
+            <a:r>
+              <a:rPr kumimoji="1" lang="zh-CN" altLang="en-US" b="1" dirty="0" smtClean="0"/>
+              <a:t>局部最小值</a:t>
+            </a:r>
+            <a:r>
+              <a:rPr kumimoji="1" lang="zh-CN" altLang="en-US" dirty="0" smtClean="0"/>
+              <a:t>。</a:t>
+            </a:r>
+            <a:endParaRPr kumimoji="1" lang="en-US" altLang="zh-CN" dirty="0" smtClean="0"/>
+          </a:p>
+          <a:p>
+            <a:r>
+              <a:rPr kumimoji="1" lang="zh-CN" altLang="en-US" dirty="0" smtClean="0">
+                <a:solidFill>
+                  <a:srgbClr val="FF0000"/>
+                </a:solidFill>
+              </a:rPr>
+              <a:t>线性回归的损失函数是单峰凸函数</a:t>
+            </a:r>
+            <a:r>
+              <a:rPr kumimoji="1" lang="zh-CN" altLang="en-US" dirty="0">
+                <a:solidFill>
+                  <a:srgbClr val="FF0000"/>
+                </a:solidFill>
+              </a:rPr>
+              <a:t>。</a:t>
+            </a:r>
+            <a:endParaRPr kumimoji="1" lang="en-US" altLang="zh-CN" dirty="0" smtClean="0">
+              <a:solidFill>
+                <a:srgbClr val="FF0000"/>
+              </a:solidFill>
+            </a:endParaRPr>
+          </a:p>
+          <a:p>
+            <a:endParaRPr kumimoji="1" lang="en-US" altLang="zh-CN" dirty="0" smtClean="0"/>
+          </a:p>
+        </p:txBody>
+      </p:sp>
+      <p:sp>
+        <p:nvSpPr>
+          <p:cNvPr id="4" name="日期占位符 3"/>
+          <p:cNvSpPr>
+            <a:spLocks noGrp="1"/>
+          </p:cNvSpPr>
+          <p:nvPr>
+            <p:ph type="dt" sz="half" idx="10"/>
+          </p:nvPr>
+        </p:nvSpPr>
+        <p:spPr/>
+        <p:txBody>
+          <a:bodyPr/>
+          <a:lstStyle/>
+          <a:p>
+            <a:pPr>
+              <a:defRPr/>
+            </a:pPr>
+            <a:fld id="{95A2A19B-170D-1043-AE33-7A36DFB7BCDC}" type="datetime2">
+              <a:rPr lang="zh-CN" altLang="en-US" smtClean="0"/>
+              <a:t>2018年7月5日</a:t>
+            </a:fld>
+            <a:endParaRPr lang="en-US" altLang="zh-CN"/>
+          </a:p>
+        </p:txBody>
+      </p:sp>
+      <p:sp>
+        <p:nvSpPr>
+          <p:cNvPr id="5" name="页脚占位符 4"/>
+          <p:cNvSpPr>
+            <a:spLocks noGrp="1"/>
+          </p:cNvSpPr>
+          <p:nvPr>
+            <p:ph type="ftr" sz="quarter" idx="11"/>
+          </p:nvPr>
+        </p:nvSpPr>
+        <p:spPr/>
+        <p:txBody>
+          <a:bodyPr/>
+          <a:lstStyle/>
+          <a:p>
+            <a:pPr>
+              <a:defRPr/>
+            </a:pPr>
+            <a:r>
+              <a:rPr lang="zh-CN" altLang="en-US" smtClean="0"/>
+              <a:t>机器学习入门</a:t>
+            </a:r>
+            <a:endParaRPr lang="en-US" altLang="zh-CN" dirty="0"/>
+          </a:p>
+        </p:txBody>
+      </p:sp>
+      <p:sp>
+        <p:nvSpPr>
+          <p:cNvPr id="6" name="幻灯片编号占位符 5"/>
+          <p:cNvSpPr>
+            <a:spLocks noGrp="1"/>
+          </p:cNvSpPr>
+          <p:nvPr>
+            <p:ph type="sldNum" sz="quarter" idx="12"/>
+          </p:nvPr>
+        </p:nvSpPr>
+        <p:spPr/>
+        <p:txBody>
+          <a:bodyPr/>
+          <a:lstStyle/>
+          <a:p>
+            <a:pPr>
+              <a:defRPr/>
+            </a:pPr>
+            <a:fld id="{64C9EB70-B654-4058-838F-8806615D92E5}" type="slidenum">
+              <a:rPr lang="en-US" altLang="zh-CN" smtClean="0"/>
+              <a:pPr>
+                <a:defRPr/>
+              </a:pPr>
+              <a:t>24</a:t>
+            </a:fld>
+            <a:endParaRPr lang="en-US" altLang="zh-CN"/>
+          </a:p>
+        </p:txBody>
+      </p:sp>
+      <p:pic>
+        <p:nvPicPr>
+          <p:cNvPr id="9" name="图片 8"/>
+          <p:cNvPicPr>
+            <a:picLocks noChangeAspect="1"/>
+          </p:cNvPicPr>
+          <p:nvPr/>
+        </p:nvPicPr>
+        <p:blipFill>
+          <a:blip r:embed="rId2"/>
+          <a:stretch>
+            <a:fillRect/>
+          </a:stretch>
+        </p:blipFill>
+        <p:spPr>
+          <a:xfrm>
+            <a:off x="6714452" y="1110493"/>
+            <a:ext cx="4046296" cy="2833283"/>
+          </a:xfrm>
+          <a:prstGeom prst="rect">
+            <a:avLst/>
+          </a:prstGeom>
+        </p:spPr>
+      </p:pic>
+      <p:pic>
+        <p:nvPicPr>
+          <p:cNvPr id="24" name="图片 23"/>
+          <p:cNvPicPr>
+            <a:picLocks noChangeAspect="1"/>
+          </p:cNvPicPr>
+          <p:nvPr/>
+        </p:nvPicPr>
+        <p:blipFill>
+          <a:blip r:embed="rId3">
+            <a:extLst>
+              <a:ext uri="{28A0092B-C50C-407E-A947-70E740481C1C}">
+                <a14:useLocalDpi xmlns:a14="http://schemas.microsoft.com/office/drawing/2010/main" val="0"/>
+              </a:ext>
+            </a:extLst>
+          </a:blip>
+          <a:stretch>
+            <a:fillRect/>
+          </a:stretch>
+        </p:blipFill>
+        <p:spPr>
+          <a:xfrm>
+            <a:off x="1324960" y="1104524"/>
+            <a:ext cx="4258879" cy="2839252"/>
+          </a:xfrm>
+          <a:prstGeom prst="rect">
+            <a:avLst/>
+          </a:prstGeom>
+        </p:spPr>
+      </p:pic>
+    </p:spTree>
+    <p:extLst>
+      <p:ext uri="{BB962C8B-B14F-4D97-AF65-F5344CB8AC3E}">
+        <p14:creationId xmlns:p14="http://schemas.microsoft.com/office/powerpoint/2010/main" val="2065977900"/>
+      </p:ext>
+    </p:extLst>
+  </p:cSld>
+  <p:clrMapOvr>
+    <a:masterClrMapping/>
+  </p:clrMapOvr>
+</p:sld>
+</file>
+
+<file path=ppt/slides/slide25.xml><?xml version="1.0" encoding="utf-8"?>
+<p:sld xmlns:a="http://schemas.openxmlformats.org/drawingml/2006/main" xmlns:r="http://schemas.openxmlformats.org/officeDocument/2006/relationships" xmlns:p="http://schemas.openxmlformats.org/presentationml/2006/main">
+  <p:cSld>
+    <p:spTree>
+      <p:nvGrpSpPr>
+        <p:cNvPr id="1" name=""/>
+        <p:cNvGrpSpPr/>
+        <p:nvPr/>
+      </p:nvGrpSpPr>
+      <p:grpSpPr>
+        <a:xfrm>
+          <a:off x="0" y="0"/>
+          <a:ext cx="0" cy="0"/>
+          <a:chOff x="0" y="0"/>
+          <a:chExt cx="0" cy="0"/>
+        </a:xfrm>
+      </p:grpSpPr>
+      <p:sp>
+        <p:nvSpPr>
+          <p:cNvPr id="2" name="标题 1"/>
+          <p:cNvSpPr>
+            <a:spLocks noGrp="1"/>
+          </p:cNvSpPr>
+          <p:nvPr>
+            <p:ph type="title"/>
+          </p:nvPr>
+        </p:nvSpPr>
+        <p:spPr/>
+        <p:txBody>
+          <a:bodyPr/>
+          <a:lstStyle/>
+          <a:p>
+            <a:r>
+              <a:rPr kumimoji="1" lang="zh-CN" altLang="en-US" dirty="0" smtClean="0"/>
+              <a:t>一元线性回归：学习率</a:t>
+            </a:r>
+            <a:endParaRPr kumimoji="1" lang="zh-CN" altLang="en-US" dirty="0"/>
+          </a:p>
+        </p:txBody>
+      </p:sp>
+      <mc:AlternateContent xmlns:mc="http://schemas.openxmlformats.org/markup-compatibility/2006">
+        <mc:Choice xmlns:a14="http://schemas.microsoft.com/office/drawing/2010/main" Requires="a14">
+          <p:sp>
+            <p:nvSpPr>
+              <p:cNvPr id="3" name="内容占位符 2"/>
+              <p:cNvSpPr>
+                <a:spLocks noGrp="1"/>
+              </p:cNvSpPr>
+              <p:nvPr>
+                <p:ph idx="1"/>
+              </p:nvPr>
+            </p:nvSpPr>
+            <p:spPr>
+              <a:xfrm>
+                <a:off x="755651" y="1052516"/>
+                <a:ext cx="6625537" cy="4967287"/>
+              </a:xfrm>
+            </p:spPr>
+            <p:txBody>
+              <a:bodyPr/>
+              <a:lstStyle/>
+              <a:p>
+                <a:r>
+                  <a:rPr kumimoji="1" lang="zh-CN" altLang="en-US" dirty="0" smtClean="0">
+                    <a:sym typeface="Wingdings"/>
+                  </a:rPr>
+                  <a:t>迭代式：</a:t>
+                </a:r>
+                <a14:m>
+                  <m:oMath xmlns:m="http://schemas.openxmlformats.org/officeDocument/2006/math">
+                    <m:d>
+                      <m:dPr>
+                        <m:ctrlPr>
+                          <a:rPr kumimoji="1" lang="en-US" altLang="zh-CN" i="1" dirty="0">
+                            <a:latin typeface="Cambria Math" charset="0"/>
+                            <a:sym typeface="Wingdings"/>
+                          </a:rPr>
+                        </m:ctrlPr>
+                      </m:dPr>
+                      <m:e>
+                        <m:r>
+                          <a:rPr kumimoji="1" lang="en-US" altLang="zh-CN" i="1" dirty="0">
+                            <a:latin typeface="Cambria Math" charset="0"/>
+                            <a:sym typeface="Wingdings"/>
+                          </a:rPr>
+                          <m:t>𝑤</m:t>
+                        </m:r>
+                        <m:r>
+                          <a:rPr kumimoji="1" lang="en-US" altLang="zh-CN" i="1" dirty="0">
+                            <a:latin typeface="Cambria Math" charset="0"/>
+                            <a:sym typeface="Wingdings"/>
+                          </a:rPr>
+                          <m:t>,</m:t>
+                        </m:r>
+                        <m:r>
+                          <a:rPr kumimoji="1" lang="en-US" altLang="zh-CN" i="1" dirty="0">
+                            <a:latin typeface="Cambria Math" charset="0"/>
+                            <a:sym typeface="Wingdings"/>
+                          </a:rPr>
+                          <m:t>𝑏</m:t>
+                        </m:r>
+                      </m:e>
+                    </m:d>
+                    <m:r>
+                      <a:rPr kumimoji="1" lang="en-US" altLang="zh-CN" i="1" dirty="0">
+                        <a:latin typeface="Cambria Math" charset="0"/>
+                        <a:sym typeface="Wingdings"/>
+                      </a:rPr>
+                      <m:t>=</m:t>
+                    </m:r>
+                    <m:d>
+                      <m:dPr>
+                        <m:ctrlPr>
+                          <a:rPr kumimoji="1" lang="en-US" altLang="zh-CN" i="1" dirty="0">
+                            <a:latin typeface="Cambria Math" charset="0"/>
+                            <a:sym typeface="Wingdings"/>
+                          </a:rPr>
+                        </m:ctrlPr>
+                      </m:dPr>
+                      <m:e>
+                        <m:r>
+                          <a:rPr kumimoji="1" lang="en-US" altLang="zh-CN" i="1" dirty="0">
+                            <a:latin typeface="Cambria Math" charset="0"/>
+                            <a:sym typeface="Wingdings"/>
+                          </a:rPr>
+                          <m:t>𝑤</m:t>
+                        </m:r>
+                        <m:r>
+                          <a:rPr kumimoji="1" lang="en-US" altLang="zh-CN" i="1" dirty="0">
+                            <a:latin typeface="Cambria Math" charset="0"/>
+                            <a:sym typeface="Wingdings"/>
+                          </a:rPr>
+                          <m:t>,</m:t>
+                        </m:r>
+                        <m:r>
+                          <a:rPr kumimoji="1" lang="en-US" altLang="zh-CN" i="1" dirty="0">
+                            <a:latin typeface="Cambria Math" charset="0"/>
+                            <a:sym typeface="Wingdings"/>
+                          </a:rPr>
+                          <m:t>𝑏</m:t>
+                        </m:r>
+                      </m:e>
+                    </m:d>
+                    <m:r>
+                      <a:rPr kumimoji="1" lang="en-US" altLang="zh-CN" i="1" dirty="0">
+                        <a:latin typeface="Cambria Math" charset="0"/>
+                        <a:sym typeface="Wingdings"/>
+                      </a:rPr>
+                      <m:t>−</m:t>
+                    </m:r>
+                    <m:r>
+                      <a:rPr kumimoji="1" lang="en-US" altLang="zh-CN" i="1" dirty="0">
+                        <a:latin typeface="Cambria Math" charset="0"/>
+                        <a:sym typeface="Wingdings"/>
+                      </a:rPr>
+                      <m:t>𝛼</m:t>
+                    </m:r>
+                    <m:r>
+                      <a:rPr kumimoji="1" lang="en-US" altLang="zh-CN" i="1" dirty="0">
+                        <a:latin typeface="Cambria Math" charset="0"/>
+                        <a:sym typeface="Wingdings"/>
+                      </a:rPr>
+                      <m:t>⋅</m:t>
+                    </m:r>
+                    <m:r>
+                      <a:rPr kumimoji="1" lang="en-US" altLang="zh-CN" i="1" dirty="0">
+                        <a:latin typeface="Cambria Math" charset="0"/>
+                        <a:sym typeface="Wingdings"/>
+                      </a:rPr>
+                      <m:t>𝛻</m:t>
+                    </m:r>
+                    <m:r>
+                      <a:rPr kumimoji="1" lang="en-US" altLang="zh-CN" i="1" dirty="0">
+                        <a:latin typeface="Cambria Math" charset="0"/>
+                        <a:ea typeface="Cambria Math" charset="0"/>
+                        <a:cs typeface="Cambria Math" charset="0"/>
+                        <a:sym typeface="Wingdings"/>
+                      </a:rPr>
+                      <m:t>𝐿</m:t>
+                    </m:r>
+                  </m:oMath>
+                </a14:m>
+                <a:endParaRPr kumimoji="1" lang="en-US" altLang="zh-CN" dirty="0" smtClean="0">
+                  <a:ea typeface="Cambria Math" charset="0"/>
+                  <a:cs typeface="Cambria Math" charset="0"/>
+                  <a:sym typeface="Wingdings"/>
+                </a:endParaRPr>
+              </a:p>
+              <a:p>
+                <a:endParaRPr kumimoji="1" lang="en-US" altLang="zh-CN" dirty="0" smtClean="0">
+                  <a:ea typeface="Cambria Math" charset="0"/>
+                  <a:cs typeface="Cambria Math" charset="0"/>
+                  <a:sym typeface="Wingdings"/>
+                </a:endParaRPr>
+              </a:p>
+              <a:p>
+                <a:r>
+                  <a:rPr kumimoji="1" lang="zh-CN" altLang="en-US" dirty="0" smtClean="0"/>
+                  <a:t>其中，</a:t>
+                </a:r>
+                <a14:m>
+                  <m:oMath xmlns:m="http://schemas.openxmlformats.org/officeDocument/2006/math">
+                    <m:r>
+                      <a:rPr kumimoji="1" lang="en-US" altLang="zh-CN" i="1" dirty="0">
+                        <a:latin typeface="Cambria Math" charset="0"/>
+                        <a:sym typeface="Wingdings"/>
+                      </a:rPr>
+                      <m:t>𝛼</m:t>
+                    </m:r>
+                  </m:oMath>
+                </a14:m>
+                <a:r>
+                  <a:rPr kumimoji="1" lang="zh-CN" altLang="en-US" dirty="0" smtClean="0"/>
+                  <a:t>被称为学习率（一般需要手动设置）：</a:t>
+                </a:r>
+                <a:endParaRPr kumimoji="1" lang="en-US" altLang="zh-CN" dirty="0" smtClean="0"/>
+              </a:p>
+              <a:p>
+                <a:pPr lvl="1"/>
+                <a:r>
+                  <a:rPr kumimoji="1" lang="zh-CN" altLang="en-US" dirty="0" smtClean="0"/>
+                  <a:t>如果</a:t>
+                </a:r>
+                <a14:m>
+                  <m:oMath xmlns:m="http://schemas.openxmlformats.org/officeDocument/2006/math">
+                    <m:r>
+                      <a:rPr kumimoji="1" lang="en-US" altLang="zh-CN" i="1" dirty="0">
+                        <a:latin typeface="Cambria Math" charset="0"/>
+                        <a:sym typeface="Wingdings"/>
+                      </a:rPr>
+                      <m:t>𝛼</m:t>
+                    </m:r>
+                  </m:oMath>
+                </a14:m>
+                <a:r>
+                  <a:rPr kumimoji="1" lang="zh-CN" altLang="en-US" dirty="0" smtClean="0"/>
+                  <a:t>设置的过小：梯度下降过程会很慢；</a:t>
+                </a:r>
+                <a:endParaRPr kumimoji="1" lang="en-US" altLang="zh-CN" dirty="0" smtClean="0"/>
+              </a:p>
+              <a:p>
+                <a:pPr lvl="1"/>
+                <a:r>
+                  <a:rPr kumimoji="1" lang="zh-CN" altLang="en-US" dirty="0" smtClean="0"/>
+                  <a:t>如果</a:t>
+                </a:r>
+                <a14:m>
+                  <m:oMath xmlns:m="http://schemas.openxmlformats.org/officeDocument/2006/math">
+                    <m:r>
+                      <a:rPr kumimoji="1" lang="en-US" altLang="zh-CN" i="1" dirty="0">
+                        <a:latin typeface="Cambria Math" charset="0"/>
+                        <a:sym typeface="Wingdings"/>
+                      </a:rPr>
+                      <m:t>𝛼</m:t>
+                    </m:r>
+                  </m:oMath>
+                </a14:m>
+                <a:r>
+                  <a:rPr kumimoji="1" lang="zh-CN" altLang="en-US" dirty="0" smtClean="0"/>
+                  <a:t>设置的过大：梯度下降可能越过最小值，甚至导致损失函数的不收敛。</a:t>
+                </a:r>
+                <a:endParaRPr kumimoji="1" lang="en-US" altLang="zh-CN" dirty="0" smtClean="0"/>
+              </a:p>
+              <a:p>
+                <a:pPr lvl="1"/>
+                <a:r>
+                  <a:rPr kumimoji="1" lang="zh-CN" altLang="en-US" dirty="0" smtClean="0"/>
+                  <a:t>一般情况下，学习率设置在</a:t>
+                </a:r>
+                <a:r>
+                  <a:rPr kumimoji="1" lang="en-US" altLang="zh-CN" dirty="0" smtClean="0"/>
+                  <a:t>10</a:t>
+                </a:r>
+                <a:r>
+                  <a:rPr kumimoji="1" lang="en-US" altLang="zh-CN" baseline="30000" dirty="0" smtClean="0"/>
+                  <a:t>-4</a:t>
+                </a:r>
+                <a:r>
+                  <a:rPr kumimoji="1" lang="zh-CN" altLang="en-US" dirty="0" smtClean="0"/>
+                  <a:t>到</a:t>
+                </a:r>
+                <a:r>
+                  <a:rPr kumimoji="1" lang="en-US" altLang="zh-CN" dirty="0" smtClean="0"/>
+                  <a:t>10</a:t>
+                </a:r>
+                <a:r>
+                  <a:rPr kumimoji="1" lang="en-US" altLang="zh-CN" baseline="30000" dirty="0" smtClean="0"/>
+                  <a:t>-2</a:t>
+                </a:r>
+                <a:r>
+                  <a:rPr kumimoji="1" lang="zh-CN" altLang="en-US" dirty="0" smtClean="0"/>
+                  <a:t>之间。</a:t>
+                </a:r>
+                <a:endParaRPr kumimoji="1" lang="en-US" altLang="zh-CN" dirty="0" smtClean="0"/>
+              </a:p>
+              <a:p>
+                <a:endParaRPr kumimoji="1" lang="zh-CN" altLang="en-US" dirty="0"/>
+              </a:p>
+            </p:txBody>
+          </p:sp>
+        </mc:Choice>
+        <mc:Fallback>
+          <p:sp>
+            <p:nvSpPr>
+              <p:cNvPr id="3" name="内容占位符 2"/>
+              <p:cNvSpPr>
+                <a:spLocks noGrp="1" noRot="1" noChangeAspect="1" noMove="1" noResize="1" noEditPoints="1" noAdjustHandles="1" noChangeArrowheads="1" noChangeShapeType="1" noTextEdit="1"/>
+              </p:cNvSpPr>
+              <p:nvPr>
+                <p:ph idx="1"/>
+              </p:nvPr>
+            </p:nvSpPr>
+            <p:spPr>
+              <a:xfrm>
+                <a:off x="755651" y="1052516"/>
+                <a:ext cx="6625537" cy="4967287"/>
+              </a:xfrm>
+              <a:blipFill rotWithShape="0">
+                <a:blip r:embed="rId2"/>
+                <a:stretch>
+                  <a:fillRect l="-1104" t="-1104"/>
+                </a:stretch>
+              </a:blipFill>
+            </p:spPr>
+            <p:txBody>
+              <a:bodyPr/>
+              <a:lstStyle/>
+              <a:p>
+                <a:r>
+                  <a:rPr lang="zh-CN" altLang="en-US">
+                    <a:noFill/>
+                  </a:rPr>
+                  <a:t> </a:t>
+                </a:r>
+              </a:p>
+            </p:txBody>
+          </p:sp>
+        </mc:Fallback>
+      </mc:AlternateContent>
+      <p:sp>
+        <p:nvSpPr>
+          <p:cNvPr id="4" name="日期占位符 3"/>
+          <p:cNvSpPr>
+            <a:spLocks noGrp="1"/>
+          </p:cNvSpPr>
+          <p:nvPr>
+            <p:ph type="dt" sz="half" idx="10"/>
+          </p:nvPr>
+        </p:nvSpPr>
+        <p:spPr/>
+        <p:txBody>
+          <a:bodyPr/>
+          <a:lstStyle/>
+          <a:p>
+            <a:pPr>
+              <a:defRPr/>
+            </a:pPr>
+            <a:fld id="{95A2A19B-170D-1043-AE33-7A36DFB7BCDC}" type="datetime2">
+              <a:rPr lang="zh-CN" altLang="en-US" smtClean="0"/>
+              <a:t>2018年7月5日</a:t>
+            </a:fld>
+            <a:endParaRPr lang="en-US" altLang="zh-CN"/>
+          </a:p>
+        </p:txBody>
+      </p:sp>
+      <p:sp>
+        <p:nvSpPr>
+          <p:cNvPr id="5" name="页脚占位符 4"/>
+          <p:cNvSpPr>
+            <a:spLocks noGrp="1"/>
+          </p:cNvSpPr>
+          <p:nvPr>
+            <p:ph type="ftr" sz="quarter" idx="11"/>
+          </p:nvPr>
+        </p:nvSpPr>
+        <p:spPr/>
+        <p:txBody>
+          <a:bodyPr/>
+          <a:lstStyle/>
+          <a:p>
+            <a:pPr>
+              <a:defRPr/>
+            </a:pPr>
+            <a:r>
+              <a:rPr lang="zh-CN" altLang="en-US" smtClean="0"/>
+              <a:t>机器学习入门</a:t>
+            </a:r>
+            <a:endParaRPr lang="en-US" altLang="zh-CN" dirty="0"/>
+          </a:p>
+        </p:txBody>
+      </p:sp>
+      <p:sp>
+        <p:nvSpPr>
+          <p:cNvPr id="6" name="幻灯片编号占位符 5"/>
+          <p:cNvSpPr>
+            <a:spLocks noGrp="1"/>
+          </p:cNvSpPr>
+          <p:nvPr>
+            <p:ph type="sldNum" sz="quarter" idx="12"/>
+          </p:nvPr>
+        </p:nvSpPr>
+        <p:spPr/>
+        <p:txBody>
+          <a:bodyPr/>
+          <a:lstStyle/>
+          <a:p>
+            <a:pPr>
+              <a:defRPr/>
+            </a:pPr>
+            <a:fld id="{64C9EB70-B654-4058-838F-8806615D92E5}" type="slidenum">
+              <a:rPr lang="en-US" altLang="zh-CN" smtClean="0"/>
+              <a:pPr>
+                <a:defRPr/>
+              </a:pPr>
+              <a:t>25</a:t>
+            </a:fld>
+            <a:endParaRPr lang="en-US" altLang="zh-CN"/>
+          </a:p>
+        </p:txBody>
+      </p:sp>
+      <p:pic>
+        <p:nvPicPr>
+          <p:cNvPr id="7" name="图片 6"/>
+          <p:cNvPicPr>
+            <a:picLocks noChangeAspect="1"/>
+          </p:cNvPicPr>
+          <p:nvPr/>
+        </p:nvPicPr>
+        <p:blipFill>
+          <a:blip r:embed="rId3">
+            <a:extLst>
+              <a:ext uri="{28A0092B-C50C-407E-A947-70E740481C1C}">
+                <a14:useLocalDpi xmlns:a14="http://schemas.microsoft.com/office/drawing/2010/main" val="0"/>
+              </a:ext>
+            </a:extLst>
+          </a:blip>
+          <a:stretch>
+            <a:fillRect/>
+          </a:stretch>
+        </p:blipFill>
+        <p:spPr>
+          <a:xfrm>
+            <a:off x="7654565" y="1225629"/>
+            <a:ext cx="3779668" cy="2519778"/>
+          </a:xfrm>
+          <a:prstGeom prst="rect">
+            <a:avLst/>
+          </a:prstGeom>
+        </p:spPr>
+      </p:pic>
+    </p:spTree>
+    <p:extLst>
+      <p:ext uri="{BB962C8B-B14F-4D97-AF65-F5344CB8AC3E}">
+        <p14:creationId xmlns:p14="http://schemas.microsoft.com/office/powerpoint/2010/main" val="782679220"/>
+      </p:ext>
+    </p:extLst>
+  </p:cSld>
+  <p:clrMapOvr>
+    <a:masterClrMapping/>
+  </p:clrMapOvr>
+</p:sld>
+</file>
+
+<file path=ppt/slides/slide26.xml><?xml version="1.0" encoding="utf-8"?>
+<p:sld xmlns:a="http://schemas.openxmlformats.org/drawingml/2006/main" xmlns:r="http://schemas.openxmlformats.org/officeDocument/2006/relationships" xmlns:p="http://schemas.openxmlformats.org/presentationml/2006/main">
+  <p:cSld>
+    <p:spTree>
+      <p:nvGrpSpPr>
+        <p:cNvPr id="1" name=""/>
+        <p:cNvGrpSpPr/>
+        <p:nvPr/>
+      </p:nvGrpSpPr>
+      <p:grpSpPr>
+        <a:xfrm>
+          <a:off x="0" y="0"/>
+          <a:ext cx="0" cy="0"/>
+          <a:chOff x="0" y="0"/>
+          <a:chExt cx="0" cy="0"/>
+        </a:xfrm>
+      </p:grpSpPr>
+      <p:sp>
+        <p:nvSpPr>
+          <p:cNvPr id="2" name="标题 1"/>
+          <p:cNvSpPr>
+            <a:spLocks noGrp="1"/>
+          </p:cNvSpPr>
+          <p:nvPr>
+            <p:ph type="title"/>
+          </p:nvPr>
+        </p:nvSpPr>
+        <p:spPr/>
+        <p:txBody>
+          <a:bodyPr/>
+          <a:lstStyle/>
+          <a:p>
+            <a:r>
+              <a:rPr kumimoji="1" lang="zh-CN" altLang="en-US" dirty="0" smtClean="0"/>
+              <a:t>一元线性回归：梯度下降*</a:t>
+            </a:r>
+            <a:endParaRPr kumimoji="1" lang="zh-CN" altLang="en-US" dirty="0"/>
+          </a:p>
+        </p:txBody>
+      </p:sp>
+      <p:sp>
+        <p:nvSpPr>
+          <p:cNvPr id="3" name="内容占位符 2"/>
+          <p:cNvSpPr>
+            <a:spLocks noGrp="1"/>
+          </p:cNvSpPr>
+          <p:nvPr>
+            <p:ph idx="1"/>
+          </p:nvPr>
+        </p:nvSpPr>
+        <p:spPr/>
+        <p:txBody>
+          <a:bodyPr/>
+          <a:lstStyle/>
+          <a:p>
+            <a:r>
+              <a:rPr kumimoji="1" lang="zh-CN" altLang="en-US" dirty="0" smtClean="0"/>
+              <a:t>批量梯度下降法（</a:t>
+            </a:r>
+            <a:r>
+              <a:rPr lang="en-US" altLang="zh-CN" dirty="0" smtClean="0"/>
+              <a:t>Batch </a:t>
+            </a:r>
+            <a:r>
+              <a:rPr lang="en-US" altLang="zh-CN" dirty="0"/>
+              <a:t>Gradient </a:t>
+            </a:r>
+            <a:r>
+              <a:rPr lang="en-US" altLang="zh-CN" dirty="0" smtClean="0"/>
+              <a:t>Descent,</a:t>
+            </a:r>
+            <a:r>
+              <a:rPr lang="zh-CN" altLang="en-US" dirty="0" smtClean="0"/>
+              <a:t> </a:t>
+            </a:r>
+            <a:r>
+              <a:rPr lang="en-US" altLang="zh-CN" dirty="0" smtClean="0"/>
+              <a:t>BGD</a:t>
+            </a:r>
+            <a:r>
+              <a:rPr kumimoji="1" lang="zh-CN" altLang="en-US" dirty="0" smtClean="0"/>
+              <a:t>）：使用训练集的所有样本来计算梯度</a:t>
+            </a:r>
+            <a:endParaRPr kumimoji="1" lang="en-US" altLang="zh-CN" dirty="0" smtClean="0"/>
+          </a:p>
+          <a:p>
+            <a:pPr lvl="1"/>
+            <a:r>
+              <a:rPr kumimoji="1" lang="zh-CN" altLang="en-US" dirty="0" smtClean="0"/>
+              <a:t>优点：可以得到最优解</a:t>
+            </a:r>
+            <a:endParaRPr kumimoji="1" lang="en-US" altLang="zh-CN" dirty="0" smtClean="0"/>
+          </a:p>
+          <a:p>
+            <a:pPr lvl="1"/>
+            <a:r>
+              <a:rPr kumimoji="1" lang="zh-CN" altLang="en-US" dirty="0" smtClean="0"/>
+              <a:t>缺点：当样本数量很多时，训练过程很慢</a:t>
+            </a:r>
+            <a:endParaRPr kumimoji="1" lang="en-US" altLang="zh-CN" dirty="0" smtClean="0"/>
+          </a:p>
+          <a:p>
+            <a:r>
+              <a:rPr kumimoji="1" lang="zh-CN" altLang="en-US" dirty="0" smtClean="0"/>
+              <a:t>随机梯度下降</a:t>
+            </a:r>
+            <a:r>
+              <a:rPr kumimoji="1" lang="zh-CN" altLang="en-US" dirty="0"/>
+              <a:t>法</a:t>
+            </a:r>
+            <a:r>
+              <a:rPr kumimoji="1" lang="zh-CN" altLang="en-US" dirty="0" smtClean="0"/>
+              <a:t>（</a:t>
+            </a:r>
+            <a:r>
+              <a:rPr kumimoji="1" lang="en-US" altLang="zh-CN" dirty="0" smtClean="0"/>
+              <a:t>Stochastic Gradient Descent,</a:t>
+            </a:r>
+            <a:r>
+              <a:rPr kumimoji="1" lang="zh-CN" altLang="en-US" dirty="0" smtClean="0"/>
+              <a:t> </a:t>
+            </a:r>
+            <a:r>
+              <a:rPr kumimoji="1" lang="en-US" altLang="zh-CN" dirty="0" smtClean="0"/>
+              <a:t>SGD</a:t>
+            </a:r>
+            <a:r>
+              <a:rPr kumimoji="1" lang="zh-CN" altLang="en-US" dirty="0" smtClean="0"/>
+              <a:t>）：从训练集中随机选取一个样本来计算梯度</a:t>
+            </a:r>
+            <a:endParaRPr kumimoji="1" lang="en-US" altLang="zh-CN" dirty="0" smtClean="0"/>
+          </a:p>
+          <a:p>
+            <a:pPr lvl="1"/>
+            <a:r>
+              <a:rPr kumimoji="1" lang="zh-CN" altLang="en-US" dirty="0" smtClean="0"/>
+              <a:t>优点：训练速度快</a:t>
+            </a:r>
+            <a:endParaRPr kumimoji="1" lang="en-US" altLang="zh-CN" dirty="0" smtClean="0"/>
+          </a:p>
+          <a:p>
+            <a:pPr lvl="1"/>
+            <a:r>
+              <a:rPr kumimoji="1" lang="zh-CN" altLang="en-US" dirty="0" smtClean="0"/>
+              <a:t>缺点：准确度下降，不一定保证最优；迭代次数较多</a:t>
+            </a:r>
+            <a:endParaRPr kumimoji="1" lang="en-US" altLang="zh-CN" dirty="0" smtClean="0"/>
+          </a:p>
+          <a:p>
+            <a:r>
+              <a:rPr kumimoji="1" lang="zh-CN" altLang="en-US" dirty="0" smtClean="0"/>
+              <a:t>小批量梯度下降法（</a:t>
+            </a:r>
+            <a:r>
+              <a:rPr kumimoji="1" lang="en-US" altLang="zh-CN" dirty="0"/>
+              <a:t>Mini-batch Gradient </a:t>
+            </a:r>
+            <a:r>
+              <a:rPr kumimoji="1" lang="en-US" altLang="zh-CN" dirty="0" smtClean="0"/>
+              <a:t>Descent,</a:t>
+            </a:r>
+            <a:r>
+              <a:rPr kumimoji="1" lang="zh-CN" altLang="en-US" dirty="0" smtClean="0"/>
+              <a:t> </a:t>
+            </a:r>
+            <a:r>
+              <a:rPr kumimoji="1" lang="en-US" altLang="zh-CN" dirty="0" smtClean="0"/>
+              <a:t>MBGD</a:t>
+            </a:r>
+            <a:r>
+              <a:rPr kumimoji="1" lang="zh-CN" altLang="en-US" dirty="0" smtClean="0"/>
+              <a:t>）：从训练集中随机挑选若干个样本来计算梯度</a:t>
+            </a:r>
+            <a:endParaRPr kumimoji="1" lang="en-US" altLang="zh-CN" dirty="0" smtClean="0"/>
+          </a:p>
+          <a:p>
+            <a:pPr lvl="1"/>
+            <a:r>
+              <a:rPr kumimoji="1" lang="zh-CN" altLang="en-US" dirty="0" smtClean="0"/>
+              <a:t>兼顾前两种方法的优点</a:t>
+            </a:r>
+            <a:endParaRPr kumimoji="1" lang="en-US" altLang="zh-CN" dirty="0" smtClean="0"/>
+          </a:p>
+          <a:p>
+            <a:endParaRPr kumimoji="1" lang="zh-CN" altLang="en-US" dirty="0"/>
+          </a:p>
+        </p:txBody>
+      </p:sp>
+      <p:sp>
+        <p:nvSpPr>
+          <p:cNvPr id="4" name="日期占位符 3"/>
+          <p:cNvSpPr>
+            <a:spLocks noGrp="1"/>
+          </p:cNvSpPr>
+          <p:nvPr>
+            <p:ph type="dt" sz="half" idx="10"/>
+          </p:nvPr>
+        </p:nvSpPr>
+        <p:spPr/>
+        <p:txBody>
+          <a:bodyPr/>
+          <a:lstStyle/>
+          <a:p>
+            <a:pPr>
+              <a:defRPr/>
+            </a:pPr>
+            <a:fld id="{95A2A19B-170D-1043-AE33-7A36DFB7BCDC}" type="datetime2">
+              <a:rPr lang="zh-CN" altLang="en-US" smtClean="0"/>
+              <a:t>2018年7月5日</a:t>
+            </a:fld>
+            <a:endParaRPr lang="en-US" altLang="zh-CN"/>
+          </a:p>
+        </p:txBody>
+      </p:sp>
+      <p:sp>
+        <p:nvSpPr>
+          <p:cNvPr id="5" name="页脚占位符 4"/>
+          <p:cNvSpPr>
+            <a:spLocks noGrp="1"/>
+          </p:cNvSpPr>
+          <p:nvPr>
+            <p:ph type="ftr" sz="quarter" idx="11"/>
+          </p:nvPr>
+        </p:nvSpPr>
+        <p:spPr/>
+        <p:txBody>
+          <a:bodyPr/>
+          <a:lstStyle/>
+          <a:p>
+            <a:pPr>
+              <a:defRPr/>
+            </a:pPr>
+            <a:r>
+              <a:rPr lang="zh-CN" altLang="en-US" smtClean="0"/>
+              <a:t>机器学习入门</a:t>
+            </a:r>
+            <a:endParaRPr lang="en-US" altLang="zh-CN" dirty="0"/>
+          </a:p>
+        </p:txBody>
+      </p:sp>
+      <p:sp>
+        <p:nvSpPr>
+          <p:cNvPr id="6" name="幻灯片编号占位符 5"/>
+          <p:cNvSpPr>
+            <a:spLocks noGrp="1"/>
+          </p:cNvSpPr>
+          <p:nvPr>
+            <p:ph type="sldNum" sz="quarter" idx="12"/>
+          </p:nvPr>
+        </p:nvSpPr>
+        <p:spPr/>
+        <p:txBody>
+          <a:bodyPr/>
+          <a:lstStyle/>
+          <a:p>
+            <a:pPr>
+              <a:defRPr/>
+            </a:pPr>
+            <a:fld id="{64C9EB70-B654-4058-838F-8806615D92E5}" type="slidenum">
+              <a:rPr lang="en-US" altLang="zh-CN" smtClean="0"/>
+              <a:pPr>
+                <a:defRPr/>
+              </a:pPr>
+              <a:t>26</a:t>
+            </a:fld>
+            <a:endParaRPr lang="en-US" altLang="zh-CN"/>
+          </a:p>
+        </p:txBody>
+      </p:sp>
+      <mc:AlternateContent xmlns:mc="http://schemas.openxmlformats.org/markup-compatibility/2006">
+        <mc:Choice xmlns:a14="http://schemas.microsoft.com/office/drawing/2010/main" Requires="a14">
+          <p:sp>
+            <p:nvSpPr>
+              <p:cNvPr id="7" name="矩形 6">
+                <a:extLst>
+                  <a:ext uri="{FF2B5EF4-FFF2-40B4-BE49-F238E27FC236}">
+                    <a16:creationId xmlns:a16="http://schemas.microsoft.com/office/drawing/2014/main" xmlns="" id="{25CFE4FA-4ADB-4B82-B875-AA5178D80394}"/>
+                  </a:ext>
+                </a:extLst>
+              </p:cNvPr>
+              <p:cNvSpPr/>
+              <p:nvPr/>
+            </p:nvSpPr>
+            <p:spPr>
+              <a:xfrm>
+                <a:off x="6217571" y="0"/>
+                <a:ext cx="3617657" cy="957826"/>
+              </a:xfrm>
+              <a:prstGeom prst="rect">
+                <a:avLst/>
+              </a:prstGeom>
+            </p:spPr>
+            <p:txBody>
+              <a:bodyPr wrap="none">
+                <a:spAutoFit/>
+              </a:bodyPr>
+              <a:lstStyle/>
+              <a:p>
+                <a:pPr/>
+                <a14:m>
+                  <m:oMathPara xmlns:m="http://schemas.openxmlformats.org/officeDocument/2006/math">
+                    <m:oMathParaPr>
+                      <m:jc m:val="centerGroup"/>
+                    </m:oMathParaPr>
+                    <m:oMath xmlns:m="http://schemas.openxmlformats.org/officeDocument/2006/math">
+                      <m:r>
+                        <a:rPr lang="en-US" altLang="zh-CN" sz="2000" i="1" smtClean="0">
+                          <a:latin typeface="Cambria Math" panose="02040503050406030204" pitchFamily="18" charset="0"/>
+                        </a:rPr>
+                        <m:t>𝐿</m:t>
+                      </m:r>
+                      <m:d>
+                        <m:dPr>
+                          <m:ctrlPr>
+                            <a:rPr lang="en-US" altLang="zh-CN" sz="2000" i="1">
+                              <a:latin typeface="Cambria Math" charset="0"/>
+                            </a:rPr>
+                          </m:ctrlPr>
+                        </m:dPr>
+                        <m:e>
+                          <m:r>
+                            <a:rPr lang="en-US" altLang="zh-CN" sz="2000" i="1">
+                              <a:latin typeface="Cambria Math" panose="02040503050406030204" pitchFamily="18" charset="0"/>
+                            </a:rPr>
+                            <m:t>𝑤</m:t>
+                          </m:r>
+                          <m:r>
+                            <a:rPr lang="en-US" altLang="zh-CN" sz="2000" i="1">
+                              <a:latin typeface="Cambria Math" panose="02040503050406030204" pitchFamily="18" charset="0"/>
+                            </a:rPr>
+                            <m:t>,</m:t>
+                          </m:r>
+                          <m:r>
+                            <a:rPr lang="en-US" altLang="zh-CN" sz="2000" i="1">
+                              <a:latin typeface="Cambria Math" panose="02040503050406030204" pitchFamily="18" charset="0"/>
+                            </a:rPr>
+                            <m:t>𝑏</m:t>
+                          </m:r>
+                        </m:e>
+                      </m:d>
+                      <m:r>
+                        <a:rPr lang="en-US" altLang="zh-CN" sz="2000" i="1">
+                          <a:latin typeface="Cambria Math" panose="02040503050406030204" pitchFamily="18" charset="0"/>
+                        </a:rPr>
+                        <m:t>=</m:t>
+                      </m:r>
+                      <m:nary>
+                        <m:naryPr>
+                          <m:chr m:val="∑"/>
+                          <m:ctrlPr>
+                            <a:rPr lang="en-US" altLang="zh-CN" sz="2000" i="1">
+                              <a:latin typeface="Cambria Math" charset="0"/>
+                            </a:rPr>
+                          </m:ctrlPr>
+                        </m:naryPr>
+                        <m:sub>
+                          <m:r>
+                            <m:rPr>
+                              <m:brk m:alnAt="23"/>
+                            </m:rPr>
+                            <a:rPr lang="en-US" altLang="zh-CN" sz="2000" i="1">
+                              <a:latin typeface="Cambria Math" panose="02040503050406030204" pitchFamily="18" charset="0"/>
+                            </a:rPr>
+                            <m:t>𝑖</m:t>
+                          </m:r>
+                          <m:r>
+                            <a:rPr lang="en-US" altLang="zh-CN" sz="2000" i="1">
+                              <a:latin typeface="Cambria Math" panose="02040503050406030204" pitchFamily="18" charset="0"/>
+                            </a:rPr>
+                            <m:t>=1</m:t>
+                          </m:r>
+                        </m:sub>
+                        <m:sup>
+                          <m:r>
+                            <a:rPr lang="en-US" altLang="zh-CN" sz="2000" i="1">
+                              <a:latin typeface="Cambria Math" panose="02040503050406030204" pitchFamily="18" charset="0"/>
+                            </a:rPr>
+                            <m:t>𝑁</m:t>
+                          </m:r>
+                        </m:sup>
+                        <m:e>
+                          <m:sSup>
+                            <m:sSupPr>
+                              <m:ctrlPr>
+                                <a:rPr lang="en-US" altLang="zh-CN" sz="2000" i="1">
+                                  <a:latin typeface="Cambria Math" charset="0"/>
+                                </a:rPr>
+                              </m:ctrlPr>
+                            </m:sSupPr>
+                            <m:e>
+                              <m:d>
+                                <m:dPr>
+                                  <m:ctrlPr>
+                                    <a:rPr lang="en-US" altLang="zh-CN" sz="2000" i="1">
+                                      <a:latin typeface="Cambria Math" charset="0"/>
+                                    </a:rPr>
+                                  </m:ctrlPr>
+                                </m:dPr>
+                                <m:e>
+                                  <m:sSup>
+                                    <m:sSupPr>
+                                      <m:ctrlPr>
+                                        <a:rPr lang="en-US" altLang="zh-CN" sz="2000" i="1">
+                                          <a:latin typeface="Cambria Math" charset="0"/>
+                                        </a:rPr>
+                                      </m:ctrlPr>
+                                    </m:sSupPr>
+                                    <m:e>
+                                      <m:r>
+                                        <a:rPr lang="en-US" altLang="zh-CN" sz="2000" i="1">
+                                          <a:latin typeface="Cambria Math" panose="02040503050406030204" pitchFamily="18" charset="0"/>
+                                        </a:rPr>
+                                        <m:t>𝑦</m:t>
+                                      </m:r>
+                                    </m:e>
+                                    <m:sup>
+                                      <m:r>
+                                        <a:rPr lang="en-US" altLang="zh-CN" sz="2000" i="1">
+                                          <a:latin typeface="Cambria Math" panose="02040503050406030204" pitchFamily="18" charset="0"/>
+                                        </a:rPr>
+                                        <m:t>(</m:t>
+                                      </m:r>
+                                      <m:r>
+                                        <a:rPr lang="en-US" altLang="zh-CN" sz="2000" i="1">
+                                          <a:latin typeface="Cambria Math" panose="02040503050406030204" pitchFamily="18" charset="0"/>
+                                        </a:rPr>
+                                        <m:t>𝑖</m:t>
+                                      </m:r>
+                                      <m:r>
+                                        <a:rPr lang="en-US" altLang="zh-CN" sz="2000" i="1">
+                                          <a:latin typeface="Cambria Math" panose="02040503050406030204" pitchFamily="18" charset="0"/>
+                                        </a:rPr>
+                                        <m:t>)</m:t>
+                                      </m:r>
+                                    </m:sup>
+                                  </m:sSup>
+                                  <m:r>
+                                    <a:rPr lang="en-US" altLang="zh-CN" sz="2000" i="1">
+                                      <a:latin typeface="Cambria Math" panose="02040503050406030204" pitchFamily="18" charset="0"/>
+                                    </a:rPr>
+                                    <m:t>−</m:t>
+                                  </m:r>
+                                  <m:r>
+                                    <a:rPr lang="en-US" altLang="zh-CN" sz="2000" b="0" i="1" smtClean="0">
+                                      <a:latin typeface="Cambria Math" charset="0"/>
+                                    </a:rPr>
+                                    <m:t>h</m:t>
+                                  </m:r>
+                                  <m:d>
+                                    <m:dPr>
+                                      <m:ctrlPr>
+                                        <a:rPr lang="en-US" altLang="zh-CN" sz="2000" i="1">
+                                          <a:latin typeface="Cambria Math" charset="0"/>
+                                        </a:rPr>
+                                      </m:ctrlPr>
+                                    </m:dPr>
+                                    <m:e>
+                                      <m:sSup>
+                                        <m:sSupPr>
+                                          <m:ctrlPr>
+                                            <a:rPr lang="en-US" altLang="zh-CN" sz="2000" i="1">
+                                              <a:latin typeface="Cambria Math" charset="0"/>
+                                            </a:rPr>
+                                          </m:ctrlPr>
+                                        </m:sSupPr>
+                                        <m:e>
+                                          <m:r>
+                                            <a:rPr lang="en-US" altLang="zh-CN" sz="2000" i="1">
+                                              <a:latin typeface="Cambria Math" panose="02040503050406030204" pitchFamily="18" charset="0"/>
+                                            </a:rPr>
+                                            <m:t>𝑥</m:t>
+                                          </m:r>
+                                        </m:e>
+                                        <m:sup>
+                                          <m:r>
+                                            <a:rPr lang="en-US" altLang="zh-CN" sz="2000" i="1">
+                                              <a:latin typeface="Cambria Math" panose="02040503050406030204" pitchFamily="18" charset="0"/>
+                                            </a:rPr>
+                                            <m:t>(</m:t>
+                                          </m:r>
+                                          <m:r>
+                                            <a:rPr lang="en-US" altLang="zh-CN" sz="2000" i="1">
+                                              <a:latin typeface="Cambria Math" panose="02040503050406030204" pitchFamily="18" charset="0"/>
+                                            </a:rPr>
+                                            <m:t>𝑖</m:t>
+                                          </m:r>
+                                          <m:r>
+                                            <a:rPr lang="en-US" altLang="zh-CN" sz="2000" i="1">
+                                              <a:latin typeface="Cambria Math" panose="02040503050406030204" pitchFamily="18" charset="0"/>
+                                            </a:rPr>
+                                            <m:t>)</m:t>
+                                          </m:r>
+                                        </m:sup>
+                                      </m:sSup>
+                                    </m:e>
+                                  </m:d>
+                                </m:e>
+                              </m:d>
+                            </m:e>
+                            <m:sup>
+                              <m:r>
+                                <a:rPr lang="en-US" altLang="zh-CN" sz="2000" i="1">
+                                  <a:latin typeface="Cambria Math" panose="02040503050406030204" pitchFamily="18" charset="0"/>
+                                </a:rPr>
+                                <m:t>2</m:t>
+                              </m:r>
+                            </m:sup>
+                          </m:sSup>
+                        </m:e>
+                      </m:nary>
+                    </m:oMath>
+                  </m:oMathPara>
+                </a14:m>
+                <a:endParaRPr lang="zh-CN" altLang="en-US" dirty="0"/>
+              </a:p>
+            </p:txBody>
+          </p:sp>
+        </mc:Choice>
+        <mc:Fallback>
+          <p:sp>
+            <p:nvSpPr>
+              <p:cNvPr id="7" name="矩形 6">
+                <a:extLst>
+                  <a:ext uri="{FF2B5EF4-FFF2-40B4-BE49-F238E27FC236}">
+                    <a16:creationId xmlns:a16="http://schemas.microsoft.com/office/drawing/2014/main" xmlns:a14="http://schemas.microsoft.com/office/drawing/2010/main" xmlns="" id="{25CFE4FA-4ADB-4B82-B875-AA5178D80394}"/>
+                  </a:ext>
+                </a:extLst>
+              </p:cNvPr>
+              <p:cNvSpPr>
+                <a:spLocks noRot="1" noChangeAspect="1" noMove="1" noResize="1" noEditPoints="1" noAdjustHandles="1" noChangeArrowheads="1" noChangeShapeType="1" noTextEdit="1"/>
+              </p:cNvSpPr>
+              <p:nvPr/>
+            </p:nvSpPr>
+            <p:spPr>
+              <a:xfrm>
+                <a:off x="6217571" y="0"/>
+                <a:ext cx="3617657" cy="957826"/>
+              </a:xfrm>
+              <a:prstGeom prst="rect">
+                <a:avLst/>
+              </a:prstGeom>
+              <a:blipFill rotWithShape="0">
+                <a:blip r:embed="rId2"/>
+                <a:stretch>
+                  <a:fillRect/>
+                </a:stretch>
+              </a:blipFill>
+            </p:spPr>
+            <p:txBody>
+              <a:bodyPr/>
+              <a:lstStyle/>
+              <a:p>
+                <a:r>
+                  <a:rPr lang="zh-CN" altLang="en-US">
+                    <a:noFill/>
+                  </a:rPr>
+                  <a:t> </a:t>
+                </a:r>
+              </a:p>
+            </p:txBody>
+          </p:sp>
+        </mc:Fallback>
+      </mc:AlternateContent>
+    </p:spTree>
+    <p:extLst>
+      <p:ext uri="{BB962C8B-B14F-4D97-AF65-F5344CB8AC3E}">
+        <p14:creationId xmlns:p14="http://schemas.microsoft.com/office/powerpoint/2010/main" val="1406791897"/>
+      </p:ext>
+    </p:extLst>
+  </p:cSld>
+  <p:clrMapOvr>
+    <a:masterClrMapping/>
+  </p:clrMapOvr>
+</p:sld>
+</file>
+
+<file path=ppt/slides/slide27.xml><?xml version="1.0" encoding="utf-8"?>
+<p:sld xmlns:a="http://schemas.openxmlformats.org/drawingml/2006/main" xmlns:r="http://schemas.openxmlformats.org/officeDocument/2006/relationships" xmlns:p="http://schemas.openxmlformats.org/presentationml/2006/main">
+  <p:cSld>
+    <p:spTree>
+      <p:nvGrpSpPr>
+        <p:cNvPr id="1" name=""/>
+        <p:cNvGrpSpPr/>
+        <p:nvPr/>
+      </p:nvGrpSpPr>
+      <p:grpSpPr>
+        <a:xfrm>
+          <a:off x="0" y="0"/>
+          <a:ext cx="0" cy="0"/>
+          <a:chOff x="0" y="0"/>
+          <a:chExt cx="0" cy="0"/>
+        </a:xfrm>
+      </p:grpSpPr>
+      <p:sp>
+        <p:nvSpPr>
+          <p:cNvPr id="2" name="标题 1"/>
+          <p:cNvSpPr>
+            <a:spLocks noGrp="1"/>
+          </p:cNvSpPr>
+          <p:nvPr>
+            <p:ph type="title"/>
+          </p:nvPr>
+        </p:nvSpPr>
+        <p:spPr/>
+        <p:txBody>
+          <a:bodyPr/>
+          <a:lstStyle/>
+          <a:p>
+            <a:r>
+              <a:rPr kumimoji="1" lang="zh-CN" altLang="en-US" dirty="0" smtClean="0"/>
+              <a:t>多元线性回归</a:t>
+            </a:r>
+            <a:endParaRPr kumimoji="1" lang="zh-CN" altLang="en-US" dirty="0"/>
+          </a:p>
+        </p:txBody>
+      </p:sp>
+      <mc:AlternateContent xmlns:mc="http://schemas.openxmlformats.org/markup-compatibility/2006">
+        <mc:Choice xmlns:a14="http://schemas.microsoft.com/office/drawing/2010/main" Requires="a14">
+          <p:sp>
+            <p:nvSpPr>
+              <p:cNvPr id="3" name="内容占位符 2"/>
+              <p:cNvSpPr>
+                <a:spLocks noGrp="1"/>
+              </p:cNvSpPr>
+              <p:nvPr>
+                <p:ph idx="1"/>
+              </p:nvPr>
+            </p:nvSpPr>
+            <p:spPr/>
+            <p:txBody>
+              <a:bodyPr/>
+              <a:lstStyle/>
+              <a:p>
+                <a:r>
+                  <a:rPr kumimoji="1" lang="zh-CN" altLang="en-US" dirty="0" smtClean="0"/>
+                  <a:t>一元线性回归是</a:t>
+                </a:r>
+                <a:r>
+                  <a:rPr kumimoji="1" lang="zh-CN" altLang="en-US" dirty="0" smtClean="0">
+                    <a:solidFill>
+                      <a:srgbClr val="FF0000"/>
+                    </a:solidFill>
+                  </a:rPr>
+                  <a:t>多元线性回归</a:t>
+                </a:r>
+                <a:r>
+                  <a:rPr kumimoji="1" lang="zh-CN" altLang="en-US" dirty="0" smtClean="0"/>
+                  <a:t>的一个特例，即只有一个特征的线性回归。</a:t>
+                </a:r>
+                <a:endParaRPr kumimoji="1" lang="en-US" altLang="zh-CN" dirty="0" smtClean="0"/>
+              </a:p>
+              <a:p>
+                <a:endParaRPr kumimoji="1" lang="en-US" altLang="zh-CN" dirty="0" smtClean="0"/>
+              </a:p>
+              <a:p>
+                <a:r>
+                  <a:rPr kumimoji="1" lang="zh-CN" altLang="en-US" dirty="0" smtClean="0"/>
+                  <a:t>符号表示：</a:t>
+                </a:r>
+                <a:endParaRPr kumimoji="1" lang="en-US" altLang="zh-CN" dirty="0"/>
+              </a:p>
+              <a:p>
+                <a:pPr lvl="1"/>
+                <a:r>
+                  <a:rPr lang="en-US" altLang="zh-CN" b="1" i="1" dirty="0" smtClean="0">
+                    <a:latin typeface="Times New Roman" panose="02020603050405020304" pitchFamily="18" charset="0"/>
+                    <a:cs typeface="Times New Roman" panose="02020603050405020304" pitchFamily="18" charset="0"/>
+                  </a:rPr>
+                  <a:t>X</a:t>
+                </a:r>
+                <a:r>
+                  <a:rPr lang="en-US" altLang="zh-CN" dirty="0" smtClean="0"/>
+                  <a:t>: </a:t>
+                </a:r>
+                <a:r>
+                  <a:rPr lang="zh-CN" altLang="en-US" dirty="0"/>
+                  <a:t>输入值</a:t>
+                </a:r>
+                <a:r>
+                  <a:rPr lang="en-US" altLang="zh-CN" dirty="0"/>
+                  <a:t>/</a:t>
+                </a:r>
+                <a:r>
+                  <a:rPr lang="zh-CN" altLang="en-US" dirty="0"/>
+                  <a:t>特征</a:t>
+                </a:r>
+                <a:r>
+                  <a:rPr lang="en-US" altLang="zh-CN" dirty="0"/>
+                  <a:t>(feature</a:t>
+                </a:r>
+                <a:r>
+                  <a:rPr lang="en-US" altLang="zh-CN" dirty="0" smtClean="0"/>
+                  <a:t>)</a:t>
+                </a:r>
+                <a:endParaRPr lang="en-US" altLang="zh-CN" dirty="0"/>
+              </a:p>
+              <a:p>
+                <a:pPr lvl="1"/>
+                <a:r>
+                  <a:rPr lang="en-US" altLang="zh-CN" b="1" i="1" dirty="0">
+                    <a:latin typeface="Times New Roman" panose="02020603050405020304" pitchFamily="18" charset="0"/>
+                    <a:cs typeface="Times New Roman" panose="02020603050405020304" pitchFamily="18" charset="0"/>
+                  </a:rPr>
+                  <a:t>y</a:t>
+                </a:r>
+                <a:r>
+                  <a:rPr lang="en-US" altLang="zh-CN" dirty="0"/>
+                  <a:t>: </a:t>
+                </a:r>
+                <a:r>
+                  <a:rPr lang="zh-CN" altLang="en-US" dirty="0"/>
+                  <a:t>输出值</a:t>
+                </a:r>
+                <a:r>
+                  <a:rPr lang="en-US" altLang="zh-CN" dirty="0"/>
+                  <a:t>/</a:t>
+                </a:r>
+                <a:r>
+                  <a:rPr lang="zh-CN" altLang="en-US" dirty="0"/>
+                  <a:t>目标</a:t>
+                </a:r>
+                <a:r>
+                  <a:rPr lang="en-US" altLang="zh-CN" dirty="0"/>
+                  <a:t>(target</a:t>
+                </a:r>
+                <a:r>
+                  <a:rPr lang="en-US" altLang="zh-CN" dirty="0" smtClean="0"/>
+                  <a:t>)</a:t>
+                </a:r>
+              </a:p>
+              <a:p>
+                <a:pPr lvl="1"/>
+                <a14:m>
+                  <m:oMath xmlns:m="http://schemas.openxmlformats.org/officeDocument/2006/math">
+                    <m:sSubSup>
+                      <m:sSubSupPr>
+                        <m:ctrlPr>
+                          <a:rPr lang="en-US" altLang="zh-CN" i="1">
+                            <a:latin typeface="Cambria Math" charset="0"/>
+                          </a:rPr>
+                        </m:ctrlPr>
+                      </m:sSubSupPr>
+                      <m:e>
+                        <m:r>
+                          <a:rPr lang="en-US" altLang="zh-CN" i="1">
+                            <a:latin typeface="Cambria Math" panose="02040503050406030204" pitchFamily="18" charset="0"/>
+                          </a:rPr>
+                          <m:t>𝑥</m:t>
+                        </m:r>
+                      </m:e>
+                      <m:sub>
+                        <m:r>
+                          <a:rPr lang="en-US" altLang="zh-CN" i="1">
+                            <a:latin typeface="Cambria Math" charset="0"/>
+                          </a:rPr>
+                          <m:t>𝑗</m:t>
+                        </m:r>
+                      </m:sub>
+                      <m:sup>
+                        <m:d>
+                          <m:dPr>
+                            <m:ctrlPr>
+                              <a:rPr lang="en-US" altLang="zh-CN" i="1">
+                                <a:latin typeface="Cambria Math" charset="0"/>
+                              </a:rPr>
+                            </m:ctrlPr>
+                          </m:dPr>
+                          <m:e>
+                            <m:r>
+                              <a:rPr lang="en-US" altLang="zh-CN" i="1">
+                                <a:latin typeface="Cambria Math" panose="02040503050406030204" pitchFamily="18" charset="0"/>
+                              </a:rPr>
+                              <m:t>𝑖</m:t>
+                            </m:r>
+                          </m:e>
+                        </m:d>
+                      </m:sup>
+                    </m:sSubSup>
+                  </m:oMath>
+                </a14:m>
+                <a:r>
+                  <a:rPr lang="en-US" altLang="zh-CN" dirty="0"/>
+                  <a:t>:</a:t>
+                </a:r>
+                <a:r>
+                  <a:rPr lang="zh-CN" altLang="en-US" dirty="0"/>
+                  <a:t> 表示第</a:t>
+                </a:r>
+                <a:r>
+                  <a:rPr lang="en-US" altLang="zh-CN" i="1" dirty="0" err="1"/>
+                  <a:t>i</a:t>
+                </a:r>
+                <a:r>
+                  <a:rPr lang="zh-CN" altLang="en-US" dirty="0"/>
+                  <a:t>个训练实例的第</a:t>
+                </a:r>
+                <a:r>
+                  <a:rPr lang="en-US" altLang="zh-CN" i="1" dirty="0"/>
+                  <a:t>j</a:t>
+                </a:r>
+                <a:r>
+                  <a:rPr lang="zh-CN" altLang="en-US" dirty="0"/>
+                  <a:t>个</a:t>
+                </a:r>
+                <a:r>
+                  <a:rPr lang="zh-CN" altLang="en-US" dirty="0" smtClean="0"/>
+                  <a:t>特征</a:t>
+                </a:r>
+                <a:endParaRPr lang="en-US" altLang="zh-CN" dirty="0"/>
+              </a:p>
+              <a:p>
+                <a:pPr lvl="1"/>
+                <a14:m>
+                  <m:oMath xmlns:m="http://schemas.openxmlformats.org/officeDocument/2006/math">
+                    <m:d>
+                      <m:dPr>
+                        <m:ctrlPr>
+                          <a:rPr lang="en-US" altLang="zh-CN" i="1">
+                            <a:latin typeface="Cambria Math" panose="02040503050406030204" pitchFamily="18" charset="0"/>
+                          </a:rPr>
+                        </m:ctrlPr>
+                      </m:dPr>
+                      <m:e>
+                        <m:sSup>
+                          <m:sSupPr>
+                            <m:ctrlPr>
+                              <a:rPr lang="en-US" altLang="zh-CN" i="1">
+                                <a:latin typeface="Cambria Math" charset="0"/>
+                              </a:rPr>
+                            </m:ctrlPr>
+                          </m:sSupPr>
+                          <m:e>
+                            <m:r>
+                              <a:rPr lang="en-US" altLang="zh-CN" i="1">
+                                <a:latin typeface="Cambria Math" panose="02040503050406030204" pitchFamily="18" charset="0"/>
+                              </a:rPr>
+                              <m:t>𝑥</m:t>
+                            </m:r>
+                          </m:e>
+                          <m:sup>
+                            <m:d>
+                              <m:dPr>
+                                <m:ctrlPr>
+                                  <a:rPr lang="en-US" altLang="zh-CN" i="1">
+                                    <a:latin typeface="Cambria Math" charset="0"/>
+                                  </a:rPr>
+                                </m:ctrlPr>
+                              </m:dPr>
+                              <m:e>
+                                <m:r>
+                                  <a:rPr lang="en-US" altLang="zh-CN" i="1">
+                                    <a:latin typeface="Cambria Math" panose="02040503050406030204" pitchFamily="18" charset="0"/>
+                                  </a:rPr>
+                                  <m:t>𝑖</m:t>
+                                </m:r>
+                              </m:e>
+                            </m:d>
+                          </m:sup>
+                        </m:sSup>
+                        <m:r>
+                          <a:rPr lang="en-US" altLang="zh-CN" i="1">
+                            <a:latin typeface="Cambria Math" panose="02040503050406030204" pitchFamily="18" charset="0"/>
+                          </a:rPr>
+                          <m:t>,</m:t>
+                        </m:r>
+                        <m:sSup>
+                          <m:sSupPr>
+                            <m:ctrlPr>
+                              <a:rPr lang="en-US" altLang="zh-CN" i="1">
+                                <a:latin typeface="Cambria Math" charset="0"/>
+                              </a:rPr>
+                            </m:ctrlPr>
+                          </m:sSupPr>
+                          <m:e>
+                            <m:r>
+                              <a:rPr lang="en-US" altLang="zh-CN" i="1">
+                                <a:latin typeface="Cambria Math" panose="02040503050406030204" pitchFamily="18" charset="0"/>
+                              </a:rPr>
+                              <m:t>𝑦</m:t>
+                            </m:r>
+                          </m:e>
+                          <m:sup>
+                            <m:d>
+                              <m:dPr>
+                                <m:ctrlPr>
+                                  <a:rPr lang="en-US" altLang="zh-CN" i="1">
+                                    <a:latin typeface="Cambria Math" panose="02040503050406030204" pitchFamily="18" charset="0"/>
+                                  </a:rPr>
+                                </m:ctrlPr>
+                              </m:dPr>
+                              <m:e>
+                                <m:r>
+                                  <a:rPr lang="en-US" altLang="zh-CN" i="1">
+                                    <a:latin typeface="Cambria Math" panose="02040503050406030204" pitchFamily="18" charset="0"/>
+                                  </a:rPr>
+                                  <m:t>𝑖</m:t>
+                                </m:r>
+                              </m:e>
+                            </m:d>
+                          </m:sup>
+                        </m:sSup>
+                      </m:e>
+                    </m:d>
+                  </m:oMath>
+                </a14:m>
+                <a:r>
+                  <a:rPr lang="en-US" altLang="zh-CN" dirty="0" smtClean="0"/>
+                  <a:t>: </a:t>
+                </a:r>
+                <a:r>
+                  <a:rPr lang="zh-CN" altLang="en-US" dirty="0"/>
+                  <a:t>表示第</a:t>
+                </a:r>
+                <a:r>
+                  <a:rPr lang="en-US" altLang="zh-CN" i="1" dirty="0" err="1"/>
+                  <a:t>i</a:t>
+                </a:r>
+                <a:r>
+                  <a:rPr lang="zh-CN" altLang="en-US" dirty="0"/>
+                  <a:t>个训练实例</a:t>
+                </a:r>
+                <a:r>
+                  <a:rPr lang="en-US" altLang="zh-CN" dirty="0"/>
+                  <a:t>(training example</a:t>
+                </a:r>
+                <a:r>
+                  <a:rPr lang="en-US" altLang="zh-CN" dirty="0" smtClean="0"/>
+                  <a:t>)</a:t>
+                </a:r>
+              </a:p>
+              <a:p>
+                <a:pPr lvl="1"/>
+                <a14:m>
+                  <m:oMath xmlns:m="http://schemas.openxmlformats.org/officeDocument/2006/math">
+                    <m:r>
+                      <a:rPr lang="en-US" altLang="zh-CN" i="1" dirty="0" smtClean="0">
+                        <a:latin typeface="Cambria Math" charset="0"/>
+                        <a:ea typeface="Times New Roman" charset="0"/>
+                        <a:cs typeface="Times New Roman" charset="0"/>
+                      </a:rPr>
+                      <m:t>𝑁</m:t>
+                    </m:r>
+                  </m:oMath>
+                </a14:m>
+                <a:r>
+                  <a:rPr lang="en-US" altLang="zh-CN" dirty="0" smtClean="0"/>
+                  <a:t>:</a:t>
+                </a:r>
+                <a:r>
+                  <a:rPr lang="zh-CN" altLang="en-US" dirty="0" smtClean="0"/>
+                  <a:t> 表示样本数量</a:t>
+                </a:r>
+                <a:endParaRPr lang="en-US" altLang="zh-CN" dirty="0" smtClean="0"/>
+              </a:p>
+              <a:p>
+                <a:pPr lvl="1"/>
+                <a14:m>
+                  <m:oMath xmlns:m="http://schemas.openxmlformats.org/officeDocument/2006/math">
+                    <m:r>
+                      <a:rPr lang="en-US" altLang="zh-CN" b="0" i="1" dirty="0" smtClean="0">
+                        <a:latin typeface="Cambria Math" charset="0"/>
+                      </a:rPr>
+                      <m:t>𝑀</m:t>
+                    </m:r>
+                  </m:oMath>
+                </a14:m>
+                <a:r>
+                  <a:rPr lang="en-US" altLang="zh-CN" dirty="0" smtClean="0"/>
+                  <a:t>:</a:t>
+                </a:r>
+                <a:r>
+                  <a:rPr lang="zh-CN" altLang="en-US" dirty="0" smtClean="0"/>
+                  <a:t> 表示特征数量</a:t>
+                </a:r>
+                <a:endParaRPr lang="en-US" altLang="zh-CN" dirty="0"/>
+              </a:p>
+              <a:p>
+                <a:pPr lvl="1"/>
+                <a:endParaRPr lang="en-US" altLang="zh-CN" dirty="0" smtClean="0"/>
+              </a:p>
+              <a:p>
+                <a:endParaRPr kumimoji="1" lang="en-US" altLang="zh-CN" dirty="0" smtClean="0"/>
+              </a:p>
+              <a:p>
+                <a:endParaRPr kumimoji="1" lang="zh-CN" altLang="en-US" dirty="0"/>
+              </a:p>
+            </p:txBody>
+          </p:sp>
+        </mc:Choice>
+        <mc:Fallback>
+          <p:sp>
+            <p:nvSpPr>
+              <p:cNvPr id="3" name="内容占位符 2"/>
+              <p:cNvSpPr>
+                <a:spLocks noGrp="1" noRot="1" noChangeAspect="1" noMove="1" noResize="1" noEditPoints="1" noAdjustHandles="1" noChangeArrowheads="1" noChangeShapeType="1" noTextEdit="1"/>
+              </p:cNvSpPr>
+              <p:nvPr>
+                <p:ph idx="1"/>
+              </p:nvPr>
+            </p:nvSpPr>
+            <p:spPr>
+              <a:blipFill rotWithShape="0">
+                <a:blip r:embed="rId2"/>
+                <a:stretch>
+                  <a:fillRect l="-686" t="-982"/>
+                </a:stretch>
+              </a:blipFill>
+            </p:spPr>
+            <p:txBody>
+              <a:bodyPr/>
+              <a:lstStyle/>
+              <a:p>
+                <a:r>
+                  <a:rPr lang="zh-CN" altLang="en-US">
+                    <a:noFill/>
+                  </a:rPr>
+                  <a:t> </a:t>
+                </a:r>
+              </a:p>
+            </p:txBody>
+          </p:sp>
+        </mc:Fallback>
+      </mc:AlternateContent>
+      <p:sp>
+        <p:nvSpPr>
+          <p:cNvPr id="4" name="日期占位符 3"/>
+          <p:cNvSpPr>
+            <a:spLocks noGrp="1"/>
+          </p:cNvSpPr>
+          <p:nvPr>
+            <p:ph type="dt" sz="half" idx="10"/>
+          </p:nvPr>
+        </p:nvSpPr>
+        <p:spPr/>
+        <p:txBody>
+          <a:bodyPr/>
+          <a:lstStyle/>
+          <a:p>
+            <a:pPr>
+              <a:defRPr/>
+            </a:pPr>
+            <a:fld id="{95A2A19B-170D-1043-AE33-7A36DFB7BCDC}" type="datetime2">
+              <a:rPr lang="zh-CN" altLang="en-US" smtClean="0"/>
+              <a:t>2018年7月5日</a:t>
+            </a:fld>
+            <a:endParaRPr lang="en-US" altLang="zh-CN"/>
+          </a:p>
+        </p:txBody>
+      </p:sp>
+      <p:sp>
+        <p:nvSpPr>
+          <p:cNvPr id="5" name="页脚占位符 4"/>
+          <p:cNvSpPr>
+            <a:spLocks noGrp="1"/>
+          </p:cNvSpPr>
+          <p:nvPr>
+            <p:ph type="ftr" sz="quarter" idx="11"/>
+          </p:nvPr>
+        </p:nvSpPr>
+        <p:spPr/>
+        <p:txBody>
+          <a:bodyPr/>
+          <a:lstStyle/>
+          <a:p>
+            <a:pPr>
+              <a:defRPr/>
+            </a:pPr>
+            <a:r>
+              <a:rPr lang="zh-CN" altLang="en-US" smtClean="0"/>
+              <a:t>机器学习入门</a:t>
+            </a:r>
+            <a:endParaRPr lang="en-US" altLang="zh-CN" dirty="0"/>
+          </a:p>
+        </p:txBody>
+      </p:sp>
+      <p:sp>
+        <p:nvSpPr>
+          <p:cNvPr id="6" name="幻灯片编号占位符 5"/>
+          <p:cNvSpPr>
+            <a:spLocks noGrp="1"/>
+          </p:cNvSpPr>
+          <p:nvPr>
+            <p:ph type="sldNum" sz="quarter" idx="12"/>
+          </p:nvPr>
+        </p:nvSpPr>
+        <p:spPr/>
+        <p:txBody>
+          <a:bodyPr/>
+          <a:lstStyle/>
+          <a:p>
+            <a:pPr>
+              <a:defRPr/>
+            </a:pPr>
+            <a:fld id="{64C9EB70-B654-4058-838F-8806615D92E5}" type="slidenum">
+              <a:rPr lang="en-US" altLang="zh-CN" smtClean="0"/>
+              <a:pPr>
+                <a:defRPr/>
+              </a:pPr>
+              <a:t>27</a:t>
+            </a:fld>
+            <a:endParaRPr lang="en-US" altLang="zh-CN"/>
+          </a:p>
+        </p:txBody>
+      </p:sp>
+      <mc:AlternateContent xmlns:mc="http://schemas.openxmlformats.org/markup-compatibility/2006">
+        <mc:Choice xmlns:a14="http://schemas.microsoft.com/office/drawing/2010/main" Requires="a14">
+          <p:graphicFrame>
+            <p:nvGraphicFramePr>
+              <p:cNvPr id="7" name="内容占位符 6">
+                <a:extLst>
+                  <a:ext uri="{FF2B5EF4-FFF2-40B4-BE49-F238E27FC236}">
+                    <a16:creationId xmlns:a16="http://schemas.microsoft.com/office/drawing/2014/main" xmlns="" id="{EB980026-D29F-4C6E-9BFC-18210325D87E}"/>
+                  </a:ext>
+                </a:extLst>
+              </p:cNvPr>
+              <p:cNvGraphicFramePr>
+                <a:graphicFrameLocks/>
+              </p:cNvGraphicFramePr>
+              <p:nvPr>
+                <p:extLst>
+                  <p:ext uri="{D42A27DB-BD31-4B8C-83A1-F6EECF244321}">
+                    <p14:modId xmlns:p14="http://schemas.microsoft.com/office/powerpoint/2010/main" val="619174847"/>
+                  </p:ext>
+                </p:extLst>
+              </p:nvPr>
+            </p:nvGraphicFramePr>
+            <p:xfrm>
+              <a:off x="6636468" y="4310069"/>
+              <a:ext cx="4742732" cy="1854200"/>
+            </p:xfrm>
+            <a:graphic>
+              <a:graphicData uri="http://schemas.openxmlformats.org/drawingml/2006/table">
+                <a:tbl>
+                  <a:tblPr firstRow="1" bandRow="1">
+                    <a:tableStyleId>{073A0DAA-6AF3-43AB-8588-CEC1D06C72B9}</a:tableStyleId>
+                  </a:tblPr>
+                  <a:tblGrid>
+                    <a:gridCol w="1185683">
+                      <a:extLst>
+                        <a:ext uri="{9D8B030D-6E8A-4147-A177-3AD203B41FA5}">
+                          <a16:colId xmlns:a16="http://schemas.microsoft.com/office/drawing/2014/main" xmlns="" val="849694925"/>
+                        </a:ext>
+                      </a:extLst>
+                    </a:gridCol>
+                    <a:gridCol w="1185683"/>
+                    <a:gridCol w="1185683"/>
+                    <a:gridCol w="1185683">
+                      <a:extLst>
+                        <a:ext uri="{9D8B030D-6E8A-4147-A177-3AD203B41FA5}">
+                          <a16:colId xmlns:a16="http://schemas.microsoft.com/office/drawing/2014/main" xmlns="" val="2032597962"/>
+                        </a:ext>
+                      </a:extLst>
+                    </a:gridCol>
+                  </a:tblGrid>
+                  <a:tr h="370840">
+                    <a:tc>
+                      <a:txBody>
+                        <a:bodyPr/>
+                        <a:lstStyle/>
+                        <a:p>
+                          <a:pPr algn="ctr"/>
+                          <a:r>
+                            <a:rPr lang="zh-CN" altLang="en-US" dirty="0" smtClean="0"/>
+                            <a:t>面积</a:t>
+                          </a:r>
+                          <a:r>
+                            <a:rPr lang="en-US" altLang="zh-CN" dirty="0" smtClean="0"/>
+                            <a:t>(</a:t>
+                          </a:r>
+                          <a14:m>
+                            <m:oMath xmlns:m="http://schemas.openxmlformats.org/officeDocument/2006/math">
+                              <m:sSub>
+                                <m:sSubPr>
+                                  <m:ctrlPr>
+                                    <a:rPr lang="en-US" altLang="zh-CN" b="1" i="1" dirty="0" smtClean="0">
+                                      <a:latin typeface="Cambria Math" charset="0"/>
+                                    </a:rPr>
+                                  </m:ctrlPr>
+                                </m:sSubPr>
+                                <m:e>
+                                  <m:r>
+                                    <a:rPr lang="en-US" altLang="zh-CN" b="1" i="1" dirty="0" smtClean="0">
+                                      <a:latin typeface="Cambria Math" charset="0"/>
+                                    </a:rPr>
+                                    <m:t>𝒙</m:t>
+                                  </m:r>
+                                </m:e>
+                                <m:sub>
+                                  <m:r>
+                                    <a:rPr lang="en-US" altLang="zh-CN" b="1" i="1" dirty="0" smtClean="0">
+                                      <a:latin typeface="Cambria Math" charset="0"/>
+                                    </a:rPr>
+                                    <m:t>𝟏</m:t>
+                                  </m:r>
+                                </m:sub>
+                              </m:sSub>
+                            </m:oMath>
+                          </a14:m>
+                          <a:r>
+                            <a:rPr lang="en-US" altLang="zh-CN" dirty="0" smtClean="0"/>
+                            <a:t>)</a:t>
+                          </a:r>
+                          <a:endParaRPr lang="zh-CN" altLang="en-US" dirty="0"/>
+                        </a:p>
+                      </a:txBody>
+                      <a:tcPr/>
+                    </a:tc>
+                    <a:tc>
+                      <a:txBody>
+                        <a:bodyPr/>
+                        <a:lstStyle/>
+                        <a:p>
+                          <a:pPr algn="ctr"/>
+                          <a:r>
+                            <a:rPr lang="zh-CN" altLang="en-US" dirty="0" smtClean="0"/>
+                            <a:t>卧室个数</a:t>
+                          </a:r>
+                          <a:r>
+                            <a:rPr lang="en-US" altLang="zh-CN" dirty="0" smtClean="0"/>
+                            <a:t>(</a:t>
+                          </a:r>
+                          <a14:m>
+                            <m:oMath xmlns:m="http://schemas.openxmlformats.org/officeDocument/2006/math">
+                              <m:sSub>
+                                <m:sSubPr>
+                                  <m:ctrlPr>
+                                    <a:rPr lang="en-US" altLang="zh-CN" b="1" i="1" dirty="0" smtClean="0">
+                                      <a:latin typeface="Cambria Math" charset="0"/>
+                                    </a:rPr>
+                                  </m:ctrlPr>
+                                </m:sSubPr>
+                                <m:e>
+                                  <m:r>
+                                    <a:rPr lang="en-US" altLang="zh-CN" b="1" i="1" dirty="0" smtClean="0">
+                                      <a:latin typeface="Cambria Math" charset="0"/>
+                                    </a:rPr>
+                                    <m:t>𝒙</m:t>
+                                  </m:r>
+                                </m:e>
+                                <m:sub>
+                                  <m:r>
+                                    <a:rPr lang="en-US" altLang="zh-CN" b="1" i="1" dirty="0" smtClean="0">
+                                      <a:latin typeface="Cambria Math" charset="0"/>
+                                    </a:rPr>
+                                    <m:t>𝟐</m:t>
+                                  </m:r>
+                                </m:sub>
+                              </m:sSub>
+                            </m:oMath>
+                          </a14:m>
+                          <a:r>
+                            <a:rPr lang="en-US" altLang="zh-CN" dirty="0" smtClean="0"/>
+                            <a:t>)</a:t>
+                          </a:r>
+                          <a:endParaRPr lang="zh-CN" altLang="en-US" dirty="0"/>
+                        </a:p>
+                      </a:txBody>
+                      <a:tcPr/>
+                    </a:tc>
+                    <a:tc>
+                      <a:txBody>
+                        <a:bodyPr/>
+                        <a:lstStyle/>
+                        <a:p>
+                          <a:pPr algn="ctr"/>
+                          <a:r>
+                            <a:rPr lang="zh-CN" altLang="en-US" dirty="0" smtClean="0"/>
+                            <a:t>建成时间</a:t>
+                          </a:r>
+                          <a:r>
+                            <a:rPr lang="en-US" altLang="zh-CN" dirty="0" smtClean="0"/>
+                            <a:t>(</a:t>
+                          </a:r>
+                          <a14:m>
+                            <m:oMath xmlns:m="http://schemas.openxmlformats.org/officeDocument/2006/math">
+                              <m:sSub>
+                                <m:sSubPr>
+                                  <m:ctrlPr>
+                                    <a:rPr lang="en-US" altLang="zh-CN" b="1" i="1" dirty="0" smtClean="0">
+                                      <a:latin typeface="Cambria Math" charset="0"/>
+                                    </a:rPr>
+                                  </m:ctrlPr>
+                                </m:sSubPr>
+                                <m:e>
+                                  <m:r>
+                                    <a:rPr lang="en-US" altLang="zh-CN" b="1" i="1" dirty="0" smtClean="0">
+                                      <a:latin typeface="Cambria Math" charset="0"/>
+                                    </a:rPr>
+                                    <m:t>𝒙</m:t>
+                                  </m:r>
+                                </m:e>
+                                <m:sub>
+                                  <m:r>
+                                    <a:rPr lang="en-US" altLang="zh-CN" b="1" i="1" dirty="0" smtClean="0">
+                                      <a:latin typeface="Cambria Math" charset="0"/>
+                                    </a:rPr>
+                                    <m:t>𝟑</m:t>
+                                  </m:r>
+                                </m:sub>
+                              </m:sSub>
+                            </m:oMath>
+                          </a14:m>
+                          <a:r>
+                            <a:rPr lang="en-US" altLang="zh-CN" dirty="0" smtClean="0"/>
+                            <a:t>)</a:t>
+                          </a:r>
+                          <a:endParaRPr lang="zh-CN" altLang="en-US" dirty="0"/>
+                        </a:p>
+                      </a:txBody>
+                      <a:tcPr/>
+                    </a:tc>
+                    <a:tc>
+                      <a:txBody>
+                        <a:bodyPr/>
+                        <a:lstStyle/>
+                        <a:p>
+                          <a:pPr algn="ctr"/>
+                          <a:r>
+                            <a:rPr lang="zh-CN" altLang="en-US" dirty="0" smtClean="0"/>
+                            <a:t>房价</a:t>
+                          </a:r>
+                          <a:r>
+                            <a:rPr lang="en-US" altLang="zh-CN" dirty="0" smtClean="0"/>
+                            <a:t>(</a:t>
+                          </a:r>
+                          <a14:m>
+                            <m:oMath xmlns:m="http://schemas.openxmlformats.org/officeDocument/2006/math">
+                              <m:r>
+                                <a:rPr lang="en-US" altLang="zh-CN" i="1" dirty="0" smtClean="0">
+                                  <a:latin typeface="Cambria Math" charset="0"/>
+                                </a:rPr>
+                                <m:t>𝑦</m:t>
+                              </m:r>
+                            </m:oMath>
+                          </a14:m>
+                          <a:r>
+                            <a:rPr lang="en-US" altLang="zh-CN" dirty="0" smtClean="0"/>
+                            <a:t>)</a:t>
+                          </a:r>
+                          <a:endParaRPr lang="zh-CN" altLang="en-US" dirty="0"/>
+                        </a:p>
+                      </a:txBody>
+                      <a:tcPr/>
+                    </a:tc>
+                    <a:extLst>
+                      <a:ext uri="{0D108BD9-81ED-4DB2-BD59-A6C34878D82A}">
+                        <a16:rowId xmlns:a16="http://schemas.microsoft.com/office/drawing/2014/main" xmlns="" val="246005499"/>
+                      </a:ext>
+                    </a:extLst>
+                  </a:tr>
+                  <a:tr h="370840">
+                    <a:tc>
+                      <a:txBody>
+                        <a:bodyPr/>
+                        <a:lstStyle/>
+                        <a:p>
+                          <a:pPr algn="ctr"/>
+                          <a:r>
+                            <a:rPr lang="en-US" altLang="zh-CN" dirty="0"/>
+                            <a:t>110</a:t>
+                          </a:r>
+                          <a:endParaRPr lang="zh-CN" altLang="en-US" dirty="0"/>
+                        </a:p>
+                      </a:txBody>
+                      <a:tcPr/>
+                    </a:tc>
+                    <a:tc>
+                      <a:txBody>
+                        <a:bodyPr/>
+                        <a:lstStyle/>
+                        <a:p>
+                          <a:pPr algn="ctr"/>
+                          <a:r>
+                            <a:rPr lang="en-US" altLang="zh-CN" dirty="0" smtClean="0"/>
+                            <a:t>2</a:t>
+                          </a:r>
+                          <a:endParaRPr lang="zh-CN" altLang="en-US" dirty="0"/>
+                        </a:p>
+                      </a:txBody>
+                      <a:tcPr/>
+                    </a:tc>
+                    <a:tc>
+                      <a:txBody>
+                        <a:bodyPr/>
+                        <a:lstStyle/>
+                        <a:p>
+                          <a:pPr algn="ctr"/>
+                          <a:r>
+                            <a:rPr lang="en-US" altLang="zh-CN" dirty="0" smtClean="0"/>
+                            <a:t>20</a:t>
+                          </a:r>
+                          <a:endParaRPr lang="zh-CN" altLang="en-US" dirty="0"/>
+                        </a:p>
+                      </a:txBody>
+                      <a:tcPr/>
+                    </a:tc>
+                    <a:tc>
+                      <a:txBody>
+                        <a:bodyPr/>
+                        <a:lstStyle/>
+                        <a:p>
+                          <a:pPr algn="ctr"/>
+                          <a:r>
+                            <a:rPr lang="en-US" altLang="zh-CN" dirty="0"/>
+                            <a:t>435</a:t>
+                          </a:r>
+                          <a:endParaRPr lang="zh-CN" altLang="en-US" dirty="0"/>
+                        </a:p>
+                      </a:txBody>
+                      <a:tcPr/>
+                    </a:tc>
+                    <a:extLst>
+                      <a:ext uri="{0D108BD9-81ED-4DB2-BD59-A6C34878D82A}">
+                        <a16:rowId xmlns:a16="http://schemas.microsoft.com/office/drawing/2014/main" xmlns="" val="1967244540"/>
+                      </a:ext>
+                    </a:extLst>
+                  </a:tr>
+                  <a:tr h="370840">
+                    <a:tc>
+                      <a:txBody>
+                        <a:bodyPr/>
+                        <a:lstStyle/>
+                        <a:p>
+                          <a:pPr algn="ctr"/>
+                          <a:r>
+                            <a:rPr lang="en-US" altLang="zh-CN" dirty="0"/>
+                            <a:t>130</a:t>
+                          </a:r>
+                          <a:endParaRPr lang="zh-CN" altLang="en-US" dirty="0"/>
+                        </a:p>
+                      </a:txBody>
+                      <a:tcPr/>
+                    </a:tc>
+                    <a:tc>
+                      <a:txBody>
+                        <a:bodyPr/>
+                        <a:lstStyle/>
+                        <a:p>
+                          <a:pPr algn="ctr"/>
+                          <a:r>
+                            <a:rPr lang="en-US" altLang="zh-CN" dirty="0" smtClean="0"/>
+                            <a:t>3</a:t>
+                          </a:r>
+                          <a:endParaRPr lang="zh-CN" altLang="en-US" dirty="0"/>
+                        </a:p>
+                      </a:txBody>
+                      <a:tcPr/>
+                    </a:tc>
+                    <a:tc>
+                      <a:txBody>
+                        <a:bodyPr/>
+                        <a:lstStyle/>
+                        <a:p>
+                          <a:pPr algn="ctr"/>
+                          <a:r>
+                            <a:rPr lang="en-US" altLang="zh-CN" dirty="0" smtClean="0"/>
+                            <a:t>10</a:t>
+                          </a:r>
+                          <a:endParaRPr lang="zh-CN" altLang="en-US" dirty="0"/>
+                        </a:p>
+                      </a:txBody>
+                      <a:tcPr/>
+                    </a:tc>
+                    <a:tc>
+                      <a:txBody>
+                        <a:bodyPr/>
+                        <a:lstStyle/>
+                        <a:p>
+                          <a:pPr algn="ctr"/>
+                          <a:r>
+                            <a:rPr lang="en-US" altLang="zh-CN" dirty="0" smtClean="0"/>
+                            <a:t>510</a:t>
+                          </a:r>
+                          <a:endParaRPr lang="zh-CN" altLang="en-US" dirty="0"/>
+                        </a:p>
+                      </a:txBody>
+                      <a:tcPr/>
+                    </a:tc>
+                    <a:extLst>
+                      <a:ext uri="{0D108BD9-81ED-4DB2-BD59-A6C34878D82A}">
+                        <a16:rowId xmlns:a16="http://schemas.microsoft.com/office/drawing/2014/main" xmlns="" val="1823030155"/>
+                      </a:ext>
+                    </a:extLst>
+                  </a:tr>
+                  <a:tr h="370840">
+                    <a:tc>
+                      <a:txBody>
+                        <a:bodyPr/>
+                        <a:lstStyle/>
+                        <a:p>
+                          <a:pPr algn="ctr"/>
+                          <a:r>
+                            <a:rPr lang="en-US" altLang="zh-CN" dirty="0"/>
+                            <a:t>80</a:t>
+                          </a:r>
+                          <a:endParaRPr lang="zh-CN" altLang="en-US" dirty="0"/>
+                        </a:p>
+                      </a:txBody>
+                      <a:tcPr/>
+                    </a:tc>
+                    <a:tc>
+                      <a:txBody>
+                        <a:bodyPr/>
+                        <a:lstStyle/>
+                        <a:p>
+                          <a:pPr algn="ctr"/>
+                          <a:r>
+                            <a:rPr lang="en-US" altLang="zh-CN" dirty="0" smtClean="0"/>
+                            <a:t>1</a:t>
+                          </a:r>
+                          <a:endParaRPr lang="zh-CN" altLang="en-US" dirty="0"/>
+                        </a:p>
+                      </a:txBody>
+                      <a:tcPr/>
+                    </a:tc>
+                    <a:tc>
+                      <a:txBody>
+                        <a:bodyPr/>
+                        <a:lstStyle/>
+                        <a:p>
+                          <a:pPr algn="ctr"/>
+                          <a:r>
+                            <a:rPr lang="en-US" altLang="zh-CN" dirty="0" smtClean="0"/>
+                            <a:t>30</a:t>
+                          </a:r>
+                          <a:endParaRPr lang="zh-CN" altLang="en-US" dirty="0"/>
+                        </a:p>
+                      </a:txBody>
+                      <a:tcPr/>
+                    </a:tc>
+                    <a:tc>
+                      <a:txBody>
+                        <a:bodyPr/>
+                        <a:lstStyle/>
+                        <a:p>
+                          <a:pPr algn="ctr"/>
+                          <a:r>
+                            <a:rPr lang="en-US" altLang="zh-CN" dirty="0"/>
+                            <a:t>327</a:t>
+                          </a:r>
+                          <a:endParaRPr lang="zh-CN" altLang="en-US" dirty="0"/>
+                        </a:p>
+                      </a:txBody>
+                      <a:tcPr/>
+                    </a:tc>
+                    <a:extLst>
+                      <a:ext uri="{0D108BD9-81ED-4DB2-BD59-A6C34878D82A}">
+                        <a16:rowId xmlns:a16="http://schemas.microsoft.com/office/drawing/2014/main" xmlns="" val="1815547532"/>
+                      </a:ext>
+                    </a:extLst>
+                  </a:tr>
+                  <a:tr h="370840">
+                    <a:tc>
+                      <a:txBody>
+                        <a:bodyPr/>
+                        <a:lstStyle/>
+                        <a:p>
+                          <a:pPr algn="ctr"/>
+                          <a:r>
+                            <a:rPr lang="en-US" altLang="zh-CN" dirty="0" smtClean="0"/>
+                            <a:t>90</a:t>
+                          </a:r>
+                          <a:endParaRPr lang="zh-CN" altLang="en-US" dirty="0"/>
+                        </a:p>
+                      </a:txBody>
+                      <a:tcPr/>
+                    </a:tc>
+                    <a:tc>
+                      <a:txBody>
+                        <a:bodyPr/>
+                        <a:lstStyle/>
+                        <a:p>
+                          <a:pPr marL="0" marR="0" indent="0" algn="ctr" defTabSz="685800" rtl="0" eaLnBrk="1" fontAlgn="auto" latinLnBrk="0" hangingPunct="1">
+                            <a:lnSpc>
+                              <a:spcPct val="100000"/>
+                            </a:lnSpc>
+                            <a:spcBef>
+                              <a:spcPts val="0"/>
+                            </a:spcBef>
+                            <a:spcAft>
+                              <a:spcPts val="0"/>
+                            </a:spcAft>
+                            <a:buClrTx/>
+                            <a:buSzTx/>
+                            <a:buFontTx/>
+                            <a:buNone/>
+                            <a:tabLst/>
+                            <a:defRPr/>
+                          </a:pPr>
+                          <a:r>
+                            <a:rPr lang="en-US" altLang="zh-CN" dirty="0" smtClean="0"/>
+                            <a:t>1</a:t>
+                          </a:r>
+                          <a:endParaRPr lang="zh-CN" altLang="en-US" dirty="0" smtClean="0"/>
+                        </a:p>
+                      </a:txBody>
+                      <a:tcPr/>
+                    </a:tc>
+                    <a:tc>
+                      <a:txBody>
+                        <a:bodyPr/>
+                        <a:lstStyle/>
+                        <a:p>
+                          <a:pPr marL="0" marR="0" indent="0" algn="ctr" defTabSz="685800" rtl="0" eaLnBrk="1" fontAlgn="auto" latinLnBrk="0" hangingPunct="1">
+                            <a:lnSpc>
+                              <a:spcPct val="100000"/>
+                            </a:lnSpc>
+                            <a:spcBef>
+                              <a:spcPts val="0"/>
+                            </a:spcBef>
+                            <a:spcAft>
+                              <a:spcPts val="0"/>
+                            </a:spcAft>
+                            <a:buClrTx/>
+                            <a:buSzTx/>
+                            <a:buFontTx/>
+                            <a:buNone/>
+                            <a:tabLst/>
+                            <a:defRPr/>
+                          </a:pPr>
+                          <a:r>
+                            <a:rPr lang="en-US" altLang="zh-CN" dirty="0" smtClean="0"/>
+                            <a:t>5</a:t>
+                          </a:r>
+                          <a:endParaRPr lang="zh-CN" altLang="en-US" dirty="0" smtClean="0"/>
+                        </a:p>
+                      </a:txBody>
+                      <a:tcPr/>
+                    </a:tc>
+                    <a:tc>
+                      <a:txBody>
+                        <a:bodyPr/>
+                        <a:lstStyle/>
+                        <a:p>
+                          <a:pPr algn="ctr"/>
+                          <a:r>
+                            <a:rPr lang="en-US" altLang="zh-CN" dirty="0" smtClean="0"/>
+                            <a:t>500</a:t>
+                          </a:r>
+                          <a:endParaRPr lang="zh-CN" altLang="en-US" dirty="0"/>
+                        </a:p>
+                      </a:txBody>
+                      <a:tcPr/>
+                    </a:tc>
+                    <a:extLst>
+                      <a:ext uri="{0D108BD9-81ED-4DB2-BD59-A6C34878D82A}">
+                        <a16:rowId xmlns:a16="http://schemas.microsoft.com/office/drawing/2014/main" xmlns="" val="168178639"/>
+                      </a:ext>
+                    </a:extLst>
+                  </a:tr>
+                </a:tbl>
+              </a:graphicData>
+            </a:graphic>
+          </p:graphicFrame>
+        </mc:Choice>
+        <mc:Fallback>
+          <p:graphicFrame>
+            <p:nvGraphicFramePr>
+              <p:cNvPr id="7" name="内容占位符 6">
+                <a:extLst>
+                  <a:ext uri="{FF2B5EF4-FFF2-40B4-BE49-F238E27FC236}">
+                    <a16:creationId xmlns:a16="http://schemas.microsoft.com/office/drawing/2014/main" xmlns="" id="{EB980026-D29F-4C6E-9BFC-18210325D87E}"/>
+                  </a:ext>
+                </a:extLst>
+              </p:cNvPr>
+              <p:cNvGraphicFramePr>
+                <a:graphicFrameLocks/>
+              </p:cNvGraphicFramePr>
+              <p:nvPr>
+                <p:extLst>
+                  <p:ext uri="{D42A27DB-BD31-4B8C-83A1-F6EECF244321}">
+                    <p14:modId xmlns:p14="http://schemas.microsoft.com/office/powerpoint/2010/main" val="619174847"/>
+                  </p:ext>
+                </p:extLst>
+              </p:nvPr>
+            </p:nvGraphicFramePr>
+            <p:xfrm>
+              <a:off x="6636468" y="4310069"/>
+              <a:ext cx="4742732" cy="1854200"/>
+            </p:xfrm>
+            <a:graphic>
+              <a:graphicData uri="http://schemas.openxmlformats.org/drawingml/2006/table">
+                <a:tbl>
+                  <a:tblPr firstRow="1" bandRow="1">
+                    <a:tableStyleId>{073A0DAA-6AF3-43AB-8588-CEC1D06C72B9}</a:tableStyleId>
+                  </a:tblPr>
+                  <a:tblGrid>
+                    <a:gridCol w="1185683">
+                      <a:extLst>
+                        <a:ext uri="{9D8B030D-6E8A-4147-A177-3AD203B41FA5}">
+                          <a16:colId xmlns:a16="http://schemas.microsoft.com/office/drawing/2014/main" xmlns="" val="849694925"/>
+                        </a:ext>
+                      </a:extLst>
+                    </a:gridCol>
+                    <a:gridCol w="1185683"/>
+                    <a:gridCol w="1185683"/>
+                    <a:gridCol w="1185683">
+                      <a:extLst>
+                        <a:ext uri="{9D8B030D-6E8A-4147-A177-3AD203B41FA5}">
+                          <a16:colId xmlns:a16="http://schemas.microsoft.com/office/drawing/2014/main" xmlns="" val="2032597962"/>
+                        </a:ext>
+                      </a:extLst>
+                    </a:gridCol>
+                  </a:tblGrid>
+                  <a:tr h="370840">
+                    <a:tc>
+                      <a:txBody>
+                        <a:bodyPr/>
+                        <a:lstStyle/>
+                        <a:p>
+                          <a:endParaRPr lang="zh-CN"/>
+                        </a:p>
+                      </a:txBody>
+                      <a:tcPr>
+                        <a:blipFill rotWithShape="0">
+                          <a:blip r:embed="rId3"/>
+                          <a:stretch>
+                            <a:fillRect l="-513" t="-3279" r="-301538" b="-403279"/>
+                          </a:stretch>
+                        </a:blipFill>
+                      </a:tcPr>
+                    </a:tc>
+                    <a:tc>
+                      <a:txBody>
+                        <a:bodyPr/>
+                        <a:lstStyle/>
+                        <a:p>
+                          <a:endParaRPr lang="zh-CN"/>
+                        </a:p>
+                      </a:txBody>
+                      <a:tcPr>
+                        <a:blipFill rotWithShape="0">
+                          <a:blip r:embed="rId3"/>
+                          <a:stretch>
+                            <a:fillRect l="-100513" t="-3279" r="-201538" b="-403279"/>
+                          </a:stretch>
+                        </a:blipFill>
+                      </a:tcPr>
+                    </a:tc>
+                    <a:tc>
+                      <a:txBody>
+                        <a:bodyPr/>
+                        <a:lstStyle/>
+                        <a:p>
+                          <a:endParaRPr lang="zh-CN"/>
+                        </a:p>
+                      </a:txBody>
+                      <a:tcPr>
+                        <a:blipFill rotWithShape="0">
+                          <a:blip r:embed="rId3"/>
+                          <a:stretch>
+                            <a:fillRect l="-201546" t="-3279" r="-102577" b="-403279"/>
+                          </a:stretch>
+                        </a:blipFill>
+                      </a:tcPr>
+                    </a:tc>
+                    <a:tc>
+                      <a:txBody>
+                        <a:bodyPr/>
+                        <a:lstStyle/>
+                        <a:p>
+                          <a:endParaRPr lang="zh-CN"/>
+                        </a:p>
+                      </a:txBody>
+                      <a:tcPr>
+                        <a:blipFill rotWithShape="0">
+                          <a:blip r:embed="rId3"/>
+                          <a:stretch>
+                            <a:fillRect l="-300000" t="-3279" r="-2051" b="-403279"/>
+                          </a:stretch>
+                        </a:blipFill>
+                      </a:tcPr>
+                    </a:tc>
+                    <a:extLst>
+                      <a:ext uri="{0D108BD9-81ED-4DB2-BD59-A6C34878D82A}">
+                        <a16:rowId xmlns:a16="http://schemas.microsoft.com/office/drawing/2014/main" xmlns="" val="246005499"/>
+                      </a:ext>
+                    </a:extLst>
+                  </a:tr>
+                  <a:tr h="370840">
+                    <a:tc>
+                      <a:txBody>
+                        <a:bodyPr/>
+                        <a:lstStyle/>
+                        <a:p>
+                          <a:pPr algn="ctr"/>
+                          <a:r>
+                            <a:rPr lang="en-US" altLang="zh-CN" dirty="0"/>
+                            <a:t>110</a:t>
+                          </a:r>
+                          <a:endParaRPr lang="zh-CN" altLang="en-US" dirty="0"/>
+                        </a:p>
+                      </a:txBody>
+                      <a:tcPr/>
+                    </a:tc>
+                    <a:tc>
+                      <a:txBody>
+                        <a:bodyPr/>
+                        <a:lstStyle/>
+                        <a:p>
+                          <a:pPr algn="ctr"/>
+                          <a:r>
+                            <a:rPr lang="en-US" altLang="zh-CN" dirty="0" smtClean="0"/>
+                            <a:t>2</a:t>
+                          </a:r>
+                          <a:endParaRPr lang="zh-CN" altLang="en-US" dirty="0"/>
+                        </a:p>
+                      </a:txBody>
+                      <a:tcPr/>
+                    </a:tc>
+                    <a:tc>
+                      <a:txBody>
+                        <a:bodyPr/>
+                        <a:lstStyle/>
+                        <a:p>
+                          <a:pPr algn="ctr"/>
+                          <a:r>
+                            <a:rPr lang="en-US" altLang="zh-CN" dirty="0" smtClean="0"/>
+                            <a:t>20</a:t>
+                          </a:r>
+                          <a:endParaRPr lang="zh-CN" altLang="en-US" dirty="0"/>
+                        </a:p>
+                      </a:txBody>
+                      <a:tcPr/>
+                    </a:tc>
+                    <a:tc>
+                      <a:txBody>
+                        <a:bodyPr/>
+                        <a:lstStyle/>
+                        <a:p>
+                          <a:pPr algn="ctr"/>
+                          <a:r>
+                            <a:rPr lang="en-US" altLang="zh-CN" dirty="0"/>
+                            <a:t>435</a:t>
+                          </a:r>
+                          <a:endParaRPr lang="zh-CN" altLang="en-US" dirty="0"/>
+                        </a:p>
+                      </a:txBody>
+                      <a:tcPr/>
+                    </a:tc>
+                    <a:extLst>
+                      <a:ext uri="{0D108BD9-81ED-4DB2-BD59-A6C34878D82A}">
+                        <a16:rowId xmlns:a16="http://schemas.microsoft.com/office/drawing/2014/main" xmlns="" val="1967244540"/>
+                      </a:ext>
+                    </a:extLst>
+                  </a:tr>
+                  <a:tr h="370840">
+                    <a:tc>
+                      <a:txBody>
+                        <a:bodyPr/>
+                        <a:lstStyle/>
+                        <a:p>
+                          <a:pPr algn="ctr"/>
+                          <a:r>
+                            <a:rPr lang="en-US" altLang="zh-CN" dirty="0"/>
+                            <a:t>130</a:t>
+                          </a:r>
+                          <a:endParaRPr lang="zh-CN" altLang="en-US" dirty="0"/>
+                        </a:p>
+                      </a:txBody>
+                      <a:tcPr/>
+                    </a:tc>
+                    <a:tc>
+                      <a:txBody>
+                        <a:bodyPr/>
+                        <a:lstStyle/>
+                        <a:p>
+                          <a:pPr algn="ctr"/>
+                          <a:r>
+                            <a:rPr lang="en-US" altLang="zh-CN" dirty="0" smtClean="0"/>
+                            <a:t>3</a:t>
+                          </a:r>
+                          <a:endParaRPr lang="zh-CN" altLang="en-US" dirty="0"/>
+                        </a:p>
+                      </a:txBody>
+                      <a:tcPr/>
+                    </a:tc>
+                    <a:tc>
+                      <a:txBody>
+                        <a:bodyPr/>
+                        <a:lstStyle/>
+                        <a:p>
+                          <a:pPr algn="ctr"/>
+                          <a:r>
+                            <a:rPr lang="en-US" altLang="zh-CN" dirty="0" smtClean="0"/>
+                            <a:t>10</a:t>
+                          </a:r>
+                          <a:endParaRPr lang="zh-CN" altLang="en-US" dirty="0"/>
+                        </a:p>
+                      </a:txBody>
+                      <a:tcPr/>
+                    </a:tc>
+                    <a:tc>
+                      <a:txBody>
+                        <a:bodyPr/>
+                        <a:lstStyle/>
+                        <a:p>
+                          <a:pPr algn="ctr"/>
+                          <a:r>
+                            <a:rPr lang="en-US" altLang="zh-CN" dirty="0" smtClean="0"/>
+                            <a:t>510</a:t>
+                          </a:r>
+                          <a:endParaRPr lang="zh-CN" altLang="en-US" dirty="0"/>
+                        </a:p>
+                      </a:txBody>
+                      <a:tcPr/>
+                    </a:tc>
+                    <a:extLst>
+                      <a:ext uri="{0D108BD9-81ED-4DB2-BD59-A6C34878D82A}">
+                        <a16:rowId xmlns:a16="http://schemas.microsoft.com/office/drawing/2014/main" xmlns="" val="1823030155"/>
+                      </a:ext>
+                    </a:extLst>
+                  </a:tr>
+                  <a:tr h="370840">
+                    <a:tc>
+                      <a:txBody>
+                        <a:bodyPr/>
+                        <a:lstStyle/>
+                        <a:p>
+                          <a:pPr algn="ctr"/>
+                          <a:r>
+                            <a:rPr lang="en-US" altLang="zh-CN" dirty="0"/>
+                            <a:t>80</a:t>
+                          </a:r>
+                          <a:endParaRPr lang="zh-CN" altLang="en-US" dirty="0"/>
+                        </a:p>
+                      </a:txBody>
+                      <a:tcPr/>
+                    </a:tc>
+                    <a:tc>
+                      <a:txBody>
+                        <a:bodyPr/>
+                        <a:lstStyle/>
+                        <a:p>
+                          <a:pPr algn="ctr"/>
+                          <a:r>
+                            <a:rPr lang="en-US" altLang="zh-CN" dirty="0" smtClean="0"/>
+                            <a:t>1</a:t>
+                          </a:r>
+                          <a:endParaRPr lang="zh-CN" altLang="en-US" dirty="0"/>
+                        </a:p>
+                      </a:txBody>
+                      <a:tcPr/>
+                    </a:tc>
+                    <a:tc>
+                      <a:txBody>
+                        <a:bodyPr/>
+                        <a:lstStyle/>
+                        <a:p>
+                          <a:pPr algn="ctr"/>
+                          <a:r>
+                            <a:rPr lang="en-US" altLang="zh-CN" dirty="0" smtClean="0"/>
+                            <a:t>30</a:t>
+                          </a:r>
+                          <a:endParaRPr lang="zh-CN" altLang="en-US" dirty="0"/>
+                        </a:p>
+                      </a:txBody>
+                      <a:tcPr/>
+                    </a:tc>
+                    <a:tc>
+                      <a:txBody>
+                        <a:bodyPr/>
+                        <a:lstStyle/>
+                        <a:p>
+                          <a:pPr algn="ctr"/>
+                          <a:r>
+                            <a:rPr lang="en-US" altLang="zh-CN" dirty="0"/>
+                            <a:t>327</a:t>
+                          </a:r>
+                          <a:endParaRPr lang="zh-CN" altLang="en-US" dirty="0"/>
+                        </a:p>
+                      </a:txBody>
+                      <a:tcPr/>
+                    </a:tc>
+                    <a:extLst>
+                      <a:ext uri="{0D108BD9-81ED-4DB2-BD59-A6C34878D82A}">
+                        <a16:rowId xmlns:a16="http://schemas.microsoft.com/office/drawing/2014/main" xmlns="" val="1815547532"/>
+                      </a:ext>
+                    </a:extLst>
+                  </a:tr>
+                  <a:tr h="370840">
+                    <a:tc>
+                      <a:txBody>
+                        <a:bodyPr/>
+                        <a:lstStyle/>
+                        <a:p>
+                          <a:pPr algn="ctr"/>
+                          <a:r>
+                            <a:rPr lang="en-US" altLang="zh-CN" dirty="0" smtClean="0"/>
+                            <a:t>90</a:t>
+                          </a:r>
+                          <a:endParaRPr lang="zh-CN" altLang="en-US" dirty="0"/>
+                        </a:p>
+                      </a:txBody>
+                      <a:tcPr/>
+                    </a:tc>
+                    <a:tc>
+                      <a:txBody>
+                        <a:bodyPr/>
+                        <a:lstStyle/>
+                        <a:p>
+                          <a:pPr marL="0" marR="0" indent="0" algn="ctr" defTabSz="685800" rtl="0" eaLnBrk="1" fontAlgn="auto" latinLnBrk="0" hangingPunct="1">
+                            <a:lnSpc>
+                              <a:spcPct val="100000"/>
+                            </a:lnSpc>
+                            <a:spcBef>
+                              <a:spcPts val="0"/>
+                            </a:spcBef>
+                            <a:spcAft>
+                              <a:spcPts val="0"/>
+                            </a:spcAft>
+                            <a:buClrTx/>
+                            <a:buSzTx/>
+                            <a:buFontTx/>
+                            <a:buNone/>
+                            <a:tabLst/>
+                            <a:defRPr/>
+                          </a:pPr>
+                          <a:r>
+                            <a:rPr lang="en-US" altLang="zh-CN" dirty="0" smtClean="0"/>
+                            <a:t>1</a:t>
+                          </a:r>
+                          <a:endParaRPr lang="zh-CN" altLang="en-US" dirty="0" smtClean="0"/>
+                        </a:p>
+                      </a:txBody>
+                      <a:tcPr/>
+                    </a:tc>
+                    <a:tc>
+                      <a:txBody>
+                        <a:bodyPr/>
+                        <a:lstStyle/>
+                        <a:p>
+                          <a:pPr marL="0" marR="0" indent="0" algn="ctr" defTabSz="685800" rtl="0" eaLnBrk="1" fontAlgn="auto" latinLnBrk="0" hangingPunct="1">
+                            <a:lnSpc>
+                              <a:spcPct val="100000"/>
+                            </a:lnSpc>
+                            <a:spcBef>
+                              <a:spcPts val="0"/>
+                            </a:spcBef>
+                            <a:spcAft>
+                              <a:spcPts val="0"/>
+                            </a:spcAft>
+                            <a:buClrTx/>
+                            <a:buSzTx/>
+                            <a:buFontTx/>
+                            <a:buNone/>
+                            <a:tabLst/>
+                            <a:defRPr/>
+                          </a:pPr>
+                          <a:r>
+                            <a:rPr lang="en-US" altLang="zh-CN" dirty="0" smtClean="0"/>
+                            <a:t>5</a:t>
+                          </a:r>
+                          <a:endParaRPr lang="zh-CN" altLang="en-US" dirty="0" smtClean="0"/>
+                        </a:p>
+                      </a:txBody>
+                      <a:tcPr/>
+                    </a:tc>
+                    <a:tc>
+                      <a:txBody>
+                        <a:bodyPr/>
+                        <a:lstStyle/>
+                        <a:p>
+                          <a:pPr algn="ctr"/>
+                          <a:r>
+                            <a:rPr lang="en-US" altLang="zh-CN" dirty="0" smtClean="0"/>
+                            <a:t>500</a:t>
+                          </a:r>
+                          <a:endParaRPr lang="zh-CN" altLang="en-US" dirty="0"/>
+                        </a:p>
+                      </a:txBody>
+                      <a:tcPr/>
+                    </a:tc>
+                    <a:extLst>
+                      <a:ext uri="{0D108BD9-81ED-4DB2-BD59-A6C34878D82A}">
+                        <a16:rowId xmlns:a16="http://schemas.microsoft.com/office/drawing/2014/main" xmlns="" val="168178639"/>
+                      </a:ext>
+                    </a:extLst>
+                  </a:tr>
+                </a:tbl>
+              </a:graphicData>
+            </a:graphic>
+          </p:graphicFrame>
+        </mc:Fallback>
+      </mc:AlternateContent>
+    </p:spTree>
+    <p:extLst>
+      <p:ext uri="{BB962C8B-B14F-4D97-AF65-F5344CB8AC3E}">
+        <p14:creationId xmlns:p14="http://schemas.microsoft.com/office/powerpoint/2010/main" val="1765209665"/>
+      </p:ext>
+    </p:extLst>
+  </p:cSld>
+  <p:clrMapOvr>
+    <a:masterClrMapping/>
+  </p:clrMapOvr>
+</p:sld>
+</file>
+
 <file path=ppt/slides/slide3.xml><?xml version="1.0" encoding="utf-8"?>
 <p:sld xmlns:a="http://schemas.openxmlformats.org/drawingml/2006/main" xmlns:r="http://schemas.openxmlformats.org/officeDocument/2006/relationships" xmlns:p="http://schemas.openxmlformats.org/presentationml/2006/main">
   <p:cSld>
@@ -14631,7 +19681,7 @@
           <p:cNvPr id="2" name="标题 1">
             <a:extLst>
               <a:ext uri="{FF2B5EF4-FFF2-40B4-BE49-F238E27FC236}">
-                <a16:creationId xmlns:a16="http://schemas.microsoft.com/office/drawing/2014/main" id="{B966BEC1-8E01-4033-9E8D-E80CDC45987C}"/>
+                <a16:creationId xmlns:a16="http://schemas.microsoft.com/office/drawing/2014/main" xmlns="" id="{B966BEC1-8E01-4033-9E8D-E80CDC45987C}"/>
               </a:ext>
             </a:extLst>
           </p:cNvPr>
@@ -14659,7 +19709,7 @@
           <p:cNvPr id="3" name="内容占位符 2">
             <a:extLst>
               <a:ext uri="{FF2B5EF4-FFF2-40B4-BE49-F238E27FC236}">
-                <a16:creationId xmlns:a16="http://schemas.microsoft.com/office/drawing/2014/main" id="{235A2F31-B29B-4AD3-8BEB-CC1A791AFB6A}"/>
+                <a16:creationId xmlns:a16="http://schemas.microsoft.com/office/drawing/2014/main" xmlns="" id="{235A2F31-B29B-4AD3-8BEB-CC1A791AFB6A}"/>
               </a:ext>
             </a:extLst>
           </p:cNvPr>
@@ -14684,7 +19734,7 @@
           <p:cNvPr id="4" name="日期占位符 3">
             <a:extLst>
               <a:ext uri="{FF2B5EF4-FFF2-40B4-BE49-F238E27FC236}">
-                <a16:creationId xmlns:a16="http://schemas.microsoft.com/office/drawing/2014/main" id="{B0221C10-1A7A-4DA3-B090-F84BC1BFFFE0}"/>
+                <a16:creationId xmlns:a16="http://schemas.microsoft.com/office/drawing/2014/main" xmlns="" id="{B0221C10-1A7A-4DA3-B090-F84BC1BFFFE0}"/>
               </a:ext>
             </a:extLst>
           </p:cNvPr>
@@ -14705,7 +19755,7 @@
             </a:pPr>
             <a:fld id="{95A2A19B-170D-1043-AE33-7A36DFB7BCDC}" type="datetime2">
               <a:rPr lang="zh-CN" altLang="en-US" smtClean="0"/>
-              <a:t>2018年4月20日</a:t>
+              <a:t>2018年7月5日</a:t>
             </a:fld>
             <a:endParaRPr lang="en-US" altLang="zh-CN"/>
           </a:p>
@@ -14716,7 +19766,7 @@
           <p:cNvPr id="5" name="页脚占位符 4">
             <a:extLst>
               <a:ext uri="{FF2B5EF4-FFF2-40B4-BE49-F238E27FC236}">
-                <a16:creationId xmlns:a16="http://schemas.microsoft.com/office/drawing/2014/main" id="{2573D4B4-E892-44B3-A996-95CC5C962DDC}"/>
+                <a16:creationId xmlns:a16="http://schemas.microsoft.com/office/drawing/2014/main" xmlns="" id="{2573D4B4-E892-44B3-A996-95CC5C962DDC}"/>
               </a:ext>
             </a:extLst>
           </p:cNvPr>
@@ -14748,7 +19798,7 @@
           <p:cNvPr id="6" name="灯片编号占位符 5">
             <a:extLst>
               <a:ext uri="{FF2B5EF4-FFF2-40B4-BE49-F238E27FC236}">
-                <a16:creationId xmlns:a16="http://schemas.microsoft.com/office/drawing/2014/main" id="{CD7E5279-6EB8-4DAF-BEEF-B9DAAC2BC40B}"/>
+                <a16:creationId xmlns:a16="http://schemas.microsoft.com/office/drawing/2014/main" xmlns="" id="{CD7E5279-6EB8-4DAF-BEEF-B9DAAC2BC40B}"/>
               </a:ext>
             </a:extLst>
           </p:cNvPr>
@@ -14783,7 +19833,7 @@
           <p:cNvPr id="6146" name="Picture 2" descr="http://photocdn.sohu.com/20160119/mp55295281_1453182841488_2.jpeg">
             <a:extLst>
               <a:ext uri="{FF2B5EF4-FFF2-40B4-BE49-F238E27FC236}">
-                <a16:creationId xmlns:a16="http://schemas.microsoft.com/office/drawing/2014/main" id="{116E99F8-60AE-47AB-8FA5-7919F5F410F5}"/>
+                <a16:creationId xmlns:a16="http://schemas.microsoft.com/office/drawing/2014/main" xmlns="" id="{116E99F8-60AE-47AB-8FA5-7919F5F410F5}"/>
               </a:ext>
             </a:extLst>
           </p:cNvPr>
@@ -14860,7 +19910,7 @@
           <p:cNvPr id="2" name="标题 1">
             <a:extLst>
               <a:ext uri="{FF2B5EF4-FFF2-40B4-BE49-F238E27FC236}">
-                <a16:creationId xmlns:a16="http://schemas.microsoft.com/office/drawing/2014/main" id="{06C98B31-3ABF-4C01-9D2F-11C6CF2AC1A5}"/>
+                <a16:creationId xmlns:a16="http://schemas.microsoft.com/office/drawing/2014/main" xmlns="" id="{06C98B31-3ABF-4C01-9D2F-11C6CF2AC1A5}"/>
               </a:ext>
             </a:extLst>
           </p:cNvPr>
@@ -14888,7 +19938,7 @@
           <p:cNvPr id="3" name="内容占位符 2">
             <a:extLst>
               <a:ext uri="{FF2B5EF4-FFF2-40B4-BE49-F238E27FC236}">
-                <a16:creationId xmlns:a16="http://schemas.microsoft.com/office/drawing/2014/main" id="{550418E6-588F-4BA9-99DA-877BAED370B1}"/>
+                <a16:creationId xmlns:a16="http://schemas.microsoft.com/office/drawing/2014/main" xmlns="" id="{550418E6-588F-4BA9-99DA-877BAED370B1}"/>
               </a:ext>
             </a:extLst>
           </p:cNvPr>
@@ -14913,7 +19963,7 @@
           <p:cNvPr id="4" name="日期占位符 3">
             <a:extLst>
               <a:ext uri="{FF2B5EF4-FFF2-40B4-BE49-F238E27FC236}">
-                <a16:creationId xmlns:a16="http://schemas.microsoft.com/office/drawing/2014/main" id="{43207CFC-4B29-45C9-9440-27BC2C241187}"/>
+                <a16:creationId xmlns:a16="http://schemas.microsoft.com/office/drawing/2014/main" xmlns="" id="{43207CFC-4B29-45C9-9440-27BC2C241187}"/>
               </a:ext>
             </a:extLst>
           </p:cNvPr>
@@ -14934,7 +19984,7 @@
             </a:pPr>
             <a:fld id="{95A2A19B-170D-1043-AE33-7A36DFB7BCDC}" type="datetime2">
               <a:rPr lang="zh-CN" altLang="en-US" smtClean="0"/>
-              <a:t>2018年4月20日</a:t>
+              <a:t>2018年7月5日</a:t>
             </a:fld>
             <a:endParaRPr lang="en-US" altLang="zh-CN"/>
           </a:p>
@@ -14945,7 +19995,7 @@
           <p:cNvPr id="5" name="页脚占位符 4">
             <a:extLst>
               <a:ext uri="{FF2B5EF4-FFF2-40B4-BE49-F238E27FC236}">
-                <a16:creationId xmlns:a16="http://schemas.microsoft.com/office/drawing/2014/main" id="{CBCA3925-FE23-4200-8DD7-A55F36F30006}"/>
+                <a16:creationId xmlns:a16="http://schemas.microsoft.com/office/drawing/2014/main" xmlns="" id="{CBCA3925-FE23-4200-8DD7-A55F36F30006}"/>
               </a:ext>
             </a:extLst>
           </p:cNvPr>
@@ -14977,7 +20027,7 @@
           <p:cNvPr id="6" name="灯片编号占位符 5">
             <a:extLst>
               <a:ext uri="{FF2B5EF4-FFF2-40B4-BE49-F238E27FC236}">
-                <a16:creationId xmlns:a16="http://schemas.microsoft.com/office/drawing/2014/main" id="{20FC628E-9AF1-48D1-AC54-3D530E61A274}"/>
+                <a16:creationId xmlns:a16="http://schemas.microsoft.com/office/drawing/2014/main" xmlns="" id="{20FC628E-9AF1-48D1-AC54-3D530E61A274}"/>
               </a:ext>
             </a:extLst>
           </p:cNvPr>
@@ -15012,7 +20062,7 @@
           <p:cNvPr id="5122" name="Picture 2" descr="https://www.commitstrip.com/wp-content/uploads/2017/06/Strip-IA-construite-de-IF-english650-final.jpg">
             <a:extLst>
               <a:ext uri="{FF2B5EF4-FFF2-40B4-BE49-F238E27FC236}">
-                <a16:creationId xmlns:a16="http://schemas.microsoft.com/office/drawing/2014/main" id="{4DF110C7-8D63-4D66-8762-40C5737417F4}"/>
+                <a16:creationId xmlns:a16="http://schemas.microsoft.com/office/drawing/2014/main" xmlns="" id="{4DF110C7-8D63-4D66-8762-40C5737417F4}"/>
               </a:ext>
             </a:extLst>
           </p:cNvPr>
@@ -15059,7 +20109,7 @@
           <p:cNvPr id="7" name="矩形 6">
             <a:extLst>
               <a:ext uri="{FF2B5EF4-FFF2-40B4-BE49-F238E27FC236}">
-                <a16:creationId xmlns:a16="http://schemas.microsoft.com/office/drawing/2014/main" id="{C59625E3-2CC6-4590-99B2-E66279F9DB23}"/>
+                <a16:creationId xmlns:a16="http://schemas.microsoft.com/office/drawing/2014/main" xmlns="" id="{C59625E3-2CC6-4590-99B2-E66279F9DB23}"/>
               </a:ext>
             </a:extLst>
           </p:cNvPr>
@@ -15123,7 +20173,7 @@
           <p:cNvPr id="2" name="标题 1">
             <a:extLst>
               <a:ext uri="{FF2B5EF4-FFF2-40B4-BE49-F238E27FC236}">
-                <a16:creationId xmlns:a16="http://schemas.microsoft.com/office/drawing/2014/main" id="{3D575E97-A77B-49E8-B5D9-964F93E82C4F}"/>
+                <a16:creationId xmlns:a16="http://schemas.microsoft.com/office/drawing/2014/main" xmlns="" id="{3D575E97-A77B-49E8-B5D9-964F93E82C4F}"/>
               </a:ext>
             </a:extLst>
           </p:cNvPr>
@@ -15151,7 +20201,7 @@
           <p:cNvPr id="3" name="内容占位符 2">
             <a:extLst>
               <a:ext uri="{FF2B5EF4-FFF2-40B4-BE49-F238E27FC236}">
-                <a16:creationId xmlns:a16="http://schemas.microsoft.com/office/drawing/2014/main" id="{AA0B7FE1-5355-4D9B-B1FB-527AD72AE249}"/>
+                <a16:creationId xmlns:a16="http://schemas.microsoft.com/office/drawing/2014/main" xmlns="" id="{AA0B7FE1-5355-4D9B-B1FB-527AD72AE249}"/>
               </a:ext>
             </a:extLst>
           </p:cNvPr>
@@ -15176,7 +20226,7 @@
           <p:cNvPr id="4" name="日期占位符 3">
             <a:extLst>
               <a:ext uri="{FF2B5EF4-FFF2-40B4-BE49-F238E27FC236}">
-                <a16:creationId xmlns:a16="http://schemas.microsoft.com/office/drawing/2014/main" id="{16A3D19A-5644-4860-B10A-2A8DEBCF0F50}"/>
+                <a16:creationId xmlns:a16="http://schemas.microsoft.com/office/drawing/2014/main" xmlns="" id="{16A3D19A-5644-4860-B10A-2A8DEBCF0F50}"/>
               </a:ext>
             </a:extLst>
           </p:cNvPr>
@@ -15197,7 +20247,7 @@
             </a:pPr>
             <a:fld id="{95A2A19B-170D-1043-AE33-7A36DFB7BCDC}" type="datetime2">
               <a:rPr lang="zh-CN" altLang="en-US" smtClean="0"/>
-              <a:t>2018年4月20日</a:t>
+              <a:t>2018年7月5日</a:t>
             </a:fld>
             <a:endParaRPr lang="en-US" altLang="zh-CN"/>
           </a:p>
@@ -15208,7 +20258,7 @@
           <p:cNvPr id="5" name="页脚占位符 4">
             <a:extLst>
               <a:ext uri="{FF2B5EF4-FFF2-40B4-BE49-F238E27FC236}">
-                <a16:creationId xmlns:a16="http://schemas.microsoft.com/office/drawing/2014/main" id="{5285CB6F-8159-4202-83F7-3D1F01222890}"/>
+                <a16:creationId xmlns:a16="http://schemas.microsoft.com/office/drawing/2014/main" xmlns="" id="{5285CB6F-8159-4202-83F7-3D1F01222890}"/>
               </a:ext>
             </a:extLst>
           </p:cNvPr>
@@ -15240,7 +20290,7 @@
           <p:cNvPr id="6" name="灯片编号占位符 5">
             <a:extLst>
               <a:ext uri="{FF2B5EF4-FFF2-40B4-BE49-F238E27FC236}">
-                <a16:creationId xmlns:a16="http://schemas.microsoft.com/office/drawing/2014/main" id="{AA6BB02B-25CD-47DD-B20A-32CA7D6B58F7}"/>
+                <a16:creationId xmlns:a16="http://schemas.microsoft.com/office/drawing/2014/main" xmlns="" id="{AA6BB02B-25CD-47DD-B20A-32CA7D6B58F7}"/>
               </a:ext>
             </a:extLst>
           </p:cNvPr>
@@ -15275,7 +20325,7 @@
           <p:cNvPr id="1026" name="Picture 2" descr="What's the difference between Artificial Intelligence (AI), Machine Learning, and Deep Learning? ">
             <a:extLst>
               <a:ext uri="{FF2B5EF4-FFF2-40B4-BE49-F238E27FC236}">
-                <a16:creationId xmlns:a16="http://schemas.microsoft.com/office/drawing/2014/main" id="{49FA5ABC-542B-4875-A220-1DB242D2A693}"/>
+                <a16:creationId xmlns:a16="http://schemas.microsoft.com/office/drawing/2014/main" xmlns="" id="{49FA5ABC-542B-4875-A220-1DB242D2A693}"/>
               </a:ext>
             </a:extLst>
           </p:cNvPr>
@@ -15350,7 +20400,7 @@
           <p:cNvPr id="2" name="标题 1">
             <a:extLst>
               <a:ext uri="{FF2B5EF4-FFF2-40B4-BE49-F238E27FC236}">
-                <a16:creationId xmlns:a16="http://schemas.microsoft.com/office/drawing/2014/main" id="{00EF47F0-F9F0-4384-A28D-2F7EA6604747}"/>
+                <a16:creationId xmlns:a16="http://schemas.microsoft.com/office/drawing/2014/main" xmlns="" id="{00EF47F0-F9F0-4384-A28D-2F7EA6604747}"/>
               </a:ext>
             </a:extLst>
           </p:cNvPr>
@@ -15378,7 +20428,7 @@
           <p:cNvPr id="3" name="内容占位符 2">
             <a:extLst>
               <a:ext uri="{FF2B5EF4-FFF2-40B4-BE49-F238E27FC236}">
-                <a16:creationId xmlns:a16="http://schemas.microsoft.com/office/drawing/2014/main" id="{C0001DEF-B716-4266-9CFF-A80375B75278}"/>
+                <a16:creationId xmlns:a16="http://schemas.microsoft.com/office/drawing/2014/main" xmlns="" id="{C0001DEF-B716-4266-9CFF-A80375B75278}"/>
               </a:ext>
             </a:extLst>
           </p:cNvPr>
@@ -15478,7 +20528,7 @@
           <p:cNvPr id="4" name="日期占位符 3">
             <a:extLst>
               <a:ext uri="{FF2B5EF4-FFF2-40B4-BE49-F238E27FC236}">
-                <a16:creationId xmlns:a16="http://schemas.microsoft.com/office/drawing/2014/main" id="{9A9E74D4-2629-42B4-A639-65AD2231EB16}"/>
+                <a16:creationId xmlns:a16="http://schemas.microsoft.com/office/drawing/2014/main" xmlns="" id="{9A9E74D4-2629-42B4-A639-65AD2231EB16}"/>
               </a:ext>
             </a:extLst>
           </p:cNvPr>
@@ -15499,7 +20549,7 @@
             </a:pPr>
             <a:fld id="{95A2A19B-170D-1043-AE33-7A36DFB7BCDC}" type="datetime2">
               <a:rPr lang="zh-CN" altLang="en-US" smtClean="0"/>
-              <a:t>2018年4月20日</a:t>
+              <a:t>2018年7月5日</a:t>
             </a:fld>
             <a:endParaRPr lang="en-US" altLang="zh-CN"/>
           </a:p>
@@ -15510,7 +20560,7 @@
           <p:cNvPr id="5" name="页脚占位符 4">
             <a:extLst>
               <a:ext uri="{FF2B5EF4-FFF2-40B4-BE49-F238E27FC236}">
-                <a16:creationId xmlns:a16="http://schemas.microsoft.com/office/drawing/2014/main" id="{CE4C5854-4521-4BA4-812A-84224CC33D3A}"/>
+                <a16:creationId xmlns:a16="http://schemas.microsoft.com/office/drawing/2014/main" xmlns="" id="{CE4C5854-4521-4BA4-812A-84224CC33D3A}"/>
               </a:ext>
             </a:extLst>
           </p:cNvPr>
@@ -15542,7 +20592,7 @@
           <p:cNvPr id="6" name="灯片编号占位符 5">
             <a:extLst>
               <a:ext uri="{FF2B5EF4-FFF2-40B4-BE49-F238E27FC236}">
-                <a16:creationId xmlns:a16="http://schemas.microsoft.com/office/drawing/2014/main" id="{BC9B5A36-C297-4A63-9508-0EB0F59E688B}"/>
+                <a16:creationId xmlns:a16="http://schemas.microsoft.com/office/drawing/2014/main" xmlns="" id="{BC9B5A36-C297-4A63-9508-0EB0F59E688B}"/>
               </a:ext>
             </a:extLst>
           </p:cNvPr>
@@ -15607,7 +20657,7 @@
           <p:cNvPr id="2" name="标题 1">
             <a:extLst>
               <a:ext uri="{FF2B5EF4-FFF2-40B4-BE49-F238E27FC236}">
-                <a16:creationId xmlns:a16="http://schemas.microsoft.com/office/drawing/2014/main" id="{850AF670-A5A4-4402-B878-0D72BD26B363}"/>
+                <a16:creationId xmlns:a16="http://schemas.microsoft.com/office/drawing/2014/main" xmlns="" id="{850AF670-A5A4-4402-B878-0D72BD26B363}"/>
               </a:ext>
             </a:extLst>
           </p:cNvPr>
@@ -15635,7 +20685,7 @@
           <p:cNvPr id="3" name="内容占位符 2">
             <a:extLst>
               <a:ext uri="{FF2B5EF4-FFF2-40B4-BE49-F238E27FC236}">
-                <a16:creationId xmlns:a16="http://schemas.microsoft.com/office/drawing/2014/main" id="{1E032E9B-2346-4C80-B8CF-C4F95BB05D3B}"/>
+                <a16:creationId xmlns:a16="http://schemas.microsoft.com/office/drawing/2014/main" xmlns="" id="{1E032E9B-2346-4C80-B8CF-C4F95BB05D3B}"/>
               </a:ext>
             </a:extLst>
           </p:cNvPr>
@@ -15772,7 +20822,7 @@
           <p:cNvPr id="4" name="日期占位符 3">
             <a:extLst>
               <a:ext uri="{FF2B5EF4-FFF2-40B4-BE49-F238E27FC236}">
-                <a16:creationId xmlns:a16="http://schemas.microsoft.com/office/drawing/2014/main" id="{F5F7F895-C717-496A-B177-F8F0AA7A8B32}"/>
+                <a16:creationId xmlns:a16="http://schemas.microsoft.com/office/drawing/2014/main" xmlns="" id="{F5F7F895-C717-496A-B177-F8F0AA7A8B32}"/>
               </a:ext>
             </a:extLst>
           </p:cNvPr>
@@ -15793,7 +20843,7 @@
             </a:pPr>
             <a:fld id="{95A2A19B-170D-1043-AE33-7A36DFB7BCDC}" type="datetime2">
               <a:rPr lang="zh-CN" altLang="en-US" smtClean="0"/>
-              <a:t>2018年4月20日</a:t>
+              <a:t>2018年7月5日</a:t>
             </a:fld>
             <a:endParaRPr lang="en-US" altLang="zh-CN"/>
           </a:p>
@@ -15804,7 +20854,7 @@
           <p:cNvPr id="5" name="页脚占位符 4">
             <a:extLst>
               <a:ext uri="{FF2B5EF4-FFF2-40B4-BE49-F238E27FC236}">
-                <a16:creationId xmlns:a16="http://schemas.microsoft.com/office/drawing/2014/main" id="{07A4A687-EC6D-400B-9A11-BD0B04609A25}"/>
+                <a16:creationId xmlns:a16="http://schemas.microsoft.com/office/drawing/2014/main" xmlns="" id="{07A4A687-EC6D-400B-9A11-BD0B04609A25}"/>
               </a:ext>
             </a:extLst>
           </p:cNvPr>
@@ -15836,7 +20886,7 @@
           <p:cNvPr id="6" name="灯片编号占位符 5">
             <a:extLst>
               <a:ext uri="{FF2B5EF4-FFF2-40B4-BE49-F238E27FC236}">
-                <a16:creationId xmlns:a16="http://schemas.microsoft.com/office/drawing/2014/main" id="{2904A806-D958-4E7E-9F65-B19FF0152F22}"/>
+                <a16:creationId xmlns:a16="http://schemas.microsoft.com/office/drawing/2014/main" xmlns="" id="{2904A806-D958-4E7E-9F65-B19FF0152F22}"/>
               </a:ext>
             </a:extLst>
           </p:cNvPr>
@@ -15871,7 +20921,7 @@
           <p:cNvPr id="7" name="表格 6">
             <a:extLst>
               <a:ext uri="{FF2B5EF4-FFF2-40B4-BE49-F238E27FC236}">
-                <a16:creationId xmlns:a16="http://schemas.microsoft.com/office/drawing/2014/main" id="{AD12D45B-71E3-473A-9FD4-BDB875D07CA4}"/>
+                <a16:creationId xmlns:a16="http://schemas.microsoft.com/office/drawing/2014/main" xmlns="" id="{AD12D45B-71E3-473A-9FD4-BDB875D07CA4}"/>
               </a:ext>
             </a:extLst>
           </p:cNvPr>
@@ -15900,35 +20950,35 @@
                 <a:gridCol w="1219200">
                   <a:extLst>
                     <a:ext uri="{9D8B030D-6E8A-4147-A177-3AD203B41FA5}">
-                      <a16:colId xmlns:a16="http://schemas.microsoft.com/office/drawing/2014/main" val="20000"/>
+                      <a16:colId xmlns:a16="http://schemas.microsoft.com/office/drawing/2014/main" xmlns="" val="20000"/>
                     </a:ext>
                   </a:extLst>
                 </a:gridCol>
                 <a:gridCol w="1219200">
                   <a:extLst>
                     <a:ext uri="{9D8B030D-6E8A-4147-A177-3AD203B41FA5}">
-                      <a16:colId xmlns:a16="http://schemas.microsoft.com/office/drawing/2014/main" val="20001"/>
+                      <a16:colId xmlns:a16="http://schemas.microsoft.com/office/drawing/2014/main" xmlns="" val="20001"/>
                     </a:ext>
                   </a:extLst>
                 </a:gridCol>
                 <a:gridCol w="1219200">
                   <a:extLst>
                     <a:ext uri="{9D8B030D-6E8A-4147-A177-3AD203B41FA5}">
-                      <a16:colId xmlns:a16="http://schemas.microsoft.com/office/drawing/2014/main" val="20002"/>
+                      <a16:colId xmlns:a16="http://schemas.microsoft.com/office/drawing/2014/main" xmlns="" val="20002"/>
                     </a:ext>
                   </a:extLst>
                 </a:gridCol>
                 <a:gridCol w="1219200">
                   <a:extLst>
                     <a:ext uri="{9D8B030D-6E8A-4147-A177-3AD203B41FA5}">
-                      <a16:colId xmlns:a16="http://schemas.microsoft.com/office/drawing/2014/main" val="20003"/>
+                      <a16:colId xmlns:a16="http://schemas.microsoft.com/office/drawing/2014/main" xmlns="" val="20003"/>
                     </a:ext>
                   </a:extLst>
                 </a:gridCol>
                 <a:gridCol w="1219200">
                   <a:extLst>
                     <a:ext uri="{9D8B030D-6E8A-4147-A177-3AD203B41FA5}">
-                      <a16:colId xmlns:a16="http://schemas.microsoft.com/office/drawing/2014/main" val="20004"/>
+                      <a16:colId xmlns:a16="http://schemas.microsoft.com/office/drawing/2014/main" xmlns="" val="20004"/>
                     </a:ext>
                   </a:extLst>
                 </a:gridCol>
@@ -16002,7 +21052,7 @@
                 </a:tc>
                 <a:extLst>
                   <a:ext uri="{0D108BD9-81ED-4DB2-BD59-A6C34878D82A}">
-                    <a16:rowId xmlns:a16="http://schemas.microsoft.com/office/drawing/2014/main" val="10000"/>
+                    <a16:rowId xmlns:a16="http://schemas.microsoft.com/office/drawing/2014/main" xmlns="" val="10000"/>
                   </a:ext>
                 </a:extLst>
               </a:tr>
@@ -16077,7 +21127,7 @@
                 </a:tc>
                 <a:extLst>
                   <a:ext uri="{0D108BD9-81ED-4DB2-BD59-A6C34878D82A}">
-                    <a16:rowId xmlns:a16="http://schemas.microsoft.com/office/drawing/2014/main" val="10001"/>
+                    <a16:rowId xmlns:a16="http://schemas.microsoft.com/office/drawing/2014/main" xmlns="" val="10001"/>
                   </a:ext>
                 </a:extLst>
               </a:tr>
@@ -16152,7 +21202,7 @@
                 </a:tc>
                 <a:extLst>
                   <a:ext uri="{0D108BD9-81ED-4DB2-BD59-A6C34878D82A}">
-                    <a16:rowId xmlns:a16="http://schemas.microsoft.com/office/drawing/2014/main" val="10002"/>
+                    <a16:rowId xmlns:a16="http://schemas.microsoft.com/office/drawing/2014/main" xmlns="" val="10002"/>
                   </a:ext>
                 </a:extLst>
               </a:tr>
@@ -16229,7 +21279,7 @@
                 </a:tc>
                 <a:extLst>
                   <a:ext uri="{0D108BD9-81ED-4DB2-BD59-A6C34878D82A}">
-                    <a16:rowId xmlns:a16="http://schemas.microsoft.com/office/drawing/2014/main" val="10003"/>
+                    <a16:rowId xmlns:a16="http://schemas.microsoft.com/office/drawing/2014/main" xmlns="" val="10003"/>
                   </a:ext>
                 </a:extLst>
               </a:tr>
@@ -16358,7 +21408,7 @@
           <p:cNvPr id="2" name="标题 1">
             <a:extLst>
               <a:ext uri="{FF2B5EF4-FFF2-40B4-BE49-F238E27FC236}">
-                <a16:creationId xmlns:a16="http://schemas.microsoft.com/office/drawing/2014/main" id="{73538CFB-0345-441B-AD1A-0A4152508F27}"/>
+                <a16:creationId xmlns:a16="http://schemas.microsoft.com/office/drawing/2014/main" xmlns="" id="{73538CFB-0345-441B-AD1A-0A4152508F27}"/>
               </a:ext>
             </a:extLst>
           </p:cNvPr>
@@ -16386,7 +21436,7 @@
           <p:cNvPr id="4" name="日期占位符 3">
             <a:extLst>
               <a:ext uri="{FF2B5EF4-FFF2-40B4-BE49-F238E27FC236}">
-                <a16:creationId xmlns:a16="http://schemas.microsoft.com/office/drawing/2014/main" id="{751CA06F-A0A4-4646-941C-486BB210E464}"/>
+                <a16:creationId xmlns:a16="http://schemas.microsoft.com/office/drawing/2014/main" xmlns="" id="{751CA06F-A0A4-4646-941C-486BB210E464}"/>
               </a:ext>
             </a:extLst>
           </p:cNvPr>
@@ -16407,7 +21457,7 @@
             </a:pPr>
             <a:fld id="{95A2A19B-170D-1043-AE33-7A36DFB7BCDC}" type="datetime2">
               <a:rPr lang="zh-CN" altLang="en-US" smtClean="0"/>
-              <a:t>2018年4月20日</a:t>
+              <a:t>2018年7月5日</a:t>
             </a:fld>
             <a:endParaRPr lang="en-US" altLang="zh-CN"/>
           </a:p>
@@ -16418,7 +21468,7 @@
           <p:cNvPr id="5" name="页脚占位符 4">
             <a:extLst>
               <a:ext uri="{FF2B5EF4-FFF2-40B4-BE49-F238E27FC236}">
-                <a16:creationId xmlns:a16="http://schemas.microsoft.com/office/drawing/2014/main" id="{EC5AE77E-B6CF-4BD1-87D3-6C1230551547}"/>
+                <a16:creationId xmlns:a16="http://schemas.microsoft.com/office/drawing/2014/main" xmlns="" id="{EC5AE77E-B6CF-4BD1-87D3-6C1230551547}"/>
               </a:ext>
             </a:extLst>
           </p:cNvPr>
@@ -16450,7 +21500,7 @@
           <p:cNvPr id="6" name="灯片编号占位符 5">
             <a:extLst>
               <a:ext uri="{FF2B5EF4-FFF2-40B4-BE49-F238E27FC236}">
-                <a16:creationId xmlns:a16="http://schemas.microsoft.com/office/drawing/2014/main" id="{3958DCE8-899D-4052-91B3-B72D1274AF4C}"/>
+                <a16:creationId xmlns:a16="http://schemas.microsoft.com/office/drawing/2014/main" xmlns="" id="{3958DCE8-899D-4052-91B3-B72D1274AF4C}"/>
               </a:ext>
             </a:extLst>
           </p:cNvPr>
@@ -16485,7 +21535,7 @@
           <p:cNvPr id="21" name="矩形 20">
             <a:extLst>
               <a:ext uri="{FF2B5EF4-FFF2-40B4-BE49-F238E27FC236}">
-                <a16:creationId xmlns:a16="http://schemas.microsoft.com/office/drawing/2014/main" id="{CEED0D80-61B1-4050-811E-8C2BBF74C98C}"/>
+                <a16:creationId xmlns:a16="http://schemas.microsoft.com/office/drawing/2014/main" xmlns="" id="{CEED0D80-61B1-4050-811E-8C2BBF74C98C}"/>
               </a:ext>
             </a:extLst>
           </p:cNvPr>
@@ -16526,7 +21576,7 @@
           <p:cNvPr id="22" name="圖片 22">
             <a:extLst>
               <a:ext uri="{FF2B5EF4-FFF2-40B4-BE49-F238E27FC236}">
-                <a16:creationId xmlns:a16="http://schemas.microsoft.com/office/drawing/2014/main" id="{3195B14A-0E3B-43EE-AB34-14218035CC0E}"/>
+                <a16:creationId xmlns:a16="http://schemas.microsoft.com/office/drawing/2014/main" xmlns="" id="{3195B14A-0E3B-43EE-AB34-14218035CC0E}"/>
               </a:ext>
             </a:extLst>
           </p:cNvPr>
@@ -16556,7 +21606,7 @@
           <p:cNvPr id="23" name="圖片 23">
             <a:extLst>
               <a:ext uri="{FF2B5EF4-FFF2-40B4-BE49-F238E27FC236}">
-                <a16:creationId xmlns:a16="http://schemas.microsoft.com/office/drawing/2014/main" id="{2A883490-DCBE-4E53-9929-31FEA0EEFA15}"/>
+                <a16:creationId xmlns:a16="http://schemas.microsoft.com/office/drawing/2014/main" xmlns="" id="{2A883490-DCBE-4E53-9929-31FEA0EEFA15}"/>
               </a:ext>
             </a:extLst>
           </p:cNvPr>
@@ -16586,7 +21636,7 @@
           <p:cNvPr id="24" name="文字方塊 24">
             <a:extLst>
               <a:ext uri="{FF2B5EF4-FFF2-40B4-BE49-F238E27FC236}">
-                <a16:creationId xmlns:a16="http://schemas.microsoft.com/office/drawing/2014/main" id="{C0263DDF-1D6D-4FA1-8F3D-8A2BC3A63611}"/>
+                <a16:creationId xmlns:a16="http://schemas.microsoft.com/office/drawing/2014/main" xmlns="" id="{C0263DDF-1D6D-4FA1-8F3D-8A2BC3A63611}"/>
               </a:ext>
             </a:extLst>
           </p:cNvPr>
@@ -16623,7 +21673,7 @@
           <p:cNvPr id="25" name="文字方塊 25">
             <a:extLst>
               <a:ext uri="{FF2B5EF4-FFF2-40B4-BE49-F238E27FC236}">
-                <a16:creationId xmlns:a16="http://schemas.microsoft.com/office/drawing/2014/main" id="{7A8B5F87-28B9-4BCD-92F3-F5B2BEB6FBE7}"/>
+                <a16:creationId xmlns:a16="http://schemas.microsoft.com/office/drawing/2014/main" xmlns="" id="{7A8B5F87-28B9-4BCD-92F3-F5B2BEB6FBE7}"/>
               </a:ext>
             </a:extLst>
           </p:cNvPr>
@@ -16660,7 +21710,7 @@
           <p:cNvPr id="26" name="圖片 26">
             <a:extLst>
               <a:ext uri="{FF2B5EF4-FFF2-40B4-BE49-F238E27FC236}">
-                <a16:creationId xmlns:a16="http://schemas.microsoft.com/office/drawing/2014/main" id="{DC98FF27-FDDE-4A3A-A4C7-DC5ABF2A3C1E}"/>
+                <a16:creationId xmlns:a16="http://schemas.microsoft.com/office/drawing/2014/main" xmlns="" id="{DC98FF27-FDDE-4A3A-A4C7-DC5ABF2A3C1E}"/>
               </a:ext>
             </a:extLst>
           </p:cNvPr>
@@ -16690,7 +21740,7 @@
           <p:cNvPr id="27" name="圖片 3">
             <a:extLst>
               <a:ext uri="{FF2B5EF4-FFF2-40B4-BE49-F238E27FC236}">
-                <a16:creationId xmlns:a16="http://schemas.microsoft.com/office/drawing/2014/main" id="{09096899-FF6D-429A-92C8-9E7E8F3BEE87}"/>
+                <a16:creationId xmlns:a16="http://schemas.microsoft.com/office/drawing/2014/main" xmlns="" id="{09096899-FF6D-429A-92C8-9E7E8F3BEE87}"/>
               </a:ext>
             </a:extLst>
           </p:cNvPr>
@@ -16720,7 +21770,7 @@
           <p:cNvPr id="28" name="文字方塊 15">
             <a:extLst>
               <a:ext uri="{FF2B5EF4-FFF2-40B4-BE49-F238E27FC236}">
-                <a16:creationId xmlns:a16="http://schemas.microsoft.com/office/drawing/2014/main" id="{D6B06996-B3AF-40BA-BC93-895C80DEA802}"/>
+                <a16:creationId xmlns:a16="http://schemas.microsoft.com/office/drawing/2014/main" xmlns="" id="{D6B06996-B3AF-40BA-BC93-895C80DEA802}"/>
               </a:ext>
             </a:extLst>
           </p:cNvPr>
@@ -16756,7 +21806,7 @@
           <p:cNvPr id="29" name="文字方塊 16">
             <a:extLst>
               <a:ext uri="{FF2B5EF4-FFF2-40B4-BE49-F238E27FC236}">
-                <a16:creationId xmlns:a16="http://schemas.microsoft.com/office/drawing/2014/main" id="{5B9ED6F4-0637-41F0-B528-3B15CCE91C64}"/>
+                <a16:creationId xmlns:a16="http://schemas.microsoft.com/office/drawing/2014/main" xmlns="" id="{5B9ED6F4-0637-41F0-B528-3B15CCE91C64}"/>
               </a:ext>
             </a:extLst>
           </p:cNvPr>
@@ -16802,7 +21852,7 @@
           <p:cNvPr id="30" name="直線單箭頭接點 18">
             <a:extLst>
               <a:ext uri="{FF2B5EF4-FFF2-40B4-BE49-F238E27FC236}">
-                <a16:creationId xmlns:a16="http://schemas.microsoft.com/office/drawing/2014/main" id="{ED0F6F3D-4FF8-4672-8160-FE272B188CFB}"/>
+                <a16:creationId xmlns:a16="http://schemas.microsoft.com/office/drawing/2014/main" xmlns="" id="{ED0F6F3D-4FF8-4672-8160-FE272B188CFB}"/>
               </a:ext>
             </a:extLst>
           </p:cNvPr>
@@ -16844,7 +21894,7 @@
           <p:cNvPr id="31" name="弧形箭號 (下彎) 19">
             <a:extLst>
               <a:ext uri="{FF2B5EF4-FFF2-40B4-BE49-F238E27FC236}">
-                <a16:creationId xmlns:a16="http://schemas.microsoft.com/office/drawing/2014/main" id="{03211EF6-E77F-414F-8999-D781D4FE443A}"/>
+                <a16:creationId xmlns:a16="http://schemas.microsoft.com/office/drawing/2014/main" xmlns="" id="{03211EF6-E77F-414F-8999-D781D4FE443A}"/>
               </a:ext>
             </a:extLst>
           </p:cNvPr>
@@ -16894,7 +21944,7 @@
           <p:cNvPr id="32" name="弧形箭號 (下彎) 20">
             <a:extLst>
               <a:ext uri="{FF2B5EF4-FFF2-40B4-BE49-F238E27FC236}">
-                <a16:creationId xmlns:a16="http://schemas.microsoft.com/office/drawing/2014/main" id="{27529EEB-049E-4AEE-A4B4-EFBED607850D}"/>
+                <a16:creationId xmlns:a16="http://schemas.microsoft.com/office/drawing/2014/main" xmlns="" id="{27529EEB-049E-4AEE-A4B4-EFBED607850D}"/>
               </a:ext>
             </a:extLst>
           </p:cNvPr>
@@ -16948,7 +21998,7 @@
           <p:cNvPr id="33" name="文字方塊 17">
             <a:extLst>
               <a:ext uri="{FF2B5EF4-FFF2-40B4-BE49-F238E27FC236}">
-                <a16:creationId xmlns:a16="http://schemas.microsoft.com/office/drawing/2014/main" id="{0903127E-3CE9-4CCF-8ED3-A932FB7C3B6F}"/>
+                <a16:creationId xmlns:a16="http://schemas.microsoft.com/office/drawing/2014/main" xmlns="" id="{0903127E-3CE9-4CCF-8ED3-A932FB7C3B6F}"/>
               </a:ext>
             </a:extLst>
           </p:cNvPr>
@@ -16995,7 +22045,7 @@
           <p:cNvPr id="34" name="Picture 12" descr="https://encrypted-tbn1.gstatic.com/images?q=tbn:ANd9GcRcwlRKAlSIaCI4W5PRYVbuBQQXifF-56bFqAjh9DMe-_3Lh8_YKw">
             <a:extLst>
               <a:ext uri="{FF2B5EF4-FFF2-40B4-BE49-F238E27FC236}">
-                <a16:creationId xmlns:a16="http://schemas.microsoft.com/office/drawing/2014/main" id="{5433C88E-CA93-4C19-B5C4-B268A4F15FA2}"/>
+                <a16:creationId xmlns:a16="http://schemas.microsoft.com/office/drawing/2014/main" xmlns="" id="{5433C88E-CA93-4C19-B5C4-B268A4F15FA2}"/>
               </a:ext>
             </a:extLst>
           </p:cNvPr>
@@ -17042,7 +22092,7 @@
           <p:cNvPr id="35" name="文字方塊 14">
             <a:extLst>
               <a:ext uri="{FF2B5EF4-FFF2-40B4-BE49-F238E27FC236}">
-                <a16:creationId xmlns:a16="http://schemas.microsoft.com/office/drawing/2014/main" id="{6B9AE08C-3526-4F30-A792-29BD20283793}"/>
+                <a16:creationId xmlns:a16="http://schemas.microsoft.com/office/drawing/2014/main" xmlns="" id="{6B9AE08C-3526-4F30-A792-29BD20283793}"/>
               </a:ext>
             </a:extLst>
           </p:cNvPr>
@@ -17615,7 +22665,7 @@
           <p:cNvPr id="2" name="标题 1">
             <a:extLst>
               <a:ext uri="{FF2B5EF4-FFF2-40B4-BE49-F238E27FC236}">
-                <a16:creationId xmlns:a16="http://schemas.microsoft.com/office/drawing/2014/main" id="{D6F643E1-7647-4208-BA5E-8F558C755A32}"/>
+                <a16:creationId xmlns:a16="http://schemas.microsoft.com/office/drawing/2014/main" xmlns="" id="{D6F643E1-7647-4208-BA5E-8F558C755A32}"/>
               </a:ext>
             </a:extLst>
           </p:cNvPr>
@@ -17643,7 +22693,7 @@
           <p:cNvPr id="3" name="内容占位符 2">
             <a:extLst>
               <a:ext uri="{FF2B5EF4-FFF2-40B4-BE49-F238E27FC236}">
-                <a16:creationId xmlns:a16="http://schemas.microsoft.com/office/drawing/2014/main" id="{DDFA032E-57EF-444C-9DE4-98A6B647C5FC}"/>
+                <a16:creationId xmlns:a16="http://schemas.microsoft.com/office/drawing/2014/main" xmlns="" id="{DDFA032E-57EF-444C-9DE4-98A6B647C5FC}"/>
               </a:ext>
             </a:extLst>
           </p:cNvPr>
@@ -17738,7 +22788,7 @@
           <p:cNvPr id="4" name="日期占位符 3">
             <a:extLst>
               <a:ext uri="{FF2B5EF4-FFF2-40B4-BE49-F238E27FC236}">
-                <a16:creationId xmlns:a16="http://schemas.microsoft.com/office/drawing/2014/main" id="{B3A58633-8D37-4388-B282-4E83E2832399}"/>
+                <a16:creationId xmlns:a16="http://schemas.microsoft.com/office/drawing/2014/main" xmlns="" id="{B3A58633-8D37-4388-B282-4E83E2832399}"/>
               </a:ext>
             </a:extLst>
           </p:cNvPr>
@@ -17759,7 +22809,7 @@
             </a:pPr>
             <a:fld id="{95A2A19B-170D-1043-AE33-7A36DFB7BCDC}" type="datetime2">
               <a:rPr lang="zh-CN" altLang="en-US" smtClean="0"/>
-              <a:t>2018年4月20日</a:t>
+              <a:t>2018年7月5日</a:t>
             </a:fld>
             <a:endParaRPr lang="en-US" altLang="zh-CN"/>
           </a:p>
@@ -17770,7 +22820,7 @@
           <p:cNvPr id="5" name="页脚占位符 4">
             <a:extLst>
               <a:ext uri="{FF2B5EF4-FFF2-40B4-BE49-F238E27FC236}">
-                <a16:creationId xmlns:a16="http://schemas.microsoft.com/office/drawing/2014/main" id="{22DC7178-14EB-4109-B0FC-CE518823E624}"/>
+                <a16:creationId xmlns:a16="http://schemas.microsoft.com/office/drawing/2014/main" xmlns="" id="{22DC7178-14EB-4109-B0FC-CE518823E624}"/>
               </a:ext>
             </a:extLst>
           </p:cNvPr>
@@ -17802,7 +22852,7 @@
           <p:cNvPr id="6" name="灯片编号占位符 5">
             <a:extLst>
               <a:ext uri="{FF2B5EF4-FFF2-40B4-BE49-F238E27FC236}">
-                <a16:creationId xmlns:a16="http://schemas.microsoft.com/office/drawing/2014/main" id="{443CE0CF-4AED-47E2-8168-A4391E230779}"/>
+                <a16:creationId xmlns:a16="http://schemas.microsoft.com/office/drawing/2014/main" xmlns="" id="{443CE0CF-4AED-47E2-8168-A4391E230779}"/>
               </a:ext>
             </a:extLst>
           </p:cNvPr>
@@ -17837,7 +22887,7 @@
           <p:cNvPr id="7" name="Object 12">
             <a:extLst>
               <a:ext uri="{FF2B5EF4-FFF2-40B4-BE49-F238E27FC236}">
-                <a16:creationId xmlns:a16="http://schemas.microsoft.com/office/drawing/2014/main" id="{6CBF1C74-A606-403D-B03C-CDE8AEF3792D}"/>
+                <a16:creationId xmlns:a16="http://schemas.microsoft.com/office/drawing/2014/main" xmlns="" id="{6CBF1C74-A606-403D-B03C-CDE8AEF3792D}"/>
               </a:ext>
             </a:extLst>
           </p:cNvPr>
@@ -17856,7 +22906,7 @@
           <a:graphicData uri="http://schemas.openxmlformats.org/presentationml/2006/ole">
             <mc:AlternateContent xmlns:mc="http://schemas.openxmlformats.org/markup-compatibility/2006">
               <mc:Choice xmlns:v="urn:schemas-microsoft-com:vml" Requires="v">
-                <p:oleObj spid="_x0000_s2137" name="方程式" r:id="rId3" imgW="1790640" imgH="215640" progId="Equation.3">
+                <p:oleObj spid="_x0000_s2189" name="方程式" r:id="rId3" imgW="1790640" imgH="215640" progId="Equation.3">
                   <p:embed/>
                 </p:oleObj>
               </mc:Choice>
@@ -17909,7 +22959,7 @@
           <p:cNvPr id="8" name="文字方塊 8">
             <a:extLst>
               <a:ext uri="{FF2B5EF4-FFF2-40B4-BE49-F238E27FC236}">
-                <a16:creationId xmlns:a16="http://schemas.microsoft.com/office/drawing/2014/main" id="{86F09955-8ADC-4760-A3EE-D5CC28A0526E}"/>
+                <a16:creationId xmlns:a16="http://schemas.microsoft.com/office/drawing/2014/main" xmlns="" id="{86F09955-8ADC-4760-A3EE-D5CC28A0526E}"/>
               </a:ext>
             </a:extLst>
           </p:cNvPr>
@@ -17945,7 +22995,7 @@
           <p:cNvPr id="9" name="圖片 11">
             <a:extLst>
               <a:ext uri="{FF2B5EF4-FFF2-40B4-BE49-F238E27FC236}">
-                <a16:creationId xmlns:a16="http://schemas.microsoft.com/office/drawing/2014/main" id="{C6AB4598-5943-4A21-AA07-865D97A847CC}"/>
+                <a16:creationId xmlns:a16="http://schemas.microsoft.com/office/drawing/2014/main" xmlns="" id="{C6AB4598-5943-4A21-AA07-865D97A847CC}"/>
               </a:ext>
             </a:extLst>
           </p:cNvPr>
@@ -17981,7 +23031,7 @@
           <p:cNvPr id="10" name="Object 12">
             <a:extLst>
               <a:ext uri="{FF2B5EF4-FFF2-40B4-BE49-F238E27FC236}">
-                <a16:creationId xmlns:a16="http://schemas.microsoft.com/office/drawing/2014/main" id="{905F5424-ADB9-4D8E-8423-2B5950B537AA}"/>
+                <a16:creationId xmlns:a16="http://schemas.microsoft.com/office/drawing/2014/main" xmlns="" id="{905F5424-ADB9-4D8E-8423-2B5950B537AA}"/>
               </a:ext>
             </a:extLst>
           </p:cNvPr>
@@ -18004,7 +23054,7 @@
           <a:graphicData uri="http://schemas.openxmlformats.org/presentationml/2006/ole">
             <mc:AlternateContent xmlns:mc="http://schemas.openxmlformats.org/markup-compatibility/2006">
               <mc:Choice xmlns:v="urn:schemas-microsoft-com:vml" Requires="v">
-                <p:oleObj spid="_x0000_s2138" name="方程式" r:id="rId6" imgW="1790640" imgH="215640" progId="Equation.3">
+                <p:oleObj spid="_x0000_s2190" name="方程式" r:id="rId6" imgW="1790640" imgH="215640" progId="Equation.3">
                   <p:embed/>
                 </p:oleObj>
               </mc:Choice>
@@ -18057,7 +23107,7 @@
           <p:cNvPr id="11" name="文字方塊 7">
             <a:extLst>
               <a:ext uri="{FF2B5EF4-FFF2-40B4-BE49-F238E27FC236}">
-                <a16:creationId xmlns:a16="http://schemas.microsoft.com/office/drawing/2014/main" id="{389CB547-3633-486B-BFE0-673AECDBA2AA}"/>
+                <a16:creationId xmlns:a16="http://schemas.microsoft.com/office/drawing/2014/main" xmlns="" id="{389CB547-3633-486B-BFE0-673AECDBA2AA}"/>
               </a:ext>
             </a:extLst>
           </p:cNvPr>
@@ -18093,7 +23143,7 @@
           <p:cNvPr id="12" name="Picture 12" descr="https://encrypted-tbn1.gstatic.com/images?q=tbn:ANd9GcRcwlRKAlSIaCI4W5PRYVbuBQQXifF-56bFqAjh9DMe-_3Lh8_YKw">
             <a:extLst>
               <a:ext uri="{FF2B5EF4-FFF2-40B4-BE49-F238E27FC236}">
-                <a16:creationId xmlns:a16="http://schemas.microsoft.com/office/drawing/2014/main" id="{01A4C000-ACF8-43CF-91CB-081E28A7E99D}"/>
+                <a16:creationId xmlns:a16="http://schemas.microsoft.com/office/drawing/2014/main" xmlns="" id="{01A4C000-ACF8-43CF-91CB-081E28A7E99D}"/>
               </a:ext>
             </a:extLst>
           </p:cNvPr>
@@ -18140,7 +23190,7 @@
           <p:cNvPr id="13" name="Object 12">
             <a:extLst>
               <a:ext uri="{FF2B5EF4-FFF2-40B4-BE49-F238E27FC236}">
-                <a16:creationId xmlns:a16="http://schemas.microsoft.com/office/drawing/2014/main" id="{B8E14440-161E-470A-BB36-DE87ED092B58}"/>
+                <a16:creationId xmlns:a16="http://schemas.microsoft.com/office/drawing/2014/main" xmlns="" id="{B8E14440-161E-470A-BB36-DE87ED092B58}"/>
               </a:ext>
             </a:extLst>
           </p:cNvPr>
@@ -18163,7 +23213,7 @@
           <a:graphicData uri="http://schemas.openxmlformats.org/presentationml/2006/ole">
             <mc:AlternateContent xmlns:mc="http://schemas.openxmlformats.org/markup-compatibility/2006">
               <mc:Choice xmlns:v="urn:schemas-microsoft-com:vml" Requires="v">
-                <p:oleObj spid="_x0000_s2139" name="方程式" r:id="rId8" imgW="1790640" imgH="215640" progId="Equation.3">
+                <p:oleObj spid="_x0000_s2191" name="方程式" r:id="rId8" imgW="1790640" imgH="215640" progId="Equation.3">
                   <p:embed/>
                 </p:oleObj>
               </mc:Choice>
@@ -18216,7 +23266,7 @@
           <p:cNvPr id="14" name="文字方塊 9">
             <a:extLst>
               <a:ext uri="{FF2B5EF4-FFF2-40B4-BE49-F238E27FC236}">
-                <a16:creationId xmlns:a16="http://schemas.microsoft.com/office/drawing/2014/main" id="{5B375907-9A8C-4D88-8995-A50C64906A53}"/>
+                <a16:creationId xmlns:a16="http://schemas.microsoft.com/office/drawing/2014/main" xmlns="" id="{5B375907-9A8C-4D88-8995-A50C64906A53}"/>
               </a:ext>
             </a:extLst>
           </p:cNvPr>
@@ -18252,7 +23302,7 @@
           <p:cNvPr id="15" name="Picture 2" descr="http://y2.ifengimg.com/a/2016_11/2c7ef418c729099.jpg">
             <a:extLst>
               <a:ext uri="{FF2B5EF4-FFF2-40B4-BE49-F238E27FC236}">
-                <a16:creationId xmlns:a16="http://schemas.microsoft.com/office/drawing/2014/main" id="{0F5019D2-D980-4F1C-92A4-0A7FF1F6D178}"/>
+                <a16:creationId xmlns:a16="http://schemas.microsoft.com/office/drawing/2014/main" xmlns="" id="{0F5019D2-D980-4F1C-92A4-0A7FF1F6D178}"/>
               </a:ext>
             </a:extLst>
           </p:cNvPr>

--- a/机器学习入门.pptx
+++ b/机器学习入门.pptx
@@ -5,10 +5,10 @@
     <p:sldMasterId id="2147483660" r:id="rId1"/>
   </p:sldMasterIdLst>
   <p:notesMasterIdLst>
-    <p:notesMasterId r:id="rId29"/>
+    <p:notesMasterId r:id="rId30"/>
   </p:notesMasterIdLst>
   <p:handoutMasterIdLst>
-    <p:handoutMasterId r:id="rId30"/>
+    <p:handoutMasterId r:id="rId31"/>
   </p:handoutMasterIdLst>
   <p:sldIdLst>
     <p:sldId id="256" r:id="rId2"/>
@@ -38,6 +38,7 @@
     <p:sldId id="365" r:id="rId26"/>
     <p:sldId id="367" r:id="rId27"/>
     <p:sldId id="366" r:id="rId28"/>
+    <p:sldId id="368" r:id="rId29"/>
   </p:sldIdLst>
   <p:sldSz cx="12192000" cy="6858000"/>
   <p:notesSz cx="6858000" cy="9144000"/>
@@ -5418,7 +5419,7 @@
           <p:cNvPr id="2" name="标题 1">
             <a:extLst>
               <a:ext uri="{FF2B5EF4-FFF2-40B4-BE49-F238E27FC236}">
-                <a16:creationId xmlns:a16="http://schemas.microsoft.com/office/drawing/2014/main" xmlns="" id="{C779F269-BE5F-4251-8EE3-D3B207D7A66F}"/>
+                <a16:creationId xmlns="" xmlns:a16="http://schemas.microsoft.com/office/drawing/2014/main" id="{C779F269-BE5F-4251-8EE3-D3B207D7A66F}"/>
               </a:ext>
             </a:extLst>
           </p:cNvPr>
@@ -5446,7 +5447,7 @@
           <p:cNvPr id="4" name="日期占位符 3">
             <a:extLst>
               <a:ext uri="{FF2B5EF4-FFF2-40B4-BE49-F238E27FC236}">
-                <a16:creationId xmlns:a16="http://schemas.microsoft.com/office/drawing/2014/main" xmlns="" id="{CC2DEE5A-D5C1-4B57-B7EE-61483325413D}"/>
+                <a16:creationId xmlns="" xmlns:a16="http://schemas.microsoft.com/office/drawing/2014/main" id="{CC2DEE5A-D5C1-4B57-B7EE-61483325413D}"/>
               </a:ext>
             </a:extLst>
           </p:cNvPr>
@@ -5478,7 +5479,7 @@
           <p:cNvPr id="6" name="灯片编号占位符 5">
             <a:extLst>
               <a:ext uri="{FF2B5EF4-FFF2-40B4-BE49-F238E27FC236}">
-                <a16:creationId xmlns:a16="http://schemas.microsoft.com/office/drawing/2014/main" xmlns="" id="{89059747-7DCE-498E-9C00-87842F1DF7A5}"/>
+                <a16:creationId xmlns="" xmlns:a16="http://schemas.microsoft.com/office/drawing/2014/main" id="{89059747-7DCE-498E-9C00-87842F1DF7A5}"/>
               </a:ext>
             </a:extLst>
           </p:cNvPr>
@@ -5513,7 +5514,7 @@
           <p:cNvPr id="7" name="圖片 4">
             <a:extLst>
               <a:ext uri="{FF2B5EF4-FFF2-40B4-BE49-F238E27FC236}">
-                <a16:creationId xmlns:a16="http://schemas.microsoft.com/office/drawing/2014/main" xmlns="" id="{AD60FF85-BB82-48C3-A8D5-F3FE31FEEE25}"/>
+                <a16:creationId xmlns="" xmlns:a16="http://schemas.microsoft.com/office/drawing/2014/main" id="{AD60FF85-BB82-48C3-A8D5-F3FE31FEEE25}"/>
               </a:ext>
             </a:extLst>
           </p:cNvPr>
@@ -5549,7 +5550,7 @@
           <p:cNvPr id="8" name="圓柱 5">
             <a:extLst>
               <a:ext uri="{FF2B5EF4-FFF2-40B4-BE49-F238E27FC236}">
-                <a16:creationId xmlns:a16="http://schemas.microsoft.com/office/drawing/2014/main" xmlns="" id="{A4910C58-B916-4377-8A20-3433B9850A89}"/>
+                <a16:creationId xmlns="" xmlns:a16="http://schemas.microsoft.com/office/drawing/2014/main" id="{A4910C58-B916-4377-8A20-3433B9850A89}"/>
               </a:ext>
             </a:extLst>
           </p:cNvPr>
@@ -5605,7 +5606,7 @@
           <p:cNvPr id="9" name="Object 12">
             <a:extLst>
               <a:ext uri="{FF2B5EF4-FFF2-40B4-BE49-F238E27FC236}">
-                <a16:creationId xmlns:a16="http://schemas.microsoft.com/office/drawing/2014/main" xmlns="" id="{DB4A9ABD-5112-4CDC-A5E0-E36AF7F715CB}"/>
+                <a16:creationId xmlns="" xmlns:a16="http://schemas.microsoft.com/office/drawing/2014/main" id="{DB4A9ABD-5112-4CDC-A5E0-E36AF7F715CB}"/>
               </a:ext>
             </a:extLst>
           </p:cNvPr>
@@ -5628,7 +5629,7 @@
           <a:graphicData uri="http://schemas.openxmlformats.org/presentationml/2006/ole">
             <mc:AlternateContent xmlns:mc="http://schemas.openxmlformats.org/markup-compatibility/2006">
               <mc:Choice xmlns:v="urn:schemas-microsoft-com:vml" Requires="v">
-                <p:oleObj spid="_x0000_s3165" name="方程式" r:id="rId4" imgW="520560" imgH="215640" progId="Equation.3">
+                <p:oleObj spid="_x0000_s3174" name="方程式" r:id="rId4" imgW="520560" imgH="215640" progId="Equation.3">
                   <p:embed/>
                 </p:oleObj>
               </mc:Choice>
@@ -5673,7 +5674,7 @@
           <p:cNvPr id="10" name="群組 8">
             <a:extLst>
               <a:ext uri="{FF2B5EF4-FFF2-40B4-BE49-F238E27FC236}">
-                <a16:creationId xmlns:a16="http://schemas.microsoft.com/office/drawing/2014/main" xmlns="" id="{86701675-F63F-493D-9E34-74AA169451B4}"/>
+                <a16:creationId xmlns="" xmlns:a16="http://schemas.microsoft.com/office/drawing/2014/main" id="{86701675-F63F-493D-9E34-74AA169451B4}"/>
               </a:ext>
             </a:extLst>
           </p:cNvPr>
@@ -5693,7 +5694,7 @@
             <p:cNvPr id="11" name="Object 12">
               <a:extLst>
                 <a:ext uri="{FF2B5EF4-FFF2-40B4-BE49-F238E27FC236}">
-                  <a16:creationId xmlns:a16="http://schemas.microsoft.com/office/drawing/2014/main" xmlns="" id="{040F69FC-3664-4FA8-B1DA-31B1C77DBB75}"/>
+                  <a16:creationId xmlns="" xmlns:a16="http://schemas.microsoft.com/office/drawing/2014/main" id="{040F69FC-3664-4FA8-B1DA-31B1C77DBB75}"/>
                 </a:ext>
               </a:extLst>
             </p:cNvPr>
@@ -5712,7 +5713,7 @@
             <a:graphicData uri="http://schemas.openxmlformats.org/presentationml/2006/ole">
               <mc:AlternateContent xmlns:mc="http://schemas.openxmlformats.org/markup-compatibility/2006">
                 <mc:Choice xmlns:v="urn:schemas-microsoft-com:vml" Requires="v">
-                  <p:oleObj spid="_x0000_s3166" name="方程式" r:id="rId6" imgW="990360" imgH="215640" progId="Equation.3">
+                  <p:oleObj spid="_x0000_s3175" name="方程式" r:id="rId6" imgW="990360" imgH="215640" progId="Equation.3">
                     <p:embed/>
                   </p:oleObj>
                 </mc:Choice>
@@ -5765,7 +5766,7 @@
             <p:cNvPr id="12" name="文字方塊 75">
               <a:extLst>
                 <a:ext uri="{FF2B5EF4-FFF2-40B4-BE49-F238E27FC236}">
-                  <a16:creationId xmlns:a16="http://schemas.microsoft.com/office/drawing/2014/main" xmlns="" id="{670B65FB-1B58-460A-A2C7-9B516017E47F}"/>
+                  <a16:creationId xmlns="" xmlns:a16="http://schemas.microsoft.com/office/drawing/2014/main" id="{670B65FB-1B58-460A-A2C7-9B516017E47F}"/>
                 </a:ext>
               </a:extLst>
             </p:cNvPr>
@@ -5802,7 +5803,7 @@
             <p:cNvPr id="13" name="Picture 12" descr="https://encrypted-tbn1.gstatic.com/images?q=tbn:ANd9GcRcwlRKAlSIaCI4W5PRYVbuBQQXifF-56bFqAjh9DMe-_3Lh8_YKw">
               <a:extLst>
                 <a:ext uri="{FF2B5EF4-FFF2-40B4-BE49-F238E27FC236}">
-                  <a16:creationId xmlns:a16="http://schemas.microsoft.com/office/drawing/2014/main" xmlns="" id="{8C80662D-B3B1-445B-954A-759D044D7310}"/>
+                  <a16:creationId xmlns="" xmlns:a16="http://schemas.microsoft.com/office/drawing/2014/main" id="{8C80662D-B3B1-445B-954A-759D044D7310}"/>
                 </a:ext>
               </a:extLst>
             </p:cNvPr>
@@ -5850,7 +5851,7 @@
           <p:cNvPr id="14" name="文字方塊 11">
             <a:extLst>
               <a:ext uri="{FF2B5EF4-FFF2-40B4-BE49-F238E27FC236}">
-                <a16:creationId xmlns:a16="http://schemas.microsoft.com/office/drawing/2014/main" xmlns="" id="{B6644981-91B8-4F8D-ADBA-C049EED9F47D}"/>
+                <a16:creationId xmlns="" xmlns:a16="http://schemas.microsoft.com/office/drawing/2014/main" id="{B6644981-91B8-4F8D-ADBA-C049EED9F47D}"/>
               </a:ext>
             </a:extLst>
           </p:cNvPr>
@@ -5890,7 +5891,7 @@
           <p:cNvPr id="15" name="文字方塊 17">
             <a:extLst>
               <a:ext uri="{FF2B5EF4-FFF2-40B4-BE49-F238E27FC236}">
-                <a16:creationId xmlns:a16="http://schemas.microsoft.com/office/drawing/2014/main" xmlns="" id="{CD148FFE-0C1A-43A6-BF00-843E46F6C4A9}"/>
+                <a16:creationId xmlns="" xmlns:a16="http://schemas.microsoft.com/office/drawing/2014/main" id="{CD148FFE-0C1A-43A6-BF00-843E46F6C4A9}"/>
               </a:ext>
             </a:extLst>
           </p:cNvPr>
@@ -5940,7 +5941,7 @@
           <p:cNvPr id="16" name="圓柱 22">
             <a:extLst>
               <a:ext uri="{FF2B5EF4-FFF2-40B4-BE49-F238E27FC236}">
-                <a16:creationId xmlns:a16="http://schemas.microsoft.com/office/drawing/2014/main" xmlns="" id="{C2AC9E2D-2713-4B72-979B-D486E2F2639C}"/>
+                <a16:creationId xmlns="" xmlns:a16="http://schemas.microsoft.com/office/drawing/2014/main" id="{C2AC9E2D-2713-4B72-979B-D486E2F2639C}"/>
               </a:ext>
             </a:extLst>
           </p:cNvPr>
@@ -5988,7 +5989,7 @@
           <p:cNvPr id="17" name="圓角矩形 26">
             <a:extLst>
               <a:ext uri="{FF2B5EF4-FFF2-40B4-BE49-F238E27FC236}">
-                <a16:creationId xmlns:a16="http://schemas.microsoft.com/office/drawing/2014/main" xmlns="" id="{BA910896-9C8A-4898-8A5B-12C3717695B2}"/>
+                <a16:creationId xmlns="" xmlns:a16="http://schemas.microsoft.com/office/drawing/2014/main" id="{BA910896-9C8A-4898-8A5B-12C3717695B2}"/>
               </a:ext>
             </a:extLst>
           </p:cNvPr>
@@ -6052,7 +6053,7 @@
           <p:cNvPr id="18" name="直線單箭頭接點 27">
             <a:extLst>
               <a:ext uri="{FF2B5EF4-FFF2-40B4-BE49-F238E27FC236}">
-                <a16:creationId xmlns:a16="http://schemas.microsoft.com/office/drawing/2014/main" xmlns="" id="{46B85095-3D68-40D1-8931-E74F8BFC4A97}"/>
+                <a16:creationId xmlns="" xmlns:a16="http://schemas.microsoft.com/office/drawing/2014/main" id="{46B85095-3D68-40D1-8931-E74F8BFC4A97}"/>
               </a:ext>
             </a:extLst>
           </p:cNvPr>
@@ -6091,7 +6092,7 @@
           <p:cNvPr id="19" name="直線單箭頭接點 28">
             <a:extLst>
               <a:ext uri="{FF2B5EF4-FFF2-40B4-BE49-F238E27FC236}">
-                <a16:creationId xmlns:a16="http://schemas.microsoft.com/office/drawing/2014/main" xmlns="" id="{A206D4A2-B23E-47CB-8E7C-FB5098DFC78F}"/>
+                <a16:creationId xmlns="" xmlns:a16="http://schemas.microsoft.com/office/drawing/2014/main" id="{A206D4A2-B23E-47CB-8E7C-FB5098DFC78F}"/>
               </a:ext>
             </a:extLst>
           </p:cNvPr>
@@ -6130,7 +6131,7 @@
           <p:cNvPr id="20" name="文字方塊 35">
             <a:extLst>
               <a:ext uri="{FF2B5EF4-FFF2-40B4-BE49-F238E27FC236}">
-                <a16:creationId xmlns:a16="http://schemas.microsoft.com/office/drawing/2014/main" xmlns="" id="{0A08F64A-9EC0-49B2-84C0-50B4665A68B2}"/>
+                <a16:creationId xmlns="" xmlns:a16="http://schemas.microsoft.com/office/drawing/2014/main" id="{0A08F64A-9EC0-49B2-84C0-50B4665A68B2}"/>
               </a:ext>
             </a:extLst>
           </p:cNvPr>
@@ -6187,7 +6188,7 @@
           <p:cNvPr id="21" name="矩形 20">
             <a:extLst>
               <a:ext uri="{FF2B5EF4-FFF2-40B4-BE49-F238E27FC236}">
-                <a16:creationId xmlns:a16="http://schemas.microsoft.com/office/drawing/2014/main" xmlns="" id="{45F11FF2-B145-4B42-B084-B85010584F4B}"/>
+                <a16:creationId xmlns="" xmlns:a16="http://schemas.microsoft.com/office/drawing/2014/main" id="{45F11FF2-B145-4B42-B084-B85010584F4B}"/>
               </a:ext>
             </a:extLst>
           </p:cNvPr>
@@ -6228,7 +6229,7 @@
           <p:cNvPr id="22" name="圖片 37">
             <a:extLst>
               <a:ext uri="{FF2B5EF4-FFF2-40B4-BE49-F238E27FC236}">
-                <a16:creationId xmlns:a16="http://schemas.microsoft.com/office/drawing/2014/main" xmlns="" id="{27F61E55-40D2-48CA-B2A4-3CCAE158D295}"/>
+                <a16:creationId xmlns="" xmlns:a16="http://schemas.microsoft.com/office/drawing/2014/main" id="{27F61E55-40D2-48CA-B2A4-3CCAE158D295}"/>
               </a:ext>
             </a:extLst>
           </p:cNvPr>
@@ -6258,7 +6259,7 @@
           <p:cNvPr id="23" name="圖片 38">
             <a:extLst>
               <a:ext uri="{FF2B5EF4-FFF2-40B4-BE49-F238E27FC236}">
-                <a16:creationId xmlns:a16="http://schemas.microsoft.com/office/drawing/2014/main" xmlns="" id="{F6E24B6C-ACFB-4945-9215-71CF20EB2D2B}"/>
+                <a16:creationId xmlns="" xmlns:a16="http://schemas.microsoft.com/office/drawing/2014/main" id="{F6E24B6C-ACFB-4945-9215-71CF20EB2D2B}"/>
               </a:ext>
             </a:extLst>
           </p:cNvPr>
@@ -6288,7 +6289,7 @@
           <p:cNvPr id="24" name="文字方塊 39">
             <a:extLst>
               <a:ext uri="{FF2B5EF4-FFF2-40B4-BE49-F238E27FC236}">
-                <a16:creationId xmlns:a16="http://schemas.microsoft.com/office/drawing/2014/main" xmlns="" id="{2077EC58-688B-45DA-9585-8B5EFF747C21}"/>
+                <a16:creationId xmlns="" xmlns:a16="http://schemas.microsoft.com/office/drawing/2014/main" id="{2077EC58-688B-45DA-9585-8B5EFF747C21}"/>
               </a:ext>
             </a:extLst>
           </p:cNvPr>
@@ -6325,7 +6326,7 @@
           <p:cNvPr id="25" name="文字方塊 40">
             <a:extLst>
               <a:ext uri="{FF2B5EF4-FFF2-40B4-BE49-F238E27FC236}">
-                <a16:creationId xmlns:a16="http://schemas.microsoft.com/office/drawing/2014/main" xmlns="" id="{9B562F25-BDA7-4165-AFD0-755F0492DDD4}"/>
+                <a16:creationId xmlns="" xmlns:a16="http://schemas.microsoft.com/office/drawing/2014/main" id="{9B562F25-BDA7-4165-AFD0-755F0492DDD4}"/>
               </a:ext>
             </a:extLst>
           </p:cNvPr>
@@ -6362,7 +6363,7 @@
           <p:cNvPr id="26" name="圖片 41">
             <a:extLst>
               <a:ext uri="{FF2B5EF4-FFF2-40B4-BE49-F238E27FC236}">
-                <a16:creationId xmlns:a16="http://schemas.microsoft.com/office/drawing/2014/main" xmlns="" id="{553DEC0C-4B49-4913-BCEC-5D63BB85CC3E}"/>
+                <a16:creationId xmlns="" xmlns:a16="http://schemas.microsoft.com/office/drawing/2014/main" id="{553DEC0C-4B49-4913-BCEC-5D63BB85CC3E}"/>
               </a:ext>
             </a:extLst>
           </p:cNvPr>
@@ -6392,7 +6393,7 @@
           <p:cNvPr id="27" name="矩形 26">
             <a:extLst>
               <a:ext uri="{FF2B5EF4-FFF2-40B4-BE49-F238E27FC236}">
-                <a16:creationId xmlns:a16="http://schemas.microsoft.com/office/drawing/2014/main" xmlns="" id="{93BD42B8-3326-4826-B0D6-BDA00A58F35C}"/>
+                <a16:creationId xmlns="" xmlns:a16="http://schemas.microsoft.com/office/drawing/2014/main" id="{93BD42B8-3326-4826-B0D6-BDA00A58F35C}"/>
               </a:ext>
             </a:extLst>
           </p:cNvPr>
@@ -6432,7 +6433,7 @@
           <p:cNvPr id="28" name="矩形 27">
             <a:extLst>
               <a:ext uri="{FF2B5EF4-FFF2-40B4-BE49-F238E27FC236}">
-                <a16:creationId xmlns:a16="http://schemas.microsoft.com/office/drawing/2014/main" xmlns="" id="{2344BEC7-2CBA-49D3-A79C-080951F115D9}"/>
+                <a16:creationId xmlns="" xmlns:a16="http://schemas.microsoft.com/office/drawing/2014/main" id="{2344BEC7-2CBA-49D3-A79C-080951F115D9}"/>
               </a:ext>
             </a:extLst>
           </p:cNvPr>
@@ -6473,7 +6474,7 @@
           <p:cNvPr id="29" name="矩形 28">
             <a:extLst>
               <a:ext uri="{FF2B5EF4-FFF2-40B4-BE49-F238E27FC236}">
-                <a16:creationId xmlns:a16="http://schemas.microsoft.com/office/drawing/2014/main" xmlns="" id="{F10278E6-750A-4352-9346-FBC6383426E2}"/>
+                <a16:creationId xmlns="" xmlns:a16="http://schemas.microsoft.com/office/drawing/2014/main" id="{F10278E6-750A-4352-9346-FBC6383426E2}"/>
               </a:ext>
             </a:extLst>
           </p:cNvPr>
@@ -6525,7 +6526,7 @@
           <p:cNvPr id="30" name="页脚占位符 4">
             <a:extLst>
               <a:ext uri="{FF2B5EF4-FFF2-40B4-BE49-F238E27FC236}">
-                <a16:creationId xmlns:a16="http://schemas.microsoft.com/office/drawing/2014/main" xmlns="" id="{695CF0EE-630A-4A8F-A959-CFD222411CE2}"/>
+                <a16:creationId xmlns="" xmlns:a16="http://schemas.microsoft.com/office/drawing/2014/main" id="{695CF0EE-630A-4A8F-A959-CFD222411CE2}"/>
               </a:ext>
             </a:extLst>
           </p:cNvPr>
@@ -7227,7 +7228,7 @@
           <p:cNvPr id="2" name="标题 1">
             <a:extLst>
               <a:ext uri="{FF2B5EF4-FFF2-40B4-BE49-F238E27FC236}">
-                <a16:creationId xmlns:a16="http://schemas.microsoft.com/office/drawing/2014/main" xmlns="" id="{2F21F3B5-A64D-4DCA-9CCC-7F0B3E5C58E4}"/>
+                <a16:creationId xmlns="" xmlns:a16="http://schemas.microsoft.com/office/drawing/2014/main" id="{2F21F3B5-A64D-4DCA-9CCC-7F0B3E5C58E4}"/>
               </a:ext>
             </a:extLst>
           </p:cNvPr>
@@ -7255,7 +7256,7 @@
           <p:cNvPr id="4" name="日期占位符 3">
             <a:extLst>
               <a:ext uri="{FF2B5EF4-FFF2-40B4-BE49-F238E27FC236}">
-                <a16:creationId xmlns:a16="http://schemas.microsoft.com/office/drawing/2014/main" xmlns="" id="{C5C07CC5-4A08-4769-88D9-A1F0705AF6CD}"/>
+                <a16:creationId xmlns="" xmlns:a16="http://schemas.microsoft.com/office/drawing/2014/main" id="{C5C07CC5-4A08-4769-88D9-A1F0705AF6CD}"/>
               </a:ext>
             </a:extLst>
           </p:cNvPr>
@@ -7287,7 +7288,7 @@
           <p:cNvPr id="5" name="页脚占位符 4">
             <a:extLst>
               <a:ext uri="{FF2B5EF4-FFF2-40B4-BE49-F238E27FC236}">
-                <a16:creationId xmlns:a16="http://schemas.microsoft.com/office/drawing/2014/main" xmlns="" id="{0ECF1510-3F67-489C-A753-6C05543F5D8E}"/>
+                <a16:creationId xmlns="" xmlns:a16="http://schemas.microsoft.com/office/drawing/2014/main" id="{0ECF1510-3F67-489C-A753-6C05543F5D8E}"/>
               </a:ext>
             </a:extLst>
           </p:cNvPr>
@@ -7319,7 +7320,7 @@
           <p:cNvPr id="6" name="灯片编号占位符 5">
             <a:extLst>
               <a:ext uri="{FF2B5EF4-FFF2-40B4-BE49-F238E27FC236}">
-                <a16:creationId xmlns:a16="http://schemas.microsoft.com/office/drawing/2014/main" xmlns="" id="{CEEF7477-5D18-493B-A5F8-5A256123DB22}"/>
+                <a16:creationId xmlns="" xmlns:a16="http://schemas.microsoft.com/office/drawing/2014/main" id="{CEEF7477-5D18-493B-A5F8-5A256123DB22}"/>
               </a:ext>
             </a:extLst>
           </p:cNvPr>
@@ -7354,7 +7355,7 @@
           <p:cNvPr id="7" name="圓柱 5">
             <a:extLst>
               <a:ext uri="{FF2B5EF4-FFF2-40B4-BE49-F238E27FC236}">
-                <a16:creationId xmlns:a16="http://schemas.microsoft.com/office/drawing/2014/main" xmlns="" id="{13C5A888-600E-40BA-B575-C62CA28FAFBB}"/>
+                <a16:creationId xmlns="" xmlns:a16="http://schemas.microsoft.com/office/drawing/2014/main" id="{13C5A888-600E-40BA-B575-C62CA28FAFBB}"/>
               </a:ext>
             </a:extLst>
           </p:cNvPr>
@@ -7402,7 +7403,7 @@
           <p:cNvPr id="8" name="Object 12">
             <a:extLst>
               <a:ext uri="{FF2B5EF4-FFF2-40B4-BE49-F238E27FC236}">
-                <a16:creationId xmlns:a16="http://schemas.microsoft.com/office/drawing/2014/main" xmlns="" id="{B342BC5F-B650-4540-9688-EFCEDE2DCAA4}"/>
+                <a16:creationId xmlns="" xmlns:a16="http://schemas.microsoft.com/office/drawing/2014/main" id="{B342BC5F-B650-4540-9688-EFCEDE2DCAA4}"/>
               </a:ext>
             </a:extLst>
           </p:cNvPr>
@@ -7425,7 +7426,7 @@
           <a:graphicData uri="http://schemas.openxmlformats.org/presentationml/2006/ole">
             <mc:AlternateContent xmlns:mc="http://schemas.openxmlformats.org/markup-compatibility/2006">
               <mc:Choice xmlns:v="urn:schemas-microsoft-com:vml" Requires="v">
-                <p:oleObj spid="_x0000_s4228" name="方程式" r:id="rId3" imgW="520560" imgH="215640" progId="Equation.3">
+                <p:oleObj spid="_x0000_s4241" name="方程式" r:id="rId3" imgW="520560" imgH="215640" progId="Equation.3">
                   <p:embed/>
                 </p:oleObj>
               </mc:Choice>
@@ -7470,7 +7471,7 @@
           <p:cNvPr id="9" name="文字方塊 17">
             <a:extLst>
               <a:ext uri="{FF2B5EF4-FFF2-40B4-BE49-F238E27FC236}">
-                <a16:creationId xmlns:a16="http://schemas.microsoft.com/office/drawing/2014/main" xmlns="" id="{2CAA0C11-3A8B-40A7-A982-7BB53CDC819F}"/>
+                <a16:creationId xmlns="" xmlns:a16="http://schemas.microsoft.com/office/drawing/2014/main" id="{2CAA0C11-3A8B-40A7-A982-7BB53CDC819F}"/>
               </a:ext>
             </a:extLst>
           </p:cNvPr>
@@ -7520,7 +7521,7 @@
           <p:cNvPr id="10" name="圓柱 22">
             <a:extLst>
               <a:ext uri="{FF2B5EF4-FFF2-40B4-BE49-F238E27FC236}">
-                <a16:creationId xmlns:a16="http://schemas.microsoft.com/office/drawing/2014/main" xmlns="" id="{4689B7FC-28CB-4E77-AA46-F3899D14A7C7}"/>
+                <a16:creationId xmlns="" xmlns:a16="http://schemas.microsoft.com/office/drawing/2014/main" id="{4689B7FC-28CB-4E77-AA46-F3899D14A7C7}"/>
               </a:ext>
             </a:extLst>
           </p:cNvPr>
@@ -7568,7 +7569,7 @@
           <p:cNvPr id="11" name="圓角矩形 26">
             <a:extLst>
               <a:ext uri="{FF2B5EF4-FFF2-40B4-BE49-F238E27FC236}">
-                <a16:creationId xmlns:a16="http://schemas.microsoft.com/office/drawing/2014/main" xmlns="" id="{9DD17BD5-9907-471E-A83F-29D943BAD1CF}"/>
+                <a16:creationId xmlns="" xmlns:a16="http://schemas.microsoft.com/office/drawing/2014/main" id="{9DD17BD5-9907-471E-A83F-29D943BAD1CF}"/>
               </a:ext>
             </a:extLst>
           </p:cNvPr>
@@ -7616,7 +7617,7 @@
           <p:cNvPr id="12" name="直線單箭頭接點 27">
             <a:extLst>
               <a:ext uri="{FF2B5EF4-FFF2-40B4-BE49-F238E27FC236}">
-                <a16:creationId xmlns:a16="http://schemas.microsoft.com/office/drawing/2014/main" xmlns="" id="{FA22C4C8-C34F-4BC3-87E1-C118C0554106}"/>
+                <a16:creationId xmlns="" xmlns:a16="http://schemas.microsoft.com/office/drawing/2014/main" id="{FA22C4C8-C34F-4BC3-87E1-C118C0554106}"/>
               </a:ext>
             </a:extLst>
           </p:cNvPr>
@@ -7655,7 +7656,7 @@
           <p:cNvPr id="13" name="直線單箭頭接點 28">
             <a:extLst>
               <a:ext uri="{FF2B5EF4-FFF2-40B4-BE49-F238E27FC236}">
-                <a16:creationId xmlns:a16="http://schemas.microsoft.com/office/drawing/2014/main" xmlns="" id="{B17D1325-CC48-4623-97BF-443E5683FC4B}"/>
+                <a16:creationId xmlns="" xmlns:a16="http://schemas.microsoft.com/office/drawing/2014/main" id="{B17D1325-CC48-4623-97BF-443E5683FC4B}"/>
               </a:ext>
             </a:extLst>
           </p:cNvPr>
@@ -7694,7 +7695,7 @@
           <p:cNvPr id="14" name="矩形 13">
             <a:extLst>
               <a:ext uri="{FF2B5EF4-FFF2-40B4-BE49-F238E27FC236}">
-                <a16:creationId xmlns:a16="http://schemas.microsoft.com/office/drawing/2014/main" xmlns="" id="{52221F9C-A2E1-455E-86C1-FC74E2207922}"/>
+                <a16:creationId xmlns="" xmlns:a16="http://schemas.microsoft.com/office/drawing/2014/main" id="{52221F9C-A2E1-455E-86C1-FC74E2207922}"/>
               </a:ext>
             </a:extLst>
           </p:cNvPr>
@@ -7735,7 +7736,7 @@
           <p:cNvPr id="15" name="圖片 30">
             <a:extLst>
               <a:ext uri="{FF2B5EF4-FFF2-40B4-BE49-F238E27FC236}">
-                <a16:creationId xmlns:a16="http://schemas.microsoft.com/office/drawing/2014/main" xmlns="" id="{B25A19E1-0BB5-4C02-82BC-71B53B7C2AEC}"/>
+                <a16:creationId xmlns="" xmlns:a16="http://schemas.microsoft.com/office/drawing/2014/main" id="{B25A19E1-0BB5-4C02-82BC-71B53B7C2AEC}"/>
               </a:ext>
             </a:extLst>
           </p:cNvPr>
@@ -7765,7 +7766,7 @@
           <p:cNvPr id="16" name="圖片 31">
             <a:extLst>
               <a:ext uri="{FF2B5EF4-FFF2-40B4-BE49-F238E27FC236}">
-                <a16:creationId xmlns:a16="http://schemas.microsoft.com/office/drawing/2014/main" xmlns="" id="{528BF1DC-96E5-432E-930C-E42789F93C50}"/>
+                <a16:creationId xmlns="" xmlns:a16="http://schemas.microsoft.com/office/drawing/2014/main" id="{528BF1DC-96E5-432E-930C-E42789F93C50}"/>
               </a:ext>
             </a:extLst>
           </p:cNvPr>
@@ -7795,7 +7796,7 @@
           <p:cNvPr id="17" name="文字方塊 32">
             <a:extLst>
               <a:ext uri="{FF2B5EF4-FFF2-40B4-BE49-F238E27FC236}">
-                <a16:creationId xmlns:a16="http://schemas.microsoft.com/office/drawing/2014/main" xmlns="" id="{C11864DB-A316-4618-AC61-927E470CCE7C}"/>
+                <a16:creationId xmlns="" xmlns:a16="http://schemas.microsoft.com/office/drawing/2014/main" id="{C11864DB-A316-4618-AC61-927E470CCE7C}"/>
               </a:ext>
             </a:extLst>
           </p:cNvPr>
@@ -7832,7 +7833,7 @@
           <p:cNvPr id="18" name="文字方塊 33">
             <a:extLst>
               <a:ext uri="{FF2B5EF4-FFF2-40B4-BE49-F238E27FC236}">
-                <a16:creationId xmlns:a16="http://schemas.microsoft.com/office/drawing/2014/main" xmlns="" id="{A9C145A0-8904-479A-95AC-D2AC4E35ACC6}"/>
+                <a16:creationId xmlns="" xmlns:a16="http://schemas.microsoft.com/office/drawing/2014/main" id="{A9C145A0-8904-479A-95AC-D2AC4E35ACC6}"/>
               </a:ext>
             </a:extLst>
           </p:cNvPr>
@@ -7869,7 +7870,7 @@
           <p:cNvPr id="19" name="圖片 34">
             <a:extLst>
               <a:ext uri="{FF2B5EF4-FFF2-40B4-BE49-F238E27FC236}">
-                <a16:creationId xmlns:a16="http://schemas.microsoft.com/office/drawing/2014/main" xmlns="" id="{A038C83F-7859-4E23-AC82-58985F09E8A1}"/>
+                <a16:creationId xmlns="" xmlns:a16="http://schemas.microsoft.com/office/drawing/2014/main" id="{A038C83F-7859-4E23-AC82-58985F09E8A1}"/>
               </a:ext>
             </a:extLst>
           </p:cNvPr>
@@ -7899,7 +7900,7 @@
           <p:cNvPr id="20" name="Object 12">
             <a:extLst>
               <a:ext uri="{FF2B5EF4-FFF2-40B4-BE49-F238E27FC236}">
-                <a16:creationId xmlns:a16="http://schemas.microsoft.com/office/drawing/2014/main" xmlns="" id="{96426069-D24E-4BD7-82BB-1B73EFEF1148}"/>
+                <a16:creationId xmlns="" xmlns:a16="http://schemas.microsoft.com/office/drawing/2014/main" id="{96426069-D24E-4BD7-82BB-1B73EFEF1148}"/>
               </a:ext>
             </a:extLst>
           </p:cNvPr>
@@ -7922,7 +7923,7 @@
           <a:graphicData uri="http://schemas.openxmlformats.org/presentationml/2006/ole">
             <mc:AlternateContent xmlns:mc="http://schemas.openxmlformats.org/markup-compatibility/2006">
               <mc:Choice xmlns:v="urn:schemas-microsoft-com:vml" Requires="v">
-                <p:oleObj spid="_x0000_s4229" name="方程式" r:id="rId8" imgW="203040" imgH="228600" progId="Equation.3">
+                <p:oleObj spid="_x0000_s4242" name="方程式" r:id="rId8" imgW="203040" imgH="228600" progId="Equation.3">
                   <p:embed/>
                 </p:oleObj>
               </mc:Choice>
@@ -7967,7 +7968,7 @@
           <p:cNvPr id="21" name="文字方塊 24">
             <a:extLst>
               <a:ext uri="{FF2B5EF4-FFF2-40B4-BE49-F238E27FC236}">
-                <a16:creationId xmlns:a16="http://schemas.microsoft.com/office/drawing/2014/main" xmlns="" id="{3E25C831-FB74-41F0-AA84-D84356E0AF3F}"/>
+                <a16:creationId xmlns="" xmlns:a16="http://schemas.microsoft.com/office/drawing/2014/main" id="{3E25C831-FB74-41F0-AA84-D84356E0AF3F}"/>
               </a:ext>
             </a:extLst>
           </p:cNvPr>
@@ -8004,7 +8005,7 @@
           <p:cNvPr id="22" name="直線單箭頭接點 25">
             <a:extLst>
               <a:ext uri="{FF2B5EF4-FFF2-40B4-BE49-F238E27FC236}">
-                <a16:creationId xmlns:a16="http://schemas.microsoft.com/office/drawing/2014/main" xmlns="" id="{53A5D98D-FBCD-45B4-B8B8-4A768E39354F}"/>
+                <a16:creationId xmlns="" xmlns:a16="http://schemas.microsoft.com/office/drawing/2014/main" id="{53A5D98D-FBCD-45B4-B8B8-4A768E39354F}"/>
               </a:ext>
             </a:extLst>
           </p:cNvPr>
@@ -8045,7 +8046,7 @@
           <p:cNvPr id="23" name="圓角矩形 37">
             <a:extLst>
               <a:ext uri="{FF2B5EF4-FFF2-40B4-BE49-F238E27FC236}">
-                <a16:creationId xmlns:a16="http://schemas.microsoft.com/office/drawing/2014/main" xmlns="" id="{F4E281F4-8ADF-4B41-A0A7-3C8616D02E03}"/>
+                <a16:creationId xmlns="" xmlns:a16="http://schemas.microsoft.com/office/drawing/2014/main" id="{F4E281F4-8ADF-4B41-A0A7-3C8616D02E03}"/>
               </a:ext>
             </a:extLst>
           </p:cNvPr>
@@ -8096,7 +8097,7 @@
           <p:cNvPr id="24" name="直線單箭頭接點 40">
             <a:extLst>
               <a:ext uri="{FF2B5EF4-FFF2-40B4-BE49-F238E27FC236}">
-                <a16:creationId xmlns:a16="http://schemas.microsoft.com/office/drawing/2014/main" xmlns="" id="{EED9F2A7-BB3D-4DB0-A5FE-4D6726DB5890}"/>
+                <a16:creationId xmlns="" xmlns:a16="http://schemas.microsoft.com/office/drawing/2014/main" id="{EED9F2A7-BB3D-4DB0-A5FE-4D6726DB5890}"/>
               </a:ext>
             </a:extLst>
           </p:cNvPr>
@@ -8135,7 +8136,7 @@
           <p:cNvPr id="25" name="直線單箭頭接點 41">
             <a:extLst>
               <a:ext uri="{FF2B5EF4-FFF2-40B4-BE49-F238E27FC236}">
-                <a16:creationId xmlns:a16="http://schemas.microsoft.com/office/drawing/2014/main" xmlns="" id="{3647F264-2339-4D70-BBD8-3C898E77A058}"/>
+                <a16:creationId xmlns="" xmlns:a16="http://schemas.microsoft.com/office/drawing/2014/main" id="{3647F264-2339-4D70-BBD8-3C898E77A058}"/>
               </a:ext>
             </a:extLst>
           </p:cNvPr>
@@ -8174,7 +8175,7 @@
           <p:cNvPr id="26" name="Object 12">
             <a:extLst>
               <a:ext uri="{FF2B5EF4-FFF2-40B4-BE49-F238E27FC236}">
-                <a16:creationId xmlns:a16="http://schemas.microsoft.com/office/drawing/2014/main" xmlns="" id="{A0956AA3-74B0-4839-9A31-5A2A28950B1E}"/>
+                <a16:creationId xmlns="" xmlns:a16="http://schemas.microsoft.com/office/drawing/2014/main" id="{A0956AA3-74B0-4839-9A31-5A2A28950B1E}"/>
               </a:ext>
             </a:extLst>
           </p:cNvPr>
@@ -8197,7 +8198,7 @@
           <a:graphicData uri="http://schemas.openxmlformats.org/presentationml/2006/ole">
             <mc:AlternateContent xmlns:mc="http://schemas.openxmlformats.org/markup-compatibility/2006">
               <mc:Choice xmlns:v="urn:schemas-microsoft-com:vml" Requires="v">
-                <p:oleObj spid="_x0000_s4230" name="方程式" r:id="rId10" imgW="203040" imgH="228600" progId="Equation.3">
+                <p:oleObj spid="_x0000_s4243" name="方程式" r:id="rId10" imgW="203040" imgH="228600" progId="Equation.3">
                   <p:embed/>
                 </p:oleObj>
               </mc:Choice>
@@ -8242,7 +8243,7 @@
           <p:cNvPr id="27" name="Picture 12" descr="https://encrypted-tbn1.gstatic.com/images?q=tbn:ANd9GcRcwlRKAlSIaCI4W5PRYVbuBQQXifF-56bFqAjh9DMe-_3Lh8_YKw">
             <a:extLst>
               <a:ext uri="{FF2B5EF4-FFF2-40B4-BE49-F238E27FC236}">
-                <a16:creationId xmlns:a16="http://schemas.microsoft.com/office/drawing/2014/main" xmlns="" id="{4D67006C-9A71-4B9D-A460-CE8C4DA6324E}"/>
+                <a16:creationId xmlns="" xmlns:a16="http://schemas.microsoft.com/office/drawing/2014/main" id="{4D67006C-9A71-4B9D-A460-CE8C4DA6324E}"/>
               </a:ext>
             </a:extLst>
           </p:cNvPr>
@@ -8289,7 +8290,7 @@
           <p:cNvPr id="28" name="文字方塊 45">
             <a:extLst>
               <a:ext uri="{FF2B5EF4-FFF2-40B4-BE49-F238E27FC236}">
-                <a16:creationId xmlns:a16="http://schemas.microsoft.com/office/drawing/2014/main" xmlns="" id="{00C6E81C-A033-4C81-A001-D621CD84248E}"/>
+                <a16:creationId xmlns="" xmlns:a16="http://schemas.microsoft.com/office/drawing/2014/main" id="{00C6E81C-A033-4C81-A001-D621CD84248E}"/>
               </a:ext>
             </a:extLst>
           </p:cNvPr>
@@ -8326,7 +8327,7 @@
           <p:cNvPr id="29" name="矩形 28">
             <a:extLst>
               <a:ext uri="{FF2B5EF4-FFF2-40B4-BE49-F238E27FC236}">
-                <a16:creationId xmlns:a16="http://schemas.microsoft.com/office/drawing/2014/main" xmlns="" id="{E1AC2FDE-73E1-49AA-9B98-6BFAC871FAFD}"/>
+                <a16:creationId xmlns="" xmlns:a16="http://schemas.microsoft.com/office/drawing/2014/main" id="{E1AC2FDE-73E1-49AA-9B98-6BFAC871FAFD}"/>
               </a:ext>
             </a:extLst>
           </p:cNvPr>
@@ -8378,7 +8379,7 @@
           <p:cNvPr id="30" name="矩形 29">
             <a:extLst>
               <a:ext uri="{FF2B5EF4-FFF2-40B4-BE49-F238E27FC236}">
-                <a16:creationId xmlns:a16="http://schemas.microsoft.com/office/drawing/2014/main" xmlns="" id="{E074733E-FA25-4E88-AB42-320E3CA89A14}"/>
+                <a16:creationId xmlns="" xmlns:a16="http://schemas.microsoft.com/office/drawing/2014/main" id="{E074733E-FA25-4E88-AB42-320E3CA89A14}"/>
               </a:ext>
             </a:extLst>
           </p:cNvPr>
@@ -8430,7 +8431,7 @@
           <p:cNvPr id="31" name="文字方塊 47">
             <a:extLst>
               <a:ext uri="{FF2B5EF4-FFF2-40B4-BE49-F238E27FC236}">
-                <a16:creationId xmlns:a16="http://schemas.microsoft.com/office/drawing/2014/main" xmlns="" id="{017A0524-DF83-490A-BF4B-E426793D8FD8}"/>
+                <a16:creationId xmlns="" xmlns:a16="http://schemas.microsoft.com/office/drawing/2014/main" id="{017A0524-DF83-490A-BF4B-E426793D8FD8}"/>
               </a:ext>
             </a:extLst>
           </p:cNvPr>
@@ -8480,7 +8481,7 @@
           <p:cNvPr id="32" name="文字方塊 48">
             <a:extLst>
               <a:ext uri="{FF2B5EF4-FFF2-40B4-BE49-F238E27FC236}">
-                <a16:creationId xmlns:a16="http://schemas.microsoft.com/office/drawing/2014/main" xmlns="" id="{2D346CE1-A373-4747-87DC-E08EDA429EBC}"/>
+                <a16:creationId xmlns="" xmlns:a16="http://schemas.microsoft.com/office/drawing/2014/main" id="{2D346CE1-A373-4747-87DC-E08EDA429EBC}"/>
               </a:ext>
             </a:extLst>
           </p:cNvPr>
@@ -8530,7 +8531,7 @@
           <p:cNvPr id="33" name="矩形 32">
             <a:extLst>
               <a:ext uri="{FF2B5EF4-FFF2-40B4-BE49-F238E27FC236}">
-                <a16:creationId xmlns:a16="http://schemas.microsoft.com/office/drawing/2014/main" xmlns="" id="{EB1CF628-4430-4B3F-AE2F-E19A55CCEFBD}"/>
+                <a16:creationId xmlns="" xmlns:a16="http://schemas.microsoft.com/office/drawing/2014/main" id="{EB1CF628-4430-4B3F-AE2F-E19A55CCEFBD}"/>
               </a:ext>
             </a:extLst>
           </p:cNvPr>
@@ -8582,7 +8583,7 @@
           <p:cNvPr id="34" name="矩形 33">
             <a:extLst>
               <a:ext uri="{FF2B5EF4-FFF2-40B4-BE49-F238E27FC236}">
-                <a16:creationId xmlns:a16="http://schemas.microsoft.com/office/drawing/2014/main" xmlns="" id="{80F3F945-585E-4A1F-94B5-CF3A08FD50C3}"/>
+                <a16:creationId xmlns="" xmlns:a16="http://schemas.microsoft.com/office/drawing/2014/main" id="{80F3F945-585E-4A1F-94B5-CF3A08FD50C3}"/>
               </a:ext>
             </a:extLst>
           </p:cNvPr>
@@ -8634,7 +8635,7 @@
           <p:cNvPr id="35" name="矩形 34">
             <a:extLst>
               <a:ext uri="{FF2B5EF4-FFF2-40B4-BE49-F238E27FC236}">
-                <a16:creationId xmlns:a16="http://schemas.microsoft.com/office/drawing/2014/main" xmlns="" id="{916AB394-5659-480E-BABE-2331F31E0EC6}"/>
+                <a16:creationId xmlns="" xmlns:a16="http://schemas.microsoft.com/office/drawing/2014/main" id="{916AB394-5659-480E-BABE-2331F31E0EC6}"/>
               </a:ext>
             </a:extLst>
           </p:cNvPr>
@@ -8686,7 +8687,7 @@
           <p:cNvPr id="36" name="文字方塊 52">
             <a:extLst>
               <a:ext uri="{FF2B5EF4-FFF2-40B4-BE49-F238E27FC236}">
-                <a16:creationId xmlns:a16="http://schemas.microsoft.com/office/drawing/2014/main" xmlns="" id="{6D4B55D2-7DFD-4ABB-B5C8-39E4081FF0C7}"/>
+                <a16:creationId xmlns="" xmlns:a16="http://schemas.microsoft.com/office/drawing/2014/main" id="{6D4B55D2-7DFD-4ABB-B5C8-39E4081FF0C7}"/>
               </a:ext>
             </a:extLst>
           </p:cNvPr>
@@ -8736,7 +8737,7 @@
           <p:cNvPr id="37" name="文字方塊 53">
             <a:extLst>
               <a:ext uri="{FF2B5EF4-FFF2-40B4-BE49-F238E27FC236}">
-                <a16:creationId xmlns:a16="http://schemas.microsoft.com/office/drawing/2014/main" xmlns="" id="{50E29081-D45A-4F28-9EFF-5460C6A952AA}"/>
+                <a16:creationId xmlns="" xmlns:a16="http://schemas.microsoft.com/office/drawing/2014/main" id="{50E29081-D45A-4F28-9EFF-5460C6A952AA}"/>
               </a:ext>
             </a:extLst>
           </p:cNvPr>
@@ -8786,7 +8787,7 @@
           <p:cNvPr id="38" name="文字方塊 54">
             <a:extLst>
               <a:ext uri="{FF2B5EF4-FFF2-40B4-BE49-F238E27FC236}">
-                <a16:creationId xmlns:a16="http://schemas.microsoft.com/office/drawing/2014/main" xmlns="" id="{ACB38E13-E3DD-4362-8BF2-C842A6C48388}"/>
+                <a16:creationId xmlns="" xmlns:a16="http://schemas.microsoft.com/office/drawing/2014/main" id="{ACB38E13-E3DD-4362-8BF2-C842A6C48388}"/>
               </a:ext>
             </a:extLst>
           </p:cNvPr>
@@ -9586,7 +9587,7 @@
           <p:cNvPr id="2" name="标题 1">
             <a:extLst>
               <a:ext uri="{FF2B5EF4-FFF2-40B4-BE49-F238E27FC236}">
-                <a16:creationId xmlns:a16="http://schemas.microsoft.com/office/drawing/2014/main" xmlns="" id="{9442FABF-4FB1-4F36-9513-8945F183E53F}"/>
+                <a16:creationId xmlns="" xmlns:a16="http://schemas.microsoft.com/office/drawing/2014/main" id="{9442FABF-4FB1-4F36-9513-8945F183E53F}"/>
               </a:ext>
             </a:extLst>
           </p:cNvPr>
@@ -9614,7 +9615,7 @@
           <p:cNvPr id="3" name="内容占位符 2">
             <a:extLst>
               <a:ext uri="{FF2B5EF4-FFF2-40B4-BE49-F238E27FC236}">
-                <a16:creationId xmlns:a16="http://schemas.microsoft.com/office/drawing/2014/main" xmlns="" id="{261CD801-DECC-4617-8BD3-2A35547A5650}"/>
+                <a16:creationId xmlns="" xmlns:a16="http://schemas.microsoft.com/office/drawing/2014/main" id="{261CD801-DECC-4617-8BD3-2A35547A5650}"/>
               </a:ext>
             </a:extLst>
           </p:cNvPr>
@@ -9808,7 +9809,7 @@
           <p:cNvPr id="4" name="日期占位符 3">
             <a:extLst>
               <a:ext uri="{FF2B5EF4-FFF2-40B4-BE49-F238E27FC236}">
-                <a16:creationId xmlns:a16="http://schemas.microsoft.com/office/drawing/2014/main" xmlns="" id="{C868FBBD-1904-43DF-87E5-827E773A483F}"/>
+                <a16:creationId xmlns="" xmlns:a16="http://schemas.microsoft.com/office/drawing/2014/main" id="{C868FBBD-1904-43DF-87E5-827E773A483F}"/>
               </a:ext>
             </a:extLst>
           </p:cNvPr>
@@ -9840,7 +9841,7 @@
           <p:cNvPr id="5" name="页脚占位符 4">
             <a:extLst>
               <a:ext uri="{FF2B5EF4-FFF2-40B4-BE49-F238E27FC236}">
-                <a16:creationId xmlns:a16="http://schemas.microsoft.com/office/drawing/2014/main" xmlns="" id="{88D48CA5-9EF4-4AA9-AC2E-8CA93B352A63}"/>
+                <a16:creationId xmlns="" xmlns:a16="http://schemas.microsoft.com/office/drawing/2014/main" id="{88D48CA5-9EF4-4AA9-AC2E-8CA93B352A63}"/>
               </a:ext>
             </a:extLst>
           </p:cNvPr>
@@ -9872,7 +9873,7 @@
           <p:cNvPr id="6" name="灯片编号占位符 5">
             <a:extLst>
               <a:ext uri="{FF2B5EF4-FFF2-40B4-BE49-F238E27FC236}">
-                <a16:creationId xmlns:a16="http://schemas.microsoft.com/office/drawing/2014/main" xmlns="" id="{17EE97E5-38B6-483C-A03E-1007DD19B573}"/>
+                <a16:creationId xmlns="" xmlns:a16="http://schemas.microsoft.com/office/drawing/2014/main" id="{17EE97E5-38B6-483C-A03E-1007DD19B573}"/>
               </a:ext>
             </a:extLst>
           </p:cNvPr>
@@ -9937,7 +9938,7 @@
           <p:cNvPr id="2" name="标题 1">
             <a:extLst>
               <a:ext uri="{FF2B5EF4-FFF2-40B4-BE49-F238E27FC236}">
-                <a16:creationId xmlns:a16="http://schemas.microsoft.com/office/drawing/2014/main" xmlns="" id="{05BAECAB-F1F5-4970-9B27-3664D47E9FCE}"/>
+                <a16:creationId xmlns="" xmlns:a16="http://schemas.microsoft.com/office/drawing/2014/main" id="{05BAECAB-F1F5-4970-9B27-3664D47E9FCE}"/>
               </a:ext>
             </a:extLst>
           </p:cNvPr>
@@ -9965,7 +9966,7 @@
           <p:cNvPr id="3" name="内容占位符 2">
             <a:extLst>
               <a:ext uri="{FF2B5EF4-FFF2-40B4-BE49-F238E27FC236}">
-                <a16:creationId xmlns:a16="http://schemas.microsoft.com/office/drawing/2014/main" xmlns="" id="{9D054DA1-D7B2-4E6F-B664-AB3C21CAFD41}"/>
+                <a16:creationId xmlns="" xmlns:a16="http://schemas.microsoft.com/office/drawing/2014/main" id="{9D054DA1-D7B2-4E6F-B664-AB3C21CAFD41}"/>
               </a:ext>
             </a:extLst>
           </p:cNvPr>
@@ -10064,7 +10065,7 @@
           <p:cNvPr id="4" name="日期占位符 3">
             <a:extLst>
               <a:ext uri="{FF2B5EF4-FFF2-40B4-BE49-F238E27FC236}">
-                <a16:creationId xmlns:a16="http://schemas.microsoft.com/office/drawing/2014/main" xmlns="" id="{6A1B7D36-9DAA-4A61-8ACF-9B9A2C235FAB}"/>
+                <a16:creationId xmlns="" xmlns:a16="http://schemas.microsoft.com/office/drawing/2014/main" id="{6A1B7D36-9DAA-4A61-8ACF-9B9A2C235FAB}"/>
               </a:ext>
             </a:extLst>
           </p:cNvPr>
@@ -10096,7 +10097,7 @@
           <p:cNvPr id="5" name="页脚占位符 4">
             <a:extLst>
               <a:ext uri="{FF2B5EF4-FFF2-40B4-BE49-F238E27FC236}">
-                <a16:creationId xmlns:a16="http://schemas.microsoft.com/office/drawing/2014/main" xmlns="" id="{81421D9D-CF75-401C-89BE-6BA073E750AE}"/>
+                <a16:creationId xmlns="" xmlns:a16="http://schemas.microsoft.com/office/drawing/2014/main" id="{81421D9D-CF75-401C-89BE-6BA073E750AE}"/>
               </a:ext>
             </a:extLst>
           </p:cNvPr>
@@ -10128,7 +10129,7 @@
           <p:cNvPr id="6" name="灯片编号占位符 5">
             <a:extLst>
               <a:ext uri="{FF2B5EF4-FFF2-40B4-BE49-F238E27FC236}">
-                <a16:creationId xmlns:a16="http://schemas.microsoft.com/office/drawing/2014/main" xmlns="" id="{963E6159-A365-4D20-920B-6A048CB7DC4C}"/>
+                <a16:creationId xmlns="" xmlns:a16="http://schemas.microsoft.com/office/drawing/2014/main" id="{963E6159-A365-4D20-920B-6A048CB7DC4C}"/>
               </a:ext>
             </a:extLst>
           </p:cNvPr>
@@ -10163,7 +10164,7 @@
           <p:cNvPr id="5126" name="Picture 6" descr="“猫”的图片搜索结果">
             <a:extLst>
               <a:ext uri="{FF2B5EF4-FFF2-40B4-BE49-F238E27FC236}">
-                <a16:creationId xmlns:a16="http://schemas.microsoft.com/office/drawing/2014/main" xmlns="" id="{AD96913F-3195-4EC9-9C8D-BEAA34839E94}"/>
+                <a16:creationId xmlns="" xmlns:a16="http://schemas.microsoft.com/office/drawing/2014/main" id="{AD96913F-3195-4EC9-9C8D-BEAA34839E94}"/>
               </a:ext>
             </a:extLst>
           </p:cNvPr>
@@ -10210,7 +10211,7 @@
           <p:cNvPr id="5128" name="Picture 8" descr="“猫”的图片搜索结果">
             <a:extLst>
               <a:ext uri="{FF2B5EF4-FFF2-40B4-BE49-F238E27FC236}">
-                <a16:creationId xmlns:a16="http://schemas.microsoft.com/office/drawing/2014/main" xmlns="" id="{9B70B574-4A67-4543-BECA-5BF688E3F16A}"/>
+                <a16:creationId xmlns="" xmlns:a16="http://schemas.microsoft.com/office/drawing/2014/main" id="{9B70B574-4A67-4543-BECA-5BF688E3F16A}"/>
               </a:ext>
             </a:extLst>
           </p:cNvPr>
@@ -10257,7 +10258,7 @@
           <p:cNvPr id="13" name="图片 12">
             <a:extLst>
               <a:ext uri="{FF2B5EF4-FFF2-40B4-BE49-F238E27FC236}">
-                <a16:creationId xmlns:a16="http://schemas.microsoft.com/office/drawing/2014/main" xmlns="" id="{A0EA8E6D-30C6-4A9A-BF0D-A02659CFA73C}"/>
+                <a16:creationId xmlns="" xmlns:a16="http://schemas.microsoft.com/office/drawing/2014/main" id="{A0EA8E6D-30C6-4A9A-BF0D-A02659CFA73C}"/>
               </a:ext>
             </a:extLst>
           </p:cNvPr>
@@ -10287,7 +10288,7 @@
           <p:cNvPr id="15" name="图片 14">
             <a:extLst>
               <a:ext uri="{FF2B5EF4-FFF2-40B4-BE49-F238E27FC236}">
-                <a16:creationId xmlns:a16="http://schemas.microsoft.com/office/drawing/2014/main" xmlns="" id="{DE25F0F6-8098-4048-A5A5-7F7BD283417A}"/>
+                <a16:creationId xmlns="" xmlns:a16="http://schemas.microsoft.com/office/drawing/2014/main" id="{DE25F0F6-8098-4048-A5A5-7F7BD283417A}"/>
               </a:ext>
             </a:extLst>
           </p:cNvPr>
@@ -10317,7 +10318,7 @@
           <p:cNvPr id="18" name="文字方塊 39">
             <a:extLst>
               <a:ext uri="{FF2B5EF4-FFF2-40B4-BE49-F238E27FC236}">
-                <a16:creationId xmlns:a16="http://schemas.microsoft.com/office/drawing/2014/main" xmlns="" id="{EB4A6560-0B3B-406B-9BAC-690FE129F6F1}"/>
+                <a16:creationId xmlns="" xmlns:a16="http://schemas.microsoft.com/office/drawing/2014/main" id="{EB4A6560-0B3B-406B-9BAC-690FE129F6F1}"/>
               </a:ext>
             </a:extLst>
           </p:cNvPr>
@@ -10354,7 +10355,7 @@
           <p:cNvPr id="19" name="文字方塊 40">
             <a:extLst>
               <a:ext uri="{FF2B5EF4-FFF2-40B4-BE49-F238E27FC236}">
-                <a16:creationId xmlns:a16="http://schemas.microsoft.com/office/drawing/2014/main" xmlns="" id="{9540D4D3-1AA7-44D0-A5E3-25A9A600B5D9}"/>
+                <a16:creationId xmlns="" xmlns:a16="http://schemas.microsoft.com/office/drawing/2014/main" id="{9540D4D3-1AA7-44D0-A5E3-25A9A600B5D9}"/>
               </a:ext>
             </a:extLst>
           </p:cNvPr>
@@ -10391,7 +10392,7 @@
           <p:cNvPr id="20" name="文字方塊 39">
             <a:extLst>
               <a:ext uri="{FF2B5EF4-FFF2-40B4-BE49-F238E27FC236}">
-                <a16:creationId xmlns:a16="http://schemas.microsoft.com/office/drawing/2014/main" xmlns="" id="{504A2DF6-0B7F-409F-816F-977F634B204C}"/>
+                <a16:creationId xmlns="" xmlns:a16="http://schemas.microsoft.com/office/drawing/2014/main" id="{504A2DF6-0B7F-409F-816F-977F634B204C}"/>
               </a:ext>
             </a:extLst>
           </p:cNvPr>
@@ -10428,7 +10429,7 @@
           <p:cNvPr id="21" name="文字方塊 40">
             <a:extLst>
               <a:ext uri="{FF2B5EF4-FFF2-40B4-BE49-F238E27FC236}">
-                <a16:creationId xmlns:a16="http://schemas.microsoft.com/office/drawing/2014/main" xmlns="" id="{FCD63D29-D9B3-474F-9918-78F5EFE30854}"/>
+                <a16:creationId xmlns="" xmlns:a16="http://schemas.microsoft.com/office/drawing/2014/main" id="{FCD63D29-D9B3-474F-9918-78F5EFE30854}"/>
               </a:ext>
             </a:extLst>
           </p:cNvPr>
@@ -10465,7 +10466,7 @@
           <p:cNvPr id="22" name="Picture 6" descr="“猫”的图片搜索结果">
             <a:extLst>
               <a:ext uri="{FF2B5EF4-FFF2-40B4-BE49-F238E27FC236}">
-                <a16:creationId xmlns:a16="http://schemas.microsoft.com/office/drawing/2014/main" xmlns="" id="{81283274-5CEE-4E37-B3EB-85E1B0CA88B9}"/>
+                <a16:creationId xmlns="" xmlns:a16="http://schemas.microsoft.com/office/drawing/2014/main" id="{81283274-5CEE-4E37-B3EB-85E1B0CA88B9}"/>
               </a:ext>
             </a:extLst>
           </p:cNvPr>
@@ -10512,7 +10513,7 @@
           <p:cNvPr id="23" name="Picture 8" descr="“猫”的图片搜索结果">
             <a:extLst>
               <a:ext uri="{FF2B5EF4-FFF2-40B4-BE49-F238E27FC236}">
-                <a16:creationId xmlns:a16="http://schemas.microsoft.com/office/drawing/2014/main" xmlns="" id="{826D2D49-1218-46F6-BF25-A8E10E8E2277}"/>
+                <a16:creationId xmlns="" xmlns:a16="http://schemas.microsoft.com/office/drawing/2014/main" id="{826D2D49-1218-46F6-BF25-A8E10E8E2277}"/>
               </a:ext>
             </a:extLst>
           </p:cNvPr>
@@ -10559,7 +10560,7 @@
           <p:cNvPr id="24" name="图片 23">
             <a:extLst>
               <a:ext uri="{FF2B5EF4-FFF2-40B4-BE49-F238E27FC236}">
-                <a16:creationId xmlns:a16="http://schemas.microsoft.com/office/drawing/2014/main" xmlns="" id="{17D0E1AF-65A6-437F-9560-FFB32371F846}"/>
+                <a16:creationId xmlns="" xmlns:a16="http://schemas.microsoft.com/office/drawing/2014/main" id="{17D0E1AF-65A6-437F-9560-FFB32371F846}"/>
               </a:ext>
             </a:extLst>
           </p:cNvPr>
@@ -10589,7 +10590,7 @@
           <p:cNvPr id="25" name="图片 24">
             <a:extLst>
               <a:ext uri="{FF2B5EF4-FFF2-40B4-BE49-F238E27FC236}">
-                <a16:creationId xmlns:a16="http://schemas.microsoft.com/office/drawing/2014/main" xmlns="" id="{D80C2078-7BF3-4F2F-B186-F7A054360DD7}"/>
+                <a16:creationId xmlns="" xmlns:a16="http://schemas.microsoft.com/office/drawing/2014/main" id="{D80C2078-7BF3-4F2F-B186-F7A054360DD7}"/>
               </a:ext>
             </a:extLst>
           </p:cNvPr>
@@ -10619,7 +10620,7 @@
           <p:cNvPr id="26" name="Picture 6" descr="“猫”的图片搜索结果">
             <a:extLst>
               <a:ext uri="{FF2B5EF4-FFF2-40B4-BE49-F238E27FC236}">
-                <a16:creationId xmlns:a16="http://schemas.microsoft.com/office/drawing/2014/main" xmlns="" id="{3AC3A9E7-2D87-4D61-AA5F-C3DDCF0CE545}"/>
+                <a16:creationId xmlns="" xmlns:a16="http://schemas.microsoft.com/office/drawing/2014/main" id="{3AC3A9E7-2D87-4D61-AA5F-C3DDCF0CE545}"/>
               </a:ext>
             </a:extLst>
           </p:cNvPr>
@@ -10666,7 +10667,7 @@
           <p:cNvPr id="27" name="Picture 8" descr="“猫”的图片搜索结果">
             <a:extLst>
               <a:ext uri="{FF2B5EF4-FFF2-40B4-BE49-F238E27FC236}">
-                <a16:creationId xmlns:a16="http://schemas.microsoft.com/office/drawing/2014/main" xmlns="" id="{0DE14F62-FC23-437D-B2E0-DBF75E44A246}"/>
+                <a16:creationId xmlns="" xmlns:a16="http://schemas.microsoft.com/office/drawing/2014/main" id="{0DE14F62-FC23-437D-B2E0-DBF75E44A246}"/>
               </a:ext>
             </a:extLst>
           </p:cNvPr>
@@ -10713,7 +10714,7 @@
           <p:cNvPr id="28" name="图片 27">
             <a:extLst>
               <a:ext uri="{FF2B5EF4-FFF2-40B4-BE49-F238E27FC236}">
-                <a16:creationId xmlns:a16="http://schemas.microsoft.com/office/drawing/2014/main" xmlns="" id="{DCC9CCA1-5408-431F-89C1-18FB5670714A}"/>
+                <a16:creationId xmlns="" xmlns:a16="http://schemas.microsoft.com/office/drawing/2014/main" id="{DCC9CCA1-5408-431F-89C1-18FB5670714A}"/>
               </a:ext>
             </a:extLst>
           </p:cNvPr>
@@ -10743,7 +10744,7 @@
           <p:cNvPr id="29" name="图片 28">
             <a:extLst>
               <a:ext uri="{FF2B5EF4-FFF2-40B4-BE49-F238E27FC236}">
-                <a16:creationId xmlns:a16="http://schemas.microsoft.com/office/drawing/2014/main" xmlns="" id="{052A63B6-E239-4BD0-A6C3-92AECE82A0AC}"/>
+                <a16:creationId xmlns="" xmlns:a16="http://schemas.microsoft.com/office/drawing/2014/main" id="{052A63B6-E239-4BD0-A6C3-92AECE82A0AC}"/>
               </a:ext>
             </a:extLst>
           </p:cNvPr>
@@ -10773,7 +10774,7 @@
           <p:cNvPr id="30" name="文字方塊 39">
             <a:extLst>
               <a:ext uri="{FF2B5EF4-FFF2-40B4-BE49-F238E27FC236}">
-                <a16:creationId xmlns:a16="http://schemas.microsoft.com/office/drawing/2014/main" xmlns="" id="{CDA6D0C3-39AB-45AC-AA29-BC02221852A3}"/>
+                <a16:creationId xmlns="" xmlns:a16="http://schemas.microsoft.com/office/drawing/2014/main" id="{CDA6D0C3-39AB-45AC-AA29-BC02221852A3}"/>
               </a:ext>
             </a:extLst>
           </p:cNvPr>
@@ -10810,7 +10811,7 @@
           <p:cNvPr id="31" name="文字方塊 40">
             <a:extLst>
               <a:ext uri="{FF2B5EF4-FFF2-40B4-BE49-F238E27FC236}">
-                <a16:creationId xmlns:a16="http://schemas.microsoft.com/office/drawing/2014/main" xmlns="" id="{BDB7D785-9EB9-4E68-BFBA-5B193E8D861D}"/>
+                <a16:creationId xmlns="" xmlns:a16="http://schemas.microsoft.com/office/drawing/2014/main" id="{BDB7D785-9EB9-4E68-BFBA-5B193E8D861D}"/>
               </a:ext>
             </a:extLst>
           </p:cNvPr>
@@ -10847,7 +10848,7 @@
           <p:cNvPr id="32" name="文字方塊 39">
             <a:extLst>
               <a:ext uri="{FF2B5EF4-FFF2-40B4-BE49-F238E27FC236}">
-                <a16:creationId xmlns:a16="http://schemas.microsoft.com/office/drawing/2014/main" xmlns="" id="{555EFD52-BD58-4994-8DAE-E5A42C97A922}"/>
+                <a16:creationId xmlns="" xmlns:a16="http://schemas.microsoft.com/office/drawing/2014/main" id="{555EFD52-BD58-4994-8DAE-E5A42C97A922}"/>
               </a:ext>
             </a:extLst>
           </p:cNvPr>
@@ -10884,7 +10885,7 @@
           <p:cNvPr id="33" name="文字方塊 40">
             <a:extLst>
               <a:ext uri="{FF2B5EF4-FFF2-40B4-BE49-F238E27FC236}">
-                <a16:creationId xmlns:a16="http://schemas.microsoft.com/office/drawing/2014/main" xmlns="" id="{8D19BE08-18F2-4AEF-BC15-8A09DD7C705B}"/>
+                <a16:creationId xmlns="" xmlns:a16="http://schemas.microsoft.com/office/drawing/2014/main" id="{8D19BE08-18F2-4AEF-BC15-8A09DD7C705B}"/>
               </a:ext>
             </a:extLst>
           </p:cNvPr>
@@ -10921,7 +10922,7 @@
           <p:cNvPr id="5140" name="Picture 20" descr="“狗”的图片搜索结果">
             <a:extLst>
               <a:ext uri="{FF2B5EF4-FFF2-40B4-BE49-F238E27FC236}">
-                <a16:creationId xmlns:a16="http://schemas.microsoft.com/office/drawing/2014/main" xmlns="" id="{9ACC94B5-726A-42EE-894C-BA7BE8CD7186}"/>
+                <a16:creationId xmlns="" xmlns:a16="http://schemas.microsoft.com/office/drawing/2014/main" id="{9ACC94B5-726A-42EE-894C-BA7BE8CD7186}"/>
               </a:ext>
             </a:extLst>
           </p:cNvPr>
@@ -10968,7 +10969,7 @@
           <p:cNvPr id="5142" name="Picture 22" descr="“猫”的图片搜索结果">
             <a:extLst>
               <a:ext uri="{FF2B5EF4-FFF2-40B4-BE49-F238E27FC236}">
-                <a16:creationId xmlns:a16="http://schemas.microsoft.com/office/drawing/2014/main" xmlns="" id="{3D4A4F16-59C7-43C1-9C67-3082E881E1D0}"/>
+                <a16:creationId xmlns="" xmlns:a16="http://schemas.microsoft.com/office/drawing/2014/main" id="{3D4A4F16-59C7-43C1-9C67-3082E881E1D0}"/>
               </a:ext>
             </a:extLst>
           </p:cNvPr>
@@ -11445,7 +11446,7 @@
           <p:cNvPr id="2" name="标题 1">
             <a:extLst>
               <a:ext uri="{FF2B5EF4-FFF2-40B4-BE49-F238E27FC236}">
-                <a16:creationId xmlns:a16="http://schemas.microsoft.com/office/drawing/2014/main" xmlns="" id="{DDE33977-990F-48BD-8B10-3350156C1301}"/>
+                <a16:creationId xmlns="" xmlns:a16="http://schemas.microsoft.com/office/drawing/2014/main" id="{DDE33977-990F-48BD-8B10-3350156C1301}"/>
               </a:ext>
             </a:extLst>
           </p:cNvPr>
@@ -11473,7 +11474,7 @@
           <p:cNvPr id="3" name="日期占位符 2">
             <a:extLst>
               <a:ext uri="{FF2B5EF4-FFF2-40B4-BE49-F238E27FC236}">
-                <a16:creationId xmlns:a16="http://schemas.microsoft.com/office/drawing/2014/main" xmlns="" id="{3233B34B-D0CD-41D2-803C-8D192544BC60}"/>
+                <a16:creationId xmlns="" xmlns:a16="http://schemas.microsoft.com/office/drawing/2014/main" id="{3233B34B-D0CD-41D2-803C-8D192544BC60}"/>
               </a:ext>
             </a:extLst>
           </p:cNvPr>
@@ -11505,7 +11506,7 @@
           <p:cNvPr id="4" name="页脚占位符 3">
             <a:extLst>
               <a:ext uri="{FF2B5EF4-FFF2-40B4-BE49-F238E27FC236}">
-                <a16:creationId xmlns:a16="http://schemas.microsoft.com/office/drawing/2014/main" xmlns="" id="{A2ECB6E5-3012-43ED-96E1-F8AF9262160C}"/>
+                <a16:creationId xmlns="" xmlns:a16="http://schemas.microsoft.com/office/drawing/2014/main" id="{A2ECB6E5-3012-43ED-96E1-F8AF9262160C}"/>
               </a:ext>
             </a:extLst>
           </p:cNvPr>
@@ -11537,7 +11538,7 @@
           <p:cNvPr id="5" name="灯片编号占位符 4">
             <a:extLst>
               <a:ext uri="{FF2B5EF4-FFF2-40B4-BE49-F238E27FC236}">
-                <a16:creationId xmlns:a16="http://schemas.microsoft.com/office/drawing/2014/main" xmlns="" id="{D8640F76-883C-40EF-9AD3-8C5834A1C1F0}"/>
+                <a16:creationId xmlns="" xmlns:a16="http://schemas.microsoft.com/office/drawing/2014/main" id="{D8640F76-883C-40EF-9AD3-8C5834A1C1F0}"/>
               </a:ext>
             </a:extLst>
           </p:cNvPr>
@@ -11572,7 +11573,7 @@
           <p:cNvPr id="6" name="Picture 2" descr="ai head">
             <a:extLst>
               <a:ext uri="{FF2B5EF4-FFF2-40B4-BE49-F238E27FC236}">
-                <a16:creationId xmlns:a16="http://schemas.microsoft.com/office/drawing/2014/main" xmlns="" id="{ACAC611B-6E57-4817-B16F-009B1A018FB9}"/>
+                <a16:creationId xmlns="" xmlns:a16="http://schemas.microsoft.com/office/drawing/2014/main" id="{ACAC611B-6E57-4817-B16F-009B1A018FB9}"/>
               </a:ext>
             </a:extLst>
           </p:cNvPr>
@@ -11647,7 +11648,7 @@
           <p:cNvPr id="2" name="标题 1">
             <a:extLst>
               <a:ext uri="{FF2B5EF4-FFF2-40B4-BE49-F238E27FC236}">
-                <a16:creationId xmlns:a16="http://schemas.microsoft.com/office/drawing/2014/main" xmlns="" id="{DD03AD3E-BE9E-42C6-B249-B76CE569CD4E}"/>
+                <a16:creationId xmlns="" xmlns:a16="http://schemas.microsoft.com/office/drawing/2014/main" id="{DD03AD3E-BE9E-42C6-B249-B76CE569CD4E}"/>
               </a:ext>
             </a:extLst>
           </p:cNvPr>
@@ -11675,7 +11676,7 @@
           <p:cNvPr id="3" name="内容占位符 2">
             <a:extLst>
               <a:ext uri="{FF2B5EF4-FFF2-40B4-BE49-F238E27FC236}">
-                <a16:creationId xmlns:a16="http://schemas.microsoft.com/office/drawing/2014/main" xmlns="" id="{0D759A90-3F96-4C2A-9877-9F19781C0BC8}"/>
+                <a16:creationId xmlns="" xmlns:a16="http://schemas.microsoft.com/office/drawing/2014/main" id="{0D759A90-3F96-4C2A-9877-9F19781C0BC8}"/>
               </a:ext>
             </a:extLst>
           </p:cNvPr>
@@ -11773,7 +11774,7 @@
           <p:cNvPr id="4" name="日期占位符 3">
             <a:extLst>
               <a:ext uri="{FF2B5EF4-FFF2-40B4-BE49-F238E27FC236}">
-                <a16:creationId xmlns:a16="http://schemas.microsoft.com/office/drawing/2014/main" xmlns="" id="{4E3825FE-4341-4CF0-941C-B4BABC1B3DC7}"/>
+                <a16:creationId xmlns="" xmlns:a16="http://schemas.microsoft.com/office/drawing/2014/main" id="{4E3825FE-4341-4CF0-941C-B4BABC1B3DC7}"/>
               </a:ext>
             </a:extLst>
           </p:cNvPr>
@@ -11805,7 +11806,7 @@
           <p:cNvPr id="5" name="页脚占位符 4">
             <a:extLst>
               <a:ext uri="{FF2B5EF4-FFF2-40B4-BE49-F238E27FC236}">
-                <a16:creationId xmlns:a16="http://schemas.microsoft.com/office/drawing/2014/main" xmlns="" id="{E75B2C1F-3E29-4D40-AE04-8AE261587309}"/>
+                <a16:creationId xmlns="" xmlns:a16="http://schemas.microsoft.com/office/drawing/2014/main" id="{E75B2C1F-3E29-4D40-AE04-8AE261587309}"/>
               </a:ext>
             </a:extLst>
           </p:cNvPr>
@@ -11837,7 +11838,7 @@
           <p:cNvPr id="6" name="灯片编号占位符 5">
             <a:extLst>
               <a:ext uri="{FF2B5EF4-FFF2-40B4-BE49-F238E27FC236}">
-                <a16:creationId xmlns:a16="http://schemas.microsoft.com/office/drawing/2014/main" xmlns="" id="{EA694379-8134-4263-994B-7087BE0D7718}"/>
+                <a16:creationId xmlns="" xmlns:a16="http://schemas.microsoft.com/office/drawing/2014/main" id="{EA694379-8134-4263-994B-7087BE0D7718}"/>
               </a:ext>
             </a:extLst>
           </p:cNvPr>
@@ -11902,7 +11903,7 @@
           <p:cNvPr id="2" name="标题 1">
             <a:extLst>
               <a:ext uri="{FF2B5EF4-FFF2-40B4-BE49-F238E27FC236}">
-                <a16:creationId xmlns:a16="http://schemas.microsoft.com/office/drawing/2014/main" xmlns="" id="{A84C90B4-A40A-46C1-B377-D17BA45AF7D8}"/>
+                <a16:creationId xmlns="" xmlns:a16="http://schemas.microsoft.com/office/drawing/2014/main" id="{A84C90B4-A40A-46C1-B377-D17BA45AF7D8}"/>
               </a:ext>
             </a:extLst>
           </p:cNvPr>
@@ -11930,7 +11931,7 @@
           <p:cNvPr id="3" name="内容占位符 2">
             <a:extLst>
               <a:ext uri="{FF2B5EF4-FFF2-40B4-BE49-F238E27FC236}">
-                <a16:creationId xmlns:a16="http://schemas.microsoft.com/office/drawing/2014/main" xmlns="" id="{A6AD590F-BDB6-4099-BAE5-F5750586A12E}"/>
+                <a16:creationId xmlns="" xmlns:a16="http://schemas.microsoft.com/office/drawing/2014/main" id="{A6AD590F-BDB6-4099-BAE5-F5750586A12E}"/>
               </a:ext>
             </a:extLst>
           </p:cNvPr>
@@ -12021,7 +12022,7 @@
           <p:cNvPr id="4" name="日期占位符 3">
             <a:extLst>
               <a:ext uri="{FF2B5EF4-FFF2-40B4-BE49-F238E27FC236}">
-                <a16:creationId xmlns:a16="http://schemas.microsoft.com/office/drawing/2014/main" xmlns="" id="{38AF9A90-79CD-46C9-A82B-361D2E396C78}"/>
+                <a16:creationId xmlns="" xmlns:a16="http://schemas.microsoft.com/office/drawing/2014/main" id="{38AF9A90-79CD-46C9-A82B-361D2E396C78}"/>
               </a:ext>
             </a:extLst>
           </p:cNvPr>
@@ -12053,7 +12054,7 @@
           <p:cNvPr id="5" name="页脚占位符 4">
             <a:extLst>
               <a:ext uri="{FF2B5EF4-FFF2-40B4-BE49-F238E27FC236}">
-                <a16:creationId xmlns:a16="http://schemas.microsoft.com/office/drawing/2014/main" xmlns="" id="{5F590F6D-696D-4411-BC80-2EBFBBD029CD}"/>
+                <a16:creationId xmlns="" xmlns:a16="http://schemas.microsoft.com/office/drawing/2014/main" id="{5F590F6D-696D-4411-BC80-2EBFBBD029CD}"/>
               </a:ext>
             </a:extLst>
           </p:cNvPr>
@@ -12085,7 +12086,7 @@
           <p:cNvPr id="6" name="灯片编号占位符 5">
             <a:extLst>
               <a:ext uri="{FF2B5EF4-FFF2-40B4-BE49-F238E27FC236}">
-                <a16:creationId xmlns:a16="http://schemas.microsoft.com/office/drawing/2014/main" xmlns="" id="{2DAF391A-119B-4975-904F-29D16D2F9F54}"/>
+                <a16:creationId xmlns="" xmlns:a16="http://schemas.microsoft.com/office/drawing/2014/main" id="{2DAF391A-119B-4975-904F-29D16D2F9F54}"/>
               </a:ext>
             </a:extLst>
           </p:cNvPr>
@@ -12209,7 +12210,7 @@
           <p:cNvPr id="2" name="标题 1">
             <a:extLst>
               <a:ext uri="{FF2B5EF4-FFF2-40B4-BE49-F238E27FC236}">
-                <a16:creationId xmlns:a16="http://schemas.microsoft.com/office/drawing/2014/main" xmlns="" id="{54D5A80D-18D6-42E1-BD49-64E886178140}"/>
+                <a16:creationId xmlns="" xmlns:a16="http://schemas.microsoft.com/office/drawing/2014/main" id="{54D5A80D-18D6-42E1-BD49-64E886178140}"/>
               </a:ext>
             </a:extLst>
           </p:cNvPr>
@@ -12239,7 +12240,7 @@
               <p:cNvPr id="12" name="内容占位符 11">
                 <a:extLst>
                   <a:ext uri="{FF2B5EF4-FFF2-40B4-BE49-F238E27FC236}">
-                    <a16:creationId xmlns:a16="http://schemas.microsoft.com/office/drawing/2014/main" xmlns="" id="{9A636946-A956-43FD-9D29-8526A6B369D5}"/>
+                    <a16:creationId xmlns="" xmlns:a16="http://schemas.microsoft.com/office/drawing/2014/main" id="{9A636946-A956-43FD-9D29-8526A6B369D5}"/>
                   </a:ext>
                 </a:extLst>
               </p:cNvPr>
@@ -12577,7 +12578,7 @@
           <p:cNvPr id="15" name="内容占位符 14">
             <a:extLst>
               <a:ext uri="{FF2B5EF4-FFF2-40B4-BE49-F238E27FC236}">
-                <a16:creationId xmlns:a16="http://schemas.microsoft.com/office/drawing/2014/main" xmlns="" id="{3522E053-E523-498D-8B06-C20AB220B3B0}"/>
+                <a16:creationId xmlns="" xmlns:a16="http://schemas.microsoft.com/office/drawing/2014/main" id="{3522E053-E523-498D-8B06-C20AB220B3B0}"/>
               </a:ext>
             </a:extLst>
           </p:cNvPr>
@@ -12612,7 +12613,7 @@
           <p:cNvPr id="4" name="日期占位符 3">
             <a:extLst>
               <a:ext uri="{FF2B5EF4-FFF2-40B4-BE49-F238E27FC236}">
-                <a16:creationId xmlns:a16="http://schemas.microsoft.com/office/drawing/2014/main" xmlns="" id="{6EFABF30-1F8F-4FD4-9AFB-3A8776AB1508}"/>
+                <a16:creationId xmlns="" xmlns:a16="http://schemas.microsoft.com/office/drawing/2014/main" id="{6EFABF30-1F8F-4FD4-9AFB-3A8776AB1508}"/>
               </a:ext>
             </a:extLst>
           </p:cNvPr>
@@ -12644,7 +12645,7 @@
           <p:cNvPr id="5" name="页脚占位符 4">
             <a:extLst>
               <a:ext uri="{FF2B5EF4-FFF2-40B4-BE49-F238E27FC236}">
-                <a16:creationId xmlns:a16="http://schemas.microsoft.com/office/drawing/2014/main" xmlns="" id="{85411ADB-4940-4F5F-8822-F66BFD15EE2B}"/>
+                <a16:creationId xmlns="" xmlns:a16="http://schemas.microsoft.com/office/drawing/2014/main" id="{85411ADB-4940-4F5F-8822-F66BFD15EE2B}"/>
               </a:ext>
             </a:extLst>
           </p:cNvPr>
@@ -12676,7 +12677,7 @@
           <p:cNvPr id="6" name="灯片编号占位符 5">
             <a:extLst>
               <a:ext uri="{FF2B5EF4-FFF2-40B4-BE49-F238E27FC236}">
-                <a16:creationId xmlns:a16="http://schemas.microsoft.com/office/drawing/2014/main" xmlns="" id="{40957E66-7741-4638-BFCE-C6BE6F7BB196}"/>
+                <a16:creationId xmlns="" xmlns:a16="http://schemas.microsoft.com/office/drawing/2014/main" id="{40957E66-7741-4638-BFCE-C6BE6F7BB196}"/>
               </a:ext>
             </a:extLst>
           </p:cNvPr>
@@ -12711,7 +12712,7 @@
           <p:cNvPr id="16" name="内容占位符 6">
             <a:extLst>
               <a:ext uri="{FF2B5EF4-FFF2-40B4-BE49-F238E27FC236}">
-                <a16:creationId xmlns:a16="http://schemas.microsoft.com/office/drawing/2014/main" xmlns="" id="{EB980026-D29F-4C6E-9BFC-18210325D87E}"/>
+                <a16:creationId xmlns="" xmlns:a16="http://schemas.microsoft.com/office/drawing/2014/main" id="{EB980026-D29F-4C6E-9BFC-18210325D87E}"/>
               </a:ext>
             </a:extLst>
           </p:cNvPr>
@@ -12740,14 +12741,14 @@
                 <a:gridCol w="1212783">
                   <a:extLst>
                     <a:ext uri="{9D8B030D-6E8A-4147-A177-3AD203B41FA5}">
-                      <a16:colId xmlns:a16="http://schemas.microsoft.com/office/drawing/2014/main" xmlns="" val="849694925"/>
+                      <a16:colId xmlns="" xmlns:a16="http://schemas.microsoft.com/office/drawing/2014/main" val="849694925"/>
                     </a:ext>
                   </a:extLst>
                 </a:gridCol>
                 <a:gridCol w="1212783">
                   <a:extLst>
                     <a:ext uri="{9D8B030D-6E8A-4147-A177-3AD203B41FA5}">
-                      <a16:colId xmlns:a16="http://schemas.microsoft.com/office/drawing/2014/main" xmlns="" val="2032597962"/>
+                      <a16:colId xmlns="" xmlns:a16="http://schemas.microsoft.com/office/drawing/2014/main" val="2032597962"/>
                     </a:ext>
                   </a:extLst>
                 </a:gridCol>
@@ -12793,7 +12794,7 @@
                 </a:tc>
                 <a:extLst>
                   <a:ext uri="{0D108BD9-81ED-4DB2-BD59-A6C34878D82A}">
-                    <a16:rowId xmlns:a16="http://schemas.microsoft.com/office/drawing/2014/main" xmlns="" val="246005499"/>
+                    <a16:rowId xmlns="" xmlns:a16="http://schemas.microsoft.com/office/drawing/2014/main" val="246005499"/>
                   </a:ext>
                 </a:extLst>
               </a:tr>
@@ -12830,7 +12831,7 @@
                 </a:tc>
                 <a:extLst>
                   <a:ext uri="{0D108BD9-81ED-4DB2-BD59-A6C34878D82A}">
-                    <a16:rowId xmlns:a16="http://schemas.microsoft.com/office/drawing/2014/main" xmlns="" val="1967244540"/>
+                    <a16:rowId xmlns="" xmlns:a16="http://schemas.microsoft.com/office/drawing/2014/main" val="1967244540"/>
                   </a:ext>
                 </a:extLst>
               </a:tr>
@@ -12867,7 +12868,7 @@
                 </a:tc>
                 <a:extLst>
                   <a:ext uri="{0D108BD9-81ED-4DB2-BD59-A6C34878D82A}">
-                    <a16:rowId xmlns:a16="http://schemas.microsoft.com/office/drawing/2014/main" xmlns="" val="1823030155"/>
+                    <a16:rowId xmlns="" xmlns:a16="http://schemas.microsoft.com/office/drawing/2014/main" val="1823030155"/>
                   </a:ext>
                 </a:extLst>
               </a:tr>
@@ -12904,7 +12905,7 @@
                 </a:tc>
                 <a:extLst>
                   <a:ext uri="{0D108BD9-81ED-4DB2-BD59-A6C34878D82A}">
-                    <a16:rowId xmlns:a16="http://schemas.microsoft.com/office/drawing/2014/main" xmlns="" val="1815547532"/>
+                    <a16:rowId xmlns="" xmlns:a16="http://schemas.microsoft.com/office/drawing/2014/main" val="1815547532"/>
                   </a:ext>
                 </a:extLst>
               </a:tr>
@@ -12941,7 +12942,7 @@
                 </a:tc>
                 <a:extLst>
                   <a:ext uri="{0D108BD9-81ED-4DB2-BD59-A6C34878D82A}">
-                    <a16:rowId xmlns:a16="http://schemas.microsoft.com/office/drawing/2014/main" xmlns="" val="168178639"/>
+                    <a16:rowId xmlns="" xmlns:a16="http://schemas.microsoft.com/office/drawing/2014/main" val="168178639"/>
                   </a:ext>
                 </a:extLst>
               </a:tr>
@@ -12984,7 +12985,7 @@
           <p:cNvPr id="2" name="标题 1">
             <a:extLst>
               <a:ext uri="{FF2B5EF4-FFF2-40B4-BE49-F238E27FC236}">
-                <a16:creationId xmlns:a16="http://schemas.microsoft.com/office/drawing/2014/main" xmlns="" id="{2EF6CFFB-B21D-4816-8B60-4F694DE205A3}"/>
+                <a16:creationId xmlns="" xmlns:a16="http://schemas.microsoft.com/office/drawing/2014/main" id="{2EF6CFFB-B21D-4816-8B60-4F694DE205A3}"/>
               </a:ext>
             </a:extLst>
           </p:cNvPr>
@@ -13012,7 +13013,7 @@
           <p:cNvPr id="4" name="日期占位符 3">
             <a:extLst>
               <a:ext uri="{FF2B5EF4-FFF2-40B4-BE49-F238E27FC236}">
-                <a16:creationId xmlns:a16="http://schemas.microsoft.com/office/drawing/2014/main" xmlns="" id="{C85B2897-6538-42C2-ACB0-1A31F8468D6E}"/>
+                <a16:creationId xmlns="" xmlns:a16="http://schemas.microsoft.com/office/drawing/2014/main" id="{C85B2897-6538-42C2-ACB0-1A31F8468D6E}"/>
               </a:ext>
             </a:extLst>
           </p:cNvPr>
@@ -13044,7 +13045,7 @@
           <p:cNvPr id="5" name="页脚占位符 4">
             <a:extLst>
               <a:ext uri="{FF2B5EF4-FFF2-40B4-BE49-F238E27FC236}">
-                <a16:creationId xmlns:a16="http://schemas.microsoft.com/office/drawing/2014/main" xmlns="" id="{F14B425A-3171-4E97-89FA-80AFA74855FB}"/>
+                <a16:creationId xmlns="" xmlns:a16="http://schemas.microsoft.com/office/drawing/2014/main" id="{F14B425A-3171-4E97-89FA-80AFA74855FB}"/>
               </a:ext>
             </a:extLst>
           </p:cNvPr>
@@ -13076,7 +13077,7 @@
           <p:cNvPr id="6" name="灯片编号占位符 5">
             <a:extLst>
               <a:ext uri="{FF2B5EF4-FFF2-40B4-BE49-F238E27FC236}">
-                <a16:creationId xmlns:a16="http://schemas.microsoft.com/office/drawing/2014/main" xmlns="" id="{F15C4534-974F-4C9E-B28B-699F862B6BC7}"/>
+                <a16:creationId xmlns="" xmlns:a16="http://schemas.microsoft.com/office/drawing/2014/main" id="{F15C4534-974F-4C9E-B28B-699F862B6BC7}"/>
               </a:ext>
             </a:extLst>
           </p:cNvPr>
@@ -13106,14 +13107,14 @@
           </a:p>
         </p:txBody>
       </p:sp>
-      <mc:AlternateContent xmlns:mc="http://schemas.openxmlformats.org/markup-compatibility/2006">
-        <mc:Choice xmlns:a14="http://schemas.microsoft.com/office/drawing/2010/main" Requires="a14">
+      <mc:AlternateContent xmlns:mc="http://schemas.openxmlformats.org/markup-compatibility/2006" xmlns:a14="http://schemas.microsoft.com/office/drawing/2010/main">
+        <mc:Choice Requires="a14">
           <p:sp>
             <p:nvSpPr>
               <p:cNvPr id="10" name="内容占位符 9">
                 <a:extLst>
                   <a:ext uri="{FF2B5EF4-FFF2-40B4-BE49-F238E27FC236}">
-                    <a16:creationId xmlns:a16="http://schemas.microsoft.com/office/drawing/2014/main" xmlns="" id="{BD0E0E32-A568-44E3-89AF-900661C8FDC1}"/>
+                    <a16:creationId xmlns="" xmlns:a16="http://schemas.microsoft.com/office/drawing/2014/main" id="{BD0E0E32-A568-44E3-89AF-900661C8FDC1}"/>
                   </a:ext>
                 </a:extLst>
               </p:cNvPr>
@@ -13275,7 +13276,7 @@
             </p:txBody>
           </p:sp>
         </mc:Choice>
-        <mc:Fallback>
+        <mc:Fallback xmlns="">
           <p:sp>
             <p:nvSpPr>
               <p:cNvPr id="10" name="内容占位符 9">
@@ -13324,7 +13325,7 @@
           <p:cNvPr id="8" name="内容占位符 14">
             <a:extLst>
               <a:ext uri="{FF2B5EF4-FFF2-40B4-BE49-F238E27FC236}">
-                <a16:creationId xmlns:a16="http://schemas.microsoft.com/office/drawing/2014/main" xmlns="" id="{CA915622-2D59-44FD-B4E4-7AD11D279975}"/>
+                <a16:creationId xmlns="" xmlns:a16="http://schemas.microsoft.com/office/drawing/2014/main" id="{CA915622-2D59-44FD-B4E4-7AD11D279975}"/>
               </a:ext>
             </a:extLst>
           </p:cNvPr>
@@ -13360,7 +13361,7 @@
           <p:cNvPr id="9" name="直接连接符 8">
             <a:extLst>
               <a:ext uri="{FF2B5EF4-FFF2-40B4-BE49-F238E27FC236}">
-                <a16:creationId xmlns:a16="http://schemas.microsoft.com/office/drawing/2014/main" xmlns="" id="{B8EA0638-0410-4EC6-84F4-1A23C7402721}"/>
+                <a16:creationId xmlns="" xmlns:a16="http://schemas.microsoft.com/office/drawing/2014/main" id="{B8EA0638-0410-4EC6-84F4-1A23C7402721}"/>
               </a:ext>
             </a:extLst>
           </p:cNvPr>
@@ -13399,7 +13400,7 @@
           <p:cNvPr id="12" name="直接连接符 11">
             <a:extLst>
               <a:ext uri="{FF2B5EF4-FFF2-40B4-BE49-F238E27FC236}">
-                <a16:creationId xmlns:a16="http://schemas.microsoft.com/office/drawing/2014/main" xmlns="" id="{9667FD76-2C8E-4BD3-B647-AA153E470261}"/>
+                <a16:creationId xmlns="" xmlns:a16="http://schemas.microsoft.com/office/drawing/2014/main" id="{9667FD76-2C8E-4BD3-B647-AA153E470261}"/>
               </a:ext>
             </a:extLst>
           </p:cNvPr>
@@ -13442,7 +13443,7 @@
           <p:cNvPr id="15" name="直接连接符 14">
             <a:extLst>
               <a:ext uri="{FF2B5EF4-FFF2-40B4-BE49-F238E27FC236}">
-                <a16:creationId xmlns:a16="http://schemas.microsoft.com/office/drawing/2014/main" xmlns="" id="{430E730C-2EF6-476D-B193-EB414A1C87EE}"/>
+                <a16:creationId xmlns="" xmlns:a16="http://schemas.microsoft.com/office/drawing/2014/main" id="{430E730C-2EF6-476D-B193-EB414A1C87EE}"/>
               </a:ext>
             </a:extLst>
           </p:cNvPr>
@@ -13734,7 +13735,7 @@
           <p:cNvPr id="2" name="标题 1">
             <a:extLst>
               <a:ext uri="{FF2B5EF4-FFF2-40B4-BE49-F238E27FC236}">
-                <a16:creationId xmlns:a16="http://schemas.microsoft.com/office/drawing/2014/main" xmlns="" id="{C720F6F0-C510-4BBE-89E6-A8C9A8A57415}"/>
+                <a16:creationId xmlns="" xmlns:a16="http://schemas.microsoft.com/office/drawing/2014/main" id="{C720F6F0-C510-4BBE-89E6-A8C9A8A57415}"/>
               </a:ext>
             </a:extLst>
           </p:cNvPr>
@@ -13764,7 +13765,7 @@
               <p:cNvPr id="3" name="内容占位符 2">
                 <a:extLst>
                   <a:ext uri="{FF2B5EF4-FFF2-40B4-BE49-F238E27FC236}">
-                    <a16:creationId xmlns:a16="http://schemas.microsoft.com/office/drawing/2014/main" xmlns="" id="{A68605A4-A425-4CD5-8D59-3ADEED6DE32A}"/>
+                    <a16:creationId xmlns="" xmlns:a16="http://schemas.microsoft.com/office/drawing/2014/main" id="{A68605A4-A425-4CD5-8D59-3ADEED6DE32A}"/>
                   </a:ext>
                 </a:extLst>
               </p:cNvPr>
@@ -13983,7 +13984,27 @@
               <a:p>
                 <a:r>
                   <a:rPr lang="zh-CN" altLang="en-US" dirty="0"/>
-                  <a:t>损失函数：</a:t>
+                  <a:t>损失</a:t>
+                </a:r>
+                <a:r>
+                  <a:rPr lang="zh-CN" altLang="en-US" dirty="0" smtClean="0"/>
+                  <a:t>函数（</a:t>
+                </a:r>
+                <a:r>
+                  <a:rPr lang="en-US" altLang="zh-CN" dirty="0" smtClean="0"/>
+                  <a:t>Loss</a:t>
+                </a:r>
+                <a:r>
+                  <a:rPr lang="zh-CN" altLang="en-US" dirty="0" smtClean="0"/>
+                  <a:t> </a:t>
+                </a:r>
+                <a:r>
+                  <a:rPr lang="en-US" altLang="zh-CN" dirty="0" smtClean="0"/>
+                  <a:t>Function</a:t>
+                </a:r>
+                <a:r>
+                  <a:rPr lang="zh-CN" altLang="en-US" dirty="0" smtClean="0"/>
+                  <a:t>）：</a:t>
                 </a:r>
                 <a:endParaRPr lang="en-US" altLang="zh-CN" dirty="0"/>
               </a:p>
@@ -14038,7 +14059,7 @@
               <p:cNvPr id="3" name="内容占位符 2">
                 <a:extLst>
                   <a:ext uri="{FF2B5EF4-FFF2-40B4-BE49-F238E27FC236}">
-                    <a16:creationId xmlns:a16="http://schemas.microsoft.com/office/drawing/2014/main" xmlns:a14="http://schemas.microsoft.com/office/drawing/2010/main" xmlns="" id="{A68605A4-A425-4CD5-8D59-3ADEED6DE32A}"/>
+                    <a16:creationId xmlns="" xmlns:a16="http://schemas.microsoft.com/office/drawing/2014/main" xmlns:a14="http://schemas.microsoft.com/office/drawing/2010/main" id="{A68605A4-A425-4CD5-8D59-3ADEED6DE32A}"/>
                   </a:ext>
                 </a:extLst>
               </p:cNvPr>
@@ -14081,7 +14102,7 @@
           <p:cNvPr id="4" name="日期占位符 3">
             <a:extLst>
               <a:ext uri="{FF2B5EF4-FFF2-40B4-BE49-F238E27FC236}">
-                <a16:creationId xmlns:a16="http://schemas.microsoft.com/office/drawing/2014/main" xmlns="" id="{97913FA6-F7A2-4197-B8DA-F29481A0F82B}"/>
+                <a16:creationId xmlns="" xmlns:a16="http://schemas.microsoft.com/office/drawing/2014/main" id="{97913FA6-F7A2-4197-B8DA-F29481A0F82B}"/>
               </a:ext>
             </a:extLst>
           </p:cNvPr>
@@ -14113,7 +14134,7 @@
           <p:cNvPr id="5" name="页脚占位符 4">
             <a:extLst>
               <a:ext uri="{FF2B5EF4-FFF2-40B4-BE49-F238E27FC236}">
-                <a16:creationId xmlns:a16="http://schemas.microsoft.com/office/drawing/2014/main" xmlns="" id="{E5823841-CED2-4B9C-8F0A-FE5DBE628BCB}"/>
+                <a16:creationId xmlns="" xmlns:a16="http://schemas.microsoft.com/office/drawing/2014/main" id="{E5823841-CED2-4B9C-8F0A-FE5DBE628BCB}"/>
               </a:ext>
             </a:extLst>
           </p:cNvPr>
@@ -14145,7 +14166,7 @@
           <p:cNvPr id="6" name="灯片编号占位符 5">
             <a:extLst>
               <a:ext uri="{FF2B5EF4-FFF2-40B4-BE49-F238E27FC236}">
-                <a16:creationId xmlns:a16="http://schemas.microsoft.com/office/drawing/2014/main" xmlns="" id="{730AF170-3554-43A2-BA79-E5FF54F2C147}"/>
+                <a16:creationId xmlns="" xmlns:a16="http://schemas.microsoft.com/office/drawing/2014/main" id="{730AF170-3554-43A2-BA79-E5FF54F2C147}"/>
               </a:ext>
             </a:extLst>
           </p:cNvPr>
@@ -14180,7 +14201,7 @@
           <p:cNvPr id="7" name="内容占位符 14">
             <a:extLst>
               <a:ext uri="{FF2B5EF4-FFF2-40B4-BE49-F238E27FC236}">
-                <a16:creationId xmlns:a16="http://schemas.microsoft.com/office/drawing/2014/main" xmlns="" id="{9AFCF1CC-4784-410E-B4A4-0CEA25C2A6C6}"/>
+                <a16:creationId xmlns="" xmlns:a16="http://schemas.microsoft.com/office/drawing/2014/main" id="{9AFCF1CC-4784-410E-B4A4-0CEA25C2A6C6}"/>
               </a:ext>
             </a:extLst>
           </p:cNvPr>
@@ -14216,7 +14237,7 @@
           <p:cNvPr id="8" name="直接连接符 7">
             <a:extLst>
               <a:ext uri="{FF2B5EF4-FFF2-40B4-BE49-F238E27FC236}">
-                <a16:creationId xmlns:a16="http://schemas.microsoft.com/office/drawing/2014/main" xmlns="" id="{993906AA-D657-4AAA-8F8D-DC8087721264}"/>
+                <a16:creationId xmlns="" xmlns:a16="http://schemas.microsoft.com/office/drawing/2014/main" id="{993906AA-D657-4AAA-8F8D-DC8087721264}"/>
               </a:ext>
             </a:extLst>
           </p:cNvPr>
@@ -14255,7 +14276,7 @@
           <p:cNvPr id="9" name="直接连接符 8">
             <a:extLst>
               <a:ext uri="{FF2B5EF4-FFF2-40B4-BE49-F238E27FC236}">
-                <a16:creationId xmlns:a16="http://schemas.microsoft.com/office/drawing/2014/main" xmlns="" id="{5B6D09FB-D13D-47E9-A513-50281374E973}"/>
+                <a16:creationId xmlns="" xmlns:a16="http://schemas.microsoft.com/office/drawing/2014/main" id="{5B6D09FB-D13D-47E9-A513-50281374E973}"/>
               </a:ext>
             </a:extLst>
           </p:cNvPr>
@@ -14298,7 +14319,7 @@
           <p:cNvPr id="10" name="直接连接符 9">
             <a:extLst>
               <a:ext uri="{FF2B5EF4-FFF2-40B4-BE49-F238E27FC236}">
-                <a16:creationId xmlns:a16="http://schemas.microsoft.com/office/drawing/2014/main" xmlns="" id="{D823F8C7-6F36-48A0-A850-97D4586184C8}"/>
+                <a16:creationId xmlns="" xmlns:a16="http://schemas.microsoft.com/office/drawing/2014/main" id="{D823F8C7-6F36-48A0-A850-97D4586184C8}"/>
               </a:ext>
             </a:extLst>
           </p:cNvPr>
@@ -14336,14 +14357,14 @@
           </a:fontRef>
         </p:style>
       </p:cxnSp>
-      <mc:AlternateContent xmlns:mc="http://schemas.openxmlformats.org/markup-compatibility/2006">
-        <mc:Choice xmlns:a14="http://schemas.microsoft.com/office/drawing/2010/main" Requires="a14">
+      <mc:AlternateContent xmlns:mc="http://schemas.openxmlformats.org/markup-compatibility/2006" xmlns:a14="http://schemas.microsoft.com/office/drawing/2010/main">
+        <mc:Choice Requires="a14">
           <p:sp>
             <p:nvSpPr>
               <p:cNvPr id="11" name="矩形 10">
                 <a:extLst>
                   <a:ext uri="{FF2B5EF4-FFF2-40B4-BE49-F238E27FC236}">
-                    <a16:creationId xmlns:a16="http://schemas.microsoft.com/office/drawing/2014/main" xmlns="" id="{25CFE4FA-4ADB-4B82-B875-AA5178D80394}"/>
+                    <a16:creationId xmlns="" xmlns:a16="http://schemas.microsoft.com/office/drawing/2014/main" id="{25CFE4FA-4ADB-4B82-B875-AA5178D80394}"/>
                   </a:ext>
                 </a:extLst>
               </p:cNvPr>
@@ -14585,7 +14606,7 @@
             </p:txBody>
           </p:sp>
         </mc:Choice>
-        <mc:Fallback>
+        <mc:Fallback xmlns="">
           <p:sp>
             <p:nvSpPr>
               <p:cNvPr id="11" name="矩形 10">
@@ -14683,8 +14704,8 @@
           </a:p>
         </p:txBody>
       </p:sp>
-      <mc:AlternateContent xmlns:mc="http://schemas.openxmlformats.org/markup-compatibility/2006">
-        <mc:Choice xmlns:a14="http://schemas.microsoft.com/office/drawing/2010/main" Requires="a14">
+      <mc:AlternateContent xmlns:mc="http://schemas.openxmlformats.org/markup-compatibility/2006" xmlns:a14="http://schemas.microsoft.com/office/drawing/2010/main">
+        <mc:Choice Requires="a14">
           <p:sp>
             <p:nvSpPr>
               <p:cNvPr id="3" name="内容占位符 2"/>
@@ -15139,7 +15160,7 @@
             </p:txBody>
           </p:sp>
         </mc:Choice>
-        <mc:Fallback>
+        <mc:Fallback xmlns="">
           <p:sp>
             <p:nvSpPr>
               <p:cNvPr id="3" name="内容占位符 2"/>
@@ -15418,8 +15439,8 @@
           </a:prstGeom>
         </p:spPr>
       </p:pic>
-      <mc:AlternateContent xmlns:mc="http://schemas.openxmlformats.org/markup-compatibility/2006">
-        <mc:Choice xmlns:a14="http://schemas.microsoft.com/office/drawing/2010/main" Requires="a14">
+      <mc:AlternateContent xmlns:mc="http://schemas.openxmlformats.org/markup-compatibility/2006" xmlns:a14="http://schemas.microsoft.com/office/drawing/2010/main">
+        <mc:Choice Requires="a14">
           <p:sp>
             <p:nvSpPr>
               <p:cNvPr id="10" name="内容占位符 9"/>
@@ -15515,7 +15536,7 @@
                         <a:ea typeface="Cambria Math" charset="0"/>
                         <a:cs typeface="Cambria Math" charset="0"/>
                       </a:rPr>
-                      <m:t>∇</m:t>
+                      <m:t>𝛻</m:t>
                     </m:r>
                     <m:r>
                       <a:rPr kumimoji="1" lang="en-US" altLang="zh-CN" b="0" i="1" smtClean="0">
@@ -15691,7 +15712,7 @@
             </p:txBody>
           </p:sp>
         </mc:Choice>
-        <mc:Fallback>
+        <mc:Fallback xmlns="">
           <p:sp>
             <p:nvSpPr>
               <p:cNvPr id="10" name="内容占位符 9"/>
@@ -15729,14 +15750,14 @@
           </p:sp>
         </mc:Fallback>
       </mc:AlternateContent>
-      <mc:AlternateContent xmlns:mc="http://schemas.openxmlformats.org/markup-compatibility/2006">
-        <mc:Choice xmlns:a14="http://schemas.microsoft.com/office/drawing/2010/main" Requires="a14">
+      <mc:AlternateContent xmlns:mc="http://schemas.openxmlformats.org/markup-compatibility/2006" xmlns:a14="http://schemas.microsoft.com/office/drawing/2010/main">
+        <mc:Choice Requires="a14">
           <p:sp>
             <p:nvSpPr>
               <p:cNvPr id="11" name="矩形 10">
                 <a:extLst>
                   <a:ext uri="{FF2B5EF4-FFF2-40B4-BE49-F238E27FC236}">
-                    <a16:creationId xmlns:a16="http://schemas.microsoft.com/office/drawing/2014/main" xmlns="" id="{25CFE4FA-4ADB-4B82-B875-AA5178D80394}"/>
+                    <a16:creationId xmlns="" xmlns:a16="http://schemas.microsoft.com/office/drawing/2014/main" id="{25CFE4FA-4ADB-4B82-B875-AA5178D80394}"/>
                   </a:ext>
                 </a:extLst>
               </p:cNvPr>
@@ -15978,7 +15999,7 @@
             </p:txBody>
           </p:sp>
         </mc:Choice>
-        <mc:Fallback>
+        <mc:Fallback xmlns="">
           <p:sp>
             <p:nvSpPr>
               <p:cNvPr id="11" name="矩形 10">
@@ -16187,8 +16208,8 @@
           </a:prstGeom>
         </p:spPr>
       </p:pic>
-      <mc:AlternateContent xmlns:mc="http://schemas.openxmlformats.org/markup-compatibility/2006">
-        <mc:Choice xmlns:a14="http://schemas.microsoft.com/office/drawing/2010/main" Requires="a14">
+      <mc:AlternateContent xmlns:mc="http://schemas.openxmlformats.org/markup-compatibility/2006" xmlns:a14="http://schemas.microsoft.com/office/drawing/2010/main">
+        <mc:Choice Requires="a14">
           <p:sp>
             <p:nvSpPr>
               <p:cNvPr id="10" name="内容占位符 9"/>
@@ -16316,7 +16337,7 @@
                     <m:d>
                       <m:dPr>
                         <m:ctrlPr>
-                          <a:rPr kumimoji="1" lang="en-US" altLang="zh-CN" b="0" i="0" dirty="0" smtClean="0">
+                          <a:rPr kumimoji="1" lang="en-US" altLang="zh-CN" b="0" i="1" dirty="0" smtClean="0">
                             <a:latin typeface="Cambria Math" charset="0"/>
                             <a:sym typeface="Wingdings"/>
                           </a:rPr>
@@ -16405,7 +16426,14 @@
                         <a:latin typeface="Cambria Math" charset="0"/>
                         <a:sym typeface="Wingdings"/>
                       </a:rPr>
-                      <m:t>⋅∇</m:t>
+                      <m:t>⋅</m:t>
+                    </m:r>
+                    <m:r>
+                      <a:rPr kumimoji="1" lang="en-US" altLang="zh-CN" b="0" i="1" dirty="0" smtClean="0">
+                        <a:latin typeface="Cambria Math" charset="0"/>
+                        <a:sym typeface="Wingdings"/>
+                      </a:rPr>
+                      <m:t>𝛻</m:t>
                     </m:r>
                     <m:r>
                       <a:rPr kumimoji="1" lang="en-US" altLang="zh-CN" b="0" i="1" dirty="0" smtClean="0">
@@ -16488,7 +16516,7 @@
             </p:txBody>
           </p:sp>
         </mc:Choice>
-        <mc:Fallback>
+        <mc:Fallback xmlns="">
           <p:sp>
             <p:nvSpPr>
               <p:cNvPr id="10" name="内容占位符 9"/>
@@ -16526,14 +16554,14 @@
           </p:sp>
         </mc:Fallback>
       </mc:AlternateContent>
-      <mc:AlternateContent xmlns:mc="http://schemas.openxmlformats.org/markup-compatibility/2006">
-        <mc:Choice xmlns:a14="http://schemas.microsoft.com/office/drawing/2010/main" Requires="a14">
+      <mc:AlternateContent xmlns:mc="http://schemas.openxmlformats.org/markup-compatibility/2006" xmlns:a14="http://schemas.microsoft.com/office/drawing/2010/main">
+        <mc:Choice Requires="a14">
           <p:sp>
             <p:nvSpPr>
               <p:cNvPr id="11" name="矩形 10">
                 <a:extLst>
                   <a:ext uri="{FF2B5EF4-FFF2-40B4-BE49-F238E27FC236}">
-                    <a16:creationId xmlns:a16="http://schemas.microsoft.com/office/drawing/2014/main" xmlns="" id="{25CFE4FA-4ADB-4B82-B875-AA5178D80394}"/>
+                    <a16:creationId xmlns="" xmlns:a16="http://schemas.microsoft.com/office/drawing/2014/main" id="{25CFE4FA-4ADB-4B82-B875-AA5178D80394}"/>
                   </a:ext>
                 </a:extLst>
               </p:cNvPr>
@@ -16775,7 +16803,7 @@
             </p:txBody>
           </p:sp>
         </mc:Choice>
-        <mc:Fallback>
+        <mc:Fallback xmlns="">
           <p:sp>
             <p:nvSpPr>
               <p:cNvPr id="11" name="矩形 10">
@@ -17138,8 +17166,8 @@
           </a:p>
         </p:txBody>
       </p:sp>
-      <mc:AlternateContent xmlns:mc="http://schemas.openxmlformats.org/markup-compatibility/2006">
-        <mc:Choice xmlns:a14="http://schemas.microsoft.com/office/drawing/2010/main" Requires="a14">
+      <mc:AlternateContent xmlns:mc="http://schemas.openxmlformats.org/markup-compatibility/2006" xmlns:a14="http://schemas.microsoft.com/office/drawing/2010/main">
+        <mc:Choice Requires="a14">
           <p:sp>
             <p:nvSpPr>
               <p:cNvPr id="3" name="内容占位符 2"/>
@@ -17399,7 +17427,7 @@
             </p:txBody>
           </p:sp>
         </mc:Choice>
-        <mc:Fallback>
+        <mc:Fallback xmlns="">
           <p:sp>
             <p:nvSpPr>
               <p:cNvPr id="3" name="内容占位符 2"/>
@@ -17830,14 +17858,14 @@
           </a:p>
         </p:txBody>
       </p:sp>
-      <mc:AlternateContent xmlns:mc="http://schemas.openxmlformats.org/markup-compatibility/2006">
-        <mc:Choice xmlns:a14="http://schemas.microsoft.com/office/drawing/2010/main" Requires="a14">
+      <mc:AlternateContent xmlns:mc="http://schemas.openxmlformats.org/markup-compatibility/2006" xmlns:a14="http://schemas.microsoft.com/office/drawing/2010/main">
+        <mc:Choice Requires="a14">
           <p:sp>
             <p:nvSpPr>
               <p:cNvPr id="7" name="矩形 6">
                 <a:extLst>
                   <a:ext uri="{FF2B5EF4-FFF2-40B4-BE49-F238E27FC236}">
-                    <a16:creationId xmlns:a16="http://schemas.microsoft.com/office/drawing/2014/main" xmlns="" id="{25CFE4FA-4ADB-4B82-B875-AA5178D80394}"/>
+                    <a16:creationId xmlns="" xmlns:a16="http://schemas.microsoft.com/office/drawing/2014/main" id="{25CFE4FA-4ADB-4B82-B875-AA5178D80394}"/>
                   </a:ext>
                 </a:extLst>
               </p:cNvPr>
@@ -18079,7 +18107,7 @@
             </p:txBody>
           </p:sp>
         </mc:Choice>
-        <mc:Fallback>
+        <mc:Fallback xmlns="">
           <p:sp>
             <p:nvSpPr>
               <p:cNvPr id="7" name="矩形 6">
@@ -18177,8 +18205,8 @@
           </a:p>
         </p:txBody>
       </p:sp>
-      <mc:AlternateContent xmlns:mc="http://schemas.openxmlformats.org/markup-compatibility/2006">
-        <mc:Choice xmlns:a14="http://schemas.microsoft.com/office/drawing/2010/main" Requires="a14">
+      <mc:AlternateContent xmlns:mc="http://schemas.openxmlformats.org/markup-compatibility/2006" xmlns:a14="http://schemas.microsoft.com/office/drawing/2010/main">
+        <mc:Choice Requires="a14">
           <p:sp>
             <p:nvSpPr>
               <p:cNvPr id="3" name="内容占位符 2"/>
@@ -18379,7 +18407,7 @@
                       <m:dPr>
                         <m:ctrlPr>
                           <a:rPr lang="en-US" altLang="zh-CN" i="1">
-                            <a:latin typeface="Cambria Math" panose="02040503050406030204" pitchFamily="18" charset="0"/>
+                            <a:latin typeface="Cambria Math" charset="0"/>
                           </a:rPr>
                         </m:ctrlPr>
                       </m:dPr>
@@ -18447,7 +18475,7 @@
                               <m:dPr>
                                 <m:ctrlPr>
                                   <a:rPr lang="en-US" altLang="zh-CN" i="1">
-                                    <a:latin typeface="Cambria Math" panose="02040503050406030204" pitchFamily="18" charset="0"/>
+                                    <a:latin typeface="Cambria Math" charset="0"/>
                                   </a:rPr>
                                 </m:ctrlPr>
                               </m:dPr>
@@ -18550,7 +18578,7 @@
             </p:txBody>
           </p:sp>
         </mc:Choice>
-        <mc:Fallback>
+        <mc:Fallback xmlns="">
           <p:sp>
             <p:nvSpPr>
               <p:cNvPr id="3" name="内容占位符 2"/>
@@ -18665,14 +18693,14 @@
           </a:p>
         </p:txBody>
       </p:sp>
-      <mc:AlternateContent xmlns:mc="http://schemas.openxmlformats.org/markup-compatibility/2006">
-        <mc:Choice xmlns:a14="http://schemas.microsoft.com/office/drawing/2010/main" Requires="a14">
+      <mc:AlternateContent xmlns:mc="http://schemas.openxmlformats.org/markup-compatibility/2006" xmlns:a14="http://schemas.microsoft.com/office/drawing/2010/main">
+        <mc:Choice Requires="a14">
           <p:graphicFrame>
             <p:nvGraphicFramePr>
               <p:cNvPr id="7" name="内容占位符 6">
                 <a:extLst>
                   <a:ext uri="{FF2B5EF4-FFF2-40B4-BE49-F238E27FC236}">
-                    <a16:creationId xmlns:a16="http://schemas.microsoft.com/office/drawing/2014/main" xmlns="" id="{EB980026-D29F-4C6E-9BFC-18210325D87E}"/>
+                    <a16:creationId xmlns="" xmlns:a16="http://schemas.microsoft.com/office/drawing/2014/main" id="{EB980026-D29F-4C6E-9BFC-18210325D87E}"/>
                   </a:ext>
                 </a:extLst>
               </p:cNvPr>
@@ -18701,7 +18729,7 @@
                     <a:gridCol w="1185683">
                       <a:extLst>
                         <a:ext uri="{9D8B030D-6E8A-4147-A177-3AD203B41FA5}">
-                          <a16:colId xmlns:a16="http://schemas.microsoft.com/office/drawing/2014/main" xmlns="" val="849694925"/>
+                          <a16:colId xmlns="" xmlns:a16="http://schemas.microsoft.com/office/drawing/2014/main" val="849694925"/>
                         </a:ext>
                       </a:extLst>
                     </a:gridCol>
@@ -18710,7 +18738,7 @@
                     <a:gridCol w="1185683">
                       <a:extLst>
                         <a:ext uri="{9D8B030D-6E8A-4147-A177-3AD203B41FA5}">
-                          <a16:colId xmlns:a16="http://schemas.microsoft.com/office/drawing/2014/main" xmlns="" val="2032597962"/>
+                          <a16:colId xmlns="" xmlns:a16="http://schemas.microsoft.com/office/drawing/2014/main" val="2032597962"/>
                         </a:ext>
                       </a:extLst>
                     </a:gridCol>
@@ -18907,7 +18935,7 @@
                     </a:tc>
                     <a:extLst>
                       <a:ext uri="{0D108BD9-81ED-4DB2-BD59-A6C34878D82A}">
-                        <a16:rowId xmlns:a16="http://schemas.microsoft.com/office/drawing/2014/main" xmlns="" val="246005499"/>
+                        <a16:rowId xmlns="" xmlns:a16="http://schemas.microsoft.com/office/drawing/2014/main" val="246005499"/>
                       </a:ext>
                     </a:extLst>
                   </a:tr>
@@ -18974,7 +19002,7 @@
                     </a:tc>
                     <a:extLst>
                       <a:ext uri="{0D108BD9-81ED-4DB2-BD59-A6C34878D82A}">
-                        <a16:rowId xmlns:a16="http://schemas.microsoft.com/office/drawing/2014/main" xmlns="" val="1967244540"/>
+                        <a16:rowId xmlns="" xmlns:a16="http://schemas.microsoft.com/office/drawing/2014/main" val="1967244540"/>
                       </a:ext>
                     </a:extLst>
                   </a:tr>
@@ -19041,7 +19069,7 @@
                     </a:tc>
                     <a:extLst>
                       <a:ext uri="{0D108BD9-81ED-4DB2-BD59-A6C34878D82A}">
-                        <a16:rowId xmlns:a16="http://schemas.microsoft.com/office/drawing/2014/main" xmlns="" val="1823030155"/>
+                        <a16:rowId xmlns="" xmlns:a16="http://schemas.microsoft.com/office/drawing/2014/main" val="1823030155"/>
                       </a:ext>
                     </a:extLst>
                   </a:tr>
@@ -19108,7 +19136,7 @@
                     </a:tc>
                     <a:extLst>
                       <a:ext uri="{0D108BD9-81ED-4DB2-BD59-A6C34878D82A}">
-                        <a16:rowId xmlns:a16="http://schemas.microsoft.com/office/drawing/2014/main" xmlns="" val="1815547532"/>
+                        <a16:rowId xmlns="" xmlns:a16="http://schemas.microsoft.com/office/drawing/2014/main" val="1815547532"/>
                       </a:ext>
                     </a:extLst>
                   </a:tr>
@@ -19207,7 +19235,7 @@
                     </a:tc>
                     <a:extLst>
                       <a:ext uri="{0D108BD9-81ED-4DB2-BD59-A6C34878D82A}">
-                        <a16:rowId xmlns:a16="http://schemas.microsoft.com/office/drawing/2014/main" xmlns="" val="168178639"/>
+                        <a16:rowId xmlns="" xmlns:a16="http://schemas.microsoft.com/office/drawing/2014/main" val="168178639"/>
                       </a:ext>
                     </a:extLst>
                   </a:tr>
@@ -19216,7 +19244,7 @@
             </a:graphic>
           </p:graphicFrame>
         </mc:Choice>
-        <mc:Fallback>
+        <mc:Fallback xmlns="">
           <p:graphicFrame>
             <p:nvGraphicFramePr>
               <p:cNvPr id="7" name="内容占位符 6">
@@ -19659,6 +19687,1051 @@
 </p:sld>
 </file>
 
+<file path=ppt/slides/slide28.xml><?xml version="1.0" encoding="utf-8"?>
+<p:sld xmlns:a="http://schemas.openxmlformats.org/drawingml/2006/main" xmlns:r="http://schemas.openxmlformats.org/officeDocument/2006/relationships" xmlns:p="http://schemas.openxmlformats.org/presentationml/2006/main">
+  <p:cSld>
+    <p:spTree>
+      <p:nvGrpSpPr>
+        <p:cNvPr id="1" name=""/>
+        <p:cNvGrpSpPr/>
+        <p:nvPr/>
+      </p:nvGrpSpPr>
+      <p:grpSpPr>
+        <a:xfrm>
+          <a:off x="0" y="0"/>
+          <a:ext cx="0" cy="0"/>
+          <a:chOff x="0" y="0"/>
+          <a:chExt cx="0" cy="0"/>
+        </a:xfrm>
+      </p:grpSpPr>
+      <p:sp>
+        <p:nvSpPr>
+          <p:cNvPr id="2" name="标题 1"/>
+          <p:cNvSpPr>
+            <a:spLocks noGrp="1"/>
+          </p:cNvSpPr>
+          <p:nvPr>
+            <p:ph type="title"/>
+          </p:nvPr>
+        </p:nvSpPr>
+        <p:spPr/>
+        <p:txBody>
+          <a:bodyPr/>
+          <a:lstStyle/>
+          <a:p>
+            <a:r>
+              <a:rPr kumimoji="1" lang="zh-CN" altLang="en-US" dirty="0" smtClean="0"/>
+              <a:t>多元线性回归</a:t>
+            </a:r>
+            <a:endParaRPr kumimoji="1" lang="zh-CN" altLang="en-US" dirty="0"/>
+          </a:p>
+        </p:txBody>
+      </p:sp>
+      <mc:AlternateContent xmlns:mc="http://schemas.openxmlformats.org/markup-compatibility/2006">
+        <mc:Choice xmlns:a14="http://schemas.microsoft.com/office/drawing/2010/main" Requires="a14">
+          <p:sp>
+            <p:nvSpPr>
+              <p:cNvPr id="3" name="内容占位符 2"/>
+              <p:cNvSpPr>
+                <a:spLocks noGrp="1"/>
+              </p:cNvSpPr>
+              <p:nvPr>
+                <p:ph idx="1"/>
+              </p:nvPr>
+            </p:nvSpPr>
+            <p:spPr/>
+            <p:txBody>
+              <a:bodyPr/>
+              <a:lstStyle/>
+              <a:p>
+                <a:r>
+                  <a:rPr kumimoji="1" lang="zh-CN" altLang="en-US" dirty="0" smtClean="0"/>
+                  <a:t>假设：</a:t>
+                </a:r>
+                <a:endParaRPr kumimoji="1" lang="en-US" altLang="zh-CN" dirty="0" smtClean="0"/>
+              </a:p>
+              <a:p>
+                <a:pPr lvl="1"/>
+                <a:r>
+                  <a:rPr kumimoji="1" lang="zh-CN" altLang="en-US" dirty="0" smtClean="0"/>
+                  <a:t>一元线性回归：</a:t>
+                </a:r>
+                <a14:m>
+                  <m:oMath xmlns:m="http://schemas.openxmlformats.org/officeDocument/2006/math">
+                    <m:r>
+                      <a:rPr lang="en-US" altLang="zh-CN" i="1">
+                        <a:latin typeface="Cambria Math" charset="0"/>
+                      </a:rPr>
+                      <m:t>h</m:t>
+                    </m:r>
+                    <m:d>
+                      <m:dPr>
+                        <m:ctrlPr>
+                          <a:rPr lang="en-US" altLang="zh-CN" i="1">
+                            <a:latin typeface="Cambria Math" charset="0"/>
+                          </a:rPr>
+                        </m:ctrlPr>
+                      </m:dPr>
+                      <m:e>
+                        <m:r>
+                          <a:rPr lang="en-US" altLang="zh-CN" i="1">
+                            <a:latin typeface="Cambria Math" panose="02040503050406030204" pitchFamily="18" charset="0"/>
+                          </a:rPr>
+                          <m:t>𝑥</m:t>
+                        </m:r>
+                      </m:e>
+                    </m:d>
+                    <m:r>
+                      <a:rPr lang="en-US" altLang="zh-CN" i="1">
+                        <a:latin typeface="Cambria Math" panose="02040503050406030204" pitchFamily="18" charset="0"/>
+                      </a:rPr>
+                      <m:t>=</m:t>
+                    </m:r>
+                    <m:r>
+                      <a:rPr lang="en-US" altLang="zh-CN" i="1">
+                        <a:latin typeface="Cambria Math" panose="02040503050406030204" pitchFamily="18" charset="0"/>
+                      </a:rPr>
+                      <m:t>𝑤𝑥</m:t>
+                    </m:r>
+                    <m:r>
+                      <a:rPr lang="en-US" altLang="zh-CN" i="1">
+                        <a:latin typeface="Cambria Math" panose="02040503050406030204" pitchFamily="18" charset="0"/>
+                      </a:rPr>
+                      <m:t>+</m:t>
+                    </m:r>
+                    <m:r>
+                      <a:rPr lang="en-US" altLang="zh-CN" i="1">
+                        <a:latin typeface="Cambria Math" panose="02040503050406030204" pitchFamily="18" charset="0"/>
+                      </a:rPr>
+                      <m:t>𝑏</m:t>
+                    </m:r>
+                  </m:oMath>
+                </a14:m>
+                <a:endParaRPr kumimoji="1" lang="en-US" altLang="zh-CN" dirty="0" smtClean="0"/>
+              </a:p>
+              <a:p>
+                <a:pPr lvl="1"/>
+                <a:r>
+                  <a:rPr kumimoji="1" lang="zh-CN" altLang="en-US" dirty="0" smtClean="0"/>
+                  <a:t>多元线性回归：</a:t>
+                </a:r>
+                <a14:m>
+                  <m:oMath xmlns:m="http://schemas.openxmlformats.org/officeDocument/2006/math">
+                    <m:r>
+                      <a:rPr lang="en-US" altLang="zh-CN" i="1">
+                        <a:latin typeface="Cambria Math" charset="0"/>
+                      </a:rPr>
+                      <m:t>h</m:t>
+                    </m:r>
+                    <m:d>
+                      <m:dPr>
+                        <m:ctrlPr>
+                          <a:rPr lang="en-US" altLang="zh-CN" i="1">
+                            <a:latin typeface="Cambria Math" charset="0"/>
+                          </a:rPr>
+                        </m:ctrlPr>
+                      </m:dPr>
+                      <m:e>
+                        <m:r>
+                          <a:rPr lang="en-US" altLang="zh-CN" b="1" i="1">
+                            <a:latin typeface="Cambria Math" panose="02040503050406030204" pitchFamily="18" charset="0"/>
+                          </a:rPr>
+                          <m:t>𝒙</m:t>
+                        </m:r>
+                      </m:e>
+                    </m:d>
+                    <m:r>
+                      <a:rPr lang="en-US" altLang="zh-CN" i="1">
+                        <a:latin typeface="Cambria Math" panose="02040503050406030204" pitchFamily="18" charset="0"/>
+                      </a:rPr>
+                      <m:t>=</m:t>
+                    </m:r>
+                    <m:sSub>
+                      <m:sSubPr>
+                        <m:ctrlPr>
+                          <a:rPr lang="en-US" altLang="zh-CN" b="0" i="1" smtClean="0">
+                            <a:latin typeface="Cambria Math" charset="0"/>
+                          </a:rPr>
+                        </m:ctrlPr>
+                      </m:sSubPr>
+                      <m:e>
+                        <m:r>
+                          <a:rPr lang="en-US" altLang="zh-CN" i="1">
+                            <a:latin typeface="Cambria Math" panose="02040503050406030204" pitchFamily="18" charset="0"/>
+                          </a:rPr>
+                          <m:t>𝑤</m:t>
+                        </m:r>
+                      </m:e>
+                      <m:sub>
+                        <m:r>
+                          <a:rPr lang="en-US" altLang="zh-CN" b="0" i="1" smtClean="0">
+                            <a:latin typeface="Cambria Math" charset="0"/>
+                          </a:rPr>
+                          <m:t>1</m:t>
+                        </m:r>
+                      </m:sub>
+                    </m:sSub>
+                    <m:sSub>
+                      <m:sSubPr>
+                        <m:ctrlPr>
+                          <a:rPr lang="en-US" altLang="zh-CN" b="0" i="1" smtClean="0">
+                            <a:latin typeface="Cambria Math" charset="0"/>
+                          </a:rPr>
+                        </m:ctrlPr>
+                      </m:sSubPr>
+                      <m:e>
+                        <m:r>
+                          <a:rPr lang="en-US" altLang="zh-CN" i="1">
+                            <a:latin typeface="Cambria Math" panose="02040503050406030204" pitchFamily="18" charset="0"/>
+                          </a:rPr>
+                          <m:t>𝑥</m:t>
+                        </m:r>
+                      </m:e>
+                      <m:sub>
+                        <m:r>
+                          <a:rPr lang="en-US" altLang="zh-CN" b="0" i="1" smtClean="0">
+                            <a:latin typeface="Cambria Math" charset="0"/>
+                          </a:rPr>
+                          <m:t>1</m:t>
+                        </m:r>
+                      </m:sub>
+                    </m:sSub>
+                    <m:r>
+                      <a:rPr lang="en-US" altLang="zh-CN" b="0" i="1" smtClean="0">
+                        <a:latin typeface="Cambria Math" charset="0"/>
+                      </a:rPr>
+                      <m:t>+</m:t>
+                    </m:r>
+                    <m:sSub>
+                      <m:sSubPr>
+                        <m:ctrlPr>
+                          <a:rPr lang="en-US" altLang="zh-CN" b="0" i="1" smtClean="0">
+                            <a:latin typeface="Cambria Math" charset="0"/>
+                          </a:rPr>
+                        </m:ctrlPr>
+                      </m:sSubPr>
+                      <m:e>
+                        <m:r>
+                          <a:rPr lang="en-US" altLang="zh-CN" b="0" i="1" smtClean="0">
+                            <a:latin typeface="Cambria Math" charset="0"/>
+                          </a:rPr>
+                          <m:t>𝑤</m:t>
+                        </m:r>
+                      </m:e>
+                      <m:sub>
+                        <m:r>
+                          <a:rPr lang="en-US" altLang="zh-CN" b="0" i="1" smtClean="0">
+                            <a:latin typeface="Cambria Math" charset="0"/>
+                          </a:rPr>
+                          <m:t>2</m:t>
+                        </m:r>
+                      </m:sub>
+                    </m:sSub>
+                    <m:sSub>
+                      <m:sSubPr>
+                        <m:ctrlPr>
+                          <a:rPr lang="en-US" altLang="zh-CN" b="0" i="1" smtClean="0">
+                            <a:latin typeface="Cambria Math" charset="0"/>
+                          </a:rPr>
+                        </m:ctrlPr>
+                      </m:sSubPr>
+                      <m:e>
+                        <m:r>
+                          <a:rPr lang="en-US" altLang="zh-CN" b="0" i="1" smtClean="0">
+                            <a:latin typeface="Cambria Math" charset="0"/>
+                          </a:rPr>
+                          <m:t>𝑥</m:t>
+                        </m:r>
+                      </m:e>
+                      <m:sub>
+                        <m:r>
+                          <a:rPr lang="en-US" altLang="zh-CN" b="0" i="1" smtClean="0">
+                            <a:latin typeface="Cambria Math" charset="0"/>
+                          </a:rPr>
+                          <m:t>2</m:t>
+                        </m:r>
+                      </m:sub>
+                    </m:sSub>
+                    <m:r>
+                      <a:rPr lang="en-US" altLang="zh-CN" b="0" i="1" smtClean="0">
+                        <a:latin typeface="Cambria Math" charset="0"/>
+                      </a:rPr>
+                      <m:t>+⋯+</m:t>
+                    </m:r>
+                    <m:sSub>
+                      <m:sSubPr>
+                        <m:ctrlPr>
+                          <a:rPr lang="en-US" altLang="zh-CN" b="0" i="1" smtClean="0">
+                            <a:latin typeface="Cambria Math" charset="0"/>
+                          </a:rPr>
+                        </m:ctrlPr>
+                      </m:sSubPr>
+                      <m:e>
+                        <m:r>
+                          <a:rPr lang="en-US" altLang="zh-CN" b="0" i="1" smtClean="0">
+                            <a:latin typeface="Cambria Math" charset="0"/>
+                          </a:rPr>
+                          <m:t>𝑤</m:t>
+                        </m:r>
+                      </m:e>
+                      <m:sub>
+                        <m:r>
+                          <a:rPr lang="en-US" altLang="zh-CN" b="0" i="1" smtClean="0">
+                            <a:latin typeface="Cambria Math" charset="0"/>
+                          </a:rPr>
+                          <m:t>𝑀</m:t>
+                        </m:r>
+                      </m:sub>
+                    </m:sSub>
+                    <m:sSub>
+                      <m:sSubPr>
+                        <m:ctrlPr>
+                          <a:rPr lang="en-US" altLang="zh-CN" b="0" i="1" smtClean="0">
+                            <a:latin typeface="Cambria Math" charset="0"/>
+                          </a:rPr>
+                        </m:ctrlPr>
+                      </m:sSubPr>
+                      <m:e>
+                        <m:r>
+                          <a:rPr lang="en-US" altLang="zh-CN" b="0" i="1" smtClean="0">
+                            <a:latin typeface="Cambria Math" charset="0"/>
+                          </a:rPr>
+                          <m:t>𝑥</m:t>
+                        </m:r>
+                      </m:e>
+                      <m:sub>
+                        <m:r>
+                          <a:rPr lang="en-US" altLang="zh-CN" b="0" i="1" smtClean="0">
+                            <a:latin typeface="Cambria Math" charset="0"/>
+                          </a:rPr>
+                          <m:t>𝑀</m:t>
+                        </m:r>
+                      </m:sub>
+                    </m:sSub>
+                    <m:r>
+                      <a:rPr lang="en-US" altLang="zh-CN" i="1">
+                        <a:latin typeface="Cambria Math" panose="02040503050406030204" pitchFamily="18" charset="0"/>
+                      </a:rPr>
+                      <m:t>+</m:t>
+                    </m:r>
+                    <m:r>
+                      <a:rPr lang="en-US" altLang="zh-CN" i="1">
+                        <a:latin typeface="Cambria Math" panose="02040503050406030204" pitchFamily="18" charset="0"/>
+                      </a:rPr>
+                      <m:t>𝑏</m:t>
+                    </m:r>
+                  </m:oMath>
+                </a14:m>
+                <a:r>
+                  <a:rPr lang="zh-CN" altLang="en-US" dirty="0" smtClean="0"/>
+                  <a:t> 或向量形式 </a:t>
+                </a:r>
+                <a14:m>
+                  <m:oMath xmlns:m="http://schemas.openxmlformats.org/officeDocument/2006/math">
+                    <m:r>
+                      <a:rPr lang="en-US" altLang="zh-CN" b="0" i="1" dirty="0" smtClean="0">
+                        <a:latin typeface="Cambria Math" charset="0"/>
+                      </a:rPr>
+                      <m:t>h</m:t>
+                    </m:r>
+                    <m:d>
+                      <m:dPr>
+                        <m:ctrlPr>
+                          <a:rPr lang="en-US" altLang="zh-CN" b="0" i="1" dirty="0" smtClean="0">
+                            <a:latin typeface="Cambria Math" charset="0"/>
+                          </a:rPr>
+                        </m:ctrlPr>
+                      </m:dPr>
+                      <m:e>
+                        <m:r>
+                          <a:rPr lang="en-US" altLang="zh-CN" b="0" i="1" dirty="0" smtClean="0">
+                            <a:latin typeface="Cambria Math" charset="0"/>
+                          </a:rPr>
+                          <m:t>𝑥</m:t>
+                        </m:r>
+                      </m:e>
+                    </m:d>
+                    <m:r>
+                      <a:rPr lang="en-US" altLang="zh-CN" b="0" i="1" dirty="0" smtClean="0">
+                        <a:latin typeface="Cambria Math" charset="0"/>
+                      </a:rPr>
+                      <m:t>=</m:t>
+                    </m:r>
+                    <m:sSup>
+                      <m:sSupPr>
+                        <m:ctrlPr>
+                          <a:rPr lang="en-US" altLang="zh-CN" b="0" i="1" dirty="0" smtClean="0">
+                            <a:latin typeface="Cambria Math" charset="0"/>
+                          </a:rPr>
+                        </m:ctrlPr>
+                      </m:sSupPr>
+                      <m:e>
+                        <m:r>
+                          <a:rPr lang="en-US" altLang="zh-CN" b="1" i="1" dirty="0" smtClean="0">
+                            <a:latin typeface="Cambria Math" charset="0"/>
+                          </a:rPr>
+                          <m:t>𝒘</m:t>
+                        </m:r>
+                      </m:e>
+                      <m:sup>
+                        <m:r>
+                          <a:rPr lang="en-US" altLang="zh-CN" b="0" i="1" dirty="0" smtClean="0">
+                            <a:latin typeface="Cambria Math" charset="0"/>
+                          </a:rPr>
+                          <m:t>𝑇</m:t>
+                        </m:r>
+                      </m:sup>
+                    </m:sSup>
+                    <m:r>
+                      <a:rPr lang="en-US" altLang="zh-CN" b="1" i="1" dirty="0" smtClean="0">
+                        <a:latin typeface="Cambria Math" charset="0"/>
+                      </a:rPr>
+                      <m:t>𝒙</m:t>
+                    </m:r>
+                    <m:r>
+                      <a:rPr lang="en-US" altLang="zh-CN" b="0" i="1" dirty="0" smtClean="0">
+                        <a:latin typeface="Cambria Math" charset="0"/>
+                      </a:rPr>
+                      <m:t>+</m:t>
+                    </m:r>
+                    <m:r>
+                      <a:rPr lang="en-US" altLang="zh-CN" b="0" i="1" dirty="0" smtClean="0">
+                        <a:latin typeface="Cambria Math" charset="0"/>
+                      </a:rPr>
+                      <m:t>𝑏</m:t>
+                    </m:r>
+                  </m:oMath>
+                </a14:m>
+                <a:endParaRPr lang="en-US" altLang="zh-CN" dirty="0" smtClean="0"/>
+              </a:p>
+              <a:p>
+                <a:pPr lvl="1"/>
+                <a:endParaRPr lang="en-US" altLang="zh-CN" dirty="0"/>
+              </a:p>
+              <a:p>
+                <a:r>
+                  <a:rPr lang="zh-CN" altLang="en-US" dirty="0" smtClean="0"/>
+                  <a:t>要学习的参数：</a:t>
+                </a:r>
+                <a14:m>
+                  <m:oMath xmlns:m="http://schemas.openxmlformats.org/officeDocument/2006/math">
+                    <m:d>
+                      <m:dPr>
+                        <m:ctrlPr>
+                          <a:rPr lang="en-US" altLang="zh-CN" b="0" i="0" smtClean="0">
+                            <a:latin typeface="Cambria Math" charset="0"/>
+                          </a:rPr>
+                        </m:ctrlPr>
+                      </m:dPr>
+                      <m:e>
+                        <m:sSub>
+                          <m:sSubPr>
+                            <m:ctrlPr>
+                              <a:rPr lang="en-US" altLang="zh-CN" i="1">
+                                <a:latin typeface="Cambria Math" charset="0"/>
+                              </a:rPr>
+                            </m:ctrlPr>
+                          </m:sSubPr>
+                          <m:e>
+                            <m:r>
+                              <a:rPr lang="en-US" altLang="zh-CN" i="1">
+                                <a:latin typeface="Cambria Math" panose="02040503050406030204" pitchFamily="18" charset="0"/>
+                              </a:rPr>
+                              <m:t>𝑤</m:t>
+                            </m:r>
+                          </m:e>
+                          <m:sub>
+                            <m:r>
+                              <a:rPr lang="en-US" altLang="zh-CN" i="1">
+                                <a:latin typeface="Cambria Math" charset="0"/>
+                              </a:rPr>
+                              <m:t>1</m:t>
+                            </m:r>
+                          </m:sub>
+                        </m:sSub>
+                        <m:r>
+                          <a:rPr lang="en-US" altLang="zh-CN" b="0" i="1" smtClean="0">
+                            <a:latin typeface="Cambria Math" charset="0"/>
+                          </a:rPr>
+                          <m:t>,</m:t>
+                        </m:r>
+                        <m:r>
+                          <a:rPr lang="zh-CN" altLang="en-US" b="0" i="1" smtClean="0">
+                            <a:latin typeface="Cambria Math" charset="0"/>
+                          </a:rPr>
+                          <m:t> </m:t>
+                        </m:r>
+                        <m:sSub>
+                          <m:sSubPr>
+                            <m:ctrlPr>
+                              <a:rPr lang="en-US" altLang="zh-CN" i="1">
+                                <a:latin typeface="Cambria Math" charset="0"/>
+                              </a:rPr>
+                            </m:ctrlPr>
+                          </m:sSubPr>
+                          <m:e>
+                            <m:r>
+                              <a:rPr lang="en-US" altLang="zh-CN" i="1">
+                                <a:latin typeface="Cambria Math" charset="0"/>
+                              </a:rPr>
+                              <m:t>𝑤</m:t>
+                            </m:r>
+                          </m:e>
+                          <m:sub>
+                            <m:r>
+                              <a:rPr lang="en-US" altLang="zh-CN" i="1">
+                                <a:latin typeface="Cambria Math" charset="0"/>
+                              </a:rPr>
+                              <m:t>2</m:t>
+                            </m:r>
+                          </m:sub>
+                        </m:sSub>
+                        <m:r>
+                          <a:rPr lang="en-US" altLang="zh-CN" b="0" i="1" smtClean="0">
+                            <a:latin typeface="Cambria Math" charset="0"/>
+                          </a:rPr>
+                          <m:t>,</m:t>
+                        </m:r>
+                        <m:r>
+                          <a:rPr lang="en-US" altLang="zh-CN" i="1">
+                            <a:latin typeface="Cambria Math" charset="0"/>
+                          </a:rPr>
+                          <m:t>⋯</m:t>
+                        </m:r>
+                        <m:r>
+                          <a:rPr lang="en-US" altLang="zh-CN" b="0" i="1" smtClean="0">
+                            <a:latin typeface="Cambria Math" charset="0"/>
+                          </a:rPr>
+                          <m:t>,</m:t>
+                        </m:r>
+                        <m:sSub>
+                          <m:sSubPr>
+                            <m:ctrlPr>
+                              <a:rPr lang="en-US" altLang="zh-CN" i="1">
+                                <a:latin typeface="Cambria Math" charset="0"/>
+                              </a:rPr>
+                            </m:ctrlPr>
+                          </m:sSubPr>
+                          <m:e>
+                            <m:r>
+                              <a:rPr lang="en-US" altLang="zh-CN" i="1">
+                                <a:latin typeface="Cambria Math" charset="0"/>
+                              </a:rPr>
+                              <m:t>𝑤</m:t>
+                            </m:r>
+                          </m:e>
+                          <m:sub>
+                            <m:r>
+                              <a:rPr lang="en-US" altLang="zh-CN" i="1">
+                                <a:latin typeface="Cambria Math" charset="0"/>
+                              </a:rPr>
+                              <m:t>𝑀</m:t>
+                            </m:r>
+                          </m:sub>
+                        </m:sSub>
+                        <m:r>
+                          <a:rPr lang="en-US" altLang="zh-CN" b="0" i="1" smtClean="0">
+                            <a:latin typeface="Cambria Math" charset="0"/>
+                          </a:rPr>
+                          <m:t>,</m:t>
+                        </m:r>
+                        <m:r>
+                          <a:rPr lang="en-US" altLang="zh-CN" i="1">
+                            <a:latin typeface="Cambria Math" panose="02040503050406030204" pitchFamily="18" charset="0"/>
+                          </a:rPr>
+                          <m:t>𝑏</m:t>
+                        </m:r>
+                      </m:e>
+                    </m:d>
+                    <m:r>
+                      <a:rPr lang="en-US" altLang="zh-CN" b="0" i="1" smtClean="0">
+                        <a:latin typeface="Cambria Math" charset="0"/>
+                      </a:rPr>
+                      <m:t>=(</m:t>
+                    </m:r>
+                    <m:r>
+                      <a:rPr lang="en-US" altLang="zh-CN" b="1" i="1" smtClean="0">
+                        <a:latin typeface="Cambria Math" charset="0"/>
+                      </a:rPr>
+                      <m:t>𝒘</m:t>
+                    </m:r>
+                    <m:r>
+                      <a:rPr lang="en-US" altLang="zh-CN" b="0" i="1" smtClean="0">
+                        <a:latin typeface="Cambria Math" charset="0"/>
+                      </a:rPr>
+                      <m:t>,</m:t>
+                    </m:r>
+                    <m:r>
+                      <a:rPr lang="en-US" altLang="zh-CN" b="0" i="1" smtClean="0">
+                        <a:latin typeface="Cambria Math" charset="0"/>
+                      </a:rPr>
+                      <m:t>𝑏</m:t>
+                    </m:r>
+                    <m:r>
+                      <a:rPr lang="en-US" altLang="zh-CN" b="0" i="1" smtClean="0">
+                        <a:latin typeface="Cambria Math" charset="0"/>
+                      </a:rPr>
+                      <m:t>)</m:t>
+                    </m:r>
+                  </m:oMath>
+                </a14:m>
+                <a:endParaRPr lang="en-US" altLang="zh-CN" dirty="0" smtClean="0"/>
+              </a:p>
+              <a:p>
+                <a:endParaRPr lang="en-US" altLang="zh-CN" dirty="0" smtClean="0"/>
+              </a:p>
+              <a:p>
+                <a:r>
+                  <a:rPr lang="zh-CN" altLang="en-US" dirty="0" smtClean="0"/>
+                  <a:t>使用最小二乘法定义损失函数</a:t>
+                </a:r>
+                <a:endParaRPr lang="en-US" altLang="zh-CN" dirty="0" smtClean="0"/>
+              </a:p>
+              <a:p>
+                <a:pPr lvl="1"/>
+                <a:endParaRPr lang="en-US" altLang="zh-CN" dirty="0"/>
+              </a:p>
+              <a:p>
+                <a:pPr lvl="1"/>
+                <a:endParaRPr lang="en-US" altLang="zh-CN" dirty="0" smtClean="0"/>
+              </a:p>
+              <a:p>
+                <a:pPr lvl="1"/>
+                <a:endParaRPr lang="en-US" altLang="zh-CN" dirty="0"/>
+              </a:p>
+              <a:p>
+                <a:pPr lvl="1"/>
+                <a:r>
+                  <a:rPr lang="zh-CN" altLang="en-US" dirty="0" smtClean="0"/>
+                  <a:t>学习一个参数组合的取值，使得损失函数值最小。</a:t>
+                </a:r>
+                <a:endParaRPr lang="en-US" altLang="zh-CN" dirty="0"/>
+              </a:p>
+            </p:txBody>
+          </p:sp>
+        </mc:Choice>
+        <mc:Fallback>
+          <p:sp>
+            <p:nvSpPr>
+              <p:cNvPr id="3" name="内容占位符 2"/>
+              <p:cNvSpPr>
+                <a:spLocks noGrp="1" noRot="1" noChangeAspect="1" noMove="1" noResize="1" noEditPoints="1" noAdjustHandles="1" noChangeArrowheads="1" noChangeShapeType="1" noTextEdit="1"/>
+              </p:cNvSpPr>
+              <p:nvPr>
+                <p:ph idx="1"/>
+              </p:nvPr>
+            </p:nvSpPr>
+            <p:spPr>
+              <a:blipFill rotWithShape="0">
+                <a:blip r:embed="rId2"/>
+                <a:stretch>
+                  <a:fillRect l="-686" t="-982"/>
+                </a:stretch>
+              </a:blipFill>
+            </p:spPr>
+            <p:txBody>
+              <a:bodyPr/>
+              <a:lstStyle/>
+              <a:p>
+                <a:r>
+                  <a:rPr lang="zh-CN" altLang="en-US">
+                    <a:noFill/>
+                  </a:rPr>
+                  <a:t> </a:t>
+                </a:r>
+              </a:p>
+            </p:txBody>
+          </p:sp>
+        </mc:Fallback>
+      </mc:AlternateContent>
+      <p:sp>
+        <p:nvSpPr>
+          <p:cNvPr id="4" name="日期占位符 3"/>
+          <p:cNvSpPr>
+            <a:spLocks noGrp="1"/>
+          </p:cNvSpPr>
+          <p:nvPr>
+            <p:ph type="dt" sz="half" idx="10"/>
+          </p:nvPr>
+        </p:nvSpPr>
+        <p:spPr/>
+        <p:txBody>
+          <a:bodyPr/>
+          <a:lstStyle/>
+          <a:p>
+            <a:pPr>
+              <a:defRPr/>
+            </a:pPr>
+            <a:fld id="{95A2A19B-170D-1043-AE33-7A36DFB7BCDC}" type="datetime2">
+              <a:rPr lang="zh-CN" altLang="en-US" smtClean="0"/>
+              <a:t>2018年7月5日</a:t>
+            </a:fld>
+            <a:endParaRPr lang="en-US" altLang="zh-CN"/>
+          </a:p>
+        </p:txBody>
+      </p:sp>
+      <p:sp>
+        <p:nvSpPr>
+          <p:cNvPr id="5" name="页脚占位符 4"/>
+          <p:cNvSpPr>
+            <a:spLocks noGrp="1"/>
+          </p:cNvSpPr>
+          <p:nvPr>
+            <p:ph type="ftr" sz="quarter" idx="11"/>
+          </p:nvPr>
+        </p:nvSpPr>
+        <p:spPr/>
+        <p:txBody>
+          <a:bodyPr/>
+          <a:lstStyle/>
+          <a:p>
+            <a:pPr>
+              <a:defRPr/>
+            </a:pPr>
+            <a:r>
+              <a:rPr lang="zh-CN" altLang="en-US" smtClean="0"/>
+              <a:t>机器学习入门</a:t>
+            </a:r>
+            <a:endParaRPr lang="en-US" altLang="zh-CN" dirty="0"/>
+          </a:p>
+        </p:txBody>
+      </p:sp>
+      <p:sp>
+        <p:nvSpPr>
+          <p:cNvPr id="6" name="幻灯片编号占位符 5"/>
+          <p:cNvSpPr>
+            <a:spLocks noGrp="1"/>
+          </p:cNvSpPr>
+          <p:nvPr>
+            <p:ph type="sldNum" sz="quarter" idx="12"/>
+          </p:nvPr>
+        </p:nvSpPr>
+        <p:spPr/>
+        <p:txBody>
+          <a:bodyPr/>
+          <a:lstStyle/>
+          <a:p>
+            <a:pPr>
+              <a:defRPr/>
+            </a:pPr>
+            <a:fld id="{64C9EB70-B654-4058-838F-8806615D92E5}" type="slidenum">
+              <a:rPr lang="en-US" altLang="zh-CN" smtClean="0"/>
+              <a:pPr>
+                <a:defRPr/>
+              </a:pPr>
+              <a:t>28</a:t>
+            </a:fld>
+            <a:endParaRPr lang="en-US" altLang="zh-CN"/>
+          </a:p>
+        </p:txBody>
+      </p:sp>
+      <mc:AlternateContent xmlns:mc="http://schemas.openxmlformats.org/markup-compatibility/2006">
+        <mc:Choice xmlns:a14="http://schemas.microsoft.com/office/drawing/2010/main" Requires="a14">
+          <p:sp>
+            <p:nvSpPr>
+              <p:cNvPr id="7" name="矩形 6">
+                <a:extLst>
+                  <a:ext uri="{FF2B5EF4-FFF2-40B4-BE49-F238E27FC236}">
+                    <a16:creationId xmlns="" xmlns:a16="http://schemas.microsoft.com/office/drawing/2014/main" id="{25CFE4FA-4ADB-4B82-B875-AA5178D80394}"/>
+                  </a:ext>
+                </a:extLst>
+              </p:cNvPr>
+              <p:cNvSpPr/>
+              <p:nvPr/>
+            </p:nvSpPr>
+            <p:spPr>
+              <a:xfrm>
+                <a:off x="1296516" y="3748227"/>
+                <a:ext cx="3617657" cy="957826"/>
+              </a:xfrm>
+              <a:prstGeom prst="rect">
+                <a:avLst/>
+              </a:prstGeom>
+            </p:spPr>
+            <p:txBody>
+              <a:bodyPr wrap="none">
+                <a:spAutoFit/>
+              </a:bodyPr>
+              <a:lstStyle/>
+              <a:p>
+                <a:pPr/>
+                <a14:m>
+                  <m:oMathPara xmlns:m="http://schemas.openxmlformats.org/officeDocument/2006/math">
+                    <m:oMathParaPr>
+                      <m:jc m:val="centerGroup"/>
+                    </m:oMathParaPr>
+                    <m:oMath xmlns:m="http://schemas.openxmlformats.org/officeDocument/2006/math">
+                      <m:r>
+                        <a:rPr lang="en-US" altLang="zh-CN" sz="2000" i="1" smtClean="0">
+                          <a:latin typeface="Cambria Math" panose="02040503050406030204" pitchFamily="18" charset="0"/>
+                        </a:rPr>
+                        <m:t>𝐿</m:t>
+                      </m:r>
+                      <m:d>
+                        <m:dPr>
+                          <m:ctrlPr>
+                            <a:rPr lang="en-US" altLang="zh-CN" sz="2000" i="1">
+                              <a:latin typeface="Cambria Math" charset="0"/>
+                            </a:rPr>
+                          </m:ctrlPr>
+                        </m:dPr>
+                        <m:e>
+                          <m:r>
+                            <a:rPr lang="en-US" altLang="zh-CN" sz="2000" b="1" i="1">
+                              <a:latin typeface="Cambria Math" panose="02040503050406030204" pitchFamily="18" charset="0"/>
+                            </a:rPr>
+                            <m:t>𝒘</m:t>
+                          </m:r>
+                          <m:r>
+                            <a:rPr lang="en-US" altLang="zh-CN" sz="2000" i="1">
+                              <a:latin typeface="Cambria Math" panose="02040503050406030204" pitchFamily="18" charset="0"/>
+                            </a:rPr>
+                            <m:t>,</m:t>
+                          </m:r>
+                          <m:r>
+                            <a:rPr lang="en-US" altLang="zh-CN" sz="2000" i="1">
+                              <a:latin typeface="Cambria Math" panose="02040503050406030204" pitchFamily="18" charset="0"/>
+                            </a:rPr>
+                            <m:t>𝑏</m:t>
+                          </m:r>
+                        </m:e>
+                      </m:d>
+                      <m:r>
+                        <a:rPr lang="en-US" altLang="zh-CN" sz="2000" i="1">
+                          <a:latin typeface="Cambria Math" panose="02040503050406030204" pitchFamily="18" charset="0"/>
+                        </a:rPr>
+                        <m:t>=</m:t>
+                      </m:r>
+                      <m:nary>
+                        <m:naryPr>
+                          <m:chr m:val="∑"/>
+                          <m:ctrlPr>
+                            <a:rPr lang="en-US" altLang="zh-CN" sz="2000" i="1">
+                              <a:latin typeface="Cambria Math" charset="0"/>
+                            </a:rPr>
+                          </m:ctrlPr>
+                        </m:naryPr>
+                        <m:sub>
+                          <m:r>
+                            <m:rPr>
+                              <m:brk m:alnAt="23"/>
+                            </m:rPr>
+                            <a:rPr lang="en-US" altLang="zh-CN" sz="2000" i="1">
+                              <a:latin typeface="Cambria Math" panose="02040503050406030204" pitchFamily="18" charset="0"/>
+                            </a:rPr>
+                            <m:t>𝑖</m:t>
+                          </m:r>
+                          <m:r>
+                            <a:rPr lang="en-US" altLang="zh-CN" sz="2000" i="1">
+                              <a:latin typeface="Cambria Math" panose="02040503050406030204" pitchFamily="18" charset="0"/>
+                            </a:rPr>
+                            <m:t>=1</m:t>
+                          </m:r>
+                        </m:sub>
+                        <m:sup>
+                          <m:r>
+                            <a:rPr lang="en-US" altLang="zh-CN" sz="2000" i="1">
+                              <a:latin typeface="Cambria Math" panose="02040503050406030204" pitchFamily="18" charset="0"/>
+                            </a:rPr>
+                            <m:t>𝑁</m:t>
+                          </m:r>
+                        </m:sup>
+                        <m:e>
+                          <m:sSup>
+                            <m:sSupPr>
+                              <m:ctrlPr>
+                                <a:rPr lang="en-US" altLang="zh-CN" sz="2000" i="1">
+                                  <a:latin typeface="Cambria Math" charset="0"/>
+                                </a:rPr>
+                              </m:ctrlPr>
+                            </m:sSupPr>
+                            <m:e>
+                              <m:d>
+                                <m:dPr>
+                                  <m:ctrlPr>
+                                    <a:rPr lang="en-US" altLang="zh-CN" sz="2000" i="1">
+                                      <a:latin typeface="Cambria Math" charset="0"/>
+                                    </a:rPr>
+                                  </m:ctrlPr>
+                                </m:dPr>
+                                <m:e>
+                                  <m:sSup>
+                                    <m:sSupPr>
+                                      <m:ctrlPr>
+                                        <a:rPr lang="en-US" altLang="zh-CN" sz="2000" i="1">
+                                          <a:latin typeface="Cambria Math" charset="0"/>
+                                        </a:rPr>
+                                      </m:ctrlPr>
+                                    </m:sSupPr>
+                                    <m:e>
+                                      <m:r>
+                                        <a:rPr lang="en-US" altLang="zh-CN" sz="2000" i="1">
+                                          <a:latin typeface="Cambria Math" panose="02040503050406030204" pitchFamily="18" charset="0"/>
+                                        </a:rPr>
+                                        <m:t>𝑦</m:t>
+                                      </m:r>
+                                    </m:e>
+                                    <m:sup>
+                                      <m:r>
+                                        <a:rPr lang="en-US" altLang="zh-CN" sz="2000" i="1">
+                                          <a:latin typeface="Cambria Math" panose="02040503050406030204" pitchFamily="18" charset="0"/>
+                                        </a:rPr>
+                                        <m:t>(</m:t>
+                                      </m:r>
+                                      <m:r>
+                                        <a:rPr lang="en-US" altLang="zh-CN" sz="2000" i="1">
+                                          <a:latin typeface="Cambria Math" panose="02040503050406030204" pitchFamily="18" charset="0"/>
+                                        </a:rPr>
+                                        <m:t>𝑖</m:t>
+                                      </m:r>
+                                      <m:r>
+                                        <a:rPr lang="en-US" altLang="zh-CN" sz="2000" i="1">
+                                          <a:latin typeface="Cambria Math" panose="02040503050406030204" pitchFamily="18" charset="0"/>
+                                        </a:rPr>
+                                        <m:t>)</m:t>
+                                      </m:r>
+                                    </m:sup>
+                                  </m:sSup>
+                                  <m:r>
+                                    <a:rPr lang="en-US" altLang="zh-CN" sz="2000" i="1">
+                                      <a:latin typeface="Cambria Math" panose="02040503050406030204" pitchFamily="18" charset="0"/>
+                                    </a:rPr>
+                                    <m:t>−</m:t>
+                                  </m:r>
+                                  <m:r>
+                                    <a:rPr lang="en-US" altLang="zh-CN" sz="2000" b="0" i="1" smtClean="0">
+                                      <a:latin typeface="Cambria Math" charset="0"/>
+                                    </a:rPr>
+                                    <m:t>h</m:t>
+                                  </m:r>
+                                  <m:d>
+                                    <m:dPr>
+                                      <m:ctrlPr>
+                                        <a:rPr lang="en-US" altLang="zh-CN" sz="2000" i="1">
+                                          <a:latin typeface="Cambria Math" charset="0"/>
+                                        </a:rPr>
+                                      </m:ctrlPr>
+                                    </m:dPr>
+                                    <m:e>
+                                      <m:sSup>
+                                        <m:sSupPr>
+                                          <m:ctrlPr>
+                                            <a:rPr lang="en-US" altLang="zh-CN" sz="2000" b="1" i="1">
+                                              <a:latin typeface="Cambria Math" charset="0"/>
+                                            </a:rPr>
+                                          </m:ctrlPr>
+                                        </m:sSupPr>
+                                        <m:e>
+                                          <m:r>
+                                            <a:rPr lang="en-US" altLang="zh-CN" sz="2000" b="1" i="1">
+                                              <a:latin typeface="Cambria Math" panose="02040503050406030204" pitchFamily="18" charset="0"/>
+                                            </a:rPr>
+                                            <m:t>𝒙</m:t>
+                                          </m:r>
+                                        </m:e>
+                                        <m:sup>
+                                          <m:r>
+                                            <a:rPr lang="en-US" altLang="zh-CN" sz="2000" b="1" i="1">
+                                              <a:latin typeface="Cambria Math" panose="02040503050406030204" pitchFamily="18" charset="0"/>
+                                            </a:rPr>
+                                            <m:t>(</m:t>
+                                          </m:r>
+                                          <m:r>
+                                            <a:rPr lang="en-US" altLang="zh-CN" sz="2000" b="1" i="1">
+                                              <a:latin typeface="Cambria Math" panose="02040503050406030204" pitchFamily="18" charset="0"/>
+                                            </a:rPr>
+                                            <m:t>𝒊</m:t>
+                                          </m:r>
+                                          <m:r>
+                                            <a:rPr lang="en-US" altLang="zh-CN" sz="2000" b="1" i="1">
+                                              <a:latin typeface="Cambria Math" panose="02040503050406030204" pitchFamily="18" charset="0"/>
+                                            </a:rPr>
+                                            <m:t>)</m:t>
+                                          </m:r>
+                                        </m:sup>
+                                      </m:sSup>
+                                    </m:e>
+                                  </m:d>
+                                </m:e>
+                              </m:d>
+                            </m:e>
+                            <m:sup>
+                              <m:r>
+                                <a:rPr lang="en-US" altLang="zh-CN" sz="2000" i="1">
+                                  <a:latin typeface="Cambria Math" panose="02040503050406030204" pitchFamily="18" charset="0"/>
+                                </a:rPr>
+                                <m:t>2</m:t>
+                              </m:r>
+                            </m:sup>
+                          </m:sSup>
+                        </m:e>
+                      </m:nary>
+                    </m:oMath>
+                  </m:oMathPara>
+                </a14:m>
+                <a:endParaRPr lang="zh-CN" altLang="en-US" dirty="0"/>
+              </a:p>
+            </p:txBody>
+          </p:sp>
+        </mc:Choice>
+        <mc:Fallback>
+          <p:sp>
+            <p:nvSpPr>
+              <p:cNvPr id="7" name="矩形 6">
+                <a:extLst>
+                  <a:ext uri="{FF2B5EF4-FFF2-40B4-BE49-F238E27FC236}">
+                    <a16:creationId xmlns="" xmlns:a16="http://schemas.microsoft.com/office/drawing/2014/main" xmlns:a14="http://schemas.microsoft.com/office/drawing/2010/main" id="{25CFE4FA-4ADB-4B82-B875-AA5178D80394}"/>
+                  </a:ext>
+                </a:extLst>
+              </p:cNvPr>
+              <p:cNvSpPr>
+                <a:spLocks noRot="1" noChangeAspect="1" noMove="1" noResize="1" noEditPoints="1" noAdjustHandles="1" noChangeArrowheads="1" noChangeShapeType="1" noTextEdit="1"/>
+              </p:cNvSpPr>
+              <p:nvPr/>
+            </p:nvSpPr>
+            <p:spPr>
+              <a:xfrm>
+                <a:off x="1296516" y="3748227"/>
+                <a:ext cx="3617657" cy="957826"/>
+              </a:xfrm>
+              <a:prstGeom prst="rect">
+                <a:avLst/>
+              </a:prstGeom>
+              <a:blipFill rotWithShape="0">
+                <a:blip r:embed="rId3"/>
+                <a:stretch>
+                  <a:fillRect/>
+                </a:stretch>
+              </a:blipFill>
+            </p:spPr>
+            <p:txBody>
+              <a:bodyPr/>
+              <a:lstStyle/>
+              <a:p>
+                <a:r>
+                  <a:rPr lang="zh-CN" altLang="en-US">
+                    <a:noFill/>
+                  </a:rPr>
+                  <a:t> </a:t>
+                </a:r>
+              </a:p>
+            </p:txBody>
+          </p:sp>
+        </mc:Fallback>
+      </mc:AlternateContent>
+    </p:spTree>
+    <p:extLst>
+      <p:ext uri="{BB962C8B-B14F-4D97-AF65-F5344CB8AC3E}">
+        <p14:creationId xmlns:p14="http://schemas.microsoft.com/office/powerpoint/2010/main" val="485605013"/>
+      </p:ext>
+    </p:extLst>
+  </p:cSld>
+  <p:clrMapOvr>
+    <a:masterClrMapping/>
+  </p:clrMapOvr>
+</p:sld>
+</file>
+
 <file path=ppt/slides/slide3.xml><?xml version="1.0" encoding="utf-8"?>
 <p:sld xmlns:a="http://schemas.openxmlformats.org/drawingml/2006/main" xmlns:r="http://schemas.openxmlformats.org/officeDocument/2006/relationships" xmlns:p="http://schemas.openxmlformats.org/presentationml/2006/main">
   <p:cSld>
@@ -19681,7 +20754,7 @@
           <p:cNvPr id="2" name="标题 1">
             <a:extLst>
               <a:ext uri="{FF2B5EF4-FFF2-40B4-BE49-F238E27FC236}">
-                <a16:creationId xmlns:a16="http://schemas.microsoft.com/office/drawing/2014/main" xmlns="" id="{B966BEC1-8E01-4033-9E8D-E80CDC45987C}"/>
+                <a16:creationId xmlns="" xmlns:a16="http://schemas.microsoft.com/office/drawing/2014/main" id="{B966BEC1-8E01-4033-9E8D-E80CDC45987C}"/>
               </a:ext>
             </a:extLst>
           </p:cNvPr>
@@ -19709,7 +20782,7 @@
           <p:cNvPr id="3" name="内容占位符 2">
             <a:extLst>
               <a:ext uri="{FF2B5EF4-FFF2-40B4-BE49-F238E27FC236}">
-                <a16:creationId xmlns:a16="http://schemas.microsoft.com/office/drawing/2014/main" xmlns="" id="{235A2F31-B29B-4AD3-8BEB-CC1A791AFB6A}"/>
+                <a16:creationId xmlns="" xmlns:a16="http://schemas.microsoft.com/office/drawing/2014/main" id="{235A2F31-B29B-4AD3-8BEB-CC1A791AFB6A}"/>
               </a:ext>
             </a:extLst>
           </p:cNvPr>
@@ -19734,7 +20807,7 @@
           <p:cNvPr id="4" name="日期占位符 3">
             <a:extLst>
               <a:ext uri="{FF2B5EF4-FFF2-40B4-BE49-F238E27FC236}">
-                <a16:creationId xmlns:a16="http://schemas.microsoft.com/office/drawing/2014/main" xmlns="" id="{B0221C10-1A7A-4DA3-B090-F84BC1BFFFE0}"/>
+                <a16:creationId xmlns="" xmlns:a16="http://schemas.microsoft.com/office/drawing/2014/main" id="{B0221C10-1A7A-4DA3-B090-F84BC1BFFFE0}"/>
               </a:ext>
             </a:extLst>
           </p:cNvPr>
@@ -19766,7 +20839,7 @@
           <p:cNvPr id="5" name="页脚占位符 4">
             <a:extLst>
               <a:ext uri="{FF2B5EF4-FFF2-40B4-BE49-F238E27FC236}">
-                <a16:creationId xmlns:a16="http://schemas.microsoft.com/office/drawing/2014/main" xmlns="" id="{2573D4B4-E892-44B3-A996-95CC5C962DDC}"/>
+                <a16:creationId xmlns="" xmlns:a16="http://schemas.microsoft.com/office/drawing/2014/main" id="{2573D4B4-E892-44B3-A996-95CC5C962DDC}"/>
               </a:ext>
             </a:extLst>
           </p:cNvPr>
@@ -19798,7 +20871,7 @@
           <p:cNvPr id="6" name="灯片编号占位符 5">
             <a:extLst>
               <a:ext uri="{FF2B5EF4-FFF2-40B4-BE49-F238E27FC236}">
-                <a16:creationId xmlns:a16="http://schemas.microsoft.com/office/drawing/2014/main" xmlns="" id="{CD7E5279-6EB8-4DAF-BEEF-B9DAAC2BC40B}"/>
+                <a16:creationId xmlns="" xmlns:a16="http://schemas.microsoft.com/office/drawing/2014/main" id="{CD7E5279-6EB8-4DAF-BEEF-B9DAAC2BC40B}"/>
               </a:ext>
             </a:extLst>
           </p:cNvPr>
@@ -19833,7 +20906,7 @@
           <p:cNvPr id="6146" name="Picture 2" descr="http://photocdn.sohu.com/20160119/mp55295281_1453182841488_2.jpeg">
             <a:extLst>
               <a:ext uri="{FF2B5EF4-FFF2-40B4-BE49-F238E27FC236}">
-                <a16:creationId xmlns:a16="http://schemas.microsoft.com/office/drawing/2014/main" xmlns="" id="{116E99F8-60AE-47AB-8FA5-7919F5F410F5}"/>
+                <a16:creationId xmlns="" xmlns:a16="http://schemas.microsoft.com/office/drawing/2014/main" id="{116E99F8-60AE-47AB-8FA5-7919F5F410F5}"/>
               </a:ext>
             </a:extLst>
           </p:cNvPr>
@@ -19910,7 +20983,7 @@
           <p:cNvPr id="2" name="标题 1">
             <a:extLst>
               <a:ext uri="{FF2B5EF4-FFF2-40B4-BE49-F238E27FC236}">
-                <a16:creationId xmlns:a16="http://schemas.microsoft.com/office/drawing/2014/main" xmlns="" id="{06C98B31-3ABF-4C01-9D2F-11C6CF2AC1A5}"/>
+                <a16:creationId xmlns="" xmlns:a16="http://schemas.microsoft.com/office/drawing/2014/main" id="{06C98B31-3ABF-4C01-9D2F-11C6CF2AC1A5}"/>
               </a:ext>
             </a:extLst>
           </p:cNvPr>
@@ -19938,7 +21011,7 @@
           <p:cNvPr id="3" name="内容占位符 2">
             <a:extLst>
               <a:ext uri="{FF2B5EF4-FFF2-40B4-BE49-F238E27FC236}">
-                <a16:creationId xmlns:a16="http://schemas.microsoft.com/office/drawing/2014/main" xmlns="" id="{550418E6-588F-4BA9-99DA-877BAED370B1}"/>
+                <a16:creationId xmlns="" xmlns:a16="http://schemas.microsoft.com/office/drawing/2014/main" id="{550418E6-588F-4BA9-99DA-877BAED370B1}"/>
               </a:ext>
             </a:extLst>
           </p:cNvPr>
@@ -19963,7 +21036,7 @@
           <p:cNvPr id="4" name="日期占位符 3">
             <a:extLst>
               <a:ext uri="{FF2B5EF4-FFF2-40B4-BE49-F238E27FC236}">
-                <a16:creationId xmlns:a16="http://schemas.microsoft.com/office/drawing/2014/main" xmlns="" id="{43207CFC-4B29-45C9-9440-27BC2C241187}"/>
+                <a16:creationId xmlns="" xmlns:a16="http://schemas.microsoft.com/office/drawing/2014/main" id="{43207CFC-4B29-45C9-9440-27BC2C241187}"/>
               </a:ext>
             </a:extLst>
           </p:cNvPr>
@@ -19995,7 +21068,7 @@
           <p:cNvPr id="5" name="页脚占位符 4">
             <a:extLst>
               <a:ext uri="{FF2B5EF4-FFF2-40B4-BE49-F238E27FC236}">
-                <a16:creationId xmlns:a16="http://schemas.microsoft.com/office/drawing/2014/main" xmlns="" id="{CBCA3925-FE23-4200-8DD7-A55F36F30006}"/>
+                <a16:creationId xmlns="" xmlns:a16="http://schemas.microsoft.com/office/drawing/2014/main" id="{CBCA3925-FE23-4200-8DD7-A55F36F30006}"/>
               </a:ext>
             </a:extLst>
           </p:cNvPr>
@@ -20027,7 +21100,7 @@
           <p:cNvPr id="6" name="灯片编号占位符 5">
             <a:extLst>
               <a:ext uri="{FF2B5EF4-FFF2-40B4-BE49-F238E27FC236}">
-                <a16:creationId xmlns:a16="http://schemas.microsoft.com/office/drawing/2014/main" xmlns="" id="{20FC628E-9AF1-48D1-AC54-3D530E61A274}"/>
+                <a16:creationId xmlns="" xmlns:a16="http://schemas.microsoft.com/office/drawing/2014/main" id="{20FC628E-9AF1-48D1-AC54-3D530E61A274}"/>
               </a:ext>
             </a:extLst>
           </p:cNvPr>
@@ -20062,7 +21135,7 @@
           <p:cNvPr id="5122" name="Picture 2" descr="https://www.commitstrip.com/wp-content/uploads/2017/06/Strip-IA-construite-de-IF-english650-final.jpg">
             <a:extLst>
               <a:ext uri="{FF2B5EF4-FFF2-40B4-BE49-F238E27FC236}">
-                <a16:creationId xmlns:a16="http://schemas.microsoft.com/office/drawing/2014/main" xmlns="" id="{4DF110C7-8D63-4D66-8762-40C5737417F4}"/>
+                <a16:creationId xmlns="" xmlns:a16="http://schemas.microsoft.com/office/drawing/2014/main" id="{4DF110C7-8D63-4D66-8762-40C5737417F4}"/>
               </a:ext>
             </a:extLst>
           </p:cNvPr>
@@ -20109,7 +21182,7 @@
           <p:cNvPr id="7" name="矩形 6">
             <a:extLst>
               <a:ext uri="{FF2B5EF4-FFF2-40B4-BE49-F238E27FC236}">
-                <a16:creationId xmlns:a16="http://schemas.microsoft.com/office/drawing/2014/main" xmlns="" id="{C59625E3-2CC6-4590-99B2-E66279F9DB23}"/>
+                <a16:creationId xmlns="" xmlns:a16="http://schemas.microsoft.com/office/drawing/2014/main" id="{C59625E3-2CC6-4590-99B2-E66279F9DB23}"/>
               </a:ext>
             </a:extLst>
           </p:cNvPr>
@@ -20173,7 +21246,7 @@
           <p:cNvPr id="2" name="标题 1">
             <a:extLst>
               <a:ext uri="{FF2B5EF4-FFF2-40B4-BE49-F238E27FC236}">
-                <a16:creationId xmlns:a16="http://schemas.microsoft.com/office/drawing/2014/main" xmlns="" id="{3D575E97-A77B-49E8-B5D9-964F93E82C4F}"/>
+                <a16:creationId xmlns="" xmlns:a16="http://schemas.microsoft.com/office/drawing/2014/main" id="{3D575E97-A77B-49E8-B5D9-964F93E82C4F}"/>
               </a:ext>
             </a:extLst>
           </p:cNvPr>
@@ -20201,7 +21274,7 @@
           <p:cNvPr id="3" name="内容占位符 2">
             <a:extLst>
               <a:ext uri="{FF2B5EF4-FFF2-40B4-BE49-F238E27FC236}">
-                <a16:creationId xmlns:a16="http://schemas.microsoft.com/office/drawing/2014/main" xmlns="" id="{AA0B7FE1-5355-4D9B-B1FB-527AD72AE249}"/>
+                <a16:creationId xmlns="" xmlns:a16="http://schemas.microsoft.com/office/drawing/2014/main" id="{AA0B7FE1-5355-4D9B-B1FB-527AD72AE249}"/>
               </a:ext>
             </a:extLst>
           </p:cNvPr>
@@ -20226,7 +21299,7 @@
           <p:cNvPr id="4" name="日期占位符 3">
             <a:extLst>
               <a:ext uri="{FF2B5EF4-FFF2-40B4-BE49-F238E27FC236}">
-                <a16:creationId xmlns:a16="http://schemas.microsoft.com/office/drawing/2014/main" xmlns="" id="{16A3D19A-5644-4860-B10A-2A8DEBCF0F50}"/>
+                <a16:creationId xmlns="" xmlns:a16="http://schemas.microsoft.com/office/drawing/2014/main" id="{16A3D19A-5644-4860-B10A-2A8DEBCF0F50}"/>
               </a:ext>
             </a:extLst>
           </p:cNvPr>
@@ -20258,7 +21331,7 @@
           <p:cNvPr id="5" name="页脚占位符 4">
             <a:extLst>
               <a:ext uri="{FF2B5EF4-FFF2-40B4-BE49-F238E27FC236}">
-                <a16:creationId xmlns:a16="http://schemas.microsoft.com/office/drawing/2014/main" xmlns="" id="{5285CB6F-8159-4202-83F7-3D1F01222890}"/>
+                <a16:creationId xmlns="" xmlns:a16="http://schemas.microsoft.com/office/drawing/2014/main" id="{5285CB6F-8159-4202-83F7-3D1F01222890}"/>
               </a:ext>
             </a:extLst>
           </p:cNvPr>
@@ -20290,7 +21363,7 @@
           <p:cNvPr id="6" name="灯片编号占位符 5">
             <a:extLst>
               <a:ext uri="{FF2B5EF4-FFF2-40B4-BE49-F238E27FC236}">
-                <a16:creationId xmlns:a16="http://schemas.microsoft.com/office/drawing/2014/main" xmlns="" id="{AA6BB02B-25CD-47DD-B20A-32CA7D6B58F7}"/>
+                <a16:creationId xmlns="" xmlns:a16="http://schemas.microsoft.com/office/drawing/2014/main" id="{AA6BB02B-25CD-47DD-B20A-32CA7D6B58F7}"/>
               </a:ext>
             </a:extLst>
           </p:cNvPr>
@@ -20325,7 +21398,7 @@
           <p:cNvPr id="1026" name="Picture 2" descr="What's the difference between Artificial Intelligence (AI), Machine Learning, and Deep Learning? ">
             <a:extLst>
               <a:ext uri="{FF2B5EF4-FFF2-40B4-BE49-F238E27FC236}">
-                <a16:creationId xmlns:a16="http://schemas.microsoft.com/office/drawing/2014/main" xmlns="" id="{49FA5ABC-542B-4875-A220-1DB242D2A693}"/>
+                <a16:creationId xmlns="" xmlns:a16="http://schemas.microsoft.com/office/drawing/2014/main" id="{49FA5ABC-542B-4875-A220-1DB242D2A693}"/>
               </a:ext>
             </a:extLst>
           </p:cNvPr>
@@ -20400,7 +21473,7 @@
           <p:cNvPr id="2" name="标题 1">
             <a:extLst>
               <a:ext uri="{FF2B5EF4-FFF2-40B4-BE49-F238E27FC236}">
-                <a16:creationId xmlns:a16="http://schemas.microsoft.com/office/drawing/2014/main" xmlns="" id="{00EF47F0-F9F0-4384-A28D-2F7EA6604747}"/>
+                <a16:creationId xmlns="" xmlns:a16="http://schemas.microsoft.com/office/drawing/2014/main" id="{00EF47F0-F9F0-4384-A28D-2F7EA6604747}"/>
               </a:ext>
             </a:extLst>
           </p:cNvPr>
@@ -20428,7 +21501,7 @@
           <p:cNvPr id="3" name="内容占位符 2">
             <a:extLst>
               <a:ext uri="{FF2B5EF4-FFF2-40B4-BE49-F238E27FC236}">
-                <a16:creationId xmlns:a16="http://schemas.microsoft.com/office/drawing/2014/main" xmlns="" id="{C0001DEF-B716-4266-9CFF-A80375B75278}"/>
+                <a16:creationId xmlns="" xmlns:a16="http://schemas.microsoft.com/office/drawing/2014/main" id="{C0001DEF-B716-4266-9CFF-A80375B75278}"/>
               </a:ext>
             </a:extLst>
           </p:cNvPr>
@@ -20528,7 +21601,7 @@
           <p:cNvPr id="4" name="日期占位符 3">
             <a:extLst>
               <a:ext uri="{FF2B5EF4-FFF2-40B4-BE49-F238E27FC236}">
-                <a16:creationId xmlns:a16="http://schemas.microsoft.com/office/drawing/2014/main" xmlns="" id="{9A9E74D4-2629-42B4-A639-65AD2231EB16}"/>
+                <a16:creationId xmlns="" xmlns:a16="http://schemas.microsoft.com/office/drawing/2014/main" id="{9A9E74D4-2629-42B4-A639-65AD2231EB16}"/>
               </a:ext>
             </a:extLst>
           </p:cNvPr>
@@ -20560,7 +21633,7 @@
           <p:cNvPr id="5" name="页脚占位符 4">
             <a:extLst>
               <a:ext uri="{FF2B5EF4-FFF2-40B4-BE49-F238E27FC236}">
-                <a16:creationId xmlns:a16="http://schemas.microsoft.com/office/drawing/2014/main" xmlns="" id="{CE4C5854-4521-4BA4-812A-84224CC33D3A}"/>
+                <a16:creationId xmlns="" xmlns:a16="http://schemas.microsoft.com/office/drawing/2014/main" id="{CE4C5854-4521-4BA4-812A-84224CC33D3A}"/>
               </a:ext>
             </a:extLst>
           </p:cNvPr>
@@ -20592,7 +21665,7 @@
           <p:cNvPr id="6" name="灯片编号占位符 5">
             <a:extLst>
               <a:ext uri="{FF2B5EF4-FFF2-40B4-BE49-F238E27FC236}">
-                <a16:creationId xmlns:a16="http://schemas.microsoft.com/office/drawing/2014/main" xmlns="" id="{BC9B5A36-C297-4A63-9508-0EB0F59E688B}"/>
+                <a16:creationId xmlns="" xmlns:a16="http://schemas.microsoft.com/office/drawing/2014/main" id="{BC9B5A36-C297-4A63-9508-0EB0F59E688B}"/>
               </a:ext>
             </a:extLst>
           </p:cNvPr>
@@ -20657,7 +21730,7 @@
           <p:cNvPr id="2" name="标题 1">
             <a:extLst>
               <a:ext uri="{FF2B5EF4-FFF2-40B4-BE49-F238E27FC236}">
-                <a16:creationId xmlns:a16="http://schemas.microsoft.com/office/drawing/2014/main" xmlns="" id="{850AF670-A5A4-4402-B878-0D72BD26B363}"/>
+                <a16:creationId xmlns="" xmlns:a16="http://schemas.microsoft.com/office/drawing/2014/main" id="{850AF670-A5A4-4402-B878-0D72BD26B363}"/>
               </a:ext>
             </a:extLst>
           </p:cNvPr>
@@ -20685,7 +21758,7 @@
           <p:cNvPr id="3" name="内容占位符 2">
             <a:extLst>
               <a:ext uri="{FF2B5EF4-FFF2-40B4-BE49-F238E27FC236}">
-                <a16:creationId xmlns:a16="http://schemas.microsoft.com/office/drawing/2014/main" xmlns="" id="{1E032E9B-2346-4C80-B8CF-C4F95BB05D3B}"/>
+                <a16:creationId xmlns="" xmlns:a16="http://schemas.microsoft.com/office/drawing/2014/main" id="{1E032E9B-2346-4C80-B8CF-C4F95BB05D3B}"/>
               </a:ext>
             </a:extLst>
           </p:cNvPr>
@@ -20822,7 +21895,7 @@
           <p:cNvPr id="4" name="日期占位符 3">
             <a:extLst>
               <a:ext uri="{FF2B5EF4-FFF2-40B4-BE49-F238E27FC236}">
-                <a16:creationId xmlns:a16="http://schemas.microsoft.com/office/drawing/2014/main" xmlns="" id="{F5F7F895-C717-496A-B177-F8F0AA7A8B32}"/>
+                <a16:creationId xmlns="" xmlns:a16="http://schemas.microsoft.com/office/drawing/2014/main" id="{F5F7F895-C717-496A-B177-F8F0AA7A8B32}"/>
               </a:ext>
             </a:extLst>
           </p:cNvPr>
@@ -20854,7 +21927,7 @@
           <p:cNvPr id="5" name="页脚占位符 4">
             <a:extLst>
               <a:ext uri="{FF2B5EF4-FFF2-40B4-BE49-F238E27FC236}">
-                <a16:creationId xmlns:a16="http://schemas.microsoft.com/office/drawing/2014/main" xmlns="" id="{07A4A687-EC6D-400B-9A11-BD0B04609A25}"/>
+                <a16:creationId xmlns="" xmlns:a16="http://schemas.microsoft.com/office/drawing/2014/main" id="{07A4A687-EC6D-400B-9A11-BD0B04609A25}"/>
               </a:ext>
             </a:extLst>
           </p:cNvPr>
@@ -20886,7 +21959,7 @@
           <p:cNvPr id="6" name="灯片编号占位符 5">
             <a:extLst>
               <a:ext uri="{FF2B5EF4-FFF2-40B4-BE49-F238E27FC236}">
-                <a16:creationId xmlns:a16="http://schemas.microsoft.com/office/drawing/2014/main" xmlns="" id="{2904A806-D958-4E7E-9F65-B19FF0152F22}"/>
+                <a16:creationId xmlns="" xmlns:a16="http://schemas.microsoft.com/office/drawing/2014/main" id="{2904A806-D958-4E7E-9F65-B19FF0152F22}"/>
               </a:ext>
             </a:extLst>
           </p:cNvPr>
@@ -20921,7 +21994,7 @@
           <p:cNvPr id="7" name="表格 6">
             <a:extLst>
               <a:ext uri="{FF2B5EF4-FFF2-40B4-BE49-F238E27FC236}">
-                <a16:creationId xmlns:a16="http://schemas.microsoft.com/office/drawing/2014/main" xmlns="" id="{AD12D45B-71E3-473A-9FD4-BDB875D07CA4}"/>
+                <a16:creationId xmlns="" xmlns:a16="http://schemas.microsoft.com/office/drawing/2014/main" id="{AD12D45B-71E3-473A-9FD4-BDB875D07CA4}"/>
               </a:ext>
             </a:extLst>
           </p:cNvPr>
@@ -20950,35 +22023,35 @@
                 <a:gridCol w="1219200">
                   <a:extLst>
                     <a:ext uri="{9D8B030D-6E8A-4147-A177-3AD203B41FA5}">
-                      <a16:colId xmlns:a16="http://schemas.microsoft.com/office/drawing/2014/main" xmlns="" val="20000"/>
+                      <a16:colId xmlns="" xmlns:a16="http://schemas.microsoft.com/office/drawing/2014/main" val="20000"/>
                     </a:ext>
                   </a:extLst>
                 </a:gridCol>
                 <a:gridCol w="1219200">
                   <a:extLst>
                     <a:ext uri="{9D8B030D-6E8A-4147-A177-3AD203B41FA5}">
-                      <a16:colId xmlns:a16="http://schemas.microsoft.com/office/drawing/2014/main" xmlns="" val="20001"/>
+                      <a16:colId xmlns="" xmlns:a16="http://schemas.microsoft.com/office/drawing/2014/main" val="20001"/>
                     </a:ext>
                   </a:extLst>
                 </a:gridCol>
                 <a:gridCol w="1219200">
                   <a:extLst>
                     <a:ext uri="{9D8B030D-6E8A-4147-A177-3AD203B41FA5}">
-                      <a16:colId xmlns:a16="http://schemas.microsoft.com/office/drawing/2014/main" xmlns="" val="20002"/>
+                      <a16:colId xmlns="" xmlns:a16="http://schemas.microsoft.com/office/drawing/2014/main" val="20002"/>
                     </a:ext>
                   </a:extLst>
                 </a:gridCol>
                 <a:gridCol w="1219200">
                   <a:extLst>
                     <a:ext uri="{9D8B030D-6E8A-4147-A177-3AD203B41FA5}">
-                      <a16:colId xmlns:a16="http://schemas.microsoft.com/office/drawing/2014/main" xmlns="" val="20003"/>
+                      <a16:colId xmlns="" xmlns:a16="http://schemas.microsoft.com/office/drawing/2014/main" val="20003"/>
                     </a:ext>
                   </a:extLst>
                 </a:gridCol>
                 <a:gridCol w="1219200">
                   <a:extLst>
                     <a:ext uri="{9D8B030D-6E8A-4147-A177-3AD203B41FA5}">
-                      <a16:colId xmlns:a16="http://schemas.microsoft.com/office/drawing/2014/main" xmlns="" val="20004"/>
+                      <a16:colId xmlns="" xmlns:a16="http://schemas.microsoft.com/office/drawing/2014/main" val="20004"/>
                     </a:ext>
                   </a:extLst>
                 </a:gridCol>
@@ -21052,7 +22125,7 @@
                 </a:tc>
                 <a:extLst>
                   <a:ext uri="{0D108BD9-81ED-4DB2-BD59-A6C34878D82A}">
-                    <a16:rowId xmlns:a16="http://schemas.microsoft.com/office/drawing/2014/main" xmlns="" val="10000"/>
+                    <a16:rowId xmlns="" xmlns:a16="http://schemas.microsoft.com/office/drawing/2014/main" val="10000"/>
                   </a:ext>
                 </a:extLst>
               </a:tr>
@@ -21127,7 +22200,7 @@
                 </a:tc>
                 <a:extLst>
                   <a:ext uri="{0D108BD9-81ED-4DB2-BD59-A6C34878D82A}">
-                    <a16:rowId xmlns:a16="http://schemas.microsoft.com/office/drawing/2014/main" xmlns="" val="10001"/>
+                    <a16:rowId xmlns="" xmlns:a16="http://schemas.microsoft.com/office/drawing/2014/main" val="10001"/>
                   </a:ext>
                 </a:extLst>
               </a:tr>
@@ -21202,7 +22275,7 @@
                 </a:tc>
                 <a:extLst>
                   <a:ext uri="{0D108BD9-81ED-4DB2-BD59-A6C34878D82A}">
-                    <a16:rowId xmlns:a16="http://schemas.microsoft.com/office/drawing/2014/main" xmlns="" val="10002"/>
+                    <a16:rowId xmlns="" xmlns:a16="http://schemas.microsoft.com/office/drawing/2014/main" val="10002"/>
                   </a:ext>
                 </a:extLst>
               </a:tr>
@@ -21279,7 +22352,7 @@
                 </a:tc>
                 <a:extLst>
                   <a:ext uri="{0D108BD9-81ED-4DB2-BD59-A6C34878D82A}">
-                    <a16:rowId xmlns:a16="http://schemas.microsoft.com/office/drawing/2014/main" xmlns="" val="10003"/>
+                    <a16:rowId xmlns="" xmlns:a16="http://schemas.microsoft.com/office/drawing/2014/main" val="10003"/>
                   </a:ext>
                 </a:extLst>
               </a:tr>
@@ -21408,7 +22481,7 @@
           <p:cNvPr id="2" name="标题 1">
             <a:extLst>
               <a:ext uri="{FF2B5EF4-FFF2-40B4-BE49-F238E27FC236}">
-                <a16:creationId xmlns:a16="http://schemas.microsoft.com/office/drawing/2014/main" xmlns="" id="{73538CFB-0345-441B-AD1A-0A4152508F27}"/>
+                <a16:creationId xmlns="" xmlns:a16="http://schemas.microsoft.com/office/drawing/2014/main" id="{73538CFB-0345-441B-AD1A-0A4152508F27}"/>
               </a:ext>
             </a:extLst>
           </p:cNvPr>
@@ -21436,7 +22509,7 @@
           <p:cNvPr id="4" name="日期占位符 3">
             <a:extLst>
               <a:ext uri="{FF2B5EF4-FFF2-40B4-BE49-F238E27FC236}">
-                <a16:creationId xmlns:a16="http://schemas.microsoft.com/office/drawing/2014/main" xmlns="" id="{751CA06F-A0A4-4646-941C-486BB210E464}"/>
+                <a16:creationId xmlns="" xmlns:a16="http://schemas.microsoft.com/office/drawing/2014/main" id="{751CA06F-A0A4-4646-941C-486BB210E464}"/>
               </a:ext>
             </a:extLst>
           </p:cNvPr>
@@ -21468,7 +22541,7 @@
           <p:cNvPr id="5" name="页脚占位符 4">
             <a:extLst>
               <a:ext uri="{FF2B5EF4-FFF2-40B4-BE49-F238E27FC236}">
-                <a16:creationId xmlns:a16="http://schemas.microsoft.com/office/drawing/2014/main" xmlns="" id="{EC5AE77E-B6CF-4BD1-87D3-6C1230551547}"/>
+                <a16:creationId xmlns="" xmlns:a16="http://schemas.microsoft.com/office/drawing/2014/main" id="{EC5AE77E-B6CF-4BD1-87D3-6C1230551547}"/>
               </a:ext>
             </a:extLst>
           </p:cNvPr>
@@ -21500,7 +22573,7 @@
           <p:cNvPr id="6" name="灯片编号占位符 5">
             <a:extLst>
               <a:ext uri="{FF2B5EF4-FFF2-40B4-BE49-F238E27FC236}">
-                <a16:creationId xmlns:a16="http://schemas.microsoft.com/office/drawing/2014/main" xmlns="" id="{3958DCE8-899D-4052-91B3-B72D1274AF4C}"/>
+                <a16:creationId xmlns="" xmlns:a16="http://schemas.microsoft.com/office/drawing/2014/main" id="{3958DCE8-899D-4052-91B3-B72D1274AF4C}"/>
               </a:ext>
             </a:extLst>
           </p:cNvPr>
@@ -21535,7 +22608,7 @@
           <p:cNvPr id="21" name="矩形 20">
             <a:extLst>
               <a:ext uri="{FF2B5EF4-FFF2-40B4-BE49-F238E27FC236}">
-                <a16:creationId xmlns:a16="http://schemas.microsoft.com/office/drawing/2014/main" xmlns="" id="{CEED0D80-61B1-4050-811E-8C2BBF74C98C}"/>
+                <a16:creationId xmlns="" xmlns:a16="http://schemas.microsoft.com/office/drawing/2014/main" id="{CEED0D80-61B1-4050-811E-8C2BBF74C98C}"/>
               </a:ext>
             </a:extLst>
           </p:cNvPr>
@@ -21576,7 +22649,7 @@
           <p:cNvPr id="22" name="圖片 22">
             <a:extLst>
               <a:ext uri="{FF2B5EF4-FFF2-40B4-BE49-F238E27FC236}">
-                <a16:creationId xmlns:a16="http://schemas.microsoft.com/office/drawing/2014/main" xmlns="" id="{3195B14A-0E3B-43EE-AB34-14218035CC0E}"/>
+                <a16:creationId xmlns="" xmlns:a16="http://schemas.microsoft.com/office/drawing/2014/main" id="{3195B14A-0E3B-43EE-AB34-14218035CC0E}"/>
               </a:ext>
             </a:extLst>
           </p:cNvPr>
@@ -21606,7 +22679,7 @@
           <p:cNvPr id="23" name="圖片 23">
             <a:extLst>
               <a:ext uri="{FF2B5EF4-FFF2-40B4-BE49-F238E27FC236}">
-                <a16:creationId xmlns:a16="http://schemas.microsoft.com/office/drawing/2014/main" xmlns="" id="{2A883490-DCBE-4E53-9929-31FEA0EEFA15}"/>
+                <a16:creationId xmlns="" xmlns:a16="http://schemas.microsoft.com/office/drawing/2014/main" id="{2A883490-DCBE-4E53-9929-31FEA0EEFA15}"/>
               </a:ext>
             </a:extLst>
           </p:cNvPr>
@@ -21636,7 +22709,7 @@
           <p:cNvPr id="24" name="文字方塊 24">
             <a:extLst>
               <a:ext uri="{FF2B5EF4-FFF2-40B4-BE49-F238E27FC236}">
-                <a16:creationId xmlns:a16="http://schemas.microsoft.com/office/drawing/2014/main" xmlns="" id="{C0263DDF-1D6D-4FA1-8F3D-8A2BC3A63611}"/>
+                <a16:creationId xmlns="" xmlns:a16="http://schemas.microsoft.com/office/drawing/2014/main" id="{C0263DDF-1D6D-4FA1-8F3D-8A2BC3A63611}"/>
               </a:ext>
             </a:extLst>
           </p:cNvPr>
@@ -21673,7 +22746,7 @@
           <p:cNvPr id="25" name="文字方塊 25">
             <a:extLst>
               <a:ext uri="{FF2B5EF4-FFF2-40B4-BE49-F238E27FC236}">
-                <a16:creationId xmlns:a16="http://schemas.microsoft.com/office/drawing/2014/main" xmlns="" id="{7A8B5F87-28B9-4BCD-92F3-F5B2BEB6FBE7}"/>
+                <a16:creationId xmlns="" xmlns:a16="http://schemas.microsoft.com/office/drawing/2014/main" id="{7A8B5F87-28B9-4BCD-92F3-F5B2BEB6FBE7}"/>
               </a:ext>
             </a:extLst>
           </p:cNvPr>
@@ -21710,7 +22783,7 @@
           <p:cNvPr id="26" name="圖片 26">
             <a:extLst>
               <a:ext uri="{FF2B5EF4-FFF2-40B4-BE49-F238E27FC236}">
-                <a16:creationId xmlns:a16="http://schemas.microsoft.com/office/drawing/2014/main" xmlns="" id="{DC98FF27-FDDE-4A3A-A4C7-DC5ABF2A3C1E}"/>
+                <a16:creationId xmlns="" xmlns:a16="http://schemas.microsoft.com/office/drawing/2014/main" id="{DC98FF27-FDDE-4A3A-A4C7-DC5ABF2A3C1E}"/>
               </a:ext>
             </a:extLst>
           </p:cNvPr>
@@ -21740,7 +22813,7 @@
           <p:cNvPr id="27" name="圖片 3">
             <a:extLst>
               <a:ext uri="{FF2B5EF4-FFF2-40B4-BE49-F238E27FC236}">
-                <a16:creationId xmlns:a16="http://schemas.microsoft.com/office/drawing/2014/main" xmlns="" id="{09096899-FF6D-429A-92C8-9E7E8F3BEE87}"/>
+                <a16:creationId xmlns="" xmlns:a16="http://schemas.microsoft.com/office/drawing/2014/main" id="{09096899-FF6D-429A-92C8-9E7E8F3BEE87}"/>
               </a:ext>
             </a:extLst>
           </p:cNvPr>
@@ -21770,7 +22843,7 @@
           <p:cNvPr id="28" name="文字方塊 15">
             <a:extLst>
               <a:ext uri="{FF2B5EF4-FFF2-40B4-BE49-F238E27FC236}">
-                <a16:creationId xmlns:a16="http://schemas.microsoft.com/office/drawing/2014/main" xmlns="" id="{D6B06996-B3AF-40BA-BC93-895C80DEA802}"/>
+                <a16:creationId xmlns="" xmlns:a16="http://schemas.microsoft.com/office/drawing/2014/main" id="{D6B06996-B3AF-40BA-BC93-895C80DEA802}"/>
               </a:ext>
             </a:extLst>
           </p:cNvPr>
@@ -21806,7 +22879,7 @@
           <p:cNvPr id="29" name="文字方塊 16">
             <a:extLst>
               <a:ext uri="{FF2B5EF4-FFF2-40B4-BE49-F238E27FC236}">
-                <a16:creationId xmlns:a16="http://schemas.microsoft.com/office/drawing/2014/main" xmlns="" id="{5B9ED6F4-0637-41F0-B528-3B15CCE91C64}"/>
+                <a16:creationId xmlns="" xmlns:a16="http://schemas.microsoft.com/office/drawing/2014/main" id="{5B9ED6F4-0637-41F0-B528-3B15CCE91C64}"/>
               </a:ext>
             </a:extLst>
           </p:cNvPr>
@@ -21852,7 +22925,7 @@
           <p:cNvPr id="30" name="直線單箭頭接點 18">
             <a:extLst>
               <a:ext uri="{FF2B5EF4-FFF2-40B4-BE49-F238E27FC236}">
-                <a16:creationId xmlns:a16="http://schemas.microsoft.com/office/drawing/2014/main" xmlns="" id="{ED0F6F3D-4FF8-4672-8160-FE272B188CFB}"/>
+                <a16:creationId xmlns="" xmlns:a16="http://schemas.microsoft.com/office/drawing/2014/main" id="{ED0F6F3D-4FF8-4672-8160-FE272B188CFB}"/>
               </a:ext>
             </a:extLst>
           </p:cNvPr>
@@ -21894,7 +22967,7 @@
           <p:cNvPr id="31" name="弧形箭號 (下彎) 19">
             <a:extLst>
               <a:ext uri="{FF2B5EF4-FFF2-40B4-BE49-F238E27FC236}">
-                <a16:creationId xmlns:a16="http://schemas.microsoft.com/office/drawing/2014/main" xmlns="" id="{03211EF6-E77F-414F-8999-D781D4FE443A}"/>
+                <a16:creationId xmlns="" xmlns:a16="http://schemas.microsoft.com/office/drawing/2014/main" id="{03211EF6-E77F-414F-8999-D781D4FE443A}"/>
               </a:ext>
             </a:extLst>
           </p:cNvPr>
@@ -21944,7 +23017,7 @@
           <p:cNvPr id="32" name="弧形箭號 (下彎) 20">
             <a:extLst>
               <a:ext uri="{FF2B5EF4-FFF2-40B4-BE49-F238E27FC236}">
-                <a16:creationId xmlns:a16="http://schemas.microsoft.com/office/drawing/2014/main" xmlns="" id="{27529EEB-049E-4AEE-A4B4-EFBED607850D}"/>
+                <a16:creationId xmlns="" xmlns:a16="http://schemas.microsoft.com/office/drawing/2014/main" id="{27529EEB-049E-4AEE-A4B4-EFBED607850D}"/>
               </a:ext>
             </a:extLst>
           </p:cNvPr>
@@ -21998,7 +23071,7 @@
           <p:cNvPr id="33" name="文字方塊 17">
             <a:extLst>
               <a:ext uri="{FF2B5EF4-FFF2-40B4-BE49-F238E27FC236}">
-                <a16:creationId xmlns:a16="http://schemas.microsoft.com/office/drawing/2014/main" xmlns="" id="{0903127E-3CE9-4CCF-8ED3-A932FB7C3B6F}"/>
+                <a16:creationId xmlns="" xmlns:a16="http://schemas.microsoft.com/office/drawing/2014/main" id="{0903127E-3CE9-4CCF-8ED3-A932FB7C3B6F}"/>
               </a:ext>
             </a:extLst>
           </p:cNvPr>
@@ -22045,7 +23118,7 @@
           <p:cNvPr id="34" name="Picture 12" descr="https://encrypted-tbn1.gstatic.com/images?q=tbn:ANd9GcRcwlRKAlSIaCI4W5PRYVbuBQQXifF-56bFqAjh9DMe-_3Lh8_YKw">
             <a:extLst>
               <a:ext uri="{FF2B5EF4-FFF2-40B4-BE49-F238E27FC236}">
-                <a16:creationId xmlns:a16="http://schemas.microsoft.com/office/drawing/2014/main" xmlns="" id="{5433C88E-CA93-4C19-B5C4-B268A4F15FA2}"/>
+                <a16:creationId xmlns="" xmlns:a16="http://schemas.microsoft.com/office/drawing/2014/main" id="{5433C88E-CA93-4C19-B5C4-B268A4F15FA2}"/>
               </a:ext>
             </a:extLst>
           </p:cNvPr>
@@ -22092,7 +23165,7 @@
           <p:cNvPr id="35" name="文字方塊 14">
             <a:extLst>
               <a:ext uri="{FF2B5EF4-FFF2-40B4-BE49-F238E27FC236}">
-                <a16:creationId xmlns:a16="http://schemas.microsoft.com/office/drawing/2014/main" xmlns="" id="{6B9AE08C-3526-4F30-A792-29BD20283793}"/>
+                <a16:creationId xmlns="" xmlns:a16="http://schemas.microsoft.com/office/drawing/2014/main" id="{6B9AE08C-3526-4F30-A792-29BD20283793}"/>
               </a:ext>
             </a:extLst>
           </p:cNvPr>
@@ -22665,7 +23738,7 @@
           <p:cNvPr id="2" name="标题 1">
             <a:extLst>
               <a:ext uri="{FF2B5EF4-FFF2-40B4-BE49-F238E27FC236}">
-                <a16:creationId xmlns:a16="http://schemas.microsoft.com/office/drawing/2014/main" xmlns="" id="{D6F643E1-7647-4208-BA5E-8F558C755A32}"/>
+                <a16:creationId xmlns="" xmlns:a16="http://schemas.microsoft.com/office/drawing/2014/main" id="{D6F643E1-7647-4208-BA5E-8F558C755A32}"/>
               </a:ext>
             </a:extLst>
           </p:cNvPr>
@@ -22693,7 +23766,7 @@
           <p:cNvPr id="3" name="内容占位符 2">
             <a:extLst>
               <a:ext uri="{FF2B5EF4-FFF2-40B4-BE49-F238E27FC236}">
-                <a16:creationId xmlns:a16="http://schemas.microsoft.com/office/drawing/2014/main" xmlns="" id="{DDFA032E-57EF-444C-9DE4-98A6B647C5FC}"/>
+                <a16:creationId xmlns="" xmlns:a16="http://schemas.microsoft.com/office/drawing/2014/main" id="{DDFA032E-57EF-444C-9DE4-98A6B647C5FC}"/>
               </a:ext>
             </a:extLst>
           </p:cNvPr>
@@ -22788,7 +23861,7 @@
           <p:cNvPr id="4" name="日期占位符 3">
             <a:extLst>
               <a:ext uri="{FF2B5EF4-FFF2-40B4-BE49-F238E27FC236}">
-                <a16:creationId xmlns:a16="http://schemas.microsoft.com/office/drawing/2014/main" xmlns="" id="{B3A58633-8D37-4388-B282-4E83E2832399}"/>
+                <a16:creationId xmlns="" xmlns:a16="http://schemas.microsoft.com/office/drawing/2014/main" id="{B3A58633-8D37-4388-B282-4E83E2832399}"/>
               </a:ext>
             </a:extLst>
           </p:cNvPr>
@@ -22820,7 +23893,7 @@
           <p:cNvPr id="5" name="页脚占位符 4">
             <a:extLst>
               <a:ext uri="{FF2B5EF4-FFF2-40B4-BE49-F238E27FC236}">
-                <a16:creationId xmlns:a16="http://schemas.microsoft.com/office/drawing/2014/main" xmlns="" id="{22DC7178-14EB-4109-B0FC-CE518823E624}"/>
+                <a16:creationId xmlns="" xmlns:a16="http://schemas.microsoft.com/office/drawing/2014/main" id="{22DC7178-14EB-4109-B0FC-CE518823E624}"/>
               </a:ext>
             </a:extLst>
           </p:cNvPr>
@@ -22852,7 +23925,7 @@
           <p:cNvPr id="6" name="灯片编号占位符 5">
             <a:extLst>
               <a:ext uri="{FF2B5EF4-FFF2-40B4-BE49-F238E27FC236}">
-                <a16:creationId xmlns:a16="http://schemas.microsoft.com/office/drawing/2014/main" xmlns="" id="{443CE0CF-4AED-47E2-8168-A4391E230779}"/>
+                <a16:creationId xmlns="" xmlns:a16="http://schemas.microsoft.com/office/drawing/2014/main" id="{443CE0CF-4AED-47E2-8168-A4391E230779}"/>
               </a:ext>
             </a:extLst>
           </p:cNvPr>
@@ -22887,7 +23960,7 @@
           <p:cNvPr id="7" name="Object 12">
             <a:extLst>
               <a:ext uri="{FF2B5EF4-FFF2-40B4-BE49-F238E27FC236}">
-                <a16:creationId xmlns:a16="http://schemas.microsoft.com/office/drawing/2014/main" xmlns="" id="{6CBF1C74-A606-403D-B03C-CDE8AEF3792D}"/>
+                <a16:creationId xmlns="" xmlns:a16="http://schemas.microsoft.com/office/drawing/2014/main" id="{6CBF1C74-A606-403D-B03C-CDE8AEF3792D}"/>
               </a:ext>
             </a:extLst>
           </p:cNvPr>
@@ -22906,7 +23979,7 @@
           <a:graphicData uri="http://schemas.openxmlformats.org/presentationml/2006/ole">
             <mc:AlternateContent xmlns:mc="http://schemas.openxmlformats.org/markup-compatibility/2006">
               <mc:Choice xmlns:v="urn:schemas-microsoft-com:vml" Requires="v">
-                <p:oleObj spid="_x0000_s2189" name="方程式" r:id="rId3" imgW="1790640" imgH="215640" progId="Equation.3">
+                <p:oleObj spid="_x0000_s2202" name="方程式" r:id="rId3" imgW="1790640" imgH="215640" progId="Equation.3">
                   <p:embed/>
                 </p:oleObj>
               </mc:Choice>
@@ -22959,7 +24032,7 @@
           <p:cNvPr id="8" name="文字方塊 8">
             <a:extLst>
               <a:ext uri="{FF2B5EF4-FFF2-40B4-BE49-F238E27FC236}">
-                <a16:creationId xmlns:a16="http://schemas.microsoft.com/office/drawing/2014/main" xmlns="" id="{86F09955-8ADC-4760-A3EE-D5CC28A0526E}"/>
+                <a16:creationId xmlns="" xmlns:a16="http://schemas.microsoft.com/office/drawing/2014/main" id="{86F09955-8ADC-4760-A3EE-D5CC28A0526E}"/>
               </a:ext>
             </a:extLst>
           </p:cNvPr>
@@ -22995,7 +24068,7 @@
           <p:cNvPr id="9" name="圖片 11">
             <a:extLst>
               <a:ext uri="{FF2B5EF4-FFF2-40B4-BE49-F238E27FC236}">
-                <a16:creationId xmlns:a16="http://schemas.microsoft.com/office/drawing/2014/main" xmlns="" id="{C6AB4598-5943-4A21-AA07-865D97A847CC}"/>
+                <a16:creationId xmlns="" xmlns:a16="http://schemas.microsoft.com/office/drawing/2014/main" id="{C6AB4598-5943-4A21-AA07-865D97A847CC}"/>
               </a:ext>
             </a:extLst>
           </p:cNvPr>
@@ -23031,7 +24104,7 @@
           <p:cNvPr id="10" name="Object 12">
             <a:extLst>
               <a:ext uri="{FF2B5EF4-FFF2-40B4-BE49-F238E27FC236}">
-                <a16:creationId xmlns:a16="http://schemas.microsoft.com/office/drawing/2014/main" xmlns="" id="{905F5424-ADB9-4D8E-8423-2B5950B537AA}"/>
+                <a16:creationId xmlns="" xmlns:a16="http://schemas.microsoft.com/office/drawing/2014/main" id="{905F5424-ADB9-4D8E-8423-2B5950B537AA}"/>
               </a:ext>
             </a:extLst>
           </p:cNvPr>
@@ -23054,7 +24127,7 @@
           <a:graphicData uri="http://schemas.openxmlformats.org/presentationml/2006/ole">
             <mc:AlternateContent xmlns:mc="http://schemas.openxmlformats.org/markup-compatibility/2006">
               <mc:Choice xmlns:v="urn:schemas-microsoft-com:vml" Requires="v">
-                <p:oleObj spid="_x0000_s2190" name="方程式" r:id="rId6" imgW="1790640" imgH="215640" progId="Equation.3">
+                <p:oleObj spid="_x0000_s2203" name="方程式" r:id="rId6" imgW="1790640" imgH="215640" progId="Equation.3">
                   <p:embed/>
                 </p:oleObj>
               </mc:Choice>
@@ -23107,7 +24180,7 @@
           <p:cNvPr id="11" name="文字方塊 7">
             <a:extLst>
               <a:ext uri="{FF2B5EF4-FFF2-40B4-BE49-F238E27FC236}">
-                <a16:creationId xmlns:a16="http://schemas.microsoft.com/office/drawing/2014/main" xmlns="" id="{389CB547-3633-486B-BFE0-673AECDBA2AA}"/>
+                <a16:creationId xmlns="" xmlns:a16="http://schemas.microsoft.com/office/drawing/2014/main" id="{389CB547-3633-486B-BFE0-673AECDBA2AA}"/>
               </a:ext>
             </a:extLst>
           </p:cNvPr>
@@ -23143,7 +24216,7 @@
           <p:cNvPr id="12" name="Picture 12" descr="https://encrypted-tbn1.gstatic.com/images?q=tbn:ANd9GcRcwlRKAlSIaCI4W5PRYVbuBQQXifF-56bFqAjh9DMe-_3Lh8_YKw">
             <a:extLst>
               <a:ext uri="{FF2B5EF4-FFF2-40B4-BE49-F238E27FC236}">
-                <a16:creationId xmlns:a16="http://schemas.microsoft.com/office/drawing/2014/main" xmlns="" id="{01A4C000-ACF8-43CF-91CB-081E28A7E99D}"/>
+                <a16:creationId xmlns="" xmlns:a16="http://schemas.microsoft.com/office/drawing/2014/main" id="{01A4C000-ACF8-43CF-91CB-081E28A7E99D}"/>
               </a:ext>
             </a:extLst>
           </p:cNvPr>
@@ -23190,7 +24263,7 @@
           <p:cNvPr id="13" name="Object 12">
             <a:extLst>
               <a:ext uri="{FF2B5EF4-FFF2-40B4-BE49-F238E27FC236}">
-                <a16:creationId xmlns:a16="http://schemas.microsoft.com/office/drawing/2014/main" xmlns="" id="{B8E14440-161E-470A-BB36-DE87ED092B58}"/>
+                <a16:creationId xmlns="" xmlns:a16="http://schemas.microsoft.com/office/drawing/2014/main" id="{B8E14440-161E-470A-BB36-DE87ED092B58}"/>
               </a:ext>
             </a:extLst>
           </p:cNvPr>
@@ -23213,7 +24286,7 @@
           <a:graphicData uri="http://schemas.openxmlformats.org/presentationml/2006/ole">
             <mc:AlternateContent xmlns:mc="http://schemas.openxmlformats.org/markup-compatibility/2006">
               <mc:Choice xmlns:v="urn:schemas-microsoft-com:vml" Requires="v">
-                <p:oleObj spid="_x0000_s2191" name="方程式" r:id="rId8" imgW="1790640" imgH="215640" progId="Equation.3">
+                <p:oleObj spid="_x0000_s2204" name="方程式" r:id="rId8" imgW="1790640" imgH="215640" progId="Equation.3">
                   <p:embed/>
                 </p:oleObj>
               </mc:Choice>
@@ -23266,7 +24339,7 @@
           <p:cNvPr id="14" name="文字方塊 9">
             <a:extLst>
               <a:ext uri="{FF2B5EF4-FFF2-40B4-BE49-F238E27FC236}">
-                <a16:creationId xmlns:a16="http://schemas.microsoft.com/office/drawing/2014/main" xmlns="" id="{5B375907-9A8C-4D88-8995-A50C64906A53}"/>
+                <a16:creationId xmlns="" xmlns:a16="http://schemas.microsoft.com/office/drawing/2014/main" id="{5B375907-9A8C-4D88-8995-A50C64906A53}"/>
               </a:ext>
             </a:extLst>
           </p:cNvPr>
@@ -23302,7 +24375,7 @@
           <p:cNvPr id="15" name="Picture 2" descr="http://y2.ifengimg.com/a/2016_11/2c7ef418c729099.jpg">
             <a:extLst>
               <a:ext uri="{FF2B5EF4-FFF2-40B4-BE49-F238E27FC236}">
-                <a16:creationId xmlns:a16="http://schemas.microsoft.com/office/drawing/2014/main" xmlns="" id="{0F5019D2-D980-4F1C-92A4-0A7FF1F6D178}"/>
+                <a16:creationId xmlns="" xmlns:a16="http://schemas.microsoft.com/office/drawing/2014/main" id="{0F5019D2-D980-4F1C-92A4-0A7FF1F6D178}"/>
               </a:ext>
             </a:extLst>
           </p:cNvPr>

--- a/机器学习入门.pptx
+++ b/机器学习入门.pptx
@@ -5,10 +5,10 @@
     <p:sldMasterId id="2147483660" r:id="rId1"/>
   </p:sldMasterIdLst>
   <p:notesMasterIdLst>
-    <p:notesMasterId r:id="rId30"/>
+    <p:notesMasterId r:id="rId31"/>
   </p:notesMasterIdLst>
   <p:handoutMasterIdLst>
-    <p:handoutMasterId r:id="rId31"/>
+    <p:handoutMasterId r:id="rId32"/>
   </p:handoutMasterIdLst>
   <p:sldIdLst>
     <p:sldId id="256" r:id="rId2"/>
@@ -39,6 +39,7 @@
     <p:sldId id="367" r:id="rId27"/>
     <p:sldId id="366" r:id="rId28"/>
     <p:sldId id="368" r:id="rId29"/>
+    <p:sldId id="369" r:id="rId30"/>
   </p:sldIdLst>
   <p:sldSz cx="12192000" cy="6858000"/>
   <p:notesSz cx="6858000" cy="9144000"/>
@@ -241,7 +242,7 @@
           <a:p>
             <a:fld id="{4F008DF1-FEBF-0B42-BAEF-80253477F2CD}" type="datetimeFigureOut">
               <a:rPr kumimoji="1" lang="zh-CN" altLang="en-US" smtClean="0"/>
-              <a:t>2018/7/5</a:t>
+              <a:t>2018/7/6</a:t>
             </a:fld>
             <a:endParaRPr kumimoji="1" lang="zh-CN" altLang="en-US"/>
           </a:p>
@@ -407,7 +408,7 @@
           <a:p>
             <a:fld id="{4EC381E9-91C5-4038-AA82-DA62C619497A}" type="datetimeFigureOut">
               <a:rPr lang="zh-CN" altLang="en-US" smtClean="0"/>
-              <a:t>2018/7/5</a:t>
+              <a:t>2018/7/6</a:t>
             </a:fld>
             <a:endParaRPr lang="zh-CN" altLang="en-US"/>
           </a:p>
@@ -750,6 +751,90 @@
     <p:extLst>
       <p:ext uri="{BB962C8B-B14F-4D97-AF65-F5344CB8AC3E}">
         <p14:creationId xmlns:p14="http://schemas.microsoft.com/office/powerpoint/2010/main" val="2928385971"/>
+      </p:ext>
+    </p:extLst>
+  </p:cSld>
+  <p:clrMapOvr>
+    <a:masterClrMapping/>
+  </p:clrMapOvr>
+</p:notes>
+</file>
+
+<file path=ppt/notesSlides/notesSlide2.xml><?xml version="1.0" encoding="utf-8"?>
+<p:notes xmlns:a="http://schemas.openxmlformats.org/drawingml/2006/main" xmlns:r="http://schemas.openxmlformats.org/officeDocument/2006/relationships" xmlns:p="http://schemas.openxmlformats.org/presentationml/2006/main">
+  <p:cSld>
+    <p:spTree>
+      <p:nvGrpSpPr>
+        <p:cNvPr id="1" name=""/>
+        <p:cNvGrpSpPr/>
+        <p:nvPr/>
+      </p:nvGrpSpPr>
+      <p:grpSpPr>
+        <a:xfrm>
+          <a:off x="0" y="0"/>
+          <a:ext cx="0" cy="0"/>
+          <a:chOff x="0" y="0"/>
+          <a:chExt cx="0" cy="0"/>
+        </a:xfrm>
+      </p:grpSpPr>
+      <p:sp>
+        <p:nvSpPr>
+          <p:cNvPr id="2" name="幻灯片图像占位符 1"/>
+          <p:cNvSpPr>
+            <a:spLocks noGrp="1" noRot="1" noChangeAspect="1"/>
+          </p:cNvSpPr>
+          <p:nvPr>
+            <p:ph type="sldImg"/>
+          </p:nvPr>
+        </p:nvSpPr>
+        <p:spPr/>
+      </p:sp>
+      <p:sp>
+        <p:nvSpPr>
+          <p:cNvPr id="3" name="备注占位符 2"/>
+          <p:cNvSpPr>
+            <a:spLocks noGrp="1"/>
+          </p:cNvSpPr>
+          <p:nvPr>
+            <p:ph type="body" idx="1"/>
+          </p:nvPr>
+        </p:nvSpPr>
+        <p:spPr/>
+        <p:txBody>
+          <a:bodyPr/>
+          <a:lstStyle/>
+          <a:p>
+            <a:endParaRPr kumimoji="1" lang="zh-CN" altLang="en-US" dirty="0"/>
+          </a:p>
+        </p:txBody>
+      </p:sp>
+      <p:sp>
+        <p:nvSpPr>
+          <p:cNvPr id="4" name="幻灯片编号占位符 3"/>
+          <p:cNvSpPr>
+            <a:spLocks noGrp="1"/>
+          </p:cNvSpPr>
+          <p:nvPr>
+            <p:ph type="sldNum" sz="quarter" idx="10"/>
+          </p:nvPr>
+        </p:nvSpPr>
+        <p:spPr/>
+        <p:txBody>
+          <a:bodyPr/>
+          <a:lstStyle/>
+          <a:p>
+            <a:fld id="{6A0DEE04-E490-4F52-8E8D-8F07B6F10B62}" type="slidenum">
+              <a:rPr lang="zh-CN" altLang="en-US" smtClean="0"/>
+              <a:t>29</a:t>
+            </a:fld>
+            <a:endParaRPr lang="zh-CN" altLang="en-US"/>
+          </a:p>
+        </p:txBody>
+      </p:sp>
+    </p:spTree>
+    <p:extLst>
+      <p:ext uri="{BB962C8B-B14F-4D97-AF65-F5344CB8AC3E}">
+        <p14:creationId xmlns:p14="http://schemas.microsoft.com/office/powerpoint/2010/main" val="11161723"/>
       </p:ext>
     </p:extLst>
   </p:cSld>
@@ -1307,7 +1392,7 @@
             <a:fld id="{BBB03C1E-6B36-441B-9FFE-D377CAF69C91}" type="datetime2">
               <a:rPr lang="zh-CN" altLang="en-US" sz="2100" smtClean="0"/>
               <a:pPr/>
-              <a:t>2018年7月5日</a:t>
+              <a:t>2018年7月6日</a:t>
             </a:fld>
             <a:endParaRPr lang="en-US" altLang="zh-CN" sz="2100" dirty="0"/>
           </a:p>
@@ -1393,7 +1478,7 @@
             </a:pPr>
             <a:fld id="{66FC0A0C-D2BF-F54B-AC69-85D92687E128}" type="datetime2">
               <a:rPr lang="zh-CN" altLang="en-US" smtClean="0"/>
-              <a:t>2018年7月5日</a:t>
+              <a:t>2018年7月6日</a:t>
             </a:fld>
             <a:endParaRPr lang="en-US" altLang="zh-CN" dirty="0"/>
           </a:p>
@@ -1586,7 +1671,7 @@
             </a:pPr>
             <a:fld id="{2F149BC0-8F7C-AD4E-A5EF-723D6509022B}" type="datetime2">
               <a:rPr lang="zh-CN" altLang="en-US" smtClean="0"/>
-              <a:t>2018年7月5日</a:t>
+              <a:t>2018年7月6日</a:t>
             </a:fld>
             <a:endParaRPr lang="en-US" altLang="zh-CN"/>
           </a:p>
@@ -1798,7 +1883,7 @@
             </a:pPr>
             <a:fld id="{E49C4954-FBA6-004C-9F64-B5906C493530}" type="datetime2">
               <a:rPr lang="zh-CN" altLang="en-US" smtClean="0"/>
-              <a:t>2018年7月5日</a:t>
+              <a:t>2018年7月6日</a:t>
             </a:fld>
             <a:endParaRPr lang="en-US" altLang="zh-CN"/>
           </a:p>
@@ -2066,7 +2151,7 @@
             </a:pPr>
             <a:fld id="{7AEC5EC9-DAF2-2246-B1A8-BF50D3A94F16}" type="datetime2">
               <a:rPr lang="zh-CN" altLang="en-US" smtClean="0"/>
-              <a:t>2018年7月5日</a:t>
+              <a:t>2018年7月6日</a:t>
             </a:fld>
             <a:endParaRPr lang="en-US" altLang="zh-CN"/>
           </a:p>
@@ -2251,7 +2336,7 @@
             </a:pPr>
             <a:fld id="{E94BCBA9-A64B-4A40-8440-30FE5787C8B2}" type="datetime2">
               <a:rPr lang="zh-CN" altLang="en-US" smtClean="0"/>
-              <a:t>2018年7月5日</a:t>
+              <a:t>2018年7月6日</a:t>
             </a:fld>
             <a:endParaRPr lang="en-US" altLang="zh-CN"/>
           </a:p>
@@ -2456,7 +2541,7 @@
             </a:pPr>
             <a:fld id="{95A2A19B-170D-1043-AE33-7A36DFB7BCDC}" type="datetime2">
               <a:rPr lang="zh-CN" altLang="en-US" smtClean="0"/>
-              <a:t>2018年7月5日</a:t>
+              <a:t>2018年7月6日</a:t>
             </a:fld>
             <a:endParaRPr lang="en-US" altLang="zh-CN"/>
           </a:p>
@@ -2675,7 +2760,7 @@
             </a:pPr>
             <a:fld id="{841F93BA-D9BF-BC4B-BA86-175867B95F50}" type="datetime2">
               <a:rPr lang="zh-CN" altLang="en-US" smtClean="0"/>
-              <a:t>2018年7月5日</a:t>
+              <a:t>2018年7月6日</a:t>
             </a:fld>
             <a:endParaRPr lang="en-US" altLang="zh-CN"/>
           </a:p>
@@ -2934,7 +3019,7 @@
             </a:pPr>
             <a:fld id="{4E97A401-5AD9-944A-97D0-B7D938414F8F}" type="datetime2">
               <a:rPr lang="zh-CN" altLang="en-US" smtClean="0"/>
-              <a:t>2018年7月5日</a:t>
+              <a:t>2018年7月6日</a:t>
             </a:fld>
             <a:endParaRPr lang="en-US" altLang="zh-CN"/>
           </a:p>
@@ -3332,7 +3417,7 @@
             </a:pPr>
             <a:fld id="{2DFD3F11-29DF-7F43-BDD3-524D0F58A418}" type="datetime2">
               <a:rPr lang="zh-CN" altLang="en-US" smtClean="0"/>
-              <a:t>2018年7月5日</a:t>
+              <a:t>2018年7月6日</a:t>
             </a:fld>
             <a:endParaRPr lang="en-US" altLang="zh-CN"/>
           </a:p>
@@ -3483,7 +3568,7 @@
             </a:pPr>
             <a:fld id="{0E714152-BEE6-8740-8BC2-BEA8A9605BAA}" type="datetime2">
               <a:rPr lang="zh-CN" altLang="en-US" smtClean="0"/>
-              <a:t>2018年7月5日</a:t>
+              <a:t>2018年7月6日</a:t>
             </a:fld>
             <a:endParaRPr lang="en-US" altLang="zh-CN"/>
           </a:p>
@@ -3612,7 +3697,7 @@
             </a:pPr>
             <a:fld id="{94C1308E-237D-9F4E-8509-7AA24F98750C}" type="datetime2">
               <a:rPr lang="zh-CN" altLang="en-US" smtClean="0"/>
-              <a:t>2018年7月5日</a:t>
+              <a:t>2018年7月6日</a:t>
             </a:fld>
             <a:endParaRPr lang="en-US" altLang="zh-CN"/>
           </a:p>
@@ -3921,7 +4006,7 @@
             </a:pPr>
             <a:fld id="{B049DA4E-5C6F-FB47-BC01-AAA2D0AD43C8}" type="datetime2">
               <a:rPr lang="zh-CN" altLang="en-US" smtClean="0"/>
-              <a:t>2018年7月5日</a:t>
+              <a:t>2018年7月6日</a:t>
             </a:fld>
             <a:endParaRPr lang="en-US" altLang="zh-CN"/>
           </a:p>
@@ -4208,7 +4293,7 @@
             </a:pPr>
             <a:fld id="{2DB90F44-F846-E443-858D-216A0A768584}" type="datetime2">
               <a:rPr lang="zh-CN" altLang="en-US" smtClean="0"/>
-              <a:t>2018年7月5日</a:t>
+              <a:t>2018年7月6日</a:t>
             </a:fld>
             <a:endParaRPr lang="en-US" altLang="zh-CN"/>
           </a:p>
@@ -4714,7 +4799,7 @@
             </a:pPr>
             <a:fld id="{7BCF5363-C0A9-D348-A026-116C987FE407}" type="datetime2">
               <a:rPr lang="zh-CN" altLang="en-US" smtClean="0"/>
-              <a:t>2018年7月5日</a:t>
+              <a:t>2018年7月6日</a:t>
             </a:fld>
             <a:endParaRPr lang="en-US" altLang="zh-CN" dirty="0"/>
           </a:p>
@@ -5419,7 +5504,7 @@
           <p:cNvPr id="2" name="标题 1">
             <a:extLst>
               <a:ext uri="{FF2B5EF4-FFF2-40B4-BE49-F238E27FC236}">
-                <a16:creationId xmlns="" xmlns:a16="http://schemas.microsoft.com/office/drawing/2014/main" id="{C779F269-BE5F-4251-8EE3-D3B207D7A66F}"/>
+                <a16:creationId xmlns:a16="http://schemas.microsoft.com/office/drawing/2014/main" xmlns="" id="{C779F269-BE5F-4251-8EE3-D3B207D7A66F}"/>
               </a:ext>
             </a:extLst>
           </p:cNvPr>
@@ -5447,7 +5532,7 @@
           <p:cNvPr id="4" name="日期占位符 3">
             <a:extLst>
               <a:ext uri="{FF2B5EF4-FFF2-40B4-BE49-F238E27FC236}">
-                <a16:creationId xmlns="" xmlns:a16="http://schemas.microsoft.com/office/drawing/2014/main" id="{CC2DEE5A-D5C1-4B57-B7EE-61483325413D}"/>
+                <a16:creationId xmlns:a16="http://schemas.microsoft.com/office/drawing/2014/main" xmlns="" id="{CC2DEE5A-D5C1-4B57-B7EE-61483325413D}"/>
               </a:ext>
             </a:extLst>
           </p:cNvPr>
@@ -5468,7 +5553,7 @@
             </a:pPr>
             <a:fld id="{95A2A19B-170D-1043-AE33-7A36DFB7BCDC}" type="datetime2">
               <a:rPr lang="zh-CN" altLang="en-US" smtClean="0"/>
-              <a:t>2018年7月5日</a:t>
+              <a:t>2018年7月6日</a:t>
             </a:fld>
             <a:endParaRPr lang="en-US" altLang="zh-CN"/>
           </a:p>
@@ -5479,7 +5564,7 @@
           <p:cNvPr id="6" name="灯片编号占位符 5">
             <a:extLst>
               <a:ext uri="{FF2B5EF4-FFF2-40B4-BE49-F238E27FC236}">
-                <a16:creationId xmlns="" xmlns:a16="http://schemas.microsoft.com/office/drawing/2014/main" id="{89059747-7DCE-498E-9C00-87842F1DF7A5}"/>
+                <a16:creationId xmlns:a16="http://schemas.microsoft.com/office/drawing/2014/main" xmlns="" id="{89059747-7DCE-498E-9C00-87842F1DF7A5}"/>
               </a:ext>
             </a:extLst>
           </p:cNvPr>
@@ -5514,7 +5599,7 @@
           <p:cNvPr id="7" name="圖片 4">
             <a:extLst>
               <a:ext uri="{FF2B5EF4-FFF2-40B4-BE49-F238E27FC236}">
-                <a16:creationId xmlns="" xmlns:a16="http://schemas.microsoft.com/office/drawing/2014/main" id="{AD60FF85-BB82-48C3-A8D5-F3FE31FEEE25}"/>
+                <a16:creationId xmlns:a16="http://schemas.microsoft.com/office/drawing/2014/main" xmlns="" id="{AD60FF85-BB82-48C3-A8D5-F3FE31FEEE25}"/>
               </a:ext>
             </a:extLst>
           </p:cNvPr>
@@ -5550,7 +5635,7 @@
           <p:cNvPr id="8" name="圓柱 5">
             <a:extLst>
               <a:ext uri="{FF2B5EF4-FFF2-40B4-BE49-F238E27FC236}">
-                <a16:creationId xmlns="" xmlns:a16="http://schemas.microsoft.com/office/drawing/2014/main" id="{A4910C58-B916-4377-8A20-3433B9850A89}"/>
+                <a16:creationId xmlns:a16="http://schemas.microsoft.com/office/drawing/2014/main" xmlns="" id="{A4910C58-B916-4377-8A20-3433B9850A89}"/>
               </a:ext>
             </a:extLst>
           </p:cNvPr>
@@ -5606,7 +5691,7 @@
           <p:cNvPr id="9" name="Object 12">
             <a:extLst>
               <a:ext uri="{FF2B5EF4-FFF2-40B4-BE49-F238E27FC236}">
-                <a16:creationId xmlns="" xmlns:a16="http://schemas.microsoft.com/office/drawing/2014/main" id="{DB4A9ABD-5112-4CDC-A5E0-E36AF7F715CB}"/>
+                <a16:creationId xmlns:a16="http://schemas.microsoft.com/office/drawing/2014/main" xmlns="" id="{DB4A9ABD-5112-4CDC-A5E0-E36AF7F715CB}"/>
               </a:ext>
             </a:extLst>
           </p:cNvPr>
@@ -5629,7 +5714,7 @@
           <a:graphicData uri="http://schemas.openxmlformats.org/presentationml/2006/ole">
             <mc:AlternateContent xmlns:mc="http://schemas.openxmlformats.org/markup-compatibility/2006">
               <mc:Choice xmlns:v="urn:schemas-microsoft-com:vml" Requires="v">
-                <p:oleObj spid="_x0000_s3174" name="方程式" r:id="rId4" imgW="520560" imgH="215640" progId="Equation.3">
+                <p:oleObj spid="_x0000_s3189" name="方程式" r:id="rId4" imgW="520560" imgH="215640" progId="Equation.3">
                   <p:embed/>
                 </p:oleObj>
               </mc:Choice>
@@ -5674,7 +5759,7 @@
           <p:cNvPr id="10" name="群組 8">
             <a:extLst>
               <a:ext uri="{FF2B5EF4-FFF2-40B4-BE49-F238E27FC236}">
-                <a16:creationId xmlns="" xmlns:a16="http://schemas.microsoft.com/office/drawing/2014/main" id="{86701675-F63F-493D-9E34-74AA169451B4}"/>
+                <a16:creationId xmlns:a16="http://schemas.microsoft.com/office/drawing/2014/main" xmlns="" id="{86701675-F63F-493D-9E34-74AA169451B4}"/>
               </a:ext>
             </a:extLst>
           </p:cNvPr>
@@ -5694,7 +5779,7 @@
             <p:cNvPr id="11" name="Object 12">
               <a:extLst>
                 <a:ext uri="{FF2B5EF4-FFF2-40B4-BE49-F238E27FC236}">
-                  <a16:creationId xmlns="" xmlns:a16="http://schemas.microsoft.com/office/drawing/2014/main" id="{040F69FC-3664-4FA8-B1DA-31B1C77DBB75}"/>
+                  <a16:creationId xmlns:a16="http://schemas.microsoft.com/office/drawing/2014/main" xmlns="" id="{040F69FC-3664-4FA8-B1DA-31B1C77DBB75}"/>
                 </a:ext>
               </a:extLst>
             </p:cNvPr>
@@ -5713,7 +5798,7 @@
             <a:graphicData uri="http://schemas.openxmlformats.org/presentationml/2006/ole">
               <mc:AlternateContent xmlns:mc="http://schemas.openxmlformats.org/markup-compatibility/2006">
                 <mc:Choice xmlns:v="urn:schemas-microsoft-com:vml" Requires="v">
-                  <p:oleObj spid="_x0000_s3175" name="方程式" r:id="rId6" imgW="990360" imgH="215640" progId="Equation.3">
+                  <p:oleObj spid="_x0000_s3190" name="方程式" r:id="rId6" imgW="990360" imgH="215640" progId="Equation.3">
                     <p:embed/>
                   </p:oleObj>
                 </mc:Choice>
@@ -5766,7 +5851,7 @@
             <p:cNvPr id="12" name="文字方塊 75">
               <a:extLst>
                 <a:ext uri="{FF2B5EF4-FFF2-40B4-BE49-F238E27FC236}">
-                  <a16:creationId xmlns="" xmlns:a16="http://schemas.microsoft.com/office/drawing/2014/main" id="{670B65FB-1B58-460A-A2C7-9B516017E47F}"/>
+                  <a16:creationId xmlns:a16="http://schemas.microsoft.com/office/drawing/2014/main" xmlns="" id="{670B65FB-1B58-460A-A2C7-9B516017E47F}"/>
                 </a:ext>
               </a:extLst>
             </p:cNvPr>
@@ -5803,7 +5888,7 @@
             <p:cNvPr id="13" name="Picture 12" descr="https://encrypted-tbn1.gstatic.com/images?q=tbn:ANd9GcRcwlRKAlSIaCI4W5PRYVbuBQQXifF-56bFqAjh9DMe-_3Lh8_YKw">
               <a:extLst>
                 <a:ext uri="{FF2B5EF4-FFF2-40B4-BE49-F238E27FC236}">
-                  <a16:creationId xmlns="" xmlns:a16="http://schemas.microsoft.com/office/drawing/2014/main" id="{8C80662D-B3B1-445B-954A-759D044D7310}"/>
+                  <a16:creationId xmlns:a16="http://schemas.microsoft.com/office/drawing/2014/main" xmlns="" id="{8C80662D-B3B1-445B-954A-759D044D7310}"/>
                 </a:ext>
               </a:extLst>
             </p:cNvPr>
@@ -5851,7 +5936,7 @@
           <p:cNvPr id="14" name="文字方塊 11">
             <a:extLst>
               <a:ext uri="{FF2B5EF4-FFF2-40B4-BE49-F238E27FC236}">
-                <a16:creationId xmlns="" xmlns:a16="http://schemas.microsoft.com/office/drawing/2014/main" id="{B6644981-91B8-4F8D-ADBA-C049EED9F47D}"/>
+                <a16:creationId xmlns:a16="http://schemas.microsoft.com/office/drawing/2014/main" xmlns="" id="{B6644981-91B8-4F8D-ADBA-C049EED9F47D}"/>
               </a:ext>
             </a:extLst>
           </p:cNvPr>
@@ -5891,7 +5976,7 @@
           <p:cNvPr id="15" name="文字方塊 17">
             <a:extLst>
               <a:ext uri="{FF2B5EF4-FFF2-40B4-BE49-F238E27FC236}">
-                <a16:creationId xmlns="" xmlns:a16="http://schemas.microsoft.com/office/drawing/2014/main" id="{CD148FFE-0C1A-43A6-BF00-843E46F6C4A9}"/>
+                <a16:creationId xmlns:a16="http://schemas.microsoft.com/office/drawing/2014/main" xmlns="" id="{CD148FFE-0C1A-43A6-BF00-843E46F6C4A9}"/>
               </a:ext>
             </a:extLst>
           </p:cNvPr>
@@ -5941,7 +6026,7 @@
           <p:cNvPr id="16" name="圓柱 22">
             <a:extLst>
               <a:ext uri="{FF2B5EF4-FFF2-40B4-BE49-F238E27FC236}">
-                <a16:creationId xmlns="" xmlns:a16="http://schemas.microsoft.com/office/drawing/2014/main" id="{C2AC9E2D-2713-4B72-979B-D486E2F2639C}"/>
+                <a16:creationId xmlns:a16="http://schemas.microsoft.com/office/drawing/2014/main" xmlns="" id="{C2AC9E2D-2713-4B72-979B-D486E2F2639C}"/>
               </a:ext>
             </a:extLst>
           </p:cNvPr>
@@ -5989,7 +6074,7 @@
           <p:cNvPr id="17" name="圓角矩形 26">
             <a:extLst>
               <a:ext uri="{FF2B5EF4-FFF2-40B4-BE49-F238E27FC236}">
-                <a16:creationId xmlns="" xmlns:a16="http://schemas.microsoft.com/office/drawing/2014/main" id="{BA910896-9C8A-4898-8A5B-12C3717695B2}"/>
+                <a16:creationId xmlns:a16="http://schemas.microsoft.com/office/drawing/2014/main" xmlns="" id="{BA910896-9C8A-4898-8A5B-12C3717695B2}"/>
               </a:ext>
             </a:extLst>
           </p:cNvPr>
@@ -6053,7 +6138,7 @@
           <p:cNvPr id="18" name="直線單箭頭接點 27">
             <a:extLst>
               <a:ext uri="{FF2B5EF4-FFF2-40B4-BE49-F238E27FC236}">
-                <a16:creationId xmlns="" xmlns:a16="http://schemas.microsoft.com/office/drawing/2014/main" id="{46B85095-3D68-40D1-8931-E74F8BFC4A97}"/>
+                <a16:creationId xmlns:a16="http://schemas.microsoft.com/office/drawing/2014/main" xmlns="" id="{46B85095-3D68-40D1-8931-E74F8BFC4A97}"/>
               </a:ext>
             </a:extLst>
           </p:cNvPr>
@@ -6092,7 +6177,7 @@
           <p:cNvPr id="19" name="直線單箭頭接點 28">
             <a:extLst>
               <a:ext uri="{FF2B5EF4-FFF2-40B4-BE49-F238E27FC236}">
-                <a16:creationId xmlns="" xmlns:a16="http://schemas.microsoft.com/office/drawing/2014/main" id="{A206D4A2-B23E-47CB-8E7C-FB5098DFC78F}"/>
+                <a16:creationId xmlns:a16="http://schemas.microsoft.com/office/drawing/2014/main" xmlns="" id="{A206D4A2-B23E-47CB-8E7C-FB5098DFC78F}"/>
               </a:ext>
             </a:extLst>
           </p:cNvPr>
@@ -6131,7 +6216,7 @@
           <p:cNvPr id="20" name="文字方塊 35">
             <a:extLst>
               <a:ext uri="{FF2B5EF4-FFF2-40B4-BE49-F238E27FC236}">
-                <a16:creationId xmlns="" xmlns:a16="http://schemas.microsoft.com/office/drawing/2014/main" id="{0A08F64A-9EC0-49B2-84C0-50B4665A68B2}"/>
+                <a16:creationId xmlns:a16="http://schemas.microsoft.com/office/drawing/2014/main" xmlns="" id="{0A08F64A-9EC0-49B2-84C0-50B4665A68B2}"/>
               </a:ext>
             </a:extLst>
           </p:cNvPr>
@@ -6188,7 +6273,7 @@
           <p:cNvPr id="21" name="矩形 20">
             <a:extLst>
               <a:ext uri="{FF2B5EF4-FFF2-40B4-BE49-F238E27FC236}">
-                <a16:creationId xmlns="" xmlns:a16="http://schemas.microsoft.com/office/drawing/2014/main" id="{45F11FF2-B145-4B42-B084-B85010584F4B}"/>
+                <a16:creationId xmlns:a16="http://schemas.microsoft.com/office/drawing/2014/main" xmlns="" id="{45F11FF2-B145-4B42-B084-B85010584F4B}"/>
               </a:ext>
             </a:extLst>
           </p:cNvPr>
@@ -6229,7 +6314,7 @@
           <p:cNvPr id="22" name="圖片 37">
             <a:extLst>
               <a:ext uri="{FF2B5EF4-FFF2-40B4-BE49-F238E27FC236}">
-                <a16:creationId xmlns="" xmlns:a16="http://schemas.microsoft.com/office/drawing/2014/main" id="{27F61E55-40D2-48CA-B2A4-3CCAE158D295}"/>
+                <a16:creationId xmlns:a16="http://schemas.microsoft.com/office/drawing/2014/main" xmlns="" id="{27F61E55-40D2-48CA-B2A4-3CCAE158D295}"/>
               </a:ext>
             </a:extLst>
           </p:cNvPr>
@@ -6259,7 +6344,7 @@
           <p:cNvPr id="23" name="圖片 38">
             <a:extLst>
               <a:ext uri="{FF2B5EF4-FFF2-40B4-BE49-F238E27FC236}">
-                <a16:creationId xmlns="" xmlns:a16="http://schemas.microsoft.com/office/drawing/2014/main" id="{F6E24B6C-ACFB-4945-9215-71CF20EB2D2B}"/>
+                <a16:creationId xmlns:a16="http://schemas.microsoft.com/office/drawing/2014/main" xmlns="" id="{F6E24B6C-ACFB-4945-9215-71CF20EB2D2B}"/>
               </a:ext>
             </a:extLst>
           </p:cNvPr>
@@ -6289,7 +6374,7 @@
           <p:cNvPr id="24" name="文字方塊 39">
             <a:extLst>
               <a:ext uri="{FF2B5EF4-FFF2-40B4-BE49-F238E27FC236}">
-                <a16:creationId xmlns="" xmlns:a16="http://schemas.microsoft.com/office/drawing/2014/main" id="{2077EC58-688B-45DA-9585-8B5EFF747C21}"/>
+                <a16:creationId xmlns:a16="http://schemas.microsoft.com/office/drawing/2014/main" xmlns="" id="{2077EC58-688B-45DA-9585-8B5EFF747C21}"/>
               </a:ext>
             </a:extLst>
           </p:cNvPr>
@@ -6326,7 +6411,7 @@
           <p:cNvPr id="25" name="文字方塊 40">
             <a:extLst>
               <a:ext uri="{FF2B5EF4-FFF2-40B4-BE49-F238E27FC236}">
-                <a16:creationId xmlns="" xmlns:a16="http://schemas.microsoft.com/office/drawing/2014/main" id="{9B562F25-BDA7-4165-AFD0-755F0492DDD4}"/>
+                <a16:creationId xmlns:a16="http://schemas.microsoft.com/office/drawing/2014/main" xmlns="" id="{9B562F25-BDA7-4165-AFD0-755F0492DDD4}"/>
               </a:ext>
             </a:extLst>
           </p:cNvPr>
@@ -6363,7 +6448,7 @@
           <p:cNvPr id="26" name="圖片 41">
             <a:extLst>
               <a:ext uri="{FF2B5EF4-FFF2-40B4-BE49-F238E27FC236}">
-                <a16:creationId xmlns="" xmlns:a16="http://schemas.microsoft.com/office/drawing/2014/main" id="{553DEC0C-4B49-4913-BCEC-5D63BB85CC3E}"/>
+                <a16:creationId xmlns:a16="http://schemas.microsoft.com/office/drawing/2014/main" xmlns="" id="{553DEC0C-4B49-4913-BCEC-5D63BB85CC3E}"/>
               </a:ext>
             </a:extLst>
           </p:cNvPr>
@@ -6393,7 +6478,7 @@
           <p:cNvPr id="27" name="矩形 26">
             <a:extLst>
               <a:ext uri="{FF2B5EF4-FFF2-40B4-BE49-F238E27FC236}">
-                <a16:creationId xmlns="" xmlns:a16="http://schemas.microsoft.com/office/drawing/2014/main" id="{93BD42B8-3326-4826-B0D6-BDA00A58F35C}"/>
+                <a16:creationId xmlns:a16="http://schemas.microsoft.com/office/drawing/2014/main" xmlns="" id="{93BD42B8-3326-4826-B0D6-BDA00A58F35C}"/>
               </a:ext>
             </a:extLst>
           </p:cNvPr>
@@ -6433,7 +6518,7 @@
           <p:cNvPr id="28" name="矩形 27">
             <a:extLst>
               <a:ext uri="{FF2B5EF4-FFF2-40B4-BE49-F238E27FC236}">
-                <a16:creationId xmlns="" xmlns:a16="http://schemas.microsoft.com/office/drawing/2014/main" id="{2344BEC7-2CBA-49D3-A79C-080951F115D9}"/>
+                <a16:creationId xmlns:a16="http://schemas.microsoft.com/office/drawing/2014/main" xmlns="" id="{2344BEC7-2CBA-49D3-A79C-080951F115D9}"/>
               </a:ext>
             </a:extLst>
           </p:cNvPr>
@@ -6474,7 +6559,7 @@
           <p:cNvPr id="29" name="矩形 28">
             <a:extLst>
               <a:ext uri="{FF2B5EF4-FFF2-40B4-BE49-F238E27FC236}">
-                <a16:creationId xmlns="" xmlns:a16="http://schemas.microsoft.com/office/drawing/2014/main" id="{F10278E6-750A-4352-9346-FBC6383426E2}"/>
+                <a16:creationId xmlns:a16="http://schemas.microsoft.com/office/drawing/2014/main" xmlns="" id="{F10278E6-750A-4352-9346-FBC6383426E2}"/>
               </a:ext>
             </a:extLst>
           </p:cNvPr>
@@ -6526,7 +6611,7 @@
           <p:cNvPr id="30" name="页脚占位符 4">
             <a:extLst>
               <a:ext uri="{FF2B5EF4-FFF2-40B4-BE49-F238E27FC236}">
-                <a16:creationId xmlns="" xmlns:a16="http://schemas.microsoft.com/office/drawing/2014/main" id="{695CF0EE-630A-4A8F-A959-CFD222411CE2}"/>
+                <a16:creationId xmlns:a16="http://schemas.microsoft.com/office/drawing/2014/main" xmlns="" id="{695CF0EE-630A-4A8F-A959-CFD222411CE2}"/>
               </a:ext>
             </a:extLst>
           </p:cNvPr>
@@ -7228,7 +7313,7 @@
           <p:cNvPr id="2" name="标题 1">
             <a:extLst>
               <a:ext uri="{FF2B5EF4-FFF2-40B4-BE49-F238E27FC236}">
-                <a16:creationId xmlns="" xmlns:a16="http://schemas.microsoft.com/office/drawing/2014/main" id="{2F21F3B5-A64D-4DCA-9CCC-7F0B3E5C58E4}"/>
+                <a16:creationId xmlns:a16="http://schemas.microsoft.com/office/drawing/2014/main" xmlns="" id="{2F21F3B5-A64D-4DCA-9CCC-7F0B3E5C58E4}"/>
               </a:ext>
             </a:extLst>
           </p:cNvPr>
@@ -7256,7 +7341,7 @@
           <p:cNvPr id="4" name="日期占位符 3">
             <a:extLst>
               <a:ext uri="{FF2B5EF4-FFF2-40B4-BE49-F238E27FC236}">
-                <a16:creationId xmlns="" xmlns:a16="http://schemas.microsoft.com/office/drawing/2014/main" id="{C5C07CC5-4A08-4769-88D9-A1F0705AF6CD}"/>
+                <a16:creationId xmlns:a16="http://schemas.microsoft.com/office/drawing/2014/main" xmlns="" id="{C5C07CC5-4A08-4769-88D9-A1F0705AF6CD}"/>
               </a:ext>
             </a:extLst>
           </p:cNvPr>
@@ -7277,7 +7362,7 @@
             </a:pPr>
             <a:fld id="{95A2A19B-170D-1043-AE33-7A36DFB7BCDC}" type="datetime2">
               <a:rPr lang="zh-CN" altLang="en-US" smtClean="0"/>
-              <a:t>2018年7月5日</a:t>
+              <a:t>2018年7月6日</a:t>
             </a:fld>
             <a:endParaRPr lang="en-US" altLang="zh-CN"/>
           </a:p>
@@ -7288,7 +7373,7 @@
           <p:cNvPr id="5" name="页脚占位符 4">
             <a:extLst>
               <a:ext uri="{FF2B5EF4-FFF2-40B4-BE49-F238E27FC236}">
-                <a16:creationId xmlns="" xmlns:a16="http://schemas.microsoft.com/office/drawing/2014/main" id="{0ECF1510-3F67-489C-A753-6C05543F5D8E}"/>
+                <a16:creationId xmlns:a16="http://schemas.microsoft.com/office/drawing/2014/main" xmlns="" id="{0ECF1510-3F67-489C-A753-6C05543F5D8E}"/>
               </a:ext>
             </a:extLst>
           </p:cNvPr>
@@ -7320,7 +7405,7 @@
           <p:cNvPr id="6" name="灯片编号占位符 5">
             <a:extLst>
               <a:ext uri="{FF2B5EF4-FFF2-40B4-BE49-F238E27FC236}">
-                <a16:creationId xmlns="" xmlns:a16="http://schemas.microsoft.com/office/drawing/2014/main" id="{CEEF7477-5D18-493B-A5F8-5A256123DB22}"/>
+                <a16:creationId xmlns:a16="http://schemas.microsoft.com/office/drawing/2014/main" xmlns="" id="{CEEF7477-5D18-493B-A5F8-5A256123DB22}"/>
               </a:ext>
             </a:extLst>
           </p:cNvPr>
@@ -7355,7 +7440,7 @@
           <p:cNvPr id="7" name="圓柱 5">
             <a:extLst>
               <a:ext uri="{FF2B5EF4-FFF2-40B4-BE49-F238E27FC236}">
-                <a16:creationId xmlns="" xmlns:a16="http://schemas.microsoft.com/office/drawing/2014/main" id="{13C5A888-600E-40BA-B575-C62CA28FAFBB}"/>
+                <a16:creationId xmlns:a16="http://schemas.microsoft.com/office/drawing/2014/main" xmlns="" id="{13C5A888-600E-40BA-B575-C62CA28FAFBB}"/>
               </a:ext>
             </a:extLst>
           </p:cNvPr>
@@ -7403,7 +7488,7 @@
           <p:cNvPr id="8" name="Object 12">
             <a:extLst>
               <a:ext uri="{FF2B5EF4-FFF2-40B4-BE49-F238E27FC236}">
-                <a16:creationId xmlns="" xmlns:a16="http://schemas.microsoft.com/office/drawing/2014/main" id="{B342BC5F-B650-4540-9688-EFCEDE2DCAA4}"/>
+                <a16:creationId xmlns:a16="http://schemas.microsoft.com/office/drawing/2014/main" xmlns="" id="{B342BC5F-B650-4540-9688-EFCEDE2DCAA4}"/>
               </a:ext>
             </a:extLst>
           </p:cNvPr>
@@ -7426,7 +7511,7 @@
           <a:graphicData uri="http://schemas.openxmlformats.org/presentationml/2006/ole">
             <mc:AlternateContent xmlns:mc="http://schemas.openxmlformats.org/markup-compatibility/2006">
               <mc:Choice xmlns:v="urn:schemas-microsoft-com:vml" Requires="v">
-                <p:oleObj spid="_x0000_s4241" name="方程式" r:id="rId3" imgW="520560" imgH="215640" progId="Equation.3">
+                <p:oleObj spid="_x0000_s4262" name="方程式" r:id="rId3" imgW="520560" imgH="215640" progId="Equation.3">
                   <p:embed/>
                 </p:oleObj>
               </mc:Choice>
@@ -7471,7 +7556,7 @@
           <p:cNvPr id="9" name="文字方塊 17">
             <a:extLst>
               <a:ext uri="{FF2B5EF4-FFF2-40B4-BE49-F238E27FC236}">
-                <a16:creationId xmlns="" xmlns:a16="http://schemas.microsoft.com/office/drawing/2014/main" id="{2CAA0C11-3A8B-40A7-A982-7BB53CDC819F}"/>
+                <a16:creationId xmlns:a16="http://schemas.microsoft.com/office/drawing/2014/main" xmlns="" id="{2CAA0C11-3A8B-40A7-A982-7BB53CDC819F}"/>
               </a:ext>
             </a:extLst>
           </p:cNvPr>
@@ -7521,7 +7606,7 @@
           <p:cNvPr id="10" name="圓柱 22">
             <a:extLst>
               <a:ext uri="{FF2B5EF4-FFF2-40B4-BE49-F238E27FC236}">
-                <a16:creationId xmlns="" xmlns:a16="http://schemas.microsoft.com/office/drawing/2014/main" id="{4689B7FC-28CB-4E77-AA46-F3899D14A7C7}"/>
+                <a16:creationId xmlns:a16="http://schemas.microsoft.com/office/drawing/2014/main" xmlns="" id="{4689B7FC-28CB-4E77-AA46-F3899D14A7C7}"/>
               </a:ext>
             </a:extLst>
           </p:cNvPr>
@@ -7569,7 +7654,7 @@
           <p:cNvPr id="11" name="圓角矩形 26">
             <a:extLst>
               <a:ext uri="{FF2B5EF4-FFF2-40B4-BE49-F238E27FC236}">
-                <a16:creationId xmlns="" xmlns:a16="http://schemas.microsoft.com/office/drawing/2014/main" id="{9DD17BD5-9907-471E-A83F-29D943BAD1CF}"/>
+                <a16:creationId xmlns:a16="http://schemas.microsoft.com/office/drawing/2014/main" xmlns="" id="{9DD17BD5-9907-471E-A83F-29D943BAD1CF}"/>
               </a:ext>
             </a:extLst>
           </p:cNvPr>
@@ -7617,7 +7702,7 @@
           <p:cNvPr id="12" name="直線單箭頭接點 27">
             <a:extLst>
               <a:ext uri="{FF2B5EF4-FFF2-40B4-BE49-F238E27FC236}">
-                <a16:creationId xmlns="" xmlns:a16="http://schemas.microsoft.com/office/drawing/2014/main" id="{FA22C4C8-C34F-4BC3-87E1-C118C0554106}"/>
+                <a16:creationId xmlns:a16="http://schemas.microsoft.com/office/drawing/2014/main" xmlns="" id="{FA22C4C8-C34F-4BC3-87E1-C118C0554106}"/>
               </a:ext>
             </a:extLst>
           </p:cNvPr>
@@ -7656,7 +7741,7 @@
           <p:cNvPr id="13" name="直線單箭頭接點 28">
             <a:extLst>
               <a:ext uri="{FF2B5EF4-FFF2-40B4-BE49-F238E27FC236}">
-                <a16:creationId xmlns="" xmlns:a16="http://schemas.microsoft.com/office/drawing/2014/main" id="{B17D1325-CC48-4623-97BF-443E5683FC4B}"/>
+                <a16:creationId xmlns:a16="http://schemas.microsoft.com/office/drawing/2014/main" xmlns="" id="{B17D1325-CC48-4623-97BF-443E5683FC4B}"/>
               </a:ext>
             </a:extLst>
           </p:cNvPr>
@@ -7695,7 +7780,7 @@
           <p:cNvPr id="14" name="矩形 13">
             <a:extLst>
               <a:ext uri="{FF2B5EF4-FFF2-40B4-BE49-F238E27FC236}">
-                <a16:creationId xmlns="" xmlns:a16="http://schemas.microsoft.com/office/drawing/2014/main" id="{52221F9C-A2E1-455E-86C1-FC74E2207922}"/>
+                <a16:creationId xmlns:a16="http://schemas.microsoft.com/office/drawing/2014/main" xmlns="" id="{52221F9C-A2E1-455E-86C1-FC74E2207922}"/>
               </a:ext>
             </a:extLst>
           </p:cNvPr>
@@ -7736,7 +7821,7 @@
           <p:cNvPr id="15" name="圖片 30">
             <a:extLst>
               <a:ext uri="{FF2B5EF4-FFF2-40B4-BE49-F238E27FC236}">
-                <a16:creationId xmlns="" xmlns:a16="http://schemas.microsoft.com/office/drawing/2014/main" id="{B25A19E1-0BB5-4C02-82BC-71B53B7C2AEC}"/>
+                <a16:creationId xmlns:a16="http://schemas.microsoft.com/office/drawing/2014/main" xmlns="" id="{B25A19E1-0BB5-4C02-82BC-71B53B7C2AEC}"/>
               </a:ext>
             </a:extLst>
           </p:cNvPr>
@@ -7766,7 +7851,7 @@
           <p:cNvPr id="16" name="圖片 31">
             <a:extLst>
               <a:ext uri="{FF2B5EF4-FFF2-40B4-BE49-F238E27FC236}">
-                <a16:creationId xmlns="" xmlns:a16="http://schemas.microsoft.com/office/drawing/2014/main" id="{528BF1DC-96E5-432E-930C-E42789F93C50}"/>
+                <a16:creationId xmlns:a16="http://schemas.microsoft.com/office/drawing/2014/main" xmlns="" id="{528BF1DC-96E5-432E-930C-E42789F93C50}"/>
               </a:ext>
             </a:extLst>
           </p:cNvPr>
@@ -7796,7 +7881,7 @@
           <p:cNvPr id="17" name="文字方塊 32">
             <a:extLst>
               <a:ext uri="{FF2B5EF4-FFF2-40B4-BE49-F238E27FC236}">
-                <a16:creationId xmlns="" xmlns:a16="http://schemas.microsoft.com/office/drawing/2014/main" id="{C11864DB-A316-4618-AC61-927E470CCE7C}"/>
+                <a16:creationId xmlns:a16="http://schemas.microsoft.com/office/drawing/2014/main" xmlns="" id="{C11864DB-A316-4618-AC61-927E470CCE7C}"/>
               </a:ext>
             </a:extLst>
           </p:cNvPr>
@@ -7833,7 +7918,7 @@
           <p:cNvPr id="18" name="文字方塊 33">
             <a:extLst>
               <a:ext uri="{FF2B5EF4-FFF2-40B4-BE49-F238E27FC236}">
-                <a16:creationId xmlns="" xmlns:a16="http://schemas.microsoft.com/office/drawing/2014/main" id="{A9C145A0-8904-479A-95AC-D2AC4E35ACC6}"/>
+                <a16:creationId xmlns:a16="http://schemas.microsoft.com/office/drawing/2014/main" xmlns="" id="{A9C145A0-8904-479A-95AC-D2AC4E35ACC6}"/>
               </a:ext>
             </a:extLst>
           </p:cNvPr>
@@ -7870,7 +7955,7 @@
           <p:cNvPr id="19" name="圖片 34">
             <a:extLst>
               <a:ext uri="{FF2B5EF4-FFF2-40B4-BE49-F238E27FC236}">
-                <a16:creationId xmlns="" xmlns:a16="http://schemas.microsoft.com/office/drawing/2014/main" id="{A038C83F-7859-4E23-AC82-58985F09E8A1}"/>
+                <a16:creationId xmlns:a16="http://schemas.microsoft.com/office/drawing/2014/main" xmlns="" id="{A038C83F-7859-4E23-AC82-58985F09E8A1}"/>
               </a:ext>
             </a:extLst>
           </p:cNvPr>
@@ -7900,7 +7985,7 @@
           <p:cNvPr id="20" name="Object 12">
             <a:extLst>
               <a:ext uri="{FF2B5EF4-FFF2-40B4-BE49-F238E27FC236}">
-                <a16:creationId xmlns="" xmlns:a16="http://schemas.microsoft.com/office/drawing/2014/main" id="{96426069-D24E-4BD7-82BB-1B73EFEF1148}"/>
+                <a16:creationId xmlns:a16="http://schemas.microsoft.com/office/drawing/2014/main" xmlns="" id="{96426069-D24E-4BD7-82BB-1B73EFEF1148}"/>
               </a:ext>
             </a:extLst>
           </p:cNvPr>
@@ -7923,7 +8008,7 @@
           <a:graphicData uri="http://schemas.openxmlformats.org/presentationml/2006/ole">
             <mc:AlternateContent xmlns:mc="http://schemas.openxmlformats.org/markup-compatibility/2006">
               <mc:Choice xmlns:v="urn:schemas-microsoft-com:vml" Requires="v">
-                <p:oleObj spid="_x0000_s4242" name="方程式" r:id="rId8" imgW="203040" imgH="228600" progId="Equation.3">
+                <p:oleObj spid="_x0000_s4263" name="方程式" r:id="rId8" imgW="203040" imgH="228600" progId="Equation.3">
                   <p:embed/>
                 </p:oleObj>
               </mc:Choice>
@@ -7968,7 +8053,7 @@
           <p:cNvPr id="21" name="文字方塊 24">
             <a:extLst>
               <a:ext uri="{FF2B5EF4-FFF2-40B4-BE49-F238E27FC236}">
-                <a16:creationId xmlns="" xmlns:a16="http://schemas.microsoft.com/office/drawing/2014/main" id="{3E25C831-FB74-41F0-AA84-D84356E0AF3F}"/>
+                <a16:creationId xmlns:a16="http://schemas.microsoft.com/office/drawing/2014/main" xmlns="" id="{3E25C831-FB74-41F0-AA84-D84356E0AF3F}"/>
               </a:ext>
             </a:extLst>
           </p:cNvPr>
@@ -8005,7 +8090,7 @@
           <p:cNvPr id="22" name="直線單箭頭接點 25">
             <a:extLst>
               <a:ext uri="{FF2B5EF4-FFF2-40B4-BE49-F238E27FC236}">
-                <a16:creationId xmlns="" xmlns:a16="http://schemas.microsoft.com/office/drawing/2014/main" id="{53A5D98D-FBCD-45B4-B8B8-4A768E39354F}"/>
+                <a16:creationId xmlns:a16="http://schemas.microsoft.com/office/drawing/2014/main" xmlns="" id="{53A5D98D-FBCD-45B4-B8B8-4A768E39354F}"/>
               </a:ext>
             </a:extLst>
           </p:cNvPr>
@@ -8046,7 +8131,7 @@
           <p:cNvPr id="23" name="圓角矩形 37">
             <a:extLst>
               <a:ext uri="{FF2B5EF4-FFF2-40B4-BE49-F238E27FC236}">
-                <a16:creationId xmlns="" xmlns:a16="http://schemas.microsoft.com/office/drawing/2014/main" id="{F4E281F4-8ADF-4B41-A0A7-3C8616D02E03}"/>
+                <a16:creationId xmlns:a16="http://schemas.microsoft.com/office/drawing/2014/main" xmlns="" id="{F4E281F4-8ADF-4B41-A0A7-3C8616D02E03}"/>
               </a:ext>
             </a:extLst>
           </p:cNvPr>
@@ -8097,7 +8182,7 @@
           <p:cNvPr id="24" name="直線單箭頭接點 40">
             <a:extLst>
               <a:ext uri="{FF2B5EF4-FFF2-40B4-BE49-F238E27FC236}">
-                <a16:creationId xmlns="" xmlns:a16="http://schemas.microsoft.com/office/drawing/2014/main" id="{EED9F2A7-BB3D-4DB0-A5FE-4D6726DB5890}"/>
+                <a16:creationId xmlns:a16="http://schemas.microsoft.com/office/drawing/2014/main" xmlns="" id="{EED9F2A7-BB3D-4DB0-A5FE-4D6726DB5890}"/>
               </a:ext>
             </a:extLst>
           </p:cNvPr>
@@ -8136,7 +8221,7 @@
           <p:cNvPr id="25" name="直線單箭頭接點 41">
             <a:extLst>
               <a:ext uri="{FF2B5EF4-FFF2-40B4-BE49-F238E27FC236}">
-                <a16:creationId xmlns="" xmlns:a16="http://schemas.microsoft.com/office/drawing/2014/main" id="{3647F264-2339-4D70-BBD8-3C898E77A058}"/>
+                <a16:creationId xmlns:a16="http://schemas.microsoft.com/office/drawing/2014/main" xmlns="" id="{3647F264-2339-4D70-BBD8-3C898E77A058}"/>
               </a:ext>
             </a:extLst>
           </p:cNvPr>
@@ -8175,7 +8260,7 @@
           <p:cNvPr id="26" name="Object 12">
             <a:extLst>
               <a:ext uri="{FF2B5EF4-FFF2-40B4-BE49-F238E27FC236}">
-                <a16:creationId xmlns="" xmlns:a16="http://schemas.microsoft.com/office/drawing/2014/main" id="{A0956AA3-74B0-4839-9A31-5A2A28950B1E}"/>
+                <a16:creationId xmlns:a16="http://schemas.microsoft.com/office/drawing/2014/main" xmlns="" id="{A0956AA3-74B0-4839-9A31-5A2A28950B1E}"/>
               </a:ext>
             </a:extLst>
           </p:cNvPr>
@@ -8198,7 +8283,7 @@
           <a:graphicData uri="http://schemas.openxmlformats.org/presentationml/2006/ole">
             <mc:AlternateContent xmlns:mc="http://schemas.openxmlformats.org/markup-compatibility/2006">
               <mc:Choice xmlns:v="urn:schemas-microsoft-com:vml" Requires="v">
-                <p:oleObj spid="_x0000_s4243" name="方程式" r:id="rId10" imgW="203040" imgH="228600" progId="Equation.3">
+                <p:oleObj spid="_x0000_s4264" name="方程式" r:id="rId10" imgW="203040" imgH="228600" progId="Equation.3">
                   <p:embed/>
                 </p:oleObj>
               </mc:Choice>
@@ -8243,7 +8328,7 @@
           <p:cNvPr id="27" name="Picture 12" descr="https://encrypted-tbn1.gstatic.com/images?q=tbn:ANd9GcRcwlRKAlSIaCI4W5PRYVbuBQQXifF-56bFqAjh9DMe-_3Lh8_YKw">
             <a:extLst>
               <a:ext uri="{FF2B5EF4-FFF2-40B4-BE49-F238E27FC236}">
-                <a16:creationId xmlns="" xmlns:a16="http://schemas.microsoft.com/office/drawing/2014/main" id="{4D67006C-9A71-4B9D-A460-CE8C4DA6324E}"/>
+                <a16:creationId xmlns:a16="http://schemas.microsoft.com/office/drawing/2014/main" xmlns="" id="{4D67006C-9A71-4B9D-A460-CE8C4DA6324E}"/>
               </a:ext>
             </a:extLst>
           </p:cNvPr>
@@ -8290,7 +8375,7 @@
           <p:cNvPr id="28" name="文字方塊 45">
             <a:extLst>
               <a:ext uri="{FF2B5EF4-FFF2-40B4-BE49-F238E27FC236}">
-                <a16:creationId xmlns="" xmlns:a16="http://schemas.microsoft.com/office/drawing/2014/main" id="{00C6E81C-A033-4C81-A001-D621CD84248E}"/>
+                <a16:creationId xmlns:a16="http://schemas.microsoft.com/office/drawing/2014/main" xmlns="" id="{00C6E81C-A033-4C81-A001-D621CD84248E}"/>
               </a:ext>
             </a:extLst>
           </p:cNvPr>
@@ -8327,7 +8412,7 @@
           <p:cNvPr id="29" name="矩形 28">
             <a:extLst>
               <a:ext uri="{FF2B5EF4-FFF2-40B4-BE49-F238E27FC236}">
-                <a16:creationId xmlns="" xmlns:a16="http://schemas.microsoft.com/office/drawing/2014/main" id="{E1AC2FDE-73E1-49AA-9B98-6BFAC871FAFD}"/>
+                <a16:creationId xmlns:a16="http://schemas.microsoft.com/office/drawing/2014/main" xmlns="" id="{E1AC2FDE-73E1-49AA-9B98-6BFAC871FAFD}"/>
               </a:ext>
             </a:extLst>
           </p:cNvPr>
@@ -8379,7 +8464,7 @@
           <p:cNvPr id="30" name="矩形 29">
             <a:extLst>
               <a:ext uri="{FF2B5EF4-FFF2-40B4-BE49-F238E27FC236}">
-                <a16:creationId xmlns="" xmlns:a16="http://schemas.microsoft.com/office/drawing/2014/main" id="{E074733E-FA25-4E88-AB42-320E3CA89A14}"/>
+                <a16:creationId xmlns:a16="http://schemas.microsoft.com/office/drawing/2014/main" xmlns="" id="{E074733E-FA25-4E88-AB42-320E3CA89A14}"/>
               </a:ext>
             </a:extLst>
           </p:cNvPr>
@@ -8431,7 +8516,7 @@
           <p:cNvPr id="31" name="文字方塊 47">
             <a:extLst>
               <a:ext uri="{FF2B5EF4-FFF2-40B4-BE49-F238E27FC236}">
-                <a16:creationId xmlns="" xmlns:a16="http://schemas.microsoft.com/office/drawing/2014/main" id="{017A0524-DF83-490A-BF4B-E426793D8FD8}"/>
+                <a16:creationId xmlns:a16="http://schemas.microsoft.com/office/drawing/2014/main" xmlns="" id="{017A0524-DF83-490A-BF4B-E426793D8FD8}"/>
               </a:ext>
             </a:extLst>
           </p:cNvPr>
@@ -8481,7 +8566,7 @@
           <p:cNvPr id="32" name="文字方塊 48">
             <a:extLst>
               <a:ext uri="{FF2B5EF4-FFF2-40B4-BE49-F238E27FC236}">
-                <a16:creationId xmlns="" xmlns:a16="http://schemas.microsoft.com/office/drawing/2014/main" id="{2D346CE1-A373-4747-87DC-E08EDA429EBC}"/>
+                <a16:creationId xmlns:a16="http://schemas.microsoft.com/office/drawing/2014/main" xmlns="" id="{2D346CE1-A373-4747-87DC-E08EDA429EBC}"/>
               </a:ext>
             </a:extLst>
           </p:cNvPr>
@@ -8531,7 +8616,7 @@
           <p:cNvPr id="33" name="矩形 32">
             <a:extLst>
               <a:ext uri="{FF2B5EF4-FFF2-40B4-BE49-F238E27FC236}">
-                <a16:creationId xmlns="" xmlns:a16="http://schemas.microsoft.com/office/drawing/2014/main" id="{EB1CF628-4430-4B3F-AE2F-E19A55CCEFBD}"/>
+                <a16:creationId xmlns:a16="http://schemas.microsoft.com/office/drawing/2014/main" xmlns="" id="{EB1CF628-4430-4B3F-AE2F-E19A55CCEFBD}"/>
               </a:ext>
             </a:extLst>
           </p:cNvPr>
@@ -8583,7 +8668,7 @@
           <p:cNvPr id="34" name="矩形 33">
             <a:extLst>
               <a:ext uri="{FF2B5EF4-FFF2-40B4-BE49-F238E27FC236}">
-                <a16:creationId xmlns="" xmlns:a16="http://schemas.microsoft.com/office/drawing/2014/main" id="{80F3F945-585E-4A1F-94B5-CF3A08FD50C3}"/>
+                <a16:creationId xmlns:a16="http://schemas.microsoft.com/office/drawing/2014/main" xmlns="" id="{80F3F945-585E-4A1F-94B5-CF3A08FD50C3}"/>
               </a:ext>
             </a:extLst>
           </p:cNvPr>
@@ -8635,7 +8720,7 @@
           <p:cNvPr id="35" name="矩形 34">
             <a:extLst>
               <a:ext uri="{FF2B5EF4-FFF2-40B4-BE49-F238E27FC236}">
-                <a16:creationId xmlns="" xmlns:a16="http://schemas.microsoft.com/office/drawing/2014/main" id="{916AB394-5659-480E-BABE-2331F31E0EC6}"/>
+                <a16:creationId xmlns:a16="http://schemas.microsoft.com/office/drawing/2014/main" xmlns="" id="{916AB394-5659-480E-BABE-2331F31E0EC6}"/>
               </a:ext>
             </a:extLst>
           </p:cNvPr>
@@ -8687,7 +8772,7 @@
           <p:cNvPr id="36" name="文字方塊 52">
             <a:extLst>
               <a:ext uri="{FF2B5EF4-FFF2-40B4-BE49-F238E27FC236}">
-                <a16:creationId xmlns="" xmlns:a16="http://schemas.microsoft.com/office/drawing/2014/main" id="{6D4B55D2-7DFD-4ABB-B5C8-39E4081FF0C7}"/>
+                <a16:creationId xmlns:a16="http://schemas.microsoft.com/office/drawing/2014/main" xmlns="" id="{6D4B55D2-7DFD-4ABB-B5C8-39E4081FF0C7}"/>
               </a:ext>
             </a:extLst>
           </p:cNvPr>
@@ -8737,7 +8822,7 @@
           <p:cNvPr id="37" name="文字方塊 53">
             <a:extLst>
               <a:ext uri="{FF2B5EF4-FFF2-40B4-BE49-F238E27FC236}">
-                <a16:creationId xmlns="" xmlns:a16="http://schemas.microsoft.com/office/drawing/2014/main" id="{50E29081-D45A-4F28-9EFF-5460C6A952AA}"/>
+                <a16:creationId xmlns:a16="http://schemas.microsoft.com/office/drawing/2014/main" xmlns="" id="{50E29081-D45A-4F28-9EFF-5460C6A952AA}"/>
               </a:ext>
             </a:extLst>
           </p:cNvPr>
@@ -8787,7 +8872,7 @@
           <p:cNvPr id="38" name="文字方塊 54">
             <a:extLst>
               <a:ext uri="{FF2B5EF4-FFF2-40B4-BE49-F238E27FC236}">
-                <a16:creationId xmlns="" xmlns:a16="http://schemas.microsoft.com/office/drawing/2014/main" id="{ACB38E13-E3DD-4362-8BF2-C842A6C48388}"/>
+                <a16:creationId xmlns:a16="http://schemas.microsoft.com/office/drawing/2014/main" xmlns="" id="{ACB38E13-E3DD-4362-8BF2-C842A6C48388}"/>
               </a:ext>
             </a:extLst>
           </p:cNvPr>
@@ -9587,7 +9672,7 @@
           <p:cNvPr id="2" name="标题 1">
             <a:extLst>
               <a:ext uri="{FF2B5EF4-FFF2-40B4-BE49-F238E27FC236}">
-                <a16:creationId xmlns="" xmlns:a16="http://schemas.microsoft.com/office/drawing/2014/main" id="{9442FABF-4FB1-4F36-9513-8945F183E53F}"/>
+                <a16:creationId xmlns:a16="http://schemas.microsoft.com/office/drawing/2014/main" xmlns="" id="{9442FABF-4FB1-4F36-9513-8945F183E53F}"/>
               </a:ext>
             </a:extLst>
           </p:cNvPr>
@@ -9615,7 +9700,7 @@
           <p:cNvPr id="3" name="内容占位符 2">
             <a:extLst>
               <a:ext uri="{FF2B5EF4-FFF2-40B4-BE49-F238E27FC236}">
-                <a16:creationId xmlns="" xmlns:a16="http://schemas.microsoft.com/office/drawing/2014/main" id="{261CD801-DECC-4617-8BD3-2A35547A5650}"/>
+                <a16:creationId xmlns:a16="http://schemas.microsoft.com/office/drawing/2014/main" xmlns="" id="{261CD801-DECC-4617-8BD3-2A35547A5650}"/>
               </a:ext>
             </a:extLst>
           </p:cNvPr>
@@ -9809,7 +9894,7 @@
           <p:cNvPr id="4" name="日期占位符 3">
             <a:extLst>
               <a:ext uri="{FF2B5EF4-FFF2-40B4-BE49-F238E27FC236}">
-                <a16:creationId xmlns="" xmlns:a16="http://schemas.microsoft.com/office/drawing/2014/main" id="{C868FBBD-1904-43DF-87E5-827E773A483F}"/>
+                <a16:creationId xmlns:a16="http://schemas.microsoft.com/office/drawing/2014/main" xmlns="" id="{C868FBBD-1904-43DF-87E5-827E773A483F}"/>
               </a:ext>
             </a:extLst>
           </p:cNvPr>
@@ -9830,7 +9915,7 @@
             </a:pPr>
             <a:fld id="{95A2A19B-170D-1043-AE33-7A36DFB7BCDC}" type="datetime2">
               <a:rPr lang="zh-CN" altLang="en-US" smtClean="0"/>
-              <a:t>2018年7月5日</a:t>
+              <a:t>2018年7月6日</a:t>
             </a:fld>
             <a:endParaRPr lang="en-US" altLang="zh-CN" dirty="0"/>
           </a:p>
@@ -9841,7 +9926,7 @@
           <p:cNvPr id="5" name="页脚占位符 4">
             <a:extLst>
               <a:ext uri="{FF2B5EF4-FFF2-40B4-BE49-F238E27FC236}">
-                <a16:creationId xmlns="" xmlns:a16="http://schemas.microsoft.com/office/drawing/2014/main" id="{88D48CA5-9EF4-4AA9-AC2E-8CA93B352A63}"/>
+                <a16:creationId xmlns:a16="http://schemas.microsoft.com/office/drawing/2014/main" xmlns="" id="{88D48CA5-9EF4-4AA9-AC2E-8CA93B352A63}"/>
               </a:ext>
             </a:extLst>
           </p:cNvPr>
@@ -9873,7 +9958,7 @@
           <p:cNvPr id="6" name="灯片编号占位符 5">
             <a:extLst>
               <a:ext uri="{FF2B5EF4-FFF2-40B4-BE49-F238E27FC236}">
-                <a16:creationId xmlns="" xmlns:a16="http://schemas.microsoft.com/office/drawing/2014/main" id="{17EE97E5-38B6-483C-A03E-1007DD19B573}"/>
+                <a16:creationId xmlns:a16="http://schemas.microsoft.com/office/drawing/2014/main" xmlns="" id="{17EE97E5-38B6-483C-A03E-1007DD19B573}"/>
               </a:ext>
             </a:extLst>
           </p:cNvPr>
@@ -9938,7 +10023,7 @@
           <p:cNvPr id="2" name="标题 1">
             <a:extLst>
               <a:ext uri="{FF2B5EF4-FFF2-40B4-BE49-F238E27FC236}">
-                <a16:creationId xmlns="" xmlns:a16="http://schemas.microsoft.com/office/drawing/2014/main" id="{05BAECAB-F1F5-4970-9B27-3664D47E9FCE}"/>
+                <a16:creationId xmlns:a16="http://schemas.microsoft.com/office/drawing/2014/main" xmlns="" id="{05BAECAB-F1F5-4970-9B27-3664D47E9FCE}"/>
               </a:ext>
             </a:extLst>
           </p:cNvPr>
@@ -9966,7 +10051,7 @@
           <p:cNvPr id="3" name="内容占位符 2">
             <a:extLst>
               <a:ext uri="{FF2B5EF4-FFF2-40B4-BE49-F238E27FC236}">
-                <a16:creationId xmlns="" xmlns:a16="http://schemas.microsoft.com/office/drawing/2014/main" id="{9D054DA1-D7B2-4E6F-B664-AB3C21CAFD41}"/>
+                <a16:creationId xmlns:a16="http://schemas.microsoft.com/office/drawing/2014/main" xmlns="" id="{9D054DA1-D7B2-4E6F-B664-AB3C21CAFD41}"/>
               </a:ext>
             </a:extLst>
           </p:cNvPr>
@@ -10065,7 +10150,7 @@
           <p:cNvPr id="4" name="日期占位符 3">
             <a:extLst>
               <a:ext uri="{FF2B5EF4-FFF2-40B4-BE49-F238E27FC236}">
-                <a16:creationId xmlns="" xmlns:a16="http://schemas.microsoft.com/office/drawing/2014/main" id="{6A1B7D36-9DAA-4A61-8ACF-9B9A2C235FAB}"/>
+                <a16:creationId xmlns:a16="http://schemas.microsoft.com/office/drawing/2014/main" xmlns="" id="{6A1B7D36-9DAA-4A61-8ACF-9B9A2C235FAB}"/>
               </a:ext>
             </a:extLst>
           </p:cNvPr>
@@ -10086,7 +10171,7 @@
             </a:pPr>
             <a:fld id="{95A2A19B-170D-1043-AE33-7A36DFB7BCDC}" type="datetime2">
               <a:rPr lang="zh-CN" altLang="en-US" smtClean="0"/>
-              <a:t>2018年7月5日</a:t>
+              <a:t>2018年7月6日</a:t>
             </a:fld>
             <a:endParaRPr lang="en-US" altLang="zh-CN"/>
           </a:p>
@@ -10097,7 +10182,7 @@
           <p:cNvPr id="5" name="页脚占位符 4">
             <a:extLst>
               <a:ext uri="{FF2B5EF4-FFF2-40B4-BE49-F238E27FC236}">
-                <a16:creationId xmlns="" xmlns:a16="http://schemas.microsoft.com/office/drawing/2014/main" id="{81421D9D-CF75-401C-89BE-6BA073E750AE}"/>
+                <a16:creationId xmlns:a16="http://schemas.microsoft.com/office/drawing/2014/main" xmlns="" id="{81421D9D-CF75-401C-89BE-6BA073E750AE}"/>
               </a:ext>
             </a:extLst>
           </p:cNvPr>
@@ -10129,7 +10214,7 @@
           <p:cNvPr id="6" name="灯片编号占位符 5">
             <a:extLst>
               <a:ext uri="{FF2B5EF4-FFF2-40B4-BE49-F238E27FC236}">
-                <a16:creationId xmlns="" xmlns:a16="http://schemas.microsoft.com/office/drawing/2014/main" id="{963E6159-A365-4D20-920B-6A048CB7DC4C}"/>
+                <a16:creationId xmlns:a16="http://schemas.microsoft.com/office/drawing/2014/main" xmlns="" id="{963E6159-A365-4D20-920B-6A048CB7DC4C}"/>
               </a:ext>
             </a:extLst>
           </p:cNvPr>
@@ -10164,7 +10249,7 @@
           <p:cNvPr id="5126" name="Picture 6" descr="“猫”的图片搜索结果">
             <a:extLst>
               <a:ext uri="{FF2B5EF4-FFF2-40B4-BE49-F238E27FC236}">
-                <a16:creationId xmlns="" xmlns:a16="http://schemas.microsoft.com/office/drawing/2014/main" id="{AD96913F-3195-4EC9-9C8D-BEAA34839E94}"/>
+                <a16:creationId xmlns:a16="http://schemas.microsoft.com/office/drawing/2014/main" xmlns="" id="{AD96913F-3195-4EC9-9C8D-BEAA34839E94}"/>
               </a:ext>
             </a:extLst>
           </p:cNvPr>
@@ -10211,7 +10296,7 @@
           <p:cNvPr id="5128" name="Picture 8" descr="“猫”的图片搜索结果">
             <a:extLst>
               <a:ext uri="{FF2B5EF4-FFF2-40B4-BE49-F238E27FC236}">
-                <a16:creationId xmlns="" xmlns:a16="http://schemas.microsoft.com/office/drawing/2014/main" id="{9B70B574-4A67-4543-BECA-5BF688E3F16A}"/>
+                <a16:creationId xmlns:a16="http://schemas.microsoft.com/office/drawing/2014/main" xmlns="" id="{9B70B574-4A67-4543-BECA-5BF688E3F16A}"/>
               </a:ext>
             </a:extLst>
           </p:cNvPr>
@@ -10258,7 +10343,7 @@
           <p:cNvPr id="13" name="图片 12">
             <a:extLst>
               <a:ext uri="{FF2B5EF4-FFF2-40B4-BE49-F238E27FC236}">
-                <a16:creationId xmlns="" xmlns:a16="http://schemas.microsoft.com/office/drawing/2014/main" id="{A0EA8E6D-30C6-4A9A-BF0D-A02659CFA73C}"/>
+                <a16:creationId xmlns:a16="http://schemas.microsoft.com/office/drawing/2014/main" xmlns="" id="{A0EA8E6D-30C6-4A9A-BF0D-A02659CFA73C}"/>
               </a:ext>
             </a:extLst>
           </p:cNvPr>
@@ -10288,7 +10373,7 @@
           <p:cNvPr id="15" name="图片 14">
             <a:extLst>
               <a:ext uri="{FF2B5EF4-FFF2-40B4-BE49-F238E27FC236}">
-                <a16:creationId xmlns="" xmlns:a16="http://schemas.microsoft.com/office/drawing/2014/main" id="{DE25F0F6-8098-4048-A5A5-7F7BD283417A}"/>
+                <a16:creationId xmlns:a16="http://schemas.microsoft.com/office/drawing/2014/main" xmlns="" id="{DE25F0F6-8098-4048-A5A5-7F7BD283417A}"/>
               </a:ext>
             </a:extLst>
           </p:cNvPr>
@@ -10318,7 +10403,7 @@
           <p:cNvPr id="18" name="文字方塊 39">
             <a:extLst>
               <a:ext uri="{FF2B5EF4-FFF2-40B4-BE49-F238E27FC236}">
-                <a16:creationId xmlns="" xmlns:a16="http://schemas.microsoft.com/office/drawing/2014/main" id="{EB4A6560-0B3B-406B-9BAC-690FE129F6F1}"/>
+                <a16:creationId xmlns:a16="http://schemas.microsoft.com/office/drawing/2014/main" xmlns="" id="{EB4A6560-0B3B-406B-9BAC-690FE129F6F1}"/>
               </a:ext>
             </a:extLst>
           </p:cNvPr>
@@ -10355,7 +10440,7 @@
           <p:cNvPr id="19" name="文字方塊 40">
             <a:extLst>
               <a:ext uri="{FF2B5EF4-FFF2-40B4-BE49-F238E27FC236}">
-                <a16:creationId xmlns="" xmlns:a16="http://schemas.microsoft.com/office/drawing/2014/main" id="{9540D4D3-1AA7-44D0-A5E3-25A9A600B5D9}"/>
+                <a16:creationId xmlns:a16="http://schemas.microsoft.com/office/drawing/2014/main" xmlns="" id="{9540D4D3-1AA7-44D0-A5E3-25A9A600B5D9}"/>
               </a:ext>
             </a:extLst>
           </p:cNvPr>
@@ -10392,7 +10477,7 @@
           <p:cNvPr id="20" name="文字方塊 39">
             <a:extLst>
               <a:ext uri="{FF2B5EF4-FFF2-40B4-BE49-F238E27FC236}">
-                <a16:creationId xmlns="" xmlns:a16="http://schemas.microsoft.com/office/drawing/2014/main" id="{504A2DF6-0B7F-409F-816F-977F634B204C}"/>
+                <a16:creationId xmlns:a16="http://schemas.microsoft.com/office/drawing/2014/main" xmlns="" id="{504A2DF6-0B7F-409F-816F-977F634B204C}"/>
               </a:ext>
             </a:extLst>
           </p:cNvPr>
@@ -10429,7 +10514,7 @@
           <p:cNvPr id="21" name="文字方塊 40">
             <a:extLst>
               <a:ext uri="{FF2B5EF4-FFF2-40B4-BE49-F238E27FC236}">
-                <a16:creationId xmlns="" xmlns:a16="http://schemas.microsoft.com/office/drawing/2014/main" id="{FCD63D29-D9B3-474F-9918-78F5EFE30854}"/>
+                <a16:creationId xmlns:a16="http://schemas.microsoft.com/office/drawing/2014/main" xmlns="" id="{FCD63D29-D9B3-474F-9918-78F5EFE30854}"/>
               </a:ext>
             </a:extLst>
           </p:cNvPr>
@@ -10466,7 +10551,7 @@
           <p:cNvPr id="22" name="Picture 6" descr="“猫”的图片搜索结果">
             <a:extLst>
               <a:ext uri="{FF2B5EF4-FFF2-40B4-BE49-F238E27FC236}">
-                <a16:creationId xmlns="" xmlns:a16="http://schemas.microsoft.com/office/drawing/2014/main" id="{81283274-5CEE-4E37-B3EB-85E1B0CA88B9}"/>
+                <a16:creationId xmlns:a16="http://schemas.microsoft.com/office/drawing/2014/main" xmlns="" id="{81283274-5CEE-4E37-B3EB-85E1B0CA88B9}"/>
               </a:ext>
             </a:extLst>
           </p:cNvPr>
@@ -10513,7 +10598,7 @@
           <p:cNvPr id="23" name="Picture 8" descr="“猫”的图片搜索结果">
             <a:extLst>
               <a:ext uri="{FF2B5EF4-FFF2-40B4-BE49-F238E27FC236}">
-                <a16:creationId xmlns="" xmlns:a16="http://schemas.microsoft.com/office/drawing/2014/main" id="{826D2D49-1218-46F6-BF25-A8E10E8E2277}"/>
+                <a16:creationId xmlns:a16="http://schemas.microsoft.com/office/drawing/2014/main" xmlns="" id="{826D2D49-1218-46F6-BF25-A8E10E8E2277}"/>
               </a:ext>
             </a:extLst>
           </p:cNvPr>
@@ -10560,7 +10645,7 @@
           <p:cNvPr id="24" name="图片 23">
             <a:extLst>
               <a:ext uri="{FF2B5EF4-FFF2-40B4-BE49-F238E27FC236}">
-                <a16:creationId xmlns="" xmlns:a16="http://schemas.microsoft.com/office/drawing/2014/main" id="{17D0E1AF-65A6-437F-9560-FFB32371F846}"/>
+                <a16:creationId xmlns:a16="http://schemas.microsoft.com/office/drawing/2014/main" xmlns="" id="{17D0E1AF-65A6-437F-9560-FFB32371F846}"/>
               </a:ext>
             </a:extLst>
           </p:cNvPr>
@@ -10590,7 +10675,7 @@
           <p:cNvPr id="25" name="图片 24">
             <a:extLst>
               <a:ext uri="{FF2B5EF4-FFF2-40B4-BE49-F238E27FC236}">
-                <a16:creationId xmlns="" xmlns:a16="http://schemas.microsoft.com/office/drawing/2014/main" id="{D80C2078-7BF3-4F2F-B186-F7A054360DD7}"/>
+                <a16:creationId xmlns:a16="http://schemas.microsoft.com/office/drawing/2014/main" xmlns="" id="{D80C2078-7BF3-4F2F-B186-F7A054360DD7}"/>
               </a:ext>
             </a:extLst>
           </p:cNvPr>
@@ -10620,7 +10705,7 @@
           <p:cNvPr id="26" name="Picture 6" descr="“猫”的图片搜索结果">
             <a:extLst>
               <a:ext uri="{FF2B5EF4-FFF2-40B4-BE49-F238E27FC236}">
-                <a16:creationId xmlns="" xmlns:a16="http://schemas.microsoft.com/office/drawing/2014/main" id="{3AC3A9E7-2D87-4D61-AA5F-C3DDCF0CE545}"/>
+                <a16:creationId xmlns:a16="http://schemas.microsoft.com/office/drawing/2014/main" xmlns="" id="{3AC3A9E7-2D87-4D61-AA5F-C3DDCF0CE545}"/>
               </a:ext>
             </a:extLst>
           </p:cNvPr>
@@ -10667,7 +10752,7 @@
           <p:cNvPr id="27" name="Picture 8" descr="“猫”的图片搜索结果">
             <a:extLst>
               <a:ext uri="{FF2B5EF4-FFF2-40B4-BE49-F238E27FC236}">
-                <a16:creationId xmlns="" xmlns:a16="http://schemas.microsoft.com/office/drawing/2014/main" id="{0DE14F62-FC23-437D-B2E0-DBF75E44A246}"/>
+                <a16:creationId xmlns:a16="http://schemas.microsoft.com/office/drawing/2014/main" xmlns="" id="{0DE14F62-FC23-437D-B2E0-DBF75E44A246}"/>
               </a:ext>
             </a:extLst>
           </p:cNvPr>
@@ -10714,7 +10799,7 @@
           <p:cNvPr id="28" name="图片 27">
             <a:extLst>
               <a:ext uri="{FF2B5EF4-FFF2-40B4-BE49-F238E27FC236}">
-                <a16:creationId xmlns="" xmlns:a16="http://schemas.microsoft.com/office/drawing/2014/main" id="{DCC9CCA1-5408-431F-89C1-18FB5670714A}"/>
+                <a16:creationId xmlns:a16="http://schemas.microsoft.com/office/drawing/2014/main" xmlns="" id="{DCC9CCA1-5408-431F-89C1-18FB5670714A}"/>
               </a:ext>
             </a:extLst>
           </p:cNvPr>
@@ -10744,7 +10829,7 @@
           <p:cNvPr id="29" name="图片 28">
             <a:extLst>
               <a:ext uri="{FF2B5EF4-FFF2-40B4-BE49-F238E27FC236}">
-                <a16:creationId xmlns="" xmlns:a16="http://schemas.microsoft.com/office/drawing/2014/main" id="{052A63B6-E239-4BD0-A6C3-92AECE82A0AC}"/>
+                <a16:creationId xmlns:a16="http://schemas.microsoft.com/office/drawing/2014/main" xmlns="" id="{052A63B6-E239-4BD0-A6C3-92AECE82A0AC}"/>
               </a:ext>
             </a:extLst>
           </p:cNvPr>
@@ -10774,7 +10859,7 @@
           <p:cNvPr id="30" name="文字方塊 39">
             <a:extLst>
               <a:ext uri="{FF2B5EF4-FFF2-40B4-BE49-F238E27FC236}">
-                <a16:creationId xmlns="" xmlns:a16="http://schemas.microsoft.com/office/drawing/2014/main" id="{CDA6D0C3-39AB-45AC-AA29-BC02221852A3}"/>
+                <a16:creationId xmlns:a16="http://schemas.microsoft.com/office/drawing/2014/main" xmlns="" id="{CDA6D0C3-39AB-45AC-AA29-BC02221852A3}"/>
               </a:ext>
             </a:extLst>
           </p:cNvPr>
@@ -10811,7 +10896,7 @@
           <p:cNvPr id="31" name="文字方塊 40">
             <a:extLst>
               <a:ext uri="{FF2B5EF4-FFF2-40B4-BE49-F238E27FC236}">
-                <a16:creationId xmlns="" xmlns:a16="http://schemas.microsoft.com/office/drawing/2014/main" id="{BDB7D785-9EB9-4E68-BFBA-5B193E8D861D}"/>
+                <a16:creationId xmlns:a16="http://schemas.microsoft.com/office/drawing/2014/main" xmlns="" id="{BDB7D785-9EB9-4E68-BFBA-5B193E8D861D}"/>
               </a:ext>
             </a:extLst>
           </p:cNvPr>
@@ -10848,7 +10933,7 @@
           <p:cNvPr id="32" name="文字方塊 39">
             <a:extLst>
               <a:ext uri="{FF2B5EF4-FFF2-40B4-BE49-F238E27FC236}">
-                <a16:creationId xmlns="" xmlns:a16="http://schemas.microsoft.com/office/drawing/2014/main" id="{555EFD52-BD58-4994-8DAE-E5A42C97A922}"/>
+                <a16:creationId xmlns:a16="http://schemas.microsoft.com/office/drawing/2014/main" xmlns="" id="{555EFD52-BD58-4994-8DAE-E5A42C97A922}"/>
               </a:ext>
             </a:extLst>
           </p:cNvPr>
@@ -10885,7 +10970,7 @@
           <p:cNvPr id="33" name="文字方塊 40">
             <a:extLst>
               <a:ext uri="{FF2B5EF4-FFF2-40B4-BE49-F238E27FC236}">
-                <a16:creationId xmlns="" xmlns:a16="http://schemas.microsoft.com/office/drawing/2014/main" id="{8D19BE08-18F2-4AEF-BC15-8A09DD7C705B}"/>
+                <a16:creationId xmlns:a16="http://schemas.microsoft.com/office/drawing/2014/main" xmlns="" id="{8D19BE08-18F2-4AEF-BC15-8A09DD7C705B}"/>
               </a:ext>
             </a:extLst>
           </p:cNvPr>
@@ -10922,7 +11007,7 @@
           <p:cNvPr id="5140" name="Picture 20" descr="“狗”的图片搜索结果">
             <a:extLst>
               <a:ext uri="{FF2B5EF4-FFF2-40B4-BE49-F238E27FC236}">
-                <a16:creationId xmlns="" xmlns:a16="http://schemas.microsoft.com/office/drawing/2014/main" id="{9ACC94B5-726A-42EE-894C-BA7BE8CD7186}"/>
+                <a16:creationId xmlns:a16="http://schemas.microsoft.com/office/drawing/2014/main" xmlns="" id="{9ACC94B5-726A-42EE-894C-BA7BE8CD7186}"/>
               </a:ext>
             </a:extLst>
           </p:cNvPr>
@@ -10969,7 +11054,7 @@
           <p:cNvPr id="5142" name="Picture 22" descr="“猫”的图片搜索结果">
             <a:extLst>
               <a:ext uri="{FF2B5EF4-FFF2-40B4-BE49-F238E27FC236}">
-                <a16:creationId xmlns="" xmlns:a16="http://schemas.microsoft.com/office/drawing/2014/main" id="{3D4A4F16-59C7-43C1-9C67-3082E881E1D0}"/>
+                <a16:creationId xmlns:a16="http://schemas.microsoft.com/office/drawing/2014/main" xmlns="" id="{3D4A4F16-59C7-43C1-9C67-3082E881E1D0}"/>
               </a:ext>
             </a:extLst>
           </p:cNvPr>
@@ -11446,7 +11531,7 @@
           <p:cNvPr id="2" name="标题 1">
             <a:extLst>
               <a:ext uri="{FF2B5EF4-FFF2-40B4-BE49-F238E27FC236}">
-                <a16:creationId xmlns="" xmlns:a16="http://schemas.microsoft.com/office/drawing/2014/main" id="{DDE33977-990F-48BD-8B10-3350156C1301}"/>
+                <a16:creationId xmlns:a16="http://schemas.microsoft.com/office/drawing/2014/main" xmlns="" id="{DDE33977-990F-48BD-8B10-3350156C1301}"/>
               </a:ext>
             </a:extLst>
           </p:cNvPr>
@@ -11474,7 +11559,7 @@
           <p:cNvPr id="3" name="日期占位符 2">
             <a:extLst>
               <a:ext uri="{FF2B5EF4-FFF2-40B4-BE49-F238E27FC236}">
-                <a16:creationId xmlns="" xmlns:a16="http://schemas.microsoft.com/office/drawing/2014/main" id="{3233B34B-D0CD-41D2-803C-8D192544BC60}"/>
+                <a16:creationId xmlns:a16="http://schemas.microsoft.com/office/drawing/2014/main" xmlns="" id="{3233B34B-D0CD-41D2-803C-8D192544BC60}"/>
               </a:ext>
             </a:extLst>
           </p:cNvPr>
@@ -11495,7 +11580,7 @@
             </a:pPr>
             <a:fld id="{0E714152-BEE6-8740-8BC2-BEA8A9605BAA}" type="datetime2">
               <a:rPr lang="zh-CN" altLang="en-US" smtClean="0"/>
-              <a:t>2018年7月5日</a:t>
+              <a:t>2018年7月6日</a:t>
             </a:fld>
             <a:endParaRPr lang="en-US" altLang="zh-CN"/>
           </a:p>
@@ -11506,7 +11591,7 @@
           <p:cNvPr id="4" name="页脚占位符 3">
             <a:extLst>
               <a:ext uri="{FF2B5EF4-FFF2-40B4-BE49-F238E27FC236}">
-                <a16:creationId xmlns="" xmlns:a16="http://schemas.microsoft.com/office/drawing/2014/main" id="{A2ECB6E5-3012-43ED-96E1-F8AF9262160C}"/>
+                <a16:creationId xmlns:a16="http://schemas.microsoft.com/office/drawing/2014/main" xmlns="" id="{A2ECB6E5-3012-43ED-96E1-F8AF9262160C}"/>
               </a:ext>
             </a:extLst>
           </p:cNvPr>
@@ -11538,7 +11623,7 @@
           <p:cNvPr id="5" name="灯片编号占位符 4">
             <a:extLst>
               <a:ext uri="{FF2B5EF4-FFF2-40B4-BE49-F238E27FC236}">
-                <a16:creationId xmlns="" xmlns:a16="http://schemas.microsoft.com/office/drawing/2014/main" id="{D8640F76-883C-40EF-9AD3-8C5834A1C1F0}"/>
+                <a16:creationId xmlns:a16="http://schemas.microsoft.com/office/drawing/2014/main" xmlns="" id="{D8640F76-883C-40EF-9AD3-8C5834A1C1F0}"/>
               </a:ext>
             </a:extLst>
           </p:cNvPr>
@@ -11573,7 +11658,7 @@
           <p:cNvPr id="6" name="Picture 2" descr="ai head">
             <a:extLst>
               <a:ext uri="{FF2B5EF4-FFF2-40B4-BE49-F238E27FC236}">
-                <a16:creationId xmlns="" xmlns:a16="http://schemas.microsoft.com/office/drawing/2014/main" id="{ACAC611B-6E57-4817-B16F-009B1A018FB9}"/>
+                <a16:creationId xmlns:a16="http://schemas.microsoft.com/office/drawing/2014/main" xmlns="" id="{ACAC611B-6E57-4817-B16F-009B1A018FB9}"/>
               </a:ext>
             </a:extLst>
           </p:cNvPr>
@@ -11648,7 +11733,7 @@
           <p:cNvPr id="2" name="标题 1">
             <a:extLst>
               <a:ext uri="{FF2B5EF4-FFF2-40B4-BE49-F238E27FC236}">
-                <a16:creationId xmlns="" xmlns:a16="http://schemas.microsoft.com/office/drawing/2014/main" id="{DD03AD3E-BE9E-42C6-B249-B76CE569CD4E}"/>
+                <a16:creationId xmlns:a16="http://schemas.microsoft.com/office/drawing/2014/main" xmlns="" id="{DD03AD3E-BE9E-42C6-B249-B76CE569CD4E}"/>
               </a:ext>
             </a:extLst>
           </p:cNvPr>
@@ -11676,7 +11761,7 @@
           <p:cNvPr id="3" name="内容占位符 2">
             <a:extLst>
               <a:ext uri="{FF2B5EF4-FFF2-40B4-BE49-F238E27FC236}">
-                <a16:creationId xmlns="" xmlns:a16="http://schemas.microsoft.com/office/drawing/2014/main" id="{0D759A90-3F96-4C2A-9877-9F19781C0BC8}"/>
+                <a16:creationId xmlns:a16="http://schemas.microsoft.com/office/drawing/2014/main" xmlns="" id="{0D759A90-3F96-4C2A-9877-9F19781C0BC8}"/>
               </a:ext>
             </a:extLst>
           </p:cNvPr>
@@ -11774,7 +11859,7 @@
           <p:cNvPr id="4" name="日期占位符 3">
             <a:extLst>
               <a:ext uri="{FF2B5EF4-FFF2-40B4-BE49-F238E27FC236}">
-                <a16:creationId xmlns="" xmlns:a16="http://schemas.microsoft.com/office/drawing/2014/main" id="{4E3825FE-4341-4CF0-941C-B4BABC1B3DC7}"/>
+                <a16:creationId xmlns:a16="http://schemas.microsoft.com/office/drawing/2014/main" xmlns="" id="{4E3825FE-4341-4CF0-941C-B4BABC1B3DC7}"/>
               </a:ext>
             </a:extLst>
           </p:cNvPr>
@@ -11795,7 +11880,7 @@
             </a:pPr>
             <a:fld id="{95A2A19B-170D-1043-AE33-7A36DFB7BCDC}" type="datetime2">
               <a:rPr lang="zh-CN" altLang="en-US" smtClean="0"/>
-              <a:t>2018年7月5日</a:t>
+              <a:t>2018年7月6日</a:t>
             </a:fld>
             <a:endParaRPr lang="en-US" altLang="zh-CN"/>
           </a:p>
@@ -11806,7 +11891,7 @@
           <p:cNvPr id="5" name="页脚占位符 4">
             <a:extLst>
               <a:ext uri="{FF2B5EF4-FFF2-40B4-BE49-F238E27FC236}">
-                <a16:creationId xmlns="" xmlns:a16="http://schemas.microsoft.com/office/drawing/2014/main" id="{E75B2C1F-3E29-4D40-AE04-8AE261587309}"/>
+                <a16:creationId xmlns:a16="http://schemas.microsoft.com/office/drawing/2014/main" xmlns="" id="{E75B2C1F-3E29-4D40-AE04-8AE261587309}"/>
               </a:ext>
             </a:extLst>
           </p:cNvPr>
@@ -11838,7 +11923,7 @@
           <p:cNvPr id="6" name="灯片编号占位符 5">
             <a:extLst>
               <a:ext uri="{FF2B5EF4-FFF2-40B4-BE49-F238E27FC236}">
-                <a16:creationId xmlns="" xmlns:a16="http://schemas.microsoft.com/office/drawing/2014/main" id="{EA694379-8134-4263-994B-7087BE0D7718}"/>
+                <a16:creationId xmlns:a16="http://schemas.microsoft.com/office/drawing/2014/main" xmlns="" id="{EA694379-8134-4263-994B-7087BE0D7718}"/>
               </a:ext>
             </a:extLst>
           </p:cNvPr>
@@ -11903,7 +11988,7 @@
           <p:cNvPr id="2" name="标题 1">
             <a:extLst>
               <a:ext uri="{FF2B5EF4-FFF2-40B4-BE49-F238E27FC236}">
-                <a16:creationId xmlns="" xmlns:a16="http://schemas.microsoft.com/office/drawing/2014/main" id="{A84C90B4-A40A-46C1-B377-D17BA45AF7D8}"/>
+                <a16:creationId xmlns:a16="http://schemas.microsoft.com/office/drawing/2014/main" xmlns="" id="{A84C90B4-A40A-46C1-B377-D17BA45AF7D8}"/>
               </a:ext>
             </a:extLst>
           </p:cNvPr>
@@ -11931,7 +12016,7 @@
           <p:cNvPr id="3" name="内容占位符 2">
             <a:extLst>
               <a:ext uri="{FF2B5EF4-FFF2-40B4-BE49-F238E27FC236}">
-                <a16:creationId xmlns="" xmlns:a16="http://schemas.microsoft.com/office/drawing/2014/main" id="{A6AD590F-BDB6-4099-BAE5-F5750586A12E}"/>
+                <a16:creationId xmlns:a16="http://schemas.microsoft.com/office/drawing/2014/main" xmlns="" id="{A6AD590F-BDB6-4099-BAE5-F5750586A12E}"/>
               </a:ext>
             </a:extLst>
           </p:cNvPr>
@@ -12022,7 +12107,7 @@
           <p:cNvPr id="4" name="日期占位符 3">
             <a:extLst>
               <a:ext uri="{FF2B5EF4-FFF2-40B4-BE49-F238E27FC236}">
-                <a16:creationId xmlns="" xmlns:a16="http://schemas.microsoft.com/office/drawing/2014/main" id="{38AF9A90-79CD-46C9-A82B-361D2E396C78}"/>
+                <a16:creationId xmlns:a16="http://schemas.microsoft.com/office/drawing/2014/main" xmlns="" id="{38AF9A90-79CD-46C9-A82B-361D2E396C78}"/>
               </a:ext>
             </a:extLst>
           </p:cNvPr>
@@ -12043,7 +12128,7 @@
             </a:pPr>
             <a:fld id="{95A2A19B-170D-1043-AE33-7A36DFB7BCDC}" type="datetime2">
               <a:rPr lang="zh-CN" altLang="en-US" smtClean="0"/>
-              <a:t>2018年7月5日</a:t>
+              <a:t>2018年7月6日</a:t>
             </a:fld>
             <a:endParaRPr lang="en-US" altLang="zh-CN"/>
           </a:p>
@@ -12054,7 +12139,7 @@
           <p:cNvPr id="5" name="页脚占位符 4">
             <a:extLst>
               <a:ext uri="{FF2B5EF4-FFF2-40B4-BE49-F238E27FC236}">
-                <a16:creationId xmlns="" xmlns:a16="http://schemas.microsoft.com/office/drawing/2014/main" id="{5F590F6D-696D-4411-BC80-2EBFBBD029CD}"/>
+                <a16:creationId xmlns:a16="http://schemas.microsoft.com/office/drawing/2014/main" xmlns="" id="{5F590F6D-696D-4411-BC80-2EBFBBD029CD}"/>
               </a:ext>
             </a:extLst>
           </p:cNvPr>
@@ -12086,7 +12171,7 @@
           <p:cNvPr id="6" name="灯片编号占位符 5">
             <a:extLst>
               <a:ext uri="{FF2B5EF4-FFF2-40B4-BE49-F238E27FC236}">
-                <a16:creationId xmlns="" xmlns:a16="http://schemas.microsoft.com/office/drawing/2014/main" id="{2DAF391A-119B-4975-904F-29D16D2F9F54}"/>
+                <a16:creationId xmlns:a16="http://schemas.microsoft.com/office/drawing/2014/main" xmlns="" id="{2DAF391A-119B-4975-904F-29D16D2F9F54}"/>
               </a:ext>
             </a:extLst>
           </p:cNvPr>
@@ -12210,7 +12295,7 @@
           <p:cNvPr id="2" name="标题 1">
             <a:extLst>
               <a:ext uri="{FF2B5EF4-FFF2-40B4-BE49-F238E27FC236}">
-                <a16:creationId xmlns="" xmlns:a16="http://schemas.microsoft.com/office/drawing/2014/main" id="{54D5A80D-18D6-42E1-BD49-64E886178140}"/>
+                <a16:creationId xmlns:a16="http://schemas.microsoft.com/office/drawing/2014/main" xmlns="" id="{54D5A80D-18D6-42E1-BD49-64E886178140}"/>
               </a:ext>
             </a:extLst>
           </p:cNvPr>
@@ -12240,7 +12325,7 @@
               <p:cNvPr id="12" name="内容占位符 11">
                 <a:extLst>
                   <a:ext uri="{FF2B5EF4-FFF2-40B4-BE49-F238E27FC236}">
-                    <a16:creationId xmlns="" xmlns:a16="http://schemas.microsoft.com/office/drawing/2014/main" id="{9A636946-A956-43FD-9D29-8526A6B369D5}"/>
+                    <a16:creationId xmlns:a16="http://schemas.microsoft.com/office/drawing/2014/main" xmlns="" id="{9A636946-A956-43FD-9D29-8526A6B369D5}"/>
                   </a:ext>
                 </a:extLst>
               </p:cNvPr>
@@ -12578,7 +12663,7 @@
           <p:cNvPr id="15" name="内容占位符 14">
             <a:extLst>
               <a:ext uri="{FF2B5EF4-FFF2-40B4-BE49-F238E27FC236}">
-                <a16:creationId xmlns="" xmlns:a16="http://schemas.microsoft.com/office/drawing/2014/main" id="{3522E053-E523-498D-8B06-C20AB220B3B0}"/>
+                <a16:creationId xmlns:a16="http://schemas.microsoft.com/office/drawing/2014/main" xmlns="" id="{3522E053-E523-498D-8B06-C20AB220B3B0}"/>
               </a:ext>
             </a:extLst>
           </p:cNvPr>
@@ -12613,7 +12698,7 @@
           <p:cNvPr id="4" name="日期占位符 3">
             <a:extLst>
               <a:ext uri="{FF2B5EF4-FFF2-40B4-BE49-F238E27FC236}">
-                <a16:creationId xmlns="" xmlns:a16="http://schemas.microsoft.com/office/drawing/2014/main" id="{6EFABF30-1F8F-4FD4-9AFB-3A8776AB1508}"/>
+                <a16:creationId xmlns:a16="http://schemas.microsoft.com/office/drawing/2014/main" xmlns="" id="{6EFABF30-1F8F-4FD4-9AFB-3A8776AB1508}"/>
               </a:ext>
             </a:extLst>
           </p:cNvPr>
@@ -12634,7 +12719,7 @@
             </a:pPr>
             <a:fld id="{95A2A19B-170D-1043-AE33-7A36DFB7BCDC}" type="datetime2">
               <a:rPr lang="zh-CN" altLang="en-US" smtClean="0"/>
-              <a:t>2018年7月5日</a:t>
+              <a:t>2018年7月6日</a:t>
             </a:fld>
             <a:endParaRPr lang="en-US" altLang="zh-CN"/>
           </a:p>
@@ -12645,7 +12730,7 @@
           <p:cNvPr id="5" name="页脚占位符 4">
             <a:extLst>
               <a:ext uri="{FF2B5EF4-FFF2-40B4-BE49-F238E27FC236}">
-                <a16:creationId xmlns="" xmlns:a16="http://schemas.microsoft.com/office/drawing/2014/main" id="{85411ADB-4940-4F5F-8822-F66BFD15EE2B}"/>
+                <a16:creationId xmlns:a16="http://schemas.microsoft.com/office/drawing/2014/main" xmlns="" id="{85411ADB-4940-4F5F-8822-F66BFD15EE2B}"/>
               </a:ext>
             </a:extLst>
           </p:cNvPr>
@@ -12677,7 +12762,7 @@
           <p:cNvPr id="6" name="灯片编号占位符 5">
             <a:extLst>
               <a:ext uri="{FF2B5EF4-FFF2-40B4-BE49-F238E27FC236}">
-                <a16:creationId xmlns="" xmlns:a16="http://schemas.microsoft.com/office/drawing/2014/main" id="{40957E66-7741-4638-BFCE-C6BE6F7BB196}"/>
+                <a16:creationId xmlns:a16="http://schemas.microsoft.com/office/drawing/2014/main" xmlns="" id="{40957E66-7741-4638-BFCE-C6BE6F7BB196}"/>
               </a:ext>
             </a:extLst>
           </p:cNvPr>
@@ -12712,7 +12797,7 @@
           <p:cNvPr id="16" name="内容占位符 6">
             <a:extLst>
               <a:ext uri="{FF2B5EF4-FFF2-40B4-BE49-F238E27FC236}">
-                <a16:creationId xmlns="" xmlns:a16="http://schemas.microsoft.com/office/drawing/2014/main" id="{EB980026-D29F-4C6E-9BFC-18210325D87E}"/>
+                <a16:creationId xmlns:a16="http://schemas.microsoft.com/office/drawing/2014/main" xmlns="" id="{EB980026-D29F-4C6E-9BFC-18210325D87E}"/>
               </a:ext>
             </a:extLst>
           </p:cNvPr>
@@ -12741,14 +12826,14 @@
                 <a:gridCol w="1212783">
                   <a:extLst>
                     <a:ext uri="{9D8B030D-6E8A-4147-A177-3AD203B41FA5}">
-                      <a16:colId xmlns="" xmlns:a16="http://schemas.microsoft.com/office/drawing/2014/main" val="849694925"/>
+                      <a16:colId xmlns:a16="http://schemas.microsoft.com/office/drawing/2014/main" xmlns="" val="849694925"/>
                     </a:ext>
                   </a:extLst>
                 </a:gridCol>
                 <a:gridCol w="1212783">
                   <a:extLst>
                     <a:ext uri="{9D8B030D-6E8A-4147-A177-3AD203B41FA5}">
-                      <a16:colId xmlns="" xmlns:a16="http://schemas.microsoft.com/office/drawing/2014/main" val="2032597962"/>
+                      <a16:colId xmlns:a16="http://schemas.microsoft.com/office/drawing/2014/main" xmlns="" val="2032597962"/>
                     </a:ext>
                   </a:extLst>
                 </a:gridCol>
@@ -12794,7 +12879,7 @@
                 </a:tc>
                 <a:extLst>
                   <a:ext uri="{0D108BD9-81ED-4DB2-BD59-A6C34878D82A}">
-                    <a16:rowId xmlns="" xmlns:a16="http://schemas.microsoft.com/office/drawing/2014/main" val="246005499"/>
+                    <a16:rowId xmlns:a16="http://schemas.microsoft.com/office/drawing/2014/main" xmlns="" val="246005499"/>
                   </a:ext>
                 </a:extLst>
               </a:tr>
@@ -12831,7 +12916,7 @@
                 </a:tc>
                 <a:extLst>
                   <a:ext uri="{0D108BD9-81ED-4DB2-BD59-A6C34878D82A}">
-                    <a16:rowId xmlns="" xmlns:a16="http://schemas.microsoft.com/office/drawing/2014/main" val="1967244540"/>
+                    <a16:rowId xmlns:a16="http://schemas.microsoft.com/office/drawing/2014/main" xmlns="" val="1967244540"/>
                   </a:ext>
                 </a:extLst>
               </a:tr>
@@ -12868,7 +12953,7 @@
                 </a:tc>
                 <a:extLst>
                   <a:ext uri="{0D108BD9-81ED-4DB2-BD59-A6C34878D82A}">
-                    <a16:rowId xmlns="" xmlns:a16="http://schemas.microsoft.com/office/drawing/2014/main" val="1823030155"/>
+                    <a16:rowId xmlns:a16="http://schemas.microsoft.com/office/drawing/2014/main" xmlns="" val="1823030155"/>
                   </a:ext>
                 </a:extLst>
               </a:tr>
@@ -12905,7 +12990,7 @@
                 </a:tc>
                 <a:extLst>
                   <a:ext uri="{0D108BD9-81ED-4DB2-BD59-A6C34878D82A}">
-                    <a16:rowId xmlns="" xmlns:a16="http://schemas.microsoft.com/office/drawing/2014/main" val="1815547532"/>
+                    <a16:rowId xmlns:a16="http://schemas.microsoft.com/office/drawing/2014/main" xmlns="" val="1815547532"/>
                   </a:ext>
                 </a:extLst>
               </a:tr>
@@ -12942,7 +13027,7 @@
                 </a:tc>
                 <a:extLst>
                   <a:ext uri="{0D108BD9-81ED-4DB2-BD59-A6C34878D82A}">
-                    <a16:rowId xmlns="" xmlns:a16="http://schemas.microsoft.com/office/drawing/2014/main" val="168178639"/>
+                    <a16:rowId xmlns:a16="http://schemas.microsoft.com/office/drawing/2014/main" xmlns="" val="168178639"/>
                   </a:ext>
                 </a:extLst>
               </a:tr>
@@ -12985,7 +13070,7 @@
           <p:cNvPr id="2" name="标题 1">
             <a:extLst>
               <a:ext uri="{FF2B5EF4-FFF2-40B4-BE49-F238E27FC236}">
-                <a16:creationId xmlns="" xmlns:a16="http://schemas.microsoft.com/office/drawing/2014/main" id="{2EF6CFFB-B21D-4816-8B60-4F694DE205A3}"/>
+                <a16:creationId xmlns:a16="http://schemas.microsoft.com/office/drawing/2014/main" xmlns="" id="{2EF6CFFB-B21D-4816-8B60-4F694DE205A3}"/>
               </a:ext>
             </a:extLst>
           </p:cNvPr>
@@ -13013,7 +13098,7 @@
           <p:cNvPr id="4" name="日期占位符 3">
             <a:extLst>
               <a:ext uri="{FF2B5EF4-FFF2-40B4-BE49-F238E27FC236}">
-                <a16:creationId xmlns="" xmlns:a16="http://schemas.microsoft.com/office/drawing/2014/main" id="{C85B2897-6538-42C2-ACB0-1A31F8468D6E}"/>
+                <a16:creationId xmlns:a16="http://schemas.microsoft.com/office/drawing/2014/main" xmlns="" id="{C85B2897-6538-42C2-ACB0-1A31F8468D6E}"/>
               </a:ext>
             </a:extLst>
           </p:cNvPr>
@@ -13034,7 +13119,7 @@
             </a:pPr>
             <a:fld id="{95A2A19B-170D-1043-AE33-7A36DFB7BCDC}" type="datetime2">
               <a:rPr lang="zh-CN" altLang="en-US" smtClean="0"/>
-              <a:t>2018年7月5日</a:t>
+              <a:t>2018年7月6日</a:t>
             </a:fld>
             <a:endParaRPr lang="en-US" altLang="zh-CN"/>
           </a:p>
@@ -13045,7 +13130,7 @@
           <p:cNvPr id="5" name="页脚占位符 4">
             <a:extLst>
               <a:ext uri="{FF2B5EF4-FFF2-40B4-BE49-F238E27FC236}">
-                <a16:creationId xmlns="" xmlns:a16="http://schemas.microsoft.com/office/drawing/2014/main" id="{F14B425A-3171-4E97-89FA-80AFA74855FB}"/>
+                <a16:creationId xmlns:a16="http://schemas.microsoft.com/office/drawing/2014/main" xmlns="" id="{F14B425A-3171-4E97-89FA-80AFA74855FB}"/>
               </a:ext>
             </a:extLst>
           </p:cNvPr>
@@ -13077,7 +13162,7 @@
           <p:cNvPr id="6" name="灯片编号占位符 5">
             <a:extLst>
               <a:ext uri="{FF2B5EF4-FFF2-40B4-BE49-F238E27FC236}">
-                <a16:creationId xmlns="" xmlns:a16="http://schemas.microsoft.com/office/drawing/2014/main" id="{F15C4534-974F-4C9E-B28B-699F862B6BC7}"/>
+                <a16:creationId xmlns:a16="http://schemas.microsoft.com/office/drawing/2014/main" xmlns="" id="{F15C4534-974F-4C9E-B28B-699F862B6BC7}"/>
               </a:ext>
             </a:extLst>
           </p:cNvPr>
@@ -13114,7 +13199,7 @@
               <p:cNvPr id="10" name="内容占位符 9">
                 <a:extLst>
                   <a:ext uri="{FF2B5EF4-FFF2-40B4-BE49-F238E27FC236}">
-                    <a16:creationId xmlns="" xmlns:a16="http://schemas.microsoft.com/office/drawing/2014/main" id="{BD0E0E32-A568-44E3-89AF-900661C8FDC1}"/>
+                    <a16:creationId xmlns:a16="http://schemas.microsoft.com/office/drawing/2014/main" xmlns="" id="{BD0E0E32-A568-44E3-89AF-900661C8FDC1}"/>
                   </a:ext>
                 </a:extLst>
               </p:cNvPr>
@@ -13325,7 +13410,7 @@
           <p:cNvPr id="8" name="内容占位符 14">
             <a:extLst>
               <a:ext uri="{FF2B5EF4-FFF2-40B4-BE49-F238E27FC236}">
-                <a16:creationId xmlns="" xmlns:a16="http://schemas.microsoft.com/office/drawing/2014/main" id="{CA915622-2D59-44FD-B4E4-7AD11D279975}"/>
+                <a16:creationId xmlns:a16="http://schemas.microsoft.com/office/drawing/2014/main" xmlns="" id="{CA915622-2D59-44FD-B4E4-7AD11D279975}"/>
               </a:ext>
             </a:extLst>
           </p:cNvPr>
@@ -13361,7 +13446,7 @@
           <p:cNvPr id="9" name="直接连接符 8">
             <a:extLst>
               <a:ext uri="{FF2B5EF4-FFF2-40B4-BE49-F238E27FC236}">
-                <a16:creationId xmlns="" xmlns:a16="http://schemas.microsoft.com/office/drawing/2014/main" id="{B8EA0638-0410-4EC6-84F4-1A23C7402721}"/>
+                <a16:creationId xmlns:a16="http://schemas.microsoft.com/office/drawing/2014/main" xmlns="" id="{B8EA0638-0410-4EC6-84F4-1A23C7402721}"/>
               </a:ext>
             </a:extLst>
           </p:cNvPr>
@@ -13400,7 +13485,7 @@
           <p:cNvPr id="12" name="直接连接符 11">
             <a:extLst>
               <a:ext uri="{FF2B5EF4-FFF2-40B4-BE49-F238E27FC236}">
-                <a16:creationId xmlns="" xmlns:a16="http://schemas.microsoft.com/office/drawing/2014/main" id="{9667FD76-2C8E-4BD3-B647-AA153E470261}"/>
+                <a16:creationId xmlns:a16="http://schemas.microsoft.com/office/drawing/2014/main" xmlns="" id="{9667FD76-2C8E-4BD3-B647-AA153E470261}"/>
               </a:ext>
             </a:extLst>
           </p:cNvPr>
@@ -13443,7 +13528,7 @@
           <p:cNvPr id="15" name="直接连接符 14">
             <a:extLst>
               <a:ext uri="{FF2B5EF4-FFF2-40B4-BE49-F238E27FC236}">
-                <a16:creationId xmlns="" xmlns:a16="http://schemas.microsoft.com/office/drawing/2014/main" id="{430E730C-2EF6-476D-B193-EB414A1C87EE}"/>
+                <a16:creationId xmlns:a16="http://schemas.microsoft.com/office/drawing/2014/main" xmlns="" id="{430E730C-2EF6-476D-B193-EB414A1C87EE}"/>
               </a:ext>
             </a:extLst>
           </p:cNvPr>
@@ -13735,7 +13820,7 @@
           <p:cNvPr id="2" name="标题 1">
             <a:extLst>
               <a:ext uri="{FF2B5EF4-FFF2-40B4-BE49-F238E27FC236}">
-                <a16:creationId xmlns="" xmlns:a16="http://schemas.microsoft.com/office/drawing/2014/main" id="{C720F6F0-C510-4BBE-89E6-A8C9A8A57415}"/>
+                <a16:creationId xmlns:a16="http://schemas.microsoft.com/office/drawing/2014/main" xmlns="" id="{C720F6F0-C510-4BBE-89E6-A8C9A8A57415}"/>
               </a:ext>
             </a:extLst>
           </p:cNvPr>
@@ -13758,14 +13843,14 @@
           </a:p>
         </p:txBody>
       </p:sp>
-      <mc:AlternateContent xmlns:mc="http://schemas.openxmlformats.org/markup-compatibility/2006">
-        <mc:Choice xmlns:a14="http://schemas.microsoft.com/office/drawing/2010/main" Requires="a14">
+      <mc:AlternateContent xmlns:mc="http://schemas.openxmlformats.org/markup-compatibility/2006" xmlns:a14="http://schemas.microsoft.com/office/drawing/2010/main">
+        <mc:Choice Requires="a14">
           <p:sp>
             <p:nvSpPr>
               <p:cNvPr id="3" name="内容占位符 2">
                 <a:extLst>
                   <a:ext uri="{FF2B5EF4-FFF2-40B4-BE49-F238E27FC236}">
-                    <a16:creationId xmlns="" xmlns:a16="http://schemas.microsoft.com/office/drawing/2014/main" id="{A68605A4-A425-4CD5-8D59-3ADEED6DE32A}"/>
+                    <a16:creationId xmlns:a16="http://schemas.microsoft.com/office/drawing/2014/main" xmlns="" id="{A68605A4-A425-4CD5-8D59-3ADEED6DE32A}"/>
                   </a:ext>
                 </a:extLst>
               </p:cNvPr>
@@ -14053,7 +14138,7 @@
             </p:txBody>
           </p:sp>
         </mc:Choice>
-        <mc:Fallback>
+        <mc:Fallback xmlns="">
           <p:sp>
             <p:nvSpPr>
               <p:cNvPr id="3" name="内容占位符 2">
@@ -14102,7 +14187,7 @@
           <p:cNvPr id="4" name="日期占位符 3">
             <a:extLst>
               <a:ext uri="{FF2B5EF4-FFF2-40B4-BE49-F238E27FC236}">
-                <a16:creationId xmlns="" xmlns:a16="http://schemas.microsoft.com/office/drawing/2014/main" id="{97913FA6-F7A2-4197-B8DA-F29481A0F82B}"/>
+                <a16:creationId xmlns:a16="http://schemas.microsoft.com/office/drawing/2014/main" xmlns="" id="{97913FA6-F7A2-4197-B8DA-F29481A0F82B}"/>
               </a:ext>
             </a:extLst>
           </p:cNvPr>
@@ -14123,7 +14208,7 @@
             </a:pPr>
             <a:fld id="{95A2A19B-170D-1043-AE33-7A36DFB7BCDC}" type="datetime2">
               <a:rPr lang="zh-CN" altLang="en-US" smtClean="0"/>
-              <a:t>2018年7月5日</a:t>
+              <a:t>2018年7月6日</a:t>
             </a:fld>
             <a:endParaRPr lang="en-US" altLang="zh-CN"/>
           </a:p>
@@ -14134,7 +14219,7 @@
           <p:cNvPr id="5" name="页脚占位符 4">
             <a:extLst>
               <a:ext uri="{FF2B5EF4-FFF2-40B4-BE49-F238E27FC236}">
-                <a16:creationId xmlns="" xmlns:a16="http://schemas.microsoft.com/office/drawing/2014/main" id="{E5823841-CED2-4B9C-8F0A-FE5DBE628BCB}"/>
+                <a16:creationId xmlns:a16="http://schemas.microsoft.com/office/drawing/2014/main" xmlns="" id="{E5823841-CED2-4B9C-8F0A-FE5DBE628BCB}"/>
               </a:ext>
             </a:extLst>
           </p:cNvPr>
@@ -14166,7 +14251,7 @@
           <p:cNvPr id="6" name="灯片编号占位符 5">
             <a:extLst>
               <a:ext uri="{FF2B5EF4-FFF2-40B4-BE49-F238E27FC236}">
-                <a16:creationId xmlns="" xmlns:a16="http://schemas.microsoft.com/office/drawing/2014/main" id="{730AF170-3554-43A2-BA79-E5FF54F2C147}"/>
+                <a16:creationId xmlns:a16="http://schemas.microsoft.com/office/drawing/2014/main" xmlns="" id="{730AF170-3554-43A2-BA79-E5FF54F2C147}"/>
               </a:ext>
             </a:extLst>
           </p:cNvPr>
@@ -14201,7 +14286,7 @@
           <p:cNvPr id="7" name="内容占位符 14">
             <a:extLst>
               <a:ext uri="{FF2B5EF4-FFF2-40B4-BE49-F238E27FC236}">
-                <a16:creationId xmlns="" xmlns:a16="http://schemas.microsoft.com/office/drawing/2014/main" id="{9AFCF1CC-4784-410E-B4A4-0CEA25C2A6C6}"/>
+                <a16:creationId xmlns:a16="http://schemas.microsoft.com/office/drawing/2014/main" xmlns="" id="{9AFCF1CC-4784-410E-B4A4-0CEA25C2A6C6}"/>
               </a:ext>
             </a:extLst>
           </p:cNvPr>
@@ -14237,7 +14322,7 @@
           <p:cNvPr id="8" name="直接连接符 7">
             <a:extLst>
               <a:ext uri="{FF2B5EF4-FFF2-40B4-BE49-F238E27FC236}">
-                <a16:creationId xmlns="" xmlns:a16="http://schemas.microsoft.com/office/drawing/2014/main" id="{993906AA-D657-4AAA-8F8D-DC8087721264}"/>
+                <a16:creationId xmlns:a16="http://schemas.microsoft.com/office/drawing/2014/main" xmlns="" id="{993906AA-D657-4AAA-8F8D-DC8087721264}"/>
               </a:ext>
             </a:extLst>
           </p:cNvPr>
@@ -14276,7 +14361,7 @@
           <p:cNvPr id="9" name="直接连接符 8">
             <a:extLst>
               <a:ext uri="{FF2B5EF4-FFF2-40B4-BE49-F238E27FC236}">
-                <a16:creationId xmlns="" xmlns:a16="http://schemas.microsoft.com/office/drawing/2014/main" id="{5B6D09FB-D13D-47E9-A513-50281374E973}"/>
+                <a16:creationId xmlns:a16="http://schemas.microsoft.com/office/drawing/2014/main" xmlns="" id="{5B6D09FB-D13D-47E9-A513-50281374E973}"/>
               </a:ext>
             </a:extLst>
           </p:cNvPr>
@@ -14319,7 +14404,7 @@
           <p:cNvPr id="10" name="直接连接符 9">
             <a:extLst>
               <a:ext uri="{FF2B5EF4-FFF2-40B4-BE49-F238E27FC236}">
-                <a16:creationId xmlns="" xmlns:a16="http://schemas.microsoft.com/office/drawing/2014/main" id="{D823F8C7-6F36-48A0-A850-97D4586184C8}"/>
+                <a16:creationId xmlns:a16="http://schemas.microsoft.com/office/drawing/2014/main" xmlns="" id="{D823F8C7-6F36-48A0-A850-97D4586184C8}"/>
               </a:ext>
             </a:extLst>
           </p:cNvPr>
@@ -14364,7 +14449,7 @@
               <p:cNvPr id="11" name="矩形 10">
                 <a:extLst>
                   <a:ext uri="{FF2B5EF4-FFF2-40B4-BE49-F238E27FC236}">
-                    <a16:creationId xmlns="" xmlns:a16="http://schemas.microsoft.com/office/drawing/2014/main" id="{25CFE4FA-4ADB-4B82-B875-AA5178D80394}"/>
+                    <a16:creationId xmlns:a16="http://schemas.microsoft.com/office/drawing/2014/main" xmlns="" id="{25CFE4FA-4ADB-4B82-B875-AA5178D80394}"/>
                   </a:ext>
                 </a:extLst>
               </p:cNvPr>
@@ -15214,7 +15299,7 @@
             </a:pPr>
             <a:fld id="{95A2A19B-170D-1043-AE33-7A36DFB7BCDC}" type="datetime2">
               <a:rPr lang="zh-CN" altLang="en-US" smtClean="0"/>
-              <a:t>2018年7月5日</a:t>
+              <a:t>2018年7月6日</a:t>
             </a:fld>
             <a:endParaRPr lang="en-US" altLang="zh-CN"/>
           </a:p>
@@ -15348,7 +15433,7 @@
             </a:pPr>
             <a:fld id="{95A2A19B-170D-1043-AE33-7A36DFB7BCDC}" type="datetime2">
               <a:rPr lang="zh-CN" altLang="en-US" smtClean="0"/>
-              <a:t>2018年7月5日</a:t>
+              <a:t>2018年7月6日</a:t>
             </a:fld>
             <a:endParaRPr lang="en-US" altLang="zh-CN"/>
           </a:p>
@@ -15757,7 +15842,7 @@
               <p:cNvPr id="11" name="矩形 10">
                 <a:extLst>
                   <a:ext uri="{FF2B5EF4-FFF2-40B4-BE49-F238E27FC236}">
-                    <a16:creationId xmlns="" xmlns:a16="http://schemas.microsoft.com/office/drawing/2014/main" id="{25CFE4FA-4ADB-4B82-B875-AA5178D80394}"/>
+                    <a16:creationId xmlns:a16="http://schemas.microsoft.com/office/drawing/2014/main" xmlns="" id="{25CFE4FA-4ADB-4B82-B875-AA5178D80394}"/>
                   </a:ext>
                 </a:extLst>
               </p:cNvPr>
@@ -16117,7 +16202,7 @@
             </a:pPr>
             <a:fld id="{95A2A19B-170D-1043-AE33-7A36DFB7BCDC}" type="datetime2">
               <a:rPr lang="zh-CN" altLang="en-US" smtClean="0"/>
-              <a:t>2018年7月5日</a:t>
+              <a:t>2018年7月6日</a:t>
             </a:fld>
             <a:endParaRPr lang="en-US" altLang="zh-CN"/>
           </a:p>
@@ -16326,130 +16411,23 @@
                 </a14:m>
                 <a:r>
                   <a:rPr kumimoji="1" lang="zh-CN" altLang="en-US" dirty="0" smtClean="0"/>
-                  <a:t>的值下降</a:t>
+                  <a:t>的值下降：</a:t>
                 </a:r>
-                <a:r>
-                  <a:rPr kumimoji="1" lang="zh-CN" altLang="en-US" dirty="0"/>
-                  <a:t>：</a:t>
-                </a:r>
-                <a14:m>
-                  <m:oMath xmlns:m="http://schemas.openxmlformats.org/officeDocument/2006/math">
-                    <m:d>
-                      <m:dPr>
-                        <m:ctrlPr>
-                          <a:rPr kumimoji="1" lang="en-US" altLang="zh-CN" b="0" i="1" dirty="0" smtClean="0">
-                            <a:latin typeface="Cambria Math" charset="0"/>
-                            <a:sym typeface="Wingdings"/>
-                          </a:rPr>
-                        </m:ctrlPr>
-                      </m:dPr>
-                      <m:e>
-                        <m:r>
-                          <a:rPr kumimoji="1" lang="en-US" altLang="zh-CN" b="0" i="1" dirty="0" smtClean="0">
-                            <a:latin typeface="Cambria Math" charset="0"/>
-                            <a:sym typeface="Wingdings"/>
-                          </a:rPr>
-                          <m:t>𝑤</m:t>
-                        </m:r>
-                        <m:r>
-                          <a:rPr kumimoji="1" lang="en-US" altLang="zh-CN" b="0" i="1" dirty="0" smtClean="0">
-                            <a:latin typeface="Cambria Math" charset="0"/>
-                            <a:sym typeface="Wingdings"/>
-                          </a:rPr>
-                          <m:t>,</m:t>
-                        </m:r>
-                        <m:r>
-                          <a:rPr kumimoji="1" lang="en-US" altLang="zh-CN" b="0" i="1" dirty="0" smtClean="0">
-                            <a:latin typeface="Cambria Math" charset="0"/>
-                            <a:sym typeface="Wingdings"/>
-                          </a:rPr>
-                          <m:t>𝑏</m:t>
-                        </m:r>
-                      </m:e>
-                    </m:d>
-                    <m:r>
-                      <a:rPr kumimoji="1" lang="en-US" altLang="zh-CN" b="0" i="1" dirty="0" smtClean="0">
-                        <a:latin typeface="Cambria Math" charset="0"/>
-                        <a:sym typeface="Wingdings"/>
-                      </a:rPr>
-                      <m:t>=</m:t>
-                    </m:r>
-                    <m:d>
-                      <m:dPr>
-                        <m:ctrlPr>
-                          <a:rPr kumimoji="1" lang="en-US" altLang="zh-CN" b="0" i="1" dirty="0" smtClean="0">
-                            <a:latin typeface="Cambria Math" charset="0"/>
-                            <a:sym typeface="Wingdings"/>
-                          </a:rPr>
-                        </m:ctrlPr>
-                      </m:dPr>
-                      <m:e>
-                        <m:r>
-                          <a:rPr kumimoji="1" lang="en-US" altLang="zh-CN" b="0" i="1" dirty="0" smtClean="0">
-                            <a:latin typeface="Cambria Math" charset="0"/>
-                            <a:sym typeface="Wingdings"/>
-                          </a:rPr>
-                          <m:t>𝑤</m:t>
-                        </m:r>
-                        <m:r>
-                          <a:rPr kumimoji="1" lang="en-US" altLang="zh-CN" b="0" i="1" dirty="0" smtClean="0">
-                            <a:latin typeface="Cambria Math" charset="0"/>
-                            <a:sym typeface="Wingdings"/>
-                          </a:rPr>
-                          <m:t>,</m:t>
-                        </m:r>
-                        <m:r>
-                          <a:rPr kumimoji="1" lang="en-US" altLang="zh-CN" b="0" i="1" dirty="0" smtClean="0">
-                            <a:latin typeface="Cambria Math" charset="0"/>
-                            <a:sym typeface="Wingdings"/>
-                          </a:rPr>
-                          <m:t>𝑏</m:t>
-                        </m:r>
-                      </m:e>
-                    </m:d>
-                    <m:r>
-                      <a:rPr kumimoji="1" lang="en-US" altLang="zh-CN" b="0" i="1" dirty="0" smtClean="0">
-                        <a:latin typeface="Cambria Math" charset="0"/>
-                        <a:sym typeface="Wingdings"/>
-                      </a:rPr>
-                      <m:t>−</m:t>
-                    </m:r>
-                    <m:r>
-                      <a:rPr kumimoji="1" lang="en-US" altLang="zh-CN" b="0" i="1" dirty="0" smtClean="0">
-                        <a:latin typeface="Cambria Math" charset="0"/>
-                        <a:sym typeface="Wingdings"/>
-                      </a:rPr>
-                      <m:t>𝛼</m:t>
-                    </m:r>
-                    <m:r>
-                      <a:rPr kumimoji="1" lang="en-US" altLang="zh-CN" b="0" i="1" dirty="0" smtClean="0">
-                        <a:latin typeface="Cambria Math" charset="0"/>
-                        <a:sym typeface="Wingdings"/>
-                      </a:rPr>
-                      <m:t>⋅</m:t>
-                    </m:r>
-                    <m:r>
-                      <a:rPr kumimoji="1" lang="en-US" altLang="zh-CN" b="0" i="1" dirty="0" smtClean="0">
-                        <a:latin typeface="Cambria Math" charset="0"/>
-                        <a:sym typeface="Wingdings"/>
-                      </a:rPr>
-                      <m:t>𝛻</m:t>
-                    </m:r>
-                    <m:r>
-                      <a:rPr kumimoji="1" lang="en-US" altLang="zh-CN" b="0" i="1" dirty="0" smtClean="0">
-                        <a:latin typeface="Cambria Math" charset="0"/>
-                        <a:ea typeface="Cambria Math" charset="0"/>
-                        <a:cs typeface="Cambria Math" charset="0"/>
-                        <a:sym typeface="Wingdings"/>
-                      </a:rPr>
-                      <m:t>𝐿</m:t>
-                    </m:r>
-                  </m:oMath>
-                </a14:m>
-                <a:r>
-                  <a:rPr kumimoji="1" lang="zh-CN" altLang="en-US" dirty="0" smtClean="0"/>
-                  <a:t>。（⍺被称为学习率）</a:t>
-                </a:r>
+                <a:endParaRPr kumimoji="1" lang="en-US" altLang="zh-CN" dirty="0" smtClean="0"/>
+              </a:p>
+              <a:p>
+                <a:pPr lvl="1"/>
+                <a:endParaRPr kumimoji="1" lang="en-US" altLang="zh-CN" b="0" i="1" dirty="0">
+                  <a:latin typeface="Cambria Math" charset="0"/>
+                  <a:sym typeface="Wingdings"/>
+                </a:endParaRPr>
+              </a:p>
+              <a:p>
+                <a:pPr lvl="1"/>
+                <a:endParaRPr kumimoji="1" lang="en-US" altLang="zh-CN" dirty="0" smtClean="0"/>
+              </a:p>
+              <a:p>
+                <a:pPr lvl="1"/>
                 <a:endParaRPr kumimoji="1" lang="en-US" altLang="zh-CN" dirty="0" smtClean="0"/>
               </a:p>
               <a:p>
@@ -16533,9 +16511,9 @@
                 <a:ext cx="5648663" cy="4967287"/>
               </a:xfrm>
               <a:blipFill rotWithShape="0">
-                <a:blip r:embed="rId3"/>
+                <a:blip r:embed="rId6"/>
                 <a:stretch>
-                  <a:fillRect l="-1294" t="-982" r="-324"/>
+                  <a:fillRect l="-1294" t="-982" r="-324" b="-491"/>
                 </a:stretch>
               </a:blipFill>
             </p:spPr>
@@ -16561,7 +16539,7 @@
               <p:cNvPr id="11" name="矩形 10">
                 <a:extLst>
                   <a:ext uri="{FF2B5EF4-FFF2-40B4-BE49-F238E27FC236}">
-                    <a16:creationId xmlns="" xmlns:a16="http://schemas.microsoft.com/office/drawing/2014/main" id="{25CFE4FA-4ADB-4B82-B875-AA5178D80394}"/>
+                    <a16:creationId xmlns:a16="http://schemas.microsoft.com/office/drawing/2014/main" xmlns="" id="{25CFE4FA-4ADB-4B82-B875-AA5178D80394}"/>
                   </a:ext>
                 </a:extLst>
               </p:cNvPr>
@@ -16848,6 +16826,254 @@
           </p:sp>
         </mc:Fallback>
       </mc:AlternateContent>
+      <mc:AlternateContent xmlns:mc="http://schemas.openxmlformats.org/markup-compatibility/2006" xmlns:a14="http://schemas.microsoft.com/office/drawing/2010/main">
+        <mc:Choice Requires="a14">
+          <p:sp>
+            <p:nvSpPr>
+              <p:cNvPr id="3" name="文本框 2"/>
+              <p:cNvSpPr txBox="1"/>
+              <p:nvPr/>
+            </p:nvSpPr>
+            <p:spPr>
+              <a:xfrm>
+                <a:off x="1885359" y="2597774"/>
+                <a:ext cx="2545238" cy="1346331"/>
+              </a:xfrm>
+              <a:prstGeom prst="rect">
+                <a:avLst/>
+              </a:prstGeom>
+              <a:noFill/>
+            </p:spPr>
+            <p:txBody>
+              <a:bodyPr wrap="square" rtlCol="0">
+                <a:spAutoFit/>
+              </a:bodyPr>
+              <a:lstStyle/>
+              <a:p>
+                <a:pPr/>
+                <a14:m>
+                  <m:oMathPara xmlns:m="http://schemas.openxmlformats.org/officeDocument/2006/math">
+                    <m:oMathParaPr>
+                      <m:jc m:val="left"/>
+                    </m:oMathParaPr>
+                    <m:oMath xmlns:m="http://schemas.openxmlformats.org/officeDocument/2006/math">
+                      <m:r>
+                        <a:rPr kumimoji="1" lang="en-US" altLang="zh-CN" b="0" i="1" smtClean="0">
+                          <a:latin typeface="Cambria Math" charset="0"/>
+                        </a:rPr>
+                        <m:t>𝑤</m:t>
+                      </m:r>
+                      <m:r>
+                        <a:rPr kumimoji="1" lang="en-US" altLang="zh-CN" b="0" i="1" smtClean="0">
+                          <a:latin typeface="Cambria Math" charset="0"/>
+                        </a:rPr>
+                        <m:t>=</m:t>
+                      </m:r>
+                      <m:r>
+                        <a:rPr kumimoji="1" lang="en-US" altLang="zh-CN" b="0" i="1" smtClean="0">
+                          <a:latin typeface="Cambria Math" charset="0"/>
+                        </a:rPr>
+                        <m:t>𝑤</m:t>
+                      </m:r>
+                      <m:r>
+                        <a:rPr kumimoji="1" lang="en-US" altLang="zh-CN" b="0" i="1" smtClean="0">
+                          <a:latin typeface="Cambria Math" charset="0"/>
+                        </a:rPr>
+                        <m:t>−</m:t>
+                      </m:r>
+                      <m:r>
+                        <a:rPr kumimoji="1" lang="en-US" altLang="zh-CN" b="0" i="1" smtClean="0">
+                          <a:latin typeface="Cambria Math" charset="0"/>
+                        </a:rPr>
+                        <m:t>𝛼</m:t>
+                      </m:r>
+                      <m:r>
+                        <a:rPr kumimoji="1" lang="en-US" altLang="zh-CN" b="0" i="1" smtClean="0">
+                          <a:latin typeface="Cambria Math" charset="0"/>
+                        </a:rPr>
+                        <m:t>⋅</m:t>
+                      </m:r>
+                      <m:f>
+                        <m:fPr>
+                          <m:ctrlPr>
+                            <a:rPr kumimoji="1" lang="mr-IN" altLang="zh-CN" b="0" i="1" smtClean="0">
+                              <a:latin typeface="Cambria Math" charset="0"/>
+                            </a:rPr>
+                          </m:ctrlPr>
+                        </m:fPr>
+                        <m:num>
+                          <m:r>
+                            <a:rPr kumimoji="1" lang="en-US" altLang="zh-CN" b="0" i="1" smtClean="0">
+                              <a:latin typeface="Cambria Math" charset="0"/>
+                            </a:rPr>
+                            <m:t>𝜕</m:t>
+                          </m:r>
+                          <m:r>
+                            <a:rPr kumimoji="1" lang="en-US" altLang="zh-CN" b="0" i="1" smtClean="0">
+                              <a:latin typeface="Cambria Math" charset="0"/>
+                              <a:ea typeface="Cambria Math" charset="0"/>
+                              <a:cs typeface="Cambria Math" charset="0"/>
+                            </a:rPr>
+                            <m:t>𝐿</m:t>
+                          </m:r>
+                        </m:num>
+                        <m:den>
+                          <m:r>
+                            <a:rPr kumimoji="1" lang="en-US" altLang="zh-CN" b="0" i="1" smtClean="0">
+                              <a:latin typeface="Cambria Math" charset="0"/>
+                            </a:rPr>
+                            <m:t>𝜕</m:t>
+                          </m:r>
+                          <m:r>
+                            <a:rPr kumimoji="1" lang="en-US" altLang="zh-CN" b="0" i="1" smtClean="0">
+                              <a:latin typeface="Cambria Math" charset="0"/>
+                              <a:ea typeface="Cambria Math" charset="0"/>
+                              <a:cs typeface="Cambria Math" charset="0"/>
+                            </a:rPr>
+                            <m:t>𝑤</m:t>
+                          </m:r>
+                        </m:den>
+                      </m:f>
+                    </m:oMath>
+                  </m:oMathPara>
+                </a14:m>
+                <a:endParaRPr kumimoji="1" lang="en-US" altLang="zh-CN" b="0" dirty="0" smtClean="0"/>
+              </a:p>
+              <a:p>
+                <a:endParaRPr kumimoji="1" lang="en-US" altLang="zh-CN" sz="1000" b="0" dirty="0" smtClean="0"/>
+              </a:p>
+              <a:p>
+                <a:pPr/>
+                <a14:m>
+                  <m:oMathPara xmlns:m="http://schemas.openxmlformats.org/officeDocument/2006/math">
+                    <m:oMathParaPr>
+                      <m:jc m:val="left"/>
+                    </m:oMathParaPr>
+                    <m:oMath xmlns:m="http://schemas.openxmlformats.org/officeDocument/2006/math">
+                      <m:r>
+                        <a:rPr kumimoji="1" lang="en-US" altLang="zh-CN" b="0" i="1" smtClean="0">
+                          <a:latin typeface="Cambria Math" charset="0"/>
+                        </a:rPr>
+                        <m:t>𝑏</m:t>
+                      </m:r>
+                      <m:r>
+                        <a:rPr kumimoji="1" lang="en-US" altLang="zh-CN" b="0" i="1" smtClean="0">
+                          <a:latin typeface="Cambria Math" charset="0"/>
+                        </a:rPr>
+                        <m:t>=</m:t>
+                      </m:r>
+                      <m:r>
+                        <a:rPr kumimoji="1" lang="en-US" altLang="zh-CN" b="0" i="1" smtClean="0">
+                          <a:latin typeface="Cambria Math" charset="0"/>
+                        </a:rPr>
+                        <m:t>𝑏</m:t>
+                      </m:r>
+                      <m:r>
+                        <a:rPr kumimoji="1" lang="en-US" altLang="zh-CN" b="0" i="1" smtClean="0">
+                          <a:latin typeface="Cambria Math" charset="0"/>
+                        </a:rPr>
+                        <m:t>−</m:t>
+                      </m:r>
+                      <m:r>
+                        <a:rPr kumimoji="1" lang="en-US" altLang="zh-CN" b="0" i="1" smtClean="0">
+                          <a:latin typeface="Cambria Math" charset="0"/>
+                        </a:rPr>
+                        <m:t>𝛼</m:t>
+                      </m:r>
+                      <m:r>
+                        <a:rPr kumimoji="1" lang="en-US" altLang="zh-CN" b="0" i="1" smtClean="0">
+                          <a:latin typeface="Cambria Math" charset="0"/>
+                        </a:rPr>
+                        <m:t>⋅</m:t>
+                      </m:r>
+                      <m:f>
+                        <m:fPr>
+                          <m:ctrlPr>
+                            <a:rPr kumimoji="1" lang="mr-IN" altLang="zh-CN" b="0" i="1" smtClean="0">
+                              <a:latin typeface="Cambria Math" charset="0"/>
+                            </a:rPr>
+                          </m:ctrlPr>
+                        </m:fPr>
+                        <m:num>
+                          <m:r>
+                            <a:rPr kumimoji="1" lang="en-US" altLang="zh-CN" b="0" i="1" smtClean="0">
+                              <a:latin typeface="Cambria Math" charset="0"/>
+                            </a:rPr>
+                            <m:t>𝜕</m:t>
+                          </m:r>
+                          <m:r>
+                            <a:rPr kumimoji="1" lang="en-US" altLang="zh-CN" b="0" i="1" smtClean="0">
+                              <a:latin typeface="Cambria Math" charset="0"/>
+                              <a:ea typeface="Cambria Math" charset="0"/>
+                              <a:cs typeface="Cambria Math" charset="0"/>
+                            </a:rPr>
+                            <m:t>𝐿</m:t>
+                          </m:r>
+                        </m:num>
+                        <m:den>
+                          <m:r>
+                            <a:rPr kumimoji="1" lang="en-US" altLang="zh-CN" b="0" i="1" smtClean="0">
+                              <a:latin typeface="Cambria Math" charset="0"/>
+                            </a:rPr>
+                            <m:t>𝜕</m:t>
+                          </m:r>
+                          <m:r>
+                            <a:rPr kumimoji="1" lang="en-US" altLang="zh-CN" b="0" i="1" smtClean="0">
+                              <a:latin typeface="Cambria Math" charset="0"/>
+                              <a:ea typeface="Cambria Math" charset="0"/>
+                              <a:cs typeface="Cambria Math" charset="0"/>
+                            </a:rPr>
+                            <m:t>𝑏</m:t>
+                          </m:r>
+                        </m:den>
+                      </m:f>
+                    </m:oMath>
+                  </m:oMathPara>
+                </a14:m>
+                <a:endParaRPr kumimoji="1" lang="zh-CN" altLang="en-US" dirty="0"/>
+              </a:p>
+            </p:txBody>
+          </p:sp>
+        </mc:Choice>
+        <mc:Fallback xmlns="">
+          <p:sp>
+            <p:nvSpPr>
+              <p:cNvPr id="3" name="文本框 2"/>
+              <p:cNvSpPr txBox="1">
+                <a:spLocks noRot="1" noChangeAspect="1" noMove="1" noResize="1" noEditPoints="1" noAdjustHandles="1" noChangeArrowheads="1" noChangeShapeType="1" noTextEdit="1"/>
+              </p:cNvSpPr>
+              <p:nvPr/>
+            </p:nvSpPr>
+            <p:spPr>
+              <a:xfrm>
+                <a:off x="1885359" y="2597774"/>
+                <a:ext cx="2545238" cy="1346331"/>
+              </a:xfrm>
+              <a:prstGeom prst="rect">
+                <a:avLst/>
+              </a:prstGeom>
+              <a:blipFill rotWithShape="0">
+                <a:blip r:embed="rId7"/>
+                <a:stretch>
+                  <a:fillRect/>
+                </a:stretch>
+              </a:blipFill>
+            </p:spPr>
+            <p:txBody>
+              <a:bodyPr/>
+              <a:lstStyle/>
+              <a:p>
+                <a:r>
+                  <a:rPr lang="zh-CN" altLang="en-US">
+                    <a:noFill/>
+                  </a:rPr>
+                  <a:t> </a:t>
+                </a:r>
+              </a:p>
+            </p:txBody>
+          </p:sp>
+        </mc:Fallback>
+      </mc:AlternateContent>
     </p:spTree>
     <p:extLst>
       <p:ext uri="{BB962C8B-B14F-4D97-AF65-F5344CB8AC3E}">
@@ -16998,7 +17224,7 @@
             </a:pPr>
             <a:fld id="{95A2A19B-170D-1043-AE33-7A36DFB7BCDC}" type="datetime2">
               <a:rPr lang="zh-CN" altLang="en-US" smtClean="0"/>
-              <a:t>2018年7月5日</a:t>
+              <a:t>2018年7月6日</a:t>
             </a:fld>
             <a:endParaRPr lang="en-US" altLang="zh-CN"/>
           </a:p>
@@ -17194,120 +17420,18 @@
                   </a:rPr>
                   <a:t>迭代式：</a:t>
                 </a:r>
-                <a14:m>
-                  <m:oMath xmlns:m="http://schemas.openxmlformats.org/officeDocument/2006/math">
-                    <m:d>
-                      <m:dPr>
-                        <m:ctrlPr>
-                          <a:rPr kumimoji="1" lang="en-US" altLang="zh-CN" i="1" dirty="0">
-                            <a:latin typeface="Cambria Math" charset="0"/>
-                            <a:sym typeface="Wingdings"/>
-                          </a:rPr>
-                        </m:ctrlPr>
-                      </m:dPr>
-                      <m:e>
-                        <m:r>
-                          <a:rPr kumimoji="1" lang="en-US" altLang="zh-CN" i="1" dirty="0">
-                            <a:latin typeface="Cambria Math" charset="0"/>
-                            <a:sym typeface="Wingdings"/>
-                          </a:rPr>
-                          <m:t>𝑤</m:t>
-                        </m:r>
-                        <m:r>
-                          <a:rPr kumimoji="1" lang="en-US" altLang="zh-CN" i="1" dirty="0">
-                            <a:latin typeface="Cambria Math" charset="0"/>
-                            <a:sym typeface="Wingdings"/>
-                          </a:rPr>
-                          <m:t>,</m:t>
-                        </m:r>
-                        <m:r>
-                          <a:rPr kumimoji="1" lang="en-US" altLang="zh-CN" i="1" dirty="0">
-                            <a:latin typeface="Cambria Math" charset="0"/>
-                            <a:sym typeface="Wingdings"/>
-                          </a:rPr>
-                          <m:t>𝑏</m:t>
-                        </m:r>
-                      </m:e>
-                    </m:d>
-                    <m:r>
-                      <a:rPr kumimoji="1" lang="en-US" altLang="zh-CN" i="1" dirty="0">
-                        <a:latin typeface="Cambria Math" charset="0"/>
-                        <a:sym typeface="Wingdings"/>
-                      </a:rPr>
-                      <m:t>=</m:t>
-                    </m:r>
-                    <m:d>
-                      <m:dPr>
-                        <m:ctrlPr>
-                          <a:rPr kumimoji="1" lang="en-US" altLang="zh-CN" i="1" dirty="0">
-                            <a:latin typeface="Cambria Math" charset="0"/>
-                            <a:sym typeface="Wingdings"/>
-                          </a:rPr>
-                        </m:ctrlPr>
-                      </m:dPr>
-                      <m:e>
-                        <m:r>
-                          <a:rPr kumimoji="1" lang="en-US" altLang="zh-CN" i="1" dirty="0">
-                            <a:latin typeface="Cambria Math" charset="0"/>
-                            <a:sym typeface="Wingdings"/>
-                          </a:rPr>
-                          <m:t>𝑤</m:t>
-                        </m:r>
-                        <m:r>
-                          <a:rPr kumimoji="1" lang="en-US" altLang="zh-CN" i="1" dirty="0">
-                            <a:latin typeface="Cambria Math" charset="0"/>
-                            <a:sym typeface="Wingdings"/>
-                          </a:rPr>
-                          <m:t>,</m:t>
-                        </m:r>
-                        <m:r>
-                          <a:rPr kumimoji="1" lang="en-US" altLang="zh-CN" i="1" dirty="0">
-                            <a:latin typeface="Cambria Math" charset="0"/>
-                            <a:sym typeface="Wingdings"/>
-                          </a:rPr>
-                          <m:t>𝑏</m:t>
-                        </m:r>
-                      </m:e>
-                    </m:d>
-                    <m:r>
-                      <a:rPr kumimoji="1" lang="en-US" altLang="zh-CN" i="1" dirty="0">
-                        <a:latin typeface="Cambria Math" charset="0"/>
-                        <a:sym typeface="Wingdings"/>
-                      </a:rPr>
-                      <m:t>−</m:t>
-                    </m:r>
-                    <m:r>
-                      <a:rPr kumimoji="1" lang="en-US" altLang="zh-CN" i="1" dirty="0">
-                        <a:latin typeface="Cambria Math" charset="0"/>
-                        <a:sym typeface="Wingdings"/>
-                      </a:rPr>
-                      <m:t>𝛼</m:t>
-                    </m:r>
-                    <m:r>
-                      <a:rPr kumimoji="1" lang="en-US" altLang="zh-CN" i="1" dirty="0">
-                        <a:latin typeface="Cambria Math" charset="0"/>
-                        <a:sym typeface="Wingdings"/>
-                      </a:rPr>
-                      <m:t>⋅</m:t>
-                    </m:r>
-                    <m:r>
-                      <a:rPr kumimoji="1" lang="en-US" altLang="zh-CN" i="1" dirty="0">
-                        <a:latin typeface="Cambria Math" charset="0"/>
-                        <a:sym typeface="Wingdings"/>
-                      </a:rPr>
-                      <m:t>𝛻</m:t>
-                    </m:r>
-                    <m:r>
-                      <a:rPr kumimoji="1" lang="en-US" altLang="zh-CN" i="1" dirty="0">
-                        <a:latin typeface="Cambria Math" charset="0"/>
-                        <a:ea typeface="Cambria Math" charset="0"/>
-                        <a:cs typeface="Cambria Math" charset="0"/>
-                        <a:sym typeface="Wingdings"/>
-                      </a:rPr>
-                      <m:t>𝐿</m:t>
-                    </m:r>
-                  </m:oMath>
-                </a14:m>
+                <a:endParaRPr kumimoji="1" lang="en-US" altLang="zh-CN" dirty="0" smtClean="0">
+                  <a:sym typeface="Wingdings"/>
+                </a:endParaRPr>
+              </a:p>
+              <a:p>
+                <a:endParaRPr kumimoji="1" lang="en-US" altLang="zh-CN" dirty="0" smtClean="0">
+                  <a:ea typeface="Cambria Math" charset="0"/>
+                  <a:cs typeface="Cambria Math" charset="0"/>
+                  <a:sym typeface="Wingdings"/>
+                </a:endParaRPr>
+              </a:p>
+              <a:p>
                 <a:endParaRPr kumimoji="1" lang="en-US" altLang="zh-CN" dirty="0" smtClean="0">
                   <a:ea typeface="Cambria Math" charset="0"/>
                   <a:cs typeface="Cambria Math" charset="0"/>
@@ -17444,9 +17568,9 @@
                 <a:ext cx="6625537" cy="4967287"/>
               </a:xfrm>
               <a:blipFill rotWithShape="0">
-                <a:blip r:embed="rId2"/>
+                <a:blip r:embed="rId4"/>
                 <a:stretch>
-                  <a:fillRect l="-1104" t="-1104"/>
+                  <a:fillRect l="-1104" t="-982"/>
                 </a:stretch>
               </a:blipFill>
             </p:spPr>
@@ -17485,7 +17609,7 @@
             </a:pPr>
             <a:fld id="{95A2A19B-170D-1043-AE33-7A36DFB7BCDC}" type="datetime2">
               <a:rPr lang="zh-CN" altLang="en-US" smtClean="0"/>
-              <a:t>2018年7月5日</a:t>
+              <a:t>2018年7月6日</a:t>
             </a:fld>
             <a:endParaRPr lang="en-US" altLang="zh-CN"/>
           </a:p>
@@ -17555,7 +17679,7 @@
           <p:nvPr/>
         </p:nvPicPr>
         <p:blipFill>
-          <a:blip r:embed="rId3">
+          <a:blip r:embed="rId5">
             <a:extLst>
               <a:ext uri="{28A0092B-C50C-407E-A947-70E740481C1C}">
                 <a14:useLocalDpi xmlns:a14="http://schemas.microsoft.com/office/drawing/2010/main" val="0"/>
@@ -17576,6 +17700,254 @@
           </a:prstGeom>
         </p:spPr>
       </p:pic>
+      <mc:AlternateContent xmlns:mc="http://schemas.openxmlformats.org/markup-compatibility/2006" xmlns:a14="http://schemas.microsoft.com/office/drawing/2010/main">
+        <mc:Choice Requires="a14">
+          <p:sp>
+            <p:nvSpPr>
+              <p:cNvPr id="9" name="文本框 8"/>
+              <p:cNvSpPr txBox="1"/>
+              <p:nvPr/>
+            </p:nvSpPr>
+            <p:spPr>
+              <a:xfrm>
+                <a:off x="1574275" y="1419423"/>
+                <a:ext cx="2545238" cy="1346331"/>
+              </a:xfrm>
+              <a:prstGeom prst="rect">
+                <a:avLst/>
+              </a:prstGeom>
+              <a:noFill/>
+            </p:spPr>
+            <p:txBody>
+              <a:bodyPr wrap="square" rtlCol="0">
+                <a:spAutoFit/>
+              </a:bodyPr>
+              <a:lstStyle/>
+              <a:p>
+                <a:pPr/>
+                <a14:m>
+                  <m:oMathPara xmlns:m="http://schemas.openxmlformats.org/officeDocument/2006/math">
+                    <m:oMathParaPr>
+                      <m:jc m:val="left"/>
+                    </m:oMathParaPr>
+                    <m:oMath xmlns:m="http://schemas.openxmlformats.org/officeDocument/2006/math">
+                      <m:r>
+                        <a:rPr kumimoji="1" lang="en-US" altLang="zh-CN" b="0" i="1" smtClean="0">
+                          <a:latin typeface="Cambria Math" charset="0"/>
+                        </a:rPr>
+                        <m:t>𝑤</m:t>
+                      </m:r>
+                      <m:r>
+                        <a:rPr kumimoji="1" lang="en-US" altLang="zh-CN" b="0" i="1" smtClean="0">
+                          <a:latin typeface="Cambria Math" charset="0"/>
+                        </a:rPr>
+                        <m:t>=</m:t>
+                      </m:r>
+                      <m:r>
+                        <a:rPr kumimoji="1" lang="en-US" altLang="zh-CN" b="0" i="1" smtClean="0">
+                          <a:latin typeface="Cambria Math" charset="0"/>
+                        </a:rPr>
+                        <m:t>𝑤</m:t>
+                      </m:r>
+                      <m:r>
+                        <a:rPr kumimoji="1" lang="en-US" altLang="zh-CN" b="0" i="1" smtClean="0">
+                          <a:latin typeface="Cambria Math" charset="0"/>
+                        </a:rPr>
+                        <m:t>−</m:t>
+                      </m:r>
+                      <m:r>
+                        <a:rPr kumimoji="1" lang="en-US" altLang="zh-CN" b="0" i="1" smtClean="0">
+                          <a:latin typeface="Cambria Math" charset="0"/>
+                        </a:rPr>
+                        <m:t>𝛼</m:t>
+                      </m:r>
+                      <m:r>
+                        <a:rPr kumimoji="1" lang="en-US" altLang="zh-CN" b="0" i="1" smtClean="0">
+                          <a:latin typeface="Cambria Math" charset="0"/>
+                        </a:rPr>
+                        <m:t>⋅</m:t>
+                      </m:r>
+                      <m:f>
+                        <m:fPr>
+                          <m:ctrlPr>
+                            <a:rPr kumimoji="1" lang="mr-IN" altLang="zh-CN" b="0" i="1" smtClean="0">
+                              <a:latin typeface="Cambria Math" charset="0"/>
+                            </a:rPr>
+                          </m:ctrlPr>
+                        </m:fPr>
+                        <m:num>
+                          <m:r>
+                            <a:rPr kumimoji="1" lang="en-US" altLang="zh-CN" b="0" i="1" smtClean="0">
+                              <a:latin typeface="Cambria Math" charset="0"/>
+                            </a:rPr>
+                            <m:t>𝜕</m:t>
+                          </m:r>
+                          <m:r>
+                            <a:rPr kumimoji="1" lang="en-US" altLang="zh-CN" b="0" i="1" smtClean="0">
+                              <a:latin typeface="Cambria Math" charset="0"/>
+                              <a:ea typeface="Cambria Math" charset="0"/>
+                              <a:cs typeface="Cambria Math" charset="0"/>
+                            </a:rPr>
+                            <m:t>𝐿</m:t>
+                          </m:r>
+                        </m:num>
+                        <m:den>
+                          <m:r>
+                            <a:rPr kumimoji="1" lang="en-US" altLang="zh-CN" b="0" i="1" smtClean="0">
+                              <a:latin typeface="Cambria Math" charset="0"/>
+                            </a:rPr>
+                            <m:t>𝜕</m:t>
+                          </m:r>
+                          <m:r>
+                            <a:rPr kumimoji="1" lang="en-US" altLang="zh-CN" b="0" i="1" smtClean="0">
+                              <a:latin typeface="Cambria Math" charset="0"/>
+                              <a:ea typeface="Cambria Math" charset="0"/>
+                              <a:cs typeface="Cambria Math" charset="0"/>
+                            </a:rPr>
+                            <m:t>𝑤</m:t>
+                          </m:r>
+                        </m:den>
+                      </m:f>
+                    </m:oMath>
+                  </m:oMathPara>
+                </a14:m>
+                <a:endParaRPr kumimoji="1" lang="en-US" altLang="zh-CN" b="0" dirty="0" smtClean="0"/>
+              </a:p>
+              <a:p>
+                <a:endParaRPr kumimoji="1" lang="en-US" altLang="zh-CN" sz="1000" b="0" dirty="0" smtClean="0"/>
+              </a:p>
+              <a:p>
+                <a:pPr/>
+                <a14:m>
+                  <m:oMathPara xmlns:m="http://schemas.openxmlformats.org/officeDocument/2006/math">
+                    <m:oMathParaPr>
+                      <m:jc m:val="left"/>
+                    </m:oMathParaPr>
+                    <m:oMath xmlns:m="http://schemas.openxmlformats.org/officeDocument/2006/math">
+                      <m:r>
+                        <a:rPr kumimoji="1" lang="en-US" altLang="zh-CN" b="0" i="1" smtClean="0">
+                          <a:latin typeface="Cambria Math" charset="0"/>
+                        </a:rPr>
+                        <m:t>𝑏</m:t>
+                      </m:r>
+                      <m:r>
+                        <a:rPr kumimoji="1" lang="en-US" altLang="zh-CN" b="0" i="1" smtClean="0">
+                          <a:latin typeface="Cambria Math" charset="0"/>
+                        </a:rPr>
+                        <m:t>=</m:t>
+                      </m:r>
+                      <m:r>
+                        <a:rPr kumimoji="1" lang="en-US" altLang="zh-CN" b="0" i="1" smtClean="0">
+                          <a:latin typeface="Cambria Math" charset="0"/>
+                        </a:rPr>
+                        <m:t>𝑏</m:t>
+                      </m:r>
+                      <m:r>
+                        <a:rPr kumimoji="1" lang="en-US" altLang="zh-CN" b="0" i="1" smtClean="0">
+                          <a:latin typeface="Cambria Math" charset="0"/>
+                        </a:rPr>
+                        <m:t>−</m:t>
+                      </m:r>
+                      <m:r>
+                        <a:rPr kumimoji="1" lang="en-US" altLang="zh-CN" b="0" i="1" smtClean="0">
+                          <a:latin typeface="Cambria Math" charset="0"/>
+                        </a:rPr>
+                        <m:t>𝛼</m:t>
+                      </m:r>
+                      <m:r>
+                        <a:rPr kumimoji="1" lang="en-US" altLang="zh-CN" b="0" i="1" smtClean="0">
+                          <a:latin typeface="Cambria Math" charset="0"/>
+                        </a:rPr>
+                        <m:t>⋅</m:t>
+                      </m:r>
+                      <m:f>
+                        <m:fPr>
+                          <m:ctrlPr>
+                            <a:rPr kumimoji="1" lang="mr-IN" altLang="zh-CN" b="0" i="1" smtClean="0">
+                              <a:latin typeface="Cambria Math" charset="0"/>
+                            </a:rPr>
+                          </m:ctrlPr>
+                        </m:fPr>
+                        <m:num>
+                          <m:r>
+                            <a:rPr kumimoji="1" lang="en-US" altLang="zh-CN" b="0" i="1" smtClean="0">
+                              <a:latin typeface="Cambria Math" charset="0"/>
+                            </a:rPr>
+                            <m:t>𝜕</m:t>
+                          </m:r>
+                          <m:r>
+                            <a:rPr kumimoji="1" lang="en-US" altLang="zh-CN" b="0" i="1" smtClean="0">
+                              <a:latin typeface="Cambria Math" charset="0"/>
+                              <a:ea typeface="Cambria Math" charset="0"/>
+                              <a:cs typeface="Cambria Math" charset="0"/>
+                            </a:rPr>
+                            <m:t>𝐿</m:t>
+                          </m:r>
+                        </m:num>
+                        <m:den>
+                          <m:r>
+                            <a:rPr kumimoji="1" lang="en-US" altLang="zh-CN" b="0" i="1" smtClean="0">
+                              <a:latin typeface="Cambria Math" charset="0"/>
+                            </a:rPr>
+                            <m:t>𝜕</m:t>
+                          </m:r>
+                          <m:r>
+                            <a:rPr kumimoji="1" lang="en-US" altLang="zh-CN" b="0" i="1" smtClean="0">
+                              <a:latin typeface="Cambria Math" charset="0"/>
+                              <a:ea typeface="Cambria Math" charset="0"/>
+                              <a:cs typeface="Cambria Math" charset="0"/>
+                            </a:rPr>
+                            <m:t>𝑏</m:t>
+                          </m:r>
+                        </m:den>
+                      </m:f>
+                    </m:oMath>
+                  </m:oMathPara>
+                </a14:m>
+                <a:endParaRPr kumimoji="1" lang="zh-CN" altLang="en-US" dirty="0"/>
+              </a:p>
+            </p:txBody>
+          </p:sp>
+        </mc:Choice>
+        <mc:Fallback xmlns="">
+          <p:sp>
+            <p:nvSpPr>
+              <p:cNvPr id="9" name="文本框 8"/>
+              <p:cNvSpPr txBox="1">
+                <a:spLocks noRot="1" noChangeAspect="1" noMove="1" noResize="1" noEditPoints="1" noAdjustHandles="1" noChangeArrowheads="1" noChangeShapeType="1" noTextEdit="1"/>
+              </p:cNvSpPr>
+              <p:nvPr/>
+            </p:nvSpPr>
+            <p:spPr>
+              <a:xfrm>
+                <a:off x="1574275" y="1419423"/>
+                <a:ext cx="2545238" cy="1346331"/>
+              </a:xfrm>
+              <a:prstGeom prst="rect">
+                <a:avLst/>
+              </a:prstGeom>
+              <a:blipFill rotWithShape="0">
+                <a:blip r:embed="rId6"/>
+                <a:stretch>
+                  <a:fillRect/>
+                </a:stretch>
+              </a:blipFill>
+            </p:spPr>
+            <p:txBody>
+              <a:bodyPr/>
+              <a:lstStyle/>
+              <a:p>
+                <a:r>
+                  <a:rPr lang="zh-CN" altLang="en-US">
+                    <a:noFill/>
+                  </a:rPr>
+                  <a:t> </a:t>
+                </a:r>
+              </a:p>
+            </p:txBody>
+          </p:sp>
+        </mc:Fallback>
+      </mc:AlternateContent>
     </p:spTree>
     <p:extLst>
       <p:ext uri="{BB962C8B-B14F-4D97-AF65-F5344CB8AC3E}">
@@ -17797,7 +18169,7 @@
             </a:pPr>
             <a:fld id="{95A2A19B-170D-1043-AE33-7A36DFB7BCDC}" type="datetime2">
               <a:rPr lang="zh-CN" altLang="en-US" smtClean="0"/>
-              <a:t>2018年7月5日</a:t>
+              <a:t>2018年7月6日</a:t>
             </a:fld>
             <a:endParaRPr lang="en-US" altLang="zh-CN"/>
           </a:p>
@@ -17865,7 +18237,7 @@
               <p:cNvPr id="7" name="矩形 6">
                 <a:extLst>
                   <a:ext uri="{FF2B5EF4-FFF2-40B4-BE49-F238E27FC236}">
-                    <a16:creationId xmlns="" xmlns:a16="http://schemas.microsoft.com/office/drawing/2014/main" id="{25CFE4FA-4ADB-4B82-B875-AA5178D80394}"/>
+                    <a16:creationId xmlns:a16="http://schemas.microsoft.com/office/drawing/2014/main" xmlns="" id="{25CFE4FA-4ADB-4B82-B875-AA5178D80394}"/>
                   </a:ext>
                 </a:extLst>
               </p:cNvPr>
@@ -18632,7 +19004,7 @@
             </a:pPr>
             <a:fld id="{95A2A19B-170D-1043-AE33-7A36DFB7BCDC}" type="datetime2">
               <a:rPr lang="zh-CN" altLang="en-US" smtClean="0"/>
-              <a:t>2018年7月5日</a:t>
+              <a:t>2018年7月6日</a:t>
             </a:fld>
             <a:endParaRPr lang="en-US" altLang="zh-CN"/>
           </a:p>
@@ -18700,7 +19072,7 @@
               <p:cNvPr id="7" name="内容占位符 6">
                 <a:extLst>
                   <a:ext uri="{FF2B5EF4-FFF2-40B4-BE49-F238E27FC236}">
-                    <a16:creationId xmlns="" xmlns:a16="http://schemas.microsoft.com/office/drawing/2014/main" id="{EB980026-D29F-4C6E-9BFC-18210325D87E}"/>
+                    <a16:creationId xmlns:a16="http://schemas.microsoft.com/office/drawing/2014/main" xmlns="" id="{EB980026-D29F-4C6E-9BFC-18210325D87E}"/>
                   </a:ext>
                 </a:extLst>
               </p:cNvPr>
@@ -18729,7 +19101,7 @@
                     <a:gridCol w="1185683">
                       <a:extLst>
                         <a:ext uri="{9D8B030D-6E8A-4147-A177-3AD203B41FA5}">
-                          <a16:colId xmlns="" xmlns:a16="http://schemas.microsoft.com/office/drawing/2014/main" val="849694925"/>
+                          <a16:colId xmlns:a16="http://schemas.microsoft.com/office/drawing/2014/main" xmlns="" val="849694925"/>
                         </a:ext>
                       </a:extLst>
                     </a:gridCol>
@@ -18738,7 +19110,7 @@
                     <a:gridCol w="1185683">
                       <a:extLst>
                         <a:ext uri="{9D8B030D-6E8A-4147-A177-3AD203B41FA5}">
-                          <a16:colId xmlns="" xmlns:a16="http://schemas.microsoft.com/office/drawing/2014/main" val="2032597962"/>
+                          <a16:colId xmlns:a16="http://schemas.microsoft.com/office/drawing/2014/main" xmlns="" val="2032597962"/>
                         </a:ext>
                       </a:extLst>
                     </a:gridCol>
@@ -18935,7 +19307,7 @@
                     </a:tc>
                     <a:extLst>
                       <a:ext uri="{0D108BD9-81ED-4DB2-BD59-A6C34878D82A}">
-                        <a16:rowId xmlns="" xmlns:a16="http://schemas.microsoft.com/office/drawing/2014/main" val="246005499"/>
+                        <a16:rowId xmlns:a16="http://schemas.microsoft.com/office/drawing/2014/main" xmlns="" val="246005499"/>
                       </a:ext>
                     </a:extLst>
                   </a:tr>
@@ -19002,7 +19374,7 @@
                     </a:tc>
                     <a:extLst>
                       <a:ext uri="{0D108BD9-81ED-4DB2-BD59-A6C34878D82A}">
-                        <a16:rowId xmlns="" xmlns:a16="http://schemas.microsoft.com/office/drawing/2014/main" val="1967244540"/>
+                        <a16:rowId xmlns:a16="http://schemas.microsoft.com/office/drawing/2014/main" xmlns="" val="1967244540"/>
                       </a:ext>
                     </a:extLst>
                   </a:tr>
@@ -19069,7 +19441,7 @@
                     </a:tc>
                     <a:extLst>
                       <a:ext uri="{0D108BD9-81ED-4DB2-BD59-A6C34878D82A}">
-                        <a16:rowId xmlns="" xmlns:a16="http://schemas.microsoft.com/office/drawing/2014/main" val="1823030155"/>
+                        <a16:rowId xmlns:a16="http://schemas.microsoft.com/office/drawing/2014/main" xmlns="" val="1823030155"/>
                       </a:ext>
                     </a:extLst>
                   </a:tr>
@@ -19136,7 +19508,7 @@
                     </a:tc>
                     <a:extLst>
                       <a:ext uri="{0D108BD9-81ED-4DB2-BD59-A6C34878D82A}">
-                        <a16:rowId xmlns="" xmlns:a16="http://schemas.microsoft.com/office/drawing/2014/main" val="1815547532"/>
+                        <a16:rowId xmlns:a16="http://schemas.microsoft.com/office/drawing/2014/main" xmlns="" val="1815547532"/>
                       </a:ext>
                     </a:extLst>
                   </a:tr>
@@ -19235,7 +19607,7 @@
                     </a:tc>
                     <a:extLst>
                       <a:ext uri="{0D108BD9-81ED-4DB2-BD59-A6C34878D82A}">
-                        <a16:rowId xmlns="" xmlns:a16="http://schemas.microsoft.com/office/drawing/2014/main" val="168178639"/>
+                        <a16:rowId xmlns:a16="http://schemas.microsoft.com/office/drawing/2014/main" xmlns="" val="168178639"/>
                       </a:ext>
                     </a:extLst>
                   </a:tr>
@@ -19727,8 +20099,8 @@
           </a:p>
         </p:txBody>
       </p:sp>
-      <mc:AlternateContent xmlns:mc="http://schemas.openxmlformats.org/markup-compatibility/2006">
-        <mc:Choice xmlns:a14="http://schemas.microsoft.com/office/drawing/2010/main" Requires="a14">
+      <mc:AlternateContent xmlns:mc="http://schemas.openxmlformats.org/markup-compatibility/2006" xmlns:a14="http://schemas.microsoft.com/office/drawing/2010/main">
+        <mc:Choice Requires="a14">
           <p:sp>
             <p:nvSpPr>
               <p:cNvPr id="3" name="内容占位符 2"/>
@@ -20118,7 +20490,7 @@
                     <m:d>
                       <m:dPr>
                         <m:ctrlPr>
-                          <a:rPr lang="en-US" altLang="zh-CN" b="0" i="0" smtClean="0">
+                          <a:rPr lang="en-US" altLang="zh-CN" b="0" i="1" smtClean="0">
                             <a:latin typeface="Cambria Math" charset="0"/>
                           </a:rPr>
                         </m:ctrlPr>
@@ -20305,12 +20677,22 @@
                   <a:rPr lang="zh-CN" altLang="en-US" dirty="0" smtClean="0"/>
                   <a:t>学习一个参数组合的取值，使得损失函数值最小。</a:t>
                 </a:r>
+                <a:endParaRPr lang="en-US" altLang="zh-CN" dirty="0" smtClean="0"/>
+              </a:p>
+              <a:p>
+                <a:endParaRPr lang="en-US" altLang="zh-CN" dirty="0"/>
+              </a:p>
+              <a:p>
+                <a:r>
+                  <a:rPr lang="zh-CN" altLang="en-US" dirty="0" smtClean="0"/>
+                  <a:t>使用梯度下降法学习出最优的参数组合。</a:t>
+                </a:r>
                 <a:endParaRPr lang="en-US" altLang="zh-CN" dirty="0"/>
               </a:p>
             </p:txBody>
           </p:sp>
         </mc:Choice>
-        <mc:Fallback>
+        <mc:Fallback xmlns="">
           <p:sp>
             <p:nvSpPr>
               <p:cNvPr id="3" name="内容占位符 2"/>
@@ -20323,9 +20705,9 @@
             </p:nvSpPr>
             <p:spPr>
               <a:blipFill rotWithShape="0">
-                <a:blip r:embed="rId2"/>
+                <a:blip r:embed="rId4"/>
                 <a:stretch>
-                  <a:fillRect l="-686" t="-982"/>
+                  <a:fillRect l="-686" t="-982" b="-2822"/>
                 </a:stretch>
               </a:blipFill>
             </p:spPr>
@@ -20364,7 +20746,7 @@
             </a:pPr>
             <a:fld id="{95A2A19B-170D-1043-AE33-7A36DFB7BCDC}" type="datetime2">
               <a:rPr lang="zh-CN" altLang="en-US" smtClean="0"/>
-              <a:t>2018年7月5日</a:t>
+              <a:t>2018年7月6日</a:t>
             </a:fld>
             <a:endParaRPr lang="en-US" altLang="zh-CN"/>
           </a:p>
@@ -20425,14 +20807,14 @@
           </a:p>
         </p:txBody>
       </p:sp>
-      <mc:AlternateContent xmlns:mc="http://schemas.openxmlformats.org/markup-compatibility/2006">
-        <mc:Choice xmlns:a14="http://schemas.microsoft.com/office/drawing/2010/main" Requires="a14">
+      <mc:AlternateContent xmlns:mc="http://schemas.openxmlformats.org/markup-compatibility/2006" xmlns:a14="http://schemas.microsoft.com/office/drawing/2010/main">
+        <mc:Choice Requires="a14">
           <p:sp>
             <p:nvSpPr>
               <p:cNvPr id="7" name="矩形 6">
                 <a:extLst>
                   <a:ext uri="{FF2B5EF4-FFF2-40B4-BE49-F238E27FC236}">
-                    <a16:creationId xmlns="" xmlns:a16="http://schemas.microsoft.com/office/drawing/2014/main" id="{25CFE4FA-4ADB-4B82-B875-AA5178D80394}"/>
+                    <a16:creationId xmlns:a16="http://schemas.microsoft.com/office/drawing/2014/main" xmlns="" id="{25CFE4FA-4ADB-4B82-B875-AA5178D80394}"/>
                   </a:ext>
                 </a:extLst>
               </p:cNvPr>
@@ -20674,7 +21056,7 @@
             </p:txBody>
           </p:sp>
         </mc:Choice>
-        <mc:Fallback>
+        <mc:Fallback xmlns="">
           <p:sp>
             <p:nvSpPr>
               <p:cNvPr id="7" name="矩形 6">
@@ -20719,10 +21101,1893 @@
           </p:sp>
         </mc:Fallback>
       </mc:AlternateContent>
+      <mc:AlternateContent xmlns:mc="http://schemas.openxmlformats.org/markup-compatibility/2006" xmlns:a14="http://schemas.microsoft.com/office/drawing/2010/main">
+        <mc:Choice Requires="a14">
+          <p:sp>
+            <p:nvSpPr>
+              <p:cNvPr id="8" name="文本框 7"/>
+              <p:cNvSpPr txBox="1"/>
+              <p:nvPr/>
+            </p:nvSpPr>
+            <p:spPr>
+              <a:xfrm>
+                <a:off x="8653804" y="4890166"/>
+                <a:ext cx="2545238" cy="1346331"/>
+              </a:xfrm>
+              <a:prstGeom prst="rect">
+                <a:avLst/>
+              </a:prstGeom>
+              <a:noFill/>
+            </p:spPr>
+            <p:txBody>
+              <a:bodyPr wrap="square" rtlCol="0">
+                <a:spAutoFit/>
+              </a:bodyPr>
+              <a:lstStyle/>
+              <a:p>
+                <a:pPr/>
+                <a14:m>
+                  <m:oMathPara xmlns:m="http://schemas.openxmlformats.org/officeDocument/2006/math">
+                    <m:oMathParaPr>
+                      <m:jc m:val="left"/>
+                    </m:oMathParaPr>
+                    <m:oMath xmlns:m="http://schemas.openxmlformats.org/officeDocument/2006/math">
+                      <m:sSub>
+                        <m:sSubPr>
+                          <m:ctrlPr>
+                            <a:rPr kumimoji="1" lang="en-US" altLang="zh-CN" b="0" i="1" smtClean="0">
+                              <a:latin typeface="Cambria Math" charset="0"/>
+                            </a:rPr>
+                          </m:ctrlPr>
+                        </m:sSubPr>
+                        <m:e>
+                          <m:r>
+                            <a:rPr kumimoji="1" lang="en-US" altLang="zh-CN" b="0" i="1" smtClean="0">
+                              <a:latin typeface="Cambria Math" charset="0"/>
+                            </a:rPr>
+                            <m:t>𝑤</m:t>
+                          </m:r>
+                        </m:e>
+                        <m:sub>
+                          <m:r>
+                            <a:rPr kumimoji="1" lang="en-US" altLang="zh-CN" b="0" i="1" smtClean="0">
+                              <a:latin typeface="Cambria Math" charset="0"/>
+                            </a:rPr>
+                            <m:t>𝑖</m:t>
+                          </m:r>
+                        </m:sub>
+                      </m:sSub>
+                      <m:r>
+                        <a:rPr kumimoji="1" lang="en-US" altLang="zh-CN" b="0" i="1" smtClean="0">
+                          <a:latin typeface="Cambria Math" charset="0"/>
+                        </a:rPr>
+                        <m:t>=</m:t>
+                      </m:r>
+                      <m:r>
+                        <a:rPr kumimoji="1" lang="en-US" altLang="zh-CN" b="0" i="1" smtClean="0">
+                          <a:latin typeface="Cambria Math" charset="0"/>
+                        </a:rPr>
+                        <m:t>𝑤</m:t>
+                      </m:r>
+                      <m:r>
+                        <a:rPr kumimoji="1" lang="en-US" altLang="zh-CN" b="0" i="1" smtClean="0">
+                          <a:latin typeface="Cambria Math" charset="0"/>
+                        </a:rPr>
+                        <m:t>−</m:t>
+                      </m:r>
+                      <m:r>
+                        <a:rPr kumimoji="1" lang="en-US" altLang="zh-CN" b="0" i="1" smtClean="0">
+                          <a:latin typeface="Cambria Math" charset="0"/>
+                        </a:rPr>
+                        <m:t>𝛼</m:t>
+                      </m:r>
+                      <m:r>
+                        <a:rPr kumimoji="1" lang="en-US" altLang="zh-CN" b="0" i="1" smtClean="0">
+                          <a:latin typeface="Cambria Math" charset="0"/>
+                        </a:rPr>
+                        <m:t>⋅</m:t>
+                      </m:r>
+                      <m:f>
+                        <m:fPr>
+                          <m:ctrlPr>
+                            <a:rPr kumimoji="1" lang="mr-IN" altLang="zh-CN" b="0" i="1" smtClean="0">
+                              <a:latin typeface="Cambria Math" charset="0"/>
+                            </a:rPr>
+                          </m:ctrlPr>
+                        </m:fPr>
+                        <m:num>
+                          <m:r>
+                            <a:rPr kumimoji="1" lang="en-US" altLang="zh-CN" b="0" i="1" smtClean="0">
+                              <a:latin typeface="Cambria Math" charset="0"/>
+                            </a:rPr>
+                            <m:t>𝜕</m:t>
+                          </m:r>
+                          <m:r>
+                            <a:rPr kumimoji="1" lang="en-US" altLang="zh-CN" b="0" i="1" smtClean="0">
+                              <a:latin typeface="Cambria Math" charset="0"/>
+                              <a:ea typeface="Cambria Math" charset="0"/>
+                              <a:cs typeface="Cambria Math" charset="0"/>
+                            </a:rPr>
+                            <m:t>𝐿</m:t>
+                          </m:r>
+                        </m:num>
+                        <m:den>
+                          <m:r>
+                            <a:rPr kumimoji="1" lang="en-US" altLang="zh-CN" b="0" i="1" smtClean="0">
+                              <a:latin typeface="Cambria Math" charset="0"/>
+                            </a:rPr>
+                            <m:t>𝜕</m:t>
+                          </m:r>
+                          <m:sSub>
+                            <m:sSubPr>
+                              <m:ctrlPr>
+                                <a:rPr kumimoji="1" lang="en-US" altLang="zh-CN" b="0" i="1" smtClean="0">
+                                  <a:latin typeface="Cambria Math" charset="0"/>
+                                  <a:ea typeface="Cambria Math" charset="0"/>
+                                  <a:cs typeface="Cambria Math" charset="0"/>
+                                </a:rPr>
+                              </m:ctrlPr>
+                            </m:sSubPr>
+                            <m:e>
+                              <m:r>
+                                <a:rPr kumimoji="1" lang="en-US" altLang="zh-CN" b="0" i="1" smtClean="0">
+                                  <a:latin typeface="Cambria Math" charset="0"/>
+                                  <a:ea typeface="Cambria Math" charset="0"/>
+                                  <a:cs typeface="Cambria Math" charset="0"/>
+                                </a:rPr>
+                                <m:t>𝑤</m:t>
+                              </m:r>
+                            </m:e>
+                            <m:sub>
+                              <m:r>
+                                <a:rPr kumimoji="1" lang="en-US" altLang="zh-CN" b="0" i="1" smtClean="0">
+                                  <a:latin typeface="Cambria Math" charset="0"/>
+                                  <a:ea typeface="Cambria Math" charset="0"/>
+                                  <a:cs typeface="Cambria Math" charset="0"/>
+                                </a:rPr>
+                                <m:t>𝑖</m:t>
+                              </m:r>
+                            </m:sub>
+                          </m:sSub>
+                        </m:den>
+                      </m:f>
+                    </m:oMath>
+                  </m:oMathPara>
+                </a14:m>
+                <a:endParaRPr kumimoji="1" lang="en-US" altLang="zh-CN" b="0" dirty="0" smtClean="0"/>
+              </a:p>
+              <a:p>
+                <a:endParaRPr kumimoji="1" lang="en-US" altLang="zh-CN" sz="1000" b="0" dirty="0" smtClean="0"/>
+              </a:p>
+              <a:p>
+                <a:pPr/>
+                <a14:m>
+                  <m:oMathPara xmlns:m="http://schemas.openxmlformats.org/officeDocument/2006/math">
+                    <m:oMathParaPr>
+                      <m:jc m:val="left"/>
+                    </m:oMathParaPr>
+                    <m:oMath xmlns:m="http://schemas.openxmlformats.org/officeDocument/2006/math">
+                      <m:r>
+                        <a:rPr kumimoji="1" lang="en-US" altLang="zh-CN" b="0" i="1" smtClean="0">
+                          <a:latin typeface="Cambria Math" charset="0"/>
+                        </a:rPr>
+                        <m:t>𝑏</m:t>
+                      </m:r>
+                      <m:r>
+                        <a:rPr kumimoji="1" lang="en-US" altLang="zh-CN" b="0" i="1" smtClean="0">
+                          <a:latin typeface="Cambria Math" charset="0"/>
+                        </a:rPr>
+                        <m:t>=</m:t>
+                      </m:r>
+                      <m:r>
+                        <a:rPr kumimoji="1" lang="en-US" altLang="zh-CN" b="0" i="1" smtClean="0">
+                          <a:latin typeface="Cambria Math" charset="0"/>
+                        </a:rPr>
+                        <m:t>𝑏</m:t>
+                      </m:r>
+                      <m:r>
+                        <a:rPr kumimoji="1" lang="en-US" altLang="zh-CN" b="0" i="1" smtClean="0">
+                          <a:latin typeface="Cambria Math" charset="0"/>
+                        </a:rPr>
+                        <m:t>−</m:t>
+                      </m:r>
+                      <m:r>
+                        <a:rPr kumimoji="1" lang="en-US" altLang="zh-CN" b="0" i="1" smtClean="0">
+                          <a:latin typeface="Cambria Math" charset="0"/>
+                        </a:rPr>
+                        <m:t>𝛼</m:t>
+                      </m:r>
+                      <m:r>
+                        <a:rPr kumimoji="1" lang="en-US" altLang="zh-CN" b="0" i="1" smtClean="0">
+                          <a:latin typeface="Cambria Math" charset="0"/>
+                        </a:rPr>
+                        <m:t>⋅</m:t>
+                      </m:r>
+                      <m:f>
+                        <m:fPr>
+                          <m:ctrlPr>
+                            <a:rPr kumimoji="1" lang="mr-IN" altLang="zh-CN" b="0" i="1" smtClean="0">
+                              <a:latin typeface="Cambria Math" charset="0"/>
+                            </a:rPr>
+                          </m:ctrlPr>
+                        </m:fPr>
+                        <m:num>
+                          <m:r>
+                            <a:rPr kumimoji="1" lang="en-US" altLang="zh-CN" b="0" i="1" smtClean="0">
+                              <a:latin typeface="Cambria Math" charset="0"/>
+                            </a:rPr>
+                            <m:t>𝜕</m:t>
+                          </m:r>
+                          <m:r>
+                            <a:rPr kumimoji="1" lang="en-US" altLang="zh-CN" b="0" i="1" smtClean="0">
+                              <a:latin typeface="Cambria Math" charset="0"/>
+                              <a:ea typeface="Cambria Math" charset="0"/>
+                              <a:cs typeface="Cambria Math" charset="0"/>
+                            </a:rPr>
+                            <m:t>𝐿</m:t>
+                          </m:r>
+                        </m:num>
+                        <m:den>
+                          <m:r>
+                            <a:rPr kumimoji="1" lang="en-US" altLang="zh-CN" b="0" i="1" smtClean="0">
+                              <a:latin typeface="Cambria Math" charset="0"/>
+                            </a:rPr>
+                            <m:t>𝜕</m:t>
+                          </m:r>
+                          <m:r>
+                            <a:rPr kumimoji="1" lang="en-US" altLang="zh-CN" b="0" i="1" smtClean="0">
+                              <a:latin typeface="Cambria Math" charset="0"/>
+                              <a:ea typeface="Cambria Math" charset="0"/>
+                              <a:cs typeface="Cambria Math" charset="0"/>
+                            </a:rPr>
+                            <m:t>𝑏</m:t>
+                          </m:r>
+                        </m:den>
+                      </m:f>
+                    </m:oMath>
+                  </m:oMathPara>
+                </a14:m>
+                <a:endParaRPr kumimoji="1" lang="zh-CN" altLang="en-US" dirty="0"/>
+              </a:p>
+            </p:txBody>
+          </p:sp>
+        </mc:Choice>
+        <mc:Fallback xmlns="">
+          <p:sp>
+            <p:nvSpPr>
+              <p:cNvPr id="8" name="文本框 7"/>
+              <p:cNvSpPr txBox="1">
+                <a:spLocks noRot="1" noChangeAspect="1" noMove="1" noResize="1" noEditPoints="1" noAdjustHandles="1" noChangeArrowheads="1" noChangeShapeType="1" noTextEdit="1"/>
+              </p:cNvSpPr>
+              <p:nvPr/>
+            </p:nvSpPr>
+            <p:spPr>
+              <a:xfrm>
+                <a:off x="8653804" y="4890166"/>
+                <a:ext cx="2545238" cy="1346331"/>
+              </a:xfrm>
+              <a:prstGeom prst="rect">
+                <a:avLst/>
+              </a:prstGeom>
+              <a:blipFill rotWithShape="0">
+                <a:blip r:embed="rId5"/>
+                <a:stretch>
+                  <a:fillRect/>
+                </a:stretch>
+              </a:blipFill>
+            </p:spPr>
+            <p:txBody>
+              <a:bodyPr/>
+              <a:lstStyle/>
+              <a:p>
+                <a:r>
+                  <a:rPr lang="zh-CN" altLang="en-US">
+                    <a:noFill/>
+                  </a:rPr>
+                  <a:t> </a:t>
+                </a:r>
+              </a:p>
+            </p:txBody>
+          </p:sp>
+        </mc:Fallback>
+      </mc:AlternateContent>
     </p:spTree>
     <p:extLst>
       <p:ext uri="{BB962C8B-B14F-4D97-AF65-F5344CB8AC3E}">
         <p14:creationId xmlns:p14="http://schemas.microsoft.com/office/powerpoint/2010/main" val="485605013"/>
+      </p:ext>
+    </p:extLst>
+  </p:cSld>
+  <p:clrMapOvr>
+    <a:masterClrMapping/>
+  </p:clrMapOvr>
+</p:sld>
+</file>
+
+<file path=ppt/slides/slide29.xml><?xml version="1.0" encoding="utf-8"?>
+<p:sld xmlns:a="http://schemas.openxmlformats.org/drawingml/2006/main" xmlns:r="http://schemas.openxmlformats.org/officeDocument/2006/relationships" xmlns:p="http://schemas.openxmlformats.org/presentationml/2006/main">
+  <p:cSld>
+    <p:spTree>
+      <p:nvGrpSpPr>
+        <p:cNvPr id="1" name=""/>
+        <p:cNvGrpSpPr/>
+        <p:nvPr/>
+      </p:nvGrpSpPr>
+      <p:grpSpPr>
+        <a:xfrm>
+          <a:off x="0" y="0"/>
+          <a:ext cx="0" cy="0"/>
+          <a:chOff x="0" y="0"/>
+          <a:chExt cx="0" cy="0"/>
+        </a:xfrm>
+      </p:grpSpPr>
+      <p:sp>
+        <p:nvSpPr>
+          <p:cNvPr id="2" name="标题 1"/>
+          <p:cNvSpPr>
+            <a:spLocks noGrp="1"/>
+          </p:cNvSpPr>
+          <p:nvPr>
+            <p:ph type="title"/>
+          </p:nvPr>
+        </p:nvSpPr>
+        <p:spPr/>
+        <p:txBody>
+          <a:bodyPr/>
+          <a:lstStyle/>
+          <a:p>
+            <a:r>
+              <a:rPr kumimoji="1" lang="zh-CN" altLang="en-US" dirty="0" smtClean="0"/>
+              <a:t>多元线性回归：正规方程法</a:t>
+            </a:r>
+            <a:endParaRPr kumimoji="1" lang="zh-CN" altLang="en-US" dirty="0"/>
+          </a:p>
+        </p:txBody>
+      </p:sp>
+      <p:sp>
+        <p:nvSpPr>
+          <p:cNvPr id="3" name="内容占位符 2"/>
+          <p:cNvSpPr>
+            <a:spLocks noGrp="1"/>
+          </p:cNvSpPr>
+          <p:nvPr>
+            <p:ph idx="1"/>
+          </p:nvPr>
+        </p:nvSpPr>
+        <p:spPr/>
+        <p:txBody>
+          <a:bodyPr/>
+          <a:lstStyle/>
+          <a:p>
+            <a:r>
+              <a:rPr kumimoji="1" lang="zh-CN" altLang="en-US" dirty="0" smtClean="0"/>
+              <a:t>使用梯度下降法求解最优参数时需要不断迭代得到；</a:t>
+            </a:r>
+            <a:endParaRPr kumimoji="1" lang="en-US" altLang="zh-CN" dirty="0" smtClean="0"/>
+          </a:p>
+          <a:p>
+            <a:r>
+              <a:rPr kumimoji="1" lang="zh-CN" altLang="en-US" dirty="0" smtClean="0"/>
+              <a:t>对于</a:t>
+            </a:r>
+            <a:r>
+              <a:rPr kumimoji="1" lang="zh-CN" altLang="en-US" b="1" dirty="0" smtClean="0"/>
+              <a:t>某些</a:t>
+            </a:r>
+            <a:r>
+              <a:rPr kumimoji="1" lang="zh-CN" altLang="en-US" dirty="0" smtClean="0"/>
+              <a:t>机器学习问题（损失函数的最优化问题是凸优化问题），可以直接通过代数方法直接得到最优解。</a:t>
+            </a:r>
+            <a:endParaRPr kumimoji="1" lang="en-US" altLang="zh-CN" dirty="0" smtClean="0"/>
+          </a:p>
+          <a:p>
+            <a:endParaRPr kumimoji="1" lang="en-US" altLang="zh-CN" dirty="0"/>
+          </a:p>
+          <a:p>
+            <a:endParaRPr kumimoji="1" lang="en-US" altLang="zh-CN" dirty="0" smtClean="0"/>
+          </a:p>
+          <a:p>
+            <a:endParaRPr kumimoji="1" lang="en-US" altLang="zh-CN" dirty="0"/>
+          </a:p>
+          <a:p>
+            <a:endParaRPr kumimoji="1" lang="en-US" altLang="zh-CN" dirty="0" smtClean="0"/>
+          </a:p>
+          <a:p>
+            <a:endParaRPr kumimoji="1" lang="en-US" altLang="zh-CN" dirty="0"/>
+          </a:p>
+          <a:p>
+            <a:endParaRPr kumimoji="1" lang="zh-CN" altLang="en-US" dirty="0"/>
+          </a:p>
+        </p:txBody>
+      </p:sp>
+      <p:sp>
+        <p:nvSpPr>
+          <p:cNvPr id="4" name="日期占位符 3"/>
+          <p:cNvSpPr>
+            <a:spLocks noGrp="1"/>
+          </p:cNvSpPr>
+          <p:nvPr>
+            <p:ph type="dt" sz="half" idx="10"/>
+          </p:nvPr>
+        </p:nvSpPr>
+        <p:spPr/>
+        <p:txBody>
+          <a:bodyPr/>
+          <a:lstStyle/>
+          <a:p>
+            <a:pPr>
+              <a:defRPr/>
+            </a:pPr>
+            <a:fld id="{95A2A19B-170D-1043-AE33-7A36DFB7BCDC}" type="datetime2">
+              <a:rPr lang="zh-CN" altLang="en-US" smtClean="0"/>
+              <a:t>2018年7月6日</a:t>
+            </a:fld>
+            <a:endParaRPr lang="en-US" altLang="zh-CN"/>
+          </a:p>
+        </p:txBody>
+      </p:sp>
+      <p:sp>
+        <p:nvSpPr>
+          <p:cNvPr id="5" name="页脚占位符 4"/>
+          <p:cNvSpPr>
+            <a:spLocks noGrp="1"/>
+          </p:cNvSpPr>
+          <p:nvPr>
+            <p:ph type="ftr" sz="quarter" idx="11"/>
+          </p:nvPr>
+        </p:nvSpPr>
+        <p:spPr/>
+        <p:txBody>
+          <a:bodyPr/>
+          <a:lstStyle/>
+          <a:p>
+            <a:pPr>
+              <a:defRPr/>
+            </a:pPr>
+            <a:r>
+              <a:rPr lang="zh-CN" altLang="en-US" smtClean="0"/>
+              <a:t>机器学习入门</a:t>
+            </a:r>
+            <a:endParaRPr lang="en-US" altLang="zh-CN" dirty="0"/>
+          </a:p>
+        </p:txBody>
+      </p:sp>
+      <p:sp>
+        <p:nvSpPr>
+          <p:cNvPr id="6" name="幻灯片编号占位符 5"/>
+          <p:cNvSpPr>
+            <a:spLocks noGrp="1"/>
+          </p:cNvSpPr>
+          <p:nvPr>
+            <p:ph type="sldNum" sz="quarter" idx="12"/>
+          </p:nvPr>
+        </p:nvSpPr>
+        <p:spPr/>
+        <p:txBody>
+          <a:bodyPr/>
+          <a:lstStyle/>
+          <a:p>
+            <a:pPr>
+              <a:defRPr/>
+            </a:pPr>
+            <a:fld id="{64C9EB70-B654-4058-838F-8806615D92E5}" type="slidenum">
+              <a:rPr lang="en-US" altLang="zh-CN" smtClean="0"/>
+              <a:pPr>
+                <a:defRPr/>
+              </a:pPr>
+              <a:t>29</a:t>
+            </a:fld>
+            <a:endParaRPr lang="en-US" altLang="zh-CN"/>
+          </a:p>
+        </p:txBody>
+      </p:sp>
+      <mc:AlternateContent xmlns:mc="http://schemas.openxmlformats.org/markup-compatibility/2006" xmlns:a14="http://schemas.microsoft.com/office/drawing/2010/main">
+        <mc:Choice Requires="a14">
+          <p:graphicFrame>
+            <p:nvGraphicFramePr>
+              <p:cNvPr id="8" name="内容占位符 6">
+                <a:extLst>
+                  <a:ext uri="{FF2B5EF4-FFF2-40B4-BE49-F238E27FC236}">
+                    <a16:creationId xmlns:a16="http://schemas.microsoft.com/office/drawing/2014/main" xmlns="" id="{EB980026-D29F-4C6E-9BFC-18210325D87E}"/>
+                  </a:ext>
+                </a:extLst>
+              </p:cNvPr>
+              <p:cNvGraphicFramePr>
+                <a:graphicFrameLocks/>
+              </p:cNvGraphicFramePr>
+              <p:nvPr>
+                <p:extLst>
+                  <p:ext uri="{D42A27DB-BD31-4B8C-83A1-F6EECF244321}">
+                    <p14:modId xmlns:p14="http://schemas.microsoft.com/office/powerpoint/2010/main" val="764001172"/>
+                  </p:ext>
+                </p:extLst>
+              </p:nvPr>
+            </p:nvGraphicFramePr>
+            <p:xfrm>
+              <a:off x="1253763" y="2434135"/>
+              <a:ext cx="4742732" cy="1854200"/>
+            </p:xfrm>
+            <a:graphic>
+              <a:graphicData uri="http://schemas.openxmlformats.org/drawingml/2006/table">
+                <a:tbl>
+                  <a:tblPr firstRow="1" bandRow="1">
+                    <a:tableStyleId>{073A0DAA-6AF3-43AB-8588-CEC1D06C72B9}</a:tableStyleId>
+                  </a:tblPr>
+                  <a:tblGrid>
+                    <a:gridCol w="1185683">
+                      <a:extLst>
+                        <a:ext uri="{9D8B030D-6E8A-4147-A177-3AD203B41FA5}">
+                          <a16:colId xmlns:a16="http://schemas.microsoft.com/office/drawing/2014/main" xmlns="" val="849694925"/>
+                        </a:ext>
+                      </a:extLst>
+                    </a:gridCol>
+                    <a:gridCol w="1185683"/>
+                    <a:gridCol w="1185683"/>
+                    <a:gridCol w="1185683">
+                      <a:extLst>
+                        <a:ext uri="{9D8B030D-6E8A-4147-A177-3AD203B41FA5}">
+                          <a16:colId xmlns:a16="http://schemas.microsoft.com/office/drawing/2014/main" xmlns="" val="2032597962"/>
+                        </a:ext>
+                      </a:extLst>
+                    </a:gridCol>
+                  </a:tblGrid>
+                  <a:tr h="370840">
+                    <a:tc>
+                      <a:txBody>
+                        <a:bodyPr/>
+                        <a:lstStyle/>
+                        <a:p>
+                          <a:pPr algn="ctr"/>
+                          <a:r>
+                            <a:rPr lang="zh-CN" altLang="en-US" dirty="0" smtClean="0"/>
+                            <a:t>面积</a:t>
+                          </a:r>
+                          <a:r>
+                            <a:rPr lang="en-US" altLang="zh-CN" dirty="0" smtClean="0"/>
+                            <a:t>(</a:t>
+                          </a:r>
+                          <a14:m>
+                            <m:oMath xmlns:m="http://schemas.openxmlformats.org/officeDocument/2006/math">
+                              <m:sSub>
+                                <m:sSubPr>
+                                  <m:ctrlPr>
+                                    <a:rPr lang="en-US" altLang="zh-CN" b="1" i="1" dirty="0" smtClean="0">
+                                      <a:latin typeface="Cambria Math" charset="0"/>
+                                    </a:rPr>
+                                  </m:ctrlPr>
+                                </m:sSubPr>
+                                <m:e>
+                                  <m:r>
+                                    <a:rPr lang="en-US" altLang="zh-CN" b="1" i="1" dirty="0" smtClean="0">
+                                      <a:latin typeface="Cambria Math" charset="0"/>
+                                    </a:rPr>
+                                    <m:t>𝒙</m:t>
+                                  </m:r>
+                                </m:e>
+                                <m:sub>
+                                  <m:r>
+                                    <a:rPr lang="en-US" altLang="zh-CN" b="1" i="1" dirty="0" smtClean="0">
+                                      <a:latin typeface="Cambria Math" charset="0"/>
+                                    </a:rPr>
+                                    <m:t>𝟏</m:t>
+                                  </m:r>
+                                </m:sub>
+                              </m:sSub>
+                            </m:oMath>
+                          </a14:m>
+                          <a:r>
+                            <a:rPr lang="en-US" altLang="zh-CN" dirty="0" smtClean="0"/>
+                            <a:t>)</a:t>
+                          </a:r>
+                          <a:endParaRPr lang="zh-CN" altLang="en-US" dirty="0"/>
+                        </a:p>
+                      </a:txBody>
+                      <a:tcPr/>
+                    </a:tc>
+                    <a:tc>
+                      <a:txBody>
+                        <a:bodyPr/>
+                        <a:lstStyle/>
+                        <a:p>
+                          <a:pPr algn="ctr"/>
+                          <a:r>
+                            <a:rPr lang="zh-CN" altLang="en-US" dirty="0" smtClean="0"/>
+                            <a:t>卧室个数</a:t>
+                          </a:r>
+                          <a:r>
+                            <a:rPr lang="en-US" altLang="zh-CN" dirty="0" smtClean="0"/>
+                            <a:t>(</a:t>
+                          </a:r>
+                          <a14:m>
+                            <m:oMath xmlns:m="http://schemas.openxmlformats.org/officeDocument/2006/math">
+                              <m:sSub>
+                                <m:sSubPr>
+                                  <m:ctrlPr>
+                                    <a:rPr lang="en-US" altLang="zh-CN" b="1" i="1" dirty="0" smtClean="0">
+                                      <a:latin typeface="Cambria Math" charset="0"/>
+                                    </a:rPr>
+                                  </m:ctrlPr>
+                                </m:sSubPr>
+                                <m:e>
+                                  <m:r>
+                                    <a:rPr lang="en-US" altLang="zh-CN" b="1" i="1" dirty="0" smtClean="0">
+                                      <a:latin typeface="Cambria Math" charset="0"/>
+                                    </a:rPr>
+                                    <m:t>𝒙</m:t>
+                                  </m:r>
+                                </m:e>
+                                <m:sub>
+                                  <m:r>
+                                    <a:rPr lang="en-US" altLang="zh-CN" b="1" i="1" dirty="0" smtClean="0">
+                                      <a:latin typeface="Cambria Math" charset="0"/>
+                                    </a:rPr>
+                                    <m:t>𝟐</m:t>
+                                  </m:r>
+                                </m:sub>
+                              </m:sSub>
+                            </m:oMath>
+                          </a14:m>
+                          <a:r>
+                            <a:rPr lang="en-US" altLang="zh-CN" dirty="0" smtClean="0"/>
+                            <a:t>)</a:t>
+                          </a:r>
+                          <a:endParaRPr lang="zh-CN" altLang="en-US" dirty="0"/>
+                        </a:p>
+                      </a:txBody>
+                      <a:tcPr/>
+                    </a:tc>
+                    <a:tc>
+                      <a:txBody>
+                        <a:bodyPr/>
+                        <a:lstStyle/>
+                        <a:p>
+                          <a:pPr algn="ctr"/>
+                          <a:r>
+                            <a:rPr lang="zh-CN" altLang="en-US" dirty="0" smtClean="0"/>
+                            <a:t>建成时间</a:t>
+                          </a:r>
+                          <a:r>
+                            <a:rPr lang="en-US" altLang="zh-CN" dirty="0" smtClean="0"/>
+                            <a:t>(</a:t>
+                          </a:r>
+                          <a14:m>
+                            <m:oMath xmlns:m="http://schemas.openxmlformats.org/officeDocument/2006/math">
+                              <m:sSub>
+                                <m:sSubPr>
+                                  <m:ctrlPr>
+                                    <a:rPr lang="en-US" altLang="zh-CN" b="1" i="1" dirty="0" smtClean="0">
+                                      <a:latin typeface="Cambria Math" charset="0"/>
+                                    </a:rPr>
+                                  </m:ctrlPr>
+                                </m:sSubPr>
+                                <m:e>
+                                  <m:r>
+                                    <a:rPr lang="en-US" altLang="zh-CN" b="1" i="1" dirty="0" smtClean="0">
+                                      <a:latin typeface="Cambria Math" charset="0"/>
+                                    </a:rPr>
+                                    <m:t>𝒙</m:t>
+                                  </m:r>
+                                </m:e>
+                                <m:sub>
+                                  <m:r>
+                                    <a:rPr lang="en-US" altLang="zh-CN" b="1" i="1" dirty="0" smtClean="0">
+                                      <a:latin typeface="Cambria Math" charset="0"/>
+                                    </a:rPr>
+                                    <m:t>𝟑</m:t>
+                                  </m:r>
+                                </m:sub>
+                              </m:sSub>
+                            </m:oMath>
+                          </a14:m>
+                          <a:r>
+                            <a:rPr lang="en-US" altLang="zh-CN" dirty="0" smtClean="0"/>
+                            <a:t>)</a:t>
+                          </a:r>
+                          <a:endParaRPr lang="zh-CN" altLang="en-US" dirty="0"/>
+                        </a:p>
+                      </a:txBody>
+                      <a:tcPr/>
+                    </a:tc>
+                    <a:tc>
+                      <a:txBody>
+                        <a:bodyPr/>
+                        <a:lstStyle/>
+                        <a:p>
+                          <a:pPr algn="ctr"/>
+                          <a:r>
+                            <a:rPr lang="zh-CN" altLang="en-US" dirty="0" smtClean="0"/>
+                            <a:t>房价</a:t>
+                          </a:r>
+                          <a:r>
+                            <a:rPr lang="en-US" altLang="zh-CN" dirty="0" smtClean="0"/>
+                            <a:t>(</a:t>
+                          </a:r>
+                          <a14:m>
+                            <m:oMath xmlns:m="http://schemas.openxmlformats.org/officeDocument/2006/math">
+                              <m:r>
+                                <a:rPr lang="en-US" altLang="zh-CN" i="1" dirty="0" smtClean="0">
+                                  <a:latin typeface="Cambria Math" charset="0"/>
+                                </a:rPr>
+                                <m:t>𝑦</m:t>
+                              </m:r>
+                            </m:oMath>
+                          </a14:m>
+                          <a:r>
+                            <a:rPr lang="en-US" altLang="zh-CN" dirty="0" smtClean="0"/>
+                            <a:t>)</a:t>
+                          </a:r>
+                          <a:endParaRPr lang="zh-CN" altLang="en-US" dirty="0"/>
+                        </a:p>
+                      </a:txBody>
+                      <a:tcPr/>
+                    </a:tc>
+                    <a:extLst>
+                      <a:ext uri="{0D108BD9-81ED-4DB2-BD59-A6C34878D82A}">
+                        <a16:rowId xmlns:a16="http://schemas.microsoft.com/office/drawing/2014/main" xmlns="" val="246005499"/>
+                      </a:ext>
+                    </a:extLst>
+                  </a:tr>
+                  <a:tr h="370840">
+                    <a:tc>
+                      <a:txBody>
+                        <a:bodyPr/>
+                        <a:lstStyle/>
+                        <a:p>
+                          <a:pPr algn="ctr"/>
+                          <a:r>
+                            <a:rPr lang="en-US" altLang="zh-CN" dirty="0"/>
+                            <a:t>110</a:t>
+                          </a:r>
+                          <a:endParaRPr lang="zh-CN" altLang="en-US" dirty="0"/>
+                        </a:p>
+                      </a:txBody>
+                      <a:tcPr/>
+                    </a:tc>
+                    <a:tc>
+                      <a:txBody>
+                        <a:bodyPr/>
+                        <a:lstStyle/>
+                        <a:p>
+                          <a:pPr algn="ctr"/>
+                          <a:r>
+                            <a:rPr lang="en-US" altLang="zh-CN" dirty="0" smtClean="0"/>
+                            <a:t>2</a:t>
+                          </a:r>
+                          <a:endParaRPr lang="zh-CN" altLang="en-US" dirty="0"/>
+                        </a:p>
+                      </a:txBody>
+                      <a:tcPr/>
+                    </a:tc>
+                    <a:tc>
+                      <a:txBody>
+                        <a:bodyPr/>
+                        <a:lstStyle/>
+                        <a:p>
+                          <a:pPr algn="ctr"/>
+                          <a:r>
+                            <a:rPr lang="en-US" altLang="zh-CN" dirty="0" smtClean="0"/>
+                            <a:t>20</a:t>
+                          </a:r>
+                          <a:endParaRPr lang="zh-CN" altLang="en-US" dirty="0"/>
+                        </a:p>
+                      </a:txBody>
+                      <a:tcPr/>
+                    </a:tc>
+                    <a:tc>
+                      <a:txBody>
+                        <a:bodyPr/>
+                        <a:lstStyle/>
+                        <a:p>
+                          <a:pPr algn="ctr"/>
+                          <a:r>
+                            <a:rPr lang="en-US" altLang="zh-CN" dirty="0"/>
+                            <a:t>435</a:t>
+                          </a:r>
+                          <a:endParaRPr lang="zh-CN" altLang="en-US" dirty="0"/>
+                        </a:p>
+                      </a:txBody>
+                      <a:tcPr/>
+                    </a:tc>
+                    <a:extLst>
+                      <a:ext uri="{0D108BD9-81ED-4DB2-BD59-A6C34878D82A}">
+                        <a16:rowId xmlns:a16="http://schemas.microsoft.com/office/drawing/2014/main" xmlns="" val="1967244540"/>
+                      </a:ext>
+                    </a:extLst>
+                  </a:tr>
+                  <a:tr h="370840">
+                    <a:tc>
+                      <a:txBody>
+                        <a:bodyPr/>
+                        <a:lstStyle/>
+                        <a:p>
+                          <a:pPr algn="ctr"/>
+                          <a:r>
+                            <a:rPr lang="en-US" altLang="zh-CN" dirty="0"/>
+                            <a:t>130</a:t>
+                          </a:r>
+                          <a:endParaRPr lang="zh-CN" altLang="en-US" dirty="0"/>
+                        </a:p>
+                      </a:txBody>
+                      <a:tcPr/>
+                    </a:tc>
+                    <a:tc>
+                      <a:txBody>
+                        <a:bodyPr/>
+                        <a:lstStyle/>
+                        <a:p>
+                          <a:pPr algn="ctr"/>
+                          <a:r>
+                            <a:rPr lang="en-US" altLang="zh-CN" dirty="0" smtClean="0"/>
+                            <a:t>3</a:t>
+                          </a:r>
+                          <a:endParaRPr lang="zh-CN" altLang="en-US" dirty="0"/>
+                        </a:p>
+                      </a:txBody>
+                      <a:tcPr/>
+                    </a:tc>
+                    <a:tc>
+                      <a:txBody>
+                        <a:bodyPr/>
+                        <a:lstStyle/>
+                        <a:p>
+                          <a:pPr algn="ctr"/>
+                          <a:r>
+                            <a:rPr lang="en-US" altLang="zh-CN" dirty="0" smtClean="0"/>
+                            <a:t>10</a:t>
+                          </a:r>
+                          <a:endParaRPr lang="zh-CN" altLang="en-US" dirty="0"/>
+                        </a:p>
+                      </a:txBody>
+                      <a:tcPr/>
+                    </a:tc>
+                    <a:tc>
+                      <a:txBody>
+                        <a:bodyPr/>
+                        <a:lstStyle/>
+                        <a:p>
+                          <a:pPr algn="ctr"/>
+                          <a:r>
+                            <a:rPr lang="en-US" altLang="zh-CN" dirty="0" smtClean="0"/>
+                            <a:t>510</a:t>
+                          </a:r>
+                          <a:endParaRPr lang="zh-CN" altLang="en-US" dirty="0"/>
+                        </a:p>
+                      </a:txBody>
+                      <a:tcPr/>
+                    </a:tc>
+                    <a:extLst>
+                      <a:ext uri="{0D108BD9-81ED-4DB2-BD59-A6C34878D82A}">
+                        <a16:rowId xmlns:a16="http://schemas.microsoft.com/office/drawing/2014/main" xmlns="" val="1823030155"/>
+                      </a:ext>
+                    </a:extLst>
+                  </a:tr>
+                  <a:tr h="370840">
+                    <a:tc>
+                      <a:txBody>
+                        <a:bodyPr/>
+                        <a:lstStyle/>
+                        <a:p>
+                          <a:pPr algn="ctr"/>
+                          <a:r>
+                            <a:rPr lang="en-US" altLang="zh-CN" dirty="0"/>
+                            <a:t>80</a:t>
+                          </a:r>
+                          <a:endParaRPr lang="zh-CN" altLang="en-US" dirty="0"/>
+                        </a:p>
+                      </a:txBody>
+                      <a:tcPr/>
+                    </a:tc>
+                    <a:tc>
+                      <a:txBody>
+                        <a:bodyPr/>
+                        <a:lstStyle/>
+                        <a:p>
+                          <a:pPr algn="ctr"/>
+                          <a:r>
+                            <a:rPr lang="en-US" altLang="zh-CN" dirty="0" smtClean="0"/>
+                            <a:t>1</a:t>
+                          </a:r>
+                          <a:endParaRPr lang="zh-CN" altLang="en-US" dirty="0"/>
+                        </a:p>
+                      </a:txBody>
+                      <a:tcPr/>
+                    </a:tc>
+                    <a:tc>
+                      <a:txBody>
+                        <a:bodyPr/>
+                        <a:lstStyle/>
+                        <a:p>
+                          <a:pPr algn="ctr"/>
+                          <a:r>
+                            <a:rPr lang="en-US" altLang="zh-CN" dirty="0" smtClean="0"/>
+                            <a:t>30</a:t>
+                          </a:r>
+                          <a:endParaRPr lang="zh-CN" altLang="en-US" dirty="0"/>
+                        </a:p>
+                      </a:txBody>
+                      <a:tcPr/>
+                    </a:tc>
+                    <a:tc>
+                      <a:txBody>
+                        <a:bodyPr/>
+                        <a:lstStyle/>
+                        <a:p>
+                          <a:pPr algn="ctr"/>
+                          <a:r>
+                            <a:rPr lang="en-US" altLang="zh-CN" dirty="0"/>
+                            <a:t>327</a:t>
+                          </a:r>
+                          <a:endParaRPr lang="zh-CN" altLang="en-US" dirty="0"/>
+                        </a:p>
+                      </a:txBody>
+                      <a:tcPr/>
+                    </a:tc>
+                    <a:extLst>
+                      <a:ext uri="{0D108BD9-81ED-4DB2-BD59-A6C34878D82A}">
+                        <a16:rowId xmlns:a16="http://schemas.microsoft.com/office/drawing/2014/main" xmlns="" val="1815547532"/>
+                      </a:ext>
+                    </a:extLst>
+                  </a:tr>
+                  <a:tr h="370840">
+                    <a:tc>
+                      <a:txBody>
+                        <a:bodyPr/>
+                        <a:lstStyle/>
+                        <a:p>
+                          <a:pPr algn="ctr"/>
+                          <a:r>
+                            <a:rPr lang="en-US" altLang="zh-CN" dirty="0" smtClean="0"/>
+                            <a:t>90</a:t>
+                          </a:r>
+                          <a:endParaRPr lang="zh-CN" altLang="en-US" dirty="0"/>
+                        </a:p>
+                      </a:txBody>
+                      <a:tcPr/>
+                    </a:tc>
+                    <a:tc>
+                      <a:txBody>
+                        <a:bodyPr/>
+                        <a:lstStyle/>
+                        <a:p>
+                          <a:pPr marL="0" marR="0" indent="0" algn="ctr" defTabSz="685800" rtl="0" eaLnBrk="1" fontAlgn="auto" latinLnBrk="0" hangingPunct="1">
+                            <a:lnSpc>
+                              <a:spcPct val="100000"/>
+                            </a:lnSpc>
+                            <a:spcBef>
+                              <a:spcPts val="0"/>
+                            </a:spcBef>
+                            <a:spcAft>
+                              <a:spcPts val="0"/>
+                            </a:spcAft>
+                            <a:buClrTx/>
+                            <a:buSzTx/>
+                            <a:buFontTx/>
+                            <a:buNone/>
+                            <a:tabLst/>
+                            <a:defRPr/>
+                          </a:pPr>
+                          <a:r>
+                            <a:rPr lang="en-US" altLang="zh-CN" dirty="0" smtClean="0"/>
+                            <a:t>1</a:t>
+                          </a:r>
+                          <a:endParaRPr lang="zh-CN" altLang="en-US" dirty="0" smtClean="0"/>
+                        </a:p>
+                      </a:txBody>
+                      <a:tcPr/>
+                    </a:tc>
+                    <a:tc>
+                      <a:txBody>
+                        <a:bodyPr/>
+                        <a:lstStyle/>
+                        <a:p>
+                          <a:pPr marL="0" marR="0" indent="0" algn="ctr" defTabSz="685800" rtl="0" eaLnBrk="1" fontAlgn="auto" latinLnBrk="0" hangingPunct="1">
+                            <a:lnSpc>
+                              <a:spcPct val="100000"/>
+                            </a:lnSpc>
+                            <a:spcBef>
+                              <a:spcPts val="0"/>
+                            </a:spcBef>
+                            <a:spcAft>
+                              <a:spcPts val="0"/>
+                            </a:spcAft>
+                            <a:buClrTx/>
+                            <a:buSzTx/>
+                            <a:buFontTx/>
+                            <a:buNone/>
+                            <a:tabLst/>
+                            <a:defRPr/>
+                          </a:pPr>
+                          <a:r>
+                            <a:rPr lang="en-US" altLang="zh-CN" dirty="0" smtClean="0"/>
+                            <a:t>5</a:t>
+                          </a:r>
+                          <a:endParaRPr lang="zh-CN" altLang="en-US" dirty="0" smtClean="0"/>
+                        </a:p>
+                      </a:txBody>
+                      <a:tcPr/>
+                    </a:tc>
+                    <a:tc>
+                      <a:txBody>
+                        <a:bodyPr/>
+                        <a:lstStyle/>
+                        <a:p>
+                          <a:pPr algn="ctr"/>
+                          <a:r>
+                            <a:rPr lang="en-US" altLang="zh-CN" dirty="0" smtClean="0"/>
+                            <a:t>500</a:t>
+                          </a:r>
+                          <a:endParaRPr lang="zh-CN" altLang="en-US" dirty="0"/>
+                        </a:p>
+                      </a:txBody>
+                      <a:tcPr/>
+                    </a:tc>
+                    <a:extLst>
+                      <a:ext uri="{0D108BD9-81ED-4DB2-BD59-A6C34878D82A}">
+                        <a16:rowId xmlns:a16="http://schemas.microsoft.com/office/drawing/2014/main" xmlns="" val="168178639"/>
+                      </a:ext>
+                    </a:extLst>
+                  </a:tr>
+                </a:tbl>
+              </a:graphicData>
+            </a:graphic>
+          </p:graphicFrame>
+        </mc:Choice>
+        <mc:Fallback xmlns="">
+          <p:graphicFrame>
+            <p:nvGraphicFramePr>
+              <p:cNvPr id="8" name="内容占位符 6">
+                <a:extLst>
+                  <a:ext uri="{FF2B5EF4-FFF2-40B4-BE49-F238E27FC236}">
+                    <a16:creationId xmlns:a16="http://schemas.microsoft.com/office/drawing/2014/main" xmlns="" xmlns:a14="http://schemas.microsoft.com/office/drawing/2010/main" id="{EB980026-D29F-4C6E-9BFC-18210325D87E}"/>
+                  </a:ext>
+                </a:extLst>
+              </p:cNvPr>
+              <p:cNvGraphicFramePr>
+                <a:graphicFrameLocks/>
+              </p:cNvGraphicFramePr>
+              <p:nvPr>
+                <p:extLst>
+                  <p:ext uri="{D42A27DB-BD31-4B8C-83A1-F6EECF244321}">
+                    <p14:modId xmlns:p14="http://schemas.microsoft.com/office/powerpoint/2010/main" val="764001172"/>
+                  </p:ext>
+                </p:extLst>
+              </p:nvPr>
+            </p:nvGraphicFramePr>
+            <p:xfrm>
+              <a:off x="1253763" y="2434135"/>
+              <a:ext cx="4742732" cy="1854200"/>
+            </p:xfrm>
+            <a:graphic>
+              <a:graphicData uri="http://schemas.openxmlformats.org/drawingml/2006/table">
+                <a:tbl>
+                  <a:tblPr firstRow="1" bandRow="1">
+                    <a:tableStyleId>{073A0DAA-6AF3-43AB-8588-CEC1D06C72B9}</a:tableStyleId>
+                  </a:tblPr>
+                  <a:tblGrid>
+                    <a:gridCol w="1185683">
+                      <a:extLst>
+                        <a:ext uri="{9D8B030D-6E8A-4147-A177-3AD203B41FA5}">
+                          <a16:colId xmlns:a16="http://schemas.microsoft.com/office/drawing/2014/main" xmlns="" xmlns:a14="http://schemas.microsoft.com/office/drawing/2010/main" val="849694925"/>
+                        </a:ext>
+                      </a:extLst>
+                    </a:gridCol>
+                    <a:gridCol w="1185683"/>
+                    <a:gridCol w="1185683"/>
+                    <a:gridCol w="1185683">
+                      <a:extLst>
+                        <a:ext uri="{9D8B030D-6E8A-4147-A177-3AD203B41FA5}">
+                          <a16:colId xmlns:a16="http://schemas.microsoft.com/office/drawing/2014/main" xmlns="" xmlns:a14="http://schemas.microsoft.com/office/drawing/2010/main" val="2032597962"/>
+                        </a:ext>
+                      </a:extLst>
+                    </a:gridCol>
+                  </a:tblGrid>
+                  <a:tr h="370840">
+                    <a:tc>
+                      <a:txBody>
+                        <a:bodyPr/>
+                        <a:lstStyle/>
+                        <a:p>
+                          <a:endParaRPr lang="zh-CN"/>
+                        </a:p>
+                      </a:txBody>
+                      <a:tcPr>
+                        <a:blipFill rotWithShape="0">
+                          <a:blip r:embed="rId3"/>
+                          <a:stretch>
+                            <a:fillRect l="-513" t="-3279" r="-301538" b="-403279"/>
+                          </a:stretch>
+                        </a:blipFill>
+                      </a:tcPr>
+                    </a:tc>
+                    <a:tc>
+                      <a:txBody>
+                        <a:bodyPr/>
+                        <a:lstStyle/>
+                        <a:p>
+                          <a:endParaRPr lang="zh-CN"/>
+                        </a:p>
+                      </a:txBody>
+                      <a:tcPr>
+                        <a:blipFill rotWithShape="0">
+                          <a:blip r:embed="rId3"/>
+                          <a:stretch>
+                            <a:fillRect l="-100513" t="-3279" r="-201538" b="-403279"/>
+                          </a:stretch>
+                        </a:blipFill>
+                      </a:tcPr>
+                    </a:tc>
+                    <a:tc>
+                      <a:txBody>
+                        <a:bodyPr/>
+                        <a:lstStyle/>
+                        <a:p>
+                          <a:endParaRPr lang="zh-CN"/>
+                        </a:p>
+                      </a:txBody>
+                      <a:tcPr>
+                        <a:blipFill rotWithShape="0">
+                          <a:blip r:embed="rId3"/>
+                          <a:stretch>
+                            <a:fillRect l="-201546" t="-3279" r="-102577" b="-403279"/>
+                          </a:stretch>
+                        </a:blipFill>
+                      </a:tcPr>
+                    </a:tc>
+                    <a:tc>
+                      <a:txBody>
+                        <a:bodyPr/>
+                        <a:lstStyle/>
+                        <a:p>
+                          <a:endParaRPr lang="zh-CN"/>
+                        </a:p>
+                      </a:txBody>
+                      <a:tcPr>
+                        <a:blipFill rotWithShape="0">
+                          <a:blip r:embed="rId3"/>
+                          <a:stretch>
+                            <a:fillRect l="-300000" t="-3279" r="-2051" b="-403279"/>
+                          </a:stretch>
+                        </a:blipFill>
+                      </a:tcPr>
+                    </a:tc>
+                    <a:extLst>
+                      <a:ext uri="{0D108BD9-81ED-4DB2-BD59-A6C34878D82A}">
+                        <a16:rowId xmlns:a16="http://schemas.microsoft.com/office/drawing/2014/main" xmlns="" xmlns:a14="http://schemas.microsoft.com/office/drawing/2010/main" val="246005499"/>
+                      </a:ext>
+                    </a:extLst>
+                  </a:tr>
+                  <a:tr h="370840">
+                    <a:tc>
+                      <a:txBody>
+                        <a:bodyPr/>
+                        <a:lstStyle/>
+                        <a:p>
+                          <a:pPr algn="ctr"/>
+                          <a:r>
+                            <a:rPr lang="en-US" altLang="zh-CN" dirty="0"/>
+                            <a:t>110</a:t>
+                          </a:r>
+                          <a:endParaRPr lang="zh-CN" altLang="en-US" dirty="0"/>
+                        </a:p>
+                      </a:txBody>
+                      <a:tcPr/>
+                    </a:tc>
+                    <a:tc>
+                      <a:txBody>
+                        <a:bodyPr/>
+                        <a:lstStyle/>
+                        <a:p>
+                          <a:pPr algn="ctr"/>
+                          <a:r>
+                            <a:rPr lang="en-US" altLang="zh-CN" dirty="0" smtClean="0"/>
+                            <a:t>2</a:t>
+                          </a:r>
+                          <a:endParaRPr lang="zh-CN" altLang="en-US" dirty="0"/>
+                        </a:p>
+                      </a:txBody>
+                      <a:tcPr/>
+                    </a:tc>
+                    <a:tc>
+                      <a:txBody>
+                        <a:bodyPr/>
+                        <a:lstStyle/>
+                        <a:p>
+                          <a:pPr algn="ctr"/>
+                          <a:r>
+                            <a:rPr lang="en-US" altLang="zh-CN" dirty="0" smtClean="0"/>
+                            <a:t>20</a:t>
+                          </a:r>
+                          <a:endParaRPr lang="zh-CN" altLang="en-US" dirty="0"/>
+                        </a:p>
+                      </a:txBody>
+                      <a:tcPr/>
+                    </a:tc>
+                    <a:tc>
+                      <a:txBody>
+                        <a:bodyPr/>
+                        <a:lstStyle/>
+                        <a:p>
+                          <a:pPr algn="ctr"/>
+                          <a:r>
+                            <a:rPr lang="en-US" altLang="zh-CN" dirty="0"/>
+                            <a:t>435</a:t>
+                          </a:r>
+                          <a:endParaRPr lang="zh-CN" altLang="en-US" dirty="0"/>
+                        </a:p>
+                      </a:txBody>
+                      <a:tcPr/>
+                    </a:tc>
+                    <a:extLst>
+                      <a:ext uri="{0D108BD9-81ED-4DB2-BD59-A6C34878D82A}">
+                        <a16:rowId xmlns:a16="http://schemas.microsoft.com/office/drawing/2014/main" xmlns="" xmlns:a14="http://schemas.microsoft.com/office/drawing/2010/main" val="1967244540"/>
+                      </a:ext>
+                    </a:extLst>
+                  </a:tr>
+                  <a:tr h="370840">
+                    <a:tc>
+                      <a:txBody>
+                        <a:bodyPr/>
+                        <a:lstStyle/>
+                        <a:p>
+                          <a:pPr algn="ctr"/>
+                          <a:r>
+                            <a:rPr lang="en-US" altLang="zh-CN" dirty="0"/>
+                            <a:t>130</a:t>
+                          </a:r>
+                          <a:endParaRPr lang="zh-CN" altLang="en-US" dirty="0"/>
+                        </a:p>
+                      </a:txBody>
+                      <a:tcPr/>
+                    </a:tc>
+                    <a:tc>
+                      <a:txBody>
+                        <a:bodyPr/>
+                        <a:lstStyle/>
+                        <a:p>
+                          <a:pPr algn="ctr"/>
+                          <a:r>
+                            <a:rPr lang="en-US" altLang="zh-CN" dirty="0" smtClean="0"/>
+                            <a:t>3</a:t>
+                          </a:r>
+                          <a:endParaRPr lang="zh-CN" altLang="en-US" dirty="0"/>
+                        </a:p>
+                      </a:txBody>
+                      <a:tcPr/>
+                    </a:tc>
+                    <a:tc>
+                      <a:txBody>
+                        <a:bodyPr/>
+                        <a:lstStyle/>
+                        <a:p>
+                          <a:pPr algn="ctr"/>
+                          <a:r>
+                            <a:rPr lang="en-US" altLang="zh-CN" dirty="0" smtClean="0"/>
+                            <a:t>10</a:t>
+                          </a:r>
+                          <a:endParaRPr lang="zh-CN" altLang="en-US" dirty="0"/>
+                        </a:p>
+                      </a:txBody>
+                      <a:tcPr/>
+                    </a:tc>
+                    <a:tc>
+                      <a:txBody>
+                        <a:bodyPr/>
+                        <a:lstStyle/>
+                        <a:p>
+                          <a:pPr algn="ctr"/>
+                          <a:r>
+                            <a:rPr lang="en-US" altLang="zh-CN" dirty="0" smtClean="0"/>
+                            <a:t>510</a:t>
+                          </a:r>
+                          <a:endParaRPr lang="zh-CN" altLang="en-US" dirty="0"/>
+                        </a:p>
+                      </a:txBody>
+                      <a:tcPr/>
+                    </a:tc>
+                    <a:extLst>
+                      <a:ext uri="{0D108BD9-81ED-4DB2-BD59-A6C34878D82A}">
+                        <a16:rowId xmlns:a16="http://schemas.microsoft.com/office/drawing/2014/main" xmlns="" xmlns:a14="http://schemas.microsoft.com/office/drawing/2010/main" val="1823030155"/>
+                      </a:ext>
+                    </a:extLst>
+                  </a:tr>
+                  <a:tr h="370840">
+                    <a:tc>
+                      <a:txBody>
+                        <a:bodyPr/>
+                        <a:lstStyle/>
+                        <a:p>
+                          <a:pPr algn="ctr"/>
+                          <a:r>
+                            <a:rPr lang="en-US" altLang="zh-CN" dirty="0"/>
+                            <a:t>80</a:t>
+                          </a:r>
+                          <a:endParaRPr lang="zh-CN" altLang="en-US" dirty="0"/>
+                        </a:p>
+                      </a:txBody>
+                      <a:tcPr/>
+                    </a:tc>
+                    <a:tc>
+                      <a:txBody>
+                        <a:bodyPr/>
+                        <a:lstStyle/>
+                        <a:p>
+                          <a:pPr algn="ctr"/>
+                          <a:r>
+                            <a:rPr lang="en-US" altLang="zh-CN" dirty="0" smtClean="0"/>
+                            <a:t>1</a:t>
+                          </a:r>
+                          <a:endParaRPr lang="zh-CN" altLang="en-US" dirty="0"/>
+                        </a:p>
+                      </a:txBody>
+                      <a:tcPr/>
+                    </a:tc>
+                    <a:tc>
+                      <a:txBody>
+                        <a:bodyPr/>
+                        <a:lstStyle/>
+                        <a:p>
+                          <a:pPr algn="ctr"/>
+                          <a:r>
+                            <a:rPr lang="en-US" altLang="zh-CN" dirty="0" smtClean="0"/>
+                            <a:t>30</a:t>
+                          </a:r>
+                          <a:endParaRPr lang="zh-CN" altLang="en-US" dirty="0"/>
+                        </a:p>
+                      </a:txBody>
+                      <a:tcPr/>
+                    </a:tc>
+                    <a:tc>
+                      <a:txBody>
+                        <a:bodyPr/>
+                        <a:lstStyle/>
+                        <a:p>
+                          <a:pPr algn="ctr"/>
+                          <a:r>
+                            <a:rPr lang="en-US" altLang="zh-CN" dirty="0"/>
+                            <a:t>327</a:t>
+                          </a:r>
+                          <a:endParaRPr lang="zh-CN" altLang="en-US" dirty="0"/>
+                        </a:p>
+                      </a:txBody>
+                      <a:tcPr/>
+                    </a:tc>
+                    <a:extLst>
+                      <a:ext uri="{0D108BD9-81ED-4DB2-BD59-A6C34878D82A}">
+                        <a16:rowId xmlns:a16="http://schemas.microsoft.com/office/drawing/2014/main" xmlns="" xmlns:a14="http://schemas.microsoft.com/office/drawing/2010/main" val="1815547532"/>
+                      </a:ext>
+                    </a:extLst>
+                  </a:tr>
+                  <a:tr h="370840">
+                    <a:tc>
+                      <a:txBody>
+                        <a:bodyPr/>
+                        <a:lstStyle/>
+                        <a:p>
+                          <a:pPr algn="ctr"/>
+                          <a:r>
+                            <a:rPr lang="en-US" altLang="zh-CN" dirty="0" smtClean="0"/>
+                            <a:t>90</a:t>
+                          </a:r>
+                          <a:endParaRPr lang="zh-CN" altLang="en-US" dirty="0"/>
+                        </a:p>
+                      </a:txBody>
+                      <a:tcPr/>
+                    </a:tc>
+                    <a:tc>
+                      <a:txBody>
+                        <a:bodyPr/>
+                        <a:lstStyle/>
+                        <a:p>
+                          <a:pPr marL="0" marR="0" indent="0" algn="ctr" defTabSz="685800" rtl="0" eaLnBrk="1" fontAlgn="auto" latinLnBrk="0" hangingPunct="1">
+                            <a:lnSpc>
+                              <a:spcPct val="100000"/>
+                            </a:lnSpc>
+                            <a:spcBef>
+                              <a:spcPts val="0"/>
+                            </a:spcBef>
+                            <a:spcAft>
+                              <a:spcPts val="0"/>
+                            </a:spcAft>
+                            <a:buClrTx/>
+                            <a:buSzTx/>
+                            <a:buFontTx/>
+                            <a:buNone/>
+                            <a:tabLst/>
+                            <a:defRPr/>
+                          </a:pPr>
+                          <a:r>
+                            <a:rPr lang="en-US" altLang="zh-CN" dirty="0" smtClean="0"/>
+                            <a:t>1</a:t>
+                          </a:r>
+                          <a:endParaRPr lang="zh-CN" altLang="en-US" dirty="0" smtClean="0"/>
+                        </a:p>
+                      </a:txBody>
+                      <a:tcPr/>
+                    </a:tc>
+                    <a:tc>
+                      <a:txBody>
+                        <a:bodyPr/>
+                        <a:lstStyle/>
+                        <a:p>
+                          <a:pPr marL="0" marR="0" indent="0" algn="ctr" defTabSz="685800" rtl="0" eaLnBrk="1" fontAlgn="auto" latinLnBrk="0" hangingPunct="1">
+                            <a:lnSpc>
+                              <a:spcPct val="100000"/>
+                            </a:lnSpc>
+                            <a:spcBef>
+                              <a:spcPts val="0"/>
+                            </a:spcBef>
+                            <a:spcAft>
+                              <a:spcPts val="0"/>
+                            </a:spcAft>
+                            <a:buClrTx/>
+                            <a:buSzTx/>
+                            <a:buFontTx/>
+                            <a:buNone/>
+                            <a:tabLst/>
+                            <a:defRPr/>
+                          </a:pPr>
+                          <a:r>
+                            <a:rPr lang="en-US" altLang="zh-CN" dirty="0" smtClean="0"/>
+                            <a:t>5</a:t>
+                          </a:r>
+                          <a:endParaRPr lang="zh-CN" altLang="en-US" dirty="0" smtClean="0"/>
+                        </a:p>
+                      </a:txBody>
+                      <a:tcPr/>
+                    </a:tc>
+                    <a:tc>
+                      <a:txBody>
+                        <a:bodyPr/>
+                        <a:lstStyle/>
+                        <a:p>
+                          <a:pPr algn="ctr"/>
+                          <a:r>
+                            <a:rPr lang="en-US" altLang="zh-CN" dirty="0" smtClean="0"/>
+                            <a:t>500</a:t>
+                          </a:r>
+                          <a:endParaRPr lang="zh-CN" altLang="en-US" dirty="0"/>
+                        </a:p>
+                      </a:txBody>
+                      <a:tcPr/>
+                    </a:tc>
+                    <a:extLst>
+                      <a:ext uri="{0D108BD9-81ED-4DB2-BD59-A6C34878D82A}">
+                        <a16:rowId xmlns:a16="http://schemas.microsoft.com/office/drawing/2014/main" xmlns="" xmlns:a14="http://schemas.microsoft.com/office/drawing/2010/main" val="168178639"/>
+                      </a:ext>
+                    </a:extLst>
+                  </a:tr>
+                </a:tbl>
+              </a:graphicData>
+            </a:graphic>
+          </p:graphicFrame>
+        </mc:Fallback>
+      </mc:AlternateContent>
+      <mc:AlternateContent xmlns:mc="http://schemas.openxmlformats.org/markup-compatibility/2006">
+        <mc:Choice xmlns:a14="http://schemas.microsoft.com/office/drawing/2010/main" Requires="a14">
+          <p:sp>
+            <p:nvSpPr>
+              <p:cNvPr id="9" name="文本框 8"/>
+              <p:cNvSpPr txBox="1"/>
+              <p:nvPr/>
+            </p:nvSpPr>
+            <p:spPr>
+              <a:xfrm>
+                <a:off x="7107811" y="2765398"/>
+                <a:ext cx="4741682" cy="1191673"/>
+              </a:xfrm>
+              <a:prstGeom prst="rect">
+                <a:avLst/>
+              </a:prstGeom>
+              <a:noFill/>
+            </p:spPr>
+            <p:txBody>
+              <a:bodyPr wrap="square" rtlCol="0">
+                <a:spAutoFit/>
+              </a:bodyPr>
+              <a:lstStyle/>
+              <a:p>
+                <a:pPr/>
+                <a14:m>
+                  <m:oMathPara xmlns:m="http://schemas.openxmlformats.org/officeDocument/2006/math">
+                    <m:oMathParaPr>
+                      <m:jc m:val="centerGroup"/>
+                    </m:oMathParaPr>
+                    <m:oMath xmlns:m="http://schemas.openxmlformats.org/officeDocument/2006/math">
+                      <m:r>
+                        <a:rPr kumimoji="1" lang="en-US" altLang="zh-CN" b="0" i="1" smtClean="0">
+                          <a:latin typeface="Cambria Math" charset="0"/>
+                        </a:rPr>
+                        <m:t>𝑋</m:t>
+                      </m:r>
+                      <m:r>
+                        <a:rPr kumimoji="1" lang="en-US" altLang="zh-CN" b="0" i="1" smtClean="0">
+                          <a:latin typeface="Cambria Math" charset="0"/>
+                        </a:rPr>
+                        <m:t>=</m:t>
+                      </m:r>
+                      <m:d>
+                        <m:dPr>
+                          <m:begChr m:val=""/>
+                          <m:endChr m:val="]"/>
+                          <m:ctrlPr>
+                            <a:rPr kumimoji="1" lang="en-US" altLang="zh-CN" b="0" i="1" smtClean="0">
+                              <a:latin typeface="Cambria Math" charset="0"/>
+                            </a:rPr>
+                          </m:ctrlPr>
+                        </m:dPr>
+                        <m:e>
+                          <m:d>
+                            <m:dPr>
+                              <m:begChr m:val="["/>
+                              <m:endChr m:val=""/>
+                              <m:ctrlPr>
+                                <a:rPr kumimoji="1" lang="en-US" altLang="zh-CN" b="0" i="1" smtClean="0">
+                                  <a:latin typeface="Cambria Math" charset="0"/>
+                                </a:rPr>
+                              </m:ctrlPr>
+                            </m:dPr>
+                            <m:e>
+                              <m:m>
+                                <m:mPr>
+                                  <m:mcs>
+                                    <m:mc>
+                                      <m:mcPr>
+                                        <m:count m:val="4"/>
+                                        <m:mcJc m:val="center"/>
+                                      </m:mcPr>
+                                    </m:mc>
+                                  </m:mcs>
+                                  <m:ctrlPr>
+                                    <a:rPr kumimoji="1" lang="en-US" altLang="zh-CN" b="0" i="1" smtClean="0">
+                                      <a:latin typeface="Cambria Math" charset="0"/>
+                                    </a:rPr>
+                                  </m:ctrlPr>
+                                </m:mPr>
+                                <m:mr>
+                                  <m:e>
+                                    <m:r>
+                                      <m:rPr>
+                                        <m:brk m:alnAt="7"/>
+                                      </m:rPr>
+                                      <a:rPr kumimoji="1" lang="en-US" altLang="zh-CN" b="0" i="1" smtClean="0">
+                                        <a:latin typeface="Cambria Math" charset="0"/>
+                                      </a:rPr>
+                                      <m:t>1</m:t>
+                                    </m:r>
+                                  </m:e>
+                                  <m:e>
+                                    <m:r>
+                                      <a:rPr kumimoji="1" lang="en-US" altLang="zh-CN" b="0" i="1" smtClean="0">
+                                        <a:latin typeface="Cambria Math" charset="0"/>
+                                      </a:rPr>
+                                      <m:t>110</m:t>
+                                    </m:r>
+                                  </m:e>
+                                  <m:e>
+                                    <m:r>
+                                      <a:rPr kumimoji="1" lang="en-US" altLang="zh-CN" b="0" i="1" smtClean="0">
+                                        <a:latin typeface="Cambria Math" charset="0"/>
+                                      </a:rPr>
+                                      <m:t>2</m:t>
+                                    </m:r>
+                                  </m:e>
+                                  <m:e>
+                                    <m:r>
+                                      <a:rPr kumimoji="1" lang="en-US" altLang="zh-CN" b="0" i="1" smtClean="0">
+                                        <a:latin typeface="Cambria Math" charset="0"/>
+                                      </a:rPr>
+                                      <m:t>20</m:t>
+                                    </m:r>
+                                  </m:e>
+                                </m:mr>
+                                <m:mr>
+                                  <m:e>
+                                    <m:r>
+                                      <a:rPr kumimoji="1" lang="en-US" altLang="zh-CN" b="0" i="1" smtClean="0">
+                                        <a:latin typeface="Cambria Math" charset="0"/>
+                                      </a:rPr>
+                                      <m:t>1</m:t>
+                                    </m:r>
+                                  </m:e>
+                                  <m:e>
+                                    <m:r>
+                                      <a:rPr kumimoji="1" lang="en-US" altLang="zh-CN" b="0" i="1" smtClean="0">
+                                        <a:latin typeface="Cambria Math" charset="0"/>
+                                      </a:rPr>
+                                      <m:t>130</m:t>
+                                    </m:r>
+                                  </m:e>
+                                  <m:e>
+                                    <m:r>
+                                      <a:rPr kumimoji="1" lang="en-US" altLang="zh-CN" b="0" i="1" smtClean="0">
+                                        <a:latin typeface="Cambria Math" charset="0"/>
+                                      </a:rPr>
+                                      <m:t>3</m:t>
+                                    </m:r>
+                                  </m:e>
+                                  <m:e>
+                                    <m:r>
+                                      <a:rPr kumimoji="1" lang="en-US" altLang="zh-CN" b="0" i="1" smtClean="0">
+                                        <a:latin typeface="Cambria Math" charset="0"/>
+                                      </a:rPr>
+                                      <m:t>10</m:t>
+                                    </m:r>
+                                  </m:e>
+                                </m:mr>
+                                <m:mr>
+                                  <m:e>
+                                    <m:r>
+                                      <a:rPr kumimoji="1" lang="en-US" altLang="zh-CN" b="0" i="1" smtClean="0">
+                                        <a:latin typeface="Cambria Math" charset="0"/>
+                                      </a:rPr>
+                                      <m:t>1</m:t>
+                                    </m:r>
+                                  </m:e>
+                                  <m:e>
+                                    <m:r>
+                                      <a:rPr kumimoji="1" lang="en-US" altLang="zh-CN" b="0" i="1" smtClean="0">
+                                        <a:latin typeface="Cambria Math" charset="0"/>
+                                      </a:rPr>
+                                      <m:t>80</m:t>
+                                    </m:r>
+                                  </m:e>
+                                  <m:e>
+                                    <m:r>
+                                      <a:rPr kumimoji="1" lang="en-US" altLang="zh-CN" b="0" i="1" smtClean="0">
+                                        <a:latin typeface="Cambria Math" charset="0"/>
+                                      </a:rPr>
+                                      <m:t>1</m:t>
+                                    </m:r>
+                                  </m:e>
+                                  <m:e>
+                                    <m:r>
+                                      <a:rPr kumimoji="1" lang="en-US" altLang="zh-CN" b="0" i="1" smtClean="0">
+                                        <a:latin typeface="Cambria Math" charset="0"/>
+                                      </a:rPr>
+                                      <m:t>30</m:t>
+                                    </m:r>
+                                  </m:e>
+                                </m:mr>
+                                <m:mr>
+                                  <m:e>
+                                    <m:r>
+                                      <a:rPr kumimoji="1" lang="en-US" altLang="zh-CN" b="0" i="1" smtClean="0">
+                                        <a:latin typeface="Cambria Math" charset="0"/>
+                                      </a:rPr>
+                                      <m:t>1</m:t>
+                                    </m:r>
+                                  </m:e>
+                                  <m:e>
+                                    <m:r>
+                                      <a:rPr kumimoji="1" lang="en-US" altLang="zh-CN" b="0" i="1" smtClean="0">
+                                        <a:latin typeface="Cambria Math" charset="0"/>
+                                      </a:rPr>
+                                      <m:t>90</m:t>
+                                    </m:r>
+                                  </m:e>
+                                  <m:e>
+                                    <m:r>
+                                      <a:rPr kumimoji="1" lang="en-US" altLang="zh-CN" b="0" i="1" smtClean="0">
+                                        <a:latin typeface="Cambria Math" charset="0"/>
+                                      </a:rPr>
+                                      <m:t>1</m:t>
+                                    </m:r>
+                                  </m:e>
+                                  <m:e>
+                                    <m:r>
+                                      <a:rPr kumimoji="1" lang="en-US" altLang="zh-CN" b="0" i="1" smtClean="0">
+                                        <a:latin typeface="Cambria Math" charset="0"/>
+                                      </a:rPr>
+                                      <m:t>5</m:t>
+                                    </m:r>
+                                  </m:e>
+                                </m:mr>
+                              </m:m>
+                            </m:e>
+                          </m:d>
+                        </m:e>
+                      </m:d>
+                      <m:r>
+                        <a:rPr kumimoji="1" lang="en-US" altLang="zh-CN" b="0" i="1" smtClean="0">
+                          <a:latin typeface="Cambria Math" charset="0"/>
+                        </a:rPr>
+                        <m:t>,</m:t>
+                      </m:r>
+                      <m:r>
+                        <a:rPr kumimoji="1" lang="zh-CN" altLang="en-US" b="0" i="1" smtClean="0">
+                          <a:latin typeface="Cambria Math" charset="0"/>
+                        </a:rPr>
+                        <m:t> </m:t>
+                      </m:r>
+                      <m:r>
+                        <a:rPr kumimoji="1" lang="en-US" altLang="zh-CN" b="0" i="1" smtClean="0">
+                          <a:latin typeface="Cambria Math" charset="0"/>
+                        </a:rPr>
+                        <m:t>𝑦</m:t>
+                      </m:r>
+                      <m:r>
+                        <a:rPr kumimoji="1" lang="en-US" altLang="zh-CN" b="0" i="1" smtClean="0">
+                          <a:latin typeface="Cambria Math" charset="0"/>
+                        </a:rPr>
+                        <m:t>=</m:t>
+                      </m:r>
+                      <m:d>
+                        <m:dPr>
+                          <m:begChr m:val=""/>
+                          <m:endChr m:val="]"/>
+                          <m:ctrlPr>
+                            <a:rPr kumimoji="1" lang="en-US" altLang="zh-CN" b="0" i="1" smtClean="0">
+                              <a:latin typeface="Cambria Math" charset="0"/>
+                            </a:rPr>
+                          </m:ctrlPr>
+                        </m:dPr>
+                        <m:e>
+                          <m:d>
+                            <m:dPr>
+                              <m:begChr m:val="["/>
+                              <m:endChr m:val=""/>
+                              <m:ctrlPr>
+                                <a:rPr kumimoji="1" lang="en-US" altLang="zh-CN" b="0" i="1" smtClean="0">
+                                  <a:latin typeface="Cambria Math" charset="0"/>
+                                </a:rPr>
+                              </m:ctrlPr>
+                            </m:dPr>
+                            <m:e>
+                              <m:m>
+                                <m:mPr>
+                                  <m:mcs>
+                                    <m:mc>
+                                      <m:mcPr>
+                                        <m:count m:val="1"/>
+                                        <m:mcJc m:val="center"/>
+                                      </m:mcPr>
+                                    </m:mc>
+                                  </m:mcs>
+                                  <m:ctrlPr>
+                                    <a:rPr kumimoji="1" lang="mr-IN" altLang="zh-CN" b="0" i="1" smtClean="0">
+                                      <a:latin typeface="Cambria Math" charset="0"/>
+                                    </a:rPr>
+                                  </m:ctrlPr>
+                                </m:mPr>
+                                <m:mr>
+                                  <m:e>
+                                    <m:r>
+                                      <a:rPr kumimoji="1" lang="en-US" altLang="zh-CN" b="0" i="1" smtClean="0">
+                                        <a:latin typeface="Cambria Math" charset="0"/>
+                                      </a:rPr>
+                                      <m:t>435</m:t>
+                                    </m:r>
+                                  </m:e>
+                                </m:mr>
+                                <m:mr>
+                                  <m:e>
+                                    <m:r>
+                                      <a:rPr kumimoji="1" lang="en-US" altLang="zh-CN" b="0" i="1" smtClean="0">
+                                        <a:latin typeface="Cambria Math" charset="0"/>
+                                      </a:rPr>
+                                      <m:t>510</m:t>
+                                    </m:r>
+                                  </m:e>
+                                </m:mr>
+                                <m:mr>
+                                  <m:e>
+                                    <m:r>
+                                      <a:rPr kumimoji="1" lang="en-US" altLang="zh-CN" b="0" i="1" smtClean="0">
+                                        <a:latin typeface="Cambria Math" charset="0"/>
+                                      </a:rPr>
+                                      <m:t>327</m:t>
+                                    </m:r>
+                                  </m:e>
+                                </m:mr>
+                                <m:mr>
+                                  <m:e>
+                                    <m:r>
+                                      <a:rPr kumimoji="1" lang="en-US" altLang="zh-CN" b="0" i="1" smtClean="0">
+                                        <a:latin typeface="Cambria Math" charset="0"/>
+                                      </a:rPr>
+                                      <m:t>500</m:t>
+                                    </m:r>
+                                  </m:e>
+                                </m:mr>
+                              </m:m>
+                            </m:e>
+                          </m:d>
+                        </m:e>
+                      </m:d>
+                    </m:oMath>
+                  </m:oMathPara>
+                </a14:m>
+                <a:endParaRPr kumimoji="1" lang="en-US" altLang="zh-CN" b="0" dirty="0" smtClean="0"/>
+              </a:p>
+            </p:txBody>
+          </p:sp>
+        </mc:Choice>
+        <mc:Fallback>
+          <p:sp>
+            <p:nvSpPr>
+              <p:cNvPr id="9" name="文本框 8"/>
+              <p:cNvSpPr txBox="1">
+                <a:spLocks noRot="1" noChangeAspect="1" noMove="1" noResize="1" noEditPoints="1" noAdjustHandles="1" noChangeArrowheads="1" noChangeShapeType="1" noTextEdit="1"/>
+              </p:cNvSpPr>
+              <p:nvPr/>
+            </p:nvSpPr>
+            <p:spPr>
+              <a:xfrm>
+                <a:off x="7107811" y="2765398"/>
+                <a:ext cx="4741682" cy="1191673"/>
+              </a:xfrm>
+              <a:prstGeom prst="rect">
+                <a:avLst/>
+              </a:prstGeom>
+              <a:blipFill rotWithShape="0">
+                <a:blip r:embed="rId4"/>
+                <a:stretch>
+                  <a:fillRect/>
+                </a:stretch>
+              </a:blipFill>
+            </p:spPr>
+            <p:txBody>
+              <a:bodyPr/>
+              <a:lstStyle/>
+              <a:p>
+                <a:r>
+                  <a:rPr lang="zh-CN" altLang="en-US">
+                    <a:noFill/>
+                  </a:rPr>
+                  <a:t> </a:t>
+                </a:r>
+              </a:p>
+            </p:txBody>
+          </p:sp>
+        </mc:Fallback>
+      </mc:AlternateContent>
+      <p:sp>
+        <p:nvSpPr>
+          <p:cNvPr id="7" name="燕尾形箭头 6"/>
+          <p:cNvSpPr/>
+          <p:nvPr/>
+        </p:nvSpPr>
+        <p:spPr>
+          <a:xfrm>
+            <a:off x="6297105" y="3227191"/>
+            <a:ext cx="1253765" cy="268086"/>
+          </a:xfrm>
+          <a:prstGeom prst="notchedRightArrow">
+            <a:avLst>
+              <a:gd name="adj1" fmla="val 50000"/>
+              <a:gd name="adj2" fmla="val 116810"/>
+            </a:avLst>
+          </a:prstGeom>
+        </p:spPr>
+        <p:style>
+          <a:lnRef idx="2">
+            <a:schemeClr val="accent1">
+              <a:shade val="50000"/>
+            </a:schemeClr>
+          </a:lnRef>
+          <a:fillRef idx="1">
+            <a:schemeClr val="accent1"/>
+          </a:fillRef>
+          <a:effectRef idx="0">
+            <a:schemeClr val="accent1"/>
+          </a:effectRef>
+          <a:fontRef idx="minor">
+            <a:schemeClr val="lt1"/>
+          </a:fontRef>
+        </p:style>
+        <p:txBody>
+          <a:bodyPr rtlCol="0" anchor="ctr"/>
+          <a:lstStyle/>
+          <a:p>
+            <a:pPr algn="ctr"/>
+            <a:endParaRPr kumimoji="1" lang="zh-CN" altLang="en-US"/>
+          </a:p>
+        </p:txBody>
+      </p:sp>
+    </p:spTree>
+    <p:extLst>
+      <p:ext uri="{BB962C8B-B14F-4D97-AF65-F5344CB8AC3E}">
+        <p14:creationId xmlns:p14="http://schemas.microsoft.com/office/powerpoint/2010/main" val="358032644"/>
       </p:ext>
     </p:extLst>
   </p:cSld>
@@ -20754,7 +23019,7 @@
           <p:cNvPr id="2" name="标题 1">
             <a:extLst>
               <a:ext uri="{FF2B5EF4-FFF2-40B4-BE49-F238E27FC236}">
-                <a16:creationId xmlns="" xmlns:a16="http://schemas.microsoft.com/office/drawing/2014/main" id="{B966BEC1-8E01-4033-9E8D-E80CDC45987C}"/>
+                <a16:creationId xmlns:a16="http://schemas.microsoft.com/office/drawing/2014/main" xmlns="" id="{B966BEC1-8E01-4033-9E8D-E80CDC45987C}"/>
               </a:ext>
             </a:extLst>
           </p:cNvPr>
@@ -20782,7 +23047,7 @@
           <p:cNvPr id="3" name="内容占位符 2">
             <a:extLst>
               <a:ext uri="{FF2B5EF4-FFF2-40B4-BE49-F238E27FC236}">
-                <a16:creationId xmlns="" xmlns:a16="http://schemas.microsoft.com/office/drawing/2014/main" id="{235A2F31-B29B-4AD3-8BEB-CC1A791AFB6A}"/>
+                <a16:creationId xmlns:a16="http://schemas.microsoft.com/office/drawing/2014/main" xmlns="" id="{235A2F31-B29B-4AD3-8BEB-CC1A791AFB6A}"/>
               </a:ext>
             </a:extLst>
           </p:cNvPr>
@@ -20807,7 +23072,7 @@
           <p:cNvPr id="4" name="日期占位符 3">
             <a:extLst>
               <a:ext uri="{FF2B5EF4-FFF2-40B4-BE49-F238E27FC236}">
-                <a16:creationId xmlns="" xmlns:a16="http://schemas.microsoft.com/office/drawing/2014/main" id="{B0221C10-1A7A-4DA3-B090-F84BC1BFFFE0}"/>
+                <a16:creationId xmlns:a16="http://schemas.microsoft.com/office/drawing/2014/main" xmlns="" id="{B0221C10-1A7A-4DA3-B090-F84BC1BFFFE0}"/>
               </a:ext>
             </a:extLst>
           </p:cNvPr>
@@ -20828,7 +23093,7 @@
             </a:pPr>
             <a:fld id="{95A2A19B-170D-1043-AE33-7A36DFB7BCDC}" type="datetime2">
               <a:rPr lang="zh-CN" altLang="en-US" smtClean="0"/>
-              <a:t>2018年7月5日</a:t>
+              <a:t>2018年7月6日</a:t>
             </a:fld>
             <a:endParaRPr lang="en-US" altLang="zh-CN"/>
           </a:p>
@@ -20839,7 +23104,7 @@
           <p:cNvPr id="5" name="页脚占位符 4">
             <a:extLst>
               <a:ext uri="{FF2B5EF4-FFF2-40B4-BE49-F238E27FC236}">
-                <a16:creationId xmlns="" xmlns:a16="http://schemas.microsoft.com/office/drawing/2014/main" id="{2573D4B4-E892-44B3-A996-95CC5C962DDC}"/>
+                <a16:creationId xmlns:a16="http://schemas.microsoft.com/office/drawing/2014/main" xmlns="" id="{2573D4B4-E892-44B3-A996-95CC5C962DDC}"/>
               </a:ext>
             </a:extLst>
           </p:cNvPr>
@@ -20871,7 +23136,7 @@
           <p:cNvPr id="6" name="灯片编号占位符 5">
             <a:extLst>
               <a:ext uri="{FF2B5EF4-FFF2-40B4-BE49-F238E27FC236}">
-                <a16:creationId xmlns="" xmlns:a16="http://schemas.microsoft.com/office/drawing/2014/main" id="{CD7E5279-6EB8-4DAF-BEEF-B9DAAC2BC40B}"/>
+                <a16:creationId xmlns:a16="http://schemas.microsoft.com/office/drawing/2014/main" xmlns="" id="{CD7E5279-6EB8-4DAF-BEEF-B9DAAC2BC40B}"/>
               </a:ext>
             </a:extLst>
           </p:cNvPr>
@@ -20906,7 +23171,7 @@
           <p:cNvPr id="6146" name="Picture 2" descr="http://photocdn.sohu.com/20160119/mp55295281_1453182841488_2.jpeg">
             <a:extLst>
               <a:ext uri="{FF2B5EF4-FFF2-40B4-BE49-F238E27FC236}">
-                <a16:creationId xmlns="" xmlns:a16="http://schemas.microsoft.com/office/drawing/2014/main" id="{116E99F8-60AE-47AB-8FA5-7919F5F410F5}"/>
+                <a16:creationId xmlns:a16="http://schemas.microsoft.com/office/drawing/2014/main" xmlns="" id="{116E99F8-60AE-47AB-8FA5-7919F5F410F5}"/>
               </a:ext>
             </a:extLst>
           </p:cNvPr>
@@ -20983,7 +23248,7 @@
           <p:cNvPr id="2" name="标题 1">
             <a:extLst>
               <a:ext uri="{FF2B5EF4-FFF2-40B4-BE49-F238E27FC236}">
-                <a16:creationId xmlns="" xmlns:a16="http://schemas.microsoft.com/office/drawing/2014/main" id="{06C98B31-3ABF-4C01-9D2F-11C6CF2AC1A5}"/>
+                <a16:creationId xmlns:a16="http://schemas.microsoft.com/office/drawing/2014/main" xmlns="" id="{06C98B31-3ABF-4C01-9D2F-11C6CF2AC1A5}"/>
               </a:ext>
             </a:extLst>
           </p:cNvPr>
@@ -21011,7 +23276,7 @@
           <p:cNvPr id="3" name="内容占位符 2">
             <a:extLst>
               <a:ext uri="{FF2B5EF4-FFF2-40B4-BE49-F238E27FC236}">
-                <a16:creationId xmlns="" xmlns:a16="http://schemas.microsoft.com/office/drawing/2014/main" id="{550418E6-588F-4BA9-99DA-877BAED370B1}"/>
+                <a16:creationId xmlns:a16="http://schemas.microsoft.com/office/drawing/2014/main" xmlns="" id="{550418E6-588F-4BA9-99DA-877BAED370B1}"/>
               </a:ext>
             </a:extLst>
           </p:cNvPr>
@@ -21036,7 +23301,7 @@
           <p:cNvPr id="4" name="日期占位符 3">
             <a:extLst>
               <a:ext uri="{FF2B5EF4-FFF2-40B4-BE49-F238E27FC236}">
-                <a16:creationId xmlns="" xmlns:a16="http://schemas.microsoft.com/office/drawing/2014/main" id="{43207CFC-4B29-45C9-9440-27BC2C241187}"/>
+                <a16:creationId xmlns:a16="http://schemas.microsoft.com/office/drawing/2014/main" xmlns="" id="{43207CFC-4B29-45C9-9440-27BC2C241187}"/>
               </a:ext>
             </a:extLst>
           </p:cNvPr>
@@ -21057,7 +23322,7 @@
             </a:pPr>
             <a:fld id="{95A2A19B-170D-1043-AE33-7A36DFB7BCDC}" type="datetime2">
               <a:rPr lang="zh-CN" altLang="en-US" smtClean="0"/>
-              <a:t>2018年7月5日</a:t>
+              <a:t>2018年7月6日</a:t>
             </a:fld>
             <a:endParaRPr lang="en-US" altLang="zh-CN"/>
           </a:p>
@@ -21068,7 +23333,7 @@
           <p:cNvPr id="5" name="页脚占位符 4">
             <a:extLst>
               <a:ext uri="{FF2B5EF4-FFF2-40B4-BE49-F238E27FC236}">
-                <a16:creationId xmlns="" xmlns:a16="http://schemas.microsoft.com/office/drawing/2014/main" id="{CBCA3925-FE23-4200-8DD7-A55F36F30006}"/>
+                <a16:creationId xmlns:a16="http://schemas.microsoft.com/office/drawing/2014/main" xmlns="" id="{CBCA3925-FE23-4200-8DD7-A55F36F30006}"/>
               </a:ext>
             </a:extLst>
           </p:cNvPr>
@@ -21100,7 +23365,7 @@
           <p:cNvPr id="6" name="灯片编号占位符 5">
             <a:extLst>
               <a:ext uri="{FF2B5EF4-FFF2-40B4-BE49-F238E27FC236}">
-                <a16:creationId xmlns="" xmlns:a16="http://schemas.microsoft.com/office/drawing/2014/main" id="{20FC628E-9AF1-48D1-AC54-3D530E61A274}"/>
+                <a16:creationId xmlns:a16="http://schemas.microsoft.com/office/drawing/2014/main" xmlns="" id="{20FC628E-9AF1-48D1-AC54-3D530E61A274}"/>
               </a:ext>
             </a:extLst>
           </p:cNvPr>
@@ -21135,7 +23400,7 @@
           <p:cNvPr id="5122" name="Picture 2" descr="https://www.commitstrip.com/wp-content/uploads/2017/06/Strip-IA-construite-de-IF-english650-final.jpg">
             <a:extLst>
               <a:ext uri="{FF2B5EF4-FFF2-40B4-BE49-F238E27FC236}">
-                <a16:creationId xmlns="" xmlns:a16="http://schemas.microsoft.com/office/drawing/2014/main" id="{4DF110C7-8D63-4D66-8762-40C5737417F4}"/>
+                <a16:creationId xmlns:a16="http://schemas.microsoft.com/office/drawing/2014/main" xmlns="" id="{4DF110C7-8D63-4D66-8762-40C5737417F4}"/>
               </a:ext>
             </a:extLst>
           </p:cNvPr>
@@ -21182,7 +23447,7 @@
           <p:cNvPr id="7" name="矩形 6">
             <a:extLst>
               <a:ext uri="{FF2B5EF4-FFF2-40B4-BE49-F238E27FC236}">
-                <a16:creationId xmlns="" xmlns:a16="http://schemas.microsoft.com/office/drawing/2014/main" id="{C59625E3-2CC6-4590-99B2-E66279F9DB23}"/>
+                <a16:creationId xmlns:a16="http://schemas.microsoft.com/office/drawing/2014/main" xmlns="" id="{C59625E3-2CC6-4590-99B2-E66279F9DB23}"/>
               </a:ext>
             </a:extLst>
           </p:cNvPr>
@@ -21246,7 +23511,7 @@
           <p:cNvPr id="2" name="标题 1">
             <a:extLst>
               <a:ext uri="{FF2B5EF4-FFF2-40B4-BE49-F238E27FC236}">
-                <a16:creationId xmlns="" xmlns:a16="http://schemas.microsoft.com/office/drawing/2014/main" id="{3D575E97-A77B-49E8-B5D9-964F93E82C4F}"/>
+                <a16:creationId xmlns:a16="http://schemas.microsoft.com/office/drawing/2014/main" xmlns="" id="{3D575E97-A77B-49E8-B5D9-964F93E82C4F}"/>
               </a:ext>
             </a:extLst>
           </p:cNvPr>
@@ -21274,7 +23539,7 @@
           <p:cNvPr id="3" name="内容占位符 2">
             <a:extLst>
               <a:ext uri="{FF2B5EF4-FFF2-40B4-BE49-F238E27FC236}">
-                <a16:creationId xmlns="" xmlns:a16="http://schemas.microsoft.com/office/drawing/2014/main" id="{AA0B7FE1-5355-4D9B-B1FB-527AD72AE249}"/>
+                <a16:creationId xmlns:a16="http://schemas.microsoft.com/office/drawing/2014/main" xmlns="" id="{AA0B7FE1-5355-4D9B-B1FB-527AD72AE249}"/>
               </a:ext>
             </a:extLst>
           </p:cNvPr>
@@ -21299,7 +23564,7 @@
           <p:cNvPr id="4" name="日期占位符 3">
             <a:extLst>
               <a:ext uri="{FF2B5EF4-FFF2-40B4-BE49-F238E27FC236}">
-                <a16:creationId xmlns="" xmlns:a16="http://schemas.microsoft.com/office/drawing/2014/main" id="{16A3D19A-5644-4860-B10A-2A8DEBCF0F50}"/>
+                <a16:creationId xmlns:a16="http://schemas.microsoft.com/office/drawing/2014/main" xmlns="" id="{16A3D19A-5644-4860-B10A-2A8DEBCF0F50}"/>
               </a:ext>
             </a:extLst>
           </p:cNvPr>
@@ -21320,7 +23585,7 @@
             </a:pPr>
             <a:fld id="{95A2A19B-170D-1043-AE33-7A36DFB7BCDC}" type="datetime2">
               <a:rPr lang="zh-CN" altLang="en-US" smtClean="0"/>
-              <a:t>2018年7月5日</a:t>
+              <a:t>2018年7月6日</a:t>
             </a:fld>
             <a:endParaRPr lang="en-US" altLang="zh-CN"/>
           </a:p>
@@ -21331,7 +23596,7 @@
           <p:cNvPr id="5" name="页脚占位符 4">
             <a:extLst>
               <a:ext uri="{FF2B5EF4-FFF2-40B4-BE49-F238E27FC236}">
-                <a16:creationId xmlns="" xmlns:a16="http://schemas.microsoft.com/office/drawing/2014/main" id="{5285CB6F-8159-4202-83F7-3D1F01222890}"/>
+                <a16:creationId xmlns:a16="http://schemas.microsoft.com/office/drawing/2014/main" xmlns="" id="{5285CB6F-8159-4202-83F7-3D1F01222890}"/>
               </a:ext>
             </a:extLst>
           </p:cNvPr>
@@ -21363,7 +23628,7 @@
           <p:cNvPr id="6" name="灯片编号占位符 5">
             <a:extLst>
               <a:ext uri="{FF2B5EF4-FFF2-40B4-BE49-F238E27FC236}">
-                <a16:creationId xmlns="" xmlns:a16="http://schemas.microsoft.com/office/drawing/2014/main" id="{AA6BB02B-25CD-47DD-B20A-32CA7D6B58F7}"/>
+                <a16:creationId xmlns:a16="http://schemas.microsoft.com/office/drawing/2014/main" xmlns="" id="{AA6BB02B-25CD-47DD-B20A-32CA7D6B58F7}"/>
               </a:ext>
             </a:extLst>
           </p:cNvPr>
@@ -21398,7 +23663,7 @@
           <p:cNvPr id="1026" name="Picture 2" descr="What's the difference between Artificial Intelligence (AI), Machine Learning, and Deep Learning? ">
             <a:extLst>
               <a:ext uri="{FF2B5EF4-FFF2-40B4-BE49-F238E27FC236}">
-                <a16:creationId xmlns="" xmlns:a16="http://schemas.microsoft.com/office/drawing/2014/main" id="{49FA5ABC-542B-4875-A220-1DB242D2A693}"/>
+                <a16:creationId xmlns:a16="http://schemas.microsoft.com/office/drawing/2014/main" xmlns="" id="{49FA5ABC-542B-4875-A220-1DB242D2A693}"/>
               </a:ext>
             </a:extLst>
           </p:cNvPr>
@@ -21473,7 +23738,7 @@
           <p:cNvPr id="2" name="标题 1">
             <a:extLst>
               <a:ext uri="{FF2B5EF4-FFF2-40B4-BE49-F238E27FC236}">
-                <a16:creationId xmlns="" xmlns:a16="http://schemas.microsoft.com/office/drawing/2014/main" id="{00EF47F0-F9F0-4384-A28D-2F7EA6604747}"/>
+                <a16:creationId xmlns:a16="http://schemas.microsoft.com/office/drawing/2014/main" xmlns="" id="{00EF47F0-F9F0-4384-A28D-2F7EA6604747}"/>
               </a:ext>
             </a:extLst>
           </p:cNvPr>
@@ -21501,7 +23766,7 @@
           <p:cNvPr id="3" name="内容占位符 2">
             <a:extLst>
               <a:ext uri="{FF2B5EF4-FFF2-40B4-BE49-F238E27FC236}">
-                <a16:creationId xmlns="" xmlns:a16="http://schemas.microsoft.com/office/drawing/2014/main" id="{C0001DEF-B716-4266-9CFF-A80375B75278}"/>
+                <a16:creationId xmlns:a16="http://schemas.microsoft.com/office/drawing/2014/main" xmlns="" id="{C0001DEF-B716-4266-9CFF-A80375B75278}"/>
               </a:ext>
             </a:extLst>
           </p:cNvPr>
@@ -21601,7 +23866,7 @@
           <p:cNvPr id="4" name="日期占位符 3">
             <a:extLst>
               <a:ext uri="{FF2B5EF4-FFF2-40B4-BE49-F238E27FC236}">
-                <a16:creationId xmlns="" xmlns:a16="http://schemas.microsoft.com/office/drawing/2014/main" id="{9A9E74D4-2629-42B4-A639-65AD2231EB16}"/>
+                <a16:creationId xmlns:a16="http://schemas.microsoft.com/office/drawing/2014/main" xmlns="" id="{9A9E74D4-2629-42B4-A639-65AD2231EB16}"/>
               </a:ext>
             </a:extLst>
           </p:cNvPr>
@@ -21622,7 +23887,7 @@
             </a:pPr>
             <a:fld id="{95A2A19B-170D-1043-AE33-7A36DFB7BCDC}" type="datetime2">
               <a:rPr lang="zh-CN" altLang="en-US" smtClean="0"/>
-              <a:t>2018年7月5日</a:t>
+              <a:t>2018年7月6日</a:t>
             </a:fld>
             <a:endParaRPr lang="en-US" altLang="zh-CN"/>
           </a:p>
@@ -21633,7 +23898,7 @@
           <p:cNvPr id="5" name="页脚占位符 4">
             <a:extLst>
               <a:ext uri="{FF2B5EF4-FFF2-40B4-BE49-F238E27FC236}">
-                <a16:creationId xmlns="" xmlns:a16="http://schemas.microsoft.com/office/drawing/2014/main" id="{CE4C5854-4521-4BA4-812A-84224CC33D3A}"/>
+                <a16:creationId xmlns:a16="http://schemas.microsoft.com/office/drawing/2014/main" xmlns="" id="{CE4C5854-4521-4BA4-812A-84224CC33D3A}"/>
               </a:ext>
             </a:extLst>
           </p:cNvPr>
@@ -21665,7 +23930,7 @@
           <p:cNvPr id="6" name="灯片编号占位符 5">
             <a:extLst>
               <a:ext uri="{FF2B5EF4-FFF2-40B4-BE49-F238E27FC236}">
-                <a16:creationId xmlns="" xmlns:a16="http://schemas.microsoft.com/office/drawing/2014/main" id="{BC9B5A36-C297-4A63-9508-0EB0F59E688B}"/>
+                <a16:creationId xmlns:a16="http://schemas.microsoft.com/office/drawing/2014/main" xmlns="" id="{BC9B5A36-C297-4A63-9508-0EB0F59E688B}"/>
               </a:ext>
             </a:extLst>
           </p:cNvPr>
@@ -21730,7 +23995,7 @@
           <p:cNvPr id="2" name="标题 1">
             <a:extLst>
               <a:ext uri="{FF2B5EF4-FFF2-40B4-BE49-F238E27FC236}">
-                <a16:creationId xmlns="" xmlns:a16="http://schemas.microsoft.com/office/drawing/2014/main" id="{850AF670-A5A4-4402-B878-0D72BD26B363}"/>
+                <a16:creationId xmlns:a16="http://schemas.microsoft.com/office/drawing/2014/main" xmlns="" id="{850AF670-A5A4-4402-B878-0D72BD26B363}"/>
               </a:ext>
             </a:extLst>
           </p:cNvPr>
@@ -21758,7 +24023,7 @@
           <p:cNvPr id="3" name="内容占位符 2">
             <a:extLst>
               <a:ext uri="{FF2B5EF4-FFF2-40B4-BE49-F238E27FC236}">
-                <a16:creationId xmlns="" xmlns:a16="http://schemas.microsoft.com/office/drawing/2014/main" id="{1E032E9B-2346-4C80-B8CF-C4F95BB05D3B}"/>
+                <a16:creationId xmlns:a16="http://schemas.microsoft.com/office/drawing/2014/main" xmlns="" id="{1E032E9B-2346-4C80-B8CF-C4F95BB05D3B}"/>
               </a:ext>
             </a:extLst>
           </p:cNvPr>
@@ -21895,7 +24160,7 @@
           <p:cNvPr id="4" name="日期占位符 3">
             <a:extLst>
               <a:ext uri="{FF2B5EF4-FFF2-40B4-BE49-F238E27FC236}">
-                <a16:creationId xmlns="" xmlns:a16="http://schemas.microsoft.com/office/drawing/2014/main" id="{F5F7F895-C717-496A-B177-F8F0AA7A8B32}"/>
+                <a16:creationId xmlns:a16="http://schemas.microsoft.com/office/drawing/2014/main" xmlns="" id="{F5F7F895-C717-496A-B177-F8F0AA7A8B32}"/>
               </a:ext>
             </a:extLst>
           </p:cNvPr>
@@ -21916,7 +24181,7 @@
             </a:pPr>
             <a:fld id="{95A2A19B-170D-1043-AE33-7A36DFB7BCDC}" type="datetime2">
               <a:rPr lang="zh-CN" altLang="en-US" smtClean="0"/>
-              <a:t>2018年7月5日</a:t>
+              <a:t>2018年7月6日</a:t>
             </a:fld>
             <a:endParaRPr lang="en-US" altLang="zh-CN"/>
           </a:p>
@@ -21927,7 +24192,7 @@
           <p:cNvPr id="5" name="页脚占位符 4">
             <a:extLst>
               <a:ext uri="{FF2B5EF4-FFF2-40B4-BE49-F238E27FC236}">
-                <a16:creationId xmlns="" xmlns:a16="http://schemas.microsoft.com/office/drawing/2014/main" id="{07A4A687-EC6D-400B-9A11-BD0B04609A25}"/>
+                <a16:creationId xmlns:a16="http://schemas.microsoft.com/office/drawing/2014/main" xmlns="" id="{07A4A687-EC6D-400B-9A11-BD0B04609A25}"/>
               </a:ext>
             </a:extLst>
           </p:cNvPr>
@@ -21959,7 +24224,7 @@
           <p:cNvPr id="6" name="灯片编号占位符 5">
             <a:extLst>
               <a:ext uri="{FF2B5EF4-FFF2-40B4-BE49-F238E27FC236}">
-                <a16:creationId xmlns="" xmlns:a16="http://schemas.microsoft.com/office/drawing/2014/main" id="{2904A806-D958-4E7E-9F65-B19FF0152F22}"/>
+                <a16:creationId xmlns:a16="http://schemas.microsoft.com/office/drawing/2014/main" xmlns="" id="{2904A806-D958-4E7E-9F65-B19FF0152F22}"/>
               </a:ext>
             </a:extLst>
           </p:cNvPr>
@@ -21994,7 +24259,7 @@
           <p:cNvPr id="7" name="表格 6">
             <a:extLst>
               <a:ext uri="{FF2B5EF4-FFF2-40B4-BE49-F238E27FC236}">
-                <a16:creationId xmlns="" xmlns:a16="http://schemas.microsoft.com/office/drawing/2014/main" id="{AD12D45B-71E3-473A-9FD4-BDB875D07CA4}"/>
+                <a16:creationId xmlns:a16="http://schemas.microsoft.com/office/drawing/2014/main" xmlns="" id="{AD12D45B-71E3-473A-9FD4-BDB875D07CA4}"/>
               </a:ext>
             </a:extLst>
           </p:cNvPr>
@@ -22023,35 +24288,35 @@
                 <a:gridCol w="1219200">
                   <a:extLst>
                     <a:ext uri="{9D8B030D-6E8A-4147-A177-3AD203B41FA5}">
-                      <a16:colId xmlns="" xmlns:a16="http://schemas.microsoft.com/office/drawing/2014/main" val="20000"/>
+                      <a16:colId xmlns:a16="http://schemas.microsoft.com/office/drawing/2014/main" xmlns="" val="20000"/>
                     </a:ext>
                   </a:extLst>
                 </a:gridCol>
                 <a:gridCol w="1219200">
                   <a:extLst>
                     <a:ext uri="{9D8B030D-6E8A-4147-A177-3AD203B41FA5}">
-                      <a16:colId xmlns="" xmlns:a16="http://schemas.microsoft.com/office/drawing/2014/main" val="20001"/>
+                      <a16:colId xmlns:a16="http://schemas.microsoft.com/office/drawing/2014/main" xmlns="" val="20001"/>
                     </a:ext>
                   </a:extLst>
                 </a:gridCol>
                 <a:gridCol w="1219200">
                   <a:extLst>
                     <a:ext uri="{9D8B030D-6E8A-4147-A177-3AD203B41FA5}">
-                      <a16:colId xmlns="" xmlns:a16="http://schemas.microsoft.com/office/drawing/2014/main" val="20002"/>
+                      <a16:colId xmlns:a16="http://schemas.microsoft.com/office/drawing/2014/main" xmlns="" val="20002"/>
                     </a:ext>
                   </a:extLst>
                 </a:gridCol>
                 <a:gridCol w="1219200">
                   <a:extLst>
                     <a:ext uri="{9D8B030D-6E8A-4147-A177-3AD203B41FA5}">
-                      <a16:colId xmlns="" xmlns:a16="http://schemas.microsoft.com/office/drawing/2014/main" val="20003"/>
+                      <a16:colId xmlns:a16="http://schemas.microsoft.com/office/drawing/2014/main" xmlns="" val="20003"/>
                     </a:ext>
                   </a:extLst>
                 </a:gridCol>
                 <a:gridCol w="1219200">
                   <a:extLst>
                     <a:ext uri="{9D8B030D-6E8A-4147-A177-3AD203B41FA5}">
-                      <a16:colId xmlns="" xmlns:a16="http://schemas.microsoft.com/office/drawing/2014/main" val="20004"/>
+                      <a16:colId xmlns:a16="http://schemas.microsoft.com/office/drawing/2014/main" xmlns="" val="20004"/>
                     </a:ext>
                   </a:extLst>
                 </a:gridCol>
@@ -22125,7 +24390,7 @@
                 </a:tc>
                 <a:extLst>
                   <a:ext uri="{0D108BD9-81ED-4DB2-BD59-A6C34878D82A}">
-                    <a16:rowId xmlns="" xmlns:a16="http://schemas.microsoft.com/office/drawing/2014/main" val="10000"/>
+                    <a16:rowId xmlns:a16="http://schemas.microsoft.com/office/drawing/2014/main" xmlns="" val="10000"/>
                   </a:ext>
                 </a:extLst>
               </a:tr>
@@ -22200,7 +24465,7 @@
                 </a:tc>
                 <a:extLst>
                   <a:ext uri="{0D108BD9-81ED-4DB2-BD59-A6C34878D82A}">
-                    <a16:rowId xmlns="" xmlns:a16="http://schemas.microsoft.com/office/drawing/2014/main" val="10001"/>
+                    <a16:rowId xmlns:a16="http://schemas.microsoft.com/office/drawing/2014/main" xmlns="" val="10001"/>
                   </a:ext>
                 </a:extLst>
               </a:tr>
@@ -22275,7 +24540,7 @@
                 </a:tc>
                 <a:extLst>
                   <a:ext uri="{0D108BD9-81ED-4DB2-BD59-A6C34878D82A}">
-                    <a16:rowId xmlns="" xmlns:a16="http://schemas.microsoft.com/office/drawing/2014/main" val="10002"/>
+                    <a16:rowId xmlns:a16="http://schemas.microsoft.com/office/drawing/2014/main" xmlns="" val="10002"/>
                   </a:ext>
                 </a:extLst>
               </a:tr>
@@ -22352,7 +24617,7 @@
                 </a:tc>
                 <a:extLst>
                   <a:ext uri="{0D108BD9-81ED-4DB2-BD59-A6C34878D82A}">
-                    <a16:rowId xmlns="" xmlns:a16="http://schemas.microsoft.com/office/drawing/2014/main" val="10003"/>
+                    <a16:rowId xmlns:a16="http://schemas.microsoft.com/office/drawing/2014/main" xmlns="" val="10003"/>
                   </a:ext>
                 </a:extLst>
               </a:tr>
@@ -22481,7 +24746,7 @@
           <p:cNvPr id="2" name="标题 1">
             <a:extLst>
               <a:ext uri="{FF2B5EF4-FFF2-40B4-BE49-F238E27FC236}">
-                <a16:creationId xmlns="" xmlns:a16="http://schemas.microsoft.com/office/drawing/2014/main" id="{73538CFB-0345-441B-AD1A-0A4152508F27}"/>
+                <a16:creationId xmlns:a16="http://schemas.microsoft.com/office/drawing/2014/main" xmlns="" id="{73538CFB-0345-441B-AD1A-0A4152508F27}"/>
               </a:ext>
             </a:extLst>
           </p:cNvPr>
@@ -22509,7 +24774,7 @@
           <p:cNvPr id="4" name="日期占位符 3">
             <a:extLst>
               <a:ext uri="{FF2B5EF4-FFF2-40B4-BE49-F238E27FC236}">
-                <a16:creationId xmlns="" xmlns:a16="http://schemas.microsoft.com/office/drawing/2014/main" id="{751CA06F-A0A4-4646-941C-486BB210E464}"/>
+                <a16:creationId xmlns:a16="http://schemas.microsoft.com/office/drawing/2014/main" xmlns="" id="{751CA06F-A0A4-4646-941C-486BB210E464}"/>
               </a:ext>
             </a:extLst>
           </p:cNvPr>
@@ -22530,7 +24795,7 @@
             </a:pPr>
             <a:fld id="{95A2A19B-170D-1043-AE33-7A36DFB7BCDC}" type="datetime2">
               <a:rPr lang="zh-CN" altLang="en-US" smtClean="0"/>
-              <a:t>2018年7月5日</a:t>
+              <a:t>2018年7月6日</a:t>
             </a:fld>
             <a:endParaRPr lang="en-US" altLang="zh-CN"/>
           </a:p>
@@ -22541,7 +24806,7 @@
           <p:cNvPr id="5" name="页脚占位符 4">
             <a:extLst>
               <a:ext uri="{FF2B5EF4-FFF2-40B4-BE49-F238E27FC236}">
-                <a16:creationId xmlns="" xmlns:a16="http://schemas.microsoft.com/office/drawing/2014/main" id="{EC5AE77E-B6CF-4BD1-87D3-6C1230551547}"/>
+                <a16:creationId xmlns:a16="http://schemas.microsoft.com/office/drawing/2014/main" xmlns="" id="{EC5AE77E-B6CF-4BD1-87D3-6C1230551547}"/>
               </a:ext>
             </a:extLst>
           </p:cNvPr>
@@ -22573,7 +24838,7 @@
           <p:cNvPr id="6" name="灯片编号占位符 5">
             <a:extLst>
               <a:ext uri="{FF2B5EF4-FFF2-40B4-BE49-F238E27FC236}">
-                <a16:creationId xmlns="" xmlns:a16="http://schemas.microsoft.com/office/drawing/2014/main" id="{3958DCE8-899D-4052-91B3-B72D1274AF4C}"/>
+                <a16:creationId xmlns:a16="http://schemas.microsoft.com/office/drawing/2014/main" xmlns="" id="{3958DCE8-899D-4052-91B3-B72D1274AF4C}"/>
               </a:ext>
             </a:extLst>
           </p:cNvPr>
@@ -22608,7 +24873,7 @@
           <p:cNvPr id="21" name="矩形 20">
             <a:extLst>
               <a:ext uri="{FF2B5EF4-FFF2-40B4-BE49-F238E27FC236}">
-                <a16:creationId xmlns="" xmlns:a16="http://schemas.microsoft.com/office/drawing/2014/main" id="{CEED0D80-61B1-4050-811E-8C2BBF74C98C}"/>
+                <a16:creationId xmlns:a16="http://schemas.microsoft.com/office/drawing/2014/main" xmlns="" id="{CEED0D80-61B1-4050-811E-8C2BBF74C98C}"/>
               </a:ext>
             </a:extLst>
           </p:cNvPr>
@@ -22649,7 +24914,7 @@
           <p:cNvPr id="22" name="圖片 22">
             <a:extLst>
               <a:ext uri="{FF2B5EF4-FFF2-40B4-BE49-F238E27FC236}">
-                <a16:creationId xmlns="" xmlns:a16="http://schemas.microsoft.com/office/drawing/2014/main" id="{3195B14A-0E3B-43EE-AB34-14218035CC0E}"/>
+                <a16:creationId xmlns:a16="http://schemas.microsoft.com/office/drawing/2014/main" xmlns="" id="{3195B14A-0E3B-43EE-AB34-14218035CC0E}"/>
               </a:ext>
             </a:extLst>
           </p:cNvPr>
@@ -22679,7 +24944,7 @@
           <p:cNvPr id="23" name="圖片 23">
             <a:extLst>
               <a:ext uri="{FF2B5EF4-FFF2-40B4-BE49-F238E27FC236}">
-                <a16:creationId xmlns="" xmlns:a16="http://schemas.microsoft.com/office/drawing/2014/main" id="{2A883490-DCBE-4E53-9929-31FEA0EEFA15}"/>
+                <a16:creationId xmlns:a16="http://schemas.microsoft.com/office/drawing/2014/main" xmlns="" id="{2A883490-DCBE-4E53-9929-31FEA0EEFA15}"/>
               </a:ext>
             </a:extLst>
           </p:cNvPr>
@@ -22709,7 +24974,7 @@
           <p:cNvPr id="24" name="文字方塊 24">
             <a:extLst>
               <a:ext uri="{FF2B5EF4-FFF2-40B4-BE49-F238E27FC236}">
-                <a16:creationId xmlns="" xmlns:a16="http://schemas.microsoft.com/office/drawing/2014/main" id="{C0263DDF-1D6D-4FA1-8F3D-8A2BC3A63611}"/>
+                <a16:creationId xmlns:a16="http://schemas.microsoft.com/office/drawing/2014/main" xmlns="" id="{C0263DDF-1D6D-4FA1-8F3D-8A2BC3A63611}"/>
               </a:ext>
             </a:extLst>
           </p:cNvPr>
@@ -22746,7 +25011,7 @@
           <p:cNvPr id="25" name="文字方塊 25">
             <a:extLst>
               <a:ext uri="{FF2B5EF4-FFF2-40B4-BE49-F238E27FC236}">
-                <a16:creationId xmlns="" xmlns:a16="http://schemas.microsoft.com/office/drawing/2014/main" id="{7A8B5F87-28B9-4BCD-92F3-F5B2BEB6FBE7}"/>
+                <a16:creationId xmlns:a16="http://schemas.microsoft.com/office/drawing/2014/main" xmlns="" id="{7A8B5F87-28B9-4BCD-92F3-F5B2BEB6FBE7}"/>
               </a:ext>
             </a:extLst>
           </p:cNvPr>
@@ -22783,7 +25048,7 @@
           <p:cNvPr id="26" name="圖片 26">
             <a:extLst>
               <a:ext uri="{FF2B5EF4-FFF2-40B4-BE49-F238E27FC236}">
-                <a16:creationId xmlns="" xmlns:a16="http://schemas.microsoft.com/office/drawing/2014/main" id="{DC98FF27-FDDE-4A3A-A4C7-DC5ABF2A3C1E}"/>
+                <a16:creationId xmlns:a16="http://schemas.microsoft.com/office/drawing/2014/main" xmlns="" id="{DC98FF27-FDDE-4A3A-A4C7-DC5ABF2A3C1E}"/>
               </a:ext>
             </a:extLst>
           </p:cNvPr>
@@ -22813,7 +25078,7 @@
           <p:cNvPr id="27" name="圖片 3">
             <a:extLst>
               <a:ext uri="{FF2B5EF4-FFF2-40B4-BE49-F238E27FC236}">
-                <a16:creationId xmlns="" xmlns:a16="http://schemas.microsoft.com/office/drawing/2014/main" id="{09096899-FF6D-429A-92C8-9E7E8F3BEE87}"/>
+                <a16:creationId xmlns:a16="http://schemas.microsoft.com/office/drawing/2014/main" xmlns="" id="{09096899-FF6D-429A-92C8-9E7E8F3BEE87}"/>
               </a:ext>
             </a:extLst>
           </p:cNvPr>
@@ -22843,7 +25108,7 @@
           <p:cNvPr id="28" name="文字方塊 15">
             <a:extLst>
               <a:ext uri="{FF2B5EF4-FFF2-40B4-BE49-F238E27FC236}">
-                <a16:creationId xmlns="" xmlns:a16="http://schemas.microsoft.com/office/drawing/2014/main" id="{D6B06996-B3AF-40BA-BC93-895C80DEA802}"/>
+                <a16:creationId xmlns:a16="http://schemas.microsoft.com/office/drawing/2014/main" xmlns="" id="{D6B06996-B3AF-40BA-BC93-895C80DEA802}"/>
               </a:ext>
             </a:extLst>
           </p:cNvPr>
@@ -22879,7 +25144,7 @@
           <p:cNvPr id="29" name="文字方塊 16">
             <a:extLst>
               <a:ext uri="{FF2B5EF4-FFF2-40B4-BE49-F238E27FC236}">
-                <a16:creationId xmlns="" xmlns:a16="http://schemas.microsoft.com/office/drawing/2014/main" id="{5B9ED6F4-0637-41F0-B528-3B15CCE91C64}"/>
+                <a16:creationId xmlns:a16="http://schemas.microsoft.com/office/drawing/2014/main" xmlns="" id="{5B9ED6F4-0637-41F0-B528-3B15CCE91C64}"/>
               </a:ext>
             </a:extLst>
           </p:cNvPr>
@@ -22925,7 +25190,7 @@
           <p:cNvPr id="30" name="直線單箭頭接點 18">
             <a:extLst>
               <a:ext uri="{FF2B5EF4-FFF2-40B4-BE49-F238E27FC236}">
-                <a16:creationId xmlns="" xmlns:a16="http://schemas.microsoft.com/office/drawing/2014/main" id="{ED0F6F3D-4FF8-4672-8160-FE272B188CFB}"/>
+                <a16:creationId xmlns:a16="http://schemas.microsoft.com/office/drawing/2014/main" xmlns="" id="{ED0F6F3D-4FF8-4672-8160-FE272B188CFB}"/>
               </a:ext>
             </a:extLst>
           </p:cNvPr>
@@ -22967,7 +25232,7 @@
           <p:cNvPr id="31" name="弧形箭號 (下彎) 19">
             <a:extLst>
               <a:ext uri="{FF2B5EF4-FFF2-40B4-BE49-F238E27FC236}">
-                <a16:creationId xmlns="" xmlns:a16="http://schemas.microsoft.com/office/drawing/2014/main" id="{03211EF6-E77F-414F-8999-D781D4FE443A}"/>
+                <a16:creationId xmlns:a16="http://schemas.microsoft.com/office/drawing/2014/main" xmlns="" id="{03211EF6-E77F-414F-8999-D781D4FE443A}"/>
               </a:ext>
             </a:extLst>
           </p:cNvPr>
@@ -23017,7 +25282,7 @@
           <p:cNvPr id="32" name="弧形箭號 (下彎) 20">
             <a:extLst>
               <a:ext uri="{FF2B5EF4-FFF2-40B4-BE49-F238E27FC236}">
-                <a16:creationId xmlns="" xmlns:a16="http://schemas.microsoft.com/office/drawing/2014/main" id="{27529EEB-049E-4AEE-A4B4-EFBED607850D}"/>
+                <a16:creationId xmlns:a16="http://schemas.microsoft.com/office/drawing/2014/main" xmlns="" id="{27529EEB-049E-4AEE-A4B4-EFBED607850D}"/>
               </a:ext>
             </a:extLst>
           </p:cNvPr>
@@ -23071,7 +25336,7 @@
           <p:cNvPr id="33" name="文字方塊 17">
             <a:extLst>
               <a:ext uri="{FF2B5EF4-FFF2-40B4-BE49-F238E27FC236}">
-                <a16:creationId xmlns="" xmlns:a16="http://schemas.microsoft.com/office/drawing/2014/main" id="{0903127E-3CE9-4CCF-8ED3-A932FB7C3B6F}"/>
+                <a16:creationId xmlns:a16="http://schemas.microsoft.com/office/drawing/2014/main" xmlns="" id="{0903127E-3CE9-4CCF-8ED3-A932FB7C3B6F}"/>
               </a:ext>
             </a:extLst>
           </p:cNvPr>
@@ -23118,7 +25383,7 @@
           <p:cNvPr id="34" name="Picture 12" descr="https://encrypted-tbn1.gstatic.com/images?q=tbn:ANd9GcRcwlRKAlSIaCI4W5PRYVbuBQQXifF-56bFqAjh9DMe-_3Lh8_YKw">
             <a:extLst>
               <a:ext uri="{FF2B5EF4-FFF2-40B4-BE49-F238E27FC236}">
-                <a16:creationId xmlns="" xmlns:a16="http://schemas.microsoft.com/office/drawing/2014/main" id="{5433C88E-CA93-4C19-B5C4-B268A4F15FA2}"/>
+                <a16:creationId xmlns:a16="http://schemas.microsoft.com/office/drawing/2014/main" xmlns="" id="{5433C88E-CA93-4C19-B5C4-B268A4F15FA2}"/>
               </a:ext>
             </a:extLst>
           </p:cNvPr>
@@ -23165,7 +25430,7 @@
           <p:cNvPr id="35" name="文字方塊 14">
             <a:extLst>
               <a:ext uri="{FF2B5EF4-FFF2-40B4-BE49-F238E27FC236}">
-                <a16:creationId xmlns="" xmlns:a16="http://schemas.microsoft.com/office/drawing/2014/main" id="{6B9AE08C-3526-4F30-A792-29BD20283793}"/>
+                <a16:creationId xmlns:a16="http://schemas.microsoft.com/office/drawing/2014/main" xmlns="" id="{6B9AE08C-3526-4F30-A792-29BD20283793}"/>
               </a:ext>
             </a:extLst>
           </p:cNvPr>
@@ -23738,7 +26003,7 @@
           <p:cNvPr id="2" name="标题 1">
             <a:extLst>
               <a:ext uri="{FF2B5EF4-FFF2-40B4-BE49-F238E27FC236}">
-                <a16:creationId xmlns="" xmlns:a16="http://schemas.microsoft.com/office/drawing/2014/main" id="{D6F643E1-7647-4208-BA5E-8F558C755A32}"/>
+                <a16:creationId xmlns:a16="http://schemas.microsoft.com/office/drawing/2014/main" xmlns="" id="{D6F643E1-7647-4208-BA5E-8F558C755A32}"/>
               </a:ext>
             </a:extLst>
           </p:cNvPr>
@@ -23766,7 +26031,7 @@
           <p:cNvPr id="3" name="内容占位符 2">
             <a:extLst>
               <a:ext uri="{FF2B5EF4-FFF2-40B4-BE49-F238E27FC236}">
-                <a16:creationId xmlns="" xmlns:a16="http://schemas.microsoft.com/office/drawing/2014/main" id="{DDFA032E-57EF-444C-9DE4-98A6B647C5FC}"/>
+                <a16:creationId xmlns:a16="http://schemas.microsoft.com/office/drawing/2014/main" xmlns="" id="{DDFA032E-57EF-444C-9DE4-98A6B647C5FC}"/>
               </a:ext>
             </a:extLst>
           </p:cNvPr>
@@ -23861,7 +26126,7 @@
           <p:cNvPr id="4" name="日期占位符 3">
             <a:extLst>
               <a:ext uri="{FF2B5EF4-FFF2-40B4-BE49-F238E27FC236}">
-                <a16:creationId xmlns="" xmlns:a16="http://schemas.microsoft.com/office/drawing/2014/main" id="{B3A58633-8D37-4388-B282-4E83E2832399}"/>
+                <a16:creationId xmlns:a16="http://schemas.microsoft.com/office/drawing/2014/main" xmlns="" id="{B3A58633-8D37-4388-B282-4E83E2832399}"/>
               </a:ext>
             </a:extLst>
           </p:cNvPr>
@@ -23882,7 +26147,7 @@
             </a:pPr>
             <a:fld id="{95A2A19B-170D-1043-AE33-7A36DFB7BCDC}" type="datetime2">
               <a:rPr lang="zh-CN" altLang="en-US" smtClean="0"/>
-              <a:t>2018年7月5日</a:t>
+              <a:t>2018年7月6日</a:t>
             </a:fld>
             <a:endParaRPr lang="en-US" altLang="zh-CN"/>
           </a:p>
@@ -23893,7 +26158,7 @@
           <p:cNvPr id="5" name="页脚占位符 4">
             <a:extLst>
               <a:ext uri="{FF2B5EF4-FFF2-40B4-BE49-F238E27FC236}">
-                <a16:creationId xmlns="" xmlns:a16="http://schemas.microsoft.com/office/drawing/2014/main" id="{22DC7178-14EB-4109-B0FC-CE518823E624}"/>
+                <a16:creationId xmlns:a16="http://schemas.microsoft.com/office/drawing/2014/main" xmlns="" id="{22DC7178-14EB-4109-B0FC-CE518823E624}"/>
               </a:ext>
             </a:extLst>
           </p:cNvPr>
@@ -23925,7 +26190,7 @@
           <p:cNvPr id="6" name="灯片编号占位符 5">
             <a:extLst>
               <a:ext uri="{FF2B5EF4-FFF2-40B4-BE49-F238E27FC236}">
-                <a16:creationId xmlns="" xmlns:a16="http://schemas.microsoft.com/office/drawing/2014/main" id="{443CE0CF-4AED-47E2-8168-A4391E230779}"/>
+                <a16:creationId xmlns:a16="http://schemas.microsoft.com/office/drawing/2014/main" xmlns="" id="{443CE0CF-4AED-47E2-8168-A4391E230779}"/>
               </a:ext>
             </a:extLst>
           </p:cNvPr>
@@ -23960,7 +26225,7 @@
           <p:cNvPr id="7" name="Object 12">
             <a:extLst>
               <a:ext uri="{FF2B5EF4-FFF2-40B4-BE49-F238E27FC236}">
-                <a16:creationId xmlns="" xmlns:a16="http://schemas.microsoft.com/office/drawing/2014/main" id="{6CBF1C74-A606-403D-B03C-CDE8AEF3792D}"/>
+                <a16:creationId xmlns:a16="http://schemas.microsoft.com/office/drawing/2014/main" xmlns="" id="{6CBF1C74-A606-403D-B03C-CDE8AEF3792D}"/>
               </a:ext>
             </a:extLst>
           </p:cNvPr>
@@ -23979,7 +26244,7 @@
           <a:graphicData uri="http://schemas.openxmlformats.org/presentationml/2006/ole">
             <mc:AlternateContent xmlns:mc="http://schemas.openxmlformats.org/markup-compatibility/2006">
               <mc:Choice xmlns:v="urn:schemas-microsoft-com:vml" Requires="v">
-                <p:oleObj spid="_x0000_s2202" name="方程式" r:id="rId3" imgW="1790640" imgH="215640" progId="Equation.3">
+                <p:oleObj spid="_x0000_s2223" name="方程式" r:id="rId3" imgW="1790640" imgH="215640" progId="Equation.3">
                   <p:embed/>
                 </p:oleObj>
               </mc:Choice>
@@ -24032,7 +26297,7 @@
           <p:cNvPr id="8" name="文字方塊 8">
             <a:extLst>
               <a:ext uri="{FF2B5EF4-FFF2-40B4-BE49-F238E27FC236}">
-                <a16:creationId xmlns="" xmlns:a16="http://schemas.microsoft.com/office/drawing/2014/main" id="{86F09955-8ADC-4760-A3EE-D5CC28A0526E}"/>
+                <a16:creationId xmlns:a16="http://schemas.microsoft.com/office/drawing/2014/main" xmlns="" id="{86F09955-8ADC-4760-A3EE-D5CC28A0526E}"/>
               </a:ext>
             </a:extLst>
           </p:cNvPr>
@@ -24068,7 +26333,7 @@
           <p:cNvPr id="9" name="圖片 11">
             <a:extLst>
               <a:ext uri="{FF2B5EF4-FFF2-40B4-BE49-F238E27FC236}">
-                <a16:creationId xmlns="" xmlns:a16="http://schemas.microsoft.com/office/drawing/2014/main" id="{C6AB4598-5943-4A21-AA07-865D97A847CC}"/>
+                <a16:creationId xmlns:a16="http://schemas.microsoft.com/office/drawing/2014/main" xmlns="" id="{C6AB4598-5943-4A21-AA07-865D97A847CC}"/>
               </a:ext>
             </a:extLst>
           </p:cNvPr>
@@ -24104,7 +26369,7 @@
           <p:cNvPr id="10" name="Object 12">
             <a:extLst>
               <a:ext uri="{FF2B5EF4-FFF2-40B4-BE49-F238E27FC236}">
-                <a16:creationId xmlns="" xmlns:a16="http://schemas.microsoft.com/office/drawing/2014/main" id="{905F5424-ADB9-4D8E-8423-2B5950B537AA}"/>
+                <a16:creationId xmlns:a16="http://schemas.microsoft.com/office/drawing/2014/main" xmlns="" id="{905F5424-ADB9-4D8E-8423-2B5950B537AA}"/>
               </a:ext>
             </a:extLst>
           </p:cNvPr>
@@ -24127,7 +26392,7 @@
           <a:graphicData uri="http://schemas.openxmlformats.org/presentationml/2006/ole">
             <mc:AlternateContent xmlns:mc="http://schemas.openxmlformats.org/markup-compatibility/2006">
               <mc:Choice xmlns:v="urn:schemas-microsoft-com:vml" Requires="v">
-                <p:oleObj spid="_x0000_s2203" name="方程式" r:id="rId6" imgW="1790640" imgH="215640" progId="Equation.3">
+                <p:oleObj spid="_x0000_s2224" name="方程式" r:id="rId6" imgW="1790640" imgH="215640" progId="Equation.3">
                   <p:embed/>
                 </p:oleObj>
               </mc:Choice>
@@ -24180,7 +26445,7 @@
           <p:cNvPr id="11" name="文字方塊 7">
             <a:extLst>
               <a:ext uri="{FF2B5EF4-FFF2-40B4-BE49-F238E27FC236}">
-                <a16:creationId xmlns="" xmlns:a16="http://schemas.microsoft.com/office/drawing/2014/main" id="{389CB547-3633-486B-BFE0-673AECDBA2AA}"/>
+                <a16:creationId xmlns:a16="http://schemas.microsoft.com/office/drawing/2014/main" xmlns="" id="{389CB547-3633-486B-BFE0-673AECDBA2AA}"/>
               </a:ext>
             </a:extLst>
           </p:cNvPr>
@@ -24216,7 +26481,7 @@
           <p:cNvPr id="12" name="Picture 12" descr="https://encrypted-tbn1.gstatic.com/images?q=tbn:ANd9GcRcwlRKAlSIaCI4W5PRYVbuBQQXifF-56bFqAjh9DMe-_3Lh8_YKw">
             <a:extLst>
               <a:ext uri="{FF2B5EF4-FFF2-40B4-BE49-F238E27FC236}">
-                <a16:creationId xmlns="" xmlns:a16="http://schemas.microsoft.com/office/drawing/2014/main" id="{01A4C000-ACF8-43CF-91CB-081E28A7E99D}"/>
+                <a16:creationId xmlns:a16="http://schemas.microsoft.com/office/drawing/2014/main" xmlns="" id="{01A4C000-ACF8-43CF-91CB-081E28A7E99D}"/>
               </a:ext>
             </a:extLst>
           </p:cNvPr>
@@ -24263,7 +26528,7 @@
           <p:cNvPr id="13" name="Object 12">
             <a:extLst>
               <a:ext uri="{FF2B5EF4-FFF2-40B4-BE49-F238E27FC236}">
-                <a16:creationId xmlns="" xmlns:a16="http://schemas.microsoft.com/office/drawing/2014/main" id="{B8E14440-161E-470A-BB36-DE87ED092B58}"/>
+                <a16:creationId xmlns:a16="http://schemas.microsoft.com/office/drawing/2014/main" xmlns="" id="{B8E14440-161E-470A-BB36-DE87ED092B58}"/>
               </a:ext>
             </a:extLst>
           </p:cNvPr>
@@ -24286,7 +26551,7 @@
           <a:graphicData uri="http://schemas.openxmlformats.org/presentationml/2006/ole">
             <mc:AlternateContent xmlns:mc="http://schemas.openxmlformats.org/markup-compatibility/2006">
               <mc:Choice xmlns:v="urn:schemas-microsoft-com:vml" Requires="v">
-                <p:oleObj spid="_x0000_s2204" name="方程式" r:id="rId8" imgW="1790640" imgH="215640" progId="Equation.3">
+                <p:oleObj spid="_x0000_s2225" name="方程式" r:id="rId8" imgW="1790640" imgH="215640" progId="Equation.3">
                   <p:embed/>
                 </p:oleObj>
               </mc:Choice>
@@ -24339,7 +26604,7 @@
           <p:cNvPr id="14" name="文字方塊 9">
             <a:extLst>
               <a:ext uri="{FF2B5EF4-FFF2-40B4-BE49-F238E27FC236}">
-                <a16:creationId xmlns="" xmlns:a16="http://schemas.microsoft.com/office/drawing/2014/main" id="{5B375907-9A8C-4D88-8995-A50C64906A53}"/>
+                <a16:creationId xmlns:a16="http://schemas.microsoft.com/office/drawing/2014/main" xmlns="" id="{5B375907-9A8C-4D88-8995-A50C64906A53}"/>
               </a:ext>
             </a:extLst>
           </p:cNvPr>
@@ -24375,7 +26640,7 @@
           <p:cNvPr id="15" name="Picture 2" descr="http://y2.ifengimg.com/a/2016_11/2c7ef418c729099.jpg">
             <a:extLst>
               <a:ext uri="{FF2B5EF4-FFF2-40B4-BE49-F238E27FC236}">
-                <a16:creationId xmlns="" xmlns:a16="http://schemas.microsoft.com/office/drawing/2014/main" id="{0F5019D2-D980-4F1C-92A4-0A7FF1F6D178}"/>
+                <a16:creationId xmlns:a16="http://schemas.microsoft.com/office/drawing/2014/main" xmlns="" id="{0F5019D2-D980-4F1C-92A4-0A7FF1F6D178}"/>
               </a:ext>
             </a:extLst>
           </p:cNvPr>

--- a/机器学习入门.pptx
+++ b/机器学习入门.pptx
@@ -5,10 +5,10 @@
     <p:sldMasterId id="2147483660" r:id="rId1"/>
   </p:sldMasterIdLst>
   <p:notesMasterIdLst>
-    <p:notesMasterId r:id="rId31"/>
+    <p:notesMasterId r:id="rId33"/>
   </p:notesMasterIdLst>
   <p:handoutMasterIdLst>
-    <p:handoutMasterId r:id="rId32"/>
+    <p:handoutMasterId r:id="rId34"/>
   </p:handoutMasterIdLst>
   <p:sldIdLst>
     <p:sldId id="256" r:id="rId2"/>
@@ -40,6 +40,8 @@
     <p:sldId id="366" r:id="rId28"/>
     <p:sldId id="368" r:id="rId29"/>
     <p:sldId id="369" r:id="rId30"/>
+    <p:sldId id="371" r:id="rId31"/>
+    <p:sldId id="370" r:id="rId32"/>
   </p:sldIdLst>
   <p:sldSz cx="12192000" cy="6858000"/>
   <p:notesSz cx="6858000" cy="9144000"/>
@@ -5504,7 +5506,7 @@
           <p:cNvPr id="2" name="标题 1">
             <a:extLst>
               <a:ext uri="{FF2B5EF4-FFF2-40B4-BE49-F238E27FC236}">
-                <a16:creationId xmlns:a16="http://schemas.microsoft.com/office/drawing/2014/main" xmlns="" id="{C779F269-BE5F-4251-8EE3-D3B207D7A66F}"/>
+                <a16:creationId xmlns:a16="http://schemas.microsoft.com/office/drawing/2014/main" id="{C779F269-BE5F-4251-8EE3-D3B207D7A66F}"/>
               </a:ext>
             </a:extLst>
           </p:cNvPr>
@@ -5532,7 +5534,7 @@
           <p:cNvPr id="4" name="日期占位符 3">
             <a:extLst>
               <a:ext uri="{FF2B5EF4-FFF2-40B4-BE49-F238E27FC236}">
-                <a16:creationId xmlns:a16="http://schemas.microsoft.com/office/drawing/2014/main" xmlns="" id="{CC2DEE5A-D5C1-4B57-B7EE-61483325413D}"/>
+                <a16:creationId xmlns:a16="http://schemas.microsoft.com/office/drawing/2014/main" id="{CC2DEE5A-D5C1-4B57-B7EE-61483325413D}"/>
               </a:ext>
             </a:extLst>
           </p:cNvPr>
@@ -5564,7 +5566,7 @@
           <p:cNvPr id="6" name="灯片编号占位符 5">
             <a:extLst>
               <a:ext uri="{FF2B5EF4-FFF2-40B4-BE49-F238E27FC236}">
-                <a16:creationId xmlns:a16="http://schemas.microsoft.com/office/drawing/2014/main" xmlns="" id="{89059747-7DCE-498E-9C00-87842F1DF7A5}"/>
+                <a16:creationId xmlns:a16="http://schemas.microsoft.com/office/drawing/2014/main" id="{89059747-7DCE-498E-9C00-87842F1DF7A5}"/>
               </a:ext>
             </a:extLst>
           </p:cNvPr>
@@ -5599,7 +5601,7 @@
           <p:cNvPr id="7" name="圖片 4">
             <a:extLst>
               <a:ext uri="{FF2B5EF4-FFF2-40B4-BE49-F238E27FC236}">
-                <a16:creationId xmlns:a16="http://schemas.microsoft.com/office/drawing/2014/main" xmlns="" id="{AD60FF85-BB82-48C3-A8D5-F3FE31FEEE25}"/>
+                <a16:creationId xmlns:a16="http://schemas.microsoft.com/office/drawing/2014/main" id="{AD60FF85-BB82-48C3-A8D5-F3FE31FEEE25}"/>
               </a:ext>
             </a:extLst>
           </p:cNvPr>
@@ -5635,7 +5637,7 @@
           <p:cNvPr id="8" name="圓柱 5">
             <a:extLst>
               <a:ext uri="{FF2B5EF4-FFF2-40B4-BE49-F238E27FC236}">
-                <a16:creationId xmlns:a16="http://schemas.microsoft.com/office/drawing/2014/main" xmlns="" id="{A4910C58-B916-4377-8A20-3433B9850A89}"/>
+                <a16:creationId xmlns:a16="http://schemas.microsoft.com/office/drawing/2014/main" id="{A4910C58-B916-4377-8A20-3433B9850A89}"/>
               </a:ext>
             </a:extLst>
           </p:cNvPr>
@@ -5691,7 +5693,7 @@
           <p:cNvPr id="9" name="Object 12">
             <a:extLst>
               <a:ext uri="{FF2B5EF4-FFF2-40B4-BE49-F238E27FC236}">
-                <a16:creationId xmlns:a16="http://schemas.microsoft.com/office/drawing/2014/main" xmlns="" id="{DB4A9ABD-5112-4CDC-A5E0-E36AF7F715CB}"/>
+                <a16:creationId xmlns:a16="http://schemas.microsoft.com/office/drawing/2014/main" id="{DB4A9ABD-5112-4CDC-A5E0-E36AF7F715CB}"/>
               </a:ext>
             </a:extLst>
           </p:cNvPr>
@@ -5714,7 +5716,7 @@
           <a:graphicData uri="http://schemas.openxmlformats.org/presentationml/2006/ole">
             <mc:AlternateContent xmlns:mc="http://schemas.openxmlformats.org/markup-compatibility/2006">
               <mc:Choice xmlns:v="urn:schemas-microsoft-com:vml" Requires="v">
-                <p:oleObj spid="_x0000_s3189" name="方程式" r:id="rId4" imgW="520560" imgH="215640" progId="Equation.3">
+                <p:oleObj spid="_x0000_s3197" name="方程式" r:id="rId4" imgW="520560" imgH="215640" progId="Equation.3">
                   <p:embed/>
                 </p:oleObj>
               </mc:Choice>
@@ -5759,7 +5761,7 @@
           <p:cNvPr id="10" name="群組 8">
             <a:extLst>
               <a:ext uri="{FF2B5EF4-FFF2-40B4-BE49-F238E27FC236}">
-                <a16:creationId xmlns:a16="http://schemas.microsoft.com/office/drawing/2014/main" xmlns="" id="{86701675-F63F-493D-9E34-74AA169451B4}"/>
+                <a16:creationId xmlns:a16="http://schemas.microsoft.com/office/drawing/2014/main" id="{86701675-F63F-493D-9E34-74AA169451B4}"/>
               </a:ext>
             </a:extLst>
           </p:cNvPr>
@@ -5779,7 +5781,7 @@
             <p:cNvPr id="11" name="Object 12">
               <a:extLst>
                 <a:ext uri="{FF2B5EF4-FFF2-40B4-BE49-F238E27FC236}">
-                  <a16:creationId xmlns:a16="http://schemas.microsoft.com/office/drawing/2014/main" xmlns="" id="{040F69FC-3664-4FA8-B1DA-31B1C77DBB75}"/>
+                  <a16:creationId xmlns:a16="http://schemas.microsoft.com/office/drawing/2014/main" id="{040F69FC-3664-4FA8-B1DA-31B1C77DBB75}"/>
                 </a:ext>
               </a:extLst>
             </p:cNvPr>
@@ -5798,7 +5800,7 @@
             <a:graphicData uri="http://schemas.openxmlformats.org/presentationml/2006/ole">
               <mc:AlternateContent xmlns:mc="http://schemas.openxmlformats.org/markup-compatibility/2006">
                 <mc:Choice xmlns:v="urn:schemas-microsoft-com:vml" Requires="v">
-                  <p:oleObj spid="_x0000_s3190" name="方程式" r:id="rId6" imgW="990360" imgH="215640" progId="Equation.3">
+                  <p:oleObj spid="_x0000_s3198" name="方程式" r:id="rId6" imgW="990360" imgH="215640" progId="Equation.3">
                     <p:embed/>
                   </p:oleObj>
                 </mc:Choice>
@@ -5851,7 +5853,7 @@
             <p:cNvPr id="12" name="文字方塊 75">
               <a:extLst>
                 <a:ext uri="{FF2B5EF4-FFF2-40B4-BE49-F238E27FC236}">
-                  <a16:creationId xmlns:a16="http://schemas.microsoft.com/office/drawing/2014/main" xmlns="" id="{670B65FB-1B58-460A-A2C7-9B516017E47F}"/>
+                  <a16:creationId xmlns:a16="http://schemas.microsoft.com/office/drawing/2014/main" id="{670B65FB-1B58-460A-A2C7-9B516017E47F}"/>
                 </a:ext>
               </a:extLst>
             </p:cNvPr>
@@ -5888,7 +5890,7 @@
             <p:cNvPr id="13" name="Picture 12" descr="https://encrypted-tbn1.gstatic.com/images?q=tbn:ANd9GcRcwlRKAlSIaCI4W5PRYVbuBQQXifF-56bFqAjh9DMe-_3Lh8_YKw">
               <a:extLst>
                 <a:ext uri="{FF2B5EF4-FFF2-40B4-BE49-F238E27FC236}">
-                  <a16:creationId xmlns:a16="http://schemas.microsoft.com/office/drawing/2014/main" xmlns="" id="{8C80662D-B3B1-445B-954A-759D044D7310}"/>
+                  <a16:creationId xmlns:a16="http://schemas.microsoft.com/office/drawing/2014/main" id="{8C80662D-B3B1-445B-954A-759D044D7310}"/>
                 </a:ext>
               </a:extLst>
             </p:cNvPr>
@@ -5936,7 +5938,7 @@
           <p:cNvPr id="14" name="文字方塊 11">
             <a:extLst>
               <a:ext uri="{FF2B5EF4-FFF2-40B4-BE49-F238E27FC236}">
-                <a16:creationId xmlns:a16="http://schemas.microsoft.com/office/drawing/2014/main" xmlns="" id="{B6644981-91B8-4F8D-ADBA-C049EED9F47D}"/>
+                <a16:creationId xmlns:a16="http://schemas.microsoft.com/office/drawing/2014/main" id="{B6644981-91B8-4F8D-ADBA-C049EED9F47D}"/>
               </a:ext>
             </a:extLst>
           </p:cNvPr>
@@ -5976,7 +5978,7 @@
           <p:cNvPr id="15" name="文字方塊 17">
             <a:extLst>
               <a:ext uri="{FF2B5EF4-FFF2-40B4-BE49-F238E27FC236}">
-                <a16:creationId xmlns:a16="http://schemas.microsoft.com/office/drawing/2014/main" xmlns="" id="{CD148FFE-0C1A-43A6-BF00-843E46F6C4A9}"/>
+                <a16:creationId xmlns:a16="http://schemas.microsoft.com/office/drawing/2014/main" id="{CD148FFE-0C1A-43A6-BF00-843E46F6C4A9}"/>
               </a:ext>
             </a:extLst>
           </p:cNvPr>
@@ -6026,7 +6028,7 @@
           <p:cNvPr id="16" name="圓柱 22">
             <a:extLst>
               <a:ext uri="{FF2B5EF4-FFF2-40B4-BE49-F238E27FC236}">
-                <a16:creationId xmlns:a16="http://schemas.microsoft.com/office/drawing/2014/main" xmlns="" id="{C2AC9E2D-2713-4B72-979B-D486E2F2639C}"/>
+                <a16:creationId xmlns:a16="http://schemas.microsoft.com/office/drawing/2014/main" id="{C2AC9E2D-2713-4B72-979B-D486E2F2639C}"/>
               </a:ext>
             </a:extLst>
           </p:cNvPr>
@@ -6074,7 +6076,7 @@
           <p:cNvPr id="17" name="圓角矩形 26">
             <a:extLst>
               <a:ext uri="{FF2B5EF4-FFF2-40B4-BE49-F238E27FC236}">
-                <a16:creationId xmlns:a16="http://schemas.microsoft.com/office/drawing/2014/main" xmlns="" id="{BA910896-9C8A-4898-8A5B-12C3717695B2}"/>
+                <a16:creationId xmlns:a16="http://schemas.microsoft.com/office/drawing/2014/main" id="{BA910896-9C8A-4898-8A5B-12C3717695B2}"/>
               </a:ext>
             </a:extLst>
           </p:cNvPr>
@@ -6138,7 +6140,7 @@
           <p:cNvPr id="18" name="直線單箭頭接點 27">
             <a:extLst>
               <a:ext uri="{FF2B5EF4-FFF2-40B4-BE49-F238E27FC236}">
-                <a16:creationId xmlns:a16="http://schemas.microsoft.com/office/drawing/2014/main" xmlns="" id="{46B85095-3D68-40D1-8931-E74F8BFC4A97}"/>
+                <a16:creationId xmlns:a16="http://schemas.microsoft.com/office/drawing/2014/main" id="{46B85095-3D68-40D1-8931-E74F8BFC4A97}"/>
               </a:ext>
             </a:extLst>
           </p:cNvPr>
@@ -6177,7 +6179,7 @@
           <p:cNvPr id="19" name="直線單箭頭接點 28">
             <a:extLst>
               <a:ext uri="{FF2B5EF4-FFF2-40B4-BE49-F238E27FC236}">
-                <a16:creationId xmlns:a16="http://schemas.microsoft.com/office/drawing/2014/main" xmlns="" id="{A206D4A2-B23E-47CB-8E7C-FB5098DFC78F}"/>
+                <a16:creationId xmlns:a16="http://schemas.microsoft.com/office/drawing/2014/main" id="{A206D4A2-B23E-47CB-8E7C-FB5098DFC78F}"/>
               </a:ext>
             </a:extLst>
           </p:cNvPr>
@@ -6216,7 +6218,7 @@
           <p:cNvPr id="20" name="文字方塊 35">
             <a:extLst>
               <a:ext uri="{FF2B5EF4-FFF2-40B4-BE49-F238E27FC236}">
-                <a16:creationId xmlns:a16="http://schemas.microsoft.com/office/drawing/2014/main" xmlns="" id="{0A08F64A-9EC0-49B2-84C0-50B4665A68B2}"/>
+                <a16:creationId xmlns:a16="http://schemas.microsoft.com/office/drawing/2014/main" id="{0A08F64A-9EC0-49B2-84C0-50B4665A68B2}"/>
               </a:ext>
             </a:extLst>
           </p:cNvPr>
@@ -6273,7 +6275,7 @@
           <p:cNvPr id="21" name="矩形 20">
             <a:extLst>
               <a:ext uri="{FF2B5EF4-FFF2-40B4-BE49-F238E27FC236}">
-                <a16:creationId xmlns:a16="http://schemas.microsoft.com/office/drawing/2014/main" xmlns="" id="{45F11FF2-B145-4B42-B084-B85010584F4B}"/>
+                <a16:creationId xmlns:a16="http://schemas.microsoft.com/office/drawing/2014/main" id="{45F11FF2-B145-4B42-B084-B85010584F4B}"/>
               </a:ext>
             </a:extLst>
           </p:cNvPr>
@@ -6314,7 +6316,7 @@
           <p:cNvPr id="22" name="圖片 37">
             <a:extLst>
               <a:ext uri="{FF2B5EF4-FFF2-40B4-BE49-F238E27FC236}">
-                <a16:creationId xmlns:a16="http://schemas.microsoft.com/office/drawing/2014/main" xmlns="" id="{27F61E55-40D2-48CA-B2A4-3CCAE158D295}"/>
+                <a16:creationId xmlns:a16="http://schemas.microsoft.com/office/drawing/2014/main" id="{27F61E55-40D2-48CA-B2A4-3CCAE158D295}"/>
               </a:ext>
             </a:extLst>
           </p:cNvPr>
@@ -6344,7 +6346,7 @@
           <p:cNvPr id="23" name="圖片 38">
             <a:extLst>
               <a:ext uri="{FF2B5EF4-FFF2-40B4-BE49-F238E27FC236}">
-                <a16:creationId xmlns:a16="http://schemas.microsoft.com/office/drawing/2014/main" xmlns="" id="{F6E24B6C-ACFB-4945-9215-71CF20EB2D2B}"/>
+                <a16:creationId xmlns:a16="http://schemas.microsoft.com/office/drawing/2014/main" id="{F6E24B6C-ACFB-4945-9215-71CF20EB2D2B}"/>
               </a:ext>
             </a:extLst>
           </p:cNvPr>
@@ -6374,7 +6376,7 @@
           <p:cNvPr id="24" name="文字方塊 39">
             <a:extLst>
               <a:ext uri="{FF2B5EF4-FFF2-40B4-BE49-F238E27FC236}">
-                <a16:creationId xmlns:a16="http://schemas.microsoft.com/office/drawing/2014/main" xmlns="" id="{2077EC58-688B-45DA-9585-8B5EFF747C21}"/>
+                <a16:creationId xmlns:a16="http://schemas.microsoft.com/office/drawing/2014/main" id="{2077EC58-688B-45DA-9585-8B5EFF747C21}"/>
               </a:ext>
             </a:extLst>
           </p:cNvPr>
@@ -6411,7 +6413,7 @@
           <p:cNvPr id="25" name="文字方塊 40">
             <a:extLst>
               <a:ext uri="{FF2B5EF4-FFF2-40B4-BE49-F238E27FC236}">
-                <a16:creationId xmlns:a16="http://schemas.microsoft.com/office/drawing/2014/main" xmlns="" id="{9B562F25-BDA7-4165-AFD0-755F0492DDD4}"/>
+                <a16:creationId xmlns:a16="http://schemas.microsoft.com/office/drawing/2014/main" id="{9B562F25-BDA7-4165-AFD0-755F0492DDD4}"/>
               </a:ext>
             </a:extLst>
           </p:cNvPr>
@@ -6448,7 +6450,7 @@
           <p:cNvPr id="26" name="圖片 41">
             <a:extLst>
               <a:ext uri="{FF2B5EF4-FFF2-40B4-BE49-F238E27FC236}">
-                <a16:creationId xmlns:a16="http://schemas.microsoft.com/office/drawing/2014/main" xmlns="" id="{553DEC0C-4B49-4913-BCEC-5D63BB85CC3E}"/>
+                <a16:creationId xmlns:a16="http://schemas.microsoft.com/office/drawing/2014/main" id="{553DEC0C-4B49-4913-BCEC-5D63BB85CC3E}"/>
               </a:ext>
             </a:extLst>
           </p:cNvPr>
@@ -6478,7 +6480,7 @@
           <p:cNvPr id="27" name="矩形 26">
             <a:extLst>
               <a:ext uri="{FF2B5EF4-FFF2-40B4-BE49-F238E27FC236}">
-                <a16:creationId xmlns:a16="http://schemas.microsoft.com/office/drawing/2014/main" xmlns="" id="{93BD42B8-3326-4826-B0D6-BDA00A58F35C}"/>
+                <a16:creationId xmlns:a16="http://schemas.microsoft.com/office/drawing/2014/main" id="{93BD42B8-3326-4826-B0D6-BDA00A58F35C}"/>
               </a:ext>
             </a:extLst>
           </p:cNvPr>
@@ -6518,7 +6520,7 @@
           <p:cNvPr id="28" name="矩形 27">
             <a:extLst>
               <a:ext uri="{FF2B5EF4-FFF2-40B4-BE49-F238E27FC236}">
-                <a16:creationId xmlns:a16="http://schemas.microsoft.com/office/drawing/2014/main" xmlns="" id="{2344BEC7-2CBA-49D3-A79C-080951F115D9}"/>
+                <a16:creationId xmlns:a16="http://schemas.microsoft.com/office/drawing/2014/main" id="{2344BEC7-2CBA-49D3-A79C-080951F115D9}"/>
               </a:ext>
             </a:extLst>
           </p:cNvPr>
@@ -6559,7 +6561,7 @@
           <p:cNvPr id="29" name="矩形 28">
             <a:extLst>
               <a:ext uri="{FF2B5EF4-FFF2-40B4-BE49-F238E27FC236}">
-                <a16:creationId xmlns:a16="http://schemas.microsoft.com/office/drawing/2014/main" xmlns="" id="{F10278E6-750A-4352-9346-FBC6383426E2}"/>
+                <a16:creationId xmlns:a16="http://schemas.microsoft.com/office/drawing/2014/main" id="{F10278E6-750A-4352-9346-FBC6383426E2}"/>
               </a:ext>
             </a:extLst>
           </p:cNvPr>
@@ -6611,7 +6613,7 @@
           <p:cNvPr id="30" name="页脚占位符 4">
             <a:extLst>
               <a:ext uri="{FF2B5EF4-FFF2-40B4-BE49-F238E27FC236}">
-                <a16:creationId xmlns:a16="http://schemas.microsoft.com/office/drawing/2014/main" xmlns="" id="{695CF0EE-630A-4A8F-A959-CFD222411CE2}"/>
+                <a16:creationId xmlns:a16="http://schemas.microsoft.com/office/drawing/2014/main" id="{695CF0EE-630A-4A8F-A959-CFD222411CE2}"/>
               </a:ext>
             </a:extLst>
           </p:cNvPr>
@@ -7313,7 +7315,7 @@
           <p:cNvPr id="2" name="标题 1">
             <a:extLst>
               <a:ext uri="{FF2B5EF4-FFF2-40B4-BE49-F238E27FC236}">
-                <a16:creationId xmlns:a16="http://schemas.microsoft.com/office/drawing/2014/main" xmlns="" id="{2F21F3B5-A64D-4DCA-9CCC-7F0B3E5C58E4}"/>
+                <a16:creationId xmlns:a16="http://schemas.microsoft.com/office/drawing/2014/main" id="{2F21F3B5-A64D-4DCA-9CCC-7F0B3E5C58E4}"/>
               </a:ext>
             </a:extLst>
           </p:cNvPr>
@@ -7341,7 +7343,7 @@
           <p:cNvPr id="4" name="日期占位符 3">
             <a:extLst>
               <a:ext uri="{FF2B5EF4-FFF2-40B4-BE49-F238E27FC236}">
-                <a16:creationId xmlns:a16="http://schemas.microsoft.com/office/drawing/2014/main" xmlns="" id="{C5C07CC5-4A08-4769-88D9-A1F0705AF6CD}"/>
+                <a16:creationId xmlns:a16="http://schemas.microsoft.com/office/drawing/2014/main" id="{C5C07CC5-4A08-4769-88D9-A1F0705AF6CD}"/>
               </a:ext>
             </a:extLst>
           </p:cNvPr>
@@ -7373,7 +7375,7 @@
           <p:cNvPr id="5" name="页脚占位符 4">
             <a:extLst>
               <a:ext uri="{FF2B5EF4-FFF2-40B4-BE49-F238E27FC236}">
-                <a16:creationId xmlns:a16="http://schemas.microsoft.com/office/drawing/2014/main" xmlns="" id="{0ECF1510-3F67-489C-A753-6C05543F5D8E}"/>
+                <a16:creationId xmlns:a16="http://schemas.microsoft.com/office/drawing/2014/main" id="{0ECF1510-3F67-489C-A753-6C05543F5D8E}"/>
               </a:ext>
             </a:extLst>
           </p:cNvPr>
@@ -7405,7 +7407,7 @@
           <p:cNvPr id="6" name="灯片编号占位符 5">
             <a:extLst>
               <a:ext uri="{FF2B5EF4-FFF2-40B4-BE49-F238E27FC236}">
-                <a16:creationId xmlns:a16="http://schemas.microsoft.com/office/drawing/2014/main" xmlns="" id="{CEEF7477-5D18-493B-A5F8-5A256123DB22}"/>
+                <a16:creationId xmlns:a16="http://schemas.microsoft.com/office/drawing/2014/main" id="{CEEF7477-5D18-493B-A5F8-5A256123DB22}"/>
               </a:ext>
             </a:extLst>
           </p:cNvPr>
@@ -7440,7 +7442,7 @@
           <p:cNvPr id="7" name="圓柱 5">
             <a:extLst>
               <a:ext uri="{FF2B5EF4-FFF2-40B4-BE49-F238E27FC236}">
-                <a16:creationId xmlns:a16="http://schemas.microsoft.com/office/drawing/2014/main" xmlns="" id="{13C5A888-600E-40BA-B575-C62CA28FAFBB}"/>
+                <a16:creationId xmlns:a16="http://schemas.microsoft.com/office/drawing/2014/main" id="{13C5A888-600E-40BA-B575-C62CA28FAFBB}"/>
               </a:ext>
             </a:extLst>
           </p:cNvPr>
@@ -7476,7 +7478,7 @@
           <a:p>
             <a:pPr algn="ctr"/>
             <a:r>
-              <a:rPr lang="zh-CN" altLang="en-US" sz="2400" dirty="0" smtClean="0"/>
+              <a:rPr lang="zh-CN" altLang="en-US" sz="2400" dirty="0"/>
               <a:t>一系列函数</a:t>
             </a:r>
             <a:endParaRPr lang="zh-TW" altLang="en-US" sz="2400" dirty="0"/>
@@ -7488,7 +7490,7 @@
           <p:cNvPr id="8" name="Object 12">
             <a:extLst>
               <a:ext uri="{FF2B5EF4-FFF2-40B4-BE49-F238E27FC236}">
-                <a16:creationId xmlns:a16="http://schemas.microsoft.com/office/drawing/2014/main" xmlns="" id="{B342BC5F-B650-4540-9688-EFCEDE2DCAA4}"/>
+                <a16:creationId xmlns:a16="http://schemas.microsoft.com/office/drawing/2014/main" id="{B342BC5F-B650-4540-9688-EFCEDE2DCAA4}"/>
               </a:ext>
             </a:extLst>
           </p:cNvPr>
@@ -7511,7 +7513,7 @@
           <a:graphicData uri="http://schemas.openxmlformats.org/presentationml/2006/ole">
             <mc:AlternateContent xmlns:mc="http://schemas.openxmlformats.org/markup-compatibility/2006">
               <mc:Choice xmlns:v="urn:schemas-microsoft-com:vml" Requires="v">
-                <p:oleObj spid="_x0000_s4262" name="方程式" r:id="rId3" imgW="520560" imgH="215640" progId="Equation.3">
+                <p:oleObj spid="_x0000_s4274" name="方程式" r:id="rId3" imgW="520560" imgH="215640" progId="Equation.3">
                   <p:embed/>
                 </p:oleObj>
               </mc:Choice>
@@ -7556,7 +7558,7 @@
           <p:cNvPr id="9" name="文字方塊 17">
             <a:extLst>
               <a:ext uri="{FF2B5EF4-FFF2-40B4-BE49-F238E27FC236}">
-                <a16:creationId xmlns:a16="http://schemas.microsoft.com/office/drawing/2014/main" xmlns="" id="{2CAA0C11-3A8B-40A7-A982-7BB53CDC819F}"/>
+                <a16:creationId xmlns:a16="http://schemas.microsoft.com/office/drawing/2014/main" id="{2CAA0C11-3A8B-40A7-A982-7BB53CDC819F}"/>
               </a:ext>
             </a:extLst>
           </p:cNvPr>
@@ -7594,7 +7596,7 @@
           <a:p>
             <a:pPr algn="ctr"/>
             <a:r>
-              <a:rPr lang="zh-CN" altLang="en-US" sz="2800" dirty="0" smtClean="0"/>
+              <a:rPr lang="zh-CN" altLang="en-US" sz="2800" dirty="0"/>
               <a:t>模型</a:t>
             </a:r>
             <a:endParaRPr lang="zh-TW" altLang="en-US" sz="2800" dirty="0"/>
@@ -7606,7 +7608,7 @@
           <p:cNvPr id="10" name="圓柱 22">
             <a:extLst>
               <a:ext uri="{FF2B5EF4-FFF2-40B4-BE49-F238E27FC236}">
-                <a16:creationId xmlns:a16="http://schemas.microsoft.com/office/drawing/2014/main" xmlns="" id="{4689B7FC-28CB-4E77-AA46-F3899D14A7C7}"/>
+                <a16:creationId xmlns:a16="http://schemas.microsoft.com/office/drawing/2014/main" id="{4689B7FC-28CB-4E77-AA46-F3899D14A7C7}"/>
               </a:ext>
             </a:extLst>
           </p:cNvPr>
@@ -7642,7 +7644,7 @@
           <a:p>
             <a:pPr algn="ctr"/>
             <a:r>
-              <a:rPr lang="zh-CN" altLang="en-US" sz="2400" dirty="0" smtClean="0"/>
+              <a:rPr lang="zh-CN" altLang="en-US" sz="2400" dirty="0"/>
               <a:t>训练集</a:t>
             </a:r>
             <a:endParaRPr lang="zh-TW" altLang="en-US" sz="2400" dirty="0"/>
@@ -7654,7 +7656,7 @@
           <p:cNvPr id="11" name="圓角矩形 26">
             <a:extLst>
               <a:ext uri="{FF2B5EF4-FFF2-40B4-BE49-F238E27FC236}">
-                <a16:creationId xmlns:a16="http://schemas.microsoft.com/office/drawing/2014/main" xmlns="" id="{9DD17BD5-9907-471E-A83F-29D943BAD1CF}"/>
+                <a16:creationId xmlns:a16="http://schemas.microsoft.com/office/drawing/2014/main" id="{9DD17BD5-9907-471E-A83F-29D943BAD1CF}"/>
               </a:ext>
             </a:extLst>
           </p:cNvPr>
@@ -7690,7 +7692,7 @@
           <a:p>
             <a:pPr algn="ctr"/>
             <a:r>
-              <a:rPr lang="zh-CN" altLang="en-US" sz="2400" dirty="0" smtClean="0"/>
+              <a:rPr lang="zh-CN" altLang="en-US" sz="2400" dirty="0"/>
               <a:t>函数的表现</a:t>
             </a:r>
             <a:endParaRPr lang="en-US" altLang="zh-TW" sz="2400" baseline="30000" dirty="0"/>
@@ -7702,7 +7704,7 @@
           <p:cNvPr id="12" name="直線單箭頭接點 27">
             <a:extLst>
               <a:ext uri="{FF2B5EF4-FFF2-40B4-BE49-F238E27FC236}">
-                <a16:creationId xmlns:a16="http://schemas.microsoft.com/office/drawing/2014/main" xmlns="" id="{FA22C4C8-C34F-4BC3-87E1-C118C0554106}"/>
+                <a16:creationId xmlns:a16="http://schemas.microsoft.com/office/drawing/2014/main" id="{FA22C4C8-C34F-4BC3-87E1-C118C0554106}"/>
               </a:ext>
             </a:extLst>
           </p:cNvPr>
@@ -7741,7 +7743,7 @@
           <p:cNvPr id="13" name="直線單箭頭接點 28">
             <a:extLst>
               <a:ext uri="{FF2B5EF4-FFF2-40B4-BE49-F238E27FC236}">
-                <a16:creationId xmlns:a16="http://schemas.microsoft.com/office/drawing/2014/main" xmlns="" id="{B17D1325-CC48-4623-97BF-443E5683FC4B}"/>
+                <a16:creationId xmlns:a16="http://schemas.microsoft.com/office/drawing/2014/main" id="{B17D1325-CC48-4623-97BF-443E5683FC4B}"/>
               </a:ext>
             </a:extLst>
           </p:cNvPr>
@@ -7780,7 +7782,7 @@
           <p:cNvPr id="14" name="矩形 13">
             <a:extLst>
               <a:ext uri="{FF2B5EF4-FFF2-40B4-BE49-F238E27FC236}">
-                <a16:creationId xmlns:a16="http://schemas.microsoft.com/office/drawing/2014/main" xmlns="" id="{52221F9C-A2E1-455E-86C1-FC74E2207922}"/>
+                <a16:creationId xmlns:a16="http://schemas.microsoft.com/office/drawing/2014/main" id="{52221F9C-A2E1-455E-86C1-FC74E2207922}"/>
               </a:ext>
             </a:extLst>
           </p:cNvPr>
@@ -7821,7 +7823,7 @@
           <p:cNvPr id="15" name="圖片 30">
             <a:extLst>
               <a:ext uri="{FF2B5EF4-FFF2-40B4-BE49-F238E27FC236}">
-                <a16:creationId xmlns:a16="http://schemas.microsoft.com/office/drawing/2014/main" xmlns="" id="{B25A19E1-0BB5-4C02-82BC-71B53B7C2AEC}"/>
+                <a16:creationId xmlns:a16="http://schemas.microsoft.com/office/drawing/2014/main" id="{B25A19E1-0BB5-4C02-82BC-71B53B7C2AEC}"/>
               </a:ext>
             </a:extLst>
           </p:cNvPr>
@@ -7851,7 +7853,7 @@
           <p:cNvPr id="16" name="圖片 31">
             <a:extLst>
               <a:ext uri="{FF2B5EF4-FFF2-40B4-BE49-F238E27FC236}">
-                <a16:creationId xmlns:a16="http://schemas.microsoft.com/office/drawing/2014/main" xmlns="" id="{528BF1DC-96E5-432E-930C-E42789F93C50}"/>
+                <a16:creationId xmlns:a16="http://schemas.microsoft.com/office/drawing/2014/main" id="{528BF1DC-96E5-432E-930C-E42789F93C50}"/>
               </a:ext>
             </a:extLst>
           </p:cNvPr>
@@ -7881,7 +7883,7 @@
           <p:cNvPr id="17" name="文字方塊 32">
             <a:extLst>
               <a:ext uri="{FF2B5EF4-FFF2-40B4-BE49-F238E27FC236}">
-                <a16:creationId xmlns:a16="http://schemas.microsoft.com/office/drawing/2014/main" xmlns="" id="{C11864DB-A316-4618-AC61-927E470CCE7C}"/>
+                <a16:creationId xmlns:a16="http://schemas.microsoft.com/office/drawing/2014/main" id="{C11864DB-A316-4618-AC61-927E470CCE7C}"/>
               </a:ext>
             </a:extLst>
           </p:cNvPr>
@@ -7918,7 +7920,7 @@
           <p:cNvPr id="18" name="文字方塊 33">
             <a:extLst>
               <a:ext uri="{FF2B5EF4-FFF2-40B4-BE49-F238E27FC236}">
-                <a16:creationId xmlns:a16="http://schemas.microsoft.com/office/drawing/2014/main" xmlns="" id="{A9C145A0-8904-479A-95AC-D2AC4E35ACC6}"/>
+                <a16:creationId xmlns:a16="http://schemas.microsoft.com/office/drawing/2014/main" id="{A9C145A0-8904-479A-95AC-D2AC4E35ACC6}"/>
               </a:ext>
             </a:extLst>
           </p:cNvPr>
@@ -7955,7 +7957,7 @@
           <p:cNvPr id="19" name="圖片 34">
             <a:extLst>
               <a:ext uri="{FF2B5EF4-FFF2-40B4-BE49-F238E27FC236}">
-                <a16:creationId xmlns:a16="http://schemas.microsoft.com/office/drawing/2014/main" xmlns="" id="{A038C83F-7859-4E23-AC82-58985F09E8A1}"/>
+                <a16:creationId xmlns:a16="http://schemas.microsoft.com/office/drawing/2014/main" id="{A038C83F-7859-4E23-AC82-58985F09E8A1}"/>
               </a:ext>
             </a:extLst>
           </p:cNvPr>
@@ -7985,7 +7987,7 @@
           <p:cNvPr id="20" name="Object 12">
             <a:extLst>
               <a:ext uri="{FF2B5EF4-FFF2-40B4-BE49-F238E27FC236}">
-                <a16:creationId xmlns:a16="http://schemas.microsoft.com/office/drawing/2014/main" xmlns="" id="{96426069-D24E-4BD7-82BB-1B73EFEF1148}"/>
+                <a16:creationId xmlns:a16="http://schemas.microsoft.com/office/drawing/2014/main" id="{96426069-D24E-4BD7-82BB-1B73EFEF1148}"/>
               </a:ext>
             </a:extLst>
           </p:cNvPr>
@@ -8008,7 +8010,7 @@
           <a:graphicData uri="http://schemas.openxmlformats.org/presentationml/2006/ole">
             <mc:AlternateContent xmlns:mc="http://schemas.openxmlformats.org/markup-compatibility/2006">
               <mc:Choice xmlns:v="urn:schemas-microsoft-com:vml" Requires="v">
-                <p:oleObj spid="_x0000_s4263" name="方程式" r:id="rId8" imgW="203040" imgH="228600" progId="Equation.3">
+                <p:oleObj spid="_x0000_s4275" name="方程式" r:id="rId8" imgW="203040" imgH="228600" progId="Equation.3">
                   <p:embed/>
                 </p:oleObj>
               </mc:Choice>
@@ -8053,7 +8055,7 @@
           <p:cNvPr id="21" name="文字方塊 24">
             <a:extLst>
               <a:ext uri="{FF2B5EF4-FFF2-40B4-BE49-F238E27FC236}">
-                <a16:creationId xmlns:a16="http://schemas.microsoft.com/office/drawing/2014/main" xmlns="" id="{3E25C831-FB74-41F0-AA84-D84356E0AF3F}"/>
+                <a16:creationId xmlns:a16="http://schemas.microsoft.com/office/drawing/2014/main" id="{3E25C831-FB74-41F0-AA84-D84356E0AF3F}"/>
               </a:ext>
             </a:extLst>
           </p:cNvPr>
@@ -8078,7 +8080,7 @@
           <a:p>
             <a:pPr algn="ctr"/>
             <a:r>
-              <a:rPr lang="zh-CN" altLang="en-US" sz="2000" dirty="0" smtClean="0"/>
+              <a:rPr lang="zh-CN" altLang="en-US" sz="2000" dirty="0"/>
               <a:t>选择表现最好的函数</a:t>
             </a:r>
             <a:endParaRPr lang="zh-TW" altLang="en-US" sz="2000" dirty="0"/>
@@ -8090,7 +8092,7 @@
           <p:cNvPr id="22" name="直線單箭頭接點 25">
             <a:extLst>
               <a:ext uri="{FF2B5EF4-FFF2-40B4-BE49-F238E27FC236}">
-                <a16:creationId xmlns:a16="http://schemas.microsoft.com/office/drawing/2014/main" xmlns="" id="{53A5D98D-FBCD-45B4-B8B8-4A768E39354F}"/>
+                <a16:creationId xmlns:a16="http://schemas.microsoft.com/office/drawing/2014/main" id="{53A5D98D-FBCD-45B4-B8B8-4A768E39354F}"/>
               </a:ext>
             </a:extLst>
           </p:cNvPr>
@@ -8131,7 +8133,7 @@
           <p:cNvPr id="23" name="圓角矩形 37">
             <a:extLst>
               <a:ext uri="{FF2B5EF4-FFF2-40B4-BE49-F238E27FC236}">
-                <a16:creationId xmlns:a16="http://schemas.microsoft.com/office/drawing/2014/main" xmlns="" id="{F4E281F4-8ADF-4B41-A0A7-3C8616D02E03}"/>
+                <a16:creationId xmlns:a16="http://schemas.microsoft.com/office/drawing/2014/main" id="{F4E281F4-8ADF-4B41-A0A7-3C8616D02E03}"/>
               </a:ext>
             </a:extLst>
           </p:cNvPr>
@@ -8170,7 +8172,7 @@
               <a:t>  </a:t>
             </a:r>
             <a:r>
-              <a:rPr lang="zh-CN" altLang="en-US" sz="2400" dirty="0" smtClean="0"/>
+              <a:rPr lang="zh-CN" altLang="en-US" sz="2400" dirty="0"/>
               <a:t>  使用</a:t>
             </a:r>
             <a:endParaRPr lang="en-US" altLang="zh-TW" sz="2400" dirty="0"/>
@@ -8182,7 +8184,7 @@
           <p:cNvPr id="24" name="直線單箭頭接點 40">
             <a:extLst>
               <a:ext uri="{FF2B5EF4-FFF2-40B4-BE49-F238E27FC236}">
-                <a16:creationId xmlns:a16="http://schemas.microsoft.com/office/drawing/2014/main" xmlns="" id="{EED9F2A7-BB3D-4DB0-A5FE-4D6726DB5890}"/>
+                <a16:creationId xmlns:a16="http://schemas.microsoft.com/office/drawing/2014/main" id="{EED9F2A7-BB3D-4DB0-A5FE-4D6726DB5890}"/>
               </a:ext>
             </a:extLst>
           </p:cNvPr>
@@ -8221,7 +8223,7 @@
           <p:cNvPr id="25" name="直線單箭頭接點 41">
             <a:extLst>
               <a:ext uri="{FF2B5EF4-FFF2-40B4-BE49-F238E27FC236}">
-                <a16:creationId xmlns:a16="http://schemas.microsoft.com/office/drawing/2014/main" xmlns="" id="{3647F264-2339-4D70-BBD8-3C898E77A058}"/>
+                <a16:creationId xmlns:a16="http://schemas.microsoft.com/office/drawing/2014/main" id="{3647F264-2339-4D70-BBD8-3C898E77A058}"/>
               </a:ext>
             </a:extLst>
           </p:cNvPr>
@@ -8260,7 +8262,7 @@
           <p:cNvPr id="26" name="Object 12">
             <a:extLst>
               <a:ext uri="{FF2B5EF4-FFF2-40B4-BE49-F238E27FC236}">
-                <a16:creationId xmlns:a16="http://schemas.microsoft.com/office/drawing/2014/main" xmlns="" id="{A0956AA3-74B0-4839-9A31-5A2A28950B1E}"/>
+                <a16:creationId xmlns:a16="http://schemas.microsoft.com/office/drawing/2014/main" id="{A0956AA3-74B0-4839-9A31-5A2A28950B1E}"/>
               </a:ext>
             </a:extLst>
           </p:cNvPr>
@@ -8283,7 +8285,7 @@
           <a:graphicData uri="http://schemas.openxmlformats.org/presentationml/2006/ole">
             <mc:AlternateContent xmlns:mc="http://schemas.openxmlformats.org/markup-compatibility/2006">
               <mc:Choice xmlns:v="urn:schemas-microsoft-com:vml" Requires="v">
-                <p:oleObj spid="_x0000_s4264" name="方程式" r:id="rId10" imgW="203040" imgH="228600" progId="Equation.3">
+                <p:oleObj spid="_x0000_s4276" name="方程式" r:id="rId10" imgW="203040" imgH="228600" progId="Equation.3">
                   <p:embed/>
                 </p:oleObj>
               </mc:Choice>
@@ -8328,7 +8330,7 @@
           <p:cNvPr id="27" name="Picture 12" descr="https://encrypted-tbn1.gstatic.com/images?q=tbn:ANd9GcRcwlRKAlSIaCI4W5PRYVbuBQQXifF-56bFqAjh9DMe-_3Lh8_YKw">
             <a:extLst>
               <a:ext uri="{FF2B5EF4-FFF2-40B4-BE49-F238E27FC236}">
-                <a16:creationId xmlns:a16="http://schemas.microsoft.com/office/drawing/2014/main" xmlns="" id="{4D67006C-9A71-4B9D-A460-CE8C4DA6324E}"/>
+                <a16:creationId xmlns:a16="http://schemas.microsoft.com/office/drawing/2014/main" id="{4D67006C-9A71-4B9D-A460-CE8C4DA6324E}"/>
               </a:ext>
             </a:extLst>
           </p:cNvPr>
@@ -8375,7 +8377,7 @@
           <p:cNvPr id="28" name="文字方塊 45">
             <a:extLst>
               <a:ext uri="{FF2B5EF4-FFF2-40B4-BE49-F238E27FC236}">
-                <a16:creationId xmlns:a16="http://schemas.microsoft.com/office/drawing/2014/main" xmlns="" id="{00C6E81C-A033-4C81-A001-D621CD84248E}"/>
+                <a16:creationId xmlns:a16="http://schemas.microsoft.com/office/drawing/2014/main" id="{00C6E81C-A033-4C81-A001-D621CD84248E}"/>
               </a:ext>
             </a:extLst>
           </p:cNvPr>
@@ -8412,7 +8414,7 @@
           <p:cNvPr id="29" name="矩形 28">
             <a:extLst>
               <a:ext uri="{FF2B5EF4-FFF2-40B4-BE49-F238E27FC236}">
-                <a16:creationId xmlns:a16="http://schemas.microsoft.com/office/drawing/2014/main" xmlns="" id="{E1AC2FDE-73E1-49AA-9B98-6BFAC871FAFD}"/>
+                <a16:creationId xmlns:a16="http://schemas.microsoft.com/office/drawing/2014/main" id="{E1AC2FDE-73E1-49AA-9B98-6BFAC871FAFD}"/>
               </a:ext>
             </a:extLst>
           </p:cNvPr>
@@ -8464,7 +8466,7 @@
           <p:cNvPr id="30" name="矩形 29">
             <a:extLst>
               <a:ext uri="{FF2B5EF4-FFF2-40B4-BE49-F238E27FC236}">
-                <a16:creationId xmlns:a16="http://schemas.microsoft.com/office/drawing/2014/main" xmlns="" id="{E074733E-FA25-4E88-AB42-320E3CA89A14}"/>
+                <a16:creationId xmlns:a16="http://schemas.microsoft.com/office/drawing/2014/main" id="{E074733E-FA25-4E88-AB42-320E3CA89A14}"/>
               </a:ext>
             </a:extLst>
           </p:cNvPr>
@@ -8516,7 +8518,7 @@
           <p:cNvPr id="31" name="文字方塊 47">
             <a:extLst>
               <a:ext uri="{FF2B5EF4-FFF2-40B4-BE49-F238E27FC236}">
-                <a16:creationId xmlns:a16="http://schemas.microsoft.com/office/drawing/2014/main" xmlns="" id="{017A0524-DF83-490A-BF4B-E426793D8FD8}"/>
+                <a16:creationId xmlns:a16="http://schemas.microsoft.com/office/drawing/2014/main" id="{017A0524-DF83-490A-BF4B-E426793D8FD8}"/>
               </a:ext>
             </a:extLst>
           </p:cNvPr>
@@ -8554,7 +8556,7 @@
           <a:p>
             <a:pPr algn="ctr"/>
             <a:r>
-              <a:rPr lang="zh-CN" altLang="en-US" sz="2400" dirty="0" smtClean="0"/>
+              <a:rPr lang="zh-CN" altLang="en-US" sz="2400" dirty="0"/>
               <a:t>训练</a:t>
             </a:r>
             <a:endParaRPr lang="zh-TW" altLang="en-US" sz="2400" dirty="0"/>
@@ -8566,7 +8568,7 @@
           <p:cNvPr id="32" name="文字方塊 48">
             <a:extLst>
               <a:ext uri="{FF2B5EF4-FFF2-40B4-BE49-F238E27FC236}">
-                <a16:creationId xmlns:a16="http://schemas.microsoft.com/office/drawing/2014/main" xmlns="" id="{2D346CE1-A373-4747-87DC-E08EDA429EBC}"/>
+                <a16:creationId xmlns:a16="http://schemas.microsoft.com/office/drawing/2014/main" id="{2D346CE1-A373-4747-87DC-E08EDA429EBC}"/>
               </a:ext>
             </a:extLst>
           </p:cNvPr>
@@ -8604,7 +8606,7 @@
           <a:p>
             <a:pPr algn="ctr"/>
             <a:r>
-              <a:rPr lang="zh-CN" altLang="en-US" sz="2400" dirty="0" smtClean="0"/>
+              <a:rPr lang="zh-CN" altLang="en-US" sz="2400" dirty="0"/>
               <a:t>测试</a:t>
             </a:r>
             <a:endParaRPr lang="zh-TW" altLang="en-US" sz="2400" dirty="0"/>
@@ -8616,7 +8618,7 @@
           <p:cNvPr id="33" name="矩形 32">
             <a:extLst>
               <a:ext uri="{FF2B5EF4-FFF2-40B4-BE49-F238E27FC236}">
-                <a16:creationId xmlns:a16="http://schemas.microsoft.com/office/drawing/2014/main" xmlns="" id="{EB1CF628-4430-4B3F-AE2F-E19A55CCEFBD}"/>
+                <a16:creationId xmlns:a16="http://schemas.microsoft.com/office/drawing/2014/main" id="{EB1CF628-4430-4B3F-AE2F-E19A55CCEFBD}"/>
               </a:ext>
             </a:extLst>
           </p:cNvPr>
@@ -8668,7 +8670,7 @@
           <p:cNvPr id="34" name="矩形 33">
             <a:extLst>
               <a:ext uri="{FF2B5EF4-FFF2-40B4-BE49-F238E27FC236}">
-                <a16:creationId xmlns:a16="http://schemas.microsoft.com/office/drawing/2014/main" xmlns="" id="{80F3F945-585E-4A1F-94B5-CF3A08FD50C3}"/>
+                <a16:creationId xmlns:a16="http://schemas.microsoft.com/office/drawing/2014/main" id="{80F3F945-585E-4A1F-94B5-CF3A08FD50C3}"/>
               </a:ext>
             </a:extLst>
           </p:cNvPr>
@@ -8720,7 +8722,7 @@
           <p:cNvPr id="35" name="矩形 34">
             <a:extLst>
               <a:ext uri="{FF2B5EF4-FFF2-40B4-BE49-F238E27FC236}">
-                <a16:creationId xmlns:a16="http://schemas.microsoft.com/office/drawing/2014/main" xmlns="" id="{916AB394-5659-480E-BABE-2331F31E0EC6}"/>
+                <a16:creationId xmlns:a16="http://schemas.microsoft.com/office/drawing/2014/main" id="{916AB394-5659-480E-BABE-2331F31E0EC6}"/>
               </a:ext>
             </a:extLst>
           </p:cNvPr>
@@ -8772,7 +8774,7 @@
           <p:cNvPr id="36" name="文字方塊 52">
             <a:extLst>
               <a:ext uri="{FF2B5EF4-FFF2-40B4-BE49-F238E27FC236}">
-                <a16:creationId xmlns:a16="http://schemas.microsoft.com/office/drawing/2014/main" xmlns="" id="{6D4B55D2-7DFD-4ABB-B5C8-39E4081FF0C7}"/>
+                <a16:creationId xmlns:a16="http://schemas.microsoft.com/office/drawing/2014/main" id="{6D4B55D2-7DFD-4ABB-B5C8-39E4081FF0C7}"/>
               </a:ext>
             </a:extLst>
           </p:cNvPr>
@@ -8822,7 +8824,7 @@
           <p:cNvPr id="37" name="文字方塊 53">
             <a:extLst>
               <a:ext uri="{FF2B5EF4-FFF2-40B4-BE49-F238E27FC236}">
-                <a16:creationId xmlns:a16="http://schemas.microsoft.com/office/drawing/2014/main" xmlns="" id="{50E29081-D45A-4F28-9EFF-5460C6A952AA}"/>
+                <a16:creationId xmlns:a16="http://schemas.microsoft.com/office/drawing/2014/main" id="{50E29081-D45A-4F28-9EFF-5460C6A952AA}"/>
               </a:ext>
             </a:extLst>
           </p:cNvPr>
@@ -8872,7 +8874,7 @@
           <p:cNvPr id="38" name="文字方塊 54">
             <a:extLst>
               <a:ext uri="{FF2B5EF4-FFF2-40B4-BE49-F238E27FC236}">
-                <a16:creationId xmlns:a16="http://schemas.microsoft.com/office/drawing/2014/main" xmlns="" id="{ACB38E13-E3DD-4362-8BF2-C842A6C48388}"/>
+                <a16:creationId xmlns:a16="http://schemas.microsoft.com/office/drawing/2014/main" id="{ACB38E13-E3DD-4362-8BF2-C842A6C48388}"/>
               </a:ext>
             </a:extLst>
           </p:cNvPr>
@@ -9672,7 +9674,7 @@
           <p:cNvPr id="2" name="标题 1">
             <a:extLst>
               <a:ext uri="{FF2B5EF4-FFF2-40B4-BE49-F238E27FC236}">
-                <a16:creationId xmlns:a16="http://schemas.microsoft.com/office/drawing/2014/main" xmlns="" id="{9442FABF-4FB1-4F36-9513-8945F183E53F}"/>
+                <a16:creationId xmlns:a16="http://schemas.microsoft.com/office/drawing/2014/main" id="{9442FABF-4FB1-4F36-9513-8945F183E53F}"/>
               </a:ext>
             </a:extLst>
           </p:cNvPr>
@@ -9700,7 +9702,7 @@
           <p:cNvPr id="3" name="内容占位符 2">
             <a:extLst>
               <a:ext uri="{FF2B5EF4-FFF2-40B4-BE49-F238E27FC236}">
-                <a16:creationId xmlns:a16="http://schemas.microsoft.com/office/drawing/2014/main" xmlns="" id="{261CD801-DECC-4617-8BD3-2A35547A5650}"/>
+                <a16:creationId xmlns:a16="http://schemas.microsoft.com/office/drawing/2014/main" id="{261CD801-DECC-4617-8BD3-2A35547A5650}"/>
               </a:ext>
             </a:extLst>
           </p:cNvPr>
@@ -9894,7 +9896,7 @@
           <p:cNvPr id="4" name="日期占位符 3">
             <a:extLst>
               <a:ext uri="{FF2B5EF4-FFF2-40B4-BE49-F238E27FC236}">
-                <a16:creationId xmlns:a16="http://schemas.microsoft.com/office/drawing/2014/main" xmlns="" id="{C868FBBD-1904-43DF-87E5-827E773A483F}"/>
+                <a16:creationId xmlns:a16="http://schemas.microsoft.com/office/drawing/2014/main" id="{C868FBBD-1904-43DF-87E5-827E773A483F}"/>
               </a:ext>
             </a:extLst>
           </p:cNvPr>
@@ -9926,7 +9928,7 @@
           <p:cNvPr id="5" name="页脚占位符 4">
             <a:extLst>
               <a:ext uri="{FF2B5EF4-FFF2-40B4-BE49-F238E27FC236}">
-                <a16:creationId xmlns:a16="http://schemas.microsoft.com/office/drawing/2014/main" xmlns="" id="{88D48CA5-9EF4-4AA9-AC2E-8CA93B352A63}"/>
+                <a16:creationId xmlns:a16="http://schemas.microsoft.com/office/drawing/2014/main" id="{88D48CA5-9EF4-4AA9-AC2E-8CA93B352A63}"/>
               </a:ext>
             </a:extLst>
           </p:cNvPr>
@@ -9958,7 +9960,7 @@
           <p:cNvPr id="6" name="灯片编号占位符 5">
             <a:extLst>
               <a:ext uri="{FF2B5EF4-FFF2-40B4-BE49-F238E27FC236}">
-                <a16:creationId xmlns:a16="http://schemas.microsoft.com/office/drawing/2014/main" xmlns="" id="{17EE97E5-38B6-483C-A03E-1007DD19B573}"/>
+                <a16:creationId xmlns:a16="http://schemas.microsoft.com/office/drawing/2014/main" id="{17EE97E5-38B6-483C-A03E-1007DD19B573}"/>
               </a:ext>
             </a:extLst>
           </p:cNvPr>
@@ -10023,7 +10025,7 @@
           <p:cNvPr id="2" name="标题 1">
             <a:extLst>
               <a:ext uri="{FF2B5EF4-FFF2-40B4-BE49-F238E27FC236}">
-                <a16:creationId xmlns:a16="http://schemas.microsoft.com/office/drawing/2014/main" xmlns="" id="{05BAECAB-F1F5-4970-9B27-3664D47E9FCE}"/>
+                <a16:creationId xmlns:a16="http://schemas.microsoft.com/office/drawing/2014/main" id="{05BAECAB-F1F5-4970-9B27-3664D47E9FCE}"/>
               </a:ext>
             </a:extLst>
           </p:cNvPr>
@@ -10051,7 +10053,7 @@
           <p:cNvPr id="3" name="内容占位符 2">
             <a:extLst>
               <a:ext uri="{FF2B5EF4-FFF2-40B4-BE49-F238E27FC236}">
-                <a16:creationId xmlns:a16="http://schemas.microsoft.com/office/drawing/2014/main" xmlns="" id="{9D054DA1-D7B2-4E6F-B664-AB3C21CAFD41}"/>
+                <a16:creationId xmlns:a16="http://schemas.microsoft.com/office/drawing/2014/main" id="{9D054DA1-D7B2-4E6F-B664-AB3C21CAFD41}"/>
               </a:ext>
             </a:extLst>
           </p:cNvPr>
@@ -10150,7 +10152,7 @@
           <p:cNvPr id="4" name="日期占位符 3">
             <a:extLst>
               <a:ext uri="{FF2B5EF4-FFF2-40B4-BE49-F238E27FC236}">
-                <a16:creationId xmlns:a16="http://schemas.microsoft.com/office/drawing/2014/main" xmlns="" id="{6A1B7D36-9DAA-4A61-8ACF-9B9A2C235FAB}"/>
+                <a16:creationId xmlns:a16="http://schemas.microsoft.com/office/drawing/2014/main" id="{6A1B7D36-9DAA-4A61-8ACF-9B9A2C235FAB}"/>
               </a:ext>
             </a:extLst>
           </p:cNvPr>
@@ -10182,7 +10184,7 @@
           <p:cNvPr id="5" name="页脚占位符 4">
             <a:extLst>
               <a:ext uri="{FF2B5EF4-FFF2-40B4-BE49-F238E27FC236}">
-                <a16:creationId xmlns:a16="http://schemas.microsoft.com/office/drawing/2014/main" xmlns="" id="{81421D9D-CF75-401C-89BE-6BA073E750AE}"/>
+                <a16:creationId xmlns:a16="http://schemas.microsoft.com/office/drawing/2014/main" id="{81421D9D-CF75-401C-89BE-6BA073E750AE}"/>
               </a:ext>
             </a:extLst>
           </p:cNvPr>
@@ -10214,7 +10216,7 @@
           <p:cNvPr id="6" name="灯片编号占位符 5">
             <a:extLst>
               <a:ext uri="{FF2B5EF4-FFF2-40B4-BE49-F238E27FC236}">
-                <a16:creationId xmlns:a16="http://schemas.microsoft.com/office/drawing/2014/main" xmlns="" id="{963E6159-A365-4D20-920B-6A048CB7DC4C}"/>
+                <a16:creationId xmlns:a16="http://schemas.microsoft.com/office/drawing/2014/main" id="{963E6159-A365-4D20-920B-6A048CB7DC4C}"/>
               </a:ext>
             </a:extLst>
           </p:cNvPr>
@@ -10249,7 +10251,7 @@
           <p:cNvPr id="5126" name="Picture 6" descr="“猫”的图片搜索结果">
             <a:extLst>
               <a:ext uri="{FF2B5EF4-FFF2-40B4-BE49-F238E27FC236}">
-                <a16:creationId xmlns:a16="http://schemas.microsoft.com/office/drawing/2014/main" xmlns="" id="{AD96913F-3195-4EC9-9C8D-BEAA34839E94}"/>
+                <a16:creationId xmlns:a16="http://schemas.microsoft.com/office/drawing/2014/main" id="{AD96913F-3195-4EC9-9C8D-BEAA34839E94}"/>
               </a:ext>
             </a:extLst>
           </p:cNvPr>
@@ -10296,7 +10298,7 @@
           <p:cNvPr id="5128" name="Picture 8" descr="“猫”的图片搜索结果">
             <a:extLst>
               <a:ext uri="{FF2B5EF4-FFF2-40B4-BE49-F238E27FC236}">
-                <a16:creationId xmlns:a16="http://schemas.microsoft.com/office/drawing/2014/main" xmlns="" id="{9B70B574-4A67-4543-BECA-5BF688E3F16A}"/>
+                <a16:creationId xmlns:a16="http://schemas.microsoft.com/office/drawing/2014/main" id="{9B70B574-4A67-4543-BECA-5BF688E3F16A}"/>
               </a:ext>
             </a:extLst>
           </p:cNvPr>
@@ -10343,7 +10345,7 @@
           <p:cNvPr id="13" name="图片 12">
             <a:extLst>
               <a:ext uri="{FF2B5EF4-FFF2-40B4-BE49-F238E27FC236}">
-                <a16:creationId xmlns:a16="http://schemas.microsoft.com/office/drawing/2014/main" xmlns="" id="{A0EA8E6D-30C6-4A9A-BF0D-A02659CFA73C}"/>
+                <a16:creationId xmlns:a16="http://schemas.microsoft.com/office/drawing/2014/main" id="{A0EA8E6D-30C6-4A9A-BF0D-A02659CFA73C}"/>
               </a:ext>
             </a:extLst>
           </p:cNvPr>
@@ -10373,7 +10375,7 @@
           <p:cNvPr id="15" name="图片 14">
             <a:extLst>
               <a:ext uri="{FF2B5EF4-FFF2-40B4-BE49-F238E27FC236}">
-                <a16:creationId xmlns:a16="http://schemas.microsoft.com/office/drawing/2014/main" xmlns="" id="{DE25F0F6-8098-4048-A5A5-7F7BD283417A}"/>
+                <a16:creationId xmlns:a16="http://schemas.microsoft.com/office/drawing/2014/main" id="{DE25F0F6-8098-4048-A5A5-7F7BD283417A}"/>
               </a:ext>
             </a:extLst>
           </p:cNvPr>
@@ -10403,7 +10405,7 @@
           <p:cNvPr id="18" name="文字方塊 39">
             <a:extLst>
               <a:ext uri="{FF2B5EF4-FFF2-40B4-BE49-F238E27FC236}">
-                <a16:creationId xmlns:a16="http://schemas.microsoft.com/office/drawing/2014/main" xmlns="" id="{EB4A6560-0B3B-406B-9BAC-690FE129F6F1}"/>
+                <a16:creationId xmlns:a16="http://schemas.microsoft.com/office/drawing/2014/main" id="{EB4A6560-0B3B-406B-9BAC-690FE129F6F1}"/>
               </a:ext>
             </a:extLst>
           </p:cNvPr>
@@ -10440,7 +10442,7 @@
           <p:cNvPr id="19" name="文字方塊 40">
             <a:extLst>
               <a:ext uri="{FF2B5EF4-FFF2-40B4-BE49-F238E27FC236}">
-                <a16:creationId xmlns:a16="http://schemas.microsoft.com/office/drawing/2014/main" xmlns="" id="{9540D4D3-1AA7-44D0-A5E3-25A9A600B5D9}"/>
+                <a16:creationId xmlns:a16="http://schemas.microsoft.com/office/drawing/2014/main" id="{9540D4D3-1AA7-44D0-A5E3-25A9A600B5D9}"/>
               </a:ext>
             </a:extLst>
           </p:cNvPr>
@@ -10477,7 +10479,7 @@
           <p:cNvPr id="20" name="文字方塊 39">
             <a:extLst>
               <a:ext uri="{FF2B5EF4-FFF2-40B4-BE49-F238E27FC236}">
-                <a16:creationId xmlns:a16="http://schemas.microsoft.com/office/drawing/2014/main" xmlns="" id="{504A2DF6-0B7F-409F-816F-977F634B204C}"/>
+                <a16:creationId xmlns:a16="http://schemas.microsoft.com/office/drawing/2014/main" id="{504A2DF6-0B7F-409F-816F-977F634B204C}"/>
               </a:ext>
             </a:extLst>
           </p:cNvPr>
@@ -10514,7 +10516,7 @@
           <p:cNvPr id="21" name="文字方塊 40">
             <a:extLst>
               <a:ext uri="{FF2B5EF4-FFF2-40B4-BE49-F238E27FC236}">
-                <a16:creationId xmlns:a16="http://schemas.microsoft.com/office/drawing/2014/main" xmlns="" id="{FCD63D29-D9B3-474F-9918-78F5EFE30854}"/>
+                <a16:creationId xmlns:a16="http://schemas.microsoft.com/office/drawing/2014/main" id="{FCD63D29-D9B3-474F-9918-78F5EFE30854}"/>
               </a:ext>
             </a:extLst>
           </p:cNvPr>
@@ -10551,7 +10553,7 @@
           <p:cNvPr id="22" name="Picture 6" descr="“猫”的图片搜索结果">
             <a:extLst>
               <a:ext uri="{FF2B5EF4-FFF2-40B4-BE49-F238E27FC236}">
-                <a16:creationId xmlns:a16="http://schemas.microsoft.com/office/drawing/2014/main" xmlns="" id="{81283274-5CEE-4E37-B3EB-85E1B0CA88B9}"/>
+                <a16:creationId xmlns:a16="http://schemas.microsoft.com/office/drawing/2014/main" id="{81283274-5CEE-4E37-B3EB-85E1B0CA88B9}"/>
               </a:ext>
             </a:extLst>
           </p:cNvPr>
@@ -10598,7 +10600,7 @@
           <p:cNvPr id="23" name="Picture 8" descr="“猫”的图片搜索结果">
             <a:extLst>
               <a:ext uri="{FF2B5EF4-FFF2-40B4-BE49-F238E27FC236}">
-                <a16:creationId xmlns:a16="http://schemas.microsoft.com/office/drawing/2014/main" xmlns="" id="{826D2D49-1218-46F6-BF25-A8E10E8E2277}"/>
+                <a16:creationId xmlns:a16="http://schemas.microsoft.com/office/drawing/2014/main" id="{826D2D49-1218-46F6-BF25-A8E10E8E2277}"/>
               </a:ext>
             </a:extLst>
           </p:cNvPr>
@@ -10645,7 +10647,7 @@
           <p:cNvPr id="24" name="图片 23">
             <a:extLst>
               <a:ext uri="{FF2B5EF4-FFF2-40B4-BE49-F238E27FC236}">
-                <a16:creationId xmlns:a16="http://schemas.microsoft.com/office/drawing/2014/main" xmlns="" id="{17D0E1AF-65A6-437F-9560-FFB32371F846}"/>
+                <a16:creationId xmlns:a16="http://schemas.microsoft.com/office/drawing/2014/main" id="{17D0E1AF-65A6-437F-9560-FFB32371F846}"/>
               </a:ext>
             </a:extLst>
           </p:cNvPr>
@@ -10675,7 +10677,7 @@
           <p:cNvPr id="25" name="图片 24">
             <a:extLst>
               <a:ext uri="{FF2B5EF4-FFF2-40B4-BE49-F238E27FC236}">
-                <a16:creationId xmlns:a16="http://schemas.microsoft.com/office/drawing/2014/main" xmlns="" id="{D80C2078-7BF3-4F2F-B186-F7A054360DD7}"/>
+                <a16:creationId xmlns:a16="http://schemas.microsoft.com/office/drawing/2014/main" id="{D80C2078-7BF3-4F2F-B186-F7A054360DD7}"/>
               </a:ext>
             </a:extLst>
           </p:cNvPr>
@@ -10705,7 +10707,7 @@
           <p:cNvPr id="26" name="Picture 6" descr="“猫”的图片搜索结果">
             <a:extLst>
               <a:ext uri="{FF2B5EF4-FFF2-40B4-BE49-F238E27FC236}">
-                <a16:creationId xmlns:a16="http://schemas.microsoft.com/office/drawing/2014/main" xmlns="" id="{3AC3A9E7-2D87-4D61-AA5F-C3DDCF0CE545}"/>
+                <a16:creationId xmlns:a16="http://schemas.microsoft.com/office/drawing/2014/main" id="{3AC3A9E7-2D87-4D61-AA5F-C3DDCF0CE545}"/>
               </a:ext>
             </a:extLst>
           </p:cNvPr>
@@ -10752,7 +10754,7 @@
           <p:cNvPr id="27" name="Picture 8" descr="“猫”的图片搜索结果">
             <a:extLst>
               <a:ext uri="{FF2B5EF4-FFF2-40B4-BE49-F238E27FC236}">
-                <a16:creationId xmlns:a16="http://schemas.microsoft.com/office/drawing/2014/main" xmlns="" id="{0DE14F62-FC23-437D-B2E0-DBF75E44A246}"/>
+                <a16:creationId xmlns:a16="http://schemas.microsoft.com/office/drawing/2014/main" id="{0DE14F62-FC23-437D-B2E0-DBF75E44A246}"/>
               </a:ext>
             </a:extLst>
           </p:cNvPr>
@@ -10799,7 +10801,7 @@
           <p:cNvPr id="28" name="图片 27">
             <a:extLst>
               <a:ext uri="{FF2B5EF4-FFF2-40B4-BE49-F238E27FC236}">
-                <a16:creationId xmlns:a16="http://schemas.microsoft.com/office/drawing/2014/main" xmlns="" id="{DCC9CCA1-5408-431F-89C1-18FB5670714A}"/>
+                <a16:creationId xmlns:a16="http://schemas.microsoft.com/office/drawing/2014/main" id="{DCC9CCA1-5408-431F-89C1-18FB5670714A}"/>
               </a:ext>
             </a:extLst>
           </p:cNvPr>
@@ -10829,7 +10831,7 @@
           <p:cNvPr id="29" name="图片 28">
             <a:extLst>
               <a:ext uri="{FF2B5EF4-FFF2-40B4-BE49-F238E27FC236}">
-                <a16:creationId xmlns:a16="http://schemas.microsoft.com/office/drawing/2014/main" xmlns="" id="{052A63B6-E239-4BD0-A6C3-92AECE82A0AC}"/>
+                <a16:creationId xmlns:a16="http://schemas.microsoft.com/office/drawing/2014/main" id="{052A63B6-E239-4BD0-A6C3-92AECE82A0AC}"/>
               </a:ext>
             </a:extLst>
           </p:cNvPr>
@@ -10859,7 +10861,7 @@
           <p:cNvPr id="30" name="文字方塊 39">
             <a:extLst>
               <a:ext uri="{FF2B5EF4-FFF2-40B4-BE49-F238E27FC236}">
-                <a16:creationId xmlns:a16="http://schemas.microsoft.com/office/drawing/2014/main" xmlns="" id="{CDA6D0C3-39AB-45AC-AA29-BC02221852A3}"/>
+                <a16:creationId xmlns:a16="http://schemas.microsoft.com/office/drawing/2014/main" id="{CDA6D0C3-39AB-45AC-AA29-BC02221852A3}"/>
               </a:ext>
             </a:extLst>
           </p:cNvPr>
@@ -10896,7 +10898,7 @@
           <p:cNvPr id="31" name="文字方塊 40">
             <a:extLst>
               <a:ext uri="{FF2B5EF4-FFF2-40B4-BE49-F238E27FC236}">
-                <a16:creationId xmlns:a16="http://schemas.microsoft.com/office/drawing/2014/main" xmlns="" id="{BDB7D785-9EB9-4E68-BFBA-5B193E8D861D}"/>
+                <a16:creationId xmlns:a16="http://schemas.microsoft.com/office/drawing/2014/main" id="{BDB7D785-9EB9-4E68-BFBA-5B193E8D861D}"/>
               </a:ext>
             </a:extLst>
           </p:cNvPr>
@@ -10933,7 +10935,7 @@
           <p:cNvPr id="32" name="文字方塊 39">
             <a:extLst>
               <a:ext uri="{FF2B5EF4-FFF2-40B4-BE49-F238E27FC236}">
-                <a16:creationId xmlns:a16="http://schemas.microsoft.com/office/drawing/2014/main" xmlns="" id="{555EFD52-BD58-4994-8DAE-E5A42C97A922}"/>
+                <a16:creationId xmlns:a16="http://schemas.microsoft.com/office/drawing/2014/main" id="{555EFD52-BD58-4994-8DAE-E5A42C97A922}"/>
               </a:ext>
             </a:extLst>
           </p:cNvPr>
@@ -10970,7 +10972,7 @@
           <p:cNvPr id="33" name="文字方塊 40">
             <a:extLst>
               <a:ext uri="{FF2B5EF4-FFF2-40B4-BE49-F238E27FC236}">
-                <a16:creationId xmlns:a16="http://schemas.microsoft.com/office/drawing/2014/main" xmlns="" id="{8D19BE08-18F2-4AEF-BC15-8A09DD7C705B}"/>
+                <a16:creationId xmlns:a16="http://schemas.microsoft.com/office/drawing/2014/main" id="{8D19BE08-18F2-4AEF-BC15-8A09DD7C705B}"/>
               </a:ext>
             </a:extLst>
           </p:cNvPr>
@@ -11007,7 +11009,7 @@
           <p:cNvPr id="5140" name="Picture 20" descr="“狗”的图片搜索结果">
             <a:extLst>
               <a:ext uri="{FF2B5EF4-FFF2-40B4-BE49-F238E27FC236}">
-                <a16:creationId xmlns:a16="http://schemas.microsoft.com/office/drawing/2014/main" xmlns="" id="{9ACC94B5-726A-42EE-894C-BA7BE8CD7186}"/>
+                <a16:creationId xmlns:a16="http://schemas.microsoft.com/office/drawing/2014/main" id="{9ACC94B5-726A-42EE-894C-BA7BE8CD7186}"/>
               </a:ext>
             </a:extLst>
           </p:cNvPr>
@@ -11054,7 +11056,7 @@
           <p:cNvPr id="5142" name="Picture 22" descr="“猫”的图片搜索结果">
             <a:extLst>
               <a:ext uri="{FF2B5EF4-FFF2-40B4-BE49-F238E27FC236}">
-                <a16:creationId xmlns:a16="http://schemas.microsoft.com/office/drawing/2014/main" xmlns="" id="{3D4A4F16-59C7-43C1-9C67-3082E881E1D0}"/>
+                <a16:creationId xmlns:a16="http://schemas.microsoft.com/office/drawing/2014/main" id="{3D4A4F16-59C7-43C1-9C67-3082E881E1D0}"/>
               </a:ext>
             </a:extLst>
           </p:cNvPr>
@@ -11531,7 +11533,7 @@
           <p:cNvPr id="2" name="标题 1">
             <a:extLst>
               <a:ext uri="{FF2B5EF4-FFF2-40B4-BE49-F238E27FC236}">
-                <a16:creationId xmlns:a16="http://schemas.microsoft.com/office/drawing/2014/main" xmlns="" id="{DDE33977-990F-48BD-8B10-3350156C1301}"/>
+                <a16:creationId xmlns:a16="http://schemas.microsoft.com/office/drawing/2014/main" id="{DDE33977-990F-48BD-8B10-3350156C1301}"/>
               </a:ext>
             </a:extLst>
           </p:cNvPr>
@@ -11559,7 +11561,7 @@
           <p:cNvPr id="3" name="日期占位符 2">
             <a:extLst>
               <a:ext uri="{FF2B5EF4-FFF2-40B4-BE49-F238E27FC236}">
-                <a16:creationId xmlns:a16="http://schemas.microsoft.com/office/drawing/2014/main" xmlns="" id="{3233B34B-D0CD-41D2-803C-8D192544BC60}"/>
+                <a16:creationId xmlns:a16="http://schemas.microsoft.com/office/drawing/2014/main" id="{3233B34B-D0CD-41D2-803C-8D192544BC60}"/>
               </a:ext>
             </a:extLst>
           </p:cNvPr>
@@ -11591,7 +11593,7 @@
           <p:cNvPr id="4" name="页脚占位符 3">
             <a:extLst>
               <a:ext uri="{FF2B5EF4-FFF2-40B4-BE49-F238E27FC236}">
-                <a16:creationId xmlns:a16="http://schemas.microsoft.com/office/drawing/2014/main" xmlns="" id="{A2ECB6E5-3012-43ED-96E1-F8AF9262160C}"/>
+                <a16:creationId xmlns:a16="http://schemas.microsoft.com/office/drawing/2014/main" id="{A2ECB6E5-3012-43ED-96E1-F8AF9262160C}"/>
               </a:ext>
             </a:extLst>
           </p:cNvPr>
@@ -11623,7 +11625,7 @@
           <p:cNvPr id="5" name="灯片编号占位符 4">
             <a:extLst>
               <a:ext uri="{FF2B5EF4-FFF2-40B4-BE49-F238E27FC236}">
-                <a16:creationId xmlns:a16="http://schemas.microsoft.com/office/drawing/2014/main" xmlns="" id="{D8640F76-883C-40EF-9AD3-8C5834A1C1F0}"/>
+                <a16:creationId xmlns:a16="http://schemas.microsoft.com/office/drawing/2014/main" id="{D8640F76-883C-40EF-9AD3-8C5834A1C1F0}"/>
               </a:ext>
             </a:extLst>
           </p:cNvPr>
@@ -11658,7 +11660,7 @@
           <p:cNvPr id="6" name="Picture 2" descr="ai head">
             <a:extLst>
               <a:ext uri="{FF2B5EF4-FFF2-40B4-BE49-F238E27FC236}">
-                <a16:creationId xmlns:a16="http://schemas.microsoft.com/office/drawing/2014/main" xmlns="" id="{ACAC611B-6E57-4817-B16F-009B1A018FB9}"/>
+                <a16:creationId xmlns:a16="http://schemas.microsoft.com/office/drawing/2014/main" id="{ACAC611B-6E57-4817-B16F-009B1A018FB9}"/>
               </a:ext>
             </a:extLst>
           </p:cNvPr>
@@ -11733,7 +11735,7 @@
           <p:cNvPr id="2" name="标题 1">
             <a:extLst>
               <a:ext uri="{FF2B5EF4-FFF2-40B4-BE49-F238E27FC236}">
-                <a16:creationId xmlns:a16="http://schemas.microsoft.com/office/drawing/2014/main" xmlns="" id="{DD03AD3E-BE9E-42C6-B249-B76CE569CD4E}"/>
+                <a16:creationId xmlns:a16="http://schemas.microsoft.com/office/drawing/2014/main" id="{DD03AD3E-BE9E-42C6-B249-B76CE569CD4E}"/>
               </a:ext>
             </a:extLst>
           </p:cNvPr>
@@ -11761,7 +11763,7 @@
           <p:cNvPr id="3" name="内容占位符 2">
             <a:extLst>
               <a:ext uri="{FF2B5EF4-FFF2-40B4-BE49-F238E27FC236}">
-                <a16:creationId xmlns:a16="http://schemas.microsoft.com/office/drawing/2014/main" xmlns="" id="{0D759A90-3F96-4C2A-9877-9F19781C0BC8}"/>
+                <a16:creationId xmlns:a16="http://schemas.microsoft.com/office/drawing/2014/main" id="{0D759A90-3F96-4C2A-9877-9F19781C0BC8}"/>
               </a:ext>
             </a:extLst>
           </p:cNvPr>
@@ -11859,7 +11861,7 @@
           <p:cNvPr id="4" name="日期占位符 3">
             <a:extLst>
               <a:ext uri="{FF2B5EF4-FFF2-40B4-BE49-F238E27FC236}">
-                <a16:creationId xmlns:a16="http://schemas.microsoft.com/office/drawing/2014/main" xmlns="" id="{4E3825FE-4341-4CF0-941C-B4BABC1B3DC7}"/>
+                <a16:creationId xmlns:a16="http://schemas.microsoft.com/office/drawing/2014/main" id="{4E3825FE-4341-4CF0-941C-B4BABC1B3DC7}"/>
               </a:ext>
             </a:extLst>
           </p:cNvPr>
@@ -11891,7 +11893,7 @@
           <p:cNvPr id="5" name="页脚占位符 4">
             <a:extLst>
               <a:ext uri="{FF2B5EF4-FFF2-40B4-BE49-F238E27FC236}">
-                <a16:creationId xmlns:a16="http://schemas.microsoft.com/office/drawing/2014/main" xmlns="" id="{E75B2C1F-3E29-4D40-AE04-8AE261587309}"/>
+                <a16:creationId xmlns:a16="http://schemas.microsoft.com/office/drawing/2014/main" id="{E75B2C1F-3E29-4D40-AE04-8AE261587309}"/>
               </a:ext>
             </a:extLst>
           </p:cNvPr>
@@ -11923,7 +11925,7 @@
           <p:cNvPr id="6" name="灯片编号占位符 5">
             <a:extLst>
               <a:ext uri="{FF2B5EF4-FFF2-40B4-BE49-F238E27FC236}">
-                <a16:creationId xmlns:a16="http://schemas.microsoft.com/office/drawing/2014/main" xmlns="" id="{EA694379-8134-4263-994B-7087BE0D7718}"/>
+                <a16:creationId xmlns:a16="http://schemas.microsoft.com/office/drawing/2014/main" id="{EA694379-8134-4263-994B-7087BE0D7718}"/>
               </a:ext>
             </a:extLst>
           </p:cNvPr>
@@ -11988,7 +11990,7 @@
           <p:cNvPr id="2" name="标题 1">
             <a:extLst>
               <a:ext uri="{FF2B5EF4-FFF2-40B4-BE49-F238E27FC236}">
-                <a16:creationId xmlns:a16="http://schemas.microsoft.com/office/drawing/2014/main" xmlns="" id="{A84C90B4-A40A-46C1-B377-D17BA45AF7D8}"/>
+                <a16:creationId xmlns:a16="http://schemas.microsoft.com/office/drawing/2014/main" id="{A84C90B4-A40A-46C1-B377-D17BA45AF7D8}"/>
               </a:ext>
             </a:extLst>
           </p:cNvPr>
@@ -12016,7 +12018,7 @@
           <p:cNvPr id="3" name="内容占位符 2">
             <a:extLst>
               <a:ext uri="{FF2B5EF4-FFF2-40B4-BE49-F238E27FC236}">
-                <a16:creationId xmlns:a16="http://schemas.microsoft.com/office/drawing/2014/main" xmlns="" id="{A6AD590F-BDB6-4099-BAE5-F5750586A12E}"/>
+                <a16:creationId xmlns:a16="http://schemas.microsoft.com/office/drawing/2014/main" id="{A6AD590F-BDB6-4099-BAE5-F5750586A12E}"/>
               </a:ext>
             </a:extLst>
           </p:cNvPr>
@@ -12107,7 +12109,7 @@
           <p:cNvPr id="4" name="日期占位符 3">
             <a:extLst>
               <a:ext uri="{FF2B5EF4-FFF2-40B4-BE49-F238E27FC236}">
-                <a16:creationId xmlns:a16="http://schemas.microsoft.com/office/drawing/2014/main" xmlns="" id="{38AF9A90-79CD-46C9-A82B-361D2E396C78}"/>
+                <a16:creationId xmlns:a16="http://schemas.microsoft.com/office/drawing/2014/main" id="{38AF9A90-79CD-46C9-A82B-361D2E396C78}"/>
               </a:ext>
             </a:extLst>
           </p:cNvPr>
@@ -12139,7 +12141,7 @@
           <p:cNvPr id="5" name="页脚占位符 4">
             <a:extLst>
               <a:ext uri="{FF2B5EF4-FFF2-40B4-BE49-F238E27FC236}">
-                <a16:creationId xmlns:a16="http://schemas.microsoft.com/office/drawing/2014/main" xmlns="" id="{5F590F6D-696D-4411-BC80-2EBFBBD029CD}"/>
+                <a16:creationId xmlns:a16="http://schemas.microsoft.com/office/drawing/2014/main" id="{5F590F6D-696D-4411-BC80-2EBFBBD029CD}"/>
               </a:ext>
             </a:extLst>
           </p:cNvPr>
@@ -12171,7 +12173,7 @@
           <p:cNvPr id="6" name="灯片编号占位符 5">
             <a:extLst>
               <a:ext uri="{FF2B5EF4-FFF2-40B4-BE49-F238E27FC236}">
-                <a16:creationId xmlns:a16="http://schemas.microsoft.com/office/drawing/2014/main" xmlns="" id="{2DAF391A-119B-4975-904F-29D16D2F9F54}"/>
+                <a16:creationId xmlns:a16="http://schemas.microsoft.com/office/drawing/2014/main" id="{2DAF391A-119B-4975-904F-29D16D2F9F54}"/>
               </a:ext>
             </a:extLst>
           </p:cNvPr>
@@ -12295,7 +12297,7 @@
           <p:cNvPr id="2" name="标题 1">
             <a:extLst>
               <a:ext uri="{FF2B5EF4-FFF2-40B4-BE49-F238E27FC236}">
-                <a16:creationId xmlns:a16="http://schemas.microsoft.com/office/drawing/2014/main" xmlns="" id="{54D5A80D-18D6-42E1-BD49-64E886178140}"/>
+                <a16:creationId xmlns:a16="http://schemas.microsoft.com/office/drawing/2014/main" id="{54D5A80D-18D6-42E1-BD49-64E886178140}"/>
               </a:ext>
             </a:extLst>
           </p:cNvPr>
@@ -12325,7 +12327,7 @@
               <p:cNvPr id="12" name="内容占位符 11">
                 <a:extLst>
                   <a:ext uri="{FF2B5EF4-FFF2-40B4-BE49-F238E27FC236}">
-                    <a16:creationId xmlns:a16="http://schemas.microsoft.com/office/drawing/2014/main" xmlns="" id="{9A636946-A956-43FD-9D29-8526A6B369D5}"/>
+                    <a16:creationId xmlns:a16="http://schemas.microsoft.com/office/drawing/2014/main" id="{9A636946-A956-43FD-9D29-8526A6B369D5}"/>
                   </a:ext>
                 </a:extLst>
               </p:cNvPr>
@@ -12472,7 +12474,7 @@
                       <m:sSupPr>
                         <m:ctrlPr>
                           <a:rPr lang="en-US" altLang="zh-CN" b="0" i="1" smtClean="0">
-                            <a:latin typeface="Cambria Math" charset="0"/>
+                            <a:latin typeface="Cambria Math" panose="02040503050406030204" pitchFamily="18" charset="0"/>
                           </a:rPr>
                         </m:ctrlPr>
                       </m:sSupPr>
@@ -12489,7 +12491,7 @@
                           <m:dPr>
                             <m:ctrlPr>
                               <a:rPr lang="en-US" altLang="zh-CN" b="0" i="1" smtClean="0">
-                                <a:latin typeface="Cambria Math" charset="0"/>
+                                <a:latin typeface="Cambria Math" panose="02040503050406030204" pitchFamily="18" charset="0"/>
                               </a:rPr>
                             </m:ctrlPr>
                           </m:dPr>
@@ -12514,7 +12516,7 @@
                       <m:sSupPr>
                         <m:ctrlPr>
                           <a:rPr lang="en-US" altLang="zh-CN" b="0" i="1" smtClean="0">
-                            <a:latin typeface="Cambria Math" charset="0"/>
+                            <a:latin typeface="Cambria Math" panose="02040503050406030204" pitchFamily="18" charset="0"/>
                           </a:rPr>
                         </m:ctrlPr>
                       </m:sSupPr>
@@ -12663,7 +12665,7 @@
           <p:cNvPr id="15" name="内容占位符 14">
             <a:extLst>
               <a:ext uri="{FF2B5EF4-FFF2-40B4-BE49-F238E27FC236}">
-                <a16:creationId xmlns:a16="http://schemas.microsoft.com/office/drawing/2014/main" xmlns="" id="{3522E053-E523-498D-8B06-C20AB220B3B0}"/>
+                <a16:creationId xmlns:a16="http://schemas.microsoft.com/office/drawing/2014/main" id="{3522E053-E523-498D-8B06-C20AB220B3B0}"/>
               </a:ext>
             </a:extLst>
           </p:cNvPr>
@@ -12698,7 +12700,7 @@
           <p:cNvPr id="4" name="日期占位符 3">
             <a:extLst>
               <a:ext uri="{FF2B5EF4-FFF2-40B4-BE49-F238E27FC236}">
-                <a16:creationId xmlns:a16="http://schemas.microsoft.com/office/drawing/2014/main" xmlns="" id="{6EFABF30-1F8F-4FD4-9AFB-3A8776AB1508}"/>
+                <a16:creationId xmlns:a16="http://schemas.microsoft.com/office/drawing/2014/main" id="{6EFABF30-1F8F-4FD4-9AFB-3A8776AB1508}"/>
               </a:ext>
             </a:extLst>
           </p:cNvPr>
@@ -12730,7 +12732,7 @@
           <p:cNvPr id="5" name="页脚占位符 4">
             <a:extLst>
               <a:ext uri="{FF2B5EF4-FFF2-40B4-BE49-F238E27FC236}">
-                <a16:creationId xmlns:a16="http://schemas.microsoft.com/office/drawing/2014/main" xmlns="" id="{85411ADB-4940-4F5F-8822-F66BFD15EE2B}"/>
+                <a16:creationId xmlns:a16="http://schemas.microsoft.com/office/drawing/2014/main" id="{85411ADB-4940-4F5F-8822-F66BFD15EE2B}"/>
               </a:ext>
             </a:extLst>
           </p:cNvPr>
@@ -12762,7 +12764,7 @@
           <p:cNvPr id="6" name="灯片编号占位符 5">
             <a:extLst>
               <a:ext uri="{FF2B5EF4-FFF2-40B4-BE49-F238E27FC236}">
-                <a16:creationId xmlns:a16="http://schemas.microsoft.com/office/drawing/2014/main" xmlns="" id="{40957E66-7741-4638-BFCE-C6BE6F7BB196}"/>
+                <a16:creationId xmlns:a16="http://schemas.microsoft.com/office/drawing/2014/main" id="{40957E66-7741-4638-BFCE-C6BE6F7BB196}"/>
               </a:ext>
             </a:extLst>
           </p:cNvPr>
@@ -12797,7 +12799,7 @@
           <p:cNvPr id="16" name="内容占位符 6">
             <a:extLst>
               <a:ext uri="{FF2B5EF4-FFF2-40B4-BE49-F238E27FC236}">
-                <a16:creationId xmlns:a16="http://schemas.microsoft.com/office/drawing/2014/main" xmlns="" id="{EB980026-D29F-4C6E-9BFC-18210325D87E}"/>
+                <a16:creationId xmlns:a16="http://schemas.microsoft.com/office/drawing/2014/main" id="{EB980026-D29F-4C6E-9BFC-18210325D87E}"/>
               </a:ext>
             </a:extLst>
           </p:cNvPr>
@@ -12826,14 +12828,14 @@
                 <a:gridCol w="1212783">
                   <a:extLst>
                     <a:ext uri="{9D8B030D-6E8A-4147-A177-3AD203B41FA5}">
-                      <a16:colId xmlns:a16="http://schemas.microsoft.com/office/drawing/2014/main" xmlns="" val="849694925"/>
+                      <a16:colId xmlns:a16="http://schemas.microsoft.com/office/drawing/2014/main" val="849694925"/>
                     </a:ext>
                   </a:extLst>
                 </a:gridCol>
                 <a:gridCol w="1212783">
                   <a:extLst>
                     <a:ext uri="{9D8B030D-6E8A-4147-A177-3AD203B41FA5}">
-                      <a16:colId xmlns:a16="http://schemas.microsoft.com/office/drawing/2014/main" xmlns="" val="2032597962"/>
+                      <a16:colId xmlns:a16="http://schemas.microsoft.com/office/drawing/2014/main" val="2032597962"/>
                     </a:ext>
                   </a:extLst>
                 </a:gridCol>
@@ -12879,7 +12881,7 @@
                 </a:tc>
                 <a:extLst>
                   <a:ext uri="{0D108BD9-81ED-4DB2-BD59-A6C34878D82A}">
-                    <a16:rowId xmlns:a16="http://schemas.microsoft.com/office/drawing/2014/main" xmlns="" val="246005499"/>
+                    <a16:rowId xmlns:a16="http://schemas.microsoft.com/office/drawing/2014/main" val="246005499"/>
                   </a:ext>
                 </a:extLst>
               </a:tr>
@@ -12916,7 +12918,7 @@
                 </a:tc>
                 <a:extLst>
                   <a:ext uri="{0D108BD9-81ED-4DB2-BD59-A6C34878D82A}">
-                    <a16:rowId xmlns:a16="http://schemas.microsoft.com/office/drawing/2014/main" xmlns="" val="1967244540"/>
+                    <a16:rowId xmlns:a16="http://schemas.microsoft.com/office/drawing/2014/main" val="1967244540"/>
                   </a:ext>
                 </a:extLst>
               </a:tr>
@@ -12953,7 +12955,7 @@
                 </a:tc>
                 <a:extLst>
                   <a:ext uri="{0D108BD9-81ED-4DB2-BD59-A6C34878D82A}">
-                    <a16:rowId xmlns:a16="http://schemas.microsoft.com/office/drawing/2014/main" xmlns="" val="1823030155"/>
+                    <a16:rowId xmlns:a16="http://schemas.microsoft.com/office/drawing/2014/main" val="1823030155"/>
                   </a:ext>
                 </a:extLst>
               </a:tr>
@@ -12990,7 +12992,7 @@
                 </a:tc>
                 <a:extLst>
                   <a:ext uri="{0D108BD9-81ED-4DB2-BD59-A6C34878D82A}">
-                    <a16:rowId xmlns:a16="http://schemas.microsoft.com/office/drawing/2014/main" xmlns="" val="1815547532"/>
+                    <a16:rowId xmlns:a16="http://schemas.microsoft.com/office/drawing/2014/main" val="1815547532"/>
                   </a:ext>
                 </a:extLst>
               </a:tr>
@@ -13027,7 +13029,7 @@
                 </a:tc>
                 <a:extLst>
                   <a:ext uri="{0D108BD9-81ED-4DB2-BD59-A6C34878D82A}">
-                    <a16:rowId xmlns:a16="http://schemas.microsoft.com/office/drawing/2014/main" xmlns="" val="168178639"/>
+                    <a16:rowId xmlns:a16="http://schemas.microsoft.com/office/drawing/2014/main" val="168178639"/>
                   </a:ext>
                 </a:extLst>
               </a:tr>
@@ -13070,7 +13072,7 @@
           <p:cNvPr id="2" name="标题 1">
             <a:extLst>
               <a:ext uri="{FF2B5EF4-FFF2-40B4-BE49-F238E27FC236}">
-                <a16:creationId xmlns:a16="http://schemas.microsoft.com/office/drawing/2014/main" xmlns="" id="{2EF6CFFB-B21D-4816-8B60-4F694DE205A3}"/>
+                <a16:creationId xmlns:a16="http://schemas.microsoft.com/office/drawing/2014/main" id="{2EF6CFFB-B21D-4816-8B60-4F694DE205A3}"/>
               </a:ext>
             </a:extLst>
           </p:cNvPr>
@@ -13098,7 +13100,7 @@
           <p:cNvPr id="4" name="日期占位符 3">
             <a:extLst>
               <a:ext uri="{FF2B5EF4-FFF2-40B4-BE49-F238E27FC236}">
-                <a16:creationId xmlns:a16="http://schemas.microsoft.com/office/drawing/2014/main" xmlns="" id="{C85B2897-6538-42C2-ACB0-1A31F8468D6E}"/>
+                <a16:creationId xmlns:a16="http://schemas.microsoft.com/office/drawing/2014/main" id="{C85B2897-6538-42C2-ACB0-1A31F8468D6E}"/>
               </a:ext>
             </a:extLst>
           </p:cNvPr>
@@ -13130,7 +13132,7 @@
           <p:cNvPr id="5" name="页脚占位符 4">
             <a:extLst>
               <a:ext uri="{FF2B5EF4-FFF2-40B4-BE49-F238E27FC236}">
-                <a16:creationId xmlns:a16="http://schemas.microsoft.com/office/drawing/2014/main" xmlns="" id="{F14B425A-3171-4E97-89FA-80AFA74855FB}"/>
+                <a16:creationId xmlns:a16="http://schemas.microsoft.com/office/drawing/2014/main" id="{F14B425A-3171-4E97-89FA-80AFA74855FB}"/>
               </a:ext>
             </a:extLst>
           </p:cNvPr>
@@ -13162,7 +13164,7 @@
           <p:cNvPr id="6" name="灯片编号占位符 5">
             <a:extLst>
               <a:ext uri="{FF2B5EF4-FFF2-40B4-BE49-F238E27FC236}">
-                <a16:creationId xmlns:a16="http://schemas.microsoft.com/office/drawing/2014/main" xmlns="" id="{F15C4534-974F-4C9E-B28B-699F862B6BC7}"/>
+                <a16:creationId xmlns:a16="http://schemas.microsoft.com/office/drawing/2014/main" id="{F15C4534-974F-4C9E-B28B-699F862B6BC7}"/>
               </a:ext>
             </a:extLst>
           </p:cNvPr>
@@ -13199,7 +13201,7 @@
               <p:cNvPr id="10" name="内容占位符 9">
                 <a:extLst>
                   <a:ext uri="{FF2B5EF4-FFF2-40B4-BE49-F238E27FC236}">
-                    <a16:creationId xmlns:a16="http://schemas.microsoft.com/office/drawing/2014/main" xmlns="" id="{BD0E0E32-A568-44E3-89AF-900661C8FDC1}"/>
+                    <a16:creationId xmlns:a16="http://schemas.microsoft.com/office/drawing/2014/main" id="{BD0E0E32-A568-44E3-89AF-900661C8FDC1}"/>
                   </a:ext>
                 </a:extLst>
               </p:cNvPr>
@@ -13221,7 +13223,7 @@
               <a:lstStyle/>
               <a:p>
                 <a:r>
-                  <a:rPr lang="zh-CN" altLang="en-US" dirty="0" smtClean="0"/>
+                  <a:rPr lang="zh-CN" altLang="en-US" dirty="0"/>
                   <a:t>假设：输出与输入之间的关系是线性的</a:t>
                 </a:r>
                 <a:endParaRPr lang="en-US" altLang="zh-CN" dirty="0"/>
@@ -13232,11 +13234,7 @@
               <a:p>
                 <a:r>
                   <a:rPr lang="zh-CN" altLang="en-US" b="0" dirty="0"/>
-                  <a:t>模型</a:t>
-                </a:r>
-                <a:r>
-                  <a:rPr lang="zh-CN" altLang="en-US" b="0" dirty="0" smtClean="0"/>
-                  <a:t>：</a:t>
+                  <a:t>模型：</a:t>
                 </a:r>
                 <a14:m>
                   <m:oMath xmlns:m="http://schemas.openxmlformats.org/officeDocument/2006/math">
@@ -13250,7 +13248,7 @@
                       <m:dPr>
                         <m:ctrlPr>
                           <a:rPr lang="en-US" altLang="zh-CN" b="0" i="1" smtClean="0">
-                            <a:latin typeface="Cambria Math" charset="0"/>
+                            <a:latin typeface="Cambria Math" panose="02040503050406030204" pitchFamily="18" charset="0"/>
                           </a:rPr>
                         </m:ctrlPr>
                       </m:dPr>
@@ -13410,7 +13408,7 @@
           <p:cNvPr id="8" name="内容占位符 14">
             <a:extLst>
               <a:ext uri="{FF2B5EF4-FFF2-40B4-BE49-F238E27FC236}">
-                <a16:creationId xmlns:a16="http://schemas.microsoft.com/office/drawing/2014/main" xmlns="" id="{CA915622-2D59-44FD-B4E4-7AD11D279975}"/>
+                <a16:creationId xmlns:a16="http://schemas.microsoft.com/office/drawing/2014/main" id="{CA915622-2D59-44FD-B4E4-7AD11D279975}"/>
               </a:ext>
             </a:extLst>
           </p:cNvPr>
@@ -13446,7 +13444,7 @@
           <p:cNvPr id="9" name="直接连接符 8">
             <a:extLst>
               <a:ext uri="{FF2B5EF4-FFF2-40B4-BE49-F238E27FC236}">
-                <a16:creationId xmlns:a16="http://schemas.microsoft.com/office/drawing/2014/main" xmlns="" id="{B8EA0638-0410-4EC6-84F4-1A23C7402721}"/>
+                <a16:creationId xmlns:a16="http://schemas.microsoft.com/office/drawing/2014/main" id="{B8EA0638-0410-4EC6-84F4-1A23C7402721}"/>
               </a:ext>
             </a:extLst>
           </p:cNvPr>
@@ -13485,7 +13483,7 @@
           <p:cNvPr id="12" name="直接连接符 11">
             <a:extLst>
               <a:ext uri="{FF2B5EF4-FFF2-40B4-BE49-F238E27FC236}">
-                <a16:creationId xmlns:a16="http://schemas.microsoft.com/office/drawing/2014/main" xmlns="" id="{9667FD76-2C8E-4BD3-B647-AA153E470261}"/>
+                <a16:creationId xmlns:a16="http://schemas.microsoft.com/office/drawing/2014/main" id="{9667FD76-2C8E-4BD3-B647-AA153E470261}"/>
               </a:ext>
             </a:extLst>
           </p:cNvPr>
@@ -13528,7 +13526,7 @@
           <p:cNvPr id="15" name="直接连接符 14">
             <a:extLst>
               <a:ext uri="{FF2B5EF4-FFF2-40B4-BE49-F238E27FC236}">
-                <a16:creationId xmlns:a16="http://schemas.microsoft.com/office/drawing/2014/main" xmlns="" id="{430E730C-2EF6-476D-B193-EB414A1C87EE}"/>
+                <a16:creationId xmlns:a16="http://schemas.microsoft.com/office/drawing/2014/main" id="{430E730C-2EF6-476D-B193-EB414A1C87EE}"/>
               </a:ext>
             </a:extLst>
           </p:cNvPr>
@@ -13820,7 +13818,7 @@
           <p:cNvPr id="2" name="标题 1">
             <a:extLst>
               <a:ext uri="{FF2B5EF4-FFF2-40B4-BE49-F238E27FC236}">
-                <a16:creationId xmlns:a16="http://schemas.microsoft.com/office/drawing/2014/main" xmlns="" id="{C720F6F0-C510-4BBE-89E6-A8C9A8A57415}"/>
+                <a16:creationId xmlns:a16="http://schemas.microsoft.com/office/drawing/2014/main" id="{C720F6F0-C510-4BBE-89E6-A8C9A8A57415}"/>
               </a:ext>
             </a:extLst>
           </p:cNvPr>
@@ -13850,7 +13848,7 @@
               <p:cNvPr id="3" name="内容占位符 2">
                 <a:extLst>
                   <a:ext uri="{FF2B5EF4-FFF2-40B4-BE49-F238E27FC236}">
-                    <a16:creationId xmlns:a16="http://schemas.microsoft.com/office/drawing/2014/main" xmlns="" id="{A68605A4-A425-4CD5-8D59-3ADEED6DE32A}"/>
+                    <a16:creationId xmlns:a16="http://schemas.microsoft.com/office/drawing/2014/main" id="{A68605A4-A425-4CD5-8D59-3ADEED6DE32A}"/>
                   </a:ext>
                 </a:extLst>
               </p:cNvPr>
@@ -14069,26 +14067,22 @@
               <a:p>
                 <a:r>
                   <a:rPr lang="zh-CN" altLang="en-US" dirty="0"/>
-                  <a:t>损失</a:t>
+                  <a:t>损失函数（</a:t>
                 </a:r>
                 <a:r>
-                  <a:rPr lang="zh-CN" altLang="en-US" dirty="0" smtClean="0"/>
-                  <a:t>函数（</a:t>
-                </a:r>
-                <a:r>
-                  <a:rPr lang="en-US" altLang="zh-CN" dirty="0" smtClean="0"/>
+                  <a:rPr lang="en-US" altLang="zh-CN" dirty="0"/>
                   <a:t>Loss</a:t>
                 </a:r>
                 <a:r>
-                  <a:rPr lang="zh-CN" altLang="en-US" dirty="0" smtClean="0"/>
+                  <a:rPr lang="zh-CN" altLang="en-US" dirty="0"/>
                   <a:t> </a:t>
                 </a:r>
                 <a:r>
-                  <a:rPr lang="en-US" altLang="zh-CN" dirty="0" smtClean="0"/>
+                  <a:rPr lang="en-US" altLang="zh-CN" dirty="0"/>
                   <a:t>Function</a:t>
                 </a:r>
                 <a:r>
-                  <a:rPr lang="zh-CN" altLang="en-US" dirty="0" smtClean="0"/>
+                  <a:rPr lang="zh-CN" altLang="en-US" dirty="0"/>
                   <a:t>）：</a:t>
                 </a:r>
                 <a:endParaRPr lang="en-US" altLang="zh-CN" dirty="0"/>
@@ -14119,18 +14113,14 @@
                 </a:r>
                 <a:r>
                   <a:rPr lang="zh-CN" altLang="en-US" dirty="0"/>
-                  <a:t>过程</a:t>
+                  <a:t>过程。</a:t>
                 </a:r>
-                <a:r>
-                  <a:rPr lang="zh-CN" altLang="en-US" dirty="0" smtClean="0"/>
-                  <a:t>。</a:t>
-                </a:r>
-                <a:endParaRPr lang="en-US" altLang="zh-CN" dirty="0" smtClean="0"/>
+                <a:endParaRPr lang="en-US" altLang="zh-CN" dirty="0"/>
               </a:p>
               <a:p>
                 <a:pPr lvl="1"/>
                 <a:r>
-                  <a:rPr lang="zh-CN" altLang="en-US" dirty="0" smtClean="0"/>
+                  <a:rPr lang="zh-CN" altLang="en-US" dirty="0"/>
                   <a:t>线性回归就是根据损失函数的定义来学习出最佳的参数。</a:t>
                 </a:r>
                 <a:endParaRPr lang="en-US" altLang="zh-CN" dirty="0"/>
@@ -14187,7 +14177,7 @@
           <p:cNvPr id="4" name="日期占位符 3">
             <a:extLst>
               <a:ext uri="{FF2B5EF4-FFF2-40B4-BE49-F238E27FC236}">
-                <a16:creationId xmlns:a16="http://schemas.microsoft.com/office/drawing/2014/main" xmlns="" id="{97913FA6-F7A2-4197-B8DA-F29481A0F82B}"/>
+                <a16:creationId xmlns:a16="http://schemas.microsoft.com/office/drawing/2014/main" id="{97913FA6-F7A2-4197-B8DA-F29481A0F82B}"/>
               </a:ext>
             </a:extLst>
           </p:cNvPr>
@@ -14219,7 +14209,7 @@
           <p:cNvPr id="5" name="页脚占位符 4">
             <a:extLst>
               <a:ext uri="{FF2B5EF4-FFF2-40B4-BE49-F238E27FC236}">
-                <a16:creationId xmlns:a16="http://schemas.microsoft.com/office/drawing/2014/main" xmlns="" id="{E5823841-CED2-4B9C-8F0A-FE5DBE628BCB}"/>
+                <a16:creationId xmlns:a16="http://schemas.microsoft.com/office/drawing/2014/main" id="{E5823841-CED2-4B9C-8F0A-FE5DBE628BCB}"/>
               </a:ext>
             </a:extLst>
           </p:cNvPr>
@@ -14251,7 +14241,7 @@
           <p:cNvPr id="6" name="灯片编号占位符 5">
             <a:extLst>
               <a:ext uri="{FF2B5EF4-FFF2-40B4-BE49-F238E27FC236}">
-                <a16:creationId xmlns:a16="http://schemas.microsoft.com/office/drawing/2014/main" xmlns="" id="{730AF170-3554-43A2-BA79-E5FF54F2C147}"/>
+                <a16:creationId xmlns:a16="http://schemas.microsoft.com/office/drawing/2014/main" id="{730AF170-3554-43A2-BA79-E5FF54F2C147}"/>
               </a:ext>
             </a:extLst>
           </p:cNvPr>
@@ -14286,7 +14276,7 @@
           <p:cNvPr id="7" name="内容占位符 14">
             <a:extLst>
               <a:ext uri="{FF2B5EF4-FFF2-40B4-BE49-F238E27FC236}">
-                <a16:creationId xmlns:a16="http://schemas.microsoft.com/office/drawing/2014/main" xmlns="" id="{9AFCF1CC-4784-410E-B4A4-0CEA25C2A6C6}"/>
+                <a16:creationId xmlns:a16="http://schemas.microsoft.com/office/drawing/2014/main" id="{9AFCF1CC-4784-410E-B4A4-0CEA25C2A6C6}"/>
               </a:ext>
             </a:extLst>
           </p:cNvPr>
@@ -14322,7 +14312,7 @@
           <p:cNvPr id="8" name="直接连接符 7">
             <a:extLst>
               <a:ext uri="{FF2B5EF4-FFF2-40B4-BE49-F238E27FC236}">
-                <a16:creationId xmlns:a16="http://schemas.microsoft.com/office/drawing/2014/main" xmlns="" id="{993906AA-D657-4AAA-8F8D-DC8087721264}"/>
+                <a16:creationId xmlns:a16="http://schemas.microsoft.com/office/drawing/2014/main" id="{993906AA-D657-4AAA-8F8D-DC8087721264}"/>
               </a:ext>
             </a:extLst>
           </p:cNvPr>
@@ -14361,7 +14351,7 @@
           <p:cNvPr id="9" name="直接连接符 8">
             <a:extLst>
               <a:ext uri="{FF2B5EF4-FFF2-40B4-BE49-F238E27FC236}">
-                <a16:creationId xmlns:a16="http://schemas.microsoft.com/office/drawing/2014/main" xmlns="" id="{5B6D09FB-D13D-47E9-A513-50281374E973}"/>
+                <a16:creationId xmlns:a16="http://schemas.microsoft.com/office/drawing/2014/main" id="{5B6D09FB-D13D-47E9-A513-50281374E973}"/>
               </a:ext>
             </a:extLst>
           </p:cNvPr>
@@ -14404,7 +14394,7 @@
           <p:cNvPr id="10" name="直接连接符 9">
             <a:extLst>
               <a:ext uri="{FF2B5EF4-FFF2-40B4-BE49-F238E27FC236}">
-                <a16:creationId xmlns:a16="http://schemas.microsoft.com/office/drawing/2014/main" xmlns="" id="{D823F8C7-6F36-48A0-A850-97D4586184C8}"/>
+                <a16:creationId xmlns:a16="http://schemas.microsoft.com/office/drawing/2014/main" id="{D823F8C7-6F36-48A0-A850-97D4586184C8}"/>
               </a:ext>
             </a:extLst>
           </p:cNvPr>
@@ -14449,7 +14439,7 @@
               <p:cNvPr id="11" name="矩形 10">
                 <a:extLst>
                   <a:ext uri="{FF2B5EF4-FFF2-40B4-BE49-F238E27FC236}">
-                    <a16:creationId xmlns:a16="http://schemas.microsoft.com/office/drawing/2014/main" xmlns="" id="{25CFE4FA-4ADB-4B82-B875-AA5178D80394}"/>
+                    <a16:creationId xmlns:a16="http://schemas.microsoft.com/office/drawing/2014/main" id="{25CFE4FA-4ADB-4B82-B875-AA5178D80394}"/>
                   </a:ext>
                 </a:extLst>
               </p:cNvPr>
@@ -14488,7 +14478,7 @@
                         <m:dPr>
                           <m:ctrlPr>
                             <a:rPr lang="en-US" altLang="zh-CN" sz="2000" i="1">
-                              <a:latin typeface="Cambria Math" charset="0"/>
+                              <a:latin typeface="Cambria Math" panose="02040503050406030204" pitchFamily="18" charset="0"/>
                             </a:rPr>
                           </m:ctrlPr>
                         </m:dPr>
@@ -14524,7 +14514,7 @@
                           <m:chr m:val="∑"/>
                           <m:ctrlPr>
                             <a:rPr lang="en-US" altLang="zh-CN" sz="2000" i="1">
-                              <a:latin typeface="Cambria Math" charset="0"/>
+                              <a:latin typeface="Cambria Math" panose="02040503050406030204" pitchFamily="18" charset="0"/>
                             </a:rPr>
                           </m:ctrlPr>
                         </m:naryPr>
@@ -14558,7 +14548,7 @@
                             <m:sSupPr>
                               <m:ctrlPr>
                                 <a:rPr lang="en-US" altLang="zh-CN" sz="2000" i="1">
-                                  <a:latin typeface="Cambria Math" charset="0"/>
+                                  <a:latin typeface="Cambria Math" panose="02040503050406030204" pitchFamily="18" charset="0"/>
                                 </a:rPr>
                               </m:ctrlPr>
                             </m:sSupPr>
@@ -14567,7 +14557,7 @@
                                 <m:dPr>
                                   <m:ctrlPr>
                                     <a:rPr lang="en-US" altLang="zh-CN" sz="2000" i="1">
-                                      <a:latin typeface="Cambria Math" charset="0"/>
+                                      <a:latin typeface="Cambria Math" panose="02040503050406030204" pitchFamily="18" charset="0"/>
                                     </a:rPr>
                                   </m:ctrlPr>
                                 </m:dPr>
@@ -14576,7 +14566,7 @@
                                     <m:sSupPr>
                                       <m:ctrlPr>
                                         <a:rPr lang="en-US" altLang="zh-CN" sz="2000" i="1">
-                                          <a:latin typeface="Cambria Math" charset="0"/>
+                                          <a:latin typeface="Cambria Math" panose="02040503050406030204" pitchFamily="18" charset="0"/>
                                         </a:rPr>
                                       </m:ctrlPr>
                                     </m:sSupPr>
@@ -14625,7 +14615,7 @@
                                     <m:dPr>
                                       <m:ctrlPr>
                                         <a:rPr lang="en-US" altLang="zh-CN" sz="2000" i="1">
-                                          <a:latin typeface="Cambria Math" charset="0"/>
+                                          <a:latin typeface="Cambria Math" panose="02040503050406030204" pitchFamily="18" charset="0"/>
                                         </a:rPr>
                                       </m:ctrlPr>
                                     </m:dPr>
@@ -14634,7 +14624,7 @@
                                         <m:sSupPr>
                                           <m:ctrlPr>
                                             <a:rPr lang="en-US" altLang="zh-CN" sz="2000" i="1">
-                                              <a:latin typeface="Cambria Math" charset="0"/>
+                                              <a:latin typeface="Cambria Math" panose="02040503050406030204" pitchFamily="18" charset="0"/>
                                             </a:rPr>
                                           </m:ctrlPr>
                                         </m:sSupPr>
@@ -14782,10 +14772,9 @@
           <a:lstStyle/>
           <a:p>
             <a:r>
-              <a:rPr kumimoji="1" lang="zh-CN" altLang="en-US" dirty="0" smtClean="0"/>
+              <a:rPr kumimoji="1" lang="zh-CN" altLang="en-US" dirty="0"/>
               <a:t>一元线性回归：小结</a:t>
             </a:r>
-            <a:endParaRPr kumimoji="1" lang="zh-CN" altLang="en-US" dirty="0"/>
           </a:p>
         </p:txBody>
       </p:sp>
@@ -14806,11 +14795,11 @@
               <a:bodyPr/>
               <a:lstStyle/>
               <a:p>
-                <a:endParaRPr kumimoji="1" lang="en-US" altLang="zh-CN" dirty="0" smtClean="0"/>
+                <a:endParaRPr kumimoji="1" lang="en-US" altLang="zh-CN" dirty="0"/>
               </a:p>
               <a:p>
                 <a:r>
-                  <a:rPr kumimoji="1" lang="zh-CN" altLang="en-US" sz="2800" dirty="0" smtClean="0"/>
+                  <a:rPr kumimoji="1" lang="zh-CN" altLang="en-US" sz="2800" dirty="0"/>
                   <a:t>假设：</a:t>
                 </a:r>
                 <a14:m>
@@ -14825,7 +14814,7 @@
                       <m:dPr>
                         <m:ctrlPr>
                           <a:rPr kumimoji="1" lang="en-US" altLang="zh-CN" sz="2800" b="0" i="1" dirty="0" smtClean="0">
-                            <a:latin typeface="Cambria Math" charset="0"/>
+                            <a:latin typeface="Cambria Math" panose="02040503050406030204" pitchFamily="18" charset="0"/>
                           </a:rPr>
                         </m:ctrlPr>
                       </m:dPr>
@@ -14864,14 +14853,14 @@
                     </m:r>
                   </m:oMath>
                 </a14:m>
-                <a:endParaRPr kumimoji="1" lang="en-US" altLang="zh-CN" sz="2800" dirty="0" smtClean="0"/>
+                <a:endParaRPr kumimoji="1" lang="en-US" altLang="zh-CN" sz="2800" dirty="0"/>
               </a:p>
               <a:p>
                 <a:endParaRPr kumimoji="1" lang="en-US" altLang="zh-CN" sz="2800" dirty="0"/>
               </a:p>
               <a:p>
                 <a:r>
-                  <a:rPr kumimoji="1" lang="zh-CN" altLang="en-US" sz="2800" dirty="0" smtClean="0"/>
+                  <a:rPr kumimoji="1" lang="zh-CN" altLang="en-US" sz="2800" dirty="0"/>
                   <a:t>参数：</a:t>
                 </a:r>
                 <a14:m>
@@ -14896,14 +14885,14 @@
                     </m:r>
                   </m:oMath>
                 </a14:m>
-                <a:endParaRPr kumimoji="1" lang="en-US" altLang="zh-CN" sz="2800" dirty="0" smtClean="0"/>
+                <a:endParaRPr kumimoji="1" lang="en-US" altLang="zh-CN" sz="2800" dirty="0"/>
               </a:p>
               <a:p>
                 <a:endParaRPr kumimoji="1" lang="en-US" altLang="zh-CN" sz="2800" dirty="0"/>
               </a:p>
               <a:p>
                 <a:r>
-                  <a:rPr kumimoji="1" lang="zh-CN" altLang="en-US" sz="2800" dirty="0" smtClean="0"/>
+                  <a:rPr kumimoji="1" lang="zh-CN" altLang="en-US" sz="2800" dirty="0"/>
                   <a:t>损失函数：</a:t>
                 </a:r>
                 <a14:m>
@@ -14918,7 +14907,7 @@
                       <m:dPr>
                         <m:ctrlPr>
                           <a:rPr lang="en-US" altLang="zh-CN" sz="3200" i="1">
-                            <a:latin typeface="Cambria Math" charset="0"/>
+                            <a:latin typeface="Cambria Math" panose="02040503050406030204" pitchFamily="18" charset="0"/>
                           </a:rPr>
                         </m:ctrlPr>
                       </m:dPr>
@@ -14954,7 +14943,7 @@
                         <m:chr m:val="∑"/>
                         <m:ctrlPr>
                           <a:rPr lang="en-US" altLang="zh-CN" sz="3200" i="1">
-                            <a:latin typeface="Cambria Math" charset="0"/>
+                            <a:latin typeface="Cambria Math" panose="02040503050406030204" pitchFamily="18" charset="0"/>
                           </a:rPr>
                         </m:ctrlPr>
                       </m:naryPr>
@@ -14988,7 +14977,7 @@
                           <m:sSupPr>
                             <m:ctrlPr>
                               <a:rPr lang="en-US" altLang="zh-CN" sz="3200" i="1">
-                                <a:latin typeface="Cambria Math" charset="0"/>
+                                <a:latin typeface="Cambria Math" panose="02040503050406030204" pitchFamily="18" charset="0"/>
                               </a:rPr>
                             </m:ctrlPr>
                           </m:sSupPr>
@@ -14997,7 +14986,7 @@
                               <m:dPr>
                                 <m:ctrlPr>
                                   <a:rPr lang="en-US" altLang="zh-CN" sz="3200" i="1">
-                                    <a:latin typeface="Cambria Math" charset="0"/>
+                                    <a:latin typeface="Cambria Math" panose="02040503050406030204" pitchFamily="18" charset="0"/>
                                   </a:rPr>
                                 </m:ctrlPr>
                               </m:dPr>
@@ -15006,7 +14995,7 @@
                                   <m:sSupPr>
                                     <m:ctrlPr>
                                       <a:rPr lang="en-US" altLang="zh-CN" sz="3200" i="1">
-                                        <a:latin typeface="Cambria Math" charset="0"/>
+                                        <a:latin typeface="Cambria Math" panose="02040503050406030204" pitchFamily="18" charset="0"/>
                                       </a:rPr>
                                     </m:ctrlPr>
                                   </m:sSupPr>
@@ -15055,7 +15044,7 @@
                                   <m:dPr>
                                     <m:ctrlPr>
                                       <a:rPr lang="en-US" altLang="zh-CN" sz="3200" i="1">
-                                        <a:latin typeface="Cambria Math" charset="0"/>
+                                        <a:latin typeface="Cambria Math" panose="02040503050406030204" pitchFamily="18" charset="0"/>
                                       </a:rPr>
                                     </m:ctrlPr>
                                   </m:dPr>
@@ -15064,7 +15053,7 @@
                                       <m:sSupPr>
                                         <m:ctrlPr>
                                           <a:rPr lang="en-US" altLang="zh-CN" sz="3200" i="1">
-                                            <a:latin typeface="Cambria Math" charset="0"/>
+                                            <a:latin typeface="Cambria Math" panose="02040503050406030204" pitchFamily="18" charset="0"/>
                                           </a:rPr>
                                         </m:ctrlPr>
                                       </m:sSupPr>
@@ -15115,14 +15104,14 @@
                     </m:nary>
                   </m:oMath>
                 </a14:m>
-                <a:endParaRPr kumimoji="1" lang="en-US" altLang="zh-CN" sz="2800" dirty="0" smtClean="0"/>
+                <a:endParaRPr kumimoji="1" lang="en-US" altLang="zh-CN" sz="2800" dirty="0"/>
               </a:p>
               <a:p>
                 <a:endParaRPr kumimoji="1" lang="en-US" altLang="zh-CN" sz="2800" dirty="0"/>
               </a:p>
               <a:p>
                 <a:r>
-                  <a:rPr kumimoji="1" lang="zh-CN" altLang="en-US" sz="2800" dirty="0" smtClean="0"/>
+                  <a:rPr kumimoji="1" lang="zh-CN" altLang="en-US" sz="2800" dirty="0"/>
                   <a:t>目标：</a:t>
                 </a:r>
                 <a14:m>
@@ -15131,7 +15120,7 @@
                       <m:funcPr>
                         <m:ctrlPr>
                           <a:rPr kumimoji="1" lang="zh-CN" altLang="en-US" sz="2800" b="0" i="1" smtClean="0">
-                            <a:latin typeface="Cambria Math" charset="0"/>
+                            <a:latin typeface="Cambria Math" panose="02040503050406030204" pitchFamily="18" charset="0"/>
                           </a:rPr>
                         </m:ctrlPr>
                       </m:funcPr>
@@ -15140,7 +15129,7 @@
                           <m:sSubPr>
                             <m:ctrlPr>
                               <a:rPr kumimoji="1" lang="en-US" altLang="zh-CN" sz="2800" b="0" i="1" smtClean="0">
-                                <a:latin typeface="Cambria Math" charset="0"/>
+                                <a:latin typeface="Cambria Math" panose="02040503050406030204" pitchFamily="18" charset="0"/>
                               </a:rPr>
                             </m:ctrlPr>
                           </m:sSubPr>
@@ -15182,7 +15171,7 @@
                           <m:funcPr>
                             <m:ctrlPr>
                               <a:rPr kumimoji="1" lang="zh-CN" altLang="en-US" sz="2800" b="0" i="1" smtClean="0">
-                                <a:latin typeface="Cambria Math" charset="0"/>
+                                <a:latin typeface="Cambria Math" panose="02040503050406030204" pitchFamily="18" charset="0"/>
                               </a:rPr>
                             </m:ctrlPr>
                           </m:funcPr>
@@ -15324,7 +15313,7 @@
               <a:defRPr/>
             </a:pPr>
             <a:r>
-              <a:rPr lang="zh-CN" altLang="en-US" smtClean="0"/>
+              <a:rPr lang="zh-CN" altLang="en-US"/>
               <a:t>机器学习入门</a:t>
             </a:r>
             <a:endParaRPr lang="en-US" altLang="zh-CN" dirty="0"/>
@@ -15406,10 +15395,9 @@
           <a:lstStyle/>
           <a:p>
             <a:r>
-              <a:rPr kumimoji="1" lang="zh-CN" altLang="en-US" dirty="0" smtClean="0"/>
+              <a:rPr kumimoji="1" lang="zh-CN" altLang="en-US" dirty="0"/>
               <a:t>一元线性回归：如何学习出合适的参数</a:t>
             </a:r>
-            <a:endParaRPr kumimoji="1" lang="zh-CN" altLang="en-US" dirty="0"/>
           </a:p>
         </p:txBody>
       </p:sp>
@@ -15458,7 +15446,7 @@
               <a:defRPr/>
             </a:pPr>
             <a:r>
-              <a:rPr lang="zh-CN" altLang="en-US" smtClean="0"/>
+              <a:rPr lang="zh-CN" altLang="en-US"/>
               <a:t>机器学习入门</a:t>
             </a:r>
             <a:endParaRPr lang="en-US" altLang="zh-CN" dirty="0"/>
@@ -15547,14 +15535,14 @@
               <a:lstStyle/>
               <a:p>
                 <a:r>
-                  <a:rPr kumimoji="1" lang="zh-CN" altLang="en-US" dirty="0" smtClean="0"/>
+                  <a:rPr kumimoji="1" lang="zh-CN" altLang="en-US" dirty="0"/>
                   <a:t>想象你站在一个山谷的某个位置，你的目的是走到谷底，应该怎么走？</a:t>
                 </a:r>
                 <a:endParaRPr kumimoji="1" lang="en-US" altLang="zh-CN" dirty="0"/>
               </a:p>
               <a:p>
                 <a:r>
-                  <a:rPr kumimoji="1" lang="zh-CN" altLang="en-US" dirty="0" smtClean="0"/>
+                  <a:rPr kumimoji="1" lang="zh-CN" altLang="en-US" dirty="0"/>
                   <a:t>类似地，损失函数就像山谷，初始时随机选取参数</a:t>
                 </a:r>
                 <a14:m>
@@ -15592,25 +15580,25 @@
                   </m:oMath>
                 </a14:m>
                 <a:r>
-                  <a:rPr kumimoji="1" lang="zh-CN" altLang="en-US" dirty="0" smtClean="0"/>
+                  <a:rPr kumimoji="1" lang="zh-CN" altLang="en-US" dirty="0"/>
                   <a:t>就像你在山谷中的初始位置，最终要得到的使损失函数最小的参数取值就像山谷的谷底。</a:t>
                 </a:r>
-                <a:endParaRPr kumimoji="1" lang="en-US" altLang="zh-CN" dirty="0" smtClean="0"/>
+                <a:endParaRPr kumimoji="1" lang="en-US" altLang="zh-CN" dirty="0"/>
               </a:p>
               <a:p>
                 <a:endParaRPr kumimoji="1" lang="en-US" altLang="zh-CN" dirty="0"/>
               </a:p>
               <a:p>
                 <a:r>
-                  <a:rPr kumimoji="1" lang="zh-CN" altLang="en-US" dirty="0" smtClean="0"/>
+                  <a:rPr kumimoji="1" lang="zh-CN" altLang="en-US" dirty="0"/>
                   <a:t>梯度下降：</a:t>
                 </a:r>
-                <a:endParaRPr kumimoji="1" lang="en-US" altLang="zh-CN" dirty="0" smtClean="0"/>
+                <a:endParaRPr kumimoji="1" lang="en-US" altLang="zh-CN" dirty="0"/>
               </a:p>
               <a:p>
                 <a:pPr lvl="1"/>
                 <a:r>
-                  <a:rPr kumimoji="1" lang="zh-CN" altLang="en-US" dirty="0" smtClean="0"/>
+                  <a:rPr kumimoji="1" lang="zh-CN" altLang="en-US" dirty="0"/>
                   <a:t>梯度：</a:t>
                 </a:r>
                 <a14:m>
@@ -15643,7 +15631,7 @@
                       <m:dPr>
                         <m:ctrlPr>
                           <a:rPr kumimoji="1" lang="mr-IN" altLang="zh-CN" b="0" i="1" smtClean="0">
-                            <a:latin typeface="Cambria Math" charset="0"/>
+                            <a:latin typeface="Cambria Math" panose="02040503050406030204" pitchFamily="18" charset="0"/>
                             <a:ea typeface="Cambria Math" charset="0"/>
                             <a:cs typeface="Cambria Math" charset="0"/>
                           </a:rPr>
@@ -15654,7 +15642,7 @@
                           <m:fPr>
                             <m:ctrlPr>
                               <a:rPr kumimoji="1" lang="mr-IN" altLang="zh-CN" b="0" i="1" smtClean="0">
-                                <a:latin typeface="Cambria Math" charset="0"/>
+                                <a:latin typeface="Cambria Math" panose="02040503050406030204" pitchFamily="18" charset="0"/>
                                 <a:ea typeface="Cambria Math" charset="0"/>
                                 <a:cs typeface="Cambria Math" charset="0"/>
                               </a:rPr>
@@ -15717,7 +15705,7 @@
                           <m:fPr>
                             <m:ctrlPr>
                               <a:rPr kumimoji="1" lang="mr-IN" altLang="zh-CN" b="0" i="1" smtClean="0">
-                                <a:latin typeface="Cambria Math" charset="0"/>
+                                <a:latin typeface="Cambria Math" panose="02040503050406030204" pitchFamily="18" charset="0"/>
                                 <a:ea typeface="Cambria Math" charset="0"/>
                                 <a:cs typeface="Cambria Math" charset="0"/>
                               </a:rPr>
@@ -15765,34 +15753,17 @@
                   </m:oMath>
                 </a14:m>
                 <a:r>
-                  <a:rPr lang="zh-CN" altLang="en-US" dirty="0" smtClean="0"/>
-                  <a:t>，表示函数</a:t>
+                  <a:rPr lang="zh-CN" altLang="en-US" dirty="0"/>
+                  <a:t>，表示函数在该点处沿着该方向变化最快，变化率最大。</a:t>
                 </a:r>
-                <a:r>
-                  <a:rPr lang="zh-CN" altLang="en-US" dirty="0"/>
-                  <a:t>在该点处沿着该</a:t>
-                </a:r>
-                <a:r>
-                  <a:rPr lang="zh-CN" altLang="en-US" dirty="0" smtClean="0"/>
-                  <a:t>方向变化</a:t>
-                </a:r>
-                <a:r>
-                  <a:rPr lang="zh-CN" altLang="en-US" dirty="0"/>
-                  <a:t>最快，变化率最</a:t>
-                </a:r>
-                <a:r>
-                  <a:rPr lang="zh-CN" altLang="en-US" dirty="0" smtClean="0"/>
-                  <a:t>大。</a:t>
-                </a:r>
-                <a:endParaRPr lang="en-US" altLang="zh-CN" dirty="0" smtClean="0"/>
+                <a:endParaRPr lang="en-US" altLang="zh-CN" dirty="0"/>
               </a:p>
               <a:p>
                 <a:pPr lvl="1"/>
                 <a:r>
-                  <a:rPr kumimoji="1" lang="zh-CN" altLang="en-US" dirty="0" smtClean="0"/>
+                  <a:rPr kumimoji="1" lang="zh-CN" altLang="en-US" dirty="0"/>
                   <a:t>想象把一个小球放到一个山谷中的位置，该小球滚动的方向的相反方向就是该点的梯度。</a:t>
                 </a:r>
-                <a:endParaRPr kumimoji="1" lang="zh-CN" altLang="en-US" dirty="0"/>
               </a:p>
             </p:txBody>
           </p:sp>
@@ -15842,7 +15813,7 @@
               <p:cNvPr id="11" name="矩形 10">
                 <a:extLst>
                   <a:ext uri="{FF2B5EF4-FFF2-40B4-BE49-F238E27FC236}">
-                    <a16:creationId xmlns:a16="http://schemas.microsoft.com/office/drawing/2014/main" xmlns="" id="{25CFE4FA-4ADB-4B82-B875-AA5178D80394}"/>
+                    <a16:creationId xmlns:a16="http://schemas.microsoft.com/office/drawing/2014/main" id="{25CFE4FA-4ADB-4B82-B875-AA5178D80394}"/>
                   </a:ext>
                 </a:extLst>
               </p:cNvPr>
@@ -15881,7 +15852,7 @@
                         <m:dPr>
                           <m:ctrlPr>
                             <a:rPr lang="en-US" altLang="zh-CN" sz="2000" i="1">
-                              <a:latin typeface="Cambria Math" charset="0"/>
+                              <a:latin typeface="Cambria Math" panose="02040503050406030204" pitchFamily="18" charset="0"/>
                             </a:rPr>
                           </m:ctrlPr>
                         </m:dPr>
@@ -15917,7 +15888,7 @@
                           <m:chr m:val="∑"/>
                           <m:ctrlPr>
                             <a:rPr lang="en-US" altLang="zh-CN" sz="2000" i="1">
-                              <a:latin typeface="Cambria Math" charset="0"/>
+                              <a:latin typeface="Cambria Math" panose="02040503050406030204" pitchFamily="18" charset="0"/>
                             </a:rPr>
                           </m:ctrlPr>
                         </m:naryPr>
@@ -15951,7 +15922,7 @@
                             <m:sSupPr>
                               <m:ctrlPr>
                                 <a:rPr lang="en-US" altLang="zh-CN" sz="2000" i="1">
-                                  <a:latin typeface="Cambria Math" charset="0"/>
+                                  <a:latin typeface="Cambria Math" panose="02040503050406030204" pitchFamily="18" charset="0"/>
                                 </a:rPr>
                               </m:ctrlPr>
                             </m:sSupPr>
@@ -15960,7 +15931,7 @@
                                 <m:dPr>
                                   <m:ctrlPr>
                                     <a:rPr lang="en-US" altLang="zh-CN" sz="2000" i="1">
-                                      <a:latin typeface="Cambria Math" charset="0"/>
+                                      <a:latin typeface="Cambria Math" panose="02040503050406030204" pitchFamily="18" charset="0"/>
                                     </a:rPr>
                                   </m:ctrlPr>
                                 </m:dPr>
@@ -15969,7 +15940,7 @@
                                     <m:sSupPr>
                                       <m:ctrlPr>
                                         <a:rPr lang="en-US" altLang="zh-CN" sz="2000" i="1">
-                                          <a:latin typeface="Cambria Math" charset="0"/>
+                                          <a:latin typeface="Cambria Math" panose="02040503050406030204" pitchFamily="18" charset="0"/>
                                         </a:rPr>
                                       </m:ctrlPr>
                                     </m:sSupPr>
@@ -16018,7 +15989,7 @@
                                     <m:dPr>
                                       <m:ctrlPr>
                                         <a:rPr lang="en-US" altLang="zh-CN" sz="2000" i="1">
-                                          <a:latin typeface="Cambria Math" charset="0"/>
+                                          <a:latin typeface="Cambria Math" panose="02040503050406030204" pitchFamily="18" charset="0"/>
                                         </a:rPr>
                                       </m:ctrlPr>
                                     </m:dPr>
@@ -16027,7 +15998,7 @@
                                         <m:sSupPr>
                                           <m:ctrlPr>
                                             <a:rPr lang="en-US" altLang="zh-CN" sz="2000" i="1">
-                                              <a:latin typeface="Cambria Math" charset="0"/>
+                                              <a:latin typeface="Cambria Math" panose="02040503050406030204" pitchFamily="18" charset="0"/>
                                             </a:rPr>
                                           </m:ctrlPr>
                                         </m:sSupPr>
@@ -16175,10 +16146,9 @@
           <a:lstStyle/>
           <a:p>
             <a:r>
-              <a:rPr kumimoji="1" lang="zh-CN" altLang="en-US" dirty="0" smtClean="0"/>
+              <a:rPr kumimoji="1" lang="zh-CN" altLang="en-US" dirty="0"/>
               <a:t>一元线性回归：梯度下降</a:t>
             </a:r>
-            <a:endParaRPr kumimoji="1" lang="zh-CN" altLang="en-US" dirty="0"/>
           </a:p>
         </p:txBody>
       </p:sp>
@@ -16227,7 +16197,7 @@
               <a:defRPr/>
             </a:pPr>
             <a:r>
-              <a:rPr lang="zh-CN" altLang="en-US" smtClean="0"/>
+              <a:rPr lang="zh-CN" altLang="en-US"/>
               <a:t>机器学习入门</a:t>
             </a:r>
             <a:endParaRPr lang="en-US" altLang="zh-CN" dirty="0"/>
@@ -16316,15 +16286,15 @@
               <a:lstStyle/>
               <a:p>
                 <a:r>
-                  <a:rPr kumimoji="1" lang="zh-CN" altLang="en-US" dirty="0" smtClean="0"/>
+                  <a:rPr kumimoji="1" lang="zh-CN" altLang="en-US" dirty="0"/>
                   <a:t>梯度下降算法：</a:t>
                 </a:r>
-                <a:endParaRPr kumimoji="1" lang="en-US" altLang="zh-CN" dirty="0" smtClean="0"/>
+                <a:endParaRPr kumimoji="1" lang="en-US" altLang="zh-CN" dirty="0"/>
               </a:p>
               <a:p>
                 <a:pPr lvl="1"/>
                 <a:r>
-                  <a:rPr kumimoji="1" lang="zh-CN" altLang="en-US" dirty="0" smtClean="0"/>
+                  <a:rPr kumimoji="1" lang="zh-CN" altLang="en-US" dirty="0"/>
                   <a:t>初始时随机参数取值</a:t>
                 </a:r>
                 <a14:m>
@@ -16361,12 +16331,12 @@
                     </m:r>
                   </m:oMath>
                 </a14:m>
-                <a:endParaRPr kumimoji="1" lang="en-US" altLang="zh-CN" dirty="0" smtClean="0"/>
+                <a:endParaRPr kumimoji="1" lang="en-US" altLang="zh-CN" dirty="0"/>
               </a:p>
               <a:p>
                 <a:pPr lvl="1"/>
                 <a:r>
-                  <a:rPr kumimoji="1" lang="zh-CN" altLang="en-US" dirty="0" smtClean="0"/>
+                  <a:rPr kumimoji="1" lang="zh-CN" altLang="en-US" dirty="0"/>
                   <a:t>循环：每次迭代沿负梯度方向“迈一小步”，更新参数值，使得损失函数</a:t>
                 </a:r>
                 <a14:m>
@@ -16410,10 +16380,10 @@
                   </m:oMath>
                 </a14:m>
                 <a:r>
-                  <a:rPr kumimoji="1" lang="zh-CN" altLang="en-US" dirty="0" smtClean="0"/>
+                  <a:rPr kumimoji="1" lang="zh-CN" altLang="en-US" dirty="0"/>
                   <a:t>的值下降：</a:t>
                 </a:r>
-                <a:endParaRPr kumimoji="1" lang="en-US" altLang="zh-CN" dirty="0" smtClean="0"/>
+                <a:endParaRPr kumimoji="1" lang="en-US" altLang="zh-CN" dirty="0"/>
               </a:p>
               <a:p>
                 <a:pPr lvl="1"/>
@@ -16424,16 +16394,16 @@
               </a:p>
               <a:p>
                 <a:pPr lvl="1"/>
-                <a:endParaRPr kumimoji="1" lang="en-US" altLang="zh-CN" dirty="0" smtClean="0"/>
+                <a:endParaRPr kumimoji="1" lang="en-US" altLang="zh-CN" dirty="0"/>
               </a:p>
               <a:p>
                 <a:pPr lvl="1"/>
-                <a:endParaRPr kumimoji="1" lang="en-US" altLang="zh-CN" dirty="0" smtClean="0"/>
+                <a:endParaRPr kumimoji="1" lang="en-US" altLang="zh-CN" dirty="0"/>
               </a:p>
               <a:p>
                 <a:pPr lvl="1"/>
                 <a:r>
-                  <a:rPr kumimoji="1" lang="zh-CN" altLang="en-US" dirty="0" smtClean="0"/>
+                  <a:rPr kumimoji="1" lang="zh-CN" altLang="en-US" dirty="0"/>
                   <a:t>当损失函数达到最小值的时候（两次迭代的损失函数的差小于一定的阈值），结束算法，输出参数值</a:t>
                 </a:r>
                 <a14:m>
@@ -16471,10 +16441,10 @@
                   </m:oMath>
                 </a14:m>
                 <a:r>
-                  <a:rPr kumimoji="1" lang="zh-CN" altLang="en-US" dirty="0" smtClean="0"/>
+                  <a:rPr kumimoji="1" lang="zh-CN" altLang="en-US" dirty="0"/>
                   <a:t>。</a:t>
                 </a:r>
-                <a:endParaRPr kumimoji="1" lang="en-US" altLang="zh-CN" dirty="0" smtClean="0"/>
+                <a:endParaRPr kumimoji="1" lang="en-US" altLang="zh-CN" dirty="0"/>
               </a:p>
               <a:p>
                 <a:pPr lvl="1"/>
@@ -16482,7 +16452,7 @@
               </a:p>
               <a:p>
                 <a:r>
-                  <a:rPr kumimoji="1" lang="zh-CN" altLang="en-US" dirty="0" smtClean="0"/>
+                  <a:rPr kumimoji="1" lang="zh-CN" altLang="en-US" dirty="0"/>
                   <a:t>思考：梯度下降一定能得到使损失函数最小的参数值吗？</a:t>
                 </a:r>
                 <a:endParaRPr kumimoji="1" lang="en-US" altLang="zh-CN" dirty="0"/>
@@ -16539,7 +16509,7 @@
               <p:cNvPr id="11" name="矩形 10">
                 <a:extLst>
                   <a:ext uri="{FF2B5EF4-FFF2-40B4-BE49-F238E27FC236}">
-                    <a16:creationId xmlns:a16="http://schemas.microsoft.com/office/drawing/2014/main" xmlns="" id="{25CFE4FA-4ADB-4B82-B875-AA5178D80394}"/>
+                    <a16:creationId xmlns:a16="http://schemas.microsoft.com/office/drawing/2014/main" id="{25CFE4FA-4ADB-4B82-B875-AA5178D80394}"/>
                   </a:ext>
                 </a:extLst>
               </p:cNvPr>
@@ -16578,7 +16548,7 @@
                         <m:dPr>
                           <m:ctrlPr>
                             <a:rPr lang="en-US" altLang="zh-CN" sz="2000" i="1">
-                              <a:latin typeface="Cambria Math" charset="0"/>
+                              <a:latin typeface="Cambria Math" panose="02040503050406030204" pitchFamily="18" charset="0"/>
                             </a:rPr>
                           </m:ctrlPr>
                         </m:dPr>
@@ -16614,7 +16584,7 @@
                           <m:chr m:val="∑"/>
                           <m:ctrlPr>
                             <a:rPr lang="en-US" altLang="zh-CN" sz="2000" i="1">
-                              <a:latin typeface="Cambria Math" charset="0"/>
+                              <a:latin typeface="Cambria Math" panose="02040503050406030204" pitchFamily="18" charset="0"/>
                             </a:rPr>
                           </m:ctrlPr>
                         </m:naryPr>
@@ -16648,7 +16618,7 @@
                             <m:sSupPr>
                               <m:ctrlPr>
                                 <a:rPr lang="en-US" altLang="zh-CN" sz="2000" i="1">
-                                  <a:latin typeface="Cambria Math" charset="0"/>
+                                  <a:latin typeface="Cambria Math" panose="02040503050406030204" pitchFamily="18" charset="0"/>
                                 </a:rPr>
                               </m:ctrlPr>
                             </m:sSupPr>
@@ -16657,7 +16627,7 @@
                                 <m:dPr>
                                   <m:ctrlPr>
                                     <a:rPr lang="en-US" altLang="zh-CN" sz="2000" i="1">
-                                      <a:latin typeface="Cambria Math" charset="0"/>
+                                      <a:latin typeface="Cambria Math" panose="02040503050406030204" pitchFamily="18" charset="0"/>
                                     </a:rPr>
                                   </m:ctrlPr>
                                 </m:dPr>
@@ -16666,7 +16636,7 @@
                                     <m:sSupPr>
                                       <m:ctrlPr>
                                         <a:rPr lang="en-US" altLang="zh-CN" sz="2000" i="1">
-                                          <a:latin typeface="Cambria Math" charset="0"/>
+                                          <a:latin typeface="Cambria Math" panose="02040503050406030204" pitchFamily="18" charset="0"/>
                                         </a:rPr>
                                       </m:ctrlPr>
                                     </m:sSupPr>
@@ -16715,7 +16685,7 @@
                                     <m:dPr>
                                       <m:ctrlPr>
                                         <a:rPr lang="en-US" altLang="zh-CN" sz="2000" i="1">
-                                          <a:latin typeface="Cambria Math" charset="0"/>
+                                          <a:latin typeface="Cambria Math" panose="02040503050406030204" pitchFamily="18" charset="0"/>
                                         </a:rPr>
                                       </m:ctrlPr>
                                     </m:dPr>
@@ -16724,7 +16694,7 @@
                                         <m:sSupPr>
                                           <m:ctrlPr>
                                             <a:rPr lang="en-US" altLang="zh-CN" sz="2000" i="1">
-                                              <a:latin typeface="Cambria Math" charset="0"/>
+                                              <a:latin typeface="Cambria Math" panose="02040503050406030204" pitchFamily="18" charset="0"/>
                                             </a:rPr>
                                           </m:ctrlPr>
                                         </m:sSupPr>
@@ -16897,7 +16867,7 @@
                         <m:fPr>
                           <m:ctrlPr>
                             <a:rPr kumimoji="1" lang="mr-IN" altLang="zh-CN" b="0" i="1" smtClean="0">
-                              <a:latin typeface="Cambria Math" charset="0"/>
+                              <a:latin typeface="Cambria Math" panose="02040503050406030204" pitchFamily="18" charset="0"/>
                             </a:rPr>
                           </m:ctrlPr>
                         </m:fPr>
@@ -16937,10 +16907,10 @@
                     </m:oMath>
                   </m:oMathPara>
                 </a14:m>
-                <a:endParaRPr kumimoji="1" lang="en-US" altLang="zh-CN" b="0" dirty="0" smtClean="0"/>
+                <a:endParaRPr kumimoji="1" lang="en-US" altLang="zh-CN" b="0" dirty="0"/>
               </a:p>
               <a:p>
-                <a:endParaRPr kumimoji="1" lang="en-US" altLang="zh-CN" sz="1000" b="0" dirty="0" smtClean="0"/>
+                <a:endParaRPr kumimoji="1" lang="en-US" altLang="zh-CN" sz="1000" b="0" dirty="0"/>
               </a:p>
               <a:p>
                 <a:pPr/>
@@ -16990,7 +16960,7 @@
                         <m:fPr>
                           <m:ctrlPr>
                             <a:rPr kumimoji="1" lang="mr-IN" altLang="zh-CN" b="0" i="1" smtClean="0">
-                              <a:latin typeface="Cambria Math" charset="0"/>
+                              <a:latin typeface="Cambria Math" panose="02040503050406030204" pitchFamily="18" charset="0"/>
                             </a:rPr>
                           </m:ctrlPr>
                         </m:fPr>
@@ -17120,10 +17090,9 @@
           <a:lstStyle/>
           <a:p>
             <a:r>
-              <a:rPr kumimoji="1" lang="zh-CN" altLang="en-US" dirty="0" smtClean="0"/>
+              <a:rPr kumimoji="1" lang="zh-CN" altLang="en-US" dirty="0"/>
               <a:t>一元线性回归：梯度下降</a:t>
             </a:r>
-            <a:endParaRPr kumimoji="1" lang="zh-CN" altLang="en-US" dirty="0"/>
           </a:p>
         </p:txBody>
       </p:sp>
@@ -17148,59 +17117,51 @@
           <a:lstStyle/>
           <a:p>
             <a:r>
-              <a:rPr kumimoji="1" lang="zh-CN" altLang="en-US" dirty="0" smtClean="0"/>
+              <a:rPr kumimoji="1" lang="zh-CN" altLang="en-US" dirty="0"/>
               <a:t>如果损失函数是单峰函数，则梯度下降可以收敛到</a:t>
             </a:r>
             <a:r>
-              <a:rPr kumimoji="1" lang="zh-CN" altLang="en-US" b="1" dirty="0" smtClean="0"/>
+              <a:rPr kumimoji="1" lang="zh-CN" altLang="en-US" b="1" dirty="0"/>
               <a:t>全局最小值</a:t>
             </a:r>
             <a:r>
-              <a:rPr kumimoji="1" lang="zh-CN" altLang="en-US" dirty="0" smtClean="0"/>
+              <a:rPr kumimoji="1" lang="zh-CN" altLang="en-US" dirty="0"/>
               <a:t>；</a:t>
             </a:r>
-            <a:endParaRPr kumimoji="1" lang="en-US" altLang="zh-CN" dirty="0" smtClean="0"/>
-          </a:p>
-          <a:p>
-            <a:r>
-              <a:rPr kumimoji="1" lang="zh-CN" altLang="en-US" dirty="0" smtClean="0"/>
+            <a:endParaRPr kumimoji="1" lang="en-US" altLang="zh-CN" dirty="0"/>
+          </a:p>
+          <a:p>
+            <a:r>
+              <a:rPr kumimoji="1" lang="zh-CN" altLang="en-US" dirty="0"/>
               <a:t>如果损失函数不保证单峰，则梯度下降只能保证收敛到</a:t>
             </a:r>
             <a:r>
-              <a:rPr kumimoji="1" lang="zh-CN" altLang="en-US" b="1" dirty="0" smtClean="0"/>
+              <a:rPr kumimoji="1" lang="zh-CN" altLang="en-US" b="1" dirty="0"/>
               <a:t>局部最小值</a:t>
             </a:r>
             <a:r>
-              <a:rPr kumimoji="1" lang="zh-CN" altLang="en-US" dirty="0" smtClean="0"/>
+              <a:rPr kumimoji="1" lang="zh-CN" altLang="en-US" dirty="0"/>
               <a:t>。</a:t>
             </a:r>
-            <a:endParaRPr kumimoji="1" lang="en-US" altLang="zh-CN" dirty="0" smtClean="0"/>
-          </a:p>
-          <a:p>
-            <a:r>
-              <a:rPr kumimoji="1" lang="zh-CN" altLang="en-US" dirty="0" smtClean="0">
-                <a:solidFill>
-                  <a:srgbClr val="FF0000"/>
-                </a:solidFill>
-              </a:rPr>
-              <a:t>线性回归的损失函数是单峰凸函数</a:t>
-            </a:r>
+            <a:endParaRPr kumimoji="1" lang="en-US" altLang="zh-CN" dirty="0"/>
+          </a:p>
+          <a:p>
             <a:r>
               <a:rPr kumimoji="1" lang="zh-CN" altLang="en-US" dirty="0">
                 <a:solidFill>
                   <a:srgbClr val="FF0000"/>
                 </a:solidFill>
               </a:rPr>
-              <a:t>。</a:t>
-            </a:r>
-            <a:endParaRPr kumimoji="1" lang="en-US" altLang="zh-CN" dirty="0" smtClean="0">
+              <a:t>线性回归的损失函数是单峰凸函数。</a:t>
+            </a:r>
+            <a:endParaRPr kumimoji="1" lang="en-US" altLang="zh-CN" dirty="0">
               <a:solidFill>
                 <a:srgbClr val="FF0000"/>
               </a:solidFill>
             </a:endParaRPr>
           </a:p>
           <a:p>
-            <a:endParaRPr kumimoji="1" lang="en-US" altLang="zh-CN" dirty="0" smtClean="0"/>
+            <a:endParaRPr kumimoji="1" lang="en-US" altLang="zh-CN" dirty="0"/>
           </a:p>
         </p:txBody>
       </p:sp>
@@ -17249,7 +17210,7 @@
               <a:defRPr/>
             </a:pPr>
             <a:r>
-              <a:rPr lang="zh-CN" altLang="en-US" smtClean="0"/>
+              <a:rPr lang="zh-CN" altLang="en-US"/>
               <a:t>机器学习入门</a:t>
             </a:r>
             <a:endParaRPr lang="en-US" altLang="zh-CN" dirty="0"/>
@@ -17385,10 +17346,9 @@
           <a:lstStyle/>
           <a:p>
             <a:r>
-              <a:rPr kumimoji="1" lang="zh-CN" altLang="en-US" dirty="0" smtClean="0"/>
+              <a:rPr kumimoji="1" lang="zh-CN" altLang="en-US" dirty="0"/>
               <a:t>一元线性回归：学习率</a:t>
             </a:r>
-            <a:endParaRPr kumimoji="1" lang="zh-CN" altLang="en-US" dirty="0"/>
           </a:p>
         </p:txBody>
       </p:sp>
@@ -17415,31 +17375,31 @@
               <a:lstStyle/>
               <a:p>
                 <a:r>
-                  <a:rPr kumimoji="1" lang="zh-CN" altLang="en-US" dirty="0" smtClean="0">
+                  <a:rPr kumimoji="1" lang="zh-CN" altLang="en-US" dirty="0">
                     <a:sym typeface="Wingdings"/>
                   </a:rPr>
                   <a:t>迭代式：</a:t>
                 </a:r>
-                <a:endParaRPr kumimoji="1" lang="en-US" altLang="zh-CN" dirty="0" smtClean="0">
+                <a:endParaRPr kumimoji="1" lang="en-US" altLang="zh-CN" dirty="0">
                   <a:sym typeface="Wingdings"/>
                 </a:endParaRPr>
               </a:p>
               <a:p>
-                <a:endParaRPr kumimoji="1" lang="en-US" altLang="zh-CN" dirty="0" smtClean="0">
+                <a:endParaRPr kumimoji="1" lang="en-US" altLang="zh-CN" dirty="0">
                   <a:ea typeface="Cambria Math" charset="0"/>
                   <a:cs typeface="Cambria Math" charset="0"/>
                   <a:sym typeface="Wingdings"/>
                 </a:endParaRPr>
               </a:p>
               <a:p>
-                <a:endParaRPr kumimoji="1" lang="en-US" altLang="zh-CN" dirty="0" smtClean="0">
+                <a:endParaRPr kumimoji="1" lang="en-US" altLang="zh-CN" dirty="0">
                   <a:ea typeface="Cambria Math" charset="0"/>
                   <a:cs typeface="Cambria Math" charset="0"/>
                   <a:sym typeface="Wingdings"/>
                 </a:endParaRPr>
               </a:p>
               <a:p>
-                <a:endParaRPr kumimoji="1" lang="en-US" altLang="zh-CN" dirty="0" smtClean="0">
+                <a:endParaRPr kumimoji="1" lang="en-US" altLang="zh-CN" dirty="0">
                   <a:ea typeface="Cambria Math" charset="0"/>
                   <a:cs typeface="Cambria Math" charset="0"/>
                   <a:sym typeface="Wingdings"/>
@@ -17447,7 +17407,7 @@
               </a:p>
               <a:p>
                 <a:r>
-                  <a:rPr kumimoji="1" lang="zh-CN" altLang="en-US" dirty="0" smtClean="0"/>
+                  <a:rPr kumimoji="1" lang="zh-CN" altLang="en-US" dirty="0"/>
                   <a:t>其中，</a:t>
                 </a:r>
                 <a14:m>
@@ -17462,15 +17422,15 @@
                   </m:oMath>
                 </a14:m>
                 <a:r>
-                  <a:rPr kumimoji="1" lang="zh-CN" altLang="en-US" dirty="0" smtClean="0"/>
+                  <a:rPr kumimoji="1" lang="zh-CN" altLang="en-US" dirty="0"/>
                   <a:t>被称为学习率（一般需要手动设置）：</a:t>
                 </a:r>
-                <a:endParaRPr kumimoji="1" lang="en-US" altLang="zh-CN" dirty="0" smtClean="0"/>
+                <a:endParaRPr kumimoji="1" lang="en-US" altLang="zh-CN" dirty="0"/>
               </a:p>
               <a:p>
                 <a:pPr lvl="1"/>
                 <a:r>
-                  <a:rPr kumimoji="1" lang="zh-CN" altLang="en-US" dirty="0" smtClean="0"/>
+                  <a:rPr kumimoji="1" lang="zh-CN" altLang="en-US" dirty="0"/>
                   <a:t>如果</a:t>
                 </a:r>
                 <a14:m>
@@ -17485,15 +17445,15 @@
                   </m:oMath>
                 </a14:m>
                 <a:r>
-                  <a:rPr kumimoji="1" lang="zh-CN" altLang="en-US" dirty="0" smtClean="0"/>
+                  <a:rPr kumimoji="1" lang="zh-CN" altLang="en-US" dirty="0"/>
                   <a:t>设置的过小：梯度下降过程会很慢；</a:t>
                 </a:r>
-                <a:endParaRPr kumimoji="1" lang="en-US" altLang="zh-CN" dirty="0" smtClean="0"/>
+                <a:endParaRPr kumimoji="1" lang="en-US" altLang="zh-CN" dirty="0"/>
               </a:p>
               <a:p>
                 <a:pPr lvl="1"/>
                 <a:r>
-                  <a:rPr kumimoji="1" lang="zh-CN" altLang="en-US" dirty="0" smtClean="0"/>
+                  <a:rPr kumimoji="1" lang="zh-CN" altLang="en-US" dirty="0"/>
                   <a:t>如果</a:t>
                 </a:r>
                 <a14:m>
@@ -17508,42 +17468,42 @@
                   </m:oMath>
                 </a14:m>
                 <a:r>
-                  <a:rPr kumimoji="1" lang="zh-CN" altLang="en-US" dirty="0" smtClean="0"/>
+                  <a:rPr kumimoji="1" lang="zh-CN" altLang="en-US" dirty="0"/>
                   <a:t>设置的过大：梯度下降可能越过最小值，甚至导致损失函数的不收敛。</a:t>
                 </a:r>
-                <a:endParaRPr kumimoji="1" lang="en-US" altLang="zh-CN" dirty="0" smtClean="0"/>
+                <a:endParaRPr kumimoji="1" lang="en-US" altLang="zh-CN" dirty="0"/>
               </a:p>
               <a:p>
                 <a:pPr lvl="1"/>
                 <a:r>
-                  <a:rPr kumimoji="1" lang="zh-CN" altLang="en-US" dirty="0" smtClean="0"/>
+                  <a:rPr kumimoji="1" lang="zh-CN" altLang="en-US" dirty="0"/>
                   <a:t>一般情况下，学习率设置在</a:t>
                 </a:r>
                 <a:r>
-                  <a:rPr kumimoji="1" lang="en-US" altLang="zh-CN" dirty="0" smtClean="0"/>
+                  <a:rPr kumimoji="1" lang="en-US" altLang="zh-CN" dirty="0"/>
                   <a:t>10</a:t>
                 </a:r>
                 <a:r>
-                  <a:rPr kumimoji="1" lang="en-US" altLang="zh-CN" baseline="30000" dirty="0" smtClean="0"/>
+                  <a:rPr kumimoji="1" lang="en-US" altLang="zh-CN" baseline="30000" dirty="0"/>
                   <a:t>-4</a:t>
                 </a:r>
                 <a:r>
-                  <a:rPr kumimoji="1" lang="zh-CN" altLang="en-US" dirty="0" smtClean="0"/>
+                  <a:rPr kumimoji="1" lang="zh-CN" altLang="en-US" dirty="0"/>
                   <a:t>到</a:t>
                 </a:r>
                 <a:r>
-                  <a:rPr kumimoji="1" lang="en-US" altLang="zh-CN" dirty="0" smtClean="0"/>
+                  <a:rPr kumimoji="1" lang="en-US" altLang="zh-CN" dirty="0"/>
                   <a:t>10</a:t>
                 </a:r>
                 <a:r>
-                  <a:rPr kumimoji="1" lang="en-US" altLang="zh-CN" baseline="30000" dirty="0" smtClean="0"/>
+                  <a:rPr kumimoji="1" lang="en-US" altLang="zh-CN" baseline="30000" dirty="0"/>
                   <a:t>-2</a:t>
                 </a:r>
                 <a:r>
-                  <a:rPr kumimoji="1" lang="zh-CN" altLang="en-US" dirty="0" smtClean="0"/>
+                  <a:rPr kumimoji="1" lang="zh-CN" altLang="en-US" dirty="0"/>
                   <a:t>之间。</a:t>
                 </a:r>
-                <a:endParaRPr kumimoji="1" lang="en-US" altLang="zh-CN" dirty="0" smtClean="0"/>
+                <a:endParaRPr kumimoji="1" lang="en-US" altLang="zh-CN" dirty="0"/>
               </a:p>
               <a:p>
                 <a:endParaRPr kumimoji="1" lang="zh-CN" altLang="en-US" dirty="0"/>
@@ -17634,7 +17594,7 @@
               <a:defRPr/>
             </a:pPr>
             <a:r>
-              <a:rPr lang="zh-CN" altLang="en-US" smtClean="0"/>
+              <a:rPr lang="zh-CN" altLang="en-US"/>
               <a:t>机器学习入门</a:t>
             </a:r>
             <a:endParaRPr lang="en-US" altLang="zh-CN" dirty="0"/>
@@ -17771,7 +17731,7 @@
                         <m:fPr>
                           <m:ctrlPr>
                             <a:rPr kumimoji="1" lang="mr-IN" altLang="zh-CN" b="0" i="1" smtClean="0">
-                              <a:latin typeface="Cambria Math" charset="0"/>
+                              <a:latin typeface="Cambria Math" panose="02040503050406030204" pitchFamily="18" charset="0"/>
                             </a:rPr>
                           </m:ctrlPr>
                         </m:fPr>
@@ -17811,10 +17771,10 @@
                     </m:oMath>
                   </m:oMathPara>
                 </a14:m>
-                <a:endParaRPr kumimoji="1" lang="en-US" altLang="zh-CN" b="0" dirty="0" smtClean="0"/>
+                <a:endParaRPr kumimoji="1" lang="en-US" altLang="zh-CN" b="0" dirty="0"/>
               </a:p>
               <a:p>
-                <a:endParaRPr kumimoji="1" lang="en-US" altLang="zh-CN" sz="1000" b="0" dirty="0" smtClean="0"/>
+                <a:endParaRPr kumimoji="1" lang="en-US" altLang="zh-CN" sz="1000" b="0" dirty="0"/>
               </a:p>
               <a:p>
                 <a:pPr/>
@@ -17864,7 +17824,7 @@
                         <m:fPr>
                           <m:ctrlPr>
                             <a:rPr kumimoji="1" lang="mr-IN" altLang="zh-CN" b="0" i="1" smtClean="0">
-                              <a:latin typeface="Cambria Math" charset="0"/>
+                              <a:latin typeface="Cambria Math" panose="02040503050406030204" pitchFamily="18" charset="0"/>
                             </a:rPr>
                           </m:ctrlPr>
                         </m:fPr>
@@ -17994,10 +17954,9 @@
           <a:lstStyle/>
           <a:p>
             <a:r>
-              <a:rPr kumimoji="1" lang="zh-CN" altLang="en-US" dirty="0" smtClean="0"/>
+              <a:rPr kumimoji="1" lang="zh-CN" altLang="en-US" dirty="0"/>
               <a:t>一元线性回归：梯度下降*</a:t>
             </a:r>
-            <a:endParaRPr kumimoji="1" lang="zh-CN" altLang="en-US" dirty="0"/>
           </a:p>
         </p:txBody>
       </p:sp>
@@ -18017,132 +17976,112 @@
           <a:lstStyle/>
           <a:p>
             <a:r>
-              <a:rPr kumimoji="1" lang="zh-CN" altLang="en-US" dirty="0" smtClean="0"/>
+              <a:rPr kumimoji="1" lang="zh-CN" altLang="en-US" dirty="0"/>
               <a:t>批量梯度下降法（</a:t>
             </a:r>
             <a:r>
-              <a:rPr lang="en-US" altLang="zh-CN" dirty="0" smtClean="0"/>
-              <a:t>Batch </a:t>
-            </a:r>
-            <a:r>
               <a:rPr lang="en-US" altLang="zh-CN" dirty="0"/>
-              <a:t>Gradient </a:t>
-            </a:r>
-            <a:r>
-              <a:rPr lang="en-US" altLang="zh-CN" dirty="0" smtClean="0"/>
-              <a:t>Descent,</a:t>
-            </a:r>
-            <a:r>
-              <a:rPr lang="zh-CN" altLang="en-US" dirty="0" smtClean="0"/>
+              <a:t>Batch Gradient Descent,</a:t>
+            </a:r>
+            <a:r>
+              <a:rPr lang="zh-CN" altLang="en-US" dirty="0"/>
               <a:t> </a:t>
             </a:r>
             <a:r>
-              <a:rPr lang="en-US" altLang="zh-CN" dirty="0" smtClean="0"/>
+              <a:rPr lang="en-US" altLang="zh-CN" dirty="0"/>
               <a:t>BGD</a:t>
             </a:r>
             <a:r>
-              <a:rPr kumimoji="1" lang="zh-CN" altLang="en-US" dirty="0" smtClean="0"/>
+              <a:rPr kumimoji="1" lang="zh-CN" altLang="en-US" dirty="0"/>
               <a:t>）：使用训练集的所有样本来计算梯度</a:t>
             </a:r>
-            <a:endParaRPr kumimoji="1" lang="en-US" altLang="zh-CN" dirty="0" smtClean="0"/>
+            <a:endParaRPr kumimoji="1" lang="en-US" altLang="zh-CN" dirty="0"/>
           </a:p>
           <a:p>
             <a:pPr lvl="1"/>
             <a:r>
-              <a:rPr kumimoji="1" lang="zh-CN" altLang="en-US" dirty="0" smtClean="0"/>
+              <a:rPr kumimoji="1" lang="zh-CN" altLang="en-US" dirty="0"/>
               <a:t>优点：可以得到最优解</a:t>
             </a:r>
-            <a:endParaRPr kumimoji="1" lang="en-US" altLang="zh-CN" dirty="0" smtClean="0"/>
+            <a:endParaRPr kumimoji="1" lang="en-US" altLang="zh-CN" dirty="0"/>
           </a:p>
           <a:p>
             <a:pPr lvl="1"/>
             <a:r>
-              <a:rPr kumimoji="1" lang="zh-CN" altLang="en-US" dirty="0" smtClean="0"/>
+              <a:rPr kumimoji="1" lang="zh-CN" altLang="en-US" dirty="0"/>
               <a:t>缺点：当样本数量很多时，训练过程很慢</a:t>
             </a:r>
-            <a:endParaRPr kumimoji="1" lang="en-US" altLang="zh-CN" dirty="0" smtClean="0"/>
-          </a:p>
-          <a:p>
-            <a:r>
-              <a:rPr kumimoji="1" lang="zh-CN" altLang="en-US" dirty="0" smtClean="0"/>
-              <a:t>随机梯度下降</a:t>
-            </a:r>
+            <a:endParaRPr kumimoji="1" lang="en-US" altLang="zh-CN" dirty="0"/>
+          </a:p>
+          <a:p>
             <a:r>
               <a:rPr kumimoji="1" lang="zh-CN" altLang="en-US" dirty="0"/>
-              <a:t>法</a:t>
-            </a:r>
-            <a:r>
-              <a:rPr kumimoji="1" lang="zh-CN" altLang="en-US" dirty="0" smtClean="0"/>
-              <a:t>（</a:t>
-            </a:r>
-            <a:r>
-              <a:rPr kumimoji="1" lang="en-US" altLang="zh-CN" dirty="0" smtClean="0"/>
+              <a:t>随机梯度下降法（</a:t>
+            </a:r>
+            <a:r>
+              <a:rPr kumimoji="1" lang="en-US" altLang="zh-CN" dirty="0"/>
               <a:t>Stochastic Gradient Descent,</a:t>
             </a:r>
             <a:r>
-              <a:rPr kumimoji="1" lang="zh-CN" altLang="en-US" dirty="0" smtClean="0"/>
+              <a:rPr kumimoji="1" lang="zh-CN" altLang="en-US" dirty="0"/>
               <a:t> </a:t>
             </a:r>
             <a:r>
-              <a:rPr kumimoji="1" lang="en-US" altLang="zh-CN" dirty="0" smtClean="0"/>
+              <a:rPr kumimoji="1" lang="en-US" altLang="zh-CN" dirty="0"/>
               <a:t>SGD</a:t>
             </a:r>
             <a:r>
-              <a:rPr kumimoji="1" lang="zh-CN" altLang="en-US" dirty="0" smtClean="0"/>
+              <a:rPr kumimoji="1" lang="zh-CN" altLang="en-US" dirty="0"/>
               <a:t>）：从训练集中随机选取一个样本来计算梯度</a:t>
             </a:r>
-            <a:endParaRPr kumimoji="1" lang="en-US" altLang="zh-CN" dirty="0" smtClean="0"/>
+            <a:endParaRPr kumimoji="1" lang="en-US" altLang="zh-CN" dirty="0"/>
           </a:p>
           <a:p>
             <a:pPr lvl="1"/>
             <a:r>
-              <a:rPr kumimoji="1" lang="zh-CN" altLang="en-US" dirty="0" smtClean="0"/>
+              <a:rPr kumimoji="1" lang="zh-CN" altLang="en-US" dirty="0"/>
               <a:t>优点：训练速度快</a:t>
             </a:r>
-            <a:endParaRPr kumimoji="1" lang="en-US" altLang="zh-CN" dirty="0" smtClean="0"/>
+            <a:endParaRPr kumimoji="1" lang="en-US" altLang="zh-CN" dirty="0"/>
           </a:p>
           <a:p>
             <a:pPr lvl="1"/>
             <a:r>
-              <a:rPr kumimoji="1" lang="zh-CN" altLang="en-US" dirty="0" smtClean="0"/>
+              <a:rPr kumimoji="1" lang="zh-CN" altLang="en-US" dirty="0"/>
               <a:t>缺点：准确度下降，不一定保证最优；迭代次数较多</a:t>
             </a:r>
-            <a:endParaRPr kumimoji="1" lang="en-US" altLang="zh-CN" dirty="0" smtClean="0"/>
-          </a:p>
-          <a:p>
-            <a:r>
-              <a:rPr kumimoji="1" lang="zh-CN" altLang="en-US" dirty="0" smtClean="0"/>
+            <a:endParaRPr kumimoji="1" lang="en-US" altLang="zh-CN" dirty="0"/>
+          </a:p>
+          <a:p>
+            <a:r>
+              <a:rPr kumimoji="1" lang="zh-CN" altLang="en-US" dirty="0"/>
               <a:t>小批量梯度下降法（</a:t>
             </a:r>
             <a:r>
               <a:rPr kumimoji="1" lang="en-US" altLang="zh-CN" dirty="0"/>
-              <a:t>Mini-batch Gradient </a:t>
-            </a:r>
-            <a:r>
-              <a:rPr kumimoji="1" lang="en-US" altLang="zh-CN" dirty="0" smtClean="0"/>
-              <a:t>Descent,</a:t>
-            </a:r>
-            <a:r>
-              <a:rPr kumimoji="1" lang="zh-CN" altLang="en-US" dirty="0" smtClean="0"/>
+              <a:t>Mini-batch Gradient Descent,</a:t>
+            </a:r>
+            <a:r>
+              <a:rPr kumimoji="1" lang="zh-CN" altLang="en-US" dirty="0"/>
               <a:t> </a:t>
             </a:r>
             <a:r>
-              <a:rPr kumimoji="1" lang="en-US" altLang="zh-CN" dirty="0" smtClean="0"/>
+              <a:rPr kumimoji="1" lang="en-US" altLang="zh-CN" dirty="0"/>
               <a:t>MBGD</a:t>
             </a:r>
             <a:r>
-              <a:rPr kumimoji="1" lang="zh-CN" altLang="en-US" dirty="0" smtClean="0"/>
+              <a:rPr kumimoji="1" lang="zh-CN" altLang="en-US" dirty="0"/>
               <a:t>）：从训练集中随机挑选若干个样本来计算梯度</a:t>
             </a:r>
-            <a:endParaRPr kumimoji="1" lang="en-US" altLang="zh-CN" dirty="0" smtClean="0"/>
+            <a:endParaRPr kumimoji="1" lang="en-US" altLang="zh-CN" dirty="0"/>
           </a:p>
           <a:p>
             <a:pPr lvl="1"/>
             <a:r>
-              <a:rPr kumimoji="1" lang="zh-CN" altLang="en-US" dirty="0" smtClean="0"/>
+              <a:rPr kumimoji="1" lang="zh-CN" altLang="en-US" dirty="0"/>
               <a:t>兼顾前两种方法的优点</a:t>
             </a:r>
-            <a:endParaRPr kumimoji="1" lang="en-US" altLang="zh-CN" dirty="0" smtClean="0"/>
+            <a:endParaRPr kumimoji="1" lang="en-US" altLang="zh-CN" dirty="0"/>
           </a:p>
           <a:p>
             <a:endParaRPr kumimoji="1" lang="zh-CN" altLang="en-US" dirty="0"/>
@@ -18194,7 +18133,7 @@
               <a:defRPr/>
             </a:pPr>
             <a:r>
-              <a:rPr lang="zh-CN" altLang="en-US" smtClean="0"/>
+              <a:rPr lang="zh-CN" altLang="en-US"/>
               <a:t>机器学习入门</a:t>
             </a:r>
             <a:endParaRPr lang="en-US" altLang="zh-CN" dirty="0"/>
@@ -18237,7 +18176,7 @@
               <p:cNvPr id="7" name="矩形 6">
                 <a:extLst>
                   <a:ext uri="{FF2B5EF4-FFF2-40B4-BE49-F238E27FC236}">
-                    <a16:creationId xmlns:a16="http://schemas.microsoft.com/office/drawing/2014/main" xmlns="" id="{25CFE4FA-4ADB-4B82-B875-AA5178D80394}"/>
+                    <a16:creationId xmlns:a16="http://schemas.microsoft.com/office/drawing/2014/main" id="{25CFE4FA-4ADB-4B82-B875-AA5178D80394}"/>
                   </a:ext>
                 </a:extLst>
               </p:cNvPr>
@@ -18276,7 +18215,7 @@
                         <m:dPr>
                           <m:ctrlPr>
                             <a:rPr lang="en-US" altLang="zh-CN" sz="2000" i="1">
-                              <a:latin typeface="Cambria Math" charset="0"/>
+                              <a:latin typeface="Cambria Math" panose="02040503050406030204" pitchFamily="18" charset="0"/>
                             </a:rPr>
                           </m:ctrlPr>
                         </m:dPr>
@@ -18312,7 +18251,7 @@
                           <m:chr m:val="∑"/>
                           <m:ctrlPr>
                             <a:rPr lang="en-US" altLang="zh-CN" sz="2000" i="1">
-                              <a:latin typeface="Cambria Math" charset="0"/>
+                              <a:latin typeface="Cambria Math" panose="02040503050406030204" pitchFamily="18" charset="0"/>
                             </a:rPr>
                           </m:ctrlPr>
                         </m:naryPr>
@@ -18346,7 +18285,7 @@
                             <m:sSupPr>
                               <m:ctrlPr>
                                 <a:rPr lang="en-US" altLang="zh-CN" sz="2000" i="1">
-                                  <a:latin typeface="Cambria Math" charset="0"/>
+                                  <a:latin typeface="Cambria Math" panose="02040503050406030204" pitchFamily="18" charset="0"/>
                                 </a:rPr>
                               </m:ctrlPr>
                             </m:sSupPr>
@@ -18355,7 +18294,7 @@
                                 <m:dPr>
                                   <m:ctrlPr>
                                     <a:rPr lang="en-US" altLang="zh-CN" sz="2000" i="1">
-                                      <a:latin typeface="Cambria Math" charset="0"/>
+                                      <a:latin typeface="Cambria Math" panose="02040503050406030204" pitchFamily="18" charset="0"/>
                                     </a:rPr>
                                   </m:ctrlPr>
                                 </m:dPr>
@@ -18364,7 +18303,7 @@
                                     <m:sSupPr>
                                       <m:ctrlPr>
                                         <a:rPr lang="en-US" altLang="zh-CN" sz="2000" i="1">
-                                          <a:latin typeface="Cambria Math" charset="0"/>
+                                          <a:latin typeface="Cambria Math" panose="02040503050406030204" pitchFamily="18" charset="0"/>
                                         </a:rPr>
                                       </m:ctrlPr>
                                     </m:sSupPr>
@@ -18413,7 +18352,7 @@
                                     <m:dPr>
                                       <m:ctrlPr>
                                         <a:rPr lang="en-US" altLang="zh-CN" sz="2000" i="1">
-                                          <a:latin typeface="Cambria Math" charset="0"/>
+                                          <a:latin typeface="Cambria Math" panose="02040503050406030204" pitchFamily="18" charset="0"/>
                                         </a:rPr>
                                       </m:ctrlPr>
                                     </m:dPr>
@@ -18422,7 +18361,7 @@
                                         <m:sSupPr>
                                           <m:ctrlPr>
                                             <a:rPr lang="en-US" altLang="zh-CN" sz="2000" i="1">
-                                              <a:latin typeface="Cambria Math" charset="0"/>
+                                              <a:latin typeface="Cambria Math" panose="02040503050406030204" pitchFamily="18" charset="0"/>
                                             </a:rPr>
                                           </m:ctrlPr>
                                         </m:sSupPr>
@@ -18570,10 +18509,9 @@
           <a:lstStyle/>
           <a:p>
             <a:r>
-              <a:rPr kumimoji="1" lang="zh-CN" altLang="en-US" dirty="0" smtClean="0"/>
+              <a:rPr kumimoji="1" lang="zh-CN" altLang="en-US" dirty="0"/>
               <a:t>多元线性回归</a:t>
             </a:r>
-            <a:endParaRPr kumimoji="1" lang="zh-CN" altLang="en-US" dirty="0"/>
           </a:p>
         </p:txBody>
       </p:sp>
@@ -18595,11 +18533,11 @@
               <a:lstStyle/>
               <a:p>
                 <a:r>
-                  <a:rPr kumimoji="1" lang="zh-CN" altLang="en-US" dirty="0" smtClean="0"/>
+                  <a:rPr kumimoji="1" lang="zh-CN" altLang="en-US" dirty="0"/>
                   <a:t>一元线性回归是</a:t>
                 </a:r>
                 <a:r>
-                  <a:rPr kumimoji="1" lang="zh-CN" altLang="en-US" dirty="0" smtClean="0">
+                  <a:rPr kumimoji="1" lang="zh-CN" altLang="en-US" dirty="0">
                     <a:solidFill>
                       <a:srgbClr val="FF0000"/>
                     </a:solidFill>
@@ -18607,17 +18545,17 @@
                   <a:t>多元线性回归</a:t>
                 </a:r>
                 <a:r>
-                  <a:rPr kumimoji="1" lang="zh-CN" altLang="en-US" dirty="0" smtClean="0"/>
+                  <a:rPr kumimoji="1" lang="zh-CN" altLang="en-US" dirty="0"/>
                   <a:t>的一个特例，即只有一个特征的线性回归。</a:t>
                 </a:r>
-                <a:endParaRPr kumimoji="1" lang="en-US" altLang="zh-CN" dirty="0" smtClean="0"/>
+                <a:endParaRPr kumimoji="1" lang="en-US" altLang="zh-CN" dirty="0"/>
               </a:p>
               <a:p>
-                <a:endParaRPr kumimoji="1" lang="en-US" altLang="zh-CN" dirty="0" smtClean="0"/>
+                <a:endParaRPr kumimoji="1" lang="en-US" altLang="zh-CN" dirty="0"/>
               </a:p>
               <a:p>
                 <a:r>
-                  <a:rPr kumimoji="1" lang="zh-CN" altLang="en-US" dirty="0" smtClean="0"/>
+                  <a:rPr kumimoji="1" lang="zh-CN" altLang="en-US" dirty="0"/>
                   <a:t>符号表示：</a:t>
                 </a:r>
                 <a:endParaRPr kumimoji="1" lang="en-US" altLang="zh-CN" dirty="0"/>
@@ -18625,14 +18563,14 @@
               <a:p>
                 <a:pPr lvl="1"/>
                 <a:r>
-                  <a:rPr lang="en-US" altLang="zh-CN" b="1" i="1" dirty="0" smtClean="0">
+                  <a:rPr lang="en-US" altLang="zh-CN" b="1" i="1" dirty="0">
                     <a:latin typeface="Times New Roman" panose="02020603050405020304" pitchFamily="18" charset="0"/>
                     <a:cs typeface="Times New Roman" panose="02020603050405020304" pitchFamily="18" charset="0"/>
                   </a:rPr>
                   <a:t>X</a:t>
                 </a:r>
                 <a:r>
-                  <a:rPr lang="en-US" altLang="zh-CN" dirty="0" smtClean="0"/>
+                  <a:rPr lang="en-US" altLang="zh-CN" dirty="0"/>
                   <a:t>: </a:t>
                 </a:r>
                 <a:r>
@@ -18649,13 +18587,8 @@
                 </a:r>
                 <a:r>
                   <a:rPr lang="en-US" altLang="zh-CN" dirty="0"/>
-                  <a:t>(feature</a:t>
+                  <a:t>(feature)</a:t>
                 </a:r>
-                <a:r>
-                  <a:rPr lang="en-US" altLang="zh-CN" dirty="0" smtClean="0"/>
-                  <a:t>)</a:t>
-                </a:r>
-                <a:endParaRPr lang="en-US" altLang="zh-CN" dirty="0"/>
               </a:p>
               <a:p>
                 <a:pPr lvl="1"/>
@@ -18684,11 +18617,7 @@
                 </a:r>
                 <a:r>
                   <a:rPr lang="en-US" altLang="zh-CN" dirty="0"/>
-                  <a:t>(target</a:t>
-                </a:r>
-                <a:r>
-                  <a:rPr lang="en-US" altLang="zh-CN" dirty="0" smtClean="0"/>
-                  <a:t>)</a:t>
+                  <a:t>(target)</a:t>
                 </a:r>
               </a:p>
               <a:p>
@@ -18699,7 +18628,7 @@
                       <m:sSubSupPr>
                         <m:ctrlPr>
                           <a:rPr lang="en-US" altLang="zh-CN" i="1">
-                            <a:latin typeface="Cambria Math" charset="0"/>
+                            <a:latin typeface="Cambria Math" panose="02040503050406030204" pitchFamily="18" charset="0"/>
                           </a:rPr>
                         </m:ctrlPr>
                       </m:sSubSupPr>
@@ -18724,7 +18653,7 @@
                           <m:dPr>
                             <m:ctrlPr>
                               <a:rPr lang="en-US" altLang="zh-CN" i="1">
-                                <a:latin typeface="Cambria Math" charset="0"/>
+                                <a:latin typeface="Cambria Math" panose="02040503050406030204" pitchFamily="18" charset="0"/>
                               </a:rPr>
                             </m:ctrlPr>
                           </m:dPr>
@@ -18763,11 +18692,7 @@
                 </a:r>
                 <a:r>
                   <a:rPr lang="zh-CN" altLang="en-US" dirty="0"/>
-                  <a:t>个</a:t>
-                </a:r>
-                <a:r>
-                  <a:rPr lang="zh-CN" altLang="en-US" dirty="0" smtClean="0"/>
-                  <a:t>特征</a:t>
+                  <a:t>个特征</a:t>
                 </a:r>
                 <a:endParaRPr lang="en-US" altLang="zh-CN" dirty="0"/>
               </a:p>
@@ -18779,7 +18704,7 @@
                       <m:dPr>
                         <m:ctrlPr>
                           <a:rPr lang="en-US" altLang="zh-CN" i="1">
-                            <a:latin typeface="Cambria Math" charset="0"/>
+                            <a:latin typeface="Cambria Math" panose="02040503050406030204" pitchFamily="18" charset="0"/>
                           </a:rPr>
                         </m:ctrlPr>
                       </m:dPr>
@@ -18788,7 +18713,7 @@
                           <m:sSupPr>
                             <m:ctrlPr>
                               <a:rPr lang="en-US" altLang="zh-CN" i="1">
-                                <a:latin typeface="Cambria Math" charset="0"/>
+                                <a:latin typeface="Cambria Math" panose="02040503050406030204" pitchFamily="18" charset="0"/>
                               </a:rPr>
                             </m:ctrlPr>
                           </m:sSupPr>
@@ -18805,7 +18730,7 @@
                               <m:dPr>
                                 <m:ctrlPr>
                                   <a:rPr lang="en-US" altLang="zh-CN" i="1">
-                                    <a:latin typeface="Cambria Math" charset="0"/>
+                                    <a:latin typeface="Cambria Math" panose="02040503050406030204" pitchFamily="18" charset="0"/>
                                   </a:rPr>
                                 </m:ctrlPr>
                               </m:dPr>
@@ -18830,7 +18755,7 @@
                           <m:sSupPr>
                             <m:ctrlPr>
                               <a:rPr lang="en-US" altLang="zh-CN" i="1">
-                                <a:latin typeface="Cambria Math" charset="0"/>
+                                <a:latin typeface="Cambria Math" panose="02040503050406030204" pitchFamily="18" charset="0"/>
                               </a:rPr>
                             </m:ctrlPr>
                           </m:sSupPr>
@@ -18847,7 +18772,7 @@
                               <m:dPr>
                                 <m:ctrlPr>
                                   <a:rPr lang="en-US" altLang="zh-CN" i="1">
-                                    <a:latin typeface="Cambria Math" charset="0"/>
+                                    <a:latin typeface="Cambria Math" panose="02040503050406030204" pitchFamily="18" charset="0"/>
                                   </a:rPr>
                                 </m:ctrlPr>
                               </m:dPr>
@@ -18867,7 +18792,7 @@
                   </m:oMath>
                 </a14:m>
                 <a:r>
-                  <a:rPr lang="en-US" altLang="zh-CN" dirty="0" smtClean="0"/>
+                  <a:rPr lang="en-US" altLang="zh-CN" dirty="0"/>
                   <a:t>: </a:t>
                 </a:r>
                 <a:r>
@@ -18884,11 +18809,7 @@
                 </a:r>
                 <a:r>
                   <a:rPr lang="en-US" altLang="zh-CN" dirty="0"/>
-                  <a:t>(training example</a:t>
-                </a:r>
-                <a:r>
-                  <a:rPr lang="en-US" altLang="zh-CN" dirty="0" smtClean="0"/>
-                  <a:t>)</a:t>
+                  <a:t>(training example)</a:t>
                 </a:r>
               </a:p>
               <a:p>
@@ -18906,14 +18827,14 @@
                   </m:oMath>
                 </a14:m>
                 <a:r>
-                  <a:rPr lang="en-US" altLang="zh-CN" dirty="0" smtClean="0"/>
+                  <a:rPr lang="en-US" altLang="zh-CN" dirty="0"/>
                   <a:t>:</a:t>
                 </a:r>
                 <a:r>
-                  <a:rPr lang="zh-CN" altLang="en-US" dirty="0" smtClean="0"/>
+                  <a:rPr lang="zh-CN" altLang="en-US" dirty="0"/>
                   <a:t> 表示样本数量</a:t>
                 </a:r>
-                <a:endParaRPr lang="en-US" altLang="zh-CN" dirty="0" smtClean="0"/>
+                <a:endParaRPr lang="en-US" altLang="zh-CN" dirty="0"/>
               </a:p>
               <a:p>
                 <a:pPr lvl="1"/>
@@ -18928,21 +18849,21 @@
                   </m:oMath>
                 </a14:m>
                 <a:r>
-                  <a:rPr lang="en-US" altLang="zh-CN" dirty="0" smtClean="0"/>
+                  <a:rPr lang="en-US" altLang="zh-CN" dirty="0"/>
                   <a:t>:</a:t>
                 </a:r>
                 <a:r>
-                  <a:rPr lang="zh-CN" altLang="en-US" dirty="0" smtClean="0"/>
+                  <a:rPr lang="zh-CN" altLang="en-US" dirty="0"/>
                   <a:t> 表示特征数量</a:t>
                 </a:r>
                 <a:endParaRPr lang="en-US" altLang="zh-CN" dirty="0"/>
               </a:p>
               <a:p>
                 <a:pPr lvl="1"/>
-                <a:endParaRPr lang="en-US" altLang="zh-CN" dirty="0" smtClean="0"/>
+                <a:endParaRPr lang="en-US" altLang="zh-CN" dirty="0"/>
               </a:p>
               <a:p>
-                <a:endParaRPr kumimoji="1" lang="en-US" altLang="zh-CN" dirty="0" smtClean="0"/>
+                <a:endParaRPr kumimoji="1" lang="en-US" altLang="zh-CN" dirty="0"/>
               </a:p>
               <a:p>
                 <a:endParaRPr kumimoji="1" lang="zh-CN" altLang="en-US" dirty="0"/>
@@ -19029,7 +18950,7 @@
               <a:defRPr/>
             </a:pPr>
             <a:r>
-              <a:rPr lang="zh-CN" altLang="en-US" smtClean="0"/>
+              <a:rPr lang="zh-CN" altLang="en-US"/>
               <a:t>机器学习入门</a:t>
             </a:r>
             <a:endParaRPr lang="en-US" altLang="zh-CN" dirty="0"/>
@@ -19072,7 +18993,7 @@
               <p:cNvPr id="7" name="内容占位符 6">
                 <a:extLst>
                   <a:ext uri="{FF2B5EF4-FFF2-40B4-BE49-F238E27FC236}">
-                    <a16:creationId xmlns:a16="http://schemas.microsoft.com/office/drawing/2014/main" xmlns="" id="{EB980026-D29F-4C6E-9BFC-18210325D87E}"/>
+                    <a16:creationId xmlns:a16="http://schemas.microsoft.com/office/drawing/2014/main" id="{EB980026-D29F-4C6E-9BFC-18210325D87E}"/>
                   </a:ext>
                 </a:extLst>
               </p:cNvPr>
@@ -19101,16 +19022,28 @@
                     <a:gridCol w="1185683">
                       <a:extLst>
                         <a:ext uri="{9D8B030D-6E8A-4147-A177-3AD203B41FA5}">
-                          <a16:colId xmlns:a16="http://schemas.microsoft.com/office/drawing/2014/main" xmlns="" val="849694925"/>
+                          <a16:colId xmlns:a16="http://schemas.microsoft.com/office/drawing/2014/main" val="849694925"/>
                         </a:ext>
                       </a:extLst>
                     </a:gridCol>
-                    <a:gridCol w="1185683"/>
-                    <a:gridCol w="1185683"/>
                     <a:gridCol w="1185683">
                       <a:extLst>
                         <a:ext uri="{9D8B030D-6E8A-4147-A177-3AD203B41FA5}">
-                          <a16:colId xmlns:a16="http://schemas.microsoft.com/office/drawing/2014/main" xmlns="" val="2032597962"/>
+                          <a16:colId xmlns:a16="http://schemas.microsoft.com/office/drawing/2014/main" val="20001"/>
+                        </a:ext>
+                      </a:extLst>
+                    </a:gridCol>
+                    <a:gridCol w="1185683">
+                      <a:extLst>
+                        <a:ext uri="{9D8B030D-6E8A-4147-A177-3AD203B41FA5}">
+                          <a16:colId xmlns:a16="http://schemas.microsoft.com/office/drawing/2014/main" val="20002"/>
+                        </a:ext>
+                      </a:extLst>
+                    </a:gridCol>
+                    <a:gridCol w="1185683">
+                      <a:extLst>
+                        <a:ext uri="{9D8B030D-6E8A-4147-A177-3AD203B41FA5}">
+                          <a16:colId xmlns:a16="http://schemas.microsoft.com/office/drawing/2014/main" val="2032597962"/>
                         </a:ext>
                       </a:extLst>
                     </a:gridCol>
@@ -19123,11 +19056,11 @@
                         <a:p>
                           <a:pPr algn="ctr"/>
                           <a:r>
-                            <a:rPr lang="zh-CN" altLang="en-US" dirty="0" smtClean="0"/>
+                            <a:rPr lang="zh-CN" altLang="en-US" dirty="0"/>
                             <a:t>面积</a:t>
                           </a:r>
                           <a:r>
-                            <a:rPr lang="en-US" altLang="zh-CN" dirty="0" smtClean="0"/>
+                            <a:rPr lang="en-US" altLang="zh-CN" dirty="0"/>
                             <a:t>(</a:t>
                           </a:r>
                           <a14:m>
@@ -19136,7 +19069,7 @@
                                 <m:sSubPr>
                                   <m:ctrlPr>
                                     <a:rPr lang="en-US" altLang="zh-CN" b="1" i="1" dirty="0" smtClean="0">
-                                      <a:latin typeface="Cambria Math" charset="0"/>
+                                      <a:latin typeface="Cambria Math" panose="02040503050406030204" pitchFamily="18" charset="0"/>
                                     </a:rPr>
                                   </m:ctrlPr>
                                 </m:sSubPr>
@@ -19160,7 +19093,7 @@
                             </m:oMath>
                           </a14:m>
                           <a:r>
-                            <a:rPr lang="en-US" altLang="zh-CN" dirty="0" smtClean="0"/>
+                            <a:rPr lang="en-US" altLang="zh-CN" dirty="0"/>
                             <a:t>)</a:t>
                           </a:r>
                           <a:endParaRPr lang="zh-CN" altLang="en-US" dirty="0"/>
@@ -19175,11 +19108,11 @@
                         <a:p>
                           <a:pPr algn="ctr"/>
                           <a:r>
-                            <a:rPr lang="zh-CN" altLang="en-US" dirty="0" smtClean="0"/>
+                            <a:rPr lang="zh-CN" altLang="en-US" dirty="0"/>
                             <a:t>卧室个数</a:t>
                           </a:r>
                           <a:r>
-                            <a:rPr lang="en-US" altLang="zh-CN" dirty="0" smtClean="0"/>
+                            <a:rPr lang="en-US" altLang="zh-CN" dirty="0"/>
                             <a:t>(</a:t>
                           </a:r>
                           <a14:m>
@@ -19188,7 +19121,7 @@
                                 <m:sSubPr>
                                   <m:ctrlPr>
                                     <a:rPr lang="en-US" altLang="zh-CN" b="1" i="1" dirty="0" smtClean="0">
-                                      <a:latin typeface="Cambria Math" charset="0"/>
+                                      <a:latin typeface="Cambria Math" panose="02040503050406030204" pitchFamily="18" charset="0"/>
                                     </a:rPr>
                                   </m:ctrlPr>
                                 </m:sSubPr>
@@ -19212,7 +19145,7 @@
                             </m:oMath>
                           </a14:m>
                           <a:r>
-                            <a:rPr lang="en-US" altLang="zh-CN" dirty="0" smtClean="0"/>
+                            <a:rPr lang="en-US" altLang="zh-CN" dirty="0"/>
                             <a:t>)</a:t>
                           </a:r>
                           <a:endParaRPr lang="zh-CN" altLang="en-US" dirty="0"/>
@@ -19227,11 +19160,11 @@
                         <a:p>
                           <a:pPr algn="ctr"/>
                           <a:r>
-                            <a:rPr lang="zh-CN" altLang="en-US" dirty="0" smtClean="0"/>
+                            <a:rPr lang="zh-CN" altLang="en-US" dirty="0"/>
                             <a:t>建成时间</a:t>
                           </a:r>
                           <a:r>
-                            <a:rPr lang="en-US" altLang="zh-CN" dirty="0" smtClean="0"/>
+                            <a:rPr lang="en-US" altLang="zh-CN" dirty="0"/>
                             <a:t>(</a:t>
                           </a:r>
                           <a14:m>
@@ -19240,7 +19173,7 @@
                                 <m:sSubPr>
                                   <m:ctrlPr>
                                     <a:rPr lang="en-US" altLang="zh-CN" b="1" i="1" dirty="0" smtClean="0">
-                                      <a:latin typeface="Cambria Math" charset="0"/>
+                                      <a:latin typeface="Cambria Math" panose="02040503050406030204" pitchFamily="18" charset="0"/>
                                     </a:rPr>
                                   </m:ctrlPr>
                                 </m:sSubPr>
@@ -19264,7 +19197,7 @@
                             </m:oMath>
                           </a14:m>
                           <a:r>
-                            <a:rPr lang="en-US" altLang="zh-CN" dirty="0" smtClean="0"/>
+                            <a:rPr lang="en-US" altLang="zh-CN" dirty="0"/>
                             <a:t>)</a:t>
                           </a:r>
                           <a:endParaRPr lang="zh-CN" altLang="en-US" dirty="0"/>
@@ -19279,11 +19212,11 @@
                         <a:p>
                           <a:pPr algn="ctr"/>
                           <a:r>
-                            <a:rPr lang="zh-CN" altLang="en-US" dirty="0" smtClean="0"/>
+                            <a:rPr lang="zh-CN" altLang="en-US" dirty="0"/>
                             <a:t>房价</a:t>
                           </a:r>
                           <a:r>
-                            <a:rPr lang="en-US" altLang="zh-CN" dirty="0" smtClean="0"/>
+                            <a:rPr lang="en-US" altLang="zh-CN" dirty="0"/>
                             <a:t>(</a:t>
                           </a:r>
                           <a14:m>
@@ -19297,7 +19230,7 @@
                             </m:oMath>
                           </a14:m>
                           <a:r>
-                            <a:rPr lang="en-US" altLang="zh-CN" dirty="0" smtClean="0"/>
+                            <a:rPr lang="en-US" altLang="zh-CN" dirty="0"/>
                             <a:t>)</a:t>
                           </a:r>
                           <a:endParaRPr lang="zh-CN" altLang="en-US" dirty="0"/>
@@ -19307,7 +19240,7 @@
                     </a:tc>
                     <a:extLst>
                       <a:ext uri="{0D108BD9-81ED-4DB2-BD59-A6C34878D82A}">
-                        <a16:rowId xmlns:a16="http://schemas.microsoft.com/office/drawing/2014/main" xmlns="" val="246005499"/>
+                        <a16:rowId xmlns:a16="http://schemas.microsoft.com/office/drawing/2014/main" val="246005499"/>
                       </a:ext>
                     </a:extLst>
                   </a:tr>
@@ -19334,7 +19267,7 @@
                         <a:p>
                           <a:pPr algn="ctr"/>
                           <a:r>
-                            <a:rPr lang="en-US" altLang="zh-CN" dirty="0" smtClean="0"/>
+                            <a:rPr lang="en-US" altLang="zh-CN" dirty="0"/>
                             <a:t>2</a:t>
                           </a:r>
                           <a:endParaRPr lang="zh-CN" altLang="en-US" dirty="0"/>
@@ -19349,7 +19282,7 @@
                         <a:p>
                           <a:pPr algn="ctr"/>
                           <a:r>
-                            <a:rPr lang="en-US" altLang="zh-CN" dirty="0" smtClean="0"/>
+                            <a:rPr lang="en-US" altLang="zh-CN" dirty="0"/>
                             <a:t>20</a:t>
                           </a:r>
                           <a:endParaRPr lang="zh-CN" altLang="en-US" dirty="0"/>
@@ -19374,7 +19307,7 @@
                     </a:tc>
                     <a:extLst>
                       <a:ext uri="{0D108BD9-81ED-4DB2-BD59-A6C34878D82A}">
-                        <a16:rowId xmlns:a16="http://schemas.microsoft.com/office/drawing/2014/main" xmlns="" val="1967244540"/>
+                        <a16:rowId xmlns:a16="http://schemas.microsoft.com/office/drawing/2014/main" val="1967244540"/>
                       </a:ext>
                     </a:extLst>
                   </a:tr>
@@ -19401,7 +19334,7 @@
                         <a:p>
                           <a:pPr algn="ctr"/>
                           <a:r>
-                            <a:rPr lang="en-US" altLang="zh-CN" dirty="0" smtClean="0"/>
+                            <a:rPr lang="en-US" altLang="zh-CN" dirty="0"/>
                             <a:t>3</a:t>
                           </a:r>
                           <a:endParaRPr lang="zh-CN" altLang="en-US" dirty="0"/>
@@ -19416,7 +19349,7 @@
                         <a:p>
                           <a:pPr algn="ctr"/>
                           <a:r>
-                            <a:rPr lang="en-US" altLang="zh-CN" dirty="0" smtClean="0"/>
+                            <a:rPr lang="en-US" altLang="zh-CN" dirty="0"/>
                             <a:t>10</a:t>
                           </a:r>
                           <a:endParaRPr lang="zh-CN" altLang="en-US" dirty="0"/>
@@ -19431,7 +19364,7 @@
                         <a:p>
                           <a:pPr algn="ctr"/>
                           <a:r>
-                            <a:rPr lang="en-US" altLang="zh-CN" dirty="0" smtClean="0"/>
+                            <a:rPr lang="en-US" altLang="zh-CN" dirty="0"/>
                             <a:t>510</a:t>
                           </a:r>
                           <a:endParaRPr lang="zh-CN" altLang="en-US" dirty="0"/>
@@ -19441,7 +19374,7 @@
                     </a:tc>
                     <a:extLst>
                       <a:ext uri="{0D108BD9-81ED-4DB2-BD59-A6C34878D82A}">
-                        <a16:rowId xmlns:a16="http://schemas.microsoft.com/office/drawing/2014/main" xmlns="" val="1823030155"/>
+                        <a16:rowId xmlns:a16="http://schemas.microsoft.com/office/drawing/2014/main" val="1823030155"/>
                       </a:ext>
                     </a:extLst>
                   </a:tr>
@@ -19468,7 +19401,7 @@
                         <a:p>
                           <a:pPr algn="ctr"/>
                           <a:r>
-                            <a:rPr lang="en-US" altLang="zh-CN" dirty="0" smtClean="0"/>
+                            <a:rPr lang="en-US" altLang="zh-CN" dirty="0"/>
                             <a:t>1</a:t>
                           </a:r>
                           <a:endParaRPr lang="zh-CN" altLang="en-US" dirty="0"/>
@@ -19483,7 +19416,7 @@
                         <a:p>
                           <a:pPr algn="ctr"/>
                           <a:r>
-                            <a:rPr lang="en-US" altLang="zh-CN" dirty="0" smtClean="0"/>
+                            <a:rPr lang="en-US" altLang="zh-CN" dirty="0"/>
                             <a:t>30</a:t>
                           </a:r>
                           <a:endParaRPr lang="zh-CN" altLang="en-US" dirty="0"/>
@@ -19508,7 +19441,7 @@
                     </a:tc>
                     <a:extLst>
                       <a:ext uri="{0D108BD9-81ED-4DB2-BD59-A6C34878D82A}">
-                        <a16:rowId xmlns:a16="http://schemas.microsoft.com/office/drawing/2014/main" xmlns="" val="1815547532"/>
+                        <a16:rowId xmlns:a16="http://schemas.microsoft.com/office/drawing/2014/main" val="1815547532"/>
                       </a:ext>
                     </a:extLst>
                   </a:tr>
@@ -19520,7 +19453,7 @@
                         <a:p>
                           <a:pPr algn="ctr"/>
                           <a:r>
-                            <a:rPr lang="en-US" altLang="zh-CN" dirty="0" smtClean="0"/>
+                            <a:rPr lang="en-US" altLang="zh-CN" dirty="0"/>
                             <a:t>90</a:t>
                           </a:r>
                           <a:endParaRPr lang="zh-CN" altLang="en-US" dirty="0"/>
@@ -19551,10 +19484,10 @@
                             <a:defRPr/>
                           </a:pPr>
                           <a:r>
-                            <a:rPr lang="en-US" altLang="zh-CN" dirty="0" smtClean="0"/>
+                            <a:rPr lang="en-US" altLang="zh-CN" dirty="0"/>
                             <a:t>1</a:t>
                           </a:r>
-                          <a:endParaRPr lang="zh-CN" altLang="en-US" dirty="0" smtClean="0"/>
+                          <a:endParaRPr lang="zh-CN" altLang="en-US" dirty="0"/>
                         </a:p>
                       </a:txBody>
                       <a:tcPr/>
@@ -19582,10 +19515,10 @@
                             <a:defRPr/>
                           </a:pPr>
                           <a:r>
-                            <a:rPr lang="en-US" altLang="zh-CN" dirty="0" smtClean="0"/>
+                            <a:rPr lang="en-US" altLang="zh-CN" dirty="0"/>
                             <a:t>5</a:t>
                           </a:r>
-                          <a:endParaRPr lang="zh-CN" altLang="en-US" dirty="0" smtClean="0"/>
+                          <a:endParaRPr lang="zh-CN" altLang="en-US" dirty="0"/>
                         </a:p>
                       </a:txBody>
                       <a:tcPr/>
@@ -19597,7 +19530,7 @@
                         <a:p>
                           <a:pPr algn="ctr"/>
                           <a:r>
-                            <a:rPr lang="en-US" altLang="zh-CN" dirty="0" smtClean="0"/>
+                            <a:rPr lang="en-US" altLang="zh-CN" dirty="0"/>
                             <a:t>500</a:t>
                           </a:r>
                           <a:endParaRPr lang="zh-CN" altLang="en-US" dirty="0"/>
@@ -19607,7 +19540,7 @@
                     </a:tc>
                     <a:extLst>
                       <a:ext uri="{0D108BD9-81ED-4DB2-BD59-A6C34878D82A}">
-                        <a16:rowId xmlns:a16="http://schemas.microsoft.com/office/drawing/2014/main" xmlns="" val="168178639"/>
+                        <a16:rowId xmlns:a16="http://schemas.microsoft.com/office/drawing/2014/main" val="168178639"/>
                       </a:ext>
                     </a:extLst>
                   </a:tr>
@@ -20092,10 +20025,9 @@
           <a:lstStyle/>
           <a:p>
             <a:r>
-              <a:rPr kumimoji="1" lang="zh-CN" altLang="en-US" dirty="0" smtClean="0"/>
+              <a:rPr kumimoji="1" lang="zh-CN" altLang="en-US" dirty="0"/>
               <a:t>多元线性回归</a:t>
             </a:r>
-            <a:endParaRPr kumimoji="1" lang="zh-CN" altLang="en-US" dirty="0"/>
           </a:p>
         </p:txBody>
       </p:sp>
@@ -20117,15 +20049,15 @@
               <a:lstStyle/>
               <a:p>
                 <a:r>
-                  <a:rPr kumimoji="1" lang="zh-CN" altLang="en-US" dirty="0" smtClean="0"/>
+                  <a:rPr kumimoji="1" lang="zh-CN" altLang="en-US" dirty="0"/>
                   <a:t>假设：</a:t>
                 </a:r>
-                <a:endParaRPr kumimoji="1" lang="en-US" altLang="zh-CN" dirty="0" smtClean="0"/>
+                <a:endParaRPr kumimoji="1" lang="en-US" altLang="zh-CN" dirty="0"/>
               </a:p>
               <a:p>
                 <a:pPr lvl="1"/>
                 <a:r>
-                  <a:rPr kumimoji="1" lang="zh-CN" altLang="en-US" dirty="0" smtClean="0"/>
+                  <a:rPr kumimoji="1" lang="zh-CN" altLang="en-US" dirty="0"/>
                   <a:t>一元线性回归：</a:t>
                 </a:r>
                 <a14:m>
@@ -20140,7 +20072,7 @@
                       <m:dPr>
                         <m:ctrlPr>
                           <a:rPr lang="en-US" altLang="zh-CN" i="1">
-                            <a:latin typeface="Cambria Math" charset="0"/>
+                            <a:latin typeface="Cambria Math" panose="02040503050406030204" pitchFamily="18" charset="0"/>
                           </a:rPr>
                         </m:ctrlPr>
                       </m:dPr>
@@ -20179,12 +20111,12 @@
                     </m:r>
                   </m:oMath>
                 </a14:m>
-                <a:endParaRPr kumimoji="1" lang="en-US" altLang="zh-CN" dirty="0" smtClean="0"/>
+                <a:endParaRPr kumimoji="1" lang="en-US" altLang="zh-CN" dirty="0"/>
               </a:p>
               <a:p>
                 <a:pPr lvl="1"/>
                 <a:r>
-                  <a:rPr kumimoji="1" lang="zh-CN" altLang="en-US" dirty="0" smtClean="0"/>
+                  <a:rPr kumimoji="1" lang="zh-CN" altLang="en-US" dirty="0"/>
                   <a:t>多元线性回归：</a:t>
                 </a:r>
                 <a14:m>
@@ -20199,7 +20131,7 @@
                       <m:dPr>
                         <m:ctrlPr>
                           <a:rPr lang="en-US" altLang="zh-CN" i="1">
-                            <a:latin typeface="Cambria Math" charset="0"/>
+                            <a:latin typeface="Cambria Math" panose="02040503050406030204" pitchFamily="18" charset="0"/>
                           </a:rPr>
                         </m:ctrlPr>
                       </m:dPr>
@@ -20222,7 +20154,7 @@
                       <m:sSubPr>
                         <m:ctrlPr>
                           <a:rPr lang="en-US" altLang="zh-CN" b="0" i="1" smtClean="0">
-                            <a:latin typeface="Cambria Math" charset="0"/>
+                            <a:latin typeface="Cambria Math" panose="02040503050406030204" pitchFamily="18" charset="0"/>
                           </a:rPr>
                         </m:ctrlPr>
                       </m:sSubPr>
@@ -20247,7 +20179,7 @@
                       <m:sSubPr>
                         <m:ctrlPr>
                           <a:rPr lang="en-US" altLang="zh-CN" b="0" i="1" smtClean="0">
-                            <a:latin typeface="Cambria Math" charset="0"/>
+                            <a:latin typeface="Cambria Math" panose="02040503050406030204" pitchFamily="18" charset="0"/>
                           </a:rPr>
                         </m:ctrlPr>
                       </m:sSubPr>
@@ -20278,7 +20210,7 @@
                       <m:sSubPr>
                         <m:ctrlPr>
                           <a:rPr lang="en-US" altLang="zh-CN" b="0" i="1" smtClean="0">
-                            <a:latin typeface="Cambria Math" charset="0"/>
+                            <a:latin typeface="Cambria Math" panose="02040503050406030204" pitchFamily="18" charset="0"/>
                           </a:rPr>
                         </m:ctrlPr>
                       </m:sSubPr>
@@ -20303,7 +20235,7 @@
                       <m:sSubPr>
                         <m:ctrlPr>
                           <a:rPr lang="en-US" altLang="zh-CN" b="0" i="1" smtClean="0">
-                            <a:latin typeface="Cambria Math" charset="0"/>
+                            <a:latin typeface="Cambria Math" panose="02040503050406030204" pitchFamily="18" charset="0"/>
                           </a:rPr>
                         </m:ctrlPr>
                       </m:sSubPr>
@@ -20334,7 +20266,7 @@
                       <m:sSubPr>
                         <m:ctrlPr>
                           <a:rPr lang="en-US" altLang="zh-CN" b="0" i="1" smtClean="0">
-                            <a:latin typeface="Cambria Math" charset="0"/>
+                            <a:latin typeface="Cambria Math" panose="02040503050406030204" pitchFamily="18" charset="0"/>
                           </a:rPr>
                         </m:ctrlPr>
                       </m:sSubPr>
@@ -20359,7 +20291,7 @@
                       <m:sSubPr>
                         <m:ctrlPr>
                           <a:rPr lang="en-US" altLang="zh-CN" b="0" i="1" smtClean="0">
-                            <a:latin typeface="Cambria Math" charset="0"/>
+                            <a:latin typeface="Cambria Math" panose="02040503050406030204" pitchFamily="18" charset="0"/>
                           </a:rPr>
                         </m:ctrlPr>
                       </m:sSubPr>
@@ -20395,7 +20327,7 @@
                   </m:oMath>
                 </a14:m>
                 <a:r>
-                  <a:rPr lang="zh-CN" altLang="en-US" dirty="0" smtClean="0"/>
+                  <a:rPr lang="zh-CN" altLang="en-US" dirty="0"/>
                   <a:t> 或向量形式 </a:t>
                 </a:r>
                 <a14:m>
@@ -20410,7 +20342,7 @@
                       <m:dPr>
                         <m:ctrlPr>
                           <a:rPr lang="en-US" altLang="zh-CN" b="0" i="1" dirty="0" smtClean="0">
-                            <a:latin typeface="Cambria Math" charset="0"/>
+                            <a:latin typeface="Cambria Math" panose="02040503050406030204" pitchFamily="18" charset="0"/>
                           </a:rPr>
                         </m:ctrlPr>
                       </m:dPr>
@@ -20433,7 +20365,7 @@
                       <m:sSupPr>
                         <m:ctrlPr>
                           <a:rPr lang="en-US" altLang="zh-CN" b="0" i="1" dirty="0" smtClean="0">
-                            <a:latin typeface="Cambria Math" charset="0"/>
+                            <a:latin typeface="Cambria Math" panose="02040503050406030204" pitchFamily="18" charset="0"/>
                           </a:rPr>
                         </m:ctrlPr>
                       </m:sSupPr>
@@ -20474,7 +20406,7 @@
                     </m:r>
                   </m:oMath>
                 </a14:m>
-                <a:endParaRPr lang="en-US" altLang="zh-CN" dirty="0" smtClean="0"/>
+                <a:endParaRPr lang="en-US" altLang="zh-CN" dirty="0"/>
               </a:p>
               <a:p>
                 <a:pPr lvl="1"/>
@@ -20482,7 +20414,7 @@
               </a:p>
               <a:p>
                 <a:r>
-                  <a:rPr lang="zh-CN" altLang="en-US" dirty="0" smtClean="0"/>
+                  <a:rPr lang="zh-CN" altLang="en-US" dirty="0"/>
                   <a:t>要学习的参数：</a:t>
                 </a:r>
                 <a14:m>
@@ -20491,7 +20423,7 @@
                       <m:dPr>
                         <m:ctrlPr>
                           <a:rPr lang="en-US" altLang="zh-CN" b="0" i="1" smtClean="0">
-                            <a:latin typeface="Cambria Math" charset="0"/>
+                            <a:latin typeface="Cambria Math" panose="02040503050406030204" pitchFamily="18" charset="0"/>
                           </a:rPr>
                         </m:ctrlPr>
                       </m:dPr>
@@ -20500,7 +20432,7 @@
                           <m:sSubPr>
                             <m:ctrlPr>
                               <a:rPr lang="en-US" altLang="zh-CN" i="1">
-                                <a:latin typeface="Cambria Math" charset="0"/>
+                                <a:latin typeface="Cambria Math" panose="02040503050406030204" pitchFamily="18" charset="0"/>
                               </a:rPr>
                             </m:ctrlPr>
                           </m:sSubPr>
@@ -20537,7 +20469,7 @@
                           <m:sSubPr>
                             <m:ctrlPr>
                               <a:rPr lang="en-US" altLang="zh-CN" i="1">
-                                <a:latin typeface="Cambria Math" charset="0"/>
+                                <a:latin typeface="Cambria Math" panose="02040503050406030204" pitchFamily="18" charset="0"/>
                               </a:rPr>
                             </m:ctrlPr>
                           </m:sSubPr>
@@ -20580,7 +20512,7 @@
                           <m:sSubPr>
                             <m:ctrlPr>
                               <a:rPr lang="en-US" altLang="zh-CN" i="1">
-                                <a:latin typeface="Cambria Math" charset="0"/>
+                                <a:latin typeface="Cambria Math" panose="02040503050406030204" pitchFamily="18" charset="0"/>
                               </a:rPr>
                             </m:ctrlPr>
                           </m:sSubPr>
@@ -20647,17 +20579,17 @@
                     </m:r>
                   </m:oMath>
                 </a14:m>
-                <a:endParaRPr lang="en-US" altLang="zh-CN" dirty="0" smtClean="0"/>
+                <a:endParaRPr lang="en-US" altLang="zh-CN" dirty="0"/>
               </a:p>
               <a:p>
-                <a:endParaRPr lang="en-US" altLang="zh-CN" dirty="0" smtClean="0"/>
+                <a:endParaRPr lang="en-US" altLang="zh-CN" dirty="0"/>
               </a:p>
               <a:p>
                 <a:r>
-                  <a:rPr lang="zh-CN" altLang="en-US" dirty="0" smtClean="0"/>
+                  <a:rPr lang="zh-CN" altLang="en-US" dirty="0"/>
                   <a:t>使用最小二乘法定义损失函数</a:t>
                 </a:r>
-                <a:endParaRPr lang="en-US" altLang="zh-CN" dirty="0" smtClean="0"/>
+                <a:endParaRPr lang="en-US" altLang="zh-CN" dirty="0"/>
               </a:p>
               <a:p>
                 <a:pPr lvl="1"/>
@@ -20665,7 +20597,7 @@
               </a:p>
               <a:p>
                 <a:pPr lvl="1"/>
-                <a:endParaRPr lang="en-US" altLang="zh-CN" dirty="0" smtClean="0"/>
+                <a:endParaRPr lang="en-US" altLang="zh-CN" dirty="0"/>
               </a:p>
               <a:p>
                 <a:pPr lvl="1"/>
@@ -20674,17 +20606,17 @@
               <a:p>
                 <a:pPr lvl="1"/>
                 <a:r>
-                  <a:rPr lang="zh-CN" altLang="en-US" dirty="0" smtClean="0"/>
+                  <a:rPr lang="zh-CN" altLang="en-US" dirty="0"/>
                   <a:t>学习一个参数组合的取值，使得损失函数值最小。</a:t>
                 </a:r>
-                <a:endParaRPr lang="en-US" altLang="zh-CN" dirty="0" smtClean="0"/>
+                <a:endParaRPr lang="en-US" altLang="zh-CN" dirty="0"/>
               </a:p>
               <a:p>
                 <a:endParaRPr lang="en-US" altLang="zh-CN" dirty="0"/>
               </a:p>
               <a:p>
                 <a:r>
-                  <a:rPr lang="zh-CN" altLang="en-US" dirty="0" smtClean="0"/>
+                  <a:rPr lang="zh-CN" altLang="en-US" dirty="0"/>
                   <a:t>使用梯度下降法学习出最优的参数组合。</a:t>
                 </a:r>
                 <a:endParaRPr lang="en-US" altLang="zh-CN" dirty="0"/>
@@ -20771,7 +20703,7 @@
               <a:defRPr/>
             </a:pPr>
             <a:r>
-              <a:rPr lang="zh-CN" altLang="en-US" smtClean="0"/>
+              <a:rPr lang="zh-CN" altLang="en-US"/>
               <a:t>机器学习入门</a:t>
             </a:r>
             <a:endParaRPr lang="en-US" altLang="zh-CN" dirty="0"/>
@@ -20814,7 +20746,7 @@
               <p:cNvPr id="7" name="矩形 6">
                 <a:extLst>
                   <a:ext uri="{FF2B5EF4-FFF2-40B4-BE49-F238E27FC236}">
-                    <a16:creationId xmlns:a16="http://schemas.microsoft.com/office/drawing/2014/main" xmlns="" id="{25CFE4FA-4ADB-4B82-B875-AA5178D80394}"/>
+                    <a16:creationId xmlns:a16="http://schemas.microsoft.com/office/drawing/2014/main" id="{25CFE4FA-4ADB-4B82-B875-AA5178D80394}"/>
                   </a:ext>
                 </a:extLst>
               </p:cNvPr>
@@ -20853,7 +20785,7 @@
                         <m:dPr>
                           <m:ctrlPr>
                             <a:rPr lang="en-US" altLang="zh-CN" sz="2000" i="1">
-                              <a:latin typeface="Cambria Math" charset="0"/>
+                              <a:latin typeface="Cambria Math" panose="02040503050406030204" pitchFamily="18" charset="0"/>
                             </a:rPr>
                           </m:ctrlPr>
                         </m:dPr>
@@ -20889,7 +20821,7 @@
                           <m:chr m:val="∑"/>
                           <m:ctrlPr>
                             <a:rPr lang="en-US" altLang="zh-CN" sz="2000" i="1">
-                              <a:latin typeface="Cambria Math" charset="0"/>
+                              <a:latin typeface="Cambria Math" panose="02040503050406030204" pitchFamily="18" charset="0"/>
                             </a:rPr>
                           </m:ctrlPr>
                         </m:naryPr>
@@ -20923,7 +20855,7 @@
                             <m:sSupPr>
                               <m:ctrlPr>
                                 <a:rPr lang="en-US" altLang="zh-CN" sz="2000" i="1">
-                                  <a:latin typeface="Cambria Math" charset="0"/>
+                                  <a:latin typeface="Cambria Math" panose="02040503050406030204" pitchFamily="18" charset="0"/>
                                 </a:rPr>
                               </m:ctrlPr>
                             </m:sSupPr>
@@ -20932,7 +20864,7 @@
                                 <m:dPr>
                                   <m:ctrlPr>
                                     <a:rPr lang="en-US" altLang="zh-CN" sz="2000" i="1">
-                                      <a:latin typeface="Cambria Math" charset="0"/>
+                                      <a:latin typeface="Cambria Math" panose="02040503050406030204" pitchFamily="18" charset="0"/>
                                     </a:rPr>
                                   </m:ctrlPr>
                                 </m:dPr>
@@ -20941,7 +20873,7 @@
                                     <m:sSupPr>
                                       <m:ctrlPr>
                                         <a:rPr lang="en-US" altLang="zh-CN" sz="2000" i="1">
-                                          <a:latin typeface="Cambria Math" charset="0"/>
+                                          <a:latin typeface="Cambria Math" panose="02040503050406030204" pitchFamily="18" charset="0"/>
                                         </a:rPr>
                                       </m:ctrlPr>
                                     </m:sSupPr>
@@ -20990,7 +20922,7 @@
                                     <m:dPr>
                                       <m:ctrlPr>
                                         <a:rPr lang="en-US" altLang="zh-CN" sz="2000" i="1">
-                                          <a:latin typeface="Cambria Math" charset="0"/>
+                                          <a:latin typeface="Cambria Math" panose="02040503050406030204" pitchFamily="18" charset="0"/>
                                         </a:rPr>
                                       </m:ctrlPr>
                                     </m:dPr>
@@ -20999,7 +20931,7 @@
                                         <m:sSupPr>
                                           <m:ctrlPr>
                                             <a:rPr lang="en-US" altLang="zh-CN" sz="2000" b="1" i="1">
-                                              <a:latin typeface="Cambria Math" charset="0"/>
+                                              <a:latin typeface="Cambria Math" panose="02040503050406030204" pitchFamily="18" charset="0"/>
                                             </a:rPr>
                                           </m:ctrlPr>
                                         </m:sSupPr>
@@ -21136,7 +21068,7 @@
                         <m:sSubPr>
                           <m:ctrlPr>
                             <a:rPr kumimoji="1" lang="en-US" altLang="zh-CN" b="0" i="1" smtClean="0">
-                              <a:latin typeface="Cambria Math" charset="0"/>
+                              <a:latin typeface="Cambria Math" panose="02040503050406030204" pitchFamily="18" charset="0"/>
                             </a:rPr>
                           </m:ctrlPr>
                         </m:sSubPr>
@@ -21191,7 +21123,7 @@
                         <m:fPr>
                           <m:ctrlPr>
                             <a:rPr kumimoji="1" lang="mr-IN" altLang="zh-CN" b="0" i="1" smtClean="0">
-                              <a:latin typeface="Cambria Math" charset="0"/>
+                              <a:latin typeface="Cambria Math" panose="02040503050406030204" pitchFamily="18" charset="0"/>
                             </a:rPr>
                           </m:ctrlPr>
                         </m:fPr>
@@ -21222,7 +21154,7 @@
                             <m:sSubPr>
                               <m:ctrlPr>
                                 <a:rPr kumimoji="1" lang="en-US" altLang="zh-CN" b="0" i="1" smtClean="0">
-                                  <a:latin typeface="Cambria Math" charset="0"/>
+                                  <a:latin typeface="Cambria Math" panose="02040503050406030204" pitchFamily="18" charset="0"/>
                                   <a:ea typeface="Cambria Math" charset="0"/>
                                   <a:cs typeface="Cambria Math" charset="0"/>
                                 </a:rPr>
@@ -21254,10 +21186,10 @@
                     </m:oMath>
                   </m:oMathPara>
                 </a14:m>
-                <a:endParaRPr kumimoji="1" lang="en-US" altLang="zh-CN" b="0" dirty="0" smtClean="0"/>
+                <a:endParaRPr kumimoji="1" lang="en-US" altLang="zh-CN" b="0" dirty="0"/>
               </a:p>
               <a:p>
-                <a:endParaRPr kumimoji="1" lang="en-US" altLang="zh-CN" sz="1000" b="0" dirty="0" smtClean="0"/>
+                <a:endParaRPr kumimoji="1" lang="en-US" altLang="zh-CN" sz="1000" b="0" dirty="0"/>
               </a:p>
               <a:p>
                 <a:pPr/>
@@ -21307,7 +21239,7 @@
                         <m:fPr>
                           <m:ctrlPr>
                             <a:rPr kumimoji="1" lang="mr-IN" altLang="zh-CN" b="0" i="1" smtClean="0">
-                              <a:latin typeface="Cambria Math" charset="0"/>
+                              <a:latin typeface="Cambria Math" panose="02040503050406030204" pitchFamily="18" charset="0"/>
                             </a:rPr>
                           </m:ctrlPr>
                         </m:fPr>
@@ -21437,10 +21369,9 @@
           <a:lstStyle/>
           <a:p>
             <a:r>
-              <a:rPr kumimoji="1" lang="zh-CN" altLang="en-US" dirty="0" smtClean="0"/>
+              <a:rPr kumimoji="1" lang="zh-CN" altLang="en-US" dirty="0"/>
               <a:t>多元线性回归：正规方程法</a:t>
             </a:r>
-            <a:endParaRPr kumimoji="1" lang="zh-CN" altLang="en-US" dirty="0"/>
           </a:p>
         </p:txBody>
       </p:sp>
@@ -21460,37 +21391,44 @@
           <a:lstStyle/>
           <a:p>
             <a:r>
-              <a:rPr kumimoji="1" lang="zh-CN" altLang="en-US" dirty="0" smtClean="0"/>
+              <a:rPr kumimoji="1" lang="zh-CN" altLang="en-US" dirty="0"/>
               <a:t>使用梯度下降法求解最优参数时需要不断迭代得到；</a:t>
             </a:r>
-            <a:endParaRPr kumimoji="1" lang="en-US" altLang="zh-CN" dirty="0" smtClean="0"/>
-          </a:p>
-          <a:p>
-            <a:r>
-              <a:rPr kumimoji="1" lang="zh-CN" altLang="en-US" dirty="0" smtClean="0"/>
+            <a:endParaRPr kumimoji="1" lang="en-US" altLang="zh-CN" dirty="0"/>
+          </a:p>
+          <a:p>
+            <a:r>
+              <a:rPr kumimoji="1" lang="zh-CN" altLang="en-US" dirty="0"/>
               <a:t>对于</a:t>
             </a:r>
             <a:r>
-              <a:rPr kumimoji="1" lang="zh-CN" altLang="en-US" b="1" dirty="0" smtClean="0"/>
+              <a:rPr kumimoji="1" lang="zh-CN" altLang="en-US" b="1" dirty="0"/>
               <a:t>某些</a:t>
             </a:r>
             <a:r>
-              <a:rPr kumimoji="1" lang="zh-CN" altLang="en-US" dirty="0" smtClean="0"/>
-              <a:t>机器学习问题（损失函数的最优化问题是凸优化问题），可以直接通过代数方法直接得到最优解。</a:t>
-            </a:r>
-            <a:endParaRPr kumimoji="1" lang="en-US" altLang="zh-CN" dirty="0" smtClean="0"/>
-          </a:p>
-          <a:p>
+              <a:rPr kumimoji="1" lang="zh-CN" altLang="en-US" dirty="0"/>
+              <a:t>机器学习问题（损失函数的最优化是凸优化问题），可以直接通过解析方法直接得到最优解，即正规方程。</a:t>
+            </a:r>
             <a:endParaRPr kumimoji="1" lang="en-US" altLang="zh-CN" dirty="0"/>
           </a:p>
           <a:p>
-            <a:endParaRPr kumimoji="1" lang="en-US" altLang="zh-CN" dirty="0" smtClean="0"/>
-          </a:p>
-          <a:p>
+            <a:r>
+              <a:rPr kumimoji="1" lang="zh-CN" altLang="en-US" dirty="0"/>
+              <a:t>线性回归问题可以使用正规方程求解最优参数值。</a:t>
+            </a:r>
             <a:endParaRPr kumimoji="1" lang="en-US" altLang="zh-CN" dirty="0"/>
           </a:p>
           <a:p>
-            <a:endParaRPr kumimoji="1" lang="en-US" altLang="zh-CN" dirty="0" smtClean="0"/>
+            <a:endParaRPr kumimoji="1" lang="en-US" altLang="zh-CN" dirty="0"/>
+          </a:p>
+          <a:p>
+            <a:endParaRPr kumimoji="1" lang="en-US" altLang="zh-CN" dirty="0"/>
+          </a:p>
+          <a:p>
+            <a:endParaRPr kumimoji="1" lang="en-US" altLang="zh-CN" dirty="0"/>
+          </a:p>
+          <a:p>
+            <a:endParaRPr kumimoji="1" lang="en-US" altLang="zh-CN" dirty="0"/>
           </a:p>
           <a:p>
             <a:endParaRPr kumimoji="1" lang="en-US" altLang="zh-CN" dirty="0"/>
@@ -21545,7 +21483,7 @@
               <a:defRPr/>
             </a:pPr>
             <a:r>
-              <a:rPr lang="zh-CN" altLang="en-US" smtClean="0"/>
+              <a:rPr lang="zh-CN" altLang="en-US"/>
               <a:t>机器学习入门</a:t>
             </a:r>
             <a:endParaRPr lang="en-US" altLang="zh-CN" dirty="0"/>
@@ -21581,14 +21519,14 @@
           </a:p>
         </p:txBody>
       </p:sp>
-      <mc:AlternateContent xmlns:mc="http://schemas.openxmlformats.org/markup-compatibility/2006" xmlns:a14="http://schemas.microsoft.com/office/drawing/2010/main">
-        <mc:Choice Requires="a14">
+      <mc:AlternateContent xmlns:mc="http://schemas.openxmlformats.org/markup-compatibility/2006">
+        <mc:Choice xmlns:a14="http://schemas.microsoft.com/office/drawing/2010/main" Requires="a14">
           <p:graphicFrame>
             <p:nvGraphicFramePr>
               <p:cNvPr id="8" name="内容占位符 6">
                 <a:extLst>
                   <a:ext uri="{FF2B5EF4-FFF2-40B4-BE49-F238E27FC236}">
-                    <a16:creationId xmlns:a16="http://schemas.microsoft.com/office/drawing/2014/main" xmlns="" id="{EB980026-D29F-4C6E-9BFC-18210325D87E}"/>
+                    <a16:creationId xmlns:a16="http://schemas.microsoft.com/office/drawing/2014/main" id="{EB980026-D29F-4C6E-9BFC-18210325D87E}"/>
                   </a:ext>
                 </a:extLst>
               </p:cNvPr>
@@ -21598,13 +21536,13 @@
               <p:nvPr>
                 <p:extLst>
                   <p:ext uri="{D42A27DB-BD31-4B8C-83A1-F6EECF244321}">
-                    <p14:modId xmlns:p14="http://schemas.microsoft.com/office/powerpoint/2010/main" val="764001172"/>
+                    <p14:modId xmlns:p14="http://schemas.microsoft.com/office/powerpoint/2010/main" val="4216122346"/>
                   </p:ext>
                 </p:extLst>
               </p:nvPr>
             </p:nvGraphicFramePr>
             <p:xfrm>
-              <a:off x="1253763" y="2434135"/>
+              <a:off x="1253762" y="2748548"/>
               <a:ext cx="4742732" cy="1854200"/>
             </p:xfrm>
             <a:graphic>
@@ -21617,16 +21555,28 @@
                     <a:gridCol w="1185683">
                       <a:extLst>
                         <a:ext uri="{9D8B030D-6E8A-4147-A177-3AD203B41FA5}">
-                          <a16:colId xmlns:a16="http://schemas.microsoft.com/office/drawing/2014/main" xmlns="" val="849694925"/>
+                          <a16:colId xmlns:a16="http://schemas.microsoft.com/office/drawing/2014/main" val="849694925"/>
                         </a:ext>
                       </a:extLst>
                     </a:gridCol>
-                    <a:gridCol w="1185683"/>
-                    <a:gridCol w="1185683"/>
                     <a:gridCol w="1185683">
                       <a:extLst>
                         <a:ext uri="{9D8B030D-6E8A-4147-A177-3AD203B41FA5}">
-                          <a16:colId xmlns:a16="http://schemas.microsoft.com/office/drawing/2014/main" xmlns="" val="2032597962"/>
+                          <a16:colId xmlns:a16="http://schemas.microsoft.com/office/drawing/2014/main" val="20001"/>
+                        </a:ext>
+                      </a:extLst>
+                    </a:gridCol>
+                    <a:gridCol w="1185683">
+                      <a:extLst>
+                        <a:ext uri="{9D8B030D-6E8A-4147-A177-3AD203B41FA5}">
+                          <a16:colId xmlns:a16="http://schemas.microsoft.com/office/drawing/2014/main" val="20002"/>
+                        </a:ext>
+                      </a:extLst>
+                    </a:gridCol>
+                    <a:gridCol w="1185683">
+                      <a:extLst>
+                        <a:ext uri="{9D8B030D-6E8A-4147-A177-3AD203B41FA5}">
+                          <a16:colId xmlns:a16="http://schemas.microsoft.com/office/drawing/2014/main" val="2032597962"/>
                         </a:ext>
                       </a:extLst>
                     </a:gridCol>
@@ -21639,11 +21589,11 @@
                         <a:p>
                           <a:pPr algn="ctr"/>
                           <a:r>
-                            <a:rPr lang="zh-CN" altLang="en-US" dirty="0" smtClean="0"/>
+                            <a:rPr lang="zh-CN" altLang="en-US" dirty="0"/>
                             <a:t>面积</a:t>
                           </a:r>
                           <a:r>
-                            <a:rPr lang="en-US" altLang="zh-CN" dirty="0" smtClean="0"/>
+                            <a:rPr lang="en-US" altLang="zh-CN" dirty="0"/>
                             <a:t>(</a:t>
                           </a:r>
                           <a14:m>
@@ -21652,7 +21602,7 @@
                                 <m:sSubPr>
                                   <m:ctrlPr>
                                     <a:rPr lang="en-US" altLang="zh-CN" b="1" i="1" dirty="0" smtClean="0">
-                                      <a:latin typeface="Cambria Math" charset="0"/>
+                                      <a:latin typeface="Cambria Math" panose="02040503050406030204" pitchFamily="18" charset="0"/>
                                     </a:rPr>
                                   </m:ctrlPr>
                                 </m:sSubPr>
@@ -21676,7 +21626,7 @@
                             </m:oMath>
                           </a14:m>
                           <a:r>
-                            <a:rPr lang="en-US" altLang="zh-CN" dirty="0" smtClean="0"/>
+                            <a:rPr lang="en-US" altLang="zh-CN" dirty="0"/>
                             <a:t>)</a:t>
                           </a:r>
                           <a:endParaRPr lang="zh-CN" altLang="en-US" dirty="0"/>
@@ -21691,11 +21641,11 @@
                         <a:p>
                           <a:pPr algn="ctr"/>
                           <a:r>
-                            <a:rPr lang="zh-CN" altLang="en-US" dirty="0" smtClean="0"/>
+                            <a:rPr lang="zh-CN" altLang="en-US" dirty="0"/>
                             <a:t>卧室个数</a:t>
                           </a:r>
                           <a:r>
-                            <a:rPr lang="en-US" altLang="zh-CN" dirty="0" smtClean="0"/>
+                            <a:rPr lang="en-US" altLang="zh-CN" dirty="0"/>
                             <a:t>(</a:t>
                           </a:r>
                           <a14:m>
@@ -21704,7 +21654,7 @@
                                 <m:sSubPr>
                                   <m:ctrlPr>
                                     <a:rPr lang="en-US" altLang="zh-CN" b="1" i="1" dirty="0" smtClean="0">
-                                      <a:latin typeface="Cambria Math" charset="0"/>
+                                      <a:latin typeface="Cambria Math" panose="02040503050406030204" pitchFamily="18" charset="0"/>
                                     </a:rPr>
                                   </m:ctrlPr>
                                 </m:sSubPr>
@@ -21728,7 +21678,7 @@
                             </m:oMath>
                           </a14:m>
                           <a:r>
-                            <a:rPr lang="en-US" altLang="zh-CN" dirty="0" smtClean="0"/>
+                            <a:rPr lang="en-US" altLang="zh-CN" dirty="0"/>
                             <a:t>)</a:t>
                           </a:r>
                           <a:endParaRPr lang="zh-CN" altLang="en-US" dirty="0"/>
@@ -21743,11 +21693,11 @@
                         <a:p>
                           <a:pPr algn="ctr"/>
                           <a:r>
-                            <a:rPr lang="zh-CN" altLang="en-US" dirty="0" smtClean="0"/>
+                            <a:rPr lang="zh-CN" altLang="en-US" dirty="0"/>
                             <a:t>建成时间</a:t>
                           </a:r>
                           <a:r>
-                            <a:rPr lang="en-US" altLang="zh-CN" dirty="0" smtClean="0"/>
+                            <a:rPr lang="en-US" altLang="zh-CN" dirty="0"/>
                             <a:t>(</a:t>
                           </a:r>
                           <a14:m>
@@ -21756,7 +21706,7 @@
                                 <m:sSubPr>
                                   <m:ctrlPr>
                                     <a:rPr lang="en-US" altLang="zh-CN" b="1" i="1" dirty="0" smtClean="0">
-                                      <a:latin typeface="Cambria Math" charset="0"/>
+                                      <a:latin typeface="Cambria Math" panose="02040503050406030204" pitchFamily="18" charset="0"/>
                                     </a:rPr>
                                   </m:ctrlPr>
                                 </m:sSubPr>
@@ -21780,7 +21730,7 @@
                             </m:oMath>
                           </a14:m>
                           <a:r>
-                            <a:rPr lang="en-US" altLang="zh-CN" dirty="0" smtClean="0"/>
+                            <a:rPr lang="en-US" altLang="zh-CN" dirty="0"/>
                             <a:t>)</a:t>
                           </a:r>
                           <a:endParaRPr lang="zh-CN" altLang="en-US" dirty="0"/>
@@ -21795,11 +21745,11 @@
                         <a:p>
                           <a:pPr algn="ctr"/>
                           <a:r>
-                            <a:rPr lang="zh-CN" altLang="en-US" dirty="0" smtClean="0"/>
+                            <a:rPr lang="zh-CN" altLang="en-US" dirty="0"/>
                             <a:t>房价</a:t>
                           </a:r>
                           <a:r>
-                            <a:rPr lang="en-US" altLang="zh-CN" dirty="0" smtClean="0"/>
+                            <a:rPr lang="en-US" altLang="zh-CN" dirty="0"/>
                             <a:t>(</a:t>
                           </a:r>
                           <a14:m>
@@ -21813,7 +21763,7 @@
                             </m:oMath>
                           </a14:m>
                           <a:r>
-                            <a:rPr lang="en-US" altLang="zh-CN" dirty="0" smtClean="0"/>
+                            <a:rPr lang="en-US" altLang="zh-CN" dirty="0"/>
                             <a:t>)</a:t>
                           </a:r>
                           <a:endParaRPr lang="zh-CN" altLang="en-US" dirty="0"/>
@@ -21823,7 +21773,7 @@
                     </a:tc>
                     <a:extLst>
                       <a:ext uri="{0D108BD9-81ED-4DB2-BD59-A6C34878D82A}">
-                        <a16:rowId xmlns:a16="http://schemas.microsoft.com/office/drawing/2014/main" xmlns="" val="246005499"/>
+                        <a16:rowId xmlns:a16="http://schemas.microsoft.com/office/drawing/2014/main" val="246005499"/>
                       </a:ext>
                     </a:extLst>
                   </a:tr>
@@ -21850,7 +21800,7 @@
                         <a:p>
                           <a:pPr algn="ctr"/>
                           <a:r>
-                            <a:rPr lang="en-US" altLang="zh-CN" dirty="0" smtClean="0"/>
+                            <a:rPr lang="en-US" altLang="zh-CN" dirty="0"/>
                             <a:t>2</a:t>
                           </a:r>
                           <a:endParaRPr lang="zh-CN" altLang="en-US" dirty="0"/>
@@ -21865,7 +21815,7 @@
                         <a:p>
                           <a:pPr algn="ctr"/>
                           <a:r>
-                            <a:rPr lang="en-US" altLang="zh-CN" dirty="0" smtClean="0"/>
+                            <a:rPr lang="en-US" altLang="zh-CN" dirty="0"/>
                             <a:t>20</a:t>
                           </a:r>
                           <a:endParaRPr lang="zh-CN" altLang="en-US" dirty="0"/>
@@ -21890,7 +21840,7 @@
                     </a:tc>
                     <a:extLst>
                       <a:ext uri="{0D108BD9-81ED-4DB2-BD59-A6C34878D82A}">
-                        <a16:rowId xmlns:a16="http://schemas.microsoft.com/office/drawing/2014/main" xmlns="" val="1967244540"/>
+                        <a16:rowId xmlns:a16="http://schemas.microsoft.com/office/drawing/2014/main" val="1967244540"/>
                       </a:ext>
                     </a:extLst>
                   </a:tr>
@@ -21917,7 +21867,7 @@
                         <a:p>
                           <a:pPr algn="ctr"/>
                           <a:r>
-                            <a:rPr lang="en-US" altLang="zh-CN" dirty="0" smtClean="0"/>
+                            <a:rPr lang="en-US" altLang="zh-CN" dirty="0"/>
                             <a:t>3</a:t>
                           </a:r>
                           <a:endParaRPr lang="zh-CN" altLang="en-US" dirty="0"/>
@@ -21932,7 +21882,7 @@
                         <a:p>
                           <a:pPr algn="ctr"/>
                           <a:r>
-                            <a:rPr lang="en-US" altLang="zh-CN" dirty="0" smtClean="0"/>
+                            <a:rPr lang="en-US" altLang="zh-CN" dirty="0"/>
                             <a:t>10</a:t>
                           </a:r>
                           <a:endParaRPr lang="zh-CN" altLang="en-US" dirty="0"/>
@@ -21947,7 +21897,7 @@
                         <a:p>
                           <a:pPr algn="ctr"/>
                           <a:r>
-                            <a:rPr lang="en-US" altLang="zh-CN" dirty="0" smtClean="0"/>
+                            <a:rPr lang="en-US" altLang="zh-CN" dirty="0"/>
                             <a:t>510</a:t>
                           </a:r>
                           <a:endParaRPr lang="zh-CN" altLang="en-US" dirty="0"/>
@@ -21957,7 +21907,7 @@
                     </a:tc>
                     <a:extLst>
                       <a:ext uri="{0D108BD9-81ED-4DB2-BD59-A6C34878D82A}">
-                        <a16:rowId xmlns:a16="http://schemas.microsoft.com/office/drawing/2014/main" xmlns="" val="1823030155"/>
+                        <a16:rowId xmlns:a16="http://schemas.microsoft.com/office/drawing/2014/main" val="1823030155"/>
                       </a:ext>
                     </a:extLst>
                   </a:tr>
@@ -21984,7 +21934,7 @@
                         <a:p>
                           <a:pPr algn="ctr"/>
                           <a:r>
-                            <a:rPr lang="en-US" altLang="zh-CN" dirty="0" smtClean="0"/>
+                            <a:rPr lang="en-US" altLang="zh-CN" dirty="0"/>
                             <a:t>1</a:t>
                           </a:r>
                           <a:endParaRPr lang="zh-CN" altLang="en-US" dirty="0"/>
@@ -21999,7 +21949,7 @@
                         <a:p>
                           <a:pPr algn="ctr"/>
                           <a:r>
-                            <a:rPr lang="en-US" altLang="zh-CN" dirty="0" smtClean="0"/>
+                            <a:rPr lang="en-US" altLang="zh-CN" dirty="0"/>
                             <a:t>30</a:t>
                           </a:r>
                           <a:endParaRPr lang="zh-CN" altLang="en-US" dirty="0"/>
@@ -22024,7 +21974,7 @@
                     </a:tc>
                     <a:extLst>
                       <a:ext uri="{0D108BD9-81ED-4DB2-BD59-A6C34878D82A}">
-                        <a16:rowId xmlns:a16="http://schemas.microsoft.com/office/drawing/2014/main" xmlns="" val="1815547532"/>
+                        <a16:rowId xmlns:a16="http://schemas.microsoft.com/office/drawing/2014/main" val="1815547532"/>
                       </a:ext>
                     </a:extLst>
                   </a:tr>
@@ -22036,7 +21986,7 @@
                         <a:p>
                           <a:pPr algn="ctr"/>
                           <a:r>
-                            <a:rPr lang="en-US" altLang="zh-CN" dirty="0" smtClean="0"/>
+                            <a:rPr lang="en-US" altLang="zh-CN" dirty="0"/>
                             <a:t>90</a:t>
                           </a:r>
                           <a:endParaRPr lang="zh-CN" altLang="en-US" dirty="0"/>
@@ -22067,10 +22017,10 @@
                             <a:defRPr/>
                           </a:pPr>
                           <a:r>
-                            <a:rPr lang="en-US" altLang="zh-CN" dirty="0" smtClean="0"/>
+                            <a:rPr lang="en-US" altLang="zh-CN" dirty="0"/>
                             <a:t>1</a:t>
                           </a:r>
-                          <a:endParaRPr lang="zh-CN" altLang="en-US" dirty="0" smtClean="0"/>
+                          <a:endParaRPr lang="zh-CN" altLang="en-US" dirty="0"/>
                         </a:p>
                       </a:txBody>
                       <a:tcPr/>
@@ -22098,10 +22048,10 @@
                             <a:defRPr/>
                           </a:pPr>
                           <a:r>
-                            <a:rPr lang="en-US" altLang="zh-CN" dirty="0" smtClean="0"/>
+                            <a:rPr lang="en-US" altLang="zh-CN" dirty="0"/>
                             <a:t>5</a:t>
                           </a:r>
-                          <a:endParaRPr lang="zh-CN" altLang="en-US" dirty="0" smtClean="0"/>
+                          <a:endParaRPr lang="zh-CN" altLang="en-US" dirty="0"/>
                         </a:p>
                       </a:txBody>
                       <a:tcPr/>
@@ -22113,7 +22063,7 @@
                         <a:p>
                           <a:pPr algn="ctr"/>
                           <a:r>
-                            <a:rPr lang="en-US" altLang="zh-CN" dirty="0" smtClean="0"/>
+                            <a:rPr lang="en-US" altLang="zh-CN" dirty="0"/>
                             <a:t>500</a:t>
                           </a:r>
                           <a:endParaRPr lang="zh-CN" altLang="en-US" dirty="0"/>
@@ -22123,7 +22073,7 @@
                     </a:tc>
                     <a:extLst>
                       <a:ext uri="{0D108BD9-81ED-4DB2-BD59-A6C34878D82A}">
-                        <a16:rowId xmlns:a16="http://schemas.microsoft.com/office/drawing/2014/main" xmlns="" val="168178639"/>
+                        <a16:rowId xmlns:a16="http://schemas.microsoft.com/office/drawing/2014/main" val="168178639"/>
                       </a:ext>
                     </a:extLst>
                   </a:tr>
@@ -22132,13 +22082,13 @@
             </a:graphic>
           </p:graphicFrame>
         </mc:Choice>
-        <mc:Fallback xmlns="">
+        <mc:Fallback>
           <p:graphicFrame>
             <p:nvGraphicFramePr>
               <p:cNvPr id="8" name="内容占位符 6">
                 <a:extLst>
                   <a:ext uri="{FF2B5EF4-FFF2-40B4-BE49-F238E27FC236}">
-                    <a16:creationId xmlns:a16="http://schemas.microsoft.com/office/drawing/2014/main" xmlns="" xmlns:a14="http://schemas.microsoft.com/office/drawing/2010/main" id="{EB980026-D29F-4C6E-9BFC-18210325D87E}"/>
+                    <a16:creationId xmlns:a16="http://schemas.microsoft.com/office/drawing/2014/main" id="{EB980026-D29F-4C6E-9BFC-18210325D87E}"/>
                   </a:ext>
                 </a:extLst>
               </p:cNvPr>
@@ -22148,13 +22098,13 @@
               <p:nvPr>
                 <p:extLst>
                   <p:ext uri="{D42A27DB-BD31-4B8C-83A1-F6EECF244321}">
-                    <p14:modId xmlns:p14="http://schemas.microsoft.com/office/powerpoint/2010/main" val="764001172"/>
+                    <p14:modId xmlns:p14="http://schemas.microsoft.com/office/powerpoint/2010/main" val="4216122346"/>
                   </p:ext>
                 </p:extLst>
               </p:nvPr>
             </p:nvGraphicFramePr>
             <p:xfrm>
-              <a:off x="1253763" y="2434135"/>
+              <a:off x="1253762" y="2748548"/>
               <a:ext cx="4742732" cy="1854200"/>
             </p:xfrm>
             <a:graphic>
@@ -22167,16 +22117,28 @@
                     <a:gridCol w="1185683">
                       <a:extLst>
                         <a:ext uri="{9D8B030D-6E8A-4147-A177-3AD203B41FA5}">
-                          <a16:colId xmlns:a16="http://schemas.microsoft.com/office/drawing/2014/main" xmlns="" xmlns:a14="http://schemas.microsoft.com/office/drawing/2010/main" val="849694925"/>
+                          <a16:colId xmlns:a16="http://schemas.microsoft.com/office/drawing/2014/main" val="849694925"/>
                         </a:ext>
                       </a:extLst>
                     </a:gridCol>
-                    <a:gridCol w="1185683"/>
-                    <a:gridCol w="1185683"/>
                     <a:gridCol w="1185683">
                       <a:extLst>
                         <a:ext uri="{9D8B030D-6E8A-4147-A177-3AD203B41FA5}">
-                          <a16:colId xmlns:a16="http://schemas.microsoft.com/office/drawing/2014/main" xmlns="" xmlns:a14="http://schemas.microsoft.com/office/drawing/2010/main" val="2032597962"/>
+                          <a16:colId xmlns:a16="http://schemas.microsoft.com/office/drawing/2014/main" val="20001"/>
+                        </a:ext>
+                      </a:extLst>
+                    </a:gridCol>
+                    <a:gridCol w="1185683">
+                      <a:extLst>
+                        <a:ext uri="{9D8B030D-6E8A-4147-A177-3AD203B41FA5}">
+                          <a16:colId xmlns:a16="http://schemas.microsoft.com/office/drawing/2014/main" val="20002"/>
+                        </a:ext>
+                      </a:extLst>
+                    </a:gridCol>
+                    <a:gridCol w="1185683">
+                      <a:extLst>
+                        <a:ext uri="{9D8B030D-6E8A-4147-A177-3AD203B41FA5}">
+                          <a16:colId xmlns:a16="http://schemas.microsoft.com/office/drawing/2014/main" val="2032597962"/>
                         </a:ext>
                       </a:extLst>
                     </a:gridCol>
@@ -22191,10 +22153,10 @@
                         </a:p>
                       </a:txBody>
                       <a:tcPr>
-                        <a:blipFill rotWithShape="0">
+                        <a:blipFill>
                           <a:blip r:embed="rId3"/>
                           <a:stretch>
-                            <a:fillRect l="-513" t="-3279" r="-301538" b="-403279"/>
+                            <a:fillRect l="-513" t="-3279" r="-301538" b="-404918"/>
                           </a:stretch>
                         </a:blipFill>
                       </a:tcPr>
@@ -22208,10 +22170,10 @@
                         </a:p>
                       </a:txBody>
                       <a:tcPr>
-                        <a:blipFill rotWithShape="0">
+                        <a:blipFill>
                           <a:blip r:embed="rId3"/>
                           <a:stretch>
-                            <a:fillRect l="-100513" t="-3279" r="-201538" b="-403279"/>
+                            <a:fillRect l="-100513" t="-3279" r="-201538" b="-404918"/>
                           </a:stretch>
                         </a:blipFill>
                       </a:tcPr>
@@ -22225,10 +22187,10 @@
                         </a:p>
                       </a:txBody>
                       <a:tcPr>
-                        <a:blipFill rotWithShape="0">
+                        <a:blipFill>
                           <a:blip r:embed="rId3"/>
                           <a:stretch>
-                            <a:fillRect l="-201546" t="-3279" r="-102577" b="-403279"/>
+                            <a:fillRect l="-201546" t="-3279" r="-102577" b="-404918"/>
                           </a:stretch>
                         </a:blipFill>
                       </a:tcPr>
@@ -22242,17 +22204,17 @@
                         </a:p>
                       </a:txBody>
                       <a:tcPr>
-                        <a:blipFill rotWithShape="0">
+                        <a:blipFill>
                           <a:blip r:embed="rId3"/>
                           <a:stretch>
-                            <a:fillRect l="-300000" t="-3279" r="-2051" b="-403279"/>
+                            <a:fillRect l="-300000" t="-3279" r="-2051" b="-404918"/>
                           </a:stretch>
                         </a:blipFill>
                       </a:tcPr>
                     </a:tc>
                     <a:extLst>
                       <a:ext uri="{0D108BD9-81ED-4DB2-BD59-A6C34878D82A}">
-                        <a16:rowId xmlns:a16="http://schemas.microsoft.com/office/drawing/2014/main" xmlns="" xmlns:a14="http://schemas.microsoft.com/office/drawing/2010/main" val="246005499"/>
+                        <a16:rowId xmlns:a16="http://schemas.microsoft.com/office/drawing/2014/main" val="246005499"/>
                       </a:ext>
                     </a:extLst>
                   </a:tr>
@@ -22279,7 +22241,7 @@
                         <a:p>
                           <a:pPr algn="ctr"/>
                           <a:r>
-                            <a:rPr lang="en-US" altLang="zh-CN" dirty="0" smtClean="0"/>
+                            <a:rPr lang="en-US" altLang="zh-CN" dirty="0"/>
                             <a:t>2</a:t>
                           </a:r>
                           <a:endParaRPr lang="zh-CN" altLang="en-US" dirty="0"/>
@@ -22294,7 +22256,7 @@
                         <a:p>
                           <a:pPr algn="ctr"/>
                           <a:r>
-                            <a:rPr lang="en-US" altLang="zh-CN" dirty="0" smtClean="0"/>
+                            <a:rPr lang="en-US" altLang="zh-CN" dirty="0"/>
                             <a:t>20</a:t>
                           </a:r>
                           <a:endParaRPr lang="zh-CN" altLang="en-US" dirty="0"/>
@@ -22319,7 +22281,7 @@
                     </a:tc>
                     <a:extLst>
                       <a:ext uri="{0D108BD9-81ED-4DB2-BD59-A6C34878D82A}">
-                        <a16:rowId xmlns:a16="http://schemas.microsoft.com/office/drawing/2014/main" xmlns="" xmlns:a14="http://schemas.microsoft.com/office/drawing/2010/main" val="1967244540"/>
+                        <a16:rowId xmlns:a16="http://schemas.microsoft.com/office/drawing/2014/main" val="1967244540"/>
                       </a:ext>
                     </a:extLst>
                   </a:tr>
@@ -22346,7 +22308,7 @@
                         <a:p>
                           <a:pPr algn="ctr"/>
                           <a:r>
-                            <a:rPr lang="en-US" altLang="zh-CN" dirty="0" smtClean="0"/>
+                            <a:rPr lang="en-US" altLang="zh-CN" dirty="0"/>
                             <a:t>3</a:t>
                           </a:r>
                           <a:endParaRPr lang="zh-CN" altLang="en-US" dirty="0"/>
@@ -22361,7 +22323,7 @@
                         <a:p>
                           <a:pPr algn="ctr"/>
                           <a:r>
-                            <a:rPr lang="en-US" altLang="zh-CN" dirty="0" smtClean="0"/>
+                            <a:rPr lang="en-US" altLang="zh-CN" dirty="0"/>
                             <a:t>10</a:t>
                           </a:r>
                           <a:endParaRPr lang="zh-CN" altLang="en-US" dirty="0"/>
@@ -22376,7 +22338,7 @@
                         <a:p>
                           <a:pPr algn="ctr"/>
                           <a:r>
-                            <a:rPr lang="en-US" altLang="zh-CN" dirty="0" smtClean="0"/>
+                            <a:rPr lang="en-US" altLang="zh-CN" dirty="0"/>
                             <a:t>510</a:t>
                           </a:r>
                           <a:endParaRPr lang="zh-CN" altLang="en-US" dirty="0"/>
@@ -22386,7 +22348,7 @@
                     </a:tc>
                     <a:extLst>
                       <a:ext uri="{0D108BD9-81ED-4DB2-BD59-A6C34878D82A}">
-                        <a16:rowId xmlns:a16="http://schemas.microsoft.com/office/drawing/2014/main" xmlns="" xmlns:a14="http://schemas.microsoft.com/office/drawing/2010/main" val="1823030155"/>
+                        <a16:rowId xmlns:a16="http://schemas.microsoft.com/office/drawing/2014/main" val="1823030155"/>
                       </a:ext>
                     </a:extLst>
                   </a:tr>
@@ -22413,7 +22375,7 @@
                         <a:p>
                           <a:pPr algn="ctr"/>
                           <a:r>
-                            <a:rPr lang="en-US" altLang="zh-CN" dirty="0" smtClean="0"/>
+                            <a:rPr lang="en-US" altLang="zh-CN" dirty="0"/>
                             <a:t>1</a:t>
                           </a:r>
                           <a:endParaRPr lang="zh-CN" altLang="en-US" dirty="0"/>
@@ -22428,7 +22390,7 @@
                         <a:p>
                           <a:pPr algn="ctr"/>
                           <a:r>
-                            <a:rPr lang="en-US" altLang="zh-CN" dirty="0" smtClean="0"/>
+                            <a:rPr lang="en-US" altLang="zh-CN" dirty="0"/>
                             <a:t>30</a:t>
                           </a:r>
                           <a:endParaRPr lang="zh-CN" altLang="en-US" dirty="0"/>
@@ -22453,7 +22415,7 @@
                     </a:tc>
                     <a:extLst>
                       <a:ext uri="{0D108BD9-81ED-4DB2-BD59-A6C34878D82A}">
-                        <a16:rowId xmlns:a16="http://schemas.microsoft.com/office/drawing/2014/main" xmlns="" xmlns:a14="http://schemas.microsoft.com/office/drawing/2010/main" val="1815547532"/>
+                        <a16:rowId xmlns:a16="http://schemas.microsoft.com/office/drawing/2014/main" val="1815547532"/>
                       </a:ext>
                     </a:extLst>
                   </a:tr>
@@ -22465,7 +22427,7 @@
                         <a:p>
                           <a:pPr algn="ctr"/>
                           <a:r>
-                            <a:rPr lang="en-US" altLang="zh-CN" dirty="0" smtClean="0"/>
+                            <a:rPr lang="en-US" altLang="zh-CN" dirty="0"/>
                             <a:t>90</a:t>
                           </a:r>
                           <a:endParaRPr lang="zh-CN" altLang="en-US" dirty="0"/>
@@ -22496,10 +22458,10 @@
                             <a:defRPr/>
                           </a:pPr>
                           <a:r>
-                            <a:rPr lang="en-US" altLang="zh-CN" dirty="0" smtClean="0"/>
+                            <a:rPr lang="en-US" altLang="zh-CN" dirty="0"/>
                             <a:t>1</a:t>
                           </a:r>
-                          <a:endParaRPr lang="zh-CN" altLang="en-US" dirty="0" smtClean="0"/>
+                          <a:endParaRPr lang="zh-CN" altLang="en-US" dirty="0"/>
                         </a:p>
                       </a:txBody>
                       <a:tcPr/>
@@ -22527,10 +22489,10 @@
                             <a:defRPr/>
                           </a:pPr>
                           <a:r>
-                            <a:rPr lang="en-US" altLang="zh-CN" dirty="0" smtClean="0"/>
+                            <a:rPr lang="en-US" altLang="zh-CN" dirty="0"/>
                             <a:t>5</a:t>
                           </a:r>
-                          <a:endParaRPr lang="zh-CN" altLang="en-US" dirty="0" smtClean="0"/>
+                          <a:endParaRPr lang="zh-CN" altLang="en-US" dirty="0"/>
                         </a:p>
                       </a:txBody>
                       <a:tcPr/>
@@ -22542,7 +22504,7 @@
                         <a:p>
                           <a:pPr algn="ctr"/>
                           <a:r>
-                            <a:rPr lang="en-US" altLang="zh-CN" dirty="0" smtClean="0"/>
+                            <a:rPr lang="en-US" altLang="zh-CN" dirty="0"/>
                             <a:t>500</a:t>
                           </a:r>
                           <a:endParaRPr lang="zh-CN" altLang="en-US" dirty="0"/>
@@ -22552,7 +22514,7 @@
                     </a:tc>
                     <a:extLst>
                       <a:ext uri="{0D108BD9-81ED-4DB2-BD59-A6C34878D82A}">
-                        <a16:rowId xmlns:a16="http://schemas.microsoft.com/office/drawing/2014/main" xmlns="" xmlns:a14="http://schemas.microsoft.com/office/drawing/2010/main" val="168178639"/>
+                        <a16:rowId xmlns:a16="http://schemas.microsoft.com/office/drawing/2014/main" val="168178639"/>
                       </a:ext>
                     </a:extLst>
                   </a:tr>
@@ -22572,7 +22534,7 @@
             </p:nvSpPr>
             <p:spPr>
               <a:xfrm>
-                <a:off x="7107811" y="2765398"/>
+                <a:off x="7065621" y="3000685"/>
                 <a:ext cx="4741682" cy="1191673"/>
               </a:xfrm>
               <a:prstGeom prst="rect">
@@ -22611,7 +22573,7 @@
                           <m:endChr m:val="]"/>
                           <m:ctrlPr>
                             <a:rPr kumimoji="1" lang="en-US" altLang="zh-CN" b="0" i="1" smtClean="0">
-                              <a:latin typeface="Cambria Math" charset="0"/>
+                              <a:latin typeface="Cambria Math" panose="02040503050406030204" pitchFamily="18" charset="0"/>
                             </a:rPr>
                           </m:ctrlPr>
                         </m:dPr>
@@ -22622,7 +22584,7 @@
                               <m:endChr m:val=""/>
                               <m:ctrlPr>
                                 <a:rPr kumimoji="1" lang="en-US" altLang="zh-CN" b="0" i="1" smtClean="0">
-                                  <a:latin typeface="Cambria Math" charset="0"/>
+                                  <a:latin typeface="Cambria Math" panose="02040503050406030204" pitchFamily="18" charset="0"/>
                                 </a:rPr>
                               </m:ctrlPr>
                             </m:dPr>
@@ -22639,7 +22601,7 @@
                                   </m:mcs>
                                   <m:ctrlPr>
                                     <a:rPr kumimoji="1" lang="en-US" altLang="zh-CN" b="0" i="1" smtClean="0">
-                                      <a:latin typeface="Cambria Math" charset="0"/>
+                                      <a:latin typeface="Cambria Math" panose="02040503050406030204" pitchFamily="18" charset="0"/>
                                     </a:rPr>
                                   </m:ctrlPr>
                                 </m:mPr>
@@ -22817,7 +22779,7 @@
                           <m:endChr m:val="]"/>
                           <m:ctrlPr>
                             <a:rPr kumimoji="1" lang="en-US" altLang="zh-CN" b="0" i="1" smtClean="0">
-                              <a:latin typeface="Cambria Math" charset="0"/>
+                              <a:latin typeface="Cambria Math" panose="02040503050406030204" pitchFamily="18" charset="0"/>
                             </a:rPr>
                           </m:ctrlPr>
                         </m:dPr>
@@ -22828,7 +22790,7 @@
                               <m:endChr m:val=""/>
                               <m:ctrlPr>
                                 <a:rPr kumimoji="1" lang="en-US" altLang="zh-CN" b="0" i="1" smtClean="0">
-                                  <a:latin typeface="Cambria Math" charset="0"/>
+                                  <a:latin typeface="Cambria Math" panose="02040503050406030204" pitchFamily="18" charset="0"/>
                                 </a:rPr>
                               </m:ctrlPr>
                             </m:dPr>
@@ -22845,7 +22807,7 @@
                                   </m:mcs>
                                   <m:ctrlPr>
                                     <a:rPr kumimoji="1" lang="mr-IN" altLang="zh-CN" b="0" i="1" smtClean="0">
-                                      <a:latin typeface="Cambria Math" charset="0"/>
+                                      <a:latin typeface="Cambria Math" panose="02040503050406030204" pitchFamily="18" charset="0"/>
                                     </a:rPr>
                                   </m:ctrlPr>
                                 </m:mPr>
@@ -22897,7 +22859,7 @@
                     </m:oMath>
                   </m:oMathPara>
                 </a14:m>
-                <a:endParaRPr kumimoji="1" lang="en-US" altLang="zh-CN" b="0" dirty="0" smtClean="0"/>
+                <a:endParaRPr kumimoji="1" lang="en-US" altLang="zh-CN" b="0" dirty="0"/>
               </a:p>
             </p:txBody>
           </p:sp>
@@ -22913,13 +22875,13 @@
             </p:nvSpPr>
             <p:spPr>
               <a:xfrm>
-                <a:off x="7107811" y="2765398"/>
+                <a:off x="7065621" y="3000685"/>
                 <a:ext cx="4741682" cy="1191673"/>
               </a:xfrm>
               <a:prstGeom prst="rect">
                 <a:avLst/>
               </a:prstGeom>
-              <a:blipFill rotWithShape="0">
+              <a:blipFill>
                 <a:blip r:embed="rId4"/>
                 <a:stretch>
                   <a:fillRect/>
@@ -22949,7 +22911,7 @@
         </p:nvSpPr>
         <p:spPr>
           <a:xfrm>
-            <a:off x="6297105" y="3227191"/>
+            <a:off x="6195508" y="3466009"/>
             <a:ext cx="1253765" cy="268086"/>
           </a:xfrm>
           <a:prstGeom prst="notchedRightArrow">
@@ -22984,6 +22946,380 @@
           </a:p>
         </p:txBody>
       </p:sp>
+      <mc:AlternateContent xmlns:mc="http://schemas.openxmlformats.org/markup-compatibility/2006">
+        <mc:Choice xmlns:a14="http://schemas.microsoft.com/office/drawing/2010/main" Requires="a14">
+          <p:sp>
+            <p:nvSpPr>
+              <p:cNvPr id="10" name="文本框 9">
+                <a:extLst>
+                  <a:ext uri="{FF2B5EF4-FFF2-40B4-BE49-F238E27FC236}">
+                    <a16:creationId xmlns:a16="http://schemas.microsoft.com/office/drawing/2014/main" id="{031AAC50-8456-46EE-9E8B-4EA08C80E6F1}"/>
+                  </a:ext>
+                </a:extLst>
+              </p:cNvPr>
+              <p:cNvSpPr txBox="1"/>
+              <p:nvPr/>
+            </p:nvSpPr>
+            <p:spPr>
+              <a:xfrm>
+                <a:off x="1241425" y="4747214"/>
+                <a:ext cx="4425949" cy="1417055"/>
+              </a:xfrm>
+              <a:prstGeom prst="rect">
+                <a:avLst/>
+              </a:prstGeom>
+              <a:noFill/>
+            </p:spPr>
+            <p:txBody>
+              <a:bodyPr wrap="square" rtlCol="0">
+                <a:spAutoFit/>
+              </a:bodyPr>
+              <a:lstStyle/>
+              <a:p>
+                <a:r>
+                  <a:rPr lang="zh-CN" altLang="en-US" dirty="0"/>
+                  <a:t>设</a:t>
+                </a:r>
+                <a14:m>
+                  <m:oMath xmlns:m="http://schemas.openxmlformats.org/officeDocument/2006/math">
+                    <m:r>
+                      <a:rPr lang="en-US" altLang="zh-CN" b="0" i="1" smtClean="0">
+                        <a:latin typeface="Cambria Math" panose="02040503050406030204" pitchFamily="18" charset="0"/>
+                      </a:rPr>
+                      <m:t>𝜃</m:t>
+                    </m:r>
+                    <m:r>
+                      <a:rPr lang="en-US" altLang="zh-CN" b="0" i="1" smtClean="0">
+                        <a:latin typeface="Cambria Math" panose="02040503050406030204" pitchFamily="18" charset="0"/>
+                      </a:rPr>
+                      <m:t>=</m:t>
+                    </m:r>
+                    <m:d>
+                      <m:dPr>
+                        <m:ctrlPr>
+                          <a:rPr lang="en-US" altLang="zh-CN" b="0" i="1" smtClean="0">
+                            <a:latin typeface="Cambria Math" panose="02040503050406030204" pitchFamily="18" charset="0"/>
+                          </a:rPr>
+                        </m:ctrlPr>
+                      </m:dPr>
+                      <m:e>
+                        <m:m>
+                          <m:mPr>
+                            <m:mcs>
+                              <m:mc>
+                                <m:mcPr>
+                                  <m:count m:val="1"/>
+                                  <m:mcJc m:val="center"/>
+                                </m:mcPr>
+                              </m:mc>
+                            </m:mcs>
+                            <m:ctrlPr>
+                              <a:rPr lang="en-US" altLang="zh-CN" b="0" i="1" smtClean="0">
+                                <a:latin typeface="Cambria Math" panose="02040503050406030204" pitchFamily="18" charset="0"/>
+                              </a:rPr>
+                            </m:ctrlPr>
+                          </m:mPr>
+                          <m:mr>
+                            <m:e>
+                              <m:r>
+                                <a:rPr lang="en-US" altLang="zh-CN" b="0" i="1" smtClean="0">
+                                  <a:latin typeface="Cambria Math" panose="02040503050406030204" pitchFamily="18" charset="0"/>
+                                </a:rPr>
+                                <m:t>𝑏</m:t>
+                              </m:r>
+                            </m:e>
+                          </m:mr>
+                          <m:mr>
+                            <m:e>
+                              <m:sSub>
+                                <m:sSubPr>
+                                  <m:ctrlPr>
+                                    <a:rPr lang="en-US" altLang="zh-CN" b="0" i="1" smtClean="0">
+                                      <a:latin typeface="Cambria Math" panose="02040503050406030204" pitchFamily="18" charset="0"/>
+                                    </a:rPr>
+                                  </m:ctrlPr>
+                                </m:sSubPr>
+                                <m:e>
+                                  <m:r>
+                                    <a:rPr lang="en-US" altLang="zh-CN" b="0" i="1" smtClean="0">
+                                      <a:latin typeface="Cambria Math" panose="02040503050406030204" pitchFamily="18" charset="0"/>
+                                    </a:rPr>
+                                    <m:t>𝑤</m:t>
+                                  </m:r>
+                                </m:e>
+                                <m:sub>
+                                  <m:r>
+                                    <a:rPr lang="en-US" altLang="zh-CN" b="0" i="1" smtClean="0">
+                                      <a:latin typeface="Cambria Math" panose="02040503050406030204" pitchFamily="18" charset="0"/>
+                                    </a:rPr>
+                                    <m:t>1</m:t>
+                                  </m:r>
+                                </m:sub>
+                              </m:sSub>
+                            </m:e>
+                          </m:mr>
+                          <m:mr>
+                            <m:e>
+                              <m:sSub>
+                                <m:sSubPr>
+                                  <m:ctrlPr>
+                                    <a:rPr lang="en-US" altLang="zh-CN" b="0" i="1" smtClean="0">
+                                      <a:latin typeface="Cambria Math" panose="02040503050406030204" pitchFamily="18" charset="0"/>
+                                    </a:rPr>
+                                  </m:ctrlPr>
+                                </m:sSubPr>
+                                <m:e>
+                                  <m:r>
+                                    <a:rPr lang="en-US" altLang="zh-CN" b="0" i="1" smtClean="0">
+                                      <a:latin typeface="Cambria Math" panose="02040503050406030204" pitchFamily="18" charset="0"/>
+                                    </a:rPr>
+                                    <m:t>𝑤</m:t>
+                                  </m:r>
+                                </m:e>
+                                <m:sub>
+                                  <m:r>
+                                    <a:rPr lang="en-US" altLang="zh-CN" b="0" i="1" smtClean="0">
+                                      <a:latin typeface="Cambria Math" panose="02040503050406030204" pitchFamily="18" charset="0"/>
+                                    </a:rPr>
+                                    <m:t>2</m:t>
+                                  </m:r>
+                                </m:sub>
+                              </m:sSub>
+                            </m:e>
+                          </m:mr>
+                          <m:mr>
+                            <m:e>
+                              <m:r>
+                                <a:rPr lang="en-US" altLang="zh-CN" b="0" i="1" smtClean="0">
+                                  <a:latin typeface="Cambria Math" panose="02040503050406030204" pitchFamily="18" charset="0"/>
+                                </a:rPr>
+                                <m:t>⋯</m:t>
+                              </m:r>
+                            </m:e>
+                          </m:mr>
+                          <m:mr>
+                            <m:e>
+                              <m:sSub>
+                                <m:sSubPr>
+                                  <m:ctrlPr>
+                                    <a:rPr lang="en-US" altLang="zh-CN" b="0" i="1" smtClean="0">
+                                      <a:latin typeface="Cambria Math" panose="02040503050406030204" pitchFamily="18" charset="0"/>
+                                    </a:rPr>
+                                  </m:ctrlPr>
+                                </m:sSubPr>
+                                <m:e>
+                                  <m:r>
+                                    <a:rPr lang="en-US" altLang="zh-CN" i="1" smtClean="0">
+                                      <a:latin typeface="Cambria Math" panose="02040503050406030204" pitchFamily="18" charset="0"/>
+                                    </a:rPr>
+                                    <m:t>𝑤</m:t>
+                                  </m:r>
+                                </m:e>
+                                <m:sub>
+                                  <m:r>
+                                    <a:rPr lang="en-US" altLang="zh-CN" b="0" i="1" smtClean="0">
+                                      <a:latin typeface="Cambria Math" panose="02040503050406030204" pitchFamily="18" charset="0"/>
+                                    </a:rPr>
+                                    <m:t>𝑀</m:t>
+                                  </m:r>
+                                </m:sub>
+                              </m:sSub>
+                            </m:e>
+                          </m:mr>
+                        </m:m>
+                      </m:e>
+                    </m:d>
+                  </m:oMath>
+                </a14:m>
+                <a:r>
+                  <a:rPr lang="en-US" altLang="zh-CN" dirty="0"/>
+                  <a:t>, </a:t>
+                </a:r>
+                <a:r>
+                  <a:rPr lang="zh-CN" altLang="en-US" dirty="0"/>
+                  <a:t>则最优解</a:t>
+                </a:r>
+                <a14:m>
+                  <m:oMath xmlns:m="http://schemas.openxmlformats.org/officeDocument/2006/math">
+                    <m:sSup>
+                      <m:sSupPr>
+                        <m:ctrlPr>
+                          <a:rPr lang="en-US" altLang="zh-CN" b="0" i="1" smtClean="0">
+                            <a:latin typeface="Cambria Math" panose="02040503050406030204" pitchFamily="18" charset="0"/>
+                          </a:rPr>
+                        </m:ctrlPr>
+                      </m:sSupPr>
+                      <m:e>
+                        <m:r>
+                          <a:rPr lang="en-US" altLang="zh-CN" b="0" i="1" smtClean="0">
+                            <a:latin typeface="Cambria Math" panose="02040503050406030204" pitchFamily="18" charset="0"/>
+                          </a:rPr>
+                          <m:t>𝜃</m:t>
+                        </m:r>
+                      </m:e>
+                      <m:sup>
+                        <m:r>
+                          <a:rPr lang="en-US" altLang="zh-CN" b="0" i="1" smtClean="0">
+                            <a:latin typeface="Cambria Math" panose="02040503050406030204" pitchFamily="18" charset="0"/>
+                          </a:rPr>
+                          <m:t>∗</m:t>
+                        </m:r>
+                      </m:sup>
+                    </m:sSup>
+                    <m:r>
+                      <a:rPr lang="en-US" altLang="zh-CN" b="0" i="1" smtClean="0">
+                        <a:latin typeface="Cambria Math" panose="02040503050406030204" pitchFamily="18" charset="0"/>
+                      </a:rPr>
+                      <m:t>=</m:t>
+                    </m:r>
+                    <m:sSup>
+                      <m:sSupPr>
+                        <m:ctrlPr>
+                          <a:rPr lang="en-US" altLang="zh-CN" b="0" i="1" smtClean="0">
+                            <a:latin typeface="Cambria Math" panose="02040503050406030204" pitchFamily="18" charset="0"/>
+                          </a:rPr>
+                        </m:ctrlPr>
+                      </m:sSupPr>
+                      <m:e>
+                        <m:d>
+                          <m:dPr>
+                            <m:ctrlPr>
+                              <a:rPr lang="en-US" altLang="zh-CN" b="0" i="1" smtClean="0">
+                                <a:latin typeface="Cambria Math" panose="02040503050406030204" pitchFamily="18" charset="0"/>
+                              </a:rPr>
+                            </m:ctrlPr>
+                          </m:dPr>
+                          <m:e>
+                            <m:sSup>
+                              <m:sSupPr>
+                                <m:ctrlPr>
+                                  <a:rPr lang="en-US" altLang="zh-CN" b="0" i="1" smtClean="0">
+                                    <a:latin typeface="Cambria Math" panose="02040503050406030204" pitchFamily="18" charset="0"/>
+                                  </a:rPr>
+                                </m:ctrlPr>
+                              </m:sSupPr>
+                              <m:e>
+                                <m:r>
+                                  <a:rPr lang="en-US" altLang="zh-CN" b="0" i="1" smtClean="0">
+                                    <a:latin typeface="Cambria Math" panose="02040503050406030204" pitchFamily="18" charset="0"/>
+                                  </a:rPr>
+                                  <m:t>𝑋</m:t>
+                                </m:r>
+                              </m:e>
+                              <m:sup>
+                                <m:r>
+                                  <a:rPr lang="en-US" altLang="zh-CN" b="0" i="1" smtClean="0">
+                                    <a:latin typeface="Cambria Math" panose="02040503050406030204" pitchFamily="18" charset="0"/>
+                                  </a:rPr>
+                                  <m:t>𝑇</m:t>
+                                </m:r>
+                              </m:sup>
+                            </m:sSup>
+                            <m:r>
+                              <a:rPr lang="en-US" altLang="zh-CN" b="0" i="1" smtClean="0">
+                                <a:latin typeface="Cambria Math" panose="02040503050406030204" pitchFamily="18" charset="0"/>
+                              </a:rPr>
+                              <m:t>𝑋</m:t>
+                            </m:r>
+                          </m:e>
+                        </m:d>
+                      </m:e>
+                      <m:sup>
+                        <m:r>
+                          <a:rPr lang="en-US" altLang="zh-CN" b="0" i="1" smtClean="0">
+                            <a:latin typeface="Cambria Math" panose="02040503050406030204" pitchFamily="18" charset="0"/>
+                          </a:rPr>
+                          <m:t>−1</m:t>
+                        </m:r>
+                      </m:sup>
+                    </m:sSup>
+                    <m:sSup>
+                      <m:sSupPr>
+                        <m:ctrlPr>
+                          <a:rPr lang="en-US" altLang="zh-CN" b="0" i="1" smtClean="0">
+                            <a:latin typeface="Cambria Math" panose="02040503050406030204" pitchFamily="18" charset="0"/>
+                          </a:rPr>
+                        </m:ctrlPr>
+                      </m:sSupPr>
+                      <m:e>
+                        <m:r>
+                          <a:rPr lang="en-US" altLang="zh-CN" b="0" i="1" smtClean="0">
+                            <a:latin typeface="Cambria Math" panose="02040503050406030204" pitchFamily="18" charset="0"/>
+                          </a:rPr>
+                          <m:t>𝑋</m:t>
+                        </m:r>
+                      </m:e>
+                      <m:sup>
+                        <m:r>
+                          <a:rPr lang="en-US" altLang="zh-CN" b="0" i="1" smtClean="0">
+                            <a:latin typeface="Cambria Math" panose="02040503050406030204" pitchFamily="18" charset="0"/>
+                          </a:rPr>
+                          <m:t>𝑇</m:t>
+                        </m:r>
+                      </m:sup>
+                    </m:sSup>
+                    <m:r>
+                      <a:rPr lang="en-US" altLang="zh-CN" b="0" i="1" smtClean="0">
+                        <a:latin typeface="Cambria Math" panose="02040503050406030204" pitchFamily="18" charset="0"/>
+                      </a:rPr>
+                      <m:t>𝑦</m:t>
+                    </m:r>
+                  </m:oMath>
+                </a14:m>
+                <a:r>
+                  <a:rPr lang="en-US" altLang="zh-CN" dirty="0"/>
+                  <a:t>.</a:t>
+                </a:r>
+                <a:endParaRPr lang="zh-CN" altLang="en-US" dirty="0"/>
+              </a:p>
+            </p:txBody>
+          </p:sp>
+        </mc:Choice>
+        <mc:Fallback>
+          <p:sp>
+            <p:nvSpPr>
+              <p:cNvPr id="10" name="文本框 9">
+                <a:extLst>
+                  <a:ext uri="{FF2B5EF4-FFF2-40B4-BE49-F238E27FC236}">
+                    <a16:creationId xmlns:a16="http://schemas.microsoft.com/office/drawing/2014/main" id="{031AAC50-8456-46EE-9E8B-4EA08C80E6F1}"/>
+                  </a:ext>
+                </a:extLst>
+              </p:cNvPr>
+              <p:cNvSpPr txBox="1">
+                <a:spLocks noRot="1" noChangeAspect="1" noMove="1" noResize="1" noEditPoints="1" noAdjustHandles="1" noChangeArrowheads="1" noChangeShapeType="1" noTextEdit="1"/>
+              </p:cNvSpPr>
+              <p:nvPr/>
+            </p:nvSpPr>
+            <p:spPr>
+              <a:xfrm>
+                <a:off x="1241425" y="4747214"/>
+                <a:ext cx="4425949" cy="1417055"/>
+              </a:xfrm>
+              <a:prstGeom prst="rect">
+                <a:avLst/>
+              </a:prstGeom>
+              <a:blipFill>
+                <a:blip r:embed="rId5"/>
+                <a:stretch>
+                  <a:fillRect l="-1240" r="-2893"/>
+                </a:stretch>
+              </a:blipFill>
+            </p:spPr>
+            <p:txBody>
+              <a:bodyPr/>
+              <a:lstStyle/>
+              <a:p>
+                <a:r>
+                  <a:rPr lang="zh-CN" altLang="en-US">
+                    <a:noFill/>
+                  </a:rPr>
+                  <a:t> </a:t>
+                </a:r>
+              </a:p>
+            </p:txBody>
+          </p:sp>
+        </mc:Fallback>
+      </mc:AlternateContent>
     </p:spTree>
     <p:extLst>
       <p:ext uri="{BB962C8B-B14F-4D97-AF65-F5344CB8AC3E}">
@@ -23019,7 +23355,7 @@
           <p:cNvPr id="2" name="标题 1">
             <a:extLst>
               <a:ext uri="{FF2B5EF4-FFF2-40B4-BE49-F238E27FC236}">
-                <a16:creationId xmlns:a16="http://schemas.microsoft.com/office/drawing/2014/main" xmlns="" id="{B966BEC1-8E01-4033-9E8D-E80CDC45987C}"/>
+                <a16:creationId xmlns:a16="http://schemas.microsoft.com/office/drawing/2014/main" id="{B966BEC1-8E01-4033-9E8D-E80CDC45987C}"/>
               </a:ext>
             </a:extLst>
           </p:cNvPr>
@@ -23047,7 +23383,7 @@
           <p:cNvPr id="3" name="内容占位符 2">
             <a:extLst>
               <a:ext uri="{FF2B5EF4-FFF2-40B4-BE49-F238E27FC236}">
-                <a16:creationId xmlns:a16="http://schemas.microsoft.com/office/drawing/2014/main" xmlns="" id="{235A2F31-B29B-4AD3-8BEB-CC1A791AFB6A}"/>
+                <a16:creationId xmlns:a16="http://schemas.microsoft.com/office/drawing/2014/main" id="{235A2F31-B29B-4AD3-8BEB-CC1A791AFB6A}"/>
               </a:ext>
             </a:extLst>
           </p:cNvPr>
@@ -23072,7 +23408,7 @@
           <p:cNvPr id="4" name="日期占位符 3">
             <a:extLst>
               <a:ext uri="{FF2B5EF4-FFF2-40B4-BE49-F238E27FC236}">
-                <a16:creationId xmlns:a16="http://schemas.microsoft.com/office/drawing/2014/main" xmlns="" id="{B0221C10-1A7A-4DA3-B090-F84BC1BFFFE0}"/>
+                <a16:creationId xmlns:a16="http://schemas.microsoft.com/office/drawing/2014/main" id="{B0221C10-1A7A-4DA3-B090-F84BC1BFFFE0}"/>
               </a:ext>
             </a:extLst>
           </p:cNvPr>
@@ -23104,7 +23440,7 @@
           <p:cNvPr id="5" name="页脚占位符 4">
             <a:extLst>
               <a:ext uri="{FF2B5EF4-FFF2-40B4-BE49-F238E27FC236}">
-                <a16:creationId xmlns:a16="http://schemas.microsoft.com/office/drawing/2014/main" xmlns="" id="{2573D4B4-E892-44B3-A996-95CC5C962DDC}"/>
+                <a16:creationId xmlns:a16="http://schemas.microsoft.com/office/drawing/2014/main" id="{2573D4B4-E892-44B3-A996-95CC5C962DDC}"/>
               </a:ext>
             </a:extLst>
           </p:cNvPr>
@@ -23136,7 +23472,7 @@
           <p:cNvPr id="6" name="灯片编号占位符 5">
             <a:extLst>
               <a:ext uri="{FF2B5EF4-FFF2-40B4-BE49-F238E27FC236}">
-                <a16:creationId xmlns:a16="http://schemas.microsoft.com/office/drawing/2014/main" xmlns="" id="{CD7E5279-6EB8-4DAF-BEEF-B9DAAC2BC40B}"/>
+                <a16:creationId xmlns:a16="http://schemas.microsoft.com/office/drawing/2014/main" id="{CD7E5279-6EB8-4DAF-BEEF-B9DAAC2BC40B}"/>
               </a:ext>
             </a:extLst>
           </p:cNvPr>
@@ -23171,7 +23507,7 @@
           <p:cNvPr id="6146" name="Picture 2" descr="http://photocdn.sohu.com/20160119/mp55295281_1453182841488_2.jpeg">
             <a:extLst>
               <a:ext uri="{FF2B5EF4-FFF2-40B4-BE49-F238E27FC236}">
-                <a16:creationId xmlns:a16="http://schemas.microsoft.com/office/drawing/2014/main" xmlns="" id="{116E99F8-60AE-47AB-8FA5-7919F5F410F5}"/>
+                <a16:creationId xmlns:a16="http://schemas.microsoft.com/office/drawing/2014/main" id="{116E99F8-60AE-47AB-8FA5-7919F5F410F5}"/>
               </a:ext>
             </a:extLst>
           </p:cNvPr>
@@ -23226,6 +23562,488 @@
 </p:sld>
 </file>
 
+<file path=ppt/slides/slide30.xml><?xml version="1.0" encoding="utf-8"?>
+<p:sld xmlns:a="http://schemas.openxmlformats.org/drawingml/2006/main" xmlns:r="http://schemas.openxmlformats.org/officeDocument/2006/relationships" xmlns:p="http://schemas.openxmlformats.org/presentationml/2006/main">
+  <p:cSld>
+    <p:spTree>
+      <p:nvGrpSpPr>
+        <p:cNvPr id="1" name=""/>
+        <p:cNvGrpSpPr/>
+        <p:nvPr/>
+      </p:nvGrpSpPr>
+      <p:grpSpPr>
+        <a:xfrm>
+          <a:off x="0" y="0"/>
+          <a:ext cx="0" cy="0"/>
+          <a:chOff x="0" y="0"/>
+          <a:chExt cx="0" cy="0"/>
+        </a:xfrm>
+      </p:grpSpPr>
+      <p:sp>
+        <p:nvSpPr>
+          <p:cNvPr id="2" name="标题 1">
+            <a:extLst>
+              <a:ext uri="{FF2B5EF4-FFF2-40B4-BE49-F238E27FC236}">
+                <a16:creationId xmlns:a16="http://schemas.microsoft.com/office/drawing/2014/main" id="{C761FBAE-E92E-4481-AF01-812B86CD582C}"/>
+              </a:ext>
+            </a:extLst>
+          </p:cNvPr>
+          <p:cNvSpPr>
+            <a:spLocks noGrp="1"/>
+          </p:cNvSpPr>
+          <p:nvPr>
+            <p:ph type="title"/>
+          </p:nvPr>
+        </p:nvSpPr>
+        <p:spPr/>
+        <p:txBody>
+          <a:bodyPr/>
+          <a:lstStyle/>
+          <a:p>
+            <a:r>
+              <a:rPr lang="zh-CN" altLang="en-US" dirty="0"/>
+              <a:t>多元线性回归：梯度下降法与正规方程法</a:t>
+            </a:r>
+          </a:p>
+        </p:txBody>
+      </p:sp>
+      <p:sp>
+        <p:nvSpPr>
+          <p:cNvPr id="3" name="内容占位符 2">
+            <a:extLst>
+              <a:ext uri="{FF2B5EF4-FFF2-40B4-BE49-F238E27FC236}">
+                <a16:creationId xmlns:a16="http://schemas.microsoft.com/office/drawing/2014/main" id="{167976FB-6BBE-4CBB-BCD6-DA29C635608B}"/>
+              </a:ext>
+            </a:extLst>
+          </p:cNvPr>
+          <p:cNvSpPr>
+            <a:spLocks noGrp="1"/>
+          </p:cNvSpPr>
+          <p:nvPr>
+            <p:ph idx="1"/>
+          </p:nvPr>
+        </p:nvSpPr>
+        <p:spPr/>
+        <p:txBody>
+          <a:bodyPr/>
+          <a:lstStyle/>
+          <a:p>
+            <a:r>
+              <a:rPr lang="zh-CN" altLang="en-US" dirty="0"/>
+              <a:t>在定义了损失函数之后，梯度下降法与正规方程法都可以求解最优参数。</a:t>
+            </a:r>
+            <a:endParaRPr lang="en-US" altLang="zh-CN" dirty="0"/>
+          </a:p>
+          <a:p>
+            <a:r>
+              <a:rPr lang="zh-CN" altLang="en-US" dirty="0"/>
+              <a:t>梯度下降法：</a:t>
+            </a:r>
+            <a:endParaRPr lang="en-US" altLang="zh-CN" dirty="0"/>
+          </a:p>
+          <a:p>
+            <a:pPr lvl="1"/>
+            <a:r>
+              <a:rPr lang="zh-CN" altLang="en-US" dirty="0"/>
+              <a:t>优点：可以应用到几乎所有机器学习问题</a:t>
+            </a:r>
+            <a:endParaRPr lang="en-US" altLang="zh-CN" dirty="0"/>
+          </a:p>
+          <a:p>
+            <a:pPr lvl="1"/>
+            <a:r>
+              <a:rPr lang="zh-CN" altLang="en-US" dirty="0"/>
+              <a:t>缺点：需要迭代多次</a:t>
+            </a:r>
+            <a:endParaRPr lang="en-US" altLang="zh-CN" dirty="0"/>
+          </a:p>
+          <a:p>
+            <a:r>
+              <a:rPr lang="zh-CN" altLang="en-US" dirty="0"/>
+              <a:t>正规方程法：</a:t>
+            </a:r>
+            <a:endParaRPr lang="en-US" altLang="zh-CN" dirty="0"/>
+          </a:p>
+          <a:p>
+            <a:pPr lvl="1"/>
+            <a:r>
+              <a:rPr lang="zh-CN" altLang="en-US" dirty="0"/>
+              <a:t>优点：不需要迭代，结果保证最优</a:t>
+            </a:r>
+            <a:endParaRPr lang="en-US" altLang="zh-CN" dirty="0"/>
+          </a:p>
+          <a:p>
+            <a:pPr lvl="1"/>
+            <a:r>
+              <a:rPr lang="zh-CN" altLang="en-US" dirty="0"/>
+              <a:t>缺点：当特征特别多时运行时间长；并非所有问题都有解析解</a:t>
+            </a:r>
+          </a:p>
+        </p:txBody>
+      </p:sp>
+      <p:sp>
+        <p:nvSpPr>
+          <p:cNvPr id="4" name="日期占位符 3">
+            <a:extLst>
+              <a:ext uri="{FF2B5EF4-FFF2-40B4-BE49-F238E27FC236}">
+                <a16:creationId xmlns:a16="http://schemas.microsoft.com/office/drawing/2014/main" id="{AC9E40C3-28D3-48EF-84FB-D4EEB39FA2AA}"/>
+              </a:ext>
+            </a:extLst>
+          </p:cNvPr>
+          <p:cNvSpPr>
+            <a:spLocks noGrp="1"/>
+          </p:cNvSpPr>
+          <p:nvPr>
+            <p:ph type="dt" sz="half" idx="10"/>
+          </p:nvPr>
+        </p:nvSpPr>
+        <p:spPr/>
+        <p:txBody>
+          <a:bodyPr/>
+          <a:lstStyle/>
+          <a:p>
+            <a:pPr>
+              <a:defRPr/>
+            </a:pPr>
+            <a:fld id="{95A2A19B-170D-1043-AE33-7A36DFB7BCDC}" type="datetime2">
+              <a:rPr lang="zh-CN" altLang="en-US" smtClean="0"/>
+              <a:t>2018年7月6日</a:t>
+            </a:fld>
+            <a:endParaRPr lang="en-US" altLang="zh-CN"/>
+          </a:p>
+        </p:txBody>
+      </p:sp>
+      <p:sp>
+        <p:nvSpPr>
+          <p:cNvPr id="5" name="页脚占位符 4">
+            <a:extLst>
+              <a:ext uri="{FF2B5EF4-FFF2-40B4-BE49-F238E27FC236}">
+                <a16:creationId xmlns:a16="http://schemas.microsoft.com/office/drawing/2014/main" id="{39460080-96B0-40B0-BE64-3BCE9BD248D2}"/>
+              </a:ext>
+            </a:extLst>
+          </p:cNvPr>
+          <p:cNvSpPr>
+            <a:spLocks noGrp="1"/>
+          </p:cNvSpPr>
+          <p:nvPr>
+            <p:ph type="ftr" sz="quarter" idx="11"/>
+          </p:nvPr>
+        </p:nvSpPr>
+        <p:spPr/>
+        <p:txBody>
+          <a:bodyPr/>
+          <a:lstStyle/>
+          <a:p>
+            <a:pPr>
+              <a:defRPr/>
+            </a:pPr>
+            <a:r>
+              <a:rPr lang="zh-CN" altLang="en-US"/>
+              <a:t>机器学习入门</a:t>
+            </a:r>
+            <a:endParaRPr lang="en-US" altLang="zh-CN" dirty="0"/>
+          </a:p>
+        </p:txBody>
+      </p:sp>
+      <p:sp>
+        <p:nvSpPr>
+          <p:cNvPr id="6" name="灯片编号占位符 5">
+            <a:extLst>
+              <a:ext uri="{FF2B5EF4-FFF2-40B4-BE49-F238E27FC236}">
+                <a16:creationId xmlns:a16="http://schemas.microsoft.com/office/drawing/2014/main" id="{8BB15B7A-FC3B-4A75-85E6-2ED9971B4D96}"/>
+              </a:ext>
+            </a:extLst>
+          </p:cNvPr>
+          <p:cNvSpPr>
+            <a:spLocks noGrp="1"/>
+          </p:cNvSpPr>
+          <p:nvPr>
+            <p:ph type="sldNum" sz="quarter" idx="12"/>
+          </p:nvPr>
+        </p:nvSpPr>
+        <p:spPr/>
+        <p:txBody>
+          <a:bodyPr/>
+          <a:lstStyle/>
+          <a:p>
+            <a:pPr>
+              <a:defRPr/>
+            </a:pPr>
+            <a:fld id="{64C9EB70-B654-4058-838F-8806615D92E5}" type="slidenum">
+              <a:rPr lang="en-US" altLang="zh-CN" smtClean="0"/>
+              <a:pPr>
+                <a:defRPr/>
+              </a:pPr>
+              <a:t>30</a:t>
+            </a:fld>
+            <a:endParaRPr lang="en-US" altLang="zh-CN"/>
+          </a:p>
+        </p:txBody>
+      </p:sp>
+    </p:spTree>
+    <p:extLst>
+      <p:ext uri="{BB962C8B-B14F-4D97-AF65-F5344CB8AC3E}">
+        <p14:creationId xmlns:p14="http://schemas.microsoft.com/office/powerpoint/2010/main" val="1154125996"/>
+      </p:ext>
+    </p:extLst>
+  </p:cSld>
+  <p:clrMapOvr>
+    <a:masterClrMapping/>
+  </p:clrMapOvr>
+</p:sld>
+</file>
+
+<file path=ppt/slides/slide31.xml><?xml version="1.0" encoding="utf-8"?>
+<p:sld xmlns:a="http://schemas.openxmlformats.org/drawingml/2006/main" xmlns:r="http://schemas.openxmlformats.org/officeDocument/2006/relationships" xmlns:p="http://schemas.openxmlformats.org/presentationml/2006/main">
+  <p:cSld>
+    <p:spTree>
+      <p:nvGrpSpPr>
+        <p:cNvPr id="1" name=""/>
+        <p:cNvGrpSpPr/>
+        <p:nvPr/>
+      </p:nvGrpSpPr>
+      <p:grpSpPr>
+        <a:xfrm>
+          <a:off x="0" y="0"/>
+          <a:ext cx="0" cy="0"/>
+          <a:chOff x="0" y="0"/>
+          <a:chExt cx="0" cy="0"/>
+        </a:xfrm>
+      </p:grpSpPr>
+      <p:sp>
+        <p:nvSpPr>
+          <p:cNvPr id="2" name="标题 1">
+            <a:extLst>
+              <a:ext uri="{FF2B5EF4-FFF2-40B4-BE49-F238E27FC236}">
+                <a16:creationId xmlns:a16="http://schemas.microsoft.com/office/drawing/2014/main" id="{FADBC06B-92AF-4E39-8855-CB21008CC921}"/>
+              </a:ext>
+            </a:extLst>
+          </p:cNvPr>
+          <p:cNvSpPr>
+            <a:spLocks noGrp="1"/>
+          </p:cNvSpPr>
+          <p:nvPr>
+            <p:ph type="title"/>
+          </p:nvPr>
+        </p:nvSpPr>
+        <p:spPr/>
+        <p:txBody>
+          <a:bodyPr/>
+          <a:lstStyle/>
+          <a:p>
+            <a:r>
+              <a:rPr lang="zh-CN" altLang="en-US" dirty="0"/>
+              <a:t>线性回归：框架</a:t>
+            </a:r>
+          </a:p>
+        </p:txBody>
+      </p:sp>
+      <p:sp>
+        <p:nvSpPr>
+          <p:cNvPr id="3" name="内容占位符 2">
+            <a:extLst>
+              <a:ext uri="{FF2B5EF4-FFF2-40B4-BE49-F238E27FC236}">
+                <a16:creationId xmlns:a16="http://schemas.microsoft.com/office/drawing/2014/main" id="{8F92A80A-52CF-4943-9661-439610A98B3B}"/>
+              </a:ext>
+            </a:extLst>
+          </p:cNvPr>
+          <p:cNvSpPr>
+            <a:spLocks noGrp="1"/>
+          </p:cNvSpPr>
+          <p:nvPr>
+            <p:ph idx="1"/>
+          </p:nvPr>
+        </p:nvSpPr>
+        <p:spPr>
+          <a:xfrm>
+            <a:off x="755651" y="1052516"/>
+            <a:ext cx="10668000" cy="4967287"/>
+          </a:xfrm>
+        </p:spPr>
+        <p:txBody>
+          <a:bodyPr/>
+          <a:lstStyle/>
+          <a:p>
+            <a:r>
+              <a:rPr lang="zh-CN" altLang="en-US" dirty="0"/>
+              <a:t>数据集准备：将数据集划分为训练集与测试集两部分</a:t>
+            </a:r>
+            <a:endParaRPr lang="en-US" altLang="zh-CN" dirty="0"/>
+          </a:p>
+          <a:p>
+            <a:r>
+              <a:rPr lang="zh-CN" altLang="en-US" dirty="0"/>
+              <a:t>数据预处理：（如果有必要的话，）对数据进行适当的预处理</a:t>
+            </a:r>
+            <a:endParaRPr lang="en-US" altLang="zh-CN" dirty="0"/>
+          </a:p>
+          <a:p>
+            <a:pPr lvl="1"/>
+            <a:r>
+              <a:rPr lang="en-US" altLang="zh-CN" dirty="0"/>
+              <a:t>One-hot encoding</a:t>
+            </a:r>
+            <a:r>
+              <a:rPr lang="zh-CN" altLang="en-US" dirty="0"/>
+              <a:t>：如果某些特征是类别值，如何处理</a:t>
+            </a:r>
+            <a:endParaRPr lang="en-US" altLang="zh-CN" dirty="0"/>
+          </a:p>
+          <a:p>
+            <a:pPr lvl="1"/>
+            <a:r>
+              <a:rPr lang="en-US" altLang="zh-CN" dirty="0"/>
+              <a:t>Feature scaling</a:t>
+            </a:r>
+            <a:r>
+              <a:rPr lang="zh-CN" altLang="en-US" dirty="0"/>
+              <a:t>：将多个特征的数据范围调整到相近的范围</a:t>
+            </a:r>
+            <a:endParaRPr lang="en-US" altLang="zh-CN" dirty="0"/>
+          </a:p>
+          <a:p>
+            <a:pPr lvl="1"/>
+            <a:r>
+              <a:rPr lang="en-US" altLang="zh-CN"/>
+              <a:t>……</a:t>
+            </a:r>
+            <a:endParaRPr lang="en-US" altLang="zh-CN" dirty="0"/>
+          </a:p>
+          <a:p>
+            <a:r>
+              <a:rPr lang="zh-CN" altLang="en-US" dirty="0"/>
+              <a:t>训练：将训练集“喂”给回归器模型，模型通过某些方法求出最优的参数组合</a:t>
+            </a:r>
+            <a:endParaRPr lang="en-US" altLang="zh-CN" dirty="0"/>
+          </a:p>
+          <a:p>
+            <a:r>
+              <a:rPr lang="zh-CN" altLang="en-US" dirty="0"/>
+              <a:t>测试：假设测试集的真实结果未知，将测试集传给模型得到预测结果</a:t>
+            </a:r>
+            <a:endParaRPr lang="en-US" altLang="zh-CN" dirty="0"/>
+          </a:p>
+          <a:p>
+            <a:r>
+              <a:rPr lang="zh-CN" altLang="en-US" dirty="0"/>
+              <a:t>评估：将预测的结果与测试集的真实结果比对，评估模型预测的好与坏</a:t>
+            </a:r>
+            <a:endParaRPr lang="en-US" altLang="zh-CN" dirty="0"/>
+          </a:p>
+        </p:txBody>
+      </p:sp>
+      <p:sp>
+        <p:nvSpPr>
+          <p:cNvPr id="4" name="日期占位符 3">
+            <a:extLst>
+              <a:ext uri="{FF2B5EF4-FFF2-40B4-BE49-F238E27FC236}">
+                <a16:creationId xmlns:a16="http://schemas.microsoft.com/office/drawing/2014/main" id="{647C9ED1-12E8-4FB8-B644-F6B5E2D9D082}"/>
+              </a:ext>
+            </a:extLst>
+          </p:cNvPr>
+          <p:cNvSpPr>
+            <a:spLocks noGrp="1"/>
+          </p:cNvSpPr>
+          <p:nvPr>
+            <p:ph type="dt" sz="half" idx="10"/>
+          </p:nvPr>
+        </p:nvSpPr>
+        <p:spPr/>
+        <p:txBody>
+          <a:bodyPr/>
+          <a:lstStyle/>
+          <a:p>
+            <a:pPr>
+              <a:defRPr/>
+            </a:pPr>
+            <a:fld id="{95A2A19B-170D-1043-AE33-7A36DFB7BCDC}" type="datetime2">
+              <a:rPr lang="zh-CN" altLang="en-US" smtClean="0"/>
+              <a:t>2018年7月6日</a:t>
+            </a:fld>
+            <a:endParaRPr lang="en-US" altLang="zh-CN"/>
+          </a:p>
+        </p:txBody>
+      </p:sp>
+      <p:sp>
+        <p:nvSpPr>
+          <p:cNvPr id="5" name="页脚占位符 4">
+            <a:extLst>
+              <a:ext uri="{FF2B5EF4-FFF2-40B4-BE49-F238E27FC236}">
+                <a16:creationId xmlns:a16="http://schemas.microsoft.com/office/drawing/2014/main" id="{A3E2E536-FC9F-4A06-BADA-62DC6F657017}"/>
+              </a:ext>
+            </a:extLst>
+          </p:cNvPr>
+          <p:cNvSpPr>
+            <a:spLocks noGrp="1"/>
+          </p:cNvSpPr>
+          <p:nvPr>
+            <p:ph type="ftr" sz="quarter" idx="11"/>
+          </p:nvPr>
+        </p:nvSpPr>
+        <p:spPr/>
+        <p:txBody>
+          <a:bodyPr/>
+          <a:lstStyle/>
+          <a:p>
+            <a:pPr>
+              <a:defRPr/>
+            </a:pPr>
+            <a:r>
+              <a:rPr lang="zh-CN" altLang="en-US"/>
+              <a:t>机器学习入门</a:t>
+            </a:r>
+            <a:endParaRPr lang="en-US" altLang="zh-CN" dirty="0"/>
+          </a:p>
+        </p:txBody>
+      </p:sp>
+      <p:sp>
+        <p:nvSpPr>
+          <p:cNvPr id="6" name="灯片编号占位符 5">
+            <a:extLst>
+              <a:ext uri="{FF2B5EF4-FFF2-40B4-BE49-F238E27FC236}">
+                <a16:creationId xmlns:a16="http://schemas.microsoft.com/office/drawing/2014/main" id="{78E4560A-008F-40D2-86AC-411BC431E333}"/>
+              </a:ext>
+            </a:extLst>
+          </p:cNvPr>
+          <p:cNvSpPr>
+            <a:spLocks noGrp="1"/>
+          </p:cNvSpPr>
+          <p:nvPr>
+            <p:ph type="sldNum" sz="quarter" idx="12"/>
+          </p:nvPr>
+        </p:nvSpPr>
+        <p:spPr/>
+        <p:txBody>
+          <a:bodyPr/>
+          <a:lstStyle/>
+          <a:p>
+            <a:pPr>
+              <a:defRPr/>
+            </a:pPr>
+            <a:fld id="{64C9EB70-B654-4058-838F-8806615D92E5}" type="slidenum">
+              <a:rPr lang="en-US" altLang="zh-CN" smtClean="0"/>
+              <a:pPr>
+                <a:defRPr/>
+              </a:pPr>
+              <a:t>31</a:t>
+            </a:fld>
+            <a:endParaRPr lang="en-US" altLang="zh-CN"/>
+          </a:p>
+        </p:txBody>
+      </p:sp>
+    </p:spTree>
+    <p:extLst>
+      <p:ext uri="{BB962C8B-B14F-4D97-AF65-F5344CB8AC3E}">
+        <p14:creationId xmlns:p14="http://schemas.microsoft.com/office/powerpoint/2010/main" val="4099796279"/>
+      </p:ext>
+    </p:extLst>
+  </p:cSld>
+  <p:clrMapOvr>
+    <a:masterClrMapping/>
+  </p:clrMapOvr>
+</p:sld>
+</file>
+
 <file path=ppt/slides/slide4.xml><?xml version="1.0" encoding="utf-8"?>
 <p:sld xmlns:a="http://schemas.openxmlformats.org/drawingml/2006/main" xmlns:r="http://schemas.openxmlformats.org/officeDocument/2006/relationships" xmlns:p="http://schemas.openxmlformats.org/presentationml/2006/main">
   <p:cSld>
@@ -23248,7 +24066,7 @@
           <p:cNvPr id="2" name="标题 1">
             <a:extLst>
               <a:ext uri="{FF2B5EF4-FFF2-40B4-BE49-F238E27FC236}">
-                <a16:creationId xmlns:a16="http://schemas.microsoft.com/office/drawing/2014/main" xmlns="" id="{06C98B31-3ABF-4C01-9D2F-11C6CF2AC1A5}"/>
+                <a16:creationId xmlns:a16="http://schemas.microsoft.com/office/drawing/2014/main" id="{06C98B31-3ABF-4C01-9D2F-11C6CF2AC1A5}"/>
               </a:ext>
             </a:extLst>
           </p:cNvPr>
@@ -23276,7 +24094,7 @@
           <p:cNvPr id="3" name="内容占位符 2">
             <a:extLst>
               <a:ext uri="{FF2B5EF4-FFF2-40B4-BE49-F238E27FC236}">
-                <a16:creationId xmlns:a16="http://schemas.microsoft.com/office/drawing/2014/main" xmlns="" id="{550418E6-588F-4BA9-99DA-877BAED370B1}"/>
+                <a16:creationId xmlns:a16="http://schemas.microsoft.com/office/drawing/2014/main" id="{550418E6-588F-4BA9-99DA-877BAED370B1}"/>
               </a:ext>
             </a:extLst>
           </p:cNvPr>
@@ -23301,7 +24119,7 @@
           <p:cNvPr id="4" name="日期占位符 3">
             <a:extLst>
               <a:ext uri="{FF2B5EF4-FFF2-40B4-BE49-F238E27FC236}">
-                <a16:creationId xmlns:a16="http://schemas.microsoft.com/office/drawing/2014/main" xmlns="" id="{43207CFC-4B29-45C9-9440-27BC2C241187}"/>
+                <a16:creationId xmlns:a16="http://schemas.microsoft.com/office/drawing/2014/main" id="{43207CFC-4B29-45C9-9440-27BC2C241187}"/>
               </a:ext>
             </a:extLst>
           </p:cNvPr>
@@ -23333,7 +24151,7 @@
           <p:cNvPr id="5" name="页脚占位符 4">
             <a:extLst>
               <a:ext uri="{FF2B5EF4-FFF2-40B4-BE49-F238E27FC236}">
-                <a16:creationId xmlns:a16="http://schemas.microsoft.com/office/drawing/2014/main" xmlns="" id="{CBCA3925-FE23-4200-8DD7-A55F36F30006}"/>
+                <a16:creationId xmlns:a16="http://schemas.microsoft.com/office/drawing/2014/main" id="{CBCA3925-FE23-4200-8DD7-A55F36F30006}"/>
               </a:ext>
             </a:extLst>
           </p:cNvPr>
@@ -23365,7 +24183,7 @@
           <p:cNvPr id="6" name="灯片编号占位符 5">
             <a:extLst>
               <a:ext uri="{FF2B5EF4-FFF2-40B4-BE49-F238E27FC236}">
-                <a16:creationId xmlns:a16="http://schemas.microsoft.com/office/drawing/2014/main" xmlns="" id="{20FC628E-9AF1-48D1-AC54-3D530E61A274}"/>
+                <a16:creationId xmlns:a16="http://schemas.microsoft.com/office/drawing/2014/main" id="{20FC628E-9AF1-48D1-AC54-3D530E61A274}"/>
               </a:ext>
             </a:extLst>
           </p:cNvPr>
@@ -23400,7 +24218,7 @@
           <p:cNvPr id="5122" name="Picture 2" descr="https://www.commitstrip.com/wp-content/uploads/2017/06/Strip-IA-construite-de-IF-english650-final.jpg">
             <a:extLst>
               <a:ext uri="{FF2B5EF4-FFF2-40B4-BE49-F238E27FC236}">
-                <a16:creationId xmlns:a16="http://schemas.microsoft.com/office/drawing/2014/main" xmlns="" id="{4DF110C7-8D63-4D66-8762-40C5737417F4}"/>
+                <a16:creationId xmlns:a16="http://schemas.microsoft.com/office/drawing/2014/main" id="{4DF110C7-8D63-4D66-8762-40C5737417F4}"/>
               </a:ext>
             </a:extLst>
           </p:cNvPr>
@@ -23447,7 +24265,7 @@
           <p:cNvPr id="7" name="矩形 6">
             <a:extLst>
               <a:ext uri="{FF2B5EF4-FFF2-40B4-BE49-F238E27FC236}">
-                <a16:creationId xmlns:a16="http://schemas.microsoft.com/office/drawing/2014/main" xmlns="" id="{C59625E3-2CC6-4590-99B2-E66279F9DB23}"/>
+                <a16:creationId xmlns:a16="http://schemas.microsoft.com/office/drawing/2014/main" id="{C59625E3-2CC6-4590-99B2-E66279F9DB23}"/>
               </a:ext>
             </a:extLst>
           </p:cNvPr>
@@ -23511,7 +24329,7 @@
           <p:cNvPr id="2" name="标题 1">
             <a:extLst>
               <a:ext uri="{FF2B5EF4-FFF2-40B4-BE49-F238E27FC236}">
-                <a16:creationId xmlns:a16="http://schemas.microsoft.com/office/drawing/2014/main" xmlns="" id="{3D575E97-A77B-49E8-B5D9-964F93E82C4F}"/>
+                <a16:creationId xmlns:a16="http://schemas.microsoft.com/office/drawing/2014/main" id="{3D575E97-A77B-49E8-B5D9-964F93E82C4F}"/>
               </a:ext>
             </a:extLst>
           </p:cNvPr>
@@ -23539,7 +24357,7 @@
           <p:cNvPr id="3" name="内容占位符 2">
             <a:extLst>
               <a:ext uri="{FF2B5EF4-FFF2-40B4-BE49-F238E27FC236}">
-                <a16:creationId xmlns:a16="http://schemas.microsoft.com/office/drawing/2014/main" xmlns="" id="{AA0B7FE1-5355-4D9B-B1FB-527AD72AE249}"/>
+                <a16:creationId xmlns:a16="http://schemas.microsoft.com/office/drawing/2014/main" id="{AA0B7FE1-5355-4D9B-B1FB-527AD72AE249}"/>
               </a:ext>
             </a:extLst>
           </p:cNvPr>
@@ -23564,7 +24382,7 @@
           <p:cNvPr id="4" name="日期占位符 3">
             <a:extLst>
               <a:ext uri="{FF2B5EF4-FFF2-40B4-BE49-F238E27FC236}">
-                <a16:creationId xmlns:a16="http://schemas.microsoft.com/office/drawing/2014/main" xmlns="" id="{16A3D19A-5644-4860-B10A-2A8DEBCF0F50}"/>
+                <a16:creationId xmlns:a16="http://schemas.microsoft.com/office/drawing/2014/main" id="{16A3D19A-5644-4860-B10A-2A8DEBCF0F50}"/>
               </a:ext>
             </a:extLst>
           </p:cNvPr>
@@ -23596,7 +24414,7 @@
           <p:cNvPr id="5" name="页脚占位符 4">
             <a:extLst>
               <a:ext uri="{FF2B5EF4-FFF2-40B4-BE49-F238E27FC236}">
-                <a16:creationId xmlns:a16="http://schemas.microsoft.com/office/drawing/2014/main" xmlns="" id="{5285CB6F-8159-4202-83F7-3D1F01222890}"/>
+                <a16:creationId xmlns:a16="http://schemas.microsoft.com/office/drawing/2014/main" id="{5285CB6F-8159-4202-83F7-3D1F01222890}"/>
               </a:ext>
             </a:extLst>
           </p:cNvPr>
@@ -23628,7 +24446,7 @@
           <p:cNvPr id="6" name="灯片编号占位符 5">
             <a:extLst>
               <a:ext uri="{FF2B5EF4-FFF2-40B4-BE49-F238E27FC236}">
-                <a16:creationId xmlns:a16="http://schemas.microsoft.com/office/drawing/2014/main" xmlns="" id="{AA6BB02B-25CD-47DD-B20A-32CA7D6B58F7}"/>
+                <a16:creationId xmlns:a16="http://schemas.microsoft.com/office/drawing/2014/main" id="{AA6BB02B-25CD-47DD-B20A-32CA7D6B58F7}"/>
               </a:ext>
             </a:extLst>
           </p:cNvPr>
@@ -23663,7 +24481,7 @@
           <p:cNvPr id="1026" name="Picture 2" descr="What's the difference between Artificial Intelligence (AI), Machine Learning, and Deep Learning? ">
             <a:extLst>
               <a:ext uri="{FF2B5EF4-FFF2-40B4-BE49-F238E27FC236}">
-                <a16:creationId xmlns:a16="http://schemas.microsoft.com/office/drawing/2014/main" xmlns="" id="{49FA5ABC-542B-4875-A220-1DB242D2A693}"/>
+                <a16:creationId xmlns:a16="http://schemas.microsoft.com/office/drawing/2014/main" id="{49FA5ABC-542B-4875-A220-1DB242D2A693}"/>
               </a:ext>
             </a:extLst>
           </p:cNvPr>
@@ -23738,7 +24556,7 @@
           <p:cNvPr id="2" name="标题 1">
             <a:extLst>
               <a:ext uri="{FF2B5EF4-FFF2-40B4-BE49-F238E27FC236}">
-                <a16:creationId xmlns:a16="http://schemas.microsoft.com/office/drawing/2014/main" xmlns="" id="{00EF47F0-F9F0-4384-A28D-2F7EA6604747}"/>
+                <a16:creationId xmlns:a16="http://schemas.microsoft.com/office/drawing/2014/main" id="{00EF47F0-F9F0-4384-A28D-2F7EA6604747}"/>
               </a:ext>
             </a:extLst>
           </p:cNvPr>
@@ -23766,7 +24584,7 @@
           <p:cNvPr id="3" name="内容占位符 2">
             <a:extLst>
               <a:ext uri="{FF2B5EF4-FFF2-40B4-BE49-F238E27FC236}">
-                <a16:creationId xmlns:a16="http://schemas.microsoft.com/office/drawing/2014/main" xmlns="" id="{C0001DEF-B716-4266-9CFF-A80375B75278}"/>
+                <a16:creationId xmlns:a16="http://schemas.microsoft.com/office/drawing/2014/main" id="{C0001DEF-B716-4266-9CFF-A80375B75278}"/>
               </a:ext>
             </a:extLst>
           </p:cNvPr>
@@ -23866,7 +24684,7 @@
           <p:cNvPr id="4" name="日期占位符 3">
             <a:extLst>
               <a:ext uri="{FF2B5EF4-FFF2-40B4-BE49-F238E27FC236}">
-                <a16:creationId xmlns:a16="http://schemas.microsoft.com/office/drawing/2014/main" xmlns="" id="{9A9E74D4-2629-42B4-A639-65AD2231EB16}"/>
+                <a16:creationId xmlns:a16="http://schemas.microsoft.com/office/drawing/2014/main" id="{9A9E74D4-2629-42B4-A639-65AD2231EB16}"/>
               </a:ext>
             </a:extLst>
           </p:cNvPr>
@@ -23898,7 +24716,7 @@
           <p:cNvPr id="5" name="页脚占位符 4">
             <a:extLst>
               <a:ext uri="{FF2B5EF4-FFF2-40B4-BE49-F238E27FC236}">
-                <a16:creationId xmlns:a16="http://schemas.microsoft.com/office/drawing/2014/main" xmlns="" id="{CE4C5854-4521-4BA4-812A-84224CC33D3A}"/>
+                <a16:creationId xmlns:a16="http://schemas.microsoft.com/office/drawing/2014/main" id="{CE4C5854-4521-4BA4-812A-84224CC33D3A}"/>
               </a:ext>
             </a:extLst>
           </p:cNvPr>
@@ -23930,7 +24748,7 @@
           <p:cNvPr id="6" name="灯片编号占位符 5">
             <a:extLst>
               <a:ext uri="{FF2B5EF4-FFF2-40B4-BE49-F238E27FC236}">
-                <a16:creationId xmlns:a16="http://schemas.microsoft.com/office/drawing/2014/main" xmlns="" id="{BC9B5A36-C297-4A63-9508-0EB0F59E688B}"/>
+                <a16:creationId xmlns:a16="http://schemas.microsoft.com/office/drawing/2014/main" id="{BC9B5A36-C297-4A63-9508-0EB0F59E688B}"/>
               </a:ext>
             </a:extLst>
           </p:cNvPr>
@@ -23995,7 +24813,7 @@
           <p:cNvPr id="2" name="标题 1">
             <a:extLst>
               <a:ext uri="{FF2B5EF4-FFF2-40B4-BE49-F238E27FC236}">
-                <a16:creationId xmlns:a16="http://schemas.microsoft.com/office/drawing/2014/main" xmlns="" id="{850AF670-A5A4-4402-B878-0D72BD26B363}"/>
+                <a16:creationId xmlns:a16="http://schemas.microsoft.com/office/drawing/2014/main" id="{850AF670-A5A4-4402-B878-0D72BD26B363}"/>
               </a:ext>
             </a:extLst>
           </p:cNvPr>
@@ -24023,7 +24841,7 @@
           <p:cNvPr id="3" name="内容占位符 2">
             <a:extLst>
               <a:ext uri="{FF2B5EF4-FFF2-40B4-BE49-F238E27FC236}">
-                <a16:creationId xmlns:a16="http://schemas.microsoft.com/office/drawing/2014/main" xmlns="" id="{1E032E9B-2346-4C80-B8CF-C4F95BB05D3B}"/>
+                <a16:creationId xmlns:a16="http://schemas.microsoft.com/office/drawing/2014/main" id="{1E032E9B-2346-4C80-B8CF-C4F95BB05D3B}"/>
               </a:ext>
             </a:extLst>
           </p:cNvPr>
@@ -24160,7 +24978,7 @@
           <p:cNvPr id="4" name="日期占位符 3">
             <a:extLst>
               <a:ext uri="{FF2B5EF4-FFF2-40B4-BE49-F238E27FC236}">
-                <a16:creationId xmlns:a16="http://schemas.microsoft.com/office/drawing/2014/main" xmlns="" id="{F5F7F895-C717-496A-B177-F8F0AA7A8B32}"/>
+                <a16:creationId xmlns:a16="http://schemas.microsoft.com/office/drawing/2014/main" id="{F5F7F895-C717-496A-B177-F8F0AA7A8B32}"/>
               </a:ext>
             </a:extLst>
           </p:cNvPr>
@@ -24192,7 +25010,7 @@
           <p:cNvPr id="5" name="页脚占位符 4">
             <a:extLst>
               <a:ext uri="{FF2B5EF4-FFF2-40B4-BE49-F238E27FC236}">
-                <a16:creationId xmlns:a16="http://schemas.microsoft.com/office/drawing/2014/main" xmlns="" id="{07A4A687-EC6D-400B-9A11-BD0B04609A25}"/>
+                <a16:creationId xmlns:a16="http://schemas.microsoft.com/office/drawing/2014/main" id="{07A4A687-EC6D-400B-9A11-BD0B04609A25}"/>
               </a:ext>
             </a:extLst>
           </p:cNvPr>
@@ -24224,7 +25042,7 @@
           <p:cNvPr id="6" name="灯片编号占位符 5">
             <a:extLst>
               <a:ext uri="{FF2B5EF4-FFF2-40B4-BE49-F238E27FC236}">
-                <a16:creationId xmlns:a16="http://schemas.microsoft.com/office/drawing/2014/main" xmlns="" id="{2904A806-D958-4E7E-9F65-B19FF0152F22}"/>
+                <a16:creationId xmlns:a16="http://schemas.microsoft.com/office/drawing/2014/main" id="{2904A806-D958-4E7E-9F65-B19FF0152F22}"/>
               </a:ext>
             </a:extLst>
           </p:cNvPr>
@@ -24259,7 +25077,7 @@
           <p:cNvPr id="7" name="表格 6">
             <a:extLst>
               <a:ext uri="{FF2B5EF4-FFF2-40B4-BE49-F238E27FC236}">
-                <a16:creationId xmlns:a16="http://schemas.microsoft.com/office/drawing/2014/main" xmlns="" id="{AD12D45B-71E3-473A-9FD4-BDB875D07CA4}"/>
+                <a16:creationId xmlns:a16="http://schemas.microsoft.com/office/drawing/2014/main" id="{AD12D45B-71E3-473A-9FD4-BDB875D07CA4}"/>
               </a:ext>
             </a:extLst>
           </p:cNvPr>
@@ -24288,35 +25106,35 @@
                 <a:gridCol w="1219200">
                   <a:extLst>
                     <a:ext uri="{9D8B030D-6E8A-4147-A177-3AD203B41FA5}">
-                      <a16:colId xmlns:a16="http://schemas.microsoft.com/office/drawing/2014/main" xmlns="" val="20000"/>
+                      <a16:colId xmlns:a16="http://schemas.microsoft.com/office/drawing/2014/main" val="20000"/>
                     </a:ext>
                   </a:extLst>
                 </a:gridCol>
                 <a:gridCol w="1219200">
                   <a:extLst>
                     <a:ext uri="{9D8B030D-6E8A-4147-A177-3AD203B41FA5}">
-                      <a16:colId xmlns:a16="http://schemas.microsoft.com/office/drawing/2014/main" xmlns="" val="20001"/>
+                      <a16:colId xmlns:a16="http://schemas.microsoft.com/office/drawing/2014/main" val="20001"/>
                     </a:ext>
                   </a:extLst>
                 </a:gridCol>
                 <a:gridCol w="1219200">
                   <a:extLst>
                     <a:ext uri="{9D8B030D-6E8A-4147-A177-3AD203B41FA5}">
-                      <a16:colId xmlns:a16="http://schemas.microsoft.com/office/drawing/2014/main" xmlns="" val="20002"/>
+                      <a16:colId xmlns:a16="http://schemas.microsoft.com/office/drawing/2014/main" val="20002"/>
                     </a:ext>
                   </a:extLst>
                 </a:gridCol>
                 <a:gridCol w="1219200">
                   <a:extLst>
                     <a:ext uri="{9D8B030D-6E8A-4147-A177-3AD203B41FA5}">
-                      <a16:colId xmlns:a16="http://schemas.microsoft.com/office/drawing/2014/main" xmlns="" val="20003"/>
+                      <a16:colId xmlns:a16="http://schemas.microsoft.com/office/drawing/2014/main" val="20003"/>
                     </a:ext>
                   </a:extLst>
                 </a:gridCol>
                 <a:gridCol w="1219200">
                   <a:extLst>
                     <a:ext uri="{9D8B030D-6E8A-4147-A177-3AD203B41FA5}">
-                      <a16:colId xmlns:a16="http://schemas.microsoft.com/office/drawing/2014/main" xmlns="" val="20004"/>
+                      <a16:colId xmlns:a16="http://schemas.microsoft.com/office/drawing/2014/main" val="20004"/>
                     </a:ext>
                   </a:extLst>
                 </a:gridCol>
@@ -24390,7 +25208,7 @@
                 </a:tc>
                 <a:extLst>
                   <a:ext uri="{0D108BD9-81ED-4DB2-BD59-A6C34878D82A}">
-                    <a16:rowId xmlns:a16="http://schemas.microsoft.com/office/drawing/2014/main" xmlns="" val="10000"/>
+                    <a16:rowId xmlns:a16="http://schemas.microsoft.com/office/drawing/2014/main" val="10000"/>
                   </a:ext>
                 </a:extLst>
               </a:tr>
@@ -24465,7 +25283,7 @@
                 </a:tc>
                 <a:extLst>
                   <a:ext uri="{0D108BD9-81ED-4DB2-BD59-A6C34878D82A}">
-                    <a16:rowId xmlns:a16="http://schemas.microsoft.com/office/drawing/2014/main" xmlns="" val="10001"/>
+                    <a16:rowId xmlns:a16="http://schemas.microsoft.com/office/drawing/2014/main" val="10001"/>
                   </a:ext>
                 </a:extLst>
               </a:tr>
@@ -24540,7 +25358,7 @@
                 </a:tc>
                 <a:extLst>
                   <a:ext uri="{0D108BD9-81ED-4DB2-BD59-A6C34878D82A}">
-                    <a16:rowId xmlns:a16="http://schemas.microsoft.com/office/drawing/2014/main" xmlns="" val="10002"/>
+                    <a16:rowId xmlns:a16="http://schemas.microsoft.com/office/drawing/2014/main" val="10002"/>
                   </a:ext>
                 </a:extLst>
               </a:tr>
@@ -24617,7 +25435,7 @@
                 </a:tc>
                 <a:extLst>
                   <a:ext uri="{0D108BD9-81ED-4DB2-BD59-A6C34878D82A}">
-                    <a16:rowId xmlns:a16="http://schemas.microsoft.com/office/drawing/2014/main" xmlns="" val="10003"/>
+                    <a16:rowId xmlns:a16="http://schemas.microsoft.com/office/drawing/2014/main" val="10003"/>
                   </a:ext>
                 </a:extLst>
               </a:tr>
@@ -24746,7 +25564,7 @@
           <p:cNvPr id="2" name="标题 1">
             <a:extLst>
               <a:ext uri="{FF2B5EF4-FFF2-40B4-BE49-F238E27FC236}">
-                <a16:creationId xmlns:a16="http://schemas.microsoft.com/office/drawing/2014/main" xmlns="" id="{73538CFB-0345-441B-AD1A-0A4152508F27}"/>
+                <a16:creationId xmlns:a16="http://schemas.microsoft.com/office/drawing/2014/main" id="{73538CFB-0345-441B-AD1A-0A4152508F27}"/>
               </a:ext>
             </a:extLst>
           </p:cNvPr>
@@ -24774,7 +25592,7 @@
           <p:cNvPr id="4" name="日期占位符 3">
             <a:extLst>
               <a:ext uri="{FF2B5EF4-FFF2-40B4-BE49-F238E27FC236}">
-                <a16:creationId xmlns:a16="http://schemas.microsoft.com/office/drawing/2014/main" xmlns="" id="{751CA06F-A0A4-4646-941C-486BB210E464}"/>
+                <a16:creationId xmlns:a16="http://schemas.microsoft.com/office/drawing/2014/main" id="{751CA06F-A0A4-4646-941C-486BB210E464}"/>
               </a:ext>
             </a:extLst>
           </p:cNvPr>
@@ -24806,7 +25624,7 @@
           <p:cNvPr id="5" name="页脚占位符 4">
             <a:extLst>
               <a:ext uri="{FF2B5EF4-FFF2-40B4-BE49-F238E27FC236}">
-                <a16:creationId xmlns:a16="http://schemas.microsoft.com/office/drawing/2014/main" xmlns="" id="{EC5AE77E-B6CF-4BD1-87D3-6C1230551547}"/>
+                <a16:creationId xmlns:a16="http://schemas.microsoft.com/office/drawing/2014/main" id="{EC5AE77E-B6CF-4BD1-87D3-6C1230551547}"/>
               </a:ext>
             </a:extLst>
           </p:cNvPr>
@@ -24838,7 +25656,7 @@
           <p:cNvPr id="6" name="灯片编号占位符 5">
             <a:extLst>
               <a:ext uri="{FF2B5EF4-FFF2-40B4-BE49-F238E27FC236}">
-                <a16:creationId xmlns:a16="http://schemas.microsoft.com/office/drawing/2014/main" xmlns="" id="{3958DCE8-899D-4052-91B3-B72D1274AF4C}"/>
+                <a16:creationId xmlns:a16="http://schemas.microsoft.com/office/drawing/2014/main" id="{3958DCE8-899D-4052-91B3-B72D1274AF4C}"/>
               </a:ext>
             </a:extLst>
           </p:cNvPr>
@@ -24873,7 +25691,7 @@
           <p:cNvPr id="21" name="矩形 20">
             <a:extLst>
               <a:ext uri="{FF2B5EF4-FFF2-40B4-BE49-F238E27FC236}">
-                <a16:creationId xmlns:a16="http://schemas.microsoft.com/office/drawing/2014/main" xmlns="" id="{CEED0D80-61B1-4050-811E-8C2BBF74C98C}"/>
+                <a16:creationId xmlns:a16="http://schemas.microsoft.com/office/drawing/2014/main" id="{CEED0D80-61B1-4050-811E-8C2BBF74C98C}"/>
               </a:ext>
             </a:extLst>
           </p:cNvPr>
@@ -24914,7 +25732,7 @@
           <p:cNvPr id="22" name="圖片 22">
             <a:extLst>
               <a:ext uri="{FF2B5EF4-FFF2-40B4-BE49-F238E27FC236}">
-                <a16:creationId xmlns:a16="http://schemas.microsoft.com/office/drawing/2014/main" xmlns="" id="{3195B14A-0E3B-43EE-AB34-14218035CC0E}"/>
+                <a16:creationId xmlns:a16="http://schemas.microsoft.com/office/drawing/2014/main" id="{3195B14A-0E3B-43EE-AB34-14218035CC0E}"/>
               </a:ext>
             </a:extLst>
           </p:cNvPr>
@@ -24944,7 +25762,7 @@
           <p:cNvPr id="23" name="圖片 23">
             <a:extLst>
               <a:ext uri="{FF2B5EF4-FFF2-40B4-BE49-F238E27FC236}">
-                <a16:creationId xmlns:a16="http://schemas.microsoft.com/office/drawing/2014/main" xmlns="" id="{2A883490-DCBE-4E53-9929-31FEA0EEFA15}"/>
+                <a16:creationId xmlns:a16="http://schemas.microsoft.com/office/drawing/2014/main" id="{2A883490-DCBE-4E53-9929-31FEA0EEFA15}"/>
               </a:ext>
             </a:extLst>
           </p:cNvPr>
@@ -24974,7 +25792,7 @@
           <p:cNvPr id="24" name="文字方塊 24">
             <a:extLst>
               <a:ext uri="{FF2B5EF4-FFF2-40B4-BE49-F238E27FC236}">
-                <a16:creationId xmlns:a16="http://schemas.microsoft.com/office/drawing/2014/main" xmlns="" id="{C0263DDF-1D6D-4FA1-8F3D-8A2BC3A63611}"/>
+                <a16:creationId xmlns:a16="http://schemas.microsoft.com/office/drawing/2014/main" id="{C0263DDF-1D6D-4FA1-8F3D-8A2BC3A63611}"/>
               </a:ext>
             </a:extLst>
           </p:cNvPr>
@@ -25011,7 +25829,7 @@
           <p:cNvPr id="25" name="文字方塊 25">
             <a:extLst>
               <a:ext uri="{FF2B5EF4-FFF2-40B4-BE49-F238E27FC236}">
-                <a16:creationId xmlns:a16="http://schemas.microsoft.com/office/drawing/2014/main" xmlns="" id="{7A8B5F87-28B9-4BCD-92F3-F5B2BEB6FBE7}"/>
+                <a16:creationId xmlns:a16="http://schemas.microsoft.com/office/drawing/2014/main" id="{7A8B5F87-28B9-4BCD-92F3-F5B2BEB6FBE7}"/>
               </a:ext>
             </a:extLst>
           </p:cNvPr>
@@ -25048,7 +25866,7 @@
           <p:cNvPr id="26" name="圖片 26">
             <a:extLst>
               <a:ext uri="{FF2B5EF4-FFF2-40B4-BE49-F238E27FC236}">
-                <a16:creationId xmlns:a16="http://schemas.microsoft.com/office/drawing/2014/main" xmlns="" id="{DC98FF27-FDDE-4A3A-A4C7-DC5ABF2A3C1E}"/>
+                <a16:creationId xmlns:a16="http://schemas.microsoft.com/office/drawing/2014/main" id="{DC98FF27-FDDE-4A3A-A4C7-DC5ABF2A3C1E}"/>
               </a:ext>
             </a:extLst>
           </p:cNvPr>
@@ -25078,7 +25896,7 @@
           <p:cNvPr id="27" name="圖片 3">
             <a:extLst>
               <a:ext uri="{FF2B5EF4-FFF2-40B4-BE49-F238E27FC236}">
-                <a16:creationId xmlns:a16="http://schemas.microsoft.com/office/drawing/2014/main" xmlns="" id="{09096899-FF6D-429A-92C8-9E7E8F3BEE87}"/>
+                <a16:creationId xmlns:a16="http://schemas.microsoft.com/office/drawing/2014/main" id="{09096899-FF6D-429A-92C8-9E7E8F3BEE87}"/>
               </a:ext>
             </a:extLst>
           </p:cNvPr>
@@ -25108,7 +25926,7 @@
           <p:cNvPr id="28" name="文字方塊 15">
             <a:extLst>
               <a:ext uri="{FF2B5EF4-FFF2-40B4-BE49-F238E27FC236}">
-                <a16:creationId xmlns:a16="http://schemas.microsoft.com/office/drawing/2014/main" xmlns="" id="{D6B06996-B3AF-40BA-BC93-895C80DEA802}"/>
+                <a16:creationId xmlns:a16="http://schemas.microsoft.com/office/drawing/2014/main" id="{D6B06996-B3AF-40BA-BC93-895C80DEA802}"/>
               </a:ext>
             </a:extLst>
           </p:cNvPr>
@@ -25144,7 +25962,7 @@
           <p:cNvPr id="29" name="文字方塊 16">
             <a:extLst>
               <a:ext uri="{FF2B5EF4-FFF2-40B4-BE49-F238E27FC236}">
-                <a16:creationId xmlns:a16="http://schemas.microsoft.com/office/drawing/2014/main" xmlns="" id="{5B9ED6F4-0637-41F0-B528-3B15CCE91C64}"/>
+                <a16:creationId xmlns:a16="http://schemas.microsoft.com/office/drawing/2014/main" id="{5B9ED6F4-0637-41F0-B528-3B15CCE91C64}"/>
               </a:ext>
             </a:extLst>
           </p:cNvPr>
@@ -25190,7 +26008,7 @@
           <p:cNvPr id="30" name="直線單箭頭接點 18">
             <a:extLst>
               <a:ext uri="{FF2B5EF4-FFF2-40B4-BE49-F238E27FC236}">
-                <a16:creationId xmlns:a16="http://schemas.microsoft.com/office/drawing/2014/main" xmlns="" id="{ED0F6F3D-4FF8-4672-8160-FE272B188CFB}"/>
+                <a16:creationId xmlns:a16="http://schemas.microsoft.com/office/drawing/2014/main" id="{ED0F6F3D-4FF8-4672-8160-FE272B188CFB}"/>
               </a:ext>
             </a:extLst>
           </p:cNvPr>
@@ -25232,7 +26050,7 @@
           <p:cNvPr id="31" name="弧形箭號 (下彎) 19">
             <a:extLst>
               <a:ext uri="{FF2B5EF4-FFF2-40B4-BE49-F238E27FC236}">
-                <a16:creationId xmlns:a16="http://schemas.microsoft.com/office/drawing/2014/main" xmlns="" id="{03211EF6-E77F-414F-8999-D781D4FE443A}"/>
+                <a16:creationId xmlns:a16="http://schemas.microsoft.com/office/drawing/2014/main" id="{03211EF6-E77F-414F-8999-D781D4FE443A}"/>
               </a:ext>
             </a:extLst>
           </p:cNvPr>
@@ -25282,7 +26100,7 @@
           <p:cNvPr id="32" name="弧形箭號 (下彎) 20">
             <a:extLst>
               <a:ext uri="{FF2B5EF4-FFF2-40B4-BE49-F238E27FC236}">
-                <a16:creationId xmlns:a16="http://schemas.microsoft.com/office/drawing/2014/main" xmlns="" id="{27529EEB-049E-4AEE-A4B4-EFBED607850D}"/>
+                <a16:creationId xmlns:a16="http://schemas.microsoft.com/office/drawing/2014/main" id="{27529EEB-049E-4AEE-A4B4-EFBED607850D}"/>
               </a:ext>
             </a:extLst>
           </p:cNvPr>
@@ -25336,7 +26154,7 @@
           <p:cNvPr id="33" name="文字方塊 17">
             <a:extLst>
               <a:ext uri="{FF2B5EF4-FFF2-40B4-BE49-F238E27FC236}">
-                <a16:creationId xmlns:a16="http://schemas.microsoft.com/office/drawing/2014/main" xmlns="" id="{0903127E-3CE9-4CCF-8ED3-A932FB7C3B6F}"/>
+                <a16:creationId xmlns:a16="http://schemas.microsoft.com/office/drawing/2014/main" id="{0903127E-3CE9-4CCF-8ED3-A932FB7C3B6F}"/>
               </a:ext>
             </a:extLst>
           </p:cNvPr>
@@ -25383,7 +26201,7 @@
           <p:cNvPr id="34" name="Picture 12" descr="https://encrypted-tbn1.gstatic.com/images?q=tbn:ANd9GcRcwlRKAlSIaCI4W5PRYVbuBQQXifF-56bFqAjh9DMe-_3Lh8_YKw">
             <a:extLst>
               <a:ext uri="{FF2B5EF4-FFF2-40B4-BE49-F238E27FC236}">
-                <a16:creationId xmlns:a16="http://schemas.microsoft.com/office/drawing/2014/main" xmlns="" id="{5433C88E-CA93-4C19-B5C4-B268A4F15FA2}"/>
+                <a16:creationId xmlns:a16="http://schemas.microsoft.com/office/drawing/2014/main" id="{5433C88E-CA93-4C19-B5C4-B268A4F15FA2}"/>
               </a:ext>
             </a:extLst>
           </p:cNvPr>
@@ -25430,7 +26248,7 @@
           <p:cNvPr id="35" name="文字方塊 14">
             <a:extLst>
               <a:ext uri="{FF2B5EF4-FFF2-40B4-BE49-F238E27FC236}">
-                <a16:creationId xmlns:a16="http://schemas.microsoft.com/office/drawing/2014/main" xmlns="" id="{6B9AE08C-3526-4F30-A792-29BD20283793}"/>
+                <a16:creationId xmlns:a16="http://schemas.microsoft.com/office/drawing/2014/main" id="{6B9AE08C-3526-4F30-A792-29BD20283793}"/>
               </a:ext>
             </a:extLst>
           </p:cNvPr>
@@ -26003,7 +26821,7 @@
           <p:cNvPr id="2" name="标题 1">
             <a:extLst>
               <a:ext uri="{FF2B5EF4-FFF2-40B4-BE49-F238E27FC236}">
-                <a16:creationId xmlns:a16="http://schemas.microsoft.com/office/drawing/2014/main" xmlns="" id="{D6F643E1-7647-4208-BA5E-8F558C755A32}"/>
+                <a16:creationId xmlns:a16="http://schemas.microsoft.com/office/drawing/2014/main" id="{D6F643E1-7647-4208-BA5E-8F558C755A32}"/>
               </a:ext>
             </a:extLst>
           </p:cNvPr>
@@ -26031,7 +26849,7 @@
           <p:cNvPr id="3" name="内容占位符 2">
             <a:extLst>
               <a:ext uri="{FF2B5EF4-FFF2-40B4-BE49-F238E27FC236}">
-                <a16:creationId xmlns:a16="http://schemas.microsoft.com/office/drawing/2014/main" xmlns="" id="{DDFA032E-57EF-444C-9DE4-98A6B647C5FC}"/>
+                <a16:creationId xmlns:a16="http://schemas.microsoft.com/office/drawing/2014/main" id="{DDFA032E-57EF-444C-9DE4-98A6B647C5FC}"/>
               </a:ext>
             </a:extLst>
           </p:cNvPr>
@@ -26126,7 +26944,7 @@
           <p:cNvPr id="4" name="日期占位符 3">
             <a:extLst>
               <a:ext uri="{FF2B5EF4-FFF2-40B4-BE49-F238E27FC236}">
-                <a16:creationId xmlns:a16="http://schemas.microsoft.com/office/drawing/2014/main" xmlns="" id="{B3A58633-8D37-4388-B282-4E83E2832399}"/>
+                <a16:creationId xmlns:a16="http://schemas.microsoft.com/office/drawing/2014/main" id="{B3A58633-8D37-4388-B282-4E83E2832399}"/>
               </a:ext>
             </a:extLst>
           </p:cNvPr>
@@ -26158,7 +26976,7 @@
           <p:cNvPr id="5" name="页脚占位符 4">
             <a:extLst>
               <a:ext uri="{FF2B5EF4-FFF2-40B4-BE49-F238E27FC236}">
-                <a16:creationId xmlns:a16="http://schemas.microsoft.com/office/drawing/2014/main" xmlns="" id="{22DC7178-14EB-4109-B0FC-CE518823E624}"/>
+                <a16:creationId xmlns:a16="http://schemas.microsoft.com/office/drawing/2014/main" id="{22DC7178-14EB-4109-B0FC-CE518823E624}"/>
               </a:ext>
             </a:extLst>
           </p:cNvPr>
@@ -26190,7 +27008,7 @@
           <p:cNvPr id="6" name="灯片编号占位符 5">
             <a:extLst>
               <a:ext uri="{FF2B5EF4-FFF2-40B4-BE49-F238E27FC236}">
-                <a16:creationId xmlns:a16="http://schemas.microsoft.com/office/drawing/2014/main" xmlns="" id="{443CE0CF-4AED-47E2-8168-A4391E230779}"/>
+                <a16:creationId xmlns:a16="http://schemas.microsoft.com/office/drawing/2014/main" id="{443CE0CF-4AED-47E2-8168-A4391E230779}"/>
               </a:ext>
             </a:extLst>
           </p:cNvPr>
@@ -26225,7 +27043,7 @@
           <p:cNvPr id="7" name="Object 12">
             <a:extLst>
               <a:ext uri="{FF2B5EF4-FFF2-40B4-BE49-F238E27FC236}">
-                <a16:creationId xmlns:a16="http://schemas.microsoft.com/office/drawing/2014/main" xmlns="" id="{6CBF1C74-A606-403D-B03C-CDE8AEF3792D}"/>
+                <a16:creationId xmlns:a16="http://schemas.microsoft.com/office/drawing/2014/main" id="{6CBF1C74-A606-403D-B03C-CDE8AEF3792D}"/>
               </a:ext>
             </a:extLst>
           </p:cNvPr>
@@ -26244,7 +27062,7 @@
           <a:graphicData uri="http://schemas.openxmlformats.org/presentationml/2006/ole">
             <mc:AlternateContent xmlns:mc="http://schemas.openxmlformats.org/markup-compatibility/2006">
               <mc:Choice xmlns:v="urn:schemas-microsoft-com:vml" Requires="v">
-                <p:oleObj spid="_x0000_s2223" name="方程式" r:id="rId3" imgW="1790640" imgH="215640" progId="Equation.3">
+                <p:oleObj spid="_x0000_s2235" name="方程式" r:id="rId3" imgW="1790640" imgH="215640" progId="Equation.3">
                   <p:embed/>
                 </p:oleObj>
               </mc:Choice>
@@ -26297,7 +27115,7 @@
           <p:cNvPr id="8" name="文字方塊 8">
             <a:extLst>
               <a:ext uri="{FF2B5EF4-FFF2-40B4-BE49-F238E27FC236}">
-                <a16:creationId xmlns:a16="http://schemas.microsoft.com/office/drawing/2014/main" xmlns="" id="{86F09955-8ADC-4760-A3EE-D5CC28A0526E}"/>
+                <a16:creationId xmlns:a16="http://schemas.microsoft.com/office/drawing/2014/main" id="{86F09955-8ADC-4760-A3EE-D5CC28A0526E}"/>
               </a:ext>
             </a:extLst>
           </p:cNvPr>
@@ -26333,7 +27151,7 @@
           <p:cNvPr id="9" name="圖片 11">
             <a:extLst>
               <a:ext uri="{FF2B5EF4-FFF2-40B4-BE49-F238E27FC236}">
-                <a16:creationId xmlns:a16="http://schemas.microsoft.com/office/drawing/2014/main" xmlns="" id="{C6AB4598-5943-4A21-AA07-865D97A847CC}"/>
+                <a16:creationId xmlns:a16="http://schemas.microsoft.com/office/drawing/2014/main" id="{C6AB4598-5943-4A21-AA07-865D97A847CC}"/>
               </a:ext>
             </a:extLst>
           </p:cNvPr>
@@ -26369,7 +27187,7 @@
           <p:cNvPr id="10" name="Object 12">
             <a:extLst>
               <a:ext uri="{FF2B5EF4-FFF2-40B4-BE49-F238E27FC236}">
-                <a16:creationId xmlns:a16="http://schemas.microsoft.com/office/drawing/2014/main" xmlns="" id="{905F5424-ADB9-4D8E-8423-2B5950B537AA}"/>
+                <a16:creationId xmlns:a16="http://schemas.microsoft.com/office/drawing/2014/main" id="{905F5424-ADB9-4D8E-8423-2B5950B537AA}"/>
               </a:ext>
             </a:extLst>
           </p:cNvPr>
@@ -26392,7 +27210,7 @@
           <a:graphicData uri="http://schemas.openxmlformats.org/presentationml/2006/ole">
             <mc:AlternateContent xmlns:mc="http://schemas.openxmlformats.org/markup-compatibility/2006">
               <mc:Choice xmlns:v="urn:schemas-microsoft-com:vml" Requires="v">
-                <p:oleObj spid="_x0000_s2224" name="方程式" r:id="rId6" imgW="1790640" imgH="215640" progId="Equation.3">
+                <p:oleObj spid="_x0000_s2236" name="方程式" r:id="rId6" imgW="1790640" imgH="215640" progId="Equation.3">
                   <p:embed/>
                 </p:oleObj>
               </mc:Choice>
@@ -26445,7 +27263,7 @@
           <p:cNvPr id="11" name="文字方塊 7">
             <a:extLst>
               <a:ext uri="{FF2B5EF4-FFF2-40B4-BE49-F238E27FC236}">
-                <a16:creationId xmlns:a16="http://schemas.microsoft.com/office/drawing/2014/main" xmlns="" id="{389CB547-3633-486B-BFE0-673AECDBA2AA}"/>
+                <a16:creationId xmlns:a16="http://schemas.microsoft.com/office/drawing/2014/main" id="{389CB547-3633-486B-BFE0-673AECDBA2AA}"/>
               </a:ext>
             </a:extLst>
           </p:cNvPr>
@@ -26481,7 +27299,7 @@
           <p:cNvPr id="12" name="Picture 12" descr="https://encrypted-tbn1.gstatic.com/images?q=tbn:ANd9GcRcwlRKAlSIaCI4W5PRYVbuBQQXifF-56bFqAjh9DMe-_3Lh8_YKw">
             <a:extLst>
               <a:ext uri="{FF2B5EF4-FFF2-40B4-BE49-F238E27FC236}">
-                <a16:creationId xmlns:a16="http://schemas.microsoft.com/office/drawing/2014/main" xmlns="" id="{01A4C000-ACF8-43CF-91CB-081E28A7E99D}"/>
+                <a16:creationId xmlns:a16="http://schemas.microsoft.com/office/drawing/2014/main" id="{01A4C000-ACF8-43CF-91CB-081E28A7E99D}"/>
               </a:ext>
             </a:extLst>
           </p:cNvPr>
@@ -26528,7 +27346,7 @@
           <p:cNvPr id="13" name="Object 12">
             <a:extLst>
               <a:ext uri="{FF2B5EF4-FFF2-40B4-BE49-F238E27FC236}">
-                <a16:creationId xmlns:a16="http://schemas.microsoft.com/office/drawing/2014/main" xmlns="" id="{B8E14440-161E-470A-BB36-DE87ED092B58}"/>
+                <a16:creationId xmlns:a16="http://schemas.microsoft.com/office/drawing/2014/main" id="{B8E14440-161E-470A-BB36-DE87ED092B58}"/>
               </a:ext>
             </a:extLst>
           </p:cNvPr>
@@ -26551,7 +27369,7 @@
           <a:graphicData uri="http://schemas.openxmlformats.org/presentationml/2006/ole">
             <mc:AlternateContent xmlns:mc="http://schemas.openxmlformats.org/markup-compatibility/2006">
               <mc:Choice xmlns:v="urn:schemas-microsoft-com:vml" Requires="v">
-                <p:oleObj spid="_x0000_s2225" name="方程式" r:id="rId8" imgW="1790640" imgH="215640" progId="Equation.3">
+                <p:oleObj spid="_x0000_s2237" name="方程式" r:id="rId8" imgW="1790640" imgH="215640" progId="Equation.3">
                   <p:embed/>
                 </p:oleObj>
               </mc:Choice>
@@ -26604,7 +27422,7 @@
           <p:cNvPr id="14" name="文字方塊 9">
             <a:extLst>
               <a:ext uri="{FF2B5EF4-FFF2-40B4-BE49-F238E27FC236}">
-                <a16:creationId xmlns:a16="http://schemas.microsoft.com/office/drawing/2014/main" xmlns="" id="{5B375907-9A8C-4D88-8995-A50C64906A53}"/>
+                <a16:creationId xmlns:a16="http://schemas.microsoft.com/office/drawing/2014/main" id="{5B375907-9A8C-4D88-8995-A50C64906A53}"/>
               </a:ext>
             </a:extLst>
           </p:cNvPr>
@@ -26640,7 +27458,7 @@
           <p:cNvPr id="15" name="Picture 2" descr="http://y2.ifengimg.com/a/2016_11/2c7ef418c729099.jpg">
             <a:extLst>
               <a:ext uri="{FF2B5EF4-FFF2-40B4-BE49-F238E27FC236}">
-                <a16:creationId xmlns:a16="http://schemas.microsoft.com/office/drawing/2014/main" xmlns="" id="{0F5019D2-D980-4F1C-92A4-0A7FF1F6D178}"/>
+                <a16:creationId xmlns:a16="http://schemas.microsoft.com/office/drawing/2014/main" id="{0F5019D2-D980-4F1C-92A4-0A7FF1F6D178}"/>
               </a:ext>
             </a:extLst>
           </p:cNvPr>

--- a/机器学习入门.pptx
+++ b/机器学习入门.pptx
@@ -5,10 +5,10 @@
     <p:sldMasterId id="2147483660" r:id="rId1"/>
   </p:sldMasterIdLst>
   <p:notesMasterIdLst>
-    <p:notesMasterId r:id="rId33"/>
+    <p:notesMasterId r:id="rId37"/>
   </p:notesMasterIdLst>
   <p:handoutMasterIdLst>
-    <p:handoutMasterId r:id="rId34"/>
+    <p:handoutMasterId r:id="rId38"/>
   </p:handoutMasterIdLst>
   <p:sldIdLst>
     <p:sldId id="256" r:id="rId2"/>
@@ -42,6 +42,10 @@
     <p:sldId id="369" r:id="rId30"/>
     <p:sldId id="371" r:id="rId31"/>
     <p:sldId id="370" r:id="rId32"/>
+    <p:sldId id="372" r:id="rId33"/>
+    <p:sldId id="373" r:id="rId34"/>
+    <p:sldId id="374" r:id="rId35"/>
+    <p:sldId id="375" r:id="rId36"/>
   </p:sldIdLst>
   <p:sldSz cx="12192000" cy="6858000"/>
   <p:notesSz cx="6858000" cy="9144000"/>
@@ -244,7 +248,7 @@
           <a:p>
             <a:fld id="{4F008DF1-FEBF-0B42-BAEF-80253477F2CD}" type="datetimeFigureOut">
               <a:rPr kumimoji="1" lang="zh-CN" altLang="en-US" smtClean="0"/>
-              <a:t>2018/7/6</a:t>
+              <a:t>2018/7/7</a:t>
             </a:fld>
             <a:endParaRPr kumimoji="1" lang="zh-CN" altLang="en-US"/>
           </a:p>
@@ -410,7 +414,7 @@
           <a:p>
             <a:fld id="{4EC381E9-91C5-4038-AA82-DA62C619497A}" type="datetimeFigureOut">
               <a:rPr lang="zh-CN" altLang="en-US" smtClean="0"/>
-              <a:t>2018/7/6</a:t>
+              <a:t>2018/7/7</a:t>
             </a:fld>
             <a:endParaRPr lang="zh-CN" altLang="en-US"/>
           </a:p>
@@ -1394,7 +1398,7 @@
             <a:fld id="{BBB03C1E-6B36-441B-9FFE-D377CAF69C91}" type="datetime2">
               <a:rPr lang="zh-CN" altLang="en-US" sz="2100" smtClean="0"/>
               <a:pPr/>
-              <a:t>2018年7月6日</a:t>
+              <a:t>2018年7月7日</a:t>
             </a:fld>
             <a:endParaRPr lang="en-US" altLang="zh-CN" sz="2100" dirty="0"/>
           </a:p>
@@ -1480,7 +1484,7 @@
             </a:pPr>
             <a:fld id="{66FC0A0C-D2BF-F54B-AC69-85D92687E128}" type="datetime2">
               <a:rPr lang="zh-CN" altLang="en-US" smtClean="0"/>
-              <a:t>2018年7月6日</a:t>
+              <a:t>2018年7月7日</a:t>
             </a:fld>
             <a:endParaRPr lang="en-US" altLang="zh-CN" dirty="0"/>
           </a:p>
@@ -1673,7 +1677,7 @@
             </a:pPr>
             <a:fld id="{2F149BC0-8F7C-AD4E-A5EF-723D6509022B}" type="datetime2">
               <a:rPr lang="zh-CN" altLang="en-US" smtClean="0"/>
-              <a:t>2018年7月6日</a:t>
+              <a:t>2018年7月7日</a:t>
             </a:fld>
             <a:endParaRPr lang="en-US" altLang="zh-CN"/>
           </a:p>
@@ -1885,7 +1889,7 @@
             </a:pPr>
             <a:fld id="{E49C4954-FBA6-004C-9F64-B5906C493530}" type="datetime2">
               <a:rPr lang="zh-CN" altLang="en-US" smtClean="0"/>
-              <a:t>2018年7月6日</a:t>
+              <a:t>2018年7月7日</a:t>
             </a:fld>
             <a:endParaRPr lang="en-US" altLang="zh-CN"/>
           </a:p>
@@ -2153,7 +2157,7 @@
             </a:pPr>
             <a:fld id="{7AEC5EC9-DAF2-2246-B1A8-BF50D3A94F16}" type="datetime2">
               <a:rPr lang="zh-CN" altLang="en-US" smtClean="0"/>
-              <a:t>2018年7月6日</a:t>
+              <a:t>2018年7月7日</a:t>
             </a:fld>
             <a:endParaRPr lang="en-US" altLang="zh-CN"/>
           </a:p>
@@ -2338,7 +2342,7 @@
             </a:pPr>
             <a:fld id="{E94BCBA9-A64B-4A40-8440-30FE5787C8B2}" type="datetime2">
               <a:rPr lang="zh-CN" altLang="en-US" smtClean="0"/>
-              <a:t>2018年7月6日</a:t>
+              <a:t>2018年7月7日</a:t>
             </a:fld>
             <a:endParaRPr lang="en-US" altLang="zh-CN"/>
           </a:p>
@@ -2543,7 +2547,7 @@
             </a:pPr>
             <a:fld id="{95A2A19B-170D-1043-AE33-7A36DFB7BCDC}" type="datetime2">
               <a:rPr lang="zh-CN" altLang="en-US" smtClean="0"/>
-              <a:t>2018年7月6日</a:t>
+              <a:t>2018年7月7日</a:t>
             </a:fld>
             <a:endParaRPr lang="en-US" altLang="zh-CN"/>
           </a:p>
@@ -2762,7 +2766,7 @@
             </a:pPr>
             <a:fld id="{841F93BA-D9BF-BC4B-BA86-175867B95F50}" type="datetime2">
               <a:rPr lang="zh-CN" altLang="en-US" smtClean="0"/>
-              <a:t>2018年7月6日</a:t>
+              <a:t>2018年7月7日</a:t>
             </a:fld>
             <a:endParaRPr lang="en-US" altLang="zh-CN"/>
           </a:p>
@@ -3021,7 +3025,7 @@
             </a:pPr>
             <a:fld id="{4E97A401-5AD9-944A-97D0-B7D938414F8F}" type="datetime2">
               <a:rPr lang="zh-CN" altLang="en-US" smtClean="0"/>
-              <a:t>2018年7月6日</a:t>
+              <a:t>2018年7月7日</a:t>
             </a:fld>
             <a:endParaRPr lang="en-US" altLang="zh-CN"/>
           </a:p>
@@ -3419,7 +3423,7 @@
             </a:pPr>
             <a:fld id="{2DFD3F11-29DF-7F43-BDD3-524D0F58A418}" type="datetime2">
               <a:rPr lang="zh-CN" altLang="en-US" smtClean="0"/>
-              <a:t>2018年7月6日</a:t>
+              <a:t>2018年7月7日</a:t>
             </a:fld>
             <a:endParaRPr lang="en-US" altLang="zh-CN"/>
           </a:p>
@@ -3570,7 +3574,7 @@
             </a:pPr>
             <a:fld id="{0E714152-BEE6-8740-8BC2-BEA8A9605BAA}" type="datetime2">
               <a:rPr lang="zh-CN" altLang="en-US" smtClean="0"/>
-              <a:t>2018年7月6日</a:t>
+              <a:t>2018年7月7日</a:t>
             </a:fld>
             <a:endParaRPr lang="en-US" altLang="zh-CN"/>
           </a:p>
@@ -3699,7 +3703,7 @@
             </a:pPr>
             <a:fld id="{94C1308E-237D-9F4E-8509-7AA24F98750C}" type="datetime2">
               <a:rPr lang="zh-CN" altLang="en-US" smtClean="0"/>
-              <a:t>2018年7月6日</a:t>
+              <a:t>2018年7月7日</a:t>
             </a:fld>
             <a:endParaRPr lang="en-US" altLang="zh-CN"/>
           </a:p>
@@ -4008,7 +4012,7 @@
             </a:pPr>
             <a:fld id="{B049DA4E-5C6F-FB47-BC01-AAA2D0AD43C8}" type="datetime2">
               <a:rPr lang="zh-CN" altLang="en-US" smtClean="0"/>
-              <a:t>2018年7月6日</a:t>
+              <a:t>2018年7月7日</a:t>
             </a:fld>
             <a:endParaRPr lang="en-US" altLang="zh-CN"/>
           </a:p>
@@ -4295,7 +4299,7 @@
             </a:pPr>
             <a:fld id="{2DB90F44-F846-E443-858D-216A0A768584}" type="datetime2">
               <a:rPr lang="zh-CN" altLang="en-US" smtClean="0"/>
-              <a:t>2018年7月6日</a:t>
+              <a:t>2018年7月7日</a:t>
             </a:fld>
             <a:endParaRPr lang="en-US" altLang="zh-CN"/>
           </a:p>
@@ -4801,7 +4805,7 @@
             </a:pPr>
             <a:fld id="{7BCF5363-C0A9-D348-A026-116C987FE407}" type="datetime2">
               <a:rPr lang="zh-CN" altLang="en-US" smtClean="0"/>
-              <a:t>2018年7月6日</a:t>
+              <a:t>2018年7月7日</a:t>
             </a:fld>
             <a:endParaRPr lang="en-US" altLang="zh-CN" dirty="0"/>
           </a:p>
@@ -5506,7 +5510,7 @@
           <p:cNvPr id="2" name="标题 1">
             <a:extLst>
               <a:ext uri="{FF2B5EF4-FFF2-40B4-BE49-F238E27FC236}">
-                <a16:creationId xmlns:a16="http://schemas.microsoft.com/office/drawing/2014/main" id="{C779F269-BE5F-4251-8EE3-D3B207D7A66F}"/>
+                <a16:creationId xmlns:a16="http://schemas.microsoft.com/office/drawing/2014/main" xmlns="" id="{C779F269-BE5F-4251-8EE3-D3B207D7A66F}"/>
               </a:ext>
             </a:extLst>
           </p:cNvPr>
@@ -5534,7 +5538,7 @@
           <p:cNvPr id="4" name="日期占位符 3">
             <a:extLst>
               <a:ext uri="{FF2B5EF4-FFF2-40B4-BE49-F238E27FC236}">
-                <a16:creationId xmlns:a16="http://schemas.microsoft.com/office/drawing/2014/main" id="{CC2DEE5A-D5C1-4B57-B7EE-61483325413D}"/>
+                <a16:creationId xmlns:a16="http://schemas.microsoft.com/office/drawing/2014/main" xmlns="" id="{CC2DEE5A-D5C1-4B57-B7EE-61483325413D}"/>
               </a:ext>
             </a:extLst>
           </p:cNvPr>
@@ -5555,7 +5559,7 @@
             </a:pPr>
             <a:fld id="{95A2A19B-170D-1043-AE33-7A36DFB7BCDC}" type="datetime2">
               <a:rPr lang="zh-CN" altLang="en-US" smtClean="0"/>
-              <a:t>2018年7月6日</a:t>
+              <a:t>2018年7月7日</a:t>
             </a:fld>
             <a:endParaRPr lang="en-US" altLang="zh-CN"/>
           </a:p>
@@ -5566,7 +5570,7 @@
           <p:cNvPr id="6" name="灯片编号占位符 5">
             <a:extLst>
               <a:ext uri="{FF2B5EF4-FFF2-40B4-BE49-F238E27FC236}">
-                <a16:creationId xmlns:a16="http://schemas.microsoft.com/office/drawing/2014/main" id="{89059747-7DCE-498E-9C00-87842F1DF7A5}"/>
+                <a16:creationId xmlns:a16="http://schemas.microsoft.com/office/drawing/2014/main" xmlns="" id="{89059747-7DCE-498E-9C00-87842F1DF7A5}"/>
               </a:ext>
             </a:extLst>
           </p:cNvPr>
@@ -5601,7 +5605,7 @@
           <p:cNvPr id="7" name="圖片 4">
             <a:extLst>
               <a:ext uri="{FF2B5EF4-FFF2-40B4-BE49-F238E27FC236}">
-                <a16:creationId xmlns:a16="http://schemas.microsoft.com/office/drawing/2014/main" id="{AD60FF85-BB82-48C3-A8D5-F3FE31FEEE25}"/>
+                <a16:creationId xmlns:a16="http://schemas.microsoft.com/office/drawing/2014/main" xmlns="" id="{AD60FF85-BB82-48C3-A8D5-F3FE31FEEE25}"/>
               </a:ext>
             </a:extLst>
           </p:cNvPr>
@@ -5637,7 +5641,7 @@
           <p:cNvPr id="8" name="圓柱 5">
             <a:extLst>
               <a:ext uri="{FF2B5EF4-FFF2-40B4-BE49-F238E27FC236}">
-                <a16:creationId xmlns:a16="http://schemas.microsoft.com/office/drawing/2014/main" id="{A4910C58-B916-4377-8A20-3433B9850A89}"/>
+                <a16:creationId xmlns:a16="http://schemas.microsoft.com/office/drawing/2014/main" xmlns="" id="{A4910C58-B916-4377-8A20-3433B9850A89}"/>
               </a:ext>
             </a:extLst>
           </p:cNvPr>
@@ -5693,7 +5697,7 @@
           <p:cNvPr id="9" name="Object 12">
             <a:extLst>
               <a:ext uri="{FF2B5EF4-FFF2-40B4-BE49-F238E27FC236}">
-                <a16:creationId xmlns:a16="http://schemas.microsoft.com/office/drawing/2014/main" id="{DB4A9ABD-5112-4CDC-A5E0-E36AF7F715CB}"/>
+                <a16:creationId xmlns:a16="http://schemas.microsoft.com/office/drawing/2014/main" xmlns="" id="{DB4A9ABD-5112-4CDC-A5E0-E36AF7F715CB}"/>
               </a:ext>
             </a:extLst>
           </p:cNvPr>
@@ -5716,7 +5720,7 @@
           <a:graphicData uri="http://schemas.openxmlformats.org/presentationml/2006/ole">
             <mc:AlternateContent xmlns:mc="http://schemas.openxmlformats.org/markup-compatibility/2006">
               <mc:Choice xmlns:v="urn:schemas-microsoft-com:vml" Requires="v">
-                <p:oleObj spid="_x0000_s3197" name="方程式" r:id="rId4" imgW="520560" imgH="215640" progId="Equation.3">
+                <p:oleObj spid="_x0000_s3206" name="方程式" r:id="rId4" imgW="520560" imgH="215640" progId="Equation.3">
                   <p:embed/>
                 </p:oleObj>
               </mc:Choice>
@@ -5761,7 +5765,7 @@
           <p:cNvPr id="10" name="群組 8">
             <a:extLst>
               <a:ext uri="{FF2B5EF4-FFF2-40B4-BE49-F238E27FC236}">
-                <a16:creationId xmlns:a16="http://schemas.microsoft.com/office/drawing/2014/main" id="{86701675-F63F-493D-9E34-74AA169451B4}"/>
+                <a16:creationId xmlns:a16="http://schemas.microsoft.com/office/drawing/2014/main" xmlns="" id="{86701675-F63F-493D-9E34-74AA169451B4}"/>
               </a:ext>
             </a:extLst>
           </p:cNvPr>
@@ -5781,7 +5785,7 @@
             <p:cNvPr id="11" name="Object 12">
               <a:extLst>
                 <a:ext uri="{FF2B5EF4-FFF2-40B4-BE49-F238E27FC236}">
-                  <a16:creationId xmlns:a16="http://schemas.microsoft.com/office/drawing/2014/main" id="{040F69FC-3664-4FA8-B1DA-31B1C77DBB75}"/>
+                  <a16:creationId xmlns:a16="http://schemas.microsoft.com/office/drawing/2014/main" xmlns="" id="{040F69FC-3664-4FA8-B1DA-31B1C77DBB75}"/>
                 </a:ext>
               </a:extLst>
             </p:cNvPr>
@@ -5800,7 +5804,7 @@
             <a:graphicData uri="http://schemas.openxmlformats.org/presentationml/2006/ole">
               <mc:AlternateContent xmlns:mc="http://schemas.openxmlformats.org/markup-compatibility/2006">
                 <mc:Choice xmlns:v="urn:schemas-microsoft-com:vml" Requires="v">
-                  <p:oleObj spid="_x0000_s3198" name="方程式" r:id="rId6" imgW="990360" imgH="215640" progId="Equation.3">
+                  <p:oleObj spid="_x0000_s3207" name="方程式" r:id="rId6" imgW="990360" imgH="215640" progId="Equation.3">
                     <p:embed/>
                   </p:oleObj>
                 </mc:Choice>
@@ -5853,7 +5857,7 @@
             <p:cNvPr id="12" name="文字方塊 75">
               <a:extLst>
                 <a:ext uri="{FF2B5EF4-FFF2-40B4-BE49-F238E27FC236}">
-                  <a16:creationId xmlns:a16="http://schemas.microsoft.com/office/drawing/2014/main" id="{670B65FB-1B58-460A-A2C7-9B516017E47F}"/>
+                  <a16:creationId xmlns:a16="http://schemas.microsoft.com/office/drawing/2014/main" xmlns="" id="{670B65FB-1B58-460A-A2C7-9B516017E47F}"/>
                 </a:ext>
               </a:extLst>
             </p:cNvPr>
@@ -5890,7 +5894,7 @@
             <p:cNvPr id="13" name="Picture 12" descr="https://encrypted-tbn1.gstatic.com/images?q=tbn:ANd9GcRcwlRKAlSIaCI4W5PRYVbuBQQXifF-56bFqAjh9DMe-_3Lh8_YKw">
               <a:extLst>
                 <a:ext uri="{FF2B5EF4-FFF2-40B4-BE49-F238E27FC236}">
-                  <a16:creationId xmlns:a16="http://schemas.microsoft.com/office/drawing/2014/main" id="{8C80662D-B3B1-445B-954A-759D044D7310}"/>
+                  <a16:creationId xmlns:a16="http://schemas.microsoft.com/office/drawing/2014/main" xmlns="" id="{8C80662D-B3B1-445B-954A-759D044D7310}"/>
                 </a:ext>
               </a:extLst>
             </p:cNvPr>
@@ -5938,7 +5942,7 @@
           <p:cNvPr id="14" name="文字方塊 11">
             <a:extLst>
               <a:ext uri="{FF2B5EF4-FFF2-40B4-BE49-F238E27FC236}">
-                <a16:creationId xmlns:a16="http://schemas.microsoft.com/office/drawing/2014/main" id="{B6644981-91B8-4F8D-ADBA-C049EED9F47D}"/>
+                <a16:creationId xmlns:a16="http://schemas.microsoft.com/office/drawing/2014/main" xmlns="" id="{B6644981-91B8-4F8D-ADBA-C049EED9F47D}"/>
               </a:ext>
             </a:extLst>
           </p:cNvPr>
@@ -5978,7 +5982,7 @@
           <p:cNvPr id="15" name="文字方塊 17">
             <a:extLst>
               <a:ext uri="{FF2B5EF4-FFF2-40B4-BE49-F238E27FC236}">
-                <a16:creationId xmlns:a16="http://schemas.microsoft.com/office/drawing/2014/main" id="{CD148FFE-0C1A-43A6-BF00-843E46F6C4A9}"/>
+                <a16:creationId xmlns:a16="http://schemas.microsoft.com/office/drawing/2014/main" xmlns="" id="{CD148FFE-0C1A-43A6-BF00-843E46F6C4A9}"/>
               </a:ext>
             </a:extLst>
           </p:cNvPr>
@@ -6028,7 +6032,7 @@
           <p:cNvPr id="16" name="圓柱 22">
             <a:extLst>
               <a:ext uri="{FF2B5EF4-FFF2-40B4-BE49-F238E27FC236}">
-                <a16:creationId xmlns:a16="http://schemas.microsoft.com/office/drawing/2014/main" id="{C2AC9E2D-2713-4B72-979B-D486E2F2639C}"/>
+                <a16:creationId xmlns:a16="http://schemas.microsoft.com/office/drawing/2014/main" xmlns="" id="{C2AC9E2D-2713-4B72-979B-D486E2F2639C}"/>
               </a:ext>
             </a:extLst>
           </p:cNvPr>
@@ -6076,7 +6080,7 @@
           <p:cNvPr id="17" name="圓角矩形 26">
             <a:extLst>
               <a:ext uri="{FF2B5EF4-FFF2-40B4-BE49-F238E27FC236}">
-                <a16:creationId xmlns:a16="http://schemas.microsoft.com/office/drawing/2014/main" id="{BA910896-9C8A-4898-8A5B-12C3717695B2}"/>
+                <a16:creationId xmlns:a16="http://schemas.microsoft.com/office/drawing/2014/main" xmlns="" id="{BA910896-9C8A-4898-8A5B-12C3717695B2}"/>
               </a:ext>
             </a:extLst>
           </p:cNvPr>
@@ -6140,7 +6144,7 @@
           <p:cNvPr id="18" name="直線單箭頭接點 27">
             <a:extLst>
               <a:ext uri="{FF2B5EF4-FFF2-40B4-BE49-F238E27FC236}">
-                <a16:creationId xmlns:a16="http://schemas.microsoft.com/office/drawing/2014/main" id="{46B85095-3D68-40D1-8931-E74F8BFC4A97}"/>
+                <a16:creationId xmlns:a16="http://schemas.microsoft.com/office/drawing/2014/main" xmlns="" id="{46B85095-3D68-40D1-8931-E74F8BFC4A97}"/>
               </a:ext>
             </a:extLst>
           </p:cNvPr>
@@ -6179,7 +6183,7 @@
           <p:cNvPr id="19" name="直線單箭頭接點 28">
             <a:extLst>
               <a:ext uri="{FF2B5EF4-FFF2-40B4-BE49-F238E27FC236}">
-                <a16:creationId xmlns:a16="http://schemas.microsoft.com/office/drawing/2014/main" id="{A206D4A2-B23E-47CB-8E7C-FB5098DFC78F}"/>
+                <a16:creationId xmlns:a16="http://schemas.microsoft.com/office/drawing/2014/main" xmlns="" id="{A206D4A2-B23E-47CB-8E7C-FB5098DFC78F}"/>
               </a:ext>
             </a:extLst>
           </p:cNvPr>
@@ -6218,7 +6222,7 @@
           <p:cNvPr id="20" name="文字方塊 35">
             <a:extLst>
               <a:ext uri="{FF2B5EF4-FFF2-40B4-BE49-F238E27FC236}">
-                <a16:creationId xmlns:a16="http://schemas.microsoft.com/office/drawing/2014/main" id="{0A08F64A-9EC0-49B2-84C0-50B4665A68B2}"/>
+                <a16:creationId xmlns:a16="http://schemas.microsoft.com/office/drawing/2014/main" xmlns="" id="{0A08F64A-9EC0-49B2-84C0-50B4665A68B2}"/>
               </a:ext>
             </a:extLst>
           </p:cNvPr>
@@ -6275,7 +6279,7 @@
           <p:cNvPr id="21" name="矩形 20">
             <a:extLst>
               <a:ext uri="{FF2B5EF4-FFF2-40B4-BE49-F238E27FC236}">
-                <a16:creationId xmlns:a16="http://schemas.microsoft.com/office/drawing/2014/main" id="{45F11FF2-B145-4B42-B084-B85010584F4B}"/>
+                <a16:creationId xmlns:a16="http://schemas.microsoft.com/office/drawing/2014/main" xmlns="" id="{45F11FF2-B145-4B42-B084-B85010584F4B}"/>
               </a:ext>
             </a:extLst>
           </p:cNvPr>
@@ -6316,7 +6320,7 @@
           <p:cNvPr id="22" name="圖片 37">
             <a:extLst>
               <a:ext uri="{FF2B5EF4-FFF2-40B4-BE49-F238E27FC236}">
-                <a16:creationId xmlns:a16="http://schemas.microsoft.com/office/drawing/2014/main" id="{27F61E55-40D2-48CA-B2A4-3CCAE158D295}"/>
+                <a16:creationId xmlns:a16="http://schemas.microsoft.com/office/drawing/2014/main" xmlns="" id="{27F61E55-40D2-48CA-B2A4-3CCAE158D295}"/>
               </a:ext>
             </a:extLst>
           </p:cNvPr>
@@ -6346,7 +6350,7 @@
           <p:cNvPr id="23" name="圖片 38">
             <a:extLst>
               <a:ext uri="{FF2B5EF4-FFF2-40B4-BE49-F238E27FC236}">
-                <a16:creationId xmlns:a16="http://schemas.microsoft.com/office/drawing/2014/main" id="{F6E24B6C-ACFB-4945-9215-71CF20EB2D2B}"/>
+                <a16:creationId xmlns:a16="http://schemas.microsoft.com/office/drawing/2014/main" xmlns="" id="{F6E24B6C-ACFB-4945-9215-71CF20EB2D2B}"/>
               </a:ext>
             </a:extLst>
           </p:cNvPr>
@@ -6376,7 +6380,7 @@
           <p:cNvPr id="24" name="文字方塊 39">
             <a:extLst>
               <a:ext uri="{FF2B5EF4-FFF2-40B4-BE49-F238E27FC236}">
-                <a16:creationId xmlns:a16="http://schemas.microsoft.com/office/drawing/2014/main" id="{2077EC58-688B-45DA-9585-8B5EFF747C21}"/>
+                <a16:creationId xmlns:a16="http://schemas.microsoft.com/office/drawing/2014/main" xmlns="" id="{2077EC58-688B-45DA-9585-8B5EFF747C21}"/>
               </a:ext>
             </a:extLst>
           </p:cNvPr>
@@ -6413,7 +6417,7 @@
           <p:cNvPr id="25" name="文字方塊 40">
             <a:extLst>
               <a:ext uri="{FF2B5EF4-FFF2-40B4-BE49-F238E27FC236}">
-                <a16:creationId xmlns:a16="http://schemas.microsoft.com/office/drawing/2014/main" id="{9B562F25-BDA7-4165-AFD0-755F0492DDD4}"/>
+                <a16:creationId xmlns:a16="http://schemas.microsoft.com/office/drawing/2014/main" xmlns="" id="{9B562F25-BDA7-4165-AFD0-755F0492DDD4}"/>
               </a:ext>
             </a:extLst>
           </p:cNvPr>
@@ -6450,7 +6454,7 @@
           <p:cNvPr id="26" name="圖片 41">
             <a:extLst>
               <a:ext uri="{FF2B5EF4-FFF2-40B4-BE49-F238E27FC236}">
-                <a16:creationId xmlns:a16="http://schemas.microsoft.com/office/drawing/2014/main" id="{553DEC0C-4B49-4913-BCEC-5D63BB85CC3E}"/>
+                <a16:creationId xmlns:a16="http://schemas.microsoft.com/office/drawing/2014/main" xmlns="" id="{553DEC0C-4B49-4913-BCEC-5D63BB85CC3E}"/>
               </a:ext>
             </a:extLst>
           </p:cNvPr>
@@ -6480,7 +6484,7 @@
           <p:cNvPr id="27" name="矩形 26">
             <a:extLst>
               <a:ext uri="{FF2B5EF4-FFF2-40B4-BE49-F238E27FC236}">
-                <a16:creationId xmlns:a16="http://schemas.microsoft.com/office/drawing/2014/main" id="{93BD42B8-3326-4826-B0D6-BDA00A58F35C}"/>
+                <a16:creationId xmlns:a16="http://schemas.microsoft.com/office/drawing/2014/main" xmlns="" id="{93BD42B8-3326-4826-B0D6-BDA00A58F35C}"/>
               </a:ext>
             </a:extLst>
           </p:cNvPr>
@@ -6520,7 +6524,7 @@
           <p:cNvPr id="28" name="矩形 27">
             <a:extLst>
               <a:ext uri="{FF2B5EF4-FFF2-40B4-BE49-F238E27FC236}">
-                <a16:creationId xmlns:a16="http://schemas.microsoft.com/office/drawing/2014/main" id="{2344BEC7-2CBA-49D3-A79C-080951F115D9}"/>
+                <a16:creationId xmlns:a16="http://schemas.microsoft.com/office/drawing/2014/main" xmlns="" id="{2344BEC7-2CBA-49D3-A79C-080951F115D9}"/>
               </a:ext>
             </a:extLst>
           </p:cNvPr>
@@ -6561,7 +6565,7 @@
           <p:cNvPr id="29" name="矩形 28">
             <a:extLst>
               <a:ext uri="{FF2B5EF4-FFF2-40B4-BE49-F238E27FC236}">
-                <a16:creationId xmlns:a16="http://schemas.microsoft.com/office/drawing/2014/main" id="{F10278E6-750A-4352-9346-FBC6383426E2}"/>
+                <a16:creationId xmlns:a16="http://schemas.microsoft.com/office/drawing/2014/main" xmlns="" id="{F10278E6-750A-4352-9346-FBC6383426E2}"/>
               </a:ext>
             </a:extLst>
           </p:cNvPr>
@@ -6613,7 +6617,7 @@
           <p:cNvPr id="30" name="页脚占位符 4">
             <a:extLst>
               <a:ext uri="{FF2B5EF4-FFF2-40B4-BE49-F238E27FC236}">
-                <a16:creationId xmlns:a16="http://schemas.microsoft.com/office/drawing/2014/main" id="{695CF0EE-630A-4A8F-A959-CFD222411CE2}"/>
+                <a16:creationId xmlns:a16="http://schemas.microsoft.com/office/drawing/2014/main" xmlns="" id="{695CF0EE-630A-4A8F-A959-CFD222411CE2}"/>
               </a:ext>
             </a:extLst>
           </p:cNvPr>
@@ -7315,7 +7319,7 @@
           <p:cNvPr id="2" name="标题 1">
             <a:extLst>
               <a:ext uri="{FF2B5EF4-FFF2-40B4-BE49-F238E27FC236}">
-                <a16:creationId xmlns:a16="http://schemas.microsoft.com/office/drawing/2014/main" id="{2F21F3B5-A64D-4DCA-9CCC-7F0B3E5C58E4}"/>
+                <a16:creationId xmlns:a16="http://schemas.microsoft.com/office/drawing/2014/main" xmlns="" id="{2F21F3B5-A64D-4DCA-9CCC-7F0B3E5C58E4}"/>
               </a:ext>
             </a:extLst>
           </p:cNvPr>
@@ -7343,7 +7347,7 @@
           <p:cNvPr id="4" name="日期占位符 3">
             <a:extLst>
               <a:ext uri="{FF2B5EF4-FFF2-40B4-BE49-F238E27FC236}">
-                <a16:creationId xmlns:a16="http://schemas.microsoft.com/office/drawing/2014/main" id="{C5C07CC5-4A08-4769-88D9-A1F0705AF6CD}"/>
+                <a16:creationId xmlns:a16="http://schemas.microsoft.com/office/drawing/2014/main" xmlns="" id="{C5C07CC5-4A08-4769-88D9-A1F0705AF6CD}"/>
               </a:ext>
             </a:extLst>
           </p:cNvPr>
@@ -7364,7 +7368,7 @@
             </a:pPr>
             <a:fld id="{95A2A19B-170D-1043-AE33-7A36DFB7BCDC}" type="datetime2">
               <a:rPr lang="zh-CN" altLang="en-US" smtClean="0"/>
-              <a:t>2018年7月6日</a:t>
+              <a:t>2018年7月7日</a:t>
             </a:fld>
             <a:endParaRPr lang="en-US" altLang="zh-CN"/>
           </a:p>
@@ -7375,7 +7379,7 @@
           <p:cNvPr id="5" name="页脚占位符 4">
             <a:extLst>
               <a:ext uri="{FF2B5EF4-FFF2-40B4-BE49-F238E27FC236}">
-                <a16:creationId xmlns:a16="http://schemas.microsoft.com/office/drawing/2014/main" id="{0ECF1510-3F67-489C-A753-6C05543F5D8E}"/>
+                <a16:creationId xmlns:a16="http://schemas.microsoft.com/office/drawing/2014/main" xmlns="" id="{0ECF1510-3F67-489C-A753-6C05543F5D8E}"/>
               </a:ext>
             </a:extLst>
           </p:cNvPr>
@@ -7407,7 +7411,7 @@
           <p:cNvPr id="6" name="灯片编号占位符 5">
             <a:extLst>
               <a:ext uri="{FF2B5EF4-FFF2-40B4-BE49-F238E27FC236}">
-                <a16:creationId xmlns:a16="http://schemas.microsoft.com/office/drawing/2014/main" id="{CEEF7477-5D18-493B-A5F8-5A256123DB22}"/>
+                <a16:creationId xmlns:a16="http://schemas.microsoft.com/office/drawing/2014/main" xmlns="" id="{CEEF7477-5D18-493B-A5F8-5A256123DB22}"/>
               </a:ext>
             </a:extLst>
           </p:cNvPr>
@@ -7442,7 +7446,7 @@
           <p:cNvPr id="7" name="圓柱 5">
             <a:extLst>
               <a:ext uri="{FF2B5EF4-FFF2-40B4-BE49-F238E27FC236}">
-                <a16:creationId xmlns:a16="http://schemas.microsoft.com/office/drawing/2014/main" id="{13C5A888-600E-40BA-B575-C62CA28FAFBB}"/>
+                <a16:creationId xmlns:a16="http://schemas.microsoft.com/office/drawing/2014/main" xmlns="" id="{13C5A888-600E-40BA-B575-C62CA28FAFBB}"/>
               </a:ext>
             </a:extLst>
           </p:cNvPr>
@@ -7490,7 +7494,7 @@
           <p:cNvPr id="8" name="Object 12">
             <a:extLst>
               <a:ext uri="{FF2B5EF4-FFF2-40B4-BE49-F238E27FC236}">
-                <a16:creationId xmlns:a16="http://schemas.microsoft.com/office/drawing/2014/main" id="{B342BC5F-B650-4540-9688-EFCEDE2DCAA4}"/>
+                <a16:creationId xmlns:a16="http://schemas.microsoft.com/office/drawing/2014/main" xmlns="" id="{B342BC5F-B650-4540-9688-EFCEDE2DCAA4}"/>
               </a:ext>
             </a:extLst>
           </p:cNvPr>
@@ -7513,7 +7517,7 @@
           <a:graphicData uri="http://schemas.openxmlformats.org/presentationml/2006/ole">
             <mc:AlternateContent xmlns:mc="http://schemas.openxmlformats.org/markup-compatibility/2006">
               <mc:Choice xmlns:v="urn:schemas-microsoft-com:vml" Requires="v">
-                <p:oleObj spid="_x0000_s4274" name="方程式" r:id="rId3" imgW="520560" imgH="215640" progId="Equation.3">
+                <p:oleObj spid="_x0000_s4287" name="方程式" r:id="rId3" imgW="520560" imgH="215640" progId="Equation.3">
                   <p:embed/>
                 </p:oleObj>
               </mc:Choice>
@@ -7558,7 +7562,7 @@
           <p:cNvPr id="9" name="文字方塊 17">
             <a:extLst>
               <a:ext uri="{FF2B5EF4-FFF2-40B4-BE49-F238E27FC236}">
-                <a16:creationId xmlns:a16="http://schemas.microsoft.com/office/drawing/2014/main" id="{2CAA0C11-3A8B-40A7-A982-7BB53CDC819F}"/>
+                <a16:creationId xmlns:a16="http://schemas.microsoft.com/office/drawing/2014/main" xmlns="" id="{2CAA0C11-3A8B-40A7-A982-7BB53CDC819F}"/>
               </a:ext>
             </a:extLst>
           </p:cNvPr>
@@ -7608,7 +7612,7 @@
           <p:cNvPr id="10" name="圓柱 22">
             <a:extLst>
               <a:ext uri="{FF2B5EF4-FFF2-40B4-BE49-F238E27FC236}">
-                <a16:creationId xmlns:a16="http://schemas.microsoft.com/office/drawing/2014/main" id="{4689B7FC-28CB-4E77-AA46-F3899D14A7C7}"/>
+                <a16:creationId xmlns:a16="http://schemas.microsoft.com/office/drawing/2014/main" xmlns="" id="{4689B7FC-28CB-4E77-AA46-F3899D14A7C7}"/>
               </a:ext>
             </a:extLst>
           </p:cNvPr>
@@ -7656,7 +7660,7 @@
           <p:cNvPr id="11" name="圓角矩形 26">
             <a:extLst>
               <a:ext uri="{FF2B5EF4-FFF2-40B4-BE49-F238E27FC236}">
-                <a16:creationId xmlns:a16="http://schemas.microsoft.com/office/drawing/2014/main" id="{9DD17BD5-9907-471E-A83F-29D943BAD1CF}"/>
+                <a16:creationId xmlns:a16="http://schemas.microsoft.com/office/drawing/2014/main" xmlns="" id="{9DD17BD5-9907-471E-A83F-29D943BAD1CF}"/>
               </a:ext>
             </a:extLst>
           </p:cNvPr>
@@ -7704,7 +7708,7 @@
           <p:cNvPr id="12" name="直線單箭頭接點 27">
             <a:extLst>
               <a:ext uri="{FF2B5EF4-FFF2-40B4-BE49-F238E27FC236}">
-                <a16:creationId xmlns:a16="http://schemas.microsoft.com/office/drawing/2014/main" id="{FA22C4C8-C34F-4BC3-87E1-C118C0554106}"/>
+                <a16:creationId xmlns:a16="http://schemas.microsoft.com/office/drawing/2014/main" xmlns="" id="{FA22C4C8-C34F-4BC3-87E1-C118C0554106}"/>
               </a:ext>
             </a:extLst>
           </p:cNvPr>
@@ -7743,7 +7747,7 @@
           <p:cNvPr id="13" name="直線單箭頭接點 28">
             <a:extLst>
               <a:ext uri="{FF2B5EF4-FFF2-40B4-BE49-F238E27FC236}">
-                <a16:creationId xmlns:a16="http://schemas.microsoft.com/office/drawing/2014/main" id="{B17D1325-CC48-4623-97BF-443E5683FC4B}"/>
+                <a16:creationId xmlns:a16="http://schemas.microsoft.com/office/drawing/2014/main" xmlns="" id="{B17D1325-CC48-4623-97BF-443E5683FC4B}"/>
               </a:ext>
             </a:extLst>
           </p:cNvPr>
@@ -7782,7 +7786,7 @@
           <p:cNvPr id="14" name="矩形 13">
             <a:extLst>
               <a:ext uri="{FF2B5EF4-FFF2-40B4-BE49-F238E27FC236}">
-                <a16:creationId xmlns:a16="http://schemas.microsoft.com/office/drawing/2014/main" id="{52221F9C-A2E1-455E-86C1-FC74E2207922}"/>
+                <a16:creationId xmlns:a16="http://schemas.microsoft.com/office/drawing/2014/main" xmlns="" id="{52221F9C-A2E1-455E-86C1-FC74E2207922}"/>
               </a:ext>
             </a:extLst>
           </p:cNvPr>
@@ -7823,7 +7827,7 @@
           <p:cNvPr id="15" name="圖片 30">
             <a:extLst>
               <a:ext uri="{FF2B5EF4-FFF2-40B4-BE49-F238E27FC236}">
-                <a16:creationId xmlns:a16="http://schemas.microsoft.com/office/drawing/2014/main" id="{B25A19E1-0BB5-4C02-82BC-71B53B7C2AEC}"/>
+                <a16:creationId xmlns:a16="http://schemas.microsoft.com/office/drawing/2014/main" xmlns="" id="{B25A19E1-0BB5-4C02-82BC-71B53B7C2AEC}"/>
               </a:ext>
             </a:extLst>
           </p:cNvPr>
@@ -7853,7 +7857,7 @@
           <p:cNvPr id="16" name="圖片 31">
             <a:extLst>
               <a:ext uri="{FF2B5EF4-FFF2-40B4-BE49-F238E27FC236}">
-                <a16:creationId xmlns:a16="http://schemas.microsoft.com/office/drawing/2014/main" id="{528BF1DC-96E5-432E-930C-E42789F93C50}"/>
+                <a16:creationId xmlns:a16="http://schemas.microsoft.com/office/drawing/2014/main" xmlns="" id="{528BF1DC-96E5-432E-930C-E42789F93C50}"/>
               </a:ext>
             </a:extLst>
           </p:cNvPr>
@@ -7883,7 +7887,7 @@
           <p:cNvPr id="17" name="文字方塊 32">
             <a:extLst>
               <a:ext uri="{FF2B5EF4-FFF2-40B4-BE49-F238E27FC236}">
-                <a16:creationId xmlns:a16="http://schemas.microsoft.com/office/drawing/2014/main" id="{C11864DB-A316-4618-AC61-927E470CCE7C}"/>
+                <a16:creationId xmlns:a16="http://schemas.microsoft.com/office/drawing/2014/main" xmlns="" id="{C11864DB-A316-4618-AC61-927E470CCE7C}"/>
               </a:ext>
             </a:extLst>
           </p:cNvPr>
@@ -7920,7 +7924,7 @@
           <p:cNvPr id="18" name="文字方塊 33">
             <a:extLst>
               <a:ext uri="{FF2B5EF4-FFF2-40B4-BE49-F238E27FC236}">
-                <a16:creationId xmlns:a16="http://schemas.microsoft.com/office/drawing/2014/main" id="{A9C145A0-8904-479A-95AC-D2AC4E35ACC6}"/>
+                <a16:creationId xmlns:a16="http://schemas.microsoft.com/office/drawing/2014/main" xmlns="" id="{A9C145A0-8904-479A-95AC-D2AC4E35ACC6}"/>
               </a:ext>
             </a:extLst>
           </p:cNvPr>
@@ -7957,7 +7961,7 @@
           <p:cNvPr id="19" name="圖片 34">
             <a:extLst>
               <a:ext uri="{FF2B5EF4-FFF2-40B4-BE49-F238E27FC236}">
-                <a16:creationId xmlns:a16="http://schemas.microsoft.com/office/drawing/2014/main" id="{A038C83F-7859-4E23-AC82-58985F09E8A1}"/>
+                <a16:creationId xmlns:a16="http://schemas.microsoft.com/office/drawing/2014/main" xmlns="" id="{A038C83F-7859-4E23-AC82-58985F09E8A1}"/>
               </a:ext>
             </a:extLst>
           </p:cNvPr>
@@ -7987,7 +7991,7 @@
           <p:cNvPr id="20" name="Object 12">
             <a:extLst>
               <a:ext uri="{FF2B5EF4-FFF2-40B4-BE49-F238E27FC236}">
-                <a16:creationId xmlns:a16="http://schemas.microsoft.com/office/drawing/2014/main" id="{96426069-D24E-4BD7-82BB-1B73EFEF1148}"/>
+                <a16:creationId xmlns:a16="http://schemas.microsoft.com/office/drawing/2014/main" xmlns="" id="{96426069-D24E-4BD7-82BB-1B73EFEF1148}"/>
               </a:ext>
             </a:extLst>
           </p:cNvPr>
@@ -8010,7 +8014,7 @@
           <a:graphicData uri="http://schemas.openxmlformats.org/presentationml/2006/ole">
             <mc:AlternateContent xmlns:mc="http://schemas.openxmlformats.org/markup-compatibility/2006">
               <mc:Choice xmlns:v="urn:schemas-microsoft-com:vml" Requires="v">
-                <p:oleObj spid="_x0000_s4275" name="方程式" r:id="rId8" imgW="203040" imgH="228600" progId="Equation.3">
+                <p:oleObj spid="_x0000_s4288" name="方程式" r:id="rId8" imgW="203040" imgH="228600" progId="Equation.3">
                   <p:embed/>
                 </p:oleObj>
               </mc:Choice>
@@ -8055,7 +8059,7 @@
           <p:cNvPr id="21" name="文字方塊 24">
             <a:extLst>
               <a:ext uri="{FF2B5EF4-FFF2-40B4-BE49-F238E27FC236}">
-                <a16:creationId xmlns:a16="http://schemas.microsoft.com/office/drawing/2014/main" id="{3E25C831-FB74-41F0-AA84-D84356E0AF3F}"/>
+                <a16:creationId xmlns:a16="http://schemas.microsoft.com/office/drawing/2014/main" xmlns="" id="{3E25C831-FB74-41F0-AA84-D84356E0AF3F}"/>
               </a:ext>
             </a:extLst>
           </p:cNvPr>
@@ -8092,7 +8096,7 @@
           <p:cNvPr id="22" name="直線單箭頭接點 25">
             <a:extLst>
               <a:ext uri="{FF2B5EF4-FFF2-40B4-BE49-F238E27FC236}">
-                <a16:creationId xmlns:a16="http://schemas.microsoft.com/office/drawing/2014/main" id="{53A5D98D-FBCD-45B4-B8B8-4A768E39354F}"/>
+                <a16:creationId xmlns:a16="http://schemas.microsoft.com/office/drawing/2014/main" xmlns="" id="{53A5D98D-FBCD-45B4-B8B8-4A768E39354F}"/>
               </a:ext>
             </a:extLst>
           </p:cNvPr>
@@ -8133,7 +8137,7 @@
           <p:cNvPr id="23" name="圓角矩形 37">
             <a:extLst>
               <a:ext uri="{FF2B5EF4-FFF2-40B4-BE49-F238E27FC236}">
-                <a16:creationId xmlns:a16="http://schemas.microsoft.com/office/drawing/2014/main" id="{F4E281F4-8ADF-4B41-A0A7-3C8616D02E03}"/>
+                <a16:creationId xmlns:a16="http://schemas.microsoft.com/office/drawing/2014/main" xmlns="" id="{F4E281F4-8ADF-4B41-A0A7-3C8616D02E03}"/>
               </a:ext>
             </a:extLst>
           </p:cNvPr>
@@ -8184,7 +8188,7 @@
           <p:cNvPr id="24" name="直線單箭頭接點 40">
             <a:extLst>
               <a:ext uri="{FF2B5EF4-FFF2-40B4-BE49-F238E27FC236}">
-                <a16:creationId xmlns:a16="http://schemas.microsoft.com/office/drawing/2014/main" id="{EED9F2A7-BB3D-4DB0-A5FE-4D6726DB5890}"/>
+                <a16:creationId xmlns:a16="http://schemas.microsoft.com/office/drawing/2014/main" xmlns="" id="{EED9F2A7-BB3D-4DB0-A5FE-4D6726DB5890}"/>
               </a:ext>
             </a:extLst>
           </p:cNvPr>
@@ -8223,7 +8227,7 @@
           <p:cNvPr id="25" name="直線單箭頭接點 41">
             <a:extLst>
               <a:ext uri="{FF2B5EF4-FFF2-40B4-BE49-F238E27FC236}">
-                <a16:creationId xmlns:a16="http://schemas.microsoft.com/office/drawing/2014/main" id="{3647F264-2339-4D70-BBD8-3C898E77A058}"/>
+                <a16:creationId xmlns:a16="http://schemas.microsoft.com/office/drawing/2014/main" xmlns="" id="{3647F264-2339-4D70-BBD8-3C898E77A058}"/>
               </a:ext>
             </a:extLst>
           </p:cNvPr>
@@ -8262,7 +8266,7 @@
           <p:cNvPr id="26" name="Object 12">
             <a:extLst>
               <a:ext uri="{FF2B5EF4-FFF2-40B4-BE49-F238E27FC236}">
-                <a16:creationId xmlns:a16="http://schemas.microsoft.com/office/drawing/2014/main" id="{A0956AA3-74B0-4839-9A31-5A2A28950B1E}"/>
+                <a16:creationId xmlns:a16="http://schemas.microsoft.com/office/drawing/2014/main" xmlns="" id="{A0956AA3-74B0-4839-9A31-5A2A28950B1E}"/>
               </a:ext>
             </a:extLst>
           </p:cNvPr>
@@ -8285,7 +8289,7 @@
           <a:graphicData uri="http://schemas.openxmlformats.org/presentationml/2006/ole">
             <mc:AlternateContent xmlns:mc="http://schemas.openxmlformats.org/markup-compatibility/2006">
               <mc:Choice xmlns:v="urn:schemas-microsoft-com:vml" Requires="v">
-                <p:oleObj spid="_x0000_s4276" name="方程式" r:id="rId10" imgW="203040" imgH="228600" progId="Equation.3">
+                <p:oleObj spid="_x0000_s4289" name="方程式" r:id="rId10" imgW="203040" imgH="228600" progId="Equation.3">
                   <p:embed/>
                 </p:oleObj>
               </mc:Choice>
@@ -8330,7 +8334,7 @@
           <p:cNvPr id="27" name="Picture 12" descr="https://encrypted-tbn1.gstatic.com/images?q=tbn:ANd9GcRcwlRKAlSIaCI4W5PRYVbuBQQXifF-56bFqAjh9DMe-_3Lh8_YKw">
             <a:extLst>
               <a:ext uri="{FF2B5EF4-FFF2-40B4-BE49-F238E27FC236}">
-                <a16:creationId xmlns:a16="http://schemas.microsoft.com/office/drawing/2014/main" id="{4D67006C-9A71-4B9D-A460-CE8C4DA6324E}"/>
+                <a16:creationId xmlns:a16="http://schemas.microsoft.com/office/drawing/2014/main" xmlns="" id="{4D67006C-9A71-4B9D-A460-CE8C4DA6324E}"/>
               </a:ext>
             </a:extLst>
           </p:cNvPr>
@@ -8377,7 +8381,7 @@
           <p:cNvPr id="28" name="文字方塊 45">
             <a:extLst>
               <a:ext uri="{FF2B5EF4-FFF2-40B4-BE49-F238E27FC236}">
-                <a16:creationId xmlns:a16="http://schemas.microsoft.com/office/drawing/2014/main" id="{00C6E81C-A033-4C81-A001-D621CD84248E}"/>
+                <a16:creationId xmlns:a16="http://schemas.microsoft.com/office/drawing/2014/main" xmlns="" id="{00C6E81C-A033-4C81-A001-D621CD84248E}"/>
               </a:ext>
             </a:extLst>
           </p:cNvPr>
@@ -8414,7 +8418,7 @@
           <p:cNvPr id="29" name="矩形 28">
             <a:extLst>
               <a:ext uri="{FF2B5EF4-FFF2-40B4-BE49-F238E27FC236}">
-                <a16:creationId xmlns:a16="http://schemas.microsoft.com/office/drawing/2014/main" id="{E1AC2FDE-73E1-49AA-9B98-6BFAC871FAFD}"/>
+                <a16:creationId xmlns:a16="http://schemas.microsoft.com/office/drawing/2014/main" xmlns="" id="{E1AC2FDE-73E1-49AA-9B98-6BFAC871FAFD}"/>
               </a:ext>
             </a:extLst>
           </p:cNvPr>
@@ -8466,7 +8470,7 @@
           <p:cNvPr id="30" name="矩形 29">
             <a:extLst>
               <a:ext uri="{FF2B5EF4-FFF2-40B4-BE49-F238E27FC236}">
-                <a16:creationId xmlns:a16="http://schemas.microsoft.com/office/drawing/2014/main" id="{E074733E-FA25-4E88-AB42-320E3CA89A14}"/>
+                <a16:creationId xmlns:a16="http://schemas.microsoft.com/office/drawing/2014/main" xmlns="" id="{E074733E-FA25-4E88-AB42-320E3CA89A14}"/>
               </a:ext>
             </a:extLst>
           </p:cNvPr>
@@ -8518,7 +8522,7 @@
           <p:cNvPr id="31" name="文字方塊 47">
             <a:extLst>
               <a:ext uri="{FF2B5EF4-FFF2-40B4-BE49-F238E27FC236}">
-                <a16:creationId xmlns:a16="http://schemas.microsoft.com/office/drawing/2014/main" id="{017A0524-DF83-490A-BF4B-E426793D8FD8}"/>
+                <a16:creationId xmlns:a16="http://schemas.microsoft.com/office/drawing/2014/main" xmlns="" id="{017A0524-DF83-490A-BF4B-E426793D8FD8}"/>
               </a:ext>
             </a:extLst>
           </p:cNvPr>
@@ -8568,7 +8572,7 @@
           <p:cNvPr id="32" name="文字方塊 48">
             <a:extLst>
               <a:ext uri="{FF2B5EF4-FFF2-40B4-BE49-F238E27FC236}">
-                <a16:creationId xmlns:a16="http://schemas.microsoft.com/office/drawing/2014/main" id="{2D346CE1-A373-4747-87DC-E08EDA429EBC}"/>
+                <a16:creationId xmlns:a16="http://schemas.microsoft.com/office/drawing/2014/main" xmlns="" id="{2D346CE1-A373-4747-87DC-E08EDA429EBC}"/>
               </a:ext>
             </a:extLst>
           </p:cNvPr>
@@ -8618,7 +8622,7 @@
           <p:cNvPr id="33" name="矩形 32">
             <a:extLst>
               <a:ext uri="{FF2B5EF4-FFF2-40B4-BE49-F238E27FC236}">
-                <a16:creationId xmlns:a16="http://schemas.microsoft.com/office/drawing/2014/main" id="{EB1CF628-4430-4B3F-AE2F-E19A55CCEFBD}"/>
+                <a16:creationId xmlns:a16="http://schemas.microsoft.com/office/drawing/2014/main" xmlns="" id="{EB1CF628-4430-4B3F-AE2F-E19A55CCEFBD}"/>
               </a:ext>
             </a:extLst>
           </p:cNvPr>
@@ -8670,7 +8674,7 @@
           <p:cNvPr id="34" name="矩形 33">
             <a:extLst>
               <a:ext uri="{FF2B5EF4-FFF2-40B4-BE49-F238E27FC236}">
-                <a16:creationId xmlns:a16="http://schemas.microsoft.com/office/drawing/2014/main" id="{80F3F945-585E-4A1F-94B5-CF3A08FD50C3}"/>
+                <a16:creationId xmlns:a16="http://schemas.microsoft.com/office/drawing/2014/main" xmlns="" id="{80F3F945-585E-4A1F-94B5-CF3A08FD50C3}"/>
               </a:ext>
             </a:extLst>
           </p:cNvPr>
@@ -8722,7 +8726,7 @@
           <p:cNvPr id="35" name="矩形 34">
             <a:extLst>
               <a:ext uri="{FF2B5EF4-FFF2-40B4-BE49-F238E27FC236}">
-                <a16:creationId xmlns:a16="http://schemas.microsoft.com/office/drawing/2014/main" id="{916AB394-5659-480E-BABE-2331F31E0EC6}"/>
+                <a16:creationId xmlns:a16="http://schemas.microsoft.com/office/drawing/2014/main" xmlns="" id="{916AB394-5659-480E-BABE-2331F31E0EC6}"/>
               </a:ext>
             </a:extLst>
           </p:cNvPr>
@@ -8774,7 +8778,7 @@
           <p:cNvPr id="36" name="文字方塊 52">
             <a:extLst>
               <a:ext uri="{FF2B5EF4-FFF2-40B4-BE49-F238E27FC236}">
-                <a16:creationId xmlns:a16="http://schemas.microsoft.com/office/drawing/2014/main" id="{6D4B55D2-7DFD-4ABB-B5C8-39E4081FF0C7}"/>
+                <a16:creationId xmlns:a16="http://schemas.microsoft.com/office/drawing/2014/main" xmlns="" id="{6D4B55D2-7DFD-4ABB-B5C8-39E4081FF0C7}"/>
               </a:ext>
             </a:extLst>
           </p:cNvPr>
@@ -8824,7 +8828,7 @@
           <p:cNvPr id="37" name="文字方塊 53">
             <a:extLst>
               <a:ext uri="{FF2B5EF4-FFF2-40B4-BE49-F238E27FC236}">
-                <a16:creationId xmlns:a16="http://schemas.microsoft.com/office/drawing/2014/main" id="{50E29081-D45A-4F28-9EFF-5460C6A952AA}"/>
+                <a16:creationId xmlns:a16="http://schemas.microsoft.com/office/drawing/2014/main" xmlns="" id="{50E29081-D45A-4F28-9EFF-5460C6A952AA}"/>
               </a:ext>
             </a:extLst>
           </p:cNvPr>
@@ -8874,7 +8878,7 @@
           <p:cNvPr id="38" name="文字方塊 54">
             <a:extLst>
               <a:ext uri="{FF2B5EF4-FFF2-40B4-BE49-F238E27FC236}">
-                <a16:creationId xmlns:a16="http://schemas.microsoft.com/office/drawing/2014/main" id="{ACB38E13-E3DD-4362-8BF2-C842A6C48388}"/>
+                <a16:creationId xmlns:a16="http://schemas.microsoft.com/office/drawing/2014/main" xmlns="" id="{ACB38E13-E3DD-4362-8BF2-C842A6C48388}"/>
               </a:ext>
             </a:extLst>
           </p:cNvPr>
@@ -9674,7 +9678,7 @@
           <p:cNvPr id="2" name="标题 1">
             <a:extLst>
               <a:ext uri="{FF2B5EF4-FFF2-40B4-BE49-F238E27FC236}">
-                <a16:creationId xmlns:a16="http://schemas.microsoft.com/office/drawing/2014/main" id="{9442FABF-4FB1-4F36-9513-8945F183E53F}"/>
+                <a16:creationId xmlns:a16="http://schemas.microsoft.com/office/drawing/2014/main" xmlns="" id="{9442FABF-4FB1-4F36-9513-8945F183E53F}"/>
               </a:ext>
             </a:extLst>
           </p:cNvPr>
@@ -9702,7 +9706,7 @@
           <p:cNvPr id="3" name="内容占位符 2">
             <a:extLst>
               <a:ext uri="{FF2B5EF4-FFF2-40B4-BE49-F238E27FC236}">
-                <a16:creationId xmlns:a16="http://schemas.microsoft.com/office/drawing/2014/main" id="{261CD801-DECC-4617-8BD3-2A35547A5650}"/>
+                <a16:creationId xmlns:a16="http://schemas.microsoft.com/office/drawing/2014/main" xmlns="" id="{261CD801-DECC-4617-8BD3-2A35547A5650}"/>
               </a:ext>
             </a:extLst>
           </p:cNvPr>
@@ -9896,7 +9900,7 @@
           <p:cNvPr id="4" name="日期占位符 3">
             <a:extLst>
               <a:ext uri="{FF2B5EF4-FFF2-40B4-BE49-F238E27FC236}">
-                <a16:creationId xmlns:a16="http://schemas.microsoft.com/office/drawing/2014/main" id="{C868FBBD-1904-43DF-87E5-827E773A483F}"/>
+                <a16:creationId xmlns:a16="http://schemas.microsoft.com/office/drawing/2014/main" xmlns="" id="{C868FBBD-1904-43DF-87E5-827E773A483F}"/>
               </a:ext>
             </a:extLst>
           </p:cNvPr>
@@ -9917,7 +9921,7 @@
             </a:pPr>
             <a:fld id="{95A2A19B-170D-1043-AE33-7A36DFB7BCDC}" type="datetime2">
               <a:rPr lang="zh-CN" altLang="en-US" smtClean="0"/>
-              <a:t>2018年7月6日</a:t>
+              <a:t>2018年7月7日</a:t>
             </a:fld>
             <a:endParaRPr lang="en-US" altLang="zh-CN" dirty="0"/>
           </a:p>
@@ -9928,7 +9932,7 @@
           <p:cNvPr id="5" name="页脚占位符 4">
             <a:extLst>
               <a:ext uri="{FF2B5EF4-FFF2-40B4-BE49-F238E27FC236}">
-                <a16:creationId xmlns:a16="http://schemas.microsoft.com/office/drawing/2014/main" id="{88D48CA5-9EF4-4AA9-AC2E-8CA93B352A63}"/>
+                <a16:creationId xmlns:a16="http://schemas.microsoft.com/office/drawing/2014/main" xmlns="" id="{88D48CA5-9EF4-4AA9-AC2E-8CA93B352A63}"/>
               </a:ext>
             </a:extLst>
           </p:cNvPr>
@@ -9960,7 +9964,7 @@
           <p:cNvPr id="6" name="灯片编号占位符 5">
             <a:extLst>
               <a:ext uri="{FF2B5EF4-FFF2-40B4-BE49-F238E27FC236}">
-                <a16:creationId xmlns:a16="http://schemas.microsoft.com/office/drawing/2014/main" id="{17EE97E5-38B6-483C-A03E-1007DD19B573}"/>
+                <a16:creationId xmlns:a16="http://schemas.microsoft.com/office/drawing/2014/main" xmlns="" id="{17EE97E5-38B6-483C-A03E-1007DD19B573}"/>
               </a:ext>
             </a:extLst>
           </p:cNvPr>
@@ -10025,7 +10029,7 @@
           <p:cNvPr id="2" name="标题 1">
             <a:extLst>
               <a:ext uri="{FF2B5EF4-FFF2-40B4-BE49-F238E27FC236}">
-                <a16:creationId xmlns:a16="http://schemas.microsoft.com/office/drawing/2014/main" id="{05BAECAB-F1F5-4970-9B27-3664D47E9FCE}"/>
+                <a16:creationId xmlns:a16="http://schemas.microsoft.com/office/drawing/2014/main" xmlns="" id="{05BAECAB-F1F5-4970-9B27-3664D47E9FCE}"/>
               </a:ext>
             </a:extLst>
           </p:cNvPr>
@@ -10053,7 +10057,7 @@
           <p:cNvPr id="3" name="内容占位符 2">
             <a:extLst>
               <a:ext uri="{FF2B5EF4-FFF2-40B4-BE49-F238E27FC236}">
-                <a16:creationId xmlns:a16="http://schemas.microsoft.com/office/drawing/2014/main" id="{9D054DA1-D7B2-4E6F-B664-AB3C21CAFD41}"/>
+                <a16:creationId xmlns:a16="http://schemas.microsoft.com/office/drawing/2014/main" xmlns="" id="{9D054DA1-D7B2-4E6F-B664-AB3C21CAFD41}"/>
               </a:ext>
             </a:extLst>
           </p:cNvPr>
@@ -10152,7 +10156,7 @@
           <p:cNvPr id="4" name="日期占位符 3">
             <a:extLst>
               <a:ext uri="{FF2B5EF4-FFF2-40B4-BE49-F238E27FC236}">
-                <a16:creationId xmlns:a16="http://schemas.microsoft.com/office/drawing/2014/main" id="{6A1B7D36-9DAA-4A61-8ACF-9B9A2C235FAB}"/>
+                <a16:creationId xmlns:a16="http://schemas.microsoft.com/office/drawing/2014/main" xmlns="" id="{6A1B7D36-9DAA-4A61-8ACF-9B9A2C235FAB}"/>
               </a:ext>
             </a:extLst>
           </p:cNvPr>
@@ -10173,7 +10177,7 @@
             </a:pPr>
             <a:fld id="{95A2A19B-170D-1043-AE33-7A36DFB7BCDC}" type="datetime2">
               <a:rPr lang="zh-CN" altLang="en-US" smtClean="0"/>
-              <a:t>2018年7月6日</a:t>
+              <a:t>2018年7月7日</a:t>
             </a:fld>
             <a:endParaRPr lang="en-US" altLang="zh-CN"/>
           </a:p>
@@ -10184,7 +10188,7 @@
           <p:cNvPr id="5" name="页脚占位符 4">
             <a:extLst>
               <a:ext uri="{FF2B5EF4-FFF2-40B4-BE49-F238E27FC236}">
-                <a16:creationId xmlns:a16="http://schemas.microsoft.com/office/drawing/2014/main" id="{81421D9D-CF75-401C-89BE-6BA073E750AE}"/>
+                <a16:creationId xmlns:a16="http://schemas.microsoft.com/office/drawing/2014/main" xmlns="" id="{81421D9D-CF75-401C-89BE-6BA073E750AE}"/>
               </a:ext>
             </a:extLst>
           </p:cNvPr>
@@ -10216,7 +10220,7 @@
           <p:cNvPr id="6" name="灯片编号占位符 5">
             <a:extLst>
               <a:ext uri="{FF2B5EF4-FFF2-40B4-BE49-F238E27FC236}">
-                <a16:creationId xmlns:a16="http://schemas.microsoft.com/office/drawing/2014/main" id="{963E6159-A365-4D20-920B-6A048CB7DC4C}"/>
+                <a16:creationId xmlns:a16="http://schemas.microsoft.com/office/drawing/2014/main" xmlns="" id="{963E6159-A365-4D20-920B-6A048CB7DC4C}"/>
               </a:ext>
             </a:extLst>
           </p:cNvPr>
@@ -10251,7 +10255,7 @@
           <p:cNvPr id="5126" name="Picture 6" descr="“猫”的图片搜索结果">
             <a:extLst>
               <a:ext uri="{FF2B5EF4-FFF2-40B4-BE49-F238E27FC236}">
-                <a16:creationId xmlns:a16="http://schemas.microsoft.com/office/drawing/2014/main" id="{AD96913F-3195-4EC9-9C8D-BEAA34839E94}"/>
+                <a16:creationId xmlns:a16="http://schemas.microsoft.com/office/drawing/2014/main" xmlns="" id="{AD96913F-3195-4EC9-9C8D-BEAA34839E94}"/>
               </a:ext>
             </a:extLst>
           </p:cNvPr>
@@ -10298,7 +10302,7 @@
           <p:cNvPr id="5128" name="Picture 8" descr="“猫”的图片搜索结果">
             <a:extLst>
               <a:ext uri="{FF2B5EF4-FFF2-40B4-BE49-F238E27FC236}">
-                <a16:creationId xmlns:a16="http://schemas.microsoft.com/office/drawing/2014/main" id="{9B70B574-4A67-4543-BECA-5BF688E3F16A}"/>
+                <a16:creationId xmlns:a16="http://schemas.microsoft.com/office/drawing/2014/main" xmlns="" id="{9B70B574-4A67-4543-BECA-5BF688E3F16A}"/>
               </a:ext>
             </a:extLst>
           </p:cNvPr>
@@ -10345,7 +10349,7 @@
           <p:cNvPr id="13" name="图片 12">
             <a:extLst>
               <a:ext uri="{FF2B5EF4-FFF2-40B4-BE49-F238E27FC236}">
-                <a16:creationId xmlns:a16="http://schemas.microsoft.com/office/drawing/2014/main" id="{A0EA8E6D-30C6-4A9A-BF0D-A02659CFA73C}"/>
+                <a16:creationId xmlns:a16="http://schemas.microsoft.com/office/drawing/2014/main" xmlns="" id="{A0EA8E6D-30C6-4A9A-BF0D-A02659CFA73C}"/>
               </a:ext>
             </a:extLst>
           </p:cNvPr>
@@ -10375,7 +10379,7 @@
           <p:cNvPr id="15" name="图片 14">
             <a:extLst>
               <a:ext uri="{FF2B5EF4-FFF2-40B4-BE49-F238E27FC236}">
-                <a16:creationId xmlns:a16="http://schemas.microsoft.com/office/drawing/2014/main" id="{DE25F0F6-8098-4048-A5A5-7F7BD283417A}"/>
+                <a16:creationId xmlns:a16="http://schemas.microsoft.com/office/drawing/2014/main" xmlns="" id="{DE25F0F6-8098-4048-A5A5-7F7BD283417A}"/>
               </a:ext>
             </a:extLst>
           </p:cNvPr>
@@ -10405,7 +10409,7 @@
           <p:cNvPr id="18" name="文字方塊 39">
             <a:extLst>
               <a:ext uri="{FF2B5EF4-FFF2-40B4-BE49-F238E27FC236}">
-                <a16:creationId xmlns:a16="http://schemas.microsoft.com/office/drawing/2014/main" id="{EB4A6560-0B3B-406B-9BAC-690FE129F6F1}"/>
+                <a16:creationId xmlns:a16="http://schemas.microsoft.com/office/drawing/2014/main" xmlns="" id="{EB4A6560-0B3B-406B-9BAC-690FE129F6F1}"/>
               </a:ext>
             </a:extLst>
           </p:cNvPr>
@@ -10442,7 +10446,7 @@
           <p:cNvPr id="19" name="文字方塊 40">
             <a:extLst>
               <a:ext uri="{FF2B5EF4-FFF2-40B4-BE49-F238E27FC236}">
-                <a16:creationId xmlns:a16="http://schemas.microsoft.com/office/drawing/2014/main" id="{9540D4D3-1AA7-44D0-A5E3-25A9A600B5D9}"/>
+                <a16:creationId xmlns:a16="http://schemas.microsoft.com/office/drawing/2014/main" xmlns="" id="{9540D4D3-1AA7-44D0-A5E3-25A9A600B5D9}"/>
               </a:ext>
             </a:extLst>
           </p:cNvPr>
@@ -10479,7 +10483,7 @@
           <p:cNvPr id="20" name="文字方塊 39">
             <a:extLst>
               <a:ext uri="{FF2B5EF4-FFF2-40B4-BE49-F238E27FC236}">
-                <a16:creationId xmlns:a16="http://schemas.microsoft.com/office/drawing/2014/main" id="{504A2DF6-0B7F-409F-816F-977F634B204C}"/>
+                <a16:creationId xmlns:a16="http://schemas.microsoft.com/office/drawing/2014/main" xmlns="" id="{504A2DF6-0B7F-409F-816F-977F634B204C}"/>
               </a:ext>
             </a:extLst>
           </p:cNvPr>
@@ -10516,7 +10520,7 @@
           <p:cNvPr id="21" name="文字方塊 40">
             <a:extLst>
               <a:ext uri="{FF2B5EF4-FFF2-40B4-BE49-F238E27FC236}">
-                <a16:creationId xmlns:a16="http://schemas.microsoft.com/office/drawing/2014/main" id="{FCD63D29-D9B3-474F-9918-78F5EFE30854}"/>
+                <a16:creationId xmlns:a16="http://schemas.microsoft.com/office/drawing/2014/main" xmlns="" id="{FCD63D29-D9B3-474F-9918-78F5EFE30854}"/>
               </a:ext>
             </a:extLst>
           </p:cNvPr>
@@ -10553,7 +10557,7 @@
           <p:cNvPr id="22" name="Picture 6" descr="“猫”的图片搜索结果">
             <a:extLst>
               <a:ext uri="{FF2B5EF4-FFF2-40B4-BE49-F238E27FC236}">
-                <a16:creationId xmlns:a16="http://schemas.microsoft.com/office/drawing/2014/main" id="{81283274-5CEE-4E37-B3EB-85E1B0CA88B9}"/>
+                <a16:creationId xmlns:a16="http://schemas.microsoft.com/office/drawing/2014/main" xmlns="" id="{81283274-5CEE-4E37-B3EB-85E1B0CA88B9}"/>
               </a:ext>
             </a:extLst>
           </p:cNvPr>
@@ -10600,7 +10604,7 @@
           <p:cNvPr id="23" name="Picture 8" descr="“猫”的图片搜索结果">
             <a:extLst>
               <a:ext uri="{FF2B5EF4-FFF2-40B4-BE49-F238E27FC236}">
-                <a16:creationId xmlns:a16="http://schemas.microsoft.com/office/drawing/2014/main" id="{826D2D49-1218-46F6-BF25-A8E10E8E2277}"/>
+                <a16:creationId xmlns:a16="http://schemas.microsoft.com/office/drawing/2014/main" xmlns="" id="{826D2D49-1218-46F6-BF25-A8E10E8E2277}"/>
               </a:ext>
             </a:extLst>
           </p:cNvPr>
@@ -10647,7 +10651,7 @@
           <p:cNvPr id="24" name="图片 23">
             <a:extLst>
               <a:ext uri="{FF2B5EF4-FFF2-40B4-BE49-F238E27FC236}">
-                <a16:creationId xmlns:a16="http://schemas.microsoft.com/office/drawing/2014/main" id="{17D0E1AF-65A6-437F-9560-FFB32371F846}"/>
+                <a16:creationId xmlns:a16="http://schemas.microsoft.com/office/drawing/2014/main" xmlns="" id="{17D0E1AF-65A6-437F-9560-FFB32371F846}"/>
               </a:ext>
             </a:extLst>
           </p:cNvPr>
@@ -10677,7 +10681,7 @@
           <p:cNvPr id="25" name="图片 24">
             <a:extLst>
               <a:ext uri="{FF2B5EF4-FFF2-40B4-BE49-F238E27FC236}">
-                <a16:creationId xmlns:a16="http://schemas.microsoft.com/office/drawing/2014/main" id="{D80C2078-7BF3-4F2F-B186-F7A054360DD7}"/>
+                <a16:creationId xmlns:a16="http://schemas.microsoft.com/office/drawing/2014/main" xmlns="" id="{D80C2078-7BF3-4F2F-B186-F7A054360DD7}"/>
               </a:ext>
             </a:extLst>
           </p:cNvPr>
@@ -10707,7 +10711,7 @@
           <p:cNvPr id="26" name="Picture 6" descr="“猫”的图片搜索结果">
             <a:extLst>
               <a:ext uri="{FF2B5EF4-FFF2-40B4-BE49-F238E27FC236}">
-                <a16:creationId xmlns:a16="http://schemas.microsoft.com/office/drawing/2014/main" id="{3AC3A9E7-2D87-4D61-AA5F-C3DDCF0CE545}"/>
+                <a16:creationId xmlns:a16="http://schemas.microsoft.com/office/drawing/2014/main" xmlns="" id="{3AC3A9E7-2D87-4D61-AA5F-C3DDCF0CE545}"/>
               </a:ext>
             </a:extLst>
           </p:cNvPr>
@@ -10754,7 +10758,7 @@
           <p:cNvPr id="27" name="Picture 8" descr="“猫”的图片搜索结果">
             <a:extLst>
               <a:ext uri="{FF2B5EF4-FFF2-40B4-BE49-F238E27FC236}">
-                <a16:creationId xmlns:a16="http://schemas.microsoft.com/office/drawing/2014/main" id="{0DE14F62-FC23-437D-B2E0-DBF75E44A246}"/>
+                <a16:creationId xmlns:a16="http://schemas.microsoft.com/office/drawing/2014/main" xmlns="" id="{0DE14F62-FC23-437D-B2E0-DBF75E44A246}"/>
               </a:ext>
             </a:extLst>
           </p:cNvPr>
@@ -10801,7 +10805,7 @@
           <p:cNvPr id="28" name="图片 27">
             <a:extLst>
               <a:ext uri="{FF2B5EF4-FFF2-40B4-BE49-F238E27FC236}">
-                <a16:creationId xmlns:a16="http://schemas.microsoft.com/office/drawing/2014/main" id="{DCC9CCA1-5408-431F-89C1-18FB5670714A}"/>
+                <a16:creationId xmlns:a16="http://schemas.microsoft.com/office/drawing/2014/main" xmlns="" id="{DCC9CCA1-5408-431F-89C1-18FB5670714A}"/>
               </a:ext>
             </a:extLst>
           </p:cNvPr>
@@ -10831,7 +10835,7 @@
           <p:cNvPr id="29" name="图片 28">
             <a:extLst>
               <a:ext uri="{FF2B5EF4-FFF2-40B4-BE49-F238E27FC236}">
-                <a16:creationId xmlns:a16="http://schemas.microsoft.com/office/drawing/2014/main" id="{052A63B6-E239-4BD0-A6C3-92AECE82A0AC}"/>
+                <a16:creationId xmlns:a16="http://schemas.microsoft.com/office/drawing/2014/main" xmlns="" id="{052A63B6-E239-4BD0-A6C3-92AECE82A0AC}"/>
               </a:ext>
             </a:extLst>
           </p:cNvPr>
@@ -10861,7 +10865,7 @@
           <p:cNvPr id="30" name="文字方塊 39">
             <a:extLst>
               <a:ext uri="{FF2B5EF4-FFF2-40B4-BE49-F238E27FC236}">
-                <a16:creationId xmlns:a16="http://schemas.microsoft.com/office/drawing/2014/main" id="{CDA6D0C3-39AB-45AC-AA29-BC02221852A3}"/>
+                <a16:creationId xmlns:a16="http://schemas.microsoft.com/office/drawing/2014/main" xmlns="" id="{CDA6D0C3-39AB-45AC-AA29-BC02221852A3}"/>
               </a:ext>
             </a:extLst>
           </p:cNvPr>
@@ -10898,7 +10902,7 @@
           <p:cNvPr id="31" name="文字方塊 40">
             <a:extLst>
               <a:ext uri="{FF2B5EF4-FFF2-40B4-BE49-F238E27FC236}">
-                <a16:creationId xmlns:a16="http://schemas.microsoft.com/office/drawing/2014/main" id="{BDB7D785-9EB9-4E68-BFBA-5B193E8D861D}"/>
+                <a16:creationId xmlns:a16="http://schemas.microsoft.com/office/drawing/2014/main" xmlns="" id="{BDB7D785-9EB9-4E68-BFBA-5B193E8D861D}"/>
               </a:ext>
             </a:extLst>
           </p:cNvPr>
@@ -10935,7 +10939,7 @@
           <p:cNvPr id="32" name="文字方塊 39">
             <a:extLst>
               <a:ext uri="{FF2B5EF4-FFF2-40B4-BE49-F238E27FC236}">
-                <a16:creationId xmlns:a16="http://schemas.microsoft.com/office/drawing/2014/main" id="{555EFD52-BD58-4994-8DAE-E5A42C97A922}"/>
+                <a16:creationId xmlns:a16="http://schemas.microsoft.com/office/drawing/2014/main" xmlns="" id="{555EFD52-BD58-4994-8DAE-E5A42C97A922}"/>
               </a:ext>
             </a:extLst>
           </p:cNvPr>
@@ -10972,7 +10976,7 @@
           <p:cNvPr id="33" name="文字方塊 40">
             <a:extLst>
               <a:ext uri="{FF2B5EF4-FFF2-40B4-BE49-F238E27FC236}">
-                <a16:creationId xmlns:a16="http://schemas.microsoft.com/office/drawing/2014/main" id="{8D19BE08-18F2-4AEF-BC15-8A09DD7C705B}"/>
+                <a16:creationId xmlns:a16="http://schemas.microsoft.com/office/drawing/2014/main" xmlns="" id="{8D19BE08-18F2-4AEF-BC15-8A09DD7C705B}"/>
               </a:ext>
             </a:extLst>
           </p:cNvPr>
@@ -11009,7 +11013,7 @@
           <p:cNvPr id="5140" name="Picture 20" descr="“狗”的图片搜索结果">
             <a:extLst>
               <a:ext uri="{FF2B5EF4-FFF2-40B4-BE49-F238E27FC236}">
-                <a16:creationId xmlns:a16="http://schemas.microsoft.com/office/drawing/2014/main" id="{9ACC94B5-726A-42EE-894C-BA7BE8CD7186}"/>
+                <a16:creationId xmlns:a16="http://schemas.microsoft.com/office/drawing/2014/main" xmlns="" id="{9ACC94B5-726A-42EE-894C-BA7BE8CD7186}"/>
               </a:ext>
             </a:extLst>
           </p:cNvPr>
@@ -11056,7 +11060,7 @@
           <p:cNvPr id="5142" name="Picture 22" descr="“猫”的图片搜索结果">
             <a:extLst>
               <a:ext uri="{FF2B5EF4-FFF2-40B4-BE49-F238E27FC236}">
-                <a16:creationId xmlns:a16="http://schemas.microsoft.com/office/drawing/2014/main" id="{3D4A4F16-59C7-43C1-9C67-3082E881E1D0}"/>
+                <a16:creationId xmlns:a16="http://schemas.microsoft.com/office/drawing/2014/main" xmlns="" id="{3D4A4F16-59C7-43C1-9C67-3082E881E1D0}"/>
               </a:ext>
             </a:extLst>
           </p:cNvPr>
@@ -11533,7 +11537,7 @@
           <p:cNvPr id="2" name="标题 1">
             <a:extLst>
               <a:ext uri="{FF2B5EF4-FFF2-40B4-BE49-F238E27FC236}">
-                <a16:creationId xmlns:a16="http://schemas.microsoft.com/office/drawing/2014/main" id="{DDE33977-990F-48BD-8B10-3350156C1301}"/>
+                <a16:creationId xmlns:a16="http://schemas.microsoft.com/office/drawing/2014/main" xmlns="" id="{DDE33977-990F-48BD-8B10-3350156C1301}"/>
               </a:ext>
             </a:extLst>
           </p:cNvPr>
@@ -11561,7 +11565,7 @@
           <p:cNvPr id="3" name="日期占位符 2">
             <a:extLst>
               <a:ext uri="{FF2B5EF4-FFF2-40B4-BE49-F238E27FC236}">
-                <a16:creationId xmlns:a16="http://schemas.microsoft.com/office/drawing/2014/main" id="{3233B34B-D0CD-41D2-803C-8D192544BC60}"/>
+                <a16:creationId xmlns:a16="http://schemas.microsoft.com/office/drawing/2014/main" xmlns="" id="{3233B34B-D0CD-41D2-803C-8D192544BC60}"/>
               </a:ext>
             </a:extLst>
           </p:cNvPr>
@@ -11582,7 +11586,7 @@
             </a:pPr>
             <a:fld id="{0E714152-BEE6-8740-8BC2-BEA8A9605BAA}" type="datetime2">
               <a:rPr lang="zh-CN" altLang="en-US" smtClean="0"/>
-              <a:t>2018年7月6日</a:t>
+              <a:t>2018年7月7日</a:t>
             </a:fld>
             <a:endParaRPr lang="en-US" altLang="zh-CN"/>
           </a:p>
@@ -11593,7 +11597,7 @@
           <p:cNvPr id="4" name="页脚占位符 3">
             <a:extLst>
               <a:ext uri="{FF2B5EF4-FFF2-40B4-BE49-F238E27FC236}">
-                <a16:creationId xmlns:a16="http://schemas.microsoft.com/office/drawing/2014/main" id="{A2ECB6E5-3012-43ED-96E1-F8AF9262160C}"/>
+                <a16:creationId xmlns:a16="http://schemas.microsoft.com/office/drawing/2014/main" xmlns="" id="{A2ECB6E5-3012-43ED-96E1-F8AF9262160C}"/>
               </a:ext>
             </a:extLst>
           </p:cNvPr>
@@ -11625,7 +11629,7 @@
           <p:cNvPr id="5" name="灯片编号占位符 4">
             <a:extLst>
               <a:ext uri="{FF2B5EF4-FFF2-40B4-BE49-F238E27FC236}">
-                <a16:creationId xmlns:a16="http://schemas.microsoft.com/office/drawing/2014/main" id="{D8640F76-883C-40EF-9AD3-8C5834A1C1F0}"/>
+                <a16:creationId xmlns:a16="http://schemas.microsoft.com/office/drawing/2014/main" xmlns="" id="{D8640F76-883C-40EF-9AD3-8C5834A1C1F0}"/>
               </a:ext>
             </a:extLst>
           </p:cNvPr>
@@ -11660,7 +11664,7 @@
           <p:cNvPr id="6" name="Picture 2" descr="ai head">
             <a:extLst>
               <a:ext uri="{FF2B5EF4-FFF2-40B4-BE49-F238E27FC236}">
-                <a16:creationId xmlns:a16="http://schemas.microsoft.com/office/drawing/2014/main" id="{ACAC611B-6E57-4817-B16F-009B1A018FB9}"/>
+                <a16:creationId xmlns:a16="http://schemas.microsoft.com/office/drawing/2014/main" xmlns="" id="{ACAC611B-6E57-4817-B16F-009B1A018FB9}"/>
               </a:ext>
             </a:extLst>
           </p:cNvPr>
@@ -11735,7 +11739,7 @@
           <p:cNvPr id="2" name="标题 1">
             <a:extLst>
               <a:ext uri="{FF2B5EF4-FFF2-40B4-BE49-F238E27FC236}">
-                <a16:creationId xmlns:a16="http://schemas.microsoft.com/office/drawing/2014/main" id="{DD03AD3E-BE9E-42C6-B249-B76CE569CD4E}"/>
+                <a16:creationId xmlns:a16="http://schemas.microsoft.com/office/drawing/2014/main" xmlns="" id="{DD03AD3E-BE9E-42C6-B249-B76CE569CD4E}"/>
               </a:ext>
             </a:extLst>
           </p:cNvPr>
@@ -11763,7 +11767,7 @@
           <p:cNvPr id="3" name="内容占位符 2">
             <a:extLst>
               <a:ext uri="{FF2B5EF4-FFF2-40B4-BE49-F238E27FC236}">
-                <a16:creationId xmlns:a16="http://schemas.microsoft.com/office/drawing/2014/main" id="{0D759A90-3F96-4C2A-9877-9F19781C0BC8}"/>
+                <a16:creationId xmlns:a16="http://schemas.microsoft.com/office/drawing/2014/main" xmlns="" id="{0D759A90-3F96-4C2A-9877-9F19781C0BC8}"/>
               </a:ext>
             </a:extLst>
           </p:cNvPr>
@@ -11861,7 +11865,7 @@
           <p:cNvPr id="4" name="日期占位符 3">
             <a:extLst>
               <a:ext uri="{FF2B5EF4-FFF2-40B4-BE49-F238E27FC236}">
-                <a16:creationId xmlns:a16="http://schemas.microsoft.com/office/drawing/2014/main" id="{4E3825FE-4341-4CF0-941C-B4BABC1B3DC7}"/>
+                <a16:creationId xmlns:a16="http://schemas.microsoft.com/office/drawing/2014/main" xmlns="" id="{4E3825FE-4341-4CF0-941C-B4BABC1B3DC7}"/>
               </a:ext>
             </a:extLst>
           </p:cNvPr>
@@ -11882,7 +11886,7 @@
             </a:pPr>
             <a:fld id="{95A2A19B-170D-1043-AE33-7A36DFB7BCDC}" type="datetime2">
               <a:rPr lang="zh-CN" altLang="en-US" smtClean="0"/>
-              <a:t>2018年7月6日</a:t>
+              <a:t>2018年7月7日</a:t>
             </a:fld>
             <a:endParaRPr lang="en-US" altLang="zh-CN"/>
           </a:p>
@@ -11893,7 +11897,7 @@
           <p:cNvPr id="5" name="页脚占位符 4">
             <a:extLst>
               <a:ext uri="{FF2B5EF4-FFF2-40B4-BE49-F238E27FC236}">
-                <a16:creationId xmlns:a16="http://schemas.microsoft.com/office/drawing/2014/main" id="{E75B2C1F-3E29-4D40-AE04-8AE261587309}"/>
+                <a16:creationId xmlns:a16="http://schemas.microsoft.com/office/drawing/2014/main" xmlns="" id="{E75B2C1F-3E29-4D40-AE04-8AE261587309}"/>
               </a:ext>
             </a:extLst>
           </p:cNvPr>
@@ -11925,7 +11929,7 @@
           <p:cNvPr id="6" name="灯片编号占位符 5">
             <a:extLst>
               <a:ext uri="{FF2B5EF4-FFF2-40B4-BE49-F238E27FC236}">
-                <a16:creationId xmlns:a16="http://schemas.microsoft.com/office/drawing/2014/main" id="{EA694379-8134-4263-994B-7087BE0D7718}"/>
+                <a16:creationId xmlns:a16="http://schemas.microsoft.com/office/drawing/2014/main" xmlns="" id="{EA694379-8134-4263-994B-7087BE0D7718}"/>
               </a:ext>
             </a:extLst>
           </p:cNvPr>
@@ -11990,7 +11994,7 @@
           <p:cNvPr id="2" name="标题 1">
             <a:extLst>
               <a:ext uri="{FF2B5EF4-FFF2-40B4-BE49-F238E27FC236}">
-                <a16:creationId xmlns:a16="http://schemas.microsoft.com/office/drawing/2014/main" id="{A84C90B4-A40A-46C1-B377-D17BA45AF7D8}"/>
+                <a16:creationId xmlns:a16="http://schemas.microsoft.com/office/drawing/2014/main" xmlns="" id="{A84C90B4-A40A-46C1-B377-D17BA45AF7D8}"/>
               </a:ext>
             </a:extLst>
           </p:cNvPr>
@@ -12018,7 +12022,7 @@
           <p:cNvPr id="3" name="内容占位符 2">
             <a:extLst>
               <a:ext uri="{FF2B5EF4-FFF2-40B4-BE49-F238E27FC236}">
-                <a16:creationId xmlns:a16="http://schemas.microsoft.com/office/drawing/2014/main" id="{A6AD590F-BDB6-4099-BAE5-F5750586A12E}"/>
+                <a16:creationId xmlns:a16="http://schemas.microsoft.com/office/drawing/2014/main" xmlns="" id="{A6AD590F-BDB6-4099-BAE5-F5750586A12E}"/>
               </a:ext>
             </a:extLst>
           </p:cNvPr>
@@ -12109,7 +12113,7 @@
           <p:cNvPr id="4" name="日期占位符 3">
             <a:extLst>
               <a:ext uri="{FF2B5EF4-FFF2-40B4-BE49-F238E27FC236}">
-                <a16:creationId xmlns:a16="http://schemas.microsoft.com/office/drawing/2014/main" id="{38AF9A90-79CD-46C9-A82B-361D2E396C78}"/>
+                <a16:creationId xmlns:a16="http://schemas.microsoft.com/office/drawing/2014/main" xmlns="" id="{38AF9A90-79CD-46C9-A82B-361D2E396C78}"/>
               </a:ext>
             </a:extLst>
           </p:cNvPr>
@@ -12130,7 +12134,7 @@
             </a:pPr>
             <a:fld id="{95A2A19B-170D-1043-AE33-7A36DFB7BCDC}" type="datetime2">
               <a:rPr lang="zh-CN" altLang="en-US" smtClean="0"/>
-              <a:t>2018年7月6日</a:t>
+              <a:t>2018年7月7日</a:t>
             </a:fld>
             <a:endParaRPr lang="en-US" altLang="zh-CN"/>
           </a:p>
@@ -12141,7 +12145,7 @@
           <p:cNvPr id="5" name="页脚占位符 4">
             <a:extLst>
               <a:ext uri="{FF2B5EF4-FFF2-40B4-BE49-F238E27FC236}">
-                <a16:creationId xmlns:a16="http://schemas.microsoft.com/office/drawing/2014/main" id="{5F590F6D-696D-4411-BC80-2EBFBBD029CD}"/>
+                <a16:creationId xmlns:a16="http://schemas.microsoft.com/office/drawing/2014/main" xmlns="" id="{5F590F6D-696D-4411-BC80-2EBFBBD029CD}"/>
               </a:ext>
             </a:extLst>
           </p:cNvPr>
@@ -12173,7 +12177,7 @@
           <p:cNvPr id="6" name="灯片编号占位符 5">
             <a:extLst>
               <a:ext uri="{FF2B5EF4-FFF2-40B4-BE49-F238E27FC236}">
-                <a16:creationId xmlns:a16="http://schemas.microsoft.com/office/drawing/2014/main" id="{2DAF391A-119B-4975-904F-29D16D2F9F54}"/>
+                <a16:creationId xmlns:a16="http://schemas.microsoft.com/office/drawing/2014/main" xmlns="" id="{2DAF391A-119B-4975-904F-29D16D2F9F54}"/>
               </a:ext>
             </a:extLst>
           </p:cNvPr>
@@ -12297,7 +12301,7 @@
           <p:cNvPr id="2" name="标题 1">
             <a:extLst>
               <a:ext uri="{FF2B5EF4-FFF2-40B4-BE49-F238E27FC236}">
-                <a16:creationId xmlns:a16="http://schemas.microsoft.com/office/drawing/2014/main" id="{54D5A80D-18D6-42E1-BD49-64E886178140}"/>
+                <a16:creationId xmlns:a16="http://schemas.microsoft.com/office/drawing/2014/main" xmlns="" id="{54D5A80D-18D6-42E1-BD49-64E886178140}"/>
               </a:ext>
             </a:extLst>
           </p:cNvPr>
@@ -12327,7 +12331,7 @@
               <p:cNvPr id="12" name="内容占位符 11">
                 <a:extLst>
                   <a:ext uri="{FF2B5EF4-FFF2-40B4-BE49-F238E27FC236}">
-                    <a16:creationId xmlns:a16="http://schemas.microsoft.com/office/drawing/2014/main" id="{9A636946-A956-43FD-9D29-8526A6B369D5}"/>
+                    <a16:creationId xmlns:a16="http://schemas.microsoft.com/office/drawing/2014/main" xmlns="" id="{9A636946-A956-43FD-9D29-8526A6B369D5}"/>
                   </a:ext>
                 </a:extLst>
               </p:cNvPr>
@@ -12474,7 +12478,7 @@
                       <m:sSupPr>
                         <m:ctrlPr>
                           <a:rPr lang="en-US" altLang="zh-CN" b="0" i="1" smtClean="0">
-                            <a:latin typeface="Cambria Math" panose="02040503050406030204" pitchFamily="18" charset="0"/>
+                            <a:latin typeface="Cambria Math" charset="0"/>
                           </a:rPr>
                         </m:ctrlPr>
                       </m:sSupPr>
@@ -12491,7 +12495,7 @@
                           <m:dPr>
                             <m:ctrlPr>
                               <a:rPr lang="en-US" altLang="zh-CN" b="0" i="1" smtClean="0">
-                                <a:latin typeface="Cambria Math" panose="02040503050406030204" pitchFamily="18" charset="0"/>
+                                <a:latin typeface="Cambria Math" charset="0"/>
                               </a:rPr>
                             </m:ctrlPr>
                           </m:dPr>
@@ -12516,7 +12520,7 @@
                       <m:sSupPr>
                         <m:ctrlPr>
                           <a:rPr lang="en-US" altLang="zh-CN" b="0" i="1" smtClean="0">
-                            <a:latin typeface="Cambria Math" panose="02040503050406030204" pitchFamily="18" charset="0"/>
+                            <a:latin typeface="Cambria Math" charset="0"/>
                           </a:rPr>
                         </m:ctrlPr>
                       </m:sSupPr>
@@ -12665,7 +12669,7 @@
           <p:cNvPr id="15" name="内容占位符 14">
             <a:extLst>
               <a:ext uri="{FF2B5EF4-FFF2-40B4-BE49-F238E27FC236}">
-                <a16:creationId xmlns:a16="http://schemas.microsoft.com/office/drawing/2014/main" id="{3522E053-E523-498D-8B06-C20AB220B3B0}"/>
+                <a16:creationId xmlns:a16="http://schemas.microsoft.com/office/drawing/2014/main" xmlns="" id="{3522E053-E523-498D-8B06-C20AB220B3B0}"/>
               </a:ext>
             </a:extLst>
           </p:cNvPr>
@@ -12700,7 +12704,7 @@
           <p:cNvPr id="4" name="日期占位符 3">
             <a:extLst>
               <a:ext uri="{FF2B5EF4-FFF2-40B4-BE49-F238E27FC236}">
-                <a16:creationId xmlns:a16="http://schemas.microsoft.com/office/drawing/2014/main" id="{6EFABF30-1F8F-4FD4-9AFB-3A8776AB1508}"/>
+                <a16:creationId xmlns:a16="http://schemas.microsoft.com/office/drawing/2014/main" xmlns="" id="{6EFABF30-1F8F-4FD4-9AFB-3A8776AB1508}"/>
               </a:ext>
             </a:extLst>
           </p:cNvPr>
@@ -12721,7 +12725,7 @@
             </a:pPr>
             <a:fld id="{95A2A19B-170D-1043-AE33-7A36DFB7BCDC}" type="datetime2">
               <a:rPr lang="zh-CN" altLang="en-US" smtClean="0"/>
-              <a:t>2018年7月6日</a:t>
+              <a:t>2018年7月7日</a:t>
             </a:fld>
             <a:endParaRPr lang="en-US" altLang="zh-CN"/>
           </a:p>
@@ -12732,7 +12736,7 @@
           <p:cNvPr id="5" name="页脚占位符 4">
             <a:extLst>
               <a:ext uri="{FF2B5EF4-FFF2-40B4-BE49-F238E27FC236}">
-                <a16:creationId xmlns:a16="http://schemas.microsoft.com/office/drawing/2014/main" id="{85411ADB-4940-4F5F-8822-F66BFD15EE2B}"/>
+                <a16:creationId xmlns:a16="http://schemas.microsoft.com/office/drawing/2014/main" xmlns="" id="{85411ADB-4940-4F5F-8822-F66BFD15EE2B}"/>
               </a:ext>
             </a:extLst>
           </p:cNvPr>
@@ -12764,7 +12768,7 @@
           <p:cNvPr id="6" name="灯片编号占位符 5">
             <a:extLst>
               <a:ext uri="{FF2B5EF4-FFF2-40B4-BE49-F238E27FC236}">
-                <a16:creationId xmlns:a16="http://schemas.microsoft.com/office/drawing/2014/main" id="{40957E66-7741-4638-BFCE-C6BE6F7BB196}"/>
+                <a16:creationId xmlns:a16="http://schemas.microsoft.com/office/drawing/2014/main" xmlns="" id="{40957E66-7741-4638-BFCE-C6BE6F7BB196}"/>
               </a:ext>
             </a:extLst>
           </p:cNvPr>
@@ -12799,7 +12803,7 @@
           <p:cNvPr id="16" name="内容占位符 6">
             <a:extLst>
               <a:ext uri="{FF2B5EF4-FFF2-40B4-BE49-F238E27FC236}">
-                <a16:creationId xmlns:a16="http://schemas.microsoft.com/office/drawing/2014/main" id="{EB980026-D29F-4C6E-9BFC-18210325D87E}"/>
+                <a16:creationId xmlns:a16="http://schemas.microsoft.com/office/drawing/2014/main" xmlns="" id="{EB980026-D29F-4C6E-9BFC-18210325D87E}"/>
               </a:ext>
             </a:extLst>
           </p:cNvPr>
@@ -12828,14 +12832,14 @@
                 <a:gridCol w="1212783">
                   <a:extLst>
                     <a:ext uri="{9D8B030D-6E8A-4147-A177-3AD203B41FA5}">
-                      <a16:colId xmlns:a16="http://schemas.microsoft.com/office/drawing/2014/main" val="849694925"/>
+                      <a16:colId xmlns:a16="http://schemas.microsoft.com/office/drawing/2014/main" xmlns="" val="849694925"/>
                     </a:ext>
                   </a:extLst>
                 </a:gridCol>
                 <a:gridCol w="1212783">
                   <a:extLst>
                     <a:ext uri="{9D8B030D-6E8A-4147-A177-3AD203B41FA5}">
-                      <a16:colId xmlns:a16="http://schemas.microsoft.com/office/drawing/2014/main" val="2032597962"/>
+                      <a16:colId xmlns:a16="http://schemas.microsoft.com/office/drawing/2014/main" xmlns="" val="2032597962"/>
                     </a:ext>
                   </a:extLst>
                 </a:gridCol>
@@ -12881,7 +12885,7 @@
                 </a:tc>
                 <a:extLst>
                   <a:ext uri="{0D108BD9-81ED-4DB2-BD59-A6C34878D82A}">
-                    <a16:rowId xmlns:a16="http://schemas.microsoft.com/office/drawing/2014/main" val="246005499"/>
+                    <a16:rowId xmlns:a16="http://schemas.microsoft.com/office/drawing/2014/main" xmlns="" val="246005499"/>
                   </a:ext>
                 </a:extLst>
               </a:tr>
@@ -12918,7 +12922,7 @@
                 </a:tc>
                 <a:extLst>
                   <a:ext uri="{0D108BD9-81ED-4DB2-BD59-A6C34878D82A}">
-                    <a16:rowId xmlns:a16="http://schemas.microsoft.com/office/drawing/2014/main" val="1967244540"/>
+                    <a16:rowId xmlns:a16="http://schemas.microsoft.com/office/drawing/2014/main" xmlns="" val="1967244540"/>
                   </a:ext>
                 </a:extLst>
               </a:tr>
@@ -12955,7 +12959,7 @@
                 </a:tc>
                 <a:extLst>
                   <a:ext uri="{0D108BD9-81ED-4DB2-BD59-A6C34878D82A}">
-                    <a16:rowId xmlns:a16="http://schemas.microsoft.com/office/drawing/2014/main" val="1823030155"/>
+                    <a16:rowId xmlns:a16="http://schemas.microsoft.com/office/drawing/2014/main" xmlns="" val="1823030155"/>
                   </a:ext>
                 </a:extLst>
               </a:tr>
@@ -12992,7 +12996,7 @@
                 </a:tc>
                 <a:extLst>
                   <a:ext uri="{0D108BD9-81ED-4DB2-BD59-A6C34878D82A}">
-                    <a16:rowId xmlns:a16="http://schemas.microsoft.com/office/drawing/2014/main" val="1815547532"/>
+                    <a16:rowId xmlns:a16="http://schemas.microsoft.com/office/drawing/2014/main" xmlns="" val="1815547532"/>
                   </a:ext>
                 </a:extLst>
               </a:tr>
@@ -13029,7 +13033,7 @@
                 </a:tc>
                 <a:extLst>
                   <a:ext uri="{0D108BD9-81ED-4DB2-BD59-A6C34878D82A}">
-                    <a16:rowId xmlns:a16="http://schemas.microsoft.com/office/drawing/2014/main" val="168178639"/>
+                    <a16:rowId xmlns:a16="http://schemas.microsoft.com/office/drawing/2014/main" xmlns="" val="168178639"/>
                   </a:ext>
                 </a:extLst>
               </a:tr>
@@ -13072,7 +13076,7 @@
           <p:cNvPr id="2" name="标题 1">
             <a:extLst>
               <a:ext uri="{FF2B5EF4-FFF2-40B4-BE49-F238E27FC236}">
-                <a16:creationId xmlns:a16="http://schemas.microsoft.com/office/drawing/2014/main" id="{2EF6CFFB-B21D-4816-8B60-4F694DE205A3}"/>
+                <a16:creationId xmlns:a16="http://schemas.microsoft.com/office/drawing/2014/main" xmlns="" id="{2EF6CFFB-B21D-4816-8B60-4F694DE205A3}"/>
               </a:ext>
             </a:extLst>
           </p:cNvPr>
@@ -13100,7 +13104,7 @@
           <p:cNvPr id="4" name="日期占位符 3">
             <a:extLst>
               <a:ext uri="{FF2B5EF4-FFF2-40B4-BE49-F238E27FC236}">
-                <a16:creationId xmlns:a16="http://schemas.microsoft.com/office/drawing/2014/main" id="{C85B2897-6538-42C2-ACB0-1A31F8468D6E}"/>
+                <a16:creationId xmlns:a16="http://schemas.microsoft.com/office/drawing/2014/main" xmlns="" id="{C85B2897-6538-42C2-ACB0-1A31F8468D6E}"/>
               </a:ext>
             </a:extLst>
           </p:cNvPr>
@@ -13121,7 +13125,7 @@
             </a:pPr>
             <a:fld id="{95A2A19B-170D-1043-AE33-7A36DFB7BCDC}" type="datetime2">
               <a:rPr lang="zh-CN" altLang="en-US" smtClean="0"/>
-              <a:t>2018年7月6日</a:t>
+              <a:t>2018年7月7日</a:t>
             </a:fld>
             <a:endParaRPr lang="en-US" altLang="zh-CN"/>
           </a:p>
@@ -13132,7 +13136,7 @@
           <p:cNvPr id="5" name="页脚占位符 4">
             <a:extLst>
               <a:ext uri="{FF2B5EF4-FFF2-40B4-BE49-F238E27FC236}">
-                <a16:creationId xmlns:a16="http://schemas.microsoft.com/office/drawing/2014/main" id="{F14B425A-3171-4E97-89FA-80AFA74855FB}"/>
+                <a16:creationId xmlns:a16="http://schemas.microsoft.com/office/drawing/2014/main" xmlns="" id="{F14B425A-3171-4E97-89FA-80AFA74855FB}"/>
               </a:ext>
             </a:extLst>
           </p:cNvPr>
@@ -13164,7 +13168,7 @@
           <p:cNvPr id="6" name="灯片编号占位符 5">
             <a:extLst>
               <a:ext uri="{FF2B5EF4-FFF2-40B4-BE49-F238E27FC236}">
-                <a16:creationId xmlns:a16="http://schemas.microsoft.com/office/drawing/2014/main" id="{F15C4534-974F-4C9E-B28B-699F862B6BC7}"/>
+                <a16:creationId xmlns:a16="http://schemas.microsoft.com/office/drawing/2014/main" xmlns="" id="{F15C4534-974F-4C9E-B28B-699F862B6BC7}"/>
               </a:ext>
             </a:extLst>
           </p:cNvPr>
@@ -13201,7 +13205,7 @@
               <p:cNvPr id="10" name="内容占位符 9">
                 <a:extLst>
                   <a:ext uri="{FF2B5EF4-FFF2-40B4-BE49-F238E27FC236}">
-                    <a16:creationId xmlns:a16="http://schemas.microsoft.com/office/drawing/2014/main" id="{BD0E0E32-A568-44E3-89AF-900661C8FDC1}"/>
+                    <a16:creationId xmlns:a16="http://schemas.microsoft.com/office/drawing/2014/main" xmlns="" id="{BD0E0E32-A568-44E3-89AF-900661C8FDC1}"/>
                   </a:ext>
                 </a:extLst>
               </p:cNvPr>
@@ -13248,7 +13252,7 @@
                       <m:dPr>
                         <m:ctrlPr>
                           <a:rPr lang="en-US" altLang="zh-CN" b="0" i="1" smtClean="0">
-                            <a:latin typeface="Cambria Math" panose="02040503050406030204" pitchFamily="18" charset="0"/>
+                            <a:latin typeface="Cambria Math" charset="0"/>
                           </a:rPr>
                         </m:ctrlPr>
                       </m:dPr>
@@ -13408,7 +13412,7 @@
           <p:cNvPr id="8" name="内容占位符 14">
             <a:extLst>
               <a:ext uri="{FF2B5EF4-FFF2-40B4-BE49-F238E27FC236}">
-                <a16:creationId xmlns:a16="http://schemas.microsoft.com/office/drawing/2014/main" id="{CA915622-2D59-44FD-B4E4-7AD11D279975}"/>
+                <a16:creationId xmlns:a16="http://schemas.microsoft.com/office/drawing/2014/main" xmlns="" id="{CA915622-2D59-44FD-B4E4-7AD11D279975}"/>
               </a:ext>
             </a:extLst>
           </p:cNvPr>
@@ -13444,7 +13448,7 @@
           <p:cNvPr id="9" name="直接连接符 8">
             <a:extLst>
               <a:ext uri="{FF2B5EF4-FFF2-40B4-BE49-F238E27FC236}">
-                <a16:creationId xmlns:a16="http://schemas.microsoft.com/office/drawing/2014/main" id="{B8EA0638-0410-4EC6-84F4-1A23C7402721}"/>
+                <a16:creationId xmlns:a16="http://schemas.microsoft.com/office/drawing/2014/main" xmlns="" id="{B8EA0638-0410-4EC6-84F4-1A23C7402721}"/>
               </a:ext>
             </a:extLst>
           </p:cNvPr>
@@ -13483,7 +13487,7 @@
           <p:cNvPr id="12" name="直接连接符 11">
             <a:extLst>
               <a:ext uri="{FF2B5EF4-FFF2-40B4-BE49-F238E27FC236}">
-                <a16:creationId xmlns:a16="http://schemas.microsoft.com/office/drawing/2014/main" id="{9667FD76-2C8E-4BD3-B647-AA153E470261}"/>
+                <a16:creationId xmlns:a16="http://schemas.microsoft.com/office/drawing/2014/main" xmlns="" id="{9667FD76-2C8E-4BD3-B647-AA153E470261}"/>
               </a:ext>
             </a:extLst>
           </p:cNvPr>
@@ -13526,7 +13530,7 @@
           <p:cNvPr id="15" name="直接连接符 14">
             <a:extLst>
               <a:ext uri="{FF2B5EF4-FFF2-40B4-BE49-F238E27FC236}">
-                <a16:creationId xmlns:a16="http://schemas.microsoft.com/office/drawing/2014/main" id="{430E730C-2EF6-476D-B193-EB414A1C87EE}"/>
+                <a16:creationId xmlns:a16="http://schemas.microsoft.com/office/drawing/2014/main" xmlns="" id="{430E730C-2EF6-476D-B193-EB414A1C87EE}"/>
               </a:ext>
             </a:extLst>
           </p:cNvPr>
@@ -13818,7 +13822,7 @@
           <p:cNvPr id="2" name="标题 1">
             <a:extLst>
               <a:ext uri="{FF2B5EF4-FFF2-40B4-BE49-F238E27FC236}">
-                <a16:creationId xmlns:a16="http://schemas.microsoft.com/office/drawing/2014/main" id="{C720F6F0-C510-4BBE-89E6-A8C9A8A57415}"/>
+                <a16:creationId xmlns:a16="http://schemas.microsoft.com/office/drawing/2014/main" xmlns="" id="{C720F6F0-C510-4BBE-89E6-A8C9A8A57415}"/>
               </a:ext>
             </a:extLst>
           </p:cNvPr>
@@ -13848,7 +13852,7 @@
               <p:cNvPr id="3" name="内容占位符 2">
                 <a:extLst>
                   <a:ext uri="{FF2B5EF4-FFF2-40B4-BE49-F238E27FC236}">
-                    <a16:creationId xmlns:a16="http://schemas.microsoft.com/office/drawing/2014/main" id="{A68605A4-A425-4CD5-8D59-3ADEED6DE32A}"/>
+                    <a16:creationId xmlns:a16="http://schemas.microsoft.com/office/drawing/2014/main" xmlns="" id="{A68605A4-A425-4CD5-8D59-3ADEED6DE32A}"/>
                   </a:ext>
                 </a:extLst>
               </p:cNvPr>
@@ -14177,7 +14181,7 @@
           <p:cNvPr id="4" name="日期占位符 3">
             <a:extLst>
               <a:ext uri="{FF2B5EF4-FFF2-40B4-BE49-F238E27FC236}">
-                <a16:creationId xmlns:a16="http://schemas.microsoft.com/office/drawing/2014/main" id="{97913FA6-F7A2-4197-B8DA-F29481A0F82B}"/>
+                <a16:creationId xmlns:a16="http://schemas.microsoft.com/office/drawing/2014/main" xmlns="" id="{97913FA6-F7A2-4197-B8DA-F29481A0F82B}"/>
               </a:ext>
             </a:extLst>
           </p:cNvPr>
@@ -14198,7 +14202,7 @@
             </a:pPr>
             <a:fld id="{95A2A19B-170D-1043-AE33-7A36DFB7BCDC}" type="datetime2">
               <a:rPr lang="zh-CN" altLang="en-US" smtClean="0"/>
-              <a:t>2018年7月6日</a:t>
+              <a:t>2018年7月7日</a:t>
             </a:fld>
             <a:endParaRPr lang="en-US" altLang="zh-CN"/>
           </a:p>
@@ -14209,7 +14213,7 @@
           <p:cNvPr id="5" name="页脚占位符 4">
             <a:extLst>
               <a:ext uri="{FF2B5EF4-FFF2-40B4-BE49-F238E27FC236}">
-                <a16:creationId xmlns:a16="http://schemas.microsoft.com/office/drawing/2014/main" id="{E5823841-CED2-4B9C-8F0A-FE5DBE628BCB}"/>
+                <a16:creationId xmlns:a16="http://schemas.microsoft.com/office/drawing/2014/main" xmlns="" id="{E5823841-CED2-4B9C-8F0A-FE5DBE628BCB}"/>
               </a:ext>
             </a:extLst>
           </p:cNvPr>
@@ -14241,7 +14245,7 @@
           <p:cNvPr id="6" name="灯片编号占位符 5">
             <a:extLst>
               <a:ext uri="{FF2B5EF4-FFF2-40B4-BE49-F238E27FC236}">
-                <a16:creationId xmlns:a16="http://schemas.microsoft.com/office/drawing/2014/main" id="{730AF170-3554-43A2-BA79-E5FF54F2C147}"/>
+                <a16:creationId xmlns:a16="http://schemas.microsoft.com/office/drawing/2014/main" xmlns="" id="{730AF170-3554-43A2-BA79-E5FF54F2C147}"/>
               </a:ext>
             </a:extLst>
           </p:cNvPr>
@@ -14276,7 +14280,7 @@
           <p:cNvPr id="7" name="内容占位符 14">
             <a:extLst>
               <a:ext uri="{FF2B5EF4-FFF2-40B4-BE49-F238E27FC236}">
-                <a16:creationId xmlns:a16="http://schemas.microsoft.com/office/drawing/2014/main" id="{9AFCF1CC-4784-410E-B4A4-0CEA25C2A6C6}"/>
+                <a16:creationId xmlns:a16="http://schemas.microsoft.com/office/drawing/2014/main" xmlns="" id="{9AFCF1CC-4784-410E-B4A4-0CEA25C2A6C6}"/>
               </a:ext>
             </a:extLst>
           </p:cNvPr>
@@ -14312,7 +14316,7 @@
           <p:cNvPr id="8" name="直接连接符 7">
             <a:extLst>
               <a:ext uri="{FF2B5EF4-FFF2-40B4-BE49-F238E27FC236}">
-                <a16:creationId xmlns:a16="http://schemas.microsoft.com/office/drawing/2014/main" id="{993906AA-D657-4AAA-8F8D-DC8087721264}"/>
+                <a16:creationId xmlns:a16="http://schemas.microsoft.com/office/drawing/2014/main" xmlns="" id="{993906AA-D657-4AAA-8F8D-DC8087721264}"/>
               </a:ext>
             </a:extLst>
           </p:cNvPr>
@@ -14351,7 +14355,7 @@
           <p:cNvPr id="9" name="直接连接符 8">
             <a:extLst>
               <a:ext uri="{FF2B5EF4-FFF2-40B4-BE49-F238E27FC236}">
-                <a16:creationId xmlns:a16="http://schemas.microsoft.com/office/drawing/2014/main" id="{5B6D09FB-D13D-47E9-A513-50281374E973}"/>
+                <a16:creationId xmlns:a16="http://schemas.microsoft.com/office/drawing/2014/main" xmlns="" id="{5B6D09FB-D13D-47E9-A513-50281374E973}"/>
               </a:ext>
             </a:extLst>
           </p:cNvPr>
@@ -14394,7 +14398,7 @@
           <p:cNvPr id="10" name="直接连接符 9">
             <a:extLst>
               <a:ext uri="{FF2B5EF4-FFF2-40B4-BE49-F238E27FC236}">
-                <a16:creationId xmlns:a16="http://schemas.microsoft.com/office/drawing/2014/main" id="{D823F8C7-6F36-48A0-A850-97D4586184C8}"/>
+                <a16:creationId xmlns:a16="http://schemas.microsoft.com/office/drawing/2014/main" xmlns="" id="{D823F8C7-6F36-48A0-A850-97D4586184C8}"/>
               </a:ext>
             </a:extLst>
           </p:cNvPr>
@@ -14439,7 +14443,7 @@
               <p:cNvPr id="11" name="矩形 10">
                 <a:extLst>
                   <a:ext uri="{FF2B5EF4-FFF2-40B4-BE49-F238E27FC236}">
-                    <a16:creationId xmlns:a16="http://schemas.microsoft.com/office/drawing/2014/main" id="{25CFE4FA-4ADB-4B82-B875-AA5178D80394}"/>
+                    <a16:creationId xmlns:a16="http://schemas.microsoft.com/office/drawing/2014/main" xmlns="" id="{25CFE4FA-4ADB-4B82-B875-AA5178D80394}"/>
                   </a:ext>
                 </a:extLst>
               </p:cNvPr>
@@ -14478,7 +14482,7 @@
                         <m:dPr>
                           <m:ctrlPr>
                             <a:rPr lang="en-US" altLang="zh-CN" sz="2000" i="1">
-                              <a:latin typeface="Cambria Math" panose="02040503050406030204" pitchFamily="18" charset="0"/>
+                              <a:latin typeface="Cambria Math" charset="0"/>
                             </a:rPr>
                           </m:ctrlPr>
                         </m:dPr>
@@ -14514,7 +14518,7 @@
                           <m:chr m:val="∑"/>
                           <m:ctrlPr>
                             <a:rPr lang="en-US" altLang="zh-CN" sz="2000" i="1">
-                              <a:latin typeface="Cambria Math" panose="02040503050406030204" pitchFamily="18" charset="0"/>
+                              <a:latin typeface="Cambria Math" charset="0"/>
                             </a:rPr>
                           </m:ctrlPr>
                         </m:naryPr>
@@ -14548,7 +14552,7 @@
                             <m:sSupPr>
                               <m:ctrlPr>
                                 <a:rPr lang="en-US" altLang="zh-CN" sz="2000" i="1">
-                                  <a:latin typeface="Cambria Math" panose="02040503050406030204" pitchFamily="18" charset="0"/>
+                                  <a:latin typeface="Cambria Math" charset="0"/>
                                 </a:rPr>
                               </m:ctrlPr>
                             </m:sSupPr>
@@ -14557,7 +14561,7 @@
                                 <m:dPr>
                                   <m:ctrlPr>
                                     <a:rPr lang="en-US" altLang="zh-CN" sz="2000" i="1">
-                                      <a:latin typeface="Cambria Math" panose="02040503050406030204" pitchFamily="18" charset="0"/>
+                                      <a:latin typeface="Cambria Math" charset="0"/>
                                     </a:rPr>
                                   </m:ctrlPr>
                                 </m:dPr>
@@ -14566,7 +14570,7 @@
                                     <m:sSupPr>
                                       <m:ctrlPr>
                                         <a:rPr lang="en-US" altLang="zh-CN" sz="2000" i="1">
-                                          <a:latin typeface="Cambria Math" panose="02040503050406030204" pitchFamily="18" charset="0"/>
+                                          <a:latin typeface="Cambria Math" charset="0"/>
                                         </a:rPr>
                                       </m:ctrlPr>
                                     </m:sSupPr>
@@ -14615,7 +14619,7 @@
                                     <m:dPr>
                                       <m:ctrlPr>
                                         <a:rPr lang="en-US" altLang="zh-CN" sz="2000" i="1">
-                                          <a:latin typeface="Cambria Math" panose="02040503050406030204" pitchFamily="18" charset="0"/>
+                                          <a:latin typeface="Cambria Math" charset="0"/>
                                         </a:rPr>
                                       </m:ctrlPr>
                                     </m:dPr>
@@ -14624,7 +14628,7 @@
                                         <m:sSupPr>
                                           <m:ctrlPr>
                                             <a:rPr lang="en-US" altLang="zh-CN" sz="2000" i="1">
-                                              <a:latin typeface="Cambria Math" panose="02040503050406030204" pitchFamily="18" charset="0"/>
+                                              <a:latin typeface="Cambria Math" charset="0"/>
                                             </a:rPr>
                                           </m:ctrlPr>
                                         </m:sSupPr>
@@ -14814,7 +14818,7 @@
                       <m:dPr>
                         <m:ctrlPr>
                           <a:rPr kumimoji="1" lang="en-US" altLang="zh-CN" sz="2800" b="0" i="1" dirty="0" smtClean="0">
-                            <a:latin typeface="Cambria Math" panose="02040503050406030204" pitchFamily="18" charset="0"/>
+                            <a:latin typeface="Cambria Math" charset="0"/>
                           </a:rPr>
                         </m:ctrlPr>
                       </m:dPr>
@@ -14907,7 +14911,7 @@
                       <m:dPr>
                         <m:ctrlPr>
                           <a:rPr lang="en-US" altLang="zh-CN" sz="3200" i="1">
-                            <a:latin typeface="Cambria Math" panose="02040503050406030204" pitchFamily="18" charset="0"/>
+                            <a:latin typeface="Cambria Math" charset="0"/>
                           </a:rPr>
                         </m:ctrlPr>
                       </m:dPr>
@@ -14943,7 +14947,7 @@
                         <m:chr m:val="∑"/>
                         <m:ctrlPr>
                           <a:rPr lang="en-US" altLang="zh-CN" sz="3200" i="1">
-                            <a:latin typeface="Cambria Math" panose="02040503050406030204" pitchFamily="18" charset="0"/>
+                            <a:latin typeface="Cambria Math" charset="0"/>
                           </a:rPr>
                         </m:ctrlPr>
                       </m:naryPr>
@@ -14977,7 +14981,7 @@
                           <m:sSupPr>
                             <m:ctrlPr>
                               <a:rPr lang="en-US" altLang="zh-CN" sz="3200" i="1">
-                                <a:latin typeface="Cambria Math" panose="02040503050406030204" pitchFamily="18" charset="0"/>
+                                <a:latin typeface="Cambria Math" charset="0"/>
                               </a:rPr>
                             </m:ctrlPr>
                           </m:sSupPr>
@@ -14986,7 +14990,7 @@
                               <m:dPr>
                                 <m:ctrlPr>
                                   <a:rPr lang="en-US" altLang="zh-CN" sz="3200" i="1">
-                                    <a:latin typeface="Cambria Math" panose="02040503050406030204" pitchFamily="18" charset="0"/>
+                                    <a:latin typeface="Cambria Math" charset="0"/>
                                   </a:rPr>
                                 </m:ctrlPr>
                               </m:dPr>
@@ -14995,7 +14999,7 @@
                                   <m:sSupPr>
                                     <m:ctrlPr>
                                       <a:rPr lang="en-US" altLang="zh-CN" sz="3200" i="1">
-                                        <a:latin typeface="Cambria Math" panose="02040503050406030204" pitchFamily="18" charset="0"/>
+                                        <a:latin typeface="Cambria Math" charset="0"/>
                                       </a:rPr>
                                     </m:ctrlPr>
                                   </m:sSupPr>
@@ -15044,7 +15048,7 @@
                                   <m:dPr>
                                     <m:ctrlPr>
                                       <a:rPr lang="en-US" altLang="zh-CN" sz="3200" i="1">
-                                        <a:latin typeface="Cambria Math" panose="02040503050406030204" pitchFamily="18" charset="0"/>
+                                        <a:latin typeface="Cambria Math" charset="0"/>
                                       </a:rPr>
                                     </m:ctrlPr>
                                   </m:dPr>
@@ -15053,7 +15057,7 @@
                                       <m:sSupPr>
                                         <m:ctrlPr>
                                           <a:rPr lang="en-US" altLang="zh-CN" sz="3200" i="1">
-                                            <a:latin typeface="Cambria Math" panose="02040503050406030204" pitchFamily="18" charset="0"/>
+                                            <a:latin typeface="Cambria Math" charset="0"/>
                                           </a:rPr>
                                         </m:ctrlPr>
                                       </m:sSupPr>
@@ -15120,7 +15124,7 @@
                       <m:funcPr>
                         <m:ctrlPr>
                           <a:rPr kumimoji="1" lang="zh-CN" altLang="en-US" sz="2800" b="0" i="1" smtClean="0">
-                            <a:latin typeface="Cambria Math" panose="02040503050406030204" pitchFamily="18" charset="0"/>
+                            <a:latin typeface="Cambria Math" charset="0"/>
                           </a:rPr>
                         </m:ctrlPr>
                       </m:funcPr>
@@ -15129,7 +15133,7 @@
                           <m:sSubPr>
                             <m:ctrlPr>
                               <a:rPr kumimoji="1" lang="en-US" altLang="zh-CN" sz="2800" b="0" i="1" smtClean="0">
-                                <a:latin typeface="Cambria Math" panose="02040503050406030204" pitchFamily="18" charset="0"/>
+                                <a:latin typeface="Cambria Math" charset="0"/>
                               </a:rPr>
                             </m:ctrlPr>
                           </m:sSubPr>
@@ -15171,7 +15175,7 @@
                           <m:funcPr>
                             <m:ctrlPr>
                               <a:rPr kumimoji="1" lang="zh-CN" altLang="en-US" sz="2800" b="0" i="1" smtClean="0">
-                                <a:latin typeface="Cambria Math" panose="02040503050406030204" pitchFamily="18" charset="0"/>
+                                <a:latin typeface="Cambria Math" charset="0"/>
                               </a:rPr>
                             </m:ctrlPr>
                           </m:funcPr>
@@ -15288,7 +15292,7 @@
             </a:pPr>
             <a:fld id="{95A2A19B-170D-1043-AE33-7A36DFB7BCDC}" type="datetime2">
               <a:rPr lang="zh-CN" altLang="en-US" smtClean="0"/>
-              <a:t>2018年7月6日</a:t>
+              <a:t>2018年7月7日</a:t>
             </a:fld>
             <a:endParaRPr lang="en-US" altLang="zh-CN"/>
           </a:p>
@@ -15421,7 +15425,7 @@
             </a:pPr>
             <a:fld id="{95A2A19B-170D-1043-AE33-7A36DFB7BCDC}" type="datetime2">
               <a:rPr lang="zh-CN" altLang="en-US" smtClean="0"/>
-              <a:t>2018年7月6日</a:t>
+              <a:t>2018年7月7日</a:t>
             </a:fld>
             <a:endParaRPr lang="en-US" altLang="zh-CN"/>
           </a:p>
@@ -15631,7 +15635,7 @@
                       <m:dPr>
                         <m:ctrlPr>
                           <a:rPr kumimoji="1" lang="mr-IN" altLang="zh-CN" b="0" i="1" smtClean="0">
-                            <a:latin typeface="Cambria Math" panose="02040503050406030204" pitchFamily="18" charset="0"/>
+                            <a:latin typeface="Cambria Math" charset="0"/>
                             <a:ea typeface="Cambria Math" charset="0"/>
                             <a:cs typeface="Cambria Math" charset="0"/>
                           </a:rPr>
@@ -15642,7 +15646,7 @@
                           <m:fPr>
                             <m:ctrlPr>
                               <a:rPr kumimoji="1" lang="mr-IN" altLang="zh-CN" b="0" i="1" smtClean="0">
-                                <a:latin typeface="Cambria Math" panose="02040503050406030204" pitchFamily="18" charset="0"/>
+                                <a:latin typeface="Cambria Math" charset="0"/>
                                 <a:ea typeface="Cambria Math" charset="0"/>
                                 <a:cs typeface="Cambria Math" charset="0"/>
                               </a:rPr>
@@ -15705,7 +15709,7 @@
                           <m:fPr>
                             <m:ctrlPr>
                               <a:rPr kumimoji="1" lang="mr-IN" altLang="zh-CN" b="0" i="1" smtClean="0">
-                                <a:latin typeface="Cambria Math" panose="02040503050406030204" pitchFamily="18" charset="0"/>
+                                <a:latin typeface="Cambria Math" charset="0"/>
                                 <a:ea typeface="Cambria Math" charset="0"/>
                                 <a:cs typeface="Cambria Math" charset="0"/>
                               </a:rPr>
@@ -15813,7 +15817,7 @@
               <p:cNvPr id="11" name="矩形 10">
                 <a:extLst>
                   <a:ext uri="{FF2B5EF4-FFF2-40B4-BE49-F238E27FC236}">
-                    <a16:creationId xmlns:a16="http://schemas.microsoft.com/office/drawing/2014/main" id="{25CFE4FA-4ADB-4B82-B875-AA5178D80394}"/>
+                    <a16:creationId xmlns:a16="http://schemas.microsoft.com/office/drawing/2014/main" xmlns="" id="{25CFE4FA-4ADB-4B82-B875-AA5178D80394}"/>
                   </a:ext>
                 </a:extLst>
               </p:cNvPr>
@@ -15852,7 +15856,7 @@
                         <m:dPr>
                           <m:ctrlPr>
                             <a:rPr lang="en-US" altLang="zh-CN" sz="2000" i="1">
-                              <a:latin typeface="Cambria Math" panose="02040503050406030204" pitchFamily="18" charset="0"/>
+                              <a:latin typeface="Cambria Math" charset="0"/>
                             </a:rPr>
                           </m:ctrlPr>
                         </m:dPr>
@@ -15888,7 +15892,7 @@
                           <m:chr m:val="∑"/>
                           <m:ctrlPr>
                             <a:rPr lang="en-US" altLang="zh-CN" sz="2000" i="1">
-                              <a:latin typeface="Cambria Math" panose="02040503050406030204" pitchFamily="18" charset="0"/>
+                              <a:latin typeface="Cambria Math" charset="0"/>
                             </a:rPr>
                           </m:ctrlPr>
                         </m:naryPr>
@@ -15922,7 +15926,7 @@
                             <m:sSupPr>
                               <m:ctrlPr>
                                 <a:rPr lang="en-US" altLang="zh-CN" sz="2000" i="1">
-                                  <a:latin typeface="Cambria Math" panose="02040503050406030204" pitchFamily="18" charset="0"/>
+                                  <a:latin typeface="Cambria Math" charset="0"/>
                                 </a:rPr>
                               </m:ctrlPr>
                             </m:sSupPr>
@@ -15931,7 +15935,7 @@
                                 <m:dPr>
                                   <m:ctrlPr>
                                     <a:rPr lang="en-US" altLang="zh-CN" sz="2000" i="1">
-                                      <a:latin typeface="Cambria Math" panose="02040503050406030204" pitchFamily="18" charset="0"/>
+                                      <a:latin typeface="Cambria Math" charset="0"/>
                                     </a:rPr>
                                   </m:ctrlPr>
                                 </m:dPr>
@@ -15940,7 +15944,7 @@
                                     <m:sSupPr>
                                       <m:ctrlPr>
                                         <a:rPr lang="en-US" altLang="zh-CN" sz="2000" i="1">
-                                          <a:latin typeface="Cambria Math" panose="02040503050406030204" pitchFamily="18" charset="0"/>
+                                          <a:latin typeface="Cambria Math" charset="0"/>
                                         </a:rPr>
                                       </m:ctrlPr>
                                     </m:sSupPr>
@@ -15989,7 +15993,7 @@
                                     <m:dPr>
                                       <m:ctrlPr>
                                         <a:rPr lang="en-US" altLang="zh-CN" sz="2000" i="1">
-                                          <a:latin typeface="Cambria Math" panose="02040503050406030204" pitchFamily="18" charset="0"/>
+                                          <a:latin typeface="Cambria Math" charset="0"/>
                                         </a:rPr>
                                       </m:ctrlPr>
                                     </m:dPr>
@@ -15998,7 +16002,7 @@
                                         <m:sSupPr>
                                           <m:ctrlPr>
                                             <a:rPr lang="en-US" altLang="zh-CN" sz="2000" i="1">
-                                              <a:latin typeface="Cambria Math" panose="02040503050406030204" pitchFamily="18" charset="0"/>
+                                              <a:latin typeface="Cambria Math" charset="0"/>
                                             </a:rPr>
                                           </m:ctrlPr>
                                         </m:sSupPr>
@@ -16172,7 +16176,7 @@
             </a:pPr>
             <a:fld id="{95A2A19B-170D-1043-AE33-7A36DFB7BCDC}" type="datetime2">
               <a:rPr lang="zh-CN" altLang="en-US" smtClean="0"/>
-              <a:t>2018年7月6日</a:t>
+              <a:t>2018年7月7日</a:t>
             </a:fld>
             <a:endParaRPr lang="en-US" altLang="zh-CN"/>
           </a:p>
@@ -16509,7 +16513,7 @@
               <p:cNvPr id="11" name="矩形 10">
                 <a:extLst>
                   <a:ext uri="{FF2B5EF4-FFF2-40B4-BE49-F238E27FC236}">
-                    <a16:creationId xmlns:a16="http://schemas.microsoft.com/office/drawing/2014/main" id="{25CFE4FA-4ADB-4B82-B875-AA5178D80394}"/>
+                    <a16:creationId xmlns:a16="http://schemas.microsoft.com/office/drawing/2014/main" xmlns="" id="{25CFE4FA-4ADB-4B82-B875-AA5178D80394}"/>
                   </a:ext>
                 </a:extLst>
               </p:cNvPr>
@@ -16548,7 +16552,7 @@
                         <m:dPr>
                           <m:ctrlPr>
                             <a:rPr lang="en-US" altLang="zh-CN" sz="2000" i="1">
-                              <a:latin typeface="Cambria Math" panose="02040503050406030204" pitchFamily="18" charset="0"/>
+                              <a:latin typeface="Cambria Math" charset="0"/>
                             </a:rPr>
                           </m:ctrlPr>
                         </m:dPr>
@@ -16584,7 +16588,7 @@
                           <m:chr m:val="∑"/>
                           <m:ctrlPr>
                             <a:rPr lang="en-US" altLang="zh-CN" sz="2000" i="1">
-                              <a:latin typeface="Cambria Math" panose="02040503050406030204" pitchFamily="18" charset="0"/>
+                              <a:latin typeface="Cambria Math" charset="0"/>
                             </a:rPr>
                           </m:ctrlPr>
                         </m:naryPr>
@@ -16618,7 +16622,7 @@
                             <m:sSupPr>
                               <m:ctrlPr>
                                 <a:rPr lang="en-US" altLang="zh-CN" sz="2000" i="1">
-                                  <a:latin typeface="Cambria Math" panose="02040503050406030204" pitchFamily="18" charset="0"/>
+                                  <a:latin typeface="Cambria Math" charset="0"/>
                                 </a:rPr>
                               </m:ctrlPr>
                             </m:sSupPr>
@@ -16627,7 +16631,7 @@
                                 <m:dPr>
                                   <m:ctrlPr>
                                     <a:rPr lang="en-US" altLang="zh-CN" sz="2000" i="1">
-                                      <a:latin typeface="Cambria Math" panose="02040503050406030204" pitchFamily="18" charset="0"/>
+                                      <a:latin typeface="Cambria Math" charset="0"/>
                                     </a:rPr>
                                   </m:ctrlPr>
                                 </m:dPr>
@@ -16636,7 +16640,7 @@
                                     <m:sSupPr>
                                       <m:ctrlPr>
                                         <a:rPr lang="en-US" altLang="zh-CN" sz="2000" i="1">
-                                          <a:latin typeface="Cambria Math" panose="02040503050406030204" pitchFamily="18" charset="0"/>
+                                          <a:latin typeface="Cambria Math" charset="0"/>
                                         </a:rPr>
                                       </m:ctrlPr>
                                     </m:sSupPr>
@@ -16685,7 +16689,7 @@
                                     <m:dPr>
                                       <m:ctrlPr>
                                         <a:rPr lang="en-US" altLang="zh-CN" sz="2000" i="1">
-                                          <a:latin typeface="Cambria Math" panose="02040503050406030204" pitchFamily="18" charset="0"/>
+                                          <a:latin typeface="Cambria Math" charset="0"/>
                                         </a:rPr>
                                       </m:ctrlPr>
                                     </m:dPr>
@@ -16694,7 +16698,7 @@
                                         <m:sSupPr>
                                           <m:ctrlPr>
                                             <a:rPr lang="en-US" altLang="zh-CN" sz="2000" i="1">
-                                              <a:latin typeface="Cambria Math" panose="02040503050406030204" pitchFamily="18" charset="0"/>
+                                              <a:latin typeface="Cambria Math" charset="0"/>
                                             </a:rPr>
                                           </m:ctrlPr>
                                         </m:sSupPr>
@@ -16867,7 +16871,7 @@
                         <m:fPr>
                           <m:ctrlPr>
                             <a:rPr kumimoji="1" lang="mr-IN" altLang="zh-CN" b="0" i="1" smtClean="0">
-                              <a:latin typeface="Cambria Math" panose="02040503050406030204" pitchFamily="18" charset="0"/>
+                              <a:latin typeface="Cambria Math" charset="0"/>
                             </a:rPr>
                           </m:ctrlPr>
                         </m:fPr>
@@ -16960,7 +16964,7 @@
                         <m:fPr>
                           <m:ctrlPr>
                             <a:rPr kumimoji="1" lang="mr-IN" altLang="zh-CN" b="0" i="1" smtClean="0">
-                              <a:latin typeface="Cambria Math" panose="02040503050406030204" pitchFamily="18" charset="0"/>
+                              <a:latin typeface="Cambria Math" charset="0"/>
                             </a:rPr>
                           </m:ctrlPr>
                         </m:fPr>
@@ -17185,7 +17189,7 @@
             </a:pPr>
             <a:fld id="{95A2A19B-170D-1043-AE33-7A36DFB7BCDC}" type="datetime2">
               <a:rPr lang="zh-CN" altLang="en-US" smtClean="0"/>
-              <a:t>2018年7月6日</a:t>
+              <a:t>2018年7月7日</a:t>
             </a:fld>
             <a:endParaRPr lang="en-US" altLang="zh-CN"/>
           </a:p>
@@ -17569,7 +17573,7 @@
             </a:pPr>
             <a:fld id="{95A2A19B-170D-1043-AE33-7A36DFB7BCDC}" type="datetime2">
               <a:rPr lang="zh-CN" altLang="en-US" smtClean="0"/>
-              <a:t>2018年7月6日</a:t>
+              <a:t>2018年7月7日</a:t>
             </a:fld>
             <a:endParaRPr lang="en-US" altLang="zh-CN"/>
           </a:p>
@@ -17731,7 +17735,7 @@
                         <m:fPr>
                           <m:ctrlPr>
                             <a:rPr kumimoji="1" lang="mr-IN" altLang="zh-CN" b="0" i="1" smtClean="0">
-                              <a:latin typeface="Cambria Math" panose="02040503050406030204" pitchFamily="18" charset="0"/>
+                              <a:latin typeface="Cambria Math" charset="0"/>
                             </a:rPr>
                           </m:ctrlPr>
                         </m:fPr>
@@ -17824,7 +17828,7 @@
                         <m:fPr>
                           <m:ctrlPr>
                             <a:rPr kumimoji="1" lang="mr-IN" altLang="zh-CN" b="0" i="1" smtClean="0">
-                              <a:latin typeface="Cambria Math" panose="02040503050406030204" pitchFamily="18" charset="0"/>
+                              <a:latin typeface="Cambria Math" charset="0"/>
                             </a:rPr>
                           </m:ctrlPr>
                         </m:fPr>
@@ -18108,7 +18112,7 @@
             </a:pPr>
             <a:fld id="{95A2A19B-170D-1043-AE33-7A36DFB7BCDC}" type="datetime2">
               <a:rPr lang="zh-CN" altLang="en-US" smtClean="0"/>
-              <a:t>2018年7月6日</a:t>
+              <a:t>2018年7月7日</a:t>
             </a:fld>
             <a:endParaRPr lang="en-US" altLang="zh-CN"/>
           </a:p>
@@ -18176,7 +18180,7 @@
               <p:cNvPr id="7" name="矩形 6">
                 <a:extLst>
                   <a:ext uri="{FF2B5EF4-FFF2-40B4-BE49-F238E27FC236}">
-                    <a16:creationId xmlns:a16="http://schemas.microsoft.com/office/drawing/2014/main" id="{25CFE4FA-4ADB-4B82-B875-AA5178D80394}"/>
+                    <a16:creationId xmlns:a16="http://schemas.microsoft.com/office/drawing/2014/main" xmlns="" id="{25CFE4FA-4ADB-4B82-B875-AA5178D80394}"/>
                   </a:ext>
                 </a:extLst>
               </p:cNvPr>
@@ -18215,7 +18219,7 @@
                         <m:dPr>
                           <m:ctrlPr>
                             <a:rPr lang="en-US" altLang="zh-CN" sz="2000" i="1">
-                              <a:latin typeface="Cambria Math" panose="02040503050406030204" pitchFamily="18" charset="0"/>
+                              <a:latin typeface="Cambria Math" charset="0"/>
                             </a:rPr>
                           </m:ctrlPr>
                         </m:dPr>
@@ -18251,7 +18255,7 @@
                           <m:chr m:val="∑"/>
                           <m:ctrlPr>
                             <a:rPr lang="en-US" altLang="zh-CN" sz="2000" i="1">
-                              <a:latin typeface="Cambria Math" panose="02040503050406030204" pitchFamily="18" charset="0"/>
+                              <a:latin typeface="Cambria Math" charset="0"/>
                             </a:rPr>
                           </m:ctrlPr>
                         </m:naryPr>
@@ -18285,7 +18289,7 @@
                             <m:sSupPr>
                               <m:ctrlPr>
                                 <a:rPr lang="en-US" altLang="zh-CN" sz="2000" i="1">
-                                  <a:latin typeface="Cambria Math" panose="02040503050406030204" pitchFamily="18" charset="0"/>
+                                  <a:latin typeface="Cambria Math" charset="0"/>
                                 </a:rPr>
                               </m:ctrlPr>
                             </m:sSupPr>
@@ -18294,7 +18298,7 @@
                                 <m:dPr>
                                   <m:ctrlPr>
                                     <a:rPr lang="en-US" altLang="zh-CN" sz="2000" i="1">
-                                      <a:latin typeface="Cambria Math" panose="02040503050406030204" pitchFamily="18" charset="0"/>
+                                      <a:latin typeface="Cambria Math" charset="0"/>
                                     </a:rPr>
                                   </m:ctrlPr>
                                 </m:dPr>
@@ -18303,7 +18307,7 @@
                                     <m:sSupPr>
                                       <m:ctrlPr>
                                         <a:rPr lang="en-US" altLang="zh-CN" sz="2000" i="1">
-                                          <a:latin typeface="Cambria Math" panose="02040503050406030204" pitchFamily="18" charset="0"/>
+                                          <a:latin typeface="Cambria Math" charset="0"/>
                                         </a:rPr>
                                       </m:ctrlPr>
                                     </m:sSupPr>
@@ -18352,7 +18356,7 @@
                                     <m:dPr>
                                       <m:ctrlPr>
                                         <a:rPr lang="en-US" altLang="zh-CN" sz="2000" i="1">
-                                          <a:latin typeface="Cambria Math" panose="02040503050406030204" pitchFamily="18" charset="0"/>
+                                          <a:latin typeface="Cambria Math" charset="0"/>
                                         </a:rPr>
                                       </m:ctrlPr>
                                     </m:dPr>
@@ -18361,7 +18365,7 @@
                                         <m:sSupPr>
                                           <m:ctrlPr>
                                             <a:rPr lang="en-US" altLang="zh-CN" sz="2000" i="1">
-                                              <a:latin typeface="Cambria Math" panose="02040503050406030204" pitchFamily="18" charset="0"/>
+                                              <a:latin typeface="Cambria Math" charset="0"/>
                                             </a:rPr>
                                           </m:ctrlPr>
                                         </m:sSupPr>
@@ -18628,7 +18632,7 @@
                       <m:sSubSupPr>
                         <m:ctrlPr>
                           <a:rPr lang="en-US" altLang="zh-CN" i="1">
-                            <a:latin typeface="Cambria Math" panose="02040503050406030204" pitchFamily="18" charset="0"/>
+                            <a:latin typeface="Cambria Math" charset="0"/>
                           </a:rPr>
                         </m:ctrlPr>
                       </m:sSubSupPr>
@@ -18653,7 +18657,7 @@
                           <m:dPr>
                             <m:ctrlPr>
                               <a:rPr lang="en-US" altLang="zh-CN" i="1">
-                                <a:latin typeface="Cambria Math" panose="02040503050406030204" pitchFamily="18" charset="0"/>
+                                <a:latin typeface="Cambria Math" charset="0"/>
                               </a:rPr>
                             </m:ctrlPr>
                           </m:dPr>
@@ -18704,7 +18708,7 @@
                       <m:dPr>
                         <m:ctrlPr>
                           <a:rPr lang="en-US" altLang="zh-CN" i="1">
-                            <a:latin typeface="Cambria Math" panose="02040503050406030204" pitchFamily="18" charset="0"/>
+                            <a:latin typeface="Cambria Math" charset="0"/>
                           </a:rPr>
                         </m:ctrlPr>
                       </m:dPr>
@@ -18713,7 +18717,7 @@
                           <m:sSupPr>
                             <m:ctrlPr>
                               <a:rPr lang="en-US" altLang="zh-CN" i="1">
-                                <a:latin typeface="Cambria Math" panose="02040503050406030204" pitchFamily="18" charset="0"/>
+                                <a:latin typeface="Cambria Math" charset="0"/>
                               </a:rPr>
                             </m:ctrlPr>
                           </m:sSupPr>
@@ -18730,7 +18734,7 @@
                               <m:dPr>
                                 <m:ctrlPr>
                                   <a:rPr lang="en-US" altLang="zh-CN" i="1">
-                                    <a:latin typeface="Cambria Math" panose="02040503050406030204" pitchFamily="18" charset="0"/>
+                                    <a:latin typeface="Cambria Math" charset="0"/>
                                   </a:rPr>
                                 </m:ctrlPr>
                               </m:dPr>
@@ -18755,7 +18759,7 @@
                           <m:sSupPr>
                             <m:ctrlPr>
                               <a:rPr lang="en-US" altLang="zh-CN" i="1">
-                                <a:latin typeface="Cambria Math" panose="02040503050406030204" pitchFamily="18" charset="0"/>
+                                <a:latin typeface="Cambria Math" charset="0"/>
                               </a:rPr>
                             </m:ctrlPr>
                           </m:sSupPr>
@@ -18772,7 +18776,7 @@
                               <m:dPr>
                                 <m:ctrlPr>
                                   <a:rPr lang="en-US" altLang="zh-CN" i="1">
-                                    <a:latin typeface="Cambria Math" panose="02040503050406030204" pitchFamily="18" charset="0"/>
+                                    <a:latin typeface="Cambria Math" charset="0"/>
                                   </a:rPr>
                                 </m:ctrlPr>
                               </m:dPr>
@@ -18925,7 +18929,7 @@
             </a:pPr>
             <a:fld id="{95A2A19B-170D-1043-AE33-7A36DFB7BCDC}" type="datetime2">
               <a:rPr lang="zh-CN" altLang="en-US" smtClean="0"/>
-              <a:t>2018年7月6日</a:t>
+              <a:t>2018年7月7日</a:t>
             </a:fld>
             <a:endParaRPr lang="en-US" altLang="zh-CN"/>
           </a:p>
@@ -18993,7 +18997,7 @@
               <p:cNvPr id="7" name="内容占位符 6">
                 <a:extLst>
                   <a:ext uri="{FF2B5EF4-FFF2-40B4-BE49-F238E27FC236}">
-                    <a16:creationId xmlns:a16="http://schemas.microsoft.com/office/drawing/2014/main" id="{EB980026-D29F-4C6E-9BFC-18210325D87E}"/>
+                    <a16:creationId xmlns:a16="http://schemas.microsoft.com/office/drawing/2014/main" xmlns="" id="{EB980026-D29F-4C6E-9BFC-18210325D87E}"/>
                   </a:ext>
                 </a:extLst>
               </p:cNvPr>
@@ -19022,28 +19026,28 @@
                     <a:gridCol w="1185683">
                       <a:extLst>
                         <a:ext uri="{9D8B030D-6E8A-4147-A177-3AD203B41FA5}">
-                          <a16:colId xmlns:a16="http://schemas.microsoft.com/office/drawing/2014/main" val="849694925"/>
+                          <a16:colId xmlns:a16="http://schemas.microsoft.com/office/drawing/2014/main" xmlns="" val="849694925"/>
                         </a:ext>
                       </a:extLst>
                     </a:gridCol>
                     <a:gridCol w="1185683">
                       <a:extLst>
                         <a:ext uri="{9D8B030D-6E8A-4147-A177-3AD203B41FA5}">
-                          <a16:colId xmlns:a16="http://schemas.microsoft.com/office/drawing/2014/main" val="20001"/>
+                          <a16:colId xmlns:a16="http://schemas.microsoft.com/office/drawing/2014/main" xmlns="" val="20001"/>
                         </a:ext>
                       </a:extLst>
                     </a:gridCol>
                     <a:gridCol w="1185683">
                       <a:extLst>
                         <a:ext uri="{9D8B030D-6E8A-4147-A177-3AD203B41FA5}">
-                          <a16:colId xmlns:a16="http://schemas.microsoft.com/office/drawing/2014/main" val="20002"/>
+                          <a16:colId xmlns:a16="http://schemas.microsoft.com/office/drawing/2014/main" xmlns="" val="20002"/>
                         </a:ext>
                       </a:extLst>
                     </a:gridCol>
                     <a:gridCol w="1185683">
                       <a:extLst>
                         <a:ext uri="{9D8B030D-6E8A-4147-A177-3AD203B41FA5}">
-                          <a16:colId xmlns:a16="http://schemas.microsoft.com/office/drawing/2014/main" val="2032597962"/>
+                          <a16:colId xmlns:a16="http://schemas.microsoft.com/office/drawing/2014/main" xmlns="" val="2032597962"/>
                         </a:ext>
                       </a:extLst>
                     </a:gridCol>
@@ -19069,7 +19073,7 @@
                                 <m:sSubPr>
                                   <m:ctrlPr>
                                     <a:rPr lang="en-US" altLang="zh-CN" b="1" i="1" dirty="0" smtClean="0">
-                                      <a:latin typeface="Cambria Math" panose="02040503050406030204" pitchFamily="18" charset="0"/>
+                                      <a:latin typeface="Cambria Math" charset="0"/>
                                     </a:rPr>
                                   </m:ctrlPr>
                                 </m:sSubPr>
@@ -19121,7 +19125,7 @@
                                 <m:sSubPr>
                                   <m:ctrlPr>
                                     <a:rPr lang="en-US" altLang="zh-CN" b="1" i="1" dirty="0" smtClean="0">
-                                      <a:latin typeface="Cambria Math" panose="02040503050406030204" pitchFamily="18" charset="0"/>
+                                      <a:latin typeface="Cambria Math" charset="0"/>
                                     </a:rPr>
                                   </m:ctrlPr>
                                 </m:sSubPr>
@@ -19173,7 +19177,7 @@
                                 <m:sSubPr>
                                   <m:ctrlPr>
                                     <a:rPr lang="en-US" altLang="zh-CN" b="1" i="1" dirty="0" smtClean="0">
-                                      <a:latin typeface="Cambria Math" panose="02040503050406030204" pitchFamily="18" charset="0"/>
+                                      <a:latin typeface="Cambria Math" charset="0"/>
                                     </a:rPr>
                                   </m:ctrlPr>
                                 </m:sSubPr>
@@ -19240,7 +19244,7 @@
                     </a:tc>
                     <a:extLst>
                       <a:ext uri="{0D108BD9-81ED-4DB2-BD59-A6C34878D82A}">
-                        <a16:rowId xmlns:a16="http://schemas.microsoft.com/office/drawing/2014/main" val="246005499"/>
+                        <a16:rowId xmlns:a16="http://schemas.microsoft.com/office/drawing/2014/main" xmlns="" val="246005499"/>
                       </a:ext>
                     </a:extLst>
                   </a:tr>
@@ -19307,7 +19311,7 @@
                     </a:tc>
                     <a:extLst>
                       <a:ext uri="{0D108BD9-81ED-4DB2-BD59-A6C34878D82A}">
-                        <a16:rowId xmlns:a16="http://schemas.microsoft.com/office/drawing/2014/main" val="1967244540"/>
+                        <a16:rowId xmlns:a16="http://schemas.microsoft.com/office/drawing/2014/main" xmlns="" val="1967244540"/>
                       </a:ext>
                     </a:extLst>
                   </a:tr>
@@ -19374,7 +19378,7 @@
                     </a:tc>
                     <a:extLst>
                       <a:ext uri="{0D108BD9-81ED-4DB2-BD59-A6C34878D82A}">
-                        <a16:rowId xmlns:a16="http://schemas.microsoft.com/office/drawing/2014/main" val="1823030155"/>
+                        <a16:rowId xmlns:a16="http://schemas.microsoft.com/office/drawing/2014/main" xmlns="" val="1823030155"/>
                       </a:ext>
                     </a:extLst>
                   </a:tr>
@@ -19441,7 +19445,7 @@
                     </a:tc>
                     <a:extLst>
                       <a:ext uri="{0D108BD9-81ED-4DB2-BD59-A6C34878D82A}">
-                        <a16:rowId xmlns:a16="http://schemas.microsoft.com/office/drawing/2014/main" val="1815547532"/>
+                        <a16:rowId xmlns:a16="http://schemas.microsoft.com/office/drawing/2014/main" xmlns="" val="1815547532"/>
                       </a:ext>
                     </a:extLst>
                   </a:tr>
@@ -19540,7 +19544,7 @@
                     </a:tc>
                     <a:extLst>
                       <a:ext uri="{0D108BD9-81ED-4DB2-BD59-A6C34878D82A}">
-                        <a16:rowId xmlns:a16="http://schemas.microsoft.com/office/drawing/2014/main" val="168178639"/>
+                        <a16:rowId xmlns:a16="http://schemas.microsoft.com/office/drawing/2014/main" xmlns="" val="168178639"/>
                       </a:ext>
                     </a:extLst>
                   </a:tr>
@@ -20072,7 +20076,7 @@
                       <m:dPr>
                         <m:ctrlPr>
                           <a:rPr lang="en-US" altLang="zh-CN" i="1">
-                            <a:latin typeface="Cambria Math" panose="02040503050406030204" pitchFamily="18" charset="0"/>
+                            <a:latin typeface="Cambria Math" charset="0"/>
                           </a:rPr>
                         </m:ctrlPr>
                       </m:dPr>
@@ -20131,7 +20135,7 @@
                       <m:dPr>
                         <m:ctrlPr>
                           <a:rPr lang="en-US" altLang="zh-CN" i="1">
-                            <a:latin typeface="Cambria Math" panose="02040503050406030204" pitchFamily="18" charset="0"/>
+                            <a:latin typeface="Cambria Math" charset="0"/>
                           </a:rPr>
                         </m:ctrlPr>
                       </m:dPr>
@@ -20154,7 +20158,7 @@
                       <m:sSubPr>
                         <m:ctrlPr>
                           <a:rPr lang="en-US" altLang="zh-CN" b="0" i="1" smtClean="0">
-                            <a:latin typeface="Cambria Math" panose="02040503050406030204" pitchFamily="18" charset="0"/>
+                            <a:latin typeface="Cambria Math" charset="0"/>
                           </a:rPr>
                         </m:ctrlPr>
                       </m:sSubPr>
@@ -20179,7 +20183,7 @@
                       <m:sSubPr>
                         <m:ctrlPr>
                           <a:rPr lang="en-US" altLang="zh-CN" b="0" i="1" smtClean="0">
-                            <a:latin typeface="Cambria Math" panose="02040503050406030204" pitchFamily="18" charset="0"/>
+                            <a:latin typeface="Cambria Math" charset="0"/>
                           </a:rPr>
                         </m:ctrlPr>
                       </m:sSubPr>
@@ -20210,7 +20214,7 @@
                       <m:sSubPr>
                         <m:ctrlPr>
                           <a:rPr lang="en-US" altLang="zh-CN" b="0" i="1" smtClean="0">
-                            <a:latin typeface="Cambria Math" panose="02040503050406030204" pitchFamily="18" charset="0"/>
+                            <a:latin typeface="Cambria Math" charset="0"/>
                           </a:rPr>
                         </m:ctrlPr>
                       </m:sSubPr>
@@ -20235,7 +20239,7 @@
                       <m:sSubPr>
                         <m:ctrlPr>
                           <a:rPr lang="en-US" altLang="zh-CN" b="0" i="1" smtClean="0">
-                            <a:latin typeface="Cambria Math" panose="02040503050406030204" pitchFamily="18" charset="0"/>
+                            <a:latin typeface="Cambria Math" charset="0"/>
                           </a:rPr>
                         </m:ctrlPr>
                       </m:sSubPr>
@@ -20266,7 +20270,7 @@
                       <m:sSubPr>
                         <m:ctrlPr>
                           <a:rPr lang="en-US" altLang="zh-CN" b="0" i="1" smtClean="0">
-                            <a:latin typeface="Cambria Math" panose="02040503050406030204" pitchFamily="18" charset="0"/>
+                            <a:latin typeface="Cambria Math" charset="0"/>
                           </a:rPr>
                         </m:ctrlPr>
                       </m:sSubPr>
@@ -20291,7 +20295,7 @@
                       <m:sSubPr>
                         <m:ctrlPr>
                           <a:rPr lang="en-US" altLang="zh-CN" b="0" i="1" smtClean="0">
-                            <a:latin typeface="Cambria Math" panose="02040503050406030204" pitchFamily="18" charset="0"/>
+                            <a:latin typeface="Cambria Math" charset="0"/>
                           </a:rPr>
                         </m:ctrlPr>
                       </m:sSubPr>
@@ -20342,7 +20346,7 @@
                       <m:dPr>
                         <m:ctrlPr>
                           <a:rPr lang="en-US" altLang="zh-CN" b="0" i="1" dirty="0" smtClean="0">
-                            <a:latin typeface="Cambria Math" panose="02040503050406030204" pitchFamily="18" charset="0"/>
+                            <a:latin typeface="Cambria Math" charset="0"/>
                           </a:rPr>
                         </m:ctrlPr>
                       </m:dPr>
@@ -20365,7 +20369,7 @@
                       <m:sSupPr>
                         <m:ctrlPr>
                           <a:rPr lang="en-US" altLang="zh-CN" b="0" i="1" dirty="0" smtClean="0">
-                            <a:latin typeface="Cambria Math" panose="02040503050406030204" pitchFamily="18" charset="0"/>
+                            <a:latin typeface="Cambria Math" charset="0"/>
                           </a:rPr>
                         </m:ctrlPr>
                       </m:sSupPr>
@@ -20423,7 +20427,7 @@
                       <m:dPr>
                         <m:ctrlPr>
                           <a:rPr lang="en-US" altLang="zh-CN" b="0" i="1" smtClean="0">
-                            <a:latin typeface="Cambria Math" panose="02040503050406030204" pitchFamily="18" charset="0"/>
+                            <a:latin typeface="Cambria Math" charset="0"/>
                           </a:rPr>
                         </m:ctrlPr>
                       </m:dPr>
@@ -20432,7 +20436,7 @@
                           <m:sSubPr>
                             <m:ctrlPr>
                               <a:rPr lang="en-US" altLang="zh-CN" i="1">
-                                <a:latin typeface="Cambria Math" panose="02040503050406030204" pitchFamily="18" charset="0"/>
+                                <a:latin typeface="Cambria Math" charset="0"/>
                               </a:rPr>
                             </m:ctrlPr>
                           </m:sSubPr>
@@ -20469,7 +20473,7 @@
                           <m:sSubPr>
                             <m:ctrlPr>
                               <a:rPr lang="en-US" altLang="zh-CN" i="1">
-                                <a:latin typeface="Cambria Math" panose="02040503050406030204" pitchFamily="18" charset="0"/>
+                                <a:latin typeface="Cambria Math" charset="0"/>
                               </a:rPr>
                             </m:ctrlPr>
                           </m:sSubPr>
@@ -20512,7 +20516,7 @@
                           <m:sSubPr>
                             <m:ctrlPr>
                               <a:rPr lang="en-US" altLang="zh-CN" i="1">
-                                <a:latin typeface="Cambria Math" panose="02040503050406030204" pitchFamily="18" charset="0"/>
+                                <a:latin typeface="Cambria Math" charset="0"/>
                               </a:rPr>
                             </m:ctrlPr>
                           </m:sSubPr>
@@ -20678,7 +20682,7 @@
             </a:pPr>
             <a:fld id="{95A2A19B-170D-1043-AE33-7A36DFB7BCDC}" type="datetime2">
               <a:rPr lang="zh-CN" altLang="en-US" smtClean="0"/>
-              <a:t>2018年7月6日</a:t>
+              <a:t>2018年7月7日</a:t>
             </a:fld>
             <a:endParaRPr lang="en-US" altLang="zh-CN"/>
           </a:p>
@@ -20746,7 +20750,7 @@
               <p:cNvPr id="7" name="矩形 6">
                 <a:extLst>
                   <a:ext uri="{FF2B5EF4-FFF2-40B4-BE49-F238E27FC236}">
-                    <a16:creationId xmlns:a16="http://schemas.microsoft.com/office/drawing/2014/main" id="{25CFE4FA-4ADB-4B82-B875-AA5178D80394}"/>
+                    <a16:creationId xmlns:a16="http://schemas.microsoft.com/office/drawing/2014/main" xmlns="" id="{25CFE4FA-4ADB-4B82-B875-AA5178D80394}"/>
                   </a:ext>
                 </a:extLst>
               </p:cNvPr>
@@ -20785,7 +20789,7 @@
                         <m:dPr>
                           <m:ctrlPr>
                             <a:rPr lang="en-US" altLang="zh-CN" sz="2000" i="1">
-                              <a:latin typeface="Cambria Math" panose="02040503050406030204" pitchFamily="18" charset="0"/>
+                              <a:latin typeface="Cambria Math" charset="0"/>
                             </a:rPr>
                           </m:ctrlPr>
                         </m:dPr>
@@ -20821,7 +20825,7 @@
                           <m:chr m:val="∑"/>
                           <m:ctrlPr>
                             <a:rPr lang="en-US" altLang="zh-CN" sz="2000" i="1">
-                              <a:latin typeface="Cambria Math" panose="02040503050406030204" pitchFamily="18" charset="0"/>
+                              <a:latin typeface="Cambria Math" charset="0"/>
                             </a:rPr>
                           </m:ctrlPr>
                         </m:naryPr>
@@ -20855,7 +20859,7 @@
                             <m:sSupPr>
                               <m:ctrlPr>
                                 <a:rPr lang="en-US" altLang="zh-CN" sz="2000" i="1">
-                                  <a:latin typeface="Cambria Math" panose="02040503050406030204" pitchFamily="18" charset="0"/>
+                                  <a:latin typeface="Cambria Math" charset="0"/>
                                 </a:rPr>
                               </m:ctrlPr>
                             </m:sSupPr>
@@ -20864,7 +20868,7 @@
                                 <m:dPr>
                                   <m:ctrlPr>
                                     <a:rPr lang="en-US" altLang="zh-CN" sz="2000" i="1">
-                                      <a:latin typeface="Cambria Math" panose="02040503050406030204" pitchFamily="18" charset="0"/>
+                                      <a:latin typeface="Cambria Math" charset="0"/>
                                     </a:rPr>
                                   </m:ctrlPr>
                                 </m:dPr>
@@ -20873,7 +20877,7 @@
                                     <m:sSupPr>
                                       <m:ctrlPr>
                                         <a:rPr lang="en-US" altLang="zh-CN" sz="2000" i="1">
-                                          <a:latin typeface="Cambria Math" panose="02040503050406030204" pitchFamily="18" charset="0"/>
+                                          <a:latin typeface="Cambria Math" charset="0"/>
                                         </a:rPr>
                                       </m:ctrlPr>
                                     </m:sSupPr>
@@ -20922,7 +20926,7 @@
                                     <m:dPr>
                                       <m:ctrlPr>
                                         <a:rPr lang="en-US" altLang="zh-CN" sz="2000" i="1">
-                                          <a:latin typeface="Cambria Math" panose="02040503050406030204" pitchFamily="18" charset="0"/>
+                                          <a:latin typeface="Cambria Math" charset="0"/>
                                         </a:rPr>
                                       </m:ctrlPr>
                                     </m:dPr>
@@ -20931,7 +20935,7 @@
                                         <m:sSupPr>
                                           <m:ctrlPr>
                                             <a:rPr lang="en-US" altLang="zh-CN" sz="2000" b="1" i="1">
-                                              <a:latin typeface="Cambria Math" panose="02040503050406030204" pitchFamily="18" charset="0"/>
+                                              <a:latin typeface="Cambria Math" charset="0"/>
                                             </a:rPr>
                                           </m:ctrlPr>
                                         </m:sSupPr>
@@ -21068,7 +21072,7 @@
                         <m:sSubPr>
                           <m:ctrlPr>
                             <a:rPr kumimoji="1" lang="en-US" altLang="zh-CN" b="0" i="1" smtClean="0">
-                              <a:latin typeface="Cambria Math" panose="02040503050406030204" pitchFamily="18" charset="0"/>
+                              <a:latin typeface="Cambria Math" charset="0"/>
                             </a:rPr>
                           </m:ctrlPr>
                         </m:sSubPr>
@@ -21123,7 +21127,7 @@
                         <m:fPr>
                           <m:ctrlPr>
                             <a:rPr kumimoji="1" lang="mr-IN" altLang="zh-CN" b="0" i="1" smtClean="0">
-                              <a:latin typeface="Cambria Math" panose="02040503050406030204" pitchFamily="18" charset="0"/>
+                              <a:latin typeface="Cambria Math" charset="0"/>
                             </a:rPr>
                           </m:ctrlPr>
                         </m:fPr>
@@ -21154,7 +21158,7 @@
                             <m:sSubPr>
                               <m:ctrlPr>
                                 <a:rPr kumimoji="1" lang="en-US" altLang="zh-CN" b="0" i="1" smtClean="0">
-                                  <a:latin typeface="Cambria Math" panose="02040503050406030204" pitchFamily="18" charset="0"/>
+                                  <a:latin typeface="Cambria Math" charset="0"/>
                                   <a:ea typeface="Cambria Math" charset="0"/>
                                   <a:cs typeface="Cambria Math" charset="0"/>
                                 </a:rPr>
@@ -21239,7 +21243,7 @@
                         <m:fPr>
                           <m:ctrlPr>
                             <a:rPr kumimoji="1" lang="mr-IN" altLang="zh-CN" b="0" i="1" smtClean="0">
-                              <a:latin typeface="Cambria Math" panose="02040503050406030204" pitchFamily="18" charset="0"/>
+                              <a:latin typeface="Cambria Math" charset="0"/>
                             </a:rPr>
                           </m:ctrlPr>
                         </m:fPr>
@@ -21458,7 +21462,7 @@
             </a:pPr>
             <a:fld id="{95A2A19B-170D-1043-AE33-7A36DFB7BCDC}" type="datetime2">
               <a:rPr lang="zh-CN" altLang="en-US" smtClean="0"/>
-              <a:t>2018年7月6日</a:t>
+              <a:t>2018年7月7日</a:t>
             </a:fld>
             <a:endParaRPr lang="en-US" altLang="zh-CN"/>
           </a:p>
@@ -21519,14 +21523,14 @@
           </a:p>
         </p:txBody>
       </p:sp>
-      <mc:AlternateContent xmlns:mc="http://schemas.openxmlformats.org/markup-compatibility/2006">
-        <mc:Choice xmlns:a14="http://schemas.microsoft.com/office/drawing/2010/main" Requires="a14">
+      <mc:AlternateContent xmlns:mc="http://schemas.openxmlformats.org/markup-compatibility/2006" xmlns:a14="http://schemas.microsoft.com/office/drawing/2010/main">
+        <mc:Choice Requires="a14">
           <p:graphicFrame>
             <p:nvGraphicFramePr>
               <p:cNvPr id="8" name="内容占位符 6">
                 <a:extLst>
                   <a:ext uri="{FF2B5EF4-FFF2-40B4-BE49-F238E27FC236}">
-                    <a16:creationId xmlns:a16="http://schemas.microsoft.com/office/drawing/2014/main" id="{EB980026-D29F-4C6E-9BFC-18210325D87E}"/>
+                    <a16:creationId xmlns:a16="http://schemas.microsoft.com/office/drawing/2014/main" xmlns="" id="{EB980026-D29F-4C6E-9BFC-18210325D87E}"/>
                   </a:ext>
                 </a:extLst>
               </p:cNvPr>
@@ -21555,28 +21559,28 @@
                     <a:gridCol w="1185683">
                       <a:extLst>
                         <a:ext uri="{9D8B030D-6E8A-4147-A177-3AD203B41FA5}">
-                          <a16:colId xmlns:a16="http://schemas.microsoft.com/office/drawing/2014/main" val="849694925"/>
+                          <a16:colId xmlns:a16="http://schemas.microsoft.com/office/drawing/2014/main" xmlns="" val="849694925"/>
                         </a:ext>
                       </a:extLst>
                     </a:gridCol>
                     <a:gridCol w="1185683">
                       <a:extLst>
                         <a:ext uri="{9D8B030D-6E8A-4147-A177-3AD203B41FA5}">
-                          <a16:colId xmlns:a16="http://schemas.microsoft.com/office/drawing/2014/main" val="20001"/>
+                          <a16:colId xmlns:a16="http://schemas.microsoft.com/office/drawing/2014/main" xmlns="" val="20001"/>
                         </a:ext>
                       </a:extLst>
                     </a:gridCol>
                     <a:gridCol w="1185683">
                       <a:extLst>
                         <a:ext uri="{9D8B030D-6E8A-4147-A177-3AD203B41FA5}">
-                          <a16:colId xmlns:a16="http://schemas.microsoft.com/office/drawing/2014/main" val="20002"/>
+                          <a16:colId xmlns:a16="http://schemas.microsoft.com/office/drawing/2014/main" xmlns="" val="20002"/>
                         </a:ext>
                       </a:extLst>
                     </a:gridCol>
                     <a:gridCol w="1185683">
                       <a:extLst>
                         <a:ext uri="{9D8B030D-6E8A-4147-A177-3AD203B41FA5}">
-                          <a16:colId xmlns:a16="http://schemas.microsoft.com/office/drawing/2014/main" val="2032597962"/>
+                          <a16:colId xmlns:a16="http://schemas.microsoft.com/office/drawing/2014/main" xmlns="" val="2032597962"/>
                         </a:ext>
                       </a:extLst>
                     </a:gridCol>
@@ -21602,7 +21606,7 @@
                                 <m:sSubPr>
                                   <m:ctrlPr>
                                     <a:rPr lang="en-US" altLang="zh-CN" b="1" i="1" dirty="0" smtClean="0">
-                                      <a:latin typeface="Cambria Math" panose="02040503050406030204" pitchFamily="18" charset="0"/>
+                                      <a:latin typeface="Cambria Math" charset="0"/>
                                     </a:rPr>
                                   </m:ctrlPr>
                                 </m:sSubPr>
@@ -21654,7 +21658,7 @@
                                 <m:sSubPr>
                                   <m:ctrlPr>
                                     <a:rPr lang="en-US" altLang="zh-CN" b="1" i="1" dirty="0" smtClean="0">
-                                      <a:latin typeface="Cambria Math" panose="02040503050406030204" pitchFamily="18" charset="0"/>
+                                      <a:latin typeface="Cambria Math" charset="0"/>
                                     </a:rPr>
                                   </m:ctrlPr>
                                 </m:sSubPr>
@@ -21706,7 +21710,7 @@
                                 <m:sSubPr>
                                   <m:ctrlPr>
                                     <a:rPr lang="en-US" altLang="zh-CN" b="1" i="1" dirty="0" smtClean="0">
-                                      <a:latin typeface="Cambria Math" panose="02040503050406030204" pitchFamily="18" charset="0"/>
+                                      <a:latin typeface="Cambria Math" charset="0"/>
                                     </a:rPr>
                                   </m:ctrlPr>
                                 </m:sSubPr>
@@ -21773,7 +21777,7 @@
                     </a:tc>
                     <a:extLst>
                       <a:ext uri="{0D108BD9-81ED-4DB2-BD59-A6C34878D82A}">
-                        <a16:rowId xmlns:a16="http://schemas.microsoft.com/office/drawing/2014/main" val="246005499"/>
+                        <a16:rowId xmlns:a16="http://schemas.microsoft.com/office/drawing/2014/main" xmlns="" val="246005499"/>
                       </a:ext>
                     </a:extLst>
                   </a:tr>
@@ -21840,7 +21844,7 @@
                     </a:tc>
                     <a:extLst>
                       <a:ext uri="{0D108BD9-81ED-4DB2-BD59-A6C34878D82A}">
-                        <a16:rowId xmlns:a16="http://schemas.microsoft.com/office/drawing/2014/main" val="1967244540"/>
+                        <a16:rowId xmlns:a16="http://schemas.microsoft.com/office/drawing/2014/main" xmlns="" val="1967244540"/>
                       </a:ext>
                     </a:extLst>
                   </a:tr>
@@ -21907,7 +21911,7 @@
                     </a:tc>
                     <a:extLst>
                       <a:ext uri="{0D108BD9-81ED-4DB2-BD59-A6C34878D82A}">
-                        <a16:rowId xmlns:a16="http://schemas.microsoft.com/office/drawing/2014/main" val="1823030155"/>
+                        <a16:rowId xmlns:a16="http://schemas.microsoft.com/office/drawing/2014/main" xmlns="" val="1823030155"/>
                       </a:ext>
                     </a:extLst>
                   </a:tr>
@@ -21974,7 +21978,7 @@
                     </a:tc>
                     <a:extLst>
                       <a:ext uri="{0D108BD9-81ED-4DB2-BD59-A6C34878D82A}">
-                        <a16:rowId xmlns:a16="http://schemas.microsoft.com/office/drawing/2014/main" val="1815547532"/>
+                        <a16:rowId xmlns:a16="http://schemas.microsoft.com/office/drawing/2014/main" xmlns="" val="1815547532"/>
                       </a:ext>
                     </a:extLst>
                   </a:tr>
@@ -22073,7 +22077,7 @@
                     </a:tc>
                     <a:extLst>
                       <a:ext uri="{0D108BD9-81ED-4DB2-BD59-A6C34878D82A}">
-                        <a16:rowId xmlns:a16="http://schemas.microsoft.com/office/drawing/2014/main" val="168178639"/>
+                        <a16:rowId xmlns:a16="http://schemas.microsoft.com/office/drawing/2014/main" xmlns="" val="168178639"/>
                       </a:ext>
                     </a:extLst>
                   </a:tr>
@@ -22082,7 +22086,7 @@
             </a:graphic>
           </p:graphicFrame>
         </mc:Choice>
-        <mc:Fallback>
+        <mc:Fallback xmlns="">
           <p:graphicFrame>
             <p:nvGraphicFramePr>
               <p:cNvPr id="8" name="内容占位符 6">
@@ -22524,8 +22528,8 @@
           </p:graphicFrame>
         </mc:Fallback>
       </mc:AlternateContent>
-      <mc:AlternateContent xmlns:mc="http://schemas.openxmlformats.org/markup-compatibility/2006">
-        <mc:Choice xmlns:a14="http://schemas.microsoft.com/office/drawing/2010/main" Requires="a14">
+      <mc:AlternateContent xmlns:mc="http://schemas.openxmlformats.org/markup-compatibility/2006" xmlns:a14="http://schemas.microsoft.com/office/drawing/2010/main">
+        <mc:Choice Requires="a14">
           <p:sp>
             <p:nvSpPr>
               <p:cNvPr id="9" name="文本框 8"/>
@@ -22573,7 +22577,7 @@
                           <m:endChr m:val="]"/>
                           <m:ctrlPr>
                             <a:rPr kumimoji="1" lang="en-US" altLang="zh-CN" b="0" i="1" smtClean="0">
-                              <a:latin typeface="Cambria Math" panose="02040503050406030204" pitchFamily="18" charset="0"/>
+                              <a:latin typeface="Cambria Math" charset="0"/>
                             </a:rPr>
                           </m:ctrlPr>
                         </m:dPr>
@@ -22584,7 +22588,7 @@
                               <m:endChr m:val=""/>
                               <m:ctrlPr>
                                 <a:rPr kumimoji="1" lang="en-US" altLang="zh-CN" b="0" i="1" smtClean="0">
-                                  <a:latin typeface="Cambria Math" panose="02040503050406030204" pitchFamily="18" charset="0"/>
+                                  <a:latin typeface="Cambria Math" charset="0"/>
                                 </a:rPr>
                               </m:ctrlPr>
                             </m:dPr>
@@ -22601,7 +22605,7 @@
                                   </m:mcs>
                                   <m:ctrlPr>
                                     <a:rPr kumimoji="1" lang="en-US" altLang="zh-CN" b="0" i="1" smtClean="0">
-                                      <a:latin typeface="Cambria Math" panose="02040503050406030204" pitchFamily="18" charset="0"/>
+                                      <a:latin typeface="Cambria Math" charset="0"/>
                                     </a:rPr>
                                   </m:ctrlPr>
                                 </m:mPr>
@@ -22779,7 +22783,7 @@
                           <m:endChr m:val="]"/>
                           <m:ctrlPr>
                             <a:rPr kumimoji="1" lang="en-US" altLang="zh-CN" b="0" i="1" smtClean="0">
-                              <a:latin typeface="Cambria Math" panose="02040503050406030204" pitchFamily="18" charset="0"/>
+                              <a:latin typeface="Cambria Math" charset="0"/>
                             </a:rPr>
                           </m:ctrlPr>
                         </m:dPr>
@@ -22790,7 +22794,7 @@
                               <m:endChr m:val=""/>
                               <m:ctrlPr>
                                 <a:rPr kumimoji="1" lang="en-US" altLang="zh-CN" b="0" i="1" smtClean="0">
-                                  <a:latin typeface="Cambria Math" panose="02040503050406030204" pitchFamily="18" charset="0"/>
+                                  <a:latin typeface="Cambria Math" charset="0"/>
                                 </a:rPr>
                               </m:ctrlPr>
                             </m:dPr>
@@ -22807,7 +22811,7 @@
                                   </m:mcs>
                                   <m:ctrlPr>
                                     <a:rPr kumimoji="1" lang="mr-IN" altLang="zh-CN" b="0" i="1" smtClean="0">
-                                      <a:latin typeface="Cambria Math" panose="02040503050406030204" pitchFamily="18" charset="0"/>
+                                      <a:latin typeface="Cambria Math" charset="0"/>
                                     </a:rPr>
                                   </m:ctrlPr>
                                 </m:mPr>
@@ -22864,7 +22868,7 @@
             </p:txBody>
           </p:sp>
         </mc:Choice>
-        <mc:Fallback>
+        <mc:Fallback xmlns="">
           <p:sp>
             <p:nvSpPr>
               <p:cNvPr id="9" name="文本框 8"/>
@@ -22946,14 +22950,14 @@
           </a:p>
         </p:txBody>
       </p:sp>
-      <mc:AlternateContent xmlns:mc="http://schemas.openxmlformats.org/markup-compatibility/2006">
-        <mc:Choice xmlns:a14="http://schemas.microsoft.com/office/drawing/2010/main" Requires="a14">
+      <mc:AlternateContent xmlns:mc="http://schemas.openxmlformats.org/markup-compatibility/2006" xmlns:a14="http://schemas.microsoft.com/office/drawing/2010/main">
+        <mc:Choice Requires="a14">
           <p:sp>
             <p:nvSpPr>
               <p:cNvPr id="10" name="文本框 9">
                 <a:extLst>
                   <a:ext uri="{FF2B5EF4-FFF2-40B4-BE49-F238E27FC236}">
-                    <a16:creationId xmlns:a16="http://schemas.microsoft.com/office/drawing/2014/main" id="{031AAC50-8456-46EE-9E8B-4EA08C80E6F1}"/>
+                    <a16:creationId xmlns:a16="http://schemas.microsoft.com/office/drawing/2014/main" xmlns="" id="{031AAC50-8456-46EE-9E8B-4EA08C80E6F1}"/>
                   </a:ext>
                 </a:extLst>
               </p:cNvPr>
@@ -22998,7 +23002,7 @@
                       <m:dPr>
                         <m:ctrlPr>
                           <a:rPr lang="en-US" altLang="zh-CN" b="0" i="1" smtClean="0">
-                            <a:latin typeface="Cambria Math" panose="02040503050406030204" pitchFamily="18" charset="0"/>
+                            <a:latin typeface="Cambria Math" charset="0"/>
                           </a:rPr>
                         </m:ctrlPr>
                       </m:dPr>
@@ -23015,7 +23019,7 @@
                             </m:mcs>
                             <m:ctrlPr>
                               <a:rPr lang="en-US" altLang="zh-CN" b="0" i="1" smtClean="0">
-                                <a:latin typeface="Cambria Math" panose="02040503050406030204" pitchFamily="18" charset="0"/>
+                                <a:latin typeface="Cambria Math" charset="0"/>
                               </a:rPr>
                             </m:ctrlPr>
                           </m:mPr>
@@ -23035,7 +23039,7 @@
                                 <m:sSubPr>
                                   <m:ctrlPr>
                                     <a:rPr lang="en-US" altLang="zh-CN" b="0" i="1" smtClean="0">
-                                      <a:latin typeface="Cambria Math" panose="02040503050406030204" pitchFamily="18" charset="0"/>
+                                      <a:latin typeface="Cambria Math" charset="0"/>
                                     </a:rPr>
                                   </m:ctrlPr>
                                 </m:sSubPr>
@@ -23064,7 +23068,7 @@
                                 <m:sSubPr>
                                   <m:ctrlPr>
                                     <a:rPr lang="en-US" altLang="zh-CN" b="0" i="1" smtClean="0">
-                                      <a:latin typeface="Cambria Math" panose="02040503050406030204" pitchFamily="18" charset="0"/>
+                                      <a:latin typeface="Cambria Math" charset="0"/>
                                     </a:rPr>
                                   </m:ctrlPr>
                                 </m:sSubPr>
@@ -23103,7 +23107,7 @@
                                 <m:sSubPr>
                                   <m:ctrlPr>
                                     <a:rPr lang="en-US" altLang="zh-CN" b="0" i="1" smtClean="0">
-                                      <a:latin typeface="Cambria Math" panose="02040503050406030204" pitchFamily="18" charset="0"/>
+                                      <a:latin typeface="Cambria Math" charset="0"/>
                                     </a:rPr>
                                   </m:ctrlPr>
                                 </m:sSubPr>
@@ -23145,7 +23149,7 @@
                       <m:sSupPr>
                         <m:ctrlPr>
                           <a:rPr lang="en-US" altLang="zh-CN" b="0" i="1" smtClean="0">
-                            <a:latin typeface="Cambria Math" panose="02040503050406030204" pitchFamily="18" charset="0"/>
+                            <a:latin typeface="Cambria Math" charset="0"/>
                           </a:rPr>
                         </m:ctrlPr>
                       </m:sSupPr>
@@ -23176,7 +23180,7 @@
                       <m:sSupPr>
                         <m:ctrlPr>
                           <a:rPr lang="en-US" altLang="zh-CN" b="0" i="1" smtClean="0">
-                            <a:latin typeface="Cambria Math" panose="02040503050406030204" pitchFamily="18" charset="0"/>
+                            <a:latin typeface="Cambria Math" charset="0"/>
                           </a:rPr>
                         </m:ctrlPr>
                       </m:sSupPr>
@@ -23185,7 +23189,7 @@
                           <m:dPr>
                             <m:ctrlPr>
                               <a:rPr lang="en-US" altLang="zh-CN" b="0" i="1" smtClean="0">
-                                <a:latin typeface="Cambria Math" panose="02040503050406030204" pitchFamily="18" charset="0"/>
+                                <a:latin typeface="Cambria Math" charset="0"/>
                               </a:rPr>
                             </m:ctrlPr>
                           </m:dPr>
@@ -23194,7 +23198,7 @@
                               <m:sSupPr>
                                 <m:ctrlPr>
                                   <a:rPr lang="en-US" altLang="zh-CN" b="0" i="1" smtClean="0">
-                                    <a:latin typeface="Cambria Math" panose="02040503050406030204" pitchFamily="18" charset="0"/>
+                                    <a:latin typeface="Cambria Math" charset="0"/>
                                   </a:rPr>
                                 </m:ctrlPr>
                               </m:sSupPr>
@@ -23237,7 +23241,7 @@
                       <m:sSupPr>
                         <m:ctrlPr>
                           <a:rPr lang="en-US" altLang="zh-CN" b="0" i="1" smtClean="0">
-                            <a:latin typeface="Cambria Math" panose="02040503050406030204" pitchFamily="18" charset="0"/>
+                            <a:latin typeface="Cambria Math" charset="0"/>
                           </a:rPr>
                         </m:ctrlPr>
                       </m:sSupPr>
@@ -23275,7 +23279,7 @@
             </p:txBody>
           </p:sp>
         </mc:Choice>
-        <mc:Fallback>
+        <mc:Fallback xmlns="">
           <p:sp>
             <p:nvSpPr>
               <p:cNvPr id="10" name="文本框 9">
@@ -23355,7 +23359,7 @@
           <p:cNvPr id="2" name="标题 1">
             <a:extLst>
               <a:ext uri="{FF2B5EF4-FFF2-40B4-BE49-F238E27FC236}">
-                <a16:creationId xmlns:a16="http://schemas.microsoft.com/office/drawing/2014/main" id="{B966BEC1-8E01-4033-9E8D-E80CDC45987C}"/>
+                <a16:creationId xmlns:a16="http://schemas.microsoft.com/office/drawing/2014/main" xmlns="" id="{B966BEC1-8E01-4033-9E8D-E80CDC45987C}"/>
               </a:ext>
             </a:extLst>
           </p:cNvPr>
@@ -23383,7 +23387,7 @@
           <p:cNvPr id="3" name="内容占位符 2">
             <a:extLst>
               <a:ext uri="{FF2B5EF4-FFF2-40B4-BE49-F238E27FC236}">
-                <a16:creationId xmlns:a16="http://schemas.microsoft.com/office/drawing/2014/main" id="{235A2F31-B29B-4AD3-8BEB-CC1A791AFB6A}"/>
+                <a16:creationId xmlns:a16="http://schemas.microsoft.com/office/drawing/2014/main" xmlns="" id="{235A2F31-B29B-4AD3-8BEB-CC1A791AFB6A}"/>
               </a:ext>
             </a:extLst>
           </p:cNvPr>
@@ -23408,7 +23412,7 @@
           <p:cNvPr id="4" name="日期占位符 3">
             <a:extLst>
               <a:ext uri="{FF2B5EF4-FFF2-40B4-BE49-F238E27FC236}">
-                <a16:creationId xmlns:a16="http://schemas.microsoft.com/office/drawing/2014/main" id="{B0221C10-1A7A-4DA3-B090-F84BC1BFFFE0}"/>
+                <a16:creationId xmlns:a16="http://schemas.microsoft.com/office/drawing/2014/main" xmlns="" id="{B0221C10-1A7A-4DA3-B090-F84BC1BFFFE0}"/>
               </a:ext>
             </a:extLst>
           </p:cNvPr>
@@ -23429,7 +23433,7 @@
             </a:pPr>
             <a:fld id="{95A2A19B-170D-1043-AE33-7A36DFB7BCDC}" type="datetime2">
               <a:rPr lang="zh-CN" altLang="en-US" smtClean="0"/>
-              <a:t>2018年7月6日</a:t>
+              <a:t>2018年7月7日</a:t>
             </a:fld>
             <a:endParaRPr lang="en-US" altLang="zh-CN"/>
           </a:p>
@@ -23440,7 +23444,7 @@
           <p:cNvPr id="5" name="页脚占位符 4">
             <a:extLst>
               <a:ext uri="{FF2B5EF4-FFF2-40B4-BE49-F238E27FC236}">
-                <a16:creationId xmlns:a16="http://schemas.microsoft.com/office/drawing/2014/main" id="{2573D4B4-E892-44B3-A996-95CC5C962DDC}"/>
+                <a16:creationId xmlns:a16="http://schemas.microsoft.com/office/drawing/2014/main" xmlns="" id="{2573D4B4-E892-44B3-A996-95CC5C962DDC}"/>
               </a:ext>
             </a:extLst>
           </p:cNvPr>
@@ -23472,7 +23476,7 @@
           <p:cNvPr id="6" name="灯片编号占位符 5">
             <a:extLst>
               <a:ext uri="{FF2B5EF4-FFF2-40B4-BE49-F238E27FC236}">
-                <a16:creationId xmlns:a16="http://schemas.microsoft.com/office/drawing/2014/main" id="{CD7E5279-6EB8-4DAF-BEEF-B9DAAC2BC40B}"/>
+                <a16:creationId xmlns:a16="http://schemas.microsoft.com/office/drawing/2014/main" xmlns="" id="{CD7E5279-6EB8-4DAF-BEEF-B9DAAC2BC40B}"/>
               </a:ext>
             </a:extLst>
           </p:cNvPr>
@@ -23507,7 +23511,7 @@
           <p:cNvPr id="6146" name="Picture 2" descr="http://photocdn.sohu.com/20160119/mp55295281_1453182841488_2.jpeg">
             <a:extLst>
               <a:ext uri="{FF2B5EF4-FFF2-40B4-BE49-F238E27FC236}">
-                <a16:creationId xmlns:a16="http://schemas.microsoft.com/office/drawing/2014/main" id="{116E99F8-60AE-47AB-8FA5-7919F5F410F5}"/>
+                <a16:creationId xmlns:a16="http://schemas.microsoft.com/office/drawing/2014/main" xmlns="" id="{116E99F8-60AE-47AB-8FA5-7919F5F410F5}"/>
               </a:ext>
             </a:extLst>
           </p:cNvPr>
@@ -23584,7 +23588,7 @@
           <p:cNvPr id="2" name="标题 1">
             <a:extLst>
               <a:ext uri="{FF2B5EF4-FFF2-40B4-BE49-F238E27FC236}">
-                <a16:creationId xmlns:a16="http://schemas.microsoft.com/office/drawing/2014/main" id="{C761FBAE-E92E-4481-AF01-812B86CD582C}"/>
+                <a16:creationId xmlns:a16="http://schemas.microsoft.com/office/drawing/2014/main" xmlns="" id="{C761FBAE-E92E-4481-AF01-812B86CD582C}"/>
               </a:ext>
             </a:extLst>
           </p:cNvPr>
@@ -23612,7 +23616,7 @@
           <p:cNvPr id="3" name="内容占位符 2">
             <a:extLst>
               <a:ext uri="{FF2B5EF4-FFF2-40B4-BE49-F238E27FC236}">
-                <a16:creationId xmlns:a16="http://schemas.microsoft.com/office/drawing/2014/main" id="{167976FB-6BBE-4CBB-BCD6-DA29C635608B}"/>
+                <a16:creationId xmlns:a16="http://schemas.microsoft.com/office/drawing/2014/main" xmlns="" id="{167976FB-6BBE-4CBB-BCD6-DA29C635608B}"/>
               </a:ext>
             </a:extLst>
           </p:cNvPr>
@@ -23686,7 +23690,7 @@
           <p:cNvPr id="4" name="日期占位符 3">
             <a:extLst>
               <a:ext uri="{FF2B5EF4-FFF2-40B4-BE49-F238E27FC236}">
-                <a16:creationId xmlns:a16="http://schemas.microsoft.com/office/drawing/2014/main" id="{AC9E40C3-28D3-48EF-84FB-D4EEB39FA2AA}"/>
+                <a16:creationId xmlns:a16="http://schemas.microsoft.com/office/drawing/2014/main" xmlns="" id="{AC9E40C3-28D3-48EF-84FB-D4EEB39FA2AA}"/>
               </a:ext>
             </a:extLst>
           </p:cNvPr>
@@ -23707,7 +23711,7 @@
             </a:pPr>
             <a:fld id="{95A2A19B-170D-1043-AE33-7A36DFB7BCDC}" type="datetime2">
               <a:rPr lang="zh-CN" altLang="en-US" smtClean="0"/>
-              <a:t>2018年7月6日</a:t>
+              <a:t>2018年7月7日</a:t>
             </a:fld>
             <a:endParaRPr lang="en-US" altLang="zh-CN"/>
           </a:p>
@@ -23718,7 +23722,7 @@
           <p:cNvPr id="5" name="页脚占位符 4">
             <a:extLst>
               <a:ext uri="{FF2B5EF4-FFF2-40B4-BE49-F238E27FC236}">
-                <a16:creationId xmlns:a16="http://schemas.microsoft.com/office/drawing/2014/main" id="{39460080-96B0-40B0-BE64-3BCE9BD248D2}"/>
+                <a16:creationId xmlns:a16="http://schemas.microsoft.com/office/drawing/2014/main" xmlns="" id="{39460080-96B0-40B0-BE64-3BCE9BD248D2}"/>
               </a:ext>
             </a:extLst>
           </p:cNvPr>
@@ -23750,7 +23754,7 @@
           <p:cNvPr id="6" name="灯片编号占位符 5">
             <a:extLst>
               <a:ext uri="{FF2B5EF4-FFF2-40B4-BE49-F238E27FC236}">
-                <a16:creationId xmlns:a16="http://schemas.microsoft.com/office/drawing/2014/main" id="{8BB15B7A-FC3B-4A75-85E6-2ED9971B4D96}"/>
+                <a16:creationId xmlns:a16="http://schemas.microsoft.com/office/drawing/2014/main" xmlns="" id="{8BB15B7A-FC3B-4A75-85E6-2ED9971B4D96}"/>
               </a:ext>
             </a:extLst>
           </p:cNvPr>
@@ -23815,7 +23819,7 @@
           <p:cNvPr id="2" name="标题 1">
             <a:extLst>
               <a:ext uri="{FF2B5EF4-FFF2-40B4-BE49-F238E27FC236}">
-                <a16:creationId xmlns:a16="http://schemas.microsoft.com/office/drawing/2014/main" id="{FADBC06B-92AF-4E39-8855-CB21008CC921}"/>
+                <a16:creationId xmlns:a16="http://schemas.microsoft.com/office/drawing/2014/main" xmlns="" id="{FADBC06B-92AF-4E39-8855-CB21008CC921}"/>
               </a:ext>
             </a:extLst>
           </p:cNvPr>
@@ -23843,7 +23847,7 @@
           <p:cNvPr id="3" name="内容占位符 2">
             <a:extLst>
               <a:ext uri="{FF2B5EF4-FFF2-40B4-BE49-F238E27FC236}">
-                <a16:creationId xmlns:a16="http://schemas.microsoft.com/office/drawing/2014/main" id="{8F92A80A-52CF-4943-9661-439610A98B3B}"/>
+                <a16:creationId xmlns:a16="http://schemas.microsoft.com/office/drawing/2014/main" xmlns="" id="{8F92A80A-52CF-4943-9661-439610A98B3B}"/>
               </a:ext>
             </a:extLst>
           </p:cNvPr>
@@ -23892,19 +23896,7 @@
           <a:p>
             <a:pPr lvl="1"/>
             <a:r>
-              <a:rPr lang="en-US" altLang="zh-CN" dirty="0"/>
-              <a:t>Feature scaling</a:t>
-            </a:r>
-            <a:r>
-              <a:rPr lang="zh-CN" altLang="en-US" dirty="0"/>
-              <a:t>：将多个特征的数据范围调整到相近的范围</a:t>
-            </a:r>
-            <a:endParaRPr lang="en-US" altLang="zh-CN" dirty="0"/>
-          </a:p>
-          <a:p>
-            <a:pPr lvl="1"/>
-            <a:r>
-              <a:rPr lang="en-US" altLang="zh-CN"/>
+              <a:rPr lang="en-US" altLang="zh-CN" dirty="0" smtClean="0"/>
               <a:t>……</a:t>
             </a:r>
             <a:endParaRPr lang="en-US" altLang="zh-CN" dirty="0"/>
@@ -23937,7 +23929,7 @@
           <p:cNvPr id="4" name="日期占位符 3">
             <a:extLst>
               <a:ext uri="{FF2B5EF4-FFF2-40B4-BE49-F238E27FC236}">
-                <a16:creationId xmlns:a16="http://schemas.microsoft.com/office/drawing/2014/main" id="{647C9ED1-12E8-4FB8-B644-F6B5E2D9D082}"/>
+                <a16:creationId xmlns:a16="http://schemas.microsoft.com/office/drawing/2014/main" xmlns="" id="{647C9ED1-12E8-4FB8-B644-F6B5E2D9D082}"/>
               </a:ext>
             </a:extLst>
           </p:cNvPr>
@@ -23958,7 +23950,7 @@
             </a:pPr>
             <a:fld id="{95A2A19B-170D-1043-AE33-7A36DFB7BCDC}" type="datetime2">
               <a:rPr lang="zh-CN" altLang="en-US" smtClean="0"/>
-              <a:t>2018年7月6日</a:t>
+              <a:t>2018年7月7日</a:t>
             </a:fld>
             <a:endParaRPr lang="en-US" altLang="zh-CN"/>
           </a:p>
@@ -23969,7 +23961,7 @@
           <p:cNvPr id="5" name="页脚占位符 4">
             <a:extLst>
               <a:ext uri="{FF2B5EF4-FFF2-40B4-BE49-F238E27FC236}">
-                <a16:creationId xmlns:a16="http://schemas.microsoft.com/office/drawing/2014/main" id="{A3E2E536-FC9F-4A06-BADA-62DC6F657017}"/>
+                <a16:creationId xmlns:a16="http://schemas.microsoft.com/office/drawing/2014/main" xmlns="" id="{A3E2E536-FC9F-4A06-BADA-62DC6F657017}"/>
               </a:ext>
             </a:extLst>
           </p:cNvPr>
@@ -24001,7 +23993,7 @@
           <p:cNvPr id="6" name="灯片编号占位符 5">
             <a:extLst>
               <a:ext uri="{FF2B5EF4-FFF2-40B4-BE49-F238E27FC236}">
-                <a16:creationId xmlns:a16="http://schemas.microsoft.com/office/drawing/2014/main" id="{78E4560A-008F-40D2-86AC-411BC431E333}"/>
+                <a16:creationId xmlns:a16="http://schemas.microsoft.com/office/drawing/2014/main" xmlns="" id="{78E4560A-008F-40D2-86AC-411BC431E333}"/>
               </a:ext>
             </a:extLst>
           </p:cNvPr>
@@ -24035,6 +24027,2035 @@
     <p:extLst>
       <p:ext uri="{BB962C8B-B14F-4D97-AF65-F5344CB8AC3E}">
         <p14:creationId xmlns:p14="http://schemas.microsoft.com/office/powerpoint/2010/main" val="4099796279"/>
+      </p:ext>
+    </p:extLst>
+  </p:cSld>
+  <p:clrMapOvr>
+    <a:masterClrMapping/>
+  </p:clrMapOvr>
+</p:sld>
+</file>
+
+<file path=ppt/slides/slide32.xml><?xml version="1.0" encoding="utf-8"?>
+<p:sld xmlns:a="http://schemas.openxmlformats.org/drawingml/2006/main" xmlns:r="http://schemas.openxmlformats.org/officeDocument/2006/relationships" xmlns:p="http://schemas.openxmlformats.org/presentationml/2006/main">
+  <p:cSld>
+    <p:spTree>
+      <p:nvGrpSpPr>
+        <p:cNvPr id="1" name=""/>
+        <p:cNvGrpSpPr/>
+        <p:nvPr/>
+      </p:nvGrpSpPr>
+      <p:grpSpPr>
+        <a:xfrm>
+          <a:off x="0" y="0"/>
+          <a:ext cx="0" cy="0"/>
+          <a:chOff x="0" y="0"/>
+          <a:chExt cx="0" cy="0"/>
+        </a:xfrm>
+      </p:grpSpPr>
+      <p:sp>
+        <p:nvSpPr>
+          <p:cNvPr id="2" name="标题 1"/>
+          <p:cNvSpPr>
+            <a:spLocks noGrp="1"/>
+          </p:cNvSpPr>
+          <p:nvPr>
+            <p:ph type="title"/>
+          </p:nvPr>
+        </p:nvSpPr>
+        <p:spPr/>
+        <p:txBody>
+          <a:bodyPr/>
+          <a:lstStyle/>
+          <a:p>
+            <a:r>
+              <a:rPr kumimoji="1" lang="zh-CN" altLang="en-US" dirty="0" smtClean="0"/>
+              <a:t>数据预处理：</a:t>
+            </a:r>
+            <a:r>
+              <a:rPr kumimoji="1" lang="en-US" altLang="zh-CN" dirty="0" smtClean="0"/>
+              <a:t>One-hot</a:t>
+            </a:r>
+            <a:r>
+              <a:rPr kumimoji="1" lang="zh-CN" altLang="en-US" dirty="0" smtClean="0"/>
+              <a:t> </a:t>
+            </a:r>
+            <a:r>
+              <a:rPr kumimoji="1" lang="en-US" altLang="zh-CN" dirty="0" smtClean="0"/>
+              <a:t>Encoding</a:t>
+            </a:r>
+            <a:endParaRPr kumimoji="1" lang="zh-CN" altLang="en-US" dirty="0"/>
+          </a:p>
+        </p:txBody>
+      </p:sp>
+      <p:sp>
+        <p:nvSpPr>
+          <p:cNvPr id="3" name="内容占位符 2"/>
+          <p:cNvSpPr>
+            <a:spLocks noGrp="1"/>
+          </p:cNvSpPr>
+          <p:nvPr>
+            <p:ph idx="1"/>
+          </p:nvPr>
+        </p:nvSpPr>
+        <p:spPr/>
+        <p:txBody>
+          <a:bodyPr/>
+          <a:lstStyle/>
+          <a:p>
+            <a:r>
+              <a:rPr kumimoji="1" lang="zh-CN" altLang="en-US" dirty="0" smtClean="0"/>
+              <a:t>如果某个特征是类别型数据，如何将其映射为数值型数据：</a:t>
+            </a:r>
+            <a:endParaRPr kumimoji="1" lang="en-US" altLang="zh-CN" dirty="0" smtClean="0"/>
+          </a:p>
+          <a:p>
+            <a:pPr lvl="1"/>
+            <a:r>
+              <a:rPr kumimoji="1" lang="zh-CN" altLang="en-US" dirty="0" smtClean="0"/>
+              <a:t>例如：某列特征为“操作系统”，取值包括：</a:t>
+            </a:r>
+            <a:r>
+              <a:rPr kumimoji="1" lang="en-US" altLang="zh-CN" dirty="0" smtClean="0"/>
+              <a:t>Win,</a:t>
+            </a:r>
+            <a:r>
+              <a:rPr kumimoji="1" lang="zh-CN" altLang="en-US" dirty="0" smtClean="0"/>
+              <a:t> </a:t>
+            </a:r>
+            <a:r>
+              <a:rPr kumimoji="1" lang="en-US" altLang="zh-CN" dirty="0" smtClean="0"/>
+              <a:t>Linux,</a:t>
+            </a:r>
+            <a:r>
+              <a:rPr kumimoji="1" lang="zh-CN" altLang="en-US" dirty="0" smtClean="0"/>
+              <a:t> </a:t>
+            </a:r>
+            <a:r>
+              <a:rPr kumimoji="1" lang="en-US" altLang="zh-CN" dirty="0" smtClean="0"/>
+              <a:t>OSX.</a:t>
+            </a:r>
+          </a:p>
+          <a:p>
+            <a:r>
+              <a:rPr kumimoji="1" lang="en-US" altLang="zh-CN" dirty="0" smtClean="0"/>
+              <a:t>One-hot</a:t>
+            </a:r>
+            <a:r>
+              <a:rPr kumimoji="1" lang="zh-CN" altLang="en-US" dirty="0" smtClean="0"/>
+              <a:t> </a:t>
+            </a:r>
+            <a:r>
+              <a:rPr kumimoji="1" lang="en-US" altLang="zh-CN" dirty="0" smtClean="0"/>
+              <a:t>Encoding</a:t>
+            </a:r>
+            <a:r>
+              <a:rPr kumimoji="1" lang="zh-CN" altLang="en-US" dirty="0" smtClean="0"/>
+              <a:t>（独热编码）：</a:t>
+            </a:r>
+            <a:endParaRPr kumimoji="1" lang="en-US" altLang="zh-CN" dirty="0" smtClean="0"/>
+          </a:p>
+          <a:p>
+            <a:pPr lvl="1"/>
+            <a:r>
+              <a:rPr kumimoji="1" lang="zh-CN" altLang="en-US" dirty="0" smtClean="0"/>
+              <a:t>将每个特征变为一个长度为</a:t>
+            </a:r>
+            <a:r>
+              <a:rPr kumimoji="1" lang="en-US" altLang="zh-CN" dirty="0" smtClean="0"/>
+              <a:t>N</a:t>
+            </a:r>
+            <a:r>
+              <a:rPr kumimoji="1" lang="zh-CN" altLang="en-US" dirty="0" smtClean="0"/>
+              <a:t>的向量，向量中只有一位为</a:t>
+            </a:r>
+            <a:r>
+              <a:rPr kumimoji="1" lang="en-US" altLang="zh-CN" dirty="0" smtClean="0"/>
+              <a:t>1.</a:t>
+            </a:r>
+          </a:p>
+          <a:p>
+            <a:pPr lvl="1"/>
+            <a:r>
+              <a:rPr kumimoji="1" lang="zh-CN" altLang="en-US" dirty="0" smtClean="0"/>
+              <a:t>例如：</a:t>
+            </a:r>
+            <a:endParaRPr kumimoji="1" lang="zh-CN" altLang="en-US" dirty="0"/>
+          </a:p>
+        </p:txBody>
+      </p:sp>
+      <p:sp>
+        <p:nvSpPr>
+          <p:cNvPr id="4" name="日期占位符 3"/>
+          <p:cNvSpPr>
+            <a:spLocks noGrp="1"/>
+          </p:cNvSpPr>
+          <p:nvPr>
+            <p:ph type="dt" sz="half" idx="10"/>
+          </p:nvPr>
+        </p:nvSpPr>
+        <p:spPr/>
+        <p:txBody>
+          <a:bodyPr/>
+          <a:lstStyle/>
+          <a:p>
+            <a:pPr>
+              <a:defRPr/>
+            </a:pPr>
+            <a:fld id="{95A2A19B-170D-1043-AE33-7A36DFB7BCDC}" type="datetime2">
+              <a:rPr lang="zh-CN" altLang="en-US" smtClean="0"/>
+              <a:t>2018年7月7日</a:t>
+            </a:fld>
+            <a:endParaRPr lang="en-US" altLang="zh-CN"/>
+          </a:p>
+        </p:txBody>
+      </p:sp>
+      <p:sp>
+        <p:nvSpPr>
+          <p:cNvPr id="5" name="页脚占位符 4"/>
+          <p:cNvSpPr>
+            <a:spLocks noGrp="1"/>
+          </p:cNvSpPr>
+          <p:nvPr>
+            <p:ph type="ftr" sz="quarter" idx="11"/>
+          </p:nvPr>
+        </p:nvSpPr>
+        <p:spPr/>
+        <p:txBody>
+          <a:bodyPr/>
+          <a:lstStyle/>
+          <a:p>
+            <a:pPr>
+              <a:defRPr/>
+            </a:pPr>
+            <a:r>
+              <a:rPr lang="zh-CN" altLang="en-US" smtClean="0"/>
+              <a:t>机器学习入门</a:t>
+            </a:r>
+            <a:endParaRPr lang="en-US" altLang="zh-CN" dirty="0"/>
+          </a:p>
+        </p:txBody>
+      </p:sp>
+      <p:sp>
+        <p:nvSpPr>
+          <p:cNvPr id="6" name="幻灯片编号占位符 5"/>
+          <p:cNvSpPr>
+            <a:spLocks noGrp="1"/>
+          </p:cNvSpPr>
+          <p:nvPr>
+            <p:ph type="sldNum" sz="quarter" idx="12"/>
+          </p:nvPr>
+        </p:nvSpPr>
+        <p:spPr/>
+        <p:txBody>
+          <a:bodyPr/>
+          <a:lstStyle/>
+          <a:p>
+            <a:pPr>
+              <a:defRPr/>
+            </a:pPr>
+            <a:fld id="{64C9EB70-B654-4058-838F-8806615D92E5}" type="slidenum">
+              <a:rPr lang="en-US" altLang="zh-CN" smtClean="0"/>
+              <a:pPr>
+                <a:defRPr/>
+              </a:pPr>
+              <a:t>32</a:t>
+            </a:fld>
+            <a:endParaRPr lang="en-US" altLang="zh-CN"/>
+          </a:p>
+        </p:txBody>
+      </p:sp>
+      <p:graphicFrame>
+        <p:nvGraphicFramePr>
+          <p:cNvPr id="7" name="表格 6"/>
+          <p:cNvGraphicFramePr>
+            <a:graphicFrameLocks noGrp="1"/>
+          </p:cNvGraphicFramePr>
+          <p:nvPr>
+            <p:extLst>
+              <p:ext uri="{D42A27DB-BD31-4B8C-83A1-F6EECF244321}">
+                <p14:modId xmlns:p14="http://schemas.microsoft.com/office/powerpoint/2010/main" val="474577760"/>
+              </p:ext>
+            </p:extLst>
+          </p:nvPr>
+        </p:nvGraphicFramePr>
+        <p:xfrm>
+          <a:off x="1690357" y="2970496"/>
+          <a:ext cx="1002602" cy="1483360"/>
+        </p:xfrm>
+        <a:graphic>
+          <a:graphicData uri="http://schemas.openxmlformats.org/drawingml/2006/table">
+            <a:tbl>
+              <a:tblPr firstRow="1" bandRow="1">
+                <a:tableStyleId>{5C22544A-7EE6-4342-B048-85BDC9FD1C3A}</a:tableStyleId>
+              </a:tblPr>
+              <a:tblGrid>
+                <a:gridCol w="1002602"/>
+              </a:tblGrid>
+              <a:tr h="370840">
+                <a:tc>
+                  <a:txBody>
+                    <a:bodyPr/>
+                    <a:lstStyle/>
+                    <a:p>
+                      <a:r>
+                        <a:rPr lang="zh-CN" altLang="en-US" dirty="0" smtClean="0"/>
+                        <a:t>操作系统</a:t>
+                      </a:r>
+                      <a:endParaRPr lang="zh-CN" altLang="en-US" dirty="0"/>
+                    </a:p>
+                  </a:txBody>
+                  <a:tcPr/>
+                </a:tc>
+              </a:tr>
+              <a:tr h="370840">
+                <a:tc>
+                  <a:txBody>
+                    <a:bodyPr/>
+                    <a:lstStyle/>
+                    <a:p>
+                      <a:r>
+                        <a:rPr lang="en-US" altLang="zh-CN" dirty="0" smtClean="0"/>
+                        <a:t>Windows</a:t>
+                      </a:r>
+                      <a:endParaRPr lang="zh-CN" altLang="en-US" dirty="0"/>
+                    </a:p>
+                  </a:txBody>
+                  <a:tcPr/>
+                </a:tc>
+              </a:tr>
+              <a:tr h="370840">
+                <a:tc>
+                  <a:txBody>
+                    <a:bodyPr/>
+                    <a:lstStyle/>
+                    <a:p>
+                      <a:r>
+                        <a:rPr lang="en-US" altLang="zh-CN" dirty="0" smtClean="0"/>
+                        <a:t>Linux</a:t>
+                      </a:r>
+                      <a:endParaRPr lang="zh-CN" altLang="en-US" dirty="0"/>
+                    </a:p>
+                  </a:txBody>
+                  <a:tcPr/>
+                </a:tc>
+              </a:tr>
+              <a:tr h="370840">
+                <a:tc>
+                  <a:txBody>
+                    <a:bodyPr/>
+                    <a:lstStyle/>
+                    <a:p>
+                      <a:r>
+                        <a:rPr lang="en-US" altLang="zh-CN" dirty="0" smtClean="0"/>
+                        <a:t>OSX</a:t>
+                      </a:r>
+                      <a:endParaRPr lang="zh-CN" altLang="en-US" dirty="0"/>
+                    </a:p>
+                  </a:txBody>
+                  <a:tcPr/>
+                </a:tc>
+              </a:tr>
+            </a:tbl>
+          </a:graphicData>
+        </a:graphic>
+      </p:graphicFrame>
+      <p:graphicFrame>
+        <p:nvGraphicFramePr>
+          <p:cNvPr id="8" name="表格 7"/>
+          <p:cNvGraphicFramePr>
+            <a:graphicFrameLocks noGrp="1"/>
+          </p:cNvGraphicFramePr>
+          <p:nvPr>
+            <p:extLst>
+              <p:ext uri="{D42A27DB-BD31-4B8C-83A1-F6EECF244321}">
+                <p14:modId xmlns:p14="http://schemas.microsoft.com/office/powerpoint/2010/main" val="1331336707"/>
+              </p:ext>
+            </p:extLst>
+          </p:nvPr>
+        </p:nvGraphicFramePr>
+        <p:xfrm>
+          <a:off x="4501661" y="2970496"/>
+          <a:ext cx="2834751" cy="1483360"/>
+        </p:xfrm>
+        <a:graphic>
+          <a:graphicData uri="http://schemas.openxmlformats.org/drawingml/2006/table">
+            <a:tbl>
+              <a:tblPr firstRow="1" bandRow="1">
+                <a:tableStyleId>{5C22544A-7EE6-4342-B048-85BDC9FD1C3A}</a:tableStyleId>
+              </a:tblPr>
+              <a:tblGrid>
+                <a:gridCol w="944917"/>
+                <a:gridCol w="944917"/>
+                <a:gridCol w="944917"/>
+              </a:tblGrid>
+              <a:tr h="370840">
+                <a:tc>
+                  <a:txBody>
+                    <a:bodyPr/>
+                    <a:lstStyle/>
+                    <a:p>
+                      <a:r>
+                        <a:rPr lang="en-US" altLang="zh-CN" dirty="0" err="1" smtClean="0"/>
+                        <a:t>is_win</a:t>
+                      </a:r>
+                      <a:endParaRPr lang="zh-CN" altLang="en-US" dirty="0"/>
+                    </a:p>
+                  </a:txBody>
+                  <a:tcPr/>
+                </a:tc>
+                <a:tc>
+                  <a:txBody>
+                    <a:bodyPr/>
+                    <a:lstStyle/>
+                    <a:p>
+                      <a:r>
+                        <a:rPr lang="en-US" altLang="zh-CN" dirty="0" err="1" smtClean="0"/>
+                        <a:t>is_linux</a:t>
+                      </a:r>
+                      <a:endParaRPr lang="zh-CN" altLang="en-US" dirty="0"/>
+                    </a:p>
+                  </a:txBody>
+                  <a:tcPr/>
+                </a:tc>
+                <a:tc>
+                  <a:txBody>
+                    <a:bodyPr/>
+                    <a:lstStyle/>
+                    <a:p>
+                      <a:r>
+                        <a:rPr lang="en-US" altLang="zh-CN" dirty="0" err="1" smtClean="0"/>
+                        <a:t>is_osx</a:t>
+                      </a:r>
+                      <a:endParaRPr lang="zh-CN" altLang="en-US" dirty="0"/>
+                    </a:p>
+                  </a:txBody>
+                  <a:tcPr/>
+                </a:tc>
+              </a:tr>
+              <a:tr h="370840">
+                <a:tc>
+                  <a:txBody>
+                    <a:bodyPr/>
+                    <a:lstStyle/>
+                    <a:p>
+                      <a:r>
+                        <a:rPr lang="en-US" altLang="zh-CN" dirty="0" smtClean="0"/>
+                        <a:t>1</a:t>
+                      </a:r>
+                      <a:endParaRPr lang="zh-CN" altLang="en-US" dirty="0"/>
+                    </a:p>
+                  </a:txBody>
+                  <a:tcPr/>
+                </a:tc>
+                <a:tc>
+                  <a:txBody>
+                    <a:bodyPr/>
+                    <a:lstStyle/>
+                    <a:p>
+                      <a:r>
+                        <a:rPr lang="en-US" altLang="zh-CN" dirty="0" smtClean="0"/>
+                        <a:t>0</a:t>
+                      </a:r>
+                      <a:endParaRPr lang="zh-CN" altLang="en-US" dirty="0"/>
+                    </a:p>
+                  </a:txBody>
+                  <a:tcPr/>
+                </a:tc>
+                <a:tc>
+                  <a:txBody>
+                    <a:bodyPr/>
+                    <a:lstStyle/>
+                    <a:p>
+                      <a:r>
+                        <a:rPr lang="en-US" altLang="zh-CN" dirty="0" smtClean="0"/>
+                        <a:t>0</a:t>
+                      </a:r>
+                      <a:endParaRPr lang="zh-CN" altLang="en-US" dirty="0"/>
+                    </a:p>
+                  </a:txBody>
+                  <a:tcPr/>
+                </a:tc>
+              </a:tr>
+              <a:tr h="370840">
+                <a:tc>
+                  <a:txBody>
+                    <a:bodyPr/>
+                    <a:lstStyle/>
+                    <a:p>
+                      <a:r>
+                        <a:rPr lang="en-US" altLang="zh-CN" dirty="0" smtClean="0"/>
+                        <a:t>0</a:t>
+                      </a:r>
+                      <a:endParaRPr lang="zh-CN" altLang="en-US" dirty="0"/>
+                    </a:p>
+                  </a:txBody>
+                  <a:tcPr/>
+                </a:tc>
+                <a:tc>
+                  <a:txBody>
+                    <a:bodyPr/>
+                    <a:lstStyle/>
+                    <a:p>
+                      <a:r>
+                        <a:rPr lang="en-US" altLang="zh-CN" dirty="0" smtClean="0"/>
+                        <a:t>1</a:t>
+                      </a:r>
+                      <a:endParaRPr lang="zh-CN" altLang="en-US" dirty="0"/>
+                    </a:p>
+                  </a:txBody>
+                  <a:tcPr/>
+                </a:tc>
+                <a:tc>
+                  <a:txBody>
+                    <a:bodyPr/>
+                    <a:lstStyle/>
+                    <a:p>
+                      <a:r>
+                        <a:rPr lang="en-US" altLang="zh-CN" dirty="0" smtClean="0"/>
+                        <a:t>0</a:t>
+                      </a:r>
+                      <a:endParaRPr lang="zh-CN" altLang="en-US" dirty="0"/>
+                    </a:p>
+                  </a:txBody>
+                  <a:tcPr/>
+                </a:tc>
+              </a:tr>
+              <a:tr h="370840">
+                <a:tc>
+                  <a:txBody>
+                    <a:bodyPr/>
+                    <a:lstStyle/>
+                    <a:p>
+                      <a:r>
+                        <a:rPr lang="en-US" altLang="zh-CN" dirty="0" smtClean="0"/>
+                        <a:t>0</a:t>
+                      </a:r>
+                      <a:endParaRPr lang="zh-CN" altLang="en-US" dirty="0"/>
+                    </a:p>
+                  </a:txBody>
+                  <a:tcPr/>
+                </a:tc>
+                <a:tc>
+                  <a:txBody>
+                    <a:bodyPr/>
+                    <a:lstStyle/>
+                    <a:p>
+                      <a:r>
+                        <a:rPr lang="en-US" altLang="zh-CN" dirty="0" smtClean="0"/>
+                        <a:t>0</a:t>
+                      </a:r>
+                      <a:endParaRPr lang="zh-CN" altLang="en-US" dirty="0"/>
+                    </a:p>
+                  </a:txBody>
+                  <a:tcPr/>
+                </a:tc>
+                <a:tc>
+                  <a:txBody>
+                    <a:bodyPr/>
+                    <a:lstStyle/>
+                    <a:p>
+                      <a:r>
+                        <a:rPr lang="en-US" altLang="zh-CN" dirty="0" smtClean="0"/>
+                        <a:t>1</a:t>
+                      </a:r>
+                      <a:endParaRPr lang="zh-CN" altLang="en-US" dirty="0"/>
+                    </a:p>
+                  </a:txBody>
+                  <a:tcPr/>
+                </a:tc>
+              </a:tr>
+            </a:tbl>
+          </a:graphicData>
+        </a:graphic>
+      </p:graphicFrame>
+      <p:sp>
+        <p:nvSpPr>
+          <p:cNvPr id="9" name="虚尾箭头 8"/>
+          <p:cNvSpPr/>
+          <p:nvPr/>
+        </p:nvSpPr>
+        <p:spPr>
+          <a:xfrm>
+            <a:off x="3069771" y="3450872"/>
+            <a:ext cx="1055077" cy="522608"/>
+          </a:xfrm>
+          <a:prstGeom prst="stripedRightArrow">
+            <a:avLst/>
+          </a:prstGeom>
+        </p:spPr>
+        <p:style>
+          <a:lnRef idx="2">
+            <a:schemeClr val="accent1">
+              <a:shade val="50000"/>
+            </a:schemeClr>
+          </a:lnRef>
+          <a:fillRef idx="1">
+            <a:schemeClr val="accent1"/>
+          </a:fillRef>
+          <a:effectRef idx="0">
+            <a:schemeClr val="accent1"/>
+          </a:effectRef>
+          <a:fontRef idx="minor">
+            <a:schemeClr val="lt1"/>
+          </a:fontRef>
+        </p:style>
+        <p:txBody>
+          <a:bodyPr rtlCol="0" anchor="ctr"/>
+          <a:lstStyle/>
+          <a:p>
+            <a:pPr algn="ctr"/>
+            <a:endParaRPr kumimoji="1" lang="zh-CN" altLang="en-US"/>
+          </a:p>
+        </p:txBody>
+      </p:sp>
+    </p:spTree>
+    <p:extLst>
+      <p:ext uri="{BB962C8B-B14F-4D97-AF65-F5344CB8AC3E}">
+        <p14:creationId xmlns:p14="http://schemas.microsoft.com/office/powerpoint/2010/main" val="2097602213"/>
+      </p:ext>
+    </p:extLst>
+  </p:cSld>
+  <p:clrMapOvr>
+    <a:masterClrMapping/>
+  </p:clrMapOvr>
+</p:sld>
+</file>
+
+<file path=ppt/slides/slide33.xml><?xml version="1.0" encoding="utf-8"?>
+<p:sld xmlns:a="http://schemas.openxmlformats.org/drawingml/2006/main" xmlns:r="http://schemas.openxmlformats.org/officeDocument/2006/relationships" xmlns:p="http://schemas.openxmlformats.org/presentationml/2006/main">
+  <p:cSld>
+    <p:spTree>
+      <p:nvGrpSpPr>
+        <p:cNvPr id="1" name=""/>
+        <p:cNvGrpSpPr/>
+        <p:nvPr/>
+      </p:nvGrpSpPr>
+      <p:grpSpPr>
+        <a:xfrm>
+          <a:off x="0" y="0"/>
+          <a:ext cx="0" cy="0"/>
+          <a:chOff x="0" y="0"/>
+          <a:chExt cx="0" cy="0"/>
+        </a:xfrm>
+      </p:grpSpPr>
+      <p:sp>
+        <p:nvSpPr>
+          <p:cNvPr id="2" name="标题 1"/>
+          <p:cNvSpPr>
+            <a:spLocks noGrp="1"/>
+          </p:cNvSpPr>
+          <p:nvPr>
+            <p:ph type="title"/>
+          </p:nvPr>
+        </p:nvSpPr>
+        <p:spPr/>
+        <p:txBody>
+          <a:bodyPr/>
+          <a:lstStyle/>
+          <a:p>
+            <a:r>
+              <a:rPr kumimoji="1" lang="zh-CN" altLang="en-US" dirty="0" smtClean="0"/>
+              <a:t>回归：模型评估</a:t>
+            </a:r>
+            <a:endParaRPr kumimoji="1" lang="zh-CN" altLang="en-US" dirty="0"/>
+          </a:p>
+        </p:txBody>
+      </p:sp>
+      <mc:AlternateContent xmlns:mc="http://schemas.openxmlformats.org/markup-compatibility/2006">
+        <mc:Choice xmlns:a14="http://schemas.microsoft.com/office/drawing/2010/main" Requires="a14">
+          <p:sp>
+            <p:nvSpPr>
+              <p:cNvPr id="3" name="内容占位符 2"/>
+              <p:cNvSpPr>
+                <a:spLocks noGrp="1"/>
+              </p:cNvSpPr>
+              <p:nvPr>
+                <p:ph idx="1"/>
+              </p:nvPr>
+            </p:nvSpPr>
+            <p:spPr/>
+            <p:txBody>
+              <a:bodyPr/>
+              <a:lstStyle/>
+              <a:p>
+                <a:r>
+                  <a:rPr kumimoji="1" lang="zh-CN" altLang="en-US" dirty="0" smtClean="0"/>
+                  <a:t>如何评估一个回归模型结果的好与坏？</a:t>
+                </a:r>
+                <a:endParaRPr kumimoji="1" lang="en-US" altLang="zh-CN" dirty="0" smtClean="0"/>
+              </a:p>
+              <a:p>
+                <a:pPr lvl="1"/>
+                <a:r>
+                  <a:rPr kumimoji="1" lang="zh-CN" altLang="en-US" dirty="0" smtClean="0"/>
+                  <a:t>预测值与真实值越接近说明模型效果越好</a:t>
+                </a:r>
+                <a:endParaRPr kumimoji="1" lang="en-US" altLang="zh-CN" dirty="0" smtClean="0"/>
+              </a:p>
+              <a:p>
+                <a:pPr lvl="1"/>
+                <a:endParaRPr kumimoji="1" lang="en-US" altLang="zh-CN" dirty="0"/>
+              </a:p>
+              <a:p>
+                <a:endParaRPr kumimoji="1" lang="en-US" altLang="zh-CN" dirty="0" smtClean="0"/>
+              </a:p>
+              <a:p>
+                <a:r>
+                  <a:rPr kumimoji="1" lang="zh-CN" altLang="en-US" dirty="0" smtClean="0"/>
+                  <a:t>均方误差</a:t>
+                </a:r>
+                <a:r>
+                  <a:rPr kumimoji="1" lang="en-US" altLang="zh-CN" dirty="0" smtClean="0"/>
+                  <a:t>(Mean</a:t>
+                </a:r>
+                <a:r>
+                  <a:rPr kumimoji="1" lang="zh-CN" altLang="en-US" dirty="0" smtClean="0"/>
+                  <a:t> </a:t>
+                </a:r>
+                <a:r>
+                  <a:rPr kumimoji="1" lang="en-US" altLang="zh-CN" dirty="0" smtClean="0"/>
+                  <a:t>Squared</a:t>
+                </a:r>
+                <a:r>
+                  <a:rPr kumimoji="1" lang="zh-CN" altLang="en-US" dirty="0" smtClean="0"/>
+                  <a:t> </a:t>
+                </a:r>
+                <a:r>
+                  <a:rPr kumimoji="1" lang="en-US" altLang="zh-CN" dirty="0" smtClean="0"/>
+                  <a:t>Error,</a:t>
+                </a:r>
+                <a:r>
+                  <a:rPr kumimoji="1" lang="zh-CN" altLang="en-US" dirty="0" smtClean="0"/>
+                  <a:t> </a:t>
+                </a:r>
+                <a:r>
+                  <a:rPr kumimoji="1" lang="en-US" altLang="zh-CN" dirty="0" smtClean="0"/>
+                  <a:t>MSE)</a:t>
+                </a:r>
+                <a:r>
+                  <a:rPr kumimoji="1" lang="zh-CN" altLang="en-US" dirty="0" smtClean="0"/>
+                  <a:t>：</a:t>
+                </a:r>
+                <a:endParaRPr kumimoji="1" lang="en-US" altLang="zh-CN" dirty="0" smtClean="0"/>
+              </a:p>
+              <a:p>
+                <a:pPr lvl="1"/>
+                <a14:m>
+                  <m:oMath xmlns:m="http://schemas.openxmlformats.org/officeDocument/2006/math">
+                    <m:r>
+                      <a:rPr kumimoji="1" lang="en-US" altLang="zh-CN" i="1" dirty="0" smtClean="0">
+                        <a:latin typeface="Cambria Math" charset="0"/>
+                      </a:rPr>
+                      <m:t>𝑀𝑆𝐸</m:t>
+                    </m:r>
+                    <m:d>
+                      <m:dPr>
+                        <m:ctrlPr>
+                          <a:rPr kumimoji="1" lang="en-US" altLang="zh-CN" b="0" i="1" dirty="0" smtClean="0">
+                            <a:latin typeface="Cambria Math" charset="0"/>
+                          </a:rPr>
+                        </m:ctrlPr>
+                      </m:dPr>
+                      <m:e>
+                        <m:r>
+                          <a:rPr kumimoji="1" lang="en-US" altLang="zh-CN" b="1" i="1" dirty="0" smtClean="0">
+                            <a:latin typeface="Cambria Math" charset="0"/>
+                          </a:rPr>
+                          <m:t>𝒚</m:t>
+                        </m:r>
+                        <m:r>
+                          <a:rPr kumimoji="1" lang="en-US" altLang="zh-CN" b="0" i="1" dirty="0" smtClean="0">
+                            <a:latin typeface="Cambria Math" charset="0"/>
+                          </a:rPr>
+                          <m:t>,</m:t>
+                        </m:r>
+                        <m:r>
+                          <a:rPr kumimoji="1" lang="zh-CN" altLang="en-US" b="0" i="1" dirty="0" smtClean="0">
+                            <a:latin typeface="Cambria Math" charset="0"/>
+                          </a:rPr>
+                          <m:t> </m:t>
+                        </m:r>
+                        <m:acc>
+                          <m:accPr>
+                            <m:chr m:val="̂"/>
+                            <m:ctrlPr>
+                              <a:rPr kumimoji="1" lang="en-US" altLang="zh-CN" b="0" i="1" dirty="0" smtClean="0">
+                                <a:latin typeface="Cambria Math" charset="0"/>
+                              </a:rPr>
+                            </m:ctrlPr>
+                          </m:accPr>
+                          <m:e>
+                            <m:r>
+                              <a:rPr kumimoji="1" lang="en-US" altLang="zh-CN" b="1" i="1" dirty="0" smtClean="0">
+                                <a:latin typeface="Cambria Math" charset="0"/>
+                              </a:rPr>
+                              <m:t>𝒚</m:t>
+                            </m:r>
+                          </m:e>
+                        </m:acc>
+                      </m:e>
+                    </m:d>
+                    <m:r>
+                      <a:rPr kumimoji="1" lang="en-US" altLang="zh-CN" b="0" i="1" dirty="0" smtClean="0">
+                        <a:latin typeface="Cambria Math" charset="0"/>
+                      </a:rPr>
+                      <m:t>=</m:t>
+                    </m:r>
+                    <m:f>
+                      <m:fPr>
+                        <m:ctrlPr>
+                          <a:rPr kumimoji="1" lang="en-US" altLang="zh-CN" b="0" i="1" dirty="0" smtClean="0">
+                            <a:latin typeface="Cambria Math" charset="0"/>
+                          </a:rPr>
+                        </m:ctrlPr>
+                      </m:fPr>
+                      <m:num>
+                        <m:r>
+                          <a:rPr kumimoji="1" lang="en-US" altLang="zh-CN" b="0" i="1" dirty="0" smtClean="0">
+                            <a:latin typeface="Cambria Math" charset="0"/>
+                          </a:rPr>
+                          <m:t>1</m:t>
+                        </m:r>
+                      </m:num>
+                      <m:den>
+                        <m:r>
+                          <a:rPr kumimoji="1" lang="en-US" altLang="zh-CN" b="0" i="1" dirty="0" smtClean="0">
+                            <a:latin typeface="Cambria Math" charset="0"/>
+                          </a:rPr>
+                          <m:t>𝑁</m:t>
+                        </m:r>
+                      </m:den>
+                    </m:f>
+                    <m:sSup>
+                      <m:sSupPr>
+                        <m:ctrlPr>
+                          <a:rPr kumimoji="1" lang="en-US" altLang="zh-CN" b="0" i="1" dirty="0" smtClean="0">
+                            <a:latin typeface="Cambria Math" charset="0"/>
+                          </a:rPr>
+                        </m:ctrlPr>
+                      </m:sSupPr>
+                      <m:e>
+                        <m:d>
+                          <m:dPr>
+                            <m:begChr m:val="‖"/>
+                            <m:endChr m:val="‖"/>
+                            <m:ctrlPr>
+                              <a:rPr kumimoji="1" lang="en-US" altLang="zh-CN" b="0" i="1" dirty="0" smtClean="0">
+                                <a:latin typeface="Cambria Math" charset="0"/>
+                              </a:rPr>
+                            </m:ctrlPr>
+                          </m:dPr>
+                          <m:e>
+                            <m:r>
+                              <a:rPr kumimoji="1" lang="en-US" altLang="zh-CN" b="1" i="1" dirty="0" smtClean="0">
+                                <a:latin typeface="Cambria Math" charset="0"/>
+                              </a:rPr>
+                              <m:t>𝒚</m:t>
+                            </m:r>
+                            <m:r>
+                              <a:rPr kumimoji="1" lang="en-US" altLang="zh-CN" b="0" i="1" dirty="0" smtClean="0">
+                                <a:latin typeface="Cambria Math" charset="0"/>
+                              </a:rPr>
+                              <m:t>−</m:t>
+                            </m:r>
+                            <m:acc>
+                              <m:accPr>
+                                <m:chr m:val="̂"/>
+                                <m:ctrlPr>
+                                  <a:rPr kumimoji="1" lang="en-US" altLang="zh-CN" b="0" i="1" dirty="0" smtClean="0">
+                                    <a:latin typeface="Cambria Math" charset="0"/>
+                                  </a:rPr>
+                                </m:ctrlPr>
+                              </m:accPr>
+                              <m:e>
+                                <m:r>
+                                  <a:rPr kumimoji="1" lang="en-US" altLang="zh-CN" b="1" i="1" dirty="0" smtClean="0">
+                                    <a:latin typeface="Cambria Math" charset="0"/>
+                                  </a:rPr>
+                                  <m:t>𝒚</m:t>
+                                </m:r>
+                              </m:e>
+                            </m:acc>
+                          </m:e>
+                        </m:d>
+                      </m:e>
+                      <m:sup>
+                        <m:r>
+                          <a:rPr kumimoji="1" lang="en-US" altLang="zh-CN" b="0" i="1" dirty="0" smtClean="0">
+                            <a:latin typeface="Cambria Math" charset="0"/>
+                          </a:rPr>
+                          <m:t>2</m:t>
+                        </m:r>
+                      </m:sup>
+                    </m:sSup>
+                    <m:r>
+                      <a:rPr kumimoji="1" lang="en-US" altLang="zh-CN" b="0" i="1" dirty="0" smtClean="0">
+                        <a:latin typeface="Cambria Math" charset="0"/>
+                      </a:rPr>
+                      <m:t>=</m:t>
+                    </m:r>
+                    <m:f>
+                      <m:fPr>
+                        <m:ctrlPr>
+                          <a:rPr kumimoji="1" lang="en-US" altLang="zh-CN" b="0" i="1" dirty="0" smtClean="0">
+                            <a:latin typeface="Cambria Math" charset="0"/>
+                          </a:rPr>
+                        </m:ctrlPr>
+                      </m:fPr>
+                      <m:num>
+                        <m:r>
+                          <a:rPr kumimoji="1" lang="en-US" altLang="zh-CN" b="0" i="1" dirty="0" smtClean="0">
+                            <a:latin typeface="Cambria Math" charset="0"/>
+                          </a:rPr>
+                          <m:t>1</m:t>
+                        </m:r>
+                      </m:num>
+                      <m:den>
+                        <m:r>
+                          <a:rPr kumimoji="1" lang="en-US" altLang="zh-CN" b="0" i="1" dirty="0" smtClean="0">
+                            <a:latin typeface="Cambria Math" charset="0"/>
+                          </a:rPr>
+                          <m:t>𝑁</m:t>
+                        </m:r>
+                      </m:den>
+                    </m:f>
+                    <m:nary>
+                      <m:naryPr>
+                        <m:chr m:val="∑"/>
+                        <m:ctrlPr>
+                          <a:rPr kumimoji="1" lang="is-IS" altLang="zh-CN" b="0" i="1" dirty="0" smtClean="0">
+                            <a:latin typeface="Cambria Math" charset="0"/>
+                          </a:rPr>
+                        </m:ctrlPr>
+                      </m:naryPr>
+                      <m:sub>
+                        <m:r>
+                          <m:rPr>
+                            <m:brk m:alnAt="23"/>
+                          </m:rPr>
+                          <a:rPr kumimoji="1" lang="en-US" altLang="zh-CN" b="0" i="1" dirty="0" smtClean="0">
+                            <a:latin typeface="Cambria Math" charset="0"/>
+                          </a:rPr>
+                          <m:t>𝑖</m:t>
+                        </m:r>
+                        <m:r>
+                          <a:rPr kumimoji="1" lang="en-US" altLang="zh-CN" b="0" i="1" dirty="0" smtClean="0">
+                            <a:latin typeface="Cambria Math" charset="0"/>
+                          </a:rPr>
+                          <m:t>=1</m:t>
+                        </m:r>
+                      </m:sub>
+                      <m:sup>
+                        <m:r>
+                          <a:rPr kumimoji="1" lang="en-US" altLang="zh-CN" b="0" i="1" dirty="0" smtClean="0">
+                            <a:latin typeface="Cambria Math" charset="0"/>
+                          </a:rPr>
+                          <m:t>𝑁</m:t>
+                        </m:r>
+                      </m:sup>
+                      <m:e>
+                        <m:sSup>
+                          <m:sSupPr>
+                            <m:ctrlPr>
+                              <a:rPr kumimoji="1" lang="en-US" altLang="zh-CN" b="0" i="1" dirty="0" smtClean="0">
+                                <a:latin typeface="Cambria Math" charset="0"/>
+                              </a:rPr>
+                            </m:ctrlPr>
+                          </m:sSupPr>
+                          <m:e>
+                            <m:d>
+                              <m:dPr>
+                                <m:ctrlPr>
+                                  <a:rPr kumimoji="1" lang="en-US" altLang="zh-CN" b="0" i="1" dirty="0" smtClean="0">
+                                    <a:latin typeface="Cambria Math" charset="0"/>
+                                  </a:rPr>
+                                </m:ctrlPr>
+                              </m:dPr>
+                              <m:e>
+                                <m:sSup>
+                                  <m:sSupPr>
+                                    <m:ctrlPr>
+                                      <a:rPr kumimoji="1" lang="en-US" altLang="zh-CN" b="0" i="1" dirty="0" smtClean="0">
+                                        <a:latin typeface="Cambria Math" charset="0"/>
+                                      </a:rPr>
+                                    </m:ctrlPr>
+                                  </m:sSupPr>
+                                  <m:e>
+                                    <m:r>
+                                      <a:rPr kumimoji="1" lang="en-US" altLang="zh-CN" b="0" i="1" dirty="0" smtClean="0">
+                                        <a:latin typeface="Cambria Math" charset="0"/>
+                                      </a:rPr>
+                                      <m:t>𝑦</m:t>
+                                    </m:r>
+                                  </m:e>
+                                  <m:sup>
+                                    <m:d>
+                                      <m:dPr>
+                                        <m:ctrlPr>
+                                          <a:rPr kumimoji="1" lang="en-US" altLang="zh-CN" b="0" i="1" dirty="0" smtClean="0">
+                                            <a:latin typeface="Cambria Math" charset="0"/>
+                                          </a:rPr>
+                                        </m:ctrlPr>
+                                      </m:dPr>
+                                      <m:e>
+                                        <m:r>
+                                          <a:rPr kumimoji="1" lang="en-US" altLang="zh-CN" b="0" i="1" dirty="0" smtClean="0">
+                                            <a:latin typeface="Cambria Math" charset="0"/>
+                                          </a:rPr>
+                                          <m:t>𝑖</m:t>
+                                        </m:r>
+                                      </m:e>
+                                    </m:d>
+                                  </m:sup>
+                                </m:sSup>
+                                <m:r>
+                                  <a:rPr kumimoji="1" lang="en-US" altLang="zh-CN" b="0" i="1" dirty="0" smtClean="0">
+                                    <a:latin typeface="Cambria Math" charset="0"/>
+                                  </a:rPr>
+                                  <m:t>−</m:t>
+                                </m:r>
+                                <m:sSup>
+                                  <m:sSupPr>
+                                    <m:ctrlPr>
+                                      <a:rPr kumimoji="1" lang="en-US" altLang="zh-CN" b="0" i="1" dirty="0" smtClean="0">
+                                        <a:latin typeface="Cambria Math" charset="0"/>
+                                      </a:rPr>
+                                    </m:ctrlPr>
+                                  </m:sSupPr>
+                                  <m:e>
+                                    <m:acc>
+                                      <m:accPr>
+                                        <m:chr m:val="̂"/>
+                                        <m:ctrlPr>
+                                          <a:rPr kumimoji="1" lang="en-US" altLang="zh-CN" b="0" i="1" dirty="0" smtClean="0">
+                                            <a:latin typeface="Cambria Math" charset="0"/>
+                                          </a:rPr>
+                                        </m:ctrlPr>
+                                      </m:accPr>
+                                      <m:e>
+                                        <m:r>
+                                          <a:rPr kumimoji="1" lang="en-US" altLang="zh-CN" b="0" i="1" dirty="0" smtClean="0">
+                                            <a:latin typeface="Cambria Math" charset="0"/>
+                                          </a:rPr>
+                                          <m:t>𝑦</m:t>
+                                        </m:r>
+                                      </m:e>
+                                    </m:acc>
+                                  </m:e>
+                                  <m:sup>
+                                    <m:d>
+                                      <m:dPr>
+                                        <m:ctrlPr>
+                                          <a:rPr kumimoji="1" lang="en-US" altLang="zh-CN" b="0" i="1" dirty="0" smtClean="0">
+                                            <a:latin typeface="Cambria Math" charset="0"/>
+                                          </a:rPr>
+                                        </m:ctrlPr>
+                                      </m:dPr>
+                                      <m:e>
+                                        <m:r>
+                                          <a:rPr kumimoji="1" lang="en-US" altLang="zh-CN" b="0" i="1" dirty="0" smtClean="0">
+                                            <a:latin typeface="Cambria Math" charset="0"/>
+                                          </a:rPr>
+                                          <m:t>𝑖</m:t>
+                                        </m:r>
+                                      </m:e>
+                                    </m:d>
+                                  </m:sup>
+                                </m:sSup>
+                              </m:e>
+                            </m:d>
+                          </m:e>
+                          <m:sup>
+                            <m:r>
+                              <a:rPr kumimoji="1" lang="en-US" altLang="zh-CN" b="0" i="1" dirty="0" smtClean="0">
+                                <a:latin typeface="Cambria Math" charset="0"/>
+                              </a:rPr>
+                              <m:t>2</m:t>
+                            </m:r>
+                          </m:sup>
+                        </m:sSup>
+                      </m:e>
+                    </m:nary>
+                  </m:oMath>
+                </a14:m>
+                <a:endParaRPr kumimoji="1" lang="en-US" altLang="zh-CN" dirty="0" smtClean="0"/>
+              </a:p>
+              <a:p>
+                <a:pPr lvl="1"/>
+                <a:endParaRPr kumimoji="1" lang="en-US" altLang="zh-CN" dirty="0" smtClean="0"/>
+              </a:p>
+              <a:p>
+                <a:endParaRPr kumimoji="1" lang="en-US" altLang="zh-CN" dirty="0"/>
+              </a:p>
+            </p:txBody>
+          </p:sp>
+        </mc:Choice>
+        <mc:Fallback>
+          <p:sp>
+            <p:nvSpPr>
+              <p:cNvPr id="3" name="内容占位符 2"/>
+              <p:cNvSpPr>
+                <a:spLocks noGrp="1" noRot="1" noChangeAspect="1" noMove="1" noResize="1" noEditPoints="1" noAdjustHandles="1" noChangeArrowheads="1" noChangeShapeType="1" noTextEdit="1"/>
+              </p:cNvSpPr>
+              <p:nvPr>
+                <p:ph idx="1"/>
+              </p:nvPr>
+            </p:nvSpPr>
+            <p:spPr>
+              <a:blipFill rotWithShape="0">
+                <a:blip r:embed="rId2"/>
+                <a:stretch>
+                  <a:fillRect l="-686" t="-982"/>
+                </a:stretch>
+              </a:blipFill>
+            </p:spPr>
+            <p:txBody>
+              <a:bodyPr/>
+              <a:lstStyle/>
+              <a:p>
+                <a:r>
+                  <a:rPr lang="zh-CN" altLang="en-US">
+                    <a:noFill/>
+                  </a:rPr>
+                  <a:t> </a:t>
+                </a:r>
+              </a:p>
+            </p:txBody>
+          </p:sp>
+        </mc:Fallback>
+      </mc:AlternateContent>
+      <p:sp>
+        <p:nvSpPr>
+          <p:cNvPr id="4" name="日期占位符 3"/>
+          <p:cNvSpPr>
+            <a:spLocks noGrp="1"/>
+          </p:cNvSpPr>
+          <p:nvPr>
+            <p:ph type="dt" sz="half" idx="10"/>
+          </p:nvPr>
+        </p:nvSpPr>
+        <p:spPr/>
+        <p:txBody>
+          <a:bodyPr/>
+          <a:lstStyle/>
+          <a:p>
+            <a:pPr>
+              <a:defRPr/>
+            </a:pPr>
+            <a:fld id="{95A2A19B-170D-1043-AE33-7A36DFB7BCDC}" type="datetime2">
+              <a:rPr lang="zh-CN" altLang="en-US" smtClean="0"/>
+              <a:t>2018年7月7日</a:t>
+            </a:fld>
+            <a:endParaRPr lang="en-US" altLang="zh-CN"/>
+          </a:p>
+        </p:txBody>
+      </p:sp>
+      <p:sp>
+        <p:nvSpPr>
+          <p:cNvPr id="5" name="页脚占位符 4"/>
+          <p:cNvSpPr>
+            <a:spLocks noGrp="1"/>
+          </p:cNvSpPr>
+          <p:nvPr>
+            <p:ph type="ftr" sz="quarter" idx="11"/>
+          </p:nvPr>
+        </p:nvSpPr>
+        <p:spPr/>
+        <p:txBody>
+          <a:bodyPr/>
+          <a:lstStyle/>
+          <a:p>
+            <a:pPr>
+              <a:defRPr/>
+            </a:pPr>
+            <a:r>
+              <a:rPr lang="zh-CN" altLang="en-US" smtClean="0"/>
+              <a:t>机器学习入门</a:t>
+            </a:r>
+            <a:endParaRPr lang="en-US" altLang="zh-CN" dirty="0"/>
+          </a:p>
+        </p:txBody>
+      </p:sp>
+      <p:sp>
+        <p:nvSpPr>
+          <p:cNvPr id="6" name="幻灯片编号占位符 5"/>
+          <p:cNvSpPr>
+            <a:spLocks noGrp="1"/>
+          </p:cNvSpPr>
+          <p:nvPr>
+            <p:ph type="sldNum" sz="quarter" idx="12"/>
+          </p:nvPr>
+        </p:nvSpPr>
+        <p:spPr/>
+        <p:txBody>
+          <a:bodyPr/>
+          <a:lstStyle/>
+          <a:p>
+            <a:pPr>
+              <a:defRPr/>
+            </a:pPr>
+            <a:fld id="{64C9EB70-B654-4058-838F-8806615D92E5}" type="slidenum">
+              <a:rPr lang="en-US" altLang="zh-CN" smtClean="0"/>
+              <a:pPr>
+                <a:defRPr/>
+              </a:pPr>
+              <a:t>33</a:t>
+            </a:fld>
+            <a:endParaRPr lang="en-US" altLang="zh-CN"/>
+          </a:p>
+        </p:txBody>
+      </p:sp>
+    </p:spTree>
+    <p:extLst>
+      <p:ext uri="{BB962C8B-B14F-4D97-AF65-F5344CB8AC3E}">
+        <p14:creationId xmlns:p14="http://schemas.microsoft.com/office/powerpoint/2010/main" val="1076551559"/>
+      </p:ext>
+    </p:extLst>
+  </p:cSld>
+  <p:clrMapOvr>
+    <a:masterClrMapping/>
+  </p:clrMapOvr>
+</p:sld>
+</file>
+
+<file path=ppt/slides/slide34.xml><?xml version="1.0" encoding="utf-8"?>
+<p:sld xmlns:a="http://schemas.openxmlformats.org/drawingml/2006/main" xmlns:r="http://schemas.openxmlformats.org/officeDocument/2006/relationships" xmlns:p="http://schemas.openxmlformats.org/presentationml/2006/main">
+  <p:cSld>
+    <p:spTree>
+      <p:nvGrpSpPr>
+        <p:cNvPr id="1" name=""/>
+        <p:cNvGrpSpPr/>
+        <p:nvPr/>
+      </p:nvGrpSpPr>
+      <p:grpSpPr>
+        <a:xfrm>
+          <a:off x="0" y="0"/>
+          <a:ext cx="0" cy="0"/>
+          <a:chOff x="0" y="0"/>
+          <a:chExt cx="0" cy="0"/>
+        </a:xfrm>
+      </p:grpSpPr>
+      <p:sp>
+        <p:nvSpPr>
+          <p:cNvPr id="2" name="标题 1"/>
+          <p:cNvSpPr>
+            <a:spLocks noGrp="1"/>
+          </p:cNvSpPr>
+          <p:nvPr>
+            <p:ph type="title"/>
+          </p:nvPr>
+        </p:nvSpPr>
+        <p:spPr/>
+        <p:txBody>
+          <a:bodyPr/>
+          <a:lstStyle/>
+          <a:p>
+            <a:r>
+              <a:rPr kumimoji="1" lang="zh-CN" altLang="en-US" dirty="0" smtClean="0"/>
+              <a:t>多项式回归</a:t>
+            </a:r>
+            <a:endParaRPr kumimoji="1" lang="zh-CN" altLang="en-US" dirty="0"/>
+          </a:p>
+        </p:txBody>
+      </p:sp>
+      <mc:AlternateContent xmlns:mc="http://schemas.openxmlformats.org/markup-compatibility/2006">
+        <mc:Choice xmlns:a14="http://schemas.microsoft.com/office/drawing/2010/main" Requires="a14">
+          <p:sp>
+            <p:nvSpPr>
+              <p:cNvPr id="3" name="内容占位符 2"/>
+              <p:cNvSpPr>
+                <a:spLocks noGrp="1"/>
+              </p:cNvSpPr>
+              <p:nvPr>
+                <p:ph idx="1"/>
+              </p:nvPr>
+            </p:nvSpPr>
+            <p:spPr/>
+            <p:txBody>
+              <a:bodyPr/>
+              <a:lstStyle/>
+              <a:p>
+                <a:r>
+                  <a:rPr kumimoji="1" lang="zh-CN" altLang="en-US" dirty="0" smtClean="0"/>
+                  <a:t>多项式回归：</a:t>
+                </a:r>
+                <a:endParaRPr kumimoji="1" lang="en-US" altLang="zh-CN" dirty="0" smtClean="0"/>
+              </a:p>
+              <a:p>
+                <a:endParaRPr kumimoji="1" lang="en-US" altLang="zh-CN" dirty="0"/>
+              </a:p>
+              <a:p>
+                <a:endParaRPr kumimoji="1" lang="en-US" altLang="zh-CN" dirty="0" smtClean="0"/>
+              </a:p>
+              <a:p>
+                <a:endParaRPr kumimoji="1" lang="en-US" altLang="zh-CN" dirty="0" smtClean="0"/>
+              </a:p>
+              <a:p>
+                <a:r>
+                  <a:rPr kumimoji="1" lang="zh-CN" altLang="en-US" dirty="0" smtClean="0"/>
+                  <a:t>多项式回归可以转换为</a:t>
+                </a:r>
+                <a:r>
+                  <a:rPr kumimoji="1" lang="zh-CN" altLang="en-US" dirty="0" smtClean="0">
+                    <a:solidFill>
+                      <a:srgbClr val="FF0000"/>
+                    </a:solidFill>
+                  </a:rPr>
+                  <a:t>多元线性回归</a:t>
+                </a:r>
+                <a:r>
+                  <a:rPr kumimoji="1" lang="zh-CN" altLang="en-US" dirty="0" smtClean="0"/>
+                  <a:t>：将每个</a:t>
+                </a:r>
+                <a14:m>
+                  <m:oMath xmlns:m="http://schemas.openxmlformats.org/officeDocument/2006/math">
+                    <m:sSup>
+                      <m:sSupPr>
+                        <m:ctrlPr>
+                          <a:rPr kumimoji="1" lang="en-US" altLang="zh-CN" sz="2000" i="1" dirty="0">
+                            <a:latin typeface="Cambria Math" charset="0"/>
+                          </a:rPr>
+                        </m:ctrlPr>
+                      </m:sSupPr>
+                      <m:e>
+                        <m:r>
+                          <a:rPr kumimoji="1" lang="en-US" altLang="zh-CN" sz="2000" i="1" dirty="0">
+                            <a:latin typeface="Cambria Math" charset="0"/>
+                          </a:rPr>
+                          <m:t>𝑥</m:t>
+                        </m:r>
+                      </m:e>
+                      <m:sup>
+                        <m:r>
+                          <a:rPr kumimoji="1" lang="en-US" altLang="zh-CN" sz="2000" b="0" i="1" dirty="0" smtClean="0">
+                            <a:latin typeface="Cambria Math" charset="0"/>
+                          </a:rPr>
+                          <m:t>𝑖</m:t>
+                        </m:r>
+                      </m:sup>
+                    </m:sSup>
+                  </m:oMath>
+                </a14:m>
+                <a:r>
+                  <a:rPr kumimoji="1" lang="zh-CN" altLang="en-US" dirty="0" smtClean="0"/>
+                  <a:t>看成一个特征即可。</a:t>
+                </a:r>
+                <a:endParaRPr kumimoji="1" lang="en-US" altLang="zh-CN" dirty="0" smtClean="0"/>
+              </a:p>
+              <a:p>
+                <a:endParaRPr kumimoji="1" lang="en-US" altLang="zh-CN" dirty="0"/>
+              </a:p>
+              <a:p>
+                <a:r>
+                  <a:rPr kumimoji="1" lang="en-US" altLang="zh-CN" dirty="0" smtClean="0"/>
+                  <a:t>k</a:t>
+                </a:r>
+                <a:r>
+                  <a:rPr kumimoji="1" lang="zh-CN" altLang="en-US" dirty="0" smtClean="0"/>
+                  <a:t>是超参数（</a:t>
+                </a:r>
+                <a:r>
+                  <a:rPr kumimoji="1" lang="en-US" altLang="zh-CN" dirty="0" smtClean="0"/>
+                  <a:t>super-parameter</a:t>
+                </a:r>
+                <a:r>
+                  <a:rPr kumimoji="1" lang="zh-CN" altLang="en-US" dirty="0" smtClean="0"/>
+                  <a:t>），需要手动调整。</a:t>
+                </a:r>
+                <a:endParaRPr kumimoji="1" lang="zh-CN" altLang="en-US" dirty="0"/>
+              </a:p>
+            </p:txBody>
+          </p:sp>
+        </mc:Choice>
+        <mc:Fallback>
+          <p:sp>
+            <p:nvSpPr>
+              <p:cNvPr id="3" name="内容占位符 2"/>
+              <p:cNvSpPr>
+                <a:spLocks noGrp="1" noRot="1" noChangeAspect="1" noMove="1" noResize="1" noEditPoints="1" noAdjustHandles="1" noChangeArrowheads="1" noChangeShapeType="1" noTextEdit="1"/>
+              </p:cNvSpPr>
+              <p:nvPr>
+                <p:ph idx="1"/>
+              </p:nvPr>
+            </p:nvSpPr>
+            <p:spPr>
+              <a:blipFill rotWithShape="0">
+                <a:blip r:embed="rId2"/>
+                <a:stretch>
+                  <a:fillRect l="-686" t="-982"/>
+                </a:stretch>
+              </a:blipFill>
+            </p:spPr>
+            <p:txBody>
+              <a:bodyPr/>
+              <a:lstStyle/>
+              <a:p>
+                <a:r>
+                  <a:rPr lang="zh-CN" altLang="en-US">
+                    <a:noFill/>
+                  </a:rPr>
+                  <a:t> </a:t>
+                </a:r>
+              </a:p>
+            </p:txBody>
+          </p:sp>
+        </mc:Fallback>
+      </mc:AlternateContent>
+      <p:sp>
+        <p:nvSpPr>
+          <p:cNvPr id="4" name="日期占位符 3"/>
+          <p:cNvSpPr>
+            <a:spLocks noGrp="1"/>
+          </p:cNvSpPr>
+          <p:nvPr>
+            <p:ph type="dt" sz="half" idx="10"/>
+          </p:nvPr>
+        </p:nvSpPr>
+        <p:spPr/>
+        <p:txBody>
+          <a:bodyPr/>
+          <a:lstStyle/>
+          <a:p>
+            <a:pPr>
+              <a:defRPr/>
+            </a:pPr>
+            <a:fld id="{95A2A19B-170D-1043-AE33-7A36DFB7BCDC}" type="datetime2">
+              <a:rPr lang="zh-CN" altLang="en-US" smtClean="0"/>
+              <a:t>2018年7月7日</a:t>
+            </a:fld>
+            <a:endParaRPr lang="en-US" altLang="zh-CN"/>
+          </a:p>
+        </p:txBody>
+      </p:sp>
+      <p:sp>
+        <p:nvSpPr>
+          <p:cNvPr id="5" name="页脚占位符 4"/>
+          <p:cNvSpPr>
+            <a:spLocks noGrp="1"/>
+          </p:cNvSpPr>
+          <p:nvPr>
+            <p:ph type="ftr" sz="quarter" idx="11"/>
+          </p:nvPr>
+        </p:nvSpPr>
+        <p:spPr/>
+        <p:txBody>
+          <a:bodyPr/>
+          <a:lstStyle/>
+          <a:p>
+            <a:pPr>
+              <a:defRPr/>
+            </a:pPr>
+            <a:r>
+              <a:rPr lang="zh-CN" altLang="en-US" smtClean="0"/>
+              <a:t>机器学习入门</a:t>
+            </a:r>
+            <a:endParaRPr lang="en-US" altLang="zh-CN" dirty="0"/>
+          </a:p>
+        </p:txBody>
+      </p:sp>
+      <p:sp>
+        <p:nvSpPr>
+          <p:cNvPr id="6" name="幻灯片编号占位符 5"/>
+          <p:cNvSpPr>
+            <a:spLocks noGrp="1"/>
+          </p:cNvSpPr>
+          <p:nvPr>
+            <p:ph type="sldNum" sz="quarter" idx="12"/>
+          </p:nvPr>
+        </p:nvSpPr>
+        <p:spPr/>
+        <p:txBody>
+          <a:bodyPr/>
+          <a:lstStyle/>
+          <a:p>
+            <a:pPr>
+              <a:defRPr/>
+            </a:pPr>
+            <a:fld id="{64C9EB70-B654-4058-838F-8806615D92E5}" type="slidenum">
+              <a:rPr lang="en-US" altLang="zh-CN" smtClean="0"/>
+              <a:pPr>
+                <a:defRPr/>
+              </a:pPr>
+              <a:t>34</a:t>
+            </a:fld>
+            <a:endParaRPr lang="en-US" altLang="zh-CN"/>
+          </a:p>
+        </p:txBody>
+      </p:sp>
+      <mc:AlternateContent xmlns:mc="http://schemas.openxmlformats.org/markup-compatibility/2006">
+        <mc:Choice xmlns:a14="http://schemas.microsoft.com/office/drawing/2010/main" Requires="a14">
+          <p:sp>
+            <p:nvSpPr>
+              <p:cNvPr id="7" name="矩形 6"/>
+              <p:cNvSpPr/>
+              <p:nvPr/>
+            </p:nvSpPr>
+            <p:spPr>
+              <a:xfrm>
+                <a:off x="1269517" y="1576307"/>
+                <a:ext cx="5851345" cy="468205"/>
+              </a:xfrm>
+              <a:prstGeom prst="rect">
+                <a:avLst/>
+              </a:prstGeom>
+            </p:spPr>
+            <p:txBody>
+              <a:bodyPr wrap="none">
+                <a:spAutoFit/>
+              </a:bodyPr>
+              <a:lstStyle/>
+              <a:p>
+                <a14:m>
+                  <m:oMathPara xmlns:m="http://schemas.openxmlformats.org/officeDocument/2006/math">
+                    <m:oMathParaPr>
+                      <m:jc m:val="centerGroup"/>
+                    </m:oMathParaPr>
+                    <m:oMath xmlns:m="http://schemas.openxmlformats.org/officeDocument/2006/math">
+                      <m:r>
+                        <a:rPr kumimoji="1" lang="en-US" altLang="zh-CN" sz="2400" i="1" dirty="0" smtClean="0">
+                          <a:latin typeface="Cambria Math" charset="0"/>
+                        </a:rPr>
+                        <m:t>h</m:t>
+                      </m:r>
+                      <m:d>
+                        <m:dPr>
+                          <m:ctrlPr>
+                            <a:rPr kumimoji="1" lang="en-US" altLang="zh-CN" sz="2400" i="1" dirty="0">
+                              <a:latin typeface="Cambria Math" charset="0"/>
+                            </a:rPr>
+                          </m:ctrlPr>
+                        </m:dPr>
+                        <m:e>
+                          <m:r>
+                            <a:rPr kumimoji="1" lang="en-US" altLang="zh-CN" sz="2400" i="1" dirty="0">
+                              <a:latin typeface="Cambria Math" charset="0"/>
+                            </a:rPr>
+                            <m:t>𝑥</m:t>
+                          </m:r>
+                        </m:e>
+                      </m:d>
+                      <m:r>
+                        <a:rPr kumimoji="1" lang="en-US" altLang="zh-CN" sz="2400" i="1" dirty="0">
+                          <a:latin typeface="Cambria Math" charset="0"/>
+                        </a:rPr>
+                        <m:t>=</m:t>
+                      </m:r>
+                      <m:r>
+                        <a:rPr kumimoji="1" lang="en-US" altLang="zh-CN" sz="2400" b="0" i="1" dirty="0" smtClean="0">
+                          <a:latin typeface="Cambria Math" charset="0"/>
+                        </a:rPr>
+                        <m:t>𝑏</m:t>
+                      </m:r>
+                      <m:r>
+                        <a:rPr kumimoji="1" lang="en-US" altLang="zh-CN" sz="2400" b="0" i="1" dirty="0" smtClean="0">
+                          <a:latin typeface="Cambria Math" charset="0"/>
+                        </a:rPr>
+                        <m:t>+</m:t>
+                      </m:r>
+                      <m:sSub>
+                        <m:sSubPr>
+                          <m:ctrlPr>
+                            <a:rPr kumimoji="1" lang="en-US" altLang="zh-CN" sz="2400" b="0" i="1" dirty="0" smtClean="0">
+                              <a:latin typeface="Cambria Math" charset="0"/>
+                            </a:rPr>
+                          </m:ctrlPr>
+                        </m:sSubPr>
+                        <m:e>
+                          <m:r>
+                            <a:rPr kumimoji="1" lang="en-US" altLang="zh-CN" sz="2400" i="1" dirty="0">
+                              <a:latin typeface="Cambria Math" charset="0"/>
+                            </a:rPr>
+                            <m:t>𝑤</m:t>
+                          </m:r>
+                        </m:e>
+                        <m:sub>
+                          <m:r>
+                            <a:rPr kumimoji="1" lang="en-US" altLang="zh-CN" sz="2400" b="0" i="1" dirty="0" smtClean="0">
+                              <a:latin typeface="Cambria Math" charset="0"/>
+                            </a:rPr>
+                            <m:t>1</m:t>
+                          </m:r>
+                        </m:sub>
+                      </m:sSub>
+                      <m:r>
+                        <a:rPr kumimoji="1" lang="en-US" altLang="zh-CN" sz="2400" i="1" dirty="0">
+                          <a:latin typeface="Cambria Math" charset="0"/>
+                        </a:rPr>
+                        <m:t>𝑥</m:t>
+                      </m:r>
+                      <m:r>
+                        <a:rPr kumimoji="1" lang="en-US" altLang="zh-CN" sz="2400" b="0" i="1" dirty="0" smtClean="0">
+                          <a:latin typeface="Cambria Math" charset="0"/>
+                        </a:rPr>
+                        <m:t>+</m:t>
+                      </m:r>
+                      <m:sSub>
+                        <m:sSubPr>
+                          <m:ctrlPr>
+                            <a:rPr kumimoji="1" lang="en-US" altLang="zh-CN" sz="2400" b="0" i="1" dirty="0" smtClean="0">
+                              <a:latin typeface="Cambria Math" charset="0"/>
+                            </a:rPr>
+                          </m:ctrlPr>
+                        </m:sSubPr>
+                        <m:e>
+                          <m:r>
+                            <a:rPr kumimoji="1" lang="en-US" altLang="zh-CN" sz="2400" b="0" i="1" dirty="0" smtClean="0">
+                              <a:latin typeface="Cambria Math" charset="0"/>
+                            </a:rPr>
+                            <m:t>𝑤</m:t>
+                          </m:r>
+                        </m:e>
+                        <m:sub>
+                          <m:r>
+                            <a:rPr kumimoji="1" lang="en-US" altLang="zh-CN" sz="2400" b="0" i="1" dirty="0" smtClean="0">
+                              <a:latin typeface="Cambria Math" charset="0"/>
+                            </a:rPr>
+                            <m:t>2</m:t>
+                          </m:r>
+                        </m:sub>
+                      </m:sSub>
+                      <m:sSup>
+                        <m:sSupPr>
+                          <m:ctrlPr>
+                            <a:rPr kumimoji="1" lang="en-US" altLang="zh-CN" sz="2400" b="0" i="1" dirty="0" smtClean="0">
+                              <a:latin typeface="Cambria Math" charset="0"/>
+                            </a:rPr>
+                          </m:ctrlPr>
+                        </m:sSupPr>
+                        <m:e>
+                          <m:r>
+                            <a:rPr kumimoji="1" lang="en-US" altLang="zh-CN" sz="2400" b="0" i="1" dirty="0" smtClean="0">
+                              <a:latin typeface="Cambria Math" charset="0"/>
+                            </a:rPr>
+                            <m:t>𝑥</m:t>
+                          </m:r>
+                        </m:e>
+                        <m:sup>
+                          <m:r>
+                            <a:rPr kumimoji="1" lang="en-US" altLang="zh-CN" sz="2400" b="0" i="1" dirty="0" smtClean="0">
+                              <a:latin typeface="Cambria Math" charset="0"/>
+                            </a:rPr>
+                            <m:t>2</m:t>
+                          </m:r>
+                        </m:sup>
+                      </m:sSup>
+                      <m:r>
+                        <a:rPr kumimoji="1" lang="en-US" altLang="zh-CN" sz="2400" b="0" i="1" dirty="0" smtClean="0">
+                          <a:latin typeface="Cambria Math" charset="0"/>
+                        </a:rPr>
+                        <m:t>+</m:t>
+                      </m:r>
+                      <m:sSub>
+                        <m:sSubPr>
+                          <m:ctrlPr>
+                            <a:rPr kumimoji="1" lang="en-US" altLang="zh-CN" sz="2400" b="0" i="1" dirty="0" smtClean="0">
+                              <a:latin typeface="Cambria Math" charset="0"/>
+                            </a:rPr>
+                          </m:ctrlPr>
+                        </m:sSubPr>
+                        <m:e>
+                          <m:r>
+                            <a:rPr kumimoji="1" lang="en-US" altLang="zh-CN" sz="2400" b="0" i="1" dirty="0" smtClean="0">
+                              <a:latin typeface="Cambria Math" charset="0"/>
+                            </a:rPr>
+                            <m:t>𝑤</m:t>
+                          </m:r>
+                        </m:e>
+                        <m:sub>
+                          <m:r>
+                            <a:rPr kumimoji="1" lang="en-US" altLang="zh-CN" sz="2400" b="0" i="1" dirty="0" smtClean="0">
+                              <a:latin typeface="Cambria Math" charset="0"/>
+                            </a:rPr>
+                            <m:t>3</m:t>
+                          </m:r>
+                        </m:sub>
+                      </m:sSub>
+                      <m:sSup>
+                        <m:sSupPr>
+                          <m:ctrlPr>
+                            <a:rPr kumimoji="1" lang="en-US" altLang="zh-CN" sz="2400" b="0" i="1" dirty="0" smtClean="0">
+                              <a:latin typeface="Cambria Math" charset="0"/>
+                            </a:rPr>
+                          </m:ctrlPr>
+                        </m:sSupPr>
+                        <m:e>
+                          <m:r>
+                            <a:rPr kumimoji="1" lang="en-US" altLang="zh-CN" sz="2400" b="0" i="1" dirty="0" smtClean="0">
+                              <a:latin typeface="Cambria Math" charset="0"/>
+                            </a:rPr>
+                            <m:t>𝑥</m:t>
+                          </m:r>
+                        </m:e>
+                        <m:sup>
+                          <m:r>
+                            <a:rPr kumimoji="1" lang="en-US" altLang="zh-CN" sz="2400" b="0" i="1" dirty="0" smtClean="0">
+                              <a:latin typeface="Cambria Math" charset="0"/>
+                            </a:rPr>
+                            <m:t>3</m:t>
+                          </m:r>
+                        </m:sup>
+                      </m:sSup>
+                      <m:r>
+                        <a:rPr kumimoji="1" lang="en-US" altLang="zh-CN" sz="2400" b="0" i="1" dirty="0" smtClean="0">
+                          <a:latin typeface="Cambria Math" charset="0"/>
+                        </a:rPr>
+                        <m:t>+…</m:t>
+                      </m:r>
+                      <m:sSub>
+                        <m:sSubPr>
+                          <m:ctrlPr>
+                            <a:rPr kumimoji="1" lang="en-US" altLang="zh-CN" sz="2400" b="0" i="1" dirty="0" smtClean="0">
+                              <a:latin typeface="Cambria Math" charset="0"/>
+                            </a:rPr>
+                          </m:ctrlPr>
+                        </m:sSubPr>
+                        <m:e>
+                          <m:r>
+                            <a:rPr kumimoji="1" lang="en-US" altLang="zh-CN" sz="2400" b="0" i="1" dirty="0" smtClean="0">
+                              <a:latin typeface="Cambria Math" charset="0"/>
+                            </a:rPr>
+                            <m:t>𝑤</m:t>
+                          </m:r>
+                        </m:e>
+                        <m:sub>
+                          <m:r>
+                            <a:rPr kumimoji="1" lang="en-US" altLang="zh-CN" sz="2400" b="0" i="1" dirty="0" smtClean="0">
+                              <a:latin typeface="Cambria Math" charset="0"/>
+                            </a:rPr>
+                            <m:t>𝑘</m:t>
+                          </m:r>
+                        </m:sub>
+                      </m:sSub>
+                      <m:sSup>
+                        <m:sSupPr>
+                          <m:ctrlPr>
+                            <a:rPr kumimoji="1" lang="en-US" altLang="zh-CN" sz="2400" b="0" i="1" dirty="0" smtClean="0">
+                              <a:latin typeface="Cambria Math" charset="0"/>
+                            </a:rPr>
+                          </m:ctrlPr>
+                        </m:sSupPr>
+                        <m:e>
+                          <m:r>
+                            <a:rPr kumimoji="1" lang="en-US" altLang="zh-CN" sz="2400" b="0" i="1" dirty="0" smtClean="0">
+                              <a:latin typeface="Cambria Math" charset="0"/>
+                            </a:rPr>
+                            <m:t>𝑥</m:t>
+                          </m:r>
+                        </m:e>
+                        <m:sup>
+                          <m:r>
+                            <a:rPr kumimoji="1" lang="en-US" altLang="zh-CN" sz="2400" b="0" i="1" dirty="0" smtClean="0">
+                              <a:latin typeface="Cambria Math" charset="0"/>
+                            </a:rPr>
+                            <m:t>𝑘</m:t>
+                          </m:r>
+                        </m:sup>
+                      </m:sSup>
+                    </m:oMath>
+                  </m:oMathPara>
+                </a14:m>
+                <a:endParaRPr lang="zh-CN" altLang="en-US" sz="2400" dirty="0"/>
+              </a:p>
+            </p:txBody>
+          </p:sp>
+        </mc:Choice>
+        <mc:Fallback>
+          <p:sp>
+            <p:nvSpPr>
+              <p:cNvPr id="7" name="矩形 6"/>
+              <p:cNvSpPr>
+                <a:spLocks noRot="1" noChangeAspect="1" noMove="1" noResize="1" noEditPoints="1" noAdjustHandles="1" noChangeArrowheads="1" noChangeShapeType="1" noTextEdit="1"/>
+              </p:cNvSpPr>
+              <p:nvPr/>
+            </p:nvSpPr>
+            <p:spPr>
+              <a:xfrm>
+                <a:off x="1269517" y="1576307"/>
+                <a:ext cx="5851345" cy="468205"/>
+              </a:xfrm>
+              <a:prstGeom prst="rect">
+                <a:avLst/>
+              </a:prstGeom>
+              <a:blipFill rotWithShape="0">
+                <a:blip r:embed="rId3"/>
+                <a:stretch>
+                  <a:fillRect/>
+                </a:stretch>
+              </a:blipFill>
+            </p:spPr>
+            <p:txBody>
+              <a:bodyPr/>
+              <a:lstStyle/>
+              <a:p>
+                <a:r>
+                  <a:rPr lang="zh-CN" altLang="en-US">
+                    <a:noFill/>
+                  </a:rPr>
+                  <a:t> </a:t>
+                </a:r>
+              </a:p>
+            </p:txBody>
+          </p:sp>
+        </mc:Fallback>
+      </mc:AlternateContent>
+    </p:spTree>
+    <p:extLst>
+      <p:ext uri="{BB962C8B-B14F-4D97-AF65-F5344CB8AC3E}">
+        <p14:creationId xmlns:p14="http://schemas.microsoft.com/office/powerpoint/2010/main" val="1395356307"/>
+      </p:ext>
+    </p:extLst>
+  </p:cSld>
+  <p:clrMapOvr>
+    <a:masterClrMapping/>
+  </p:clrMapOvr>
+</p:sld>
+</file>
+
+<file path=ppt/slides/slide35.xml><?xml version="1.0" encoding="utf-8"?>
+<p:sld xmlns:a="http://schemas.openxmlformats.org/drawingml/2006/main" xmlns:r="http://schemas.openxmlformats.org/officeDocument/2006/relationships" xmlns:p="http://schemas.openxmlformats.org/presentationml/2006/main">
+  <p:cSld>
+    <p:spTree>
+      <p:nvGrpSpPr>
+        <p:cNvPr id="1" name=""/>
+        <p:cNvGrpSpPr/>
+        <p:nvPr/>
+      </p:nvGrpSpPr>
+      <p:grpSpPr>
+        <a:xfrm>
+          <a:off x="0" y="0"/>
+          <a:ext cx="0" cy="0"/>
+          <a:chOff x="0" y="0"/>
+          <a:chExt cx="0" cy="0"/>
+        </a:xfrm>
+      </p:grpSpPr>
+      <p:pic>
+        <p:nvPicPr>
+          <p:cNvPr id="12" name="内容占位符 11"/>
+          <p:cNvPicPr>
+            <a:picLocks noGrp="1" noChangeAspect="1"/>
+          </p:cNvPicPr>
+          <p:nvPr>
+            <p:ph idx="1"/>
+          </p:nvPr>
+        </p:nvPicPr>
+        <p:blipFill>
+          <a:blip r:embed="rId2">
+            <a:extLst>
+              <a:ext uri="{28A0092B-C50C-407E-A947-70E740481C1C}">
+                <a14:useLocalDpi xmlns:a14="http://schemas.microsoft.com/office/drawing/2010/main" val="0"/>
+              </a:ext>
+            </a:extLst>
+          </a:blip>
+          <a:stretch>
+            <a:fillRect/>
+          </a:stretch>
+        </p:blipFill>
+        <p:spPr>
+          <a:xfrm>
+            <a:off x="4300694" y="3625607"/>
+            <a:ext cx="2960147" cy="1973431"/>
+          </a:xfrm>
+        </p:spPr>
+      </p:pic>
+      <p:sp>
+        <p:nvSpPr>
+          <p:cNvPr id="2" name="标题 1"/>
+          <p:cNvSpPr>
+            <a:spLocks noGrp="1"/>
+          </p:cNvSpPr>
+          <p:nvPr>
+            <p:ph type="title"/>
+          </p:nvPr>
+        </p:nvSpPr>
+        <p:spPr/>
+        <p:txBody>
+          <a:bodyPr/>
+          <a:lstStyle/>
+          <a:p>
+            <a:r>
+              <a:rPr kumimoji="1" lang="zh-CN" altLang="en-US" dirty="0" smtClean="0"/>
+              <a:t>正则化</a:t>
+            </a:r>
+            <a:endParaRPr kumimoji="1" lang="zh-CN" altLang="en-US" dirty="0"/>
+          </a:p>
+        </p:txBody>
+      </p:sp>
+      <p:sp>
+        <p:nvSpPr>
+          <p:cNvPr id="4" name="日期占位符 3"/>
+          <p:cNvSpPr>
+            <a:spLocks noGrp="1"/>
+          </p:cNvSpPr>
+          <p:nvPr>
+            <p:ph type="dt" sz="half" idx="10"/>
+          </p:nvPr>
+        </p:nvSpPr>
+        <p:spPr/>
+        <p:txBody>
+          <a:bodyPr/>
+          <a:lstStyle/>
+          <a:p>
+            <a:pPr>
+              <a:defRPr/>
+            </a:pPr>
+            <a:fld id="{95A2A19B-170D-1043-AE33-7A36DFB7BCDC}" type="datetime2">
+              <a:rPr lang="zh-CN" altLang="en-US" smtClean="0"/>
+              <a:t>2018年7月7日</a:t>
+            </a:fld>
+            <a:endParaRPr lang="en-US" altLang="zh-CN"/>
+          </a:p>
+        </p:txBody>
+      </p:sp>
+      <p:sp>
+        <p:nvSpPr>
+          <p:cNvPr id="5" name="页脚占位符 4"/>
+          <p:cNvSpPr>
+            <a:spLocks noGrp="1"/>
+          </p:cNvSpPr>
+          <p:nvPr>
+            <p:ph type="ftr" sz="quarter" idx="11"/>
+          </p:nvPr>
+        </p:nvSpPr>
+        <p:spPr/>
+        <p:txBody>
+          <a:bodyPr/>
+          <a:lstStyle/>
+          <a:p>
+            <a:pPr>
+              <a:defRPr/>
+            </a:pPr>
+            <a:r>
+              <a:rPr lang="zh-CN" altLang="en-US" smtClean="0"/>
+              <a:t>机器学习入门</a:t>
+            </a:r>
+            <a:endParaRPr lang="en-US" altLang="zh-CN" dirty="0"/>
+          </a:p>
+        </p:txBody>
+      </p:sp>
+      <p:sp>
+        <p:nvSpPr>
+          <p:cNvPr id="6" name="幻灯片编号占位符 5"/>
+          <p:cNvSpPr>
+            <a:spLocks noGrp="1"/>
+          </p:cNvSpPr>
+          <p:nvPr>
+            <p:ph type="sldNum" sz="quarter" idx="12"/>
+          </p:nvPr>
+        </p:nvSpPr>
+        <p:spPr/>
+        <p:txBody>
+          <a:bodyPr/>
+          <a:lstStyle/>
+          <a:p>
+            <a:pPr>
+              <a:defRPr/>
+            </a:pPr>
+            <a:fld id="{64C9EB70-B654-4058-838F-8806615D92E5}" type="slidenum">
+              <a:rPr lang="en-US" altLang="zh-CN" smtClean="0"/>
+              <a:pPr>
+                <a:defRPr/>
+              </a:pPr>
+              <a:t>35</a:t>
+            </a:fld>
+            <a:endParaRPr lang="en-US" altLang="zh-CN"/>
+          </a:p>
+        </p:txBody>
+      </p:sp>
+      <p:pic>
+        <p:nvPicPr>
+          <p:cNvPr id="8" name="图片 7"/>
+          <p:cNvPicPr>
+            <a:picLocks noChangeAspect="1"/>
+          </p:cNvPicPr>
+          <p:nvPr/>
+        </p:nvPicPr>
+        <p:blipFill>
+          <a:blip r:embed="rId3">
+            <a:extLst>
+              <a:ext uri="{28A0092B-C50C-407E-A947-70E740481C1C}">
+                <a14:useLocalDpi xmlns:a14="http://schemas.microsoft.com/office/drawing/2010/main" val="0"/>
+              </a:ext>
+            </a:extLst>
+          </a:blip>
+          <a:stretch>
+            <a:fillRect/>
+          </a:stretch>
+        </p:blipFill>
+        <p:spPr>
+          <a:xfrm>
+            <a:off x="426182" y="1492844"/>
+            <a:ext cx="3199145" cy="2132763"/>
+          </a:xfrm>
+          <a:prstGeom prst="rect">
+            <a:avLst/>
+          </a:prstGeom>
+        </p:spPr>
+      </p:pic>
+      <p:pic>
+        <p:nvPicPr>
+          <p:cNvPr id="9" name="图片 8"/>
+          <p:cNvPicPr>
+            <a:picLocks noChangeAspect="1"/>
+          </p:cNvPicPr>
+          <p:nvPr/>
+        </p:nvPicPr>
+        <p:blipFill>
+          <a:blip r:embed="rId4">
+            <a:extLst>
+              <a:ext uri="{28A0092B-C50C-407E-A947-70E740481C1C}">
+                <a14:useLocalDpi xmlns:a14="http://schemas.microsoft.com/office/drawing/2010/main" val="0"/>
+              </a:ext>
+            </a:extLst>
+          </a:blip>
+          <a:stretch>
+            <a:fillRect/>
+          </a:stretch>
+        </p:blipFill>
+        <p:spPr>
+          <a:xfrm>
+            <a:off x="7422847" y="1964122"/>
+            <a:ext cx="3049716" cy="2033144"/>
+          </a:xfrm>
+          <a:prstGeom prst="rect">
+            <a:avLst/>
+          </a:prstGeom>
+        </p:spPr>
+      </p:pic>
+      <p:pic>
+        <p:nvPicPr>
+          <p:cNvPr id="10" name="图片 9"/>
+          <p:cNvPicPr>
+            <a:picLocks noChangeAspect="1"/>
+          </p:cNvPicPr>
+          <p:nvPr/>
+        </p:nvPicPr>
+        <p:blipFill>
+          <a:blip r:embed="rId5">
+            <a:extLst>
+              <a:ext uri="{28A0092B-C50C-407E-A947-70E740481C1C}">
+                <a14:useLocalDpi xmlns:a14="http://schemas.microsoft.com/office/drawing/2010/main" val="0"/>
+              </a:ext>
+            </a:extLst>
+          </a:blip>
+          <a:stretch>
+            <a:fillRect/>
+          </a:stretch>
+        </p:blipFill>
+        <p:spPr>
+          <a:xfrm>
+            <a:off x="755651" y="3945376"/>
+            <a:ext cx="3111640" cy="2074427"/>
+          </a:xfrm>
+          <a:prstGeom prst="rect">
+            <a:avLst/>
+          </a:prstGeom>
+        </p:spPr>
+      </p:pic>
+    </p:spTree>
+    <p:extLst>
+      <p:ext uri="{BB962C8B-B14F-4D97-AF65-F5344CB8AC3E}">
+        <p14:creationId xmlns:p14="http://schemas.microsoft.com/office/powerpoint/2010/main" val="1533723241"/>
       </p:ext>
     </p:extLst>
   </p:cSld>
@@ -24066,7 +26087,7 @@
           <p:cNvPr id="2" name="标题 1">
             <a:extLst>
               <a:ext uri="{FF2B5EF4-FFF2-40B4-BE49-F238E27FC236}">
-                <a16:creationId xmlns:a16="http://schemas.microsoft.com/office/drawing/2014/main" id="{06C98B31-3ABF-4C01-9D2F-11C6CF2AC1A5}"/>
+                <a16:creationId xmlns:a16="http://schemas.microsoft.com/office/drawing/2014/main" xmlns="" id="{06C98B31-3ABF-4C01-9D2F-11C6CF2AC1A5}"/>
               </a:ext>
             </a:extLst>
           </p:cNvPr>
@@ -24094,7 +26115,7 @@
           <p:cNvPr id="3" name="内容占位符 2">
             <a:extLst>
               <a:ext uri="{FF2B5EF4-FFF2-40B4-BE49-F238E27FC236}">
-                <a16:creationId xmlns:a16="http://schemas.microsoft.com/office/drawing/2014/main" id="{550418E6-588F-4BA9-99DA-877BAED370B1}"/>
+                <a16:creationId xmlns:a16="http://schemas.microsoft.com/office/drawing/2014/main" xmlns="" id="{550418E6-588F-4BA9-99DA-877BAED370B1}"/>
               </a:ext>
             </a:extLst>
           </p:cNvPr>
@@ -24119,7 +26140,7 @@
           <p:cNvPr id="4" name="日期占位符 3">
             <a:extLst>
               <a:ext uri="{FF2B5EF4-FFF2-40B4-BE49-F238E27FC236}">
-                <a16:creationId xmlns:a16="http://schemas.microsoft.com/office/drawing/2014/main" id="{43207CFC-4B29-45C9-9440-27BC2C241187}"/>
+                <a16:creationId xmlns:a16="http://schemas.microsoft.com/office/drawing/2014/main" xmlns="" id="{43207CFC-4B29-45C9-9440-27BC2C241187}"/>
               </a:ext>
             </a:extLst>
           </p:cNvPr>
@@ -24140,7 +26161,7 @@
             </a:pPr>
             <a:fld id="{95A2A19B-170D-1043-AE33-7A36DFB7BCDC}" type="datetime2">
               <a:rPr lang="zh-CN" altLang="en-US" smtClean="0"/>
-              <a:t>2018年7月6日</a:t>
+              <a:t>2018年7月7日</a:t>
             </a:fld>
             <a:endParaRPr lang="en-US" altLang="zh-CN"/>
           </a:p>
@@ -24151,7 +26172,7 @@
           <p:cNvPr id="5" name="页脚占位符 4">
             <a:extLst>
               <a:ext uri="{FF2B5EF4-FFF2-40B4-BE49-F238E27FC236}">
-                <a16:creationId xmlns:a16="http://schemas.microsoft.com/office/drawing/2014/main" id="{CBCA3925-FE23-4200-8DD7-A55F36F30006}"/>
+                <a16:creationId xmlns:a16="http://schemas.microsoft.com/office/drawing/2014/main" xmlns="" id="{CBCA3925-FE23-4200-8DD7-A55F36F30006}"/>
               </a:ext>
             </a:extLst>
           </p:cNvPr>
@@ -24183,7 +26204,7 @@
           <p:cNvPr id="6" name="灯片编号占位符 5">
             <a:extLst>
               <a:ext uri="{FF2B5EF4-FFF2-40B4-BE49-F238E27FC236}">
-                <a16:creationId xmlns:a16="http://schemas.microsoft.com/office/drawing/2014/main" id="{20FC628E-9AF1-48D1-AC54-3D530E61A274}"/>
+                <a16:creationId xmlns:a16="http://schemas.microsoft.com/office/drawing/2014/main" xmlns="" id="{20FC628E-9AF1-48D1-AC54-3D530E61A274}"/>
               </a:ext>
             </a:extLst>
           </p:cNvPr>
@@ -24218,7 +26239,7 @@
           <p:cNvPr id="5122" name="Picture 2" descr="https://www.commitstrip.com/wp-content/uploads/2017/06/Strip-IA-construite-de-IF-english650-final.jpg">
             <a:extLst>
               <a:ext uri="{FF2B5EF4-FFF2-40B4-BE49-F238E27FC236}">
-                <a16:creationId xmlns:a16="http://schemas.microsoft.com/office/drawing/2014/main" id="{4DF110C7-8D63-4D66-8762-40C5737417F4}"/>
+                <a16:creationId xmlns:a16="http://schemas.microsoft.com/office/drawing/2014/main" xmlns="" id="{4DF110C7-8D63-4D66-8762-40C5737417F4}"/>
               </a:ext>
             </a:extLst>
           </p:cNvPr>
@@ -24265,7 +26286,7 @@
           <p:cNvPr id="7" name="矩形 6">
             <a:extLst>
               <a:ext uri="{FF2B5EF4-FFF2-40B4-BE49-F238E27FC236}">
-                <a16:creationId xmlns:a16="http://schemas.microsoft.com/office/drawing/2014/main" id="{C59625E3-2CC6-4590-99B2-E66279F9DB23}"/>
+                <a16:creationId xmlns:a16="http://schemas.microsoft.com/office/drawing/2014/main" xmlns="" id="{C59625E3-2CC6-4590-99B2-E66279F9DB23}"/>
               </a:ext>
             </a:extLst>
           </p:cNvPr>
@@ -24329,7 +26350,7 @@
           <p:cNvPr id="2" name="标题 1">
             <a:extLst>
               <a:ext uri="{FF2B5EF4-FFF2-40B4-BE49-F238E27FC236}">
-                <a16:creationId xmlns:a16="http://schemas.microsoft.com/office/drawing/2014/main" id="{3D575E97-A77B-49E8-B5D9-964F93E82C4F}"/>
+                <a16:creationId xmlns:a16="http://schemas.microsoft.com/office/drawing/2014/main" xmlns="" id="{3D575E97-A77B-49E8-B5D9-964F93E82C4F}"/>
               </a:ext>
             </a:extLst>
           </p:cNvPr>
@@ -24357,7 +26378,7 @@
           <p:cNvPr id="3" name="内容占位符 2">
             <a:extLst>
               <a:ext uri="{FF2B5EF4-FFF2-40B4-BE49-F238E27FC236}">
-                <a16:creationId xmlns:a16="http://schemas.microsoft.com/office/drawing/2014/main" id="{AA0B7FE1-5355-4D9B-B1FB-527AD72AE249}"/>
+                <a16:creationId xmlns:a16="http://schemas.microsoft.com/office/drawing/2014/main" xmlns="" id="{AA0B7FE1-5355-4D9B-B1FB-527AD72AE249}"/>
               </a:ext>
             </a:extLst>
           </p:cNvPr>
@@ -24382,7 +26403,7 @@
           <p:cNvPr id="4" name="日期占位符 3">
             <a:extLst>
               <a:ext uri="{FF2B5EF4-FFF2-40B4-BE49-F238E27FC236}">
-                <a16:creationId xmlns:a16="http://schemas.microsoft.com/office/drawing/2014/main" id="{16A3D19A-5644-4860-B10A-2A8DEBCF0F50}"/>
+                <a16:creationId xmlns:a16="http://schemas.microsoft.com/office/drawing/2014/main" xmlns="" id="{16A3D19A-5644-4860-B10A-2A8DEBCF0F50}"/>
               </a:ext>
             </a:extLst>
           </p:cNvPr>
@@ -24403,7 +26424,7 @@
             </a:pPr>
             <a:fld id="{95A2A19B-170D-1043-AE33-7A36DFB7BCDC}" type="datetime2">
               <a:rPr lang="zh-CN" altLang="en-US" smtClean="0"/>
-              <a:t>2018年7月6日</a:t>
+              <a:t>2018年7月7日</a:t>
             </a:fld>
             <a:endParaRPr lang="en-US" altLang="zh-CN"/>
           </a:p>
@@ -24414,7 +26435,7 @@
           <p:cNvPr id="5" name="页脚占位符 4">
             <a:extLst>
               <a:ext uri="{FF2B5EF4-FFF2-40B4-BE49-F238E27FC236}">
-                <a16:creationId xmlns:a16="http://schemas.microsoft.com/office/drawing/2014/main" id="{5285CB6F-8159-4202-83F7-3D1F01222890}"/>
+                <a16:creationId xmlns:a16="http://schemas.microsoft.com/office/drawing/2014/main" xmlns="" id="{5285CB6F-8159-4202-83F7-3D1F01222890}"/>
               </a:ext>
             </a:extLst>
           </p:cNvPr>
@@ -24446,7 +26467,7 @@
           <p:cNvPr id="6" name="灯片编号占位符 5">
             <a:extLst>
               <a:ext uri="{FF2B5EF4-FFF2-40B4-BE49-F238E27FC236}">
-                <a16:creationId xmlns:a16="http://schemas.microsoft.com/office/drawing/2014/main" id="{AA6BB02B-25CD-47DD-B20A-32CA7D6B58F7}"/>
+                <a16:creationId xmlns:a16="http://schemas.microsoft.com/office/drawing/2014/main" xmlns="" id="{AA6BB02B-25CD-47DD-B20A-32CA7D6B58F7}"/>
               </a:ext>
             </a:extLst>
           </p:cNvPr>
@@ -24481,7 +26502,7 @@
           <p:cNvPr id="1026" name="Picture 2" descr="What's the difference between Artificial Intelligence (AI), Machine Learning, and Deep Learning? ">
             <a:extLst>
               <a:ext uri="{FF2B5EF4-FFF2-40B4-BE49-F238E27FC236}">
-                <a16:creationId xmlns:a16="http://schemas.microsoft.com/office/drawing/2014/main" id="{49FA5ABC-542B-4875-A220-1DB242D2A693}"/>
+                <a16:creationId xmlns:a16="http://schemas.microsoft.com/office/drawing/2014/main" xmlns="" id="{49FA5ABC-542B-4875-A220-1DB242D2A693}"/>
               </a:ext>
             </a:extLst>
           </p:cNvPr>
@@ -24556,7 +26577,7 @@
           <p:cNvPr id="2" name="标题 1">
             <a:extLst>
               <a:ext uri="{FF2B5EF4-FFF2-40B4-BE49-F238E27FC236}">
-                <a16:creationId xmlns:a16="http://schemas.microsoft.com/office/drawing/2014/main" id="{00EF47F0-F9F0-4384-A28D-2F7EA6604747}"/>
+                <a16:creationId xmlns:a16="http://schemas.microsoft.com/office/drawing/2014/main" xmlns="" id="{00EF47F0-F9F0-4384-A28D-2F7EA6604747}"/>
               </a:ext>
             </a:extLst>
           </p:cNvPr>
@@ -24584,7 +26605,7 @@
           <p:cNvPr id="3" name="内容占位符 2">
             <a:extLst>
               <a:ext uri="{FF2B5EF4-FFF2-40B4-BE49-F238E27FC236}">
-                <a16:creationId xmlns:a16="http://schemas.microsoft.com/office/drawing/2014/main" id="{C0001DEF-B716-4266-9CFF-A80375B75278}"/>
+                <a16:creationId xmlns:a16="http://schemas.microsoft.com/office/drawing/2014/main" xmlns="" id="{C0001DEF-B716-4266-9CFF-A80375B75278}"/>
               </a:ext>
             </a:extLst>
           </p:cNvPr>
@@ -24684,7 +26705,7 @@
           <p:cNvPr id="4" name="日期占位符 3">
             <a:extLst>
               <a:ext uri="{FF2B5EF4-FFF2-40B4-BE49-F238E27FC236}">
-                <a16:creationId xmlns:a16="http://schemas.microsoft.com/office/drawing/2014/main" id="{9A9E74D4-2629-42B4-A639-65AD2231EB16}"/>
+                <a16:creationId xmlns:a16="http://schemas.microsoft.com/office/drawing/2014/main" xmlns="" id="{9A9E74D4-2629-42B4-A639-65AD2231EB16}"/>
               </a:ext>
             </a:extLst>
           </p:cNvPr>
@@ -24705,7 +26726,7 @@
             </a:pPr>
             <a:fld id="{95A2A19B-170D-1043-AE33-7A36DFB7BCDC}" type="datetime2">
               <a:rPr lang="zh-CN" altLang="en-US" smtClean="0"/>
-              <a:t>2018年7月6日</a:t>
+              <a:t>2018年7月7日</a:t>
             </a:fld>
             <a:endParaRPr lang="en-US" altLang="zh-CN"/>
           </a:p>
@@ -24716,7 +26737,7 @@
           <p:cNvPr id="5" name="页脚占位符 4">
             <a:extLst>
               <a:ext uri="{FF2B5EF4-FFF2-40B4-BE49-F238E27FC236}">
-                <a16:creationId xmlns:a16="http://schemas.microsoft.com/office/drawing/2014/main" id="{CE4C5854-4521-4BA4-812A-84224CC33D3A}"/>
+                <a16:creationId xmlns:a16="http://schemas.microsoft.com/office/drawing/2014/main" xmlns="" id="{CE4C5854-4521-4BA4-812A-84224CC33D3A}"/>
               </a:ext>
             </a:extLst>
           </p:cNvPr>
@@ -24748,7 +26769,7 @@
           <p:cNvPr id="6" name="灯片编号占位符 5">
             <a:extLst>
               <a:ext uri="{FF2B5EF4-FFF2-40B4-BE49-F238E27FC236}">
-                <a16:creationId xmlns:a16="http://schemas.microsoft.com/office/drawing/2014/main" id="{BC9B5A36-C297-4A63-9508-0EB0F59E688B}"/>
+                <a16:creationId xmlns:a16="http://schemas.microsoft.com/office/drawing/2014/main" xmlns="" id="{BC9B5A36-C297-4A63-9508-0EB0F59E688B}"/>
               </a:ext>
             </a:extLst>
           </p:cNvPr>
@@ -24813,7 +26834,7 @@
           <p:cNvPr id="2" name="标题 1">
             <a:extLst>
               <a:ext uri="{FF2B5EF4-FFF2-40B4-BE49-F238E27FC236}">
-                <a16:creationId xmlns:a16="http://schemas.microsoft.com/office/drawing/2014/main" id="{850AF670-A5A4-4402-B878-0D72BD26B363}"/>
+                <a16:creationId xmlns:a16="http://schemas.microsoft.com/office/drawing/2014/main" xmlns="" id="{850AF670-A5A4-4402-B878-0D72BD26B363}"/>
               </a:ext>
             </a:extLst>
           </p:cNvPr>
@@ -24841,7 +26862,7 @@
           <p:cNvPr id="3" name="内容占位符 2">
             <a:extLst>
               <a:ext uri="{FF2B5EF4-FFF2-40B4-BE49-F238E27FC236}">
-                <a16:creationId xmlns:a16="http://schemas.microsoft.com/office/drawing/2014/main" id="{1E032E9B-2346-4C80-B8CF-C4F95BB05D3B}"/>
+                <a16:creationId xmlns:a16="http://schemas.microsoft.com/office/drawing/2014/main" xmlns="" id="{1E032E9B-2346-4C80-B8CF-C4F95BB05D3B}"/>
               </a:ext>
             </a:extLst>
           </p:cNvPr>
@@ -24978,7 +26999,7 @@
           <p:cNvPr id="4" name="日期占位符 3">
             <a:extLst>
               <a:ext uri="{FF2B5EF4-FFF2-40B4-BE49-F238E27FC236}">
-                <a16:creationId xmlns:a16="http://schemas.microsoft.com/office/drawing/2014/main" id="{F5F7F895-C717-496A-B177-F8F0AA7A8B32}"/>
+                <a16:creationId xmlns:a16="http://schemas.microsoft.com/office/drawing/2014/main" xmlns="" id="{F5F7F895-C717-496A-B177-F8F0AA7A8B32}"/>
               </a:ext>
             </a:extLst>
           </p:cNvPr>
@@ -24999,7 +27020,7 @@
             </a:pPr>
             <a:fld id="{95A2A19B-170D-1043-AE33-7A36DFB7BCDC}" type="datetime2">
               <a:rPr lang="zh-CN" altLang="en-US" smtClean="0"/>
-              <a:t>2018年7月6日</a:t>
+              <a:t>2018年7月7日</a:t>
             </a:fld>
             <a:endParaRPr lang="en-US" altLang="zh-CN"/>
           </a:p>
@@ -25010,7 +27031,7 @@
           <p:cNvPr id="5" name="页脚占位符 4">
             <a:extLst>
               <a:ext uri="{FF2B5EF4-FFF2-40B4-BE49-F238E27FC236}">
-                <a16:creationId xmlns:a16="http://schemas.microsoft.com/office/drawing/2014/main" id="{07A4A687-EC6D-400B-9A11-BD0B04609A25}"/>
+                <a16:creationId xmlns:a16="http://schemas.microsoft.com/office/drawing/2014/main" xmlns="" id="{07A4A687-EC6D-400B-9A11-BD0B04609A25}"/>
               </a:ext>
             </a:extLst>
           </p:cNvPr>
@@ -25042,7 +27063,7 @@
           <p:cNvPr id="6" name="灯片编号占位符 5">
             <a:extLst>
               <a:ext uri="{FF2B5EF4-FFF2-40B4-BE49-F238E27FC236}">
-                <a16:creationId xmlns:a16="http://schemas.microsoft.com/office/drawing/2014/main" id="{2904A806-D958-4E7E-9F65-B19FF0152F22}"/>
+                <a16:creationId xmlns:a16="http://schemas.microsoft.com/office/drawing/2014/main" xmlns="" id="{2904A806-D958-4E7E-9F65-B19FF0152F22}"/>
               </a:ext>
             </a:extLst>
           </p:cNvPr>
@@ -25077,7 +27098,7 @@
           <p:cNvPr id="7" name="表格 6">
             <a:extLst>
               <a:ext uri="{FF2B5EF4-FFF2-40B4-BE49-F238E27FC236}">
-                <a16:creationId xmlns:a16="http://schemas.microsoft.com/office/drawing/2014/main" id="{AD12D45B-71E3-473A-9FD4-BDB875D07CA4}"/>
+                <a16:creationId xmlns:a16="http://schemas.microsoft.com/office/drawing/2014/main" xmlns="" id="{AD12D45B-71E3-473A-9FD4-BDB875D07CA4}"/>
               </a:ext>
             </a:extLst>
           </p:cNvPr>
@@ -25106,35 +27127,35 @@
                 <a:gridCol w="1219200">
                   <a:extLst>
                     <a:ext uri="{9D8B030D-6E8A-4147-A177-3AD203B41FA5}">
-                      <a16:colId xmlns:a16="http://schemas.microsoft.com/office/drawing/2014/main" val="20000"/>
+                      <a16:colId xmlns:a16="http://schemas.microsoft.com/office/drawing/2014/main" xmlns="" val="20000"/>
                     </a:ext>
                   </a:extLst>
                 </a:gridCol>
                 <a:gridCol w="1219200">
                   <a:extLst>
                     <a:ext uri="{9D8B030D-6E8A-4147-A177-3AD203B41FA5}">
-                      <a16:colId xmlns:a16="http://schemas.microsoft.com/office/drawing/2014/main" val="20001"/>
+                      <a16:colId xmlns:a16="http://schemas.microsoft.com/office/drawing/2014/main" xmlns="" val="20001"/>
                     </a:ext>
                   </a:extLst>
                 </a:gridCol>
                 <a:gridCol w="1219200">
                   <a:extLst>
                     <a:ext uri="{9D8B030D-6E8A-4147-A177-3AD203B41FA5}">
-                      <a16:colId xmlns:a16="http://schemas.microsoft.com/office/drawing/2014/main" val="20002"/>
+                      <a16:colId xmlns:a16="http://schemas.microsoft.com/office/drawing/2014/main" xmlns="" val="20002"/>
                     </a:ext>
                   </a:extLst>
                 </a:gridCol>
                 <a:gridCol w="1219200">
                   <a:extLst>
                     <a:ext uri="{9D8B030D-6E8A-4147-A177-3AD203B41FA5}">
-                      <a16:colId xmlns:a16="http://schemas.microsoft.com/office/drawing/2014/main" val="20003"/>
+                      <a16:colId xmlns:a16="http://schemas.microsoft.com/office/drawing/2014/main" xmlns="" val="20003"/>
                     </a:ext>
                   </a:extLst>
                 </a:gridCol>
                 <a:gridCol w="1219200">
                   <a:extLst>
                     <a:ext uri="{9D8B030D-6E8A-4147-A177-3AD203B41FA5}">
-                      <a16:colId xmlns:a16="http://schemas.microsoft.com/office/drawing/2014/main" val="20004"/>
+                      <a16:colId xmlns:a16="http://schemas.microsoft.com/office/drawing/2014/main" xmlns="" val="20004"/>
                     </a:ext>
                   </a:extLst>
                 </a:gridCol>
@@ -25208,7 +27229,7 @@
                 </a:tc>
                 <a:extLst>
                   <a:ext uri="{0D108BD9-81ED-4DB2-BD59-A6C34878D82A}">
-                    <a16:rowId xmlns:a16="http://schemas.microsoft.com/office/drawing/2014/main" val="10000"/>
+                    <a16:rowId xmlns:a16="http://schemas.microsoft.com/office/drawing/2014/main" xmlns="" val="10000"/>
                   </a:ext>
                 </a:extLst>
               </a:tr>
@@ -25283,7 +27304,7 @@
                 </a:tc>
                 <a:extLst>
                   <a:ext uri="{0D108BD9-81ED-4DB2-BD59-A6C34878D82A}">
-                    <a16:rowId xmlns:a16="http://schemas.microsoft.com/office/drawing/2014/main" val="10001"/>
+                    <a16:rowId xmlns:a16="http://schemas.microsoft.com/office/drawing/2014/main" xmlns="" val="10001"/>
                   </a:ext>
                 </a:extLst>
               </a:tr>
@@ -25358,7 +27379,7 @@
                 </a:tc>
                 <a:extLst>
                   <a:ext uri="{0D108BD9-81ED-4DB2-BD59-A6C34878D82A}">
-                    <a16:rowId xmlns:a16="http://schemas.microsoft.com/office/drawing/2014/main" val="10002"/>
+                    <a16:rowId xmlns:a16="http://schemas.microsoft.com/office/drawing/2014/main" xmlns="" val="10002"/>
                   </a:ext>
                 </a:extLst>
               </a:tr>
@@ -25435,7 +27456,7 @@
                 </a:tc>
                 <a:extLst>
                   <a:ext uri="{0D108BD9-81ED-4DB2-BD59-A6C34878D82A}">
-                    <a16:rowId xmlns:a16="http://schemas.microsoft.com/office/drawing/2014/main" val="10003"/>
+                    <a16:rowId xmlns:a16="http://schemas.microsoft.com/office/drawing/2014/main" xmlns="" val="10003"/>
                   </a:ext>
                 </a:extLst>
               </a:tr>
@@ -25564,7 +27585,7 @@
           <p:cNvPr id="2" name="标题 1">
             <a:extLst>
               <a:ext uri="{FF2B5EF4-FFF2-40B4-BE49-F238E27FC236}">
-                <a16:creationId xmlns:a16="http://schemas.microsoft.com/office/drawing/2014/main" id="{73538CFB-0345-441B-AD1A-0A4152508F27}"/>
+                <a16:creationId xmlns:a16="http://schemas.microsoft.com/office/drawing/2014/main" xmlns="" id="{73538CFB-0345-441B-AD1A-0A4152508F27}"/>
               </a:ext>
             </a:extLst>
           </p:cNvPr>
@@ -25592,7 +27613,7 @@
           <p:cNvPr id="4" name="日期占位符 3">
             <a:extLst>
               <a:ext uri="{FF2B5EF4-FFF2-40B4-BE49-F238E27FC236}">
-                <a16:creationId xmlns:a16="http://schemas.microsoft.com/office/drawing/2014/main" id="{751CA06F-A0A4-4646-941C-486BB210E464}"/>
+                <a16:creationId xmlns:a16="http://schemas.microsoft.com/office/drawing/2014/main" xmlns="" id="{751CA06F-A0A4-4646-941C-486BB210E464}"/>
               </a:ext>
             </a:extLst>
           </p:cNvPr>
@@ -25613,7 +27634,7 @@
             </a:pPr>
             <a:fld id="{95A2A19B-170D-1043-AE33-7A36DFB7BCDC}" type="datetime2">
               <a:rPr lang="zh-CN" altLang="en-US" smtClean="0"/>
-              <a:t>2018年7月6日</a:t>
+              <a:t>2018年7月7日</a:t>
             </a:fld>
             <a:endParaRPr lang="en-US" altLang="zh-CN"/>
           </a:p>
@@ -25624,7 +27645,7 @@
           <p:cNvPr id="5" name="页脚占位符 4">
             <a:extLst>
               <a:ext uri="{FF2B5EF4-FFF2-40B4-BE49-F238E27FC236}">
-                <a16:creationId xmlns:a16="http://schemas.microsoft.com/office/drawing/2014/main" id="{EC5AE77E-B6CF-4BD1-87D3-6C1230551547}"/>
+                <a16:creationId xmlns:a16="http://schemas.microsoft.com/office/drawing/2014/main" xmlns="" id="{EC5AE77E-B6CF-4BD1-87D3-6C1230551547}"/>
               </a:ext>
             </a:extLst>
           </p:cNvPr>
@@ -25656,7 +27677,7 @@
           <p:cNvPr id="6" name="灯片编号占位符 5">
             <a:extLst>
               <a:ext uri="{FF2B5EF4-FFF2-40B4-BE49-F238E27FC236}">
-                <a16:creationId xmlns:a16="http://schemas.microsoft.com/office/drawing/2014/main" id="{3958DCE8-899D-4052-91B3-B72D1274AF4C}"/>
+                <a16:creationId xmlns:a16="http://schemas.microsoft.com/office/drawing/2014/main" xmlns="" id="{3958DCE8-899D-4052-91B3-B72D1274AF4C}"/>
               </a:ext>
             </a:extLst>
           </p:cNvPr>
@@ -25691,7 +27712,7 @@
           <p:cNvPr id="21" name="矩形 20">
             <a:extLst>
               <a:ext uri="{FF2B5EF4-FFF2-40B4-BE49-F238E27FC236}">
-                <a16:creationId xmlns:a16="http://schemas.microsoft.com/office/drawing/2014/main" id="{CEED0D80-61B1-4050-811E-8C2BBF74C98C}"/>
+                <a16:creationId xmlns:a16="http://schemas.microsoft.com/office/drawing/2014/main" xmlns="" id="{CEED0D80-61B1-4050-811E-8C2BBF74C98C}"/>
               </a:ext>
             </a:extLst>
           </p:cNvPr>
@@ -25732,7 +27753,7 @@
           <p:cNvPr id="22" name="圖片 22">
             <a:extLst>
               <a:ext uri="{FF2B5EF4-FFF2-40B4-BE49-F238E27FC236}">
-                <a16:creationId xmlns:a16="http://schemas.microsoft.com/office/drawing/2014/main" id="{3195B14A-0E3B-43EE-AB34-14218035CC0E}"/>
+                <a16:creationId xmlns:a16="http://schemas.microsoft.com/office/drawing/2014/main" xmlns="" id="{3195B14A-0E3B-43EE-AB34-14218035CC0E}"/>
               </a:ext>
             </a:extLst>
           </p:cNvPr>
@@ -25762,7 +27783,7 @@
           <p:cNvPr id="23" name="圖片 23">
             <a:extLst>
               <a:ext uri="{FF2B5EF4-FFF2-40B4-BE49-F238E27FC236}">
-                <a16:creationId xmlns:a16="http://schemas.microsoft.com/office/drawing/2014/main" id="{2A883490-DCBE-4E53-9929-31FEA0EEFA15}"/>
+                <a16:creationId xmlns:a16="http://schemas.microsoft.com/office/drawing/2014/main" xmlns="" id="{2A883490-DCBE-4E53-9929-31FEA0EEFA15}"/>
               </a:ext>
             </a:extLst>
           </p:cNvPr>
@@ -25792,7 +27813,7 @@
           <p:cNvPr id="24" name="文字方塊 24">
             <a:extLst>
               <a:ext uri="{FF2B5EF4-FFF2-40B4-BE49-F238E27FC236}">
-                <a16:creationId xmlns:a16="http://schemas.microsoft.com/office/drawing/2014/main" id="{C0263DDF-1D6D-4FA1-8F3D-8A2BC3A63611}"/>
+                <a16:creationId xmlns:a16="http://schemas.microsoft.com/office/drawing/2014/main" xmlns="" id="{C0263DDF-1D6D-4FA1-8F3D-8A2BC3A63611}"/>
               </a:ext>
             </a:extLst>
           </p:cNvPr>
@@ -25829,7 +27850,7 @@
           <p:cNvPr id="25" name="文字方塊 25">
             <a:extLst>
               <a:ext uri="{FF2B5EF4-FFF2-40B4-BE49-F238E27FC236}">
-                <a16:creationId xmlns:a16="http://schemas.microsoft.com/office/drawing/2014/main" id="{7A8B5F87-28B9-4BCD-92F3-F5B2BEB6FBE7}"/>
+                <a16:creationId xmlns:a16="http://schemas.microsoft.com/office/drawing/2014/main" xmlns="" id="{7A8B5F87-28B9-4BCD-92F3-F5B2BEB6FBE7}"/>
               </a:ext>
             </a:extLst>
           </p:cNvPr>
@@ -25866,7 +27887,7 @@
           <p:cNvPr id="26" name="圖片 26">
             <a:extLst>
               <a:ext uri="{FF2B5EF4-FFF2-40B4-BE49-F238E27FC236}">
-                <a16:creationId xmlns:a16="http://schemas.microsoft.com/office/drawing/2014/main" id="{DC98FF27-FDDE-4A3A-A4C7-DC5ABF2A3C1E}"/>
+                <a16:creationId xmlns:a16="http://schemas.microsoft.com/office/drawing/2014/main" xmlns="" id="{DC98FF27-FDDE-4A3A-A4C7-DC5ABF2A3C1E}"/>
               </a:ext>
             </a:extLst>
           </p:cNvPr>
@@ -25896,7 +27917,7 @@
           <p:cNvPr id="27" name="圖片 3">
             <a:extLst>
               <a:ext uri="{FF2B5EF4-FFF2-40B4-BE49-F238E27FC236}">
-                <a16:creationId xmlns:a16="http://schemas.microsoft.com/office/drawing/2014/main" id="{09096899-FF6D-429A-92C8-9E7E8F3BEE87}"/>
+                <a16:creationId xmlns:a16="http://schemas.microsoft.com/office/drawing/2014/main" xmlns="" id="{09096899-FF6D-429A-92C8-9E7E8F3BEE87}"/>
               </a:ext>
             </a:extLst>
           </p:cNvPr>
@@ -25926,7 +27947,7 @@
           <p:cNvPr id="28" name="文字方塊 15">
             <a:extLst>
               <a:ext uri="{FF2B5EF4-FFF2-40B4-BE49-F238E27FC236}">
-                <a16:creationId xmlns:a16="http://schemas.microsoft.com/office/drawing/2014/main" id="{D6B06996-B3AF-40BA-BC93-895C80DEA802}"/>
+                <a16:creationId xmlns:a16="http://schemas.microsoft.com/office/drawing/2014/main" xmlns="" id="{D6B06996-B3AF-40BA-BC93-895C80DEA802}"/>
               </a:ext>
             </a:extLst>
           </p:cNvPr>
@@ -25962,7 +27983,7 @@
           <p:cNvPr id="29" name="文字方塊 16">
             <a:extLst>
               <a:ext uri="{FF2B5EF4-FFF2-40B4-BE49-F238E27FC236}">
-                <a16:creationId xmlns:a16="http://schemas.microsoft.com/office/drawing/2014/main" id="{5B9ED6F4-0637-41F0-B528-3B15CCE91C64}"/>
+                <a16:creationId xmlns:a16="http://schemas.microsoft.com/office/drawing/2014/main" xmlns="" id="{5B9ED6F4-0637-41F0-B528-3B15CCE91C64}"/>
               </a:ext>
             </a:extLst>
           </p:cNvPr>
@@ -26008,7 +28029,7 @@
           <p:cNvPr id="30" name="直線單箭頭接點 18">
             <a:extLst>
               <a:ext uri="{FF2B5EF4-FFF2-40B4-BE49-F238E27FC236}">
-                <a16:creationId xmlns:a16="http://schemas.microsoft.com/office/drawing/2014/main" id="{ED0F6F3D-4FF8-4672-8160-FE272B188CFB}"/>
+                <a16:creationId xmlns:a16="http://schemas.microsoft.com/office/drawing/2014/main" xmlns="" id="{ED0F6F3D-4FF8-4672-8160-FE272B188CFB}"/>
               </a:ext>
             </a:extLst>
           </p:cNvPr>
@@ -26050,7 +28071,7 @@
           <p:cNvPr id="31" name="弧形箭號 (下彎) 19">
             <a:extLst>
               <a:ext uri="{FF2B5EF4-FFF2-40B4-BE49-F238E27FC236}">
-                <a16:creationId xmlns:a16="http://schemas.microsoft.com/office/drawing/2014/main" id="{03211EF6-E77F-414F-8999-D781D4FE443A}"/>
+                <a16:creationId xmlns:a16="http://schemas.microsoft.com/office/drawing/2014/main" xmlns="" id="{03211EF6-E77F-414F-8999-D781D4FE443A}"/>
               </a:ext>
             </a:extLst>
           </p:cNvPr>
@@ -26100,7 +28121,7 @@
           <p:cNvPr id="32" name="弧形箭號 (下彎) 20">
             <a:extLst>
               <a:ext uri="{FF2B5EF4-FFF2-40B4-BE49-F238E27FC236}">
-                <a16:creationId xmlns:a16="http://schemas.microsoft.com/office/drawing/2014/main" id="{27529EEB-049E-4AEE-A4B4-EFBED607850D}"/>
+                <a16:creationId xmlns:a16="http://schemas.microsoft.com/office/drawing/2014/main" xmlns="" id="{27529EEB-049E-4AEE-A4B4-EFBED607850D}"/>
               </a:ext>
             </a:extLst>
           </p:cNvPr>
@@ -26154,7 +28175,7 @@
           <p:cNvPr id="33" name="文字方塊 17">
             <a:extLst>
               <a:ext uri="{FF2B5EF4-FFF2-40B4-BE49-F238E27FC236}">
-                <a16:creationId xmlns:a16="http://schemas.microsoft.com/office/drawing/2014/main" id="{0903127E-3CE9-4CCF-8ED3-A932FB7C3B6F}"/>
+                <a16:creationId xmlns:a16="http://schemas.microsoft.com/office/drawing/2014/main" xmlns="" id="{0903127E-3CE9-4CCF-8ED3-A932FB7C3B6F}"/>
               </a:ext>
             </a:extLst>
           </p:cNvPr>
@@ -26201,7 +28222,7 @@
           <p:cNvPr id="34" name="Picture 12" descr="https://encrypted-tbn1.gstatic.com/images?q=tbn:ANd9GcRcwlRKAlSIaCI4W5PRYVbuBQQXifF-56bFqAjh9DMe-_3Lh8_YKw">
             <a:extLst>
               <a:ext uri="{FF2B5EF4-FFF2-40B4-BE49-F238E27FC236}">
-                <a16:creationId xmlns:a16="http://schemas.microsoft.com/office/drawing/2014/main" id="{5433C88E-CA93-4C19-B5C4-B268A4F15FA2}"/>
+                <a16:creationId xmlns:a16="http://schemas.microsoft.com/office/drawing/2014/main" xmlns="" id="{5433C88E-CA93-4C19-B5C4-B268A4F15FA2}"/>
               </a:ext>
             </a:extLst>
           </p:cNvPr>
@@ -26248,7 +28269,7 @@
           <p:cNvPr id="35" name="文字方塊 14">
             <a:extLst>
               <a:ext uri="{FF2B5EF4-FFF2-40B4-BE49-F238E27FC236}">
-                <a16:creationId xmlns:a16="http://schemas.microsoft.com/office/drawing/2014/main" id="{6B9AE08C-3526-4F30-A792-29BD20283793}"/>
+                <a16:creationId xmlns:a16="http://schemas.microsoft.com/office/drawing/2014/main" xmlns="" id="{6B9AE08C-3526-4F30-A792-29BD20283793}"/>
               </a:ext>
             </a:extLst>
           </p:cNvPr>
@@ -26821,7 +28842,7 @@
           <p:cNvPr id="2" name="标题 1">
             <a:extLst>
               <a:ext uri="{FF2B5EF4-FFF2-40B4-BE49-F238E27FC236}">
-                <a16:creationId xmlns:a16="http://schemas.microsoft.com/office/drawing/2014/main" id="{D6F643E1-7647-4208-BA5E-8F558C755A32}"/>
+                <a16:creationId xmlns:a16="http://schemas.microsoft.com/office/drawing/2014/main" xmlns="" id="{D6F643E1-7647-4208-BA5E-8F558C755A32}"/>
               </a:ext>
             </a:extLst>
           </p:cNvPr>
@@ -26849,7 +28870,7 @@
           <p:cNvPr id="3" name="内容占位符 2">
             <a:extLst>
               <a:ext uri="{FF2B5EF4-FFF2-40B4-BE49-F238E27FC236}">
-                <a16:creationId xmlns:a16="http://schemas.microsoft.com/office/drawing/2014/main" id="{DDFA032E-57EF-444C-9DE4-98A6B647C5FC}"/>
+                <a16:creationId xmlns:a16="http://schemas.microsoft.com/office/drawing/2014/main" xmlns="" id="{DDFA032E-57EF-444C-9DE4-98A6B647C5FC}"/>
               </a:ext>
             </a:extLst>
           </p:cNvPr>
@@ -26944,7 +28965,7 @@
           <p:cNvPr id="4" name="日期占位符 3">
             <a:extLst>
               <a:ext uri="{FF2B5EF4-FFF2-40B4-BE49-F238E27FC236}">
-                <a16:creationId xmlns:a16="http://schemas.microsoft.com/office/drawing/2014/main" id="{B3A58633-8D37-4388-B282-4E83E2832399}"/>
+                <a16:creationId xmlns:a16="http://schemas.microsoft.com/office/drawing/2014/main" xmlns="" id="{B3A58633-8D37-4388-B282-4E83E2832399}"/>
               </a:ext>
             </a:extLst>
           </p:cNvPr>
@@ -26965,7 +28986,7 @@
             </a:pPr>
             <a:fld id="{95A2A19B-170D-1043-AE33-7A36DFB7BCDC}" type="datetime2">
               <a:rPr lang="zh-CN" altLang="en-US" smtClean="0"/>
-              <a:t>2018年7月6日</a:t>
+              <a:t>2018年7月7日</a:t>
             </a:fld>
             <a:endParaRPr lang="en-US" altLang="zh-CN"/>
           </a:p>
@@ -26976,7 +28997,7 @@
           <p:cNvPr id="5" name="页脚占位符 4">
             <a:extLst>
               <a:ext uri="{FF2B5EF4-FFF2-40B4-BE49-F238E27FC236}">
-                <a16:creationId xmlns:a16="http://schemas.microsoft.com/office/drawing/2014/main" id="{22DC7178-14EB-4109-B0FC-CE518823E624}"/>
+                <a16:creationId xmlns:a16="http://schemas.microsoft.com/office/drawing/2014/main" xmlns="" id="{22DC7178-14EB-4109-B0FC-CE518823E624}"/>
               </a:ext>
             </a:extLst>
           </p:cNvPr>
@@ -27008,7 +29029,7 @@
           <p:cNvPr id="6" name="灯片编号占位符 5">
             <a:extLst>
               <a:ext uri="{FF2B5EF4-FFF2-40B4-BE49-F238E27FC236}">
-                <a16:creationId xmlns:a16="http://schemas.microsoft.com/office/drawing/2014/main" id="{443CE0CF-4AED-47E2-8168-A4391E230779}"/>
+                <a16:creationId xmlns:a16="http://schemas.microsoft.com/office/drawing/2014/main" xmlns="" id="{443CE0CF-4AED-47E2-8168-A4391E230779}"/>
               </a:ext>
             </a:extLst>
           </p:cNvPr>
@@ -27043,7 +29064,7 @@
           <p:cNvPr id="7" name="Object 12">
             <a:extLst>
               <a:ext uri="{FF2B5EF4-FFF2-40B4-BE49-F238E27FC236}">
-                <a16:creationId xmlns:a16="http://schemas.microsoft.com/office/drawing/2014/main" id="{6CBF1C74-A606-403D-B03C-CDE8AEF3792D}"/>
+                <a16:creationId xmlns:a16="http://schemas.microsoft.com/office/drawing/2014/main" xmlns="" id="{6CBF1C74-A606-403D-B03C-CDE8AEF3792D}"/>
               </a:ext>
             </a:extLst>
           </p:cNvPr>
@@ -27062,7 +29083,7 @@
           <a:graphicData uri="http://schemas.openxmlformats.org/presentationml/2006/ole">
             <mc:AlternateContent xmlns:mc="http://schemas.openxmlformats.org/markup-compatibility/2006">
               <mc:Choice xmlns:v="urn:schemas-microsoft-com:vml" Requires="v">
-                <p:oleObj spid="_x0000_s2235" name="方程式" r:id="rId3" imgW="1790640" imgH="215640" progId="Equation.3">
+                <p:oleObj spid="_x0000_s2248" name="方程式" r:id="rId3" imgW="1790640" imgH="215640" progId="Equation.3">
                   <p:embed/>
                 </p:oleObj>
               </mc:Choice>
@@ -27115,7 +29136,7 @@
           <p:cNvPr id="8" name="文字方塊 8">
             <a:extLst>
               <a:ext uri="{FF2B5EF4-FFF2-40B4-BE49-F238E27FC236}">
-                <a16:creationId xmlns:a16="http://schemas.microsoft.com/office/drawing/2014/main" id="{86F09955-8ADC-4760-A3EE-D5CC28A0526E}"/>
+                <a16:creationId xmlns:a16="http://schemas.microsoft.com/office/drawing/2014/main" xmlns="" id="{86F09955-8ADC-4760-A3EE-D5CC28A0526E}"/>
               </a:ext>
             </a:extLst>
           </p:cNvPr>
@@ -27151,7 +29172,7 @@
           <p:cNvPr id="9" name="圖片 11">
             <a:extLst>
               <a:ext uri="{FF2B5EF4-FFF2-40B4-BE49-F238E27FC236}">
-                <a16:creationId xmlns:a16="http://schemas.microsoft.com/office/drawing/2014/main" id="{C6AB4598-5943-4A21-AA07-865D97A847CC}"/>
+                <a16:creationId xmlns:a16="http://schemas.microsoft.com/office/drawing/2014/main" xmlns="" id="{C6AB4598-5943-4A21-AA07-865D97A847CC}"/>
               </a:ext>
             </a:extLst>
           </p:cNvPr>
@@ -27187,7 +29208,7 @@
           <p:cNvPr id="10" name="Object 12">
             <a:extLst>
               <a:ext uri="{FF2B5EF4-FFF2-40B4-BE49-F238E27FC236}">
-                <a16:creationId xmlns:a16="http://schemas.microsoft.com/office/drawing/2014/main" id="{905F5424-ADB9-4D8E-8423-2B5950B537AA}"/>
+                <a16:creationId xmlns:a16="http://schemas.microsoft.com/office/drawing/2014/main" xmlns="" id="{905F5424-ADB9-4D8E-8423-2B5950B537AA}"/>
               </a:ext>
             </a:extLst>
           </p:cNvPr>
@@ -27210,7 +29231,7 @@
           <a:graphicData uri="http://schemas.openxmlformats.org/presentationml/2006/ole">
             <mc:AlternateContent xmlns:mc="http://schemas.openxmlformats.org/markup-compatibility/2006">
               <mc:Choice xmlns:v="urn:schemas-microsoft-com:vml" Requires="v">
-                <p:oleObj spid="_x0000_s2236" name="方程式" r:id="rId6" imgW="1790640" imgH="215640" progId="Equation.3">
+                <p:oleObj spid="_x0000_s2249" name="方程式" r:id="rId6" imgW="1790640" imgH="215640" progId="Equation.3">
                   <p:embed/>
                 </p:oleObj>
               </mc:Choice>
@@ -27263,7 +29284,7 @@
           <p:cNvPr id="11" name="文字方塊 7">
             <a:extLst>
               <a:ext uri="{FF2B5EF4-FFF2-40B4-BE49-F238E27FC236}">
-                <a16:creationId xmlns:a16="http://schemas.microsoft.com/office/drawing/2014/main" id="{389CB547-3633-486B-BFE0-673AECDBA2AA}"/>
+                <a16:creationId xmlns:a16="http://schemas.microsoft.com/office/drawing/2014/main" xmlns="" id="{389CB547-3633-486B-BFE0-673AECDBA2AA}"/>
               </a:ext>
             </a:extLst>
           </p:cNvPr>
@@ -27299,7 +29320,7 @@
           <p:cNvPr id="12" name="Picture 12" descr="https://encrypted-tbn1.gstatic.com/images?q=tbn:ANd9GcRcwlRKAlSIaCI4W5PRYVbuBQQXifF-56bFqAjh9DMe-_3Lh8_YKw">
             <a:extLst>
               <a:ext uri="{FF2B5EF4-FFF2-40B4-BE49-F238E27FC236}">
-                <a16:creationId xmlns:a16="http://schemas.microsoft.com/office/drawing/2014/main" id="{01A4C000-ACF8-43CF-91CB-081E28A7E99D}"/>
+                <a16:creationId xmlns:a16="http://schemas.microsoft.com/office/drawing/2014/main" xmlns="" id="{01A4C000-ACF8-43CF-91CB-081E28A7E99D}"/>
               </a:ext>
             </a:extLst>
           </p:cNvPr>
@@ -27346,7 +29367,7 @@
           <p:cNvPr id="13" name="Object 12">
             <a:extLst>
               <a:ext uri="{FF2B5EF4-FFF2-40B4-BE49-F238E27FC236}">
-                <a16:creationId xmlns:a16="http://schemas.microsoft.com/office/drawing/2014/main" id="{B8E14440-161E-470A-BB36-DE87ED092B58}"/>
+                <a16:creationId xmlns:a16="http://schemas.microsoft.com/office/drawing/2014/main" xmlns="" id="{B8E14440-161E-470A-BB36-DE87ED092B58}"/>
               </a:ext>
             </a:extLst>
           </p:cNvPr>
@@ -27369,7 +29390,7 @@
           <a:graphicData uri="http://schemas.openxmlformats.org/presentationml/2006/ole">
             <mc:AlternateContent xmlns:mc="http://schemas.openxmlformats.org/markup-compatibility/2006">
               <mc:Choice xmlns:v="urn:schemas-microsoft-com:vml" Requires="v">
-                <p:oleObj spid="_x0000_s2237" name="方程式" r:id="rId8" imgW="1790640" imgH="215640" progId="Equation.3">
+                <p:oleObj spid="_x0000_s2250" name="方程式" r:id="rId8" imgW="1790640" imgH="215640" progId="Equation.3">
                   <p:embed/>
                 </p:oleObj>
               </mc:Choice>
@@ -27422,7 +29443,7 @@
           <p:cNvPr id="14" name="文字方塊 9">
             <a:extLst>
               <a:ext uri="{FF2B5EF4-FFF2-40B4-BE49-F238E27FC236}">
-                <a16:creationId xmlns:a16="http://schemas.microsoft.com/office/drawing/2014/main" id="{5B375907-9A8C-4D88-8995-A50C64906A53}"/>
+                <a16:creationId xmlns:a16="http://schemas.microsoft.com/office/drawing/2014/main" xmlns="" id="{5B375907-9A8C-4D88-8995-A50C64906A53}"/>
               </a:ext>
             </a:extLst>
           </p:cNvPr>
@@ -27458,7 +29479,7 @@
           <p:cNvPr id="15" name="Picture 2" descr="http://y2.ifengimg.com/a/2016_11/2c7ef418c729099.jpg">
             <a:extLst>
               <a:ext uri="{FF2B5EF4-FFF2-40B4-BE49-F238E27FC236}">
-                <a16:creationId xmlns:a16="http://schemas.microsoft.com/office/drawing/2014/main" id="{0F5019D2-D980-4F1C-92A4-0A7FF1F6D178}"/>
+                <a16:creationId xmlns:a16="http://schemas.microsoft.com/office/drawing/2014/main" xmlns="" id="{0F5019D2-D980-4F1C-92A4-0A7FF1F6D178}"/>
               </a:ext>
             </a:extLst>
           </p:cNvPr>

--- a/机器学习入门.pptx
+++ b/机器学习入门.pptx
@@ -5,10 +5,10 @@
     <p:sldMasterId id="2147483660" r:id="rId1"/>
   </p:sldMasterIdLst>
   <p:notesMasterIdLst>
-    <p:notesMasterId r:id="rId37"/>
+    <p:notesMasterId r:id="rId38"/>
   </p:notesMasterIdLst>
   <p:handoutMasterIdLst>
-    <p:handoutMasterId r:id="rId38"/>
+    <p:handoutMasterId r:id="rId39"/>
   </p:handoutMasterIdLst>
   <p:sldIdLst>
     <p:sldId id="256" r:id="rId2"/>
@@ -46,6 +46,7 @@
     <p:sldId id="373" r:id="rId34"/>
     <p:sldId id="374" r:id="rId35"/>
     <p:sldId id="375" r:id="rId36"/>
+    <p:sldId id="376" r:id="rId37"/>
   </p:sldIdLst>
   <p:sldSz cx="12192000" cy="6858000"/>
   <p:notesSz cx="6858000" cy="9144000"/>
@@ -248,7 +249,7 @@
           <a:p>
             <a:fld id="{4F008DF1-FEBF-0B42-BAEF-80253477F2CD}" type="datetimeFigureOut">
               <a:rPr kumimoji="1" lang="zh-CN" altLang="en-US" smtClean="0"/>
-              <a:t>2018/7/7</a:t>
+              <a:t>2018/7/8</a:t>
             </a:fld>
             <a:endParaRPr kumimoji="1" lang="zh-CN" altLang="en-US"/>
           </a:p>
@@ -414,7 +415,7 @@
           <a:p>
             <a:fld id="{4EC381E9-91C5-4038-AA82-DA62C619497A}" type="datetimeFigureOut">
               <a:rPr lang="zh-CN" altLang="en-US" smtClean="0"/>
-              <a:t>2018/7/7</a:t>
+              <a:t>2018/7/8</a:t>
             </a:fld>
             <a:endParaRPr lang="zh-CN" altLang="en-US"/>
           </a:p>
@@ -1398,7 +1399,7 @@
             <a:fld id="{BBB03C1E-6B36-441B-9FFE-D377CAF69C91}" type="datetime2">
               <a:rPr lang="zh-CN" altLang="en-US" sz="2100" smtClean="0"/>
               <a:pPr/>
-              <a:t>2018年7月7日</a:t>
+              <a:t>2018年7月8日</a:t>
             </a:fld>
             <a:endParaRPr lang="en-US" altLang="zh-CN" sz="2100" dirty="0"/>
           </a:p>
@@ -1484,7 +1485,7 @@
             </a:pPr>
             <a:fld id="{66FC0A0C-D2BF-F54B-AC69-85D92687E128}" type="datetime2">
               <a:rPr lang="zh-CN" altLang="en-US" smtClean="0"/>
-              <a:t>2018年7月7日</a:t>
+              <a:t>2018年7月8日</a:t>
             </a:fld>
             <a:endParaRPr lang="en-US" altLang="zh-CN" dirty="0"/>
           </a:p>
@@ -1677,7 +1678,7 @@
             </a:pPr>
             <a:fld id="{2F149BC0-8F7C-AD4E-A5EF-723D6509022B}" type="datetime2">
               <a:rPr lang="zh-CN" altLang="en-US" smtClean="0"/>
-              <a:t>2018年7月7日</a:t>
+              <a:t>2018年7月8日</a:t>
             </a:fld>
             <a:endParaRPr lang="en-US" altLang="zh-CN"/>
           </a:p>
@@ -1889,7 +1890,7 @@
             </a:pPr>
             <a:fld id="{E49C4954-FBA6-004C-9F64-B5906C493530}" type="datetime2">
               <a:rPr lang="zh-CN" altLang="en-US" smtClean="0"/>
-              <a:t>2018年7月7日</a:t>
+              <a:t>2018年7月8日</a:t>
             </a:fld>
             <a:endParaRPr lang="en-US" altLang="zh-CN"/>
           </a:p>
@@ -2157,7 +2158,7 @@
             </a:pPr>
             <a:fld id="{7AEC5EC9-DAF2-2246-B1A8-BF50D3A94F16}" type="datetime2">
               <a:rPr lang="zh-CN" altLang="en-US" smtClean="0"/>
-              <a:t>2018年7月7日</a:t>
+              <a:t>2018年7月8日</a:t>
             </a:fld>
             <a:endParaRPr lang="en-US" altLang="zh-CN"/>
           </a:p>
@@ -2342,7 +2343,7 @@
             </a:pPr>
             <a:fld id="{E94BCBA9-A64B-4A40-8440-30FE5787C8B2}" type="datetime2">
               <a:rPr lang="zh-CN" altLang="en-US" smtClean="0"/>
-              <a:t>2018年7月7日</a:t>
+              <a:t>2018年7月8日</a:t>
             </a:fld>
             <a:endParaRPr lang="en-US" altLang="zh-CN"/>
           </a:p>
@@ -2547,7 +2548,7 @@
             </a:pPr>
             <a:fld id="{95A2A19B-170D-1043-AE33-7A36DFB7BCDC}" type="datetime2">
               <a:rPr lang="zh-CN" altLang="en-US" smtClean="0"/>
-              <a:t>2018年7月7日</a:t>
+              <a:t>2018年7月8日</a:t>
             </a:fld>
             <a:endParaRPr lang="en-US" altLang="zh-CN"/>
           </a:p>
@@ -2766,7 +2767,7 @@
             </a:pPr>
             <a:fld id="{841F93BA-D9BF-BC4B-BA86-175867B95F50}" type="datetime2">
               <a:rPr lang="zh-CN" altLang="en-US" smtClean="0"/>
-              <a:t>2018年7月7日</a:t>
+              <a:t>2018年7月8日</a:t>
             </a:fld>
             <a:endParaRPr lang="en-US" altLang="zh-CN"/>
           </a:p>
@@ -3025,7 +3026,7 @@
             </a:pPr>
             <a:fld id="{4E97A401-5AD9-944A-97D0-B7D938414F8F}" type="datetime2">
               <a:rPr lang="zh-CN" altLang="en-US" smtClean="0"/>
-              <a:t>2018年7月7日</a:t>
+              <a:t>2018年7月8日</a:t>
             </a:fld>
             <a:endParaRPr lang="en-US" altLang="zh-CN"/>
           </a:p>
@@ -3423,7 +3424,7 @@
             </a:pPr>
             <a:fld id="{2DFD3F11-29DF-7F43-BDD3-524D0F58A418}" type="datetime2">
               <a:rPr lang="zh-CN" altLang="en-US" smtClean="0"/>
-              <a:t>2018年7月7日</a:t>
+              <a:t>2018年7月8日</a:t>
             </a:fld>
             <a:endParaRPr lang="en-US" altLang="zh-CN"/>
           </a:p>
@@ -3574,7 +3575,7 @@
             </a:pPr>
             <a:fld id="{0E714152-BEE6-8740-8BC2-BEA8A9605BAA}" type="datetime2">
               <a:rPr lang="zh-CN" altLang="en-US" smtClean="0"/>
-              <a:t>2018年7月7日</a:t>
+              <a:t>2018年7月8日</a:t>
             </a:fld>
             <a:endParaRPr lang="en-US" altLang="zh-CN"/>
           </a:p>
@@ -3703,7 +3704,7 @@
             </a:pPr>
             <a:fld id="{94C1308E-237D-9F4E-8509-7AA24F98750C}" type="datetime2">
               <a:rPr lang="zh-CN" altLang="en-US" smtClean="0"/>
-              <a:t>2018年7月7日</a:t>
+              <a:t>2018年7月8日</a:t>
             </a:fld>
             <a:endParaRPr lang="en-US" altLang="zh-CN"/>
           </a:p>
@@ -4012,7 +4013,7 @@
             </a:pPr>
             <a:fld id="{B049DA4E-5C6F-FB47-BC01-AAA2D0AD43C8}" type="datetime2">
               <a:rPr lang="zh-CN" altLang="en-US" smtClean="0"/>
-              <a:t>2018年7月7日</a:t>
+              <a:t>2018年7月8日</a:t>
             </a:fld>
             <a:endParaRPr lang="en-US" altLang="zh-CN"/>
           </a:p>
@@ -4299,7 +4300,7 @@
             </a:pPr>
             <a:fld id="{2DB90F44-F846-E443-858D-216A0A768584}" type="datetime2">
               <a:rPr lang="zh-CN" altLang="en-US" smtClean="0"/>
-              <a:t>2018年7月7日</a:t>
+              <a:t>2018年7月8日</a:t>
             </a:fld>
             <a:endParaRPr lang="en-US" altLang="zh-CN"/>
           </a:p>
@@ -4805,7 +4806,7 @@
             </a:pPr>
             <a:fld id="{7BCF5363-C0A9-D348-A026-116C987FE407}" type="datetime2">
               <a:rPr lang="zh-CN" altLang="en-US" smtClean="0"/>
-              <a:t>2018年7月7日</a:t>
+              <a:t>2018年7月8日</a:t>
             </a:fld>
             <a:endParaRPr lang="en-US" altLang="zh-CN" dirty="0"/>
           </a:p>
@@ -5510,7 +5511,7 @@
           <p:cNvPr id="2" name="标题 1">
             <a:extLst>
               <a:ext uri="{FF2B5EF4-FFF2-40B4-BE49-F238E27FC236}">
-                <a16:creationId xmlns:a16="http://schemas.microsoft.com/office/drawing/2014/main" xmlns="" id="{C779F269-BE5F-4251-8EE3-D3B207D7A66F}"/>
+                <a16:creationId xmlns:a16="http://schemas.microsoft.com/office/drawing/2014/main" id="{C779F269-BE5F-4251-8EE3-D3B207D7A66F}"/>
               </a:ext>
             </a:extLst>
           </p:cNvPr>
@@ -5538,7 +5539,7 @@
           <p:cNvPr id="4" name="日期占位符 3">
             <a:extLst>
               <a:ext uri="{FF2B5EF4-FFF2-40B4-BE49-F238E27FC236}">
-                <a16:creationId xmlns:a16="http://schemas.microsoft.com/office/drawing/2014/main" xmlns="" id="{CC2DEE5A-D5C1-4B57-B7EE-61483325413D}"/>
+                <a16:creationId xmlns:a16="http://schemas.microsoft.com/office/drawing/2014/main" id="{CC2DEE5A-D5C1-4B57-B7EE-61483325413D}"/>
               </a:ext>
             </a:extLst>
           </p:cNvPr>
@@ -5559,7 +5560,7 @@
             </a:pPr>
             <a:fld id="{95A2A19B-170D-1043-AE33-7A36DFB7BCDC}" type="datetime2">
               <a:rPr lang="zh-CN" altLang="en-US" smtClean="0"/>
-              <a:t>2018年7月7日</a:t>
+              <a:t>2018年7月8日</a:t>
             </a:fld>
             <a:endParaRPr lang="en-US" altLang="zh-CN"/>
           </a:p>
@@ -5570,7 +5571,7 @@
           <p:cNvPr id="6" name="灯片编号占位符 5">
             <a:extLst>
               <a:ext uri="{FF2B5EF4-FFF2-40B4-BE49-F238E27FC236}">
-                <a16:creationId xmlns:a16="http://schemas.microsoft.com/office/drawing/2014/main" xmlns="" id="{89059747-7DCE-498E-9C00-87842F1DF7A5}"/>
+                <a16:creationId xmlns:a16="http://schemas.microsoft.com/office/drawing/2014/main" id="{89059747-7DCE-498E-9C00-87842F1DF7A5}"/>
               </a:ext>
             </a:extLst>
           </p:cNvPr>
@@ -5605,7 +5606,7 @@
           <p:cNvPr id="7" name="圖片 4">
             <a:extLst>
               <a:ext uri="{FF2B5EF4-FFF2-40B4-BE49-F238E27FC236}">
-                <a16:creationId xmlns:a16="http://schemas.microsoft.com/office/drawing/2014/main" xmlns="" id="{AD60FF85-BB82-48C3-A8D5-F3FE31FEEE25}"/>
+                <a16:creationId xmlns:a16="http://schemas.microsoft.com/office/drawing/2014/main" id="{AD60FF85-BB82-48C3-A8D5-F3FE31FEEE25}"/>
               </a:ext>
             </a:extLst>
           </p:cNvPr>
@@ -5641,7 +5642,7 @@
           <p:cNvPr id="8" name="圓柱 5">
             <a:extLst>
               <a:ext uri="{FF2B5EF4-FFF2-40B4-BE49-F238E27FC236}">
-                <a16:creationId xmlns:a16="http://schemas.microsoft.com/office/drawing/2014/main" xmlns="" id="{A4910C58-B916-4377-8A20-3433B9850A89}"/>
+                <a16:creationId xmlns:a16="http://schemas.microsoft.com/office/drawing/2014/main" id="{A4910C58-B916-4377-8A20-3433B9850A89}"/>
               </a:ext>
             </a:extLst>
           </p:cNvPr>
@@ -5697,7 +5698,7 @@
           <p:cNvPr id="9" name="Object 12">
             <a:extLst>
               <a:ext uri="{FF2B5EF4-FFF2-40B4-BE49-F238E27FC236}">
-                <a16:creationId xmlns:a16="http://schemas.microsoft.com/office/drawing/2014/main" xmlns="" id="{DB4A9ABD-5112-4CDC-A5E0-E36AF7F715CB}"/>
+                <a16:creationId xmlns:a16="http://schemas.microsoft.com/office/drawing/2014/main" id="{DB4A9ABD-5112-4CDC-A5E0-E36AF7F715CB}"/>
               </a:ext>
             </a:extLst>
           </p:cNvPr>
@@ -5720,7 +5721,7 @@
           <a:graphicData uri="http://schemas.openxmlformats.org/presentationml/2006/ole">
             <mc:AlternateContent xmlns:mc="http://schemas.openxmlformats.org/markup-compatibility/2006">
               <mc:Choice xmlns:v="urn:schemas-microsoft-com:vml" Requires="v">
-                <p:oleObj spid="_x0000_s3206" name="方程式" r:id="rId4" imgW="520560" imgH="215640" progId="Equation.3">
+                <p:oleObj spid="_x0000_s3214" name="方程式" r:id="rId4" imgW="520560" imgH="215640" progId="Equation.3">
                   <p:embed/>
                 </p:oleObj>
               </mc:Choice>
@@ -5765,7 +5766,7 @@
           <p:cNvPr id="10" name="群組 8">
             <a:extLst>
               <a:ext uri="{FF2B5EF4-FFF2-40B4-BE49-F238E27FC236}">
-                <a16:creationId xmlns:a16="http://schemas.microsoft.com/office/drawing/2014/main" xmlns="" id="{86701675-F63F-493D-9E34-74AA169451B4}"/>
+                <a16:creationId xmlns:a16="http://schemas.microsoft.com/office/drawing/2014/main" id="{86701675-F63F-493D-9E34-74AA169451B4}"/>
               </a:ext>
             </a:extLst>
           </p:cNvPr>
@@ -5785,7 +5786,7 @@
             <p:cNvPr id="11" name="Object 12">
               <a:extLst>
                 <a:ext uri="{FF2B5EF4-FFF2-40B4-BE49-F238E27FC236}">
-                  <a16:creationId xmlns:a16="http://schemas.microsoft.com/office/drawing/2014/main" xmlns="" id="{040F69FC-3664-4FA8-B1DA-31B1C77DBB75}"/>
+                  <a16:creationId xmlns:a16="http://schemas.microsoft.com/office/drawing/2014/main" id="{040F69FC-3664-4FA8-B1DA-31B1C77DBB75}"/>
                 </a:ext>
               </a:extLst>
             </p:cNvPr>
@@ -5804,7 +5805,7 @@
             <a:graphicData uri="http://schemas.openxmlformats.org/presentationml/2006/ole">
               <mc:AlternateContent xmlns:mc="http://schemas.openxmlformats.org/markup-compatibility/2006">
                 <mc:Choice xmlns:v="urn:schemas-microsoft-com:vml" Requires="v">
-                  <p:oleObj spid="_x0000_s3207" name="方程式" r:id="rId6" imgW="990360" imgH="215640" progId="Equation.3">
+                  <p:oleObj spid="_x0000_s3215" name="方程式" r:id="rId6" imgW="990360" imgH="215640" progId="Equation.3">
                     <p:embed/>
                   </p:oleObj>
                 </mc:Choice>
@@ -5857,7 +5858,7 @@
             <p:cNvPr id="12" name="文字方塊 75">
               <a:extLst>
                 <a:ext uri="{FF2B5EF4-FFF2-40B4-BE49-F238E27FC236}">
-                  <a16:creationId xmlns:a16="http://schemas.microsoft.com/office/drawing/2014/main" xmlns="" id="{670B65FB-1B58-460A-A2C7-9B516017E47F}"/>
+                  <a16:creationId xmlns:a16="http://schemas.microsoft.com/office/drawing/2014/main" id="{670B65FB-1B58-460A-A2C7-9B516017E47F}"/>
                 </a:ext>
               </a:extLst>
             </p:cNvPr>
@@ -5894,7 +5895,7 @@
             <p:cNvPr id="13" name="Picture 12" descr="https://encrypted-tbn1.gstatic.com/images?q=tbn:ANd9GcRcwlRKAlSIaCI4W5PRYVbuBQQXifF-56bFqAjh9DMe-_3Lh8_YKw">
               <a:extLst>
                 <a:ext uri="{FF2B5EF4-FFF2-40B4-BE49-F238E27FC236}">
-                  <a16:creationId xmlns:a16="http://schemas.microsoft.com/office/drawing/2014/main" xmlns="" id="{8C80662D-B3B1-445B-954A-759D044D7310}"/>
+                  <a16:creationId xmlns:a16="http://schemas.microsoft.com/office/drawing/2014/main" id="{8C80662D-B3B1-445B-954A-759D044D7310}"/>
                 </a:ext>
               </a:extLst>
             </p:cNvPr>
@@ -5942,7 +5943,7 @@
           <p:cNvPr id="14" name="文字方塊 11">
             <a:extLst>
               <a:ext uri="{FF2B5EF4-FFF2-40B4-BE49-F238E27FC236}">
-                <a16:creationId xmlns:a16="http://schemas.microsoft.com/office/drawing/2014/main" xmlns="" id="{B6644981-91B8-4F8D-ADBA-C049EED9F47D}"/>
+                <a16:creationId xmlns:a16="http://schemas.microsoft.com/office/drawing/2014/main" id="{B6644981-91B8-4F8D-ADBA-C049EED9F47D}"/>
               </a:ext>
             </a:extLst>
           </p:cNvPr>
@@ -5982,7 +5983,7 @@
           <p:cNvPr id="15" name="文字方塊 17">
             <a:extLst>
               <a:ext uri="{FF2B5EF4-FFF2-40B4-BE49-F238E27FC236}">
-                <a16:creationId xmlns:a16="http://schemas.microsoft.com/office/drawing/2014/main" xmlns="" id="{CD148FFE-0C1A-43A6-BF00-843E46F6C4A9}"/>
+                <a16:creationId xmlns:a16="http://schemas.microsoft.com/office/drawing/2014/main" id="{CD148FFE-0C1A-43A6-BF00-843E46F6C4A9}"/>
               </a:ext>
             </a:extLst>
           </p:cNvPr>
@@ -6032,7 +6033,7 @@
           <p:cNvPr id="16" name="圓柱 22">
             <a:extLst>
               <a:ext uri="{FF2B5EF4-FFF2-40B4-BE49-F238E27FC236}">
-                <a16:creationId xmlns:a16="http://schemas.microsoft.com/office/drawing/2014/main" xmlns="" id="{C2AC9E2D-2713-4B72-979B-D486E2F2639C}"/>
+                <a16:creationId xmlns:a16="http://schemas.microsoft.com/office/drawing/2014/main" id="{C2AC9E2D-2713-4B72-979B-D486E2F2639C}"/>
               </a:ext>
             </a:extLst>
           </p:cNvPr>
@@ -6080,7 +6081,7 @@
           <p:cNvPr id="17" name="圓角矩形 26">
             <a:extLst>
               <a:ext uri="{FF2B5EF4-FFF2-40B4-BE49-F238E27FC236}">
-                <a16:creationId xmlns:a16="http://schemas.microsoft.com/office/drawing/2014/main" xmlns="" id="{BA910896-9C8A-4898-8A5B-12C3717695B2}"/>
+                <a16:creationId xmlns:a16="http://schemas.microsoft.com/office/drawing/2014/main" id="{BA910896-9C8A-4898-8A5B-12C3717695B2}"/>
               </a:ext>
             </a:extLst>
           </p:cNvPr>
@@ -6144,7 +6145,7 @@
           <p:cNvPr id="18" name="直線單箭頭接點 27">
             <a:extLst>
               <a:ext uri="{FF2B5EF4-FFF2-40B4-BE49-F238E27FC236}">
-                <a16:creationId xmlns:a16="http://schemas.microsoft.com/office/drawing/2014/main" xmlns="" id="{46B85095-3D68-40D1-8931-E74F8BFC4A97}"/>
+                <a16:creationId xmlns:a16="http://schemas.microsoft.com/office/drawing/2014/main" id="{46B85095-3D68-40D1-8931-E74F8BFC4A97}"/>
               </a:ext>
             </a:extLst>
           </p:cNvPr>
@@ -6183,7 +6184,7 @@
           <p:cNvPr id="19" name="直線單箭頭接點 28">
             <a:extLst>
               <a:ext uri="{FF2B5EF4-FFF2-40B4-BE49-F238E27FC236}">
-                <a16:creationId xmlns:a16="http://schemas.microsoft.com/office/drawing/2014/main" xmlns="" id="{A206D4A2-B23E-47CB-8E7C-FB5098DFC78F}"/>
+                <a16:creationId xmlns:a16="http://schemas.microsoft.com/office/drawing/2014/main" id="{A206D4A2-B23E-47CB-8E7C-FB5098DFC78F}"/>
               </a:ext>
             </a:extLst>
           </p:cNvPr>
@@ -6222,7 +6223,7 @@
           <p:cNvPr id="20" name="文字方塊 35">
             <a:extLst>
               <a:ext uri="{FF2B5EF4-FFF2-40B4-BE49-F238E27FC236}">
-                <a16:creationId xmlns:a16="http://schemas.microsoft.com/office/drawing/2014/main" xmlns="" id="{0A08F64A-9EC0-49B2-84C0-50B4665A68B2}"/>
+                <a16:creationId xmlns:a16="http://schemas.microsoft.com/office/drawing/2014/main" id="{0A08F64A-9EC0-49B2-84C0-50B4665A68B2}"/>
               </a:ext>
             </a:extLst>
           </p:cNvPr>
@@ -6279,7 +6280,7 @@
           <p:cNvPr id="21" name="矩形 20">
             <a:extLst>
               <a:ext uri="{FF2B5EF4-FFF2-40B4-BE49-F238E27FC236}">
-                <a16:creationId xmlns:a16="http://schemas.microsoft.com/office/drawing/2014/main" xmlns="" id="{45F11FF2-B145-4B42-B084-B85010584F4B}"/>
+                <a16:creationId xmlns:a16="http://schemas.microsoft.com/office/drawing/2014/main" id="{45F11FF2-B145-4B42-B084-B85010584F4B}"/>
               </a:ext>
             </a:extLst>
           </p:cNvPr>
@@ -6320,7 +6321,7 @@
           <p:cNvPr id="22" name="圖片 37">
             <a:extLst>
               <a:ext uri="{FF2B5EF4-FFF2-40B4-BE49-F238E27FC236}">
-                <a16:creationId xmlns:a16="http://schemas.microsoft.com/office/drawing/2014/main" xmlns="" id="{27F61E55-40D2-48CA-B2A4-3CCAE158D295}"/>
+                <a16:creationId xmlns:a16="http://schemas.microsoft.com/office/drawing/2014/main" id="{27F61E55-40D2-48CA-B2A4-3CCAE158D295}"/>
               </a:ext>
             </a:extLst>
           </p:cNvPr>
@@ -6350,7 +6351,7 @@
           <p:cNvPr id="23" name="圖片 38">
             <a:extLst>
               <a:ext uri="{FF2B5EF4-FFF2-40B4-BE49-F238E27FC236}">
-                <a16:creationId xmlns:a16="http://schemas.microsoft.com/office/drawing/2014/main" xmlns="" id="{F6E24B6C-ACFB-4945-9215-71CF20EB2D2B}"/>
+                <a16:creationId xmlns:a16="http://schemas.microsoft.com/office/drawing/2014/main" id="{F6E24B6C-ACFB-4945-9215-71CF20EB2D2B}"/>
               </a:ext>
             </a:extLst>
           </p:cNvPr>
@@ -6380,7 +6381,7 @@
           <p:cNvPr id="24" name="文字方塊 39">
             <a:extLst>
               <a:ext uri="{FF2B5EF4-FFF2-40B4-BE49-F238E27FC236}">
-                <a16:creationId xmlns:a16="http://schemas.microsoft.com/office/drawing/2014/main" xmlns="" id="{2077EC58-688B-45DA-9585-8B5EFF747C21}"/>
+                <a16:creationId xmlns:a16="http://schemas.microsoft.com/office/drawing/2014/main" id="{2077EC58-688B-45DA-9585-8B5EFF747C21}"/>
               </a:ext>
             </a:extLst>
           </p:cNvPr>
@@ -6417,7 +6418,7 @@
           <p:cNvPr id="25" name="文字方塊 40">
             <a:extLst>
               <a:ext uri="{FF2B5EF4-FFF2-40B4-BE49-F238E27FC236}">
-                <a16:creationId xmlns:a16="http://schemas.microsoft.com/office/drawing/2014/main" xmlns="" id="{9B562F25-BDA7-4165-AFD0-755F0492DDD4}"/>
+                <a16:creationId xmlns:a16="http://schemas.microsoft.com/office/drawing/2014/main" id="{9B562F25-BDA7-4165-AFD0-755F0492DDD4}"/>
               </a:ext>
             </a:extLst>
           </p:cNvPr>
@@ -6454,7 +6455,7 @@
           <p:cNvPr id="26" name="圖片 41">
             <a:extLst>
               <a:ext uri="{FF2B5EF4-FFF2-40B4-BE49-F238E27FC236}">
-                <a16:creationId xmlns:a16="http://schemas.microsoft.com/office/drawing/2014/main" xmlns="" id="{553DEC0C-4B49-4913-BCEC-5D63BB85CC3E}"/>
+                <a16:creationId xmlns:a16="http://schemas.microsoft.com/office/drawing/2014/main" id="{553DEC0C-4B49-4913-BCEC-5D63BB85CC3E}"/>
               </a:ext>
             </a:extLst>
           </p:cNvPr>
@@ -6484,7 +6485,7 @@
           <p:cNvPr id="27" name="矩形 26">
             <a:extLst>
               <a:ext uri="{FF2B5EF4-FFF2-40B4-BE49-F238E27FC236}">
-                <a16:creationId xmlns:a16="http://schemas.microsoft.com/office/drawing/2014/main" xmlns="" id="{93BD42B8-3326-4826-B0D6-BDA00A58F35C}"/>
+                <a16:creationId xmlns:a16="http://schemas.microsoft.com/office/drawing/2014/main" id="{93BD42B8-3326-4826-B0D6-BDA00A58F35C}"/>
               </a:ext>
             </a:extLst>
           </p:cNvPr>
@@ -6524,7 +6525,7 @@
           <p:cNvPr id="28" name="矩形 27">
             <a:extLst>
               <a:ext uri="{FF2B5EF4-FFF2-40B4-BE49-F238E27FC236}">
-                <a16:creationId xmlns:a16="http://schemas.microsoft.com/office/drawing/2014/main" xmlns="" id="{2344BEC7-2CBA-49D3-A79C-080951F115D9}"/>
+                <a16:creationId xmlns:a16="http://schemas.microsoft.com/office/drawing/2014/main" id="{2344BEC7-2CBA-49D3-A79C-080951F115D9}"/>
               </a:ext>
             </a:extLst>
           </p:cNvPr>
@@ -6565,7 +6566,7 @@
           <p:cNvPr id="29" name="矩形 28">
             <a:extLst>
               <a:ext uri="{FF2B5EF4-FFF2-40B4-BE49-F238E27FC236}">
-                <a16:creationId xmlns:a16="http://schemas.microsoft.com/office/drawing/2014/main" xmlns="" id="{F10278E6-750A-4352-9346-FBC6383426E2}"/>
+                <a16:creationId xmlns:a16="http://schemas.microsoft.com/office/drawing/2014/main" id="{F10278E6-750A-4352-9346-FBC6383426E2}"/>
               </a:ext>
             </a:extLst>
           </p:cNvPr>
@@ -6617,7 +6618,7 @@
           <p:cNvPr id="30" name="页脚占位符 4">
             <a:extLst>
               <a:ext uri="{FF2B5EF4-FFF2-40B4-BE49-F238E27FC236}">
-                <a16:creationId xmlns:a16="http://schemas.microsoft.com/office/drawing/2014/main" xmlns="" id="{695CF0EE-630A-4A8F-A959-CFD222411CE2}"/>
+                <a16:creationId xmlns:a16="http://schemas.microsoft.com/office/drawing/2014/main" id="{695CF0EE-630A-4A8F-A959-CFD222411CE2}"/>
               </a:ext>
             </a:extLst>
           </p:cNvPr>
@@ -7319,7 +7320,7 @@
           <p:cNvPr id="2" name="标题 1">
             <a:extLst>
               <a:ext uri="{FF2B5EF4-FFF2-40B4-BE49-F238E27FC236}">
-                <a16:creationId xmlns:a16="http://schemas.microsoft.com/office/drawing/2014/main" xmlns="" id="{2F21F3B5-A64D-4DCA-9CCC-7F0B3E5C58E4}"/>
+                <a16:creationId xmlns:a16="http://schemas.microsoft.com/office/drawing/2014/main" id="{2F21F3B5-A64D-4DCA-9CCC-7F0B3E5C58E4}"/>
               </a:ext>
             </a:extLst>
           </p:cNvPr>
@@ -7347,7 +7348,7 @@
           <p:cNvPr id="4" name="日期占位符 3">
             <a:extLst>
               <a:ext uri="{FF2B5EF4-FFF2-40B4-BE49-F238E27FC236}">
-                <a16:creationId xmlns:a16="http://schemas.microsoft.com/office/drawing/2014/main" xmlns="" id="{C5C07CC5-4A08-4769-88D9-A1F0705AF6CD}"/>
+                <a16:creationId xmlns:a16="http://schemas.microsoft.com/office/drawing/2014/main" id="{C5C07CC5-4A08-4769-88D9-A1F0705AF6CD}"/>
               </a:ext>
             </a:extLst>
           </p:cNvPr>
@@ -7368,7 +7369,7 @@
             </a:pPr>
             <a:fld id="{95A2A19B-170D-1043-AE33-7A36DFB7BCDC}" type="datetime2">
               <a:rPr lang="zh-CN" altLang="en-US" smtClean="0"/>
-              <a:t>2018年7月7日</a:t>
+              <a:t>2018年7月8日</a:t>
             </a:fld>
             <a:endParaRPr lang="en-US" altLang="zh-CN"/>
           </a:p>
@@ -7379,7 +7380,7 @@
           <p:cNvPr id="5" name="页脚占位符 4">
             <a:extLst>
               <a:ext uri="{FF2B5EF4-FFF2-40B4-BE49-F238E27FC236}">
-                <a16:creationId xmlns:a16="http://schemas.microsoft.com/office/drawing/2014/main" xmlns="" id="{0ECF1510-3F67-489C-A753-6C05543F5D8E}"/>
+                <a16:creationId xmlns:a16="http://schemas.microsoft.com/office/drawing/2014/main" id="{0ECF1510-3F67-489C-A753-6C05543F5D8E}"/>
               </a:ext>
             </a:extLst>
           </p:cNvPr>
@@ -7411,7 +7412,7 @@
           <p:cNvPr id="6" name="灯片编号占位符 5">
             <a:extLst>
               <a:ext uri="{FF2B5EF4-FFF2-40B4-BE49-F238E27FC236}">
-                <a16:creationId xmlns:a16="http://schemas.microsoft.com/office/drawing/2014/main" xmlns="" id="{CEEF7477-5D18-493B-A5F8-5A256123DB22}"/>
+                <a16:creationId xmlns:a16="http://schemas.microsoft.com/office/drawing/2014/main" id="{CEEF7477-5D18-493B-A5F8-5A256123DB22}"/>
               </a:ext>
             </a:extLst>
           </p:cNvPr>
@@ -7446,7 +7447,7 @@
           <p:cNvPr id="7" name="圓柱 5">
             <a:extLst>
               <a:ext uri="{FF2B5EF4-FFF2-40B4-BE49-F238E27FC236}">
-                <a16:creationId xmlns:a16="http://schemas.microsoft.com/office/drawing/2014/main" xmlns="" id="{13C5A888-600E-40BA-B575-C62CA28FAFBB}"/>
+                <a16:creationId xmlns:a16="http://schemas.microsoft.com/office/drawing/2014/main" id="{13C5A888-600E-40BA-B575-C62CA28FAFBB}"/>
               </a:ext>
             </a:extLst>
           </p:cNvPr>
@@ -7494,7 +7495,7 @@
           <p:cNvPr id="8" name="Object 12">
             <a:extLst>
               <a:ext uri="{FF2B5EF4-FFF2-40B4-BE49-F238E27FC236}">
-                <a16:creationId xmlns:a16="http://schemas.microsoft.com/office/drawing/2014/main" xmlns="" id="{B342BC5F-B650-4540-9688-EFCEDE2DCAA4}"/>
+                <a16:creationId xmlns:a16="http://schemas.microsoft.com/office/drawing/2014/main" id="{B342BC5F-B650-4540-9688-EFCEDE2DCAA4}"/>
               </a:ext>
             </a:extLst>
           </p:cNvPr>
@@ -7517,7 +7518,7 @@
           <a:graphicData uri="http://schemas.openxmlformats.org/presentationml/2006/ole">
             <mc:AlternateContent xmlns:mc="http://schemas.openxmlformats.org/markup-compatibility/2006">
               <mc:Choice xmlns:v="urn:schemas-microsoft-com:vml" Requires="v">
-                <p:oleObj spid="_x0000_s4287" name="方程式" r:id="rId3" imgW="520560" imgH="215640" progId="Equation.3">
+                <p:oleObj spid="_x0000_s4299" name="方程式" r:id="rId3" imgW="520560" imgH="215640" progId="Equation.3">
                   <p:embed/>
                 </p:oleObj>
               </mc:Choice>
@@ -7562,7 +7563,7 @@
           <p:cNvPr id="9" name="文字方塊 17">
             <a:extLst>
               <a:ext uri="{FF2B5EF4-FFF2-40B4-BE49-F238E27FC236}">
-                <a16:creationId xmlns:a16="http://schemas.microsoft.com/office/drawing/2014/main" xmlns="" id="{2CAA0C11-3A8B-40A7-A982-7BB53CDC819F}"/>
+                <a16:creationId xmlns:a16="http://schemas.microsoft.com/office/drawing/2014/main" id="{2CAA0C11-3A8B-40A7-A982-7BB53CDC819F}"/>
               </a:ext>
             </a:extLst>
           </p:cNvPr>
@@ -7612,7 +7613,7 @@
           <p:cNvPr id="10" name="圓柱 22">
             <a:extLst>
               <a:ext uri="{FF2B5EF4-FFF2-40B4-BE49-F238E27FC236}">
-                <a16:creationId xmlns:a16="http://schemas.microsoft.com/office/drawing/2014/main" xmlns="" id="{4689B7FC-28CB-4E77-AA46-F3899D14A7C7}"/>
+                <a16:creationId xmlns:a16="http://schemas.microsoft.com/office/drawing/2014/main" id="{4689B7FC-28CB-4E77-AA46-F3899D14A7C7}"/>
               </a:ext>
             </a:extLst>
           </p:cNvPr>
@@ -7660,7 +7661,7 @@
           <p:cNvPr id="11" name="圓角矩形 26">
             <a:extLst>
               <a:ext uri="{FF2B5EF4-FFF2-40B4-BE49-F238E27FC236}">
-                <a16:creationId xmlns:a16="http://schemas.microsoft.com/office/drawing/2014/main" xmlns="" id="{9DD17BD5-9907-471E-A83F-29D943BAD1CF}"/>
+                <a16:creationId xmlns:a16="http://schemas.microsoft.com/office/drawing/2014/main" id="{9DD17BD5-9907-471E-A83F-29D943BAD1CF}"/>
               </a:ext>
             </a:extLst>
           </p:cNvPr>
@@ -7708,7 +7709,7 @@
           <p:cNvPr id="12" name="直線單箭頭接點 27">
             <a:extLst>
               <a:ext uri="{FF2B5EF4-FFF2-40B4-BE49-F238E27FC236}">
-                <a16:creationId xmlns:a16="http://schemas.microsoft.com/office/drawing/2014/main" xmlns="" id="{FA22C4C8-C34F-4BC3-87E1-C118C0554106}"/>
+                <a16:creationId xmlns:a16="http://schemas.microsoft.com/office/drawing/2014/main" id="{FA22C4C8-C34F-4BC3-87E1-C118C0554106}"/>
               </a:ext>
             </a:extLst>
           </p:cNvPr>
@@ -7747,7 +7748,7 @@
           <p:cNvPr id="13" name="直線單箭頭接點 28">
             <a:extLst>
               <a:ext uri="{FF2B5EF4-FFF2-40B4-BE49-F238E27FC236}">
-                <a16:creationId xmlns:a16="http://schemas.microsoft.com/office/drawing/2014/main" xmlns="" id="{B17D1325-CC48-4623-97BF-443E5683FC4B}"/>
+                <a16:creationId xmlns:a16="http://schemas.microsoft.com/office/drawing/2014/main" id="{B17D1325-CC48-4623-97BF-443E5683FC4B}"/>
               </a:ext>
             </a:extLst>
           </p:cNvPr>
@@ -7786,7 +7787,7 @@
           <p:cNvPr id="14" name="矩形 13">
             <a:extLst>
               <a:ext uri="{FF2B5EF4-FFF2-40B4-BE49-F238E27FC236}">
-                <a16:creationId xmlns:a16="http://schemas.microsoft.com/office/drawing/2014/main" xmlns="" id="{52221F9C-A2E1-455E-86C1-FC74E2207922}"/>
+                <a16:creationId xmlns:a16="http://schemas.microsoft.com/office/drawing/2014/main" id="{52221F9C-A2E1-455E-86C1-FC74E2207922}"/>
               </a:ext>
             </a:extLst>
           </p:cNvPr>
@@ -7827,7 +7828,7 @@
           <p:cNvPr id="15" name="圖片 30">
             <a:extLst>
               <a:ext uri="{FF2B5EF4-FFF2-40B4-BE49-F238E27FC236}">
-                <a16:creationId xmlns:a16="http://schemas.microsoft.com/office/drawing/2014/main" xmlns="" id="{B25A19E1-0BB5-4C02-82BC-71B53B7C2AEC}"/>
+                <a16:creationId xmlns:a16="http://schemas.microsoft.com/office/drawing/2014/main" id="{B25A19E1-0BB5-4C02-82BC-71B53B7C2AEC}"/>
               </a:ext>
             </a:extLst>
           </p:cNvPr>
@@ -7857,7 +7858,7 @@
           <p:cNvPr id="16" name="圖片 31">
             <a:extLst>
               <a:ext uri="{FF2B5EF4-FFF2-40B4-BE49-F238E27FC236}">
-                <a16:creationId xmlns:a16="http://schemas.microsoft.com/office/drawing/2014/main" xmlns="" id="{528BF1DC-96E5-432E-930C-E42789F93C50}"/>
+                <a16:creationId xmlns:a16="http://schemas.microsoft.com/office/drawing/2014/main" id="{528BF1DC-96E5-432E-930C-E42789F93C50}"/>
               </a:ext>
             </a:extLst>
           </p:cNvPr>
@@ -7887,7 +7888,7 @@
           <p:cNvPr id="17" name="文字方塊 32">
             <a:extLst>
               <a:ext uri="{FF2B5EF4-FFF2-40B4-BE49-F238E27FC236}">
-                <a16:creationId xmlns:a16="http://schemas.microsoft.com/office/drawing/2014/main" xmlns="" id="{C11864DB-A316-4618-AC61-927E470CCE7C}"/>
+                <a16:creationId xmlns:a16="http://schemas.microsoft.com/office/drawing/2014/main" id="{C11864DB-A316-4618-AC61-927E470CCE7C}"/>
               </a:ext>
             </a:extLst>
           </p:cNvPr>
@@ -7924,7 +7925,7 @@
           <p:cNvPr id="18" name="文字方塊 33">
             <a:extLst>
               <a:ext uri="{FF2B5EF4-FFF2-40B4-BE49-F238E27FC236}">
-                <a16:creationId xmlns:a16="http://schemas.microsoft.com/office/drawing/2014/main" xmlns="" id="{A9C145A0-8904-479A-95AC-D2AC4E35ACC6}"/>
+                <a16:creationId xmlns:a16="http://schemas.microsoft.com/office/drawing/2014/main" id="{A9C145A0-8904-479A-95AC-D2AC4E35ACC6}"/>
               </a:ext>
             </a:extLst>
           </p:cNvPr>
@@ -7961,7 +7962,7 @@
           <p:cNvPr id="19" name="圖片 34">
             <a:extLst>
               <a:ext uri="{FF2B5EF4-FFF2-40B4-BE49-F238E27FC236}">
-                <a16:creationId xmlns:a16="http://schemas.microsoft.com/office/drawing/2014/main" xmlns="" id="{A038C83F-7859-4E23-AC82-58985F09E8A1}"/>
+                <a16:creationId xmlns:a16="http://schemas.microsoft.com/office/drawing/2014/main" id="{A038C83F-7859-4E23-AC82-58985F09E8A1}"/>
               </a:ext>
             </a:extLst>
           </p:cNvPr>
@@ -7991,7 +7992,7 @@
           <p:cNvPr id="20" name="Object 12">
             <a:extLst>
               <a:ext uri="{FF2B5EF4-FFF2-40B4-BE49-F238E27FC236}">
-                <a16:creationId xmlns:a16="http://schemas.microsoft.com/office/drawing/2014/main" xmlns="" id="{96426069-D24E-4BD7-82BB-1B73EFEF1148}"/>
+                <a16:creationId xmlns:a16="http://schemas.microsoft.com/office/drawing/2014/main" id="{96426069-D24E-4BD7-82BB-1B73EFEF1148}"/>
               </a:ext>
             </a:extLst>
           </p:cNvPr>
@@ -8014,7 +8015,7 @@
           <a:graphicData uri="http://schemas.openxmlformats.org/presentationml/2006/ole">
             <mc:AlternateContent xmlns:mc="http://schemas.openxmlformats.org/markup-compatibility/2006">
               <mc:Choice xmlns:v="urn:schemas-microsoft-com:vml" Requires="v">
-                <p:oleObj spid="_x0000_s4288" name="方程式" r:id="rId8" imgW="203040" imgH="228600" progId="Equation.3">
+                <p:oleObj spid="_x0000_s4300" name="方程式" r:id="rId8" imgW="203040" imgH="228600" progId="Equation.3">
                   <p:embed/>
                 </p:oleObj>
               </mc:Choice>
@@ -8059,7 +8060,7 @@
           <p:cNvPr id="21" name="文字方塊 24">
             <a:extLst>
               <a:ext uri="{FF2B5EF4-FFF2-40B4-BE49-F238E27FC236}">
-                <a16:creationId xmlns:a16="http://schemas.microsoft.com/office/drawing/2014/main" xmlns="" id="{3E25C831-FB74-41F0-AA84-D84356E0AF3F}"/>
+                <a16:creationId xmlns:a16="http://schemas.microsoft.com/office/drawing/2014/main" id="{3E25C831-FB74-41F0-AA84-D84356E0AF3F}"/>
               </a:ext>
             </a:extLst>
           </p:cNvPr>
@@ -8096,7 +8097,7 @@
           <p:cNvPr id="22" name="直線單箭頭接點 25">
             <a:extLst>
               <a:ext uri="{FF2B5EF4-FFF2-40B4-BE49-F238E27FC236}">
-                <a16:creationId xmlns:a16="http://schemas.microsoft.com/office/drawing/2014/main" xmlns="" id="{53A5D98D-FBCD-45B4-B8B8-4A768E39354F}"/>
+                <a16:creationId xmlns:a16="http://schemas.microsoft.com/office/drawing/2014/main" id="{53A5D98D-FBCD-45B4-B8B8-4A768E39354F}"/>
               </a:ext>
             </a:extLst>
           </p:cNvPr>
@@ -8137,7 +8138,7 @@
           <p:cNvPr id="23" name="圓角矩形 37">
             <a:extLst>
               <a:ext uri="{FF2B5EF4-FFF2-40B4-BE49-F238E27FC236}">
-                <a16:creationId xmlns:a16="http://schemas.microsoft.com/office/drawing/2014/main" xmlns="" id="{F4E281F4-8ADF-4B41-A0A7-3C8616D02E03}"/>
+                <a16:creationId xmlns:a16="http://schemas.microsoft.com/office/drawing/2014/main" id="{F4E281F4-8ADF-4B41-A0A7-3C8616D02E03}"/>
               </a:ext>
             </a:extLst>
           </p:cNvPr>
@@ -8188,7 +8189,7 @@
           <p:cNvPr id="24" name="直線單箭頭接點 40">
             <a:extLst>
               <a:ext uri="{FF2B5EF4-FFF2-40B4-BE49-F238E27FC236}">
-                <a16:creationId xmlns:a16="http://schemas.microsoft.com/office/drawing/2014/main" xmlns="" id="{EED9F2A7-BB3D-4DB0-A5FE-4D6726DB5890}"/>
+                <a16:creationId xmlns:a16="http://schemas.microsoft.com/office/drawing/2014/main" id="{EED9F2A7-BB3D-4DB0-A5FE-4D6726DB5890}"/>
               </a:ext>
             </a:extLst>
           </p:cNvPr>
@@ -8227,7 +8228,7 @@
           <p:cNvPr id="25" name="直線單箭頭接點 41">
             <a:extLst>
               <a:ext uri="{FF2B5EF4-FFF2-40B4-BE49-F238E27FC236}">
-                <a16:creationId xmlns:a16="http://schemas.microsoft.com/office/drawing/2014/main" xmlns="" id="{3647F264-2339-4D70-BBD8-3C898E77A058}"/>
+                <a16:creationId xmlns:a16="http://schemas.microsoft.com/office/drawing/2014/main" id="{3647F264-2339-4D70-BBD8-3C898E77A058}"/>
               </a:ext>
             </a:extLst>
           </p:cNvPr>
@@ -8266,7 +8267,7 @@
           <p:cNvPr id="26" name="Object 12">
             <a:extLst>
               <a:ext uri="{FF2B5EF4-FFF2-40B4-BE49-F238E27FC236}">
-                <a16:creationId xmlns:a16="http://schemas.microsoft.com/office/drawing/2014/main" xmlns="" id="{A0956AA3-74B0-4839-9A31-5A2A28950B1E}"/>
+                <a16:creationId xmlns:a16="http://schemas.microsoft.com/office/drawing/2014/main" id="{A0956AA3-74B0-4839-9A31-5A2A28950B1E}"/>
               </a:ext>
             </a:extLst>
           </p:cNvPr>
@@ -8289,7 +8290,7 @@
           <a:graphicData uri="http://schemas.openxmlformats.org/presentationml/2006/ole">
             <mc:AlternateContent xmlns:mc="http://schemas.openxmlformats.org/markup-compatibility/2006">
               <mc:Choice xmlns:v="urn:schemas-microsoft-com:vml" Requires="v">
-                <p:oleObj spid="_x0000_s4289" name="方程式" r:id="rId10" imgW="203040" imgH="228600" progId="Equation.3">
+                <p:oleObj spid="_x0000_s4301" name="方程式" r:id="rId10" imgW="203040" imgH="228600" progId="Equation.3">
                   <p:embed/>
                 </p:oleObj>
               </mc:Choice>
@@ -8334,7 +8335,7 @@
           <p:cNvPr id="27" name="Picture 12" descr="https://encrypted-tbn1.gstatic.com/images?q=tbn:ANd9GcRcwlRKAlSIaCI4W5PRYVbuBQQXifF-56bFqAjh9DMe-_3Lh8_YKw">
             <a:extLst>
               <a:ext uri="{FF2B5EF4-FFF2-40B4-BE49-F238E27FC236}">
-                <a16:creationId xmlns:a16="http://schemas.microsoft.com/office/drawing/2014/main" xmlns="" id="{4D67006C-9A71-4B9D-A460-CE8C4DA6324E}"/>
+                <a16:creationId xmlns:a16="http://schemas.microsoft.com/office/drawing/2014/main" id="{4D67006C-9A71-4B9D-A460-CE8C4DA6324E}"/>
               </a:ext>
             </a:extLst>
           </p:cNvPr>
@@ -8381,7 +8382,7 @@
           <p:cNvPr id="28" name="文字方塊 45">
             <a:extLst>
               <a:ext uri="{FF2B5EF4-FFF2-40B4-BE49-F238E27FC236}">
-                <a16:creationId xmlns:a16="http://schemas.microsoft.com/office/drawing/2014/main" xmlns="" id="{00C6E81C-A033-4C81-A001-D621CD84248E}"/>
+                <a16:creationId xmlns:a16="http://schemas.microsoft.com/office/drawing/2014/main" id="{00C6E81C-A033-4C81-A001-D621CD84248E}"/>
               </a:ext>
             </a:extLst>
           </p:cNvPr>
@@ -8418,7 +8419,7 @@
           <p:cNvPr id="29" name="矩形 28">
             <a:extLst>
               <a:ext uri="{FF2B5EF4-FFF2-40B4-BE49-F238E27FC236}">
-                <a16:creationId xmlns:a16="http://schemas.microsoft.com/office/drawing/2014/main" xmlns="" id="{E1AC2FDE-73E1-49AA-9B98-6BFAC871FAFD}"/>
+                <a16:creationId xmlns:a16="http://schemas.microsoft.com/office/drawing/2014/main" id="{E1AC2FDE-73E1-49AA-9B98-6BFAC871FAFD}"/>
               </a:ext>
             </a:extLst>
           </p:cNvPr>
@@ -8470,7 +8471,7 @@
           <p:cNvPr id="30" name="矩形 29">
             <a:extLst>
               <a:ext uri="{FF2B5EF4-FFF2-40B4-BE49-F238E27FC236}">
-                <a16:creationId xmlns:a16="http://schemas.microsoft.com/office/drawing/2014/main" xmlns="" id="{E074733E-FA25-4E88-AB42-320E3CA89A14}"/>
+                <a16:creationId xmlns:a16="http://schemas.microsoft.com/office/drawing/2014/main" id="{E074733E-FA25-4E88-AB42-320E3CA89A14}"/>
               </a:ext>
             </a:extLst>
           </p:cNvPr>
@@ -8522,7 +8523,7 @@
           <p:cNvPr id="31" name="文字方塊 47">
             <a:extLst>
               <a:ext uri="{FF2B5EF4-FFF2-40B4-BE49-F238E27FC236}">
-                <a16:creationId xmlns:a16="http://schemas.microsoft.com/office/drawing/2014/main" xmlns="" id="{017A0524-DF83-490A-BF4B-E426793D8FD8}"/>
+                <a16:creationId xmlns:a16="http://schemas.microsoft.com/office/drawing/2014/main" id="{017A0524-DF83-490A-BF4B-E426793D8FD8}"/>
               </a:ext>
             </a:extLst>
           </p:cNvPr>
@@ -8572,7 +8573,7 @@
           <p:cNvPr id="32" name="文字方塊 48">
             <a:extLst>
               <a:ext uri="{FF2B5EF4-FFF2-40B4-BE49-F238E27FC236}">
-                <a16:creationId xmlns:a16="http://schemas.microsoft.com/office/drawing/2014/main" xmlns="" id="{2D346CE1-A373-4747-87DC-E08EDA429EBC}"/>
+                <a16:creationId xmlns:a16="http://schemas.microsoft.com/office/drawing/2014/main" id="{2D346CE1-A373-4747-87DC-E08EDA429EBC}"/>
               </a:ext>
             </a:extLst>
           </p:cNvPr>
@@ -8622,7 +8623,7 @@
           <p:cNvPr id="33" name="矩形 32">
             <a:extLst>
               <a:ext uri="{FF2B5EF4-FFF2-40B4-BE49-F238E27FC236}">
-                <a16:creationId xmlns:a16="http://schemas.microsoft.com/office/drawing/2014/main" xmlns="" id="{EB1CF628-4430-4B3F-AE2F-E19A55CCEFBD}"/>
+                <a16:creationId xmlns:a16="http://schemas.microsoft.com/office/drawing/2014/main" id="{EB1CF628-4430-4B3F-AE2F-E19A55CCEFBD}"/>
               </a:ext>
             </a:extLst>
           </p:cNvPr>
@@ -8674,7 +8675,7 @@
           <p:cNvPr id="34" name="矩形 33">
             <a:extLst>
               <a:ext uri="{FF2B5EF4-FFF2-40B4-BE49-F238E27FC236}">
-                <a16:creationId xmlns:a16="http://schemas.microsoft.com/office/drawing/2014/main" xmlns="" id="{80F3F945-585E-4A1F-94B5-CF3A08FD50C3}"/>
+                <a16:creationId xmlns:a16="http://schemas.microsoft.com/office/drawing/2014/main" id="{80F3F945-585E-4A1F-94B5-CF3A08FD50C3}"/>
               </a:ext>
             </a:extLst>
           </p:cNvPr>
@@ -8726,7 +8727,7 @@
           <p:cNvPr id="35" name="矩形 34">
             <a:extLst>
               <a:ext uri="{FF2B5EF4-FFF2-40B4-BE49-F238E27FC236}">
-                <a16:creationId xmlns:a16="http://schemas.microsoft.com/office/drawing/2014/main" xmlns="" id="{916AB394-5659-480E-BABE-2331F31E0EC6}"/>
+                <a16:creationId xmlns:a16="http://schemas.microsoft.com/office/drawing/2014/main" id="{916AB394-5659-480E-BABE-2331F31E0EC6}"/>
               </a:ext>
             </a:extLst>
           </p:cNvPr>
@@ -8778,7 +8779,7 @@
           <p:cNvPr id="36" name="文字方塊 52">
             <a:extLst>
               <a:ext uri="{FF2B5EF4-FFF2-40B4-BE49-F238E27FC236}">
-                <a16:creationId xmlns:a16="http://schemas.microsoft.com/office/drawing/2014/main" xmlns="" id="{6D4B55D2-7DFD-4ABB-B5C8-39E4081FF0C7}"/>
+                <a16:creationId xmlns:a16="http://schemas.microsoft.com/office/drawing/2014/main" id="{6D4B55D2-7DFD-4ABB-B5C8-39E4081FF0C7}"/>
               </a:ext>
             </a:extLst>
           </p:cNvPr>
@@ -8828,7 +8829,7 @@
           <p:cNvPr id="37" name="文字方塊 53">
             <a:extLst>
               <a:ext uri="{FF2B5EF4-FFF2-40B4-BE49-F238E27FC236}">
-                <a16:creationId xmlns:a16="http://schemas.microsoft.com/office/drawing/2014/main" xmlns="" id="{50E29081-D45A-4F28-9EFF-5460C6A952AA}"/>
+                <a16:creationId xmlns:a16="http://schemas.microsoft.com/office/drawing/2014/main" id="{50E29081-D45A-4F28-9EFF-5460C6A952AA}"/>
               </a:ext>
             </a:extLst>
           </p:cNvPr>
@@ -8878,7 +8879,7 @@
           <p:cNvPr id="38" name="文字方塊 54">
             <a:extLst>
               <a:ext uri="{FF2B5EF4-FFF2-40B4-BE49-F238E27FC236}">
-                <a16:creationId xmlns:a16="http://schemas.microsoft.com/office/drawing/2014/main" xmlns="" id="{ACB38E13-E3DD-4362-8BF2-C842A6C48388}"/>
+                <a16:creationId xmlns:a16="http://schemas.microsoft.com/office/drawing/2014/main" id="{ACB38E13-E3DD-4362-8BF2-C842A6C48388}"/>
               </a:ext>
             </a:extLst>
           </p:cNvPr>
@@ -9678,7 +9679,7 @@
           <p:cNvPr id="2" name="标题 1">
             <a:extLst>
               <a:ext uri="{FF2B5EF4-FFF2-40B4-BE49-F238E27FC236}">
-                <a16:creationId xmlns:a16="http://schemas.microsoft.com/office/drawing/2014/main" xmlns="" id="{9442FABF-4FB1-4F36-9513-8945F183E53F}"/>
+                <a16:creationId xmlns:a16="http://schemas.microsoft.com/office/drawing/2014/main" id="{9442FABF-4FB1-4F36-9513-8945F183E53F}"/>
               </a:ext>
             </a:extLst>
           </p:cNvPr>
@@ -9706,7 +9707,7 @@
           <p:cNvPr id="3" name="内容占位符 2">
             <a:extLst>
               <a:ext uri="{FF2B5EF4-FFF2-40B4-BE49-F238E27FC236}">
-                <a16:creationId xmlns:a16="http://schemas.microsoft.com/office/drawing/2014/main" xmlns="" id="{261CD801-DECC-4617-8BD3-2A35547A5650}"/>
+                <a16:creationId xmlns:a16="http://schemas.microsoft.com/office/drawing/2014/main" id="{261CD801-DECC-4617-8BD3-2A35547A5650}"/>
               </a:ext>
             </a:extLst>
           </p:cNvPr>
@@ -9900,7 +9901,7 @@
           <p:cNvPr id="4" name="日期占位符 3">
             <a:extLst>
               <a:ext uri="{FF2B5EF4-FFF2-40B4-BE49-F238E27FC236}">
-                <a16:creationId xmlns:a16="http://schemas.microsoft.com/office/drawing/2014/main" xmlns="" id="{C868FBBD-1904-43DF-87E5-827E773A483F}"/>
+                <a16:creationId xmlns:a16="http://schemas.microsoft.com/office/drawing/2014/main" id="{C868FBBD-1904-43DF-87E5-827E773A483F}"/>
               </a:ext>
             </a:extLst>
           </p:cNvPr>
@@ -9921,7 +9922,7 @@
             </a:pPr>
             <a:fld id="{95A2A19B-170D-1043-AE33-7A36DFB7BCDC}" type="datetime2">
               <a:rPr lang="zh-CN" altLang="en-US" smtClean="0"/>
-              <a:t>2018年7月7日</a:t>
+              <a:t>2018年7月8日</a:t>
             </a:fld>
             <a:endParaRPr lang="en-US" altLang="zh-CN" dirty="0"/>
           </a:p>
@@ -9932,7 +9933,7 @@
           <p:cNvPr id="5" name="页脚占位符 4">
             <a:extLst>
               <a:ext uri="{FF2B5EF4-FFF2-40B4-BE49-F238E27FC236}">
-                <a16:creationId xmlns:a16="http://schemas.microsoft.com/office/drawing/2014/main" xmlns="" id="{88D48CA5-9EF4-4AA9-AC2E-8CA93B352A63}"/>
+                <a16:creationId xmlns:a16="http://schemas.microsoft.com/office/drawing/2014/main" id="{88D48CA5-9EF4-4AA9-AC2E-8CA93B352A63}"/>
               </a:ext>
             </a:extLst>
           </p:cNvPr>
@@ -9964,7 +9965,7 @@
           <p:cNvPr id="6" name="灯片编号占位符 5">
             <a:extLst>
               <a:ext uri="{FF2B5EF4-FFF2-40B4-BE49-F238E27FC236}">
-                <a16:creationId xmlns:a16="http://schemas.microsoft.com/office/drawing/2014/main" xmlns="" id="{17EE97E5-38B6-483C-A03E-1007DD19B573}"/>
+                <a16:creationId xmlns:a16="http://schemas.microsoft.com/office/drawing/2014/main" id="{17EE97E5-38B6-483C-A03E-1007DD19B573}"/>
               </a:ext>
             </a:extLst>
           </p:cNvPr>
@@ -10029,7 +10030,7 @@
           <p:cNvPr id="2" name="标题 1">
             <a:extLst>
               <a:ext uri="{FF2B5EF4-FFF2-40B4-BE49-F238E27FC236}">
-                <a16:creationId xmlns:a16="http://schemas.microsoft.com/office/drawing/2014/main" xmlns="" id="{05BAECAB-F1F5-4970-9B27-3664D47E9FCE}"/>
+                <a16:creationId xmlns:a16="http://schemas.microsoft.com/office/drawing/2014/main" id="{05BAECAB-F1F5-4970-9B27-3664D47E9FCE}"/>
               </a:ext>
             </a:extLst>
           </p:cNvPr>
@@ -10057,7 +10058,7 @@
           <p:cNvPr id="3" name="内容占位符 2">
             <a:extLst>
               <a:ext uri="{FF2B5EF4-FFF2-40B4-BE49-F238E27FC236}">
-                <a16:creationId xmlns:a16="http://schemas.microsoft.com/office/drawing/2014/main" xmlns="" id="{9D054DA1-D7B2-4E6F-B664-AB3C21CAFD41}"/>
+                <a16:creationId xmlns:a16="http://schemas.microsoft.com/office/drawing/2014/main" id="{9D054DA1-D7B2-4E6F-B664-AB3C21CAFD41}"/>
               </a:ext>
             </a:extLst>
           </p:cNvPr>
@@ -10156,7 +10157,7 @@
           <p:cNvPr id="4" name="日期占位符 3">
             <a:extLst>
               <a:ext uri="{FF2B5EF4-FFF2-40B4-BE49-F238E27FC236}">
-                <a16:creationId xmlns:a16="http://schemas.microsoft.com/office/drawing/2014/main" xmlns="" id="{6A1B7D36-9DAA-4A61-8ACF-9B9A2C235FAB}"/>
+                <a16:creationId xmlns:a16="http://schemas.microsoft.com/office/drawing/2014/main" id="{6A1B7D36-9DAA-4A61-8ACF-9B9A2C235FAB}"/>
               </a:ext>
             </a:extLst>
           </p:cNvPr>
@@ -10177,7 +10178,7 @@
             </a:pPr>
             <a:fld id="{95A2A19B-170D-1043-AE33-7A36DFB7BCDC}" type="datetime2">
               <a:rPr lang="zh-CN" altLang="en-US" smtClean="0"/>
-              <a:t>2018年7月7日</a:t>
+              <a:t>2018年7月8日</a:t>
             </a:fld>
             <a:endParaRPr lang="en-US" altLang="zh-CN"/>
           </a:p>
@@ -10188,7 +10189,7 @@
           <p:cNvPr id="5" name="页脚占位符 4">
             <a:extLst>
               <a:ext uri="{FF2B5EF4-FFF2-40B4-BE49-F238E27FC236}">
-                <a16:creationId xmlns:a16="http://schemas.microsoft.com/office/drawing/2014/main" xmlns="" id="{81421D9D-CF75-401C-89BE-6BA073E750AE}"/>
+                <a16:creationId xmlns:a16="http://schemas.microsoft.com/office/drawing/2014/main" id="{81421D9D-CF75-401C-89BE-6BA073E750AE}"/>
               </a:ext>
             </a:extLst>
           </p:cNvPr>
@@ -10220,7 +10221,7 @@
           <p:cNvPr id="6" name="灯片编号占位符 5">
             <a:extLst>
               <a:ext uri="{FF2B5EF4-FFF2-40B4-BE49-F238E27FC236}">
-                <a16:creationId xmlns:a16="http://schemas.microsoft.com/office/drawing/2014/main" xmlns="" id="{963E6159-A365-4D20-920B-6A048CB7DC4C}"/>
+                <a16:creationId xmlns:a16="http://schemas.microsoft.com/office/drawing/2014/main" id="{963E6159-A365-4D20-920B-6A048CB7DC4C}"/>
               </a:ext>
             </a:extLst>
           </p:cNvPr>
@@ -10255,7 +10256,7 @@
           <p:cNvPr id="5126" name="Picture 6" descr="“猫”的图片搜索结果">
             <a:extLst>
               <a:ext uri="{FF2B5EF4-FFF2-40B4-BE49-F238E27FC236}">
-                <a16:creationId xmlns:a16="http://schemas.microsoft.com/office/drawing/2014/main" xmlns="" id="{AD96913F-3195-4EC9-9C8D-BEAA34839E94}"/>
+                <a16:creationId xmlns:a16="http://schemas.microsoft.com/office/drawing/2014/main" id="{AD96913F-3195-4EC9-9C8D-BEAA34839E94}"/>
               </a:ext>
             </a:extLst>
           </p:cNvPr>
@@ -10302,7 +10303,7 @@
           <p:cNvPr id="5128" name="Picture 8" descr="“猫”的图片搜索结果">
             <a:extLst>
               <a:ext uri="{FF2B5EF4-FFF2-40B4-BE49-F238E27FC236}">
-                <a16:creationId xmlns:a16="http://schemas.microsoft.com/office/drawing/2014/main" xmlns="" id="{9B70B574-4A67-4543-BECA-5BF688E3F16A}"/>
+                <a16:creationId xmlns:a16="http://schemas.microsoft.com/office/drawing/2014/main" id="{9B70B574-4A67-4543-BECA-5BF688E3F16A}"/>
               </a:ext>
             </a:extLst>
           </p:cNvPr>
@@ -10349,7 +10350,7 @@
           <p:cNvPr id="13" name="图片 12">
             <a:extLst>
               <a:ext uri="{FF2B5EF4-FFF2-40B4-BE49-F238E27FC236}">
-                <a16:creationId xmlns:a16="http://schemas.microsoft.com/office/drawing/2014/main" xmlns="" id="{A0EA8E6D-30C6-4A9A-BF0D-A02659CFA73C}"/>
+                <a16:creationId xmlns:a16="http://schemas.microsoft.com/office/drawing/2014/main" id="{A0EA8E6D-30C6-4A9A-BF0D-A02659CFA73C}"/>
               </a:ext>
             </a:extLst>
           </p:cNvPr>
@@ -10379,7 +10380,7 @@
           <p:cNvPr id="15" name="图片 14">
             <a:extLst>
               <a:ext uri="{FF2B5EF4-FFF2-40B4-BE49-F238E27FC236}">
-                <a16:creationId xmlns:a16="http://schemas.microsoft.com/office/drawing/2014/main" xmlns="" id="{DE25F0F6-8098-4048-A5A5-7F7BD283417A}"/>
+                <a16:creationId xmlns:a16="http://schemas.microsoft.com/office/drawing/2014/main" id="{DE25F0F6-8098-4048-A5A5-7F7BD283417A}"/>
               </a:ext>
             </a:extLst>
           </p:cNvPr>
@@ -10409,7 +10410,7 @@
           <p:cNvPr id="18" name="文字方塊 39">
             <a:extLst>
               <a:ext uri="{FF2B5EF4-FFF2-40B4-BE49-F238E27FC236}">
-                <a16:creationId xmlns:a16="http://schemas.microsoft.com/office/drawing/2014/main" xmlns="" id="{EB4A6560-0B3B-406B-9BAC-690FE129F6F1}"/>
+                <a16:creationId xmlns:a16="http://schemas.microsoft.com/office/drawing/2014/main" id="{EB4A6560-0B3B-406B-9BAC-690FE129F6F1}"/>
               </a:ext>
             </a:extLst>
           </p:cNvPr>
@@ -10446,7 +10447,7 @@
           <p:cNvPr id="19" name="文字方塊 40">
             <a:extLst>
               <a:ext uri="{FF2B5EF4-FFF2-40B4-BE49-F238E27FC236}">
-                <a16:creationId xmlns:a16="http://schemas.microsoft.com/office/drawing/2014/main" xmlns="" id="{9540D4D3-1AA7-44D0-A5E3-25A9A600B5D9}"/>
+                <a16:creationId xmlns:a16="http://schemas.microsoft.com/office/drawing/2014/main" id="{9540D4D3-1AA7-44D0-A5E3-25A9A600B5D9}"/>
               </a:ext>
             </a:extLst>
           </p:cNvPr>
@@ -10483,7 +10484,7 @@
           <p:cNvPr id="20" name="文字方塊 39">
             <a:extLst>
               <a:ext uri="{FF2B5EF4-FFF2-40B4-BE49-F238E27FC236}">
-                <a16:creationId xmlns:a16="http://schemas.microsoft.com/office/drawing/2014/main" xmlns="" id="{504A2DF6-0B7F-409F-816F-977F634B204C}"/>
+                <a16:creationId xmlns:a16="http://schemas.microsoft.com/office/drawing/2014/main" id="{504A2DF6-0B7F-409F-816F-977F634B204C}"/>
               </a:ext>
             </a:extLst>
           </p:cNvPr>
@@ -10520,7 +10521,7 @@
           <p:cNvPr id="21" name="文字方塊 40">
             <a:extLst>
               <a:ext uri="{FF2B5EF4-FFF2-40B4-BE49-F238E27FC236}">
-                <a16:creationId xmlns:a16="http://schemas.microsoft.com/office/drawing/2014/main" xmlns="" id="{FCD63D29-D9B3-474F-9918-78F5EFE30854}"/>
+                <a16:creationId xmlns:a16="http://schemas.microsoft.com/office/drawing/2014/main" id="{FCD63D29-D9B3-474F-9918-78F5EFE30854}"/>
               </a:ext>
             </a:extLst>
           </p:cNvPr>
@@ -10557,7 +10558,7 @@
           <p:cNvPr id="22" name="Picture 6" descr="“猫”的图片搜索结果">
             <a:extLst>
               <a:ext uri="{FF2B5EF4-FFF2-40B4-BE49-F238E27FC236}">
-                <a16:creationId xmlns:a16="http://schemas.microsoft.com/office/drawing/2014/main" xmlns="" id="{81283274-5CEE-4E37-B3EB-85E1B0CA88B9}"/>
+                <a16:creationId xmlns:a16="http://schemas.microsoft.com/office/drawing/2014/main" id="{81283274-5CEE-4E37-B3EB-85E1B0CA88B9}"/>
               </a:ext>
             </a:extLst>
           </p:cNvPr>
@@ -10604,7 +10605,7 @@
           <p:cNvPr id="23" name="Picture 8" descr="“猫”的图片搜索结果">
             <a:extLst>
               <a:ext uri="{FF2B5EF4-FFF2-40B4-BE49-F238E27FC236}">
-                <a16:creationId xmlns:a16="http://schemas.microsoft.com/office/drawing/2014/main" xmlns="" id="{826D2D49-1218-46F6-BF25-A8E10E8E2277}"/>
+                <a16:creationId xmlns:a16="http://schemas.microsoft.com/office/drawing/2014/main" id="{826D2D49-1218-46F6-BF25-A8E10E8E2277}"/>
               </a:ext>
             </a:extLst>
           </p:cNvPr>
@@ -10651,7 +10652,7 @@
           <p:cNvPr id="24" name="图片 23">
             <a:extLst>
               <a:ext uri="{FF2B5EF4-FFF2-40B4-BE49-F238E27FC236}">
-                <a16:creationId xmlns:a16="http://schemas.microsoft.com/office/drawing/2014/main" xmlns="" id="{17D0E1AF-65A6-437F-9560-FFB32371F846}"/>
+                <a16:creationId xmlns:a16="http://schemas.microsoft.com/office/drawing/2014/main" id="{17D0E1AF-65A6-437F-9560-FFB32371F846}"/>
               </a:ext>
             </a:extLst>
           </p:cNvPr>
@@ -10681,7 +10682,7 @@
           <p:cNvPr id="25" name="图片 24">
             <a:extLst>
               <a:ext uri="{FF2B5EF4-FFF2-40B4-BE49-F238E27FC236}">
-                <a16:creationId xmlns:a16="http://schemas.microsoft.com/office/drawing/2014/main" xmlns="" id="{D80C2078-7BF3-4F2F-B186-F7A054360DD7}"/>
+                <a16:creationId xmlns:a16="http://schemas.microsoft.com/office/drawing/2014/main" id="{D80C2078-7BF3-4F2F-B186-F7A054360DD7}"/>
               </a:ext>
             </a:extLst>
           </p:cNvPr>
@@ -10711,7 +10712,7 @@
           <p:cNvPr id="26" name="Picture 6" descr="“猫”的图片搜索结果">
             <a:extLst>
               <a:ext uri="{FF2B5EF4-FFF2-40B4-BE49-F238E27FC236}">
-                <a16:creationId xmlns:a16="http://schemas.microsoft.com/office/drawing/2014/main" xmlns="" id="{3AC3A9E7-2D87-4D61-AA5F-C3DDCF0CE545}"/>
+                <a16:creationId xmlns:a16="http://schemas.microsoft.com/office/drawing/2014/main" id="{3AC3A9E7-2D87-4D61-AA5F-C3DDCF0CE545}"/>
               </a:ext>
             </a:extLst>
           </p:cNvPr>
@@ -10758,7 +10759,7 @@
           <p:cNvPr id="27" name="Picture 8" descr="“猫”的图片搜索结果">
             <a:extLst>
               <a:ext uri="{FF2B5EF4-FFF2-40B4-BE49-F238E27FC236}">
-                <a16:creationId xmlns:a16="http://schemas.microsoft.com/office/drawing/2014/main" xmlns="" id="{0DE14F62-FC23-437D-B2E0-DBF75E44A246}"/>
+                <a16:creationId xmlns:a16="http://schemas.microsoft.com/office/drawing/2014/main" id="{0DE14F62-FC23-437D-B2E0-DBF75E44A246}"/>
               </a:ext>
             </a:extLst>
           </p:cNvPr>
@@ -10805,7 +10806,7 @@
           <p:cNvPr id="28" name="图片 27">
             <a:extLst>
               <a:ext uri="{FF2B5EF4-FFF2-40B4-BE49-F238E27FC236}">
-                <a16:creationId xmlns:a16="http://schemas.microsoft.com/office/drawing/2014/main" xmlns="" id="{DCC9CCA1-5408-431F-89C1-18FB5670714A}"/>
+                <a16:creationId xmlns:a16="http://schemas.microsoft.com/office/drawing/2014/main" id="{DCC9CCA1-5408-431F-89C1-18FB5670714A}"/>
               </a:ext>
             </a:extLst>
           </p:cNvPr>
@@ -10835,7 +10836,7 @@
           <p:cNvPr id="29" name="图片 28">
             <a:extLst>
               <a:ext uri="{FF2B5EF4-FFF2-40B4-BE49-F238E27FC236}">
-                <a16:creationId xmlns:a16="http://schemas.microsoft.com/office/drawing/2014/main" xmlns="" id="{052A63B6-E239-4BD0-A6C3-92AECE82A0AC}"/>
+                <a16:creationId xmlns:a16="http://schemas.microsoft.com/office/drawing/2014/main" id="{052A63B6-E239-4BD0-A6C3-92AECE82A0AC}"/>
               </a:ext>
             </a:extLst>
           </p:cNvPr>
@@ -10865,7 +10866,7 @@
           <p:cNvPr id="30" name="文字方塊 39">
             <a:extLst>
               <a:ext uri="{FF2B5EF4-FFF2-40B4-BE49-F238E27FC236}">
-                <a16:creationId xmlns:a16="http://schemas.microsoft.com/office/drawing/2014/main" xmlns="" id="{CDA6D0C3-39AB-45AC-AA29-BC02221852A3}"/>
+                <a16:creationId xmlns:a16="http://schemas.microsoft.com/office/drawing/2014/main" id="{CDA6D0C3-39AB-45AC-AA29-BC02221852A3}"/>
               </a:ext>
             </a:extLst>
           </p:cNvPr>
@@ -10902,7 +10903,7 @@
           <p:cNvPr id="31" name="文字方塊 40">
             <a:extLst>
               <a:ext uri="{FF2B5EF4-FFF2-40B4-BE49-F238E27FC236}">
-                <a16:creationId xmlns:a16="http://schemas.microsoft.com/office/drawing/2014/main" xmlns="" id="{BDB7D785-9EB9-4E68-BFBA-5B193E8D861D}"/>
+                <a16:creationId xmlns:a16="http://schemas.microsoft.com/office/drawing/2014/main" id="{BDB7D785-9EB9-4E68-BFBA-5B193E8D861D}"/>
               </a:ext>
             </a:extLst>
           </p:cNvPr>
@@ -10939,7 +10940,7 @@
           <p:cNvPr id="32" name="文字方塊 39">
             <a:extLst>
               <a:ext uri="{FF2B5EF4-FFF2-40B4-BE49-F238E27FC236}">
-                <a16:creationId xmlns:a16="http://schemas.microsoft.com/office/drawing/2014/main" xmlns="" id="{555EFD52-BD58-4994-8DAE-E5A42C97A922}"/>
+                <a16:creationId xmlns:a16="http://schemas.microsoft.com/office/drawing/2014/main" id="{555EFD52-BD58-4994-8DAE-E5A42C97A922}"/>
               </a:ext>
             </a:extLst>
           </p:cNvPr>
@@ -10976,7 +10977,7 @@
           <p:cNvPr id="33" name="文字方塊 40">
             <a:extLst>
               <a:ext uri="{FF2B5EF4-FFF2-40B4-BE49-F238E27FC236}">
-                <a16:creationId xmlns:a16="http://schemas.microsoft.com/office/drawing/2014/main" xmlns="" id="{8D19BE08-18F2-4AEF-BC15-8A09DD7C705B}"/>
+                <a16:creationId xmlns:a16="http://schemas.microsoft.com/office/drawing/2014/main" id="{8D19BE08-18F2-4AEF-BC15-8A09DD7C705B}"/>
               </a:ext>
             </a:extLst>
           </p:cNvPr>
@@ -11013,7 +11014,7 @@
           <p:cNvPr id="5140" name="Picture 20" descr="“狗”的图片搜索结果">
             <a:extLst>
               <a:ext uri="{FF2B5EF4-FFF2-40B4-BE49-F238E27FC236}">
-                <a16:creationId xmlns:a16="http://schemas.microsoft.com/office/drawing/2014/main" xmlns="" id="{9ACC94B5-726A-42EE-894C-BA7BE8CD7186}"/>
+                <a16:creationId xmlns:a16="http://schemas.microsoft.com/office/drawing/2014/main" id="{9ACC94B5-726A-42EE-894C-BA7BE8CD7186}"/>
               </a:ext>
             </a:extLst>
           </p:cNvPr>
@@ -11060,7 +11061,7 @@
           <p:cNvPr id="5142" name="Picture 22" descr="“猫”的图片搜索结果">
             <a:extLst>
               <a:ext uri="{FF2B5EF4-FFF2-40B4-BE49-F238E27FC236}">
-                <a16:creationId xmlns:a16="http://schemas.microsoft.com/office/drawing/2014/main" xmlns="" id="{3D4A4F16-59C7-43C1-9C67-3082E881E1D0}"/>
+                <a16:creationId xmlns:a16="http://schemas.microsoft.com/office/drawing/2014/main" id="{3D4A4F16-59C7-43C1-9C67-3082E881E1D0}"/>
               </a:ext>
             </a:extLst>
           </p:cNvPr>
@@ -11537,7 +11538,7 @@
           <p:cNvPr id="2" name="标题 1">
             <a:extLst>
               <a:ext uri="{FF2B5EF4-FFF2-40B4-BE49-F238E27FC236}">
-                <a16:creationId xmlns:a16="http://schemas.microsoft.com/office/drawing/2014/main" xmlns="" id="{DDE33977-990F-48BD-8B10-3350156C1301}"/>
+                <a16:creationId xmlns:a16="http://schemas.microsoft.com/office/drawing/2014/main" id="{DDE33977-990F-48BD-8B10-3350156C1301}"/>
               </a:ext>
             </a:extLst>
           </p:cNvPr>
@@ -11565,7 +11566,7 @@
           <p:cNvPr id="3" name="日期占位符 2">
             <a:extLst>
               <a:ext uri="{FF2B5EF4-FFF2-40B4-BE49-F238E27FC236}">
-                <a16:creationId xmlns:a16="http://schemas.microsoft.com/office/drawing/2014/main" xmlns="" id="{3233B34B-D0CD-41D2-803C-8D192544BC60}"/>
+                <a16:creationId xmlns:a16="http://schemas.microsoft.com/office/drawing/2014/main" id="{3233B34B-D0CD-41D2-803C-8D192544BC60}"/>
               </a:ext>
             </a:extLst>
           </p:cNvPr>
@@ -11586,7 +11587,7 @@
             </a:pPr>
             <a:fld id="{0E714152-BEE6-8740-8BC2-BEA8A9605BAA}" type="datetime2">
               <a:rPr lang="zh-CN" altLang="en-US" smtClean="0"/>
-              <a:t>2018年7月7日</a:t>
+              <a:t>2018年7月8日</a:t>
             </a:fld>
             <a:endParaRPr lang="en-US" altLang="zh-CN"/>
           </a:p>
@@ -11597,7 +11598,7 @@
           <p:cNvPr id="4" name="页脚占位符 3">
             <a:extLst>
               <a:ext uri="{FF2B5EF4-FFF2-40B4-BE49-F238E27FC236}">
-                <a16:creationId xmlns:a16="http://schemas.microsoft.com/office/drawing/2014/main" xmlns="" id="{A2ECB6E5-3012-43ED-96E1-F8AF9262160C}"/>
+                <a16:creationId xmlns:a16="http://schemas.microsoft.com/office/drawing/2014/main" id="{A2ECB6E5-3012-43ED-96E1-F8AF9262160C}"/>
               </a:ext>
             </a:extLst>
           </p:cNvPr>
@@ -11629,7 +11630,7 @@
           <p:cNvPr id="5" name="灯片编号占位符 4">
             <a:extLst>
               <a:ext uri="{FF2B5EF4-FFF2-40B4-BE49-F238E27FC236}">
-                <a16:creationId xmlns:a16="http://schemas.microsoft.com/office/drawing/2014/main" xmlns="" id="{D8640F76-883C-40EF-9AD3-8C5834A1C1F0}"/>
+                <a16:creationId xmlns:a16="http://schemas.microsoft.com/office/drawing/2014/main" id="{D8640F76-883C-40EF-9AD3-8C5834A1C1F0}"/>
               </a:ext>
             </a:extLst>
           </p:cNvPr>
@@ -11664,7 +11665,7 @@
           <p:cNvPr id="6" name="Picture 2" descr="ai head">
             <a:extLst>
               <a:ext uri="{FF2B5EF4-FFF2-40B4-BE49-F238E27FC236}">
-                <a16:creationId xmlns:a16="http://schemas.microsoft.com/office/drawing/2014/main" xmlns="" id="{ACAC611B-6E57-4817-B16F-009B1A018FB9}"/>
+                <a16:creationId xmlns:a16="http://schemas.microsoft.com/office/drawing/2014/main" id="{ACAC611B-6E57-4817-B16F-009B1A018FB9}"/>
               </a:ext>
             </a:extLst>
           </p:cNvPr>
@@ -11739,7 +11740,7 @@
           <p:cNvPr id="2" name="标题 1">
             <a:extLst>
               <a:ext uri="{FF2B5EF4-FFF2-40B4-BE49-F238E27FC236}">
-                <a16:creationId xmlns:a16="http://schemas.microsoft.com/office/drawing/2014/main" xmlns="" id="{DD03AD3E-BE9E-42C6-B249-B76CE569CD4E}"/>
+                <a16:creationId xmlns:a16="http://schemas.microsoft.com/office/drawing/2014/main" id="{DD03AD3E-BE9E-42C6-B249-B76CE569CD4E}"/>
               </a:ext>
             </a:extLst>
           </p:cNvPr>
@@ -11767,7 +11768,7 @@
           <p:cNvPr id="3" name="内容占位符 2">
             <a:extLst>
               <a:ext uri="{FF2B5EF4-FFF2-40B4-BE49-F238E27FC236}">
-                <a16:creationId xmlns:a16="http://schemas.microsoft.com/office/drawing/2014/main" xmlns="" id="{0D759A90-3F96-4C2A-9877-9F19781C0BC8}"/>
+                <a16:creationId xmlns:a16="http://schemas.microsoft.com/office/drawing/2014/main" id="{0D759A90-3F96-4C2A-9877-9F19781C0BC8}"/>
               </a:ext>
             </a:extLst>
           </p:cNvPr>
@@ -11865,7 +11866,7 @@
           <p:cNvPr id="4" name="日期占位符 3">
             <a:extLst>
               <a:ext uri="{FF2B5EF4-FFF2-40B4-BE49-F238E27FC236}">
-                <a16:creationId xmlns:a16="http://schemas.microsoft.com/office/drawing/2014/main" xmlns="" id="{4E3825FE-4341-4CF0-941C-B4BABC1B3DC7}"/>
+                <a16:creationId xmlns:a16="http://schemas.microsoft.com/office/drawing/2014/main" id="{4E3825FE-4341-4CF0-941C-B4BABC1B3DC7}"/>
               </a:ext>
             </a:extLst>
           </p:cNvPr>
@@ -11886,7 +11887,7 @@
             </a:pPr>
             <a:fld id="{95A2A19B-170D-1043-AE33-7A36DFB7BCDC}" type="datetime2">
               <a:rPr lang="zh-CN" altLang="en-US" smtClean="0"/>
-              <a:t>2018年7月7日</a:t>
+              <a:t>2018年7月8日</a:t>
             </a:fld>
             <a:endParaRPr lang="en-US" altLang="zh-CN"/>
           </a:p>
@@ -11897,7 +11898,7 @@
           <p:cNvPr id="5" name="页脚占位符 4">
             <a:extLst>
               <a:ext uri="{FF2B5EF4-FFF2-40B4-BE49-F238E27FC236}">
-                <a16:creationId xmlns:a16="http://schemas.microsoft.com/office/drawing/2014/main" xmlns="" id="{E75B2C1F-3E29-4D40-AE04-8AE261587309}"/>
+                <a16:creationId xmlns:a16="http://schemas.microsoft.com/office/drawing/2014/main" id="{E75B2C1F-3E29-4D40-AE04-8AE261587309}"/>
               </a:ext>
             </a:extLst>
           </p:cNvPr>
@@ -11929,7 +11930,7 @@
           <p:cNvPr id="6" name="灯片编号占位符 5">
             <a:extLst>
               <a:ext uri="{FF2B5EF4-FFF2-40B4-BE49-F238E27FC236}">
-                <a16:creationId xmlns:a16="http://schemas.microsoft.com/office/drawing/2014/main" xmlns="" id="{EA694379-8134-4263-994B-7087BE0D7718}"/>
+                <a16:creationId xmlns:a16="http://schemas.microsoft.com/office/drawing/2014/main" id="{EA694379-8134-4263-994B-7087BE0D7718}"/>
               </a:ext>
             </a:extLst>
           </p:cNvPr>
@@ -11994,7 +11995,7 @@
           <p:cNvPr id="2" name="标题 1">
             <a:extLst>
               <a:ext uri="{FF2B5EF4-FFF2-40B4-BE49-F238E27FC236}">
-                <a16:creationId xmlns:a16="http://schemas.microsoft.com/office/drawing/2014/main" xmlns="" id="{A84C90B4-A40A-46C1-B377-D17BA45AF7D8}"/>
+                <a16:creationId xmlns:a16="http://schemas.microsoft.com/office/drawing/2014/main" id="{A84C90B4-A40A-46C1-B377-D17BA45AF7D8}"/>
               </a:ext>
             </a:extLst>
           </p:cNvPr>
@@ -12022,7 +12023,7 @@
           <p:cNvPr id="3" name="内容占位符 2">
             <a:extLst>
               <a:ext uri="{FF2B5EF4-FFF2-40B4-BE49-F238E27FC236}">
-                <a16:creationId xmlns:a16="http://schemas.microsoft.com/office/drawing/2014/main" xmlns="" id="{A6AD590F-BDB6-4099-BAE5-F5750586A12E}"/>
+                <a16:creationId xmlns:a16="http://schemas.microsoft.com/office/drawing/2014/main" id="{A6AD590F-BDB6-4099-BAE5-F5750586A12E}"/>
               </a:ext>
             </a:extLst>
           </p:cNvPr>
@@ -12113,7 +12114,7 @@
           <p:cNvPr id="4" name="日期占位符 3">
             <a:extLst>
               <a:ext uri="{FF2B5EF4-FFF2-40B4-BE49-F238E27FC236}">
-                <a16:creationId xmlns:a16="http://schemas.microsoft.com/office/drawing/2014/main" xmlns="" id="{38AF9A90-79CD-46C9-A82B-361D2E396C78}"/>
+                <a16:creationId xmlns:a16="http://schemas.microsoft.com/office/drawing/2014/main" id="{38AF9A90-79CD-46C9-A82B-361D2E396C78}"/>
               </a:ext>
             </a:extLst>
           </p:cNvPr>
@@ -12134,7 +12135,7 @@
             </a:pPr>
             <a:fld id="{95A2A19B-170D-1043-AE33-7A36DFB7BCDC}" type="datetime2">
               <a:rPr lang="zh-CN" altLang="en-US" smtClean="0"/>
-              <a:t>2018年7月7日</a:t>
+              <a:t>2018年7月8日</a:t>
             </a:fld>
             <a:endParaRPr lang="en-US" altLang="zh-CN"/>
           </a:p>
@@ -12145,7 +12146,7 @@
           <p:cNvPr id="5" name="页脚占位符 4">
             <a:extLst>
               <a:ext uri="{FF2B5EF4-FFF2-40B4-BE49-F238E27FC236}">
-                <a16:creationId xmlns:a16="http://schemas.microsoft.com/office/drawing/2014/main" xmlns="" id="{5F590F6D-696D-4411-BC80-2EBFBBD029CD}"/>
+                <a16:creationId xmlns:a16="http://schemas.microsoft.com/office/drawing/2014/main" id="{5F590F6D-696D-4411-BC80-2EBFBBD029CD}"/>
               </a:ext>
             </a:extLst>
           </p:cNvPr>
@@ -12177,7 +12178,7 @@
           <p:cNvPr id="6" name="灯片编号占位符 5">
             <a:extLst>
               <a:ext uri="{FF2B5EF4-FFF2-40B4-BE49-F238E27FC236}">
-                <a16:creationId xmlns:a16="http://schemas.microsoft.com/office/drawing/2014/main" xmlns="" id="{2DAF391A-119B-4975-904F-29D16D2F9F54}"/>
+                <a16:creationId xmlns:a16="http://schemas.microsoft.com/office/drawing/2014/main" id="{2DAF391A-119B-4975-904F-29D16D2F9F54}"/>
               </a:ext>
             </a:extLst>
           </p:cNvPr>
@@ -12301,7 +12302,7 @@
           <p:cNvPr id="2" name="标题 1">
             <a:extLst>
               <a:ext uri="{FF2B5EF4-FFF2-40B4-BE49-F238E27FC236}">
-                <a16:creationId xmlns:a16="http://schemas.microsoft.com/office/drawing/2014/main" xmlns="" id="{54D5A80D-18D6-42E1-BD49-64E886178140}"/>
+                <a16:creationId xmlns:a16="http://schemas.microsoft.com/office/drawing/2014/main" id="{54D5A80D-18D6-42E1-BD49-64E886178140}"/>
               </a:ext>
             </a:extLst>
           </p:cNvPr>
@@ -12331,7 +12332,7 @@
               <p:cNvPr id="12" name="内容占位符 11">
                 <a:extLst>
                   <a:ext uri="{FF2B5EF4-FFF2-40B4-BE49-F238E27FC236}">
-                    <a16:creationId xmlns:a16="http://schemas.microsoft.com/office/drawing/2014/main" xmlns="" id="{9A636946-A956-43FD-9D29-8526A6B369D5}"/>
+                    <a16:creationId xmlns:a16="http://schemas.microsoft.com/office/drawing/2014/main" id="{9A636946-A956-43FD-9D29-8526A6B369D5}"/>
                   </a:ext>
                 </a:extLst>
               </p:cNvPr>
@@ -12478,7 +12479,7 @@
                       <m:sSupPr>
                         <m:ctrlPr>
                           <a:rPr lang="en-US" altLang="zh-CN" b="0" i="1" smtClean="0">
-                            <a:latin typeface="Cambria Math" charset="0"/>
+                            <a:latin typeface="Cambria Math" panose="02040503050406030204" pitchFamily="18" charset="0"/>
                           </a:rPr>
                         </m:ctrlPr>
                       </m:sSupPr>
@@ -12495,7 +12496,7 @@
                           <m:dPr>
                             <m:ctrlPr>
                               <a:rPr lang="en-US" altLang="zh-CN" b="0" i="1" smtClean="0">
-                                <a:latin typeface="Cambria Math" charset="0"/>
+                                <a:latin typeface="Cambria Math" panose="02040503050406030204" pitchFamily="18" charset="0"/>
                               </a:rPr>
                             </m:ctrlPr>
                           </m:dPr>
@@ -12520,7 +12521,7 @@
                       <m:sSupPr>
                         <m:ctrlPr>
                           <a:rPr lang="en-US" altLang="zh-CN" b="0" i="1" smtClean="0">
-                            <a:latin typeface="Cambria Math" charset="0"/>
+                            <a:latin typeface="Cambria Math" panose="02040503050406030204" pitchFamily="18" charset="0"/>
                           </a:rPr>
                         </m:ctrlPr>
                       </m:sSupPr>
@@ -12669,7 +12670,7 @@
           <p:cNvPr id="15" name="内容占位符 14">
             <a:extLst>
               <a:ext uri="{FF2B5EF4-FFF2-40B4-BE49-F238E27FC236}">
-                <a16:creationId xmlns:a16="http://schemas.microsoft.com/office/drawing/2014/main" xmlns="" id="{3522E053-E523-498D-8B06-C20AB220B3B0}"/>
+                <a16:creationId xmlns:a16="http://schemas.microsoft.com/office/drawing/2014/main" id="{3522E053-E523-498D-8B06-C20AB220B3B0}"/>
               </a:ext>
             </a:extLst>
           </p:cNvPr>
@@ -12704,7 +12705,7 @@
           <p:cNvPr id="4" name="日期占位符 3">
             <a:extLst>
               <a:ext uri="{FF2B5EF4-FFF2-40B4-BE49-F238E27FC236}">
-                <a16:creationId xmlns:a16="http://schemas.microsoft.com/office/drawing/2014/main" xmlns="" id="{6EFABF30-1F8F-4FD4-9AFB-3A8776AB1508}"/>
+                <a16:creationId xmlns:a16="http://schemas.microsoft.com/office/drawing/2014/main" id="{6EFABF30-1F8F-4FD4-9AFB-3A8776AB1508}"/>
               </a:ext>
             </a:extLst>
           </p:cNvPr>
@@ -12725,7 +12726,7 @@
             </a:pPr>
             <a:fld id="{95A2A19B-170D-1043-AE33-7A36DFB7BCDC}" type="datetime2">
               <a:rPr lang="zh-CN" altLang="en-US" smtClean="0"/>
-              <a:t>2018年7月7日</a:t>
+              <a:t>2018年7月8日</a:t>
             </a:fld>
             <a:endParaRPr lang="en-US" altLang="zh-CN"/>
           </a:p>
@@ -12736,7 +12737,7 @@
           <p:cNvPr id="5" name="页脚占位符 4">
             <a:extLst>
               <a:ext uri="{FF2B5EF4-FFF2-40B4-BE49-F238E27FC236}">
-                <a16:creationId xmlns:a16="http://schemas.microsoft.com/office/drawing/2014/main" xmlns="" id="{85411ADB-4940-4F5F-8822-F66BFD15EE2B}"/>
+                <a16:creationId xmlns:a16="http://schemas.microsoft.com/office/drawing/2014/main" id="{85411ADB-4940-4F5F-8822-F66BFD15EE2B}"/>
               </a:ext>
             </a:extLst>
           </p:cNvPr>
@@ -12768,7 +12769,7 @@
           <p:cNvPr id="6" name="灯片编号占位符 5">
             <a:extLst>
               <a:ext uri="{FF2B5EF4-FFF2-40B4-BE49-F238E27FC236}">
-                <a16:creationId xmlns:a16="http://schemas.microsoft.com/office/drawing/2014/main" xmlns="" id="{40957E66-7741-4638-BFCE-C6BE6F7BB196}"/>
+                <a16:creationId xmlns:a16="http://schemas.microsoft.com/office/drawing/2014/main" id="{40957E66-7741-4638-BFCE-C6BE6F7BB196}"/>
               </a:ext>
             </a:extLst>
           </p:cNvPr>
@@ -12803,7 +12804,7 @@
           <p:cNvPr id="16" name="内容占位符 6">
             <a:extLst>
               <a:ext uri="{FF2B5EF4-FFF2-40B4-BE49-F238E27FC236}">
-                <a16:creationId xmlns:a16="http://schemas.microsoft.com/office/drawing/2014/main" xmlns="" id="{EB980026-D29F-4C6E-9BFC-18210325D87E}"/>
+                <a16:creationId xmlns:a16="http://schemas.microsoft.com/office/drawing/2014/main" id="{EB980026-D29F-4C6E-9BFC-18210325D87E}"/>
               </a:ext>
             </a:extLst>
           </p:cNvPr>
@@ -12832,14 +12833,14 @@
                 <a:gridCol w="1212783">
                   <a:extLst>
                     <a:ext uri="{9D8B030D-6E8A-4147-A177-3AD203B41FA5}">
-                      <a16:colId xmlns:a16="http://schemas.microsoft.com/office/drawing/2014/main" xmlns="" val="849694925"/>
+                      <a16:colId xmlns:a16="http://schemas.microsoft.com/office/drawing/2014/main" val="849694925"/>
                     </a:ext>
                   </a:extLst>
                 </a:gridCol>
                 <a:gridCol w="1212783">
                   <a:extLst>
                     <a:ext uri="{9D8B030D-6E8A-4147-A177-3AD203B41FA5}">
-                      <a16:colId xmlns:a16="http://schemas.microsoft.com/office/drawing/2014/main" xmlns="" val="2032597962"/>
+                      <a16:colId xmlns:a16="http://schemas.microsoft.com/office/drawing/2014/main" val="2032597962"/>
                     </a:ext>
                   </a:extLst>
                 </a:gridCol>
@@ -12885,7 +12886,7 @@
                 </a:tc>
                 <a:extLst>
                   <a:ext uri="{0D108BD9-81ED-4DB2-BD59-A6C34878D82A}">
-                    <a16:rowId xmlns:a16="http://schemas.microsoft.com/office/drawing/2014/main" xmlns="" val="246005499"/>
+                    <a16:rowId xmlns:a16="http://schemas.microsoft.com/office/drawing/2014/main" val="246005499"/>
                   </a:ext>
                 </a:extLst>
               </a:tr>
@@ -12922,7 +12923,7 @@
                 </a:tc>
                 <a:extLst>
                   <a:ext uri="{0D108BD9-81ED-4DB2-BD59-A6C34878D82A}">
-                    <a16:rowId xmlns:a16="http://schemas.microsoft.com/office/drawing/2014/main" xmlns="" val="1967244540"/>
+                    <a16:rowId xmlns:a16="http://schemas.microsoft.com/office/drawing/2014/main" val="1967244540"/>
                   </a:ext>
                 </a:extLst>
               </a:tr>
@@ -12959,7 +12960,7 @@
                 </a:tc>
                 <a:extLst>
                   <a:ext uri="{0D108BD9-81ED-4DB2-BD59-A6C34878D82A}">
-                    <a16:rowId xmlns:a16="http://schemas.microsoft.com/office/drawing/2014/main" xmlns="" val="1823030155"/>
+                    <a16:rowId xmlns:a16="http://schemas.microsoft.com/office/drawing/2014/main" val="1823030155"/>
                   </a:ext>
                 </a:extLst>
               </a:tr>
@@ -12996,7 +12997,7 @@
                 </a:tc>
                 <a:extLst>
                   <a:ext uri="{0D108BD9-81ED-4DB2-BD59-A6C34878D82A}">
-                    <a16:rowId xmlns:a16="http://schemas.microsoft.com/office/drawing/2014/main" xmlns="" val="1815547532"/>
+                    <a16:rowId xmlns:a16="http://schemas.microsoft.com/office/drawing/2014/main" val="1815547532"/>
                   </a:ext>
                 </a:extLst>
               </a:tr>
@@ -13033,7 +13034,7 @@
                 </a:tc>
                 <a:extLst>
                   <a:ext uri="{0D108BD9-81ED-4DB2-BD59-A6C34878D82A}">
-                    <a16:rowId xmlns:a16="http://schemas.microsoft.com/office/drawing/2014/main" xmlns="" val="168178639"/>
+                    <a16:rowId xmlns:a16="http://schemas.microsoft.com/office/drawing/2014/main" val="168178639"/>
                   </a:ext>
                 </a:extLst>
               </a:tr>
@@ -13076,7 +13077,7 @@
           <p:cNvPr id="2" name="标题 1">
             <a:extLst>
               <a:ext uri="{FF2B5EF4-FFF2-40B4-BE49-F238E27FC236}">
-                <a16:creationId xmlns:a16="http://schemas.microsoft.com/office/drawing/2014/main" xmlns="" id="{2EF6CFFB-B21D-4816-8B60-4F694DE205A3}"/>
+                <a16:creationId xmlns:a16="http://schemas.microsoft.com/office/drawing/2014/main" id="{2EF6CFFB-B21D-4816-8B60-4F694DE205A3}"/>
               </a:ext>
             </a:extLst>
           </p:cNvPr>
@@ -13104,7 +13105,7 @@
           <p:cNvPr id="4" name="日期占位符 3">
             <a:extLst>
               <a:ext uri="{FF2B5EF4-FFF2-40B4-BE49-F238E27FC236}">
-                <a16:creationId xmlns:a16="http://schemas.microsoft.com/office/drawing/2014/main" xmlns="" id="{C85B2897-6538-42C2-ACB0-1A31F8468D6E}"/>
+                <a16:creationId xmlns:a16="http://schemas.microsoft.com/office/drawing/2014/main" id="{C85B2897-6538-42C2-ACB0-1A31F8468D6E}"/>
               </a:ext>
             </a:extLst>
           </p:cNvPr>
@@ -13125,7 +13126,7 @@
             </a:pPr>
             <a:fld id="{95A2A19B-170D-1043-AE33-7A36DFB7BCDC}" type="datetime2">
               <a:rPr lang="zh-CN" altLang="en-US" smtClean="0"/>
-              <a:t>2018年7月7日</a:t>
+              <a:t>2018年7月8日</a:t>
             </a:fld>
             <a:endParaRPr lang="en-US" altLang="zh-CN"/>
           </a:p>
@@ -13136,7 +13137,7 @@
           <p:cNvPr id="5" name="页脚占位符 4">
             <a:extLst>
               <a:ext uri="{FF2B5EF4-FFF2-40B4-BE49-F238E27FC236}">
-                <a16:creationId xmlns:a16="http://schemas.microsoft.com/office/drawing/2014/main" xmlns="" id="{F14B425A-3171-4E97-89FA-80AFA74855FB}"/>
+                <a16:creationId xmlns:a16="http://schemas.microsoft.com/office/drawing/2014/main" id="{F14B425A-3171-4E97-89FA-80AFA74855FB}"/>
               </a:ext>
             </a:extLst>
           </p:cNvPr>
@@ -13168,7 +13169,7 @@
           <p:cNvPr id="6" name="灯片编号占位符 5">
             <a:extLst>
               <a:ext uri="{FF2B5EF4-FFF2-40B4-BE49-F238E27FC236}">
-                <a16:creationId xmlns:a16="http://schemas.microsoft.com/office/drawing/2014/main" xmlns="" id="{F15C4534-974F-4C9E-B28B-699F862B6BC7}"/>
+                <a16:creationId xmlns:a16="http://schemas.microsoft.com/office/drawing/2014/main" id="{F15C4534-974F-4C9E-B28B-699F862B6BC7}"/>
               </a:ext>
             </a:extLst>
           </p:cNvPr>
@@ -13205,7 +13206,7 @@
               <p:cNvPr id="10" name="内容占位符 9">
                 <a:extLst>
                   <a:ext uri="{FF2B5EF4-FFF2-40B4-BE49-F238E27FC236}">
-                    <a16:creationId xmlns:a16="http://schemas.microsoft.com/office/drawing/2014/main" xmlns="" id="{BD0E0E32-A568-44E3-89AF-900661C8FDC1}"/>
+                    <a16:creationId xmlns:a16="http://schemas.microsoft.com/office/drawing/2014/main" id="{BD0E0E32-A568-44E3-89AF-900661C8FDC1}"/>
                   </a:ext>
                 </a:extLst>
               </p:cNvPr>
@@ -13252,7 +13253,7 @@
                       <m:dPr>
                         <m:ctrlPr>
                           <a:rPr lang="en-US" altLang="zh-CN" b="0" i="1" smtClean="0">
-                            <a:latin typeface="Cambria Math" charset="0"/>
+                            <a:latin typeface="Cambria Math" panose="02040503050406030204" pitchFamily="18" charset="0"/>
                           </a:rPr>
                         </m:ctrlPr>
                       </m:dPr>
@@ -13412,7 +13413,7 @@
           <p:cNvPr id="8" name="内容占位符 14">
             <a:extLst>
               <a:ext uri="{FF2B5EF4-FFF2-40B4-BE49-F238E27FC236}">
-                <a16:creationId xmlns:a16="http://schemas.microsoft.com/office/drawing/2014/main" xmlns="" id="{CA915622-2D59-44FD-B4E4-7AD11D279975}"/>
+                <a16:creationId xmlns:a16="http://schemas.microsoft.com/office/drawing/2014/main" id="{CA915622-2D59-44FD-B4E4-7AD11D279975}"/>
               </a:ext>
             </a:extLst>
           </p:cNvPr>
@@ -13448,7 +13449,7 @@
           <p:cNvPr id="9" name="直接连接符 8">
             <a:extLst>
               <a:ext uri="{FF2B5EF4-FFF2-40B4-BE49-F238E27FC236}">
-                <a16:creationId xmlns:a16="http://schemas.microsoft.com/office/drawing/2014/main" xmlns="" id="{B8EA0638-0410-4EC6-84F4-1A23C7402721}"/>
+                <a16:creationId xmlns:a16="http://schemas.microsoft.com/office/drawing/2014/main" id="{B8EA0638-0410-4EC6-84F4-1A23C7402721}"/>
               </a:ext>
             </a:extLst>
           </p:cNvPr>
@@ -13487,7 +13488,7 @@
           <p:cNvPr id="12" name="直接连接符 11">
             <a:extLst>
               <a:ext uri="{FF2B5EF4-FFF2-40B4-BE49-F238E27FC236}">
-                <a16:creationId xmlns:a16="http://schemas.microsoft.com/office/drawing/2014/main" xmlns="" id="{9667FD76-2C8E-4BD3-B647-AA153E470261}"/>
+                <a16:creationId xmlns:a16="http://schemas.microsoft.com/office/drawing/2014/main" id="{9667FD76-2C8E-4BD3-B647-AA153E470261}"/>
               </a:ext>
             </a:extLst>
           </p:cNvPr>
@@ -13530,7 +13531,7 @@
           <p:cNvPr id="15" name="直接连接符 14">
             <a:extLst>
               <a:ext uri="{FF2B5EF4-FFF2-40B4-BE49-F238E27FC236}">
-                <a16:creationId xmlns:a16="http://schemas.microsoft.com/office/drawing/2014/main" xmlns="" id="{430E730C-2EF6-476D-B193-EB414A1C87EE}"/>
+                <a16:creationId xmlns:a16="http://schemas.microsoft.com/office/drawing/2014/main" id="{430E730C-2EF6-476D-B193-EB414A1C87EE}"/>
               </a:ext>
             </a:extLst>
           </p:cNvPr>
@@ -13822,7 +13823,7 @@
           <p:cNvPr id="2" name="标题 1">
             <a:extLst>
               <a:ext uri="{FF2B5EF4-FFF2-40B4-BE49-F238E27FC236}">
-                <a16:creationId xmlns:a16="http://schemas.microsoft.com/office/drawing/2014/main" xmlns="" id="{C720F6F0-C510-4BBE-89E6-A8C9A8A57415}"/>
+                <a16:creationId xmlns:a16="http://schemas.microsoft.com/office/drawing/2014/main" id="{C720F6F0-C510-4BBE-89E6-A8C9A8A57415}"/>
               </a:ext>
             </a:extLst>
           </p:cNvPr>
@@ -13852,7 +13853,7 @@
               <p:cNvPr id="3" name="内容占位符 2">
                 <a:extLst>
                   <a:ext uri="{FF2B5EF4-FFF2-40B4-BE49-F238E27FC236}">
-                    <a16:creationId xmlns:a16="http://schemas.microsoft.com/office/drawing/2014/main" xmlns="" id="{A68605A4-A425-4CD5-8D59-3ADEED6DE32A}"/>
+                    <a16:creationId xmlns:a16="http://schemas.microsoft.com/office/drawing/2014/main" id="{A68605A4-A425-4CD5-8D59-3ADEED6DE32A}"/>
                   </a:ext>
                 </a:extLst>
               </p:cNvPr>
@@ -14181,7 +14182,7 @@
           <p:cNvPr id="4" name="日期占位符 3">
             <a:extLst>
               <a:ext uri="{FF2B5EF4-FFF2-40B4-BE49-F238E27FC236}">
-                <a16:creationId xmlns:a16="http://schemas.microsoft.com/office/drawing/2014/main" xmlns="" id="{97913FA6-F7A2-4197-B8DA-F29481A0F82B}"/>
+                <a16:creationId xmlns:a16="http://schemas.microsoft.com/office/drawing/2014/main" id="{97913FA6-F7A2-4197-B8DA-F29481A0F82B}"/>
               </a:ext>
             </a:extLst>
           </p:cNvPr>
@@ -14202,7 +14203,7 @@
             </a:pPr>
             <a:fld id="{95A2A19B-170D-1043-AE33-7A36DFB7BCDC}" type="datetime2">
               <a:rPr lang="zh-CN" altLang="en-US" smtClean="0"/>
-              <a:t>2018年7月7日</a:t>
+              <a:t>2018年7月8日</a:t>
             </a:fld>
             <a:endParaRPr lang="en-US" altLang="zh-CN"/>
           </a:p>
@@ -14213,7 +14214,7 @@
           <p:cNvPr id="5" name="页脚占位符 4">
             <a:extLst>
               <a:ext uri="{FF2B5EF4-FFF2-40B4-BE49-F238E27FC236}">
-                <a16:creationId xmlns:a16="http://schemas.microsoft.com/office/drawing/2014/main" xmlns="" id="{E5823841-CED2-4B9C-8F0A-FE5DBE628BCB}"/>
+                <a16:creationId xmlns:a16="http://schemas.microsoft.com/office/drawing/2014/main" id="{E5823841-CED2-4B9C-8F0A-FE5DBE628BCB}"/>
               </a:ext>
             </a:extLst>
           </p:cNvPr>
@@ -14245,7 +14246,7 @@
           <p:cNvPr id="6" name="灯片编号占位符 5">
             <a:extLst>
               <a:ext uri="{FF2B5EF4-FFF2-40B4-BE49-F238E27FC236}">
-                <a16:creationId xmlns:a16="http://schemas.microsoft.com/office/drawing/2014/main" xmlns="" id="{730AF170-3554-43A2-BA79-E5FF54F2C147}"/>
+                <a16:creationId xmlns:a16="http://schemas.microsoft.com/office/drawing/2014/main" id="{730AF170-3554-43A2-BA79-E5FF54F2C147}"/>
               </a:ext>
             </a:extLst>
           </p:cNvPr>
@@ -14280,7 +14281,7 @@
           <p:cNvPr id="7" name="内容占位符 14">
             <a:extLst>
               <a:ext uri="{FF2B5EF4-FFF2-40B4-BE49-F238E27FC236}">
-                <a16:creationId xmlns:a16="http://schemas.microsoft.com/office/drawing/2014/main" xmlns="" id="{9AFCF1CC-4784-410E-B4A4-0CEA25C2A6C6}"/>
+                <a16:creationId xmlns:a16="http://schemas.microsoft.com/office/drawing/2014/main" id="{9AFCF1CC-4784-410E-B4A4-0CEA25C2A6C6}"/>
               </a:ext>
             </a:extLst>
           </p:cNvPr>
@@ -14316,7 +14317,7 @@
           <p:cNvPr id="8" name="直接连接符 7">
             <a:extLst>
               <a:ext uri="{FF2B5EF4-FFF2-40B4-BE49-F238E27FC236}">
-                <a16:creationId xmlns:a16="http://schemas.microsoft.com/office/drawing/2014/main" xmlns="" id="{993906AA-D657-4AAA-8F8D-DC8087721264}"/>
+                <a16:creationId xmlns:a16="http://schemas.microsoft.com/office/drawing/2014/main" id="{993906AA-D657-4AAA-8F8D-DC8087721264}"/>
               </a:ext>
             </a:extLst>
           </p:cNvPr>
@@ -14355,7 +14356,7 @@
           <p:cNvPr id="9" name="直接连接符 8">
             <a:extLst>
               <a:ext uri="{FF2B5EF4-FFF2-40B4-BE49-F238E27FC236}">
-                <a16:creationId xmlns:a16="http://schemas.microsoft.com/office/drawing/2014/main" xmlns="" id="{5B6D09FB-D13D-47E9-A513-50281374E973}"/>
+                <a16:creationId xmlns:a16="http://schemas.microsoft.com/office/drawing/2014/main" id="{5B6D09FB-D13D-47E9-A513-50281374E973}"/>
               </a:ext>
             </a:extLst>
           </p:cNvPr>
@@ -14398,7 +14399,7 @@
           <p:cNvPr id="10" name="直接连接符 9">
             <a:extLst>
               <a:ext uri="{FF2B5EF4-FFF2-40B4-BE49-F238E27FC236}">
-                <a16:creationId xmlns:a16="http://schemas.microsoft.com/office/drawing/2014/main" xmlns="" id="{D823F8C7-6F36-48A0-A850-97D4586184C8}"/>
+                <a16:creationId xmlns:a16="http://schemas.microsoft.com/office/drawing/2014/main" id="{D823F8C7-6F36-48A0-A850-97D4586184C8}"/>
               </a:ext>
             </a:extLst>
           </p:cNvPr>
@@ -14443,7 +14444,7 @@
               <p:cNvPr id="11" name="矩形 10">
                 <a:extLst>
                   <a:ext uri="{FF2B5EF4-FFF2-40B4-BE49-F238E27FC236}">
-                    <a16:creationId xmlns:a16="http://schemas.microsoft.com/office/drawing/2014/main" xmlns="" id="{25CFE4FA-4ADB-4B82-B875-AA5178D80394}"/>
+                    <a16:creationId xmlns:a16="http://schemas.microsoft.com/office/drawing/2014/main" id="{25CFE4FA-4ADB-4B82-B875-AA5178D80394}"/>
                   </a:ext>
                 </a:extLst>
               </p:cNvPr>
@@ -14482,7 +14483,7 @@
                         <m:dPr>
                           <m:ctrlPr>
                             <a:rPr lang="en-US" altLang="zh-CN" sz="2000" i="1">
-                              <a:latin typeface="Cambria Math" charset="0"/>
+                              <a:latin typeface="Cambria Math" panose="02040503050406030204" pitchFamily="18" charset="0"/>
                             </a:rPr>
                           </m:ctrlPr>
                         </m:dPr>
@@ -14518,7 +14519,7 @@
                           <m:chr m:val="∑"/>
                           <m:ctrlPr>
                             <a:rPr lang="en-US" altLang="zh-CN" sz="2000" i="1">
-                              <a:latin typeface="Cambria Math" charset="0"/>
+                              <a:latin typeface="Cambria Math" panose="02040503050406030204" pitchFamily="18" charset="0"/>
                             </a:rPr>
                           </m:ctrlPr>
                         </m:naryPr>
@@ -14552,7 +14553,7 @@
                             <m:sSupPr>
                               <m:ctrlPr>
                                 <a:rPr lang="en-US" altLang="zh-CN" sz="2000" i="1">
-                                  <a:latin typeface="Cambria Math" charset="0"/>
+                                  <a:latin typeface="Cambria Math" panose="02040503050406030204" pitchFamily="18" charset="0"/>
                                 </a:rPr>
                               </m:ctrlPr>
                             </m:sSupPr>
@@ -14561,7 +14562,7 @@
                                 <m:dPr>
                                   <m:ctrlPr>
                                     <a:rPr lang="en-US" altLang="zh-CN" sz="2000" i="1">
-                                      <a:latin typeface="Cambria Math" charset="0"/>
+                                      <a:latin typeface="Cambria Math" panose="02040503050406030204" pitchFamily="18" charset="0"/>
                                     </a:rPr>
                                   </m:ctrlPr>
                                 </m:dPr>
@@ -14570,7 +14571,7 @@
                                     <m:sSupPr>
                                       <m:ctrlPr>
                                         <a:rPr lang="en-US" altLang="zh-CN" sz="2000" i="1">
-                                          <a:latin typeface="Cambria Math" charset="0"/>
+                                          <a:latin typeface="Cambria Math" panose="02040503050406030204" pitchFamily="18" charset="0"/>
                                         </a:rPr>
                                       </m:ctrlPr>
                                     </m:sSupPr>
@@ -14619,7 +14620,7 @@
                                     <m:dPr>
                                       <m:ctrlPr>
                                         <a:rPr lang="en-US" altLang="zh-CN" sz="2000" i="1">
-                                          <a:latin typeface="Cambria Math" charset="0"/>
+                                          <a:latin typeface="Cambria Math" panose="02040503050406030204" pitchFamily="18" charset="0"/>
                                         </a:rPr>
                                       </m:ctrlPr>
                                     </m:dPr>
@@ -14628,7 +14629,7 @@
                                         <m:sSupPr>
                                           <m:ctrlPr>
                                             <a:rPr lang="en-US" altLang="zh-CN" sz="2000" i="1">
-                                              <a:latin typeface="Cambria Math" charset="0"/>
+                                              <a:latin typeface="Cambria Math" panose="02040503050406030204" pitchFamily="18" charset="0"/>
                                             </a:rPr>
                                           </m:ctrlPr>
                                         </m:sSupPr>
@@ -14818,7 +14819,7 @@
                       <m:dPr>
                         <m:ctrlPr>
                           <a:rPr kumimoji="1" lang="en-US" altLang="zh-CN" sz="2800" b="0" i="1" dirty="0" smtClean="0">
-                            <a:latin typeface="Cambria Math" charset="0"/>
+                            <a:latin typeface="Cambria Math" panose="02040503050406030204" pitchFamily="18" charset="0"/>
                           </a:rPr>
                         </m:ctrlPr>
                       </m:dPr>
@@ -14911,7 +14912,7 @@
                       <m:dPr>
                         <m:ctrlPr>
                           <a:rPr lang="en-US" altLang="zh-CN" sz="3200" i="1">
-                            <a:latin typeface="Cambria Math" charset="0"/>
+                            <a:latin typeface="Cambria Math" panose="02040503050406030204" pitchFamily="18" charset="0"/>
                           </a:rPr>
                         </m:ctrlPr>
                       </m:dPr>
@@ -14947,7 +14948,7 @@
                         <m:chr m:val="∑"/>
                         <m:ctrlPr>
                           <a:rPr lang="en-US" altLang="zh-CN" sz="3200" i="1">
-                            <a:latin typeface="Cambria Math" charset="0"/>
+                            <a:latin typeface="Cambria Math" panose="02040503050406030204" pitchFamily="18" charset="0"/>
                           </a:rPr>
                         </m:ctrlPr>
                       </m:naryPr>
@@ -14981,7 +14982,7 @@
                           <m:sSupPr>
                             <m:ctrlPr>
                               <a:rPr lang="en-US" altLang="zh-CN" sz="3200" i="1">
-                                <a:latin typeface="Cambria Math" charset="0"/>
+                                <a:latin typeface="Cambria Math" panose="02040503050406030204" pitchFamily="18" charset="0"/>
                               </a:rPr>
                             </m:ctrlPr>
                           </m:sSupPr>
@@ -14990,7 +14991,7 @@
                               <m:dPr>
                                 <m:ctrlPr>
                                   <a:rPr lang="en-US" altLang="zh-CN" sz="3200" i="1">
-                                    <a:latin typeface="Cambria Math" charset="0"/>
+                                    <a:latin typeface="Cambria Math" panose="02040503050406030204" pitchFamily="18" charset="0"/>
                                   </a:rPr>
                                 </m:ctrlPr>
                               </m:dPr>
@@ -14999,7 +15000,7 @@
                                   <m:sSupPr>
                                     <m:ctrlPr>
                                       <a:rPr lang="en-US" altLang="zh-CN" sz="3200" i="1">
-                                        <a:latin typeface="Cambria Math" charset="0"/>
+                                        <a:latin typeface="Cambria Math" panose="02040503050406030204" pitchFamily="18" charset="0"/>
                                       </a:rPr>
                                     </m:ctrlPr>
                                   </m:sSupPr>
@@ -15048,7 +15049,7 @@
                                   <m:dPr>
                                     <m:ctrlPr>
                                       <a:rPr lang="en-US" altLang="zh-CN" sz="3200" i="1">
-                                        <a:latin typeface="Cambria Math" charset="0"/>
+                                        <a:latin typeface="Cambria Math" panose="02040503050406030204" pitchFamily="18" charset="0"/>
                                       </a:rPr>
                                     </m:ctrlPr>
                                   </m:dPr>
@@ -15057,7 +15058,7 @@
                                       <m:sSupPr>
                                         <m:ctrlPr>
                                           <a:rPr lang="en-US" altLang="zh-CN" sz="3200" i="1">
-                                            <a:latin typeface="Cambria Math" charset="0"/>
+                                            <a:latin typeface="Cambria Math" panose="02040503050406030204" pitchFamily="18" charset="0"/>
                                           </a:rPr>
                                         </m:ctrlPr>
                                       </m:sSupPr>
@@ -15124,7 +15125,7 @@
                       <m:funcPr>
                         <m:ctrlPr>
                           <a:rPr kumimoji="1" lang="zh-CN" altLang="en-US" sz="2800" b="0" i="1" smtClean="0">
-                            <a:latin typeface="Cambria Math" charset="0"/>
+                            <a:latin typeface="Cambria Math" panose="02040503050406030204" pitchFamily="18" charset="0"/>
                           </a:rPr>
                         </m:ctrlPr>
                       </m:funcPr>
@@ -15133,7 +15134,7 @@
                           <m:sSubPr>
                             <m:ctrlPr>
                               <a:rPr kumimoji="1" lang="en-US" altLang="zh-CN" sz="2800" b="0" i="1" smtClean="0">
-                                <a:latin typeface="Cambria Math" charset="0"/>
+                                <a:latin typeface="Cambria Math" panose="02040503050406030204" pitchFamily="18" charset="0"/>
                               </a:rPr>
                             </m:ctrlPr>
                           </m:sSubPr>
@@ -15175,7 +15176,7 @@
                           <m:funcPr>
                             <m:ctrlPr>
                               <a:rPr kumimoji="1" lang="zh-CN" altLang="en-US" sz="2800" b="0" i="1" smtClean="0">
-                                <a:latin typeface="Cambria Math" charset="0"/>
+                                <a:latin typeface="Cambria Math" panose="02040503050406030204" pitchFamily="18" charset="0"/>
                               </a:rPr>
                             </m:ctrlPr>
                           </m:funcPr>
@@ -15292,7 +15293,7 @@
             </a:pPr>
             <a:fld id="{95A2A19B-170D-1043-AE33-7A36DFB7BCDC}" type="datetime2">
               <a:rPr lang="zh-CN" altLang="en-US" smtClean="0"/>
-              <a:t>2018年7月7日</a:t>
+              <a:t>2018年7月8日</a:t>
             </a:fld>
             <a:endParaRPr lang="en-US" altLang="zh-CN"/>
           </a:p>
@@ -15425,7 +15426,7 @@
             </a:pPr>
             <a:fld id="{95A2A19B-170D-1043-AE33-7A36DFB7BCDC}" type="datetime2">
               <a:rPr lang="zh-CN" altLang="en-US" smtClean="0"/>
-              <a:t>2018年7月7日</a:t>
+              <a:t>2018年7月8日</a:t>
             </a:fld>
             <a:endParaRPr lang="en-US" altLang="zh-CN"/>
           </a:p>
@@ -15635,7 +15636,7 @@
                       <m:dPr>
                         <m:ctrlPr>
                           <a:rPr kumimoji="1" lang="mr-IN" altLang="zh-CN" b="0" i="1" smtClean="0">
-                            <a:latin typeface="Cambria Math" charset="0"/>
+                            <a:latin typeface="Cambria Math" panose="02040503050406030204" pitchFamily="18" charset="0"/>
                             <a:ea typeface="Cambria Math" charset="0"/>
                             <a:cs typeface="Cambria Math" charset="0"/>
                           </a:rPr>
@@ -15646,7 +15647,7 @@
                           <m:fPr>
                             <m:ctrlPr>
                               <a:rPr kumimoji="1" lang="mr-IN" altLang="zh-CN" b="0" i="1" smtClean="0">
-                                <a:latin typeface="Cambria Math" charset="0"/>
+                                <a:latin typeface="Cambria Math" panose="02040503050406030204" pitchFamily="18" charset="0"/>
                                 <a:ea typeface="Cambria Math" charset="0"/>
                                 <a:cs typeface="Cambria Math" charset="0"/>
                               </a:rPr>
@@ -15709,7 +15710,7 @@
                           <m:fPr>
                             <m:ctrlPr>
                               <a:rPr kumimoji="1" lang="mr-IN" altLang="zh-CN" b="0" i="1" smtClean="0">
-                                <a:latin typeface="Cambria Math" charset="0"/>
+                                <a:latin typeface="Cambria Math" panose="02040503050406030204" pitchFamily="18" charset="0"/>
                                 <a:ea typeface="Cambria Math" charset="0"/>
                                 <a:cs typeface="Cambria Math" charset="0"/>
                               </a:rPr>
@@ -15817,7 +15818,7 @@
               <p:cNvPr id="11" name="矩形 10">
                 <a:extLst>
                   <a:ext uri="{FF2B5EF4-FFF2-40B4-BE49-F238E27FC236}">
-                    <a16:creationId xmlns:a16="http://schemas.microsoft.com/office/drawing/2014/main" xmlns="" id="{25CFE4FA-4ADB-4B82-B875-AA5178D80394}"/>
+                    <a16:creationId xmlns:a16="http://schemas.microsoft.com/office/drawing/2014/main" id="{25CFE4FA-4ADB-4B82-B875-AA5178D80394}"/>
                   </a:ext>
                 </a:extLst>
               </p:cNvPr>
@@ -15856,7 +15857,7 @@
                         <m:dPr>
                           <m:ctrlPr>
                             <a:rPr lang="en-US" altLang="zh-CN" sz="2000" i="1">
-                              <a:latin typeface="Cambria Math" charset="0"/>
+                              <a:latin typeface="Cambria Math" panose="02040503050406030204" pitchFamily="18" charset="0"/>
                             </a:rPr>
                           </m:ctrlPr>
                         </m:dPr>
@@ -15892,7 +15893,7 @@
                           <m:chr m:val="∑"/>
                           <m:ctrlPr>
                             <a:rPr lang="en-US" altLang="zh-CN" sz="2000" i="1">
-                              <a:latin typeface="Cambria Math" charset="0"/>
+                              <a:latin typeface="Cambria Math" panose="02040503050406030204" pitchFamily="18" charset="0"/>
                             </a:rPr>
                           </m:ctrlPr>
                         </m:naryPr>
@@ -15926,7 +15927,7 @@
                             <m:sSupPr>
                               <m:ctrlPr>
                                 <a:rPr lang="en-US" altLang="zh-CN" sz="2000" i="1">
-                                  <a:latin typeface="Cambria Math" charset="0"/>
+                                  <a:latin typeface="Cambria Math" panose="02040503050406030204" pitchFamily="18" charset="0"/>
                                 </a:rPr>
                               </m:ctrlPr>
                             </m:sSupPr>
@@ -15935,7 +15936,7 @@
                                 <m:dPr>
                                   <m:ctrlPr>
                                     <a:rPr lang="en-US" altLang="zh-CN" sz="2000" i="1">
-                                      <a:latin typeface="Cambria Math" charset="0"/>
+                                      <a:latin typeface="Cambria Math" panose="02040503050406030204" pitchFamily="18" charset="0"/>
                                     </a:rPr>
                                   </m:ctrlPr>
                                 </m:dPr>
@@ -15944,7 +15945,7 @@
                                     <m:sSupPr>
                                       <m:ctrlPr>
                                         <a:rPr lang="en-US" altLang="zh-CN" sz="2000" i="1">
-                                          <a:latin typeface="Cambria Math" charset="0"/>
+                                          <a:latin typeface="Cambria Math" panose="02040503050406030204" pitchFamily="18" charset="0"/>
                                         </a:rPr>
                                       </m:ctrlPr>
                                     </m:sSupPr>
@@ -15993,7 +15994,7 @@
                                     <m:dPr>
                                       <m:ctrlPr>
                                         <a:rPr lang="en-US" altLang="zh-CN" sz="2000" i="1">
-                                          <a:latin typeface="Cambria Math" charset="0"/>
+                                          <a:latin typeface="Cambria Math" panose="02040503050406030204" pitchFamily="18" charset="0"/>
                                         </a:rPr>
                                       </m:ctrlPr>
                                     </m:dPr>
@@ -16002,7 +16003,7 @@
                                         <m:sSupPr>
                                           <m:ctrlPr>
                                             <a:rPr lang="en-US" altLang="zh-CN" sz="2000" i="1">
-                                              <a:latin typeface="Cambria Math" charset="0"/>
+                                              <a:latin typeface="Cambria Math" panose="02040503050406030204" pitchFamily="18" charset="0"/>
                                             </a:rPr>
                                           </m:ctrlPr>
                                         </m:sSupPr>
@@ -16176,7 +16177,7 @@
             </a:pPr>
             <a:fld id="{95A2A19B-170D-1043-AE33-7A36DFB7BCDC}" type="datetime2">
               <a:rPr lang="zh-CN" altLang="en-US" smtClean="0"/>
-              <a:t>2018年7月7日</a:t>
+              <a:t>2018年7月8日</a:t>
             </a:fld>
             <a:endParaRPr lang="en-US" altLang="zh-CN"/>
           </a:p>
@@ -16513,7 +16514,7 @@
               <p:cNvPr id="11" name="矩形 10">
                 <a:extLst>
                   <a:ext uri="{FF2B5EF4-FFF2-40B4-BE49-F238E27FC236}">
-                    <a16:creationId xmlns:a16="http://schemas.microsoft.com/office/drawing/2014/main" xmlns="" id="{25CFE4FA-4ADB-4B82-B875-AA5178D80394}"/>
+                    <a16:creationId xmlns:a16="http://schemas.microsoft.com/office/drawing/2014/main" id="{25CFE4FA-4ADB-4B82-B875-AA5178D80394}"/>
                   </a:ext>
                 </a:extLst>
               </p:cNvPr>
@@ -16552,7 +16553,7 @@
                         <m:dPr>
                           <m:ctrlPr>
                             <a:rPr lang="en-US" altLang="zh-CN" sz="2000" i="1">
-                              <a:latin typeface="Cambria Math" charset="0"/>
+                              <a:latin typeface="Cambria Math" panose="02040503050406030204" pitchFamily="18" charset="0"/>
                             </a:rPr>
                           </m:ctrlPr>
                         </m:dPr>
@@ -16588,7 +16589,7 @@
                           <m:chr m:val="∑"/>
                           <m:ctrlPr>
                             <a:rPr lang="en-US" altLang="zh-CN" sz="2000" i="1">
-                              <a:latin typeface="Cambria Math" charset="0"/>
+                              <a:latin typeface="Cambria Math" panose="02040503050406030204" pitchFamily="18" charset="0"/>
                             </a:rPr>
                           </m:ctrlPr>
                         </m:naryPr>
@@ -16622,7 +16623,7 @@
                             <m:sSupPr>
                               <m:ctrlPr>
                                 <a:rPr lang="en-US" altLang="zh-CN" sz="2000" i="1">
-                                  <a:latin typeface="Cambria Math" charset="0"/>
+                                  <a:latin typeface="Cambria Math" panose="02040503050406030204" pitchFamily="18" charset="0"/>
                                 </a:rPr>
                               </m:ctrlPr>
                             </m:sSupPr>
@@ -16631,7 +16632,7 @@
                                 <m:dPr>
                                   <m:ctrlPr>
                                     <a:rPr lang="en-US" altLang="zh-CN" sz="2000" i="1">
-                                      <a:latin typeface="Cambria Math" charset="0"/>
+                                      <a:latin typeface="Cambria Math" panose="02040503050406030204" pitchFamily="18" charset="0"/>
                                     </a:rPr>
                                   </m:ctrlPr>
                                 </m:dPr>
@@ -16640,7 +16641,7 @@
                                     <m:sSupPr>
                                       <m:ctrlPr>
                                         <a:rPr lang="en-US" altLang="zh-CN" sz="2000" i="1">
-                                          <a:latin typeface="Cambria Math" charset="0"/>
+                                          <a:latin typeface="Cambria Math" panose="02040503050406030204" pitchFamily="18" charset="0"/>
                                         </a:rPr>
                                       </m:ctrlPr>
                                     </m:sSupPr>
@@ -16689,7 +16690,7 @@
                                     <m:dPr>
                                       <m:ctrlPr>
                                         <a:rPr lang="en-US" altLang="zh-CN" sz="2000" i="1">
-                                          <a:latin typeface="Cambria Math" charset="0"/>
+                                          <a:latin typeface="Cambria Math" panose="02040503050406030204" pitchFamily="18" charset="0"/>
                                         </a:rPr>
                                       </m:ctrlPr>
                                     </m:dPr>
@@ -16698,7 +16699,7 @@
                                         <m:sSupPr>
                                           <m:ctrlPr>
                                             <a:rPr lang="en-US" altLang="zh-CN" sz="2000" i="1">
-                                              <a:latin typeface="Cambria Math" charset="0"/>
+                                              <a:latin typeface="Cambria Math" panose="02040503050406030204" pitchFamily="18" charset="0"/>
                                             </a:rPr>
                                           </m:ctrlPr>
                                         </m:sSupPr>
@@ -16871,7 +16872,7 @@
                         <m:fPr>
                           <m:ctrlPr>
                             <a:rPr kumimoji="1" lang="mr-IN" altLang="zh-CN" b="0" i="1" smtClean="0">
-                              <a:latin typeface="Cambria Math" charset="0"/>
+                              <a:latin typeface="Cambria Math" panose="02040503050406030204" pitchFamily="18" charset="0"/>
                             </a:rPr>
                           </m:ctrlPr>
                         </m:fPr>
@@ -16964,7 +16965,7 @@
                         <m:fPr>
                           <m:ctrlPr>
                             <a:rPr kumimoji="1" lang="mr-IN" altLang="zh-CN" b="0" i="1" smtClean="0">
-                              <a:latin typeface="Cambria Math" charset="0"/>
+                              <a:latin typeface="Cambria Math" panose="02040503050406030204" pitchFamily="18" charset="0"/>
                             </a:rPr>
                           </m:ctrlPr>
                         </m:fPr>
@@ -17189,7 +17190,7 @@
             </a:pPr>
             <a:fld id="{95A2A19B-170D-1043-AE33-7A36DFB7BCDC}" type="datetime2">
               <a:rPr lang="zh-CN" altLang="en-US" smtClean="0"/>
-              <a:t>2018年7月7日</a:t>
+              <a:t>2018年7月8日</a:t>
             </a:fld>
             <a:endParaRPr lang="en-US" altLang="zh-CN"/>
           </a:p>
@@ -17573,7 +17574,7 @@
             </a:pPr>
             <a:fld id="{95A2A19B-170D-1043-AE33-7A36DFB7BCDC}" type="datetime2">
               <a:rPr lang="zh-CN" altLang="en-US" smtClean="0"/>
-              <a:t>2018年7月7日</a:t>
+              <a:t>2018年7月8日</a:t>
             </a:fld>
             <a:endParaRPr lang="en-US" altLang="zh-CN"/>
           </a:p>
@@ -17735,7 +17736,7 @@
                         <m:fPr>
                           <m:ctrlPr>
                             <a:rPr kumimoji="1" lang="mr-IN" altLang="zh-CN" b="0" i="1" smtClean="0">
-                              <a:latin typeface="Cambria Math" charset="0"/>
+                              <a:latin typeface="Cambria Math" panose="02040503050406030204" pitchFamily="18" charset="0"/>
                             </a:rPr>
                           </m:ctrlPr>
                         </m:fPr>
@@ -17828,7 +17829,7 @@
                         <m:fPr>
                           <m:ctrlPr>
                             <a:rPr kumimoji="1" lang="mr-IN" altLang="zh-CN" b="0" i="1" smtClean="0">
-                              <a:latin typeface="Cambria Math" charset="0"/>
+                              <a:latin typeface="Cambria Math" panose="02040503050406030204" pitchFamily="18" charset="0"/>
                             </a:rPr>
                           </m:ctrlPr>
                         </m:fPr>
@@ -18112,7 +18113,7 @@
             </a:pPr>
             <a:fld id="{95A2A19B-170D-1043-AE33-7A36DFB7BCDC}" type="datetime2">
               <a:rPr lang="zh-CN" altLang="en-US" smtClean="0"/>
-              <a:t>2018年7月7日</a:t>
+              <a:t>2018年7月8日</a:t>
             </a:fld>
             <a:endParaRPr lang="en-US" altLang="zh-CN"/>
           </a:p>
@@ -18180,7 +18181,7 @@
               <p:cNvPr id="7" name="矩形 6">
                 <a:extLst>
                   <a:ext uri="{FF2B5EF4-FFF2-40B4-BE49-F238E27FC236}">
-                    <a16:creationId xmlns:a16="http://schemas.microsoft.com/office/drawing/2014/main" xmlns="" id="{25CFE4FA-4ADB-4B82-B875-AA5178D80394}"/>
+                    <a16:creationId xmlns:a16="http://schemas.microsoft.com/office/drawing/2014/main" id="{25CFE4FA-4ADB-4B82-B875-AA5178D80394}"/>
                   </a:ext>
                 </a:extLst>
               </p:cNvPr>
@@ -18219,7 +18220,7 @@
                         <m:dPr>
                           <m:ctrlPr>
                             <a:rPr lang="en-US" altLang="zh-CN" sz="2000" i="1">
-                              <a:latin typeface="Cambria Math" charset="0"/>
+                              <a:latin typeface="Cambria Math" panose="02040503050406030204" pitchFamily="18" charset="0"/>
                             </a:rPr>
                           </m:ctrlPr>
                         </m:dPr>
@@ -18255,7 +18256,7 @@
                           <m:chr m:val="∑"/>
                           <m:ctrlPr>
                             <a:rPr lang="en-US" altLang="zh-CN" sz="2000" i="1">
-                              <a:latin typeface="Cambria Math" charset="0"/>
+                              <a:latin typeface="Cambria Math" panose="02040503050406030204" pitchFamily="18" charset="0"/>
                             </a:rPr>
                           </m:ctrlPr>
                         </m:naryPr>
@@ -18289,7 +18290,7 @@
                             <m:sSupPr>
                               <m:ctrlPr>
                                 <a:rPr lang="en-US" altLang="zh-CN" sz="2000" i="1">
-                                  <a:latin typeface="Cambria Math" charset="0"/>
+                                  <a:latin typeface="Cambria Math" panose="02040503050406030204" pitchFamily="18" charset="0"/>
                                 </a:rPr>
                               </m:ctrlPr>
                             </m:sSupPr>
@@ -18298,7 +18299,7 @@
                                 <m:dPr>
                                   <m:ctrlPr>
                                     <a:rPr lang="en-US" altLang="zh-CN" sz="2000" i="1">
-                                      <a:latin typeface="Cambria Math" charset="0"/>
+                                      <a:latin typeface="Cambria Math" panose="02040503050406030204" pitchFamily="18" charset="0"/>
                                     </a:rPr>
                                   </m:ctrlPr>
                                 </m:dPr>
@@ -18307,7 +18308,7 @@
                                     <m:sSupPr>
                                       <m:ctrlPr>
                                         <a:rPr lang="en-US" altLang="zh-CN" sz="2000" i="1">
-                                          <a:latin typeface="Cambria Math" charset="0"/>
+                                          <a:latin typeface="Cambria Math" panose="02040503050406030204" pitchFamily="18" charset="0"/>
                                         </a:rPr>
                                       </m:ctrlPr>
                                     </m:sSupPr>
@@ -18356,7 +18357,7 @@
                                     <m:dPr>
                                       <m:ctrlPr>
                                         <a:rPr lang="en-US" altLang="zh-CN" sz="2000" i="1">
-                                          <a:latin typeface="Cambria Math" charset="0"/>
+                                          <a:latin typeface="Cambria Math" panose="02040503050406030204" pitchFamily="18" charset="0"/>
                                         </a:rPr>
                                       </m:ctrlPr>
                                     </m:dPr>
@@ -18365,7 +18366,7 @@
                                         <m:sSupPr>
                                           <m:ctrlPr>
                                             <a:rPr lang="en-US" altLang="zh-CN" sz="2000" i="1">
-                                              <a:latin typeface="Cambria Math" charset="0"/>
+                                              <a:latin typeface="Cambria Math" panose="02040503050406030204" pitchFamily="18" charset="0"/>
                                             </a:rPr>
                                           </m:ctrlPr>
                                         </m:sSupPr>
@@ -18632,7 +18633,7 @@
                       <m:sSubSupPr>
                         <m:ctrlPr>
                           <a:rPr lang="en-US" altLang="zh-CN" i="1">
-                            <a:latin typeface="Cambria Math" charset="0"/>
+                            <a:latin typeface="Cambria Math" panose="02040503050406030204" pitchFamily="18" charset="0"/>
                           </a:rPr>
                         </m:ctrlPr>
                       </m:sSubSupPr>
@@ -18657,7 +18658,7 @@
                           <m:dPr>
                             <m:ctrlPr>
                               <a:rPr lang="en-US" altLang="zh-CN" i="1">
-                                <a:latin typeface="Cambria Math" charset="0"/>
+                                <a:latin typeface="Cambria Math" panose="02040503050406030204" pitchFamily="18" charset="0"/>
                               </a:rPr>
                             </m:ctrlPr>
                           </m:dPr>
@@ -18708,7 +18709,7 @@
                       <m:dPr>
                         <m:ctrlPr>
                           <a:rPr lang="en-US" altLang="zh-CN" i="1">
-                            <a:latin typeface="Cambria Math" charset="0"/>
+                            <a:latin typeface="Cambria Math" panose="02040503050406030204" pitchFamily="18" charset="0"/>
                           </a:rPr>
                         </m:ctrlPr>
                       </m:dPr>
@@ -18717,7 +18718,7 @@
                           <m:sSupPr>
                             <m:ctrlPr>
                               <a:rPr lang="en-US" altLang="zh-CN" i="1">
-                                <a:latin typeface="Cambria Math" charset="0"/>
+                                <a:latin typeface="Cambria Math" panose="02040503050406030204" pitchFamily="18" charset="0"/>
                               </a:rPr>
                             </m:ctrlPr>
                           </m:sSupPr>
@@ -18734,7 +18735,7 @@
                               <m:dPr>
                                 <m:ctrlPr>
                                   <a:rPr lang="en-US" altLang="zh-CN" i="1">
-                                    <a:latin typeface="Cambria Math" charset="0"/>
+                                    <a:latin typeface="Cambria Math" panose="02040503050406030204" pitchFamily="18" charset="0"/>
                                   </a:rPr>
                                 </m:ctrlPr>
                               </m:dPr>
@@ -18759,7 +18760,7 @@
                           <m:sSupPr>
                             <m:ctrlPr>
                               <a:rPr lang="en-US" altLang="zh-CN" i="1">
-                                <a:latin typeface="Cambria Math" charset="0"/>
+                                <a:latin typeface="Cambria Math" panose="02040503050406030204" pitchFamily="18" charset="0"/>
                               </a:rPr>
                             </m:ctrlPr>
                           </m:sSupPr>
@@ -18776,7 +18777,7 @@
                               <m:dPr>
                                 <m:ctrlPr>
                                   <a:rPr lang="en-US" altLang="zh-CN" i="1">
-                                    <a:latin typeface="Cambria Math" charset="0"/>
+                                    <a:latin typeface="Cambria Math" panose="02040503050406030204" pitchFamily="18" charset="0"/>
                                   </a:rPr>
                                 </m:ctrlPr>
                               </m:dPr>
@@ -18929,7 +18930,7 @@
             </a:pPr>
             <a:fld id="{95A2A19B-170D-1043-AE33-7A36DFB7BCDC}" type="datetime2">
               <a:rPr lang="zh-CN" altLang="en-US" smtClean="0"/>
-              <a:t>2018年7月7日</a:t>
+              <a:t>2018年7月8日</a:t>
             </a:fld>
             <a:endParaRPr lang="en-US" altLang="zh-CN"/>
           </a:p>
@@ -18997,7 +18998,7 @@
               <p:cNvPr id="7" name="内容占位符 6">
                 <a:extLst>
                   <a:ext uri="{FF2B5EF4-FFF2-40B4-BE49-F238E27FC236}">
-                    <a16:creationId xmlns:a16="http://schemas.microsoft.com/office/drawing/2014/main" xmlns="" id="{EB980026-D29F-4C6E-9BFC-18210325D87E}"/>
+                    <a16:creationId xmlns:a16="http://schemas.microsoft.com/office/drawing/2014/main" id="{EB980026-D29F-4C6E-9BFC-18210325D87E}"/>
                   </a:ext>
                 </a:extLst>
               </p:cNvPr>
@@ -19026,28 +19027,28 @@
                     <a:gridCol w="1185683">
                       <a:extLst>
                         <a:ext uri="{9D8B030D-6E8A-4147-A177-3AD203B41FA5}">
-                          <a16:colId xmlns:a16="http://schemas.microsoft.com/office/drawing/2014/main" xmlns="" val="849694925"/>
+                          <a16:colId xmlns:a16="http://schemas.microsoft.com/office/drawing/2014/main" val="849694925"/>
                         </a:ext>
                       </a:extLst>
                     </a:gridCol>
                     <a:gridCol w="1185683">
                       <a:extLst>
                         <a:ext uri="{9D8B030D-6E8A-4147-A177-3AD203B41FA5}">
-                          <a16:colId xmlns:a16="http://schemas.microsoft.com/office/drawing/2014/main" xmlns="" val="20001"/>
+                          <a16:colId xmlns:a16="http://schemas.microsoft.com/office/drawing/2014/main" val="20001"/>
                         </a:ext>
                       </a:extLst>
                     </a:gridCol>
                     <a:gridCol w="1185683">
                       <a:extLst>
                         <a:ext uri="{9D8B030D-6E8A-4147-A177-3AD203B41FA5}">
-                          <a16:colId xmlns:a16="http://schemas.microsoft.com/office/drawing/2014/main" xmlns="" val="20002"/>
+                          <a16:colId xmlns:a16="http://schemas.microsoft.com/office/drawing/2014/main" val="20002"/>
                         </a:ext>
                       </a:extLst>
                     </a:gridCol>
                     <a:gridCol w="1185683">
                       <a:extLst>
                         <a:ext uri="{9D8B030D-6E8A-4147-A177-3AD203B41FA5}">
-                          <a16:colId xmlns:a16="http://schemas.microsoft.com/office/drawing/2014/main" xmlns="" val="2032597962"/>
+                          <a16:colId xmlns:a16="http://schemas.microsoft.com/office/drawing/2014/main" val="2032597962"/>
                         </a:ext>
                       </a:extLst>
                     </a:gridCol>
@@ -19073,7 +19074,7 @@
                                 <m:sSubPr>
                                   <m:ctrlPr>
                                     <a:rPr lang="en-US" altLang="zh-CN" b="1" i="1" dirty="0" smtClean="0">
-                                      <a:latin typeface="Cambria Math" charset="0"/>
+                                      <a:latin typeface="Cambria Math" panose="02040503050406030204" pitchFamily="18" charset="0"/>
                                     </a:rPr>
                                   </m:ctrlPr>
                                 </m:sSubPr>
@@ -19125,7 +19126,7 @@
                                 <m:sSubPr>
                                   <m:ctrlPr>
                                     <a:rPr lang="en-US" altLang="zh-CN" b="1" i="1" dirty="0" smtClean="0">
-                                      <a:latin typeface="Cambria Math" charset="0"/>
+                                      <a:latin typeface="Cambria Math" panose="02040503050406030204" pitchFamily="18" charset="0"/>
                                     </a:rPr>
                                   </m:ctrlPr>
                                 </m:sSubPr>
@@ -19177,7 +19178,7 @@
                                 <m:sSubPr>
                                   <m:ctrlPr>
                                     <a:rPr lang="en-US" altLang="zh-CN" b="1" i="1" dirty="0" smtClean="0">
-                                      <a:latin typeface="Cambria Math" charset="0"/>
+                                      <a:latin typeface="Cambria Math" panose="02040503050406030204" pitchFamily="18" charset="0"/>
                                     </a:rPr>
                                   </m:ctrlPr>
                                 </m:sSubPr>
@@ -19244,7 +19245,7 @@
                     </a:tc>
                     <a:extLst>
                       <a:ext uri="{0D108BD9-81ED-4DB2-BD59-A6C34878D82A}">
-                        <a16:rowId xmlns:a16="http://schemas.microsoft.com/office/drawing/2014/main" xmlns="" val="246005499"/>
+                        <a16:rowId xmlns:a16="http://schemas.microsoft.com/office/drawing/2014/main" val="246005499"/>
                       </a:ext>
                     </a:extLst>
                   </a:tr>
@@ -19311,7 +19312,7 @@
                     </a:tc>
                     <a:extLst>
                       <a:ext uri="{0D108BD9-81ED-4DB2-BD59-A6C34878D82A}">
-                        <a16:rowId xmlns:a16="http://schemas.microsoft.com/office/drawing/2014/main" xmlns="" val="1967244540"/>
+                        <a16:rowId xmlns:a16="http://schemas.microsoft.com/office/drawing/2014/main" val="1967244540"/>
                       </a:ext>
                     </a:extLst>
                   </a:tr>
@@ -19378,7 +19379,7 @@
                     </a:tc>
                     <a:extLst>
                       <a:ext uri="{0D108BD9-81ED-4DB2-BD59-A6C34878D82A}">
-                        <a16:rowId xmlns:a16="http://schemas.microsoft.com/office/drawing/2014/main" xmlns="" val="1823030155"/>
+                        <a16:rowId xmlns:a16="http://schemas.microsoft.com/office/drawing/2014/main" val="1823030155"/>
                       </a:ext>
                     </a:extLst>
                   </a:tr>
@@ -19445,7 +19446,7 @@
                     </a:tc>
                     <a:extLst>
                       <a:ext uri="{0D108BD9-81ED-4DB2-BD59-A6C34878D82A}">
-                        <a16:rowId xmlns:a16="http://schemas.microsoft.com/office/drawing/2014/main" xmlns="" val="1815547532"/>
+                        <a16:rowId xmlns:a16="http://schemas.microsoft.com/office/drawing/2014/main" val="1815547532"/>
                       </a:ext>
                     </a:extLst>
                   </a:tr>
@@ -19544,7 +19545,7 @@
                     </a:tc>
                     <a:extLst>
                       <a:ext uri="{0D108BD9-81ED-4DB2-BD59-A6C34878D82A}">
-                        <a16:rowId xmlns:a16="http://schemas.microsoft.com/office/drawing/2014/main" xmlns="" val="168178639"/>
+                        <a16:rowId xmlns:a16="http://schemas.microsoft.com/office/drawing/2014/main" val="168178639"/>
                       </a:ext>
                     </a:extLst>
                   </a:tr>
@@ -20076,7 +20077,7 @@
                       <m:dPr>
                         <m:ctrlPr>
                           <a:rPr lang="en-US" altLang="zh-CN" i="1">
-                            <a:latin typeface="Cambria Math" charset="0"/>
+                            <a:latin typeface="Cambria Math" panose="02040503050406030204" pitchFamily="18" charset="0"/>
                           </a:rPr>
                         </m:ctrlPr>
                       </m:dPr>
@@ -20135,7 +20136,7 @@
                       <m:dPr>
                         <m:ctrlPr>
                           <a:rPr lang="en-US" altLang="zh-CN" i="1">
-                            <a:latin typeface="Cambria Math" charset="0"/>
+                            <a:latin typeface="Cambria Math" panose="02040503050406030204" pitchFamily="18" charset="0"/>
                           </a:rPr>
                         </m:ctrlPr>
                       </m:dPr>
@@ -20158,7 +20159,7 @@
                       <m:sSubPr>
                         <m:ctrlPr>
                           <a:rPr lang="en-US" altLang="zh-CN" b="0" i="1" smtClean="0">
-                            <a:latin typeface="Cambria Math" charset="0"/>
+                            <a:latin typeface="Cambria Math" panose="02040503050406030204" pitchFamily="18" charset="0"/>
                           </a:rPr>
                         </m:ctrlPr>
                       </m:sSubPr>
@@ -20183,7 +20184,7 @@
                       <m:sSubPr>
                         <m:ctrlPr>
                           <a:rPr lang="en-US" altLang="zh-CN" b="0" i="1" smtClean="0">
-                            <a:latin typeface="Cambria Math" charset="0"/>
+                            <a:latin typeface="Cambria Math" panose="02040503050406030204" pitchFamily="18" charset="0"/>
                           </a:rPr>
                         </m:ctrlPr>
                       </m:sSubPr>
@@ -20214,7 +20215,7 @@
                       <m:sSubPr>
                         <m:ctrlPr>
                           <a:rPr lang="en-US" altLang="zh-CN" b="0" i="1" smtClean="0">
-                            <a:latin typeface="Cambria Math" charset="0"/>
+                            <a:latin typeface="Cambria Math" panose="02040503050406030204" pitchFamily="18" charset="0"/>
                           </a:rPr>
                         </m:ctrlPr>
                       </m:sSubPr>
@@ -20239,7 +20240,7 @@
                       <m:sSubPr>
                         <m:ctrlPr>
                           <a:rPr lang="en-US" altLang="zh-CN" b="0" i="1" smtClean="0">
-                            <a:latin typeface="Cambria Math" charset="0"/>
+                            <a:latin typeface="Cambria Math" panose="02040503050406030204" pitchFamily="18" charset="0"/>
                           </a:rPr>
                         </m:ctrlPr>
                       </m:sSubPr>
@@ -20270,7 +20271,7 @@
                       <m:sSubPr>
                         <m:ctrlPr>
                           <a:rPr lang="en-US" altLang="zh-CN" b="0" i="1" smtClean="0">
-                            <a:latin typeface="Cambria Math" charset="0"/>
+                            <a:latin typeface="Cambria Math" panose="02040503050406030204" pitchFamily="18" charset="0"/>
                           </a:rPr>
                         </m:ctrlPr>
                       </m:sSubPr>
@@ -20295,7 +20296,7 @@
                       <m:sSubPr>
                         <m:ctrlPr>
                           <a:rPr lang="en-US" altLang="zh-CN" b="0" i="1" smtClean="0">
-                            <a:latin typeface="Cambria Math" charset="0"/>
+                            <a:latin typeface="Cambria Math" panose="02040503050406030204" pitchFamily="18" charset="0"/>
                           </a:rPr>
                         </m:ctrlPr>
                       </m:sSubPr>
@@ -20346,7 +20347,7 @@
                       <m:dPr>
                         <m:ctrlPr>
                           <a:rPr lang="en-US" altLang="zh-CN" b="0" i="1" dirty="0" smtClean="0">
-                            <a:latin typeface="Cambria Math" charset="0"/>
+                            <a:latin typeface="Cambria Math" panose="02040503050406030204" pitchFamily="18" charset="0"/>
                           </a:rPr>
                         </m:ctrlPr>
                       </m:dPr>
@@ -20369,7 +20370,7 @@
                       <m:sSupPr>
                         <m:ctrlPr>
                           <a:rPr lang="en-US" altLang="zh-CN" b="0" i="1" dirty="0" smtClean="0">
-                            <a:latin typeface="Cambria Math" charset="0"/>
+                            <a:latin typeface="Cambria Math" panose="02040503050406030204" pitchFamily="18" charset="0"/>
                           </a:rPr>
                         </m:ctrlPr>
                       </m:sSupPr>
@@ -20427,7 +20428,7 @@
                       <m:dPr>
                         <m:ctrlPr>
                           <a:rPr lang="en-US" altLang="zh-CN" b="0" i="1" smtClean="0">
-                            <a:latin typeface="Cambria Math" charset="0"/>
+                            <a:latin typeface="Cambria Math" panose="02040503050406030204" pitchFamily="18" charset="0"/>
                           </a:rPr>
                         </m:ctrlPr>
                       </m:dPr>
@@ -20436,7 +20437,7 @@
                           <m:sSubPr>
                             <m:ctrlPr>
                               <a:rPr lang="en-US" altLang="zh-CN" i="1">
-                                <a:latin typeface="Cambria Math" charset="0"/>
+                                <a:latin typeface="Cambria Math" panose="02040503050406030204" pitchFamily="18" charset="0"/>
                               </a:rPr>
                             </m:ctrlPr>
                           </m:sSubPr>
@@ -20473,7 +20474,7 @@
                           <m:sSubPr>
                             <m:ctrlPr>
                               <a:rPr lang="en-US" altLang="zh-CN" i="1">
-                                <a:latin typeface="Cambria Math" charset="0"/>
+                                <a:latin typeface="Cambria Math" panose="02040503050406030204" pitchFamily="18" charset="0"/>
                               </a:rPr>
                             </m:ctrlPr>
                           </m:sSubPr>
@@ -20516,7 +20517,7 @@
                           <m:sSubPr>
                             <m:ctrlPr>
                               <a:rPr lang="en-US" altLang="zh-CN" i="1">
-                                <a:latin typeface="Cambria Math" charset="0"/>
+                                <a:latin typeface="Cambria Math" panose="02040503050406030204" pitchFamily="18" charset="0"/>
                               </a:rPr>
                             </m:ctrlPr>
                           </m:sSubPr>
@@ -20682,7 +20683,7 @@
             </a:pPr>
             <a:fld id="{95A2A19B-170D-1043-AE33-7A36DFB7BCDC}" type="datetime2">
               <a:rPr lang="zh-CN" altLang="en-US" smtClean="0"/>
-              <a:t>2018年7月7日</a:t>
+              <a:t>2018年7月8日</a:t>
             </a:fld>
             <a:endParaRPr lang="en-US" altLang="zh-CN"/>
           </a:p>
@@ -20750,7 +20751,7 @@
               <p:cNvPr id="7" name="矩形 6">
                 <a:extLst>
                   <a:ext uri="{FF2B5EF4-FFF2-40B4-BE49-F238E27FC236}">
-                    <a16:creationId xmlns:a16="http://schemas.microsoft.com/office/drawing/2014/main" xmlns="" id="{25CFE4FA-4ADB-4B82-B875-AA5178D80394}"/>
+                    <a16:creationId xmlns:a16="http://schemas.microsoft.com/office/drawing/2014/main" id="{25CFE4FA-4ADB-4B82-B875-AA5178D80394}"/>
                   </a:ext>
                 </a:extLst>
               </p:cNvPr>
@@ -20789,7 +20790,7 @@
                         <m:dPr>
                           <m:ctrlPr>
                             <a:rPr lang="en-US" altLang="zh-CN" sz="2000" i="1">
-                              <a:latin typeface="Cambria Math" charset="0"/>
+                              <a:latin typeface="Cambria Math" panose="02040503050406030204" pitchFamily="18" charset="0"/>
                             </a:rPr>
                           </m:ctrlPr>
                         </m:dPr>
@@ -20825,7 +20826,7 @@
                           <m:chr m:val="∑"/>
                           <m:ctrlPr>
                             <a:rPr lang="en-US" altLang="zh-CN" sz="2000" i="1">
-                              <a:latin typeface="Cambria Math" charset="0"/>
+                              <a:latin typeface="Cambria Math" panose="02040503050406030204" pitchFamily="18" charset="0"/>
                             </a:rPr>
                           </m:ctrlPr>
                         </m:naryPr>
@@ -20859,7 +20860,7 @@
                             <m:sSupPr>
                               <m:ctrlPr>
                                 <a:rPr lang="en-US" altLang="zh-CN" sz="2000" i="1">
-                                  <a:latin typeface="Cambria Math" charset="0"/>
+                                  <a:latin typeface="Cambria Math" panose="02040503050406030204" pitchFamily="18" charset="0"/>
                                 </a:rPr>
                               </m:ctrlPr>
                             </m:sSupPr>
@@ -20868,7 +20869,7 @@
                                 <m:dPr>
                                   <m:ctrlPr>
                                     <a:rPr lang="en-US" altLang="zh-CN" sz="2000" i="1">
-                                      <a:latin typeface="Cambria Math" charset="0"/>
+                                      <a:latin typeface="Cambria Math" panose="02040503050406030204" pitchFamily="18" charset="0"/>
                                     </a:rPr>
                                   </m:ctrlPr>
                                 </m:dPr>
@@ -20877,7 +20878,7 @@
                                     <m:sSupPr>
                                       <m:ctrlPr>
                                         <a:rPr lang="en-US" altLang="zh-CN" sz="2000" i="1">
-                                          <a:latin typeface="Cambria Math" charset="0"/>
+                                          <a:latin typeface="Cambria Math" panose="02040503050406030204" pitchFamily="18" charset="0"/>
                                         </a:rPr>
                                       </m:ctrlPr>
                                     </m:sSupPr>
@@ -20926,7 +20927,7 @@
                                     <m:dPr>
                                       <m:ctrlPr>
                                         <a:rPr lang="en-US" altLang="zh-CN" sz="2000" i="1">
-                                          <a:latin typeface="Cambria Math" charset="0"/>
+                                          <a:latin typeface="Cambria Math" panose="02040503050406030204" pitchFamily="18" charset="0"/>
                                         </a:rPr>
                                       </m:ctrlPr>
                                     </m:dPr>
@@ -20935,7 +20936,7 @@
                                         <m:sSupPr>
                                           <m:ctrlPr>
                                             <a:rPr lang="en-US" altLang="zh-CN" sz="2000" b="1" i="1">
-                                              <a:latin typeface="Cambria Math" charset="0"/>
+                                              <a:latin typeface="Cambria Math" panose="02040503050406030204" pitchFamily="18" charset="0"/>
                                             </a:rPr>
                                           </m:ctrlPr>
                                         </m:sSupPr>
@@ -21072,7 +21073,7 @@
                         <m:sSubPr>
                           <m:ctrlPr>
                             <a:rPr kumimoji="1" lang="en-US" altLang="zh-CN" b="0" i="1" smtClean="0">
-                              <a:latin typeface="Cambria Math" charset="0"/>
+                              <a:latin typeface="Cambria Math" panose="02040503050406030204" pitchFamily="18" charset="0"/>
                             </a:rPr>
                           </m:ctrlPr>
                         </m:sSubPr>
@@ -21127,7 +21128,7 @@
                         <m:fPr>
                           <m:ctrlPr>
                             <a:rPr kumimoji="1" lang="mr-IN" altLang="zh-CN" b="0" i="1" smtClean="0">
-                              <a:latin typeface="Cambria Math" charset="0"/>
+                              <a:latin typeface="Cambria Math" panose="02040503050406030204" pitchFamily="18" charset="0"/>
                             </a:rPr>
                           </m:ctrlPr>
                         </m:fPr>
@@ -21158,7 +21159,7 @@
                             <m:sSubPr>
                               <m:ctrlPr>
                                 <a:rPr kumimoji="1" lang="en-US" altLang="zh-CN" b="0" i="1" smtClean="0">
-                                  <a:latin typeface="Cambria Math" charset="0"/>
+                                  <a:latin typeface="Cambria Math" panose="02040503050406030204" pitchFamily="18" charset="0"/>
                                   <a:ea typeface="Cambria Math" charset="0"/>
                                   <a:cs typeface="Cambria Math" charset="0"/>
                                 </a:rPr>
@@ -21243,7 +21244,7 @@
                         <m:fPr>
                           <m:ctrlPr>
                             <a:rPr kumimoji="1" lang="mr-IN" altLang="zh-CN" b="0" i="1" smtClean="0">
-                              <a:latin typeface="Cambria Math" charset="0"/>
+                              <a:latin typeface="Cambria Math" panose="02040503050406030204" pitchFamily="18" charset="0"/>
                             </a:rPr>
                           </m:ctrlPr>
                         </m:fPr>
@@ -21462,7 +21463,7 @@
             </a:pPr>
             <a:fld id="{95A2A19B-170D-1043-AE33-7A36DFB7BCDC}" type="datetime2">
               <a:rPr lang="zh-CN" altLang="en-US" smtClean="0"/>
-              <a:t>2018年7月7日</a:t>
+              <a:t>2018年7月8日</a:t>
             </a:fld>
             <a:endParaRPr lang="en-US" altLang="zh-CN"/>
           </a:p>
@@ -21530,7 +21531,7 @@
               <p:cNvPr id="8" name="内容占位符 6">
                 <a:extLst>
                   <a:ext uri="{FF2B5EF4-FFF2-40B4-BE49-F238E27FC236}">
-                    <a16:creationId xmlns:a16="http://schemas.microsoft.com/office/drawing/2014/main" xmlns="" id="{EB980026-D29F-4C6E-9BFC-18210325D87E}"/>
+                    <a16:creationId xmlns:a16="http://schemas.microsoft.com/office/drawing/2014/main" id="{EB980026-D29F-4C6E-9BFC-18210325D87E}"/>
                   </a:ext>
                 </a:extLst>
               </p:cNvPr>
@@ -21559,28 +21560,28 @@
                     <a:gridCol w="1185683">
                       <a:extLst>
                         <a:ext uri="{9D8B030D-6E8A-4147-A177-3AD203B41FA5}">
-                          <a16:colId xmlns:a16="http://schemas.microsoft.com/office/drawing/2014/main" xmlns="" val="849694925"/>
+                          <a16:colId xmlns:a16="http://schemas.microsoft.com/office/drawing/2014/main" val="849694925"/>
                         </a:ext>
                       </a:extLst>
                     </a:gridCol>
                     <a:gridCol w="1185683">
                       <a:extLst>
                         <a:ext uri="{9D8B030D-6E8A-4147-A177-3AD203B41FA5}">
-                          <a16:colId xmlns:a16="http://schemas.microsoft.com/office/drawing/2014/main" xmlns="" val="20001"/>
+                          <a16:colId xmlns:a16="http://schemas.microsoft.com/office/drawing/2014/main" val="20001"/>
                         </a:ext>
                       </a:extLst>
                     </a:gridCol>
                     <a:gridCol w="1185683">
                       <a:extLst>
                         <a:ext uri="{9D8B030D-6E8A-4147-A177-3AD203B41FA5}">
-                          <a16:colId xmlns:a16="http://schemas.microsoft.com/office/drawing/2014/main" xmlns="" val="20002"/>
+                          <a16:colId xmlns:a16="http://schemas.microsoft.com/office/drawing/2014/main" val="20002"/>
                         </a:ext>
                       </a:extLst>
                     </a:gridCol>
                     <a:gridCol w="1185683">
                       <a:extLst>
                         <a:ext uri="{9D8B030D-6E8A-4147-A177-3AD203B41FA5}">
-                          <a16:colId xmlns:a16="http://schemas.microsoft.com/office/drawing/2014/main" xmlns="" val="2032597962"/>
+                          <a16:colId xmlns:a16="http://schemas.microsoft.com/office/drawing/2014/main" val="2032597962"/>
                         </a:ext>
                       </a:extLst>
                     </a:gridCol>
@@ -21606,7 +21607,7 @@
                                 <m:sSubPr>
                                   <m:ctrlPr>
                                     <a:rPr lang="en-US" altLang="zh-CN" b="1" i="1" dirty="0" smtClean="0">
-                                      <a:latin typeface="Cambria Math" charset="0"/>
+                                      <a:latin typeface="Cambria Math" panose="02040503050406030204" pitchFamily="18" charset="0"/>
                                     </a:rPr>
                                   </m:ctrlPr>
                                 </m:sSubPr>
@@ -21658,7 +21659,7 @@
                                 <m:sSubPr>
                                   <m:ctrlPr>
                                     <a:rPr lang="en-US" altLang="zh-CN" b="1" i="1" dirty="0" smtClean="0">
-                                      <a:latin typeface="Cambria Math" charset="0"/>
+                                      <a:latin typeface="Cambria Math" panose="02040503050406030204" pitchFamily="18" charset="0"/>
                                     </a:rPr>
                                   </m:ctrlPr>
                                 </m:sSubPr>
@@ -21710,7 +21711,7 @@
                                 <m:sSubPr>
                                   <m:ctrlPr>
                                     <a:rPr lang="en-US" altLang="zh-CN" b="1" i="1" dirty="0" smtClean="0">
-                                      <a:latin typeface="Cambria Math" charset="0"/>
+                                      <a:latin typeface="Cambria Math" panose="02040503050406030204" pitchFamily="18" charset="0"/>
                                     </a:rPr>
                                   </m:ctrlPr>
                                 </m:sSubPr>
@@ -21777,7 +21778,7 @@
                     </a:tc>
                     <a:extLst>
                       <a:ext uri="{0D108BD9-81ED-4DB2-BD59-A6C34878D82A}">
-                        <a16:rowId xmlns:a16="http://schemas.microsoft.com/office/drawing/2014/main" xmlns="" val="246005499"/>
+                        <a16:rowId xmlns:a16="http://schemas.microsoft.com/office/drawing/2014/main" val="246005499"/>
                       </a:ext>
                     </a:extLst>
                   </a:tr>
@@ -21844,7 +21845,7 @@
                     </a:tc>
                     <a:extLst>
                       <a:ext uri="{0D108BD9-81ED-4DB2-BD59-A6C34878D82A}">
-                        <a16:rowId xmlns:a16="http://schemas.microsoft.com/office/drawing/2014/main" xmlns="" val="1967244540"/>
+                        <a16:rowId xmlns:a16="http://schemas.microsoft.com/office/drawing/2014/main" val="1967244540"/>
                       </a:ext>
                     </a:extLst>
                   </a:tr>
@@ -21911,7 +21912,7 @@
                     </a:tc>
                     <a:extLst>
                       <a:ext uri="{0D108BD9-81ED-4DB2-BD59-A6C34878D82A}">
-                        <a16:rowId xmlns:a16="http://schemas.microsoft.com/office/drawing/2014/main" xmlns="" val="1823030155"/>
+                        <a16:rowId xmlns:a16="http://schemas.microsoft.com/office/drawing/2014/main" val="1823030155"/>
                       </a:ext>
                     </a:extLst>
                   </a:tr>
@@ -21978,7 +21979,7 @@
                     </a:tc>
                     <a:extLst>
                       <a:ext uri="{0D108BD9-81ED-4DB2-BD59-A6C34878D82A}">
-                        <a16:rowId xmlns:a16="http://schemas.microsoft.com/office/drawing/2014/main" xmlns="" val="1815547532"/>
+                        <a16:rowId xmlns:a16="http://schemas.microsoft.com/office/drawing/2014/main" val="1815547532"/>
                       </a:ext>
                     </a:extLst>
                   </a:tr>
@@ -22077,7 +22078,7 @@
                     </a:tc>
                     <a:extLst>
                       <a:ext uri="{0D108BD9-81ED-4DB2-BD59-A6C34878D82A}">
-                        <a16:rowId xmlns:a16="http://schemas.microsoft.com/office/drawing/2014/main" xmlns="" val="168178639"/>
+                        <a16:rowId xmlns:a16="http://schemas.microsoft.com/office/drawing/2014/main" val="168178639"/>
                       </a:ext>
                     </a:extLst>
                   </a:tr>
@@ -22577,7 +22578,7 @@
                           <m:endChr m:val="]"/>
                           <m:ctrlPr>
                             <a:rPr kumimoji="1" lang="en-US" altLang="zh-CN" b="0" i="1" smtClean="0">
-                              <a:latin typeface="Cambria Math" charset="0"/>
+                              <a:latin typeface="Cambria Math" panose="02040503050406030204" pitchFamily="18" charset="0"/>
                             </a:rPr>
                           </m:ctrlPr>
                         </m:dPr>
@@ -22588,7 +22589,7 @@
                               <m:endChr m:val=""/>
                               <m:ctrlPr>
                                 <a:rPr kumimoji="1" lang="en-US" altLang="zh-CN" b="0" i="1" smtClean="0">
-                                  <a:latin typeface="Cambria Math" charset="0"/>
+                                  <a:latin typeface="Cambria Math" panose="02040503050406030204" pitchFamily="18" charset="0"/>
                                 </a:rPr>
                               </m:ctrlPr>
                             </m:dPr>
@@ -22605,7 +22606,7 @@
                                   </m:mcs>
                                   <m:ctrlPr>
                                     <a:rPr kumimoji="1" lang="en-US" altLang="zh-CN" b="0" i="1" smtClean="0">
-                                      <a:latin typeface="Cambria Math" charset="0"/>
+                                      <a:latin typeface="Cambria Math" panose="02040503050406030204" pitchFamily="18" charset="0"/>
                                     </a:rPr>
                                   </m:ctrlPr>
                                 </m:mPr>
@@ -22783,7 +22784,7 @@
                           <m:endChr m:val="]"/>
                           <m:ctrlPr>
                             <a:rPr kumimoji="1" lang="en-US" altLang="zh-CN" b="0" i="1" smtClean="0">
-                              <a:latin typeface="Cambria Math" charset="0"/>
+                              <a:latin typeface="Cambria Math" panose="02040503050406030204" pitchFamily="18" charset="0"/>
                             </a:rPr>
                           </m:ctrlPr>
                         </m:dPr>
@@ -22794,7 +22795,7 @@
                               <m:endChr m:val=""/>
                               <m:ctrlPr>
                                 <a:rPr kumimoji="1" lang="en-US" altLang="zh-CN" b="0" i="1" smtClean="0">
-                                  <a:latin typeface="Cambria Math" charset="0"/>
+                                  <a:latin typeface="Cambria Math" panose="02040503050406030204" pitchFamily="18" charset="0"/>
                                 </a:rPr>
                               </m:ctrlPr>
                             </m:dPr>
@@ -22811,7 +22812,7 @@
                                   </m:mcs>
                                   <m:ctrlPr>
                                     <a:rPr kumimoji="1" lang="mr-IN" altLang="zh-CN" b="0" i="1" smtClean="0">
-                                      <a:latin typeface="Cambria Math" charset="0"/>
+                                      <a:latin typeface="Cambria Math" panose="02040503050406030204" pitchFamily="18" charset="0"/>
                                     </a:rPr>
                                   </m:ctrlPr>
                                 </m:mPr>
@@ -22957,7 +22958,7 @@
               <p:cNvPr id="10" name="文本框 9">
                 <a:extLst>
                   <a:ext uri="{FF2B5EF4-FFF2-40B4-BE49-F238E27FC236}">
-                    <a16:creationId xmlns:a16="http://schemas.microsoft.com/office/drawing/2014/main" xmlns="" id="{031AAC50-8456-46EE-9E8B-4EA08C80E6F1}"/>
+                    <a16:creationId xmlns:a16="http://schemas.microsoft.com/office/drawing/2014/main" id="{031AAC50-8456-46EE-9E8B-4EA08C80E6F1}"/>
                   </a:ext>
                 </a:extLst>
               </p:cNvPr>
@@ -23002,7 +23003,7 @@
                       <m:dPr>
                         <m:ctrlPr>
                           <a:rPr lang="en-US" altLang="zh-CN" b="0" i="1" smtClean="0">
-                            <a:latin typeface="Cambria Math" charset="0"/>
+                            <a:latin typeface="Cambria Math" panose="02040503050406030204" pitchFamily="18" charset="0"/>
                           </a:rPr>
                         </m:ctrlPr>
                       </m:dPr>
@@ -23019,7 +23020,7 @@
                             </m:mcs>
                             <m:ctrlPr>
                               <a:rPr lang="en-US" altLang="zh-CN" b="0" i="1" smtClean="0">
-                                <a:latin typeface="Cambria Math" charset="0"/>
+                                <a:latin typeface="Cambria Math" panose="02040503050406030204" pitchFamily="18" charset="0"/>
                               </a:rPr>
                             </m:ctrlPr>
                           </m:mPr>
@@ -23039,7 +23040,7 @@
                                 <m:sSubPr>
                                   <m:ctrlPr>
                                     <a:rPr lang="en-US" altLang="zh-CN" b="0" i="1" smtClean="0">
-                                      <a:latin typeface="Cambria Math" charset="0"/>
+                                      <a:latin typeface="Cambria Math" panose="02040503050406030204" pitchFamily="18" charset="0"/>
                                     </a:rPr>
                                   </m:ctrlPr>
                                 </m:sSubPr>
@@ -23068,7 +23069,7 @@
                                 <m:sSubPr>
                                   <m:ctrlPr>
                                     <a:rPr lang="en-US" altLang="zh-CN" b="0" i="1" smtClean="0">
-                                      <a:latin typeface="Cambria Math" charset="0"/>
+                                      <a:latin typeface="Cambria Math" panose="02040503050406030204" pitchFamily="18" charset="0"/>
                                     </a:rPr>
                                   </m:ctrlPr>
                                 </m:sSubPr>
@@ -23107,7 +23108,7 @@
                                 <m:sSubPr>
                                   <m:ctrlPr>
                                     <a:rPr lang="en-US" altLang="zh-CN" b="0" i="1" smtClean="0">
-                                      <a:latin typeface="Cambria Math" charset="0"/>
+                                      <a:latin typeface="Cambria Math" panose="02040503050406030204" pitchFamily="18" charset="0"/>
                                     </a:rPr>
                                   </m:ctrlPr>
                                 </m:sSubPr>
@@ -23149,7 +23150,7 @@
                       <m:sSupPr>
                         <m:ctrlPr>
                           <a:rPr lang="en-US" altLang="zh-CN" b="0" i="1" smtClean="0">
-                            <a:latin typeface="Cambria Math" charset="0"/>
+                            <a:latin typeface="Cambria Math" panose="02040503050406030204" pitchFamily="18" charset="0"/>
                           </a:rPr>
                         </m:ctrlPr>
                       </m:sSupPr>
@@ -23180,7 +23181,7 @@
                       <m:sSupPr>
                         <m:ctrlPr>
                           <a:rPr lang="en-US" altLang="zh-CN" b="0" i="1" smtClean="0">
-                            <a:latin typeface="Cambria Math" charset="0"/>
+                            <a:latin typeface="Cambria Math" panose="02040503050406030204" pitchFamily="18" charset="0"/>
                           </a:rPr>
                         </m:ctrlPr>
                       </m:sSupPr>
@@ -23189,7 +23190,7 @@
                           <m:dPr>
                             <m:ctrlPr>
                               <a:rPr lang="en-US" altLang="zh-CN" b="0" i="1" smtClean="0">
-                                <a:latin typeface="Cambria Math" charset="0"/>
+                                <a:latin typeface="Cambria Math" panose="02040503050406030204" pitchFamily="18" charset="0"/>
                               </a:rPr>
                             </m:ctrlPr>
                           </m:dPr>
@@ -23198,7 +23199,7 @@
                               <m:sSupPr>
                                 <m:ctrlPr>
                                   <a:rPr lang="en-US" altLang="zh-CN" b="0" i="1" smtClean="0">
-                                    <a:latin typeface="Cambria Math" charset="0"/>
+                                    <a:latin typeface="Cambria Math" panose="02040503050406030204" pitchFamily="18" charset="0"/>
                                   </a:rPr>
                                 </m:ctrlPr>
                               </m:sSupPr>
@@ -23241,7 +23242,7 @@
                       <m:sSupPr>
                         <m:ctrlPr>
                           <a:rPr lang="en-US" altLang="zh-CN" b="0" i="1" smtClean="0">
-                            <a:latin typeface="Cambria Math" charset="0"/>
+                            <a:latin typeface="Cambria Math" panose="02040503050406030204" pitchFamily="18" charset="0"/>
                           </a:rPr>
                         </m:ctrlPr>
                       </m:sSupPr>
@@ -23359,7 +23360,7 @@
           <p:cNvPr id="2" name="标题 1">
             <a:extLst>
               <a:ext uri="{FF2B5EF4-FFF2-40B4-BE49-F238E27FC236}">
-                <a16:creationId xmlns:a16="http://schemas.microsoft.com/office/drawing/2014/main" xmlns="" id="{B966BEC1-8E01-4033-9E8D-E80CDC45987C}"/>
+                <a16:creationId xmlns:a16="http://schemas.microsoft.com/office/drawing/2014/main" id="{B966BEC1-8E01-4033-9E8D-E80CDC45987C}"/>
               </a:ext>
             </a:extLst>
           </p:cNvPr>
@@ -23387,7 +23388,7 @@
           <p:cNvPr id="3" name="内容占位符 2">
             <a:extLst>
               <a:ext uri="{FF2B5EF4-FFF2-40B4-BE49-F238E27FC236}">
-                <a16:creationId xmlns:a16="http://schemas.microsoft.com/office/drawing/2014/main" xmlns="" id="{235A2F31-B29B-4AD3-8BEB-CC1A791AFB6A}"/>
+                <a16:creationId xmlns:a16="http://schemas.microsoft.com/office/drawing/2014/main" id="{235A2F31-B29B-4AD3-8BEB-CC1A791AFB6A}"/>
               </a:ext>
             </a:extLst>
           </p:cNvPr>
@@ -23412,7 +23413,7 @@
           <p:cNvPr id="4" name="日期占位符 3">
             <a:extLst>
               <a:ext uri="{FF2B5EF4-FFF2-40B4-BE49-F238E27FC236}">
-                <a16:creationId xmlns:a16="http://schemas.microsoft.com/office/drawing/2014/main" xmlns="" id="{B0221C10-1A7A-4DA3-B090-F84BC1BFFFE0}"/>
+                <a16:creationId xmlns:a16="http://schemas.microsoft.com/office/drawing/2014/main" id="{B0221C10-1A7A-4DA3-B090-F84BC1BFFFE0}"/>
               </a:ext>
             </a:extLst>
           </p:cNvPr>
@@ -23433,7 +23434,7 @@
             </a:pPr>
             <a:fld id="{95A2A19B-170D-1043-AE33-7A36DFB7BCDC}" type="datetime2">
               <a:rPr lang="zh-CN" altLang="en-US" smtClean="0"/>
-              <a:t>2018年7月7日</a:t>
+              <a:t>2018年7月8日</a:t>
             </a:fld>
             <a:endParaRPr lang="en-US" altLang="zh-CN"/>
           </a:p>
@@ -23444,7 +23445,7 @@
           <p:cNvPr id="5" name="页脚占位符 4">
             <a:extLst>
               <a:ext uri="{FF2B5EF4-FFF2-40B4-BE49-F238E27FC236}">
-                <a16:creationId xmlns:a16="http://schemas.microsoft.com/office/drawing/2014/main" xmlns="" id="{2573D4B4-E892-44B3-A996-95CC5C962DDC}"/>
+                <a16:creationId xmlns:a16="http://schemas.microsoft.com/office/drawing/2014/main" id="{2573D4B4-E892-44B3-A996-95CC5C962DDC}"/>
               </a:ext>
             </a:extLst>
           </p:cNvPr>
@@ -23476,7 +23477,7 @@
           <p:cNvPr id="6" name="灯片编号占位符 5">
             <a:extLst>
               <a:ext uri="{FF2B5EF4-FFF2-40B4-BE49-F238E27FC236}">
-                <a16:creationId xmlns:a16="http://schemas.microsoft.com/office/drawing/2014/main" xmlns="" id="{CD7E5279-6EB8-4DAF-BEEF-B9DAAC2BC40B}"/>
+                <a16:creationId xmlns:a16="http://schemas.microsoft.com/office/drawing/2014/main" id="{CD7E5279-6EB8-4DAF-BEEF-B9DAAC2BC40B}"/>
               </a:ext>
             </a:extLst>
           </p:cNvPr>
@@ -23511,7 +23512,7 @@
           <p:cNvPr id="6146" name="Picture 2" descr="http://photocdn.sohu.com/20160119/mp55295281_1453182841488_2.jpeg">
             <a:extLst>
               <a:ext uri="{FF2B5EF4-FFF2-40B4-BE49-F238E27FC236}">
-                <a16:creationId xmlns:a16="http://schemas.microsoft.com/office/drawing/2014/main" xmlns="" id="{116E99F8-60AE-47AB-8FA5-7919F5F410F5}"/>
+                <a16:creationId xmlns:a16="http://schemas.microsoft.com/office/drawing/2014/main" id="{116E99F8-60AE-47AB-8FA5-7919F5F410F5}"/>
               </a:ext>
             </a:extLst>
           </p:cNvPr>
@@ -23588,7 +23589,7 @@
           <p:cNvPr id="2" name="标题 1">
             <a:extLst>
               <a:ext uri="{FF2B5EF4-FFF2-40B4-BE49-F238E27FC236}">
-                <a16:creationId xmlns:a16="http://schemas.microsoft.com/office/drawing/2014/main" xmlns="" id="{C761FBAE-E92E-4481-AF01-812B86CD582C}"/>
+                <a16:creationId xmlns:a16="http://schemas.microsoft.com/office/drawing/2014/main" id="{C761FBAE-E92E-4481-AF01-812B86CD582C}"/>
               </a:ext>
             </a:extLst>
           </p:cNvPr>
@@ -23616,7 +23617,7 @@
           <p:cNvPr id="3" name="内容占位符 2">
             <a:extLst>
               <a:ext uri="{FF2B5EF4-FFF2-40B4-BE49-F238E27FC236}">
-                <a16:creationId xmlns:a16="http://schemas.microsoft.com/office/drawing/2014/main" xmlns="" id="{167976FB-6BBE-4CBB-BCD6-DA29C635608B}"/>
+                <a16:creationId xmlns:a16="http://schemas.microsoft.com/office/drawing/2014/main" id="{167976FB-6BBE-4CBB-BCD6-DA29C635608B}"/>
               </a:ext>
             </a:extLst>
           </p:cNvPr>
@@ -23690,7 +23691,7 @@
           <p:cNvPr id="4" name="日期占位符 3">
             <a:extLst>
               <a:ext uri="{FF2B5EF4-FFF2-40B4-BE49-F238E27FC236}">
-                <a16:creationId xmlns:a16="http://schemas.microsoft.com/office/drawing/2014/main" xmlns="" id="{AC9E40C3-28D3-48EF-84FB-D4EEB39FA2AA}"/>
+                <a16:creationId xmlns:a16="http://schemas.microsoft.com/office/drawing/2014/main" id="{AC9E40C3-28D3-48EF-84FB-D4EEB39FA2AA}"/>
               </a:ext>
             </a:extLst>
           </p:cNvPr>
@@ -23711,7 +23712,7 @@
             </a:pPr>
             <a:fld id="{95A2A19B-170D-1043-AE33-7A36DFB7BCDC}" type="datetime2">
               <a:rPr lang="zh-CN" altLang="en-US" smtClean="0"/>
-              <a:t>2018年7月7日</a:t>
+              <a:t>2018年7月8日</a:t>
             </a:fld>
             <a:endParaRPr lang="en-US" altLang="zh-CN"/>
           </a:p>
@@ -23722,7 +23723,7 @@
           <p:cNvPr id="5" name="页脚占位符 4">
             <a:extLst>
               <a:ext uri="{FF2B5EF4-FFF2-40B4-BE49-F238E27FC236}">
-                <a16:creationId xmlns:a16="http://schemas.microsoft.com/office/drawing/2014/main" xmlns="" id="{39460080-96B0-40B0-BE64-3BCE9BD248D2}"/>
+                <a16:creationId xmlns:a16="http://schemas.microsoft.com/office/drawing/2014/main" id="{39460080-96B0-40B0-BE64-3BCE9BD248D2}"/>
               </a:ext>
             </a:extLst>
           </p:cNvPr>
@@ -23754,7 +23755,7 @@
           <p:cNvPr id="6" name="灯片编号占位符 5">
             <a:extLst>
               <a:ext uri="{FF2B5EF4-FFF2-40B4-BE49-F238E27FC236}">
-                <a16:creationId xmlns:a16="http://schemas.microsoft.com/office/drawing/2014/main" xmlns="" id="{8BB15B7A-FC3B-4A75-85E6-2ED9971B4D96}"/>
+                <a16:creationId xmlns:a16="http://schemas.microsoft.com/office/drawing/2014/main" id="{8BB15B7A-FC3B-4A75-85E6-2ED9971B4D96}"/>
               </a:ext>
             </a:extLst>
           </p:cNvPr>
@@ -23819,7 +23820,7 @@
           <p:cNvPr id="2" name="标题 1">
             <a:extLst>
               <a:ext uri="{FF2B5EF4-FFF2-40B4-BE49-F238E27FC236}">
-                <a16:creationId xmlns:a16="http://schemas.microsoft.com/office/drawing/2014/main" xmlns="" id="{FADBC06B-92AF-4E39-8855-CB21008CC921}"/>
+                <a16:creationId xmlns:a16="http://schemas.microsoft.com/office/drawing/2014/main" id="{FADBC06B-92AF-4E39-8855-CB21008CC921}"/>
               </a:ext>
             </a:extLst>
           </p:cNvPr>
@@ -23847,7 +23848,7 @@
           <p:cNvPr id="3" name="内容占位符 2">
             <a:extLst>
               <a:ext uri="{FF2B5EF4-FFF2-40B4-BE49-F238E27FC236}">
-                <a16:creationId xmlns:a16="http://schemas.microsoft.com/office/drawing/2014/main" xmlns="" id="{8F92A80A-52CF-4943-9661-439610A98B3B}"/>
+                <a16:creationId xmlns:a16="http://schemas.microsoft.com/office/drawing/2014/main" id="{8F92A80A-52CF-4943-9661-439610A98B3B}"/>
               </a:ext>
             </a:extLst>
           </p:cNvPr>
@@ -23896,10 +23897,9 @@
           <a:p>
             <a:pPr lvl="1"/>
             <a:r>
-              <a:rPr lang="en-US" altLang="zh-CN" dirty="0" smtClean="0"/>
+              <a:rPr lang="en-US" altLang="zh-CN" dirty="0"/>
               <a:t>……</a:t>
             </a:r>
-            <a:endParaRPr lang="en-US" altLang="zh-CN" dirty="0"/>
           </a:p>
           <a:p>
             <a:r>
@@ -23929,7 +23929,7 @@
           <p:cNvPr id="4" name="日期占位符 3">
             <a:extLst>
               <a:ext uri="{FF2B5EF4-FFF2-40B4-BE49-F238E27FC236}">
-                <a16:creationId xmlns:a16="http://schemas.microsoft.com/office/drawing/2014/main" xmlns="" id="{647C9ED1-12E8-4FB8-B644-F6B5E2D9D082}"/>
+                <a16:creationId xmlns:a16="http://schemas.microsoft.com/office/drawing/2014/main" id="{647C9ED1-12E8-4FB8-B644-F6B5E2D9D082}"/>
               </a:ext>
             </a:extLst>
           </p:cNvPr>
@@ -23950,7 +23950,7 @@
             </a:pPr>
             <a:fld id="{95A2A19B-170D-1043-AE33-7A36DFB7BCDC}" type="datetime2">
               <a:rPr lang="zh-CN" altLang="en-US" smtClean="0"/>
-              <a:t>2018年7月7日</a:t>
+              <a:t>2018年7月8日</a:t>
             </a:fld>
             <a:endParaRPr lang="en-US" altLang="zh-CN"/>
           </a:p>
@@ -23961,7 +23961,7 @@
           <p:cNvPr id="5" name="页脚占位符 4">
             <a:extLst>
               <a:ext uri="{FF2B5EF4-FFF2-40B4-BE49-F238E27FC236}">
-                <a16:creationId xmlns:a16="http://schemas.microsoft.com/office/drawing/2014/main" xmlns="" id="{A3E2E536-FC9F-4A06-BADA-62DC6F657017}"/>
+                <a16:creationId xmlns:a16="http://schemas.microsoft.com/office/drawing/2014/main" id="{A3E2E536-FC9F-4A06-BADA-62DC6F657017}"/>
               </a:ext>
             </a:extLst>
           </p:cNvPr>
@@ -23993,7 +23993,7 @@
           <p:cNvPr id="6" name="灯片编号占位符 5">
             <a:extLst>
               <a:ext uri="{FF2B5EF4-FFF2-40B4-BE49-F238E27FC236}">
-                <a16:creationId xmlns:a16="http://schemas.microsoft.com/office/drawing/2014/main" xmlns="" id="{78E4560A-008F-40D2-86AC-411BC431E333}"/>
+                <a16:creationId xmlns:a16="http://schemas.microsoft.com/office/drawing/2014/main" id="{78E4560A-008F-40D2-86AC-411BC431E333}"/>
               </a:ext>
             </a:extLst>
           </p:cNvPr>
@@ -24069,19 +24069,19 @@
           <a:lstStyle/>
           <a:p>
             <a:r>
-              <a:rPr kumimoji="1" lang="zh-CN" altLang="en-US" dirty="0" smtClean="0"/>
+              <a:rPr kumimoji="1" lang="zh-CN" altLang="en-US" dirty="0"/>
               <a:t>数据预处理：</a:t>
             </a:r>
             <a:r>
-              <a:rPr kumimoji="1" lang="en-US" altLang="zh-CN" dirty="0" smtClean="0"/>
+              <a:rPr kumimoji="1" lang="en-US" altLang="zh-CN" dirty="0"/>
               <a:t>One-hot</a:t>
             </a:r>
             <a:r>
-              <a:rPr kumimoji="1" lang="zh-CN" altLang="en-US" dirty="0" smtClean="0"/>
+              <a:rPr kumimoji="1" lang="zh-CN" altLang="en-US" dirty="0"/>
               <a:t> </a:t>
             </a:r>
             <a:r>
-              <a:rPr kumimoji="1" lang="en-US" altLang="zh-CN" dirty="0" smtClean="0"/>
+              <a:rPr kumimoji="1" lang="en-US" altLang="zh-CN" dirty="0"/>
               <a:t>Encoding</a:t>
             </a:r>
             <a:endParaRPr kumimoji="1" lang="zh-CN" altLang="en-US" dirty="0"/>
@@ -24104,83 +24104,82 @@
           <a:lstStyle/>
           <a:p>
             <a:r>
-              <a:rPr kumimoji="1" lang="zh-CN" altLang="en-US" dirty="0" smtClean="0"/>
+              <a:rPr kumimoji="1" lang="zh-CN" altLang="en-US" dirty="0"/>
               <a:t>如果某个特征是类别型数据，如何将其映射为数值型数据：</a:t>
             </a:r>
-            <a:endParaRPr kumimoji="1" lang="en-US" altLang="zh-CN" dirty="0" smtClean="0"/>
+            <a:endParaRPr kumimoji="1" lang="en-US" altLang="zh-CN" dirty="0"/>
           </a:p>
           <a:p>
             <a:pPr lvl="1"/>
             <a:r>
-              <a:rPr kumimoji="1" lang="zh-CN" altLang="en-US" dirty="0" smtClean="0"/>
+              <a:rPr kumimoji="1" lang="zh-CN" altLang="en-US" dirty="0"/>
               <a:t>例如：某列特征为“操作系统”，取值包括：</a:t>
             </a:r>
             <a:r>
-              <a:rPr kumimoji="1" lang="en-US" altLang="zh-CN" dirty="0" smtClean="0"/>
+              <a:rPr kumimoji="1" lang="en-US" altLang="zh-CN" dirty="0"/>
               <a:t>Win,</a:t>
             </a:r>
             <a:r>
-              <a:rPr kumimoji="1" lang="zh-CN" altLang="en-US" dirty="0" smtClean="0"/>
+              <a:rPr kumimoji="1" lang="zh-CN" altLang="en-US" dirty="0"/>
               <a:t> </a:t>
             </a:r>
             <a:r>
-              <a:rPr kumimoji="1" lang="en-US" altLang="zh-CN" dirty="0" smtClean="0"/>
+              <a:rPr kumimoji="1" lang="en-US" altLang="zh-CN" dirty="0"/>
               <a:t>Linux,</a:t>
             </a:r>
             <a:r>
-              <a:rPr kumimoji="1" lang="zh-CN" altLang="en-US" dirty="0" smtClean="0"/>
+              <a:rPr kumimoji="1" lang="zh-CN" altLang="en-US" dirty="0"/>
               <a:t> </a:t>
             </a:r>
             <a:r>
-              <a:rPr kumimoji="1" lang="en-US" altLang="zh-CN" dirty="0" smtClean="0"/>
+              <a:rPr kumimoji="1" lang="en-US" altLang="zh-CN" dirty="0"/>
               <a:t>OSX.</a:t>
             </a:r>
           </a:p>
           <a:p>
             <a:r>
-              <a:rPr kumimoji="1" lang="en-US" altLang="zh-CN" dirty="0" smtClean="0"/>
+              <a:rPr kumimoji="1" lang="en-US" altLang="zh-CN" dirty="0"/>
               <a:t>One-hot</a:t>
             </a:r>
             <a:r>
-              <a:rPr kumimoji="1" lang="zh-CN" altLang="en-US" dirty="0" smtClean="0"/>
+              <a:rPr kumimoji="1" lang="zh-CN" altLang="en-US" dirty="0"/>
               <a:t> </a:t>
             </a:r>
             <a:r>
-              <a:rPr kumimoji="1" lang="en-US" altLang="zh-CN" dirty="0" smtClean="0"/>
+              <a:rPr kumimoji="1" lang="en-US" altLang="zh-CN" dirty="0"/>
               <a:t>Encoding</a:t>
             </a:r>
             <a:r>
-              <a:rPr kumimoji="1" lang="zh-CN" altLang="en-US" dirty="0" smtClean="0"/>
+              <a:rPr kumimoji="1" lang="zh-CN" altLang="en-US" dirty="0"/>
               <a:t>（独热编码）：</a:t>
             </a:r>
-            <a:endParaRPr kumimoji="1" lang="en-US" altLang="zh-CN" dirty="0" smtClean="0"/>
+            <a:endParaRPr kumimoji="1" lang="en-US" altLang="zh-CN" dirty="0"/>
           </a:p>
           <a:p>
             <a:pPr lvl="1"/>
             <a:r>
-              <a:rPr kumimoji="1" lang="zh-CN" altLang="en-US" dirty="0" smtClean="0"/>
+              <a:rPr kumimoji="1" lang="zh-CN" altLang="en-US" dirty="0"/>
               <a:t>将每个特征变为一个长度为</a:t>
             </a:r>
             <a:r>
-              <a:rPr kumimoji="1" lang="en-US" altLang="zh-CN" dirty="0" smtClean="0"/>
+              <a:rPr kumimoji="1" lang="en-US" altLang="zh-CN" dirty="0"/>
               <a:t>N</a:t>
             </a:r>
             <a:r>
-              <a:rPr kumimoji="1" lang="zh-CN" altLang="en-US" dirty="0" smtClean="0"/>
+              <a:rPr kumimoji="1" lang="zh-CN" altLang="en-US" dirty="0"/>
               <a:t>的向量，向量中只有一位为</a:t>
             </a:r>
             <a:r>
-              <a:rPr kumimoji="1" lang="en-US" altLang="zh-CN" dirty="0" smtClean="0"/>
+              <a:rPr kumimoji="1" lang="en-US" altLang="zh-CN" dirty="0"/>
               <a:t>1.</a:t>
             </a:r>
           </a:p>
           <a:p>
             <a:pPr lvl="1"/>
             <a:r>
-              <a:rPr kumimoji="1" lang="zh-CN" altLang="en-US" dirty="0" smtClean="0"/>
+              <a:rPr kumimoji="1" lang="zh-CN" altLang="en-US" dirty="0"/>
               <a:t>例如：</a:t>
             </a:r>
-            <a:endParaRPr kumimoji="1" lang="zh-CN" altLang="en-US" dirty="0"/>
           </a:p>
         </p:txBody>
       </p:sp>
@@ -24204,7 +24203,7 @@
             </a:pPr>
             <a:fld id="{95A2A19B-170D-1043-AE33-7A36DFB7BCDC}" type="datetime2">
               <a:rPr lang="zh-CN" altLang="en-US" smtClean="0"/>
-              <a:t>2018年7月7日</a:t>
+              <a:t>2018年7月8日</a:t>
             </a:fld>
             <a:endParaRPr lang="en-US" altLang="zh-CN"/>
           </a:p>
@@ -24229,7 +24228,7 @@
               <a:defRPr/>
             </a:pPr>
             <a:r>
-              <a:rPr lang="zh-CN" altLang="en-US" smtClean="0"/>
+              <a:rPr lang="zh-CN" altLang="en-US"/>
               <a:t>机器学习入门</a:t>
             </a:r>
             <a:endParaRPr lang="en-US" altLang="zh-CN" dirty="0"/>
@@ -24290,7 +24289,13 @@
                 <a:tableStyleId>{5C22544A-7EE6-4342-B048-85BDC9FD1C3A}</a:tableStyleId>
               </a:tblPr>
               <a:tblGrid>
-                <a:gridCol w="1002602"/>
+                <a:gridCol w="1002602">
+                  <a:extLst>
+                    <a:ext uri="{9D8B030D-6E8A-4147-A177-3AD203B41FA5}">
+                      <a16:colId xmlns:a16="http://schemas.microsoft.com/office/drawing/2014/main" val="20000"/>
+                    </a:ext>
+                  </a:extLst>
+                </a:gridCol>
               </a:tblGrid>
               <a:tr h="370840">
                 <a:tc>
@@ -24299,14 +24304,18 @@
                     <a:lstStyle/>
                     <a:p>
                       <a:r>
-                        <a:rPr lang="zh-CN" altLang="en-US" dirty="0" smtClean="0"/>
+                        <a:rPr lang="zh-CN" altLang="en-US" dirty="0"/>
                         <a:t>操作系统</a:t>
                       </a:r>
-                      <a:endParaRPr lang="zh-CN" altLang="en-US" dirty="0"/>
                     </a:p>
                   </a:txBody>
                   <a:tcPr/>
                 </a:tc>
+                <a:extLst>
+                  <a:ext uri="{0D108BD9-81ED-4DB2-BD59-A6C34878D82A}">
+                    <a16:rowId xmlns:a16="http://schemas.microsoft.com/office/drawing/2014/main" val="10000"/>
+                  </a:ext>
+                </a:extLst>
               </a:tr>
               <a:tr h="370840">
                 <a:tc>
@@ -24315,7 +24324,7 @@
                     <a:lstStyle/>
                     <a:p>
                       <a:r>
-                        <a:rPr lang="en-US" altLang="zh-CN" dirty="0" smtClean="0"/>
+                        <a:rPr lang="en-US" altLang="zh-CN" dirty="0"/>
                         <a:t>Windows</a:t>
                       </a:r>
                       <a:endParaRPr lang="zh-CN" altLang="en-US" dirty="0"/>
@@ -24323,6 +24332,11 @@
                   </a:txBody>
                   <a:tcPr/>
                 </a:tc>
+                <a:extLst>
+                  <a:ext uri="{0D108BD9-81ED-4DB2-BD59-A6C34878D82A}">
+                    <a16:rowId xmlns:a16="http://schemas.microsoft.com/office/drawing/2014/main" val="10001"/>
+                  </a:ext>
+                </a:extLst>
               </a:tr>
               <a:tr h="370840">
                 <a:tc>
@@ -24331,7 +24345,7 @@
                     <a:lstStyle/>
                     <a:p>
                       <a:r>
-                        <a:rPr lang="en-US" altLang="zh-CN" dirty="0" smtClean="0"/>
+                        <a:rPr lang="en-US" altLang="zh-CN" dirty="0"/>
                         <a:t>Linux</a:t>
                       </a:r>
                       <a:endParaRPr lang="zh-CN" altLang="en-US" dirty="0"/>
@@ -24339,6 +24353,11 @@
                   </a:txBody>
                   <a:tcPr/>
                 </a:tc>
+                <a:extLst>
+                  <a:ext uri="{0D108BD9-81ED-4DB2-BD59-A6C34878D82A}">
+                    <a16:rowId xmlns:a16="http://schemas.microsoft.com/office/drawing/2014/main" val="10002"/>
+                  </a:ext>
+                </a:extLst>
               </a:tr>
               <a:tr h="370840">
                 <a:tc>
@@ -24347,7 +24366,7 @@
                     <a:lstStyle/>
                     <a:p>
                       <a:r>
-                        <a:rPr lang="en-US" altLang="zh-CN" dirty="0" smtClean="0"/>
+                        <a:rPr lang="en-US" altLang="zh-CN" dirty="0"/>
                         <a:t>OSX</a:t>
                       </a:r>
                       <a:endParaRPr lang="zh-CN" altLang="en-US" dirty="0"/>
@@ -24355,6 +24374,11 @@
                   </a:txBody>
                   <a:tcPr/>
                 </a:tc>
+                <a:extLst>
+                  <a:ext uri="{0D108BD9-81ED-4DB2-BD59-A6C34878D82A}">
+                    <a16:rowId xmlns:a16="http://schemas.microsoft.com/office/drawing/2014/main" val="10003"/>
+                  </a:ext>
+                </a:extLst>
               </a:tr>
             </a:tbl>
           </a:graphicData>
@@ -24385,9 +24409,27 @@
                 <a:tableStyleId>{5C22544A-7EE6-4342-B048-85BDC9FD1C3A}</a:tableStyleId>
               </a:tblPr>
               <a:tblGrid>
-                <a:gridCol w="944917"/>
-                <a:gridCol w="944917"/>
-                <a:gridCol w="944917"/>
+                <a:gridCol w="944917">
+                  <a:extLst>
+                    <a:ext uri="{9D8B030D-6E8A-4147-A177-3AD203B41FA5}">
+                      <a16:colId xmlns:a16="http://schemas.microsoft.com/office/drawing/2014/main" val="20000"/>
+                    </a:ext>
+                  </a:extLst>
+                </a:gridCol>
+                <a:gridCol w="944917">
+                  <a:extLst>
+                    <a:ext uri="{9D8B030D-6E8A-4147-A177-3AD203B41FA5}">
+                      <a16:colId xmlns:a16="http://schemas.microsoft.com/office/drawing/2014/main" val="20001"/>
+                    </a:ext>
+                  </a:extLst>
+                </a:gridCol>
+                <a:gridCol w="944917">
+                  <a:extLst>
+                    <a:ext uri="{9D8B030D-6E8A-4147-A177-3AD203B41FA5}">
+                      <a16:colId xmlns:a16="http://schemas.microsoft.com/office/drawing/2014/main" val="20002"/>
+                    </a:ext>
+                  </a:extLst>
+                </a:gridCol>
               </a:tblGrid>
               <a:tr h="370840">
                 <a:tc>
@@ -24396,7 +24438,7 @@
                     <a:lstStyle/>
                     <a:p>
                       <a:r>
-                        <a:rPr lang="en-US" altLang="zh-CN" dirty="0" err="1" smtClean="0"/>
+                        <a:rPr lang="en-US" altLang="zh-CN" dirty="0" err="1"/>
                         <a:t>is_win</a:t>
                       </a:r>
                       <a:endParaRPr lang="zh-CN" altLang="en-US" dirty="0"/>
@@ -24410,7 +24452,7 @@
                     <a:lstStyle/>
                     <a:p>
                       <a:r>
-                        <a:rPr lang="en-US" altLang="zh-CN" dirty="0" err="1" smtClean="0"/>
+                        <a:rPr lang="en-US" altLang="zh-CN" dirty="0" err="1"/>
                         <a:t>is_linux</a:t>
                       </a:r>
                       <a:endParaRPr lang="zh-CN" altLang="en-US" dirty="0"/>
@@ -24424,7 +24466,7 @@
                     <a:lstStyle/>
                     <a:p>
                       <a:r>
-                        <a:rPr lang="en-US" altLang="zh-CN" dirty="0" err="1" smtClean="0"/>
+                        <a:rPr lang="en-US" altLang="zh-CN" dirty="0" err="1"/>
                         <a:t>is_osx</a:t>
                       </a:r>
                       <a:endParaRPr lang="zh-CN" altLang="en-US" dirty="0"/>
@@ -24432,6 +24474,11 @@
                   </a:txBody>
                   <a:tcPr/>
                 </a:tc>
+                <a:extLst>
+                  <a:ext uri="{0D108BD9-81ED-4DB2-BD59-A6C34878D82A}">
+                    <a16:rowId xmlns:a16="http://schemas.microsoft.com/office/drawing/2014/main" val="10000"/>
+                  </a:ext>
+                </a:extLst>
               </a:tr>
               <a:tr h="370840">
                 <a:tc>
@@ -24440,7 +24487,7 @@
                     <a:lstStyle/>
                     <a:p>
                       <a:r>
-                        <a:rPr lang="en-US" altLang="zh-CN" dirty="0" smtClean="0"/>
+                        <a:rPr lang="en-US" altLang="zh-CN" dirty="0"/>
                         <a:t>1</a:t>
                       </a:r>
                       <a:endParaRPr lang="zh-CN" altLang="en-US" dirty="0"/>
@@ -24454,7 +24501,7 @@
                     <a:lstStyle/>
                     <a:p>
                       <a:r>
-                        <a:rPr lang="en-US" altLang="zh-CN" dirty="0" smtClean="0"/>
+                        <a:rPr lang="en-US" altLang="zh-CN" dirty="0"/>
                         <a:t>0</a:t>
                       </a:r>
                       <a:endParaRPr lang="zh-CN" altLang="en-US" dirty="0"/>
@@ -24468,7 +24515,7 @@
                     <a:lstStyle/>
                     <a:p>
                       <a:r>
-                        <a:rPr lang="en-US" altLang="zh-CN" dirty="0" smtClean="0"/>
+                        <a:rPr lang="en-US" altLang="zh-CN" dirty="0"/>
                         <a:t>0</a:t>
                       </a:r>
                       <a:endParaRPr lang="zh-CN" altLang="en-US" dirty="0"/>
@@ -24476,6 +24523,11 @@
                   </a:txBody>
                   <a:tcPr/>
                 </a:tc>
+                <a:extLst>
+                  <a:ext uri="{0D108BD9-81ED-4DB2-BD59-A6C34878D82A}">
+                    <a16:rowId xmlns:a16="http://schemas.microsoft.com/office/drawing/2014/main" val="10001"/>
+                  </a:ext>
+                </a:extLst>
               </a:tr>
               <a:tr h="370840">
                 <a:tc>
@@ -24484,7 +24536,7 @@
                     <a:lstStyle/>
                     <a:p>
                       <a:r>
-                        <a:rPr lang="en-US" altLang="zh-CN" dirty="0" smtClean="0"/>
+                        <a:rPr lang="en-US" altLang="zh-CN" dirty="0"/>
                         <a:t>0</a:t>
                       </a:r>
                       <a:endParaRPr lang="zh-CN" altLang="en-US" dirty="0"/>
@@ -24498,7 +24550,7 @@
                     <a:lstStyle/>
                     <a:p>
                       <a:r>
-                        <a:rPr lang="en-US" altLang="zh-CN" dirty="0" smtClean="0"/>
+                        <a:rPr lang="en-US" altLang="zh-CN" dirty="0"/>
                         <a:t>1</a:t>
                       </a:r>
                       <a:endParaRPr lang="zh-CN" altLang="en-US" dirty="0"/>
@@ -24512,7 +24564,7 @@
                     <a:lstStyle/>
                     <a:p>
                       <a:r>
-                        <a:rPr lang="en-US" altLang="zh-CN" dirty="0" smtClean="0"/>
+                        <a:rPr lang="en-US" altLang="zh-CN" dirty="0"/>
                         <a:t>0</a:t>
                       </a:r>
                       <a:endParaRPr lang="zh-CN" altLang="en-US" dirty="0"/>
@@ -24520,6 +24572,11 @@
                   </a:txBody>
                   <a:tcPr/>
                 </a:tc>
+                <a:extLst>
+                  <a:ext uri="{0D108BD9-81ED-4DB2-BD59-A6C34878D82A}">
+                    <a16:rowId xmlns:a16="http://schemas.microsoft.com/office/drawing/2014/main" val="10002"/>
+                  </a:ext>
+                </a:extLst>
               </a:tr>
               <a:tr h="370840">
                 <a:tc>
@@ -24528,7 +24585,7 @@
                     <a:lstStyle/>
                     <a:p>
                       <a:r>
-                        <a:rPr lang="en-US" altLang="zh-CN" dirty="0" smtClean="0"/>
+                        <a:rPr lang="en-US" altLang="zh-CN" dirty="0"/>
                         <a:t>0</a:t>
                       </a:r>
                       <a:endParaRPr lang="zh-CN" altLang="en-US" dirty="0"/>
@@ -24542,7 +24599,7 @@
                     <a:lstStyle/>
                     <a:p>
                       <a:r>
-                        <a:rPr lang="en-US" altLang="zh-CN" dirty="0" smtClean="0"/>
+                        <a:rPr lang="en-US" altLang="zh-CN" dirty="0"/>
                         <a:t>0</a:t>
                       </a:r>
                       <a:endParaRPr lang="zh-CN" altLang="en-US" dirty="0"/>
@@ -24556,7 +24613,7 @@
                     <a:lstStyle/>
                     <a:p>
                       <a:r>
-                        <a:rPr lang="en-US" altLang="zh-CN" dirty="0" smtClean="0"/>
+                        <a:rPr lang="en-US" altLang="zh-CN" dirty="0"/>
                         <a:t>1</a:t>
                       </a:r>
                       <a:endParaRPr lang="zh-CN" altLang="en-US" dirty="0"/>
@@ -24564,6 +24621,11 @@
                   </a:txBody>
                   <a:tcPr/>
                 </a:tc>
+                <a:extLst>
+                  <a:ext uri="{0D108BD9-81ED-4DB2-BD59-A6C34878D82A}">
+                    <a16:rowId xmlns:a16="http://schemas.microsoft.com/office/drawing/2014/main" val="10003"/>
+                  </a:ext>
+                </a:extLst>
               </a:tr>
             </a:tbl>
           </a:graphicData>
@@ -24655,15 +24717,14 @@
           <a:lstStyle/>
           <a:p>
             <a:r>
-              <a:rPr kumimoji="1" lang="zh-CN" altLang="en-US" dirty="0" smtClean="0"/>
+              <a:rPr kumimoji="1" lang="zh-CN" altLang="en-US" dirty="0"/>
               <a:t>回归：模型评估</a:t>
             </a:r>
-            <a:endParaRPr kumimoji="1" lang="zh-CN" altLang="en-US" dirty="0"/>
           </a:p>
         </p:txBody>
       </p:sp>
-      <mc:AlternateContent xmlns:mc="http://schemas.openxmlformats.org/markup-compatibility/2006">
-        <mc:Choice xmlns:a14="http://schemas.microsoft.com/office/drawing/2010/main" Requires="a14">
+      <mc:AlternateContent xmlns:mc="http://schemas.openxmlformats.org/markup-compatibility/2006" xmlns:a14="http://schemas.microsoft.com/office/drawing/2010/main">
+        <mc:Choice Requires="a14">
           <p:sp>
             <p:nvSpPr>
               <p:cNvPr id="3" name="内容占位符 2"/>
@@ -24680,64 +24741,64 @@
               <a:lstStyle/>
               <a:p>
                 <a:r>
-                  <a:rPr kumimoji="1" lang="zh-CN" altLang="en-US" dirty="0" smtClean="0"/>
+                  <a:rPr kumimoji="1" lang="zh-CN" altLang="en-US" dirty="0"/>
                   <a:t>如何评估一个回归模型结果的好与坏？</a:t>
                 </a:r>
-                <a:endParaRPr kumimoji="1" lang="en-US" altLang="zh-CN" dirty="0" smtClean="0"/>
+                <a:endParaRPr kumimoji="1" lang="en-US" altLang="zh-CN" dirty="0"/>
               </a:p>
               <a:p>
                 <a:pPr lvl="1"/>
                 <a:r>
-                  <a:rPr kumimoji="1" lang="zh-CN" altLang="en-US" dirty="0" smtClean="0"/>
+                  <a:rPr kumimoji="1" lang="zh-CN" altLang="en-US" dirty="0"/>
                   <a:t>预测值与真实值越接近说明模型效果越好</a:t>
                 </a:r>
-                <a:endParaRPr kumimoji="1" lang="en-US" altLang="zh-CN" dirty="0" smtClean="0"/>
+                <a:endParaRPr kumimoji="1" lang="en-US" altLang="zh-CN" dirty="0"/>
               </a:p>
               <a:p>
                 <a:pPr lvl="1"/>
                 <a:endParaRPr kumimoji="1" lang="en-US" altLang="zh-CN" dirty="0"/>
               </a:p>
               <a:p>
-                <a:endParaRPr kumimoji="1" lang="en-US" altLang="zh-CN" dirty="0" smtClean="0"/>
+                <a:endParaRPr kumimoji="1" lang="en-US" altLang="zh-CN" dirty="0"/>
               </a:p>
               <a:p>
                 <a:r>
-                  <a:rPr kumimoji="1" lang="zh-CN" altLang="en-US" dirty="0" smtClean="0"/>
+                  <a:rPr kumimoji="1" lang="zh-CN" altLang="en-US" dirty="0"/>
                   <a:t>均方误差</a:t>
                 </a:r>
                 <a:r>
-                  <a:rPr kumimoji="1" lang="en-US" altLang="zh-CN" dirty="0" smtClean="0"/>
+                  <a:rPr kumimoji="1" lang="en-US" altLang="zh-CN" dirty="0"/>
                   <a:t>(Mean</a:t>
                 </a:r>
                 <a:r>
-                  <a:rPr kumimoji="1" lang="zh-CN" altLang="en-US" dirty="0" smtClean="0"/>
+                  <a:rPr kumimoji="1" lang="zh-CN" altLang="en-US" dirty="0"/>
                   <a:t> </a:t>
                 </a:r>
                 <a:r>
-                  <a:rPr kumimoji="1" lang="en-US" altLang="zh-CN" dirty="0" smtClean="0"/>
+                  <a:rPr kumimoji="1" lang="en-US" altLang="zh-CN" dirty="0"/>
                   <a:t>Squared</a:t>
                 </a:r>
                 <a:r>
-                  <a:rPr kumimoji="1" lang="zh-CN" altLang="en-US" dirty="0" smtClean="0"/>
+                  <a:rPr kumimoji="1" lang="zh-CN" altLang="en-US" dirty="0"/>
                   <a:t> </a:t>
                 </a:r>
                 <a:r>
-                  <a:rPr kumimoji="1" lang="en-US" altLang="zh-CN" dirty="0" smtClean="0"/>
+                  <a:rPr kumimoji="1" lang="en-US" altLang="zh-CN" dirty="0"/>
                   <a:t>Error,</a:t>
                 </a:r>
                 <a:r>
-                  <a:rPr kumimoji="1" lang="zh-CN" altLang="en-US" dirty="0" smtClean="0"/>
+                  <a:rPr kumimoji="1" lang="zh-CN" altLang="en-US" dirty="0"/>
                   <a:t> </a:t>
                 </a:r>
                 <a:r>
-                  <a:rPr kumimoji="1" lang="en-US" altLang="zh-CN" dirty="0" smtClean="0"/>
+                  <a:rPr kumimoji="1" lang="en-US" altLang="zh-CN" dirty="0"/>
                   <a:t>MSE)</a:t>
                 </a:r>
                 <a:r>
-                  <a:rPr kumimoji="1" lang="zh-CN" altLang="en-US" dirty="0" smtClean="0"/>
+                  <a:rPr kumimoji="1" lang="zh-CN" altLang="en-US" dirty="0"/>
                   <a:t>：</a:t>
                 </a:r>
-                <a:endParaRPr kumimoji="1" lang="en-US" altLang="zh-CN" dirty="0" smtClean="0"/>
+                <a:endParaRPr kumimoji="1" lang="en-US" altLang="zh-CN" dirty="0"/>
               </a:p>
               <a:p>
                 <a:pPr lvl="1"/>
@@ -24753,7 +24814,7 @@
                       <m:dPr>
                         <m:ctrlPr>
                           <a:rPr kumimoji="1" lang="en-US" altLang="zh-CN" b="0" i="1" dirty="0" smtClean="0">
-                            <a:latin typeface="Cambria Math" charset="0"/>
+                            <a:latin typeface="Cambria Math" panose="02040503050406030204" pitchFamily="18" charset="0"/>
                           </a:rPr>
                         </m:ctrlPr>
                       </m:dPr>
@@ -24781,7 +24842,7 @@
                             <m:chr m:val="̂"/>
                             <m:ctrlPr>
                               <a:rPr kumimoji="1" lang="en-US" altLang="zh-CN" b="0" i="1" dirty="0" smtClean="0">
-                                <a:latin typeface="Cambria Math" charset="0"/>
+                                <a:latin typeface="Cambria Math" panose="02040503050406030204" pitchFamily="18" charset="0"/>
                               </a:rPr>
                             </m:ctrlPr>
                           </m:accPr>
@@ -24806,7 +24867,7 @@
                       <m:fPr>
                         <m:ctrlPr>
                           <a:rPr kumimoji="1" lang="en-US" altLang="zh-CN" b="0" i="1" dirty="0" smtClean="0">
-                            <a:latin typeface="Cambria Math" charset="0"/>
+                            <a:latin typeface="Cambria Math" panose="02040503050406030204" pitchFamily="18" charset="0"/>
                           </a:rPr>
                         </m:ctrlPr>
                       </m:fPr>
@@ -24831,7 +24892,7 @@
                       <m:sSupPr>
                         <m:ctrlPr>
                           <a:rPr kumimoji="1" lang="en-US" altLang="zh-CN" b="0" i="1" dirty="0" smtClean="0">
-                            <a:latin typeface="Cambria Math" charset="0"/>
+                            <a:latin typeface="Cambria Math" panose="02040503050406030204" pitchFamily="18" charset="0"/>
                           </a:rPr>
                         </m:ctrlPr>
                       </m:sSupPr>
@@ -24842,7 +24903,7 @@
                             <m:endChr m:val="‖"/>
                             <m:ctrlPr>
                               <a:rPr kumimoji="1" lang="en-US" altLang="zh-CN" b="0" i="1" dirty="0" smtClean="0">
-                                <a:latin typeface="Cambria Math" charset="0"/>
+                                <a:latin typeface="Cambria Math" panose="02040503050406030204" pitchFamily="18" charset="0"/>
                               </a:rPr>
                             </m:ctrlPr>
                           </m:dPr>
@@ -24864,7 +24925,7 @@
                                 <m:chr m:val="̂"/>
                                 <m:ctrlPr>
                                   <a:rPr kumimoji="1" lang="en-US" altLang="zh-CN" b="0" i="1" dirty="0" smtClean="0">
-                                    <a:latin typeface="Cambria Math" charset="0"/>
+                                    <a:latin typeface="Cambria Math" panose="02040503050406030204" pitchFamily="18" charset="0"/>
                                   </a:rPr>
                                 </m:ctrlPr>
                               </m:accPr>
@@ -24899,7 +24960,7 @@
                       <m:fPr>
                         <m:ctrlPr>
                           <a:rPr kumimoji="1" lang="en-US" altLang="zh-CN" b="0" i="1" dirty="0" smtClean="0">
-                            <a:latin typeface="Cambria Math" charset="0"/>
+                            <a:latin typeface="Cambria Math" panose="02040503050406030204" pitchFamily="18" charset="0"/>
                           </a:rPr>
                         </m:ctrlPr>
                       </m:fPr>
@@ -24925,7 +24986,7 @@
                         <m:chr m:val="∑"/>
                         <m:ctrlPr>
                           <a:rPr kumimoji="1" lang="is-IS" altLang="zh-CN" b="0" i="1" dirty="0" smtClean="0">
-                            <a:latin typeface="Cambria Math" charset="0"/>
+                            <a:latin typeface="Cambria Math" panose="02040503050406030204" pitchFamily="18" charset="0"/>
                           </a:rPr>
                         </m:ctrlPr>
                       </m:naryPr>
@@ -24959,7 +25020,7 @@
                           <m:sSupPr>
                             <m:ctrlPr>
                               <a:rPr kumimoji="1" lang="en-US" altLang="zh-CN" b="0" i="1" dirty="0" smtClean="0">
-                                <a:latin typeface="Cambria Math" charset="0"/>
+                                <a:latin typeface="Cambria Math" panose="02040503050406030204" pitchFamily="18" charset="0"/>
                               </a:rPr>
                             </m:ctrlPr>
                           </m:sSupPr>
@@ -24968,7 +25029,7 @@
                               <m:dPr>
                                 <m:ctrlPr>
                                   <a:rPr kumimoji="1" lang="en-US" altLang="zh-CN" b="0" i="1" dirty="0" smtClean="0">
-                                    <a:latin typeface="Cambria Math" charset="0"/>
+                                    <a:latin typeface="Cambria Math" panose="02040503050406030204" pitchFamily="18" charset="0"/>
                                   </a:rPr>
                                 </m:ctrlPr>
                               </m:dPr>
@@ -24977,7 +25038,7 @@
                                   <m:sSupPr>
                                     <m:ctrlPr>
                                       <a:rPr kumimoji="1" lang="en-US" altLang="zh-CN" b="0" i="1" dirty="0" smtClean="0">
-                                        <a:latin typeface="Cambria Math" charset="0"/>
+                                        <a:latin typeface="Cambria Math" panose="02040503050406030204" pitchFamily="18" charset="0"/>
                                       </a:rPr>
                                     </m:ctrlPr>
                                   </m:sSupPr>
@@ -24994,7 +25055,7 @@
                                       <m:dPr>
                                         <m:ctrlPr>
                                           <a:rPr kumimoji="1" lang="en-US" altLang="zh-CN" b="0" i="1" dirty="0" smtClean="0">
-                                            <a:latin typeface="Cambria Math" charset="0"/>
+                                            <a:latin typeface="Cambria Math" panose="02040503050406030204" pitchFamily="18" charset="0"/>
                                           </a:rPr>
                                         </m:ctrlPr>
                                       </m:dPr>
@@ -25019,7 +25080,7 @@
                                   <m:sSupPr>
                                     <m:ctrlPr>
                                       <a:rPr kumimoji="1" lang="en-US" altLang="zh-CN" b="0" i="1" dirty="0" smtClean="0">
-                                        <a:latin typeface="Cambria Math" charset="0"/>
+                                        <a:latin typeface="Cambria Math" panose="02040503050406030204" pitchFamily="18" charset="0"/>
                                       </a:rPr>
                                     </m:ctrlPr>
                                   </m:sSupPr>
@@ -25029,7 +25090,7 @@
                                         <m:chr m:val="̂"/>
                                         <m:ctrlPr>
                                           <a:rPr kumimoji="1" lang="en-US" altLang="zh-CN" b="0" i="1" dirty="0" smtClean="0">
-                                            <a:latin typeface="Cambria Math" charset="0"/>
+                                            <a:latin typeface="Cambria Math" panose="02040503050406030204" pitchFamily="18" charset="0"/>
                                           </a:rPr>
                                         </m:ctrlPr>
                                       </m:accPr>
@@ -25048,7 +25109,7 @@
                                       <m:dPr>
                                         <m:ctrlPr>
                                           <a:rPr kumimoji="1" lang="en-US" altLang="zh-CN" b="0" i="1" dirty="0" smtClean="0">
-                                            <a:latin typeface="Cambria Math" charset="0"/>
+                                            <a:latin typeface="Cambria Math" panose="02040503050406030204" pitchFamily="18" charset="0"/>
                                           </a:rPr>
                                         </m:ctrlPr>
                                       </m:dPr>
@@ -25079,11 +25140,11 @@
                     </m:nary>
                   </m:oMath>
                 </a14:m>
-                <a:endParaRPr kumimoji="1" lang="en-US" altLang="zh-CN" dirty="0" smtClean="0"/>
+                <a:endParaRPr kumimoji="1" lang="en-US" altLang="zh-CN" dirty="0"/>
               </a:p>
               <a:p>
                 <a:pPr lvl="1"/>
-                <a:endParaRPr kumimoji="1" lang="en-US" altLang="zh-CN" dirty="0" smtClean="0"/>
+                <a:endParaRPr kumimoji="1" lang="en-US" altLang="zh-CN" dirty="0"/>
               </a:p>
               <a:p>
                 <a:endParaRPr kumimoji="1" lang="en-US" altLang="zh-CN" dirty="0"/>
@@ -25091,7 +25152,7 @@
             </p:txBody>
           </p:sp>
         </mc:Choice>
-        <mc:Fallback>
+        <mc:Fallback xmlns="">
           <p:sp>
             <p:nvSpPr>
               <p:cNvPr id="3" name="内容占位符 2"/>
@@ -25145,7 +25206,7 @@
             </a:pPr>
             <a:fld id="{95A2A19B-170D-1043-AE33-7A36DFB7BCDC}" type="datetime2">
               <a:rPr lang="zh-CN" altLang="en-US" smtClean="0"/>
-              <a:t>2018年7月7日</a:t>
+              <a:t>2018年7月8日</a:t>
             </a:fld>
             <a:endParaRPr lang="en-US" altLang="zh-CN"/>
           </a:p>
@@ -25170,7 +25231,7 @@
               <a:defRPr/>
             </a:pPr>
             <a:r>
-              <a:rPr lang="zh-CN" altLang="en-US" smtClean="0"/>
+              <a:rPr lang="zh-CN" altLang="en-US"/>
               <a:t>机器学习入门</a:t>
             </a:r>
             <a:endParaRPr lang="en-US" altLang="zh-CN" dirty="0"/>
@@ -25252,15 +25313,14 @@
           <a:lstStyle/>
           <a:p>
             <a:r>
-              <a:rPr kumimoji="1" lang="zh-CN" altLang="en-US" dirty="0" smtClean="0"/>
+              <a:rPr kumimoji="1" lang="zh-CN" altLang="en-US" dirty="0"/>
               <a:t>多项式回归</a:t>
             </a:r>
-            <a:endParaRPr kumimoji="1" lang="zh-CN" altLang="en-US" dirty="0"/>
           </a:p>
         </p:txBody>
       </p:sp>
-      <mc:AlternateContent xmlns:mc="http://schemas.openxmlformats.org/markup-compatibility/2006">
-        <mc:Choice xmlns:a14="http://schemas.microsoft.com/office/drawing/2010/main" Requires="a14">
+      <mc:AlternateContent xmlns:mc="http://schemas.openxmlformats.org/markup-compatibility/2006" xmlns:a14="http://schemas.microsoft.com/office/drawing/2010/main">
+        <mc:Choice Requires="a14">
           <p:sp>
             <p:nvSpPr>
               <p:cNvPr id="3" name="内容占位符 2"/>
@@ -25277,27 +25337,27 @@
               <a:lstStyle/>
               <a:p>
                 <a:r>
-                  <a:rPr kumimoji="1" lang="zh-CN" altLang="en-US" dirty="0" smtClean="0"/>
+                  <a:rPr kumimoji="1" lang="zh-CN" altLang="en-US" dirty="0"/>
                   <a:t>多项式回归：</a:t>
                 </a:r>
-                <a:endParaRPr kumimoji="1" lang="en-US" altLang="zh-CN" dirty="0" smtClean="0"/>
+                <a:endParaRPr kumimoji="1" lang="en-US" altLang="zh-CN" dirty="0"/>
               </a:p>
               <a:p>
                 <a:endParaRPr kumimoji="1" lang="en-US" altLang="zh-CN" dirty="0"/>
               </a:p>
               <a:p>
-                <a:endParaRPr kumimoji="1" lang="en-US" altLang="zh-CN" dirty="0" smtClean="0"/>
+                <a:endParaRPr kumimoji="1" lang="en-US" altLang="zh-CN" dirty="0"/>
               </a:p>
               <a:p>
-                <a:endParaRPr kumimoji="1" lang="en-US" altLang="zh-CN" dirty="0" smtClean="0"/>
+                <a:endParaRPr kumimoji="1" lang="en-US" altLang="zh-CN" dirty="0"/>
               </a:p>
               <a:p>
                 <a:r>
-                  <a:rPr kumimoji="1" lang="zh-CN" altLang="en-US" dirty="0" smtClean="0"/>
+                  <a:rPr kumimoji="1" lang="zh-CN" altLang="en-US" dirty="0"/>
                   <a:t>多项式回归可以转换为</a:t>
                 </a:r>
                 <a:r>
-                  <a:rPr kumimoji="1" lang="zh-CN" altLang="en-US" dirty="0" smtClean="0">
+                  <a:rPr kumimoji="1" lang="zh-CN" altLang="en-US" dirty="0">
                     <a:solidFill>
                       <a:srgbClr val="FF0000"/>
                     </a:solidFill>
@@ -25305,7 +25365,7 @@
                   <a:t>多元线性回归</a:t>
                 </a:r>
                 <a:r>
-                  <a:rPr kumimoji="1" lang="zh-CN" altLang="en-US" dirty="0" smtClean="0"/>
+                  <a:rPr kumimoji="1" lang="zh-CN" altLang="en-US" dirty="0"/>
                   <a:t>：将每个</a:t>
                 </a:r>
                 <a14:m>
@@ -25314,7 +25374,7 @@
                       <m:sSupPr>
                         <m:ctrlPr>
                           <a:rPr kumimoji="1" lang="en-US" altLang="zh-CN" sz="2000" i="1" dirty="0">
-                            <a:latin typeface="Cambria Math" charset="0"/>
+                            <a:latin typeface="Cambria Math" panose="02040503050406030204" pitchFamily="18" charset="0"/>
                           </a:rPr>
                         </m:ctrlPr>
                       </m:sSupPr>
@@ -25338,37 +25398,36 @@
                   </m:oMath>
                 </a14:m>
                 <a:r>
-                  <a:rPr kumimoji="1" lang="zh-CN" altLang="en-US" dirty="0" smtClean="0"/>
+                  <a:rPr kumimoji="1" lang="zh-CN" altLang="en-US" dirty="0"/>
                   <a:t>看成一个特征即可。</a:t>
                 </a:r>
-                <a:endParaRPr kumimoji="1" lang="en-US" altLang="zh-CN" dirty="0" smtClean="0"/>
+                <a:endParaRPr kumimoji="1" lang="en-US" altLang="zh-CN" dirty="0"/>
               </a:p>
               <a:p>
                 <a:endParaRPr kumimoji="1" lang="en-US" altLang="zh-CN" dirty="0"/>
               </a:p>
               <a:p>
                 <a:r>
-                  <a:rPr kumimoji="1" lang="en-US" altLang="zh-CN" dirty="0" smtClean="0"/>
+                  <a:rPr kumimoji="1" lang="en-US" altLang="zh-CN" dirty="0"/>
                   <a:t>k</a:t>
                 </a:r>
                 <a:r>
-                  <a:rPr kumimoji="1" lang="zh-CN" altLang="en-US" dirty="0" smtClean="0"/>
+                  <a:rPr kumimoji="1" lang="zh-CN" altLang="en-US" dirty="0"/>
                   <a:t>是超参数（</a:t>
                 </a:r>
                 <a:r>
-                  <a:rPr kumimoji="1" lang="en-US" altLang="zh-CN" dirty="0" smtClean="0"/>
+                  <a:rPr kumimoji="1" lang="en-US" altLang="zh-CN" dirty="0"/>
                   <a:t>super-parameter</a:t>
                 </a:r>
                 <a:r>
-                  <a:rPr kumimoji="1" lang="zh-CN" altLang="en-US" dirty="0" smtClean="0"/>
+                  <a:rPr kumimoji="1" lang="zh-CN" altLang="en-US" dirty="0"/>
                   <a:t>），需要手动调整。</a:t>
                 </a:r>
-                <a:endParaRPr kumimoji="1" lang="zh-CN" altLang="en-US" dirty="0"/>
               </a:p>
             </p:txBody>
           </p:sp>
         </mc:Choice>
-        <mc:Fallback>
+        <mc:Fallback xmlns="">
           <p:sp>
             <p:nvSpPr>
               <p:cNvPr id="3" name="内容占位符 2"/>
@@ -25422,7 +25481,7 @@
             </a:pPr>
             <a:fld id="{95A2A19B-170D-1043-AE33-7A36DFB7BCDC}" type="datetime2">
               <a:rPr lang="zh-CN" altLang="en-US" smtClean="0"/>
-              <a:t>2018年7月7日</a:t>
+              <a:t>2018年7月8日</a:t>
             </a:fld>
             <a:endParaRPr lang="en-US" altLang="zh-CN"/>
           </a:p>
@@ -25447,7 +25506,7 @@
               <a:defRPr/>
             </a:pPr>
             <a:r>
-              <a:rPr lang="zh-CN" altLang="en-US" smtClean="0"/>
+              <a:rPr lang="zh-CN" altLang="en-US"/>
               <a:t>机器学习入门</a:t>
             </a:r>
             <a:endParaRPr lang="en-US" altLang="zh-CN" dirty="0"/>
@@ -25483,8 +25542,8 @@
           </a:p>
         </p:txBody>
       </p:sp>
-      <mc:AlternateContent xmlns:mc="http://schemas.openxmlformats.org/markup-compatibility/2006">
-        <mc:Choice xmlns:a14="http://schemas.microsoft.com/office/drawing/2010/main" Requires="a14">
+      <mc:AlternateContent xmlns:mc="http://schemas.openxmlformats.org/markup-compatibility/2006" xmlns:a14="http://schemas.microsoft.com/office/drawing/2010/main">
+        <mc:Choice Requires="a14">
           <p:sp>
             <p:nvSpPr>
               <p:cNvPr id="7" name="矩形 6"/>
@@ -25506,6 +25565,7 @@
               </a:bodyPr>
               <a:lstStyle/>
               <a:p>
+                <a:pPr/>
                 <a14:m>
                   <m:oMathPara xmlns:m="http://schemas.openxmlformats.org/officeDocument/2006/math">
                     <m:oMathParaPr>
@@ -25522,7 +25582,7 @@
                         <m:dPr>
                           <m:ctrlPr>
                             <a:rPr kumimoji="1" lang="en-US" altLang="zh-CN" sz="2400" i="1" dirty="0">
-                              <a:latin typeface="Cambria Math" charset="0"/>
+                              <a:latin typeface="Cambria Math" panose="02040503050406030204" pitchFamily="18" charset="0"/>
                             </a:rPr>
                           </m:ctrlPr>
                         </m:dPr>
@@ -25557,7 +25617,7 @@
                         <m:sSubPr>
                           <m:ctrlPr>
                             <a:rPr kumimoji="1" lang="en-US" altLang="zh-CN" sz="2400" b="0" i="1" dirty="0" smtClean="0">
-                              <a:latin typeface="Cambria Math" charset="0"/>
+                              <a:latin typeface="Cambria Math" panose="02040503050406030204" pitchFamily="18" charset="0"/>
                             </a:rPr>
                           </m:ctrlPr>
                         </m:sSubPr>
@@ -25594,7 +25654,7 @@
                         <m:sSubPr>
                           <m:ctrlPr>
                             <a:rPr kumimoji="1" lang="en-US" altLang="zh-CN" sz="2400" b="0" i="1" dirty="0" smtClean="0">
-                              <a:latin typeface="Cambria Math" charset="0"/>
+                              <a:latin typeface="Cambria Math" panose="02040503050406030204" pitchFamily="18" charset="0"/>
                             </a:rPr>
                           </m:ctrlPr>
                         </m:sSubPr>
@@ -25619,7 +25679,7 @@
                         <m:sSupPr>
                           <m:ctrlPr>
                             <a:rPr kumimoji="1" lang="en-US" altLang="zh-CN" sz="2400" b="0" i="1" dirty="0" smtClean="0">
-                              <a:latin typeface="Cambria Math" charset="0"/>
+                              <a:latin typeface="Cambria Math" panose="02040503050406030204" pitchFamily="18" charset="0"/>
                             </a:rPr>
                           </m:ctrlPr>
                         </m:sSupPr>
@@ -25650,7 +25710,7 @@
                         <m:sSubPr>
                           <m:ctrlPr>
                             <a:rPr kumimoji="1" lang="en-US" altLang="zh-CN" sz="2400" b="0" i="1" dirty="0" smtClean="0">
-                              <a:latin typeface="Cambria Math" charset="0"/>
+                              <a:latin typeface="Cambria Math" panose="02040503050406030204" pitchFamily="18" charset="0"/>
                             </a:rPr>
                           </m:ctrlPr>
                         </m:sSubPr>
@@ -25675,7 +25735,7 @@
                         <m:sSupPr>
                           <m:ctrlPr>
                             <a:rPr kumimoji="1" lang="en-US" altLang="zh-CN" sz="2400" b="0" i="1" dirty="0" smtClean="0">
-                              <a:latin typeface="Cambria Math" charset="0"/>
+                              <a:latin typeface="Cambria Math" panose="02040503050406030204" pitchFamily="18" charset="0"/>
                             </a:rPr>
                           </m:ctrlPr>
                         </m:sSupPr>
@@ -25706,7 +25766,7 @@
                         <m:sSubPr>
                           <m:ctrlPr>
                             <a:rPr kumimoji="1" lang="en-US" altLang="zh-CN" sz="2400" b="0" i="1" dirty="0" smtClean="0">
-                              <a:latin typeface="Cambria Math" charset="0"/>
+                              <a:latin typeface="Cambria Math" panose="02040503050406030204" pitchFamily="18" charset="0"/>
                             </a:rPr>
                           </m:ctrlPr>
                         </m:sSubPr>
@@ -25731,7 +25791,7 @@
                         <m:sSupPr>
                           <m:ctrlPr>
                             <a:rPr kumimoji="1" lang="en-US" altLang="zh-CN" sz="2400" b="0" i="1" dirty="0" smtClean="0">
-                              <a:latin typeface="Cambria Math" charset="0"/>
+                              <a:latin typeface="Cambria Math" panose="02040503050406030204" pitchFamily="18" charset="0"/>
                             </a:rPr>
                           </m:ctrlPr>
                         </m:sSupPr>
@@ -25760,7 +25820,7 @@
             </p:txBody>
           </p:sp>
         </mc:Choice>
-        <mc:Fallback>
+        <mc:Fallback xmlns="">
           <p:sp>
             <p:nvSpPr>
               <p:cNvPr id="7" name="矩形 6"/>
@@ -25829,6 +25889,274 @@
           <a:chExt cx="0" cy="0"/>
         </a:xfrm>
       </p:grpSpPr>
+      <p:sp>
+        <p:nvSpPr>
+          <p:cNvPr id="13" name="内容占位符 2">
+            <a:extLst>
+              <a:ext uri="{FF2B5EF4-FFF2-40B4-BE49-F238E27FC236}">
+                <a16:creationId xmlns:a16="http://schemas.microsoft.com/office/drawing/2014/main" id="{AB94BA26-996E-4E3D-A935-7825752389CB}"/>
+              </a:ext>
+            </a:extLst>
+          </p:cNvPr>
+          <p:cNvSpPr txBox="1">
+            <a:spLocks/>
+          </p:cNvSpPr>
+          <p:nvPr/>
+        </p:nvSpPr>
+        <p:spPr bwMode="auto">
+          <a:xfrm>
+            <a:off x="755651" y="1052516"/>
+            <a:ext cx="10668000" cy="4967287"/>
+          </a:xfrm>
+          <a:prstGeom prst="rect">
+            <a:avLst/>
+          </a:prstGeom>
+          <a:noFill/>
+          <a:ln>
+            <a:noFill/>
+          </a:ln>
+          <a:effectLst/>
+          <a:extLst>
+            <a:ext uri="{909E8E84-426E-40DD-AFC4-6F175D3DCCD1}">
+              <a14:hiddenFill xmlns:a14="http://schemas.microsoft.com/office/drawing/2010/main">
+                <a:solidFill>
+                  <a:schemeClr val="accent1"/>
+                </a:solidFill>
+              </a14:hiddenFill>
+            </a:ext>
+            <a:ext uri="{91240B29-F687-4F45-9708-019B960494DF}">
+              <a14:hiddenLine xmlns:a14="http://schemas.microsoft.com/office/drawing/2010/main" w="9525">
+                <a:solidFill>
+                  <a:schemeClr val="tx1"/>
+                </a:solidFill>
+                <a:miter lim="800000"/>
+                <a:headEnd/>
+                <a:tailEnd/>
+              </a14:hiddenLine>
+            </a:ext>
+            <a:ext uri="{AF507438-7753-43E0-B8FC-AC1667EBCBE1}">
+              <a14:hiddenEffects xmlns:a14="http://schemas.microsoft.com/office/drawing/2010/main">
+                <a:effectLst>
+                  <a:outerShdw dist="35921" dir="2700000" algn="ctr" rotWithShape="0">
+                    <a:schemeClr val="bg2"/>
+                  </a:outerShdw>
+                </a:effectLst>
+              </a14:hiddenEffects>
+            </a:ext>
+          </a:extLst>
+        </p:spPr>
+        <p:txBody>
+          <a:bodyPr vert="horz" wrap="square" lIns="91440" tIns="45720" rIns="91440" bIns="45720" numCol="1" anchor="t" anchorCtr="0" compatLnSpc="1">
+            <a:prstTxWarp prst="textNoShape">
+              <a:avLst/>
+            </a:prstTxWarp>
+          </a:bodyPr>
+          <a:lstStyle>
+            <a:lvl1pPr marL="352425" indent="-352425" algn="l" rtl="0" eaLnBrk="0" fontAlgn="base" hangingPunct="0">
+              <a:spcBef>
+                <a:spcPct val="20000"/>
+              </a:spcBef>
+              <a:spcAft>
+                <a:spcPct val="0"/>
+              </a:spcAft>
+              <a:buClr>
+                <a:schemeClr val="accent2"/>
+              </a:buClr>
+              <a:buFont typeface="Wingdings" panose="05000000000000000000" pitchFamily="2" charset="2"/>
+              <a:buChar char="o"/>
+              <a:defRPr sz="2250" kern="1200">
+                <a:solidFill>
+                  <a:schemeClr val="tx1"/>
+                </a:solidFill>
+                <a:latin typeface="+mn-lt"/>
+                <a:ea typeface="+mn-ea"/>
+                <a:cs typeface="+mn-cs"/>
+              </a:defRPr>
+            </a:lvl1pPr>
+            <a:lvl2pPr marL="681038" indent="-327422" algn="l" rtl="0" eaLnBrk="0" fontAlgn="base" hangingPunct="0">
+              <a:spcBef>
+                <a:spcPct val="20000"/>
+              </a:spcBef>
+              <a:spcAft>
+                <a:spcPct val="0"/>
+              </a:spcAft>
+              <a:buClr>
+                <a:schemeClr val="accent2"/>
+              </a:buClr>
+              <a:buFont typeface="Wingdings" panose="05000000000000000000" pitchFamily="2" charset="2"/>
+              <a:buChar char="n"/>
+              <a:defRPr sz="1950" kern="1200">
+                <a:solidFill>
+                  <a:schemeClr val="tx1"/>
+                </a:solidFill>
+                <a:latin typeface="+mn-lt"/>
+                <a:ea typeface="+mn-ea"/>
+                <a:cs typeface="+mn-cs"/>
+              </a:defRPr>
+            </a:lvl2pPr>
+            <a:lvl3pPr marL="978694" indent="-296466" algn="l" rtl="0" eaLnBrk="0" fontAlgn="base" hangingPunct="0">
+              <a:spcBef>
+                <a:spcPct val="20000"/>
+              </a:spcBef>
+              <a:spcAft>
+                <a:spcPct val="0"/>
+              </a:spcAft>
+              <a:buClr>
+                <a:schemeClr val="accent2"/>
+              </a:buClr>
+              <a:buFont typeface="Wingdings" panose="05000000000000000000" pitchFamily="2" charset="2"/>
+              <a:buChar char="o"/>
+              <a:defRPr sz="1725" kern="1200">
+                <a:solidFill>
+                  <a:schemeClr val="tx1"/>
+                </a:solidFill>
+                <a:latin typeface="+mn-lt"/>
+                <a:ea typeface="+mn-ea"/>
+                <a:cs typeface="+mn-cs"/>
+              </a:defRPr>
+            </a:lvl3pPr>
+            <a:lvl4pPr marL="1270397" indent="-290513" algn="l" rtl="0" eaLnBrk="0" fontAlgn="base" hangingPunct="0">
+              <a:spcBef>
+                <a:spcPct val="20000"/>
+              </a:spcBef>
+              <a:spcAft>
+                <a:spcPct val="0"/>
+              </a:spcAft>
+              <a:buClr>
+                <a:schemeClr val="accent2"/>
+              </a:buClr>
+              <a:buFont typeface="Wingdings" panose="05000000000000000000" pitchFamily="2" charset="2"/>
+              <a:buChar char="n"/>
+              <a:defRPr sz="1500" kern="1200">
+                <a:solidFill>
+                  <a:schemeClr val="tx1"/>
+                </a:solidFill>
+                <a:latin typeface="+mn-lt"/>
+                <a:ea typeface="+mn-ea"/>
+                <a:cs typeface="+mn-cs"/>
+              </a:defRPr>
+            </a:lvl4pPr>
+            <a:lvl5pPr marL="1570435" indent="-298847" algn="l" rtl="0" eaLnBrk="0" fontAlgn="base" hangingPunct="0">
+              <a:spcBef>
+                <a:spcPct val="25000"/>
+              </a:spcBef>
+              <a:spcAft>
+                <a:spcPct val="0"/>
+              </a:spcAft>
+              <a:buClr>
+                <a:schemeClr val="accent2"/>
+              </a:buClr>
+              <a:buFont typeface="Wingdings" panose="05000000000000000000" pitchFamily="2" charset="2"/>
+              <a:buChar char="§"/>
+              <a:defRPr sz="1500" kern="1200">
+                <a:solidFill>
+                  <a:schemeClr val="tx1"/>
+                </a:solidFill>
+                <a:latin typeface="+mn-lt"/>
+                <a:ea typeface="+mn-ea"/>
+                <a:cs typeface="+mn-cs"/>
+              </a:defRPr>
+            </a:lvl5pPr>
+            <a:lvl6pPr marL="1885950" indent="-171450" algn="l" defTabSz="685800" rtl="0" eaLnBrk="1" latinLnBrk="0" hangingPunct="1">
+              <a:lnSpc>
+                <a:spcPct val="90000"/>
+              </a:lnSpc>
+              <a:spcBef>
+                <a:spcPts val="375"/>
+              </a:spcBef>
+              <a:buFont typeface="Arial" panose="020B0604020202020204" pitchFamily="34" charset="0"/>
+              <a:buChar char="•"/>
+              <a:defRPr sz="1350" kern="1200">
+                <a:solidFill>
+                  <a:schemeClr val="tx1"/>
+                </a:solidFill>
+                <a:latin typeface="+mn-lt"/>
+                <a:ea typeface="+mn-ea"/>
+                <a:cs typeface="+mn-cs"/>
+              </a:defRPr>
+            </a:lvl6pPr>
+            <a:lvl7pPr marL="2228850" indent="-171450" algn="l" defTabSz="685800" rtl="0" eaLnBrk="1" latinLnBrk="0" hangingPunct="1">
+              <a:lnSpc>
+                <a:spcPct val="90000"/>
+              </a:lnSpc>
+              <a:spcBef>
+                <a:spcPts val="375"/>
+              </a:spcBef>
+              <a:buFont typeface="Arial" panose="020B0604020202020204" pitchFamily="34" charset="0"/>
+              <a:buChar char="•"/>
+              <a:defRPr sz="1350" kern="1200">
+                <a:solidFill>
+                  <a:schemeClr val="tx1"/>
+                </a:solidFill>
+                <a:latin typeface="+mn-lt"/>
+                <a:ea typeface="+mn-ea"/>
+                <a:cs typeface="+mn-cs"/>
+              </a:defRPr>
+            </a:lvl7pPr>
+            <a:lvl8pPr marL="2571750" indent="-171450" algn="l" defTabSz="685800" rtl="0" eaLnBrk="1" latinLnBrk="0" hangingPunct="1">
+              <a:lnSpc>
+                <a:spcPct val="90000"/>
+              </a:lnSpc>
+              <a:spcBef>
+                <a:spcPts val="375"/>
+              </a:spcBef>
+              <a:buFont typeface="Arial" panose="020B0604020202020204" pitchFamily="34" charset="0"/>
+              <a:buChar char="•"/>
+              <a:defRPr sz="1350" kern="1200">
+                <a:solidFill>
+                  <a:schemeClr val="tx1"/>
+                </a:solidFill>
+                <a:latin typeface="+mn-lt"/>
+                <a:ea typeface="+mn-ea"/>
+                <a:cs typeface="+mn-cs"/>
+              </a:defRPr>
+            </a:lvl8pPr>
+            <a:lvl9pPr marL="2914650" indent="-171450" algn="l" defTabSz="685800" rtl="0" eaLnBrk="1" latinLnBrk="0" hangingPunct="1">
+              <a:lnSpc>
+                <a:spcPct val="90000"/>
+              </a:lnSpc>
+              <a:spcBef>
+                <a:spcPts val="375"/>
+              </a:spcBef>
+              <a:buFont typeface="Arial" panose="020B0604020202020204" pitchFamily="34" charset="0"/>
+              <a:buChar char="•"/>
+              <a:defRPr sz="1350" kern="1200">
+                <a:solidFill>
+                  <a:schemeClr val="tx1"/>
+                </a:solidFill>
+                <a:latin typeface="+mn-lt"/>
+                <a:ea typeface="+mn-ea"/>
+                <a:cs typeface="+mn-cs"/>
+              </a:defRPr>
+            </a:lvl9pPr>
+          </a:lstStyle>
+          <a:p>
+            <a:r>
+              <a:rPr kumimoji="1" lang="zh-CN" altLang="en-US" dirty="0"/>
+              <a:t>过拟合：如果数据有过多的特征，学习出来的模型可能会在训练集上“</a:t>
+            </a:r>
+            <a:r>
+              <a:rPr kumimoji="1" lang="zh-CN" altLang="en-US" dirty="0">
+                <a:solidFill>
+                  <a:srgbClr val="FF0000"/>
+                </a:solidFill>
+              </a:rPr>
+              <a:t>完美</a:t>
+            </a:r>
+            <a:r>
+              <a:rPr kumimoji="1" lang="zh-CN" altLang="en-US" dirty="0"/>
+              <a:t>”拟合，但对于测试集之外的数据则表现极差。</a:t>
+            </a:r>
+            <a:endParaRPr kumimoji="1" lang="en-US" altLang="zh-CN" dirty="0"/>
+          </a:p>
+          <a:p>
+            <a:r>
+              <a:rPr kumimoji="1" lang="zh-CN" altLang="en-US" dirty="0"/>
+              <a:t>一般来说，过拟合表示在当前的数据规模上选择了过于复杂的模型</a:t>
+            </a:r>
+          </a:p>
+        </p:txBody>
+      </p:sp>
       <p:pic>
         <p:nvPicPr>
           <p:cNvPr id="12" name="内容占位符 11"/>
@@ -25853,7 +26181,7 @@
         </p:blipFill>
         <p:spPr>
           <a:xfrm>
-            <a:off x="4300694" y="3625607"/>
+            <a:off x="923922" y="3256820"/>
             <a:ext cx="2960147" cy="1973431"/>
           </a:xfrm>
         </p:spPr>
@@ -25874,10 +26202,9 @@
           <a:lstStyle/>
           <a:p>
             <a:r>
-              <a:rPr kumimoji="1" lang="zh-CN" altLang="en-US" dirty="0" smtClean="0"/>
-              <a:t>正则化</a:t>
-            </a:r>
-            <a:endParaRPr kumimoji="1" lang="zh-CN" altLang="en-US" dirty="0"/>
+              <a:rPr kumimoji="1" lang="zh-CN" altLang="en-US" dirty="0"/>
+              <a:t>过拟合与正则化</a:t>
+            </a:r>
           </a:p>
         </p:txBody>
       </p:sp>
@@ -25901,7 +26228,7 @@
             </a:pPr>
             <a:fld id="{95A2A19B-170D-1043-AE33-7A36DFB7BCDC}" type="datetime2">
               <a:rPr lang="zh-CN" altLang="en-US" smtClean="0"/>
-              <a:t>2018年7月7日</a:t>
+              <a:t>2018年7月8日</a:t>
             </a:fld>
             <a:endParaRPr lang="en-US" altLang="zh-CN"/>
           </a:p>
@@ -25926,7 +26253,7 @@
               <a:defRPr/>
             </a:pPr>
             <a:r>
-              <a:rPr lang="zh-CN" altLang="en-US" smtClean="0"/>
+              <a:rPr lang="zh-CN" altLang="en-US"/>
               <a:t>机器学习入门</a:t>
             </a:r>
             <a:endParaRPr lang="en-US" altLang="zh-CN" dirty="0"/>
@@ -25984,8 +26311,8 @@
         </p:blipFill>
         <p:spPr>
           <a:xfrm>
-            <a:off x="426182" y="1492844"/>
-            <a:ext cx="3199145" cy="2132763"/>
+            <a:off x="8085710" y="3256819"/>
+            <a:ext cx="2960147" cy="1973431"/>
           </a:xfrm>
           <a:prstGeom prst="rect">
             <a:avLst/>
@@ -25994,7 +26321,7 @@
       </p:pic>
       <p:pic>
         <p:nvPicPr>
-          <p:cNvPr id="9" name="图片 8"/>
+          <p:cNvPr id="10" name="图片 9"/>
           <p:cNvPicPr>
             <a:picLocks noChangeAspect="1"/>
           </p:cNvPicPr>
@@ -26014,48 +26341,420 @@
         </p:blipFill>
         <p:spPr>
           <a:xfrm>
-            <a:off x="7422847" y="1964122"/>
-            <a:ext cx="3049716" cy="2033144"/>
+            <a:off x="4504816" y="3256819"/>
+            <a:ext cx="2960147" cy="1973432"/>
           </a:xfrm>
           <a:prstGeom prst="rect">
             <a:avLst/>
           </a:prstGeom>
         </p:spPr>
       </p:pic>
-      <p:pic>
-        <p:nvPicPr>
-          <p:cNvPr id="10" name="图片 9"/>
-          <p:cNvPicPr>
-            <a:picLocks noChangeAspect="1"/>
-          </p:cNvPicPr>
-          <p:nvPr/>
-        </p:nvPicPr>
-        <p:blipFill>
-          <a:blip r:embed="rId5">
+      <p:sp>
+        <p:nvSpPr>
+          <p:cNvPr id="3" name="文本框 2">
             <a:extLst>
-              <a:ext uri="{28A0092B-C50C-407E-A947-70E740481C1C}">
-                <a14:useLocalDpi xmlns:a14="http://schemas.microsoft.com/office/drawing/2010/main" val="0"/>
+              <a:ext uri="{FF2B5EF4-FFF2-40B4-BE49-F238E27FC236}">
+                <a16:creationId xmlns:a16="http://schemas.microsoft.com/office/drawing/2014/main" id="{D6DF6CC3-80FA-4E22-AE87-111A8459A08A}"/>
               </a:ext>
             </a:extLst>
-          </a:blip>
-          <a:stretch>
-            <a:fillRect/>
-          </a:stretch>
-        </p:blipFill>
+          </p:cNvPr>
+          <p:cNvSpPr txBox="1"/>
+          <p:nvPr/>
+        </p:nvSpPr>
         <p:spPr>
           <a:xfrm>
-            <a:off x="755651" y="3945376"/>
-            <a:ext cx="3111640" cy="2074427"/>
+            <a:off x="923922" y="5419288"/>
+            <a:ext cx="2960147" cy="369332"/>
           </a:xfrm>
           <a:prstGeom prst="rect">
             <a:avLst/>
           </a:prstGeom>
+          <a:noFill/>
         </p:spPr>
-      </p:pic>
+        <p:txBody>
+          <a:bodyPr wrap="square" rtlCol="0">
+            <a:spAutoFit/>
+          </a:bodyPr>
+          <a:lstStyle/>
+          <a:p>
+            <a:pPr algn="ctr"/>
+            <a:r>
+              <a:rPr lang="zh-CN" altLang="en-US" dirty="0"/>
+              <a:t>欠拟合</a:t>
+            </a:r>
+            <a:r>
+              <a:rPr lang="en-US" altLang="zh-CN" dirty="0"/>
+              <a:t>(Underfit)</a:t>
+            </a:r>
+            <a:endParaRPr lang="zh-CN" altLang="en-US" dirty="0"/>
+          </a:p>
+        </p:txBody>
+      </p:sp>
+      <p:sp>
+        <p:nvSpPr>
+          <p:cNvPr id="11" name="文本框 10">
+            <a:extLst>
+              <a:ext uri="{FF2B5EF4-FFF2-40B4-BE49-F238E27FC236}">
+                <a16:creationId xmlns:a16="http://schemas.microsoft.com/office/drawing/2014/main" id="{9197B2FD-B689-4F20-AA7E-9FE00BE06238}"/>
+              </a:ext>
+            </a:extLst>
+          </p:cNvPr>
+          <p:cNvSpPr txBox="1"/>
+          <p:nvPr/>
+        </p:nvSpPr>
+        <p:spPr>
+          <a:xfrm>
+            <a:off x="8085710" y="5419288"/>
+            <a:ext cx="2960147" cy="369332"/>
+          </a:xfrm>
+          <a:prstGeom prst="rect">
+            <a:avLst/>
+          </a:prstGeom>
+          <a:noFill/>
+        </p:spPr>
+        <p:txBody>
+          <a:bodyPr wrap="square" rtlCol="0">
+            <a:spAutoFit/>
+          </a:bodyPr>
+          <a:lstStyle/>
+          <a:p>
+            <a:pPr algn="ctr"/>
+            <a:r>
+              <a:rPr lang="zh-CN" altLang="en-US" dirty="0"/>
+              <a:t>过拟合</a:t>
+            </a:r>
+            <a:r>
+              <a:rPr lang="en-US" altLang="zh-CN" dirty="0"/>
+              <a:t>(Overfit)</a:t>
+            </a:r>
+            <a:endParaRPr lang="zh-CN" altLang="en-US" dirty="0"/>
+          </a:p>
+        </p:txBody>
+      </p:sp>
+      <p:sp>
+        <p:nvSpPr>
+          <p:cNvPr id="14" name="文本框 13">
+            <a:extLst>
+              <a:ext uri="{FF2B5EF4-FFF2-40B4-BE49-F238E27FC236}">
+                <a16:creationId xmlns:a16="http://schemas.microsoft.com/office/drawing/2014/main" id="{168DD817-169F-446A-9D68-16B3139D9F70}"/>
+              </a:ext>
+            </a:extLst>
+          </p:cNvPr>
+          <p:cNvSpPr txBox="1"/>
+          <p:nvPr/>
+        </p:nvSpPr>
+        <p:spPr>
+          <a:xfrm>
+            <a:off x="923921" y="2597348"/>
+            <a:ext cx="2960147" cy="369332"/>
+          </a:xfrm>
+          <a:prstGeom prst="rect">
+            <a:avLst/>
+          </a:prstGeom>
+          <a:noFill/>
+        </p:spPr>
+        <p:txBody>
+          <a:bodyPr wrap="square" rtlCol="0">
+            <a:spAutoFit/>
+          </a:bodyPr>
+          <a:lstStyle/>
+          <a:p>
+            <a:pPr algn="ctr"/>
+            <a:r>
+              <a:rPr lang="en-US" altLang="zh-CN" dirty="0"/>
+              <a:t>k=1</a:t>
+            </a:r>
+            <a:endParaRPr lang="zh-CN" altLang="en-US" dirty="0"/>
+          </a:p>
+        </p:txBody>
+      </p:sp>
+      <p:sp>
+        <p:nvSpPr>
+          <p:cNvPr id="15" name="文本框 14">
+            <a:extLst>
+              <a:ext uri="{FF2B5EF4-FFF2-40B4-BE49-F238E27FC236}">
+                <a16:creationId xmlns:a16="http://schemas.microsoft.com/office/drawing/2014/main" id="{0E9312B2-4BB3-49DB-AC66-BBC929AC9802}"/>
+              </a:ext>
+            </a:extLst>
+          </p:cNvPr>
+          <p:cNvSpPr txBox="1"/>
+          <p:nvPr/>
+        </p:nvSpPr>
+        <p:spPr>
+          <a:xfrm>
+            <a:off x="4504815" y="2597348"/>
+            <a:ext cx="2960147" cy="369332"/>
+          </a:xfrm>
+          <a:prstGeom prst="rect">
+            <a:avLst/>
+          </a:prstGeom>
+          <a:noFill/>
+        </p:spPr>
+        <p:txBody>
+          <a:bodyPr wrap="square" rtlCol="0">
+            <a:spAutoFit/>
+          </a:bodyPr>
+          <a:lstStyle/>
+          <a:p>
+            <a:pPr algn="ctr"/>
+            <a:r>
+              <a:rPr lang="en-US" altLang="zh-CN" dirty="0"/>
+              <a:t>k=5</a:t>
+            </a:r>
+            <a:endParaRPr lang="zh-CN" altLang="en-US" dirty="0"/>
+          </a:p>
+        </p:txBody>
+      </p:sp>
+      <p:sp>
+        <p:nvSpPr>
+          <p:cNvPr id="16" name="文本框 15">
+            <a:extLst>
+              <a:ext uri="{FF2B5EF4-FFF2-40B4-BE49-F238E27FC236}">
+                <a16:creationId xmlns:a16="http://schemas.microsoft.com/office/drawing/2014/main" id="{13EE61D8-7E7E-4604-9D27-6D684C97703D}"/>
+              </a:ext>
+            </a:extLst>
+          </p:cNvPr>
+          <p:cNvSpPr txBox="1"/>
+          <p:nvPr/>
+        </p:nvSpPr>
+        <p:spPr>
+          <a:xfrm>
+            <a:off x="8026400" y="2597347"/>
+            <a:ext cx="2960147" cy="369332"/>
+          </a:xfrm>
+          <a:prstGeom prst="rect">
+            <a:avLst/>
+          </a:prstGeom>
+          <a:noFill/>
+        </p:spPr>
+        <p:txBody>
+          <a:bodyPr wrap="square" rtlCol="0">
+            <a:spAutoFit/>
+          </a:bodyPr>
+          <a:lstStyle/>
+          <a:p>
+            <a:pPr algn="ctr"/>
+            <a:r>
+              <a:rPr lang="en-US" altLang="zh-CN" dirty="0"/>
+              <a:t>k=9</a:t>
+            </a:r>
+            <a:endParaRPr lang="zh-CN" altLang="en-US" dirty="0"/>
+          </a:p>
+        </p:txBody>
+      </p:sp>
     </p:spTree>
     <p:extLst>
       <p:ext uri="{BB962C8B-B14F-4D97-AF65-F5344CB8AC3E}">
         <p14:creationId xmlns:p14="http://schemas.microsoft.com/office/powerpoint/2010/main" val="1533723241"/>
+      </p:ext>
+    </p:extLst>
+  </p:cSld>
+  <p:clrMapOvr>
+    <a:masterClrMapping/>
+  </p:clrMapOvr>
+</p:sld>
+</file>
+
+<file path=ppt/slides/slide36.xml><?xml version="1.0" encoding="utf-8"?>
+<p:sld xmlns:a="http://schemas.openxmlformats.org/drawingml/2006/main" xmlns:r="http://schemas.openxmlformats.org/officeDocument/2006/relationships" xmlns:p="http://schemas.openxmlformats.org/presentationml/2006/main">
+  <p:cSld>
+    <p:spTree>
+      <p:nvGrpSpPr>
+        <p:cNvPr id="1" name=""/>
+        <p:cNvGrpSpPr/>
+        <p:nvPr/>
+      </p:nvGrpSpPr>
+      <p:grpSpPr>
+        <a:xfrm>
+          <a:off x="0" y="0"/>
+          <a:ext cx="0" cy="0"/>
+          <a:chOff x="0" y="0"/>
+          <a:chExt cx="0" cy="0"/>
+        </a:xfrm>
+      </p:grpSpPr>
+      <p:sp>
+        <p:nvSpPr>
+          <p:cNvPr id="2" name="标题 1">
+            <a:extLst>
+              <a:ext uri="{FF2B5EF4-FFF2-40B4-BE49-F238E27FC236}">
+                <a16:creationId xmlns:a16="http://schemas.microsoft.com/office/drawing/2014/main" id="{98BBBC75-7127-4920-853C-5C193391D8BB}"/>
+              </a:ext>
+            </a:extLst>
+          </p:cNvPr>
+          <p:cNvSpPr>
+            <a:spLocks noGrp="1"/>
+          </p:cNvSpPr>
+          <p:nvPr>
+            <p:ph type="title"/>
+          </p:nvPr>
+        </p:nvSpPr>
+        <p:spPr/>
+        <p:txBody>
+          <a:bodyPr/>
+          <a:lstStyle/>
+          <a:p>
+            <a:r>
+              <a:rPr lang="zh-CN" altLang="en-US" dirty="0"/>
+              <a:t>过拟合与正则化</a:t>
+            </a:r>
+          </a:p>
+        </p:txBody>
+      </p:sp>
+      <p:sp>
+        <p:nvSpPr>
+          <p:cNvPr id="3" name="内容占位符 2">
+            <a:extLst>
+              <a:ext uri="{FF2B5EF4-FFF2-40B4-BE49-F238E27FC236}">
+                <a16:creationId xmlns:a16="http://schemas.microsoft.com/office/drawing/2014/main" id="{26529EEE-1411-480B-B8B2-E35E5FB773DD}"/>
+              </a:ext>
+            </a:extLst>
+          </p:cNvPr>
+          <p:cNvSpPr>
+            <a:spLocks noGrp="1"/>
+          </p:cNvSpPr>
+          <p:nvPr>
+            <p:ph idx="1"/>
+          </p:nvPr>
+        </p:nvSpPr>
+        <p:spPr/>
+        <p:txBody>
+          <a:bodyPr/>
+          <a:lstStyle/>
+          <a:p>
+            <a:r>
+              <a:rPr lang="zh-CN" altLang="en-US" dirty="0"/>
+              <a:t>如何解决过拟合问题？</a:t>
+            </a:r>
+            <a:endParaRPr lang="en-US" altLang="zh-CN" dirty="0"/>
+          </a:p>
+          <a:p>
+            <a:pPr lvl="1"/>
+            <a:r>
+              <a:rPr lang="zh-CN" altLang="en-US" dirty="0"/>
+              <a:t>获取更多的数据</a:t>
+            </a:r>
+            <a:endParaRPr lang="en-US" altLang="zh-CN" dirty="0"/>
+          </a:p>
+          <a:p>
+            <a:pPr lvl="1"/>
+            <a:r>
+              <a:rPr lang="zh-CN" altLang="en-US" dirty="0"/>
+              <a:t>使用更简单的模型或选取更少的特征</a:t>
+            </a:r>
+            <a:endParaRPr lang="en-US" altLang="zh-CN" dirty="0"/>
+          </a:p>
+          <a:p>
+            <a:pPr lvl="1"/>
+            <a:r>
+              <a:rPr lang="zh-CN" altLang="en-US" dirty="0"/>
+              <a:t>正则化</a:t>
+            </a:r>
+          </a:p>
+        </p:txBody>
+      </p:sp>
+      <p:sp>
+        <p:nvSpPr>
+          <p:cNvPr id="4" name="日期占位符 3">
+            <a:extLst>
+              <a:ext uri="{FF2B5EF4-FFF2-40B4-BE49-F238E27FC236}">
+                <a16:creationId xmlns:a16="http://schemas.microsoft.com/office/drawing/2014/main" id="{706010DB-4E93-439B-B8B9-7AE63DC3EFBA}"/>
+              </a:ext>
+            </a:extLst>
+          </p:cNvPr>
+          <p:cNvSpPr>
+            <a:spLocks noGrp="1"/>
+          </p:cNvSpPr>
+          <p:nvPr>
+            <p:ph type="dt" sz="half" idx="10"/>
+          </p:nvPr>
+        </p:nvSpPr>
+        <p:spPr/>
+        <p:txBody>
+          <a:bodyPr/>
+          <a:lstStyle/>
+          <a:p>
+            <a:pPr>
+              <a:defRPr/>
+            </a:pPr>
+            <a:fld id="{95A2A19B-170D-1043-AE33-7A36DFB7BCDC}" type="datetime2">
+              <a:rPr lang="zh-CN" altLang="en-US" smtClean="0"/>
+              <a:t>2018年7月8日</a:t>
+            </a:fld>
+            <a:endParaRPr lang="en-US" altLang="zh-CN"/>
+          </a:p>
+        </p:txBody>
+      </p:sp>
+      <p:sp>
+        <p:nvSpPr>
+          <p:cNvPr id="5" name="页脚占位符 4">
+            <a:extLst>
+              <a:ext uri="{FF2B5EF4-FFF2-40B4-BE49-F238E27FC236}">
+                <a16:creationId xmlns:a16="http://schemas.microsoft.com/office/drawing/2014/main" id="{5E9BA947-5600-46EF-8DB3-193E3E946A75}"/>
+              </a:ext>
+            </a:extLst>
+          </p:cNvPr>
+          <p:cNvSpPr>
+            <a:spLocks noGrp="1"/>
+          </p:cNvSpPr>
+          <p:nvPr>
+            <p:ph type="ftr" sz="quarter" idx="11"/>
+          </p:nvPr>
+        </p:nvSpPr>
+        <p:spPr/>
+        <p:txBody>
+          <a:bodyPr/>
+          <a:lstStyle/>
+          <a:p>
+            <a:pPr>
+              <a:defRPr/>
+            </a:pPr>
+            <a:r>
+              <a:rPr lang="zh-CN" altLang="en-US"/>
+              <a:t>机器学习入门</a:t>
+            </a:r>
+            <a:endParaRPr lang="en-US" altLang="zh-CN" dirty="0"/>
+          </a:p>
+        </p:txBody>
+      </p:sp>
+      <p:sp>
+        <p:nvSpPr>
+          <p:cNvPr id="6" name="灯片编号占位符 5">
+            <a:extLst>
+              <a:ext uri="{FF2B5EF4-FFF2-40B4-BE49-F238E27FC236}">
+                <a16:creationId xmlns:a16="http://schemas.microsoft.com/office/drawing/2014/main" id="{92C9E28F-117D-4C5A-8E63-1FE196C11A06}"/>
+              </a:ext>
+            </a:extLst>
+          </p:cNvPr>
+          <p:cNvSpPr>
+            <a:spLocks noGrp="1"/>
+          </p:cNvSpPr>
+          <p:nvPr>
+            <p:ph type="sldNum" sz="quarter" idx="12"/>
+          </p:nvPr>
+        </p:nvSpPr>
+        <p:spPr/>
+        <p:txBody>
+          <a:bodyPr/>
+          <a:lstStyle/>
+          <a:p>
+            <a:pPr>
+              <a:defRPr/>
+            </a:pPr>
+            <a:fld id="{64C9EB70-B654-4058-838F-8806615D92E5}" type="slidenum">
+              <a:rPr lang="en-US" altLang="zh-CN" smtClean="0"/>
+              <a:pPr>
+                <a:defRPr/>
+              </a:pPr>
+              <a:t>36</a:t>
+            </a:fld>
+            <a:endParaRPr lang="en-US" altLang="zh-CN"/>
+          </a:p>
+        </p:txBody>
+      </p:sp>
+    </p:spTree>
+    <p:extLst>
+      <p:ext uri="{BB962C8B-B14F-4D97-AF65-F5344CB8AC3E}">
+        <p14:creationId xmlns:p14="http://schemas.microsoft.com/office/powerpoint/2010/main" val="22159452"/>
       </p:ext>
     </p:extLst>
   </p:cSld>
@@ -26087,7 +26786,7 @@
           <p:cNvPr id="2" name="标题 1">
             <a:extLst>
               <a:ext uri="{FF2B5EF4-FFF2-40B4-BE49-F238E27FC236}">
-                <a16:creationId xmlns:a16="http://schemas.microsoft.com/office/drawing/2014/main" xmlns="" id="{06C98B31-3ABF-4C01-9D2F-11C6CF2AC1A5}"/>
+                <a16:creationId xmlns:a16="http://schemas.microsoft.com/office/drawing/2014/main" id="{06C98B31-3ABF-4C01-9D2F-11C6CF2AC1A5}"/>
               </a:ext>
             </a:extLst>
           </p:cNvPr>
@@ -26115,7 +26814,7 @@
           <p:cNvPr id="3" name="内容占位符 2">
             <a:extLst>
               <a:ext uri="{FF2B5EF4-FFF2-40B4-BE49-F238E27FC236}">
-                <a16:creationId xmlns:a16="http://schemas.microsoft.com/office/drawing/2014/main" xmlns="" id="{550418E6-588F-4BA9-99DA-877BAED370B1}"/>
+                <a16:creationId xmlns:a16="http://schemas.microsoft.com/office/drawing/2014/main" id="{550418E6-588F-4BA9-99DA-877BAED370B1}"/>
               </a:ext>
             </a:extLst>
           </p:cNvPr>
@@ -26140,7 +26839,7 @@
           <p:cNvPr id="4" name="日期占位符 3">
             <a:extLst>
               <a:ext uri="{FF2B5EF4-FFF2-40B4-BE49-F238E27FC236}">
-                <a16:creationId xmlns:a16="http://schemas.microsoft.com/office/drawing/2014/main" xmlns="" id="{43207CFC-4B29-45C9-9440-27BC2C241187}"/>
+                <a16:creationId xmlns:a16="http://schemas.microsoft.com/office/drawing/2014/main" id="{43207CFC-4B29-45C9-9440-27BC2C241187}"/>
               </a:ext>
             </a:extLst>
           </p:cNvPr>
@@ -26161,7 +26860,7 @@
             </a:pPr>
             <a:fld id="{95A2A19B-170D-1043-AE33-7A36DFB7BCDC}" type="datetime2">
               <a:rPr lang="zh-CN" altLang="en-US" smtClean="0"/>
-              <a:t>2018年7月7日</a:t>
+              <a:t>2018年7月8日</a:t>
             </a:fld>
             <a:endParaRPr lang="en-US" altLang="zh-CN"/>
           </a:p>
@@ -26172,7 +26871,7 @@
           <p:cNvPr id="5" name="页脚占位符 4">
             <a:extLst>
               <a:ext uri="{FF2B5EF4-FFF2-40B4-BE49-F238E27FC236}">
-                <a16:creationId xmlns:a16="http://schemas.microsoft.com/office/drawing/2014/main" xmlns="" id="{CBCA3925-FE23-4200-8DD7-A55F36F30006}"/>
+                <a16:creationId xmlns:a16="http://schemas.microsoft.com/office/drawing/2014/main" id="{CBCA3925-FE23-4200-8DD7-A55F36F30006}"/>
               </a:ext>
             </a:extLst>
           </p:cNvPr>
@@ -26204,7 +26903,7 @@
           <p:cNvPr id="6" name="灯片编号占位符 5">
             <a:extLst>
               <a:ext uri="{FF2B5EF4-FFF2-40B4-BE49-F238E27FC236}">
-                <a16:creationId xmlns:a16="http://schemas.microsoft.com/office/drawing/2014/main" xmlns="" id="{20FC628E-9AF1-48D1-AC54-3D530E61A274}"/>
+                <a16:creationId xmlns:a16="http://schemas.microsoft.com/office/drawing/2014/main" id="{20FC628E-9AF1-48D1-AC54-3D530E61A274}"/>
               </a:ext>
             </a:extLst>
           </p:cNvPr>
@@ -26239,7 +26938,7 @@
           <p:cNvPr id="5122" name="Picture 2" descr="https://www.commitstrip.com/wp-content/uploads/2017/06/Strip-IA-construite-de-IF-english650-final.jpg">
             <a:extLst>
               <a:ext uri="{FF2B5EF4-FFF2-40B4-BE49-F238E27FC236}">
-                <a16:creationId xmlns:a16="http://schemas.microsoft.com/office/drawing/2014/main" xmlns="" id="{4DF110C7-8D63-4D66-8762-40C5737417F4}"/>
+                <a16:creationId xmlns:a16="http://schemas.microsoft.com/office/drawing/2014/main" id="{4DF110C7-8D63-4D66-8762-40C5737417F4}"/>
               </a:ext>
             </a:extLst>
           </p:cNvPr>
@@ -26286,7 +26985,7 @@
           <p:cNvPr id="7" name="矩形 6">
             <a:extLst>
               <a:ext uri="{FF2B5EF4-FFF2-40B4-BE49-F238E27FC236}">
-                <a16:creationId xmlns:a16="http://schemas.microsoft.com/office/drawing/2014/main" xmlns="" id="{C59625E3-2CC6-4590-99B2-E66279F9DB23}"/>
+                <a16:creationId xmlns:a16="http://schemas.microsoft.com/office/drawing/2014/main" id="{C59625E3-2CC6-4590-99B2-E66279F9DB23}"/>
               </a:ext>
             </a:extLst>
           </p:cNvPr>
@@ -26350,7 +27049,7 @@
           <p:cNvPr id="2" name="标题 1">
             <a:extLst>
               <a:ext uri="{FF2B5EF4-FFF2-40B4-BE49-F238E27FC236}">
-                <a16:creationId xmlns:a16="http://schemas.microsoft.com/office/drawing/2014/main" xmlns="" id="{3D575E97-A77B-49E8-B5D9-964F93E82C4F}"/>
+                <a16:creationId xmlns:a16="http://schemas.microsoft.com/office/drawing/2014/main" id="{3D575E97-A77B-49E8-B5D9-964F93E82C4F}"/>
               </a:ext>
             </a:extLst>
           </p:cNvPr>
@@ -26378,7 +27077,7 @@
           <p:cNvPr id="3" name="内容占位符 2">
             <a:extLst>
               <a:ext uri="{FF2B5EF4-FFF2-40B4-BE49-F238E27FC236}">
-                <a16:creationId xmlns:a16="http://schemas.microsoft.com/office/drawing/2014/main" xmlns="" id="{AA0B7FE1-5355-4D9B-B1FB-527AD72AE249}"/>
+                <a16:creationId xmlns:a16="http://schemas.microsoft.com/office/drawing/2014/main" id="{AA0B7FE1-5355-4D9B-B1FB-527AD72AE249}"/>
               </a:ext>
             </a:extLst>
           </p:cNvPr>
@@ -26403,7 +27102,7 @@
           <p:cNvPr id="4" name="日期占位符 3">
             <a:extLst>
               <a:ext uri="{FF2B5EF4-FFF2-40B4-BE49-F238E27FC236}">
-                <a16:creationId xmlns:a16="http://schemas.microsoft.com/office/drawing/2014/main" xmlns="" id="{16A3D19A-5644-4860-B10A-2A8DEBCF0F50}"/>
+                <a16:creationId xmlns:a16="http://schemas.microsoft.com/office/drawing/2014/main" id="{16A3D19A-5644-4860-B10A-2A8DEBCF0F50}"/>
               </a:ext>
             </a:extLst>
           </p:cNvPr>
@@ -26424,7 +27123,7 @@
             </a:pPr>
             <a:fld id="{95A2A19B-170D-1043-AE33-7A36DFB7BCDC}" type="datetime2">
               <a:rPr lang="zh-CN" altLang="en-US" smtClean="0"/>
-              <a:t>2018年7月7日</a:t>
+              <a:t>2018年7月8日</a:t>
             </a:fld>
             <a:endParaRPr lang="en-US" altLang="zh-CN"/>
           </a:p>
@@ -26435,7 +27134,7 @@
           <p:cNvPr id="5" name="页脚占位符 4">
             <a:extLst>
               <a:ext uri="{FF2B5EF4-FFF2-40B4-BE49-F238E27FC236}">
-                <a16:creationId xmlns:a16="http://schemas.microsoft.com/office/drawing/2014/main" xmlns="" id="{5285CB6F-8159-4202-83F7-3D1F01222890}"/>
+                <a16:creationId xmlns:a16="http://schemas.microsoft.com/office/drawing/2014/main" id="{5285CB6F-8159-4202-83F7-3D1F01222890}"/>
               </a:ext>
             </a:extLst>
           </p:cNvPr>
@@ -26467,7 +27166,7 @@
           <p:cNvPr id="6" name="灯片编号占位符 5">
             <a:extLst>
               <a:ext uri="{FF2B5EF4-FFF2-40B4-BE49-F238E27FC236}">
-                <a16:creationId xmlns:a16="http://schemas.microsoft.com/office/drawing/2014/main" xmlns="" id="{AA6BB02B-25CD-47DD-B20A-32CA7D6B58F7}"/>
+                <a16:creationId xmlns:a16="http://schemas.microsoft.com/office/drawing/2014/main" id="{AA6BB02B-25CD-47DD-B20A-32CA7D6B58F7}"/>
               </a:ext>
             </a:extLst>
           </p:cNvPr>
@@ -26502,7 +27201,7 @@
           <p:cNvPr id="1026" name="Picture 2" descr="What's the difference between Artificial Intelligence (AI), Machine Learning, and Deep Learning? ">
             <a:extLst>
               <a:ext uri="{FF2B5EF4-FFF2-40B4-BE49-F238E27FC236}">
-                <a16:creationId xmlns:a16="http://schemas.microsoft.com/office/drawing/2014/main" xmlns="" id="{49FA5ABC-542B-4875-A220-1DB242D2A693}"/>
+                <a16:creationId xmlns:a16="http://schemas.microsoft.com/office/drawing/2014/main" id="{49FA5ABC-542B-4875-A220-1DB242D2A693}"/>
               </a:ext>
             </a:extLst>
           </p:cNvPr>
@@ -26577,7 +27276,7 @@
           <p:cNvPr id="2" name="标题 1">
             <a:extLst>
               <a:ext uri="{FF2B5EF4-FFF2-40B4-BE49-F238E27FC236}">
-                <a16:creationId xmlns:a16="http://schemas.microsoft.com/office/drawing/2014/main" xmlns="" id="{00EF47F0-F9F0-4384-A28D-2F7EA6604747}"/>
+                <a16:creationId xmlns:a16="http://schemas.microsoft.com/office/drawing/2014/main" id="{00EF47F0-F9F0-4384-A28D-2F7EA6604747}"/>
               </a:ext>
             </a:extLst>
           </p:cNvPr>
@@ -26605,7 +27304,7 @@
           <p:cNvPr id="3" name="内容占位符 2">
             <a:extLst>
               <a:ext uri="{FF2B5EF4-FFF2-40B4-BE49-F238E27FC236}">
-                <a16:creationId xmlns:a16="http://schemas.microsoft.com/office/drawing/2014/main" xmlns="" id="{C0001DEF-B716-4266-9CFF-A80375B75278}"/>
+                <a16:creationId xmlns:a16="http://schemas.microsoft.com/office/drawing/2014/main" id="{C0001DEF-B716-4266-9CFF-A80375B75278}"/>
               </a:ext>
             </a:extLst>
           </p:cNvPr>
@@ -26705,7 +27404,7 @@
           <p:cNvPr id="4" name="日期占位符 3">
             <a:extLst>
               <a:ext uri="{FF2B5EF4-FFF2-40B4-BE49-F238E27FC236}">
-                <a16:creationId xmlns:a16="http://schemas.microsoft.com/office/drawing/2014/main" xmlns="" id="{9A9E74D4-2629-42B4-A639-65AD2231EB16}"/>
+                <a16:creationId xmlns:a16="http://schemas.microsoft.com/office/drawing/2014/main" id="{9A9E74D4-2629-42B4-A639-65AD2231EB16}"/>
               </a:ext>
             </a:extLst>
           </p:cNvPr>
@@ -26726,7 +27425,7 @@
             </a:pPr>
             <a:fld id="{95A2A19B-170D-1043-AE33-7A36DFB7BCDC}" type="datetime2">
               <a:rPr lang="zh-CN" altLang="en-US" smtClean="0"/>
-              <a:t>2018年7月7日</a:t>
+              <a:t>2018年7月8日</a:t>
             </a:fld>
             <a:endParaRPr lang="en-US" altLang="zh-CN"/>
           </a:p>
@@ -26737,7 +27436,7 @@
           <p:cNvPr id="5" name="页脚占位符 4">
             <a:extLst>
               <a:ext uri="{FF2B5EF4-FFF2-40B4-BE49-F238E27FC236}">
-                <a16:creationId xmlns:a16="http://schemas.microsoft.com/office/drawing/2014/main" xmlns="" id="{CE4C5854-4521-4BA4-812A-84224CC33D3A}"/>
+                <a16:creationId xmlns:a16="http://schemas.microsoft.com/office/drawing/2014/main" id="{CE4C5854-4521-4BA4-812A-84224CC33D3A}"/>
               </a:ext>
             </a:extLst>
           </p:cNvPr>
@@ -26769,7 +27468,7 @@
           <p:cNvPr id="6" name="灯片编号占位符 5">
             <a:extLst>
               <a:ext uri="{FF2B5EF4-FFF2-40B4-BE49-F238E27FC236}">
-                <a16:creationId xmlns:a16="http://schemas.microsoft.com/office/drawing/2014/main" xmlns="" id="{BC9B5A36-C297-4A63-9508-0EB0F59E688B}"/>
+                <a16:creationId xmlns:a16="http://schemas.microsoft.com/office/drawing/2014/main" id="{BC9B5A36-C297-4A63-9508-0EB0F59E688B}"/>
               </a:ext>
             </a:extLst>
           </p:cNvPr>
@@ -26834,7 +27533,7 @@
           <p:cNvPr id="2" name="标题 1">
             <a:extLst>
               <a:ext uri="{FF2B5EF4-FFF2-40B4-BE49-F238E27FC236}">
-                <a16:creationId xmlns:a16="http://schemas.microsoft.com/office/drawing/2014/main" xmlns="" id="{850AF670-A5A4-4402-B878-0D72BD26B363}"/>
+                <a16:creationId xmlns:a16="http://schemas.microsoft.com/office/drawing/2014/main" id="{850AF670-A5A4-4402-B878-0D72BD26B363}"/>
               </a:ext>
             </a:extLst>
           </p:cNvPr>
@@ -26862,7 +27561,7 @@
           <p:cNvPr id="3" name="内容占位符 2">
             <a:extLst>
               <a:ext uri="{FF2B5EF4-FFF2-40B4-BE49-F238E27FC236}">
-                <a16:creationId xmlns:a16="http://schemas.microsoft.com/office/drawing/2014/main" xmlns="" id="{1E032E9B-2346-4C80-B8CF-C4F95BB05D3B}"/>
+                <a16:creationId xmlns:a16="http://schemas.microsoft.com/office/drawing/2014/main" id="{1E032E9B-2346-4C80-B8CF-C4F95BB05D3B}"/>
               </a:ext>
             </a:extLst>
           </p:cNvPr>
@@ -26999,7 +27698,7 @@
           <p:cNvPr id="4" name="日期占位符 3">
             <a:extLst>
               <a:ext uri="{FF2B5EF4-FFF2-40B4-BE49-F238E27FC236}">
-                <a16:creationId xmlns:a16="http://schemas.microsoft.com/office/drawing/2014/main" xmlns="" id="{F5F7F895-C717-496A-B177-F8F0AA7A8B32}"/>
+                <a16:creationId xmlns:a16="http://schemas.microsoft.com/office/drawing/2014/main" id="{F5F7F895-C717-496A-B177-F8F0AA7A8B32}"/>
               </a:ext>
             </a:extLst>
           </p:cNvPr>
@@ -27020,7 +27719,7 @@
             </a:pPr>
             <a:fld id="{95A2A19B-170D-1043-AE33-7A36DFB7BCDC}" type="datetime2">
               <a:rPr lang="zh-CN" altLang="en-US" smtClean="0"/>
-              <a:t>2018年7月7日</a:t>
+              <a:t>2018年7月8日</a:t>
             </a:fld>
             <a:endParaRPr lang="en-US" altLang="zh-CN"/>
           </a:p>
@@ -27031,7 +27730,7 @@
           <p:cNvPr id="5" name="页脚占位符 4">
             <a:extLst>
               <a:ext uri="{FF2B5EF4-FFF2-40B4-BE49-F238E27FC236}">
-                <a16:creationId xmlns:a16="http://schemas.microsoft.com/office/drawing/2014/main" xmlns="" id="{07A4A687-EC6D-400B-9A11-BD0B04609A25}"/>
+                <a16:creationId xmlns:a16="http://schemas.microsoft.com/office/drawing/2014/main" id="{07A4A687-EC6D-400B-9A11-BD0B04609A25}"/>
               </a:ext>
             </a:extLst>
           </p:cNvPr>
@@ -27063,7 +27762,7 @@
           <p:cNvPr id="6" name="灯片编号占位符 5">
             <a:extLst>
               <a:ext uri="{FF2B5EF4-FFF2-40B4-BE49-F238E27FC236}">
-                <a16:creationId xmlns:a16="http://schemas.microsoft.com/office/drawing/2014/main" xmlns="" id="{2904A806-D958-4E7E-9F65-B19FF0152F22}"/>
+                <a16:creationId xmlns:a16="http://schemas.microsoft.com/office/drawing/2014/main" id="{2904A806-D958-4E7E-9F65-B19FF0152F22}"/>
               </a:ext>
             </a:extLst>
           </p:cNvPr>
@@ -27098,7 +27797,7 @@
           <p:cNvPr id="7" name="表格 6">
             <a:extLst>
               <a:ext uri="{FF2B5EF4-FFF2-40B4-BE49-F238E27FC236}">
-                <a16:creationId xmlns:a16="http://schemas.microsoft.com/office/drawing/2014/main" xmlns="" id="{AD12D45B-71E3-473A-9FD4-BDB875D07CA4}"/>
+                <a16:creationId xmlns:a16="http://schemas.microsoft.com/office/drawing/2014/main" id="{AD12D45B-71E3-473A-9FD4-BDB875D07CA4}"/>
               </a:ext>
             </a:extLst>
           </p:cNvPr>
@@ -27127,35 +27826,35 @@
                 <a:gridCol w="1219200">
                   <a:extLst>
                     <a:ext uri="{9D8B030D-6E8A-4147-A177-3AD203B41FA5}">
-                      <a16:colId xmlns:a16="http://schemas.microsoft.com/office/drawing/2014/main" xmlns="" val="20000"/>
+                      <a16:colId xmlns:a16="http://schemas.microsoft.com/office/drawing/2014/main" val="20000"/>
                     </a:ext>
                   </a:extLst>
                 </a:gridCol>
                 <a:gridCol w="1219200">
                   <a:extLst>
                     <a:ext uri="{9D8B030D-6E8A-4147-A177-3AD203B41FA5}">
-                      <a16:colId xmlns:a16="http://schemas.microsoft.com/office/drawing/2014/main" xmlns="" val="20001"/>
+                      <a16:colId xmlns:a16="http://schemas.microsoft.com/office/drawing/2014/main" val="20001"/>
                     </a:ext>
                   </a:extLst>
                 </a:gridCol>
                 <a:gridCol w="1219200">
                   <a:extLst>
                     <a:ext uri="{9D8B030D-6E8A-4147-A177-3AD203B41FA5}">
-                      <a16:colId xmlns:a16="http://schemas.microsoft.com/office/drawing/2014/main" xmlns="" val="20002"/>
+                      <a16:colId xmlns:a16="http://schemas.microsoft.com/office/drawing/2014/main" val="20002"/>
                     </a:ext>
                   </a:extLst>
                 </a:gridCol>
                 <a:gridCol w="1219200">
                   <a:extLst>
                     <a:ext uri="{9D8B030D-6E8A-4147-A177-3AD203B41FA5}">
-                      <a16:colId xmlns:a16="http://schemas.microsoft.com/office/drawing/2014/main" xmlns="" val="20003"/>
+                      <a16:colId xmlns:a16="http://schemas.microsoft.com/office/drawing/2014/main" val="20003"/>
                     </a:ext>
                   </a:extLst>
                 </a:gridCol>
                 <a:gridCol w="1219200">
                   <a:extLst>
                     <a:ext uri="{9D8B030D-6E8A-4147-A177-3AD203B41FA5}">
-                      <a16:colId xmlns:a16="http://schemas.microsoft.com/office/drawing/2014/main" xmlns="" val="20004"/>
+                      <a16:colId xmlns:a16="http://schemas.microsoft.com/office/drawing/2014/main" val="20004"/>
                     </a:ext>
                   </a:extLst>
                 </a:gridCol>
@@ -27229,7 +27928,7 @@
                 </a:tc>
                 <a:extLst>
                   <a:ext uri="{0D108BD9-81ED-4DB2-BD59-A6C34878D82A}">
-                    <a16:rowId xmlns:a16="http://schemas.microsoft.com/office/drawing/2014/main" xmlns="" val="10000"/>
+                    <a16:rowId xmlns:a16="http://schemas.microsoft.com/office/drawing/2014/main" val="10000"/>
                   </a:ext>
                 </a:extLst>
               </a:tr>
@@ -27304,7 +28003,7 @@
                 </a:tc>
                 <a:extLst>
                   <a:ext uri="{0D108BD9-81ED-4DB2-BD59-A6C34878D82A}">
-                    <a16:rowId xmlns:a16="http://schemas.microsoft.com/office/drawing/2014/main" xmlns="" val="10001"/>
+                    <a16:rowId xmlns:a16="http://schemas.microsoft.com/office/drawing/2014/main" val="10001"/>
                   </a:ext>
                 </a:extLst>
               </a:tr>
@@ -27379,7 +28078,7 @@
                 </a:tc>
                 <a:extLst>
                   <a:ext uri="{0D108BD9-81ED-4DB2-BD59-A6C34878D82A}">
-                    <a16:rowId xmlns:a16="http://schemas.microsoft.com/office/drawing/2014/main" xmlns="" val="10002"/>
+                    <a16:rowId xmlns:a16="http://schemas.microsoft.com/office/drawing/2014/main" val="10002"/>
                   </a:ext>
                 </a:extLst>
               </a:tr>
@@ -27456,7 +28155,7 @@
                 </a:tc>
                 <a:extLst>
                   <a:ext uri="{0D108BD9-81ED-4DB2-BD59-A6C34878D82A}">
-                    <a16:rowId xmlns:a16="http://schemas.microsoft.com/office/drawing/2014/main" xmlns="" val="10003"/>
+                    <a16:rowId xmlns:a16="http://schemas.microsoft.com/office/drawing/2014/main" val="10003"/>
                   </a:ext>
                 </a:extLst>
               </a:tr>
@@ -27585,7 +28284,7 @@
           <p:cNvPr id="2" name="标题 1">
             <a:extLst>
               <a:ext uri="{FF2B5EF4-FFF2-40B4-BE49-F238E27FC236}">
-                <a16:creationId xmlns:a16="http://schemas.microsoft.com/office/drawing/2014/main" xmlns="" id="{73538CFB-0345-441B-AD1A-0A4152508F27}"/>
+                <a16:creationId xmlns:a16="http://schemas.microsoft.com/office/drawing/2014/main" id="{73538CFB-0345-441B-AD1A-0A4152508F27}"/>
               </a:ext>
             </a:extLst>
           </p:cNvPr>
@@ -27613,7 +28312,7 @@
           <p:cNvPr id="4" name="日期占位符 3">
             <a:extLst>
               <a:ext uri="{FF2B5EF4-FFF2-40B4-BE49-F238E27FC236}">
-                <a16:creationId xmlns:a16="http://schemas.microsoft.com/office/drawing/2014/main" xmlns="" id="{751CA06F-A0A4-4646-941C-486BB210E464}"/>
+                <a16:creationId xmlns:a16="http://schemas.microsoft.com/office/drawing/2014/main" id="{751CA06F-A0A4-4646-941C-486BB210E464}"/>
               </a:ext>
             </a:extLst>
           </p:cNvPr>
@@ -27634,7 +28333,7 @@
             </a:pPr>
             <a:fld id="{95A2A19B-170D-1043-AE33-7A36DFB7BCDC}" type="datetime2">
               <a:rPr lang="zh-CN" altLang="en-US" smtClean="0"/>
-              <a:t>2018年7月7日</a:t>
+              <a:t>2018年7月8日</a:t>
             </a:fld>
             <a:endParaRPr lang="en-US" altLang="zh-CN"/>
           </a:p>
@@ -27645,7 +28344,7 @@
           <p:cNvPr id="5" name="页脚占位符 4">
             <a:extLst>
               <a:ext uri="{FF2B5EF4-FFF2-40B4-BE49-F238E27FC236}">
-                <a16:creationId xmlns:a16="http://schemas.microsoft.com/office/drawing/2014/main" xmlns="" id="{EC5AE77E-B6CF-4BD1-87D3-6C1230551547}"/>
+                <a16:creationId xmlns:a16="http://schemas.microsoft.com/office/drawing/2014/main" id="{EC5AE77E-B6CF-4BD1-87D3-6C1230551547}"/>
               </a:ext>
             </a:extLst>
           </p:cNvPr>
@@ -27677,7 +28376,7 @@
           <p:cNvPr id="6" name="灯片编号占位符 5">
             <a:extLst>
               <a:ext uri="{FF2B5EF4-FFF2-40B4-BE49-F238E27FC236}">
-                <a16:creationId xmlns:a16="http://schemas.microsoft.com/office/drawing/2014/main" xmlns="" id="{3958DCE8-899D-4052-91B3-B72D1274AF4C}"/>
+                <a16:creationId xmlns:a16="http://schemas.microsoft.com/office/drawing/2014/main" id="{3958DCE8-899D-4052-91B3-B72D1274AF4C}"/>
               </a:ext>
             </a:extLst>
           </p:cNvPr>
@@ -27712,7 +28411,7 @@
           <p:cNvPr id="21" name="矩形 20">
             <a:extLst>
               <a:ext uri="{FF2B5EF4-FFF2-40B4-BE49-F238E27FC236}">
-                <a16:creationId xmlns:a16="http://schemas.microsoft.com/office/drawing/2014/main" xmlns="" id="{CEED0D80-61B1-4050-811E-8C2BBF74C98C}"/>
+                <a16:creationId xmlns:a16="http://schemas.microsoft.com/office/drawing/2014/main" id="{CEED0D80-61B1-4050-811E-8C2BBF74C98C}"/>
               </a:ext>
             </a:extLst>
           </p:cNvPr>
@@ -27753,7 +28452,7 @@
           <p:cNvPr id="22" name="圖片 22">
             <a:extLst>
               <a:ext uri="{FF2B5EF4-FFF2-40B4-BE49-F238E27FC236}">
-                <a16:creationId xmlns:a16="http://schemas.microsoft.com/office/drawing/2014/main" xmlns="" id="{3195B14A-0E3B-43EE-AB34-14218035CC0E}"/>
+                <a16:creationId xmlns:a16="http://schemas.microsoft.com/office/drawing/2014/main" id="{3195B14A-0E3B-43EE-AB34-14218035CC0E}"/>
               </a:ext>
             </a:extLst>
           </p:cNvPr>
@@ -27783,7 +28482,7 @@
           <p:cNvPr id="23" name="圖片 23">
             <a:extLst>
               <a:ext uri="{FF2B5EF4-FFF2-40B4-BE49-F238E27FC236}">
-                <a16:creationId xmlns:a16="http://schemas.microsoft.com/office/drawing/2014/main" xmlns="" id="{2A883490-DCBE-4E53-9929-31FEA0EEFA15}"/>
+                <a16:creationId xmlns:a16="http://schemas.microsoft.com/office/drawing/2014/main" id="{2A883490-DCBE-4E53-9929-31FEA0EEFA15}"/>
               </a:ext>
             </a:extLst>
           </p:cNvPr>
@@ -27813,7 +28512,7 @@
           <p:cNvPr id="24" name="文字方塊 24">
             <a:extLst>
               <a:ext uri="{FF2B5EF4-FFF2-40B4-BE49-F238E27FC236}">
-                <a16:creationId xmlns:a16="http://schemas.microsoft.com/office/drawing/2014/main" xmlns="" id="{C0263DDF-1D6D-4FA1-8F3D-8A2BC3A63611}"/>
+                <a16:creationId xmlns:a16="http://schemas.microsoft.com/office/drawing/2014/main" id="{C0263DDF-1D6D-4FA1-8F3D-8A2BC3A63611}"/>
               </a:ext>
             </a:extLst>
           </p:cNvPr>
@@ -27850,7 +28549,7 @@
           <p:cNvPr id="25" name="文字方塊 25">
             <a:extLst>
               <a:ext uri="{FF2B5EF4-FFF2-40B4-BE49-F238E27FC236}">
-                <a16:creationId xmlns:a16="http://schemas.microsoft.com/office/drawing/2014/main" xmlns="" id="{7A8B5F87-28B9-4BCD-92F3-F5B2BEB6FBE7}"/>
+                <a16:creationId xmlns:a16="http://schemas.microsoft.com/office/drawing/2014/main" id="{7A8B5F87-28B9-4BCD-92F3-F5B2BEB6FBE7}"/>
               </a:ext>
             </a:extLst>
           </p:cNvPr>
@@ -27887,7 +28586,7 @@
           <p:cNvPr id="26" name="圖片 26">
             <a:extLst>
               <a:ext uri="{FF2B5EF4-FFF2-40B4-BE49-F238E27FC236}">
-                <a16:creationId xmlns:a16="http://schemas.microsoft.com/office/drawing/2014/main" xmlns="" id="{DC98FF27-FDDE-4A3A-A4C7-DC5ABF2A3C1E}"/>
+                <a16:creationId xmlns:a16="http://schemas.microsoft.com/office/drawing/2014/main" id="{DC98FF27-FDDE-4A3A-A4C7-DC5ABF2A3C1E}"/>
               </a:ext>
             </a:extLst>
           </p:cNvPr>
@@ -27917,7 +28616,7 @@
           <p:cNvPr id="27" name="圖片 3">
             <a:extLst>
               <a:ext uri="{FF2B5EF4-FFF2-40B4-BE49-F238E27FC236}">
-                <a16:creationId xmlns:a16="http://schemas.microsoft.com/office/drawing/2014/main" xmlns="" id="{09096899-FF6D-429A-92C8-9E7E8F3BEE87}"/>
+                <a16:creationId xmlns:a16="http://schemas.microsoft.com/office/drawing/2014/main" id="{09096899-FF6D-429A-92C8-9E7E8F3BEE87}"/>
               </a:ext>
             </a:extLst>
           </p:cNvPr>
@@ -27947,7 +28646,7 @@
           <p:cNvPr id="28" name="文字方塊 15">
             <a:extLst>
               <a:ext uri="{FF2B5EF4-FFF2-40B4-BE49-F238E27FC236}">
-                <a16:creationId xmlns:a16="http://schemas.microsoft.com/office/drawing/2014/main" xmlns="" id="{D6B06996-B3AF-40BA-BC93-895C80DEA802}"/>
+                <a16:creationId xmlns:a16="http://schemas.microsoft.com/office/drawing/2014/main" id="{D6B06996-B3AF-40BA-BC93-895C80DEA802}"/>
               </a:ext>
             </a:extLst>
           </p:cNvPr>
@@ -27983,7 +28682,7 @@
           <p:cNvPr id="29" name="文字方塊 16">
             <a:extLst>
               <a:ext uri="{FF2B5EF4-FFF2-40B4-BE49-F238E27FC236}">
-                <a16:creationId xmlns:a16="http://schemas.microsoft.com/office/drawing/2014/main" xmlns="" id="{5B9ED6F4-0637-41F0-B528-3B15CCE91C64}"/>
+                <a16:creationId xmlns:a16="http://schemas.microsoft.com/office/drawing/2014/main" id="{5B9ED6F4-0637-41F0-B528-3B15CCE91C64}"/>
               </a:ext>
             </a:extLst>
           </p:cNvPr>
@@ -28029,7 +28728,7 @@
           <p:cNvPr id="30" name="直線單箭頭接點 18">
             <a:extLst>
               <a:ext uri="{FF2B5EF4-FFF2-40B4-BE49-F238E27FC236}">
-                <a16:creationId xmlns:a16="http://schemas.microsoft.com/office/drawing/2014/main" xmlns="" id="{ED0F6F3D-4FF8-4672-8160-FE272B188CFB}"/>
+                <a16:creationId xmlns:a16="http://schemas.microsoft.com/office/drawing/2014/main" id="{ED0F6F3D-4FF8-4672-8160-FE272B188CFB}"/>
               </a:ext>
             </a:extLst>
           </p:cNvPr>
@@ -28071,7 +28770,7 @@
           <p:cNvPr id="31" name="弧形箭號 (下彎) 19">
             <a:extLst>
               <a:ext uri="{FF2B5EF4-FFF2-40B4-BE49-F238E27FC236}">
-                <a16:creationId xmlns:a16="http://schemas.microsoft.com/office/drawing/2014/main" xmlns="" id="{03211EF6-E77F-414F-8999-D781D4FE443A}"/>
+                <a16:creationId xmlns:a16="http://schemas.microsoft.com/office/drawing/2014/main" id="{03211EF6-E77F-414F-8999-D781D4FE443A}"/>
               </a:ext>
             </a:extLst>
           </p:cNvPr>
@@ -28121,7 +28820,7 @@
           <p:cNvPr id="32" name="弧形箭號 (下彎) 20">
             <a:extLst>
               <a:ext uri="{FF2B5EF4-FFF2-40B4-BE49-F238E27FC236}">
-                <a16:creationId xmlns:a16="http://schemas.microsoft.com/office/drawing/2014/main" xmlns="" id="{27529EEB-049E-4AEE-A4B4-EFBED607850D}"/>
+                <a16:creationId xmlns:a16="http://schemas.microsoft.com/office/drawing/2014/main" id="{27529EEB-049E-4AEE-A4B4-EFBED607850D}"/>
               </a:ext>
             </a:extLst>
           </p:cNvPr>
@@ -28175,7 +28874,7 @@
           <p:cNvPr id="33" name="文字方塊 17">
             <a:extLst>
               <a:ext uri="{FF2B5EF4-FFF2-40B4-BE49-F238E27FC236}">
-                <a16:creationId xmlns:a16="http://schemas.microsoft.com/office/drawing/2014/main" xmlns="" id="{0903127E-3CE9-4CCF-8ED3-A932FB7C3B6F}"/>
+                <a16:creationId xmlns:a16="http://schemas.microsoft.com/office/drawing/2014/main" id="{0903127E-3CE9-4CCF-8ED3-A932FB7C3B6F}"/>
               </a:ext>
             </a:extLst>
           </p:cNvPr>
@@ -28222,7 +28921,7 @@
           <p:cNvPr id="34" name="Picture 12" descr="https://encrypted-tbn1.gstatic.com/images?q=tbn:ANd9GcRcwlRKAlSIaCI4W5PRYVbuBQQXifF-56bFqAjh9DMe-_3Lh8_YKw">
             <a:extLst>
               <a:ext uri="{FF2B5EF4-FFF2-40B4-BE49-F238E27FC236}">
-                <a16:creationId xmlns:a16="http://schemas.microsoft.com/office/drawing/2014/main" xmlns="" id="{5433C88E-CA93-4C19-B5C4-B268A4F15FA2}"/>
+                <a16:creationId xmlns:a16="http://schemas.microsoft.com/office/drawing/2014/main" id="{5433C88E-CA93-4C19-B5C4-B268A4F15FA2}"/>
               </a:ext>
             </a:extLst>
           </p:cNvPr>
@@ -28269,7 +28968,7 @@
           <p:cNvPr id="35" name="文字方塊 14">
             <a:extLst>
               <a:ext uri="{FF2B5EF4-FFF2-40B4-BE49-F238E27FC236}">
-                <a16:creationId xmlns:a16="http://schemas.microsoft.com/office/drawing/2014/main" xmlns="" id="{6B9AE08C-3526-4F30-A792-29BD20283793}"/>
+                <a16:creationId xmlns:a16="http://schemas.microsoft.com/office/drawing/2014/main" id="{6B9AE08C-3526-4F30-A792-29BD20283793}"/>
               </a:ext>
             </a:extLst>
           </p:cNvPr>
@@ -28842,7 +29541,7 @@
           <p:cNvPr id="2" name="标题 1">
             <a:extLst>
               <a:ext uri="{FF2B5EF4-FFF2-40B4-BE49-F238E27FC236}">
-                <a16:creationId xmlns:a16="http://schemas.microsoft.com/office/drawing/2014/main" xmlns="" id="{D6F643E1-7647-4208-BA5E-8F558C755A32}"/>
+                <a16:creationId xmlns:a16="http://schemas.microsoft.com/office/drawing/2014/main" id="{D6F643E1-7647-4208-BA5E-8F558C755A32}"/>
               </a:ext>
             </a:extLst>
           </p:cNvPr>
@@ -28870,7 +29569,7 @@
           <p:cNvPr id="3" name="内容占位符 2">
             <a:extLst>
               <a:ext uri="{FF2B5EF4-FFF2-40B4-BE49-F238E27FC236}">
-                <a16:creationId xmlns:a16="http://schemas.microsoft.com/office/drawing/2014/main" xmlns="" id="{DDFA032E-57EF-444C-9DE4-98A6B647C5FC}"/>
+                <a16:creationId xmlns:a16="http://schemas.microsoft.com/office/drawing/2014/main" id="{DDFA032E-57EF-444C-9DE4-98A6B647C5FC}"/>
               </a:ext>
             </a:extLst>
           </p:cNvPr>
@@ -28965,7 +29664,7 @@
           <p:cNvPr id="4" name="日期占位符 3">
             <a:extLst>
               <a:ext uri="{FF2B5EF4-FFF2-40B4-BE49-F238E27FC236}">
-                <a16:creationId xmlns:a16="http://schemas.microsoft.com/office/drawing/2014/main" xmlns="" id="{B3A58633-8D37-4388-B282-4E83E2832399}"/>
+                <a16:creationId xmlns:a16="http://schemas.microsoft.com/office/drawing/2014/main" id="{B3A58633-8D37-4388-B282-4E83E2832399}"/>
               </a:ext>
             </a:extLst>
           </p:cNvPr>
@@ -28986,7 +29685,7 @@
             </a:pPr>
             <a:fld id="{95A2A19B-170D-1043-AE33-7A36DFB7BCDC}" type="datetime2">
               <a:rPr lang="zh-CN" altLang="en-US" smtClean="0"/>
-              <a:t>2018年7月7日</a:t>
+              <a:t>2018年7月8日</a:t>
             </a:fld>
             <a:endParaRPr lang="en-US" altLang="zh-CN"/>
           </a:p>
@@ -28997,7 +29696,7 @@
           <p:cNvPr id="5" name="页脚占位符 4">
             <a:extLst>
               <a:ext uri="{FF2B5EF4-FFF2-40B4-BE49-F238E27FC236}">
-                <a16:creationId xmlns:a16="http://schemas.microsoft.com/office/drawing/2014/main" xmlns="" id="{22DC7178-14EB-4109-B0FC-CE518823E624}"/>
+                <a16:creationId xmlns:a16="http://schemas.microsoft.com/office/drawing/2014/main" id="{22DC7178-14EB-4109-B0FC-CE518823E624}"/>
               </a:ext>
             </a:extLst>
           </p:cNvPr>
@@ -29029,7 +29728,7 @@
           <p:cNvPr id="6" name="灯片编号占位符 5">
             <a:extLst>
               <a:ext uri="{FF2B5EF4-FFF2-40B4-BE49-F238E27FC236}">
-                <a16:creationId xmlns:a16="http://schemas.microsoft.com/office/drawing/2014/main" xmlns="" id="{443CE0CF-4AED-47E2-8168-A4391E230779}"/>
+                <a16:creationId xmlns:a16="http://schemas.microsoft.com/office/drawing/2014/main" id="{443CE0CF-4AED-47E2-8168-A4391E230779}"/>
               </a:ext>
             </a:extLst>
           </p:cNvPr>
@@ -29064,7 +29763,7 @@
           <p:cNvPr id="7" name="Object 12">
             <a:extLst>
               <a:ext uri="{FF2B5EF4-FFF2-40B4-BE49-F238E27FC236}">
-                <a16:creationId xmlns:a16="http://schemas.microsoft.com/office/drawing/2014/main" xmlns="" id="{6CBF1C74-A606-403D-B03C-CDE8AEF3792D}"/>
+                <a16:creationId xmlns:a16="http://schemas.microsoft.com/office/drawing/2014/main" id="{6CBF1C74-A606-403D-B03C-CDE8AEF3792D}"/>
               </a:ext>
             </a:extLst>
           </p:cNvPr>
@@ -29083,7 +29782,7 @@
           <a:graphicData uri="http://schemas.openxmlformats.org/presentationml/2006/ole">
             <mc:AlternateContent xmlns:mc="http://schemas.openxmlformats.org/markup-compatibility/2006">
               <mc:Choice xmlns:v="urn:schemas-microsoft-com:vml" Requires="v">
-                <p:oleObj spid="_x0000_s2248" name="方程式" r:id="rId3" imgW="1790640" imgH="215640" progId="Equation.3">
+                <p:oleObj spid="_x0000_s2260" name="方程式" r:id="rId3" imgW="1790640" imgH="215640" progId="Equation.3">
                   <p:embed/>
                 </p:oleObj>
               </mc:Choice>
@@ -29136,7 +29835,7 @@
           <p:cNvPr id="8" name="文字方塊 8">
             <a:extLst>
               <a:ext uri="{FF2B5EF4-FFF2-40B4-BE49-F238E27FC236}">
-                <a16:creationId xmlns:a16="http://schemas.microsoft.com/office/drawing/2014/main" xmlns="" id="{86F09955-8ADC-4760-A3EE-D5CC28A0526E}"/>
+                <a16:creationId xmlns:a16="http://schemas.microsoft.com/office/drawing/2014/main" id="{86F09955-8ADC-4760-A3EE-D5CC28A0526E}"/>
               </a:ext>
             </a:extLst>
           </p:cNvPr>
@@ -29172,7 +29871,7 @@
           <p:cNvPr id="9" name="圖片 11">
             <a:extLst>
               <a:ext uri="{FF2B5EF4-FFF2-40B4-BE49-F238E27FC236}">
-                <a16:creationId xmlns:a16="http://schemas.microsoft.com/office/drawing/2014/main" xmlns="" id="{C6AB4598-5943-4A21-AA07-865D97A847CC}"/>
+                <a16:creationId xmlns:a16="http://schemas.microsoft.com/office/drawing/2014/main" id="{C6AB4598-5943-4A21-AA07-865D97A847CC}"/>
               </a:ext>
             </a:extLst>
           </p:cNvPr>
@@ -29208,7 +29907,7 @@
           <p:cNvPr id="10" name="Object 12">
             <a:extLst>
               <a:ext uri="{FF2B5EF4-FFF2-40B4-BE49-F238E27FC236}">
-                <a16:creationId xmlns:a16="http://schemas.microsoft.com/office/drawing/2014/main" xmlns="" id="{905F5424-ADB9-4D8E-8423-2B5950B537AA}"/>
+                <a16:creationId xmlns:a16="http://schemas.microsoft.com/office/drawing/2014/main" id="{905F5424-ADB9-4D8E-8423-2B5950B537AA}"/>
               </a:ext>
             </a:extLst>
           </p:cNvPr>
@@ -29231,7 +29930,7 @@
           <a:graphicData uri="http://schemas.openxmlformats.org/presentationml/2006/ole">
             <mc:AlternateContent xmlns:mc="http://schemas.openxmlformats.org/markup-compatibility/2006">
               <mc:Choice xmlns:v="urn:schemas-microsoft-com:vml" Requires="v">
-                <p:oleObj spid="_x0000_s2249" name="方程式" r:id="rId6" imgW="1790640" imgH="215640" progId="Equation.3">
+                <p:oleObj spid="_x0000_s2261" name="方程式" r:id="rId6" imgW="1790640" imgH="215640" progId="Equation.3">
                   <p:embed/>
                 </p:oleObj>
               </mc:Choice>
@@ -29284,7 +29983,7 @@
           <p:cNvPr id="11" name="文字方塊 7">
             <a:extLst>
               <a:ext uri="{FF2B5EF4-FFF2-40B4-BE49-F238E27FC236}">
-                <a16:creationId xmlns:a16="http://schemas.microsoft.com/office/drawing/2014/main" xmlns="" id="{389CB547-3633-486B-BFE0-673AECDBA2AA}"/>
+                <a16:creationId xmlns:a16="http://schemas.microsoft.com/office/drawing/2014/main" id="{389CB547-3633-486B-BFE0-673AECDBA2AA}"/>
               </a:ext>
             </a:extLst>
           </p:cNvPr>
@@ -29320,7 +30019,7 @@
           <p:cNvPr id="12" name="Picture 12" descr="https://encrypted-tbn1.gstatic.com/images?q=tbn:ANd9GcRcwlRKAlSIaCI4W5PRYVbuBQQXifF-56bFqAjh9DMe-_3Lh8_YKw">
             <a:extLst>
               <a:ext uri="{FF2B5EF4-FFF2-40B4-BE49-F238E27FC236}">
-                <a16:creationId xmlns:a16="http://schemas.microsoft.com/office/drawing/2014/main" xmlns="" id="{01A4C000-ACF8-43CF-91CB-081E28A7E99D}"/>
+                <a16:creationId xmlns:a16="http://schemas.microsoft.com/office/drawing/2014/main" id="{01A4C000-ACF8-43CF-91CB-081E28A7E99D}"/>
               </a:ext>
             </a:extLst>
           </p:cNvPr>
@@ -29367,7 +30066,7 @@
           <p:cNvPr id="13" name="Object 12">
             <a:extLst>
               <a:ext uri="{FF2B5EF4-FFF2-40B4-BE49-F238E27FC236}">
-                <a16:creationId xmlns:a16="http://schemas.microsoft.com/office/drawing/2014/main" xmlns="" id="{B8E14440-161E-470A-BB36-DE87ED092B58}"/>
+                <a16:creationId xmlns:a16="http://schemas.microsoft.com/office/drawing/2014/main" id="{B8E14440-161E-470A-BB36-DE87ED092B58}"/>
               </a:ext>
             </a:extLst>
           </p:cNvPr>
@@ -29390,7 +30089,7 @@
           <a:graphicData uri="http://schemas.openxmlformats.org/presentationml/2006/ole">
             <mc:AlternateContent xmlns:mc="http://schemas.openxmlformats.org/markup-compatibility/2006">
               <mc:Choice xmlns:v="urn:schemas-microsoft-com:vml" Requires="v">
-                <p:oleObj spid="_x0000_s2250" name="方程式" r:id="rId8" imgW="1790640" imgH="215640" progId="Equation.3">
+                <p:oleObj spid="_x0000_s2262" name="方程式" r:id="rId8" imgW="1790640" imgH="215640" progId="Equation.3">
                   <p:embed/>
                 </p:oleObj>
               </mc:Choice>
@@ -29443,7 +30142,7 @@
           <p:cNvPr id="14" name="文字方塊 9">
             <a:extLst>
               <a:ext uri="{FF2B5EF4-FFF2-40B4-BE49-F238E27FC236}">
-                <a16:creationId xmlns:a16="http://schemas.microsoft.com/office/drawing/2014/main" xmlns="" id="{5B375907-9A8C-4D88-8995-A50C64906A53}"/>
+                <a16:creationId xmlns:a16="http://schemas.microsoft.com/office/drawing/2014/main" id="{5B375907-9A8C-4D88-8995-A50C64906A53}"/>
               </a:ext>
             </a:extLst>
           </p:cNvPr>
@@ -29479,7 +30178,7 @@
           <p:cNvPr id="15" name="Picture 2" descr="http://y2.ifengimg.com/a/2016_11/2c7ef418c729099.jpg">
             <a:extLst>
               <a:ext uri="{FF2B5EF4-FFF2-40B4-BE49-F238E27FC236}">
-                <a16:creationId xmlns:a16="http://schemas.microsoft.com/office/drawing/2014/main" xmlns="" id="{0F5019D2-D980-4F1C-92A4-0A7FF1F6D178}"/>
+                <a16:creationId xmlns:a16="http://schemas.microsoft.com/office/drawing/2014/main" id="{0F5019D2-D980-4F1C-92A4-0A7FF1F6D178}"/>
               </a:ext>
             </a:extLst>
           </p:cNvPr>

--- a/机器学习入门.pptx
+++ b/机器学习入门.pptx
@@ -5,10 +5,10 @@
     <p:sldMasterId id="2147483660" r:id="rId1"/>
   </p:sldMasterIdLst>
   <p:notesMasterIdLst>
-    <p:notesMasterId r:id="rId38"/>
+    <p:notesMasterId r:id="rId44"/>
   </p:notesMasterIdLst>
   <p:handoutMasterIdLst>
-    <p:handoutMasterId r:id="rId39"/>
+    <p:handoutMasterId r:id="rId45"/>
   </p:handoutMasterIdLst>
   <p:sldIdLst>
     <p:sldId id="256" r:id="rId2"/>
@@ -46,7 +46,13 @@
     <p:sldId id="373" r:id="rId34"/>
     <p:sldId id="374" r:id="rId35"/>
     <p:sldId id="375" r:id="rId36"/>
-    <p:sldId id="376" r:id="rId37"/>
+    <p:sldId id="378" r:id="rId37"/>
+    <p:sldId id="376" r:id="rId38"/>
+    <p:sldId id="377" r:id="rId39"/>
+    <p:sldId id="379" r:id="rId40"/>
+    <p:sldId id="380" r:id="rId41"/>
+    <p:sldId id="382" r:id="rId42"/>
+    <p:sldId id="381" r:id="rId43"/>
   </p:sldIdLst>
   <p:sldSz cx="12192000" cy="6858000"/>
   <p:notesSz cx="6858000" cy="9144000"/>
@@ -5511,7 +5517,7 @@
           <p:cNvPr id="2" name="标题 1">
             <a:extLst>
               <a:ext uri="{FF2B5EF4-FFF2-40B4-BE49-F238E27FC236}">
-                <a16:creationId xmlns:a16="http://schemas.microsoft.com/office/drawing/2014/main" id="{C779F269-BE5F-4251-8EE3-D3B207D7A66F}"/>
+                <a16:creationId xmlns:a16="http://schemas.microsoft.com/office/drawing/2014/main" xmlns="" id="{C779F269-BE5F-4251-8EE3-D3B207D7A66F}"/>
               </a:ext>
             </a:extLst>
           </p:cNvPr>
@@ -5539,7 +5545,7 @@
           <p:cNvPr id="4" name="日期占位符 3">
             <a:extLst>
               <a:ext uri="{FF2B5EF4-FFF2-40B4-BE49-F238E27FC236}">
-                <a16:creationId xmlns:a16="http://schemas.microsoft.com/office/drawing/2014/main" id="{CC2DEE5A-D5C1-4B57-B7EE-61483325413D}"/>
+                <a16:creationId xmlns:a16="http://schemas.microsoft.com/office/drawing/2014/main" xmlns="" id="{CC2DEE5A-D5C1-4B57-B7EE-61483325413D}"/>
               </a:ext>
             </a:extLst>
           </p:cNvPr>
@@ -5571,7 +5577,7 @@
           <p:cNvPr id="6" name="灯片编号占位符 5">
             <a:extLst>
               <a:ext uri="{FF2B5EF4-FFF2-40B4-BE49-F238E27FC236}">
-                <a16:creationId xmlns:a16="http://schemas.microsoft.com/office/drawing/2014/main" id="{89059747-7DCE-498E-9C00-87842F1DF7A5}"/>
+                <a16:creationId xmlns:a16="http://schemas.microsoft.com/office/drawing/2014/main" xmlns="" id="{89059747-7DCE-498E-9C00-87842F1DF7A5}"/>
               </a:ext>
             </a:extLst>
           </p:cNvPr>
@@ -5606,7 +5612,7 @@
           <p:cNvPr id="7" name="圖片 4">
             <a:extLst>
               <a:ext uri="{FF2B5EF4-FFF2-40B4-BE49-F238E27FC236}">
-                <a16:creationId xmlns:a16="http://schemas.microsoft.com/office/drawing/2014/main" id="{AD60FF85-BB82-48C3-A8D5-F3FE31FEEE25}"/>
+                <a16:creationId xmlns:a16="http://schemas.microsoft.com/office/drawing/2014/main" xmlns="" id="{AD60FF85-BB82-48C3-A8D5-F3FE31FEEE25}"/>
               </a:ext>
             </a:extLst>
           </p:cNvPr>
@@ -5642,7 +5648,7 @@
           <p:cNvPr id="8" name="圓柱 5">
             <a:extLst>
               <a:ext uri="{FF2B5EF4-FFF2-40B4-BE49-F238E27FC236}">
-                <a16:creationId xmlns:a16="http://schemas.microsoft.com/office/drawing/2014/main" id="{A4910C58-B916-4377-8A20-3433B9850A89}"/>
+                <a16:creationId xmlns:a16="http://schemas.microsoft.com/office/drawing/2014/main" xmlns="" id="{A4910C58-B916-4377-8A20-3433B9850A89}"/>
               </a:ext>
             </a:extLst>
           </p:cNvPr>
@@ -5698,7 +5704,7 @@
           <p:cNvPr id="9" name="Object 12">
             <a:extLst>
               <a:ext uri="{FF2B5EF4-FFF2-40B4-BE49-F238E27FC236}">
-                <a16:creationId xmlns:a16="http://schemas.microsoft.com/office/drawing/2014/main" id="{DB4A9ABD-5112-4CDC-A5E0-E36AF7F715CB}"/>
+                <a16:creationId xmlns:a16="http://schemas.microsoft.com/office/drawing/2014/main" xmlns="" id="{DB4A9ABD-5112-4CDC-A5E0-E36AF7F715CB}"/>
               </a:ext>
             </a:extLst>
           </p:cNvPr>
@@ -5721,7 +5727,7 @@
           <a:graphicData uri="http://schemas.openxmlformats.org/presentationml/2006/ole">
             <mc:AlternateContent xmlns:mc="http://schemas.openxmlformats.org/markup-compatibility/2006">
               <mc:Choice xmlns:v="urn:schemas-microsoft-com:vml" Requires="v">
-                <p:oleObj spid="_x0000_s3214" name="方程式" r:id="rId4" imgW="520560" imgH="215640" progId="Equation.3">
+                <p:oleObj spid="_x0000_s3225" name="方程式" r:id="rId4" imgW="520560" imgH="215640" progId="Equation.3">
                   <p:embed/>
                 </p:oleObj>
               </mc:Choice>
@@ -5766,7 +5772,7 @@
           <p:cNvPr id="10" name="群組 8">
             <a:extLst>
               <a:ext uri="{FF2B5EF4-FFF2-40B4-BE49-F238E27FC236}">
-                <a16:creationId xmlns:a16="http://schemas.microsoft.com/office/drawing/2014/main" id="{86701675-F63F-493D-9E34-74AA169451B4}"/>
+                <a16:creationId xmlns:a16="http://schemas.microsoft.com/office/drawing/2014/main" xmlns="" id="{86701675-F63F-493D-9E34-74AA169451B4}"/>
               </a:ext>
             </a:extLst>
           </p:cNvPr>
@@ -5786,7 +5792,7 @@
             <p:cNvPr id="11" name="Object 12">
               <a:extLst>
                 <a:ext uri="{FF2B5EF4-FFF2-40B4-BE49-F238E27FC236}">
-                  <a16:creationId xmlns:a16="http://schemas.microsoft.com/office/drawing/2014/main" id="{040F69FC-3664-4FA8-B1DA-31B1C77DBB75}"/>
+                  <a16:creationId xmlns:a16="http://schemas.microsoft.com/office/drawing/2014/main" xmlns="" id="{040F69FC-3664-4FA8-B1DA-31B1C77DBB75}"/>
                 </a:ext>
               </a:extLst>
             </p:cNvPr>
@@ -5805,7 +5811,7 @@
             <a:graphicData uri="http://schemas.openxmlformats.org/presentationml/2006/ole">
               <mc:AlternateContent xmlns:mc="http://schemas.openxmlformats.org/markup-compatibility/2006">
                 <mc:Choice xmlns:v="urn:schemas-microsoft-com:vml" Requires="v">
-                  <p:oleObj spid="_x0000_s3215" name="方程式" r:id="rId6" imgW="990360" imgH="215640" progId="Equation.3">
+                  <p:oleObj spid="_x0000_s3226" name="方程式" r:id="rId6" imgW="990360" imgH="215640" progId="Equation.3">
                     <p:embed/>
                   </p:oleObj>
                 </mc:Choice>
@@ -5858,7 +5864,7 @@
             <p:cNvPr id="12" name="文字方塊 75">
               <a:extLst>
                 <a:ext uri="{FF2B5EF4-FFF2-40B4-BE49-F238E27FC236}">
-                  <a16:creationId xmlns:a16="http://schemas.microsoft.com/office/drawing/2014/main" id="{670B65FB-1B58-460A-A2C7-9B516017E47F}"/>
+                  <a16:creationId xmlns:a16="http://schemas.microsoft.com/office/drawing/2014/main" xmlns="" id="{670B65FB-1B58-460A-A2C7-9B516017E47F}"/>
                 </a:ext>
               </a:extLst>
             </p:cNvPr>
@@ -5895,7 +5901,7 @@
             <p:cNvPr id="13" name="Picture 12" descr="https://encrypted-tbn1.gstatic.com/images?q=tbn:ANd9GcRcwlRKAlSIaCI4W5PRYVbuBQQXifF-56bFqAjh9DMe-_3Lh8_YKw">
               <a:extLst>
                 <a:ext uri="{FF2B5EF4-FFF2-40B4-BE49-F238E27FC236}">
-                  <a16:creationId xmlns:a16="http://schemas.microsoft.com/office/drawing/2014/main" id="{8C80662D-B3B1-445B-954A-759D044D7310}"/>
+                  <a16:creationId xmlns:a16="http://schemas.microsoft.com/office/drawing/2014/main" xmlns="" id="{8C80662D-B3B1-445B-954A-759D044D7310}"/>
                 </a:ext>
               </a:extLst>
             </p:cNvPr>
@@ -5943,7 +5949,7 @@
           <p:cNvPr id="14" name="文字方塊 11">
             <a:extLst>
               <a:ext uri="{FF2B5EF4-FFF2-40B4-BE49-F238E27FC236}">
-                <a16:creationId xmlns:a16="http://schemas.microsoft.com/office/drawing/2014/main" id="{B6644981-91B8-4F8D-ADBA-C049EED9F47D}"/>
+                <a16:creationId xmlns:a16="http://schemas.microsoft.com/office/drawing/2014/main" xmlns="" id="{B6644981-91B8-4F8D-ADBA-C049EED9F47D}"/>
               </a:ext>
             </a:extLst>
           </p:cNvPr>
@@ -5983,7 +5989,7 @@
           <p:cNvPr id="15" name="文字方塊 17">
             <a:extLst>
               <a:ext uri="{FF2B5EF4-FFF2-40B4-BE49-F238E27FC236}">
-                <a16:creationId xmlns:a16="http://schemas.microsoft.com/office/drawing/2014/main" id="{CD148FFE-0C1A-43A6-BF00-843E46F6C4A9}"/>
+                <a16:creationId xmlns:a16="http://schemas.microsoft.com/office/drawing/2014/main" xmlns="" id="{CD148FFE-0C1A-43A6-BF00-843E46F6C4A9}"/>
               </a:ext>
             </a:extLst>
           </p:cNvPr>
@@ -6033,7 +6039,7 @@
           <p:cNvPr id="16" name="圓柱 22">
             <a:extLst>
               <a:ext uri="{FF2B5EF4-FFF2-40B4-BE49-F238E27FC236}">
-                <a16:creationId xmlns:a16="http://schemas.microsoft.com/office/drawing/2014/main" id="{C2AC9E2D-2713-4B72-979B-D486E2F2639C}"/>
+                <a16:creationId xmlns:a16="http://schemas.microsoft.com/office/drawing/2014/main" xmlns="" id="{C2AC9E2D-2713-4B72-979B-D486E2F2639C}"/>
               </a:ext>
             </a:extLst>
           </p:cNvPr>
@@ -6081,7 +6087,7 @@
           <p:cNvPr id="17" name="圓角矩形 26">
             <a:extLst>
               <a:ext uri="{FF2B5EF4-FFF2-40B4-BE49-F238E27FC236}">
-                <a16:creationId xmlns:a16="http://schemas.microsoft.com/office/drawing/2014/main" id="{BA910896-9C8A-4898-8A5B-12C3717695B2}"/>
+                <a16:creationId xmlns:a16="http://schemas.microsoft.com/office/drawing/2014/main" xmlns="" id="{BA910896-9C8A-4898-8A5B-12C3717695B2}"/>
               </a:ext>
             </a:extLst>
           </p:cNvPr>
@@ -6145,7 +6151,7 @@
           <p:cNvPr id="18" name="直線單箭頭接點 27">
             <a:extLst>
               <a:ext uri="{FF2B5EF4-FFF2-40B4-BE49-F238E27FC236}">
-                <a16:creationId xmlns:a16="http://schemas.microsoft.com/office/drawing/2014/main" id="{46B85095-3D68-40D1-8931-E74F8BFC4A97}"/>
+                <a16:creationId xmlns:a16="http://schemas.microsoft.com/office/drawing/2014/main" xmlns="" id="{46B85095-3D68-40D1-8931-E74F8BFC4A97}"/>
               </a:ext>
             </a:extLst>
           </p:cNvPr>
@@ -6184,7 +6190,7 @@
           <p:cNvPr id="19" name="直線單箭頭接點 28">
             <a:extLst>
               <a:ext uri="{FF2B5EF4-FFF2-40B4-BE49-F238E27FC236}">
-                <a16:creationId xmlns:a16="http://schemas.microsoft.com/office/drawing/2014/main" id="{A206D4A2-B23E-47CB-8E7C-FB5098DFC78F}"/>
+                <a16:creationId xmlns:a16="http://schemas.microsoft.com/office/drawing/2014/main" xmlns="" id="{A206D4A2-B23E-47CB-8E7C-FB5098DFC78F}"/>
               </a:ext>
             </a:extLst>
           </p:cNvPr>
@@ -6223,7 +6229,7 @@
           <p:cNvPr id="20" name="文字方塊 35">
             <a:extLst>
               <a:ext uri="{FF2B5EF4-FFF2-40B4-BE49-F238E27FC236}">
-                <a16:creationId xmlns:a16="http://schemas.microsoft.com/office/drawing/2014/main" id="{0A08F64A-9EC0-49B2-84C0-50B4665A68B2}"/>
+                <a16:creationId xmlns:a16="http://schemas.microsoft.com/office/drawing/2014/main" xmlns="" id="{0A08F64A-9EC0-49B2-84C0-50B4665A68B2}"/>
               </a:ext>
             </a:extLst>
           </p:cNvPr>
@@ -6280,7 +6286,7 @@
           <p:cNvPr id="21" name="矩形 20">
             <a:extLst>
               <a:ext uri="{FF2B5EF4-FFF2-40B4-BE49-F238E27FC236}">
-                <a16:creationId xmlns:a16="http://schemas.microsoft.com/office/drawing/2014/main" id="{45F11FF2-B145-4B42-B084-B85010584F4B}"/>
+                <a16:creationId xmlns:a16="http://schemas.microsoft.com/office/drawing/2014/main" xmlns="" id="{45F11FF2-B145-4B42-B084-B85010584F4B}"/>
               </a:ext>
             </a:extLst>
           </p:cNvPr>
@@ -6321,7 +6327,7 @@
           <p:cNvPr id="22" name="圖片 37">
             <a:extLst>
               <a:ext uri="{FF2B5EF4-FFF2-40B4-BE49-F238E27FC236}">
-                <a16:creationId xmlns:a16="http://schemas.microsoft.com/office/drawing/2014/main" id="{27F61E55-40D2-48CA-B2A4-3CCAE158D295}"/>
+                <a16:creationId xmlns:a16="http://schemas.microsoft.com/office/drawing/2014/main" xmlns="" id="{27F61E55-40D2-48CA-B2A4-3CCAE158D295}"/>
               </a:ext>
             </a:extLst>
           </p:cNvPr>
@@ -6351,7 +6357,7 @@
           <p:cNvPr id="23" name="圖片 38">
             <a:extLst>
               <a:ext uri="{FF2B5EF4-FFF2-40B4-BE49-F238E27FC236}">
-                <a16:creationId xmlns:a16="http://schemas.microsoft.com/office/drawing/2014/main" id="{F6E24B6C-ACFB-4945-9215-71CF20EB2D2B}"/>
+                <a16:creationId xmlns:a16="http://schemas.microsoft.com/office/drawing/2014/main" xmlns="" id="{F6E24B6C-ACFB-4945-9215-71CF20EB2D2B}"/>
               </a:ext>
             </a:extLst>
           </p:cNvPr>
@@ -6381,7 +6387,7 @@
           <p:cNvPr id="24" name="文字方塊 39">
             <a:extLst>
               <a:ext uri="{FF2B5EF4-FFF2-40B4-BE49-F238E27FC236}">
-                <a16:creationId xmlns:a16="http://schemas.microsoft.com/office/drawing/2014/main" id="{2077EC58-688B-45DA-9585-8B5EFF747C21}"/>
+                <a16:creationId xmlns:a16="http://schemas.microsoft.com/office/drawing/2014/main" xmlns="" id="{2077EC58-688B-45DA-9585-8B5EFF747C21}"/>
               </a:ext>
             </a:extLst>
           </p:cNvPr>
@@ -6418,7 +6424,7 @@
           <p:cNvPr id="25" name="文字方塊 40">
             <a:extLst>
               <a:ext uri="{FF2B5EF4-FFF2-40B4-BE49-F238E27FC236}">
-                <a16:creationId xmlns:a16="http://schemas.microsoft.com/office/drawing/2014/main" id="{9B562F25-BDA7-4165-AFD0-755F0492DDD4}"/>
+                <a16:creationId xmlns:a16="http://schemas.microsoft.com/office/drawing/2014/main" xmlns="" id="{9B562F25-BDA7-4165-AFD0-755F0492DDD4}"/>
               </a:ext>
             </a:extLst>
           </p:cNvPr>
@@ -6455,7 +6461,7 @@
           <p:cNvPr id="26" name="圖片 41">
             <a:extLst>
               <a:ext uri="{FF2B5EF4-FFF2-40B4-BE49-F238E27FC236}">
-                <a16:creationId xmlns:a16="http://schemas.microsoft.com/office/drawing/2014/main" id="{553DEC0C-4B49-4913-BCEC-5D63BB85CC3E}"/>
+                <a16:creationId xmlns:a16="http://schemas.microsoft.com/office/drawing/2014/main" xmlns="" id="{553DEC0C-4B49-4913-BCEC-5D63BB85CC3E}"/>
               </a:ext>
             </a:extLst>
           </p:cNvPr>
@@ -6485,7 +6491,7 @@
           <p:cNvPr id="27" name="矩形 26">
             <a:extLst>
               <a:ext uri="{FF2B5EF4-FFF2-40B4-BE49-F238E27FC236}">
-                <a16:creationId xmlns:a16="http://schemas.microsoft.com/office/drawing/2014/main" id="{93BD42B8-3326-4826-B0D6-BDA00A58F35C}"/>
+                <a16:creationId xmlns:a16="http://schemas.microsoft.com/office/drawing/2014/main" xmlns="" id="{93BD42B8-3326-4826-B0D6-BDA00A58F35C}"/>
               </a:ext>
             </a:extLst>
           </p:cNvPr>
@@ -6525,7 +6531,7 @@
           <p:cNvPr id="28" name="矩形 27">
             <a:extLst>
               <a:ext uri="{FF2B5EF4-FFF2-40B4-BE49-F238E27FC236}">
-                <a16:creationId xmlns:a16="http://schemas.microsoft.com/office/drawing/2014/main" id="{2344BEC7-2CBA-49D3-A79C-080951F115D9}"/>
+                <a16:creationId xmlns:a16="http://schemas.microsoft.com/office/drawing/2014/main" xmlns="" id="{2344BEC7-2CBA-49D3-A79C-080951F115D9}"/>
               </a:ext>
             </a:extLst>
           </p:cNvPr>
@@ -6566,7 +6572,7 @@
           <p:cNvPr id="29" name="矩形 28">
             <a:extLst>
               <a:ext uri="{FF2B5EF4-FFF2-40B4-BE49-F238E27FC236}">
-                <a16:creationId xmlns:a16="http://schemas.microsoft.com/office/drawing/2014/main" id="{F10278E6-750A-4352-9346-FBC6383426E2}"/>
+                <a16:creationId xmlns:a16="http://schemas.microsoft.com/office/drawing/2014/main" xmlns="" id="{F10278E6-750A-4352-9346-FBC6383426E2}"/>
               </a:ext>
             </a:extLst>
           </p:cNvPr>
@@ -6618,7 +6624,7 @@
           <p:cNvPr id="30" name="页脚占位符 4">
             <a:extLst>
               <a:ext uri="{FF2B5EF4-FFF2-40B4-BE49-F238E27FC236}">
-                <a16:creationId xmlns:a16="http://schemas.microsoft.com/office/drawing/2014/main" id="{695CF0EE-630A-4A8F-A959-CFD222411CE2}"/>
+                <a16:creationId xmlns:a16="http://schemas.microsoft.com/office/drawing/2014/main" xmlns="" id="{695CF0EE-630A-4A8F-A959-CFD222411CE2}"/>
               </a:ext>
             </a:extLst>
           </p:cNvPr>
@@ -7320,7 +7326,7 @@
           <p:cNvPr id="2" name="标题 1">
             <a:extLst>
               <a:ext uri="{FF2B5EF4-FFF2-40B4-BE49-F238E27FC236}">
-                <a16:creationId xmlns:a16="http://schemas.microsoft.com/office/drawing/2014/main" id="{2F21F3B5-A64D-4DCA-9CCC-7F0B3E5C58E4}"/>
+                <a16:creationId xmlns:a16="http://schemas.microsoft.com/office/drawing/2014/main" xmlns="" id="{2F21F3B5-A64D-4DCA-9CCC-7F0B3E5C58E4}"/>
               </a:ext>
             </a:extLst>
           </p:cNvPr>
@@ -7348,7 +7354,7 @@
           <p:cNvPr id="4" name="日期占位符 3">
             <a:extLst>
               <a:ext uri="{FF2B5EF4-FFF2-40B4-BE49-F238E27FC236}">
-                <a16:creationId xmlns:a16="http://schemas.microsoft.com/office/drawing/2014/main" id="{C5C07CC5-4A08-4769-88D9-A1F0705AF6CD}"/>
+                <a16:creationId xmlns:a16="http://schemas.microsoft.com/office/drawing/2014/main" xmlns="" id="{C5C07CC5-4A08-4769-88D9-A1F0705AF6CD}"/>
               </a:ext>
             </a:extLst>
           </p:cNvPr>
@@ -7380,7 +7386,7 @@
           <p:cNvPr id="5" name="页脚占位符 4">
             <a:extLst>
               <a:ext uri="{FF2B5EF4-FFF2-40B4-BE49-F238E27FC236}">
-                <a16:creationId xmlns:a16="http://schemas.microsoft.com/office/drawing/2014/main" id="{0ECF1510-3F67-489C-A753-6C05543F5D8E}"/>
+                <a16:creationId xmlns:a16="http://schemas.microsoft.com/office/drawing/2014/main" xmlns="" id="{0ECF1510-3F67-489C-A753-6C05543F5D8E}"/>
               </a:ext>
             </a:extLst>
           </p:cNvPr>
@@ -7412,7 +7418,7 @@
           <p:cNvPr id="6" name="灯片编号占位符 5">
             <a:extLst>
               <a:ext uri="{FF2B5EF4-FFF2-40B4-BE49-F238E27FC236}">
-                <a16:creationId xmlns:a16="http://schemas.microsoft.com/office/drawing/2014/main" id="{CEEF7477-5D18-493B-A5F8-5A256123DB22}"/>
+                <a16:creationId xmlns:a16="http://schemas.microsoft.com/office/drawing/2014/main" xmlns="" id="{CEEF7477-5D18-493B-A5F8-5A256123DB22}"/>
               </a:ext>
             </a:extLst>
           </p:cNvPr>
@@ -7447,7 +7453,7 @@
           <p:cNvPr id="7" name="圓柱 5">
             <a:extLst>
               <a:ext uri="{FF2B5EF4-FFF2-40B4-BE49-F238E27FC236}">
-                <a16:creationId xmlns:a16="http://schemas.microsoft.com/office/drawing/2014/main" id="{13C5A888-600E-40BA-B575-C62CA28FAFBB}"/>
+                <a16:creationId xmlns:a16="http://schemas.microsoft.com/office/drawing/2014/main" xmlns="" id="{13C5A888-600E-40BA-B575-C62CA28FAFBB}"/>
               </a:ext>
             </a:extLst>
           </p:cNvPr>
@@ -7495,7 +7501,7 @@
           <p:cNvPr id="8" name="Object 12">
             <a:extLst>
               <a:ext uri="{FF2B5EF4-FFF2-40B4-BE49-F238E27FC236}">
-                <a16:creationId xmlns:a16="http://schemas.microsoft.com/office/drawing/2014/main" id="{B342BC5F-B650-4540-9688-EFCEDE2DCAA4}"/>
+                <a16:creationId xmlns:a16="http://schemas.microsoft.com/office/drawing/2014/main" xmlns="" id="{B342BC5F-B650-4540-9688-EFCEDE2DCAA4}"/>
               </a:ext>
             </a:extLst>
           </p:cNvPr>
@@ -7518,7 +7524,7 @@
           <a:graphicData uri="http://schemas.openxmlformats.org/presentationml/2006/ole">
             <mc:AlternateContent xmlns:mc="http://schemas.openxmlformats.org/markup-compatibility/2006">
               <mc:Choice xmlns:v="urn:schemas-microsoft-com:vml" Requires="v">
-                <p:oleObj spid="_x0000_s4299" name="方程式" r:id="rId3" imgW="520560" imgH="215640" progId="Equation.3">
+                <p:oleObj spid="_x0000_s4315" name="方程式" r:id="rId3" imgW="520560" imgH="215640" progId="Equation.3">
                   <p:embed/>
                 </p:oleObj>
               </mc:Choice>
@@ -7563,7 +7569,7 @@
           <p:cNvPr id="9" name="文字方塊 17">
             <a:extLst>
               <a:ext uri="{FF2B5EF4-FFF2-40B4-BE49-F238E27FC236}">
-                <a16:creationId xmlns:a16="http://schemas.microsoft.com/office/drawing/2014/main" id="{2CAA0C11-3A8B-40A7-A982-7BB53CDC819F}"/>
+                <a16:creationId xmlns:a16="http://schemas.microsoft.com/office/drawing/2014/main" xmlns="" id="{2CAA0C11-3A8B-40A7-A982-7BB53CDC819F}"/>
               </a:ext>
             </a:extLst>
           </p:cNvPr>
@@ -7613,7 +7619,7 @@
           <p:cNvPr id="10" name="圓柱 22">
             <a:extLst>
               <a:ext uri="{FF2B5EF4-FFF2-40B4-BE49-F238E27FC236}">
-                <a16:creationId xmlns:a16="http://schemas.microsoft.com/office/drawing/2014/main" id="{4689B7FC-28CB-4E77-AA46-F3899D14A7C7}"/>
+                <a16:creationId xmlns:a16="http://schemas.microsoft.com/office/drawing/2014/main" xmlns="" id="{4689B7FC-28CB-4E77-AA46-F3899D14A7C7}"/>
               </a:ext>
             </a:extLst>
           </p:cNvPr>
@@ -7661,7 +7667,7 @@
           <p:cNvPr id="11" name="圓角矩形 26">
             <a:extLst>
               <a:ext uri="{FF2B5EF4-FFF2-40B4-BE49-F238E27FC236}">
-                <a16:creationId xmlns:a16="http://schemas.microsoft.com/office/drawing/2014/main" id="{9DD17BD5-9907-471E-A83F-29D943BAD1CF}"/>
+                <a16:creationId xmlns:a16="http://schemas.microsoft.com/office/drawing/2014/main" xmlns="" id="{9DD17BD5-9907-471E-A83F-29D943BAD1CF}"/>
               </a:ext>
             </a:extLst>
           </p:cNvPr>
@@ -7709,7 +7715,7 @@
           <p:cNvPr id="12" name="直線單箭頭接點 27">
             <a:extLst>
               <a:ext uri="{FF2B5EF4-FFF2-40B4-BE49-F238E27FC236}">
-                <a16:creationId xmlns:a16="http://schemas.microsoft.com/office/drawing/2014/main" id="{FA22C4C8-C34F-4BC3-87E1-C118C0554106}"/>
+                <a16:creationId xmlns:a16="http://schemas.microsoft.com/office/drawing/2014/main" xmlns="" id="{FA22C4C8-C34F-4BC3-87E1-C118C0554106}"/>
               </a:ext>
             </a:extLst>
           </p:cNvPr>
@@ -7748,7 +7754,7 @@
           <p:cNvPr id="13" name="直線單箭頭接點 28">
             <a:extLst>
               <a:ext uri="{FF2B5EF4-FFF2-40B4-BE49-F238E27FC236}">
-                <a16:creationId xmlns:a16="http://schemas.microsoft.com/office/drawing/2014/main" id="{B17D1325-CC48-4623-97BF-443E5683FC4B}"/>
+                <a16:creationId xmlns:a16="http://schemas.microsoft.com/office/drawing/2014/main" xmlns="" id="{B17D1325-CC48-4623-97BF-443E5683FC4B}"/>
               </a:ext>
             </a:extLst>
           </p:cNvPr>
@@ -7787,7 +7793,7 @@
           <p:cNvPr id="14" name="矩形 13">
             <a:extLst>
               <a:ext uri="{FF2B5EF4-FFF2-40B4-BE49-F238E27FC236}">
-                <a16:creationId xmlns:a16="http://schemas.microsoft.com/office/drawing/2014/main" id="{52221F9C-A2E1-455E-86C1-FC74E2207922}"/>
+                <a16:creationId xmlns:a16="http://schemas.microsoft.com/office/drawing/2014/main" xmlns="" id="{52221F9C-A2E1-455E-86C1-FC74E2207922}"/>
               </a:ext>
             </a:extLst>
           </p:cNvPr>
@@ -7828,7 +7834,7 @@
           <p:cNvPr id="15" name="圖片 30">
             <a:extLst>
               <a:ext uri="{FF2B5EF4-FFF2-40B4-BE49-F238E27FC236}">
-                <a16:creationId xmlns:a16="http://schemas.microsoft.com/office/drawing/2014/main" id="{B25A19E1-0BB5-4C02-82BC-71B53B7C2AEC}"/>
+                <a16:creationId xmlns:a16="http://schemas.microsoft.com/office/drawing/2014/main" xmlns="" id="{B25A19E1-0BB5-4C02-82BC-71B53B7C2AEC}"/>
               </a:ext>
             </a:extLst>
           </p:cNvPr>
@@ -7858,7 +7864,7 @@
           <p:cNvPr id="16" name="圖片 31">
             <a:extLst>
               <a:ext uri="{FF2B5EF4-FFF2-40B4-BE49-F238E27FC236}">
-                <a16:creationId xmlns:a16="http://schemas.microsoft.com/office/drawing/2014/main" id="{528BF1DC-96E5-432E-930C-E42789F93C50}"/>
+                <a16:creationId xmlns:a16="http://schemas.microsoft.com/office/drawing/2014/main" xmlns="" id="{528BF1DC-96E5-432E-930C-E42789F93C50}"/>
               </a:ext>
             </a:extLst>
           </p:cNvPr>
@@ -7888,7 +7894,7 @@
           <p:cNvPr id="17" name="文字方塊 32">
             <a:extLst>
               <a:ext uri="{FF2B5EF4-FFF2-40B4-BE49-F238E27FC236}">
-                <a16:creationId xmlns:a16="http://schemas.microsoft.com/office/drawing/2014/main" id="{C11864DB-A316-4618-AC61-927E470CCE7C}"/>
+                <a16:creationId xmlns:a16="http://schemas.microsoft.com/office/drawing/2014/main" xmlns="" id="{C11864DB-A316-4618-AC61-927E470CCE7C}"/>
               </a:ext>
             </a:extLst>
           </p:cNvPr>
@@ -7925,7 +7931,7 @@
           <p:cNvPr id="18" name="文字方塊 33">
             <a:extLst>
               <a:ext uri="{FF2B5EF4-FFF2-40B4-BE49-F238E27FC236}">
-                <a16:creationId xmlns:a16="http://schemas.microsoft.com/office/drawing/2014/main" id="{A9C145A0-8904-479A-95AC-D2AC4E35ACC6}"/>
+                <a16:creationId xmlns:a16="http://schemas.microsoft.com/office/drawing/2014/main" xmlns="" id="{A9C145A0-8904-479A-95AC-D2AC4E35ACC6}"/>
               </a:ext>
             </a:extLst>
           </p:cNvPr>
@@ -7962,7 +7968,7 @@
           <p:cNvPr id="19" name="圖片 34">
             <a:extLst>
               <a:ext uri="{FF2B5EF4-FFF2-40B4-BE49-F238E27FC236}">
-                <a16:creationId xmlns:a16="http://schemas.microsoft.com/office/drawing/2014/main" id="{A038C83F-7859-4E23-AC82-58985F09E8A1}"/>
+                <a16:creationId xmlns:a16="http://schemas.microsoft.com/office/drawing/2014/main" xmlns="" id="{A038C83F-7859-4E23-AC82-58985F09E8A1}"/>
               </a:ext>
             </a:extLst>
           </p:cNvPr>
@@ -7992,7 +7998,7 @@
           <p:cNvPr id="20" name="Object 12">
             <a:extLst>
               <a:ext uri="{FF2B5EF4-FFF2-40B4-BE49-F238E27FC236}">
-                <a16:creationId xmlns:a16="http://schemas.microsoft.com/office/drawing/2014/main" id="{96426069-D24E-4BD7-82BB-1B73EFEF1148}"/>
+                <a16:creationId xmlns:a16="http://schemas.microsoft.com/office/drawing/2014/main" xmlns="" id="{96426069-D24E-4BD7-82BB-1B73EFEF1148}"/>
               </a:ext>
             </a:extLst>
           </p:cNvPr>
@@ -8015,7 +8021,7 @@
           <a:graphicData uri="http://schemas.openxmlformats.org/presentationml/2006/ole">
             <mc:AlternateContent xmlns:mc="http://schemas.openxmlformats.org/markup-compatibility/2006">
               <mc:Choice xmlns:v="urn:schemas-microsoft-com:vml" Requires="v">
-                <p:oleObj spid="_x0000_s4300" name="方程式" r:id="rId8" imgW="203040" imgH="228600" progId="Equation.3">
+                <p:oleObj spid="_x0000_s4316" name="方程式" r:id="rId8" imgW="203040" imgH="228600" progId="Equation.3">
                   <p:embed/>
                 </p:oleObj>
               </mc:Choice>
@@ -8060,7 +8066,7 @@
           <p:cNvPr id="21" name="文字方塊 24">
             <a:extLst>
               <a:ext uri="{FF2B5EF4-FFF2-40B4-BE49-F238E27FC236}">
-                <a16:creationId xmlns:a16="http://schemas.microsoft.com/office/drawing/2014/main" id="{3E25C831-FB74-41F0-AA84-D84356E0AF3F}"/>
+                <a16:creationId xmlns:a16="http://schemas.microsoft.com/office/drawing/2014/main" xmlns="" id="{3E25C831-FB74-41F0-AA84-D84356E0AF3F}"/>
               </a:ext>
             </a:extLst>
           </p:cNvPr>
@@ -8097,7 +8103,7 @@
           <p:cNvPr id="22" name="直線單箭頭接點 25">
             <a:extLst>
               <a:ext uri="{FF2B5EF4-FFF2-40B4-BE49-F238E27FC236}">
-                <a16:creationId xmlns:a16="http://schemas.microsoft.com/office/drawing/2014/main" id="{53A5D98D-FBCD-45B4-B8B8-4A768E39354F}"/>
+                <a16:creationId xmlns:a16="http://schemas.microsoft.com/office/drawing/2014/main" xmlns="" id="{53A5D98D-FBCD-45B4-B8B8-4A768E39354F}"/>
               </a:ext>
             </a:extLst>
           </p:cNvPr>
@@ -8138,7 +8144,7 @@
           <p:cNvPr id="23" name="圓角矩形 37">
             <a:extLst>
               <a:ext uri="{FF2B5EF4-FFF2-40B4-BE49-F238E27FC236}">
-                <a16:creationId xmlns:a16="http://schemas.microsoft.com/office/drawing/2014/main" id="{F4E281F4-8ADF-4B41-A0A7-3C8616D02E03}"/>
+                <a16:creationId xmlns:a16="http://schemas.microsoft.com/office/drawing/2014/main" xmlns="" id="{F4E281F4-8ADF-4B41-A0A7-3C8616D02E03}"/>
               </a:ext>
             </a:extLst>
           </p:cNvPr>
@@ -8189,7 +8195,7 @@
           <p:cNvPr id="24" name="直線單箭頭接點 40">
             <a:extLst>
               <a:ext uri="{FF2B5EF4-FFF2-40B4-BE49-F238E27FC236}">
-                <a16:creationId xmlns:a16="http://schemas.microsoft.com/office/drawing/2014/main" id="{EED9F2A7-BB3D-4DB0-A5FE-4D6726DB5890}"/>
+                <a16:creationId xmlns:a16="http://schemas.microsoft.com/office/drawing/2014/main" xmlns="" id="{EED9F2A7-BB3D-4DB0-A5FE-4D6726DB5890}"/>
               </a:ext>
             </a:extLst>
           </p:cNvPr>
@@ -8228,7 +8234,7 @@
           <p:cNvPr id="25" name="直線單箭頭接點 41">
             <a:extLst>
               <a:ext uri="{FF2B5EF4-FFF2-40B4-BE49-F238E27FC236}">
-                <a16:creationId xmlns:a16="http://schemas.microsoft.com/office/drawing/2014/main" id="{3647F264-2339-4D70-BBD8-3C898E77A058}"/>
+                <a16:creationId xmlns:a16="http://schemas.microsoft.com/office/drawing/2014/main" xmlns="" id="{3647F264-2339-4D70-BBD8-3C898E77A058}"/>
               </a:ext>
             </a:extLst>
           </p:cNvPr>
@@ -8267,7 +8273,7 @@
           <p:cNvPr id="26" name="Object 12">
             <a:extLst>
               <a:ext uri="{FF2B5EF4-FFF2-40B4-BE49-F238E27FC236}">
-                <a16:creationId xmlns:a16="http://schemas.microsoft.com/office/drawing/2014/main" id="{A0956AA3-74B0-4839-9A31-5A2A28950B1E}"/>
+                <a16:creationId xmlns:a16="http://schemas.microsoft.com/office/drawing/2014/main" xmlns="" id="{A0956AA3-74B0-4839-9A31-5A2A28950B1E}"/>
               </a:ext>
             </a:extLst>
           </p:cNvPr>
@@ -8290,7 +8296,7 @@
           <a:graphicData uri="http://schemas.openxmlformats.org/presentationml/2006/ole">
             <mc:AlternateContent xmlns:mc="http://schemas.openxmlformats.org/markup-compatibility/2006">
               <mc:Choice xmlns:v="urn:schemas-microsoft-com:vml" Requires="v">
-                <p:oleObj spid="_x0000_s4301" name="方程式" r:id="rId10" imgW="203040" imgH="228600" progId="Equation.3">
+                <p:oleObj spid="_x0000_s4317" name="方程式" r:id="rId10" imgW="203040" imgH="228600" progId="Equation.3">
                   <p:embed/>
                 </p:oleObj>
               </mc:Choice>
@@ -8335,7 +8341,7 @@
           <p:cNvPr id="27" name="Picture 12" descr="https://encrypted-tbn1.gstatic.com/images?q=tbn:ANd9GcRcwlRKAlSIaCI4W5PRYVbuBQQXifF-56bFqAjh9DMe-_3Lh8_YKw">
             <a:extLst>
               <a:ext uri="{FF2B5EF4-FFF2-40B4-BE49-F238E27FC236}">
-                <a16:creationId xmlns:a16="http://schemas.microsoft.com/office/drawing/2014/main" id="{4D67006C-9A71-4B9D-A460-CE8C4DA6324E}"/>
+                <a16:creationId xmlns:a16="http://schemas.microsoft.com/office/drawing/2014/main" xmlns="" id="{4D67006C-9A71-4B9D-A460-CE8C4DA6324E}"/>
               </a:ext>
             </a:extLst>
           </p:cNvPr>
@@ -8382,7 +8388,7 @@
           <p:cNvPr id="28" name="文字方塊 45">
             <a:extLst>
               <a:ext uri="{FF2B5EF4-FFF2-40B4-BE49-F238E27FC236}">
-                <a16:creationId xmlns:a16="http://schemas.microsoft.com/office/drawing/2014/main" id="{00C6E81C-A033-4C81-A001-D621CD84248E}"/>
+                <a16:creationId xmlns:a16="http://schemas.microsoft.com/office/drawing/2014/main" xmlns="" id="{00C6E81C-A033-4C81-A001-D621CD84248E}"/>
               </a:ext>
             </a:extLst>
           </p:cNvPr>
@@ -8419,7 +8425,7 @@
           <p:cNvPr id="29" name="矩形 28">
             <a:extLst>
               <a:ext uri="{FF2B5EF4-FFF2-40B4-BE49-F238E27FC236}">
-                <a16:creationId xmlns:a16="http://schemas.microsoft.com/office/drawing/2014/main" id="{E1AC2FDE-73E1-49AA-9B98-6BFAC871FAFD}"/>
+                <a16:creationId xmlns:a16="http://schemas.microsoft.com/office/drawing/2014/main" xmlns="" id="{E1AC2FDE-73E1-49AA-9B98-6BFAC871FAFD}"/>
               </a:ext>
             </a:extLst>
           </p:cNvPr>
@@ -8471,7 +8477,7 @@
           <p:cNvPr id="30" name="矩形 29">
             <a:extLst>
               <a:ext uri="{FF2B5EF4-FFF2-40B4-BE49-F238E27FC236}">
-                <a16:creationId xmlns:a16="http://schemas.microsoft.com/office/drawing/2014/main" id="{E074733E-FA25-4E88-AB42-320E3CA89A14}"/>
+                <a16:creationId xmlns:a16="http://schemas.microsoft.com/office/drawing/2014/main" xmlns="" id="{E074733E-FA25-4E88-AB42-320E3CA89A14}"/>
               </a:ext>
             </a:extLst>
           </p:cNvPr>
@@ -8523,7 +8529,7 @@
           <p:cNvPr id="31" name="文字方塊 47">
             <a:extLst>
               <a:ext uri="{FF2B5EF4-FFF2-40B4-BE49-F238E27FC236}">
-                <a16:creationId xmlns:a16="http://schemas.microsoft.com/office/drawing/2014/main" id="{017A0524-DF83-490A-BF4B-E426793D8FD8}"/>
+                <a16:creationId xmlns:a16="http://schemas.microsoft.com/office/drawing/2014/main" xmlns="" id="{017A0524-DF83-490A-BF4B-E426793D8FD8}"/>
               </a:ext>
             </a:extLst>
           </p:cNvPr>
@@ -8573,7 +8579,7 @@
           <p:cNvPr id="32" name="文字方塊 48">
             <a:extLst>
               <a:ext uri="{FF2B5EF4-FFF2-40B4-BE49-F238E27FC236}">
-                <a16:creationId xmlns:a16="http://schemas.microsoft.com/office/drawing/2014/main" id="{2D346CE1-A373-4747-87DC-E08EDA429EBC}"/>
+                <a16:creationId xmlns:a16="http://schemas.microsoft.com/office/drawing/2014/main" xmlns="" id="{2D346CE1-A373-4747-87DC-E08EDA429EBC}"/>
               </a:ext>
             </a:extLst>
           </p:cNvPr>
@@ -8623,7 +8629,7 @@
           <p:cNvPr id="33" name="矩形 32">
             <a:extLst>
               <a:ext uri="{FF2B5EF4-FFF2-40B4-BE49-F238E27FC236}">
-                <a16:creationId xmlns:a16="http://schemas.microsoft.com/office/drawing/2014/main" id="{EB1CF628-4430-4B3F-AE2F-E19A55CCEFBD}"/>
+                <a16:creationId xmlns:a16="http://schemas.microsoft.com/office/drawing/2014/main" xmlns="" id="{EB1CF628-4430-4B3F-AE2F-E19A55CCEFBD}"/>
               </a:ext>
             </a:extLst>
           </p:cNvPr>
@@ -8675,7 +8681,7 @@
           <p:cNvPr id="34" name="矩形 33">
             <a:extLst>
               <a:ext uri="{FF2B5EF4-FFF2-40B4-BE49-F238E27FC236}">
-                <a16:creationId xmlns:a16="http://schemas.microsoft.com/office/drawing/2014/main" id="{80F3F945-585E-4A1F-94B5-CF3A08FD50C3}"/>
+                <a16:creationId xmlns:a16="http://schemas.microsoft.com/office/drawing/2014/main" xmlns="" id="{80F3F945-585E-4A1F-94B5-CF3A08FD50C3}"/>
               </a:ext>
             </a:extLst>
           </p:cNvPr>
@@ -8727,7 +8733,7 @@
           <p:cNvPr id="35" name="矩形 34">
             <a:extLst>
               <a:ext uri="{FF2B5EF4-FFF2-40B4-BE49-F238E27FC236}">
-                <a16:creationId xmlns:a16="http://schemas.microsoft.com/office/drawing/2014/main" id="{916AB394-5659-480E-BABE-2331F31E0EC6}"/>
+                <a16:creationId xmlns:a16="http://schemas.microsoft.com/office/drawing/2014/main" xmlns="" id="{916AB394-5659-480E-BABE-2331F31E0EC6}"/>
               </a:ext>
             </a:extLst>
           </p:cNvPr>
@@ -8779,7 +8785,7 @@
           <p:cNvPr id="36" name="文字方塊 52">
             <a:extLst>
               <a:ext uri="{FF2B5EF4-FFF2-40B4-BE49-F238E27FC236}">
-                <a16:creationId xmlns:a16="http://schemas.microsoft.com/office/drawing/2014/main" id="{6D4B55D2-7DFD-4ABB-B5C8-39E4081FF0C7}"/>
+                <a16:creationId xmlns:a16="http://schemas.microsoft.com/office/drawing/2014/main" xmlns="" id="{6D4B55D2-7DFD-4ABB-B5C8-39E4081FF0C7}"/>
               </a:ext>
             </a:extLst>
           </p:cNvPr>
@@ -8829,7 +8835,7 @@
           <p:cNvPr id="37" name="文字方塊 53">
             <a:extLst>
               <a:ext uri="{FF2B5EF4-FFF2-40B4-BE49-F238E27FC236}">
-                <a16:creationId xmlns:a16="http://schemas.microsoft.com/office/drawing/2014/main" id="{50E29081-D45A-4F28-9EFF-5460C6A952AA}"/>
+                <a16:creationId xmlns:a16="http://schemas.microsoft.com/office/drawing/2014/main" xmlns="" id="{50E29081-D45A-4F28-9EFF-5460C6A952AA}"/>
               </a:ext>
             </a:extLst>
           </p:cNvPr>
@@ -8879,7 +8885,7 @@
           <p:cNvPr id="38" name="文字方塊 54">
             <a:extLst>
               <a:ext uri="{FF2B5EF4-FFF2-40B4-BE49-F238E27FC236}">
-                <a16:creationId xmlns:a16="http://schemas.microsoft.com/office/drawing/2014/main" id="{ACB38E13-E3DD-4362-8BF2-C842A6C48388}"/>
+                <a16:creationId xmlns:a16="http://schemas.microsoft.com/office/drawing/2014/main" xmlns="" id="{ACB38E13-E3DD-4362-8BF2-C842A6C48388}"/>
               </a:ext>
             </a:extLst>
           </p:cNvPr>
@@ -9679,7 +9685,7 @@
           <p:cNvPr id="2" name="标题 1">
             <a:extLst>
               <a:ext uri="{FF2B5EF4-FFF2-40B4-BE49-F238E27FC236}">
-                <a16:creationId xmlns:a16="http://schemas.microsoft.com/office/drawing/2014/main" id="{9442FABF-4FB1-4F36-9513-8945F183E53F}"/>
+                <a16:creationId xmlns:a16="http://schemas.microsoft.com/office/drawing/2014/main" xmlns="" id="{9442FABF-4FB1-4F36-9513-8945F183E53F}"/>
               </a:ext>
             </a:extLst>
           </p:cNvPr>
@@ -9707,7 +9713,7 @@
           <p:cNvPr id="3" name="内容占位符 2">
             <a:extLst>
               <a:ext uri="{FF2B5EF4-FFF2-40B4-BE49-F238E27FC236}">
-                <a16:creationId xmlns:a16="http://schemas.microsoft.com/office/drawing/2014/main" id="{261CD801-DECC-4617-8BD3-2A35547A5650}"/>
+                <a16:creationId xmlns:a16="http://schemas.microsoft.com/office/drawing/2014/main" xmlns="" id="{261CD801-DECC-4617-8BD3-2A35547A5650}"/>
               </a:ext>
             </a:extLst>
           </p:cNvPr>
@@ -9901,7 +9907,7 @@
           <p:cNvPr id="4" name="日期占位符 3">
             <a:extLst>
               <a:ext uri="{FF2B5EF4-FFF2-40B4-BE49-F238E27FC236}">
-                <a16:creationId xmlns:a16="http://schemas.microsoft.com/office/drawing/2014/main" id="{C868FBBD-1904-43DF-87E5-827E773A483F}"/>
+                <a16:creationId xmlns:a16="http://schemas.microsoft.com/office/drawing/2014/main" xmlns="" id="{C868FBBD-1904-43DF-87E5-827E773A483F}"/>
               </a:ext>
             </a:extLst>
           </p:cNvPr>
@@ -9933,7 +9939,7 @@
           <p:cNvPr id="5" name="页脚占位符 4">
             <a:extLst>
               <a:ext uri="{FF2B5EF4-FFF2-40B4-BE49-F238E27FC236}">
-                <a16:creationId xmlns:a16="http://schemas.microsoft.com/office/drawing/2014/main" id="{88D48CA5-9EF4-4AA9-AC2E-8CA93B352A63}"/>
+                <a16:creationId xmlns:a16="http://schemas.microsoft.com/office/drawing/2014/main" xmlns="" id="{88D48CA5-9EF4-4AA9-AC2E-8CA93B352A63}"/>
               </a:ext>
             </a:extLst>
           </p:cNvPr>
@@ -9965,7 +9971,7 @@
           <p:cNvPr id="6" name="灯片编号占位符 5">
             <a:extLst>
               <a:ext uri="{FF2B5EF4-FFF2-40B4-BE49-F238E27FC236}">
-                <a16:creationId xmlns:a16="http://schemas.microsoft.com/office/drawing/2014/main" id="{17EE97E5-38B6-483C-A03E-1007DD19B573}"/>
+                <a16:creationId xmlns:a16="http://schemas.microsoft.com/office/drawing/2014/main" xmlns="" id="{17EE97E5-38B6-483C-A03E-1007DD19B573}"/>
               </a:ext>
             </a:extLst>
           </p:cNvPr>
@@ -10030,7 +10036,7 @@
           <p:cNvPr id="2" name="标题 1">
             <a:extLst>
               <a:ext uri="{FF2B5EF4-FFF2-40B4-BE49-F238E27FC236}">
-                <a16:creationId xmlns:a16="http://schemas.microsoft.com/office/drawing/2014/main" id="{05BAECAB-F1F5-4970-9B27-3664D47E9FCE}"/>
+                <a16:creationId xmlns:a16="http://schemas.microsoft.com/office/drawing/2014/main" xmlns="" id="{05BAECAB-F1F5-4970-9B27-3664D47E9FCE}"/>
               </a:ext>
             </a:extLst>
           </p:cNvPr>
@@ -10058,7 +10064,7 @@
           <p:cNvPr id="3" name="内容占位符 2">
             <a:extLst>
               <a:ext uri="{FF2B5EF4-FFF2-40B4-BE49-F238E27FC236}">
-                <a16:creationId xmlns:a16="http://schemas.microsoft.com/office/drawing/2014/main" id="{9D054DA1-D7B2-4E6F-B664-AB3C21CAFD41}"/>
+                <a16:creationId xmlns:a16="http://schemas.microsoft.com/office/drawing/2014/main" xmlns="" id="{9D054DA1-D7B2-4E6F-B664-AB3C21CAFD41}"/>
               </a:ext>
             </a:extLst>
           </p:cNvPr>
@@ -10157,7 +10163,7 @@
           <p:cNvPr id="4" name="日期占位符 3">
             <a:extLst>
               <a:ext uri="{FF2B5EF4-FFF2-40B4-BE49-F238E27FC236}">
-                <a16:creationId xmlns:a16="http://schemas.microsoft.com/office/drawing/2014/main" id="{6A1B7D36-9DAA-4A61-8ACF-9B9A2C235FAB}"/>
+                <a16:creationId xmlns:a16="http://schemas.microsoft.com/office/drawing/2014/main" xmlns="" id="{6A1B7D36-9DAA-4A61-8ACF-9B9A2C235FAB}"/>
               </a:ext>
             </a:extLst>
           </p:cNvPr>
@@ -10189,7 +10195,7 @@
           <p:cNvPr id="5" name="页脚占位符 4">
             <a:extLst>
               <a:ext uri="{FF2B5EF4-FFF2-40B4-BE49-F238E27FC236}">
-                <a16:creationId xmlns:a16="http://schemas.microsoft.com/office/drawing/2014/main" id="{81421D9D-CF75-401C-89BE-6BA073E750AE}"/>
+                <a16:creationId xmlns:a16="http://schemas.microsoft.com/office/drawing/2014/main" xmlns="" id="{81421D9D-CF75-401C-89BE-6BA073E750AE}"/>
               </a:ext>
             </a:extLst>
           </p:cNvPr>
@@ -10221,7 +10227,7 @@
           <p:cNvPr id="6" name="灯片编号占位符 5">
             <a:extLst>
               <a:ext uri="{FF2B5EF4-FFF2-40B4-BE49-F238E27FC236}">
-                <a16:creationId xmlns:a16="http://schemas.microsoft.com/office/drawing/2014/main" id="{963E6159-A365-4D20-920B-6A048CB7DC4C}"/>
+                <a16:creationId xmlns:a16="http://schemas.microsoft.com/office/drawing/2014/main" xmlns="" id="{963E6159-A365-4D20-920B-6A048CB7DC4C}"/>
               </a:ext>
             </a:extLst>
           </p:cNvPr>
@@ -10256,7 +10262,7 @@
           <p:cNvPr id="5126" name="Picture 6" descr="“猫”的图片搜索结果">
             <a:extLst>
               <a:ext uri="{FF2B5EF4-FFF2-40B4-BE49-F238E27FC236}">
-                <a16:creationId xmlns:a16="http://schemas.microsoft.com/office/drawing/2014/main" id="{AD96913F-3195-4EC9-9C8D-BEAA34839E94}"/>
+                <a16:creationId xmlns:a16="http://schemas.microsoft.com/office/drawing/2014/main" xmlns="" id="{AD96913F-3195-4EC9-9C8D-BEAA34839E94}"/>
               </a:ext>
             </a:extLst>
           </p:cNvPr>
@@ -10303,7 +10309,7 @@
           <p:cNvPr id="5128" name="Picture 8" descr="“猫”的图片搜索结果">
             <a:extLst>
               <a:ext uri="{FF2B5EF4-FFF2-40B4-BE49-F238E27FC236}">
-                <a16:creationId xmlns:a16="http://schemas.microsoft.com/office/drawing/2014/main" id="{9B70B574-4A67-4543-BECA-5BF688E3F16A}"/>
+                <a16:creationId xmlns:a16="http://schemas.microsoft.com/office/drawing/2014/main" xmlns="" id="{9B70B574-4A67-4543-BECA-5BF688E3F16A}"/>
               </a:ext>
             </a:extLst>
           </p:cNvPr>
@@ -10350,7 +10356,7 @@
           <p:cNvPr id="13" name="图片 12">
             <a:extLst>
               <a:ext uri="{FF2B5EF4-FFF2-40B4-BE49-F238E27FC236}">
-                <a16:creationId xmlns:a16="http://schemas.microsoft.com/office/drawing/2014/main" id="{A0EA8E6D-30C6-4A9A-BF0D-A02659CFA73C}"/>
+                <a16:creationId xmlns:a16="http://schemas.microsoft.com/office/drawing/2014/main" xmlns="" id="{A0EA8E6D-30C6-4A9A-BF0D-A02659CFA73C}"/>
               </a:ext>
             </a:extLst>
           </p:cNvPr>
@@ -10380,7 +10386,7 @@
           <p:cNvPr id="15" name="图片 14">
             <a:extLst>
               <a:ext uri="{FF2B5EF4-FFF2-40B4-BE49-F238E27FC236}">
-                <a16:creationId xmlns:a16="http://schemas.microsoft.com/office/drawing/2014/main" id="{DE25F0F6-8098-4048-A5A5-7F7BD283417A}"/>
+                <a16:creationId xmlns:a16="http://schemas.microsoft.com/office/drawing/2014/main" xmlns="" id="{DE25F0F6-8098-4048-A5A5-7F7BD283417A}"/>
               </a:ext>
             </a:extLst>
           </p:cNvPr>
@@ -10410,7 +10416,7 @@
           <p:cNvPr id="18" name="文字方塊 39">
             <a:extLst>
               <a:ext uri="{FF2B5EF4-FFF2-40B4-BE49-F238E27FC236}">
-                <a16:creationId xmlns:a16="http://schemas.microsoft.com/office/drawing/2014/main" id="{EB4A6560-0B3B-406B-9BAC-690FE129F6F1}"/>
+                <a16:creationId xmlns:a16="http://schemas.microsoft.com/office/drawing/2014/main" xmlns="" id="{EB4A6560-0B3B-406B-9BAC-690FE129F6F1}"/>
               </a:ext>
             </a:extLst>
           </p:cNvPr>
@@ -10447,7 +10453,7 @@
           <p:cNvPr id="19" name="文字方塊 40">
             <a:extLst>
               <a:ext uri="{FF2B5EF4-FFF2-40B4-BE49-F238E27FC236}">
-                <a16:creationId xmlns:a16="http://schemas.microsoft.com/office/drawing/2014/main" id="{9540D4D3-1AA7-44D0-A5E3-25A9A600B5D9}"/>
+                <a16:creationId xmlns:a16="http://schemas.microsoft.com/office/drawing/2014/main" xmlns="" id="{9540D4D3-1AA7-44D0-A5E3-25A9A600B5D9}"/>
               </a:ext>
             </a:extLst>
           </p:cNvPr>
@@ -10484,7 +10490,7 @@
           <p:cNvPr id="20" name="文字方塊 39">
             <a:extLst>
               <a:ext uri="{FF2B5EF4-FFF2-40B4-BE49-F238E27FC236}">
-                <a16:creationId xmlns:a16="http://schemas.microsoft.com/office/drawing/2014/main" id="{504A2DF6-0B7F-409F-816F-977F634B204C}"/>
+                <a16:creationId xmlns:a16="http://schemas.microsoft.com/office/drawing/2014/main" xmlns="" id="{504A2DF6-0B7F-409F-816F-977F634B204C}"/>
               </a:ext>
             </a:extLst>
           </p:cNvPr>
@@ -10521,7 +10527,7 @@
           <p:cNvPr id="21" name="文字方塊 40">
             <a:extLst>
               <a:ext uri="{FF2B5EF4-FFF2-40B4-BE49-F238E27FC236}">
-                <a16:creationId xmlns:a16="http://schemas.microsoft.com/office/drawing/2014/main" id="{FCD63D29-D9B3-474F-9918-78F5EFE30854}"/>
+                <a16:creationId xmlns:a16="http://schemas.microsoft.com/office/drawing/2014/main" xmlns="" id="{FCD63D29-D9B3-474F-9918-78F5EFE30854}"/>
               </a:ext>
             </a:extLst>
           </p:cNvPr>
@@ -10558,7 +10564,7 @@
           <p:cNvPr id="22" name="Picture 6" descr="“猫”的图片搜索结果">
             <a:extLst>
               <a:ext uri="{FF2B5EF4-FFF2-40B4-BE49-F238E27FC236}">
-                <a16:creationId xmlns:a16="http://schemas.microsoft.com/office/drawing/2014/main" id="{81283274-5CEE-4E37-B3EB-85E1B0CA88B9}"/>
+                <a16:creationId xmlns:a16="http://schemas.microsoft.com/office/drawing/2014/main" xmlns="" id="{81283274-5CEE-4E37-B3EB-85E1B0CA88B9}"/>
               </a:ext>
             </a:extLst>
           </p:cNvPr>
@@ -10605,7 +10611,7 @@
           <p:cNvPr id="23" name="Picture 8" descr="“猫”的图片搜索结果">
             <a:extLst>
               <a:ext uri="{FF2B5EF4-FFF2-40B4-BE49-F238E27FC236}">
-                <a16:creationId xmlns:a16="http://schemas.microsoft.com/office/drawing/2014/main" id="{826D2D49-1218-46F6-BF25-A8E10E8E2277}"/>
+                <a16:creationId xmlns:a16="http://schemas.microsoft.com/office/drawing/2014/main" xmlns="" id="{826D2D49-1218-46F6-BF25-A8E10E8E2277}"/>
               </a:ext>
             </a:extLst>
           </p:cNvPr>
@@ -10652,7 +10658,7 @@
           <p:cNvPr id="24" name="图片 23">
             <a:extLst>
               <a:ext uri="{FF2B5EF4-FFF2-40B4-BE49-F238E27FC236}">
-                <a16:creationId xmlns:a16="http://schemas.microsoft.com/office/drawing/2014/main" id="{17D0E1AF-65A6-437F-9560-FFB32371F846}"/>
+                <a16:creationId xmlns:a16="http://schemas.microsoft.com/office/drawing/2014/main" xmlns="" id="{17D0E1AF-65A6-437F-9560-FFB32371F846}"/>
               </a:ext>
             </a:extLst>
           </p:cNvPr>
@@ -10682,7 +10688,7 @@
           <p:cNvPr id="25" name="图片 24">
             <a:extLst>
               <a:ext uri="{FF2B5EF4-FFF2-40B4-BE49-F238E27FC236}">
-                <a16:creationId xmlns:a16="http://schemas.microsoft.com/office/drawing/2014/main" id="{D80C2078-7BF3-4F2F-B186-F7A054360DD7}"/>
+                <a16:creationId xmlns:a16="http://schemas.microsoft.com/office/drawing/2014/main" xmlns="" id="{D80C2078-7BF3-4F2F-B186-F7A054360DD7}"/>
               </a:ext>
             </a:extLst>
           </p:cNvPr>
@@ -10712,7 +10718,7 @@
           <p:cNvPr id="26" name="Picture 6" descr="“猫”的图片搜索结果">
             <a:extLst>
               <a:ext uri="{FF2B5EF4-FFF2-40B4-BE49-F238E27FC236}">
-                <a16:creationId xmlns:a16="http://schemas.microsoft.com/office/drawing/2014/main" id="{3AC3A9E7-2D87-4D61-AA5F-C3DDCF0CE545}"/>
+                <a16:creationId xmlns:a16="http://schemas.microsoft.com/office/drawing/2014/main" xmlns="" id="{3AC3A9E7-2D87-4D61-AA5F-C3DDCF0CE545}"/>
               </a:ext>
             </a:extLst>
           </p:cNvPr>
@@ -10759,7 +10765,7 @@
           <p:cNvPr id="27" name="Picture 8" descr="“猫”的图片搜索结果">
             <a:extLst>
               <a:ext uri="{FF2B5EF4-FFF2-40B4-BE49-F238E27FC236}">
-                <a16:creationId xmlns:a16="http://schemas.microsoft.com/office/drawing/2014/main" id="{0DE14F62-FC23-437D-B2E0-DBF75E44A246}"/>
+                <a16:creationId xmlns:a16="http://schemas.microsoft.com/office/drawing/2014/main" xmlns="" id="{0DE14F62-FC23-437D-B2E0-DBF75E44A246}"/>
               </a:ext>
             </a:extLst>
           </p:cNvPr>
@@ -10806,7 +10812,7 @@
           <p:cNvPr id="28" name="图片 27">
             <a:extLst>
               <a:ext uri="{FF2B5EF4-FFF2-40B4-BE49-F238E27FC236}">
-                <a16:creationId xmlns:a16="http://schemas.microsoft.com/office/drawing/2014/main" id="{DCC9CCA1-5408-431F-89C1-18FB5670714A}"/>
+                <a16:creationId xmlns:a16="http://schemas.microsoft.com/office/drawing/2014/main" xmlns="" id="{DCC9CCA1-5408-431F-89C1-18FB5670714A}"/>
               </a:ext>
             </a:extLst>
           </p:cNvPr>
@@ -10836,7 +10842,7 @@
           <p:cNvPr id="29" name="图片 28">
             <a:extLst>
               <a:ext uri="{FF2B5EF4-FFF2-40B4-BE49-F238E27FC236}">
-                <a16:creationId xmlns:a16="http://schemas.microsoft.com/office/drawing/2014/main" id="{052A63B6-E239-4BD0-A6C3-92AECE82A0AC}"/>
+                <a16:creationId xmlns:a16="http://schemas.microsoft.com/office/drawing/2014/main" xmlns="" id="{052A63B6-E239-4BD0-A6C3-92AECE82A0AC}"/>
               </a:ext>
             </a:extLst>
           </p:cNvPr>
@@ -10866,7 +10872,7 @@
           <p:cNvPr id="30" name="文字方塊 39">
             <a:extLst>
               <a:ext uri="{FF2B5EF4-FFF2-40B4-BE49-F238E27FC236}">
-                <a16:creationId xmlns:a16="http://schemas.microsoft.com/office/drawing/2014/main" id="{CDA6D0C3-39AB-45AC-AA29-BC02221852A3}"/>
+                <a16:creationId xmlns:a16="http://schemas.microsoft.com/office/drawing/2014/main" xmlns="" id="{CDA6D0C3-39AB-45AC-AA29-BC02221852A3}"/>
               </a:ext>
             </a:extLst>
           </p:cNvPr>
@@ -10903,7 +10909,7 @@
           <p:cNvPr id="31" name="文字方塊 40">
             <a:extLst>
               <a:ext uri="{FF2B5EF4-FFF2-40B4-BE49-F238E27FC236}">
-                <a16:creationId xmlns:a16="http://schemas.microsoft.com/office/drawing/2014/main" id="{BDB7D785-9EB9-4E68-BFBA-5B193E8D861D}"/>
+                <a16:creationId xmlns:a16="http://schemas.microsoft.com/office/drawing/2014/main" xmlns="" id="{BDB7D785-9EB9-4E68-BFBA-5B193E8D861D}"/>
               </a:ext>
             </a:extLst>
           </p:cNvPr>
@@ -10940,7 +10946,7 @@
           <p:cNvPr id="32" name="文字方塊 39">
             <a:extLst>
               <a:ext uri="{FF2B5EF4-FFF2-40B4-BE49-F238E27FC236}">
-                <a16:creationId xmlns:a16="http://schemas.microsoft.com/office/drawing/2014/main" id="{555EFD52-BD58-4994-8DAE-E5A42C97A922}"/>
+                <a16:creationId xmlns:a16="http://schemas.microsoft.com/office/drawing/2014/main" xmlns="" id="{555EFD52-BD58-4994-8DAE-E5A42C97A922}"/>
               </a:ext>
             </a:extLst>
           </p:cNvPr>
@@ -10977,7 +10983,7 @@
           <p:cNvPr id="33" name="文字方塊 40">
             <a:extLst>
               <a:ext uri="{FF2B5EF4-FFF2-40B4-BE49-F238E27FC236}">
-                <a16:creationId xmlns:a16="http://schemas.microsoft.com/office/drawing/2014/main" id="{8D19BE08-18F2-4AEF-BC15-8A09DD7C705B}"/>
+                <a16:creationId xmlns:a16="http://schemas.microsoft.com/office/drawing/2014/main" xmlns="" id="{8D19BE08-18F2-4AEF-BC15-8A09DD7C705B}"/>
               </a:ext>
             </a:extLst>
           </p:cNvPr>
@@ -11014,7 +11020,7 @@
           <p:cNvPr id="5140" name="Picture 20" descr="“狗”的图片搜索结果">
             <a:extLst>
               <a:ext uri="{FF2B5EF4-FFF2-40B4-BE49-F238E27FC236}">
-                <a16:creationId xmlns:a16="http://schemas.microsoft.com/office/drawing/2014/main" id="{9ACC94B5-726A-42EE-894C-BA7BE8CD7186}"/>
+                <a16:creationId xmlns:a16="http://schemas.microsoft.com/office/drawing/2014/main" xmlns="" id="{9ACC94B5-726A-42EE-894C-BA7BE8CD7186}"/>
               </a:ext>
             </a:extLst>
           </p:cNvPr>
@@ -11061,7 +11067,7 @@
           <p:cNvPr id="5142" name="Picture 22" descr="“猫”的图片搜索结果">
             <a:extLst>
               <a:ext uri="{FF2B5EF4-FFF2-40B4-BE49-F238E27FC236}">
-                <a16:creationId xmlns:a16="http://schemas.microsoft.com/office/drawing/2014/main" id="{3D4A4F16-59C7-43C1-9C67-3082E881E1D0}"/>
+                <a16:creationId xmlns:a16="http://schemas.microsoft.com/office/drawing/2014/main" xmlns="" id="{3D4A4F16-59C7-43C1-9C67-3082E881E1D0}"/>
               </a:ext>
             </a:extLst>
           </p:cNvPr>
@@ -11538,7 +11544,7 @@
           <p:cNvPr id="2" name="标题 1">
             <a:extLst>
               <a:ext uri="{FF2B5EF4-FFF2-40B4-BE49-F238E27FC236}">
-                <a16:creationId xmlns:a16="http://schemas.microsoft.com/office/drawing/2014/main" id="{DDE33977-990F-48BD-8B10-3350156C1301}"/>
+                <a16:creationId xmlns:a16="http://schemas.microsoft.com/office/drawing/2014/main" xmlns="" id="{DDE33977-990F-48BD-8B10-3350156C1301}"/>
               </a:ext>
             </a:extLst>
           </p:cNvPr>
@@ -11566,7 +11572,7 @@
           <p:cNvPr id="3" name="日期占位符 2">
             <a:extLst>
               <a:ext uri="{FF2B5EF4-FFF2-40B4-BE49-F238E27FC236}">
-                <a16:creationId xmlns:a16="http://schemas.microsoft.com/office/drawing/2014/main" id="{3233B34B-D0CD-41D2-803C-8D192544BC60}"/>
+                <a16:creationId xmlns:a16="http://schemas.microsoft.com/office/drawing/2014/main" xmlns="" id="{3233B34B-D0CD-41D2-803C-8D192544BC60}"/>
               </a:ext>
             </a:extLst>
           </p:cNvPr>
@@ -11598,7 +11604,7 @@
           <p:cNvPr id="4" name="页脚占位符 3">
             <a:extLst>
               <a:ext uri="{FF2B5EF4-FFF2-40B4-BE49-F238E27FC236}">
-                <a16:creationId xmlns:a16="http://schemas.microsoft.com/office/drawing/2014/main" id="{A2ECB6E5-3012-43ED-96E1-F8AF9262160C}"/>
+                <a16:creationId xmlns:a16="http://schemas.microsoft.com/office/drawing/2014/main" xmlns="" id="{A2ECB6E5-3012-43ED-96E1-F8AF9262160C}"/>
               </a:ext>
             </a:extLst>
           </p:cNvPr>
@@ -11630,7 +11636,7 @@
           <p:cNvPr id="5" name="灯片编号占位符 4">
             <a:extLst>
               <a:ext uri="{FF2B5EF4-FFF2-40B4-BE49-F238E27FC236}">
-                <a16:creationId xmlns:a16="http://schemas.microsoft.com/office/drawing/2014/main" id="{D8640F76-883C-40EF-9AD3-8C5834A1C1F0}"/>
+                <a16:creationId xmlns:a16="http://schemas.microsoft.com/office/drawing/2014/main" xmlns="" id="{D8640F76-883C-40EF-9AD3-8C5834A1C1F0}"/>
               </a:ext>
             </a:extLst>
           </p:cNvPr>
@@ -11665,7 +11671,7 @@
           <p:cNvPr id="6" name="Picture 2" descr="ai head">
             <a:extLst>
               <a:ext uri="{FF2B5EF4-FFF2-40B4-BE49-F238E27FC236}">
-                <a16:creationId xmlns:a16="http://schemas.microsoft.com/office/drawing/2014/main" id="{ACAC611B-6E57-4817-B16F-009B1A018FB9}"/>
+                <a16:creationId xmlns:a16="http://schemas.microsoft.com/office/drawing/2014/main" xmlns="" id="{ACAC611B-6E57-4817-B16F-009B1A018FB9}"/>
               </a:ext>
             </a:extLst>
           </p:cNvPr>
@@ -11740,7 +11746,7 @@
           <p:cNvPr id="2" name="标题 1">
             <a:extLst>
               <a:ext uri="{FF2B5EF4-FFF2-40B4-BE49-F238E27FC236}">
-                <a16:creationId xmlns:a16="http://schemas.microsoft.com/office/drawing/2014/main" id="{DD03AD3E-BE9E-42C6-B249-B76CE569CD4E}"/>
+                <a16:creationId xmlns:a16="http://schemas.microsoft.com/office/drawing/2014/main" xmlns="" id="{DD03AD3E-BE9E-42C6-B249-B76CE569CD4E}"/>
               </a:ext>
             </a:extLst>
           </p:cNvPr>
@@ -11768,7 +11774,7 @@
           <p:cNvPr id="3" name="内容占位符 2">
             <a:extLst>
               <a:ext uri="{FF2B5EF4-FFF2-40B4-BE49-F238E27FC236}">
-                <a16:creationId xmlns:a16="http://schemas.microsoft.com/office/drawing/2014/main" id="{0D759A90-3F96-4C2A-9877-9F19781C0BC8}"/>
+                <a16:creationId xmlns:a16="http://schemas.microsoft.com/office/drawing/2014/main" xmlns="" id="{0D759A90-3F96-4C2A-9877-9F19781C0BC8}"/>
               </a:ext>
             </a:extLst>
           </p:cNvPr>
@@ -11866,7 +11872,7 @@
           <p:cNvPr id="4" name="日期占位符 3">
             <a:extLst>
               <a:ext uri="{FF2B5EF4-FFF2-40B4-BE49-F238E27FC236}">
-                <a16:creationId xmlns:a16="http://schemas.microsoft.com/office/drawing/2014/main" id="{4E3825FE-4341-4CF0-941C-B4BABC1B3DC7}"/>
+                <a16:creationId xmlns:a16="http://schemas.microsoft.com/office/drawing/2014/main" xmlns="" id="{4E3825FE-4341-4CF0-941C-B4BABC1B3DC7}"/>
               </a:ext>
             </a:extLst>
           </p:cNvPr>
@@ -11898,7 +11904,7 @@
           <p:cNvPr id="5" name="页脚占位符 4">
             <a:extLst>
               <a:ext uri="{FF2B5EF4-FFF2-40B4-BE49-F238E27FC236}">
-                <a16:creationId xmlns:a16="http://schemas.microsoft.com/office/drawing/2014/main" id="{E75B2C1F-3E29-4D40-AE04-8AE261587309}"/>
+                <a16:creationId xmlns:a16="http://schemas.microsoft.com/office/drawing/2014/main" xmlns="" id="{E75B2C1F-3E29-4D40-AE04-8AE261587309}"/>
               </a:ext>
             </a:extLst>
           </p:cNvPr>
@@ -11930,7 +11936,7 @@
           <p:cNvPr id="6" name="灯片编号占位符 5">
             <a:extLst>
               <a:ext uri="{FF2B5EF4-FFF2-40B4-BE49-F238E27FC236}">
-                <a16:creationId xmlns:a16="http://schemas.microsoft.com/office/drawing/2014/main" id="{EA694379-8134-4263-994B-7087BE0D7718}"/>
+                <a16:creationId xmlns:a16="http://schemas.microsoft.com/office/drawing/2014/main" xmlns="" id="{EA694379-8134-4263-994B-7087BE0D7718}"/>
               </a:ext>
             </a:extLst>
           </p:cNvPr>
@@ -11995,7 +12001,7 @@
           <p:cNvPr id="2" name="标题 1">
             <a:extLst>
               <a:ext uri="{FF2B5EF4-FFF2-40B4-BE49-F238E27FC236}">
-                <a16:creationId xmlns:a16="http://schemas.microsoft.com/office/drawing/2014/main" id="{A84C90B4-A40A-46C1-B377-D17BA45AF7D8}"/>
+                <a16:creationId xmlns:a16="http://schemas.microsoft.com/office/drawing/2014/main" xmlns="" id="{A84C90B4-A40A-46C1-B377-D17BA45AF7D8}"/>
               </a:ext>
             </a:extLst>
           </p:cNvPr>
@@ -12023,7 +12029,7 @@
           <p:cNvPr id="3" name="内容占位符 2">
             <a:extLst>
               <a:ext uri="{FF2B5EF4-FFF2-40B4-BE49-F238E27FC236}">
-                <a16:creationId xmlns:a16="http://schemas.microsoft.com/office/drawing/2014/main" id="{A6AD590F-BDB6-4099-BAE5-F5750586A12E}"/>
+                <a16:creationId xmlns:a16="http://schemas.microsoft.com/office/drawing/2014/main" xmlns="" id="{A6AD590F-BDB6-4099-BAE5-F5750586A12E}"/>
               </a:ext>
             </a:extLst>
           </p:cNvPr>
@@ -12114,7 +12120,7 @@
           <p:cNvPr id="4" name="日期占位符 3">
             <a:extLst>
               <a:ext uri="{FF2B5EF4-FFF2-40B4-BE49-F238E27FC236}">
-                <a16:creationId xmlns:a16="http://schemas.microsoft.com/office/drawing/2014/main" id="{38AF9A90-79CD-46C9-A82B-361D2E396C78}"/>
+                <a16:creationId xmlns:a16="http://schemas.microsoft.com/office/drawing/2014/main" xmlns="" id="{38AF9A90-79CD-46C9-A82B-361D2E396C78}"/>
               </a:ext>
             </a:extLst>
           </p:cNvPr>
@@ -12146,7 +12152,7 @@
           <p:cNvPr id="5" name="页脚占位符 4">
             <a:extLst>
               <a:ext uri="{FF2B5EF4-FFF2-40B4-BE49-F238E27FC236}">
-                <a16:creationId xmlns:a16="http://schemas.microsoft.com/office/drawing/2014/main" id="{5F590F6D-696D-4411-BC80-2EBFBBD029CD}"/>
+                <a16:creationId xmlns:a16="http://schemas.microsoft.com/office/drawing/2014/main" xmlns="" id="{5F590F6D-696D-4411-BC80-2EBFBBD029CD}"/>
               </a:ext>
             </a:extLst>
           </p:cNvPr>
@@ -12178,7 +12184,7 @@
           <p:cNvPr id="6" name="灯片编号占位符 5">
             <a:extLst>
               <a:ext uri="{FF2B5EF4-FFF2-40B4-BE49-F238E27FC236}">
-                <a16:creationId xmlns:a16="http://schemas.microsoft.com/office/drawing/2014/main" id="{2DAF391A-119B-4975-904F-29D16D2F9F54}"/>
+                <a16:creationId xmlns:a16="http://schemas.microsoft.com/office/drawing/2014/main" xmlns="" id="{2DAF391A-119B-4975-904F-29D16D2F9F54}"/>
               </a:ext>
             </a:extLst>
           </p:cNvPr>
@@ -12302,7 +12308,7 @@
           <p:cNvPr id="2" name="标题 1">
             <a:extLst>
               <a:ext uri="{FF2B5EF4-FFF2-40B4-BE49-F238E27FC236}">
-                <a16:creationId xmlns:a16="http://schemas.microsoft.com/office/drawing/2014/main" id="{54D5A80D-18D6-42E1-BD49-64E886178140}"/>
+                <a16:creationId xmlns:a16="http://schemas.microsoft.com/office/drawing/2014/main" xmlns="" id="{54D5A80D-18D6-42E1-BD49-64E886178140}"/>
               </a:ext>
             </a:extLst>
           </p:cNvPr>
@@ -12332,7 +12338,7 @@
               <p:cNvPr id="12" name="内容占位符 11">
                 <a:extLst>
                   <a:ext uri="{FF2B5EF4-FFF2-40B4-BE49-F238E27FC236}">
-                    <a16:creationId xmlns:a16="http://schemas.microsoft.com/office/drawing/2014/main" id="{9A636946-A956-43FD-9D29-8526A6B369D5}"/>
+                    <a16:creationId xmlns:a16="http://schemas.microsoft.com/office/drawing/2014/main" xmlns="" id="{9A636946-A956-43FD-9D29-8526A6B369D5}"/>
                   </a:ext>
                 </a:extLst>
               </p:cNvPr>
@@ -12479,7 +12485,7 @@
                       <m:sSupPr>
                         <m:ctrlPr>
                           <a:rPr lang="en-US" altLang="zh-CN" b="0" i="1" smtClean="0">
-                            <a:latin typeface="Cambria Math" panose="02040503050406030204" pitchFamily="18" charset="0"/>
+                            <a:latin typeface="Cambria Math" charset="0"/>
                           </a:rPr>
                         </m:ctrlPr>
                       </m:sSupPr>
@@ -12496,7 +12502,7 @@
                           <m:dPr>
                             <m:ctrlPr>
                               <a:rPr lang="en-US" altLang="zh-CN" b="0" i="1" smtClean="0">
-                                <a:latin typeface="Cambria Math" panose="02040503050406030204" pitchFamily="18" charset="0"/>
+                                <a:latin typeface="Cambria Math" charset="0"/>
                               </a:rPr>
                             </m:ctrlPr>
                           </m:dPr>
@@ -12521,7 +12527,7 @@
                       <m:sSupPr>
                         <m:ctrlPr>
                           <a:rPr lang="en-US" altLang="zh-CN" b="0" i="1" smtClean="0">
-                            <a:latin typeface="Cambria Math" panose="02040503050406030204" pitchFamily="18" charset="0"/>
+                            <a:latin typeface="Cambria Math" charset="0"/>
                           </a:rPr>
                         </m:ctrlPr>
                       </m:sSupPr>
@@ -12670,7 +12676,7 @@
           <p:cNvPr id="15" name="内容占位符 14">
             <a:extLst>
               <a:ext uri="{FF2B5EF4-FFF2-40B4-BE49-F238E27FC236}">
-                <a16:creationId xmlns:a16="http://schemas.microsoft.com/office/drawing/2014/main" id="{3522E053-E523-498D-8B06-C20AB220B3B0}"/>
+                <a16:creationId xmlns:a16="http://schemas.microsoft.com/office/drawing/2014/main" xmlns="" id="{3522E053-E523-498D-8B06-C20AB220B3B0}"/>
               </a:ext>
             </a:extLst>
           </p:cNvPr>
@@ -12705,7 +12711,7 @@
           <p:cNvPr id="4" name="日期占位符 3">
             <a:extLst>
               <a:ext uri="{FF2B5EF4-FFF2-40B4-BE49-F238E27FC236}">
-                <a16:creationId xmlns:a16="http://schemas.microsoft.com/office/drawing/2014/main" id="{6EFABF30-1F8F-4FD4-9AFB-3A8776AB1508}"/>
+                <a16:creationId xmlns:a16="http://schemas.microsoft.com/office/drawing/2014/main" xmlns="" id="{6EFABF30-1F8F-4FD4-9AFB-3A8776AB1508}"/>
               </a:ext>
             </a:extLst>
           </p:cNvPr>
@@ -12737,7 +12743,7 @@
           <p:cNvPr id="5" name="页脚占位符 4">
             <a:extLst>
               <a:ext uri="{FF2B5EF4-FFF2-40B4-BE49-F238E27FC236}">
-                <a16:creationId xmlns:a16="http://schemas.microsoft.com/office/drawing/2014/main" id="{85411ADB-4940-4F5F-8822-F66BFD15EE2B}"/>
+                <a16:creationId xmlns:a16="http://schemas.microsoft.com/office/drawing/2014/main" xmlns="" id="{85411ADB-4940-4F5F-8822-F66BFD15EE2B}"/>
               </a:ext>
             </a:extLst>
           </p:cNvPr>
@@ -12769,7 +12775,7 @@
           <p:cNvPr id="6" name="灯片编号占位符 5">
             <a:extLst>
               <a:ext uri="{FF2B5EF4-FFF2-40B4-BE49-F238E27FC236}">
-                <a16:creationId xmlns:a16="http://schemas.microsoft.com/office/drawing/2014/main" id="{40957E66-7741-4638-BFCE-C6BE6F7BB196}"/>
+                <a16:creationId xmlns:a16="http://schemas.microsoft.com/office/drawing/2014/main" xmlns="" id="{40957E66-7741-4638-BFCE-C6BE6F7BB196}"/>
               </a:ext>
             </a:extLst>
           </p:cNvPr>
@@ -12804,7 +12810,7 @@
           <p:cNvPr id="16" name="内容占位符 6">
             <a:extLst>
               <a:ext uri="{FF2B5EF4-FFF2-40B4-BE49-F238E27FC236}">
-                <a16:creationId xmlns:a16="http://schemas.microsoft.com/office/drawing/2014/main" id="{EB980026-D29F-4C6E-9BFC-18210325D87E}"/>
+                <a16:creationId xmlns:a16="http://schemas.microsoft.com/office/drawing/2014/main" xmlns="" id="{EB980026-D29F-4C6E-9BFC-18210325D87E}"/>
               </a:ext>
             </a:extLst>
           </p:cNvPr>
@@ -12833,14 +12839,14 @@
                 <a:gridCol w="1212783">
                   <a:extLst>
                     <a:ext uri="{9D8B030D-6E8A-4147-A177-3AD203B41FA5}">
-                      <a16:colId xmlns:a16="http://schemas.microsoft.com/office/drawing/2014/main" val="849694925"/>
+                      <a16:colId xmlns:a16="http://schemas.microsoft.com/office/drawing/2014/main" xmlns="" val="849694925"/>
                     </a:ext>
                   </a:extLst>
                 </a:gridCol>
                 <a:gridCol w="1212783">
                   <a:extLst>
                     <a:ext uri="{9D8B030D-6E8A-4147-A177-3AD203B41FA5}">
-                      <a16:colId xmlns:a16="http://schemas.microsoft.com/office/drawing/2014/main" val="2032597962"/>
+                      <a16:colId xmlns:a16="http://schemas.microsoft.com/office/drawing/2014/main" xmlns="" val="2032597962"/>
                     </a:ext>
                   </a:extLst>
                 </a:gridCol>
@@ -12886,7 +12892,7 @@
                 </a:tc>
                 <a:extLst>
                   <a:ext uri="{0D108BD9-81ED-4DB2-BD59-A6C34878D82A}">
-                    <a16:rowId xmlns:a16="http://schemas.microsoft.com/office/drawing/2014/main" val="246005499"/>
+                    <a16:rowId xmlns:a16="http://schemas.microsoft.com/office/drawing/2014/main" xmlns="" val="246005499"/>
                   </a:ext>
                 </a:extLst>
               </a:tr>
@@ -12923,7 +12929,7 @@
                 </a:tc>
                 <a:extLst>
                   <a:ext uri="{0D108BD9-81ED-4DB2-BD59-A6C34878D82A}">
-                    <a16:rowId xmlns:a16="http://schemas.microsoft.com/office/drawing/2014/main" val="1967244540"/>
+                    <a16:rowId xmlns:a16="http://schemas.microsoft.com/office/drawing/2014/main" xmlns="" val="1967244540"/>
                   </a:ext>
                 </a:extLst>
               </a:tr>
@@ -12960,7 +12966,7 @@
                 </a:tc>
                 <a:extLst>
                   <a:ext uri="{0D108BD9-81ED-4DB2-BD59-A6C34878D82A}">
-                    <a16:rowId xmlns:a16="http://schemas.microsoft.com/office/drawing/2014/main" val="1823030155"/>
+                    <a16:rowId xmlns:a16="http://schemas.microsoft.com/office/drawing/2014/main" xmlns="" val="1823030155"/>
                   </a:ext>
                 </a:extLst>
               </a:tr>
@@ -12997,7 +13003,7 @@
                 </a:tc>
                 <a:extLst>
                   <a:ext uri="{0D108BD9-81ED-4DB2-BD59-A6C34878D82A}">
-                    <a16:rowId xmlns:a16="http://schemas.microsoft.com/office/drawing/2014/main" val="1815547532"/>
+                    <a16:rowId xmlns:a16="http://schemas.microsoft.com/office/drawing/2014/main" xmlns="" val="1815547532"/>
                   </a:ext>
                 </a:extLst>
               </a:tr>
@@ -13034,7 +13040,7 @@
                 </a:tc>
                 <a:extLst>
                   <a:ext uri="{0D108BD9-81ED-4DB2-BD59-A6C34878D82A}">
-                    <a16:rowId xmlns:a16="http://schemas.microsoft.com/office/drawing/2014/main" val="168178639"/>
+                    <a16:rowId xmlns:a16="http://schemas.microsoft.com/office/drawing/2014/main" xmlns="" val="168178639"/>
                   </a:ext>
                 </a:extLst>
               </a:tr>
@@ -13077,7 +13083,7 @@
           <p:cNvPr id="2" name="标题 1">
             <a:extLst>
               <a:ext uri="{FF2B5EF4-FFF2-40B4-BE49-F238E27FC236}">
-                <a16:creationId xmlns:a16="http://schemas.microsoft.com/office/drawing/2014/main" id="{2EF6CFFB-B21D-4816-8B60-4F694DE205A3}"/>
+                <a16:creationId xmlns:a16="http://schemas.microsoft.com/office/drawing/2014/main" xmlns="" id="{2EF6CFFB-B21D-4816-8B60-4F694DE205A3}"/>
               </a:ext>
             </a:extLst>
           </p:cNvPr>
@@ -13105,7 +13111,7 @@
           <p:cNvPr id="4" name="日期占位符 3">
             <a:extLst>
               <a:ext uri="{FF2B5EF4-FFF2-40B4-BE49-F238E27FC236}">
-                <a16:creationId xmlns:a16="http://schemas.microsoft.com/office/drawing/2014/main" id="{C85B2897-6538-42C2-ACB0-1A31F8468D6E}"/>
+                <a16:creationId xmlns:a16="http://schemas.microsoft.com/office/drawing/2014/main" xmlns="" id="{C85B2897-6538-42C2-ACB0-1A31F8468D6E}"/>
               </a:ext>
             </a:extLst>
           </p:cNvPr>
@@ -13137,7 +13143,7 @@
           <p:cNvPr id="5" name="页脚占位符 4">
             <a:extLst>
               <a:ext uri="{FF2B5EF4-FFF2-40B4-BE49-F238E27FC236}">
-                <a16:creationId xmlns:a16="http://schemas.microsoft.com/office/drawing/2014/main" id="{F14B425A-3171-4E97-89FA-80AFA74855FB}"/>
+                <a16:creationId xmlns:a16="http://schemas.microsoft.com/office/drawing/2014/main" xmlns="" id="{F14B425A-3171-4E97-89FA-80AFA74855FB}"/>
               </a:ext>
             </a:extLst>
           </p:cNvPr>
@@ -13169,7 +13175,7 @@
           <p:cNvPr id="6" name="灯片编号占位符 5">
             <a:extLst>
               <a:ext uri="{FF2B5EF4-FFF2-40B4-BE49-F238E27FC236}">
-                <a16:creationId xmlns:a16="http://schemas.microsoft.com/office/drawing/2014/main" id="{F15C4534-974F-4C9E-B28B-699F862B6BC7}"/>
+                <a16:creationId xmlns:a16="http://schemas.microsoft.com/office/drawing/2014/main" xmlns="" id="{F15C4534-974F-4C9E-B28B-699F862B6BC7}"/>
               </a:ext>
             </a:extLst>
           </p:cNvPr>
@@ -13206,7 +13212,7 @@
               <p:cNvPr id="10" name="内容占位符 9">
                 <a:extLst>
                   <a:ext uri="{FF2B5EF4-FFF2-40B4-BE49-F238E27FC236}">
-                    <a16:creationId xmlns:a16="http://schemas.microsoft.com/office/drawing/2014/main" id="{BD0E0E32-A568-44E3-89AF-900661C8FDC1}"/>
+                    <a16:creationId xmlns:a16="http://schemas.microsoft.com/office/drawing/2014/main" xmlns="" id="{BD0E0E32-A568-44E3-89AF-900661C8FDC1}"/>
                   </a:ext>
                 </a:extLst>
               </p:cNvPr>
@@ -13253,7 +13259,7 @@
                       <m:dPr>
                         <m:ctrlPr>
                           <a:rPr lang="en-US" altLang="zh-CN" b="0" i="1" smtClean="0">
-                            <a:latin typeface="Cambria Math" panose="02040503050406030204" pitchFamily="18" charset="0"/>
+                            <a:latin typeface="Cambria Math" charset="0"/>
                           </a:rPr>
                         </m:ctrlPr>
                       </m:dPr>
@@ -13413,7 +13419,7 @@
           <p:cNvPr id="8" name="内容占位符 14">
             <a:extLst>
               <a:ext uri="{FF2B5EF4-FFF2-40B4-BE49-F238E27FC236}">
-                <a16:creationId xmlns:a16="http://schemas.microsoft.com/office/drawing/2014/main" id="{CA915622-2D59-44FD-B4E4-7AD11D279975}"/>
+                <a16:creationId xmlns:a16="http://schemas.microsoft.com/office/drawing/2014/main" xmlns="" id="{CA915622-2D59-44FD-B4E4-7AD11D279975}"/>
               </a:ext>
             </a:extLst>
           </p:cNvPr>
@@ -13449,7 +13455,7 @@
           <p:cNvPr id="9" name="直接连接符 8">
             <a:extLst>
               <a:ext uri="{FF2B5EF4-FFF2-40B4-BE49-F238E27FC236}">
-                <a16:creationId xmlns:a16="http://schemas.microsoft.com/office/drawing/2014/main" id="{B8EA0638-0410-4EC6-84F4-1A23C7402721}"/>
+                <a16:creationId xmlns:a16="http://schemas.microsoft.com/office/drawing/2014/main" xmlns="" id="{B8EA0638-0410-4EC6-84F4-1A23C7402721}"/>
               </a:ext>
             </a:extLst>
           </p:cNvPr>
@@ -13488,7 +13494,7 @@
           <p:cNvPr id="12" name="直接连接符 11">
             <a:extLst>
               <a:ext uri="{FF2B5EF4-FFF2-40B4-BE49-F238E27FC236}">
-                <a16:creationId xmlns:a16="http://schemas.microsoft.com/office/drawing/2014/main" id="{9667FD76-2C8E-4BD3-B647-AA153E470261}"/>
+                <a16:creationId xmlns:a16="http://schemas.microsoft.com/office/drawing/2014/main" xmlns="" id="{9667FD76-2C8E-4BD3-B647-AA153E470261}"/>
               </a:ext>
             </a:extLst>
           </p:cNvPr>
@@ -13531,7 +13537,7 @@
           <p:cNvPr id="15" name="直接连接符 14">
             <a:extLst>
               <a:ext uri="{FF2B5EF4-FFF2-40B4-BE49-F238E27FC236}">
-                <a16:creationId xmlns:a16="http://schemas.microsoft.com/office/drawing/2014/main" id="{430E730C-2EF6-476D-B193-EB414A1C87EE}"/>
+                <a16:creationId xmlns:a16="http://schemas.microsoft.com/office/drawing/2014/main" xmlns="" id="{430E730C-2EF6-476D-B193-EB414A1C87EE}"/>
               </a:ext>
             </a:extLst>
           </p:cNvPr>
@@ -13823,7 +13829,7 @@
           <p:cNvPr id="2" name="标题 1">
             <a:extLst>
               <a:ext uri="{FF2B5EF4-FFF2-40B4-BE49-F238E27FC236}">
-                <a16:creationId xmlns:a16="http://schemas.microsoft.com/office/drawing/2014/main" id="{C720F6F0-C510-4BBE-89E6-A8C9A8A57415}"/>
+                <a16:creationId xmlns:a16="http://schemas.microsoft.com/office/drawing/2014/main" xmlns="" id="{C720F6F0-C510-4BBE-89E6-A8C9A8A57415}"/>
               </a:ext>
             </a:extLst>
           </p:cNvPr>
@@ -13853,7 +13859,7 @@
               <p:cNvPr id="3" name="内容占位符 2">
                 <a:extLst>
                   <a:ext uri="{FF2B5EF4-FFF2-40B4-BE49-F238E27FC236}">
-                    <a16:creationId xmlns:a16="http://schemas.microsoft.com/office/drawing/2014/main" id="{A68605A4-A425-4CD5-8D59-3ADEED6DE32A}"/>
+                    <a16:creationId xmlns:a16="http://schemas.microsoft.com/office/drawing/2014/main" xmlns="" id="{A68605A4-A425-4CD5-8D59-3ADEED6DE32A}"/>
                   </a:ext>
                 </a:extLst>
               </p:cNvPr>
@@ -14182,7 +14188,7 @@
           <p:cNvPr id="4" name="日期占位符 3">
             <a:extLst>
               <a:ext uri="{FF2B5EF4-FFF2-40B4-BE49-F238E27FC236}">
-                <a16:creationId xmlns:a16="http://schemas.microsoft.com/office/drawing/2014/main" id="{97913FA6-F7A2-4197-B8DA-F29481A0F82B}"/>
+                <a16:creationId xmlns:a16="http://schemas.microsoft.com/office/drawing/2014/main" xmlns="" id="{97913FA6-F7A2-4197-B8DA-F29481A0F82B}"/>
               </a:ext>
             </a:extLst>
           </p:cNvPr>
@@ -14214,7 +14220,7 @@
           <p:cNvPr id="5" name="页脚占位符 4">
             <a:extLst>
               <a:ext uri="{FF2B5EF4-FFF2-40B4-BE49-F238E27FC236}">
-                <a16:creationId xmlns:a16="http://schemas.microsoft.com/office/drawing/2014/main" id="{E5823841-CED2-4B9C-8F0A-FE5DBE628BCB}"/>
+                <a16:creationId xmlns:a16="http://schemas.microsoft.com/office/drawing/2014/main" xmlns="" id="{E5823841-CED2-4B9C-8F0A-FE5DBE628BCB}"/>
               </a:ext>
             </a:extLst>
           </p:cNvPr>
@@ -14246,7 +14252,7 @@
           <p:cNvPr id="6" name="灯片编号占位符 5">
             <a:extLst>
               <a:ext uri="{FF2B5EF4-FFF2-40B4-BE49-F238E27FC236}">
-                <a16:creationId xmlns:a16="http://schemas.microsoft.com/office/drawing/2014/main" id="{730AF170-3554-43A2-BA79-E5FF54F2C147}"/>
+                <a16:creationId xmlns:a16="http://schemas.microsoft.com/office/drawing/2014/main" xmlns="" id="{730AF170-3554-43A2-BA79-E5FF54F2C147}"/>
               </a:ext>
             </a:extLst>
           </p:cNvPr>
@@ -14281,7 +14287,7 @@
           <p:cNvPr id="7" name="内容占位符 14">
             <a:extLst>
               <a:ext uri="{FF2B5EF4-FFF2-40B4-BE49-F238E27FC236}">
-                <a16:creationId xmlns:a16="http://schemas.microsoft.com/office/drawing/2014/main" id="{9AFCF1CC-4784-410E-B4A4-0CEA25C2A6C6}"/>
+                <a16:creationId xmlns:a16="http://schemas.microsoft.com/office/drawing/2014/main" xmlns="" id="{9AFCF1CC-4784-410E-B4A4-0CEA25C2A6C6}"/>
               </a:ext>
             </a:extLst>
           </p:cNvPr>
@@ -14317,7 +14323,7 @@
           <p:cNvPr id="8" name="直接连接符 7">
             <a:extLst>
               <a:ext uri="{FF2B5EF4-FFF2-40B4-BE49-F238E27FC236}">
-                <a16:creationId xmlns:a16="http://schemas.microsoft.com/office/drawing/2014/main" id="{993906AA-D657-4AAA-8F8D-DC8087721264}"/>
+                <a16:creationId xmlns:a16="http://schemas.microsoft.com/office/drawing/2014/main" xmlns="" id="{993906AA-D657-4AAA-8F8D-DC8087721264}"/>
               </a:ext>
             </a:extLst>
           </p:cNvPr>
@@ -14356,7 +14362,7 @@
           <p:cNvPr id="9" name="直接连接符 8">
             <a:extLst>
               <a:ext uri="{FF2B5EF4-FFF2-40B4-BE49-F238E27FC236}">
-                <a16:creationId xmlns:a16="http://schemas.microsoft.com/office/drawing/2014/main" id="{5B6D09FB-D13D-47E9-A513-50281374E973}"/>
+                <a16:creationId xmlns:a16="http://schemas.microsoft.com/office/drawing/2014/main" xmlns="" id="{5B6D09FB-D13D-47E9-A513-50281374E973}"/>
               </a:ext>
             </a:extLst>
           </p:cNvPr>
@@ -14399,7 +14405,7 @@
           <p:cNvPr id="10" name="直接连接符 9">
             <a:extLst>
               <a:ext uri="{FF2B5EF4-FFF2-40B4-BE49-F238E27FC236}">
-                <a16:creationId xmlns:a16="http://schemas.microsoft.com/office/drawing/2014/main" id="{D823F8C7-6F36-48A0-A850-97D4586184C8}"/>
+                <a16:creationId xmlns:a16="http://schemas.microsoft.com/office/drawing/2014/main" xmlns="" id="{D823F8C7-6F36-48A0-A850-97D4586184C8}"/>
               </a:ext>
             </a:extLst>
           </p:cNvPr>
@@ -14444,7 +14450,7 @@
               <p:cNvPr id="11" name="矩形 10">
                 <a:extLst>
                   <a:ext uri="{FF2B5EF4-FFF2-40B4-BE49-F238E27FC236}">
-                    <a16:creationId xmlns:a16="http://schemas.microsoft.com/office/drawing/2014/main" id="{25CFE4FA-4ADB-4B82-B875-AA5178D80394}"/>
+                    <a16:creationId xmlns:a16="http://schemas.microsoft.com/office/drawing/2014/main" xmlns="" id="{25CFE4FA-4ADB-4B82-B875-AA5178D80394}"/>
                   </a:ext>
                 </a:extLst>
               </p:cNvPr>
@@ -14483,7 +14489,7 @@
                         <m:dPr>
                           <m:ctrlPr>
                             <a:rPr lang="en-US" altLang="zh-CN" sz="2000" i="1">
-                              <a:latin typeface="Cambria Math" panose="02040503050406030204" pitchFamily="18" charset="0"/>
+                              <a:latin typeface="Cambria Math" charset="0"/>
                             </a:rPr>
                           </m:ctrlPr>
                         </m:dPr>
@@ -14519,7 +14525,7 @@
                           <m:chr m:val="∑"/>
                           <m:ctrlPr>
                             <a:rPr lang="en-US" altLang="zh-CN" sz="2000" i="1">
-                              <a:latin typeface="Cambria Math" panose="02040503050406030204" pitchFamily="18" charset="0"/>
+                              <a:latin typeface="Cambria Math" charset="0"/>
                             </a:rPr>
                           </m:ctrlPr>
                         </m:naryPr>
@@ -14553,7 +14559,7 @@
                             <m:sSupPr>
                               <m:ctrlPr>
                                 <a:rPr lang="en-US" altLang="zh-CN" sz="2000" i="1">
-                                  <a:latin typeface="Cambria Math" panose="02040503050406030204" pitchFamily="18" charset="0"/>
+                                  <a:latin typeface="Cambria Math" charset="0"/>
                                 </a:rPr>
                               </m:ctrlPr>
                             </m:sSupPr>
@@ -14562,7 +14568,7 @@
                                 <m:dPr>
                                   <m:ctrlPr>
                                     <a:rPr lang="en-US" altLang="zh-CN" sz="2000" i="1">
-                                      <a:latin typeface="Cambria Math" panose="02040503050406030204" pitchFamily="18" charset="0"/>
+                                      <a:latin typeface="Cambria Math" charset="0"/>
                                     </a:rPr>
                                   </m:ctrlPr>
                                 </m:dPr>
@@ -14571,7 +14577,7 @@
                                     <m:sSupPr>
                                       <m:ctrlPr>
                                         <a:rPr lang="en-US" altLang="zh-CN" sz="2000" i="1">
-                                          <a:latin typeface="Cambria Math" panose="02040503050406030204" pitchFamily="18" charset="0"/>
+                                          <a:latin typeface="Cambria Math" charset="0"/>
                                         </a:rPr>
                                       </m:ctrlPr>
                                     </m:sSupPr>
@@ -14620,7 +14626,7 @@
                                     <m:dPr>
                                       <m:ctrlPr>
                                         <a:rPr lang="en-US" altLang="zh-CN" sz="2000" i="1">
-                                          <a:latin typeface="Cambria Math" panose="02040503050406030204" pitchFamily="18" charset="0"/>
+                                          <a:latin typeface="Cambria Math" charset="0"/>
                                         </a:rPr>
                                       </m:ctrlPr>
                                     </m:dPr>
@@ -14629,7 +14635,7 @@
                                         <m:sSupPr>
                                           <m:ctrlPr>
                                             <a:rPr lang="en-US" altLang="zh-CN" sz="2000" i="1">
-                                              <a:latin typeface="Cambria Math" panose="02040503050406030204" pitchFamily="18" charset="0"/>
+                                              <a:latin typeface="Cambria Math" charset="0"/>
                                             </a:rPr>
                                           </m:ctrlPr>
                                         </m:sSupPr>
@@ -14819,7 +14825,7 @@
                       <m:dPr>
                         <m:ctrlPr>
                           <a:rPr kumimoji="1" lang="en-US" altLang="zh-CN" sz="2800" b="0" i="1" dirty="0" smtClean="0">
-                            <a:latin typeface="Cambria Math" panose="02040503050406030204" pitchFamily="18" charset="0"/>
+                            <a:latin typeface="Cambria Math" charset="0"/>
                           </a:rPr>
                         </m:ctrlPr>
                       </m:dPr>
@@ -14912,7 +14918,7 @@
                       <m:dPr>
                         <m:ctrlPr>
                           <a:rPr lang="en-US" altLang="zh-CN" sz="3200" i="1">
-                            <a:latin typeface="Cambria Math" panose="02040503050406030204" pitchFamily="18" charset="0"/>
+                            <a:latin typeface="Cambria Math" charset="0"/>
                           </a:rPr>
                         </m:ctrlPr>
                       </m:dPr>
@@ -14948,7 +14954,7 @@
                         <m:chr m:val="∑"/>
                         <m:ctrlPr>
                           <a:rPr lang="en-US" altLang="zh-CN" sz="3200" i="1">
-                            <a:latin typeface="Cambria Math" panose="02040503050406030204" pitchFamily="18" charset="0"/>
+                            <a:latin typeface="Cambria Math" charset="0"/>
                           </a:rPr>
                         </m:ctrlPr>
                       </m:naryPr>
@@ -14982,7 +14988,7 @@
                           <m:sSupPr>
                             <m:ctrlPr>
                               <a:rPr lang="en-US" altLang="zh-CN" sz="3200" i="1">
-                                <a:latin typeface="Cambria Math" panose="02040503050406030204" pitchFamily="18" charset="0"/>
+                                <a:latin typeface="Cambria Math" charset="0"/>
                               </a:rPr>
                             </m:ctrlPr>
                           </m:sSupPr>
@@ -14991,7 +14997,7 @@
                               <m:dPr>
                                 <m:ctrlPr>
                                   <a:rPr lang="en-US" altLang="zh-CN" sz="3200" i="1">
-                                    <a:latin typeface="Cambria Math" panose="02040503050406030204" pitchFamily="18" charset="0"/>
+                                    <a:latin typeface="Cambria Math" charset="0"/>
                                   </a:rPr>
                                 </m:ctrlPr>
                               </m:dPr>
@@ -15000,7 +15006,7 @@
                                   <m:sSupPr>
                                     <m:ctrlPr>
                                       <a:rPr lang="en-US" altLang="zh-CN" sz="3200" i="1">
-                                        <a:latin typeface="Cambria Math" panose="02040503050406030204" pitchFamily="18" charset="0"/>
+                                        <a:latin typeface="Cambria Math" charset="0"/>
                                       </a:rPr>
                                     </m:ctrlPr>
                                   </m:sSupPr>
@@ -15049,7 +15055,7 @@
                                   <m:dPr>
                                     <m:ctrlPr>
                                       <a:rPr lang="en-US" altLang="zh-CN" sz="3200" i="1">
-                                        <a:latin typeface="Cambria Math" panose="02040503050406030204" pitchFamily="18" charset="0"/>
+                                        <a:latin typeface="Cambria Math" charset="0"/>
                                       </a:rPr>
                                     </m:ctrlPr>
                                   </m:dPr>
@@ -15058,7 +15064,7 @@
                                       <m:sSupPr>
                                         <m:ctrlPr>
                                           <a:rPr lang="en-US" altLang="zh-CN" sz="3200" i="1">
-                                            <a:latin typeface="Cambria Math" panose="02040503050406030204" pitchFamily="18" charset="0"/>
+                                            <a:latin typeface="Cambria Math" charset="0"/>
                                           </a:rPr>
                                         </m:ctrlPr>
                                       </m:sSupPr>
@@ -15125,7 +15131,7 @@
                       <m:funcPr>
                         <m:ctrlPr>
                           <a:rPr kumimoji="1" lang="zh-CN" altLang="en-US" sz="2800" b="0" i="1" smtClean="0">
-                            <a:latin typeface="Cambria Math" panose="02040503050406030204" pitchFamily="18" charset="0"/>
+                            <a:latin typeface="Cambria Math" charset="0"/>
                           </a:rPr>
                         </m:ctrlPr>
                       </m:funcPr>
@@ -15134,7 +15140,7 @@
                           <m:sSubPr>
                             <m:ctrlPr>
                               <a:rPr kumimoji="1" lang="en-US" altLang="zh-CN" sz="2800" b="0" i="1" smtClean="0">
-                                <a:latin typeface="Cambria Math" panose="02040503050406030204" pitchFamily="18" charset="0"/>
+                                <a:latin typeface="Cambria Math" charset="0"/>
                               </a:rPr>
                             </m:ctrlPr>
                           </m:sSubPr>
@@ -15176,7 +15182,7 @@
                           <m:funcPr>
                             <m:ctrlPr>
                               <a:rPr kumimoji="1" lang="zh-CN" altLang="en-US" sz="2800" b="0" i="1" smtClean="0">
-                                <a:latin typeface="Cambria Math" panose="02040503050406030204" pitchFamily="18" charset="0"/>
+                                <a:latin typeface="Cambria Math" charset="0"/>
                               </a:rPr>
                             </m:ctrlPr>
                           </m:funcPr>
@@ -15636,7 +15642,7 @@
                       <m:dPr>
                         <m:ctrlPr>
                           <a:rPr kumimoji="1" lang="mr-IN" altLang="zh-CN" b="0" i="1" smtClean="0">
-                            <a:latin typeface="Cambria Math" panose="02040503050406030204" pitchFamily="18" charset="0"/>
+                            <a:latin typeface="Cambria Math" charset="0"/>
                             <a:ea typeface="Cambria Math" charset="0"/>
                             <a:cs typeface="Cambria Math" charset="0"/>
                           </a:rPr>
@@ -15647,7 +15653,7 @@
                           <m:fPr>
                             <m:ctrlPr>
                               <a:rPr kumimoji="1" lang="mr-IN" altLang="zh-CN" b="0" i="1" smtClean="0">
-                                <a:latin typeface="Cambria Math" panose="02040503050406030204" pitchFamily="18" charset="0"/>
+                                <a:latin typeface="Cambria Math" charset="0"/>
                                 <a:ea typeface="Cambria Math" charset="0"/>
                                 <a:cs typeface="Cambria Math" charset="0"/>
                               </a:rPr>
@@ -15710,7 +15716,7 @@
                           <m:fPr>
                             <m:ctrlPr>
                               <a:rPr kumimoji="1" lang="mr-IN" altLang="zh-CN" b="0" i="1" smtClean="0">
-                                <a:latin typeface="Cambria Math" panose="02040503050406030204" pitchFamily="18" charset="0"/>
+                                <a:latin typeface="Cambria Math" charset="0"/>
                                 <a:ea typeface="Cambria Math" charset="0"/>
                                 <a:cs typeface="Cambria Math" charset="0"/>
                               </a:rPr>
@@ -15818,7 +15824,7 @@
               <p:cNvPr id="11" name="矩形 10">
                 <a:extLst>
                   <a:ext uri="{FF2B5EF4-FFF2-40B4-BE49-F238E27FC236}">
-                    <a16:creationId xmlns:a16="http://schemas.microsoft.com/office/drawing/2014/main" id="{25CFE4FA-4ADB-4B82-B875-AA5178D80394}"/>
+                    <a16:creationId xmlns:a16="http://schemas.microsoft.com/office/drawing/2014/main" xmlns="" id="{25CFE4FA-4ADB-4B82-B875-AA5178D80394}"/>
                   </a:ext>
                 </a:extLst>
               </p:cNvPr>
@@ -15857,7 +15863,7 @@
                         <m:dPr>
                           <m:ctrlPr>
                             <a:rPr lang="en-US" altLang="zh-CN" sz="2000" i="1">
-                              <a:latin typeface="Cambria Math" panose="02040503050406030204" pitchFamily="18" charset="0"/>
+                              <a:latin typeface="Cambria Math" charset="0"/>
                             </a:rPr>
                           </m:ctrlPr>
                         </m:dPr>
@@ -15893,7 +15899,7 @@
                           <m:chr m:val="∑"/>
                           <m:ctrlPr>
                             <a:rPr lang="en-US" altLang="zh-CN" sz="2000" i="1">
-                              <a:latin typeface="Cambria Math" panose="02040503050406030204" pitchFamily="18" charset="0"/>
+                              <a:latin typeface="Cambria Math" charset="0"/>
                             </a:rPr>
                           </m:ctrlPr>
                         </m:naryPr>
@@ -15927,7 +15933,7 @@
                             <m:sSupPr>
                               <m:ctrlPr>
                                 <a:rPr lang="en-US" altLang="zh-CN" sz="2000" i="1">
-                                  <a:latin typeface="Cambria Math" panose="02040503050406030204" pitchFamily="18" charset="0"/>
+                                  <a:latin typeface="Cambria Math" charset="0"/>
                                 </a:rPr>
                               </m:ctrlPr>
                             </m:sSupPr>
@@ -15936,7 +15942,7 @@
                                 <m:dPr>
                                   <m:ctrlPr>
                                     <a:rPr lang="en-US" altLang="zh-CN" sz="2000" i="1">
-                                      <a:latin typeface="Cambria Math" panose="02040503050406030204" pitchFamily="18" charset="0"/>
+                                      <a:latin typeface="Cambria Math" charset="0"/>
                                     </a:rPr>
                                   </m:ctrlPr>
                                 </m:dPr>
@@ -15945,7 +15951,7 @@
                                     <m:sSupPr>
                                       <m:ctrlPr>
                                         <a:rPr lang="en-US" altLang="zh-CN" sz="2000" i="1">
-                                          <a:latin typeface="Cambria Math" panose="02040503050406030204" pitchFamily="18" charset="0"/>
+                                          <a:latin typeface="Cambria Math" charset="0"/>
                                         </a:rPr>
                                       </m:ctrlPr>
                                     </m:sSupPr>
@@ -15994,7 +16000,7 @@
                                     <m:dPr>
                                       <m:ctrlPr>
                                         <a:rPr lang="en-US" altLang="zh-CN" sz="2000" i="1">
-                                          <a:latin typeface="Cambria Math" panose="02040503050406030204" pitchFamily="18" charset="0"/>
+                                          <a:latin typeface="Cambria Math" charset="0"/>
                                         </a:rPr>
                                       </m:ctrlPr>
                                     </m:dPr>
@@ -16003,7 +16009,7 @@
                                         <m:sSupPr>
                                           <m:ctrlPr>
                                             <a:rPr lang="en-US" altLang="zh-CN" sz="2000" i="1">
-                                              <a:latin typeface="Cambria Math" panose="02040503050406030204" pitchFamily="18" charset="0"/>
+                                              <a:latin typeface="Cambria Math" charset="0"/>
                                             </a:rPr>
                                           </m:ctrlPr>
                                         </m:sSupPr>
@@ -16514,7 +16520,7 @@
               <p:cNvPr id="11" name="矩形 10">
                 <a:extLst>
                   <a:ext uri="{FF2B5EF4-FFF2-40B4-BE49-F238E27FC236}">
-                    <a16:creationId xmlns:a16="http://schemas.microsoft.com/office/drawing/2014/main" id="{25CFE4FA-4ADB-4B82-B875-AA5178D80394}"/>
+                    <a16:creationId xmlns:a16="http://schemas.microsoft.com/office/drawing/2014/main" xmlns="" id="{25CFE4FA-4ADB-4B82-B875-AA5178D80394}"/>
                   </a:ext>
                 </a:extLst>
               </p:cNvPr>
@@ -16553,7 +16559,7 @@
                         <m:dPr>
                           <m:ctrlPr>
                             <a:rPr lang="en-US" altLang="zh-CN" sz="2000" i="1">
-                              <a:latin typeface="Cambria Math" panose="02040503050406030204" pitchFamily="18" charset="0"/>
+                              <a:latin typeface="Cambria Math" charset="0"/>
                             </a:rPr>
                           </m:ctrlPr>
                         </m:dPr>
@@ -16589,7 +16595,7 @@
                           <m:chr m:val="∑"/>
                           <m:ctrlPr>
                             <a:rPr lang="en-US" altLang="zh-CN" sz="2000" i="1">
-                              <a:latin typeface="Cambria Math" panose="02040503050406030204" pitchFamily="18" charset="0"/>
+                              <a:latin typeface="Cambria Math" charset="0"/>
                             </a:rPr>
                           </m:ctrlPr>
                         </m:naryPr>
@@ -16623,7 +16629,7 @@
                             <m:sSupPr>
                               <m:ctrlPr>
                                 <a:rPr lang="en-US" altLang="zh-CN" sz="2000" i="1">
-                                  <a:latin typeface="Cambria Math" panose="02040503050406030204" pitchFamily="18" charset="0"/>
+                                  <a:latin typeface="Cambria Math" charset="0"/>
                                 </a:rPr>
                               </m:ctrlPr>
                             </m:sSupPr>
@@ -16632,7 +16638,7 @@
                                 <m:dPr>
                                   <m:ctrlPr>
                                     <a:rPr lang="en-US" altLang="zh-CN" sz="2000" i="1">
-                                      <a:latin typeface="Cambria Math" panose="02040503050406030204" pitchFamily="18" charset="0"/>
+                                      <a:latin typeface="Cambria Math" charset="0"/>
                                     </a:rPr>
                                   </m:ctrlPr>
                                 </m:dPr>
@@ -16641,7 +16647,7 @@
                                     <m:sSupPr>
                                       <m:ctrlPr>
                                         <a:rPr lang="en-US" altLang="zh-CN" sz="2000" i="1">
-                                          <a:latin typeface="Cambria Math" panose="02040503050406030204" pitchFamily="18" charset="0"/>
+                                          <a:latin typeface="Cambria Math" charset="0"/>
                                         </a:rPr>
                                       </m:ctrlPr>
                                     </m:sSupPr>
@@ -16690,7 +16696,7 @@
                                     <m:dPr>
                                       <m:ctrlPr>
                                         <a:rPr lang="en-US" altLang="zh-CN" sz="2000" i="1">
-                                          <a:latin typeface="Cambria Math" panose="02040503050406030204" pitchFamily="18" charset="0"/>
+                                          <a:latin typeface="Cambria Math" charset="0"/>
                                         </a:rPr>
                                       </m:ctrlPr>
                                     </m:dPr>
@@ -16699,7 +16705,7 @@
                                         <m:sSupPr>
                                           <m:ctrlPr>
                                             <a:rPr lang="en-US" altLang="zh-CN" sz="2000" i="1">
-                                              <a:latin typeface="Cambria Math" panose="02040503050406030204" pitchFamily="18" charset="0"/>
+                                              <a:latin typeface="Cambria Math" charset="0"/>
                                             </a:rPr>
                                           </m:ctrlPr>
                                         </m:sSupPr>
@@ -16872,7 +16878,7 @@
                         <m:fPr>
                           <m:ctrlPr>
                             <a:rPr kumimoji="1" lang="mr-IN" altLang="zh-CN" b="0" i="1" smtClean="0">
-                              <a:latin typeface="Cambria Math" panose="02040503050406030204" pitchFamily="18" charset="0"/>
+                              <a:latin typeface="Cambria Math" charset="0"/>
                             </a:rPr>
                           </m:ctrlPr>
                         </m:fPr>
@@ -16965,7 +16971,7 @@
                         <m:fPr>
                           <m:ctrlPr>
                             <a:rPr kumimoji="1" lang="mr-IN" altLang="zh-CN" b="0" i="1" smtClean="0">
-                              <a:latin typeface="Cambria Math" panose="02040503050406030204" pitchFamily="18" charset="0"/>
+                              <a:latin typeface="Cambria Math" charset="0"/>
                             </a:rPr>
                           </m:ctrlPr>
                         </m:fPr>
@@ -17736,7 +17742,7 @@
                         <m:fPr>
                           <m:ctrlPr>
                             <a:rPr kumimoji="1" lang="mr-IN" altLang="zh-CN" b="0" i="1" smtClean="0">
-                              <a:latin typeface="Cambria Math" panose="02040503050406030204" pitchFamily="18" charset="0"/>
+                              <a:latin typeface="Cambria Math" charset="0"/>
                             </a:rPr>
                           </m:ctrlPr>
                         </m:fPr>
@@ -17829,7 +17835,7 @@
                         <m:fPr>
                           <m:ctrlPr>
                             <a:rPr kumimoji="1" lang="mr-IN" altLang="zh-CN" b="0" i="1" smtClean="0">
-                              <a:latin typeface="Cambria Math" panose="02040503050406030204" pitchFamily="18" charset="0"/>
+                              <a:latin typeface="Cambria Math" charset="0"/>
                             </a:rPr>
                           </m:ctrlPr>
                         </m:fPr>
@@ -18181,7 +18187,7 @@
               <p:cNvPr id="7" name="矩形 6">
                 <a:extLst>
                   <a:ext uri="{FF2B5EF4-FFF2-40B4-BE49-F238E27FC236}">
-                    <a16:creationId xmlns:a16="http://schemas.microsoft.com/office/drawing/2014/main" id="{25CFE4FA-4ADB-4B82-B875-AA5178D80394}"/>
+                    <a16:creationId xmlns:a16="http://schemas.microsoft.com/office/drawing/2014/main" xmlns="" id="{25CFE4FA-4ADB-4B82-B875-AA5178D80394}"/>
                   </a:ext>
                 </a:extLst>
               </p:cNvPr>
@@ -18220,7 +18226,7 @@
                         <m:dPr>
                           <m:ctrlPr>
                             <a:rPr lang="en-US" altLang="zh-CN" sz="2000" i="1">
-                              <a:latin typeface="Cambria Math" panose="02040503050406030204" pitchFamily="18" charset="0"/>
+                              <a:latin typeface="Cambria Math" charset="0"/>
                             </a:rPr>
                           </m:ctrlPr>
                         </m:dPr>
@@ -18256,7 +18262,7 @@
                           <m:chr m:val="∑"/>
                           <m:ctrlPr>
                             <a:rPr lang="en-US" altLang="zh-CN" sz="2000" i="1">
-                              <a:latin typeface="Cambria Math" panose="02040503050406030204" pitchFamily="18" charset="0"/>
+                              <a:latin typeface="Cambria Math" charset="0"/>
                             </a:rPr>
                           </m:ctrlPr>
                         </m:naryPr>
@@ -18290,7 +18296,7 @@
                             <m:sSupPr>
                               <m:ctrlPr>
                                 <a:rPr lang="en-US" altLang="zh-CN" sz="2000" i="1">
-                                  <a:latin typeface="Cambria Math" panose="02040503050406030204" pitchFamily="18" charset="0"/>
+                                  <a:latin typeface="Cambria Math" charset="0"/>
                                 </a:rPr>
                               </m:ctrlPr>
                             </m:sSupPr>
@@ -18299,7 +18305,7 @@
                                 <m:dPr>
                                   <m:ctrlPr>
                                     <a:rPr lang="en-US" altLang="zh-CN" sz="2000" i="1">
-                                      <a:latin typeface="Cambria Math" panose="02040503050406030204" pitchFamily="18" charset="0"/>
+                                      <a:latin typeface="Cambria Math" charset="0"/>
                                     </a:rPr>
                                   </m:ctrlPr>
                                 </m:dPr>
@@ -18308,7 +18314,7 @@
                                     <m:sSupPr>
                                       <m:ctrlPr>
                                         <a:rPr lang="en-US" altLang="zh-CN" sz="2000" i="1">
-                                          <a:latin typeface="Cambria Math" panose="02040503050406030204" pitchFamily="18" charset="0"/>
+                                          <a:latin typeface="Cambria Math" charset="0"/>
                                         </a:rPr>
                                       </m:ctrlPr>
                                     </m:sSupPr>
@@ -18357,7 +18363,7 @@
                                     <m:dPr>
                                       <m:ctrlPr>
                                         <a:rPr lang="en-US" altLang="zh-CN" sz="2000" i="1">
-                                          <a:latin typeface="Cambria Math" panose="02040503050406030204" pitchFamily="18" charset="0"/>
+                                          <a:latin typeface="Cambria Math" charset="0"/>
                                         </a:rPr>
                                       </m:ctrlPr>
                                     </m:dPr>
@@ -18366,7 +18372,7 @@
                                         <m:sSupPr>
                                           <m:ctrlPr>
                                             <a:rPr lang="en-US" altLang="zh-CN" sz="2000" i="1">
-                                              <a:latin typeface="Cambria Math" panose="02040503050406030204" pitchFamily="18" charset="0"/>
+                                              <a:latin typeface="Cambria Math" charset="0"/>
                                             </a:rPr>
                                           </m:ctrlPr>
                                         </m:sSupPr>
@@ -18633,7 +18639,7 @@
                       <m:sSubSupPr>
                         <m:ctrlPr>
                           <a:rPr lang="en-US" altLang="zh-CN" i="1">
-                            <a:latin typeface="Cambria Math" panose="02040503050406030204" pitchFamily="18" charset="0"/>
+                            <a:latin typeface="Cambria Math" charset="0"/>
                           </a:rPr>
                         </m:ctrlPr>
                       </m:sSubSupPr>
@@ -18658,7 +18664,7 @@
                           <m:dPr>
                             <m:ctrlPr>
                               <a:rPr lang="en-US" altLang="zh-CN" i="1">
-                                <a:latin typeface="Cambria Math" panose="02040503050406030204" pitchFamily="18" charset="0"/>
+                                <a:latin typeface="Cambria Math" charset="0"/>
                               </a:rPr>
                             </m:ctrlPr>
                           </m:dPr>
@@ -18709,7 +18715,7 @@
                       <m:dPr>
                         <m:ctrlPr>
                           <a:rPr lang="en-US" altLang="zh-CN" i="1">
-                            <a:latin typeface="Cambria Math" panose="02040503050406030204" pitchFamily="18" charset="0"/>
+                            <a:latin typeface="Cambria Math" charset="0"/>
                           </a:rPr>
                         </m:ctrlPr>
                       </m:dPr>
@@ -18718,7 +18724,7 @@
                           <m:sSupPr>
                             <m:ctrlPr>
                               <a:rPr lang="en-US" altLang="zh-CN" i="1">
-                                <a:latin typeface="Cambria Math" panose="02040503050406030204" pitchFamily="18" charset="0"/>
+                                <a:latin typeface="Cambria Math" charset="0"/>
                               </a:rPr>
                             </m:ctrlPr>
                           </m:sSupPr>
@@ -18735,7 +18741,7 @@
                               <m:dPr>
                                 <m:ctrlPr>
                                   <a:rPr lang="en-US" altLang="zh-CN" i="1">
-                                    <a:latin typeface="Cambria Math" panose="02040503050406030204" pitchFamily="18" charset="0"/>
+                                    <a:latin typeface="Cambria Math" charset="0"/>
                                   </a:rPr>
                                 </m:ctrlPr>
                               </m:dPr>
@@ -18760,7 +18766,7 @@
                           <m:sSupPr>
                             <m:ctrlPr>
                               <a:rPr lang="en-US" altLang="zh-CN" i="1">
-                                <a:latin typeface="Cambria Math" panose="02040503050406030204" pitchFamily="18" charset="0"/>
+                                <a:latin typeface="Cambria Math" charset="0"/>
                               </a:rPr>
                             </m:ctrlPr>
                           </m:sSupPr>
@@ -18777,7 +18783,7 @@
                               <m:dPr>
                                 <m:ctrlPr>
                                   <a:rPr lang="en-US" altLang="zh-CN" i="1">
-                                    <a:latin typeface="Cambria Math" panose="02040503050406030204" pitchFamily="18" charset="0"/>
+                                    <a:latin typeface="Cambria Math" charset="0"/>
                                   </a:rPr>
                                 </m:ctrlPr>
                               </m:dPr>
@@ -18998,7 +19004,7 @@
               <p:cNvPr id="7" name="内容占位符 6">
                 <a:extLst>
                   <a:ext uri="{FF2B5EF4-FFF2-40B4-BE49-F238E27FC236}">
-                    <a16:creationId xmlns:a16="http://schemas.microsoft.com/office/drawing/2014/main" id="{EB980026-D29F-4C6E-9BFC-18210325D87E}"/>
+                    <a16:creationId xmlns:a16="http://schemas.microsoft.com/office/drawing/2014/main" xmlns="" id="{EB980026-D29F-4C6E-9BFC-18210325D87E}"/>
                   </a:ext>
                 </a:extLst>
               </p:cNvPr>
@@ -19027,28 +19033,28 @@
                     <a:gridCol w="1185683">
                       <a:extLst>
                         <a:ext uri="{9D8B030D-6E8A-4147-A177-3AD203B41FA5}">
-                          <a16:colId xmlns:a16="http://schemas.microsoft.com/office/drawing/2014/main" val="849694925"/>
+                          <a16:colId xmlns:a16="http://schemas.microsoft.com/office/drawing/2014/main" xmlns="" val="849694925"/>
                         </a:ext>
                       </a:extLst>
                     </a:gridCol>
                     <a:gridCol w="1185683">
                       <a:extLst>
                         <a:ext uri="{9D8B030D-6E8A-4147-A177-3AD203B41FA5}">
-                          <a16:colId xmlns:a16="http://schemas.microsoft.com/office/drawing/2014/main" val="20001"/>
+                          <a16:colId xmlns:a16="http://schemas.microsoft.com/office/drawing/2014/main" xmlns="" val="20001"/>
                         </a:ext>
                       </a:extLst>
                     </a:gridCol>
                     <a:gridCol w="1185683">
                       <a:extLst>
                         <a:ext uri="{9D8B030D-6E8A-4147-A177-3AD203B41FA5}">
-                          <a16:colId xmlns:a16="http://schemas.microsoft.com/office/drawing/2014/main" val="20002"/>
+                          <a16:colId xmlns:a16="http://schemas.microsoft.com/office/drawing/2014/main" xmlns="" val="20002"/>
                         </a:ext>
                       </a:extLst>
                     </a:gridCol>
                     <a:gridCol w="1185683">
                       <a:extLst>
                         <a:ext uri="{9D8B030D-6E8A-4147-A177-3AD203B41FA5}">
-                          <a16:colId xmlns:a16="http://schemas.microsoft.com/office/drawing/2014/main" val="2032597962"/>
+                          <a16:colId xmlns:a16="http://schemas.microsoft.com/office/drawing/2014/main" xmlns="" val="2032597962"/>
                         </a:ext>
                       </a:extLst>
                     </a:gridCol>
@@ -19074,7 +19080,7 @@
                                 <m:sSubPr>
                                   <m:ctrlPr>
                                     <a:rPr lang="en-US" altLang="zh-CN" b="1" i="1" dirty="0" smtClean="0">
-                                      <a:latin typeface="Cambria Math" panose="02040503050406030204" pitchFamily="18" charset="0"/>
+                                      <a:latin typeface="Cambria Math" charset="0"/>
                                     </a:rPr>
                                   </m:ctrlPr>
                                 </m:sSubPr>
@@ -19126,7 +19132,7 @@
                                 <m:sSubPr>
                                   <m:ctrlPr>
                                     <a:rPr lang="en-US" altLang="zh-CN" b="1" i="1" dirty="0" smtClean="0">
-                                      <a:latin typeface="Cambria Math" panose="02040503050406030204" pitchFamily="18" charset="0"/>
+                                      <a:latin typeface="Cambria Math" charset="0"/>
                                     </a:rPr>
                                   </m:ctrlPr>
                                 </m:sSubPr>
@@ -19178,7 +19184,7 @@
                                 <m:sSubPr>
                                   <m:ctrlPr>
                                     <a:rPr lang="en-US" altLang="zh-CN" b="1" i="1" dirty="0" smtClean="0">
-                                      <a:latin typeface="Cambria Math" panose="02040503050406030204" pitchFamily="18" charset="0"/>
+                                      <a:latin typeface="Cambria Math" charset="0"/>
                                     </a:rPr>
                                   </m:ctrlPr>
                                 </m:sSubPr>
@@ -19245,7 +19251,7 @@
                     </a:tc>
                     <a:extLst>
                       <a:ext uri="{0D108BD9-81ED-4DB2-BD59-A6C34878D82A}">
-                        <a16:rowId xmlns:a16="http://schemas.microsoft.com/office/drawing/2014/main" val="246005499"/>
+                        <a16:rowId xmlns:a16="http://schemas.microsoft.com/office/drawing/2014/main" xmlns="" val="246005499"/>
                       </a:ext>
                     </a:extLst>
                   </a:tr>
@@ -19312,7 +19318,7 @@
                     </a:tc>
                     <a:extLst>
                       <a:ext uri="{0D108BD9-81ED-4DB2-BD59-A6C34878D82A}">
-                        <a16:rowId xmlns:a16="http://schemas.microsoft.com/office/drawing/2014/main" val="1967244540"/>
+                        <a16:rowId xmlns:a16="http://schemas.microsoft.com/office/drawing/2014/main" xmlns="" val="1967244540"/>
                       </a:ext>
                     </a:extLst>
                   </a:tr>
@@ -19379,7 +19385,7 @@
                     </a:tc>
                     <a:extLst>
                       <a:ext uri="{0D108BD9-81ED-4DB2-BD59-A6C34878D82A}">
-                        <a16:rowId xmlns:a16="http://schemas.microsoft.com/office/drawing/2014/main" val="1823030155"/>
+                        <a16:rowId xmlns:a16="http://schemas.microsoft.com/office/drawing/2014/main" xmlns="" val="1823030155"/>
                       </a:ext>
                     </a:extLst>
                   </a:tr>
@@ -19446,7 +19452,7 @@
                     </a:tc>
                     <a:extLst>
                       <a:ext uri="{0D108BD9-81ED-4DB2-BD59-A6C34878D82A}">
-                        <a16:rowId xmlns:a16="http://schemas.microsoft.com/office/drawing/2014/main" val="1815547532"/>
+                        <a16:rowId xmlns:a16="http://schemas.microsoft.com/office/drawing/2014/main" xmlns="" val="1815547532"/>
                       </a:ext>
                     </a:extLst>
                   </a:tr>
@@ -19545,7 +19551,7 @@
                     </a:tc>
                     <a:extLst>
                       <a:ext uri="{0D108BD9-81ED-4DB2-BD59-A6C34878D82A}">
-                        <a16:rowId xmlns:a16="http://schemas.microsoft.com/office/drawing/2014/main" val="168178639"/>
+                        <a16:rowId xmlns:a16="http://schemas.microsoft.com/office/drawing/2014/main" xmlns="" val="168178639"/>
                       </a:ext>
                     </a:extLst>
                   </a:tr>
@@ -20077,7 +20083,7 @@
                       <m:dPr>
                         <m:ctrlPr>
                           <a:rPr lang="en-US" altLang="zh-CN" i="1">
-                            <a:latin typeface="Cambria Math" panose="02040503050406030204" pitchFamily="18" charset="0"/>
+                            <a:latin typeface="Cambria Math" charset="0"/>
                           </a:rPr>
                         </m:ctrlPr>
                       </m:dPr>
@@ -20136,7 +20142,7 @@
                       <m:dPr>
                         <m:ctrlPr>
                           <a:rPr lang="en-US" altLang="zh-CN" i="1">
-                            <a:latin typeface="Cambria Math" panose="02040503050406030204" pitchFamily="18" charset="0"/>
+                            <a:latin typeface="Cambria Math" charset="0"/>
                           </a:rPr>
                         </m:ctrlPr>
                       </m:dPr>
@@ -20159,7 +20165,7 @@
                       <m:sSubPr>
                         <m:ctrlPr>
                           <a:rPr lang="en-US" altLang="zh-CN" b="0" i="1" smtClean="0">
-                            <a:latin typeface="Cambria Math" panose="02040503050406030204" pitchFamily="18" charset="0"/>
+                            <a:latin typeface="Cambria Math" charset="0"/>
                           </a:rPr>
                         </m:ctrlPr>
                       </m:sSubPr>
@@ -20184,7 +20190,7 @@
                       <m:sSubPr>
                         <m:ctrlPr>
                           <a:rPr lang="en-US" altLang="zh-CN" b="0" i="1" smtClean="0">
-                            <a:latin typeface="Cambria Math" panose="02040503050406030204" pitchFamily="18" charset="0"/>
+                            <a:latin typeface="Cambria Math" charset="0"/>
                           </a:rPr>
                         </m:ctrlPr>
                       </m:sSubPr>
@@ -20215,7 +20221,7 @@
                       <m:sSubPr>
                         <m:ctrlPr>
                           <a:rPr lang="en-US" altLang="zh-CN" b="0" i="1" smtClean="0">
-                            <a:latin typeface="Cambria Math" panose="02040503050406030204" pitchFamily="18" charset="0"/>
+                            <a:latin typeface="Cambria Math" charset="0"/>
                           </a:rPr>
                         </m:ctrlPr>
                       </m:sSubPr>
@@ -20240,7 +20246,7 @@
                       <m:sSubPr>
                         <m:ctrlPr>
                           <a:rPr lang="en-US" altLang="zh-CN" b="0" i="1" smtClean="0">
-                            <a:latin typeface="Cambria Math" panose="02040503050406030204" pitchFamily="18" charset="0"/>
+                            <a:latin typeface="Cambria Math" charset="0"/>
                           </a:rPr>
                         </m:ctrlPr>
                       </m:sSubPr>
@@ -20271,7 +20277,7 @@
                       <m:sSubPr>
                         <m:ctrlPr>
                           <a:rPr lang="en-US" altLang="zh-CN" b="0" i="1" smtClean="0">
-                            <a:latin typeface="Cambria Math" panose="02040503050406030204" pitchFamily="18" charset="0"/>
+                            <a:latin typeface="Cambria Math" charset="0"/>
                           </a:rPr>
                         </m:ctrlPr>
                       </m:sSubPr>
@@ -20296,7 +20302,7 @@
                       <m:sSubPr>
                         <m:ctrlPr>
                           <a:rPr lang="en-US" altLang="zh-CN" b="0" i="1" smtClean="0">
-                            <a:latin typeface="Cambria Math" panose="02040503050406030204" pitchFamily="18" charset="0"/>
+                            <a:latin typeface="Cambria Math" charset="0"/>
                           </a:rPr>
                         </m:ctrlPr>
                       </m:sSubPr>
@@ -20347,7 +20353,7 @@
                       <m:dPr>
                         <m:ctrlPr>
                           <a:rPr lang="en-US" altLang="zh-CN" b="0" i="1" dirty="0" smtClean="0">
-                            <a:latin typeface="Cambria Math" panose="02040503050406030204" pitchFamily="18" charset="0"/>
+                            <a:latin typeface="Cambria Math" charset="0"/>
                           </a:rPr>
                         </m:ctrlPr>
                       </m:dPr>
@@ -20370,7 +20376,7 @@
                       <m:sSupPr>
                         <m:ctrlPr>
                           <a:rPr lang="en-US" altLang="zh-CN" b="0" i="1" dirty="0" smtClean="0">
-                            <a:latin typeface="Cambria Math" panose="02040503050406030204" pitchFamily="18" charset="0"/>
+                            <a:latin typeface="Cambria Math" charset="0"/>
                           </a:rPr>
                         </m:ctrlPr>
                       </m:sSupPr>
@@ -20428,7 +20434,7 @@
                       <m:dPr>
                         <m:ctrlPr>
                           <a:rPr lang="en-US" altLang="zh-CN" b="0" i="1" smtClean="0">
-                            <a:latin typeface="Cambria Math" panose="02040503050406030204" pitchFamily="18" charset="0"/>
+                            <a:latin typeface="Cambria Math" charset="0"/>
                           </a:rPr>
                         </m:ctrlPr>
                       </m:dPr>
@@ -20437,7 +20443,7 @@
                           <m:sSubPr>
                             <m:ctrlPr>
                               <a:rPr lang="en-US" altLang="zh-CN" i="1">
-                                <a:latin typeface="Cambria Math" panose="02040503050406030204" pitchFamily="18" charset="0"/>
+                                <a:latin typeface="Cambria Math" charset="0"/>
                               </a:rPr>
                             </m:ctrlPr>
                           </m:sSubPr>
@@ -20474,7 +20480,7 @@
                           <m:sSubPr>
                             <m:ctrlPr>
                               <a:rPr lang="en-US" altLang="zh-CN" i="1">
-                                <a:latin typeface="Cambria Math" panose="02040503050406030204" pitchFamily="18" charset="0"/>
+                                <a:latin typeface="Cambria Math" charset="0"/>
                               </a:rPr>
                             </m:ctrlPr>
                           </m:sSubPr>
@@ -20517,7 +20523,7 @@
                           <m:sSubPr>
                             <m:ctrlPr>
                               <a:rPr lang="en-US" altLang="zh-CN" i="1">
-                                <a:latin typeface="Cambria Math" panose="02040503050406030204" pitchFamily="18" charset="0"/>
+                                <a:latin typeface="Cambria Math" charset="0"/>
                               </a:rPr>
                             </m:ctrlPr>
                           </m:sSubPr>
@@ -20751,7 +20757,7 @@
               <p:cNvPr id="7" name="矩形 6">
                 <a:extLst>
                   <a:ext uri="{FF2B5EF4-FFF2-40B4-BE49-F238E27FC236}">
-                    <a16:creationId xmlns:a16="http://schemas.microsoft.com/office/drawing/2014/main" id="{25CFE4FA-4ADB-4B82-B875-AA5178D80394}"/>
+                    <a16:creationId xmlns:a16="http://schemas.microsoft.com/office/drawing/2014/main" xmlns="" id="{25CFE4FA-4ADB-4B82-B875-AA5178D80394}"/>
                   </a:ext>
                 </a:extLst>
               </p:cNvPr>
@@ -20790,7 +20796,7 @@
                         <m:dPr>
                           <m:ctrlPr>
                             <a:rPr lang="en-US" altLang="zh-CN" sz="2000" i="1">
-                              <a:latin typeface="Cambria Math" panose="02040503050406030204" pitchFamily="18" charset="0"/>
+                              <a:latin typeface="Cambria Math" charset="0"/>
                             </a:rPr>
                           </m:ctrlPr>
                         </m:dPr>
@@ -20826,7 +20832,7 @@
                           <m:chr m:val="∑"/>
                           <m:ctrlPr>
                             <a:rPr lang="en-US" altLang="zh-CN" sz="2000" i="1">
-                              <a:latin typeface="Cambria Math" panose="02040503050406030204" pitchFamily="18" charset="0"/>
+                              <a:latin typeface="Cambria Math" charset="0"/>
                             </a:rPr>
                           </m:ctrlPr>
                         </m:naryPr>
@@ -20860,7 +20866,7 @@
                             <m:sSupPr>
                               <m:ctrlPr>
                                 <a:rPr lang="en-US" altLang="zh-CN" sz="2000" i="1">
-                                  <a:latin typeface="Cambria Math" panose="02040503050406030204" pitchFamily="18" charset="0"/>
+                                  <a:latin typeface="Cambria Math" charset="0"/>
                                 </a:rPr>
                               </m:ctrlPr>
                             </m:sSupPr>
@@ -20869,7 +20875,7 @@
                                 <m:dPr>
                                   <m:ctrlPr>
                                     <a:rPr lang="en-US" altLang="zh-CN" sz="2000" i="1">
-                                      <a:latin typeface="Cambria Math" panose="02040503050406030204" pitchFamily="18" charset="0"/>
+                                      <a:latin typeface="Cambria Math" charset="0"/>
                                     </a:rPr>
                                   </m:ctrlPr>
                                 </m:dPr>
@@ -20878,7 +20884,7 @@
                                     <m:sSupPr>
                                       <m:ctrlPr>
                                         <a:rPr lang="en-US" altLang="zh-CN" sz="2000" i="1">
-                                          <a:latin typeface="Cambria Math" panose="02040503050406030204" pitchFamily="18" charset="0"/>
+                                          <a:latin typeface="Cambria Math" charset="0"/>
                                         </a:rPr>
                                       </m:ctrlPr>
                                     </m:sSupPr>
@@ -20927,7 +20933,7 @@
                                     <m:dPr>
                                       <m:ctrlPr>
                                         <a:rPr lang="en-US" altLang="zh-CN" sz="2000" i="1">
-                                          <a:latin typeface="Cambria Math" panose="02040503050406030204" pitchFamily="18" charset="0"/>
+                                          <a:latin typeface="Cambria Math" charset="0"/>
                                         </a:rPr>
                                       </m:ctrlPr>
                                     </m:dPr>
@@ -20936,7 +20942,7 @@
                                         <m:sSupPr>
                                           <m:ctrlPr>
                                             <a:rPr lang="en-US" altLang="zh-CN" sz="2000" b="1" i="1">
-                                              <a:latin typeface="Cambria Math" panose="02040503050406030204" pitchFamily="18" charset="0"/>
+                                              <a:latin typeface="Cambria Math" charset="0"/>
                                             </a:rPr>
                                           </m:ctrlPr>
                                         </m:sSupPr>
@@ -21073,7 +21079,7 @@
                         <m:sSubPr>
                           <m:ctrlPr>
                             <a:rPr kumimoji="1" lang="en-US" altLang="zh-CN" b="0" i="1" smtClean="0">
-                              <a:latin typeface="Cambria Math" panose="02040503050406030204" pitchFamily="18" charset="0"/>
+                              <a:latin typeface="Cambria Math" charset="0"/>
                             </a:rPr>
                           </m:ctrlPr>
                         </m:sSubPr>
@@ -21128,7 +21134,7 @@
                         <m:fPr>
                           <m:ctrlPr>
                             <a:rPr kumimoji="1" lang="mr-IN" altLang="zh-CN" b="0" i="1" smtClean="0">
-                              <a:latin typeface="Cambria Math" panose="02040503050406030204" pitchFamily="18" charset="0"/>
+                              <a:latin typeface="Cambria Math" charset="0"/>
                             </a:rPr>
                           </m:ctrlPr>
                         </m:fPr>
@@ -21159,7 +21165,7 @@
                             <m:sSubPr>
                               <m:ctrlPr>
                                 <a:rPr kumimoji="1" lang="en-US" altLang="zh-CN" b="0" i="1" smtClean="0">
-                                  <a:latin typeface="Cambria Math" panose="02040503050406030204" pitchFamily="18" charset="0"/>
+                                  <a:latin typeface="Cambria Math" charset="0"/>
                                   <a:ea typeface="Cambria Math" charset="0"/>
                                   <a:cs typeface="Cambria Math" charset="0"/>
                                 </a:rPr>
@@ -21244,7 +21250,7 @@
                         <m:fPr>
                           <m:ctrlPr>
                             <a:rPr kumimoji="1" lang="mr-IN" altLang="zh-CN" b="0" i="1" smtClean="0">
-                              <a:latin typeface="Cambria Math" panose="02040503050406030204" pitchFamily="18" charset="0"/>
+                              <a:latin typeface="Cambria Math" charset="0"/>
                             </a:rPr>
                           </m:ctrlPr>
                         </m:fPr>
@@ -21531,7 +21537,7 @@
               <p:cNvPr id="8" name="内容占位符 6">
                 <a:extLst>
                   <a:ext uri="{FF2B5EF4-FFF2-40B4-BE49-F238E27FC236}">
-                    <a16:creationId xmlns:a16="http://schemas.microsoft.com/office/drawing/2014/main" id="{EB980026-D29F-4C6E-9BFC-18210325D87E}"/>
+                    <a16:creationId xmlns:a16="http://schemas.microsoft.com/office/drawing/2014/main" xmlns="" id="{EB980026-D29F-4C6E-9BFC-18210325D87E}"/>
                   </a:ext>
                 </a:extLst>
               </p:cNvPr>
@@ -21560,28 +21566,28 @@
                     <a:gridCol w="1185683">
                       <a:extLst>
                         <a:ext uri="{9D8B030D-6E8A-4147-A177-3AD203B41FA5}">
-                          <a16:colId xmlns:a16="http://schemas.microsoft.com/office/drawing/2014/main" val="849694925"/>
+                          <a16:colId xmlns:a16="http://schemas.microsoft.com/office/drawing/2014/main" xmlns="" val="849694925"/>
                         </a:ext>
                       </a:extLst>
                     </a:gridCol>
                     <a:gridCol w="1185683">
                       <a:extLst>
                         <a:ext uri="{9D8B030D-6E8A-4147-A177-3AD203B41FA5}">
-                          <a16:colId xmlns:a16="http://schemas.microsoft.com/office/drawing/2014/main" val="20001"/>
+                          <a16:colId xmlns:a16="http://schemas.microsoft.com/office/drawing/2014/main" xmlns="" val="20001"/>
                         </a:ext>
                       </a:extLst>
                     </a:gridCol>
                     <a:gridCol w="1185683">
                       <a:extLst>
                         <a:ext uri="{9D8B030D-6E8A-4147-A177-3AD203B41FA5}">
-                          <a16:colId xmlns:a16="http://schemas.microsoft.com/office/drawing/2014/main" val="20002"/>
+                          <a16:colId xmlns:a16="http://schemas.microsoft.com/office/drawing/2014/main" xmlns="" val="20002"/>
                         </a:ext>
                       </a:extLst>
                     </a:gridCol>
                     <a:gridCol w="1185683">
                       <a:extLst>
                         <a:ext uri="{9D8B030D-6E8A-4147-A177-3AD203B41FA5}">
-                          <a16:colId xmlns:a16="http://schemas.microsoft.com/office/drawing/2014/main" val="2032597962"/>
+                          <a16:colId xmlns:a16="http://schemas.microsoft.com/office/drawing/2014/main" xmlns="" val="2032597962"/>
                         </a:ext>
                       </a:extLst>
                     </a:gridCol>
@@ -21607,7 +21613,7 @@
                                 <m:sSubPr>
                                   <m:ctrlPr>
                                     <a:rPr lang="en-US" altLang="zh-CN" b="1" i="1" dirty="0" smtClean="0">
-                                      <a:latin typeface="Cambria Math" panose="02040503050406030204" pitchFamily="18" charset="0"/>
+                                      <a:latin typeface="Cambria Math" charset="0"/>
                                     </a:rPr>
                                   </m:ctrlPr>
                                 </m:sSubPr>
@@ -21659,7 +21665,7 @@
                                 <m:sSubPr>
                                   <m:ctrlPr>
                                     <a:rPr lang="en-US" altLang="zh-CN" b="1" i="1" dirty="0" smtClean="0">
-                                      <a:latin typeface="Cambria Math" panose="02040503050406030204" pitchFamily="18" charset="0"/>
+                                      <a:latin typeface="Cambria Math" charset="0"/>
                                     </a:rPr>
                                   </m:ctrlPr>
                                 </m:sSubPr>
@@ -21711,7 +21717,7 @@
                                 <m:sSubPr>
                                   <m:ctrlPr>
                                     <a:rPr lang="en-US" altLang="zh-CN" b="1" i="1" dirty="0" smtClean="0">
-                                      <a:latin typeface="Cambria Math" panose="02040503050406030204" pitchFamily="18" charset="0"/>
+                                      <a:latin typeface="Cambria Math" charset="0"/>
                                     </a:rPr>
                                   </m:ctrlPr>
                                 </m:sSubPr>
@@ -21778,7 +21784,7 @@
                     </a:tc>
                     <a:extLst>
                       <a:ext uri="{0D108BD9-81ED-4DB2-BD59-A6C34878D82A}">
-                        <a16:rowId xmlns:a16="http://schemas.microsoft.com/office/drawing/2014/main" val="246005499"/>
+                        <a16:rowId xmlns:a16="http://schemas.microsoft.com/office/drawing/2014/main" xmlns="" val="246005499"/>
                       </a:ext>
                     </a:extLst>
                   </a:tr>
@@ -21845,7 +21851,7 @@
                     </a:tc>
                     <a:extLst>
                       <a:ext uri="{0D108BD9-81ED-4DB2-BD59-A6C34878D82A}">
-                        <a16:rowId xmlns:a16="http://schemas.microsoft.com/office/drawing/2014/main" val="1967244540"/>
+                        <a16:rowId xmlns:a16="http://schemas.microsoft.com/office/drawing/2014/main" xmlns="" val="1967244540"/>
                       </a:ext>
                     </a:extLst>
                   </a:tr>
@@ -21912,7 +21918,7 @@
                     </a:tc>
                     <a:extLst>
                       <a:ext uri="{0D108BD9-81ED-4DB2-BD59-A6C34878D82A}">
-                        <a16:rowId xmlns:a16="http://schemas.microsoft.com/office/drawing/2014/main" val="1823030155"/>
+                        <a16:rowId xmlns:a16="http://schemas.microsoft.com/office/drawing/2014/main" xmlns="" val="1823030155"/>
                       </a:ext>
                     </a:extLst>
                   </a:tr>
@@ -21979,7 +21985,7 @@
                     </a:tc>
                     <a:extLst>
                       <a:ext uri="{0D108BD9-81ED-4DB2-BD59-A6C34878D82A}">
-                        <a16:rowId xmlns:a16="http://schemas.microsoft.com/office/drawing/2014/main" val="1815547532"/>
+                        <a16:rowId xmlns:a16="http://schemas.microsoft.com/office/drawing/2014/main" xmlns="" val="1815547532"/>
                       </a:ext>
                     </a:extLst>
                   </a:tr>
@@ -22078,7 +22084,7 @@
                     </a:tc>
                     <a:extLst>
                       <a:ext uri="{0D108BD9-81ED-4DB2-BD59-A6C34878D82A}">
-                        <a16:rowId xmlns:a16="http://schemas.microsoft.com/office/drawing/2014/main" val="168178639"/>
+                        <a16:rowId xmlns:a16="http://schemas.microsoft.com/office/drawing/2014/main" xmlns="" val="168178639"/>
                       </a:ext>
                     </a:extLst>
                   </a:tr>
@@ -22578,7 +22584,7 @@
                           <m:endChr m:val="]"/>
                           <m:ctrlPr>
                             <a:rPr kumimoji="1" lang="en-US" altLang="zh-CN" b="0" i="1" smtClean="0">
-                              <a:latin typeface="Cambria Math" panose="02040503050406030204" pitchFamily="18" charset="0"/>
+                              <a:latin typeface="Cambria Math" charset="0"/>
                             </a:rPr>
                           </m:ctrlPr>
                         </m:dPr>
@@ -22589,7 +22595,7 @@
                               <m:endChr m:val=""/>
                               <m:ctrlPr>
                                 <a:rPr kumimoji="1" lang="en-US" altLang="zh-CN" b="0" i="1" smtClean="0">
-                                  <a:latin typeface="Cambria Math" panose="02040503050406030204" pitchFamily="18" charset="0"/>
+                                  <a:latin typeface="Cambria Math" charset="0"/>
                                 </a:rPr>
                               </m:ctrlPr>
                             </m:dPr>
@@ -22606,7 +22612,7 @@
                                   </m:mcs>
                                   <m:ctrlPr>
                                     <a:rPr kumimoji="1" lang="en-US" altLang="zh-CN" b="0" i="1" smtClean="0">
-                                      <a:latin typeface="Cambria Math" panose="02040503050406030204" pitchFamily="18" charset="0"/>
+                                      <a:latin typeface="Cambria Math" charset="0"/>
                                     </a:rPr>
                                   </m:ctrlPr>
                                 </m:mPr>
@@ -22784,7 +22790,7 @@
                           <m:endChr m:val="]"/>
                           <m:ctrlPr>
                             <a:rPr kumimoji="1" lang="en-US" altLang="zh-CN" b="0" i="1" smtClean="0">
-                              <a:latin typeface="Cambria Math" panose="02040503050406030204" pitchFamily="18" charset="0"/>
+                              <a:latin typeface="Cambria Math" charset="0"/>
                             </a:rPr>
                           </m:ctrlPr>
                         </m:dPr>
@@ -22795,7 +22801,7 @@
                               <m:endChr m:val=""/>
                               <m:ctrlPr>
                                 <a:rPr kumimoji="1" lang="en-US" altLang="zh-CN" b="0" i="1" smtClean="0">
-                                  <a:latin typeface="Cambria Math" panose="02040503050406030204" pitchFamily="18" charset="0"/>
+                                  <a:latin typeface="Cambria Math" charset="0"/>
                                 </a:rPr>
                               </m:ctrlPr>
                             </m:dPr>
@@ -22812,7 +22818,7 @@
                                   </m:mcs>
                                   <m:ctrlPr>
                                     <a:rPr kumimoji="1" lang="mr-IN" altLang="zh-CN" b="0" i="1" smtClean="0">
-                                      <a:latin typeface="Cambria Math" panose="02040503050406030204" pitchFamily="18" charset="0"/>
+                                      <a:latin typeface="Cambria Math" charset="0"/>
                                     </a:rPr>
                                   </m:ctrlPr>
                                 </m:mPr>
@@ -22958,7 +22964,7 @@
               <p:cNvPr id="10" name="文本框 9">
                 <a:extLst>
                   <a:ext uri="{FF2B5EF4-FFF2-40B4-BE49-F238E27FC236}">
-                    <a16:creationId xmlns:a16="http://schemas.microsoft.com/office/drawing/2014/main" id="{031AAC50-8456-46EE-9E8B-4EA08C80E6F1}"/>
+                    <a16:creationId xmlns:a16="http://schemas.microsoft.com/office/drawing/2014/main" xmlns="" id="{031AAC50-8456-46EE-9E8B-4EA08C80E6F1}"/>
                   </a:ext>
                 </a:extLst>
               </p:cNvPr>
@@ -23003,7 +23009,7 @@
                       <m:dPr>
                         <m:ctrlPr>
                           <a:rPr lang="en-US" altLang="zh-CN" b="0" i="1" smtClean="0">
-                            <a:latin typeface="Cambria Math" panose="02040503050406030204" pitchFamily="18" charset="0"/>
+                            <a:latin typeface="Cambria Math" charset="0"/>
                           </a:rPr>
                         </m:ctrlPr>
                       </m:dPr>
@@ -23020,7 +23026,7 @@
                             </m:mcs>
                             <m:ctrlPr>
                               <a:rPr lang="en-US" altLang="zh-CN" b="0" i="1" smtClean="0">
-                                <a:latin typeface="Cambria Math" panose="02040503050406030204" pitchFamily="18" charset="0"/>
+                                <a:latin typeface="Cambria Math" charset="0"/>
                               </a:rPr>
                             </m:ctrlPr>
                           </m:mPr>
@@ -23040,7 +23046,7 @@
                                 <m:sSubPr>
                                   <m:ctrlPr>
                                     <a:rPr lang="en-US" altLang="zh-CN" b="0" i="1" smtClean="0">
-                                      <a:latin typeface="Cambria Math" panose="02040503050406030204" pitchFamily="18" charset="0"/>
+                                      <a:latin typeface="Cambria Math" charset="0"/>
                                     </a:rPr>
                                   </m:ctrlPr>
                                 </m:sSubPr>
@@ -23069,7 +23075,7 @@
                                 <m:sSubPr>
                                   <m:ctrlPr>
                                     <a:rPr lang="en-US" altLang="zh-CN" b="0" i="1" smtClean="0">
-                                      <a:latin typeface="Cambria Math" panose="02040503050406030204" pitchFamily="18" charset="0"/>
+                                      <a:latin typeface="Cambria Math" charset="0"/>
                                     </a:rPr>
                                   </m:ctrlPr>
                                 </m:sSubPr>
@@ -23108,7 +23114,7 @@
                                 <m:sSubPr>
                                   <m:ctrlPr>
                                     <a:rPr lang="en-US" altLang="zh-CN" b="0" i="1" smtClean="0">
-                                      <a:latin typeface="Cambria Math" panose="02040503050406030204" pitchFamily="18" charset="0"/>
+                                      <a:latin typeface="Cambria Math" charset="0"/>
                                     </a:rPr>
                                   </m:ctrlPr>
                                 </m:sSubPr>
@@ -23150,7 +23156,7 @@
                       <m:sSupPr>
                         <m:ctrlPr>
                           <a:rPr lang="en-US" altLang="zh-CN" b="0" i="1" smtClean="0">
-                            <a:latin typeface="Cambria Math" panose="02040503050406030204" pitchFamily="18" charset="0"/>
+                            <a:latin typeface="Cambria Math" charset="0"/>
                           </a:rPr>
                         </m:ctrlPr>
                       </m:sSupPr>
@@ -23181,7 +23187,7 @@
                       <m:sSupPr>
                         <m:ctrlPr>
                           <a:rPr lang="en-US" altLang="zh-CN" b="0" i="1" smtClean="0">
-                            <a:latin typeface="Cambria Math" panose="02040503050406030204" pitchFamily="18" charset="0"/>
+                            <a:latin typeface="Cambria Math" charset="0"/>
                           </a:rPr>
                         </m:ctrlPr>
                       </m:sSupPr>
@@ -23190,7 +23196,7 @@
                           <m:dPr>
                             <m:ctrlPr>
                               <a:rPr lang="en-US" altLang="zh-CN" b="0" i="1" smtClean="0">
-                                <a:latin typeface="Cambria Math" panose="02040503050406030204" pitchFamily="18" charset="0"/>
+                                <a:latin typeface="Cambria Math" charset="0"/>
                               </a:rPr>
                             </m:ctrlPr>
                           </m:dPr>
@@ -23199,7 +23205,7 @@
                               <m:sSupPr>
                                 <m:ctrlPr>
                                   <a:rPr lang="en-US" altLang="zh-CN" b="0" i="1" smtClean="0">
-                                    <a:latin typeface="Cambria Math" panose="02040503050406030204" pitchFamily="18" charset="0"/>
+                                    <a:latin typeface="Cambria Math" charset="0"/>
                                   </a:rPr>
                                 </m:ctrlPr>
                               </m:sSupPr>
@@ -23242,7 +23248,7 @@
                       <m:sSupPr>
                         <m:ctrlPr>
                           <a:rPr lang="en-US" altLang="zh-CN" b="0" i="1" smtClean="0">
-                            <a:latin typeface="Cambria Math" panose="02040503050406030204" pitchFamily="18" charset="0"/>
+                            <a:latin typeface="Cambria Math" charset="0"/>
                           </a:rPr>
                         </m:ctrlPr>
                       </m:sSupPr>
@@ -23360,7 +23366,7 @@
           <p:cNvPr id="2" name="标题 1">
             <a:extLst>
               <a:ext uri="{FF2B5EF4-FFF2-40B4-BE49-F238E27FC236}">
-                <a16:creationId xmlns:a16="http://schemas.microsoft.com/office/drawing/2014/main" id="{B966BEC1-8E01-4033-9E8D-E80CDC45987C}"/>
+                <a16:creationId xmlns:a16="http://schemas.microsoft.com/office/drawing/2014/main" xmlns="" id="{B966BEC1-8E01-4033-9E8D-E80CDC45987C}"/>
               </a:ext>
             </a:extLst>
           </p:cNvPr>
@@ -23388,7 +23394,7 @@
           <p:cNvPr id="3" name="内容占位符 2">
             <a:extLst>
               <a:ext uri="{FF2B5EF4-FFF2-40B4-BE49-F238E27FC236}">
-                <a16:creationId xmlns:a16="http://schemas.microsoft.com/office/drawing/2014/main" id="{235A2F31-B29B-4AD3-8BEB-CC1A791AFB6A}"/>
+                <a16:creationId xmlns:a16="http://schemas.microsoft.com/office/drawing/2014/main" xmlns="" id="{235A2F31-B29B-4AD3-8BEB-CC1A791AFB6A}"/>
               </a:ext>
             </a:extLst>
           </p:cNvPr>
@@ -23413,7 +23419,7 @@
           <p:cNvPr id="4" name="日期占位符 3">
             <a:extLst>
               <a:ext uri="{FF2B5EF4-FFF2-40B4-BE49-F238E27FC236}">
-                <a16:creationId xmlns:a16="http://schemas.microsoft.com/office/drawing/2014/main" id="{B0221C10-1A7A-4DA3-B090-F84BC1BFFFE0}"/>
+                <a16:creationId xmlns:a16="http://schemas.microsoft.com/office/drawing/2014/main" xmlns="" id="{B0221C10-1A7A-4DA3-B090-F84BC1BFFFE0}"/>
               </a:ext>
             </a:extLst>
           </p:cNvPr>
@@ -23445,7 +23451,7 @@
           <p:cNvPr id="5" name="页脚占位符 4">
             <a:extLst>
               <a:ext uri="{FF2B5EF4-FFF2-40B4-BE49-F238E27FC236}">
-                <a16:creationId xmlns:a16="http://schemas.microsoft.com/office/drawing/2014/main" id="{2573D4B4-E892-44B3-A996-95CC5C962DDC}"/>
+                <a16:creationId xmlns:a16="http://schemas.microsoft.com/office/drawing/2014/main" xmlns="" id="{2573D4B4-E892-44B3-A996-95CC5C962DDC}"/>
               </a:ext>
             </a:extLst>
           </p:cNvPr>
@@ -23477,7 +23483,7 @@
           <p:cNvPr id="6" name="灯片编号占位符 5">
             <a:extLst>
               <a:ext uri="{FF2B5EF4-FFF2-40B4-BE49-F238E27FC236}">
-                <a16:creationId xmlns:a16="http://schemas.microsoft.com/office/drawing/2014/main" id="{CD7E5279-6EB8-4DAF-BEEF-B9DAAC2BC40B}"/>
+                <a16:creationId xmlns:a16="http://schemas.microsoft.com/office/drawing/2014/main" xmlns="" id="{CD7E5279-6EB8-4DAF-BEEF-B9DAAC2BC40B}"/>
               </a:ext>
             </a:extLst>
           </p:cNvPr>
@@ -23512,7 +23518,7 @@
           <p:cNvPr id="6146" name="Picture 2" descr="http://photocdn.sohu.com/20160119/mp55295281_1453182841488_2.jpeg">
             <a:extLst>
               <a:ext uri="{FF2B5EF4-FFF2-40B4-BE49-F238E27FC236}">
-                <a16:creationId xmlns:a16="http://schemas.microsoft.com/office/drawing/2014/main" id="{116E99F8-60AE-47AB-8FA5-7919F5F410F5}"/>
+                <a16:creationId xmlns:a16="http://schemas.microsoft.com/office/drawing/2014/main" xmlns="" id="{116E99F8-60AE-47AB-8FA5-7919F5F410F5}"/>
               </a:ext>
             </a:extLst>
           </p:cNvPr>
@@ -23589,7 +23595,7 @@
           <p:cNvPr id="2" name="标题 1">
             <a:extLst>
               <a:ext uri="{FF2B5EF4-FFF2-40B4-BE49-F238E27FC236}">
-                <a16:creationId xmlns:a16="http://schemas.microsoft.com/office/drawing/2014/main" id="{C761FBAE-E92E-4481-AF01-812B86CD582C}"/>
+                <a16:creationId xmlns:a16="http://schemas.microsoft.com/office/drawing/2014/main" xmlns="" id="{C761FBAE-E92E-4481-AF01-812B86CD582C}"/>
               </a:ext>
             </a:extLst>
           </p:cNvPr>
@@ -23617,7 +23623,7 @@
           <p:cNvPr id="3" name="内容占位符 2">
             <a:extLst>
               <a:ext uri="{FF2B5EF4-FFF2-40B4-BE49-F238E27FC236}">
-                <a16:creationId xmlns:a16="http://schemas.microsoft.com/office/drawing/2014/main" id="{167976FB-6BBE-4CBB-BCD6-DA29C635608B}"/>
+                <a16:creationId xmlns:a16="http://schemas.microsoft.com/office/drawing/2014/main" xmlns="" id="{167976FB-6BBE-4CBB-BCD6-DA29C635608B}"/>
               </a:ext>
             </a:extLst>
           </p:cNvPr>
@@ -23691,7 +23697,7 @@
           <p:cNvPr id="4" name="日期占位符 3">
             <a:extLst>
               <a:ext uri="{FF2B5EF4-FFF2-40B4-BE49-F238E27FC236}">
-                <a16:creationId xmlns:a16="http://schemas.microsoft.com/office/drawing/2014/main" id="{AC9E40C3-28D3-48EF-84FB-D4EEB39FA2AA}"/>
+                <a16:creationId xmlns:a16="http://schemas.microsoft.com/office/drawing/2014/main" xmlns="" id="{AC9E40C3-28D3-48EF-84FB-D4EEB39FA2AA}"/>
               </a:ext>
             </a:extLst>
           </p:cNvPr>
@@ -23723,7 +23729,7 @@
           <p:cNvPr id="5" name="页脚占位符 4">
             <a:extLst>
               <a:ext uri="{FF2B5EF4-FFF2-40B4-BE49-F238E27FC236}">
-                <a16:creationId xmlns:a16="http://schemas.microsoft.com/office/drawing/2014/main" id="{39460080-96B0-40B0-BE64-3BCE9BD248D2}"/>
+                <a16:creationId xmlns:a16="http://schemas.microsoft.com/office/drawing/2014/main" xmlns="" id="{39460080-96B0-40B0-BE64-3BCE9BD248D2}"/>
               </a:ext>
             </a:extLst>
           </p:cNvPr>
@@ -23755,7 +23761,7 @@
           <p:cNvPr id="6" name="灯片编号占位符 5">
             <a:extLst>
               <a:ext uri="{FF2B5EF4-FFF2-40B4-BE49-F238E27FC236}">
-                <a16:creationId xmlns:a16="http://schemas.microsoft.com/office/drawing/2014/main" id="{8BB15B7A-FC3B-4A75-85E6-2ED9971B4D96}"/>
+                <a16:creationId xmlns:a16="http://schemas.microsoft.com/office/drawing/2014/main" xmlns="" id="{8BB15B7A-FC3B-4A75-85E6-2ED9971B4D96}"/>
               </a:ext>
             </a:extLst>
           </p:cNvPr>
@@ -23820,7 +23826,7 @@
           <p:cNvPr id="2" name="标题 1">
             <a:extLst>
               <a:ext uri="{FF2B5EF4-FFF2-40B4-BE49-F238E27FC236}">
-                <a16:creationId xmlns:a16="http://schemas.microsoft.com/office/drawing/2014/main" id="{FADBC06B-92AF-4E39-8855-CB21008CC921}"/>
+                <a16:creationId xmlns:a16="http://schemas.microsoft.com/office/drawing/2014/main" xmlns="" id="{FADBC06B-92AF-4E39-8855-CB21008CC921}"/>
               </a:ext>
             </a:extLst>
           </p:cNvPr>
@@ -23848,7 +23854,7 @@
           <p:cNvPr id="3" name="内容占位符 2">
             <a:extLst>
               <a:ext uri="{FF2B5EF4-FFF2-40B4-BE49-F238E27FC236}">
-                <a16:creationId xmlns:a16="http://schemas.microsoft.com/office/drawing/2014/main" id="{8F92A80A-52CF-4943-9661-439610A98B3B}"/>
+                <a16:creationId xmlns:a16="http://schemas.microsoft.com/office/drawing/2014/main" xmlns="" id="{8F92A80A-52CF-4943-9661-439610A98B3B}"/>
               </a:ext>
             </a:extLst>
           </p:cNvPr>
@@ -23929,7 +23935,7 @@
           <p:cNvPr id="4" name="日期占位符 3">
             <a:extLst>
               <a:ext uri="{FF2B5EF4-FFF2-40B4-BE49-F238E27FC236}">
-                <a16:creationId xmlns:a16="http://schemas.microsoft.com/office/drawing/2014/main" id="{647C9ED1-12E8-4FB8-B644-F6B5E2D9D082}"/>
+                <a16:creationId xmlns:a16="http://schemas.microsoft.com/office/drawing/2014/main" xmlns="" id="{647C9ED1-12E8-4FB8-B644-F6B5E2D9D082}"/>
               </a:ext>
             </a:extLst>
           </p:cNvPr>
@@ -23961,7 +23967,7 @@
           <p:cNvPr id="5" name="页脚占位符 4">
             <a:extLst>
               <a:ext uri="{FF2B5EF4-FFF2-40B4-BE49-F238E27FC236}">
-                <a16:creationId xmlns:a16="http://schemas.microsoft.com/office/drawing/2014/main" id="{A3E2E536-FC9F-4A06-BADA-62DC6F657017}"/>
+                <a16:creationId xmlns:a16="http://schemas.microsoft.com/office/drawing/2014/main" xmlns="" id="{A3E2E536-FC9F-4A06-BADA-62DC6F657017}"/>
               </a:ext>
             </a:extLst>
           </p:cNvPr>
@@ -23993,7 +23999,7 @@
           <p:cNvPr id="6" name="灯片编号占位符 5">
             <a:extLst>
               <a:ext uri="{FF2B5EF4-FFF2-40B4-BE49-F238E27FC236}">
-                <a16:creationId xmlns:a16="http://schemas.microsoft.com/office/drawing/2014/main" id="{78E4560A-008F-40D2-86AC-411BC431E333}"/>
+                <a16:creationId xmlns:a16="http://schemas.microsoft.com/office/drawing/2014/main" xmlns="" id="{78E4560A-008F-40D2-86AC-411BC431E333}"/>
               </a:ext>
             </a:extLst>
           </p:cNvPr>
@@ -24292,7 +24298,7 @@
                 <a:gridCol w="1002602">
                   <a:extLst>
                     <a:ext uri="{9D8B030D-6E8A-4147-A177-3AD203B41FA5}">
-                      <a16:colId xmlns:a16="http://schemas.microsoft.com/office/drawing/2014/main" val="20000"/>
+                      <a16:colId xmlns:a16="http://schemas.microsoft.com/office/drawing/2014/main" xmlns="" val="20000"/>
                     </a:ext>
                   </a:extLst>
                 </a:gridCol>
@@ -24313,7 +24319,7 @@
                 </a:tc>
                 <a:extLst>
                   <a:ext uri="{0D108BD9-81ED-4DB2-BD59-A6C34878D82A}">
-                    <a16:rowId xmlns:a16="http://schemas.microsoft.com/office/drawing/2014/main" val="10000"/>
+                    <a16:rowId xmlns:a16="http://schemas.microsoft.com/office/drawing/2014/main" xmlns="" val="10000"/>
                   </a:ext>
                 </a:extLst>
               </a:tr>
@@ -24334,7 +24340,7 @@
                 </a:tc>
                 <a:extLst>
                   <a:ext uri="{0D108BD9-81ED-4DB2-BD59-A6C34878D82A}">
-                    <a16:rowId xmlns:a16="http://schemas.microsoft.com/office/drawing/2014/main" val="10001"/>
+                    <a16:rowId xmlns:a16="http://schemas.microsoft.com/office/drawing/2014/main" xmlns="" val="10001"/>
                   </a:ext>
                 </a:extLst>
               </a:tr>
@@ -24355,7 +24361,7 @@
                 </a:tc>
                 <a:extLst>
                   <a:ext uri="{0D108BD9-81ED-4DB2-BD59-A6C34878D82A}">
-                    <a16:rowId xmlns:a16="http://schemas.microsoft.com/office/drawing/2014/main" val="10002"/>
+                    <a16:rowId xmlns:a16="http://schemas.microsoft.com/office/drawing/2014/main" xmlns="" val="10002"/>
                   </a:ext>
                 </a:extLst>
               </a:tr>
@@ -24376,7 +24382,7 @@
                 </a:tc>
                 <a:extLst>
                   <a:ext uri="{0D108BD9-81ED-4DB2-BD59-A6C34878D82A}">
-                    <a16:rowId xmlns:a16="http://schemas.microsoft.com/office/drawing/2014/main" val="10003"/>
+                    <a16:rowId xmlns:a16="http://schemas.microsoft.com/office/drawing/2014/main" xmlns="" val="10003"/>
                   </a:ext>
                 </a:extLst>
               </a:tr>
@@ -24412,21 +24418,21 @@
                 <a:gridCol w="944917">
                   <a:extLst>
                     <a:ext uri="{9D8B030D-6E8A-4147-A177-3AD203B41FA5}">
-                      <a16:colId xmlns:a16="http://schemas.microsoft.com/office/drawing/2014/main" val="20000"/>
+                      <a16:colId xmlns:a16="http://schemas.microsoft.com/office/drawing/2014/main" xmlns="" val="20000"/>
                     </a:ext>
                   </a:extLst>
                 </a:gridCol>
                 <a:gridCol w="944917">
                   <a:extLst>
                     <a:ext uri="{9D8B030D-6E8A-4147-A177-3AD203B41FA5}">
-                      <a16:colId xmlns:a16="http://schemas.microsoft.com/office/drawing/2014/main" val="20001"/>
+                      <a16:colId xmlns:a16="http://schemas.microsoft.com/office/drawing/2014/main" xmlns="" val="20001"/>
                     </a:ext>
                   </a:extLst>
                 </a:gridCol>
                 <a:gridCol w="944917">
                   <a:extLst>
                     <a:ext uri="{9D8B030D-6E8A-4147-A177-3AD203B41FA5}">
-                      <a16:colId xmlns:a16="http://schemas.microsoft.com/office/drawing/2014/main" val="20002"/>
+                      <a16:colId xmlns:a16="http://schemas.microsoft.com/office/drawing/2014/main" xmlns="" val="20002"/>
                     </a:ext>
                   </a:extLst>
                 </a:gridCol>
@@ -24476,7 +24482,7 @@
                 </a:tc>
                 <a:extLst>
                   <a:ext uri="{0D108BD9-81ED-4DB2-BD59-A6C34878D82A}">
-                    <a16:rowId xmlns:a16="http://schemas.microsoft.com/office/drawing/2014/main" val="10000"/>
+                    <a16:rowId xmlns:a16="http://schemas.microsoft.com/office/drawing/2014/main" xmlns="" val="10000"/>
                   </a:ext>
                 </a:extLst>
               </a:tr>
@@ -24525,7 +24531,7 @@
                 </a:tc>
                 <a:extLst>
                   <a:ext uri="{0D108BD9-81ED-4DB2-BD59-A6C34878D82A}">
-                    <a16:rowId xmlns:a16="http://schemas.microsoft.com/office/drawing/2014/main" val="10001"/>
+                    <a16:rowId xmlns:a16="http://schemas.microsoft.com/office/drawing/2014/main" xmlns="" val="10001"/>
                   </a:ext>
                 </a:extLst>
               </a:tr>
@@ -24574,7 +24580,7 @@
                 </a:tc>
                 <a:extLst>
                   <a:ext uri="{0D108BD9-81ED-4DB2-BD59-A6C34878D82A}">
-                    <a16:rowId xmlns:a16="http://schemas.microsoft.com/office/drawing/2014/main" val="10002"/>
+                    <a16:rowId xmlns:a16="http://schemas.microsoft.com/office/drawing/2014/main" xmlns="" val="10002"/>
                   </a:ext>
                 </a:extLst>
               </a:tr>
@@ -24623,7 +24629,7 @@
                 </a:tc>
                 <a:extLst>
                   <a:ext uri="{0D108BD9-81ED-4DB2-BD59-A6C34878D82A}">
-                    <a16:rowId xmlns:a16="http://schemas.microsoft.com/office/drawing/2014/main" val="10003"/>
+                    <a16:rowId xmlns:a16="http://schemas.microsoft.com/office/drawing/2014/main" xmlns="" val="10003"/>
                   </a:ext>
                 </a:extLst>
               </a:tr>
@@ -24814,7 +24820,7 @@
                       <m:dPr>
                         <m:ctrlPr>
                           <a:rPr kumimoji="1" lang="en-US" altLang="zh-CN" b="0" i="1" dirty="0" smtClean="0">
-                            <a:latin typeface="Cambria Math" panose="02040503050406030204" pitchFamily="18" charset="0"/>
+                            <a:latin typeface="Cambria Math" charset="0"/>
                           </a:rPr>
                         </m:ctrlPr>
                       </m:dPr>
@@ -24842,7 +24848,7 @@
                             <m:chr m:val="̂"/>
                             <m:ctrlPr>
                               <a:rPr kumimoji="1" lang="en-US" altLang="zh-CN" b="0" i="1" dirty="0" smtClean="0">
-                                <a:latin typeface="Cambria Math" panose="02040503050406030204" pitchFamily="18" charset="0"/>
+                                <a:latin typeface="Cambria Math" charset="0"/>
                               </a:rPr>
                             </m:ctrlPr>
                           </m:accPr>
@@ -24867,7 +24873,7 @@
                       <m:fPr>
                         <m:ctrlPr>
                           <a:rPr kumimoji="1" lang="en-US" altLang="zh-CN" b="0" i="1" dirty="0" smtClean="0">
-                            <a:latin typeface="Cambria Math" panose="02040503050406030204" pitchFamily="18" charset="0"/>
+                            <a:latin typeface="Cambria Math" charset="0"/>
                           </a:rPr>
                         </m:ctrlPr>
                       </m:fPr>
@@ -24892,7 +24898,7 @@
                       <m:sSupPr>
                         <m:ctrlPr>
                           <a:rPr kumimoji="1" lang="en-US" altLang="zh-CN" b="0" i="1" dirty="0" smtClean="0">
-                            <a:latin typeface="Cambria Math" panose="02040503050406030204" pitchFamily="18" charset="0"/>
+                            <a:latin typeface="Cambria Math" charset="0"/>
                           </a:rPr>
                         </m:ctrlPr>
   